--- a/Images/Figures_PPT/Jitter_Plot_TOR_Domain.pptx
+++ b/Images/Figures_PPT/Jitter_Plot_TOR_Domain.pptx
@@ -2359,7 +2359,7 @@
           </p:nvSpPr>
           <p:spPr>
             <a:xfrm>
-              <a:off x="1459435" y="2898387"/>
+              <a:off x="1459435" y="2898340"/>
               <a:ext cx="2796732" cy="0"/>
             </a:xfrm>
             <a:custGeom>
@@ -2402,7 +2402,7 @@
           </p:nvSpPr>
           <p:spPr>
             <a:xfrm>
-              <a:off x="1459435" y="2558941"/>
+              <a:off x="1459435" y="2558902"/>
               <a:ext cx="2796732" cy="0"/>
             </a:xfrm>
             <a:custGeom>
@@ -2445,7 +2445,7 @@
           </p:nvSpPr>
           <p:spPr>
             <a:xfrm>
-              <a:off x="1459435" y="2219496"/>
+              <a:off x="1459435" y="2219464"/>
               <a:ext cx="2796732" cy="0"/>
             </a:xfrm>
             <a:custGeom>
@@ -2488,7 +2488,7 @@
           </p:nvSpPr>
           <p:spPr>
             <a:xfrm>
-              <a:off x="1459435" y="1880050"/>
+              <a:off x="1459435" y="1880026"/>
               <a:ext cx="2796732" cy="0"/>
             </a:xfrm>
             <a:custGeom>
@@ -2531,7 +2531,7 @@
           </p:nvSpPr>
           <p:spPr>
             <a:xfrm>
-              <a:off x="1459435" y="1540605"/>
+              <a:off x="1459435" y="1540588"/>
               <a:ext cx="2796732" cy="0"/>
             </a:xfrm>
             <a:custGeom>
@@ -2574,7 +2574,7 @@
           </p:nvSpPr>
           <p:spPr>
             <a:xfrm>
-              <a:off x="1459435" y="2728664"/>
+              <a:off x="1459435" y="2728621"/>
               <a:ext cx="2796732" cy="0"/>
             </a:xfrm>
             <a:custGeom>
@@ -2617,7 +2617,7 @@
           </p:nvSpPr>
           <p:spPr>
             <a:xfrm>
-              <a:off x="1459435" y="2389218"/>
+              <a:off x="1459435" y="2389183"/>
               <a:ext cx="2796732" cy="0"/>
             </a:xfrm>
             <a:custGeom>
@@ -2660,7 +2660,7 @@
           </p:nvSpPr>
           <p:spPr>
             <a:xfrm>
-              <a:off x="1459435" y="2049773"/>
+              <a:off x="1459435" y="2049745"/>
               <a:ext cx="2796732" cy="0"/>
             </a:xfrm>
             <a:custGeom>
@@ -2703,7 +2703,7 @@
           </p:nvSpPr>
           <p:spPr>
             <a:xfrm>
-              <a:off x="1459435" y="1710328"/>
+              <a:off x="1459435" y="1710307"/>
               <a:ext cx="2796732" cy="0"/>
             </a:xfrm>
             <a:custGeom>
@@ -2875,7 +2875,7 @@
           </p:nvSpPr>
           <p:spPr>
             <a:xfrm>
-              <a:off x="2905484" y="2881304"/>
+              <a:off x="3074228" y="2881242"/>
               <a:ext cx="63202" cy="63202"/>
             </a:xfrm>
             <a:custGeom>
@@ -2918,7 +2918,7 @@
           </p:nvSpPr>
           <p:spPr>
             <a:xfrm>
-              <a:off x="2285430" y="2152546"/>
+              <a:off x="1893777" y="2152492"/>
               <a:ext cx="63202" cy="63202"/>
             </a:xfrm>
             <a:custGeom>
@@ -2961,7 +2961,7 @@
           </p:nvSpPr>
           <p:spPr>
             <a:xfrm>
-              <a:off x="1821463" y="2400754"/>
+              <a:off x="2014042" y="2400686"/>
               <a:ext cx="63202" cy="63202"/>
             </a:xfrm>
             <a:custGeom>
@@ -3004,7 +3004,7 @@
           </p:nvSpPr>
           <p:spPr>
             <a:xfrm>
-              <a:off x="2971438" y="2878640"/>
+              <a:off x="2599614" y="2878613"/>
               <a:ext cx="63202" cy="63202"/>
             </a:xfrm>
             <a:custGeom>
@@ -3047,7 +3047,7 @@
           </p:nvSpPr>
           <p:spPr>
             <a:xfrm>
-              <a:off x="1998767" y="2697484"/>
+              <a:off x="1758180" y="2697442"/>
               <a:ext cx="63202" cy="63202"/>
             </a:xfrm>
             <a:custGeom>
@@ -3090,7 +3090,7 @@
           </p:nvSpPr>
           <p:spPr>
             <a:xfrm>
-              <a:off x="2154618" y="2733425"/>
+              <a:off x="2210978" y="2733424"/>
               <a:ext cx="63202" cy="63202"/>
             </a:xfrm>
             <a:custGeom>
@@ -3133,7 +3133,7 @@
           </p:nvSpPr>
           <p:spPr>
             <a:xfrm>
-              <a:off x="1702710" y="2063711"/>
+              <a:off x="2287608" y="2063719"/>
               <a:ext cx="63202" cy="63202"/>
             </a:xfrm>
             <a:custGeom>
@@ -3176,7 +3176,7 @@
           </p:nvSpPr>
           <p:spPr>
             <a:xfrm>
-              <a:off x="1750133" y="2292802"/>
+              <a:off x="2272406" y="2292753"/>
               <a:ext cx="63202" cy="63202"/>
             </a:xfrm>
             <a:custGeom>
@@ -3219,7 +3219,7 @@
           </p:nvSpPr>
           <p:spPr>
             <a:xfrm>
-              <a:off x="2120175" y="2542934"/>
+              <a:off x="1916126" y="2542934"/>
               <a:ext cx="63202" cy="63202"/>
             </a:xfrm>
             <a:custGeom>
@@ -3262,7 +3262,7 @@
           </p:nvSpPr>
           <p:spPr>
             <a:xfrm>
-              <a:off x="2165778" y="2250874"/>
+              <a:off x="2225280" y="2250858"/>
               <a:ext cx="63202" cy="63202"/>
             </a:xfrm>
             <a:custGeom>
@@ -3305,7 +3305,7 @@
           </p:nvSpPr>
           <p:spPr>
             <a:xfrm>
-              <a:off x="1787944" y="2720066"/>
+              <a:off x="1620523" y="2720046"/>
               <a:ext cx="63202" cy="63202"/>
             </a:xfrm>
             <a:custGeom>
@@ -3348,7 +3348,7 @@
           </p:nvSpPr>
           <p:spPr>
             <a:xfrm>
-              <a:off x="2659815" y="2923602"/>
+              <a:off x="2905126" y="2923535"/>
               <a:ext cx="63202" cy="63202"/>
             </a:xfrm>
             <a:custGeom>
@@ -3391,7 +3391,7 @@
           </p:nvSpPr>
           <p:spPr>
             <a:xfrm>
-              <a:off x="1673084" y="2292605"/>
+              <a:off x="1796782" y="2292523"/>
               <a:ext cx="63202" cy="63202"/>
             </a:xfrm>
             <a:custGeom>
@@ -3434,7 +3434,7 @@
           </p:nvSpPr>
           <p:spPr>
             <a:xfrm>
-              <a:off x="2197821" y="2732543"/>
+              <a:off x="1904029" y="2732522"/>
               <a:ext cx="63202" cy="63202"/>
             </a:xfrm>
             <a:custGeom>
@@ -3477,7 +3477,7 @@
           </p:nvSpPr>
           <p:spPr>
             <a:xfrm>
-              <a:off x="1848068" y="2574091"/>
+              <a:off x="1947247" y="2574051"/>
               <a:ext cx="63202" cy="63202"/>
             </a:xfrm>
             <a:custGeom>
@@ -3520,7 +3520,7 @@
           </p:nvSpPr>
           <p:spPr>
             <a:xfrm>
-              <a:off x="1655040" y="2542974"/>
+              <a:off x="2150766" y="2542923"/>
               <a:ext cx="63202" cy="63202"/>
             </a:xfrm>
             <a:custGeom>
@@ -3563,7 +3563,7 @@
           </p:nvSpPr>
           <p:spPr>
             <a:xfrm>
-              <a:off x="1669727" y="2734922"/>
+              <a:off x="1728786" y="2734924"/>
               <a:ext cx="63202" cy="63202"/>
             </a:xfrm>
             <a:custGeom>
@@ -3606,7 +3606,7 @@
           </p:nvSpPr>
           <p:spPr>
             <a:xfrm>
-              <a:off x="3125405" y="2914653"/>
+              <a:off x="3082011" y="2914617"/>
               <a:ext cx="63202" cy="63202"/>
             </a:xfrm>
             <a:custGeom>
@@ -3649,7 +3649,7 @@
           </p:nvSpPr>
           <p:spPr>
             <a:xfrm>
-              <a:off x="1985703" y="2811799"/>
+              <a:off x="2092934" y="2811736"/>
               <a:ext cx="63202" cy="63202"/>
             </a:xfrm>
             <a:custGeom>
@@ -3692,7 +3692,7 @@
           </p:nvSpPr>
           <p:spPr>
             <a:xfrm>
-              <a:off x="2183935" y="2250906"/>
+              <a:off x="1614397" y="2250862"/>
               <a:ext cx="63202" cy="63202"/>
             </a:xfrm>
             <a:custGeom>
@@ -3735,7 +3735,7 @@
           </p:nvSpPr>
           <p:spPr>
             <a:xfrm>
-              <a:off x="2030451" y="2531552"/>
+              <a:off x="2097222" y="2531512"/>
               <a:ext cx="63202" cy="63202"/>
             </a:xfrm>
             <a:custGeom>
@@ -3778,7 +3778,7 @@
           </p:nvSpPr>
           <p:spPr>
             <a:xfrm>
-              <a:off x="1906448" y="2736379"/>
+              <a:off x="1679408" y="2736352"/>
               <a:ext cx="63202" cy="63202"/>
             </a:xfrm>
             <a:custGeom>
@@ -3821,7 +3821,7 @@
           </p:nvSpPr>
           <p:spPr>
             <a:xfrm>
-              <a:off x="2102392" y="2293982"/>
+              <a:off x="1993082" y="2293945"/>
               <a:ext cx="63202" cy="63202"/>
             </a:xfrm>
             <a:custGeom>
@@ -3864,7 +3864,7 @@
           </p:nvSpPr>
           <p:spPr>
             <a:xfrm>
-              <a:off x="2197889" y="2752981"/>
+              <a:off x="1914290" y="2752978"/>
               <a:ext cx="63202" cy="63202"/>
             </a:xfrm>
             <a:custGeom>
@@ -3907,7 +3907,7 @@
           </p:nvSpPr>
           <p:spPr>
             <a:xfrm>
-              <a:off x="2233157" y="2675475"/>
+              <a:off x="2036866" y="2675434"/>
               <a:ext cx="63202" cy="63202"/>
             </a:xfrm>
             <a:custGeom>
@@ -3950,7 +3950,7 @@
           </p:nvSpPr>
           <p:spPr>
             <a:xfrm>
-              <a:off x="1874003" y="2542611"/>
+              <a:off x="2034447" y="2542552"/>
               <a:ext cx="63202" cy="63202"/>
             </a:xfrm>
             <a:custGeom>
@@ -3993,7 +3993,7 @@
           </p:nvSpPr>
           <p:spPr>
             <a:xfrm>
-              <a:off x="2277036" y="2543580"/>
+              <a:off x="1643797" y="2543547"/>
               <a:ext cx="63202" cy="63202"/>
             </a:xfrm>
             <a:custGeom>
@@ -4036,7 +4036,7 @@
           </p:nvSpPr>
           <p:spPr>
             <a:xfrm>
-              <a:off x="2157853" y="2543305"/>
+              <a:off x="2064028" y="2543244"/>
               <a:ext cx="63202" cy="63202"/>
             </a:xfrm>
             <a:custGeom>
@@ -4079,7 +4079,7 @@
           </p:nvSpPr>
           <p:spPr>
             <a:xfrm>
-              <a:off x="1921899" y="2543785"/>
+              <a:off x="2283061" y="2543710"/>
               <a:ext cx="63202" cy="63202"/>
             </a:xfrm>
             <a:custGeom>
@@ -4122,7 +4122,7 @@
           </p:nvSpPr>
           <p:spPr>
             <a:xfrm>
-              <a:off x="1867947" y="2541947"/>
+              <a:off x="1920584" y="2541884"/>
               <a:ext cx="63202" cy="63202"/>
             </a:xfrm>
             <a:custGeom>
@@ -4165,7 +4165,7 @@
           </p:nvSpPr>
           <p:spPr>
             <a:xfrm>
-              <a:off x="2251282" y="2543369"/>
+              <a:off x="1960339" y="2543335"/>
               <a:ext cx="63202" cy="63202"/>
             </a:xfrm>
             <a:custGeom>
@@ -4208,7 +4208,7 @@
           </p:nvSpPr>
           <p:spPr>
             <a:xfrm>
-              <a:off x="2205029" y="2541909"/>
+              <a:off x="2295738" y="2541881"/>
               <a:ext cx="63202" cy="63202"/>
             </a:xfrm>
             <a:custGeom>
@@ -4251,7 +4251,7 @@
           </p:nvSpPr>
           <p:spPr>
             <a:xfrm>
-              <a:off x="1671571" y="2541028"/>
+              <a:off x="2089845" y="2541015"/>
               <a:ext cx="63202" cy="63202"/>
             </a:xfrm>
             <a:custGeom>
@@ -4294,7 +4294,7 @@
           </p:nvSpPr>
           <p:spPr>
             <a:xfrm>
-              <a:off x="1922953" y="2542933"/>
+              <a:off x="1826493" y="2542909"/>
               <a:ext cx="63202" cy="63202"/>
             </a:xfrm>
             <a:custGeom>
@@ -4337,7 +4337,7 @@
           </p:nvSpPr>
           <p:spPr>
             <a:xfrm>
-              <a:off x="1985885" y="2819318"/>
+              <a:off x="1692263" y="2819301"/>
               <a:ext cx="63202" cy="63202"/>
             </a:xfrm>
             <a:custGeom>
@@ -4380,7 +4380,7 @@
           </p:nvSpPr>
           <p:spPr>
             <a:xfrm>
-              <a:off x="2927313" y="2845559"/>
+              <a:off x="2892615" y="2845498"/>
               <a:ext cx="63202" cy="63202"/>
             </a:xfrm>
             <a:custGeom>
@@ -4423,7 +4423,7 @@
           </p:nvSpPr>
           <p:spPr>
             <a:xfrm>
-              <a:off x="2726008" y="2890396"/>
+              <a:off x="2641688" y="2890377"/>
               <a:ext cx="63202" cy="63202"/>
             </a:xfrm>
             <a:custGeom>
@@ -4466,7 +4466,7 @@
           </p:nvSpPr>
           <p:spPr>
             <a:xfrm>
-              <a:off x="3952675" y="2946494"/>
+              <a:off x="3596357" y="2946445"/>
               <a:ext cx="63202" cy="63202"/>
             </a:xfrm>
             <a:custGeom>
@@ -4509,7 +4509,7 @@
           </p:nvSpPr>
           <p:spPr>
             <a:xfrm>
-              <a:off x="3040701" y="2910629"/>
+              <a:off x="2929670" y="2910571"/>
               <a:ext cx="63202" cy="63202"/>
             </a:xfrm>
             <a:custGeom>
@@ -4552,7 +4552,7 @@
           </p:nvSpPr>
           <p:spPr>
             <a:xfrm>
-              <a:off x="2587243" y="2866163"/>
+              <a:off x="2860446" y="2866155"/>
               <a:ext cx="63202" cy="63202"/>
             </a:xfrm>
             <a:custGeom>
@@ -4595,7 +4595,7 @@
           </p:nvSpPr>
           <p:spPr>
             <a:xfrm>
-              <a:off x="2643317" y="2920131"/>
+              <a:off x="2518526" y="2920125"/>
               <a:ext cx="63202" cy="63202"/>
             </a:xfrm>
             <a:custGeom>
@@ -4638,7 +4638,7 @@
           </p:nvSpPr>
           <p:spPr>
             <a:xfrm>
-              <a:off x="1774571" y="2235465"/>
+              <a:off x="2240781" y="2235467"/>
               <a:ext cx="63202" cy="63202"/>
             </a:xfrm>
             <a:custGeom>
@@ -4681,7 +4681,7 @@
           </p:nvSpPr>
           <p:spPr>
             <a:xfrm>
-              <a:off x="3070465" y="2840774"/>
+              <a:off x="2759562" y="2840716"/>
               <a:ext cx="63202" cy="63202"/>
             </a:xfrm>
             <a:custGeom>
@@ -4724,7 +4724,7 @@
           </p:nvSpPr>
           <p:spPr>
             <a:xfrm>
-              <a:off x="2013664" y="2805478"/>
+              <a:off x="2167937" y="2805447"/>
               <a:ext cx="63202" cy="63202"/>
             </a:xfrm>
             <a:custGeom>
@@ -4767,7 +4767,7 @@
           </p:nvSpPr>
           <p:spPr>
             <a:xfrm>
-              <a:off x="1656752" y="2368812"/>
+              <a:off x="1856057" y="2368758"/>
               <a:ext cx="63202" cy="63202"/>
             </a:xfrm>
             <a:custGeom>
@@ -4810,7 +4810,7 @@
           </p:nvSpPr>
           <p:spPr>
             <a:xfrm>
-              <a:off x="1769379" y="2735808"/>
+              <a:off x="1880932" y="2735772"/>
               <a:ext cx="63202" cy="63202"/>
             </a:xfrm>
             <a:custGeom>
@@ -4853,7 +4853,7 @@
           </p:nvSpPr>
           <p:spPr>
             <a:xfrm>
-              <a:off x="1830473" y="2726433"/>
+              <a:off x="2263136" y="2726432"/>
               <a:ext cx="63202" cy="63202"/>
             </a:xfrm>
             <a:custGeom>
@@ -4896,7 +4896,7 @@
           </p:nvSpPr>
           <p:spPr>
             <a:xfrm>
-              <a:off x="2129480" y="2740776"/>
+              <a:off x="1630482" y="2740724"/>
               <a:ext cx="63202" cy="63202"/>
             </a:xfrm>
             <a:custGeom>
@@ -4939,7 +4939,7 @@
           </p:nvSpPr>
           <p:spPr>
             <a:xfrm>
-              <a:off x="1883200" y="2735216"/>
+              <a:off x="1676165" y="2735172"/>
               <a:ext cx="63202" cy="63202"/>
             </a:xfrm>
             <a:custGeom>
@@ -4982,7 +4982,7 @@
           </p:nvSpPr>
           <p:spPr>
             <a:xfrm>
-              <a:off x="1862550" y="2817081"/>
+              <a:off x="1956492" y="2817066"/>
               <a:ext cx="63202" cy="63202"/>
             </a:xfrm>
             <a:custGeom>
@@ -5025,7 +5025,7 @@
           </p:nvSpPr>
           <p:spPr>
             <a:xfrm>
-              <a:off x="1946436" y="2504055"/>
+              <a:off x="1870777" y="2503993"/>
               <a:ext cx="63202" cy="63202"/>
             </a:xfrm>
             <a:custGeom>
@@ -5068,7 +5068,7 @@
           </p:nvSpPr>
           <p:spPr>
             <a:xfrm>
-              <a:off x="2248299" y="2482617"/>
+              <a:off x="1834972" y="2482544"/>
               <a:ext cx="63202" cy="63202"/>
             </a:xfrm>
             <a:custGeom>
@@ -5111,7 +5111,7 @@
           </p:nvSpPr>
           <p:spPr>
             <a:xfrm>
-              <a:off x="2015817" y="2818376"/>
+              <a:off x="2041410" y="2818351"/>
               <a:ext cx="63202" cy="63202"/>
             </a:xfrm>
             <a:custGeom>
@@ -5154,7 +5154,7 @@
           </p:nvSpPr>
           <p:spPr>
             <a:xfrm>
-              <a:off x="3139334" y="2930342"/>
+              <a:off x="2535639" y="2930264"/>
               <a:ext cx="63202" cy="63202"/>
             </a:xfrm>
             <a:custGeom>
@@ -5197,7 +5197,7 @@
           </p:nvSpPr>
           <p:spPr>
             <a:xfrm>
-              <a:off x="2191693" y="2730455"/>
+              <a:off x="1816087" y="2730427"/>
               <a:ext cx="63202" cy="63202"/>
             </a:xfrm>
             <a:custGeom>
@@ -5240,7 +5240,7 @@
           </p:nvSpPr>
           <p:spPr>
             <a:xfrm>
-              <a:off x="1970114" y="2734885"/>
+              <a:off x="2183247" y="2734854"/>
               <a:ext cx="63202" cy="63202"/>
             </a:xfrm>
             <a:custGeom>
@@ -5283,7 +5283,7 @@
           </p:nvSpPr>
           <p:spPr>
             <a:xfrm>
-              <a:off x="2157345" y="2737612"/>
+              <a:off x="2158138" y="2737525"/>
               <a:ext cx="63202" cy="63202"/>
             </a:xfrm>
             <a:custGeom>
@@ -5326,7 +5326,7 @@
           </p:nvSpPr>
           <p:spPr>
             <a:xfrm>
-              <a:off x="2286539" y="2735715"/>
+              <a:off x="1602910" y="2735644"/>
               <a:ext cx="63202" cy="63202"/>
             </a:xfrm>
             <a:custGeom>
@@ -5369,7 +5369,7 @@
           </p:nvSpPr>
           <p:spPr>
             <a:xfrm>
-              <a:off x="2230094" y="2554568"/>
+              <a:off x="1718418" y="2554528"/>
               <a:ext cx="63202" cy="63202"/>
             </a:xfrm>
             <a:custGeom>
@@ -5412,7 +5412,7 @@
           </p:nvSpPr>
           <p:spPr>
             <a:xfrm>
-              <a:off x="1643777" y="2250874"/>
+              <a:off x="1681653" y="2250872"/>
               <a:ext cx="63202" cy="63202"/>
             </a:xfrm>
             <a:custGeom>
@@ -5455,7 +5455,7 @@
           </p:nvSpPr>
           <p:spPr>
             <a:xfrm>
-              <a:off x="2219703" y="2236295"/>
+              <a:off x="2033870" y="2236281"/>
               <a:ext cx="63202" cy="63202"/>
             </a:xfrm>
             <a:custGeom>
@@ -5498,7 +5498,7 @@
           </p:nvSpPr>
           <p:spPr>
             <a:xfrm>
-              <a:off x="1648199" y="2715516"/>
+              <a:off x="2138957" y="2715483"/>
               <a:ext cx="63202" cy="63202"/>
             </a:xfrm>
             <a:custGeom>
@@ -5541,7 +5541,7 @@
           </p:nvSpPr>
           <p:spPr>
             <a:xfrm>
-              <a:off x="3039937" y="2878820"/>
+              <a:off x="3113998" y="2878734"/>
               <a:ext cx="63202" cy="63202"/>
             </a:xfrm>
             <a:custGeom>
@@ -5584,7 +5584,7 @@
           </p:nvSpPr>
           <p:spPr>
             <a:xfrm>
-              <a:off x="3142201" y="2866558"/>
+              <a:off x="2541146" y="2866555"/>
               <a:ext cx="63202" cy="63202"/>
             </a:xfrm>
             <a:custGeom>
@@ -5627,7 +5627,7 @@
           </p:nvSpPr>
           <p:spPr>
             <a:xfrm>
-              <a:off x="1857515" y="2809201"/>
+              <a:off x="1751848" y="2809174"/>
               <a:ext cx="63202" cy="63202"/>
             </a:xfrm>
             <a:custGeom>
@@ -5670,7 +5670,7 @@
           </p:nvSpPr>
           <p:spPr>
             <a:xfrm>
-              <a:off x="1782216" y="2711405"/>
+              <a:off x="1812735" y="2711363"/>
               <a:ext cx="63202" cy="63202"/>
             </a:xfrm>
             <a:custGeom>
@@ -5713,7 +5713,7 @@
           </p:nvSpPr>
           <p:spPr>
             <a:xfrm>
-              <a:off x="1855341" y="2798568"/>
+              <a:off x="2029265" y="2798520"/>
               <a:ext cx="63202" cy="63202"/>
             </a:xfrm>
             <a:custGeom>
@@ -5756,7 +5756,7 @@
           </p:nvSpPr>
           <p:spPr>
             <a:xfrm>
-              <a:off x="1805010" y="2808616"/>
+              <a:off x="2299042" y="2808557"/>
               <a:ext cx="63202" cy="63202"/>
             </a:xfrm>
             <a:custGeom>
@@ -5799,7 +5799,7 @@
           </p:nvSpPr>
           <p:spPr>
             <a:xfrm>
-              <a:off x="1709442" y="2736390"/>
+              <a:off x="1775066" y="2736310"/>
               <a:ext cx="63202" cy="63202"/>
             </a:xfrm>
             <a:custGeom>
@@ -5842,7 +5842,7 @@
           </p:nvSpPr>
           <p:spPr>
             <a:xfrm>
-              <a:off x="1742909" y="2739573"/>
+              <a:off x="2233221" y="2739540"/>
               <a:ext cx="63202" cy="63202"/>
             </a:xfrm>
             <a:custGeom>
@@ -5885,7 +5885,7 @@
           </p:nvSpPr>
           <p:spPr>
             <a:xfrm>
-              <a:off x="2877099" y="2835036"/>
+              <a:off x="3147163" y="2834947"/>
               <a:ext cx="63202" cy="63202"/>
             </a:xfrm>
             <a:custGeom>
@@ -5928,7 +5928,7 @@
           </p:nvSpPr>
           <p:spPr>
             <a:xfrm>
-              <a:off x="1859027" y="2230682"/>
+              <a:off x="2080082" y="2230631"/>
               <a:ext cx="63202" cy="63202"/>
             </a:xfrm>
             <a:custGeom>
@@ -5971,7 +5971,7 @@
           </p:nvSpPr>
           <p:spPr>
             <a:xfrm>
-              <a:off x="1749337" y="2232968"/>
+              <a:off x="2273793" y="2232920"/>
               <a:ext cx="63202" cy="63202"/>
             </a:xfrm>
             <a:custGeom>
@@ -6014,7 +6014,7 @@
           </p:nvSpPr>
           <p:spPr>
             <a:xfrm>
-              <a:off x="2090438" y="2237105"/>
+              <a:off x="2125248" y="2237093"/>
               <a:ext cx="63202" cy="63202"/>
             </a:xfrm>
             <a:custGeom>
@@ -6057,7 +6057,7 @@
           </p:nvSpPr>
           <p:spPr>
             <a:xfrm>
-              <a:off x="1728703" y="2747594"/>
+              <a:off x="2005019" y="2747521"/>
               <a:ext cx="63202" cy="63202"/>
             </a:xfrm>
             <a:custGeom>
@@ -6100,7 +6100,7 @@
           </p:nvSpPr>
           <p:spPr>
             <a:xfrm>
-              <a:off x="2088489" y="2749062"/>
+              <a:off x="1814670" y="2748997"/>
               <a:ext cx="63202" cy="63202"/>
             </a:xfrm>
             <a:custGeom>
@@ -6143,7 +6143,7 @@
           </p:nvSpPr>
           <p:spPr>
             <a:xfrm>
-              <a:off x="2233582" y="2509100"/>
+              <a:off x="2005460" y="2509052"/>
               <a:ext cx="63202" cy="63202"/>
             </a:xfrm>
             <a:custGeom>
@@ -6186,7 +6186,7 @@
           </p:nvSpPr>
           <p:spPr>
             <a:xfrm>
-              <a:off x="1825228" y="2786138"/>
+              <a:off x="1952860" y="2786067"/>
               <a:ext cx="63202" cy="63202"/>
             </a:xfrm>
             <a:custGeom>
@@ -6229,7 +6229,7 @@
           </p:nvSpPr>
           <p:spPr>
             <a:xfrm>
-              <a:off x="1711661" y="2270578"/>
+              <a:off x="1934797" y="2270569"/>
               <a:ext cx="63202" cy="63202"/>
             </a:xfrm>
             <a:custGeom>
@@ -6272,7 +6272,7 @@
           </p:nvSpPr>
           <p:spPr>
             <a:xfrm>
-              <a:off x="1853691" y="2763312"/>
+              <a:off x="2044423" y="2763293"/>
               <a:ext cx="63202" cy="63202"/>
             </a:xfrm>
             <a:custGeom>
@@ -6315,7 +6315,7 @@
           </p:nvSpPr>
           <p:spPr>
             <a:xfrm>
-              <a:off x="2198449" y="2641816"/>
+              <a:off x="1645257" y="2641757"/>
               <a:ext cx="63202" cy="63202"/>
             </a:xfrm>
             <a:custGeom>
@@ -6358,7 +6358,7 @@
           </p:nvSpPr>
           <p:spPr>
             <a:xfrm>
-              <a:off x="2274500" y="2728831"/>
+              <a:off x="1995923" y="2728804"/>
               <a:ext cx="63202" cy="63202"/>
             </a:xfrm>
             <a:custGeom>
@@ -6401,7 +6401,7 @@
           </p:nvSpPr>
           <p:spPr>
             <a:xfrm>
-              <a:off x="2185119" y="2236748"/>
+              <a:off x="1649696" y="2236732"/>
               <a:ext cx="63202" cy="63202"/>
             </a:xfrm>
             <a:custGeom>
@@ -6500,7 +6500,7 @@
           </p:nvSpPr>
           <p:spPr>
             <a:xfrm>
-              <a:off x="1459435" y="4823719"/>
+              <a:off x="1459435" y="4823673"/>
               <a:ext cx="2796732" cy="0"/>
             </a:xfrm>
             <a:custGeom>
@@ -6543,7 +6543,7 @@
           </p:nvSpPr>
           <p:spPr>
             <a:xfrm>
-              <a:off x="1459435" y="4484274"/>
+              <a:off x="1459435" y="4484235"/>
               <a:ext cx="2796732" cy="0"/>
             </a:xfrm>
             <a:custGeom>
@@ -6586,7 +6586,7 @@
           </p:nvSpPr>
           <p:spPr>
             <a:xfrm>
-              <a:off x="1459435" y="4144828"/>
+              <a:off x="1459435" y="4144797"/>
               <a:ext cx="2796732" cy="0"/>
             </a:xfrm>
             <a:custGeom>
@@ -6629,7 +6629,7 @@
           </p:nvSpPr>
           <p:spPr>
             <a:xfrm>
-              <a:off x="1459435" y="3805383"/>
+              <a:off x="1459435" y="3805358"/>
               <a:ext cx="2796732" cy="0"/>
             </a:xfrm>
             <a:custGeom>
@@ -6672,7 +6672,7 @@
           </p:nvSpPr>
           <p:spPr>
             <a:xfrm>
-              <a:off x="1459435" y="3465938"/>
+              <a:off x="1459435" y="3465920"/>
               <a:ext cx="2796732" cy="0"/>
             </a:xfrm>
             <a:custGeom>
@@ -6715,7 +6715,7 @@
           </p:nvSpPr>
           <p:spPr>
             <a:xfrm>
-              <a:off x="1459435" y="4653996"/>
+              <a:off x="1459435" y="4653954"/>
               <a:ext cx="2796732" cy="0"/>
             </a:xfrm>
             <a:custGeom>
@@ -6758,7 +6758,7 @@
           </p:nvSpPr>
           <p:spPr>
             <a:xfrm>
-              <a:off x="1459435" y="4314551"/>
+              <a:off x="1459435" y="4314516"/>
               <a:ext cx="2796732" cy="0"/>
             </a:xfrm>
             <a:custGeom>
@@ -6801,7 +6801,7 @@
           </p:nvSpPr>
           <p:spPr>
             <a:xfrm>
-              <a:off x="1459435" y="3975106"/>
+              <a:off x="1459435" y="3975078"/>
               <a:ext cx="2796732" cy="0"/>
             </a:xfrm>
             <a:custGeom>
@@ -6844,7 +6844,7 @@
           </p:nvSpPr>
           <p:spPr>
             <a:xfrm>
-              <a:off x="1459435" y="3635660"/>
+              <a:off x="1459435" y="3635639"/>
               <a:ext cx="2796732" cy="0"/>
             </a:xfrm>
             <a:custGeom>
@@ -7016,7 +7016,7 @@
           </p:nvSpPr>
           <p:spPr>
             <a:xfrm>
-              <a:off x="1929396" y="4329904"/>
+              <a:off x="1931734" y="4329876"/>
               <a:ext cx="63202" cy="63202"/>
             </a:xfrm>
             <a:custGeom>
@@ -7059,7 +7059,7 @@
           </p:nvSpPr>
           <p:spPr>
             <a:xfrm>
-              <a:off x="1787127" y="4476155"/>
+              <a:off x="2082858" y="4476120"/>
               <a:ext cx="63202" cy="63202"/>
             </a:xfrm>
             <a:custGeom>
@@ -7102,7 +7102,7 @@
           </p:nvSpPr>
           <p:spPr>
             <a:xfrm>
-              <a:off x="1762308" y="4328165"/>
+              <a:off x="1934814" y="4328122"/>
               <a:ext cx="63202" cy="63202"/>
             </a:xfrm>
             <a:custGeom>
@@ -7145,7 +7145,7 @@
           </p:nvSpPr>
           <p:spPr>
             <a:xfrm>
-              <a:off x="2037768" y="4339145"/>
+              <a:off x="1643961" y="4339109"/>
               <a:ext cx="63202" cy="63202"/>
             </a:xfrm>
             <a:custGeom>
@@ -7188,7 +7188,7 @@
           </p:nvSpPr>
           <p:spPr>
             <a:xfrm>
-              <a:off x="2198936" y="4332322"/>
+              <a:off x="2293823" y="4332285"/>
               <a:ext cx="63202" cy="63202"/>
             </a:xfrm>
             <a:custGeom>
@@ -7231,7 +7231,7 @@
           </p:nvSpPr>
           <p:spPr>
             <a:xfrm>
-              <a:off x="2275244" y="4541380"/>
+              <a:off x="2128325" y="4541338"/>
               <a:ext cx="63202" cy="63202"/>
             </a:xfrm>
             <a:custGeom>
@@ -7274,7 +7274,7 @@
           </p:nvSpPr>
           <p:spPr>
             <a:xfrm>
-              <a:off x="1978959" y="4394447"/>
+              <a:off x="1841029" y="4394386"/>
               <a:ext cx="63202" cy="63202"/>
             </a:xfrm>
             <a:custGeom>
@@ -7317,7 +7317,7 @@
           </p:nvSpPr>
           <p:spPr>
             <a:xfrm>
-              <a:off x="1732869" y="4425882"/>
+              <a:off x="2073876" y="4425838"/>
               <a:ext cx="63202" cy="63202"/>
             </a:xfrm>
             <a:custGeom>
@@ -7360,7 +7360,7 @@
           </p:nvSpPr>
           <p:spPr>
             <a:xfrm>
-              <a:off x="2199889" y="4492346"/>
+              <a:off x="2106479" y="4492276"/>
               <a:ext cx="63202" cy="63202"/>
             </a:xfrm>
             <a:custGeom>
@@ -7403,7 +7403,7 @@
           </p:nvSpPr>
           <p:spPr>
             <a:xfrm>
-              <a:off x="2090289" y="4423672"/>
+              <a:off x="1637904" y="4423637"/>
               <a:ext cx="63202" cy="63202"/>
             </a:xfrm>
             <a:custGeom>
@@ -7446,7 +7446,7 @@
           </p:nvSpPr>
           <p:spPr>
             <a:xfrm>
-              <a:off x="2043033" y="4413165"/>
+              <a:off x="1993755" y="4413134"/>
               <a:ext cx="63202" cy="63202"/>
             </a:xfrm>
             <a:custGeom>
@@ -7489,7 +7489,7 @@
           </p:nvSpPr>
           <p:spPr>
             <a:xfrm>
-              <a:off x="2066868" y="4609370"/>
+              <a:off x="2000479" y="4609294"/>
               <a:ext cx="63202" cy="63202"/>
             </a:xfrm>
             <a:custGeom>
@@ -7532,7 +7532,7 @@
           </p:nvSpPr>
           <p:spPr>
             <a:xfrm>
-              <a:off x="1675321" y="4189290"/>
+              <a:off x="1984844" y="4189217"/>
               <a:ext cx="63202" cy="63202"/>
             </a:xfrm>
             <a:custGeom>
@@ -7575,7 +7575,7 @@
           </p:nvSpPr>
           <p:spPr>
             <a:xfrm>
-              <a:off x="1858235" y="4508536"/>
+              <a:off x="1690768" y="4508493"/>
               <a:ext cx="63202" cy="63202"/>
             </a:xfrm>
             <a:custGeom>
@@ -7618,7 +7618,7 @@
           </p:nvSpPr>
           <p:spPr>
             <a:xfrm>
-              <a:off x="2101051" y="4577992"/>
+              <a:off x="1781868" y="4577963"/>
               <a:ext cx="63202" cy="63202"/>
             </a:xfrm>
             <a:custGeom>
@@ -7661,7 +7661,7 @@
           </p:nvSpPr>
           <p:spPr>
             <a:xfrm>
-              <a:off x="1818036" y="4086804"/>
+              <a:off x="2261702" y="4086810"/>
               <a:ext cx="63202" cy="63202"/>
             </a:xfrm>
             <a:custGeom>
@@ -7704,7 +7704,7 @@
           </p:nvSpPr>
           <p:spPr>
             <a:xfrm>
-              <a:off x="2068933" y="4481959"/>
+              <a:off x="1634277" y="4481914"/>
               <a:ext cx="63202" cy="63202"/>
             </a:xfrm>
             <a:custGeom>
@@ -7747,7 +7747,7 @@
           </p:nvSpPr>
           <p:spPr>
             <a:xfrm>
-              <a:off x="1712386" y="4147861"/>
+              <a:off x="2068500" y="4147823"/>
               <a:ext cx="63202" cy="63202"/>
             </a:xfrm>
             <a:custGeom>
@@ -7790,7 +7790,7 @@
           </p:nvSpPr>
           <p:spPr>
             <a:xfrm>
-              <a:off x="1702960" y="4491499"/>
+              <a:off x="2249562" y="4491442"/>
               <a:ext cx="63202" cy="63202"/>
             </a:xfrm>
             <a:custGeom>
@@ -7833,7 +7833,7 @@
           </p:nvSpPr>
           <p:spPr>
             <a:xfrm>
-              <a:off x="1874777" y="4492407"/>
+              <a:off x="1628575" y="4492337"/>
               <a:ext cx="63202" cy="63202"/>
             </a:xfrm>
             <a:custGeom>
@@ -7876,7 +7876,7 @@
           </p:nvSpPr>
           <p:spPr>
             <a:xfrm>
-              <a:off x="1755218" y="4368084"/>
+              <a:off x="1702462" y="4368063"/>
               <a:ext cx="63202" cy="63202"/>
             </a:xfrm>
             <a:custGeom>
@@ -7919,7 +7919,7 @@
           </p:nvSpPr>
           <p:spPr>
             <a:xfrm>
-              <a:off x="2208984" y="4418397"/>
+              <a:off x="1740458" y="4418376"/>
               <a:ext cx="63202" cy="63202"/>
             </a:xfrm>
             <a:custGeom>
@@ -8018,7 +8018,7 @@
           </p:nvSpPr>
           <p:spPr>
             <a:xfrm>
-              <a:off x="1459435" y="6749052"/>
+              <a:off x="1459435" y="6749006"/>
               <a:ext cx="2796732" cy="0"/>
             </a:xfrm>
             <a:custGeom>
@@ -8061,7 +8061,7 @@
           </p:nvSpPr>
           <p:spPr>
             <a:xfrm>
-              <a:off x="1459435" y="6409606"/>
+              <a:off x="1459435" y="6409567"/>
               <a:ext cx="2796732" cy="0"/>
             </a:xfrm>
             <a:custGeom>
@@ -8104,7 +8104,7 @@
           </p:nvSpPr>
           <p:spPr>
             <a:xfrm>
-              <a:off x="1459435" y="6070161"/>
+              <a:off x="1459435" y="6070129"/>
               <a:ext cx="2796732" cy="0"/>
             </a:xfrm>
             <a:custGeom>
@@ -8147,7 +8147,7 @@
           </p:nvSpPr>
           <p:spPr>
             <a:xfrm>
-              <a:off x="1459435" y="5730716"/>
+              <a:off x="1459435" y="5730691"/>
               <a:ext cx="2796732" cy="0"/>
             </a:xfrm>
             <a:custGeom>
@@ -8190,7 +8190,7 @@
           </p:nvSpPr>
           <p:spPr>
             <a:xfrm>
-              <a:off x="1459435" y="5391270"/>
+              <a:off x="1459435" y="5391253"/>
               <a:ext cx="2796732" cy="0"/>
             </a:xfrm>
             <a:custGeom>
@@ -8233,7 +8233,7 @@
           </p:nvSpPr>
           <p:spPr>
             <a:xfrm>
-              <a:off x="1459435" y="6579329"/>
+              <a:off x="1459435" y="6579287"/>
               <a:ext cx="2796732" cy="0"/>
             </a:xfrm>
             <a:custGeom>
@@ -8276,7 +8276,7 @@
           </p:nvSpPr>
           <p:spPr>
             <a:xfrm>
-              <a:off x="1459435" y="6239884"/>
+              <a:off x="1459435" y="6239848"/>
               <a:ext cx="2796732" cy="0"/>
             </a:xfrm>
             <a:custGeom>
@@ -8319,7 +8319,7 @@
           </p:nvSpPr>
           <p:spPr>
             <a:xfrm>
-              <a:off x="1459435" y="5900438"/>
+              <a:off x="1459435" y="5900410"/>
               <a:ext cx="2796732" cy="0"/>
             </a:xfrm>
             <a:custGeom>
@@ -8362,7 +8362,7 @@
           </p:nvSpPr>
           <p:spPr>
             <a:xfrm>
-              <a:off x="1459435" y="5560993"/>
+              <a:off x="1459435" y="5560972"/>
               <a:ext cx="2796732" cy="0"/>
             </a:xfrm>
             <a:custGeom>
@@ -8534,7 +8534,7 @@
           </p:nvSpPr>
           <p:spPr>
             <a:xfrm>
-              <a:off x="1697047" y="5532578"/>
+              <a:off x="2035958" y="5532588"/>
               <a:ext cx="63202" cy="63202"/>
             </a:xfrm>
             <a:custGeom>
@@ -8577,7 +8577,7 @@
           </p:nvSpPr>
           <p:spPr>
             <a:xfrm>
-              <a:off x="1885895" y="5559182"/>
+              <a:off x="2242601" y="5559179"/>
               <a:ext cx="63202" cy="63202"/>
             </a:xfrm>
             <a:custGeom>
@@ -8620,7 +8620,7 @@
           </p:nvSpPr>
           <p:spPr>
             <a:xfrm>
-              <a:off x="2181587" y="5486974"/>
+              <a:off x="1736233" y="5486942"/>
               <a:ext cx="63202" cy="63202"/>
             </a:xfrm>
             <a:custGeom>
@@ -8663,7 +8663,7 @@
           </p:nvSpPr>
           <p:spPr>
             <a:xfrm>
-              <a:off x="2233659" y="6103039"/>
+              <a:off x="1930085" y="6103037"/>
               <a:ext cx="63202" cy="63202"/>
             </a:xfrm>
             <a:custGeom>
@@ -8706,7 +8706,7 @@
           </p:nvSpPr>
           <p:spPr>
             <a:xfrm>
-              <a:off x="1629253" y="5991563"/>
+              <a:off x="2216954" y="5991575"/>
               <a:ext cx="63202" cy="63202"/>
             </a:xfrm>
             <a:custGeom>
@@ -8749,7 +8749,7 @@
           </p:nvSpPr>
           <p:spPr>
             <a:xfrm>
-              <a:off x="1885368" y="6021934"/>
+              <a:off x="1673654" y="6021876"/>
               <a:ext cx="63202" cy="63202"/>
             </a:xfrm>
             <a:custGeom>
@@ -8792,7 +8792,7 @@
           </p:nvSpPr>
           <p:spPr>
             <a:xfrm>
-              <a:off x="2001854" y="5889622"/>
+              <a:off x="2131549" y="5889588"/>
               <a:ext cx="63202" cy="63202"/>
             </a:xfrm>
             <a:custGeom>
@@ -8835,7 +8835,7 @@
           </p:nvSpPr>
           <p:spPr>
             <a:xfrm>
-              <a:off x="1792449" y="5865349"/>
+              <a:off x="1718779" y="5865338"/>
               <a:ext cx="63202" cy="63202"/>
             </a:xfrm>
             <a:custGeom>
@@ -8878,7 +8878,7 @@
           </p:nvSpPr>
           <p:spPr>
             <a:xfrm>
-              <a:off x="2292110" y="6374479"/>
+              <a:off x="2000800" y="6374419"/>
               <a:ext cx="63202" cy="63202"/>
             </a:xfrm>
             <a:custGeom>
@@ -8921,7 +8921,7 @@
           </p:nvSpPr>
           <p:spPr>
             <a:xfrm>
-              <a:off x="2113397" y="6368424"/>
+              <a:off x="2283939" y="6368382"/>
               <a:ext cx="63202" cy="63202"/>
             </a:xfrm>
             <a:custGeom>
@@ -8964,7 +8964,7 @@
           </p:nvSpPr>
           <p:spPr>
             <a:xfrm>
-              <a:off x="1747699" y="6029873"/>
+              <a:off x="2256038" y="6029860"/>
               <a:ext cx="63202" cy="63202"/>
             </a:xfrm>
             <a:custGeom>
@@ -9007,7 +9007,7 @@
           </p:nvSpPr>
           <p:spPr>
             <a:xfrm>
-              <a:off x="1908481" y="6165909"/>
+              <a:off x="2123729" y="6165865"/>
               <a:ext cx="63202" cy="63202"/>
             </a:xfrm>
             <a:custGeom>
@@ -9050,7 +9050,7 @@
           </p:nvSpPr>
           <p:spPr>
             <a:xfrm>
-              <a:off x="2019504" y="5960207"/>
+              <a:off x="2247220" y="5960191"/>
               <a:ext cx="63202" cy="63202"/>
             </a:xfrm>
             <a:custGeom>
@@ -9093,7 +9093,7 @@
           </p:nvSpPr>
           <p:spPr>
             <a:xfrm>
-              <a:off x="2291162" y="6053979"/>
+              <a:off x="1776553" y="6053940"/>
               <a:ext cx="63202" cy="63202"/>
             </a:xfrm>
             <a:custGeom>
@@ -9136,7 +9136,7 @@
           </p:nvSpPr>
           <p:spPr>
             <a:xfrm>
-              <a:off x="2193065" y="6291448"/>
+              <a:off x="2256097" y="6291392"/>
               <a:ext cx="63202" cy="63202"/>
             </a:xfrm>
             <a:custGeom>
@@ -9179,7 +9179,7 @@
           </p:nvSpPr>
           <p:spPr>
             <a:xfrm>
-              <a:off x="2097518" y="6048286"/>
+              <a:off x="1785968" y="6048210"/>
               <a:ext cx="63202" cy="63202"/>
             </a:xfrm>
             <a:custGeom>
@@ -9222,7 +9222,7 @@
           </p:nvSpPr>
           <p:spPr>
             <a:xfrm>
-              <a:off x="1940221" y="6101197"/>
+              <a:off x="1883084" y="6101191"/>
               <a:ext cx="63202" cy="63202"/>
             </a:xfrm>
             <a:custGeom>
@@ -9265,7 +9265,7 @@
           </p:nvSpPr>
           <p:spPr>
             <a:xfrm>
-              <a:off x="2067197" y="6056150"/>
+              <a:off x="1872290" y="6056128"/>
               <a:ext cx="63202" cy="63202"/>
             </a:xfrm>
             <a:custGeom>
@@ -9308,7 +9308,7 @@
           </p:nvSpPr>
           <p:spPr>
             <a:xfrm>
-              <a:off x="2287472" y="6028465"/>
+              <a:off x="1852875" y="6028409"/>
               <a:ext cx="63202" cy="63202"/>
             </a:xfrm>
             <a:custGeom>
@@ -9351,7 +9351,7 @@
           </p:nvSpPr>
           <p:spPr>
             <a:xfrm>
-              <a:off x="1717960" y="6068419"/>
+              <a:off x="1718924" y="6068403"/>
               <a:ext cx="63202" cy="63202"/>
             </a:xfrm>
             <a:custGeom>
@@ -9394,7 +9394,7 @@
           </p:nvSpPr>
           <p:spPr>
             <a:xfrm>
-              <a:off x="2094995" y="6046478"/>
+              <a:off x="1885692" y="6046460"/>
               <a:ext cx="63202" cy="63202"/>
             </a:xfrm>
             <a:custGeom>
@@ -9437,7 +9437,7 @@
           </p:nvSpPr>
           <p:spPr>
             <a:xfrm>
-              <a:off x="1872602" y="6010376"/>
+              <a:off x="1827601" y="6010343"/>
               <a:ext cx="63202" cy="63202"/>
             </a:xfrm>
             <a:custGeom>
@@ -9480,7 +9480,7 @@
           </p:nvSpPr>
           <p:spPr>
             <a:xfrm>
-              <a:off x="1841676" y="5834212"/>
+              <a:off x="1765134" y="5834175"/>
               <a:ext cx="63202" cy="63202"/>
             </a:xfrm>
             <a:custGeom>
@@ -9523,7 +9523,7 @@
           </p:nvSpPr>
           <p:spPr>
             <a:xfrm>
-              <a:off x="1660794" y="5881727"/>
+              <a:off x="1766457" y="5881688"/>
               <a:ext cx="63202" cy="63202"/>
             </a:xfrm>
             <a:custGeom>
@@ -9566,7 +9566,7 @@
           </p:nvSpPr>
           <p:spPr>
             <a:xfrm>
-              <a:off x="2297923" y="6187032"/>
+              <a:off x="1992028" y="6187002"/>
               <a:ext cx="63202" cy="63202"/>
             </a:xfrm>
             <a:custGeom>
@@ -9609,7 +9609,7 @@
           </p:nvSpPr>
           <p:spPr>
             <a:xfrm>
-              <a:off x="1901215" y="6469737"/>
+              <a:off x="1780121" y="6469663"/>
               <a:ext cx="63202" cy="63202"/>
             </a:xfrm>
             <a:custGeom>
@@ -9652,7 +9652,7 @@
           </p:nvSpPr>
           <p:spPr>
             <a:xfrm>
-              <a:off x="2238231" y="6363412"/>
+              <a:off x="1819837" y="6363349"/>
               <a:ext cx="63202" cy="63202"/>
             </a:xfrm>
             <a:custGeom>
@@ -9695,7 +9695,7 @@
           </p:nvSpPr>
           <p:spPr>
             <a:xfrm>
-              <a:off x="1721750" y="6475851"/>
+              <a:off x="2270124" y="6475785"/>
               <a:ext cx="63202" cy="63202"/>
             </a:xfrm>
             <a:custGeom>
@@ -9738,7 +9738,7 @@
           </p:nvSpPr>
           <p:spPr>
             <a:xfrm>
-              <a:off x="1838922" y="5951329"/>
+              <a:off x="2177156" y="5951284"/>
               <a:ext cx="63202" cy="63202"/>
             </a:xfrm>
             <a:custGeom>
@@ -9781,7 +9781,7 @@
           </p:nvSpPr>
           <p:spPr>
             <a:xfrm>
-              <a:off x="1868973" y="6017870"/>
+              <a:off x="2143066" y="6017846"/>
               <a:ext cx="63202" cy="63202"/>
             </a:xfrm>
             <a:custGeom>
@@ -9824,7 +9824,7 @@
           </p:nvSpPr>
           <p:spPr>
             <a:xfrm>
-              <a:off x="2064697" y="6557654"/>
+              <a:off x="1928739" y="6557592"/>
               <a:ext cx="63202" cy="63202"/>
             </a:xfrm>
             <a:custGeom>
@@ -9867,7 +9867,7 @@
           </p:nvSpPr>
           <p:spPr>
             <a:xfrm>
-              <a:off x="2057966" y="5516577"/>
+              <a:off x="1794908" y="5516535"/>
               <a:ext cx="63202" cy="63202"/>
             </a:xfrm>
             <a:custGeom>
@@ -9910,7 +9910,7 @@
           </p:nvSpPr>
           <p:spPr>
             <a:xfrm>
-              <a:off x="1997346" y="6028723"/>
+              <a:off x="2112880" y="6028660"/>
               <a:ext cx="63202" cy="63202"/>
             </a:xfrm>
             <a:custGeom>
@@ -9953,7 +9953,7 @@
           </p:nvSpPr>
           <p:spPr>
             <a:xfrm>
-              <a:off x="1638209" y="6055622"/>
+              <a:off x="2089854" y="6055560"/>
               <a:ext cx="63202" cy="63202"/>
             </a:xfrm>
             <a:custGeom>
@@ -9996,7 +9996,7 @@
           </p:nvSpPr>
           <p:spPr>
             <a:xfrm>
-              <a:off x="2222919" y="6126681"/>
+              <a:off x="2123481" y="6126648"/>
               <a:ext cx="63202" cy="63202"/>
             </a:xfrm>
             <a:custGeom>
@@ -10039,7 +10039,7 @@
           </p:nvSpPr>
           <p:spPr>
             <a:xfrm>
-              <a:off x="2207405" y="6103327"/>
+              <a:off x="1876744" y="6103275"/>
               <a:ext cx="63202" cy="63202"/>
             </a:xfrm>
             <a:custGeom>
@@ -10082,7 +10082,7 @@
           </p:nvSpPr>
           <p:spPr>
             <a:xfrm>
-              <a:off x="1877439" y="6063469"/>
+              <a:off x="2144160" y="6063458"/>
               <a:ext cx="63202" cy="63202"/>
             </a:xfrm>
             <a:custGeom>
@@ -10125,7 +10125,7 @@
           </p:nvSpPr>
           <p:spPr>
             <a:xfrm>
-              <a:off x="2023929" y="6190582"/>
+              <a:off x="2278927" y="6190530"/>
               <a:ext cx="63202" cy="63202"/>
             </a:xfrm>
             <a:custGeom>
@@ -10168,7 +10168,7 @@
           </p:nvSpPr>
           <p:spPr>
             <a:xfrm>
-              <a:off x="1862144" y="5707409"/>
+              <a:off x="1876821" y="5707390"/>
               <a:ext cx="63202" cy="63202"/>
             </a:xfrm>
             <a:custGeom>
@@ -10211,7 +10211,7 @@
           </p:nvSpPr>
           <p:spPr>
             <a:xfrm>
-              <a:off x="2213441" y="6258025"/>
+              <a:off x="2144639" y="6258021"/>
               <a:ext cx="63202" cy="63202"/>
             </a:xfrm>
             <a:custGeom>
@@ -10254,7 +10254,7 @@
           </p:nvSpPr>
           <p:spPr>
             <a:xfrm>
-              <a:off x="1988511" y="5471595"/>
+              <a:off x="1926791" y="5471613"/>
               <a:ext cx="63202" cy="63202"/>
             </a:xfrm>
             <a:custGeom>
@@ -10297,7 +10297,7 @@
           </p:nvSpPr>
           <p:spPr>
             <a:xfrm>
-              <a:off x="2074748" y="6179647"/>
+              <a:off x="1890009" y="6179612"/>
               <a:ext cx="63202" cy="63202"/>
             </a:xfrm>
             <a:custGeom>
@@ -10340,7 +10340,7 @@
           </p:nvSpPr>
           <p:spPr>
             <a:xfrm>
-              <a:off x="2254675" y="6043540"/>
+              <a:off x="2070710" y="6043476"/>
               <a:ext cx="63202" cy="63202"/>
             </a:xfrm>
             <a:custGeom>
@@ -10383,7 +10383,7 @@
           </p:nvSpPr>
           <p:spPr>
             <a:xfrm>
-              <a:off x="2152308" y="6259746"/>
+              <a:off x="2062579" y="6259703"/>
               <a:ext cx="63202" cy="63202"/>
             </a:xfrm>
             <a:custGeom>
@@ -10426,7 +10426,7 @@
           </p:nvSpPr>
           <p:spPr>
             <a:xfrm>
-              <a:off x="1868112" y="5443078"/>
+              <a:off x="1707564" y="5443112"/>
               <a:ext cx="63202" cy="63202"/>
             </a:xfrm>
             <a:custGeom>
@@ -10469,7 +10469,7 @@
           </p:nvSpPr>
           <p:spPr>
             <a:xfrm>
-              <a:off x="2051266" y="6060891"/>
+              <a:off x="1851772" y="6060863"/>
               <a:ext cx="63202" cy="63202"/>
             </a:xfrm>
             <a:custGeom>
@@ -10512,7 +10512,7 @@
           </p:nvSpPr>
           <p:spPr>
             <a:xfrm>
-              <a:off x="1794045" y="5966367"/>
+              <a:off x="2117251" y="5966339"/>
               <a:ext cx="63202" cy="63202"/>
             </a:xfrm>
             <a:custGeom>
@@ -10555,7 +10555,7 @@
           </p:nvSpPr>
           <p:spPr>
             <a:xfrm>
-              <a:off x="1778538" y="5952946"/>
+              <a:off x="1937441" y="5952904"/>
               <a:ext cx="63202" cy="63202"/>
             </a:xfrm>
             <a:custGeom>
@@ -10598,7 +10598,7 @@
           </p:nvSpPr>
           <p:spPr>
             <a:xfrm>
-              <a:off x="1855532" y="5434840"/>
+              <a:off x="1948109" y="5434785"/>
               <a:ext cx="63202" cy="63202"/>
             </a:xfrm>
             <a:custGeom>
@@ -10641,7 +10641,7 @@
           </p:nvSpPr>
           <p:spPr>
             <a:xfrm>
-              <a:off x="1833062" y="5936548"/>
+              <a:off x="1970210" y="5936474"/>
               <a:ext cx="63202" cy="63202"/>
             </a:xfrm>
             <a:custGeom>
@@ -10684,7 +10684,7 @@
           </p:nvSpPr>
           <p:spPr>
             <a:xfrm>
-              <a:off x="1783017" y="6019734"/>
+              <a:off x="2178249" y="6019707"/>
               <a:ext cx="63202" cy="63202"/>
             </a:xfrm>
             <a:custGeom>
@@ -10727,7 +10727,7 @@
           </p:nvSpPr>
           <p:spPr>
             <a:xfrm>
-              <a:off x="2082730" y="6139187"/>
+              <a:off x="2238135" y="6139159"/>
               <a:ext cx="63202" cy="63202"/>
             </a:xfrm>
             <a:custGeom>
@@ -10770,7 +10770,7 @@
           </p:nvSpPr>
           <p:spPr>
             <a:xfrm>
-              <a:off x="1882161" y="6013665"/>
+              <a:off x="1705705" y="6013616"/>
               <a:ext cx="63202" cy="63202"/>
             </a:xfrm>
             <a:custGeom>
@@ -10813,7 +10813,7 @@
           </p:nvSpPr>
           <p:spPr>
             <a:xfrm>
-              <a:off x="1683056" y="6021363"/>
+              <a:off x="1823430" y="6021373"/>
               <a:ext cx="63202" cy="63202"/>
             </a:xfrm>
             <a:custGeom>
@@ -10856,7 +10856,7 @@
           </p:nvSpPr>
           <p:spPr>
             <a:xfrm>
-              <a:off x="1692177" y="5703121"/>
+              <a:off x="2003822" y="5703120"/>
               <a:ext cx="63202" cy="63202"/>
             </a:xfrm>
             <a:custGeom>
@@ -10899,7 +10899,7 @@
           </p:nvSpPr>
           <p:spPr>
             <a:xfrm>
-              <a:off x="1624150" y="6179611"/>
+              <a:off x="1653446" y="6179614"/>
               <a:ext cx="63202" cy="63202"/>
             </a:xfrm>
             <a:custGeom>
@@ -10942,7 +10942,7 @@
           </p:nvSpPr>
           <p:spPr>
             <a:xfrm>
-              <a:off x="1862471" y="5944284"/>
+              <a:off x="2131776" y="5944219"/>
               <a:ext cx="63202" cy="63202"/>
             </a:xfrm>
             <a:custGeom>
@@ -10985,7 +10985,7 @@
           </p:nvSpPr>
           <p:spPr>
             <a:xfrm>
-              <a:off x="1812263" y="5474829"/>
+              <a:off x="2117355" y="5474780"/>
               <a:ext cx="63202" cy="63202"/>
             </a:xfrm>
             <a:custGeom>
@@ -11028,7 +11028,7 @@
           </p:nvSpPr>
           <p:spPr>
             <a:xfrm>
-              <a:off x="1843444" y="5472510"/>
+              <a:off x="2198812" y="5472474"/>
               <a:ext cx="63202" cy="63202"/>
             </a:xfrm>
             <a:custGeom>
@@ -11071,7 +11071,7 @@
           </p:nvSpPr>
           <p:spPr>
             <a:xfrm>
-              <a:off x="2187089" y="5472150"/>
+              <a:off x="2029236" y="5472120"/>
               <a:ext cx="63202" cy="63202"/>
             </a:xfrm>
             <a:custGeom>
@@ -11114,7 +11114,7 @@
           </p:nvSpPr>
           <p:spPr>
             <a:xfrm>
-              <a:off x="2155487" y="5472017"/>
+              <a:off x="2079269" y="5472023"/>
               <a:ext cx="63202" cy="63202"/>
             </a:xfrm>
             <a:custGeom>
@@ -11157,7 +11157,7 @@
           </p:nvSpPr>
           <p:spPr>
             <a:xfrm>
-              <a:off x="2149944" y="5471886"/>
+              <a:off x="2077670" y="5471849"/>
               <a:ext cx="63202" cy="63202"/>
             </a:xfrm>
             <a:custGeom>
@@ -11200,7 +11200,7 @@
           </p:nvSpPr>
           <p:spPr>
             <a:xfrm>
-              <a:off x="1625429" y="5740732"/>
+              <a:off x="1823427" y="5740684"/>
               <a:ext cx="63202" cy="63202"/>
             </a:xfrm>
             <a:custGeom>
@@ -11243,7 +11243,7 @@
           </p:nvSpPr>
           <p:spPr>
             <a:xfrm>
-              <a:off x="1768205" y="5730317"/>
+              <a:off x="1852503" y="5730299"/>
               <a:ext cx="63202" cy="63202"/>
             </a:xfrm>
             <a:custGeom>
@@ -11286,7 +11286,7 @@
           </p:nvSpPr>
           <p:spPr>
             <a:xfrm>
-              <a:off x="2152128" y="6144581"/>
+              <a:off x="2217622" y="6144590"/>
               <a:ext cx="63202" cy="63202"/>
             </a:xfrm>
             <a:custGeom>
@@ -11329,7 +11329,7 @@
           </p:nvSpPr>
           <p:spPr>
             <a:xfrm>
-              <a:off x="1775505" y="5487896"/>
+              <a:off x="1837897" y="5487875"/>
               <a:ext cx="63202" cy="63202"/>
             </a:xfrm>
             <a:custGeom>
@@ -11372,7 +11372,7 @@
           </p:nvSpPr>
           <p:spPr>
             <a:xfrm>
-              <a:off x="1805132" y="5875901"/>
+              <a:off x="1932853" y="5875874"/>
               <a:ext cx="63202" cy="63202"/>
             </a:xfrm>
             <a:custGeom>
@@ -11415,7 +11415,7 @@
           </p:nvSpPr>
           <p:spPr>
             <a:xfrm>
-              <a:off x="1791618" y="5752044"/>
+              <a:off x="1796019" y="5752067"/>
               <a:ext cx="63202" cy="63202"/>
             </a:xfrm>
             <a:custGeom>
@@ -11458,7 +11458,7 @@
           </p:nvSpPr>
           <p:spPr>
             <a:xfrm>
-              <a:off x="1689672" y="6161033"/>
+              <a:off x="1759760" y="6161023"/>
               <a:ext cx="63202" cy="63202"/>
             </a:xfrm>
             <a:custGeom>
@@ -11501,7 +11501,7 @@
           </p:nvSpPr>
           <p:spPr>
             <a:xfrm>
-              <a:off x="1634120" y="5498614"/>
+              <a:off x="2065768" y="5498613"/>
               <a:ext cx="63202" cy="63202"/>
             </a:xfrm>
             <a:custGeom>
@@ -11544,7 +11544,7 @@
           </p:nvSpPr>
           <p:spPr>
             <a:xfrm>
-              <a:off x="2174654" y="6036951"/>
+              <a:off x="2178465" y="6036923"/>
               <a:ext cx="63202" cy="63202"/>
             </a:xfrm>
             <a:custGeom>
@@ -11587,7 +11587,7 @@
           </p:nvSpPr>
           <p:spPr>
             <a:xfrm>
-              <a:off x="1707321" y="6366240"/>
+              <a:off x="1727994" y="6366208"/>
               <a:ext cx="63202" cy="63202"/>
             </a:xfrm>
             <a:custGeom>
@@ -11630,7 +11630,7 @@
           </p:nvSpPr>
           <p:spPr>
             <a:xfrm>
-              <a:off x="2125369" y="5718716"/>
+              <a:off x="1842842" y="5718711"/>
               <a:ext cx="63202" cy="63202"/>
             </a:xfrm>
             <a:custGeom>
@@ -11673,7 +11673,7 @@
           </p:nvSpPr>
           <p:spPr>
             <a:xfrm>
-              <a:off x="2212734" y="6433143"/>
+              <a:off x="2284252" y="6433105"/>
               <a:ext cx="63202" cy="63202"/>
             </a:xfrm>
             <a:custGeom>
@@ -11716,7 +11716,7 @@
           </p:nvSpPr>
           <p:spPr>
             <a:xfrm>
-              <a:off x="1691136" y="5464838"/>
+              <a:off x="2118943" y="5464810"/>
               <a:ext cx="63202" cy="63202"/>
             </a:xfrm>
             <a:custGeom>
@@ -11759,7 +11759,7 @@
           </p:nvSpPr>
           <p:spPr>
             <a:xfrm>
-              <a:off x="1660081" y="5659824"/>
+              <a:off x="2124272" y="5659804"/>
               <a:ext cx="63202" cy="63202"/>
             </a:xfrm>
             <a:custGeom>
@@ -11802,7 +11802,7 @@
           </p:nvSpPr>
           <p:spPr>
             <a:xfrm>
-              <a:off x="1943357" y="5601760"/>
+              <a:off x="2131800" y="5601760"/>
               <a:ext cx="63202" cy="63202"/>
             </a:xfrm>
             <a:custGeom>
@@ -11845,7 +11845,7 @@
           </p:nvSpPr>
           <p:spPr>
             <a:xfrm>
-              <a:off x="1641389" y="5646700"/>
+              <a:off x="2272010" y="5646654"/>
               <a:ext cx="63202" cy="63202"/>
             </a:xfrm>
             <a:custGeom>
@@ -11888,7 +11888,7 @@
           </p:nvSpPr>
           <p:spPr>
             <a:xfrm>
-              <a:off x="2109389" y="5455004"/>
+              <a:off x="1842702" y="5454992"/>
               <a:ext cx="63202" cy="63202"/>
             </a:xfrm>
             <a:custGeom>
@@ -11931,7 +11931,7 @@
           </p:nvSpPr>
           <p:spPr>
             <a:xfrm>
-              <a:off x="2214132" y="5451988"/>
+              <a:off x="2099427" y="5451984"/>
               <a:ext cx="63202" cy="63202"/>
             </a:xfrm>
             <a:custGeom>
@@ -11974,7 +11974,7 @@
           </p:nvSpPr>
           <p:spPr>
             <a:xfrm>
-              <a:off x="1989436" y="5699888"/>
+              <a:off x="1676636" y="5699841"/>
               <a:ext cx="63202" cy="63202"/>
             </a:xfrm>
             <a:custGeom>
@@ -12017,7 +12017,7 @@
           </p:nvSpPr>
           <p:spPr>
             <a:xfrm>
-              <a:off x="2061550" y="5688998"/>
+              <a:off x="2287970" y="5688948"/>
               <a:ext cx="63202" cy="63202"/>
             </a:xfrm>
             <a:custGeom>
@@ -12060,7 +12060,7 @@
           </p:nvSpPr>
           <p:spPr>
             <a:xfrm>
-              <a:off x="1786694" y="5469300"/>
+              <a:off x="2062974" y="5469297"/>
               <a:ext cx="63202" cy="63202"/>
             </a:xfrm>
             <a:custGeom>
@@ -12103,7 +12103,7 @@
           </p:nvSpPr>
           <p:spPr>
             <a:xfrm>
-              <a:off x="1639548" y="5477121"/>
+              <a:off x="1911233" y="5477116"/>
               <a:ext cx="63202" cy="63202"/>
             </a:xfrm>
             <a:custGeom>
@@ -12146,7 +12146,7 @@
           </p:nvSpPr>
           <p:spPr>
             <a:xfrm>
-              <a:off x="1636120" y="5477649"/>
+              <a:off x="1893596" y="5477663"/>
               <a:ext cx="63202" cy="63202"/>
             </a:xfrm>
             <a:custGeom>
@@ -12189,7 +12189,7 @@
           </p:nvSpPr>
           <p:spPr>
             <a:xfrm>
-              <a:off x="1858697" y="5536852"/>
+              <a:off x="2099633" y="5536814"/>
               <a:ext cx="63202" cy="63202"/>
             </a:xfrm>
             <a:custGeom>
@@ -12232,7 +12232,7 @@
           </p:nvSpPr>
           <p:spPr>
             <a:xfrm>
-              <a:off x="1906825" y="5466312"/>
+              <a:off x="1928122" y="5466287"/>
               <a:ext cx="63202" cy="63202"/>
             </a:xfrm>
             <a:custGeom>
@@ -12275,7 +12275,7 @@
           </p:nvSpPr>
           <p:spPr>
             <a:xfrm>
-              <a:off x="2247730" y="6017863"/>
+              <a:off x="1658105" y="6017816"/>
               <a:ext cx="63202" cy="63202"/>
             </a:xfrm>
             <a:custGeom>
@@ -12318,7 +12318,7 @@
           </p:nvSpPr>
           <p:spPr>
             <a:xfrm>
-              <a:off x="2035689" y="5490152"/>
+              <a:off x="1843088" y="5490151"/>
               <a:ext cx="63202" cy="63202"/>
             </a:xfrm>
             <a:custGeom>
@@ -12361,7 +12361,7 @@
           </p:nvSpPr>
           <p:spPr>
             <a:xfrm>
-              <a:off x="2272166" y="5399734"/>
+              <a:off x="1904763" y="5399718"/>
               <a:ext cx="63202" cy="63202"/>
             </a:xfrm>
             <a:custGeom>
@@ -12404,7 +12404,7 @@
           </p:nvSpPr>
           <p:spPr>
             <a:xfrm>
-              <a:off x="1826903" y="5886034"/>
+              <a:off x="1814126" y="5885992"/>
               <a:ext cx="63202" cy="63202"/>
             </a:xfrm>
             <a:custGeom>
@@ -12447,7 +12447,7 @@
           </p:nvSpPr>
           <p:spPr>
             <a:xfrm>
-              <a:off x="1915787" y="6400198"/>
+              <a:off x="1760013" y="6400164"/>
               <a:ext cx="63202" cy="63202"/>
             </a:xfrm>
             <a:custGeom>
@@ -12490,7 +12490,7 @@
           </p:nvSpPr>
           <p:spPr>
             <a:xfrm>
-              <a:off x="1678894" y="5979988"/>
+              <a:off x="1638377" y="5979928"/>
               <a:ext cx="63202" cy="63202"/>
             </a:xfrm>
             <a:custGeom>
@@ -12533,7 +12533,7 @@
           </p:nvSpPr>
           <p:spPr>
             <a:xfrm>
-              <a:off x="1929593" y="5965098"/>
+              <a:off x="1625775" y="5965081"/>
               <a:ext cx="63202" cy="63202"/>
             </a:xfrm>
             <a:custGeom>
@@ -12576,7 +12576,7 @@
           </p:nvSpPr>
           <p:spPr>
             <a:xfrm>
-              <a:off x="1841574" y="5458944"/>
+              <a:off x="1643183" y="5458915"/>
               <a:ext cx="63202" cy="63202"/>
             </a:xfrm>
             <a:custGeom>
@@ -12619,7 +12619,7 @@
           </p:nvSpPr>
           <p:spPr>
             <a:xfrm>
-              <a:off x="2246104" y="5550088"/>
+              <a:off x="1756933" y="5550094"/>
               <a:ext cx="63202" cy="63202"/>
             </a:xfrm>
             <a:custGeom>
@@ -12662,7 +12662,7 @@
           </p:nvSpPr>
           <p:spPr>
             <a:xfrm>
-              <a:off x="1838544" y="5970542"/>
+              <a:off x="2126761" y="5970503"/>
               <a:ext cx="63202" cy="63202"/>
             </a:xfrm>
             <a:custGeom>
@@ -12705,7 +12705,7 @@
           </p:nvSpPr>
           <p:spPr>
             <a:xfrm>
-              <a:off x="1897215" y="5983984"/>
+              <a:off x="2251694" y="5983932"/>
               <a:ext cx="63202" cy="63202"/>
             </a:xfrm>
             <a:custGeom>
@@ -12748,7 +12748,7 @@
           </p:nvSpPr>
           <p:spPr>
             <a:xfrm>
-              <a:off x="1818516" y="5981486"/>
+              <a:off x="2007399" y="5981461"/>
               <a:ext cx="63202" cy="63202"/>
             </a:xfrm>
             <a:custGeom>
@@ -12791,7 +12791,7 @@
           </p:nvSpPr>
           <p:spPr>
             <a:xfrm>
-              <a:off x="2212254" y="6130332"/>
+              <a:off x="1954720" y="6130299"/>
               <a:ext cx="63202" cy="63202"/>
             </a:xfrm>
             <a:custGeom>
@@ -12834,7 +12834,7 @@
           </p:nvSpPr>
           <p:spPr>
             <a:xfrm>
-              <a:off x="1736213" y="6050735"/>
+              <a:off x="1636317" y="6050702"/>
               <a:ext cx="63202" cy="63202"/>
             </a:xfrm>
             <a:custGeom>
@@ -12877,7 +12877,7 @@
           </p:nvSpPr>
           <p:spPr>
             <a:xfrm>
-              <a:off x="2012499" y="5483685"/>
+              <a:off x="1638533" y="5483669"/>
               <a:ext cx="63202" cy="63202"/>
             </a:xfrm>
             <a:custGeom>
@@ -12920,7 +12920,7 @@
           </p:nvSpPr>
           <p:spPr>
             <a:xfrm>
-              <a:off x="1685578" y="6127507"/>
+              <a:off x="1693256" y="6127477"/>
               <a:ext cx="63202" cy="63202"/>
             </a:xfrm>
             <a:custGeom>
@@ -12963,7 +12963,7 @@
           </p:nvSpPr>
           <p:spPr>
             <a:xfrm>
-              <a:off x="1897987" y="6135843"/>
+              <a:off x="2170122" y="6135812"/>
               <a:ext cx="63202" cy="63202"/>
             </a:xfrm>
             <a:custGeom>
@@ -13006,7 +13006,7 @@
           </p:nvSpPr>
           <p:spPr>
             <a:xfrm>
-              <a:off x="1947861" y="6090765"/>
+              <a:off x="1728997" y="6090753"/>
               <a:ext cx="63202" cy="63202"/>
             </a:xfrm>
             <a:custGeom>
@@ -13049,7 +13049,7 @@
           </p:nvSpPr>
           <p:spPr>
             <a:xfrm>
-              <a:off x="1674561" y="6225839"/>
+              <a:off x="1631448" y="6225815"/>
               <a:ext cx="63202" cy="63202"/>
             </a:xfrm>
             <a:custGeom>
@@ -13092,7 +13092,7 @@
           </p:nvSpPr>
           <p:spPr>
             <a:xfrm>
-              <a:off x="1734115" y="6135653"/>
+              <a:off x="2070915" y="6135593"/>
               <a:ext cx="63202" cy="63202"/>
             </a:xfrm>
             <a:custGeom>
@@ -13135,7 +13135,7 @@
           </p:nvSpPr>
           <p:spPr>
             <a:xfrm>
-              <a:off x="1934068" y="5570616"/>
+              <a:off x="2122296" y="5570590"/>
               <a:ext cx="63202" cy="63202"/>
             </a:xfrm>
             <a:custGeom>
@@ -13178,7 +13178,7 @@
           </p:nvSpPr>
           <p:spPr>
             <a:xfrm>
-              <a:off x="2177846" y="6322539"/>
+              <a:off x="2210877" y="6322522"/>
               <a:ext cx="63202" cy="63202"/>
             </a:xfrm>
             <a:custGeom>
@@ -13221,7 +13221,7 @@
           </p:nvSpPr>
           <p:spPr>
             <a:xfrm>
-              <a:off x="2151194" y="6102225"/>
+              <a:off x="2085834" y="6102186"/>
               <a:ext cx="63202" cy="63202"/>
             </a:xfrm>
             <a:custGeom>
@@ -13264,7 +13264,7 @@
           </p:nvSpPr>
           <p:spPr>
             <a:xfrm>
-              <a:off x="1826732" y="5492721"/>
+              <a:off x="1915127" y="5492732"/>
               <a:ext cx="63202" cy="63202"/>
             </a:xfrm>
             <a:custGeom>
@@ -13307,7 +13307,7 @@
           </p:nvSpPr>
           <p:spPr>
             <a:xfrm>
-              <a:off x="2297857" y="5489068"/>
+              <a:off x="1944648" y="5489040"/>
               <a:ext cx="63202" cy="63202"/>
             </a:xfrm>
             <a:custGeom>
@@ -13350,7 +13350,7 @@
           </p:nvSpPr>
           <p:spPr>
             <a:xfrm>
-              <a:off x="1612229" y="5514605"/>
+              <a:off x="2155172" y="5514554"/>
               <a:ext cx="63202" cy="63202"/>
             </a:xfrm>
             <a:custGeom>
@@ -13393,7 +13393,7 @@
           </p:nvSpPr>
           <p:spPr>
             <a:xfrm>
-              <a:off x="2082886" y="5501748"/>
+              <a:off x="1852747" y="5501747"/>
               <a:ext cx="63202" cy="63202"/>
             </a:xfrm>
             <a:custGeom>
@@ -13436,7 +13436,7 @@
           </p:nvSpPr>
           <p:spPr>
             <a:xfrm>
-              <a:off x="2100089" y="5693275"/>
+              <a:off x="1720327" y="5693242"/>
               <a:ext cx="63202" cy="63202"/>
             </a:xfrm>
             <a:custGeom>
@@ -13479,7 +13479,7 @@
           </p:nvSpPr>
           <p:spPr>
             <a:xfrm>
-              <a:off x="1675908" y="6535896"/>
+              <a:off x="2054473" y="6535879"/>
               <a:ext cx="63202" cy="63202"/>
             </a:xfrm>
             <a:custGeom>
@@ -13522,7 +13522,7 @@
           </p:nvSpPr>
           <p:spPr>
             <a:xfrm>
-              <a:off x="2244621" y="5933309"/>
+              <a:off x="2246412" y="5933277"/>
               <a:ext cx="63202" cy="63202"/>
             </a:xfrm>
             <a:custGeom>
@@ -13565,7 +13565,7 @@
           </p:nvSpPr>
           <p:spPr>
             <a:xfrm>
-              <a:off x="1976116" y="5872724"/>
+              <a:off x="2286650" y="5872682"/>
               <a:ext cx="63202" cy="63202"/>
             </a:xfrm>
             <a:custGeom>
@@ -13608,7 +13608,7 @@
           </p:nvSpPr>
           <p:spPr>
             <a:xfrm>
-              <a:off x="1834950" y="6538700"/>
+              <a:off x="1897759" y="6538672"/>
               <a:ext cx="63202" cy="63202"/>
             </a:xfrm>
             <a:custGeom>
@@ -13651,7 +13651,7 @@
           </p:nvSpPr>
           <p:spPr>
             <a:xfrm>
-              <a:off x="1815465" y="6089623"/>
+              <a:off x="2044890" y="6089596"/>
               <a:ext cx="63202" cy="63202"/>
             </a:xfrm>
             <a:custGeom>
@@ -13750,7 +13750,7 @@
           </p:nvSpPr>
           <p:spPr>
             <a:xfrm>
-              <a:off x="4325757" y="2898387"/>
+              <a:off x="4325757" y="2898340"/>
               <a:ext cx="2796732" cy="0"/>
             </a:xfrm>
             <a:custGeom>
@@ -13793,7 +13793,7 @@
           </p:nvSpPr>
           <p:spPr>
             <a:xfrm>
-              <a:off x="4325757" y="2558941"/>
+              <a:off x="4325757" y="2558902"/>
               <a:ext cx="2796732" cy="0"/>
             </a:xfrm>
             <a:custGeom>
@@ -13836,7 +13836,7 @@
           </p:nvSpPr>
           <p:spPr>
             <a:xfrm>
-              <a:off x="4325757" y="2219496"/>
+              <a:off x="4325757" y="2219464"/>
               <a:ext cx="2796732" cy="0"/>
             </a:xfrm>
             <a:custGeom>
@@ -13879,7 +13879,7 @@
           </p:nvSpPr>
           <p:spPr>
             <a:xfrm>
-              <a:off x="4325757" y="1880050"/>
+              <a:off x="4325757" y="1880026"/>
               <a:ext cx="2796732" cy="0"/>
             </a:xfrm>
             <a:custGeom>
@@ -13922,7 +13922,7 @@
           </p:nvSpPr>
           <p:spPr>
             <a:xfrm>
-              <a:off x="4325757" y="1540605"/>
+              <a:off x="4325757" y="1540588"/>
               <a:ext cx="2796732" cy="0"/>
             </a:xfrm>
             <a:custGeom>
@@ -13965,7 +13965,7 @@
           </p:nvSpPr>
           <p:spPr>
             <a:xfrm>
-              <a:off x="4325757" y="2728664"/>
+              <a:off x="4325757" y="2728621"/>
               <a:ext cx="2796732" cy="0"/>
             </a:xfrm>
             <a:custGeom>
@@ -14008,7 +14008,7 @@
           </p:nvSpPr>
           <p:spPr>
             <a:xfrm>
-              <a:off x="4325757" y="2389218"/>
+              <a:off x="4325757" y="2389183"/>
               <a:ext cx="2796732" cy="0"/>
             </a:xfrm>
             <a:custGeom>
@@ -14051,7 +14051,7 @@
           </p:nvSpPr>
           <p:spPr>
             <a:xfrm>
-              <a:off x="4325757" y="2049773"/>
+              <a:off x="4325757" y="2049745"/>
               <a:ext cx="2796732" cy="0"/>
             </a:xfrm>
             <a:custGeom>
@@ -14094,7 +14094,7 @@
           </p:nvSpPr>
           <p:spPr>
             <a:xfrm>
-              <a:off x="4325757" y="1710328"/>
+              <a:off x="4325757" y="1710307"/>
               <a:ext cx="2796732" cy="0"/>
             </a:xfrm>
             <a:custGeom>
@@ -14266,7 +14266,7 @@
           </p:nvSpPr>
           <p:spPr>
             <a:xfrm>
-              <a:off x="4930474" y="1898621"/>
+              <a:off x="4713032" y="1898616"/>
               <a:ext cx="63202" cy="63202"/>
             </a:xfrm>
             <a:custGeom>
@@ -14309,7 +14309,7 @@
           </p:nvSpPr>
           <p:spPr>
             <a:xfrm>
-              <a:off x="4592064" y="1950610"/>
+              <a:off x="4857902" y="1950597"/>
               <a:ext cx="63202" cy="63202"/>
             </a:xfrm>
             <a:custGeom>
@@ -14352,7 +14352,7 @@
           </p:nvSpPr>
           <p:spPr>
             <a:xfrm>
-              <a:off x="4965128" y="2305145"/>
+              <a:off x="4883378" y="2305081"/>
               <a:ext cx="63202" cy="63202"/>
             </a:xfrm>
             <a:custGeom>
@@ -14395,7 +14395,7 @@
           </p:nvSpPr>
           <p:spPr>
             <a:xfrm>
-              <a:off x="4723107" y="1882827"/>
+              <a:off x="4972277" y="1882751"/>
               <a:ext cx="63202" cy="63202"/>
             </a:xfrm>
             <a:custGeom>
@@ -14438,7 +14438,7 @@
           </p:nvSpPr>
           <p:spPr>
             <a:xfrm>
-              <a:off x="4810947" y="1989728"/>
+              <a:off x="5000029" y="1989692"/>
               <a:ext cx="63202" cy="63202"/>
             </a:xfrm>
             <a:custGeom>
@@ -14481,7 +14481,7 @@
           </p:nvSpPr>
           <p:spPr>
             <a:xfrm>
-              <a:off x="4798989" y="2347951"/>
+              <a:off x="4551775" y="2347935"/>
               <a:ext cx="63202" cy="63202"/>
             </a:xfrm>
             <a:custGeom>
@@ -14524,7 +14524,7 @@
           </p:nvSpPr>
           <p:spPr>
             <a:xfrm>
-              <a:off x="5010926" y="1942162"/>
+              <a:off x="5132783" y="1942092"/>
               <a:ext cx="63202" cy="63202"/>
             </a:xfrm>
             <a:custGeom>
@@ -14567,7 +14567,7 @@
           </p:nvSpPr>
           <p:spPr>
             <a:xfrm>
-              <a:off x="5403681" y="2921324"/>
+              <a:off x="5445078" y="2921273"/>
               <a:ext cx="63202" cy="63202"/>
             </a:xfrm>
             <a:custGeom>
@@ -14610,7 +14610,7 @@
           </p:nvSpPr>
           <p:spPr>
             <a:xfrm>
-              <a:off x="4791162" y="1900841"/>
+              <a:off x="4647020" y="1900839"/>
               <a:ext cx="63202" cy="63202"/>
             </a:xfrm>
             <a:custGeom>
@@ -14653,7 +14653,7 @@
           </p:nvSpPr>
           <p:spPr>
             <a:xfrm>
-              <a:off x="4650874" y="2408403"/>
+              <a:off x="4873326" y="2408378"/>
               <a:ext cx="63202" cy="63202"/>
             </a:xfrm>
             <a:custGeom>
@@ -14696,7 +14696,7 @@
           </p:nvSpPr>
           <p:spPr>
             <a:xfrm>
-              <a:off x="5087023" y="2774848"/>
+              <a:off x="5139085" y="2774812"/>
               <a:ext cx="63202" cy="63202"/>
             </a:xfrm>
             <a:custGeom>
@@ -14739,7 +14739,7 @@
           </p:nvSpPr>
           <p:spPr>
             <a:xfrm>
-              <a:off x="5120548" y="1905017"/>
+              <a:off x="5134658" y="1904996"/>
               <a:ext cx="63202" cy="63202"/>
             </a:xfrm>
             <a:custGeom>
@@ -14782,7 +14782,7 @@
           </p:nvSpPr>
           <p:spPr>
             <a:xfrm>
-              <a:off x="4785752" y="1894358"/>
+              <a:off x="4846971" y="1894316"/>
               <a:ext cx="63202" cy="63202"/>
             </a:xfrm>
             <a:custGeom>
@@ -14825,7 +14825,7 @@
           </p:nvSpPr>
           <p:spPr>
             <a:xfrm>
-              <a:off x="4515220" y="1933201"/>
+              <a:off x="4569977" y="1933154"/>
               <a:ext cx="63202" cy="63202"/>
             </a:xfrm>
             <a:custGeom>
@@ -14868,7 +14868,7 @@
           </p:nvSpPr>
           <p:spPr>
             <a:xfrm>
-              <a:off x="4475213" y="1965972"/>
+              <a:off x="4631623" y="1965919"/>
               <a:ext cx="63202" cy="63202"/>
             </a:xfrm>
             <a:custGeom>
@@ -14911,7 +14911,7 @@
           </p:nvSpPr>
           <p:spPr>
             <a:xfrm>
-              <a:off x="4584420" y="1947304"/>
+              <a:off x="4508443" y="1947263"/>
               <a:ext cx="63202" cy="63202"/>
             </a:xfrm>
             <a:custGeom>
@@ -14954,7 +14954,7 @@
           </p:nvSpPr>
           <p:spPr>
             <a:xfrm>
-              <a:off x="4596573" y="1975987"/>
+              <a:off x="4771785" y="1975984"/>
               <a:ext cx="63202" cy="63202"/>
             </a:xfrm>
             <a:custGeom>
@@ -14997,7 +14997,7 @@
           </p:nvSpPr>
           <p:spPr>
             <a:xfrm>
-              <a:off x="4639432" y="1935980"/>
+              <a:off x="4962246" y="1935933"/>
               <a:ext cx="63202" cy="63202"/>
             </a:xfrm>
             <a:custGeom>
@@ -15040,7 +15040,7 @@
           </p:nvSpPr>
           <p:spPr>
             <a:xfrm>
-              <a:off x="4660212" y="1930044"/>
+              <a:off x="4607837" y="1930027"/>
               <a:ext cx="63202" cy="63202"/>
             </a:xfrm>
             <a:custGeom>
@@ -15083,7 +15083,7 @@
           </p:nvSpPr>
           <p:spPr>
             <a:xfrm>
-              <a:off x="4617557" y="2152591"/>
+              <a:off x="4774327" y="2152565"/>
               <a:ext cx="63202" cy="63202"/>
             </a:xfrm>
             <a:custGeom>
@@ -15126,7 +15126,7 @@
           </p:nvSpPr>
           <p:spPr>
             <a:xfrm>
-              <a:off x="5064569" y="1928378"/>
+              <a:off x="4744723" y="1928307"/>
               <a:ext cx="63202" cy="63202"/>
             </a:xfrm>
             <a:custGeom>
@@ -15169,7 +15169,7 @@
           </p:nvSpPr>
           <p:spPr>
             <a:xfrm>
-              <a:off x="4552542" y="2131066"/>
+              <a:off x="4474103" y="2131023"/>
               <a:ext cx="63202" cy="63202"/>
             </a:xfrm>
             <a:custGeom>
@@ -15212,7 +15212,7 @@
           </p:nvSpPr>
           <p:spPr>
             <a:xfrm>
-              <a:off x="5092794" y="2264254"/>
+              <a:off x="4983309" y="2264255"/>
               <a:ext cx="63202" cy="63202"/>
             </a:xfrm>
             <a:custGeom>
@@ -15255,7 +15255,7 @@
           </p:nvSpPr>
           <p:spPr>
             <a:xfrm>
-              <a:off x="4733299" y="2219687"/>
+              <a:off x="5031437" y="2219627"/>
               <a:ext cx="63202" cy="63202"/>
             </a:xfrm>
             <a:custGeom>
@@ -15298,7 +15298,7 @@
           </p:nvSpPr>
           <p:spPr>
             <a:xfrm>
-              <a:off x="5094870" y="2145618"/>
+              <a:off x="4691853" y="2145555"/>
               <a:ext cx="63202" cy="63202"/>
             </a:xfrm>
             <a:custGeom>
@@ -15341,7 +15341,7 @@
           </p:nvSpPr>
           <p:spPr>
             <a:xfrm>
-              <a:off x="4857297" y="1936288"/>
+              <a:off x="4566822" y="1936285"/>
               <a:ext cx="63202" cy="63202"/>
             </a:xfrm>
             <a:custGeom>
@@ -15384,7 +15384,7 @@
           </p:nvSpPr>
           <p:spPr>
             <a:xfrm>
-              <a:off x="5167065" y="2299960"/>
+              <a:off x="4482696" y="2299939"/>
               <a:ext cx="63202" cy="63202"/>
             </a:xfrm>
             <a:custGeom>
@@ -15427,7 +15427,7 @@
           </p:nvSpPr>
           <p:spPr>
             <a:xfrm>
-              <a:off x="5108268" y="1936959"/>
+              <a:off x="5032302" y="1936923"/>
               <a:ext cx="63202" cy="63202"/>
             </a:xfrm>
             <a:custGeom>
@@ -15470,7 +15470,7 @@
           </p:nvSpPr>
           <p:spPr>
             <a:xfrm>
-              <a:off x="4848708" y="1968523"/>
+              <a:off x="4484490" y="1968496"/>
               <a:ext cx="63202" cy="63202"/>
             </a:xfrm>
             <a:custGeom>
@@ -15513,7 +15513,7 @@
           </p:nvSpPr>
           <p:spPr>
             <a:xfrm>
-              <a:off x="4802789" y="2494663"/>
+              <a:off x="4801345" y="2494658"/>
               <a:ext cx="63202" cy="63202"/>
             </a:xfrm>
             <a:custGeom>
@@ -15556,7 +15556,7 @@
           </p:nvSpPr>
           <p:spPr>
             <a:xfrm>
-              <a:off x="5159262" y="2022121"/>
+              <a:off x="4746038" y="2022078"/>
               <a:ext cx="63202" cy="63202"/>
             </a:xfrm>
             <a:custGeom>
@@ -15599,7 +15599,7 @@
           </p:nvSpPr>
           <p:spPr>
             <a:xfrm>
-              <a:off x="4647580" y="1928804"/>
+              <a:off x="4830975" y="1928792"/>
               <a:ext cx="63202" cy="63202"/>
             </a:xfrm>
             <a:custGeom>
@@ -15642,7 +15642,7 @@
           </p:nvSpPr>
           <p:spPr>
             <a:xfrm>
-              <a:off x="4568262" y="2399548"/>
+              <a:off x="4994443" y="2399525"/>
               <a:ext cx="63202" cy="63202"/>
             </a:xfrm>
             <a:custGeom>
@@ -15685,7 +15685,7 @@
           </p:nvSpPr>
           <p:spPr>
             <a:xfrm>
-              <a:off x="5051306" y="2114640"/>
+              <a:off x="4904759" y="2114597"/>
               <a:ext cx="63202" cy="63202"/>
             </a:xfrm>
             <a:custGeom>
@@ -15728,7 +15728,7 @@
           </p:nvSpPr>
           <p:spPr>
             <a:xfrm>
-              <a:off x="4855025" y="1952181"/>
+              <a:off x="4701812" y="1952135"/>
               <a:ext cx="63202" cy="63202"/>
             </a:xfrm>
             <a:custGeom>
@@ -15771,7 +15771,7 @@
           </p:nvSpPr>
           <p:spPr>
             <a:xfrm>
-              <a:off x="4857571" y="1949495"/>
+              <a:off x="5043025" y="1949442"/>
               <a:ext cx="63202" cy="63202"/>
             </a:xfrm>
             <a:custGeom>
@@ -15814,7 +15814,7 @@
           </p:nvSpPr>
           <p:spPr>
             <a:xfrm>
-              <a:off x="4526370" y="1886880"/>
+              <a:off x="4600050" y="1886870"/>
               <a:ext cx="63202" cy="63202"/>
             </a:xfrm>
             <a:custGeom>
@@ -15857,7 +15857,7 @@
           </p:nvSpPr>
           <p:spPr>
             <a:xfrm>
-              <a:off x="4705725" y="1886890"/>
+              <a:off x="4516246" y="1886836"/>
               <a:ext cx="63202" cy="63202"/>
             </a:xfrm>
             <a:custGeom>
@@ -15900,7 +15900,7 @@
           </p:nvSpPr>
           <p:spPr>
             <a:xfrm>
-              <a:off x="5071914" y="1983911"/>
+              <a:off x="4696834" y="1983868"/>
               <a:ext cx="63202" cy="63202"/>
             </a:xfrm>
             <a:custGeom>
@@ -15943,7 +15943,7 @@
           </p:nvSpPr>
           <p:spPr>
             <a:xfrm>
-              <a:off x="5104500" y="2415595"/>
+              <a:off x="4908502" y="2415585"/>
               <a:ext cx="63202" cy="63202"/>
             </a:xfrm>
             <a:custGeom>
@@ -15986,7 +15986,7 @@
           </p:nvSpPr>
           <p:spPr>
             <a:xfrm>
-              <a:off x="4642301" y="1978797"/>
+              <a:off x="4669861" y="1978778"/>
               <a:ext cx="63202" cy="63202"/>
             </a:xfrm>
             <a:custGeom>
@@ -16029,7 +16029,7 @@
           </p:nvSpPr>
           <p:spPr>
             <a:xfrm>
-              <a:off x="5067408" y="1957421"/>
+              <a:off x="4592694" y="1957410"/>
               <a:ext cx="63202" cy="63202"/>
             </a:xfrm>
             <a:custGeom>
@@ -16072,7 +16072,7 @@
           </p:nvSpPr>
           <p:spPr>
             <a:xfrm>
-              <a:off x="5111238" y="1840301"/>
+              <a:off x="4927597" y="1840302"/>
               <a:ext cx="63202" cy="63202"/>
             </a:xfrm>
             <a:custGeom>
@@ -16115,7 +16115,7 @@
           </p:nvSpPr>
           <p:spPr>
             <a:xfrm>
-              <a:off x="4859276" y="2255173"/>
+              <a:off x="4837456" y="2255144"/>
               <a:ext cx="63202" cy="63202"/>
             </a:xfrm>
             <a:custGeom>
@@ -16158,7 +16158,7 @@
           </p:nvSpPr>
           <p:spPr>
             <a:xfrm>
-              <a:off x="4673481" y="1877733"/>
+              <a:off x="4812549" y="1877709"/>
               <a:ext cx="63202" cy="63202"/>
             </a:xfrm>
             <a:custGeom>
@@ -16201,7 +16201,7 @@
           </p:nvSpPr>
           <p:spPr>
             <a:xfrm>
-              <a:off x="4811688" y="2010184"/>
+              <a:off x="4620201" y="2010143"/>
               <a:ext cx="63202" cy="63202"/>
             </a:xfrm>
             <a:custGeom>
@@ -16244,7 +16244,7 @@
           </p:nvSpPr>
           <p:spPr>
             <a:xfrm>
-              <a:off x="4843853" y="2056176"/>
+              <a:off x="5093368" y="2056179"/>
               <a:ext cx="63202" cy="63202"/>
             </a:xfrm>
             <a:custGeom>
@@ -16287,7 +16287,7 @@
           </p:nvSpPr>
           <p:spPr>
             <a:xfrm>
-              <a:off x="4711334" y="1946395"/>
+              <a:off x="4800384" y="1946401"/>
               <a:ext cx="63202" cy="63202"/>
             </a:xfrm>
             <a:custGeom>
@@ -16330,7 +16330,7 @@
           </p:nvSpPr>
           <p:spPr>
             <a:xfrm>
-              <a:off x="4895162" y="2631663"/>
+              <a:off x="4948114" y="2631639"/>
               <a:ext cx="63202" cy="63202"/>
             </a:xfrm>
             <a:custGeom>
@@ -16373,7 +16373,7 @@
           </p:nvSpPr>
           <p:spPr>
             <a:xfrm>
-              <a:off x="4602327" y="2643116"/>
+              <a:off x="4753825" y="2643064"/>
               <a:ext cx="63202" cy="63202"/>
             </a:xfrm>
             <a:custGeom>
@@ -16416,7 +16416,7 @@
           </p:nvSpPr>
           <p:spPr>
             <a:xfrm>
-              <a:off x="4719820" y="2017286"/>
+              <a:off x="4727145" y="2017283"/>
               <a:ext cx="63202" cy="63202"/>
             </a:xfrm>
             <a:custGeom>
@@ -16459,7 +16459,7 @@
           </p:nvSpPr>
           <p:spPr>
             <a:xfrm>
-              <a:off x="5118962" y="2218446"/>
+              <a:off x="4705330" y="2218388"/>
               <a:ext cx="63202" cy="63202"/>
             </a:xfrm>
             <a:custGeom>
@@ -16502,7 +16502,7 @@
           </p:nvSpPr>
           <p:spPr>
             <a:xfrm>
-              <a:off x="4524205" y="2495306"/>
+              <a:off x="4735244" y="2495262"/>
               <a:ext cx="63202" cy="63202"/>
             </a:xfrm>
             <a:custGeom>
@@ -16545,7 +16545,7 @@
           </p:nvSpPr>
           <p:spPr>
             <a:xfrm>
-              <a:off x="4936769" y="1950302"/>
+              <a:off x="4910033" y="1950255"/>
               <a:ext cx="63202" cy="63202"/>
             </a:xfrm>
             <a:custGeom>
@@ -16588,7 +16588,7 @@
           </p:nvSpPr>
           <p:spPr>
             <a:xfrm>
-              <a:off x="4592801" y="2058369"/>
+              <a:off x="4485923" y="2058312"/>
               <a:ext cx="63202" cy="63202"/>
             </a:xfrm>
             <a:custGeom>
@@ -16631,7 +16631,7 @@
           </p:nvSpPr>
           <p:spPr>
             <a:xfrm>
-              <a:off x="4683558" y="1902302"/>
+              <a:off x="5079962" y="1902244"/>
               <a:ext cx="63202" cy="63202"/>
             </a:xfrm>
             <a:custGeom>
@@ -16674,7 +16674,7 @@
           </p:nvSpPr>
           <p:spPr>
             <a:xfrm>
-              <a:off x="5162057" y="2710822"/>
+              <a:off x="4850706" y="2710790"/>
               <a:ext cx="63202" cy="63202"/>
             </a:xfrm>
             <a:custGeom>
@@ -16717,7 +16717,7 @@
           </p:nvSpPr>
           <p:spPr>
             <a:xfrm>
-              <a:off x="4645616" y="1941958"/>
+              <a:off x="4710848" y="1941921"/>
               <a:ext cx="63202" cy="63202"/>
             </a:xfrm>
             <a:custGeom>
@@ -16760,7 +16760,7 @@
           </p:nvSpPr>
           <p:spPr>
             <a:xfrm>
-              <a:off x="4841298" y="2017299"/>
+              <a:off x="5160007" y="2017257"/>
               <a:ext cx="63202" cy="63202"/>
             </a:xfrm>
             <a:custGeom>
@@ -16803,7 +16803,7 @@
           </p:nvSpPr>
           <p:spPr>
             <a:xfrm>
-              <a:off x="4781277" y="2536479"/>
+              <a:off x="4988979" y="2536492"/>
               <a:ext cx="63202" cy="63202"/>
             </a:xfrm>
             <a:custGeom>
@@ -16846,7 +16846,7 @@
           </p:nvSpPr>
           <p:spPr>
             <a:xfrm>
-              <a:off x="4938583" y="2042185"/>
+              <a:off x="4797238" y="2042200"/>
               <a:ext cx="63202" cy="63202"/>
             </a:xfrm>
             <a:custGeom>
@@ -16889,7 +16889,7 @@
           </p:nvSpPr>
           <p:spPr>
             <a:xfrm>
-              <a:off x="4950712" y="2049989"/>
+              <a:off x="4541393" y="2049982"/>
               <a:ext cx="63202" cy="63202"/>
             </a:xfrm>
             <a:custGeom>
@@ -16932,7 +16932,7 @@
           </p:nvSpPr>
           <p:spPr>
             <a:xfrm>
-              <a:off x="4826987" y="1883347"/>
+              <a:off x="4588631" y="1883317"/>
               <a:ext cx="63202" cy="63202"/>
             </a:xfrm>
             <a:custGeom>
@@ -16975,7 +16975,7 @@
           </p:nvSpPr>
           <p:spPr>
             <a:xfrm>
-              <a:off x="4886671" y="1933996"/>
+              <a:off x="4901075" y="1933983"/>
               <a:ext cx="63202" cy="63202"/>
             </a:xfrm>
             <a:custGeom>
@@ -17018,7 +17018,7 @@
           </p:nvSpPr>
           <p:spPr>
             <a:xfrm>
-              <a:off x="4963517" y="2032275"/>
+              <a:off x="5036091" y="2032259"/>
               <a:ext cx="63202" cy="63202"/>
             </a:xfrm>
             <a:custGeom>
@@ -17061,7 +17061,7 @@
           </p:nvSpPr>
           <p:spPr>
             <a:xfrm>
-              <a:off x="4991310" y="1998099"/>
+              <a:off x="4655312" y="1998035"/>
               <a:ext cx="63202" cy="63202"/>
             </a:xfrm>
             <a:custGeom>
@@ -17104,7 +17104,7 @@
           </p:nvSpPr>
           <p:spPr>
             <a:xfrm>
-              <a:off x="4553308" y="1886410"/>
+              <a:off x="4485452" y="1886395"/>
               <a:ext cx="63202" cy="63202"/>
             </a:xfrm>
             <a:custGeom>
@@ -17147,7 +17147,7 @@
           </p:nvSpPr>
           <p:spPr>
             <a:xfrm>
-              <a:off x="4918873" y="2204940"/>
+              <a:off x="4892508" y="2204914"/>
               <a:ext cx="63202" cy="63202"/>
             </a:xfrm>
             <a:custGeom>
@@ -17190,7 +17190,7 @@
           </p:nvSpPr>
           <p:spPr>
             <a:xfrm>
-              <a:off x="5040126" y="1977531"/>
+              <a:off x="5000899" y="1977453"/>
               <a:ext cx="63202" cy="63202"/>
             </a:xfrm>
             <a:custGeom>
@@ -17233,7 +17233,7 @@
           </p:nvSpPr>
           <p:spPr>
             <a:xfrm>
-              <a:off x="5049254" y="1997687"/>
+              <a:off x="4528046" y="1997621"/>
               <a:ext cx="63202" cy="63202"/>
             </a:xfrm>
             <a:custGeom>
@@ -17276,7 +17276,7 @@
           </p:nvSpPr>
           <p:spPr>
             <a:xfrm>
-              <a:off x="5143309" y="2437531"/>
+              <a:off x="5121723" y="2437475"/>
               <a:ext cx="63202" cy="63202"/>
             </a:xfrm>
             <a:custGeom>
@@ -17319,7 +17319,7 @@
           </p:nvSpPr>
           <p:spPr>
             <a:xfrm>
-              <a:off x="4685758" y="2469315"/>
+              <a:off x="4814287" y="2469284"/>
               <a:ext cx="63202" cy="63202"/>
             </a:xfrm>
             <a:custGeom>
@@ -17362,7 +17362,7 @@
           </p:nvSpPr>
           <p:spPr>
             <a:xfrm>
-              <a:off x="4620991" y="1887757"/>
+              <a:off x="4923336" y="1887741"/>
               <a:ext cx="63202" cy="63202"/>
             </a:xfrm>
             <a:custGeom>
@@ -17405,7 +17405,7 @@
           </p:nvSpPr>
           <p:spPr>
             <a:xfrm>
-              <a:off x="5099282" y="1878271"/>
+              <a:off x="5091948" y="1878210"/>
               <a:ext cx="63202" cy="63202"/>
             </a:xfrm>
             <a:custGeom>
@@ -17448,7 +17448,7 @@
           </p:nvSpPr>
           <p:spPr>
             <a:xfrm>
-              <a:off x="4937171" y="1874740"/>
+              <a:off x="4557601" y="1874687"/>
               <a:ext cx="63202" cy="63202"/>
             </a:xfrm>
             <a:custGeom>
@@ -17491,7 +17491,7 @@
           </p:nvSpPr>
           <p:spPr>
             <a:xfrm>
-              <a:off x="4950267" y="2252517"/>
+              <a:off x="4469125" y="2252490"/>
               <a:ext cx="63202" cy="63202"/>
             </a:xfrm>
             <a:custGeom>
@@ -17534,7 +17534,7 @@
           </p:nvSpPr>
           <p:spPr>
             <a:xfrm>
-              <a:off x="4866764" y="1948099"/>
+              <a:off x="4547538" y="1948097"/>
               <a:ext cx="63202" cy="63202"/>
             </a:xfrm>
             <a:custGeom>
@@ -17577,7 +17577,7 @@
           </p:nvSpPr>
           <p:spPr>
             <a:xfrm>
-              <a:off x="4796319" y="1887335"/>
+              <a:off x="4884351" y="1887317"/>
               <a:ext cx="63202" cy="63202"/>
             </a:xfrm>
             <a:custGeom>
@@ -17620,7 +17620,7 @@
           </p:nvSpPr>
           <p:spPr>
             <a:xfrm>
-              <a:off x="4720691" y="2244095"/>
+              <a:off x="4957360" y="2244059"/>
               <a:ext cx="63202" cy="63202"/>
             </a:xfrm>
             <a:custGeom>
@@ -17663,7 +17663,7 @@
           </p:nvSpPr>
           <p:spPr>
             <a:xfrm>
-              <a:off x="4512286" y="1878237"/>
+              <a:off x="5040575" y="1878235"/>
               <a:ext cx="63202" cy="63202"/>
             </a:xfrm>
             <a:custGeom>
@@ -17706,7 +17706,7 @@
           </p:nvSpPr>
           <p:spPr>
             <a:xfrm>
-              <a:off x="4779843" y="1881875"/>
+              <a:off x="4955809" y="1881812"/>
               <a:ext cx="63202" cy="63202"/>
             </a:xfrm>
             <a:custGeom>
@@ -17749,7 +17749,7 @@
           </p:nvSpPr>
           <p:spPr>
             <a:xfrm>
-              <a:off x="5107438" y="1937499"/>
+              <a:off x="4796315" y="1937498"/>
               <a:ext cx="63202" cy="63202"/>
             </a:xfrm>
             <a:custGeom>
@@ -17792,7 +17792,7 @@
           </p:nvSpPr>
           <p:spPr>
             <a:xfrm>
-              <a:off x="5040637" y="1884440"/>
+              <a:off x="5015043" y="1884422"/>
               <a:ext cx="63202" cy="63202"/>
             </a:xfrm>
             <a:custGeom>
@@ -17835,7 +17835,7 @@
           </p:nvSpPr>
           <p:spPr>
             <a:xfrm>
-              <a:off x="4498318" y="2120907"/>
+              <a:off x="4677076" y="2120878"/>
               <a:ext cx="63202" cy="63202"/>
             </a:xfrm>
             <a:custGeom>
@@ -17878,7 +17878,7 @@
           </p:nvSpPr>
           <p:spPr>
             <a:xfrm>
-              <a:off x="4857206" y="1881371"/>
+              <a:off x="4994500" y="1881360"/>
               <a:ext cx="63202" cy="63202"/>
             </a:xfrm>
             <a:custGeom>
@@ -17921,7 +17921,7 @@
           </p:nvSpPr>
           <p:spPr>
             <a:xfrm>
-              <a:off x="4819316" y="1889636"/>
+              <a:off x="4940874" y="1889608"/>
               <a:ext cx="63202" cy="63202"/>
             </a:xfrm>
             <a:custGeom>
@@ -18020,7 +18020,7 @@
           </p:nvSpPr>
           <p:spPr>
             <a:xfrm>
-              <a:off x="4325757" y="4823719"/>
+              <a:off x="4325757" y="4823673"/>
               <a:ext cx="2796732" cy="0"/>
             </a:xfrm>
             <a:custGeom>
@@ -18063,7 +18063,7 @@
           </p:nvSpPr>
           <p:spPr>
             <a:xfrm>
-              <a:off x="4325757" y="4484274"/>
+              <a:off x="4325757" y="4484235"/>
               <a:ext cx="2796732" cy="0"/>
             </a:xfrm>
             <a:custGeom>
@@ -18106,7 +18106,7 @@
           </p:nvSpPr>
           <p:spPr>
             <a:xfrm>
-              <a:off x="4325757" y="4144828"/>
+              <a:off x="4325757" y="4144797"/>
               <a:ext cx="2796732" cy="0"/>
             </a:xfrm>
             <a:custGeom>
@@ -18149,7 +18149,7 @@
           </p:nvSpPr>
           <p:spPr>
             <a:xfrm>
-              <a:off x="4325757" y="3805383"/>
+              <a:off x="4325757" y="3805358"/>
               <a:ext cx="2796732" cy="0"/>
             </a:xfrm>
             <a:custGeom>
@@ -18192,7 +18192,7 @@
           </p:nvSpPr>
           <p:spPr>
             <a:xfrm>
-              <a:off x="4325757" y="3465938"/>
+              <a:off x="4325757" y="3465920"/>
               <a:ext cx="2796732" cy="0"/>
             </a:xfrm>
             <a:custGeom>
@@ -18235,7 +18235,7 @@
           </p:nvSpPr>
           <p:spPr>
             <a:xfrm>
-              <a:off x="4325757" y="4653996"/>
+              <a:off x="4325757" y="4653954"/>
               <a:ext cx="2796732" cy="0"/>
             </a:xfrm>
             <a:custGeom>
@@ -18278,7 +18278,7 @@
           </p:nvSpPr>
           <p:spPr>
             <a:xfrm>
-              <a:off x="4325757" y="4314551"/>
+              <a:off x="4325757" y="4314516"/>
               <a:ext cx="2796732" cy="0"/>
             </a:xfrm>
             <a:custGeom>
@@ -18321,7 +18321,7 @@
           </p:nvSpPr>
           <p:spPr>
             <a:xfrm>
-              <a:off x="4325757" y="3975106"/>
+              <a:off x="4325757" y="3975078"/>
               <a:ext cx="2796732" cy="0"/>
             </a:xfrm>
             <a:custGeom>
@@ -18364,7 +18364,7 @@
           </p:nvSpPr>
           <p:spPr>
             <a:xfrm>
-              <a:off x="4325757" y="3635660"/>
+              <a:off x="4325757" y="3635639"/>
               <a:ext cx="2796732" cy="0"/>
             </a:xfrm>
             <a:custGeom>
@@ -18536,7 +18536,7 @@
           </p:nvSpPr>
           <p:spPr>
             <a:xfrm>
-              <a:off x="4524611" y="4110769"/>
+              <a:off x="4668994" y="4110743"/>
               <a:ext cx="63202" cy="63202"/>
             </a:xfrm>
             <a:custGeom>
@@ -18579,7 +18579,7 @@
           </p:nvSpPr>
           <p:spPr>
             <a:xfrm>
-              <a:off x="4771542" y="4018428"/>
+              <a:off x="5059324" y="4018437"/>
               <a:ext cx="63202" cy="63202"/>
             </a:xfrm>
             <a:custGeom>
@@ -18622,7 +18622,7 @@
           </p:nvSpPr>
           <p:spPr>
             <a:xfrm>
-              <a:off x="5801067" y="3902613"/>
+              <a:off x="5704209" y="3902586"/>
               <a:ext cx="63202" cy="63202"/>
             </a:xfrm>
             <a:custGeom>
@@ -18665,7 +18665,7 @@
           </p:nvSpPr>
           <p:spPr>
             <a:xfrm>
-              <a:off x="6427327" y="4711982"/>
+              <a:off x="6889279" y="4711977"/>
               <a:ext cx="63202" cy="63202"/>
             </a:xfrm>
             <a:custGeom>
@@ -18708,7 +18708,7 @@
           </p:nvSpPr>
           <p:spPr>
             <a:xfrm>
-              <a:off x="6266581" y="4883747"/>
+              <a:off x="6858823" y="4883747"/>
               <a:ext cx="63202" cy="63202"/>
             </a:xfrm>
             <a:custGeom>
@@ -18751,7 +18751,7 @@
           </p:nvSpPr>
           <p:spPr>
             <a:xfrm>
-              <a:off x="6633042" y="4589690"/>
+              <a:off x="6527469" y="4589642"/>
               <a:ext cx="63202" cy="63202"/>
             </a:xfrm>
             <a:custGeom>
@@ -18794,7 +18794,7 @@
           </p:nvSpPr>
           <p:spPr>
             <a:xfrm>
-              <a:off x="6855358" y="4854350"/>
+              <a:off x="6354716" y="4854340"/>
               <a:ext cx="63202" cy="63202"/>
             </a:xfrm>
             <a:custGeom>
@@ -18893,7 +18893,7 @@
           </p:nvSpPr>
           <p:spPr>
             <a:xfrm>
-              <a:off x="4325757" y="6749052"/>
+              <a:off x="4325757" y="6749006"/>
               <a:ext cx="2796732" cy="0"/>
             </a:xfrm>
             <a:custGeom>
@@ -18936,7 +18936,7 @@
           </p:nvSpPr>
           <p:spPr>
             <a:xfrm>
-              <a:off x="4325757" y="6409606"/>
+              <a:off x="4325757" y="6409567"/>
               <a:ext cx="2796732" cy="0"/>
             </a:xfrm>
             <a:custGeom>
@@ -18979,7 +18979,7 @@
           </p:nvSpPr>
           <p:spPr>
             <a:xfrm>
-              <a:off x="4325757" y="6070161"/>
+              <a:off x="4325757" y="6070129"/>
               <a:ext cx="2796732" cy="0"/>
             </a:xfrm>
             <a:custGeom>
@@ -19022,7 +19022,7 @@
           </p:nvSpPr>
           <p:spPr>
             <a:xfrm>
-              <a:off x="4325757" y="5730716"/>
+              <a:off x="4325757" y="5730691"/>
               <a:ext cx="2796732" cy="0"/>
             </a:xfrm>
             <a:custGeom>
@@ -19065,7 +19065,7 @@
           </p:nvSpPr>
           <p:spPr>
             <a:xfrm>
-              <a:off x="4325757" y="5391270"/>
+              <a:off x="4325757" y="5391253"/>
               <a:ext cx="2796732" cy="0"/>
             </a:xfrm>
             <a:custGeom>
@@ -19108,7 +19108,7 @@
           </p:nvSpPr>
           <p:spPr>
             <a:xfrm>
-              <a:off x="4325757" y="6579329"/>
+              <a:off x="4325757" y="6579287"/>
               <a:ext cx="2796732" cy="0"/>
             </a:xfrm>
             <a:custGeom>
@@ -19151,7 +19151,7 @@
           </p:nvSpPr>
           <p:spPr>
             <a:xfrm>
-              <a:off x="4325757" y="6239884"/>
+              <a:off x="4325757" y="6239848"/>
               <a:ext cx="2796732" cy="0"/>
             </a:xfrm>
             <a:custGeom>
@@ -19194,7 +19194,7 @@
           </p:nvSpPr>
           <p:spPr>
             <a:xfrm>
-              <a:off x="4325757" y="5900438"/>
+              <a:off x="4325757" y="5900410"/>
               <a:ext cx="2796732" cy="0"/>
             </a:xfrm>
             <a:custGeom>
@@ -19237,7 +19237,7 @@
           </p:nvSpPr>
           <p:spPr>
             <a:xfrm>
-              <a:off x="4325757" y="5560993"/>
+              <a:off x="4325757" y="5560972"/>
               <a:ext cx="2796732" cy="0"/>
             </a:xfrm>
             <a:custGeom>
@@ -19409,7 +19409,7 @@
           </p:nvSpPr>
           <p:spPr>
             <a:xfrm>
-              <a:off x="4555985" y="5434629"/>
+              <a:off x="4815475" y="5434578"/>
               <a:ext cx="63202" cy="63202"/>
             </a:xfrm>
             <a:custGeom>
@@ -19452,7 +19452,7 @@
           </p:nvSpPr>
           <p:spPr>
             <a:xfrm>
-              <a:off x="4532880" y="5398013"/>
+              <a:off x="5110159" y="5397993"/>
               <a:ext cx="63202" cy="63202"/>
             </a:xfrm>
             <a:custGeom>
@@ -19495,7 +19495,7 @@
           </p:nvSpPr>
           <p:spPr>
             <a:xfrm>
-              <a:off x="4894760" y="5484063"/>
+              <a:off x="5040517" y="5484049"/>
               <a:ext cx="63202" cy="63202"/>
             </a:xfrm>
             <a:custGeom>
@@ -19538,7 +19538,7 @@
           </p:nvSpPr>
           <p:spPr>
             <a:xfrm>
-              <a:off x="4943186" y="5317369"/>
+              <a:off x="4831319" y="5317369"/>
               <a:ext cx="63202" cy="63202"/>
             </a:xfrm>
             <a:custGeom>
@@ -19581,7 +19581,7 @@
           </p:nvSpPr>
           <p:spPr>
             <a:xfrm>
-              <a:off x="4920841" y="5398840"/>
+              <a:off x="4600291" y="5398832"/>
               <a:ext cx="63202" cy="63202"/>
             </a:xfrm>
             <a:custGeom>
@@ -19624,7 +19624,7 @@
           </p:nvSpPr>
           <p:spPr>
             <a:xfrm>
-              <a:off x="5086257" y="5422068"/>
+              <a:off x="4739654" y="5422022"/>
               <a:ext cx="63202" cy="63202"/>
             </a:xfrm>
             <a:custGeom>
@@ -19667,7 +19667,7 @@
           </p:nvSpPr>
           <p:spPr>
             <a:xfrm>
-              <a:off x="5024002" y="5395879"/>
+              <a:off x="4857045" y="5395851"/>
               <a:ext cx="63202" cy="63202"/>
             </a:xfrm>
             <a:custGeom>
@@ -19710,7 +19710,7 @@
           </p:nvSpPr>
           <p:spPr>
             <a:xfrm>
-              <a:off x="4685600" y="5498658"/>
+              <a:off x="4777996" y="5498634"/>
               <a:ext cx="63202" cy="63202"/>
             </a:xfrm>
             <a:custGeom>
@@ -19753,7 +19753,7 @@
           </p:nvSpPr>
           <p:spPr>
             <a:xfrm>
-              <a:off x="4568514" y="5735246"/>
+              <a:off x="5130340" y="5735197"/>
               <a:ext cx="63202" cy="63202"/>
             </a:xfrm>
             <a:custGeom>
@@ -19796,7 +19796,7 @@
           </p:nvSpPr>
           <p:spPr>
             <a:xfrm>
-              <a:off x="5097344" y="5483850"/>
+              <a:off x="4730092" y="5483832"/>
               <a:ext cx="63202" cy="63202"/>
             </a:xfrm>
             <a:custGeom>
@@ -19839,7 +19839,7 @@
           </p:nvSpPr>
           <p:spPr>
             <a:xfrm>
-              <a:off x="4603535" y="5493756"/>
+              <a:off x="4895208" y="5493711"/>
               <a:ext cx="63202" cy="63202"/>
             </a:xfrm>
             <a:custGeom>
@@ -19882,7 +19882,7 @@
           </p:nvSpPr>
           <p:spPr>
             <a:xfrm>
-              <a:off x="5011197" y="5719364"/>
+              <a:off x="4573611" y="5719311"/>
               <a:ext cx="63202" cy="63202"/>
             </a:xfrm>
             <a:custGeom>
@@ -19925,7 +19925,7 @@
           </p:nvSpPr>
           <p:spPr>
             <a:xfrm>
-              <a:off x="4580685" y="5721641"/>
+              <a:off x="4899066" y="5721631"/>
               <a:ext cx="63202" cy="63202"/>
             </a:xfrm>
             <a:custGeom>
@@ -19968,7 +19968,7 @@
           </p:nvSpPr>
           <p:spPr>
             <a:xfrm>
-              <a:off x="4737100" y="5449071"/>
+              <a:off x="4680075" y="5449057"/>
               <a:ext cx="63202" cy="63202"/>
             </a:xfrm>
             <a:custGeom>
@@ -20011,7 +20011,7 @@
           </p:nvSpPr>
           <p:spPr>
             <a:xfrm>
-              <a:off x="4957909" y="5494692"/>
+              <a:off x="4965996" y="5494658"/>
               <a:ext cx="63202" cy="63202"/>
             </a:xfrm>
             <a:custGeom>
@@ -20054,7 +20054,7 @@
           </p:nvSpPr>
           <p:spPr>
             <a:xfrm>
-              <a:off x="5165457" y="5371794"/>
+              <a:off x="5145149" y="5371786"/>
               <a:ext cx="63202" cy="63202"/>
             </a:xfrm>
             <a:custGeom>
@@ -20097,7 +20097,7 @@
           </p:nvSpPr>
           <p:spPr>
             <a:xfrm>
-              <a:off x="5102506" y="5467478"/>
+              <a:off x="4836550" y="5467461"/>
               <a:ext cx="63202" cy="63202"/>
             </a:xfrm>
             <a:custGeom>
@@ -20140,7 +20140,7 @@
           </p:nvSpPr>
           <p:spPr>
             <a:xfrm>
-              <a:off x="5131296" y="5389314"/>
+              <a:off x="4649535" y="5389302"/>
               <a:ext cx="63202" cy="63202"/>
             </a:xfrm>
             <a:custGeom>
@@ -20183,7 +20183,7 @@
           </p:nvSpPr>
           <p:spPr>
             <a:xfrm>
-              <a:off x="4623592" y="5429933"/>
+              <a:off x="5039805" y="5429905"/>
               <a:ext cx="63202" cy="63202"/>
             </a:xfrm>
             <a:custGeom>
@@ -20226,7 +20226,7 @@
           </p:nvSpPr>
           <p:spPr>
             <a:xfrm>
-              <a:off x="4738386" y="5367566"/>
+              <a:off x="4674943" y="5367511"/>
               <a:ext cx="63202" cy="63202"/>
             </a:xfrm>
             <a:custGeom>
@@ -20269,7 +20269,7 @@
           </p:nvSpPr>
           <p:spPr>
             <a:xfrm>
-              <a:off x="5038432" y="5893301"/>
+              <a:off x="4807103" y="5893230"/>
               <a:ext cx="63202" cy="63202"/>
             </a:xfrm>
             <a:custGeom>
@@ -20312,7 +20312,7 @@
           </p:nvSpPr>
           <p:spPr>
             <a:xfrm>
-              <a:off x="4786231" y="5428395"/>
+              <a:off x="5140481" y="5428342"/>
               <a:ext cx="63202" cy="63202"/>
             </a:xfrm>
             <a:custGeom>
@@ -20355,7 +20355,7 @@
           </p:nvSpPr>
           <p:spPr>
             <a:xfrm>
-              <a:off x="4913512" y="5424780"/>
+              <a:off x="4509415" y="5424729"/>
               <a:ext cx="63202" cy="63202"/>
             </a:xfrm>
             <a:custGeom>
@@ -20398,7 +20398,7 @@
           </p:nvSpPr>
           <p:spPr>
             <a:xfrm>
-              <a:off x="5016834" y="5381613"/>
+              <a:off x="4941963" y="5381597"/>
               <a:ext cx="63202" cy="63202"/>
             </a:xfrm>
             <a:custGeom>
@@ -20441,7 +20441,7 @@
           </p:nvSpPr>
           <p:spPr>
             <a:xfrm>
-              <a:off x="4481111" y="5395287"/>
+              <a:off x="4929677" y="5395289"/>
               <a:ext cx="63202" cy="63202"/>
             </a:xfrm>
             <a:custGeom>
@@ -20484,7 +20484,7 @@
           </p:nvSpPr>
           <p:spPr>
             <a:xfrm>
-              <a:off x="4764083" y="5423364"/>
+              <a:off x="5130343" y="5423328"/>
               <a:ext cx="63202" cy="63202"/>
             </a:xfrm>
             <a:custGeom>
@@ -20527,7 +20527,7 @@
           </p:nvSpPr>
           <p:spPr>
             <a:xfrm>
-              <a:off x="4482701" y="5421812"/>
+              <a:off x="4703981" y="5421771"/>
               <a:ext cx="63202" cy="63202"/>
             </a:xfrm>
             <a:custGeom>
@@ -20570,7 +20570,7 @@
           </p:nvSpPr>
           <p:spPr>
             <a:xfrm>
-              <a:off x="4918075" y="5397878"/>
+              <a:off x="4618859" y="5397896"/>
               <a:ext cx="63202" cy="63202"/>
             </a:xfrm>
             <a:custGeom>
@@ -20613,7 +20613,7 @@
           </p:nvSpPr>
           <p:spPr>
             <a:xfrm>
-              <a:off x="4545208" y="5483313"/>
+              <a:off x="5075786" y="5483290"/>
               <a:ext cx="63202" cy="63202"/>
             </a:xfrm>
             <a:custGeom>
@@ -20656,7 +20656,7 @@
           </p:nvSpPr>
           <p:spPr>
             <a:xfrm>
-              <a:off x="4783609" y="5451175"/>
+              <a:off x="4535589" y="5451188"/>
               <a:ext cx="63202" cy="63202"/>
             </a:xfrm>
             <a:custGeom>
@@ -20699,7 +20699,7 @@
           </p:nvSpPr>
           <p:spPr>
             <a:xfrm>
-              <a:off x="4672826" y="5432931"/>
+              <a:off x="4893085" y="5432895"/>
               <a:ext cx="63202" cy="63202"/>
             </a:xfrm>
             <a:custGeom>
@@ -20742,7 +20742,7 @@
           </p:nvSpPr>
           <p:spPr>
             <a:xfrm>
-              <a:off x="4564222" y="5381588"/>
+              <a:off x="4757224" y="5381570"/>
               <a:ext cx="63202" cy="63202"/>
             </a:xfrm>
             <a:custGeom>
@@ -20785,7 +20785,7 @@
           </p:nvSpPr>
           <p:spPr>
             <a:xfrm>
-              <a:off x="4910766" y="5395809"/>
+              <a:off x="4974037" y="5395773"/>
               <a:ext cx="63202" cy="63202"/>
             </a:xfrm>
             <a:custGeom>
@@ -20828,7 +20828,7 @@
           </p:nvSpPr>
           <p:spPr>
             <a:xfrm>
-              <a:off x="4962205" y="5395830"/>
+              <a:off x="5044784" y="5395827"/>
               <a:ext cx="63202" cy="63202"/>
             </a:xfrm>
             <a:custGeom>
@@ -20871,7 +20871,7 @@
           </p:nvSpPr>
           <p:spPr>
             <a:xfrm>
-              <a:off x="4503690" y="5433123"/>
+              <a:off x="4519159" y="5433104"/>
               <a:ext cx="63202" cy="63202"/>
             </a:xfrm>
             <a:custGeom>
@@ -20914,7 +20914,7 @@
           </p:nvSpPr>
           <p:spPr>
             <a:xfrm>
-              <a:off x="5045417" y="5434396"/>
+              <a:off x="4774297" y="5434403"/>
               <a:ext cx="63202" cy="63202"/>
             </a:xfrm>
             <a:custGeom>
@@ -20957,7 +20957,7 @@
           </p:nvSpPr>
           <p:spPr>
             <a:xfrm>
-              <a:off x="4564030" y="5633856"/>
+              <a:off x="4984112" y="5633823"/>
               <a:ext cx="63202" cy="63202"/>
             </a:xfrm>
             <a:custGeom>
@@ -21000,7 +21000,7 @@
           </p:nvSpPr>
           <p:spPr>
             <a:xfrm>
-              <a:off x="4791389" y="5386151"/>
+              <a:off x="5083777" y="5386144"/>
               <a:ext cx="63202" cy="63202"/>
             </a:xfrm>
             <a:custGeom>
@@ -21043,7 +21043,7 @@
           </p:nvSpPr>
           <p:spPr>
             <a:xfrm>
-              <a:off x="4928450" y="5437474"/>
+              <a:off x="4786324" y="5437435"/>
               <a:ext cx="63202" cy="63202"/>
             </a:xfrm>
             <a:custGeom>
@@ -21086,7 +21086,7 @@
           </p:nvSpPr>
           <p:spPr>
             <a:xfrm>
-              <a:off x="4748497" y="5475963"/>
+              <a:off x="4596649" y="5475968"/>
               <a:ext cx="63202" cy="63202"/>
             </a:xfrm>
             <a:custGeom>
@@ -21129,7 +21129,7 @@
           </p:nvSpPr>
           <p:spPr>
             <a:xfrm>
-              <a:off x="4726452" y="5392446"/>
+              <a:off x="4639586" y="5392416"/>
               <a:ext cx="63202" cy="63202"/>
             </a:xfrm>
             <a:custGeom>
@@ -21172,7 +21172,7 @@
           </p:nvSpPr>
           <p:spPr>
             <a:xfrm>
-              <a:off x="4941177" y="5417572"/>
+              <a:off x="4857635" y="5417534"/>
               <a:ext cx="63202" cy="63202"/>
             </a:xfrm>
             <a:custGeom>
@@ -21215,7 +21215,7 @@
           </p:nvSpPr>
           <p:spPr>
             <a:xfrm>
-              <a:off x="4576938" y="5877644"/>
+              <a:off x="4883850" y="5877642"/>
               <a:ext cx="63202" cy="63202"/>
             </a:xfrm>
             <a:custGeom>
@@ -21258,7 +21258,7 @@
           </p:nvSpPr>
           <p:spPr>
             <a:xfrm>
-              <a:off x="4634916" y="5433934"/>
+              <a:off x="4579593" y="5433948"/>
               <a:ext cx="63202" cy="63202"/>
             </a:xfrm>
             <a:custGeom>
@@ -21301,7 +21301,7 @@
           </p:nvSpPr>
           <p:spPr>
             <a:xfrm>
-              <a:off x="4751754" y="5622743"/>
+              <a:off x="5094270" y="5622702"/>
               <a:ext cx="63202" cy="63202"/>
             </a:xfrm>
             <a:custGeom>
@@ -21344,7 +21344,7 @@
           </p:nvSpPr>
           <p:spPr>
             <a:xfrm>
-              <a:off x="4538841" y="5395624"/>
+              <a:off x="4978926" y="5395616"/>
               <a:ext cx="63202" cy="63202"/>
             </a:xfrm>
             <a:custGeom>
@@ -21387,7 +21387,7 @@
           </p:nvSpPr>
           <p:spPr>
             <a:xfrm>
-              <a:off x="4658187" y="5605198"/>
+              <a:off x="4852026" y="5605198"/>
               <a:ext cx="63202" cy="63202"/>
             </a:xfrm>
             <a:custGeom>
@@ -21430,7 +21430,7 @@
           </p:nvSpPr>
           <p:spPr>
             <a:xfrm>
-              <a:off x="4740187" y="5399836"/>
+              <a:off x="4914385" y="5399829"/>
               <a:ext cx="63202" cy="63202"/>
             </a:xfrm>
             <a:custGeom>
@@ -21473,7 +21473,7 @@
           </p:nvSpPr>
           <p:spPr>
             <a:xfrm>
-              <a:off x="4526513" y="5447252"/>
+              <a:off x="4952827" y="5447201"/>
               <a:ext cx="63202" cy="63202"/>
             </a:xfrm>
             <a:custGeom>
@@ -21516,7 +21516,7 @@
           </p:nvSpPr>
           <p:spPr>
             <a:xfrm>
-              <a:off x="4826032" y="5412435"/>
+              <a:off x="4627022" y="5412415"/>
               <a:ext cx="63202" cy="63202"/>
             </a:xfrm>
             <a:custGeom>
@@ -21559,7 +21559,7 @@
           </p:nvSpPr>
           <p:spPr>
             <a:xfrm>
-              <a:off x="4684419" y="5508472"/>
+              <a:off x="4898747" y="5508479"/>
               <a:ext cx="63202" cy="63202"/>
             </a:xfrm>
             <a:custGeom>
@@ -21602,7 +21602,7 @@
           </p:nvSpPr>
           <p:spPr>
             <a:xfrm>
-              <a:off x="4500350" y="5447980"/>
+              <a:off x="4484534" y="5447960"/>
               <a:ext cx="63202" cy="63202"/>
             </a:xfrm>
             <a:custGeom>
@@ -21645,7 +21645,7 @@
           </p:nvSpPr>
           <p:spPr>
             <a:xfrm>
-              <a:off x="4582816" y="5837219"/>
+              <a:off x="4654107" y="5837155"/>
               <a:ext cx="63202" cy="63202"/>
             </a:xfrm>
             <a:custGeom>
@@ -21688,7 +21688,7 @@
           </p:nvSpPr>
           <p:spPr>
             <a:xfrm>
-              <a:off x="5123416" y="5759870"/>
+              <a:off x="4857899" y="5759868"/>
               <a:ext cx="63202" cy="63202"/>
             </a:xfrm>
             <a:custGeom>
@@ -21731,7 +21731,7 @@
           </p:nvSpPr>
           <p:spPr>
             <a:xfrm>
-              <a:off x="4553894" y="5393774"/>
+              <a:off x="4628942" y="5393712"/>
               <a:ext cx="63202" cy="63202"/>
             </a:xfrm>
             <a:custGeom>
@@ -21774,7 +21774,7 @@
           </p:nvSpPr>
           <p:spPr>
             <a:xfrm>
-              <a:off x="4919048" y="5478958"/>
+              <a:off x="5101336" y="5478953"/>
               <a:ext cx="63202" cy="63202"/>
             </a:xfrm>
             <a:custGeom>
@@ -21817,7 +21817,7 @@
           </p:nvSpPr>
           <p:spPr>
             <a:xfrm>
-              <a:off x="4848878" y="5587191"/>
+              <a:off x="4547748" y="5587145"/>
               <a:ext cx="63202" cy="63202"/>
             </a:xfrm>
             <a:custGeom>
@@ -21860,7 +21860,7 @@
           </p:nvSpPr>
           <p:spPr>
             <a:xfrm>
-              <a:off x="4790527" y="5404473"/>
+              <a:off x="4480114" y="5404451"/>
               <a:ext cx="63202" cy="63202"/>
             </a:xfrm>
             <a:custGeom>
@@ -21903,7 +21903,7 @@
           </p:nvSpPr>
           <p:spPr>
             <a:xfrm>
-              <a:off x="4749239" y="5387701"/>
+              <a:off x="4942772" y="5387700"/>
               <a:ext cx="63202" cy="63202"/>
             </a:xfrm>
             <a:custGeom>
@@ -21946,7 +21946,7 @@
           </p:nvSpPr>
           <p:spPr>
             <a:xfrm>
-              <a:off x="5037733" y="5486420"/>
+              <a:off x="4865990" y="5486377"/>
               <a:ext cx="63202" cy="63202"/>
             </a:xfrm>
             <a:custGeom>
@@ -21989,7 +21989,7 @@
           </p:nvSpPr>
           <p:spPr>
             <a:xfrm>
-              <a:off x="5015026" y="5487174"/>
+              <a:off x="5076251" y="5487152"/>
               <a:ext cx="63202" cy="63202"/>
             </a:xfrm>
             <a:custGeom>
@@ -22032,7 +22032,7 @@
           </p:nvSpPr>
           <p:spPr>
             <a:xfrm>
-              <a:off x="5148035" y="5496864"/>
+              <a:off x="4708411" y="5496833"/>
               <a:ext cx="63202" cy="63202"/>
             </a:xfrm>
             <a:custGeom>
@@ -22075,7 +22075,7 @@
           </p:nvSpPr>
           <p:spPr>
             <a:xfrm>
-              <a:off x="4850413" y="5890764"/>
+              <a:off x="4989725" y="5890762"/>
               <a:ext cx="63202" cy="63202"/>
             </a:xfrm>
             <a:custGeom>
@@ -22118,7 +22118,7 @@
           </p:nvSpPr>
           <p:spPr>
             <a:xfrm>
-              <a:off x="4934714" y="5399943"/>
+              <a:off x="4674388" y="5399917"/>
               <a:ext cx="63202" cy="63202"/>
             </a:xfrm>
             <a:custGeom>
@@ -22161,7 +22161,7 @@
           </p:nvSpPr>
           <p:spPr>
             <a:xfrm>
-              <a:off x="4789864" y="5417224"/>
+              <a:off x="4655696" y="5417236"/>
               <a:ext cx="63202" cy="63202"/>
             </a:xfrm>
             <a:custGeom>
@@ -22204,7 +22204,7 @@
           </p:nvSpPr>
           <p:spPr>
             <a:xfrm>
-              <a:off x="5144290" y="5496676"/>
+              <a:off x="4531992" y="5496655"/>
               <a:ext cx="63202" cy="63202"/>
             </a:xfrm>
             <a:custGeom>
@@ -22247,7 +22247,7 @@
           </p:nvSpPr>
           <p:spPr>
             <a:xfrm>
-              <a:off x="5065799" y="5410883"/>
+              <a:off x="5049658" y="5410854"/>
               <a:ext cx="63202" cy="63202"/>
             </a:xfrm>
             <a:custGeom>
@@ -22290,7 +22290,7 @@
           </p:nvSpPr>
           <p:spPr>
             <a:xfrm>
-              <a:off x="4859368" y="5407661"/>
+              <a:off x="4704386" y="5407665"/>
               <a:ext cx="63202" cy="63202"/>
             </a:xfrm>
             <a:custGeom>
@@ -22333,7 +22333,7 @@
           </p:nvSpPr>
           <p:spPr>
             <a:xfrm>
-              <a:off x="4549640" y="5753043"/>
+              <a:off x="4676358" y="5753019"/>
               <a:ext cx="63202" cy="63202"/>
             </a:xfrm>
             <a:custGeom>
@@ -22376,7 +22376,7 @@
           </p:nvSpPr>
           <p:spPr>
             <a:xfrm>
-              <a:off x="4556474" y="5387907"/>
+              <a:off x="4595775" y="5387867"/>
               <a:ext cx="63202" cy="63202"/>
             </a:xfrm>
             <a:custGeom>
@@ -22419,7 +22419,7 @@
           </p:nvSpPr>
           <p:spPr>
             <a:xfrm>
-              <a:off x="4506363" y="5391797"/>
+              <a:off x="4985670" y="5391770"/>
               <a:ext cx="63202" cy="63202"/>
             </a:xfrm>
             <a:custGeom>
@@ -22462,7 +22462,7 @@
           </p:nvSpPr>
           <p:spPr>
             <a:xfrm>
-              <a:off x="4609460" y="5376753"/>
+              <a:off x="4535946" y="5376769"/>
               <a:ext cx="63202" cy="63202"/>
             </a:xfrm>
             <a:custGeom>
@@ -22505,7 +22505,7 @@
           </p:nvSpPr>
           <p:spPr>
             <a:xfrm>
-              <a:off x="5047451" y="5761704"/>
+              <a:off x="4704560" y="5761701"/>
               <a:ext cx="63202" cy="63202"/>
             </a:xfrm>
             <a:custGeom>
@@ -22548,7 +22548,7 @@
           </p:nvSpPr>
           <p:spPr>
             <a:xfrm>
-              <a:off x="4917000" y="5397614"/>
+              <a:off x="4912373" y="5397606"/>
               <a:ext cx="63202" cy="63202"/>
             </a:xfrm>
             <a:custGeom>
@@ -22591,7 +22591,7 @@
           </p:nvSpPr>
           <p:spPr>
             <a:xfrm>
-              <a:off x="4855908" y="5403934"/>
+              <a:off x="4553546" y="5403902"/>
               <a:ext cx="63202" cy="63202"/>
             </a:xfrm>
             <a:custGeom>
@@ -22634,7 +22634,7 @@
           </p:nvSpPr>
           <p:spPr>
             <a:xfrm>
-              <a:off x="5078811" y="5605223"/>
+              <a:off x="4744181" y="5605223"/>
               <a:ext cx="63202" cy="63202"/>
             </a:xfrm>
             <a:custGeom>
@@ -22677,7 +22677,7 @@
           </p:nvSpPr>
           <p:spPr>
             <a:xfrm>
-              <a:off x="4809081" y="5496331"/>
+              <a:off x="4858417" y="5496295"/>
               <a:ext cx="63202" cy="63202"/>
             </a:xfrm>
             <a:custGeom>
@@ -22720,7 +22720,7 @@
           </p:nvSpPr>
           <p:spPr>
             <a:xfrm>
-              <a:off x="5156853" y="5490941"/>
+              <a:off x="4917608" y="5490941"/>
               <a:ext cx="63202" cy="63202"/>
             </a:xfrm>
             <a:custGeom>
@@ -22763,7 +22763,7 @@
           </p:nvSpPr>
           <p:spPr>
             <a:xfrm>
-              <a:off x="5004731" y="5405889"/>
+              <a:off x="4935279" y="5405877"/>
               <a:ext cx="63202" cy="63202"/>
             </a:xfrm>
             <a:custGeom>
@@ -22806,7 +22806,7 @@
           </p:nvSpPr>
           <p:spPr>
             <a:xfrm>
-              <a:off x="5162402" y="5406520"/>
+              <a:off x="4924352" y="5406517"/>
               <a:ext cx="63202" cy="63202"/>
             </a:xfrm>
             <a:custGeom>
@@ -22849,7 +22849,7 @@
           </p:nvSpPr>
           <p:spPr>
             <a:xfrm>
-              <a:off x="4871162" y="5437278"/>
+              <a:off x="4689639" y="5437228"/>
               <a:ext cx="63202" cy="63202"/>
             </a:xfrm>
             <a:custGeom>
@@ -22892,7 +22892,7 @@
           </p:nvSpPr>
           <p:spPr>
             <a:xfrm>
-              <a:off x="4945135" y="5792033"/>
+              <a:off x="4993217" y="5792017"/>
               <a:ext cx="63202" cy="63202"/>
             </a:xfrm>
             <a:custGeom>
@@ -22935,7 +22935,7 @@
           </p:nvSpPr>
           <p:spPr>
             <a:xfrm>
-              <a:off x="4623901" y="6077858"/>
+              <a:off x="4987716" y="6077852"/>
               <a:ext cx="63202" cy="63202"/>
             </a:xfrm>
             <a:custGeom>
@@ -22978,7 +22978,7 @@
           </p:nvSpPr>
           <p:spPr>
             <a:xfrm>
-              <a:off x="4635613" y="5436091"/>
+              <a:off x="5143719" y="5436109"/>
               <a:ext cx="63202" cy="63202"/>
             </a:xfrm>
             <a:custGeom>
@@ -23021,7 +23021,7 @@
           </p:nvSpPr>
           <p:spPr>
             <a:xfrm>
-              <a:off x="4814548" y="6616453"/>
+              <a:off x="4874811" y="6616402"/>
               <a:ext cx="63202" cy="63202"/>
             </a:xfrm>
             <a:custGeom>
@@ -23064,7 +23064,7 @@
           </p:nvSpPr>
           <p:spPr>
             <a:xfrm>
-              <a:off x="4795554" y="5509833"/>
+              <a:off x="4760198" y="5509838"/>
               <a:ext cx="63202" cy="63202"/>
             </a:xfrm>
             <a:custGeom>
@@ -23107,7 +23107,7 @@
           </p:nvSpPr>
           <p:spPr>
             <a:xfrm>
-              <a:off x="4584727" y="5445297"/>
+              <a:off x="4803998" y="5445273"/>
               <a:ext cx="63202" cy="63202"/>
             </a:xfrm>
             <a:custGeom>
@@ -23150,7 +23150,7 @@
           </p:nvSpPr>
           <p:spPr>
             <a:xfrm>
-              <a:off x="5088589" y="5383621"/>
+              <a:off x="4720555" y="5383607"/>
               <a:ext cx="63202" cy="63202"/>
             </a:xfrm>
             <a:custGeom>
@@ -23193,7 +23193,7 @@
           </p:nvSpPr>
           <p:spPr>
             <a:xfrm>
-              <a:off x="5001652" y="5529406"/>
+              <a:off x="4963653" y="5529389"/>
               <a:ext cx="63202" cy="63202"/>
             </a:xfrm>
             <a:custGeom>
@@ -23236,7 +23236,7 @@
           </p:nvSpPr>
           <p:spPr>
             <a:xfrm>
-              <a:off x="4493671" y="5403813"/>
+              <a:off x="4638729" y="5403783"/>
               <a:ext cx="63202" cy="63202"/>
             </a:xfrm>
             <a:custGeom>
@@ -23279,7 +23279,7 @@
           </p:nvSpPr>
           <p:spPr>
             <a:xfrm>
-              <a:off x="4581162" y="5483822"/>
+              <a:off x="4927739" y="5483811"/>
               <a:ext cx="63202" cy="63202"/>
             </a:xfrm>
             <a:custGeom>
@@ -23322,7 +23322,7 @@
           </p:nvSpPr>
           <p:spPr>
             <a:xfrm>
-              <a:off x="4832628" y="5497168"/>
+              <a:off x="4661635" y="5497143"/>
               <a:ext cx="63202" cy="63202"/>
             </a:xfrm>
             <a:custGeom>
@@ -23365,7 +23365,7 @@
           </p:nvSpPr>
           <p:spPr>
             <a:xfrm>
-              <a:off x="5017768" y="5521261"/>
+              <a:off x="4734712" y="5521201"/>
               <a:ext cx="63202" cy="63202"/>
             </a:xfrm>
             <a:custGeom>
@@ -23408,7 +23408,7 @@
           </p:nvSpPr>
           <p:spPr>
             <a:xfrm>
-              <a:off x="4625445" y="5411036"/>
+              <a:off x="4782436" y="5411025"/>
               <a:ext cx="63202" cy="63202"/>
             </a:xfrm>
             <a:custGeom>
@@ -23451,7 +23451,7 @@
           </p:nvSpPr>
           <p:spPr>
             <a:xfrm>
-              <a:off x="5115051" y="5418281"/>
+              <a:off x="4781365" y="5418250"/>
               <a:ext cx="63202" cy="63202"/>
             </a:xfrm>
             <a:custGeom>
@@ -23494,7 +23494,7 @@
           </p:nvSpPr>
           <p:spPr>
             <a:xfrm>
-              <a:off x="4846068" y="5788169"/>
+              <a:off x="4503341" y="5788147"/>
               <a:ext cx="63202" cy="63202"/>
             </a:xfrm>
             <a:custGeom>
@@ -23537,7 +23537,7 @@
           </p:nvSpPr>
           <p:spPr>
             <a:xfrm>
-              <a:off x="4999408" y="5392465"/>
+              <a:off x="4483243" y="5392438"/>
               <a:ext cx="63202" cy="63202"/>
             </a:xfrm>
             <a:custGeom>
@@ -23580,7 +23580,7 @@
           </p:nvSpPr>
           <p:spPr>
             <a:xfrm>
-              <a:off x="5027784" y="5796389"/>
+              <a:off x="4777255" y="5796376"/>
               <a:ext cx="63202" cy="63202"/>
             </a:xfrm>
             <a:custGeom>
@@ -23623,7 +23623,7 @@
           </p:nvSpPr>
           <p:spPr>
             <a:xfrm>
-              <a:off x="4769669" y="5462654"/>
+              <a:off x="4652968" y="5462620"/>
               <a:ext cx="63202" cy="63202"/>
             </a:xfrm>
             <a:custGeom>
@@ -23666,7 +23666,7 @@
           </p:nvSpPr>
           <p:spPr>
             <a:xfrm>
-              <a:off x="5026809" y="5859880"/>
+              <a:off x="4632529" y="5859868"/>
               <a:ext cx="63202" cy="63202"/>
             </a:xfrm>
             <a:custGeom>
@@ -23709,7 +23709,7 @@
           </p:nvSpPr>
           <p:spPr>
             <a:xfrm>
-              <a:off x="4478538" y="5480234"/>
+              <a:off x="4613713" y="5480226"/>
               <a:ext cx="63202" cy="63202"/>
             </a:xfrm>
             <a:custGeom>
@@ -23752,7 +23752,7 @@
           </p:nvSpPr>
           <p:spPr>
             <a:xfrm>
-              <a:off x="4744628" y="5481401"/>
+              <a:off x="5071463" y="5481352"/>
               <a:ext cx="63202" cy="63202"/>
             </a:xfrm>
             <a:custGeom>
@@ -23795,7 +23795,7 @@
           </p:nvSpPr>
           <p:spPr>
             <a:xfrm>
-              <a:off x="4727355" y="5706781"/>
+              <a:off x="4721746" y="5706767"/>
               <a:ext cx="63202" cy="63202"/>
             </a:xfrm>
             <a:custGeom>
@@ -23838,7 +23838,7 @@
           </p:nvSpPr>
           <p:spPr>
             <a:xfrm>
-              <a:off x="4670597" y="5406926"/>
+              <a:off x="4857126" y="5406912"/>
               <a:ext cx="63202" cy="63202"/>
             </a:xfrm>
             <a:custGeom>
@@ -23881,7 +23881,7 @@
           </p:nvSpPr>
           <p:spPr>
             <a:xfrm>
-              <a:off x="5091519" y="5381603"/>
+              <a:off x="5068214" y="5381566"/>
               <a:ext cx="63202" cy="63202"/>
             </a:xfrm>
             <a:custGeom>
@@ -23924,7 +23924,7 @@
           </p:nvSpPr>
           <p:spPr>
             <a:xfrm>
-              <a:off x="4751666" y="5727821"/>
+              <a:off x="4868807" y="5727802"/>
               <a:ext cx="63202" cy="63202"/>
             </a:xfrm>
             <a:custGeom>
@@ -23967,7 +23967,7 @@
           </p:nvSpPr>
           <p:spPr>
             <a:xfrm>
-              <a:off x="4967073" y="5403043"/>
+              <a:off x="4879547" y="5403044"/>
               <a:ext cx="63202" cy="63202"/>
             </a:xfrm>
             <a:custGeom>
@@ -24010,7 +24010,7 @@
           </p:nvSpPr>
           <p:spPr>
             <a:xfrm>
-              <a:off x="4543170" y="5503774"/>
+              <a:off x="4496574" y="5503797"/>
               <a:ext cx="63202" cy="63202"/>
             </a:xfrm>
             <a:custGeom>
@@ -24053,7 +24053,7 @@
           </p:nvSpPr>
           <p:spPr>
             <a:xfrm>
-              <a:off x="4740806" y="5401618"/>
+              <a:off x="4647641" y="5401603"/>
               <a:ext cx="63202" cy="63202"/>
             </a:xfrm>
             <a:custGeom>
@@ -24096,7 +24096,7 @@
           </p:nvSpPr>
           <p:spPr>
             <a:xfrm>
-              <a:off x="5150799" y="5375296"/>
+              <a:off x="4795949" y="5375243"/>
               <a:ext cx="63202" cy="63202"/>
             </a:xfrm>
             <a:custGeom>
@@ -24139,7 +24139,7 @@
           </p:nvSpPr>
           <p:spPr>
             <a:xfrm>
-              <a:off x="5000250" y="5373326"/>
+              <a:off x="4797619" y="5373313"/>
               <a:ext cx="63202" cy="63202"/>
             </a:xfrm>
             <a:custGeom>
@@ -24182,7 +24182,7 @@
           </p:nvSpPr>
           <p:spPr>
             <a:xfrm>
-              <a:off x="4871461" y="5373290"/>
+              <a:off x="4870840" y="5373270"/>
               <a:ext cx="63202" cy="63202"/>
             </a:xfrm>
             <a:custGeom>
@@ -24225,7 +24225,7 @@
           </p:nvSpPr>
           <p:spPr>
             <a:xfrm>
-              <a:off x="4978911" y="5385529"/>
+              <a:off x="4741711" y="5385497"/>
               <a:ext cx="63202" cy="63202"/>
             </a:xfrm>
             <a:custGeom>
@@ -24268,7 +24268,7 @@
           </p:nvSpPr>
           <p:spPr>
             <a:xfrm>
-              <a:off x="4866007" y="5424461"/>
+              <a:off x="4941643" y="5424407"/>
               <a:ext cx="63202" cy="63202"/>
             </a:xfrm>
             <a:custGeom>
@@ -24311,7 +24311,7 @@
           </p:nvSpPr>
           <p:spPr>
             <a:xfrm>
-              <a:off x="4988367" y="5462931"/>
+              <a:off x="4882172" y="5462898"/>
               <a:ext cx="63202" cy="63202"/>
             </a:xfrm>
             <a:custGeom>
@@ -24354,7 +24354,7 @@
           </p:nvSpPr>
           <p:spPr>
             <a:xfrm>
-              <a:off x="4799725" y="5398844"/>
+              <a:off x="5071407" y="5398807"/>
               <a:ext cx="63202" cy="63202"/>
             </a:xfrm>
             <a:custGeom>
@@ -24397,7 +24397,7 @@
           </p:nvSpPr>
           <p:spPr>
             <a:xfrm>
-              <a:off x="4990351" y="5517054"/>
+              <a:off x="4494727" y="5517027"/>
               <a:ext cx="63202" cy="63202"/>
             </a:xfrm>
             <a:custGeom>
@@ -24440,7 +24440,7 @@
           </p:nvSpPr>
           <p:spPr>
             <a:xfrm>
-              <a:off x="5104664" y="5736312"/>
+              <a:off x="5085240" y="5736306"/>
               <a:ext cx="63202" cy="63202"/>
             </a:xfrm>
             <a:custGeom>
@@ -24483,7 +24483,7 @@
           </p:nvSpPr>
           <p:spPr>
             <a:xfrm>
-              <a:off x="4740838" y="5646308"/>
+              <a:off x="4831260" y="5646273"/>
               <a:ext cx="63202" cy="63202"/>
             </a:xfrm>
             <a:custGeom>
@@ -24526,7 +24526,7 @@
           </p:nvSpPr>
           <p:spPr>
             <a:xfrm>
-              <a:off x="4918258" y="5451478"/>
+              <a:off x="4896318" y="5451457"/>
               <a:ext cx="63202" cy="63202"/>
             </a:xfrm>
             <a:custGeom>
@@ -24569,7 +24569,7 @@
           </p:nvSpPr>
           <p:spPr>
             <a:xfrm>
-              <a:off x="5005981" y="5428320"/>
+              <a:off x="4530203" y="5428261"/>
               <a:ext cx="63202" cy="63202"/>
             </a:xfrm>
             <a:custGeom>
@@ -24612,7 +24612,7 @@
           </p:nvSpPr>
           <p:spPr>
             <a:xfrm>
-              <a:off x="4847052" y="5862583"/>
+              <a:off x="4777893" y="5862569"/>
               <a:ext cx="63202" cy="63202"/>
             </a:xfrm>
             <a:custGeom>
@@ -24655,7 +24655,7 @@
           </p:nvSpPr>
           <p:spPr>
             <a:xfrm>
-              <a:off x="4999457" y="5789325"/>
+              <a:off x="4842656" y="5789325"/>
               <a:ext cx="63202" cy="63202"/>
             </a:xfrm>
             <a:custGeom>
@@ -24698,7 +24698,7 @@
           </p:nvSpPr>
           <p:spPr>
             <a:xfrm>
-              <a:off x="4983002" y="5431162"/>
+              <a:off x="4560808" y="5431162"/>
               <a:ext cx="63202" cy="63202"/>
             </a:xfrm>
             <a:custGeom>
@@ -24741,7 +24741,7 @@
           </p:nvSpPr>
           <p:spPr>
             <a:xfrm>
-              <a:off x="5088654" y="5401814"/>
+              <a:off x="4920517" y="5401806"/>
               <a:ext cx="63202" cy="63202"/>
             </a:xfrm>
             <a:custGeom>
@@ -24784,7 +24784,7 @@
           </p:nvSpPr>
           <p:spPr>
             <a:xfrm>
-              <a:off x="4611142" y="5502047"/>
+              <a:off x="4808068" y="5502003"/>
               <a:ext cx="63202" cy="63202"/>
             </a:xfrm>
             <a:custGeom>
@@ -24827,7 +24827,7 @@
           </p:nvSpPr>
           <p:spPr>
             <a:xfrm>
-              <a:off x="4752428" y="5437794"/>
+              <a:off x="4792715" y="5437801"/>
               <a:ext cx="63202" cy="63202"/>
             </a:xfrm>
             <a:custGeom>
@@ -24870,7 +24870,7 @@
           </p:nvSpPr>
           <p:spPr>
             <a:xfrm>
-              <a:off x="4901649" y="5386816"/>
+              <a:off x="5061961" y="5386817"/>
               <a:ext cx="63202" cy="63202"/>
             </a:xfrm>
             <a:custGeom>
@@ -24913,7 +24913,7 @@
           </p:nvSpPr>
           <p:spPr>
             <a:xfrm>
-              <a:off x="5052373" y="5395291"/>
+              <a:off x="4690216" y="5395309"/>
               <a:ext cx="63202" cy="63202"/>
             </a:xfrm>
             <a:custGeom>
@@ -24956,7 +24956,7 @@
           </p:nvSpPr>
           <p:spPr>
             <a:xfrm>
-              <a:off x="4958370" y="5413490"/>
+              <a:off x="4656353" y="5413485"/>
               <a:ext cx="63202" cy="63202"/>
             </a:xfrm>
             <a:custGeom>
@@ -24999,7 +24999,7 @@
           </p:nvSpPr>
           <p:spPr>
             <a:xfrm>
-              <a:off x="4939356" y="5723091"/>
+              <a:off x="4863021" y="5723058"/>
               <a:ext cx="63202" cy="63202"/>
             </a:xfrm>
             <a:custGeom>
@@ -25042,7 +25042,7 @@
           </p:nvSpPr>
           <p:spPr>
             <a:xfrm>
-              <a:off x="4641677" y="6106171"/>
+              <a:off x="5144657" y="6106168"/>
               <a:ext cx="63202" cy="63202"/>
             </a:xfrm>
             <a:custGeom>
@@ -25085,7 +25085,7 @@
           </p:nvSpPr>
           <p:spPr>
             <a:xfrm>
-              <a:off x="4814680" y="5655201"/>
+              <a:off x="4618286" y="5655141"/>
               <a:ext cx="63202" cy="63202"/>
             </a:xfrm>
             <a:custGeom>
@@ -25128,7 +25128,7 @@
           </p:nvSpPr>
           <p:spPr>
             <a:xfrm>
-              <a:off x="4518330" y="6133940"/>
+              <a:off x="5073084" y="6133917"/>
               <a:ext cx="63202" cy="63202"/>
             </a:xfrm>
             <a:custGeom>
@@ -25171,7 +25171,7 @@
           </p:nvSpPr>
           <p:spPr>
             <a:xfrm>
-              <a:off x="5159800" y="5713513"/>
+              <a:off x="4773961" y="5713489"/>
               <a:ext cx="63202" cy="63202"/>
             </a:xfrm>
             <a:custGeom>
@@ -25214,7 +25214,7 @@
           </p:nvSpPr>
           <p:spPr>
             <a:xfrm>
-              <a:off x="4814815" y="5414128"/>
+              <a:off x="4852330" y="5414099"/>
               <a:ext cx="63202" cy="63202"/>
             </a:xfrm>
             <a:custGeom>
@@ -25257,7 +25257,7 @@
           </p:nvSpPr>
           <p:spPr>
             <a:xfrm>
-              <a:off x="4889421" y="5700890"/>
+              <a:off x="4683464" y="5700840"/>
               <a:ext cx="63202" cy="63202"/>
             </a:xfrm>
             <a:custGeom>
@@ -25300,7 +25300,7 @@
           </p:nvSpPr>
           <p:spPr>
             <a:xfrm>
-              <a:off x="5159126" y="5717419"/>
+              <a:off x="4836174" y="5717412"/>
               <a:ext cx="63202" cy="63202"/>
             </a:xfrm>
             <a:custGeom>
@@ -25343,7 +25343,7 @@
           </p:nvSpPr>
           <p:spPr>
             <a:xfrm>
-              <a:off x="4664794" y="5810358"/>
+              <a:off x="5107132" y="5810335"/>
               <a:ext cx="63202" cy="63202"/>
             </a:xfrm>
             <a:custGeom>
@@ -25386,7 +25386,7 @@
           </p:nvSpPr>
           <p:spPr>
             <a:xfrm>
-              <a:off x="4970472" y="5718998"/>
+              <a:off x="4561879" y="5718986"/>
               <a:ext cx="63202" cy="63202"/>
             </a:xfrm>
             <a:custGeom>
@@ -25429,7 +25429,7 @@
           </p:nvSpPr>
           <p:spPr>
             <a:xfrm>
-              <a:off x="4975335" y="5466277"/>
+              <a:off x="5104752" y="5466221"/>
               <a:ext cx="63202" cy="63202"/>
             </a:xfrm>
             <a:custGeom>
@@ -25472,7 +25472,7 @@
           </p:nvSpPr>
           <p:spPr>
             <a:xfrm>
-              <a:off x="4721961" y="5606510"/>
+              <a:off x="4794609" y="5606491"/>
               <a:ext cx="63202" cy="63202"/>
             </a:xfrm>
             <a:custGeom>
@@ -25515,7 +25515,7 @@
           </p:nvSpPr>
           <p:spPr>
             <a:xfrm>
-              <a:off x="5005679" y="5483846"/>
+              <a:off x="5162237" y="5483835"/>
               <a:ext cx="63202" cy="63202"/>
             </a:xfrm>
             <a:custGeom>
@@ -25558,7 +25558,7 @@
           </p:nvSpPr>
           <p:spPr>
             <a:xfrm>
-              <a:off x="5038869" y="5769384"/>
+              <a:off x="4844854" y="5769344"/>
               <a:ext cx="63202" cy="63202"/>
             </a:xfrm>
             <a:custGeom>
@@ -25601,7 +25601,7 @@
           </p:nvSpPr>
           <p:spPr>
             <a:xfrm>
-              <a:off x="5166657" y="5562525"/>
+              <a:off x="4718916" y="5562512"/>
               <a:ext cx="63202" cy="63202"/>
             </a:xfrm>
             <a:custGeom>
@@ -25644,7 +25644,7 @@
           </p:nvSpPr>
           <p:spPr>
             <a:xfrm>
-              <a:off x="4683320" y="5774769"/>
+              <a:off x="4782853" y="5774707"/>
               <a:ext cx="63202" cy="63202"/>
             </a:xfrm>
             <a:custGeom>
@@ -25687,7 +25687,7 @@
           </p:nvSpPr>
           <p:spPr>
             <a:xfrm>
-              <a:off x="5145473" y="5716247"/>
+              <a:off x="4952765" y="5716179"/>
               <a:ext cx="63202" cy="63202"/>
             </a:xfrm>
             <a:custGeom>
@@ -25730,7 +25730,7 @@
           </p:nvSpPr>
           <p:spPr>
             <a:xfrm>
-              <a:off x="5135033" y="5597884"/>
+              <a:off x="4534571" y="5597887"/>
               <a:ext cx="63202" cy="63202"/>
             </a:xfrm>
             <a:custGeom>
@@ -25773,7 +25773,7 @@
           </p:nvSpPr>
           <p:spPr>
             <a:xfrm>
-              <a:off x="4695507" y="5470103"/>
+              <a:off x="4935348" y="5470113"/>
               <a:ext cx="63202" cy="63202"/>
             </a:xfrm>
             <a:custGeom>
@@ -25816,7 +25816,7 @@
           </p:nvSpPr>
           <p:spPr>
             <a:xfrm>
-              <a:off x="5101538" y="5727070"/>
+              <a:off x="5027945" y="5727071"/>
               <a:ext cx="63202" cy="63202"/>
             </a:xfrm>
             <a:custGeom>
@@ -25859,7 +25859,7 @@
           </p:nvSpPr>
           <p:spPr>
             <a:xfrm>
-              <a:off x="4489481" y="5504562"/>
+              <a:off x="4948779" y="5504526"/>
               <a:ext cx="63202" cy="63202"/>
             </a:xfrm>
             <a:custGeom>
@@ -25902,7 +25902,7 @@
           </p:nvSpPr>
           <p:spPr>
             <a:xfrm>
-              <a:off x="4782250" y="5503120"/>
+              <a:off x="5124730" y="5503084"/>
               <a:ext cx="63202" cy="63202"/>
             </a:xfrm>
             <a:custGeom>
@@ -25945,7 +25945,7 @@
           </p:nvSpPr>
           <p:spPr>
             <a:xfrm>
-              <a:off x="4889294" y="5444239"/>
+              <a:off x="4799056" y="5444218"/>
               <a:ext cx="63202" cy="63202"/>
             </a:xfrm>
             <a:custGeom>
@@ -25988,7 +25988,7 @@
           </p:nvSpPr>
           <p:spPr>
             <a:xfrm>
-              <a:off x="5130415" y="5437622"/>
+              <a:off x="4538784" y="5437599"/>
               <a:ext cx="63202" cy="63202"/>
             </a:xfrm>
             <a:custGeom>
@@ -26031,7 +26031,7 @@
           </p:nvSpPr>
           <p:spPr>
             <a:xfrm>
-              <a:off x="4810301" y="5854233"/>
+              <a:off x="4926366" y="5854193"/>
               <a:ext cx="63202" cy="63202"/>
             </a:xfrm>
             <a:custGeom>
@@ -26074,7 +26074,7 @@
           </p:nvSpPr>
           <p:spPr>
             <a:xfrm>
-              <a:off x="5155925" y="5473560"/>
+              <a:off x="4577812" y="5473576"/>
               <a:ext cx="63202" cy="63202"/>
             </a:xfrm>
             <a:custGeom>
@@ -26117,7 +26117,7 @@
           </p:nvSpPr>
           <p:spPr>
             <a:xfrm>
-              <a:off x="4788738" y="5436587"/>
+              <a:off x="5143979" y="5436580"/>
               <a:ext cx="63202" cy="63202"/>
             </a:xfrm>
             <a:custGeom>
@@ -26160,7 +26160,7 @@
           </p:nvSpPr>
           <p:spPr>
             <a:xfrm>
-              <a:off x="5047842" y="5424427"/>
+              <a:off x="4518516" y="5424435"/>
               <a:ext cx="63202" cy="63202"/>
             </a:xfrm>
             <a:custGeom>
@@ -26203,7 +26203,7 @@
           </p:nvSpPr>
           <p:spPr>
             <a:xfrm>
-              <a:off x="4887684" y="5486969"/>
+              <a:off x="4567371" y="5486916"/>
               <a:ext cx="63202" cy="63202"/>
             </a:xfrm>
             <a:custGeom>
@@ -26246,7 +26246,7 @@
           </p:nvSpPr>
           <p:spPr>
             <a:xfrm>
-              <a:off x="5064187" y="5443802"/>
+              <a:off x="4738872" y="5443785"/>
               <a:ext cx="63202" cy="63202"/>
             </a:xfrm>
             <a:custGeom>
@@ -26289,7 +26289,7 @@
           </p:nvSpPr>
           <p:spPr>
             <a:xfrm>
-              <a:off x="5015796" y="5778193"/>
+              <a:off x="5041430" y="5778200"/>
               <a:ext cx="63202" cy="63202"/>
             </a:xfrm>
             <a:custGeom>
@@ -26332,7 +26332,7 @@
           </p:nvSpPr>
           <p:spPr>
             <a:xfrm>
-              <a:off x="4652631" y="5488381"/>
+              <a:off x="4582301" y="5488355"/>
               <a:ext cx="63202" cy="63202"/>
             </a:xfrm>
             <a:custGeom>
@@ -26375,7 +26375,7 @@
           </p:nvSpPr>
           <p:spPr>
             <a:xfrm>
-              <a:off x="5007751" y="5482609"/>
+              <a:off x="4584779" y="5482605"/>
               <a:ext cx="63202" cy="63202"/>
             </a:xfrm>
             <a:custGeom>
@@ -26418,7 +26418,7 @@
           </p:nvSpPr>
           <p:spPr>
             <a:xfrm>
-              <a:off x="4521352" y="5496817"/>
+              <a:off x="4749607" y="5496807"/>
               <a:ext cx="63202" cy="63202"/>
             </a:xfrm>
             <a:custGeom>
@@ -26461,7 +26461,7 @@
           </p:nvSpPr>
           <p:spPr>
             <a:xfrm>
-              <a:off x="5101551" y="5393007"/>
+              <a:off x="4959789" y="5392967"/>
               <a:ext cx="63202" cy="63202"/>
             </a:xfrm>
             <a:custGeom>
@@ -26504,7 +26504,7 @@
           </p:nvSpPr>
           <p:spPr>
             <a:xfrm>
-              <a:off x="4919015" y="5419320"/>
+              <a:off x="4823454" y="5419318"/>
               <a:ext cx="63202" cy="63202"/>
             </a:xfrm>
             <a:custGeom>
@@ -26547,7 +26547,7 @@
           </p:nvSpPr>
           <p:spPr>
             <a:xfrm>
-              <a:off x="4497650" y="5430590"/>
+              <a:off x="4673816" y="5430605"/>
               <a:ext cx="63202" cy="63202"/>
             </a:xfrm>
             <a:custGeom>
@@ -26590,7 +26590,7 @@
           </p:nvSpPr>
           <p:spPr>
             <a:xfrm>
-              <a:off x="4500282" y="5431105"/>
+              <a:off x="4655423" y="5431049"/>
               <a:ext cx="63202" cy="63202"/>
             </a:xfrm>
             <a:custGeom>
@@ -26633,7 +26633,7 @@
           </p:nvSpPr>
           <p:spPr>
             <a:xfrm>
-              <a:off x="4927145" y="5474140"/>
+              <a:off x="5003969" y="5474084"/>
               <a:ext cx="63202" cy="63202"/>
             </a:xfrm>
             <a:custGeom>
@@ -26676,7 +26676,7 @@
           </p:nvSpPr>
           <p:spPr>
             <a:xfrm>
-              <a:off x="4517863" y="5805922"/>
+              <a:off x="4706791" y="5805883"/>
               <a:ext cx="63202" cy="63202"/>
             </a:xfrm>
             <a:custGeom>
@@ -26719,7 +26719,7 @@
           </p:nvSpPr>
           <p:spPr>
             <a:xfrm>
-              <a:off x="4693081" y="5456398"/>
+              <a:off x="4707190" y="5456369"/>
               <a:ext cx="63202" cy="63202"/>
             </a:xfrm>
             <a:custGeom>
@@ -26762,7 +26762,7 @@
           </p:nvSpPr>
           <p:spPr>
             <a:xfrm>
-              <a:off x="4798839" y="5402986"/>
+              <a:off x="4493090" y="5402962"/>
               <a:ext cx="63202" cy="63202"/>
             </a:xfrm>
             <a:custGeom>
@@ -26805,7 +26805,7 @@
           </p:nvSpPr>
           <p:spPr>
             <a:xfrm>
-              <a:off x="5048285" y="5791044"/>
+              <a:off x="4860529" y="5791021"/>
               <a:ext cx="63202" cy="63202"/>
             </a:xfrm>
             <a:custGeom>
@@ -26848,7 +26848,7 @@
           </p:nvSpPr>
           <p:spPr>
             <a:xfrm>
-              <a:off x="4686145" y="5431348"/>
+              <a:off x="4838911" y="5431359"/>
               <a:ext cx="63202" cy="63202"/>
             </a:xfrm>
             <a:custGeom>
@@ -26891,7 +26891,7 @@
           </p:nvSpPr>
           <p:spPr>
             <a:xfrm>
-              <a:off x="5054803" y="5508912"/>
+              <a:off x="5001922" y="5508883"/>
               <a:ext cx="63202" cy="63202"/>
             </a:xfrm>
             <a:custGeom>
@@ -26934,7 +26934,7 @@
           </p:nvSpPr>
           <p:spPr>
             <a:xfrm>
-              <a:off x="4991157" y="5392518"/>
+              <a:off x="4715250" y="5392535"/>
               <a:ext cx="63202" cy="63202"/>
             </a:xfrm>
             <a:custGeom>
@@ -26977,7 +26977,7 @@
           </p:nvSpPr>
           <p:spPr>
             <a:xfrm>
-              <a:off x="5140475" y="5469497"/>
+              <a:off x="4861433" y="5469493"/>
               <a:ext cx="63202" cy="63202"/>
             </a:xfrm>
             <a:custGeom>
@@ -27020,7 +27020,7 @@
           </p:nvSpPr>
           <p:spPr>
             <a:xfrm>
-              <a:off x="4905742" y="5391124"/>
+              <a:off x="4863934" y="5391104"/>
               <a:ext cx="63202" cy="63202"/>
             </a:xfrm>
             <a:custGeom>
@@ -27063,7 +27063,7 @@
           </p:nvSpPr>
           <p:spPr>
             <a:xfrm>
-              <a:off x="4559623" y="5390305"/>
+              <a:off x="4744881" y="5390272"/>
               <a:ext cx="63202" cy="63202"/>
             </a:xfrm>
             <a:custGeom>
@@ -27106,7 +27106,7 @@
           </p:nvSpPr>
           <p:spPr>
             <a:xfrm>
-              <a:off x="4550360" y="5389348"/>
+              <a:off x="5021900" y="5389305"/>
               <a:ext cx="63202" cy="63202"/>
             </a:xfrm>
             <a:custGeom>
@@ -27149,7 +27149,7 @@
           </p:nvSpPr>
           <p:spPr>
             <a:xfrm>
-              <a:off x="5141118" y="5393723"/>
+              <a:off x="4660542" y="5393744"/>
               <a:ext cx="63202" cy="63202"/>
             </a:xfrm>
             <a:custGeom>
@@ -27192,7 +27192,7 @@
           </p:nvSpPr>
           <p:spPr>
             <a:xfrm>
-              <a:off x="4653809" y="5444684"/>
+              <a:off x="4981882" y="5444644"/>
               <a:ext cx="63202" cy="63202"/>
             </a:xfrm>
             <a:custGeom>
@@ -27235,7 +27235,7 @@
           </p:nvSpPr>
           <p:spPr>
             <a:xfrm>
-              <a:off x="5083501" y="5689090"/>
+              <a:off x="4719436" y="5689041"/>
               <a:ext cx="63202" cy="63202"/>
             </a:xfrm>
             <a:custGeom>
@@ -27278,7 +27278,7 @@
           </p:nvSpPr>
           <p:spPr>
             <a:xfrm>
-              <a:off x="4733058" y="5432558"/>
+              <a:off x="4643644" y="5432574"/>
               <a:ext cx="63202" cy="63202"/>
             </a:xfrm>
             <a:custGeom>
@@ -27321,7 +27321,7 @@
           </p:nvSpPr>
           <p:spPr>
             <a:xfrm>
-              <a:off x="4773050" y="5408601"/>
+              <a:off x="4718277" y="5408588"/>
               <a:ext cx="63202" cy="63202"/>
             </a:xfrm>
             <a:custGeom>
@@ -27364,7 +27364,7 @@
           </p:nvSpPr>
           <p:spPr>
             <a:xfrm>
-              <a:off x="4961860" y="5594542"/>
+              <a:off x="4531118" y="5594563"/>
               <a:ext cx="63202" cy="63202"/>
             </a:xfrm>
             <a:custGeom>
@@ -27407,7 +27407,7 @@
           </p:nvSpPr>
           <p:spPr>
             <a:xfrm>
-              <a:off x="4483931" y="5584384"/>
+              <a:off x="5124083" y="5584379"/>
               <a:ext cx="63202" cy="63202"/>
             </a:xfrm>
             <a:custGeom>
@@ -27450,7 +27450,7 @@
           </p:nvSpPr>
           <p:spPr>
             <a:xfrm>
-              <a:off x="5077599" y="5600242"/>
+              <a:off x="5028706" y="5600221"/>
               <a:ext cx="63202" cy="63202"/>
             </a:xfrm>
             <a:custGeom>
@@ -27493,7 +27493,7 @@
           </p:nvSpPr>
           <p:spPr>
             <a:xfrm>
-              <a:off x="4490790" y="5757028"/>
+              <a:off x="4690716" y="5757011"/>
               <a:ext cx="63202" cy="63202"/>
             </a:xfrm>
             <a:custGeom>
@@ -27536,7 +27536,7 @@
           </p:nvSpPr>
           <p:spPr>
             <a:xfrm>
-              <a:off x="4941337" y="5392776"/>
+              <a:off x="4691270" y="5392771"/>
               <a:ext cx="63202" cy="63202"/>
             </a:xfrm>
             <a:custGeom>
@@ -27579,7 +27579,7 @@
           </p:nvSpPr>
           <p:spPr>
             <a:xfrm>
-              <a:off x="5066373" y="5576006"/>
+              <a:off x="5098382" y="5576014"/>
               <a:ext cx="63202" cy="63202"/>
             </a:xfrm>
             <a:custGeom>
@@ -27622,7 +27622,7 @@
           </p:nvSpPr>
           <p:spPr>
             <a:xfrm>
-              <a:off x="4884856" y="5755039"/>
+              <a:off x="4656941" y="5755022"/>
               <a:ext cx="63202" cy="63202"/>
             </a:xfrm>
             <a:custGeom>
@@ -27665,7 +27665,7 @@
           </p:nvSpPr>
           <p:spPr>
             <a:xfrm>
-              <a:off x="4819393" y="5777812"/>
+              <a:off x="4703883" y="5777758"/>
               <a:ext cx="63202" cy="63202"/>
             </a:xfrm>
             <a:custGeom>
@@ -27708,7 +27708,7 @@
           </p:nvSpPr>
           <p:spPr>
             <a:xfrm>
-              <a:off x="4814013" y="5391425"/>
+              <a:off x="4848646" y="5391430"/>
               <a:ext cx="63202" cy="63202"/>
             </a:xfrm>
             <a:custGeom>
@@ -27751,7 +27751,7 @@
           </p:nvSpPr>
           <p:spPr>
             <a:xfrm>
-              <a:off x="4565174" y="5412685"/>
+              <a:off x="5122036" y="5412648"/>
               <a:ext cx="63202" cy="63202"/>
             </a:xfrm>
             <a:custGeom>
@@ -27794,7 +27794,7 @@
           </p:nvSpPr>
           <p:spPr>
             <a:xfrm>
-              <a:off x="4823415" y="5812916"/>
+              <a:off x="4647685" y="5812875"/>
               <a:ext cx="63202" cy="63202"/>
             </a:xfrm>
             <a:custGeom>
@@ -27837,7 +27837,7 @@
           </p:nvSpPr>
           <p:spPr>
             <a:xfrm>
-              <a:off x="4812345" y="5430842"/>
+              <a:off x="4693766" y="5430777"/>
               <a:ext cx="63202" cy="63202"/>
             </a:xfrm>
             <a:custGeom>
@@ -27880,7 +27880,7 @@
           </p:nvSpPr>
           <p:spPr>
             <a:xfrm>
-              <a:off x="4827112" y="5397334"/>
+              <a:off x="5161955" y="5397336"/>
               <a:ext cx="63202" cy="63202"/>
             </a:xfrm>
             <a:custGeom>
@@ -27923,7 +27923,7 @@
           </p:nvSpPr>
           <p:spPr>
             <a:xfrm>
-              <a:off x="4522001" y="5789827"/>
+              <a:off x="4521249" y="5789809"/>
               <a:ext cx="63202" cy="63202"/>
             </a:xfrm>
             <a:custGeom>
@@ -27966,7 +27966,7 @@
           </p:nvSpPr>
           <p:spPr>
             <a:xfrm>
-              <a:off x="5073654" y="5790285"/>
+              <a:off x="5141443" y="5790256"/>
               <a:ext cx="63202" cy="63202"/>
             </a:xfrm>
             <a:custGeom>
@@ -28009,7 +28009,7 @@
           </p:nvSpPr>
           <p:spPr>
             <a:xfrm>
-              <a:off x="4842239" y="5503814"/>
+              <a:off x="4706743" y="5503762"/>
               <a:ext cx="63202" cy="63202"/>
             </a:xfrm>
             <a:custGeom>
@@ -28052,7 +28052,7 @@
           </p:nvSpPr>
           <p:spPr>
             <a:xfrm>
-              <a:off x="4565762" y="5465911"/>
+              <a:off x="5131356" y="5465908"/>
               <a:ext cx="63202" cy="63202"/>
             </a:xfrm>
             <a:custGeom>
@@ -28095,7 +28095,7 @@
           </p:nvSpPr>
           <p:spPr>
             <a:xfrm>
-              <a:off x="4968870" y="5448694"/>
+              <a:off x="4700082" y="5448631"/>
               <a:ext cx="63202" cy="63202"/>
             </a:xfrm>
             <a:custGeom>
@@ -28138,7 +28138,7 @@
           </p:nvSpPr>
           <p:spPr>
             <a:xfrm>
-              <a:off x="4817770" y="5379905"/>
+              <a:off x="5073130" y="5379896"/>
               <a:ext cx="63202" cy="63202"/>
             </a:xfrm>
             <a:custGeom>
@@ -28181,7 +28181,7 @@
           </p:nvSpPr>
           <p:spPr>
             <a:xfrm>
-              <a:off x="4697269" y="5458318"/>
+              <a:off x="4506877" y="5458294"/>
               <a:ext cx="63202" cy="63202"/>
             </a:xfrm>
             <a:custGeom>
@@ -28224,7 +28224,7 @@
           </p:nvSpPr>
           <p:spPr>
             <a:xfrm>
-              <a:off x="4497267" y="6247104"/>
+              <a:off x="5134147" y="6247105"/>
               <a:ext cx="63202" cy="63202"/>
             </a:xfrm>
             <a:custGeom>
@@ -28267,7 +28267,7 @@
           </p:nvSpPr>
           <p:spPr>
             <a:xfrm>
-              <a:off x="5004957" y="5415362"/>
+              <a:off x="4548629" y="5415341"/>
               <a:ext cx="63202" cy="63202"/>
             </a:xfrm>
             <a:custGeom>
@@ -28310,7 +28310,7 @@
           </p:nvSpPr>
           <p:spPr>
             <a:xfrm>
-              <a:off x="4678943" y="5421233"/>
+              <a:off x="5148175" y="5421233"/>
               <a:ext cx="63202" cy="63202"/>
             </a:xfrm>
             <a:custGeom>
@@ -28353,7 +28353,7 @@
           </p:nvSpPr>
           <p:spPr>
             <a:xfrm>
-              <a:off x="4513338" y="5408487"/>
+              <a:off x="4824015" y="5408448"/>
               <a:ext cx="63202" cy="63202"/>
             </a:xfrm>
             <a:custGeom>
@@ -28396,7 +28396,7 @@
           </p:nvSpPr>
           <p:spPr>
             <a:xfrm>
-              <a:off x="4713671" y="5395464"/>
+              <a:off x="4757909" y="5395415"/>
               <a:ext cx="63202" cy="63202"/>
             </a:xfrm>
             <a:custGeom>
@@ -28439,7 +28439,7 @@
           </p:nvSpPr>
           <p:spPr>
             <a:xfrm>
-              <a:off x="4705576" y="5747272"/>
+              <a:off x="5165886" y="5747234"/>
               <a:ext cx="63202" cy="63202"/>
             </a:xfrm>
             <a:custGeom>
@@ -28482,7 +28482,7 @@
           </p:nvSpPr>
           <p:spPr>
             <a:xfrm>
-              <a:off x="5119742" y="5728784"/>
+              <a:off x="4945582" y="5728767"/>
               <a:ext cx="63202" cy="63202"/>
             </a:xfrm>
             <a:custGeom>
@@ -28525,7 +28525,7 @@
           </p:nvSpPr>
           <p:spPr>
             <a:xfrm>
-              <a:off x="4621484" y="5821162"/>
+              <a:off x="4895891" y="5821144"/>
               <a:ext cx="63202" cy="63202"/>
             </a:xfrm>
             <a:custGeom>
@@ -28568,7 +28568,7 @@
           </p:nvSpPr>
           <p:spPr>
             <a:xfrm>
-              <a:off x="4848360" y="5434827"/>
+              <a:off x="4989999" y="5434796"/>
               <a:ext cx="63202" cy="63202"/>
             </a:xfrm>
             <a:custGeom>
@@ -28611,7 +28611,7 @@
           </p:nvSpPr>
           <p:spPr>
             <a:xfrm>
-              <a:off x="4616145" y="5502987"/>
+              <a:off x="5020658" y="5502966"/>
               <a:ext cx="63202" cy="63202"/>
             </a:xfrm>
             <a:custGeom>
@@ -28654,7 +28654,7 @@
           </p:nvSpPr>
           <p:spPr>
             <a:xfrm>
-              <a:off x="4608501" y="5469289"/>
+              <a:off x="4680677" y="5469296"/>
               <a:ext cx="63202" cy="63202"/>
             </a:xfrm>
             <a:custGeom>
@@ -28697,7 +28697,7 @@
           </p:nvSpPr>
           <p:spPr>
             <a:xfrm>
-              <a:off x="5143430" y="5638060"/>
+              <a:off x="4744013" y="5638052"/>
               <a:ext cx="63202" cy="63202"/>
             </a:xfrm>
             <a:custGeom>
@@ -28740,7 +28740,7 @@
           </p:nvSpPr>
           <p:spPr>
             <a:xfrm>
-              <a:off x="5050824" y="5497160"/>
+              <a:off x="5035529" y="5497137"/>
               <a:ext cx="63202" cy="63202"/>
             </a:xfrm>
             <a:custGeom>
@@ -28783,7 +28783,7 @@
           </p:nvSpPr>
           <p:spPr>
             <a:xfrm>
-              <a:off x="4609208" y="5495586"/>
+              <a:off x="4580621" y="5495581"/>
               <a:ext cx="63202" cy="63202"/>
             </a:xfrm>
             <a:custGeom>
@@ -28826,7 +28826,7 @@
           </p:nvSpPr>
           <p:spPr>
             <a:xfrm>
-              <a:off x="4757474" y="5495963"/>
+              <a:off x="4805504" y="5495959"/>
               <a:ext cx="63202" cy="63202"/>
             </a:xfrm>
             <a:custGeom>
@@ -28869,7 +28869,7 @@
           </p:nvSpPr>
           <p:spPr>
             <a:xfrm>
-              <a:off x="5057014" y="6071672"/>
+              <a:off x="4767682" y="6071664"/>
               <a:ext cx="63202" cy="63202"/>
             </a:xfrm>
             <a:custGeom>
@@ -28912,7 +28912,7 @@
           </p:nvSpPr>
           <p:spPr>
             <a:xfrm>
-              <a:off x="4723329" y="5680324"/>
+              <a:off x="4922746" y="5680311"/>
               <a:ext cx="63202" cy="63202"/>
             </a:xfrm>
             <a:custGeom>
@@ -28955,7 +28955,7 @@
           </p:nvSpPr>
           <p:spPr>
             <a:xfrm>
-              <a:off x="4481238" y="5380936"/>
+              <a:off x="4772498" y="5380880"/>
               <a:ext cx="63202" cy="63202"/>
             </a:xfrm>
             <a:custGeom>
@@ -28998,7 +28998,7 @@
           </p:nvSpPr>
           <p:spPr>
             <a:xfrm>
-              <a:off x="5093709" y="5495243"/>
+              <a:off x="4993248" y="5495249"/>
               <a:ext cx="63202" cy="63202"/>
             </a:xfrm>
             <a:custGeom>
@@ -29041,7 +29041,7 @@
           </p:nvSpPr>
           <p:spPr>
             <a:xfrm>
-              <a:off x="4548283" y="5402824"/>
+              <a:off x="5027590" y="5402853"/>
               <a:ext cx="63202" cy="63202"/>
             </a:xfrm>
             <a:custGeom>
@@ -29084,7 +29084,7 @@
           </p:nvSpPr>
           <p:spPr>
             <a:xfrm>
-              <a:off x="5032084" y="5416087"/>
+              <a:off x="4857859" y="5416080"/>
               <a:ext cx="63202" cy="63202"/>
             </a:xfrm>
             <a:custGeom>
@@ -29127,7 +29127,7 @@
           </p:nvSpPr>
           <p:spPr>
             <a:xfrm>
-              <a:off x="4864568" y="5393743"/>
+              <a:off x="4670499" y="5393740"/>
               <a:ext cx="63202" cy="63202"/>
             </a:xfrm>
             <a:custGeom>
@@ -29170,7 +29170,7 @@
           </p:nvSpPr>
           <p:spPr>
             <a:xfrm>
-              <a:off x="4909030" y="5901757"/>
+              <a:off x="4743776" y="5901732"/>
               <a:ext cx="63202" cy="63202"/>
             </a:xfrm>
             <a:custGeom>
@@ -29213,7 +29213,7 @@
           </p:nvSpPr>
           <p:spPr>
             <a:xfrm>
-              <a:off x="4726244" y="5543049"/>
+              <a:off x="4732675" y="5543037"/>
               <a:ext cx="63202" cy="63202"/>
             </a:xfrm>
             <a:custGeom>
@@ -29256,7 +29256,7 @@
           </p:nvSpPr>
           <p:spPr>
             <a:xfrm>
-              <a:off x="5013339" y="5501340"/>
+              <a:off x="4516403" y="5501311"/>
               <a:ext cx="63202" cy="63202"/>
             </a:xfrm>
             <a:custGeom>
@@ -29299,7 +29299,7 @@
           </p:nvSpPr>
           <p:spPr>
             <a:xfrm>
-              <a:off x="5127476" y="5419097"/>
+              <a:off x="5095204" y="5419053"/>
               <a:ext cx="63202" cy="63202"/>
             </a:xfrm>
             <a:custGeom>
@@ -29342,7 +29342,7 @@
           </p:nvSpPr>
           <p:spPr>
             <a:xfrm>
-              <a:off x="4549616" y="5428461"/>
+              <a:off x="4862122" y="5428413"/>
               <a:ext cx="63202" cy="63202"/>
             </a:xfrm>
             <a:custGeom>
@@ -29385,7 +29385,7 @@
           </p:nvSpPr>
           <p:spPr>
             <a:xfrm>
-              <a:off x="4633091" y="5405609"/>
+              <a:off x="4954648" y="5405608"/>
               <a:ext cx="63202" cy="63202"/>
             </a:xfrm>
             <a:custGeom>
@@ -29428,7 +29428,7 @@
           </p:nvSpPr>
           <p:spPr>
             <a:xfrm>
-              <a:off x="4619419" y="5401366"/>
+              <a:off x="4536072" y="5401321"/>
               <a:ext cx="63202" cy="63202"/>
             </a:xfrm>
             <a:custGeom>
@@ -29471,7 +29471,7 @@
           </p:nvSpPr>
           <p:spPr>
             <a:xfrm>
-              <a:off x="4770729" y="5407535"/>
+              <a:off x="5150245" y="5407501"/>
               <a:ext cx="63202" cy="63202"/>
             </a:xfrm>
             <a:custGeom>
@@ -29514,7 +29514,7 @@
           </p:nvSpPr>
           <p:spPr>
             <a:xfrm>
-              <a:off x="4747722" y="5485412"/>
+              <a:off x="4698772" y="5485395"/>
               <a:ext cx="63202" cy="63202"/>
             </a:xfrm>
             <a:custGeom>
@@ -29557,7 +29557,7 @@
           </p:nvSpPr>
           <p:spPr>
             <a:xfrm>
-              <a:off x="5069200" y="5376322"/>
+              <a:off x="5044279" y="5376280"/>
               <a:ext cx="63202" cy="63202"/>
             </a:xfrm>
             <a:custGeom>
@@ -29600,7 +29600,7 @@
           </p:nvSpPr>
           <p:spPr>
             <a:xfrm>
-              <a:off x="4829384" y="5420494"/>
+              <a:off x="4954342" y="5420486"/>
               <a:ext cx="63202" cy="63202"/>
             </a:xfrm>
             <a:custGeom>
@@ -29643,7 +29643,7 @@
           </p:nvSpPr>
           <p:spPr>
             <a:xfrm>
-              <a:off x="4812844" y="6184031"/>
+              <a:off x="4779195" y="6183989"/>
               <a:ext cx="63202" cy="63202"/>
             </a:xfrm>
             <a:custGeom>
@@ -29686,7 +29686,7 @@
           </p:nvSpPr>
           <p:spPr>
             <a:xfrm>
-              <a:off x="4638336" y="5716005"/>
+              <a:off x="4697751" y="5716011"/>
               <a:ext cx="63202" cy="63202"/>
             </a:xfrm>
             <a:custGeom>
@@ -29729,7 +29729,7 @@
           </p:nvSpPr>
           <p:spPr>
             <a:xfrm>
-              <a:off x="4951000" y="5384659"/>
+              <a:off x="4537937" y="5384619"/>
               <a:ext cx="63202" cy="63202"/>
             </a:xfrm>
             <a:custGeom>
@@ -29772,7 +29772,7 @@
           </p:nvSpPr>
           <p:spPr>
             <a:xfrm>
-              <a:off x="5016363" y="5491781"/>
+              <a:off x="4931872" y="5491740"/>
               <a:ext cx="63202" cy="63202"/>
             </a:xfrm>
             <a:custGeom>
@@ -29815,7 +29815,7 @@
           </p:nvSpPr>
           <p:spPr>
             <a:xfrm>
-              <a:off x="4991817" y="5444871"/>
+              <a:off x="4500250" y="5444846"/>
               <a:ext cx="63202" cy="63202"/>
             </a:xfrm>
             <a:custGeom>
@@ -29858,7 +29858,7 @@
           </p:nvSpPr>
           <p:spPr>
             <a:xfrm>
-              <a:off x="4470262" y="5389886"/>
+              <a:off x="4865288" y="5389866"/>
               <a:ext cx="63202" cy="63202"/>
             </a:xfrm>
             <a:custGeom>
@@ -29901,7 +29901,7 @@
           </p:nvSpPr>
           <p:spPr>
             <a:xfrm>
-              <a:off x="4536962" y="5582707"/>
+              <a:off x="4489932" y="5582681"/>
               <a:ext cx="63202" cy="63202"/>
             </a:xfrm>
             <a:custGeom>
@@ -29944,7 +29944,7 @@
           </p:nvSpPr>
           <p:spPr>
             <a:xfrm>
-              <a:off x="4539771" y="5433472"/>
+              <a:off x="4634119" y="5433470"/>
               <a:ext cx="63202" cy="63202"/>
             </a:xfrm>
             <a:custGeom>
@@ -29987,7 +29987,7 @@
           </p:nvSpPr>
           <p:spPr>
             <a:xfrm>
-              <a:off x="5126434" y="5393942"/>
+              <a:off x="4755680" y="5393909"/>
               <a:ext cx="63202" cy="63202"/>
             </a:xfrm>
             <a:custGeom>
@@ -30030,7 +30030,7 @@
           </p:nvSpPr>
           <p:spPr>
             <a:xfrm>
-              <a:off x="4658184" y="5410297"/>
+              <a:off x="5000328" y="5410289"/>
               <a:ext cx="63202" cy="63202"/>
             </a:xfrm>
             <a:custGeom>
@@ -30073,7 +30073,7 @@
           </p:nvSpPr>
           <p:spPr>
             <a:xfrm>
-              <a:off x="4650441" y="5877073"/>
+              <a:off x="5063950" y="5877037"/>
               <a:ext cx="63202" cy="63202"/>
             </a:xfrm>
             <a:custGeom>
@@ -30116,7 +30116,7 @@
           </p:nvSpPr>
           <p:spPr>
             <a:xfrm>
-              <a:off x="4652013" y="5387520"/>
+              <a:off x="4712352" y="5387490"/>
               <a:ext cx="63202" cy="63202"/>
             </a:xfrm>
             <a:custGeom>
@@ -30159,7 +30159,7 @@
           </p:nvSpPr>
           <p:spPr>
             <a:xfrm>
-              <a:off x="4943055" y="5390207"/>
+              <a:off x="4810225" y="5390209"/>
               <a:ext cx="63202" cy="63202"/>
             </a:xfrm>
             <a:custGeom>
@@ -30202,7 +30202,7 @@
           </p:nvSpPr>
           <p:spPr>
             <a:xfrm>
-              <a:off x="4678762" y="5759741"/>
+              <a:off x="4808834" y="5759731"/>
               <a:ext cx="63202" cy="63202"/>
             </a:xfrm>
             <a:custGeom>
@@ -30245,7 +30245,7 @@
           </p:nvSpPr>
           <p:spPr>
             <a:xfrm>
-              <a:off x="4994326" y="6065130"/>
+              <a:off x="4703289" y="6065082"/>
               <a:ext cx="63202" cy="63202"/>
             </a:xfrm>
             <a:custGeom>
@@ -30288,7 +30288,7 @@
           </p:nvSpPr>
           <p:spPr>
             <a:xfrm>
-              <a:off x="5052216" y="5405881"/>
+              <a:off x="5031113" y="5405887"/>
               <a:ext cx="63202" cy="63202"/>
             </a:xfrm>
             <a:custGeom>
@@ -30331,7 +30331,7 @@
           </p:nvSpPr>
           <p:spPr>
             <a:xfrm>
-              <a:off x="4962111" y="5431108"/>
+              <a:off x="4689996" y="5431065"/>
               <a:ext cx="63202" cy="63202"/>
             </a:xfrm>
             <a:custGeom>
@@ -30374,7 +30374,7 @@
           </p:nvSpPr>
           <p:spPr>
             <a:xfrm>
-              <a:off x="4681858" y="5423764"/>
+              <a:off x="5166336" y="5423726"/>
               <a:ext cx="63202" cy="63202"/>
             </a:xfrm>
             <a:custGeom>
@@ -30417,7 +30417,7 @@
           </p:nvSpPr>
           <p:spPr>
             <a:xfrm>
-              <a:off x="4515715" y="5400681"/>
+              <a:off x="4561313" y="5400631"/>
               <a:ext cx="63202" cy="63202"/>
             </a:xfrm>
             <a:custGeom>
@@ -30460,7 +30460,7 @@
           </p:nvSpPr>
           <p:spPr>
             <a:xfrm>
-              <a:off x="5088520" y="5475810"/>
+              <a:off x="4696435" y="5475825"/>
               <a:ext cx="63202" cy="63202"/>
             </a:xfrm>
             <a:custGeom>
@@ -30503,7 +30503,7 @@
           </p:nvSpPr>
           <p:spPr>
             <a:xfrm>
-              <a:off x="4598279" y="5610950"/>
+              <a:off x="5014550" y="5610915"/>
               <a:ext cx="63202" cy="63202"/>
             </a:xfrm>
             <a:custGeom>
@@ -30546,7 +30546,7 @@
           </p:nvSpPr>
           <p:spPr>
             <a:xfrm>
-              <a:off x="4601245" y="5399612"/>
+              <a:off x="4845055" y="5399571"/>
               <a:ext cx="63202" cy="63202"/>
             </a:xfrm>
             <a:custGeom>
@@ -30589,7 +30589,7 @@
           </p:nvSpPr>
           <p:spPr>
             <a:xfrm>
-              <a:off x="4694249" y="5820961"/>
+              <a:off x="4838707" y="5820943"/>
               <a:ext cx="63202" cy="63202"/>
             </a:xfrm>
             <a:custGeom>
@@ -30632,7 +30632,7 @@
           </p:nvSpPr>
           <p:spPr>
             <a:xfrm>
-              <a:off x="4890383" y="5503312"/>
+              <a:off x="4836001" y="5503304"/>
               <a:ext cx="63202" cy="63202"/>
             </a:xfrm>
             <a:custGeom>
@@ -30675,7 +30675,7 @@
           </p:nvSpPr>
           <p:spPr>
             <a:xfrm>
-              <a:off x="4861236" y="5403175"/>
+              <a:off x="5014972" y="5403169"/>
               <a:ext cx="63202" cy="63202"/>
             </a:xfrm>
             <a:custGeom>
@@ -30718,7 +30718,7 @@
           </p:nvSpPr>
           <p:spPr>
             <a:xfrm>
-              <a:off x="5166087" y="5378827"/>
+              <a:off x="5037691" y="5378793"/>
               <a:ext cx="63202" cy="63202"/>
             </a:xfrm>
             <a:custGeom>
@@ -30761,7 +30761,7 @@
           </p:nvSpPr>
           <p:spPr>
             <a:xfrm>
-              <a:off x="4472210" y="5479349"/>
+              <a:off x="4985090" y="5479334"/>
               <a:ext cx="63202" cy="63202"/>
             </a:xfrm>
             <a:custGeom>
@@ -30804,7 +30804,7 @@
           </p:nvSpPr>
           <p:spPr>
             <a:xfrm>
-              <a:off x="4743961" y="5490478"/>
+              <a:off x="5101977" y="5490462"/>
               <a:ext cx="63202" cy="63202"/>
             </a:xfrm>
             <a:custGeom>
@@ -30847,7 +30847,7 @@
           </p:nvSpPr>
           <p:spPr>
             <a:xfrm>
-              <a:off x="4723872" y="6001335"/>
+              <a:off x="4627770" y="6001331"/>
               <a:ext cx="63202" cy="63202"/>
             </a:xfrm>
             <a:custGeom>
@@ -30890,7 +30890,7 @@
           </p:nvSpPr>
           <p:spPr>
             <a:xfrm>
-              <a:off x="4571992" y="5503065"/>
+              <a:off x="4617618" y="5503053"/>
               <a:ext cx="63202" cy="63202"/>
             </a:xfrm>
             <a:custGeom>
@@ -30933,7 +30933,7 @@
           </p:nvSpPr>
           <p:spPr>
             <a:xfrm>
-              <a:off x="4755184" y="5493883"/>
+              <a:off x="4988260" y="5493853"/>
               <a:ext cx="63202" cy="63202"/>
             </a:xfrm>
             <a:custGeom>
@@ -30976,7 +30976,7 @@
           </p:nvSpPr>
           <p:spPr>
             <a:xfrm>
-              <a:off x="5064733" y="5380767"/>
+              <a:off x="4566213" y="5380749"/>
               <a:ext cx="63202" cy="63202"/>
             </a:xfrm>
             <a:custGeom>
@@ -31019,7 +31019,7 @@
           </p:nvSpPr>
           <p:spPr>
             <a:xfrm>
-              <a:off x="4667927" y="5442480"/>
+              <a:off x="5081161" y="5442457"/>
               <a:ext cx="63202" cy="63202"/>
             </a:xfrm>
             <a:custGeom>
@@ -31062,7 +31062,7 @@
           </p:nvSpPr>
           <p:spPr>
             <a:xfrm>
-              <a:off x="4561256" y="5772253"/>
+              <a:off x="4966607" y="5772204"/>
               <a:ext cx="63202" cy="63202"/>
             </a:xfrm>
             <a:custGeom>
@@ -31105,7 +31105,7 @@
           </p:nvSpPr>
           <p:spPr>
             <a:xfrm>
-              <a:off x="4535311" y="5393806"/>
+              <a:off x="4842507" y="5393802"/>
               <a:ext cx="63202" cy="63202"/>
             </a:xfrm>
             <a:custGeom>
@@ -31148,7 +31148,7 @@
           </p:nvSpPr>
           <p:spPr>
             <a:xfrm>
-              <a:off x="4631960" y="5400484"/>
+              <a:off x="4640959" y="5400473"/>
               <a:ext cx="63202" cy="63202"/>
             </a:xfrm>
             <a:custGeom>
@@ -31191,7 +31191,7 @@
           </p:nvSpPr>
           <p:spPr>
             <a:xfrm>
-              <a:off x="4802256" y="5399978"/>
+              <a:off x="4819390" y="5400001"/>
               <a:ext cx="63202" cy="63202"/>
             </a:xfrm>
             <a:custGeom>
@@ -31234,7 +31234,7 @@
           </p:nvSpPr>
           <p:spPr>
             <a:xfrm>
-              <a:off x="5070939" y="5781856"/>
+              <a:off x="4487494" y="5781862"/>
               <a:ext cx="63202" cy="63202"/>
             </a:xfrm>
             <a:custGeom>
@@ -31277,7 +31277,7 @@
           </p:nvSpPr>
           <p:spPr>
             <a:xfrm>
-              <a:off x="4953782" y="5387017"/>
+              <a:off x="4839164" y="5386996"/>
               <a:ext cx="63202" cy="63202"/>
             </a:xfrm>
             <a:custGeom>
@@ -31320,7 +31320,7 @@
           </p:nvSpPr>
           <p:spPr>
             <a:xfrm>
-              <a:off x="4850371" y="5461721"/>
+              <a:off x="4998254" y="5461712"/>
               <a:ext cx="63202" cy="63202"/>
             </a:xfrm>
             <a:custGeom>
@@ -31363,7 +31363,7 @@
           </p:nvSpPr>
           <p:spPr>
             <a:xfrm>
-              <a:off x="4999800" y="5485656"/>
+              <a:off x="4613290" y="5485666"/>
               <a:ext cx="63202" cy="63202"/>
             </a:xfrm>
             <a:custGeom>
@@ -31406,7 +31406,7 @@
           </p:nvSpPr>
           <p:spPr>
             <a:xfrm>
-              <a:off x="4726493" y="5414707"/>
+              <a:off x="4520590" y="5414711"/>
               <a:ext cx="63202" cy="63202"/>
             </a:xfrm>
             <a:custGeom>
@@ -31449,7 +31449,7 @@
           </p:nvSpPr>
           <p:spPr>
             <a:xfrm>
-              <a:off x="4936838" y="5791458"/>
+              <a:off x="4899016" y="5791398"/>
               <a:ext cx="63202" cy="63202"/>
             </a:xfrm>
             <a:custGeom>
@@ -31492,7 +31492,7 @@
           </p:nvSpPr>
           <p:spPr>
             <a:xfrm>
-              <a:off x="4930719" y="5546229"/>
+              <a:off x="4498057" y="5546180"/>
               <a:ext cx="63202" cy="63202"/>
             </a:xfrm>
             <a:custGeom>
@@ -31535,7 +31535,7 @@
           </p:nvSpPr>
           <p:spPr>
             <a:xfrm>
-              <a:off x="4519609" y="5432449"/>
+              <a:off x="4990221" y="5432413"/>
               <a:ext cx="63202" cy="63202"/>
             </a:xfrm>
             <a:custGeom>
@@ -31578,7 +31578,7 @@
           </p:nvSpPr>
           <p:spPr>
             <a:xfrm>
-              <a:off x="4677700" y="5394151"/>
+              <a:off x="5004461" y="5394149"/>
               <a:ext cx="63202" cy="63202"/>
             </a:xfrm>
             <a:custGeom>
@@ -31621,7 +31621,7 @@
           </p:nvSpPr>
           <p:spPr>
             <a:xfrm>
-              <a:off x="4595642" y="5454098"/>
+              <a:off x="4945107" y="5454065"/>
               <a:ext cx="63202" cy="63202"/>
             </a:xfrm>
             <a:custGeom>
@@ -31664,7 +31664,7 @@
           </p:nvSpPr>
           <p:spPr>
             <a:xfrm>
-              <a:off x="4772042" y="5424558"/>
+              <a:off x="4711696" y="5424536"/>
               <a:ext cx="63202" cy="63202"/>
             </a:xfrm>
             <a:custGeom>
@@ -31707,7 +31707,7 @@
           </p:nvSpPr>
           <p:spPr>
             <a:xfrm>
-              <a:off x="4503687" y="5498447"/>
+              <a:off x="4537546" y="5498419"/>
               <a:ext cx="63202" cy="63202"/>
             </a:xfrm>
             <a:custGeom>
@@ -31750,7 +31750,7 @@
           </p:nvSpPr>
           <p:spPr>
             <a:xfrm>
-              <a:off x="5096338" y="5902149"/>
+              <a:off x="5075238" y="5902161"/>
               <a:ext cx="63202" cy="63202"/>
             </a:xfrm>
             <a:custGeom>
@@ -31793,7 +31793,7 @@
           </p:nvSpPr>
           <p:spPr>
             <a:xfrm>
-              <a:off x="4996810" y="5844000"/>
+              <a:off x="4515894" y="5843941"/>
               <a:ext cx="63202" cy="63202"/>
             </a:xfrm>
             <a:custGeom>
@@ -31836,7 +31836,7 @@
           </p:nvSpPr>
           <p:spPr>
             <a:xfrm>
-              <a:off x="5029541" y="5540711"/>
+              <a:off x="5165561" y="5540703"/>
               <a:ext cx="63202" cy="63202"/>
             </a:xfrm>
             <a:custGeom>
@@ -31879,7 +31879,7 @@
           </p:nvSpPr>
           <p:spPr>
             <a:xfrm>
-              <a:off x="4916342" y="5952055"/>
+              <a:off x="4747837" y="5952038"/>
               <a:ext cx="63202" cy="63202"/>
             </a:xfrm>
             <a:custGeom>
@@ -31922,7 +31922,7 @@
           </p:nvSpPr>
           <p:spPr>
             <a:xfrm>
-              <a:off x="4906510" y="5395800"/>
+              <a:off x="4660712" y="5395788"/>
               <a:ext cx="63202" cy="63202"/>
             </a:xfrm>
             <a:custGeom>
@@ -31965,7 +31965,7 @@
           </p:nvSpPr>
           <p:spPr>
             <a:xfrm>
-              <a:off x="4625934" y="5460294"/>
+              <a:off x="4514422" y="5460261"/>
               <a:ext cx="63202" cy="63202"/>
             </a:xfrm>
             <a:custGeom>
@@ -32008,7 +32008,7 @@
           </p:nvSpPr>
           <p:spPr>
             <a:xfrm>
-              <a:off x="4820385" y="5441469"/>
+              <a:off x="4575455" y="5441439"/>
               <a:ext cx="63202" cy="63202"/>
             </a:xfrm>
             <a:custGeom>
@@ -32051,7 +32051,7 @@
           </p:nvSpPr>
           <p:spPr>
             <a:xfrm>
-              <a:off x="4683139" y="5390156"/>
+              <a:off x="5160477" y="5390143"/>
               <a:ext cx="63202" cy="63202"/>
             </a:xfrm>
             <a:custGeom>
@@ -32094,7 +32094,7 @@
           </p:nvSpPr>
           <p:spPr>
             <a:xfrm>
-              <a:off x="5160064" y="5435632"/>
+              <a:off x="5047087" y="5435622"/>
               <a:ext cx="63202" cy="63202"/>
             </a:xfrm>
             <a:custGeom>
@@ -32137,7 +32137,7 @@
           </p:nvSpPr>
           <p:spPr>
             <a:xfrm>
-              <a:off x="5027204" y="5402499"/>
+              <a:off x="4859614" y="5402497"/>
               <a:ext cx="63202" cy="63202"/>
             </a:xfrm>
             <a:custGeom>
@@ -32180,7 +32180,7 @@
           </p:nvSpPr>
           <p:spPr>
             <a:xfrm>
-              <a:off x="4880598" y="5409717"/>
+              <a:off x="4972918" y="5409663"/>
               <a:ext cx="63202" cy="63202"/>
             </a:xfrm>
             <a:custGeom>
@@ -32223,7 +32223,7 @@
           </p:nvSpPr>
           <p:spPr>
             <a:xfrm>
-              <a:off x="5101345" y="5425062"/>
+              <a:off x="5090011" y="5425025"/>
               <a:ext cx="63202" cy="63202"/>
             </a:xfrm>
             <a:custGeom>
@@ -32266,7 +32266,7 @@
           </p:nvSpPr>
           <p:spPr>
             <a:xfrm>
-              <a:off x="4600157" y="5780702"/>
+              <a:off x="4801022" y="5780701"/>
               <a:ext cx="63202" cy="63202"/>
             </a:xfrm>
             <a:custGeom>
@@ -32309,7 +32309,7 @@
           </p:nvSpPr>
           <p:spPr>
             <a:xfrm>
-              <a:off x="4906437" y="5612235"/>
+              <a:off x="4919873" y="5612177"/>
               <a:ext cx="63202" cy="63202"/>
             </a:xfrm>
             <a:custGeom>
@@ -32352,7 +32352,7 @@
           </p:nvSpPr>
           <p:spPr>
             <a:xfrm>
-              <a:off x="5013017" y="5380325"/>
+              <a:off x="5126232" y="5380294"/>
               <a:ext cx="63202" cy="63202"/>
             </a:xfrm>
             <a:custGeom>
@@ -32395,7 +32395,7 @@
           </p:nvSpPr>
           <p:spPr>
             <a:xfrm>
-              <a:off x="4571489" y="5495626"/>
+              <a:off x="4966894" y="5495641"/>
               <a:ext cx="63202" cy="63202"/>
             </a:xfrm>
             <a:custGeom>
@@ -32438,7 +32438,7 @@
           </p:nvSpPr>
           <p:spPr>
             <a:xfrm>
-              <a:off x="4617143" y="5496926"/>
+              <a:off x="4489694" y="5496938"/>
               <a:ext cx="63202" cy="63202"/>
             </a:xfrm>
             <a:custGeom>
@@ -32481,7 +32481,7 @@
           </p:nvSpPr>
           <p:spPr>
             <a:xfrm>
-              <a:off x="5052131" y="5411206"/>
+              <a:off x="4924341" y="5411187"/>
               <a:ext cx="63202" cy="63202"/>
             </a:xfrm>
             <a:custGeom>
@@ -32524,7 +32524,7 @@
           </p:nvSpPr>
           <p:spPr>
             <a:xfrm>
-              <a:off x="4911484" y="5439769"/>
+              <a:off x="5164684" y="5439780"/>
               <a:ext cx="63202" cy="63202"/>
             </a:xfrm>
             <a:custGeom>
@@ -32567,7 +32567,7 @@
           </p:nvSpPr>
           <p:spPr>
             <a:xfrm>
-              <a:off x="4877870" y="5483779"/>
+              <a:off x="4909166" y="5483749"/>
               <a:ext cx="63202" cy="63202"/>
             </a:xfrm>
             <a:custGeom>
@@ -32610,7 +32610,7 @@
           </p:nvSpPr>
           <p:spPr>
             <a:xfrm>
-              <a:off x="4823256" y="5485125"/>
+              <a:off x="4595254" y="5485119"/>
               <a:ext cx="63202" cy="63202"/>
             </a:xfrm>
             <a:custGeom>
@@ -32653,7 +32653,7 @@
           </p:nvSpPr>
           <p:spPr>
             <a:xfrm>
-              <a:off x="4698014" y="5433608"/>
+              <a:off x="4924957" y="5433556"/>
               <a:ext cx="63202" cy="63202"/>
             </a:xfrm>
             <a:custGeom>
@@ -32696,7 +32696,7 @@
           </p:nvSpPr>
           <p:spPr>
             <a:xfrm>
-              <a:off x="4873484" y="5431477"/>
+              <a:off x="5035633" y="5431473"/>
               <a:ext cx="63202" cy="63202"/>
             </a:xfrm>
             <a:custGeom>
@@ -32739,7 +32739,7 @@
           </p:nvSpPr>
           <p:spPr>
             <a:xfrm>
-              <a:off x="4776621" y="5540320"/>
+              <a:off x="5006499" y="5540326"/>
               <a:ext cx="63202" cy="63202"/>
             </a:xfrm>
             <a:custGeom>
@@ -32782,7 +32782,7 @@
           </p:nvSpPr>
           <p:spPr>
             <a:xfrm>
-              <a:off x="4860988" y="5430738"/>
+              <a:off x="4625389" y="5430714"/>
               <a:ext cx="63202" cy="63202"/>
             </a:xfrm>
             <a:custGeom>
@@ -32825,7 +32825,7 @@
           </p:nvSpPr>
           <p:spPr>
             <a:xfrm>
-              <a:off x="5120141" y="5424964"/>
+              <a:off x="4670235" y="5424941"/>
               <a:ext cx="63202" cy="63202"/>
             </a:xfrm>
             <a:custGeom>
@@ -32868,7 +32868,7 @@
           </p:nvSpPr>
           <p:spPr>
             <a:xfrm>
-              <a:off x="4797991" y="5697673"/>
+              <a:off x="4781633" y="5697690"/>
               <a:ext cx="63202" cy="63202"/>
             </a:xfrm>
             <a:custGeom>
@@ -32911,7 +32911,7 @@
           </p:nvSpPr>
           <p:spPr>
             <a:xfrm>
-              <a:off x="4953317" y="5410830"/>
+              <a:off x="4815845" y="5410828"/>
               <a:ext cx="63202" cy="63202"/>
             </a:xfrm>
             <a:custGeom>
@@ -32954,7 +32954,7 @@
           </p:nvSpPr>
           <p:spPr>
             <a:xfrm>
-              <a:off x="5096902" y="5435014"/>
+              <a:off x="4598790" y="5434983"/>
               <a:ext cx="63202" cy="63202"/>
             </a:xfrm>
             <a:custGeom>
@@ -32997,7 +32997,7 @@
           </p:nvSpPr>
           <p:spPr>
             <a:xfrm>
-              <a:off x="4956317" y="5423551"/>
+              <a:off x="5151650" y="5423516"/>
               <a:ext cx="63202" cy="63202"/>
             </a:xfrm>
             <a:custGeom>
@@ -33040,7 +33040,7 @@
           </p:nvSpPr>
           <p:spPr>
             <a:xfrm>
-              <a:off x="4667387" y="5405556"/>
+              <a:off x="4475295" y="5405533"/>
               <a:ext cx="63202" cy="63202"/>
             </a:xfrm>
             <a:custGeom>
@@ -33083,7 +33083,7 @@
           </p:nvSpPr>
           <p:spPr>
             <a:xfrm>
-              <a:off x="4629782" y="5409679"/>
+              <a:off x="4551887" y="5409673"/>
               <a:ext cx="63202" cy="63202"/>
             </a:xfrm>
             <a:custGeom>
@@ -33126,7 +33126,7 @@
           </p:nvSpPr>
           <p:spPr>
             <a:xfrm>
-              <a:off x="4593597" y="5386376"/>
+              <a:off x="5047457" y="5386352"/>
               <a:ext cx="63202" cy="63202"/>
             </a:xfrm>
             <a:custGeom>
@@ -33169,7 +33169,7 @@
           </p:nvSpPr>
           <p:spPr>
             <a:xfrm>
-              <a:off x="4561253" y="6014437"/>
+              <a:off x="4981494" y="6014410"/>
               <a:ext cx="63202" cy="63202"/>
             </a:xfrm>
             <a:custGeom>
@@ -33212,7 +33212,7 @@
           </p:nvSpPr>
           <p:spPr>
             <a:xfrm>
-              <a:off x="5000341" y="5698501"/>
+              <a:off x="4965521" y="5698501"/>
               <a:ext cx="63202" cy="63202"/>
             </a:xfrm>
             <a:custGeom>
@@ -33255,7 +33255,7 @@
           </p:nvSpPr>
           <p:spPr>
             <a:xfrm>
-              <a:off x="4778891" y="5743586"/>
+              <a:off x="4807020" y="5743548"/>
               <a:ext cx="63202" cy="63202"/>
             </a:xfrm>
             <a:custGeom>
@@ -33298,7 +33298,7 @@
           </p:nvSpPr>
           <p:spPr>
             <a:xfrm>
-              <a:off x="4867002" y="5693481"/>
+              <a:off x="4992438" y="5693457"/>
               <a:ext cx="63202" cy="63202"/>
             </a:xfrm>
             <a:custGeom>
@@ -33341,7 +33341,7 @@
           </p:nvSpPr>
           <p:spPr>
             <a:xfrm>
-              <a:off x="5101214" y="5448013"/>
+              <a:off x="4478142" y="5447990"/>
               <a:ext cx="63202" cy="63202"/>
             </a:xfrm>
             <a:custGeom>
@@ -33384,7 +33384,7 @@
           </p:nvSpPr>
           <p:spPr>
             <a:xfrm>
-              <a:off x="4795838" y="6046763"/>
+              <a:off x="4986406" y="6046748"/>
               <a:ext cx="63202" cy="63202"/>
             </a:xfrm>
             <a:custGeom>
@@ -33427,7 +33427,7 @@
           </p:nvSpPr>
           <p:spPr>
             <a:xfrm>
-              <a:off x="4496429" y="6032038"/>
+              <a:off x="4962800" y="6032025"/>
               <a:ext cx="63202" cy="63202"/>
             </a:xfrm>
             <a:custGeom>
@@ -33470,7 +33470,7 @@
           </p:nvSpPr>
           <p:spPr>
             <a:xfrm>
-              <a:off x="4816736" y="5398504"/>
+              <a:off x="4916057" y="5398483"/>
               <a:ext cx="63202" cy="63202"/>
             </a:xfrm>
             <a:custGeom>
@@ -33513,7 +33513,7 @@
           </p:nvSpPr>
           <p:spPr>
             <a:xfrm>
-              <a:off x="5051394" y="5404957"/>
+              <a:off x="4999775" y="5404919"/>
               <a:ext cx="63202" cy="63202"/>
             </a:xfrm>
             <a:custGeom>
@@ -33556,7 +33556,7 @@
           </p:nvSpPr>
           <p:spPr>
             <a:xfrm>
-              <a:off x="5049206" y="5746897"/>
+              <a:off x="5071534" y="5746861"/>
               <a:ext cx="63202" cy="63202"/>
             </a:xfrm>
             <a:custGeom>
@@ -33599,7 +33599,7 @@
           </p:nvSpPr>
           <p:spPr>
             <a:xfrm>
-              <a:off x="5080966" y="6034939"/>
+              <a:off x="5128285" y="6034947"/>
               <a:ext cx="63202" cy="63202"/>
             </a:xfrm>
             <a:custGeom>
@@ -33642,7 +33642,7 @@
           </p:nvSpPr>
           <p:spPr>
             <a:xfrm>
-              <a:off x="4533999" y="5453381"/>
+              <a:off x="4876594" y="5453319"/>
               <a:ext cx="63202" cy="63202"/>
             </a:xfrm>
             <a:custGeom>
@@ -33685,7 +33685,7 @@
           </p:nvSpPr>
           <p:spPr>
             <a:xfrm>
-              <a:off x="5141031" y="5678060"/>
+              <a:off x="4612962" y="5678036"/>
               <a:ext cx="63202" cy="63202"/>
             </a:xfrm>
             <a:custGeom>
@@ -33728,7 +33728,7 @@
           </p:nvSpPr>
           <p:spPr>
             <a:xfrm>
-              <a:off x="4473909" y="5596202"/>
+              <a:off x="5033023" y="5596191"/>
               <a:ext cx="63202" cy="63202"/>
             </a:xfrm>
             <a:custGeom>
@@ -33771,7 +33771,7 @@
           </p:nvSpPr>
           <p:spPr>
             <a:xfrm>
-              <a:off x="5063709" y="5395404"/>
+              <a:off x="4680007" y="5395380"/>
               <a:ext cx="63202" cy="63202"/>
             </a:xfrm>
             <a:custGeom>
@@ -33814,7 +33814,7 @@
           </p:nvSpPr>
           <p:spPr>
             <a:xfrm>
-              <a:off x="4931843" y="5406313"/>
+              <a:off x="4702529" y="5406282"/>
               <a:ext cx="63202" cy="63202"/>
             </a:xfrm>
             <a:custGeom>
@@ -33857,7 +33857,7 @@
           </p:nvSpPr>
           <p:spPr>
             <a:xfrm>
-              <a:off x="4522896" y="5389668"/>
+              <a:off x="4513163" y="5389636"/>
               <a:ext cx="63202" cy="63202"/>
             </a:xfrm>
             <a:custGeom>
@@ -33900,7 +33900,7 @@
           </p:nvSpPr>
           <p:spPr>
             <a:xfrm>
-              <a:off x="4955356" y="5487889"/>
+              <a:off x="4890812" y="5487883"/>
               <a:ext cx="63202" cy="63202"/>
             </a:xfrm>
             <a:custGeom>
@@ -33943,7 +33943,7 @@
           </p:nvSpPr>
           <p:spPr>
             <a:xfrm>
-              <a:off x="4567426" y="5405769"/>
+              <a:off x="5095792" y="5405762"/>
               <a:ext cx="63202" cy="63202"/>
             </a:xfrm>
             <a:custGeom>
@@ -33986,7 +33986,7 @@
           </p:nvSpPr>
           <p:spPr>
             <a:xfrm>
-              <a:off x="4931444" y="5490487"/>
+              <a:off x="5104272" y="5490498"/>
               <a:ext cx="63202" cy="63202"/>
             </a:xfrm>
             <a:custGeom>
@@ -34029,7 +34029,7 @@
           </p:nvSpPr>
           <p:spPr>
             <a:xfrm>
-              <a:off x="4626181" y="5497811"/>
+              <a:off x="4694485" y="5497803"/>
               <a:ext cx="63202" cy="63202"/>
             </a:xfrm>
             <a:custGeom>
@@ -34072,7 +34072,7 @@
           </p:nvSpPr>
           <p:spPr>
             <a:xfrm>
-              <a:off x="4530832" y="5489071"/>
+              <a:off x="5049344" y="5489054"/>
               <a:ext cx="63202" cy="63202"/>
             </a:xfrm>
             <a:custGeom>
@@ -34115,7 +34115,7 @@
           </p:nvSpPr>
           <p:spPr>
             <a:xfrm>
-              <a:off x="4594210" y="5489789"/>
+              <a:off x="4980627" y="5489781"/>
               <a:ext cx="63202" cy="63202"/>
             </a:xfrm>
             <a:custGeom>
@@ -34158,7 +34158,7 @@
           </p:nvSpPr>
           <p:spPr>
             <a:xfrm>
-              <a:off x="4669149" y="5432174"/>
+              <a:off x="4714533" y="5432134"/>
               <a:ext cx="63202" cy="63202"/>
             </a:xfrm>
             <a:custGeom>
@@ -34201,7 +34201,7 @@
           </p:nvSpPr>
           <p:spPr>
             <a:xfrm>
-              <a:off x="4488776" y="5486697"/>
+              <a:off x="5048096" y="5486661"/>
               <a:ext cx="63202" cy="63202"/>
             </a:xfrm>
             <a:custGeom>
@@ -34244,7 +34244,7 @@
           </p:nvSpPr>
           <p:spPr>
             <a:xfrm>
-              <a:off x="4816520" y="5725728"/>
+              <a:off x="5034279" y="5725696"/>
               <a:ext cx="63202" cy="63202"/>
             </a:xfrm>
             <a:custGeom>
@@ -34287,7 +34287,7 @@
           </p:nvSpPr>
           <p:spPr>
             <a:xfrm>
-              <a:off x="4943967" y="5404774"/>
+              <a:off x="4951991" y="5404707"/>
               <a:ext cx="63202" cy="63202"/>
             </a:xfrm>
             <a:custGeom>
@@ -34330,7 +34330,7 @@
           </p:nvSpPr>
           <p:spPr>
             <a:xfrm>
-              <a:off x="4755712" y="5893470"/>
+              <a:off x="4741549" y="5893428"/>
               <a:ext cx="63202" cy="63202"/>
             </a:xfrm>
             <a:custGeom>
@@ -34373,7 +34373,7 @@
           </p:nvSpPr>
           <p:spPr>
             <a:xfrm>
-              <a:off x="4499396" y="5461052"/>
+              <a:off x="4721147" y="5461001"/>
               <a:ext cx="63202" cy="63202"/>
             </a:xfrm>
             <a:custGeom>
@@ -34416,7 +34416,7 @@
           </p:nvSpPr>
           <p:spPr>
             <a:xfrm>
-              <a:off x="4853145" y="5777600"/>
+              <a:off x="5070169" y="5777568"/>
               <a:ext cx="63202" cy="63202"/>
             </a:xfrm>
             <a:custGeom>
@@ -34459,7 +34459,7 @@
           </p:nvSpPr>
           <p:spPr>
             <a:xfrm>
-              <a:off x="4658775" y="5538672"/>
+              <a:off x="5024937" y="5538679"/>
               <a:ext cx="63202" cy="63202"/>
             </a:xfrm>
             <a:custGeom>
@@ -34502,7 +34502,7 @@
           </p:nvSpPr>
           <p:spPr>
             <a:xfrm>
-              <a:off x="4501934" y="5829095"/>
+              <a:off x="5012873" y="5829074"/>
               <a:ext cx="63202" cy="63202"/>
             </a:xfrm>
             <a:custGeom>
@@ -34545,7 +34545,7 @@
           </p:nvSpPr>
           <p:spPr>
             <a:xfrm>
-              <a:off x="4890380" y="5728731"/>
+              <a:off x="4990139" y="5728686"/>
               <a:ext cx="63202" cy="63202"/>
             </a:xfrm>
             <a:custGeom>
@@ -34588,7 +34588,7 @@
           </p:nvSpPr>
           <p:spPr>
             <a:xfrm>
-              <a:off x="4998717" y="5988133"/>
+              <a:off x="4782394" y="5988096"/>
               <a:ext cx="63202" cy="63202"/>
             </a:xfrm>
             <a:custGeom>
@@ -34631,7 +34631,7 @@
           </p:nvSpPr>
           <p:spPr>
             <a:xfrm>
-              <a:off x="4749062" y="5397266"/>
+              <a:off x="4984717" y="5397240"/>
               <a:ext cx="63202" cy="63202"/>
             </a:xfrm>
             <a:custGeom>
@@ -34674,7 +34674,7 @@
           </p:nvSpPr>
           <p:spPr>
             <a:xfrm>
-              <a:off x="4553244" y="5397504"/>
+              <a:off x="4883038" y="5397456"/>
               <a:ext cx="63202" cy="63202"/>
             </a:xfrm>
             <a:custGeom>
@@ -34717,7 +34717,7 @@
           </p:nvSpPr>
           <p:spPr>
             <a:xfrm>
-              <a:off x="4520051" y="5861767"/>
+              <a:off x="4763502" y="5861730"/>
               <a:ext cx="63202" cy="63202"/>
             </a:xfrm>
             <a:custGeom>
@@ -34760,7 +34760,7 @@
           </p:nvSpPr>
           <p:spPr>
             <a:xfrm>
-              <a:off x="4758062" y="5766662"/>
+              <a:off x="5125865" y="5766649"/>
               <a:ext cx="63202" cy="63202"/>
             </a:xfrm>
             <a:custGeom>
@@ -34803,7 +34803,7 @@
           </p:nvSpPr>
           <p:spPr>
             <a:xfrm>
-              <a:off x="4620397" y="5596123"/>
+              <a:off x="4820117" y="5596088"/>
               <a:ext cx="63202" cy="63202"/>
             </a:xfrm>
             <a:custGeom>
@@ -34846,7 +34846,7 @@
           </p:nvSpPr>
           <p:spPr>
             <a:xfrm>
-              <a:off x="4907582" y="5701268"/>
+              <a:off x="4987990" y="5701253"/>
               <a:ext cx="63202" cy="63202"/>
             </a:xfrm>
             <a:custGeom>
@@ -34945,7 +34945,7 @@
           </p:nvSpPr>
           <p:spPr>
             <a:xfrm>
-              <a:off x="7192078" y="2898387"/>
+              <a:off x="7192078" y="2898340"/>
               <a:ext cx="2796732" cy="0"/>
             </a:xfrm>
             <a:custGeom>
@@ -34988,7 +34988,7 @@
           </p:nvSpPr>
           <p:spPr>
             <a:xfrm>
-              <a:off x="7192078" y="2558941"/>
+              <a:off x="7192078" y="2558902"/>
               <a:ext cx="2796732" cy="0"/>
             </a:xfrm>
             <a:custGeom>
@@ -35031,7 +35031,7 @@
           </p:nvSpPr>
           <p:spPr>
             <a:xfrm>
-              <a:off x="7192078" y="2219496"/>
+              <a:off x="7192078" y="2219464"/>
               <a:ext cx="2796732" cy="0"/>
             </a:xfrm>
             <a:custGeom>
@@ -35074,7 +35074,7 @@
           </p:nvSpPr>
           <p:spPr>
             <a:xfrm>
-              <a:off x="7192078" y="1880050"/>
+              <a:off x="7192078" y="1880026"/>
               <a:ext cx="2796732" cy="0"/>
             </a:xfrm>
             <a:custGeom>
@@ -35117,7 +35117,7 @@
           </p:nvSpPr>
           <p:spPr>
             <a:xfrm>
-              <a:off x="7192078" y="1540605"/>
+              <a:off x="7192078" y="1540588"/>
               <a:ext cx="2796732" cy="0"/>
             </a:xfrm>
             <a:custGeom>
@@ -35160,7 +35160,7 @@
           </p:nvSpPr>
           <p:spPr>
             <a:xfrm>
-              <a:off x="7192078" y="2728664"/>
+              <a:off x="7192078" y="2728621"/>
               <a:ext cx="2796732" cy="0"/>
             </a:xfrm>
             <a:custGeom>
@@ -35203,7 +35203,7 @@
           </p:nvSpPr>
           <p:spPr>
             <a:xfrm>
-              <a:off x="7192078" y="2389218"/>
+              <a:off x="7192078" y="2389183"/>
               <a:ext cx="2796732" cy="0"/>
             </a:xfrm>
             <a:custGeom>
@@ -35246,7 +35246,7 @@
           </p:nvSpPr>
           <p:spPr>
             <a:xfrm>
-              <a:off x="7192078" y="2049773"/>
+              <a:off x="7192078" y="2049745"/>
               <a:ext cx="2796732" cy="0"/>
             </a:xfrm>
             <a:custGeom>
@@ -35289,7 +35289,7 @@
           </p:nvSpPr>
           <p:spPr>
             <a:xfrm>
-              <a:off x="7192078" y="1710328"/>
+              <a:off x="7192078" y="1710307"/>
               <a:ext cx="2796732" cy="0"/>
             </a:xfrm>
             <a:custGeom>
@@ -35461,7 +35461,7 @@
           </p:nvSpPr>
           <p:spPr>
             <a:xfrm>
-              <a:off x="7783441" y="2743649"/>
+              <a:off x="7594742" y="2743585"/>
               <a:ext cx="63202" cy="63202"/>
             </a:xfrm>
             <a:custGeom>
@@ -35504,7 +35504,7 @@
           </p:nvSpPr>
           <p:spPr>
             <a:xfrm>
-              <a:off x="7528961" y="2400307"/>
+              <a:off x="7419025" y="2400301"/>
               <a:ext cx="63202" cy="63202"/>
             </a:xfrm>
             <a:custGeom>
@@ -35547,7 +35547,7 @@
           </p:nvSpPr>
           <p:spPr>
             <a:xfrm>
-              <a:off x="7447692" y="2350538"/>
+              <a:off x="7628667" y="2350495"/>
               <a:ext cx="63202" cy="63202"/>
             </a:xfrm>
             <a:custGeom>
@@ -35590,7 +35590,7 @@
           </p:nvSpPr>
           <p:spPr>
             <a:xfrm>
-              <a:off x="7498226" y="2357088"/>
+              <a:off x="7665709" y="2357018"/>
               <a:ext cx="63202" cy="63202"/>
             </a:xfrm>
             <a:custGeom>
@@ -35633,7 +35633,7 @@
           </p:nvSpPr>
           <p:spPr>
             <a:xfrm>
-              <a:off x="7970139" y="2347729"/>
+              <a:off x="7607090" y="2347684"/>
               <a:ext cx="63202" cy="63202"/>
             </a:xfrm>
             <a:custGeom>
@@ -35676,7 +35676,7 @@
           </p:nvSpPr>
           <p:spPr>
             <a:xfrm>
-              <a:off x="7493290" y="1928012"/>
+              <a:off x="7965580" y="1927963"/>
               <a:ext cx="63202" cy="63202"/>
             </a:xfrm>
             <a:custGeom>
@@ -35719,7 +35719,7 @@
           </p:nvSpPr>
           <p:spPr>
             <a:xfrm>
-              <a:off x="7712466" y="2382451"/>
+              <a:off x="8033913" y="2382443"/>
               <a:ext cx="63202" cy="63202"/>
             </a:xfrm>
             <a:custGeom>
@@ -35762,7 +35762,7 @@
           </p:nvSpPr>
           <p:spPr>
             <a:xfrm>
-              <a:off x="7479550" y="2397920"/>
+              <a:off x="7489974" y="2397916"/>
               <a:ext cx="63202" cy="63202"/>
             </a:xfrm>
             <a:custGeom>
@@ -35805,7 +35805,7 @@
           </p:nvSpPr>
           <p:spPr>
             <a:xfrm>
-              <a:off x="7460955" y="2346266"/>
+              <a:off x="7843156" y="2346223"/>
               <a:ext cx="63202" cy="63202"/>
             </a:xfrm>
             <a:custGeom>
@@ -35848,7 +35848,7 @@
           </p:nvSpPr>
           <p:spPr>
             <a:xfrm>
-              <a:off x="7906100" y="2345405"/>
+              <a:off x="8026027" y="2345376"/>
               <a:ext cx="63202" cy="63202"/>
             </a:xfrm>
             <a:custGeom>
@@ -35891,7 +35891,7 @@
           </p:nvSpPr>
           <p:spPr>
             <a:xfrm>
-              <a:off x="7641564" y="2384428"/>
+              <a:off x="7565070" y="2384415"/>
               <a:ext cx="63202" cy="63202"/>
             </a:xfrm>
             <a:custGeom>
@@ -35934,7 +35934,7 @@
           </p:nvSpPr>
           <p:spPr>
             <a:xfrm>
-              <a:off x="7553028" y="2511050"/>
+              <a:off x="7994776" y="2511027"/>
               <a:ext cx="63202" cy="63202"/>
             </a:xfrm>
             <a:custGeom>
@@ -35977,7 +35977,7 @@
           </p:nvSpPr>
           <p:spPr>
             <a:xfrm>
-              <a:off x="7569154" y="2391622"/>
+              <a:off x="7647661" y="2391609"/>
               <a:ext cx="63202" cy="63202"/>
             </a:xfrm>
             <a:custGeom>
@@ -36020,7 +36020,7 @@
           </p:nvSpPr>
           <p:spPr>
             <a:xfrm>
-              <a:off x="7737637" y="2400769"/>
+              <a:off x="8009723" y="2400767"/>
               <a:ext cx="63202" cy="63202"/>
             </a:xfrm>
             <a:custGeom>
@@ -36063,7 +36063,7 @@
           </p:nvSpPr>
           <p:spPr>
             <a:xfrm>
-              <a:off x="7740528" y="2382807"/>
+              <a:off x="7602231" y="2382793"/>
               <a:ext cx="63202" cy="63202"/>
             </a:xfrm>
             <a:custGeom>
@@ -36106,7 +36106,7 @@
           </p:nvSpPr>
           <p:spPr>
             <a:xfrm>
-              <a:off x="7405944" y="2395633"/>
+              <a:off x="7364984" y="2395613"/>
               <a:ext cx="63202" cy="63202"/>
             </a:xfrm>
             <a:custGeom>
@@ -36149,7 +36149,7 @@
           </p:nvSpPr>
           <p:spPr>
             <a:xfrm>
-              <a:off x="7583704" y="2381424"/>
+              <a:off x="7434618" y="2381393"/>
               <a:ext cx="63202" cy="63202"/>
             </a:xfrm>
             <a:custGeom>
@@ -36192,7 +36192,7 @@
           </p:nvSpPr>
           <p:spPr>
             <a:xfrm>
-              <a:off x="7376334" y="2358364"/>
+              <a:off x="7409865" y="2358313"/>
               <a:ext cx="63202" cy="63202"/>
             </a:xfrm>
             <a:custGeom>
@@ -36235,7 +36235,7 @@
           </p:nvSpPr>
           <p:spPr>
             <a:xfrm>
-              <a:off x="7633170" y="2389366"/>
+              <a:off x="8033635" y="2389340"/>
               <a:ext cx="63202" cy="63202"/>
             </a:xfrm>
             <a:custGeom>
@@ -36278,7 +36278,7 @@
           </p:nvSpPr>
           <p:spPr>
             <a:xfrm>
-              <a:off x="7353035" y="2529650"/>
+              <a:off x="7820549" y="2529630"/>
               <a:ext cx="63202" cy="63202"/>
             </a:xfrm>
             <a:custGeom>
@@ -36321,7 +36321,7 @@
           </p:nvSpPr>
           <p:spPr>
             <a:xfrm>
-              <a:off x="7897242" y="2345372"/>
+              <a:off x="7992787" y="2345356"/>
               <a:ext cx="63202" cy="63202"/>
             </a:xfrm>
             <a:custGeom>
@@ -36364,7 +36364,7 @@
           </p:nvSpPr>
           <p:spPr>
             <a:xfrm>
-              <a:off x="7562659" y="2351847"/>
+              <a:off x="7686337" y="2351795"/>
               <a:ext cx="63202" cy="63202"/>
             </a:xfrm>
             <a:custGeom>
@@ -36407,7 +36407,7 @@
           </p:nvSpPr>
           <p:spPr>
             <a:xfrm>
-              <a:off x="7465017" y="2401265"/>
+              <a:off x="7546302" y="2401245"/>
               <a:ext cx="63202" cy="63202"/>
             </a:xfrm>
             <a:custGeom>
@@ -36450,7 +36450,7 @@
           </p:nvSpPr>
           <p:spPr>
             <a:xfrm>
-              <a:off x="7440413" y="2380567"/>
+              <a:off x="7902820" y="2380508"/>
               <a:ext cx="63202" cy="63202"/>
             </a:xfrm>
             <a:custGeom>
@@ -36493,7 +36493,7 @@
           </p:nvSpPr>
           <p:spPr>
             <a:xfrm>
-              <a:off x="7756535" y="2387163"/>
+              <a:off x="7802739" y="2387087"/>
               <a:ext cx="63202" cy="63202"/>
             </a:xfrm>
             <a:custGeom>
@@ -36536,7 +36536,7 @@
           </p:nvSpPr>
           <p:spPr>
             <a:xfrm>
-              <a:off x="7414762" y="2384229"/>
+              <a:off x="7617930" y="2384169"/>
               <a:ext cx="63202" cy="63202"/>
             </a:xfrm>
             <a:custGeom>
@@ -36579,7 +36579,7 @@
           </p:nvSpPr>
           <p:spPr>
             <a:xfrm>
-              <a:off x="7527255" y="1908187"/>
+              <a:off x="7540170" y="1908173"/>
               <a:ext cx="63202" cy="63202"/>
             </a:xfrm>
             <a:custGeom>
@@ -36622,7 +36622,7 @@
           </p:nvSpPr>
           <p:spPr>
             <a:xfrm>
-              <a:off x="7405221" y="2398333"/>
+              <a:off x="7979210" y="2398337"/>
               <a:ext cx="63202" cy="63202"/>
             </a:xfrm>
             <a:custGeom>
@@ -36665,7 +36665,7 @@
           </p:nvSpPr>
           <p:spPr>
             <a:xfrm>
-              <a:off x="7971400" y="2546963"/>
+              <a:off x="7916799" y="2546940"/>
               <a:ext cx="63202" cy="63202"/>
             </a:xfrm>
             <a:custGeom>
@@ -36708,7 +36708,7 @@
           </p:nvSpPr>
           <p:spPr>
             <a:xfrm>
-              <a:off x="7698080" y="2380768"/>
+              <a:off x="7984595" y="2380754"/>
               <a:ext cx="63202" cy="63202"/>
             </a:xfrm>
             <a:custGeom>
@@ -36751,7 +36751,7 @@
           </p:nvSpPr>
           <p:spPr>
             <a:xfrm>
-              <a:off x="7401354" y="1907764"/>
+              <a:off x="7858551" y="1907740"/>
               <a:ext cx="63202" cy="63202"/>
             </a:xfrm>
             <a:custGeom>
@@ -36794,7 +36794,7 @@
           </p:nvSpPr>
           <p:spPr>
             <a:xfrm>
-              <a:off x="7382984" y="2351787"/>
+              <a:off x="7966762" y="2351717"/>
               <a:ext cx="63202" cy="63202"/>
             </a:xfrm>
             <a:custGeom>
@@ -36837,7 +36837,7 @@
           </p:nvSpPr>
           <p:spPr>
             <a:xfrm>
-              <a:off x="7677314" y="2366391"/>
+              <a:off x="7449741" y="2366314"/>
               <a:ext cx="63202" cy="63202"/>
             </a:xfrm>
             <a:custGeom>
@@ -36880,7 +36880,7 @@
           </p:nvSpPr>
           <p:spPr>
             <a:xfrm>
-              <a:off x="7662818" y="2355256"/>
+              <a:off x="7610795" y="2355224"/>
               <a:ext cx="63202" cy="63202"/>
             </a:xfrm>
             <a:custGeom>
@@ -36923,7 +36923,7 @@
           </p:nvSpPr>
           <p:spPr>
             <a:xfrm>
-              <a:off x="7372129" y="2358634"/>
+              <a:off x="7694710" y="2358591"/>
               <a:ext cx="63202" cy="63202"/>
             </a:xfrm>
             <a:custGeom>
@@ -36966,7 +36966,7 @@
           </p:nvSpPr>
           <p:spPr>
             <a:xfrm>
-              <a:off x="7767697" y="2358830"/>
+              <a:off x="7357401" y="2358803"/>
               <a:ext cx="63202" cy="63202"/>
             </a:xfrm>
             <a:custGeom>
@@ -37009,7 +37009,7 @@
           </p:nvSpPr>
           <p:spPr>
             <a:xfrm>
-              <a:off x="7739284" y="2359254"/>
+              <a:off x="8020308" y="2359198"/>
               <a:ext cx="63202" cy="63202"/>
             </a:xfrm>
             <a:custGeom>
@@ -37052,7 +37052,7 @@
           </p:nvSpPr>
           <p:spPr>
             <a:xfrm>
-              <a:off x="7422519" y="2361272"/>
+              <a:off x="7425585" y="2361244"/>
               <a:ext cx="63202" cy="63202"/>
             </a:xfrm>
             <a:custGeom>
@@ -37095,7 +37095,7 @@
           </p:nvSpPr>
           <p:spPr>
             <a:xfrm>
-              <a:off x="7683103" y="2352140"/>
+              <a:off x="7622595" y="2352067"/>
               <a:ext cx="63202" cy="63202"/>
             </a:xfrm>
             <a:custGeom>
@@ -37138,7 +37138,7 @@
           </p:nvSpPr>
           <p:spPr>
             <a:xfrm>
-              <a:off x="7509234" y="2410626"/>
+              <a:off x="7446307" y="2410596"/>
               <a:ext cx="63202" cy="63202"/>
             </a:xfrm>
             <a:custGeom>
@@ -37181,7 +37181,7 @@
           </p:nvSpPr>
           <p:spPr>
             <a:xfrm>
-              <a:off x="7668287" y="2376061"/>
+              <a:off x="7651162" y="2376050"/>
               <a:ext cx="63202" cy="63202"/>
             </a:xfrm>
             <a:custGeom>
@@ -37224,7 +37224,7 @@
           </p:nvSpPr>
           <p:spPr>
             <a:xfrm>
-              <a:off x="7788730" y="2356054"/>
+              <a:off x="7492772" y="2356043"/>
               <a:ext cx="63202" cy="63202"/>
             </a:xfrm>
             <a:custGeom>
@@ -37267,7 +37267,7 @@
           </p:nvSpPr>
           <p:spPr>
             <a:xfrm>
-              <a:off x="7716687" y="2456341"/>
+              <a:off x="7704875" y="2456304"/>
               <a:ext cx="63202" cy="63202"/>
             </a:xfrm>
             <a:custGeom>
@@ -37310,7 +37310,7 @@
           </p:nvSpPr>
           <p:spPr>
             <a:xfrm>
-              <a:off x="7887531" y="2227483"/>
+              <a:off x="7658530" y="2227446"/>
               <a:ext cx="63202" cy="63202"/>
             </a:xfrm>
             <a:custGeom>
@@ -37353,7 +37353,7 @@
           </p:nvSpPr>
           <p:spPr>
             <a:xfrm>
-              <a:off x="7878037" y="2355877"/>
+              <a:off x="7750827" y="2355829"/>
               <a:ext cx="63202" cy="63202"/>
             </a:xfrm>
             <a:custGeom>
@@ -37396,7 +37396,7 @@
           </p:nvSpPr>
           <p:spPr>
             <a:xfrm>
-              <a:off x="7615609" y="2358320"/>
+              <a:off x="7594259" y="2358245"/>
               <a:ext cx="63202" cy="63202"/>
             </a:xfrm>
             <a:custGeom>
@@ -37439,7 +37439,7 @@
           </p:nvSpPr>
           <p:spPr>
             <a:xfrm>
-              <a:off x="7365072" y="2357401"/>
+              <a:off x="7444216" y="2357352"/>
               <a:ext cx="63202" cy="63202"/>
             </a:xfrm>
             <a:custGeom>
@@ -37482,7 +37482,7 @@
           </p:nvSpPr>
           <p:spPr>
             <a:xfrm>
-              <a:off x="7613303" y="2358381"/>
+              <a:off x="7526850" y="2358338"/>
               <a:ext cx="63202" cy="63202"/>
             </a:xfrm>
             <a:custGeom>
@@ -37525,7 +37525,7 @@
           </p:nvSpPr>
           <p:spPr>
             <a:xfrm>
-              <a:off x="7963208" y="2347578"/>
+              <a:off x="7509481" y="2347514"/>
               <a:ext cx="63202" cy="63202"/>
             </a:xfrm>
             <a:custGeom>
@@ -37624,7 +37624,7 @@
           </p:nvSpPr>
           <p:spPr>
             <a:xfrm>
-              <a:off x="7192078" y="4823719"/>
+              <a:off x="7192078" y="4823673"/>
               <a:ext cx="2796732" cy="0"/>
             </a:xfrm>
             <a:custGeom>
@@ -37667,7 +37667,7 @@
           </p:nvSpPr>
           <p:spPr>
             <a:xfrm>
-              <a:off x="7192078" y="4484274"/>
+              <a:off x="7192078" y="4484235"/>
               <a:ext cx="2796732" cy="0"/>
             </a:xfrm>
             <a:custGeom>
@@ -37710,7 +37710,7 @@
           </p:nvSpPr>
           <p:spPr>
             <a:xfrm>
-              <a:off x="7192078" y="4144828"/>
+              <a:off x="7192078" y="4144797"/>
               <a:ext cx="2796732" cy="0"/>
             </a:xfrm>
             <a:custGeom>
@@ -37753,7 +37753,7 @@
           </p:nvSpPr>
           <p:spPr>
             <a:xfrm>
-              <a:off x="7192078" y="3805383"/>
+              <a:off x="7192078" y="3805358"/>
               <a:ext cx="2796732" cy="0"/>
             </a:xfrm>
             <a:custGeom>
@@ -37796,7 +37796,7 @@
           </p:nvSpPr>
           <p:spPr>
             <a:xfrm>
-              <a:off x="7192078" y="3465938"/>
+              <a:off x="7192078" y="3465920"/>
               <a:ext cx="2796732" cy="0"/>
             </a:xfrm>
             <a:custGeom>
@@ -37839,7 +37839,7 @@
           </p:nvSpPr>
           <p:spPr>
             <a:xfrm>
-              <a:off x="7192078" y="4653996"/>
+              <a:off x="7192078" y="4653954"/>
               <a:ext cx="2796732" cy="0"/>
             </a:xfrm>
             <a:custGeom>
@@ -37882,7 +37882,7 @@
           </p:nvSpPr>
           <p:spPr>
             <a:xfrm>
-              <a:off x="7192078" y="4314551"/>
+              <a:off x="7192078" y="4314516"/>
               <a:ext cx="2796732" cy="0"/>
             </a:xfrm>
             <a:custGeom>
@@ -37925,7 +37925,7 @@
           </p:nvSpPr>
           <p:spPr>
             <a:xfrm>
-              <a:off x="7192078" y="3975106"/>
+              <a:off x="7192078" y="3975078"/>
               <a:ext cx="2796732" cy="0"/>
             </a:xfrm>
             <a:custGeom>
@@ -37968,7 +37968,7 @@
           </p:nvSpPr>
           <p:spPr>
             <a:xfrm>
-              <a:off x="7192078" y="3635660"/>
+              <a:off x="7192078" y="3635639"/>
               <a:ext cx="2796732" cy="0"/>
             </a:xfrm>
             <a:custGeom>
@@ -38140,7 +38140,7 @@
           </p:nvSpPr>
           <p:spPr>
             <a:xfrm>
-              <a:off x="7985293" y="4223622"/>
+              <a:off x="7428845" y="4223576"/>
               <a:ext cx="63202" cy="63202"/>
             </a:xfrm>
             <a:custGeom>
@@ -38183,7 +38183,7 @@
           </p:nvSpPr>
           <p:spPr>
             <a:xfrm>
-              <a:off x="7894085" y="4107861"/>
+              <a:off x="7564676" y="4107820"/>
               <a:ext cx="63202" cy="63202"/>
             </a:xfrm>
             <a:custGeom>
@@ -38226,7 +38226,7 @@
           </p:nvSpPr>
           <p:spPr>
             <a:xfrm>
-              <a:off x="7984685" y="4334434"/>
+              <a:off x="7612153" y="4334349"/>
               <a:ext cx="63202" cy="63202"/>
             </a:xfrm>
             <a:custGeom>
@@ -38269,7 +38269,7 @@
           </p:nvSpPr>
           <p:spPr>
             <a:xfrm>
-              <a:off x="7911741" y="4222708"/>
+              <a:off x="7711707" y="4222711"/>
               <a:ext cx="63202" cy="63202"/>
             </a:xfrm>
             <a:custGeom>
@@ -38312,7 +38312,7 @@
           </p:nvSpPr>
           <p:spPr>
             <a:xfrm>
-              <a:off x="7843671" y="4316392"/>
+              <a:off x="7505838" y="4316360"/>
               <a:ext cx="63202" cy="63202"/>
             </a:xfrm>
             <a:custGeom>
@@ -38355,7 +38355,7 @@
           </p:nvSpPr>
           <p:spPr>
             <a:xfrm>
-              <a:off x="7407687" y="4171392"/>
+              <a:off x="7751387" y="4171376"/>
               <a:ext cx="63202" cy="63202"/>
             </a:xfrm>
             <a:custGeom>
@@ -38398,7 +38398,7 @@
           </p:nvSpPr>
           <p:spPr>
             <a:xfrm>
-              <a:off x="7754895" y="4142701"/>
+              <a:off x="8001607" y="4142672"/>
               <a:ext cx="63202" cy="63202"/>
             </a:xfrm>
             <a:custGeom>
@@ -38441,7 +38441,7 @@
           </p:nvSpPr>
           <p:spPr>
             <a:xfrm>
-              <a:off x="7588689" y="4228970"/>
+              <a:off x="7904260" y="4228945"/>
               <a:ext cx="63202" cy="63202"/>
             </a:xfrm>
             <a:custGeom>
@@ -38484,7 +38484,7 @@
           </p:nvSpPr>
           <p:spPr>
             <a:xfrm>
-              <a:off x="7595595" y="4273539"/>
+              <a:off x="7817662" y="4273482"/>
               <a:ext cx="63202" cy="63202"/>
             </a:xfrm>
             <a:custGeom>
@@ -38527,7 +38527,7 @@
           </p:nvSpPr>
           <p:spPr>
             <a:xfrm>
-              <a:off x="7778437" y="4117801"/>
+              <a:off x="7867739" y="4117749"/>
               <a:ext cx="63202" cy="63202"/>
             </a:xfrm>
             <a:custGeom>
@@ -38570,7 +38570,7 @@
           </p:nvSpPr>
           <p:spPr>
             <a:xfrm>
-              <a:off x="7608972" y="4095227"/>
+              <a:off x="7829810" y="4095216"/>
               <a:ext cx="63202" cy="63202"/>
             </a:xfrm>
             <a:custGeom>
@@ -38613,7 +38613,7 @@
           </p:nvSpPr>
           <p:spPr>
             <a:xfrm>
-              <a:off x="7352107" y="4183269"/>
+              <a:off x="7866873" y="4183238"/>
               <a:ext cx="63202" cy="63202"/>
             </a:xfrm>
             <a:custGeom>
@@ -38656,7 +38656,7 @@
           </p:nvSpPr>
           <p:spPr>
             <a:xfrm>
-              <a:off x="7641446" y="4095923"/>
+              <a:off x="7722455" y="4095891"/>
               <a:ext cx="63202" cy="63202"/>
             </a:xfrm>
             <a:custGeom>
@@ -38699,7 +38699,7 @@
           </p:nvSpPr>
           <p:spPr>
             <a:xfrm>
-              <a:off x="7586195" y="4141600"/>
+              <a:off x="7758517" y="4141594"/>
               <a:ext cx="63202" cy="63202"/>
             </a:xfrm>
             <a:custGeom>
@@ -40194,7 +40194,7 @@
           </p:nvSpPr>
           <p:spPr>
             <a:xfrm>
-              <a:off x="1210339" y="2686972"/>
+              <a:off x="1210339" y="2686930"/>
               <a:ext cx="186466" cy="81691"/>
             </a:xfrm>
             <a:prstGeom prst="rect">
@@ -40240,7 +40240,7 @@
           </p:nvSpPr>
           <p:spPr>
             <a:xfrm>
-              <a:off x="1148183" y="2347527"/>
+              <a:off x="1148183" y="2347491"/>
               <a:ext cx="248622" cy="81691"/>
             </a:xfrm>
             <a:prstGeom prst="rect">
@@ -40286,7 +40286,7 @@
           </p:nvSpPr>
           <p:spPr>
             <a:xfrm>
-              <a:off x="1148183" y="2008081"/>
+              <a:off x="1148183" y="2008053"/>
               <a:ext cx="248622" cy="81691"/>
             </a:xfrm>
             <a:prstGeom prst="rect">
@@ -40332,7 +40332,7 @@
           </p:nvSpPr>
           <p:spPr>
             <a:xfrm>
-              <a:off x="1148183" y="1668636"/>
+              <a:off x="1148183" y="1668615"/>
               <a:ext cx="248622" cy="81691"/>
             </a:xfrm>
             <a:prstGeom prst="rect">
@@ -40378,7 +40378,7 @@
           </p:nvSpPr>
           <p:spPr>
             <a:xfrm>
-              <a:off x="1424641" y="2728664"/>
+              <a:off x="1424641" y="2728621"/>
               <a:ext cx="34794" cy="0"/>
             </a:xfrm>
             <a:custGeom>
@@ -40418,7 +40418,7 @@
           </p:nvSpPr>
           <p:spPr>
             <a:xfrm>
-              <a:off x="1424641" y="2389218"/>
+              <a:off x="1424641" y="2389183"/>
               <a:ext cx="34794" cy="0"/>
             </a:xfrm>
             <a:custGeom>
@@ -40458,7 +40458,7 @@
           </p:nvSpPr>
           <p:spPr>
             <a:xfrm>
-              <a:off x="1424641" y="2049773"/>
+              <a:off x="1424641" y="2049745"/>
               <a:ext cx="34794" cy="0"/>
             </a:xfrm>
             <a:custGeom>
@@ -40498,7 +40498,7 @@
           </p:nvSpPr>
           <p:spPr>
             <a:xfrm>
-              <a:off x="1424641" y="1710328"/>
+              <a:off x="1424641" y="1710307"/>
               <a:ext cx="34794" cy="0"/>
             </a:xfrm>
             <a:custGeom>
@@ -40538,7 +40538,7 @@
           </p:nvSpPr>
           <p:spPr>
             <a:xfrm>
-              <a:off x="1210339" y="4612305"/>
+              <a:off x="1210339" y="4612262"/>
               <a:ext cx="186466" cy="81691"/>
             </a:xfrm>
             <a:prstGeom prst="rect">
@@ -40584,7 +40584,7 @@
           </p:nvSpPr>
           <p:spPr>
             <a:xfrm>
-              <a:off x="1148183" y="4272859"/>
+              <a:off x="1148183" y="4272824"/>
               <a:ext cx="248622" cy="81691"/>
             </a:xfrm>
             <a:prstGeom prst="rect">
@@ -40630,7 +40630,7 @@
           </p:nvSpPr>
           <p:spPr>
             <a:xfrm>
-              <a:off x="1148183" y="3933414"/>
+              <a:off x="1148183" y="3933386"/>
               <a:ext cx="248622" cy="81691"/>
             </a:xfrm>
             <a:prstGeom prst="rect">
@@ -40676,7 +40676,7 @@
           </p:nvSpPr>
           <p:spPr>
             <a:xfrm>
-              <a:off x="1148183" y="3593969"/>
+              <a:off x="1148183" y="3593948"/>
               <a:ext cx="248622" cy="81691"/>
             </a:xfrm>
             <a:prstGeom prst="rect">
@@ -40722,7 +40722,7 @@
           </p:nvSpPr>
           <p:spPr>
             <a:xfrm>
-              <a:off x="1424641" y="4653996"/>
+              <a:off x="1424641" y="4653954"/>
               <a:ext cx="34794" cy="0"/>
             </a:xfrm>
             <a:custGeom>
@@ -40762,7 +40762,7 @@
           </p:nvSpPr>
           <p:spPr>
             <a:xfrm>
-              <a:off x="1424641" y="4314551"/>
+              <a:off x="1424641" y="4314516"/>
               <a:ext cx="34794" cy="0"/>
             </a:xfrm>
             <a:custGeom>
@@ -40802,7 +40802,7 @@
           </p:nvSpPr>
           <p:spPr>
             <a:xfrm>
-              <a:off x="1424641" y="3975106"/>
+              <a:off x="1424641" y="3975078"/>
               <a:ext cx="34794" cy="0"/>
             </a:xfrm>
             <a:custGeom>
@@ -40842,7 +40842,7 @@
           </p:nvSpPr>
           <p:spPr>
             <a:xfrm>
-              <a:off x="1424641" y="3635660"/>
+              <a:off x="1424641" y="3635639"/>
               <a:ext cx="34794" cy="0"/>
             </a:xfrm>
             <a:custGeom>
@@ -40882,7 +40882,7 @@
           </p:nvSpPr>
           <p:spPr>
             <a:xfrm>
-              <a:off x="1210339" y="6537637"/>
+              <a:off x="1210339" y="6537595"/>
               <a:ext cx="186466" cy="81691"/>
             </a:xfrm>
             <a:prstGeom prst="rect">
@@ -40928,7 +40928,7 @@
           </p:nvSpPr>
           <p:spPr>
             <a:xfrm>
-              <a:off x="1148183" y="6198192"/>
+              <a:off x="1148183" y="6198157"/>
               <a:ext cx="248622" cy="81691"/>
             </a:xfrm>
             <a:prstGeom prst="rect">
@@ -40974,7 +40974,7 @@
           </p:nvSpPr>
           <p:spPr>
             <a:xfrm>
-              <a:off x="1148183" y="5858747"/>
+              <a:off x="1148183" y="5858718"/>
               <a:ext cx="248622" cy="81691"/>
             </a:xfrm>
             <a:prstGeom prst="rect">
@@ -41020,7 +41020,7 @@
           </p:nvSpPr>
           <p:spPr>
             <a:xfrm>
-              <a:off x="1148183" y="5519301"/>
+              <a:off x="1148183" y="5519280"/>
               <a:ext cx="248622" cy="81691"/>
             </a:xfrm>
             <a:prstGeom prst="rect">
@@ -41066,7 +41066,7 @@
           </p:nvSpPr>
           <p:spPr>
             <a:xfrm>
-              <a:off x="1424641" y="6579329"/>
+              <a:off x="1424641" y="6579287"/>
               <a:ext cx="34794" cy="0"/>
             </a:xfrm>
             <a:custGeom>
@@ -41106,7 +41106,7 @@
           </p:nvSpPr>
           <p:spPr>
             <a:xfrm>
-              <a:off x="1424641" y="6239884"/>
+              <a:off x="1424641" y="6239848"/>
               <a:ext cx="34794" cy="0"/>
             </a:xfrm>
             <a:custGeom>
@@ -41146,7 +41146,7 @@
           </p:nvSpPr>
           <p:spPr>
             <a:xfrm>
-              <a:off x="1424641" y="5900438"/>
+              <a:off x="1424641" y="5900410"/>
               <a:ext cx="34794" cy="0"/>
             </a:xfrm>
             <a:custGeom>
@@ -41186,7 +41186,7 @@
           </p:nvSpPr>
           <p:spPr>
             <a:xfrm>
-              <a:off x="1424641" y="5560993"/>
+              <a:off x="1424641" y="5560972"/>
               <a:ext cx="34794" cy="0"/>
             </a:xfrm>
             <a:custGeom>

--- a/Images/Figures_PPT/Jitter_Plot_TOR_Domain.pptx
+++ b/Images/Figures_PPT/Jitter_Plot_TOR_Domain.pptx
@@ -2359,7 +2359,7 @@
           </p:nvSpPr>
           <p:spPr>
             <a:xfrm>
-              <a:off x="1459435" y="2898340"/>
+              <a:off x="1459435" y="2898390"/>
               <a:ext cx="2796732" cy="0"/>
             </a:xfrm>
             <a:custGeom>
@@ -2402,7 +2402,7 @@
           </p:nvSpPr>
           <p:spPr>
             <a:xfrm>
-              <a:off x="1459435" y="2558902"/>
+              <a:off x="1459435" y="2558942"/>
               <a:ext cx="2796732" cy="0"/>
             </a:xfrm>
             <a:custGeom>
@@ -2445,7 +2445,7 @@
           </p:nvSpPr>
           <p:spPr>
             <a:xfrm>
-              <a:off x="1459435" y="2219464"/>
+              <a:off x="1459435" y="2219494"/>
               <a:ext cx="2796732" cy="0"/>
             </a:xfrm>
             <a:custGeom>
@@ -2488,7 +2488,7 @@
           </p:nvSpPr>
           <p:spPr>
             <a:xfrm>
-              <a:off x="1459435" y="1880026"/>
+              <a:off x="1459435" y="1880046"/>
               <a:ext cx="2796732" cy="0"/>
             </a:xfrm>
             <a:custGeom>
@@ -2531,7 +2531,7 @@
           </p:nvSpPr>
           <p:spPr>
             <a:xfrm>
-              <a:off x="1459435" y="1540588"/>
+              <a:off x="1459435" y="1540598"/>
               <a:ext cx="2796732" cy="0"/>
             </a:xfrm>
             <a:custGeom>
@@ -2574,7 +2574,7 @@
           </p:nvSpPr>
           <p:spPr>
             <a:xfrm>
-              <a:off x="1459435" y="2728621"/>
+              <a:off x="1459435" y="2728666"/>
               <a:ext cx="2796732" cy="0"/>
             </a:xfrm>
             <a:custGeom>
@@ -2617,7 +2617,7 @@
           </p:nvSpPr>
           <p:spPr>
             <a:xfrm>
-              <a:off x="1459435" y="2389183"/>
+              <a:off x="1459435" y="2389218"/>
               <a:ext cx="2796732" cy="0"/>
             </a:xfrm>
             <a:custGeom>
@@ -2660,7 +2660,7 @@
           </p:nvSpPr>
           <p:spPr>
             <a:xfrm>
-              <a:off x="1459435" y="2049745"/>
+              <a:off x="1459435" y="2049770"/>
               <a:ext cx="2796732" cy="0"/>
             </a:xfrm>
             <a:custGeom>
@@ -2703,7 +2703,7 @@
           </p:nvSpPr>
           <p:spPr>
             <a:xfrm>
-              <a:off x="1459435" y="1710307"/>
+              <a:off x="1459435" y="1710322"/>
               <a:ext cx="2796732" cy="0"/>
             </a:xfrm>
             <a:custGeom>
@@ -2875,7 +2875,7 @@
           </p:nvSpPr>
           <p:spPr>
             <a:xfrm>
-              <a:off x="3074228" y="2881242"/>
+              <a:off x="2908564" y="2881301"/>
               <a:ext cx="63202" cy="63202"/>
             </a:xfrm>
             <a:custGeom>
@@ -2918,7 +2918,7 @@
           </p:nvSpPr>
           <p:spPr>
             <a:xfrm>
-              <a:off x="1893777" y="2152492"/>
+              <a:off x="1825549" y="2152515"/>
               <a:ext cx="63202" cy="63202"/>
             </a:xfrm>
             <a:custGeom>
@@ -2961,7 +2961,7 @@
           </p:nvSpPr>
           <p:spPr>
             <a:xfrm>
-              <a:off x="2014042" y="2400686"/>
+              <a:off x="1776871" y="2400710"/>
               <a:ext cx="63202" cy="63202"/>
             </a:xfrm>
             <a:custGeom>
@@ -3004,7 +3004,7 @@
           </p:nvSpPr>
           <p:spPr>
             <a:xfrm>
-              <a:off x="2599614" y="2878613"/>
+              <a:off x="2788138" y="2878648"/>
               <a:ext cx="63202" cy="63202"/>
             </a:xfrm>
             <a:custGeom>
@@ -3047,7 +3047,7 @@
           </p:nvSpPr>
           <p:spPr>
             <a:xfrm>
-              <a:off x="1758180" y="2697442"/>
+              <a:off x="1737180" y="2697458"/>
               <a:ext cx="63202" cy="63202"/>
             </a:xfrm>
             <a:custGeom>
@@ -3090,7 +3090,7 @@
           </p:nvSpPr>
           <p:spPr>
             <a:xfrm>
-              <a:off x="2210978" y="2733424"/>
+              <a:off x="2085272" y="2733449"/>
               <a:ext cx="63202" cy="63202"/>
             </a:xfrm>
             <a:custGeom>
@@ -3133,7 +3133,7 @@
           </p:nvSpPr>
           <p:spPr>
             <a:xfrm>
-              <a:off x="2287608" y="2063719"/>
+              <a:off x="2267131" y="2063735"/>
               <a:ext cx="63202" cy="63202"/>
             </a:xfrm>
             <a:custGeom>
@@ -3176,7 +3176,7 @@
           </p:nvSpPr>
           <p:spPr>
             <a:xfrm>
-              <a:off x="2272406" y="2292753"/>
+              <a:off x="2137733" y="2292776"/>
               <a:ext cx="63202" cy="63202"/>
             </a:xfrm>
             <a:custGeom>
@@ -3219,7 +3219,7 @@
           </p:nvSpPr>
           <p:spPr>
             <a:xfrm>
-              <a:off x="1916126" y="2542934"/>
+              <a:off x="1943279" y="2542940"/>
               <a:ext cx="63202" cy="63202"/>
             </a:xfrm>
             <a:custGeom>
@@ -3262,7 +3262,7 @@
           </p:nvSpPr>
           <p:spPr>
             <a:xfrm>
-              <a:off x="2225280" y="2250858"/>
+              <a:off x="1644729" y="2250868"/>
               <a:ext cx="63202" cy="63202"/>
             </a:xfrm>
             <a:custGeom>
@@ -3305,7 +3305,7 @@
           </p:nvSpPr>
           <p:spPr>
             <a:xfrm>
-              <a:off x="1620523" y="2720046"/>
+              <a:off x="2286382" y="2720078"/>
               <a:ext cx="63202" cy="63202"/>
             </a:xfrm>
             <a:custGeom>
@@ -3348,7 +3348,7 @@
           </p:nvSpPr>
           <p:spPr>
             <a:xfrm>
-              <a:off x="2905126" y="2923535"/>
+              <a:off x="2785263" y="2923586"/>
               <a:ext cx="63202" cy="63202"/>
             </a:xfrm>
             <a:custGeom>
@@ -3391,7 +3391,7 @@
           </p:nvSpPr>
           <p:spPr>
             <a:xfrm>
-              <a:off x="1796782" y="2292523"/>
+              <a:off x="1740335" y="2292563"/>
               <a:ext cx="63202" cy="63202"/>
             </a:xfrm>
             <a:custGeom>
@@ -3434,7 +3434,7 @@
           </p:nvSpPr>
           <p:spPr>
             <a:xfrm>
-              <a:off x="1904029" y="2732522"/>
+              <a:off x="1996001" y="2732563"/>
               <a:ext cx="63202" cy="63202"/>
             </a:xfrm>
             <a:custGeom>
@@ -3477,7 +3477,7 @@
           </p:nvSpPr>
           <p:spPr>
             <a:xfrm>
-              <a:off x="1947247" y="2574051"/>
+              <a:off x="2048237" y="2574109"/>
               <a:ext cx="63202" cy="63202"/>
             </a:xfrm>
             <a:custGeom>
@@ -3520,7 +3520,7 @@
           </p:nvSpPr>
           <p:spPr>
             <a:xfrm>
-              <a:off x="2150766" y="2542923"/>
+              <a:off x="1605645" y="2542959"/>
               <a:ext cx="63202" cy="63202"/>
             </a:xfrm>
             <a:custGeom>
@@ -3563,7 +3563,7 @@
           </p:nvSpPr>
           <p:spPr>
             <a:xfrm>
-              <a:off x="1728786" y="2734924"/>
+              <a:off x="1812810" y="2734963"/>
               <a:ext cx="63202" cy="63202"/>
             </a:xfrm>
             <a:custGeom>
@@ -3606,7 +3606,7 @@
           </p:nvSpPr>
           <p:spPr>
             <a:xfrm>
-              <a:off x="3082011" y="2914617"/>
+              <a:off x="2596725" y="2914677"/>
               <a:ext cx="63202" cy="63202"/>
             </a:xfrm>
             <a:custGeom>
@@ -3649,7 +3649,7 @@
           </p:nvSpPr>
           <p:spPr>
             <a:xfrm>
-              <a:off x="2092934" y="2811736"/>
+              <a:off x="2261368" y="2811825"/>
               <a:ext cx="63202" cy="63202"/>
             </a:xfrm>
             <a:custGeom>
@@ -3692,7 +3692,7 @@
           </p:nvSpPr>
           <p:spPr>
             <a:xfrm>
-              <a:off x="1614397" y="2250862"/>
+              <a:off x="2236470" y="2250881"/>
               <a:ext cx="63202" cy="63202"/>
             </a:xfrm>
             <a:custGeom>
@@ -3735,7 +3735,7 @@
           </p:nvSpPr>
           <p:spPr>
             <a:xfrm>
-              <a:off x="2097222" y="2531512"/>
+              <a:off x="2001670" y="2531569"/>
               <a:ext cx="63202" cy="63202"/>
             </a:xfrm>
             <a:custGeom>
@@ -3778,7 +3778,7 @@
           </p:nvSpPr>
           <p:spPr>
             <a:xfrm>
-              <a:off x="1679408" y="2736352"/>
+              <a:off x="1911286" y="2736374"/>
               <a:ext cx="63202" cy="63202"/>
             </a:xfrm>
             <a:custGeom>
@@ -3821,7 +3821,7 @@
           </p:nvSpPr>
           <p:spPr>
             <a:xfrm>
-              <a:off x="1993082" y="2293945"/>
+              <a:off x="1771596" y="2294022"/>
               <a:ext cx="63202" cy="63202"/>
             </a:xfrm>
             <a:custGeom>
@@ -3864,7 +3864,7 @@
           </p:nvSpPr>
           <p:spPr>
             <a:xfrm>
-              <a:off x="1914290" y="2752978"/>
+              <a:off x="1625974" y="2753024"/>
               <a:ext cx="63202" cy="63202"/>
             </a:xfrm>
             <a:custGeom>
@@ -3907,7 +3907,7 @@
           </p:nvSpPr>
           <p:spPr>
             <a:xfrm>
-              <a:off x="2036866" y="2675434"/>
+              <a:off x="1648709" y="2675499"/>
               <a:ext cx="63202" cy="63202"/>
             </a:xfrm>
             <a:custGeom>
@@ -3950,7 +3950,7 @@
           </p:nvSpPr>
           <p:spPr>
             <a:xfrm>
-              <a:off x="2034447" y="2542552"/>
+              <a:off x="1977988" y="2542625"/>
               <a:ext cx="63202" cy="63202"/>
             </a:xfrm>
             <a:custGeom>
@@ -3993,7 +3993,7 @@
           </p:nvSpPr>
           <p:spPr>
             <a:xfrm>
-              <a:off x="1643797" y="2543547"/>
+              <a:off x="2295755" y="2543575"/>
               <a:ext cx="63202" cy="63202"/>
             </a:xfrm>
             <a:custGeom>
@@ -4036,7 +4036,7 @@
           </p:nvSpPr>
           <p:spPr>
             <a:xfrm>
-              <a:off x="2064028" y="2543244"/>
+              <a:off x="1619291" y="2543305"/>
               <a:ext cx="63202" cy="63202"/>
             </a:xfrm>
             <a:custGeom>
@@ -4079,7 +4079,7 @@
           </p:nvSpPr>
           <p:spPr>
             <a:xfrm>
-              <a:off x="2283061" y="2543710"/>
+              <a:off x="1717835" y="2543777"/>
               <a:ext cx="63202" cy="63202"/>
             </a:xfrm>
             <a:custGeom>
@@ -4122,7 +4122,7 @@
           </p:nvSpPr>
           <p:spPr>
             <a:xfrm>
-              <a:off x="1920584" y="2541884"/>
+              <a:off x="2187338" y="2541925"/>
               <a:ext cx="63202" cy="63202"/>
             </a:xfrm>
             <a:custGeom>
@@ -4165,7 +4165,7 @@
           </p:nvSpPr>
           <p:spPr>
             <a:xfrm>
-              <a:off x="1960339" y="2543335"/>
+              <a:off x="1887092" y="2543367"/>
               <a:ext cx="63202" cy="63202"/>
             </a:xfrm>
             <a:custGeom>
@@ -4208,7 +4208,7 @@
           </p:nvSpPr>
           <p:spPr>
             <a:xfrm>
-              <a:off x="2295738" y="2541881"/>
+              <a:off x="2061623" y="2541943"/>
               <a:ext cx="63202" cy="63202"/>
             </a:xfrm>
             <a:custGeom>
@@ -4251,7 +4251,7 @@
           </p:nvSpPr>
           <p:spPr>
             <a:xfrm>
-              <a:off x="2089845" y="2541015"/>
+              <a:off x="1696268" y="2541047"/>
               <a:ext cx="63202" cy="63202"/>
             </a:xfrm>
             <a:custGeom>
@@ -4294,7 +4294,7 @@
           </p:nvSpPr>
           <p:spPr>
             <a:xfrm>
-              <a:off x="1826493" y="2542909"/>
+              <a:off x="2150581" y="2542935"/>
               <a:ext cx="63202" cy="63202"/>
             </a:xfrm>
             <a:custGeom>
@@ -4337,7 +4337,7 @@
           </p:nvSpPr>
           <p:spPr>
             <a:xfrm>
-              <a:off x="1692263" y="2819301"/>
+              <a:off x="2083562" y="2819354"/>
               <a:ext cx="63202" cy="63202"/>
             </a:xfrm>
             <a:custGeom>
@@ -4380,7 +4380,7 @@
           </p:nvSpPr>
           <p:spPr>
             <a:xfrm>
-              <a:off x="2892615" y="2845498"/>
+              <a:off x="2945631" y="2845550"/>
               <a:ext cx="63202" cy="63202"/>
             </a:xfrm>
             <a:custGeom>
@@ -4423,7 +4423,7 @@
           </p:nvSpPr>
           <p:spPr>
             <a:xfrm>
-              <a:off x="2641688" y="2890377"/>
+              <a:off x="2643950" y="2890433"/>
               <a:ext cx="63202" cy="63202"/>
             </a:xfrm>
             <a:custGeom>
@@ -4466,7 +4466,7 @@
           </p:nvSpPr>
           <p:spPr>
             <a:xfrm>
-              <a:off x="3596357" y="2946445"/>
+              <a:off x="3617907" y="2946490"/>
               <a:ext cx="63202" cy="63202"/>
             </a:xfrm>
             <a:custGeom>
@@ -4509,7 +4509,7 @@
           </p:nvSpPr>
           <p:spPr>
             <a:xfrm>
-              <a:off x="2929670" y="2910571"/>
+              <a:off x="3102565" y="2910652"/>
               <a:ext cx="63202" cy="63202"/>
             </a:xfrm>
             <a:custGeom>
@@ -4552,7 +4552,7 @@
           </p:nvSpPr>
           <p:spPr>
             <a:xfrm>
-              <a:off x="2860446" y="2866155"/>
+              <a:off x="2996661" y="2866179"/>
               <a:ext cx="63202" cy="63202"/>
             </a:xfrm>
             <a:custGeom>
@@ -4595,7 +4595,7 @@
           </p:nvSpPr>
           <p:spPr>
             <a:xfrm>
-              <a:off x="2518526" y="2920125"/>
+              <a:off x="2989323" y="2920156"/>
               <a:ext cx="63202" cy="63202"/>
             </a:xfrm>
             <a:custGeom>
@@ -4638,7 +4638,7 @@
           </p:nvSpPr>
           <p:spPr>
             <a:xfrm>
-              <a:off x="2240781" y="2235467"/>
+              <a:off x="1666015" y="2235466"/>
               <a:ext cx="63202" cy="63202"/>
             </a:xfrm>
             <a:custGeom>
@@ -4681,7 +4681,7 @@
           </p:nvSpPr>
           <p:spPr>
             <a:xfrm>
-              <a:off x="2759562" y="2840716"/>
+              <a:off x="3031758" y="2840790"/>
               <a:ext cx="63202" cy="63202"/>
             </a:xfrm>
             <a:custGeom>
@@ -4724,7 +4724,7 @@
           </p:nvSpPr>
           <p:spPr>
             <a:xfrm>
-              <a:off x="2167937" y="2805447"/>
+              <a:off x="1733582" y="2805478"/>
               <a:ext cx="63202" cy="63202"/>
             </a:xfrm>
             <a:custGeom>
@@ -4767,7 +4767,7 @@
           </p:nvSpPr>
           <p:spPr>
             <a:xfrm>
-              <a:off x="1856057" y="2368758"/>
+              <a:off x="1841535" y="2368805"/>
               <a:ext cx="63202" cy="63202"/>
             </a:xfrm>
             <a:custGeom>
@@ -4810,7 +4810,7 @@
           </p:nvSpPr>
           <p:spPr>
             <a:xfrm>
-              <a:off x="1880932" y="2735772"/>
+              <a:off x="2198755" y="2735849"/>
               <a:ext cx="63202" cy="63202"/>
             </a:xfrm>
             <a:custGeom>
@@ -4853,7 +4853,7 @@
           </p:nvSpPr>
           <p:spPr>
             <a:xfrm>
-              <a:off x="2263136" y="2726432"/>
+              <a:off x="1832102" y="2726483"/>
               <a:ext cx="63202" cy="63202"/>
             </a:xfrm>
             <a:custGeom>
@@ -4896,7 +4896,7 @@
           </p:nvSpPr>
           <p:spPr>
             <a:xfrm>
-              <a:off x="1630482" y="2740724"/>
+              <a:off x="1933600" y="2740772"/>
               <a:ext cx="63202" cy="63202"/>
             </a:xfrm>
             <a:custGeom>
@@ -4939,7 +4939,7 @@
           </p:nvSpPr>
           <p:spPr>
             <a:xfrm>
-              <a:off x="1676165" y="2735172"/>
+              <a:off x="2233452" y="2735202"/>
               <a:ext cx="63202" cy="63202"/>
             </a:xfrm>
             <a:custGeom>
@@ -4982,7 +4982,7 @@
           </p:nvSpPr>
           <p:spPr>
             <a:xfrm>
-              <a:off x="1956492" y="2817066"/>
+              <a:off x="1867005" y="2817116"/>
               <a:ext cx="63202" cy="63202"/>
             </a:xfrm>
             <a:custGeom>
@@ -5025,7 +5025,7 @@
           </p:nvSpPr>
           <p:spPr>
             <a:xfrm>
-              <a:off x="1870777" y="2503993"/>
+              <a:off x="1969046" y="2504038"/>
               <a:ext cx="63202" cy="63202"/>
             </a:xfrm>
             <a:custGeom>
@@ -5068,7 +5068,7 @@
           </p:nvSpPr>
           <p:spPr>
             <a:xfrm>
-              <a:off x="1834972" y="2482544"/>
+              <a:off x="1681642" y="2482601"/>
               <a:ext cx="63202" cy="63202"/>
             </a:xfrm>
             <a:custGeom>
@@ -5111,7 +5111,7 @@
           </p:nvSpPr>
           <p:spPr>
             <a:xfrm>
-              <a:off x="2041410" y="2818351"/>
+              <a:off x="2214354" y="2818372"/>
               <a:ext cx="63202" cy="63202"/>
             </a:xfrm>
             <a:custGeom>
@@ -5154,7 +5154,7 @@
           </p:nvSpPr>
           <p:spPr>
             <a:xfrm>
-              <a:off x="2535639" y="2930264"/>
+              <a:off x="3056809" y="2930352"/>
               <a:ext cx="63202" cy="63202"/>
             </a:xfrm>
             <a:custGeom>
@@ -5197,7 +5197,7 @@
           </p:nvSpPr>
           <p:spPr>
             <a:xfrm>
-              <a:off x="1816087" y="2730427"/>
+              <a:off x="1751396" y="2730480"/>
               <a:ext cx="63202" cy="63202"/>
             </a:xfrm>
             <a:custGeom>
@@ -5240,7 +5240,7 @@
           </p:nvSpPr>
           <p:spPr>
             <a:xfrm>
-              <a:off x="2183247" y="2734854"/>
+              <a:off x="2197616" y="2734899"/>
               <a:ext cx="63202" cy="63202"/>
             </a:xfrm>
             <a:custGeom>
@@ -5283,7 +5283,7 @@
           </p:nvSpPr>
           <p:spPr>
             <a:xfrm>
-              <a:off x="2158138" y="2737525"/>
+              <a:off x="2021588" y="2737599"/>
               <a:ext cx="63202" cy="63202"/>
             </a:xfrm>
             <a:custGeom>
@@ -5326,7 +5326,7 @@
           </p:nvSpPr>
           <p:spPr>
             <a:xfrm>
-              <a:off x="1602910" y="2735644"/>
+              <a:off x="1805364" y="2735674"/>
               <a:ext cx="63202" cy="63202"/>
             </a:xfrm>
             <a:custGeom>
@@ -5369,7 +5369,7 @@
           </p:nvSpPr>
           <p:spPr>
             <a:xfrm>
-              <a:off x="1718418" y="2554528"/>
+              <a:off x="2145912" y="2554552"/>
               <a:ext cx="63202" cy="63202"/>
             </a:xfrm>
             <a:custGeom>
@@ -5412,7 +5412,7 @@
           </p:nvSpPr>
           <p:spPr>
             <a:xfrm>
-              <a:off x="1681653" y="2250872"/>
+              <a:off x="2110865" y="2250883"/>
               <a:ext cx="63202" cy="63202"/>
             </a:xfrm>
             <a:custGeom>
@@ -5455,7 +5455,7 @@
           </p:nvSpPr>
           <p:spPr>
             <a:xfrm>
-              <a:off x="2033870" y="2236281"/>
+              <a:off x="1968220" y="2236319"/>
               <a:ext cx="63202" cy="63202"/>
             </a:xfrm>
             <a:custGeom>
@@ -5498,7 +5498,7 @@
           </p:nvSpPr>
           <p:spPr>
             <a:xfrm>
-              <a:off x="2138957" y="2715483"/>
+              <a:off x="1928005" y="2715512"/>
               <a:ext cx="63202" cy="63202"/>
             </a:xfrm>
             <a:custGeom>
@@ -5541,7 +5541,7 @@
           </p:nvSpPr>
           <p:spPr>
             <a:xfrm>
-              <a:off x="3113998" y="2878734"/>
+              <a:off x="2685805" y="2878820"/>
               <a:ext cx="63202" cy="63202"/>
             </a:xfrm>
             <a:custGeom>
@@ -5584,7 +5584,7 @@
           </p:nvSpPr>
           <p:spPr>
             <a:xfrm>
-              <a:off x="2541146" y="2866555"/>
+              <a:off x="2594896" y="2866570"/>
               <a:ext cx="63202" cy="63202"/>
             </a:xfrm>
             <a:custGeom>
@@ -5627,7 +5627,7 @@
           </p:nvSpPr>
           <p:spPr>
             <a:xfrm>
-              <a:off x="1751848" y="2809174"/>
+              <a:off x="1834540" y="2809212"/>
               <a:ext cx="63202" cy="63202"/>
             </a:xfrm>
             <a:custGeom>
@@ -5670,7 +5670,7 @@
           </p:nvSpPr>
           <p:spPr>
             <a:xfrm>
-              <a:off x="1812735" y="2711363"/>
+              <a:off x="1704323" y="2711407"/>
               <a:ext cx="63202" cy="63202"/>
             </a:xfrm>
             <a:custGeom>
@@ -5713,7 +5713,7 @@
           </p:nvSpPr>
           <p:spPr>
             <a:xfrm>
-              <a:off x="2029265" y="2798520"/>
+              <a:off x="2131956" y="2798533"/>
               <a:ext cx="63202" cy="63202"/>
             </a:xfrm>
             <a:custGeom>
@@ -5756,7 +5756,7 @@
           </p:nvSpPr>
           <p:spPr>
             <a:xfrm>
-              <a:off x="2299042" y="2808557"/>
+              <a:off x="2026673" y="2808594"/>
               <a:ext cx="63202" cy="63202"/>
             </a:xfrm>
             <a:custGeom>
@@ -5799,7 +5799,7 @@
           </p:nvSpPr>
           <p:spPr>
             <a:xfrm>
-              <a:off x="1775066" y="2736310"/>
+              <a:off x="2123387" y="2736398"/>
               <a:ext cx="63202" cy="63202"/>
             </a:xfrm>
             <a:custGeom>
@@ -5842,7 +5842,7 @@
           </p:nvSpPr>
           <p:spPr>
             <a:xfrm>
-              <a:off x="2233221" y="2739540"/>
+              <a:off x="1954059" y="2739555"/>
               <a:ext cx="63202" cy="63202"/>
             </a:xfrm>
             <a:custGeom>
@@ -5885,7 +5885,7 @@
           </p:nvSpPr>
           <p:spPr>
             <a:xfrm>
-              <a:off x="3147163" y="2834947"/>
+              <a:off x="2922717" y="2834999"/>
               <a:ext cx="63202" cy="63202"/>
             </a:xfrm>
             <a:custGeom>
@@ -5928,7 +5928,7 @@
           </p:nvSpPr>
           <p:spPr>
             <a:xfrm>
-              <a:off x="2080082" y="2230631"/>
+              <a:off x="2084001" y="2230652"/>
               <a:ext cx="63202" cy="63202"/>
             </a:xfrm>
             <a:custGeom>
@@ -5971,7 +5971,7 @@
           </p:nvSpPr>
           <p:spPr>
             <a:xfrm>
-              <a:off x="2273793" y="2232920"/>
+              <a:off x="1715651" y="2232981"/>
               <a:ext cx="63202" cy="63202"/>
             </a:xfrm>
             <a:custGeom>
@@ -6014,7 +6014,7 @@
           </p:nvSpPr>
           <p:spPr>
             <a:xfrm>
-              <a:off x="2125248" y="2237093"/>
+              <a:off x="1692892" y="2237095"/>
               <a:ext cx="63202" cy="63202"/>
             </a:xfrm>
             <a:custGeom>
@@ -6057,7 +6057,7 @@
           </p:nvSpPr>
           <p:spPr>
             <a:xfrm>
-              <a:off x="2005019" y="2747521"/>
+              <a:off x="1912494" y="2747557"/>
               <a:ext cx="63202" cy="63202"/>
             </a:xfrm>
             <a:custGeom>
@@ -6100,7 +6100,7 @@
           </p:nvSpPr>
           <p:spPr>
             <a:xfrm>
-              <a:off x="1814670" y="2748997"/>
+              <a:off x="1861606" y="2749059"/>
               <a:ext cx="63202" cy="63202"/>
             </a:xfrm>
             <a:custGeom>
@@ -6143,7 +6143,7 @@
           </p:nvSpPr>
           <p:spPr>
             <a:xfrm>
-              <a:off x="2005460" y="2509052"/>
+              <a:off x="1968693" y="2509072"/>
               <a:ext cx="63202" cy="63202"/>
             </a:xfrm>
             <a:custGeom>
@@ -6186,7 +6186,7 @@
           </p:nvSpPr>
           <p:spPr>
             <a:xfrm>
-              <a:off x="1952860" y="2786067"/>
+              <a:off x="1742229" y="2786132"/>
               <a:ext cx="63202" cy="63202"/>
             </a:xfrm>
             <a:custGeom>
@@ -6229,7 +6229,7 @@
           </p:nvSpPr>
           <p:spPr>
             <a:xfrm>
-              <a:off x="1934797" y="2270569"/>
+              <a:off x="1892975" y="2270584"/>
               <a:ext cx="63202" cy="63202"/>
             </a:xfrm>
             <a:custGeom>
@@ -6272,7 +6272,7 @@
           </p:nvSpPr>
           <p:spPr>
             <a:xfrm>
-              <a:off x="2044423" y="2763293"/>
+              <a:off x="1671048" y="2763335"/>
               <a:ext cx="63202" cy="63202"/>
             </a:xfrm>
             <a:custGeom>
@@ -6315,7 +6315,7 @@
           </p:nvSpPr>
           <p:spPr>
             <a:xfrm>
-              <a:off x="1645257" y="2641757"/>
+              <a:off x="1962146" y="2641777"/>
               <a:ext cx="63202" cy="63202"/>
             </a:xfrm>
             <a:custGeom>
@@ -6358,7 +6358,7 @@
           </p:nvSpPr>
           <p:spPr>
             <a:xfrm>
-              <a:off x="1995923" y="2728804"/>
+              <a:off x="2297260" y="2728813"/>
               <a:ext cx="63202" cy="63202"/>
             </a:xfrm>
             <a:custGeom>
@@ -6401,7 +6401,7 @@
           </p:nvSpPr>
           <p:spPr>
             <a:xfrm>
-              <a:off x="1649696" y="2236732"/>
+              <a:off x="2191441" y="2236750"/>
               <a:ext cx="63202" cy="63202"/>
             </a:xfrm>
             <a:custGeom>
@@ -6500,7 +6500,7 @@
           </p:nvSpPr>
           <p:spPr>
             <a:xfrm>
-              <a:off x="1459435" y="4823673"/>
+              <a:off x="1459435" y="4823723"/>
               <a:ext cx="2796732" cy="0"/>
             </a:xfrm>
             <a:custGeom>
@@ -6543,7 +6543,7 @@
           </p:nvSpPr>
           <p:spPr>
             <a:xfrm>
-              <a:off x="1459435" y="4484235"/>
+              <a:off x="1459435" y="4484275"/>
               <a:ext cx="2796732" cy="0"/>
             </a:xfrm>
             <a:custGeom>
@@ -6586,7 +6586,7 @@
           </p:nvSpPr>
           <p:spPr>
             <a:xfrm>
-              <a:off x="1459435" y="4144797"/>
+              <a:off x="1459435" y="4144827"/>
               <a:ext cx="2796732" cy="0"/>
             </a:xfrm>
             <a:custGeom>
@@ -6629,7 +6629,7 @@
           </p:nvSpPr>
           <p:spPr>
             <a:xfrm>
-              <a:off x="1459435" y="3805358"/>
+              <a:off x="1459435" y="3805379"/>
               <a:ext cx="2796732" cy="0"/>
             </a:xfrm>
             <a:custGeom>
@@ -6672,7 +6672,7 @@
           </p:nvSpPr>
           <p:spPr>
             <a:xfrm>
-              <a:off x="1459435" y="3465920"/>
+              <a:off x="1459435" y="3465931"/>
               <a:ext cx="2796732" cy="0"/>
             </a:xfrm>
             <a:custGeom>
@@ -6715,7 +6715,7 @@
           </p:nvSpPr>
           <p:spPr>
             <a:xfrm>
-              <a:off x="1459435" y="4653954"/>
+              <a:off x="1459435" y="4653999"/>
               <a:ext cx="2796732" cy="0"/>
             </a:xfrm>
             <a:custGeom>
@@ -6758,7 +6758,7 @@
           </p:nvSpPr>
           <p:spPr>
             <a:xfrm>
-              <a:off x="1459435" y="4314516"/>
+              <a:off x="1459435" y="4314551"/>
               <a:ext cx="2796732" cy="0"/>
             </a:xfrm>
             <a:custGeom>
@@ -6801,7 +6801,7 @@
           </p:nvSpPr>
           <p:spPr>
             <a:xfrm>
-              <a:off x="1459435" y="3975078"/>
+              <a:off x="1459435" y="3975103"/>
               <a:ext cx="2796732" cy="0"/>
             </a:xfrm>
             <a:custGeom>
@@ -6844,7 +6844,7 @@
           </p:nvSpPr>
           <p:spPr>
             <a:xfrm>
-              <a:off x="1459435" y="3635639"/>
+              <a:off x="1459435" y="3635655"/>
               <a:ext cx="2796732" cy="0"/>
             </a:xfrm>
             <a:custGeom>
@@ -7016,7 +7016,7 @@
           </p:nvSpPr>
           <p:spPr>
             <a:xfrm>
-              <a:off x="1931734" y="4329876"/>
+              <a:off x="1918187" y="4329906"/>
               <a:ext cx="63202" cy="63202"/>
             </a:xfrm>
             <a:custGeom>
@@ -7059,7 +7059,7 @@
           </p:nvSpPr>
           <p:spPr>
             <a:xfrm>
-              <a:off x="2082858" y="4476120"/>
+              <a:off x="2284190" y="4476138"/>
               <a:ext cx="63202" cy="63202"/>
             </a:xfrm>
             <a:custGeom>
@@ -7102,7 +7102,7 @@
           </p:nvSpPr>
           <p:spPr>
             <a:xfrm>
-              <a:off x="1934814" y="4328122"/>
+              <a:off x="1833740" y="4328149"/>
               <a:ext cx="63202" cy="63202"/>
             </a:xfrm>
             <a:custGeom>
@@ -7145,7 +7145,7 @@
           </p:nvSpPr>
           <p:spPr>
             <a:xfrm>
-              <a:off x="1643961" y="4339109"/>
+              <a:off x="1682782" y="4339165"/>
               <a:ext cx="63202" cy="63202"/>
             </a:xfrm>
             <a:custGeom>
@@ -7188,7 +7188,7 @@
           </p:nvSpPr>
           <p:spPr>
             <a:xfrm>
-              <a:off x="2293823" y="4332285"/>
+              <a:off x="1668688" y="4332291"/>
               <a:ext cx="63202" cy="63202"/>
             </a:xfrm>
             <a:custGeom>
@@ -7231,7 +7231,7 @@
           </p:nvSpPr>
           <p:spPr>
             <a:xfrm>
-              <a:off x="2128325" y="4541338"/>
+              <a:off x="2103691" y="4541403"/>
               <a:ext cx="63202" cy="63202"/>
             </a:xfrm>
             <a:custGeom>
@@ -7274,7 +7274,7 @@
           </p:nvSpPr>
           <p:spPr>
             <a:xfrm>
-              <a:off x="1841029" y="4394386"/>
+              <a:off x="1868938" y="4394418"/>
               <a:ext cx="63202" cy="63202"/>
             </a:xfrm>
             <a:custGeom>
@@ -7317,7 +7317,7 @@
           </p:nvSpPr>
           <p:spPr>
             <a:xfrm>
-              <a:off x="2073876" y="4425838"/>
+              <a:off x="1685135" y="4425864"/>
               <a:ext cx="63202" cy="63202"/>
             </a:xfrm>
             <a:custGeom>
@@ -7360,7 +7360,7 @@
           </p:nvSpPr>
           <p:spPr>
             <a:xfrm>
-              <a:off x="2106479" y="4492276"/>
+              <a:off x="1728190" y="4492310"/>
               <a:ext cx="63202" cy="63202"/>
             </a:xfrm>
             <a:custGeom>
@@ -7403,7 +7403,7 @@
           </p:nvSpPr>
           <p:spPr>
             <a:xfrm>
-              <a:off x="1637904" y="4423637"/>
+              <a:off x="1657819" y="4423711"/>
               <a:ext cx="63202" cy="63202"/>
             </a:xfrm>
             <a:custGeom>
@@ -7446,7 +7446,7 @@
           </p:nvSpPr>
           <p:spPr>
             <a:xfrm>
-              <a:off x="1993755" y="4413134"/>
+              <a:off x="1878896" y="4413187"/>
               <a:ext cx="63202" cy="63202"/>
             </a:xfrm>
             <a:custGeom>
@@ -7489,7 +7489,7 @@
           </p:nvSpPr>
           <p:spPr>
             <a:xfrm>
-              <a:off x="2000479" y="4609294"/>
+              <a:off x="2042661" y="4609376"/>
               <a:ext cx="63202" cy="63202"/>
             </a:xfrm>
             <a:custGeom>
@@ -7532,7 +7532,7 @@
           </p:nvSpPr>
           <p:spPr>
             <a:xfrm>
-              <a:off x="1984844" y="4189217"/>
+              <a:off x="2076779" y="4189262"/>
               <a:ext cx="63202" cy="63202"/>
             </a:xfrm>
             <a:custGeom>
@@ -7575,7 +7575,7 @@
           </p:nvSpPr>
           <p:spPr>
             <a:xfrm>
-              <a:off x="1690768" y="4508493"/>
+              <a:off x="1898382" y="4508563"/>
               <a:ext cx="63202" cy="63202"/>
             </a:xfrm>
             <a:custGeom>
@@ -7618,7 +7618,7 @@
           </p:nvSpPr>
           <p:spPr>
             <a:xfrm>
-              <a:off x="1781868" y="4577963"/>
+              <a:off x="1861254" y="4578015"/>
               <a:ext cx="63202" cy="63202"/>
             </a:xfrm>
             <a:custGeom>
@@ -7661,7 +7661,7 @@
           </p:nvSpPr>
           <p:spPr>
             <a:xfrm>
-              <a:off x="2261702" y="4086810"/>
+              <a:off x="1855806" y="4086836"/>
               <a:ext cx="63202" cy="63202"/>
             </a:xfrm>
             <a:custGeom>
@@ -7704,7 +7704,7 @@
           </p:nvSpPr>
           <p:spPr>
             <a:xfrm>
-              <a:off x="1634277" y="4481914"/>
+              <a:off x="1992738" y="4481949"/>
               <a:ext cx="63202" cy="63202"/>
             </a:xfrm>
             <a:custGeom>
@@ -7747,7 +7747,7 @@
           </p:nvSpPr>
           <p:spPr>
             <a:xfrm>
-              <a:off x="2068500" y="4147823"/>
+              <a:off x="2079355" y="4147872"/>
               <a:ext cx="63202" cy="63202"/>
             </a:xfrm>
             <a:custGeom>
@@ -7790,7 +7790,7 @@
           </p:nvSpPr>
           <p:spPr>
             <a:xfrm>
-              <a:off x="2249562" y="4491442"/>
+              <a:off x="1989933" y="4491494"/>
               <a:ext cx="63202" cy="63202"/>
             </a:xfrm>
             <a:custGeom>
@@ -7833,7 +7833,7 @@
           </p:nvSpPr>
           <p:spPr>
             <a:xfrm>
-              <a:off x="1628575" y="4492337"/>
+              <a:off x="1934851" y="4492410"/>
               <a:ext cx="63202" cy="63202"/>
             </a:xfrm>
             <a:custGeom>
@@ -7876,7 +7876,7 @@
           </p:nvSpPr>
           <p:spPr>
             <a:xfrm>
-              <a:off x="1702462" y="4368063"/>
+              <a:off x="2200407" y="4368099"/>
               <a:ext cx="63202" cy="63202"/>
             </a:xfrm>
             <a:custGeom>
@@ -7919,7 +7919,7 @@
           </p:nvSpPr>
           <p:spPr>
             <a:xfrm>
-              <a:off x="1740458" y="4418376"/>
+              <a:off x="1802362" y="4418365"/>
               <a:ext cx="63202" cy="63202"/>
             </a:xfrm>
             <a:custGeom>
@@ -8018,7 +8018,7 @@
           </p:nvSpPr>
           <p:spPr>
             <a:xfrm>
-              <a:off x="1459435" y="6749006"/>
+              <a:off x="1459435" y="6749055"/>
               <a:ext cx="2796732" cy="0"/>
             </a:xfrm>
             <a:custGeom>
@@ -8061,7 +8061,7 @@
           </p:nvSpPr>
           <p:spPr>
             <a:xfrm>
-              <a:off x="1459435" y="6409567"/>
+              <a:off x="1459435" y="6409607"/>
               <a:ext cx="2796732" cy="0"/>
             </a:xfrm>
             <a:custGeom>
@@ -8104,7 +8104,7 @@
           </p:nvSpPr>
           <p:spPr>
             <a:xfrm>
-              <a:off x="1459435" y="6070129"/>
+              <a:off x="1459435" y="6070159"/>
               <a:ext cx="2796732" cy="0"/>
             </a:xfrm>
             <a:custGeom>
@@ -8147,7 +8147,7 @@
           </p:nvSpPr>
           <p:spPr>
             <a:xfrm>
-              <a:off x="1459435" y="5730691"/>
+              <a:off x="1459435" y="5730711"/>
               <a:ext cx="2796732" cy="0"/>
             </a:xfrm>
             <a:custGeom>
@@ -8190,7 +8190,7 @@
           </p:nvSpPr>
           <p:spPr>
             <a:xfrm>
-              <a:off x="1459435" y="5391253"/>
+              <a:off x="1459435" y="5391263"/>
               <a:ext cx="2796732" cy="0"/>
             </a:xfrm>
             <a:custGeom>
@@ -8233,7 +8233,7 @@
           </p:nvSpPr>
           <p:spPr>
             <a:xfrm>
-              <a:off x="1459435" y="6579287"/>
+              <a:off x="1459435" y="6579331"/>
               <a:ext cx="2796732" cy="0"/>
             </a:xfrm>
             <a:custGeom>
@@ -8276,7 +8276,7 @@
           </p:nvSpPr>
           <p:spPr>
             <a:xfrm>
-              <a:off x="1459435" y="6239848"/>
+              <a:off x="1459435" y="6239883"/>
               <a:ext cx="2796732" cy="0"/>
             </a:xfrm>
             <a:custGeom>
@@ -8319,7 +8319,7 @@
           </p:nvSpPr>
           <p:spPr>
             <a:xfrm>
-              <a:off x="1459435" y="5900410"/>
+              <a:off x="1459435" y="5900435"/>
               <a:ext cx="2796732" cy="0"/>
             </a:xfrm>
             <a:custGeom>
@@ -8362,7 +8362,7 @@
           </p:nvSpPr>
           <p:spPr>
             <a:xfrm>
-              <a:off x="1459435" y="5560972"/>
+              <a:off x="1459435" y="5560987"/>
               <a:ext cx="2796732" cy="0"/>
             </a:xfrm>
             <a:custGeom>
@@ -8534,7 +8534,7 @@
           </p:nvSpPr>
           <p:spPr>
             <a:xfrm>
-              <a:off x="2035958" y="5532588"/>
+              <a:off x="2239240" y="5532579"/>
               <a:ext cx="63202" cy="63202"/>
             </a:xfrm>
             <a:custGeom>
@@ -8577,7 +8577,7 @@
           </p:nvSpPr>
           <p:spPr>
             <a:xfrm>
-              <a:off x="2242601" y="5559179"/>
+              <a:off x="1811053" y="5559173"/>
               <a:ext cx="63202" cy="63202"/>
             </a:xfrm>
             <a:custGeom>
@@ -8620,7 +8620,7 @@
           </p:nvSpPr>
           <p:spPr>
             <a:xfrm>
-              <a:off x="1736233" y="5486942"/>
+              <a:off x="1800567" y="5486951"/>
               <a:ext cx="63202" cy="63202"/>
             </a:xfrm>
             <a:custGeom>
@@ -8663,7 +8663,7 @@
           </p:nvSpPr>
           <p:spPr>
             <a:xfrm>
-              <a:off x="1930085" y="6103037"/>
+              <a:off x="2106557" y="6103080"/>
               <a:ext cx="63202" cy="63202"/>
             </a:xfrm>
             <a:custGeom>
@@ -8706,7 +8706,7 @@
           </p:nvSpPr>
           <p:spPr>
             <a:xfrm>
-              <a:off x="2216954" y="5991575"/>
+              <a:off x="2100260" y="5991595"/>
               <a:ext cx="63202" cy="63202"/>
             </a:xfrm>
             <a:custGeom>
@@ -8749,7 +8749,7 @@
           </p:nvSpPr>
           <p:spPr>
             <a:xfrm>
-              <a:off x="1673654" y="6021876"/>
+              <a:off x="2103325" y="6021928"/>
               <a:ext cx="63202" cy="63202"/>
             </a:xfrm>
             <a:custGeom>
@@ -8792,7 +8792,7 @@
           </p:nvSpPr>
           <p:spPr>
             <a:xfrm>
-              <a:off x="2131549" y="5889588"/>
+              <a:off x="2146203" y="5889618"/>
               <a:ext cx="63202" cy="63202"/>
             </a:xfrm>
             <a:custGeom>
@@ -8835,7 +8835,7 @@
           </p:nvSpPr>
           <p:spPr>
             <a:xfrm>
-              <a:off x="1718779" y="5865338"/>
+              <a:off x="1822134" y="5865354"/>
               <a:ext cx="63202" cy="63202"/>
             </a:xfrm>
             <a:custGeom>
@@ -8878,7 +8878,7 @@
           </p:nvSpPr>
           <p:spPr>
             <a:xfrm>
-              <a:off x="2000800" y="6374419"/>
+              <a:off x="1796530" y="6374490"/>
               <a:ext cx="63202" cy="63202"/>
             </a:xfrm>
             <a:custGeom>
@@ -8921,7 +8921,7 @@
           </p:nvSpPr>
           <p:spPr>
             <a:xfrm>
-              <a:off x="2283939" y="6368382"/>
+              <a:off x="2253515" y="6368409"/>
               <a:ext cx="63202" cy="63202"/>
             </a:xfrm>
             <a:custGeom>
@@ -8964,7 +8964,7 @@
           </p:nvSpPr>
           <p:spPr>
             <a:xfrm>
-              <a:off x="2256038" y="6029860"/>
+              <a:off x="1605093" y="6029842"/>
               <a:ext cx="63202" cy="63202"/>
             </a:xfrm>
             <a:custGeom>
@@ -9007,7 +9007,7 @@
           </p:nvSpPr>
           <p:spPr>
             <a:xfrm>
-              <a:off x="2123729" y="6165865"/>
+              <a:off x="1626717" y="6165938"/>
               <a:ext cx="63202" cy="63202"/>
             </a:xfrm>
             <a:custGeom>
@@ -9050,7 +9050,7 @@
           </p:nvSpPr>
           <p:spPr>
             <a:xfrm>
-              <a:off x="2247220" y="5960191"/>
+              <a:off x="1959127" y="5960230"/>
               <a:ext cx="63202" cy="63202"/>
             </a:xfrm>
             <a:custGeom>
@@ -9093,7 +9093,7 @@
           </p:nvSpPr>
           <p:spPr>
             <a:xfrm>
-              <a:off x="1776553" y="6053940"/>
+              <a:off x="1609869" y="6053982"/>
               <a:ext cx="63202" cy="63202"/>
             </a:xfrm>
             <a:custGeom>
@@ -9136,7 +9136,7 @@
           </p:nvSpPr>
           <p:spPr>
             <a:xfrm>
-              <a:off x="2256097" y="6291392"/>
+              <a:off x="2077797" y="6291437"/>
               <a:ext cx="63202" cy="63202"/>
             </a:xfrm>
             <a:custGeom>
@@ -9179,7 +9179,7 @@
           </p:nvSpPr>
           <p:spPr>
             <a:xfrm>
-              <a:off x="1785968" y="6048210"/>
+              <a:off x="1945871" y="6048267"/>
               <a:ext cx="63202" cy="63202"/>
             </a:xfrm>
             <a:custGeom>
@@ -9222,7 +9222,7 @@
           </p:nvSpPr>
           <p:spPr>
             <a:xfrm>
-              <a:off x="1883084" y="6101191"/>
+              <a:off x="2265251" y="6101209"/>
               <a:ext cx="63202" cy="63202"/>
             </a:xfrm>
             <a:custGeom>
@@ -9265,7 +9265,7 @@
           </p:nvSpPr>
           <p:spPr>
             <a:xfrm>
-              <a:off x="1872290" y="6056128"/>
+              <a:off x="1866196" y="6056149"/>
               <a:ext cx="63202" cy="63202"/>
             </a:xfrm>
             <a:custGeom>
@@ -9308,7 +9308,7 @@
           </p:nvSpPr>
           <p:spPr>
             <a:xfrm>
-              <a:off x="1852875" y="6028409"/>
+              <a:off x="1799167" y="6028422"/>
               <a:ext cx="63202" cy="63202"/>
             </a:xfrm>
             <a:custGeom>
@@ -9351,7 +9351,7 @@
           </p:nvSpPr>
           <p:spPr>
             <a:xfrm>
-              <a:off x="1718924" y="6068403"/>
+              <a:off x="2171363" y="6068423"/>
               <a:ext cx="63202" cy="63202"/>
             </a:xfrm>
             <a:custGeom>
@@ -9394,7 +9394,7 @@
           </p:nvSpPr>
           <p:spPr>
             <a:xfrm>
-              <a:off x="1885692" y="6046460"/>
+              <a:off x="2049932" y="6046477"/>
               <a:ext cx="63202" cy="63202"/>
             </a:xfrm>
             <a:custGeom>
@@ -9437,7 +9437,7 @@
           </p:nvSpPr>
           <p:spPr>
             <a:xfrm>
-              <a:off x="1827601" y="6010343"/>
+              <a:off x="1683151" y="6010363"/>
               <a:ext cx="63202" cy="63202"/>
             </a:xfrm>
             <a:custGeom>
@@ -9480,7 +9480,7 @@
           </p:nvSpPr>
           <p:spPr>
             <a:xfrm>
-              <a:off x="1765134" y="5834175"/>
+              <a:off x="2065235" y="5834212"/>
               <a:ext cx="63202" cy="63202"/>
             </a:xfrm>
             <a:custGeom>
@@ -9523,7 +9523,7 @@
           </p:nvSpPr>
           <p:spPr>
             <a:xfrm>
-              <a:off x="1766457" y="5881688"/>
+              <a:off x="1607509" y="5881726"/>
               <a:ext cx="63202" cy="63202"/>
             </a:xfrm>
             <a:custGeom>
@@ -9566,7 +9566,7 @@
           </p:nvSpPr>
           <p:spPr>
             <a:xfrm>
-              <a:off x="1992028" y="6187002"/>
+              <a:off x="2249752" y="6187023"/>
               <a:ext cx="63202" cy="63202"/>
             </a:xfrm>
             <a:custGeom>
@@ -9609,7 +9609,7 @@
           </p:nvSpPr>
           <p:spPr>
             <a:xfrm>
-              <a:off x="1780121" y="6469663"/>
+              <a:off x="2155175" y="6469748"/>
               <a:ext cx="63202" cy="63202"/>
             </a:xfrm>
             <a:custGeom>
@@ -9652,7 +9652,7 @@
           </p:nvSpPr>
           <p:spPr>
             <a:xfrm>
-              <a:off x="1819837" y="6363349"/>
+              <a:off x="2156591" y="6363429"/>
               <a:ext cx="63202" cy="63202"/>
             </a:xfrm>
             <a:custGeom>
@@ -9695,7 +9695,7 @@
           </p:nvSpPr>
           <p:spPr>
             <a:xfrm>
-              <a:off x="2270124" y="6475785"/>
+              <a:off x="1921816" y="6475832"/>
               <a:ext cx="63202" cy="63202"/>
             </a:xfrm>
             <a:custGeom>
@@ -9738,7 +9738,7 @@
           </p:nvSpPr>
           <p:spPr>
             <a:xfrm>
-              <a:off x="2177156" y="5951284"/>
+              <a:off x="2128725" y="5951328"/>
               <a:ext cx="63202" cy="63202"/>
             </a:xfrm>
             <a:custGeom>
@@ -9781,7 +9781,7 @@
           </p:nvSpPr>
           <p:spPr>
             <a:xfrm>
-              <a:off x="2143066" y="6017846"/>
+              <a:off x="1676151" y="6017876"/>
               <a:ext cx="63202" cy="63202"/>
             </a:xfrm>
             <a:custGeom>
@@ -9824,7 +9824,7 @@
           </p:nvSpPr>
           <p:spPr>
             <a:xfrm>
-              <a:off x="1928739" y="6557592"/>
+              <a:off x="2148266" y="6557666"/>
               <a:ext cx="63202" cy="63202"/>
             </a:xfrm>
             <a:custGeom>
@@ -9867,7 +9867,7 @@
           </p:nvSpPr>
           <p:spPr>
             <a:xfrm>
-              <a:off x="1794908" y="5516535"/>
+              <a:off x="2156496" y="5516534"/>
               <a:ext cx="63202" cy="63202"/>
             </a:xfrm>
             <a:custGeom>
@@ -9910,7 +9910,7 @@
           </p:nvSpPr>
           <p:spPr>
             <a:xfrm>
-              <a:off x="2112880" y="6028660"/>
+              <a:off x="2017781" y="6028722"/>
               <a:ext cx="63202" cy="63202"/>
             </a:xfrm>
             <a:custGeom>
@@ -9953,7 +9953,7 @@
           </p:nvSpPr>
           <p:spPr>
             <a:xfrm>
-              <a:off x="2089854" y="6055560"/>
+              <a:off x="1986035" y="6055586"/>
               <a:ext cx="63202" cy="63202"/>
             </a:xfrm>
             <a:custGeom>
@@ -9996,7 +9996,7 @@
           </p:nvSpPr>
           <p:spPr>
             <a:xfrm>
-              <a:off x="2123481" y="6126648"/>
+              <a:off x="1965163" y="6126671"/>
               <a:ext cx="63202" cy="63202"/>
             </a:xfrm>
             <a:custGeom>
@@ -10039,7 +10039,7 @@
           </p:nvSpPr>
           <p:spPr>
             <a:xfrm>
-              <a:off x="1876744" y="6103275"/>
+              <a:off x="1947743" y="6103340"/>
               <a:ext cx="63202" cy="63202"/>
             </a:xfrm>
             <a:custGeom>
@@ -10082,7 +10082,7 @@
           </p:nvSpPr>
           <p:spPr>
             <a:xfrm>
-              <a:off x="2144160" y="6063458"/>
+              <a:off x="1974555" y="6063459"/>
               <a:ext cx="63202" cy="63202"/>
             </a:xfrm>
             <a:custGeom>
@@ -10125,7 +10125,7 @@
           </p:nvSpPr>
           <p:spPr>
             <a:xfrm>
-              <a:off x="2278927" y="6190530"/>
+              <a:off x="2130966" y="6190539"/>
               <a:ext cx="63202" cy="63202"/>
             </a:xfrm>
             <a:custGeom>
@@ -10168,7 +10168,7 @@
           </p:nvSpPr>
           <p:spPr>
             <a:xfrm>
-              <a:off x="1876821" y="5707390"/>
+              <a:off x="1719974" y="5707397"/>
               <a:ext cx="63202" cy="63202"/>
             </a:xfrm>
             <a:custGeom>
@@ -10211,7 +10211,7 @@
           </p:nvSpPr>
           <p:spPr>
             <a:xfrm>
-              <a:off x="2144639" y="6258021"/>
+              <a:off x="1995540" y="6258063"/>
               <a:ext cx="63202" cy="63202"/>
             </a:xfrm>
             <a:custGeom>
@@ -10254,7 +10254,7 @@
           </p:nvSpPr>
           <p:spPr>
             <a:xfrm>
-              <a:off x="1926791" y="5471613"/>
+              <a:off x="1698233" y="5471590"/>
               <a:ext cx="63202" cy="63202"/>
             </a:xfrm>
             <a:custGeom>
@@ -10297,7 +10297,7 @@
           </p:nvSpPr>
           <p:spPr>
             <a:xfrm>
-              <a:off x="1890009" y="6179612"/>
+              <a:off x="2117174" y="6179638"/>
               <a:ext cx="63202" cy="63202"/>
             </a:xfrm>
             <a:custGeom>
@@ -10340,7 +10340,7 @@
           </p:nvSpPr>
           <p:spPr>
             <a:xfrm>
-              <a:off x="2070710" y="6043476"/>
+              <a:off x="2194578" y="6043503"/>
               <a:ext cx="63202" cy="63202"/>
             </a:xfrm>
             <a:custGeom>
@@ -10383,7 +10383,7 @@
           </p:nvSpPr>
           <p:spPr>
             <a:xfrm>
-              <a:off x="2062579" y="6259703"/>
+              <a:off x="2051613" y="6259737"/>
               <a:ext cx="63202" cy="63202"/>
             </a:xfrm>
             <a:custGeom>
@@ -10426,7 +10426,7 @@
           </p:nvSpPr>
           <p:spPr>
             <a:xfrm>
-              <a:off x="1707564" y="5443112"/>
+              <a:off x="1741276" y="5443082"/>
               <a:ext cx="63202" cy="63202"/>
             </a:xfrm>
             <a:custGeom>
@@ -10469,7 +10469,7 @@
           </p:nvSpPr>
           <p:spPr>
             <a:xfrm>
-              <a:off x="1851772" y="6060863"/>
+              <a:off x="1992971" y="6060916"/>
               <a:ext cx="63202" cy="63202"/>
             </a:xfrm>
             <a:custGeom>
@@ -10512,7 +10512,7 @@
           </p:nvSpPr>
           <p:spPr>
             <a:xfrm>
-              <a:off x="2117251" y="5966339"/>
+              <a:off x="1721055" y="5966415"/>
               <a:ext cx="63202" cy="63202"/>
             </a:xfrm>
             <a:custGeom>
@@ -10555,7 +10555,7 @@
           </p:nvSpPr>
           <p:spPr>
             <a:xfrm>
-              <a:off x="1937441" y="5952904"/>
+              <a:off x="1713528" y="5952973"/>
               <a:ext cx="63202" cy="63202"/>
             </a:xfrm>
             <a:custGeom>
@@ -10598,7 +10598,7 @@
           </p:nvSpPr>
           <p:spPr>
             <a:xfrm>
-              <a:off x="1948109" y="5434785"/>
+              <a:off x="2209448" y="5434834"/>
               <a:ext cx="63202" cy="63202"/>
             </a:xfrm>
             <a:custGeom>
@@ -10641,7 +10641,7 @@
           </p:nvSpPr>
           <p:spPr>
             <a:xfrm>
-              <a:off x="1970210" y="5936474"/>
+              <a:off x="2293355" y="5936520"/>
               <a:ext cx="63202" cy="63202"/>
             </a:xfrm>
             <a:custGeom>
@@ -10684,7 +10684,7 @@
           </p:nvSpPr>
           <p:spPr>
             <a:xfrm>
-              <a:off x="2178249" y="6019707"/>
+              <a:off x="2227536" y="6019741"/>
               <a:ext cx="63202" cy="63202"/>
             </a:xfrm>
             <a:custGeom>
@@ -10727,7 +10727,7 @@
           </p:nvSpPr>
           <p:spPr>
             <a:xfrm>
-              <a:off x="2238135" y="6139159"/>
+              <a:off x="1951088" y="6139164"/>
               <a:ext cx="63202" cy="63202"/>
             </a:xfrm>
             <a:custGeom>
@@ -10770,7 +10770,7 @@
           </p:nvSpPr>
           <p:spPr>
             <a:xfrm>
-              <a:off x="1705705" y="6013616"/>
+              <a:off x="1803459" y="6013658"/>
               <a:ext cx="63202" cy="63202"/>
             </a:xfrm>
             <a:custGeom>
@@ -10813,7 +10813,7 @@
           </p:nvSpPr>
           <p:spPr>
             <a:xfrm>
-              <a:off x="1823430" y="6021373"/>
+              <a:off x="1928500" y="6021367"/>
               <a:ext cx="63202" cy="63202"/>
             </a:xfrm>
             <a:custGeom>
@@ -10856,7 +10856,7 @@
           </p:nvSpPr>
           <p:spPr>
             <a:xfrm>
-              <a:off x="2003822" y="5703120"/>
+              <a:off x="2260766" y="5703129"/>
               <a:ext cx="63202" cy="63202"/>
             </a:xfrm>
             <a:custGeom>
@@ -10899,7 +10899,7 @@
           </p:nvSpPr>
           <p:spPr>
             <a:xfrm>
-              <a:off x="1653446" y="6179614"/>
+              <a:off x="1606019" y="6179611"/>
               <a:ext cx="63202" cy="63202"/>
             </a:xfrm>
             <a:custGeom>
@@ -10942,7 +10942,7 @@
           </p:nvSpPr>
           <p:spPr>
             <a:xfrm>
-              <a:off x="2131776" y="5944219"/>
+              <a:off x="2018204" y="5944256"/>
               <a:ext cx="63202" cy="63202"/>
             </a:xfrm>
             <a:custGeom>
@@ -10985,7 +10985,7 @@
           </p:nvSpPr>
           <p:spPr>
             <a:xfrm>
-              <a:off x="2117355" y="5474780"/>
+              <a:off x="2110648" y="5474830"/>
               <a:ext cx="63202" cy="63202"/>
             </a:xfrm>
             <a:custGeom>
@@ -11028,7 +11028,7 @@
           </p:nvSpPr>
           <p:spPr>
             <a:xfrm>
-              <a:off x="2198812" y="5472474"/>
+              <a:off x="1768039" y="5472484"/>
               <a:ext cx="63202" cy="63202"/>
             </a:xfrm>
             <a:custGeom>
@@ -11071,7 +11071,7 @@
           </p:nvSpPr>
           <p:spPr>
             <a:xfrm>
-              <a:off x="2029236" y="5472120"/>
+              <a:off x="2055553" y="5472162"/>
               <a:ext cx="63202" cy="63202"/>
             </a:xfrm>
             <a:custGeom>
@@ -11114,7 +11114,7 @@
           </p:nvSpPr>
           <p:spPr>
             <a:xfrm>
-              <a:off x="2079269" y="5472023"/>
+              <a:off x="2035406" y="5472034"/>
               <a:ext cx="63202" cy="63202"/>
             </a:xfrm>
             <a:custGeom>
@@ -11157,7 +11157,7 @@
           </p:nvSpPr>
           <p:spPr>
             <a:xfrm>
-              <a:off x="2077670" y="5471849"/>
+              <a:off x="1910951" y="5471871"/>
               <a:ext cx="63202" cy="63202"/>
             </a:xfrm>
             <a:custGeom>
@@ -11200,7 +11200,7 @@
           </p:nvSpPr>
           <p:spPr>
             <a:xfrm>
-              <a:off x="1823427" y="5740684"/>
+              <a:off x="2276598" y="5740753"/>
               <a:ext cx="63202" cy="63202"/>
             </a:xfrm>
             <a:custGeom>
@@ -11243,7 +11243,7 @@
           </p:nvSpPr>
           <p:spPr>
             <a:xfrm>
-              <a:off x="1852503" y="5730299"/>
+              <a:off x="2110623" y="5730349"/>
               <a:ext cx="63202" cy="63202"/>
             </a:xfrm>
             <a:custGeom>
@@ -11286,7 +11286,7 @@
           </p:nvSpPr>
           <p:spPr>
             <a:xfrm>
-              <a:off x="2217622" y="6144590"/>
+              <a:off x="1832962" y="6144589"/>
               <a:ext cx="63202" cy="63202"/>
             </a:xfrm>
             <a:custGeom>
@@ -11329,7 +11329,7 @@
           </p:nvSpPr>
           <p:spPr>
             <a:xfrm>
-              <a:off x="1837897" y="5487875"/>
+              <a:off x="1932562" y="5487903"/>
               <a:ext cx="63202" cy="63202"/>
             </a:xfrm>
             <a:custGeom>
@@ -11372,7 +11372,7 @@
           </p:nvSpPr>
           <p:spPr>
             <a:xfrm>
-              <a:off x="1932853" y="5875874"/>
+              <a:off x="1674747" y="5875917"/>
               <a:ext cx="63202" cy="63202"/>
             </a:xfrm>
             <a:custGeom>
@@ -11415,7 +11415,7 @@
           </p:nvSpPr>
           <p:spPr>
             <a:xfrm>
-              <a:off x="1796019" y="5752067"/>
+              <a:off x="2256119" y="5752058"/>
               <a:ext cx="63202" cy="63202"/>
             </a:xfrm>
             <a:custGeom>
@@ -11458,7 +11458,7 @@
           </p:nvSpPr>
           <p:spPr>
             <a:xfrm>
-              <a:off x="1759760" y="6161023"/>
+              <a:off x="1866234" y="6161028"/>
               <a:ext cx="63202" cy="63202"/>
             </a:xfrm>
             <a:custGeom>
@@ -11501,7 +11501,7 @@
           </p:nvSpPr>
           <p:spPr>
             <a:xfrm>
-              <a:off x="2065768" y="5498613"/>
+              <a:off x="2202655" y="5498657"/>
               <a:ext cx="63202" cy="63202"/>
             </a:xfrm>
             <a:custGeom>
@@ -11544,7 +11544,7 @@
           </p:nvSpPr>
           <p:spPr>
             <a:xfrm>
-              <a:off x="2178465" y="6036923"/>
+              <a:off x="1657116" y="6036909"/>
               <a:ext cx="63202" cy="63202"/>
             </a:xfrm>
             <a:custGeom>
@@ -11587,7 +11587,7 @@
           </p:nvSpPr>
           <p:spPr>
             <a:xfrm>
-              <a:off x="1727994" y="6366208"/>
+              <a:off x="2229696" y="6366288"/>
               <a:ext cx="63202" cy="63202"/>
             </a:xfrm>
             <a:custGeom>
@@ -11630,7 +11630,7 @@
           </p:nvSpPr>
           <p:spPr>
             <a:xfrm>
-              <a:off x="1842842" y="5718711"/>
+              <a:off x="2261681" y="5718713"/>
               <a:ext cx="63202" cy="63202"/>
             </a:xfrm>
             <a:custGeom>
@@ -11673,7 +11673,7 @@
           </p:nvSpPr>
           <p:spPr>
             <a:xfrm>
-              <a:off x="2284252" y="6433105"/>
+              <a:off x="1751739" y="6433137"/>
               <a:ext cx="63202" cy="63202"/>
             </a:xfrm>
             <a:custGeom>
@@ -11716,7 +11716,7 @@
           </p:nvSpPr>
           <p:spPr>
             <a:xfrm>
-              <a:off x="2118943" y="5464810"/>
+              <a:off x="1955653" y="5464798"/>
               <a:ext cx="63202" cy="63202"/>
             </a:xfrm>
             <a:custGeom>
@@ -11759,7 +11759,7 @@
           </p:nvSpPr>
           <p:spPr>
             <a:xfrm>
-              <a:off x="2124272" y="5659804"/>
+              <a:off x="1858169" y="5659779"/>
               <a:ext cx="63202" cy="63202"/>
             </a:xfrm>
             <a:custGeom>
@@ -11802,7 +11802,7 @@
           </p:nvSpPr>
           <p:spPr>
             <a:xfrm>
-              <a:off x="2131800" y="5601760"/>
+              <a:off x="2146451" y="5601765"/>
               <a:ext cx="63202" cy="63202"/>
             </a:xfrm>
             <a:custGeom>
@@ -11845,7 +11845,7 @@
           </p:nvSpPr>
           <p:spPr>
             <a:xfrm>
-              <a:off x="2272010" y="5646654"/>
+              <a:off x="1769646" y="5646704"/>
               <a:ext cx="63202" cy="63202"/>
             </a:xfrm>
             <a:custGeom>
@@ -11888,7 +11888,7 @@
           </p:nvSpPr>
           <p:spPr>
             <a:xfrm>
-              <a:off x="1842702" y="5454992"/>
+              <a:off x="1918861" y="5454989"/>
               <a:ext cx="63202" cy="63202"/>
             </a:xfrm>
             <a:custGeom>
@@ -11931,7 +11931,7 @@
           </p:nvSpPr>
           <p:spPr>
             <a:xfrm>
-              <a:off x="2099427" y="5451984"/>
+              <a:off x="2269169" y="5451976"/>
               <a:ext cx="63202" cy="63202"/>
             </a:xfrm>
             <a:custGeom>
@@ -11974,7 +11974,7 @@
           </p:nvSpPr>
           <p:spPr>
             <a:xfrm>
-              <a:off x="1676636" y="5699841"/>
+              <a:off x="2269387" y="5699851"/>
               <a:ext cx="63202" cy="63202"/>
             </a:xfrm>
             <a:custGeom>
@@ -12017,7 +12017,7 @@
           </p:nvSpPr>
           <p:spPr>
             <a:xfrm>
-              <a:off x="2287970" y="5688948"/>
+              <a:off x="1846423" y="5689020"/>
               <a:ext cx="63202" cy="63202"/>
             </a:xfrm>
             <a:custGeom>
@@ -12060,7 +12060,7 @@
           </p:nvSpPr>
           <p:spPr>
             <a:xfrm>
-              <a:off x="2062974" y="5469297"/>
+              <a:off x="2010703" y="5469289"/>
               <a:ext cx="63202" cy="63202"/>
             </a:xfrm>
             <a:custGeom>
@@ -12103,7 +12103,7 @@
           </p:nvSpPr>
           <p:spPr>
             <a:xfrm>
-              <a:off x="1911233" y="5477116"/>
+              <a:off x="1958838" y="5477089"/>
               <a:ext cx="63202" cy="63202"/>
             </a:xfrm>
             <a:custGeom>
@@ -12146,7 +12146,7 @@
           </p:nvSpPr>
           <p:spPr>
             <a:xfrm>
-              <a:off x="1893596" y="5477663"/>
+              <a:off x="2277332" y="5477669"/>
               <a:ext cx="63202" cy="63202"/>
             </a:xfrm>
             <a:custGeom>
@@ -12189,7 +12189,7 @@
           </p:nvSpPr>
           <p:spPr>
             <a:xfrm>
-              <a:off x="2099633" y="5536814"/>
+              <a:off x="2228505" y="5536872"/>
               <a:ext cx="63202" cy="63202"/>
             </a:xfrm>
             <a:custGeom>
@@ -12232,7 +12232,7 @@
           </p:nvSpPr>
           <p:spPr>
             <a:xfrm>
-              <a:off x="1928122" y="5466287"/>
+              <a:off x="2259597" y="5466295"/>
               <a:ext cx="63202" cy="63202"/>
             </a:xfrm>
             <a:custGeom>
@@ -12275,7 +12275,7 @@
           </p:nvSpPr>
           <p:spPr>
             <a:xfrm>
-              <a:off x="1658105" y="6017816"/>
+              <a:off x="1768826" y="6017832"/>
               <a:ext cx="63202" cy="63202"/>
             </a:xfrm>
             <a:custGeom>
@@ -12318,7 +12318,7 @@
           </p:nvSpPr>
           <p:spPr>
             <a:xfrm>
-              <a:off x="1843088" y="5490151"/>
+              <a:off x="2177512" y="5490146"/>
               <a:ext cx="63202" cy="63202"/>
             </a:xfrm>
             <a:custGeom>
@@ -12361,7 +12361,7 @@
           </p:nvSpPr>
           <p:spPr>
             <a:xfrm>
-              <a:off x="1904763" y="5399718"/>
+              <a:off x="1908278" y="5399736"/>
               <a:ext cx="63202" cy="63202"/>
             </a:xfrm>
             <a:custGeom>
@@ -12404,7 +12404,7 @@
           </p:nvSpPr>
           <p:spPr>
             <a:xfrm>
-              <a:off x="1814126" y="5885992"/>
+              <a:off x="2141490" y="5886035"/>
               <a:ext cx="63202" cy="63202"/>
             </a:xfrm>
             <a:custGeom>
@@ -12447,7 +12447,7 @@
           </p:nvSpPr>
           <p:spPr>
             <a:xfrm>
-              <a:off x="1760013" y="6400164"/>
+              <a:off x="1675080" y="6400207"/>
               <a:ext cx="63202" cy="63202"/>
             </a:xfrm>
             <a:custGeom>
@@ -12490,7 +12490,7 @@
           </p:nvSpPr>
           <p:spPr>
             <a:xfrm>
-              <a:off x="1638377" y="5979928"/>
+              <a:off x="1818563" y="5979978"/>
               <a:ext cx="63202" cy="63202"/>
             </a:xfrm>
             <a:custGeom>
@@ -12533,7 +12533,7 @@
           </p:nvSpPr>
           <p:spPr>
             <a:xfrm>
-              <a:off x="1625775" y="5965081"/>
+              <a:off x="1848095" y="5965089"/>
               <a:ext cx="63202" cy="63202"/>
             </a:xfrm>
             <a:custGeom>
@@ -12576,7 +12576,7 @@
           </p:nvSpPr>
           <p:spPr>
             <a:xfrm>
-              <a:off x="1643183" y="5458915"/>
+              <a:off x="1773770" y="5458920"/>
               <a:ext cx="63202" cy="63202"/>
             </a:xfrm>
             <a:custGeom>
@@ -12619,7 +12619,7 @@
           </p:nvSpPr>
           <p:spPr>
             <a:xfrm>
-              <a:off x="1756933" y="5550094"/>
+              <a:off x="2011606" y="5550107"/>
               <a:ext cx="63202" cy="63202"/>
             </a:xfrm>
             <a:custGeom>
@@ -12662,7 +12662,7 @@
           </p:nvSpPr>
           <p:spPr>
             <a:xfrm>
-              <a:off x="2126761" y="5970503"/>
+              <a:off x="2252972" y="5970535"/>
               <a:ext cx="63202" cy="63202"/>
             </a:xfrm>
             <a:custGeom>
@@ -12705,7 +12705,7 @@
           </p:nvSpPr>
           <p:spPr>
             <a:xfrm>
-              <a:off x="2251694" y="5983932"/>
+              <a:off x="1656707" y="5983964"/>
               <a:ext cx="63202" cy="63202"/>
             </a:xfrm>
             <a:custGeom>
@@ -12748,7 +12748,7 @@
           </p:nvSpPr>
           <p:spPr>
             <a:xfrm>
-              <a:off x="2007399" y="5981461"/>
+              <a:off x="1973790" y="5981468"/>
               <a:ext cx="63202" cy="63202"/>
             </a:xfrm>
             <a:custGeom>
@@ -12791,7 +12791,7 @@
           </p:nvSpPr>
           <p:spPr>
             <a:xfrm>
-              <a:off x="1954720" y="6130299"/>
+              <a:off x="1661756" y="6130341"/>
               <a:ext cx="63202" cy="63202"/>
             </a:xfrm>
             <a:custGeom>
@@ -12834,7 +12834,7 @@
           </p:nvSpPr>
           <p:spPr>
             <a:xfrm>
-              <a:off x="1636317" y="6050702"/>
+              <a:off x="2136712" y="6050734"/>
               <a:ext cx="63202" cy="63202"/>
             </a:xfrm>
             <a:custGeom>
@@ -12877,7 +12877,7 @@
           </p:nvSpPr>
           <p:spPr>
             <a:xfrm>
-              <a:off x="1638533" y="5483669"/>
+              <a:off x="2253398" y="5483683"/>
               <a:ext cx="63202" cy="63202"/>
             </a:xfrm>
             <a:custGeom>
@@ -12920,7 +12920,7 @@
           </p:nvSpPr>
           <p:spPr>
             <a:xfrm>
-              <a:off x="1693256" y="6127477"/>
+              <a:off x="1847580" y="6127490"/>
               <a:ext cx="63202" cy="63202"/>
             </a:xfrm>
             <a:custGeom>
@@ -12963,7 +12963,7 @@
           </p:nvSpPr>
           <p:spPr>
             <a:xfrm>
-              <a:off x="2170122" y="6135812"/>
+              <a:off x="1781936" y="6135833"/>
               <a:ext cx="63202" cy="63202"/>
             </a:xfrm>
             <a:custGeom>
@@ -13006,7 +13006,7 @@
           </p:nvSpPr>
           <p:spPr>
             <a:xfrm>
-              <a:off x="1728997" y="6090753"/>
+              <a:off x="2131838" y="6090776"/>
               <a:ext cx="63202" cy="63202"/>
             </a:xfrm>
             <a:custGeom>
@@ -13049,7 +13049,7 @@
           </p:nvSpPr>
           <p:spPr>
             <a:xfrm>
-              <a:off x="1631448" y="6225815"/>
+              <a:off x="2049584" y="6225851"/>
               <a:ext cx="63202" cy="63202"/>
             </a:xfrm>
             <a:custGeom>
@@ -13092,7 +13092,7 @@
           </p:nvSpPr>
           <p:spPr>
             <a:xfrm>
-              <a:off x="2070915" y="6135593"/>
+              <a:off x="2040312" y="6135660"/>
               <a:ext cx="63202" cy="63202"/>
             </a:xfrm>
             <a:custGeom>
@@ -13135,7 +13135,7 @@
           </p:nvSpPr>
           <p:spPr>
             <a:xfrm>
-              <a:off x="2122296" y="5570590"/>
+              <a:off x="1978493" y="5570578"/>
               <a:ext cx="63202" cy="63202"/>
             </a:xfrm>
             <a:custGeom>
@@ -13178,7 +13178,7 @@
           </p:nvSpPr>
           <p:spPr>
             <a:xfrm>
-              <a:off x="2210877" y="6322522"/>
+              <a:off x="1728730" y="6322518"/>
               <a:ext cx="63202" cy="63202"/>
             </a:xfrm>
             <a:custGeom>
@@ -13221,7 +13221,7 @@
           </p:nvSpPr>
           <p:spPr>
             <a:xfrm>
-              <a:off x="2085834" y="6102186"/>
+              <a:off x="1749836" y="6102217"/>
               <a:ext cx="63202" cy="63202"/>
             </a:xfrm>
             <a:custGeom>
@@ -13264,7 +13264,7 @@
           </p:nvSpPr>
           <p:spPr>
             <a:xfrm>
-              <a:off x="1915127" y="5492732"/>
+              <a:off x="2227142" y="5492748"/>
               <a:ext cx="63202" cy="63202"/>
             </a:xfrm>
             <a:custGeom>
@@ -13307,7 +13307,7 @@
           </p:nvSpPr>
           <p:spPr>
             <a:xfrm>
-              <a:off x="1944648" y="5489040"/>
+              <a:off x="1940827" y="5489058"/>
               <a:ext cx="63202" cy="63202"/>
             </a:xfrm>
             <a:custGeom>
@@ -13350,7 +13350,7 @@
           </p:nvSpPr>
           <p:spPr>
             <a:xfrm>
-              <a:off x="2155172" y="5514554"/>
+              <a:off x="1813889" y="5514575"/>
               <a:ext cx="63202" cy="63202"/>
             </a:xfrm>
             <a:custGeom>
@@ -13393,7 +13393,7 @@
           </p:nvSpPr>
           <p:spPr>
             <a:xfrm>
-              <a:off x="1852747" y="5501747"/>
+              <a:off x="2118108" y="5501745"/>
               <a:ext cx="63202" cy="63202"/>
             </a:xfrm>
             <a:custGeom>
@@ -13436,7 +13436,7 @@
           </p:nvSpPr>
           <p:spPr>
             <a:xfrm>
-              <a:off x="1720327" y="5693242"/>
+              <a:off x="1704098" y="5693272"/>
               <a:ext cx="63202" cy="63202"/>
             </a:xfrm>
             <a:custGeom>
@@ -13479,7 +13479,7 @@
           </p:nvSpPr>
           <p:spPr>
             <a:xfrm>
-              <a:off x="2054473" y="6535879"/>
+              <a:off x="1967359" y="6535927"/>
               <a:ext cx="63202" cy="63202"/>
             </a:xfrm>
             <a:custGeom>
@@ -13522,7 +13522,7 @@
           </p:nvSpPr>
           <p:spPr>
             <a:xfrm>
-              <a:off x="2246412" y="5933277"/>
+              <a:off x="1649872" y="5933311"/>
               <a:ext cx="63202" cy="63202"/>
             </a:xfrm>
             <a:custGeom>
@@ -13565,7 +13565,7 @@
           </p:nvSpPr>
           <p:spPr>
             <a:xfrm>
-              <a:off x="2286650" y="5872682"/>
+              <a:off x="1672753" y="5872710"/>
               <a:ext cx="63202" cy="63202"/>
             </a:xfrm>
             <a:custGeom>
@@ -13608,7 +13608,7 @@
           </p:nvSpPr>
           <p:spPr>
             <a:xfrm>
-              <a:off x="1897759" y="6538672"/>
+              <a:off x="1671955" y="6538698"/>
               <a:ext cx="63202" cy="63202"/>
             </a:xfrm>
             <a:custGeom>
@@ -13651,7 +13651,7 @@
           </p:nvSpPr>
           <p:spPr>
             <a:xfrm>
-              <a:off x="2044890" y="6089596"/>
+              <a:off x="1821095" y="6089608"/>
               <a:ext cx="63202" cy="63202"/>
             </a:xfrm>
             <a:custGeom>
@@ -13750,7 +13750,7 @@
           </p:nvSpPr>
           <p:spPr>
             <a:xfrm>
-              <a:off x="4325757" y="2898340"/>
+              <a:off x="4325757" y="2898390"/>
               <a:ext cx="2796732" cy="0"/>
             </a:xfrm>
             <a:custGeom>
@@ -13793,7 +13793,7 @@
           </p:nvSpPr>
           <p:spPr>
             <a:xfrm>
-              <a:off x="4325757" y="2558902"/>
+              <a:off x="4325757" y="2558942"/>
               <a:ext cx="2796732" cy="0"/>
             </a:xfrm>
             <a:custGeom>
@@ -13836,7 +13836,7 @@
           </p:nvSpPr>
           <p:spPr>
             <a:xfrm>
-              <a:off x="4325757" y="2219464"/>
+              <a:off x="4325757" y="2219494"/>
               <a:ext cx="2796732" cy="0"/>
             </a:xfrm>
             <a:custGeom>
@@ -13879,7 +13879,7 @@
           </p:nvSpPr>
           <p:spPr>
             <a:xfrm>
-              <a:off x="4325757" y="1880026"/>
+              <a:off x="4325757" y="1880046"/>
               <a:ext cx="2796732" cy="0"/>
             </a:xfrm>
             <a:custGeom>
@@ -13922,7 +13922,7 @@
           </p:nvSpPr>
           <p:spPr>
             <a:xfrm>
-              <a:off x="4325757" y="1540588"/>
+              <a:off x="4325757" y="1540598"/>
               <a:ext cx="2796732" cy="0"/>
             </a:xfrm>
             <a:custGeom>
@@ -13965,7 +13965,7 @@
           </p:nvSpPr>
           <p:spPr>
             <a:xfrm>
-              <a:off x="4325757" y="2728621"/>
+              <a:off x="4325757" y="2728666"/>
               <a:ext cx="2796732" cy="0"/>
             </a:xfrm>
             <a:custGeom>
@@ -14008,7 +14008,7 @@
           </p:nvSpPr>
           <p:spPr>
             <a:xfrm>
-              <a:off x="4325757" y="2389183"/>
+              <a:off x="4325757" y="2389218"/>
               <a:ext cx="2796732" cy="0"/>
             </a:xfrm>
             <a:custGeom>
@@ -14051,7 +14051,7 @@
           </p:nvSpPr>
           <p:spPr>
             <a:xfrm>
-              <a:off x="4325757" y="2049745"/>
+              <a:off x="4325757" y="2049770"/>
               <a:ext cx="2796732" cy="0"/>
             </a:xfrm>
             <a:custGeom>
@@ -14094,7 +14094,7 @@
           </p:nvSpPr>
           <p:spPr>
             <a:xfrm>
-              <a:off x="4325757" y="1710307"/>
+              <a:off x="4325757" y="1710322"/>
               <a:ext cx="2796732" cy="0"/>
             </a:xfrm>
             <a:custGeom>
@@ -14266,7 +14266,7 @@
           </p:nvSpPr>
           <p:spPr>
             <a:xfrm>
-              <a:off x="4713032" y="1898616"/>
+              <a:off x="4523792" y="1898638"/>
               <a:ext cx="63202" cy="63202"/>
             </a:xfrm>
             <a:custGeom>
@@ -14309,7 +14309,7 @@
           </p:nvSpPr>
           <p:spPr>
             <a:xfrm>
-              <a:off x="4857902" y="1950597"/>
+              <a:off x="5154825" y="1950635"/>
               <a:ext cx="63202" cy="63202"/>
             </a:xfrm>
             <a:custGeom>
@@ -14352,7 +14352,7 @@
           </p:nvSpPr>
           <p:spPr>
             <a:xfrm>
-              <a:off x="4883378" y="2305081"/>
+              <a:off x="4913208" y="2305165"/>
               <a:ext cx="63202" cy="63202"/>
             </a:xfrm>
             <a:custGeom>
@@ -14395,7 +14395,7 @@
           </p:nvSpPr>
           <p:spPr>
             <a:xfrm>
-              <a:off x="4972277" y="1882751"/>
+              <a:off x="4629268" y="1882800"/>
               <a:ext cx="63202" cy="63202"/>
             </a:xfrm>
             <a:custGeom>
@@ -14438,7 +14438,7 @@
           </p:nvSpPr>
           <p:spPr>
             <a:xfrm>
-              <a:off x="5000029" y="1989692"/>
+              <a:off x="4607465" y="1989736"/>
               <a:ext cx="63202" cy="63202"/>
             </a:xfrm>
             <a:custGeom>
@@ -14481,7 +14481,7 @@
           </p:nvSpPr>
           <p:spPr>
             <a:xfrm>
-              <a:off x="4551775" y="2347935"/>
+              <a:off x="4981601" y="2347953"/>
               <a:ext cx="63202" cy="63202"/>
             </a:xfrm>
             <a:custGeom>
@@ -14524,7 +14524,7 @@
           </p:nvSpPr>
           <p:spPr>
             <a:xfrm>
-              <a:off x="5132783" y="1942092"/>
+              <a:off x="5076559" y="1942159"/>
               <a:ext cx="63202" cy="63202"/>
             </a:xfrm>
             <a:custGeom>
@@ -14567,7 +14567,7 @@
           </p:nvSpPr>
           <p:spPr>
             <a:xfrm>
-              <a:off x="5445078" y="2921273"/>
+              <a:off x="5788662" y="2921311"/>
               <a:ext cx="63202" cy="63202"/>
             </a:xfrm>
             <a:custGeom>
@@ -14610,7 +14610,7 @@
           </p:nvSpPr>
           <p:spPr>
             <a:xfrm>
-              <a:off x="4647020" y="1900839"/>
+              <a:off x="4906288" y="1900882"/>
               <a:ext cx="63202" cy="63202"/>
             </a:xfrm>
             <a:custGeom>
@@ -14653,7 +14653,7 @@
           </p:nvSpPr>
           <p:spPr>
             <a:xfrm>
-              <a:off x="4873326" y="2408378"/>
+              <a:off x="5103237" y="2408417"/>
               <a:ext cx="63202" cy="63202"/>
             </a:xfrm>
             <a:custGeom>
@@ -14696,7 +14696,7 @@
           </p:nvSpPr>
           <p:spPr>
             <a:xfrm>
-              <a:off x="5139085" y="2774812"/>
+              <a:off x="4786536" y="2774865"/>
               <a:ext cx="63202" cy="63202"/>
             </a:xfrm>
             <a:custGeom>
@@ -14739,7 +14739,7 @@
           </p:nvSpPr>
           <p:spPr>
             <a:xfrm>
-              <a:off x="5134658" y="1904996"/>
+              <a:off x="5102486" y="1905015"/>
               <a:ext cx="63202" cy="63202"/>
             </a:xfrm>
             <a:custGeom>
@@ -14782,7 +14782,7 @@
           </p:nvSpPr>
           <p:spPr>
             <a:xfrm>
-              <a:off x="4846971" y="1894316"/>
+              <a:off x="5039327" y="1894350"/>
               <a:ext cx="63202" cy="63202"/>
             </a:xfrm>
             <a:custGeom>
@@ -14825,7 +14825,7 @@
           </p:nvSpPr>
           <p:spPr>
             <a:xfrm>
-              <a:off x="4569977" y="1933154"/>
+              <a:off x="4882801" y="1933169"/>
               <a:ext cx="63202" cy="63202"/>
             </a:xfrm>
             <a:custGeom>
@@ -14868,7 +14868,7 @@
           </p:nvSpPr>
           <p:spPr>
             <a:xfrm>
-              <a:off x="4631623" y="1965919"/>
+              <a:off x="4823747" y="1965977"/>
               <a:ext cx="63202" cy="63202"/>
             </a:xfrm>
             <a:custGeom>
@@ -14911,7 +14911,7 @@
           </p:nvSpPr>
           <p:spPr>
             <a:xfrm>
-              <a:off x="4508443" y="1947263"/>
+              <a:off x="4745665" y="1947294"/>
               <a:ext cx="63202" cy="63202"/>
             </a:xfrm>
             <a:custGeom>
@@ -14954,7 +14954,7 @@
           </p:nvSpPr>
           <p:spPr>
             <a:xfrm>
-              <a:off x="4771785" y="1975984"/>
+              <a:off x="5074459" y="1976011"/>
               <a:ext cx="63202" cy="63202"/>
             </a:xfrm>
             <a:custGeom>
@@ -14997,7 +14997,7 @@
           </p:nvSpPr>
           <p:spPr>
             <a:xfrm>
-              <a:off x="4962246" y="1935933"/>
+              <a:off x="4669424" y="1935948"/>
               <a:ext cx="63202" cy="63202"/>
             </a:xfrm>
             <a:custGeom>
@@ -15040,7 +15040,7 @@
           </p:nvSpPr>
           <p:spPr>
             <a:xfrm>
-              <a:off x="4607837" y="1930027"/>
+              <a:off x="4963535" y="1930028"/>
               <a:ext cx="63202" cy="63202"/>
             </a:xfrm>
             <a:custGeom>
@@ -15083,7 +15083,7 @@
           </p:nvSpPr>
           <p:spPr>
             <a:xfrm>
-              <a:off x="4774327" y="2152565"/>
+              <a:off x="4695882" y="2152615"/>
               <a:ext cx="63202" cy="63202"/>
             </a:xfrm>
             <a:custGeom>
@@ -15126,7 +15126,7 @@
           </p:nvSpPr>
           <p:spPr>
             <a:xfrm>
-              <a:off x="4744723" y="1928307"/>
+              <a:off x="4613503" y="1928357"/>
               <a:ext cx="63202" cy="63202"/>
             </a:xfrm>
             <a:custGeom>
@@ -15169,7 +15169,7 @@
           </p:nvSpPr>
           <p:spPr>
             <a:xfrm>
-              <a:off x="4474103" y="2131023"/>
+              <a:off x="5138420" y="2131071"/>
               <a:ext cx="63202" cy="63202"/>
             </a:xfrm>
             <a:custGeom>
@@ -15212,7 +15212,7 @@
           </p:nvSpPr>
           <p:spPr>
             <a:xfrm>
-              <a:off x="4983309" y="2264255"/>
+              <a:off x="4548327" y="2264277"/>
               <a:ext cx="63202" cy="63202"/>
             </a:xfrm>
             <a:custGeom>
@@ -15255,7 +15255,7 @@
           </p:nvSpPr>
           <p:spPr>
             <a:xfrm>
-              <a:off x="5031437" y="2219627"/>
+              <a:off x="4619680" y="2219668"/>
               <a:ext cx="63202" cy="63202"/>
             </a:xfrm>
             <a:custGeom>
@@ -15298,7 +15298,7 @@
           </p:nvSpPr>
           <p:spPr>
             <a:xfrm>
-              <a:off x="4691853" y="2145555"/>
+              <a:off x="4740803" y="2145600"/>
               <a:ext cx="63202" cy="63202"/>
             </a:xfrm>
             <a:custGeom>
@@ -15341,7 +15341,7 @@
           </p:nvSpPr>
           <p:spPr>
             <a:xfrm>
-              <a:off x="4566822" y="1936285"/>
+              <a:off x="4823966" y="1936267"/>
               <a:ext cx="63202" cy="63202"/>
             </a:xfrm>
             <a:custGeom>
@@ -15384,7 +15384,7 @@
           </p:nvSpPr>
           <p:spPr>
             <a:xfrm>
-              <a:off x="4482696" y="2299939"/>
+              <a:off x="4749778" y="2299965"/>
               <a:ext cx="63202" cy="63202"/>
             </a:xfrm>
             <a:custGeom>
@@ -15427,7 +15427,7 @@
           </p:nvSpPr>
           <p:spPr>
             <a:xfrm>
-              <a:off x="5032302" y="1936923"/>
+              <a:off x="4886848" y="1936991"/>
               <a:ext cx="63202" cy="63202"/>
             </a:xfrm>
             <a:custGeom>
@@ -15470,7 +15470,7 @@
           </p:nvSpPr>
           <p:spPr>
             <a:xfrm>
-              <a:off x="4484490" y="1968496"/>
+              <a:off x="4541724" y="1968521"/>
               <a:ext cx="63202" cy="63202"/>
             </a:xfrm>
             <a:custGeom>
@@ -15513,7 +15513,7 @@
           </p:nvSpPr>
           <p:spPr>
             <a:xfrm>
-              <a:off x="4801345" y="2494658"/>
+              <a:off x="4882423" y="2494697"/>
               <a:ext cx="63202" cy="63202"/>
             </a:xfrm>
             <a:custGeom>
@@ -15556,7 +15556,7 @@
           </p:nvSpPr>
           <p:spPr>
             <a:xfrm>
-              <a:off x="4746038" y="2022078"/>
+              <a:off x="4524575" y="2022093"/>
               <a:ext cx="63202" cy="63202"/>
             </a:xfrm>
             <a:custGeom>
@@ -15599,7 +15599,7 @@
           </p:nvSpPr>
           <p:spPr>
             <a:xfrm>
-              <a:off x="4830975" y="1928792"/>
+              <a:off x="4938273" y="1928829"/>
               <a:ext cx="63202" cy="63202"/>
             </a:xfrm>
             <a:custGeom>
@@ -15642,7 +15642,7 @@
           </p:nvSpPr>
           <p:spPr>
             <a:xfrm>
-              <a:off x="4994443" y="2399525"/>
+              <a:off x="4617984" y="2399578"/>
               <a:ext cx="63202" cy="63202"/>
             </a:xfrm>
             <a:custGeom>
@@ -15685,7 +15685,7 @@
           </p:nvSpPr>
           <p:spPr>
             <a:xfrm>
-              <a:off x="4904759" y="2114597"/>
+              <a:off x="5053621" y="2114642"/>
               <a:ext cx="63202" cy="63202"/>
             </a:xfrm>
             <a:custGeom>
@@ -15728,7 +15728,7 @@
           </p:nvSpPr>
           <p:spPr>
             <a:xfrm>
-              <a:off x="4701812" y="1952135"/>
+              <a:off x="5011664" y="1952173"/>
               <a:ext cx="63202" cy="63202"/>
             </a:xfrm>
             <a:custGeom>
@@ -15771,7 +15771,7 @@
           </p:nvSpPr>
           <p:spPr>
             <a:xfrm>
-              <a:off x="5043025" y="1949442"/>
+              <a:off x="4584263" y="1949483"/>
               <a:ext cx="63202" cy="63202"/>
             </a:xfrm>
             <a:custGeom>
@@ -15814,7 +15814,7 @@
           </p:nvSpPr>
           <p:spPr>
             <a:xfrm>
-              <a:off x="4600050" y="1886870"/>
+              <a:off x="4822367" y="1886867"/>
               <a:ext cx="63202" cy="63202"/>
             </a:xfrm>
             <a:custGeom>
@@ -15857,7 +15857,7 @@
           </p:nvSpPr>
           <p:spPr>
             <a:xfrm>
-              <a:off x="4516246" y="1886836"/>
+              <a:off x="4985334" y="1886846"/>
               <a:ext cx="63202" cy="63202"/>
             </a:xfrm>
             <a:custGeom>
@@ -15900,7 +15900,7 @@
           </p:nvSpPr>
           <p:spPr>
             <a:xfrm>
-              <a:off x="4696834" y="1983868"/>
+              <a:off x="4513136" y="1983909"/>
               <a:ext cx="63202" cy="63202"/>
             </a:xfrm>
             <a:custGeom>
@@ -15943,7 +15943,7 @@
           </p:nvSpPr>
           <p:spPr>
             <a:xfrm>
-              <a:off x="4908502" y="2415585"/>
+              <a:off x="4717541" y="2415617"/>
               <a:ext cx="63202" cy="63202"/>
             </a:xfrm>
             <a:custGeom>
@@ -15986,7 +15986,7 @@
           </p:nvSpPr>
           <p:spPr>
             <a:xfrm>
-              <a:off x="4669861" y="1978778"/>
+              <a:off x="4800438" y="1978781"/>
               <a:ext cx="63202" cy="63202"/>
             </a:xfrm>
             <a:custGeom>
@@ -16029,7 +16029,7 @@
           </p:nvSpPr>
           <p:spPr>
             <a:xfrm>
-              <a:off x="4592694" y="1957410"/>
+              <a:off x="5125027" y="1957432"/>
               <a:ext cx="63202" cy="63202"/>
             </a:xfrm>
             <a:custGeom>
@@ -16072,7 +16072,7 @@
           </p:nvSpPr>
           <p:spPr>
             <a:xfrm>
-              <a:off x="4927597" y="1840302"/>
+              <a:off x="5054738" y="1840321"/>
               <a:ext cx="63202" cy="63202"/>
             </a:xfrm>
             <a:custGeom>
@@ -16115,7 +16115,7 @@
           </p:nvSpPr>
           <p:spPr>
             <a:xfrm>
-              <a:off x="4837456" y="2255144"/>
+              <a:off x="4752455" y="2255159"/>
               <a:ext cx="63202" cy="63202"/>
             </a:xfrm>
             <a:custGeom>
@@ -16158,7 +16158,7 @@
           </p:nvSpPr>
           <p:spPr>
             <a:xfrm>
-              <a:off x="4812549" y="1877709"/>
+              <a:off x="5145134" y="1877698"/>
               <a:ext cx="63202" cy="63202"/>
             </a:xfrm>
             <a:custGeom>
@@ -16201,7 +16201,7 @@
           </p:nvSpPr>
           <p:spPr>
             <a:xfrm>
-              <a:off x="4620201" y="2010143"/>
+              <a:off x="4795018" y="2010184"/>
               <a:ext cx="63202" cy="63202"/>
             </a:xfrm>
             <a:custGeom>
@@ -16244,7 +16244,7 @@
           </p:nvSpPr>
           <p:spPr>
             <a:xfrm>
-              <a:off x="5093368" y="2056179"/>
+              <a:off x="4726271" y="2056208"/>
               <a:ext cx="63202" cy="63202"/>
             </a:xfrm>
             <a:custGeom>
@@ -16287,7 +16287,7 @@
           </p:nvSpPr>
           <p:spPr>
             <a:xfrm>
-              <a:off x="4800384" y="1946401"/>
+              <a:off x="4910005" y="1946436"/>
               <a:ext cx="63202" cy="63202"/>
             </a:xfrm>
             <a:custGeom>
@@ -16330,7 +16330,7 @@
           </p:nvSpPr>
           <p:spPr>
             <a:xfrm>
-              <a:off x="4948114" y="2631639"/>
+              <a:off x="4999716" y="2631674"/>
               <a:ext cx="63202" cy="63202"/>
             </a:xfrm>
             <a:custGeom>
@@ -16373,7 +16373,7 @@
           </p:nvSpPr>
           <p:spPr>
             <a:xfrm>
-              <a:off x="4753825" y="2643064"/>
+              <a:off x="5049563" y="2643099"/>
               <a:ext cx="63202" cy="63202"/>
             </a:xfrm>
             <a:custGeom>
@@ -16416,7 +16416,7 @@
           </p:nvSpPr>
           <p:spPr>
             <a:xfrm>
-              <a:off x="4727145" y="2017283"/>
+              <a:off x="4885749" y="2017276"/>
               <a:ext cx="63202" cy="63202"/>
             </a:xfrm>
             <a:custGeom>
@@ -16459,7 +16459,7 @@
           </p:nvSpPr>
           <p:spPr>
             <a:xfrm>
-              <a:off x="4705330" y="2218388"/>
+              <a:off x="4855402" y="2218434"/>
               <a:ext cx="63202" cy="63202"/>
             </a:xfrm>
             <a:custGeom>
@@ -16502,7 +16502,7 @@
           </p:nvSpPr>
           <p:spPr>
             <a:xfrm>
-              <a:off x="4735244" y="2495262"/>
+              <a:off x="5100554" y="2495299"/>
               <a:ext cx="63202" cy="63202"/>
             </a:xfrm>
             <a:custGeom>
@@ -16545,7 +16545,7 @@
           </p:nvSpPr>
           <p:spPr>
             <a:xfrm>
-              <a:off x="4910033" y="1950255"/>
+              <a:off x="4492832" y="1950264"/>
               <a:ext cx="63202" cy="63202"/>
             </a:xfrm>
             <a:custGeom>
@@ -16588,7 +16588,7 @@
           </p:nvSpPr>
           <p:spPr>
             <a:xfrm>
-              <a:off x="4485923" y="2058312"/>
+              <a:off x="5148693" y="2058355"/>
               <a:ext cx="63202" cy="63202"/>
             </a:xfrm>
             <a:custGeom>
@@ -16631,7 +16631,7 @@
           </p:nvSpPr>
           <p:spPr>
             <a:xfrm>
-              <a:off x="5079962" y="1902244"/>
+              <a:off x="5042580" y="1902291"/>
               <a:ext cx="63202" cy="63202"/>
             </a:xfrm>
             <a:custGeom>
@@ -16674,7 +16674,7 @@
           </p:nvSpPr>
           <p:spPr>
             <a:xfrm>
-              <a:off x="4850706" y="2710790"/>
+              <a:off x="4907337" y="2710821"/>
               <a:ext cx="63202" cy="63202"/>
             </a:xfrm>
             <a:custGeom>
@@ -16717,7 +16717,7 @@
           </p:nvSpPr>
           <p:spPr>
             <a:xfrm>
-              <a:off x="4710848" y="1941921"/>
+              <a:off x="5053955" y="1941953"/>
               <a:ext cx="63202" cy="63202"/>
             </a:xfrm>
             <a:custGeom>
@@ -16760,7 +16760,7 @@
           </p:nvSpPr>
           <p:spPr>
             <a:xfrm>
-              <a:off x="5160007" y="2017257"/>
+              <a:off x="4700115" y="2017278"/>
               <a:ext cx="63202" cy="63202"/>
             </a:xfrm>
             <a:custGeom>
@@ -16803,7 +16803,7 @@
           </p:nvSpPr>
           <p:spPr>
             <a:xfrm>
-              <a:off x="4988979" y="2536492"/>
+              <a:off x="4703209" y="2536493"/>
               <a:ext cx="63202" cy="63202"/>
             </a:xfrm>
             <a:custGeom>
@@ -16846,7 +16846,7 @@
           </p:nvSpPr>
           <p:spPr>
             <a:xfrm>
-              <a:off x="4797238" y="2042200"/>
+              <a:off x="4731155" y="2042177"/>
               <a:ext cx="63202" cy="63202"/>
             </a:xfrm>
             <a:custGeom>
@@ -16889,7 +16889,7 @@
           </p:nvSpPr>
           <p:spPr>
             <a:xfrm>
-              <a:off x="4541393" y="2049982"/>
+              <a:off x="4538584" y="2050034"/>
               <a:ext cx="63202" cy="63202"/>
             </a:xfrm>
             <a:custGeom>
@@ -16932,7 +16932,7 @@
           </p:nvSpPr>
           <p:spPr>
             <a:xfrm>
-              <a:off x="4588631" y="1883317"/>
+              <a:off x="5002373" y="1883319"/>
               <a:ext cx="63202" cy="63202"/>
             </a:xfrm>
             <a:custGeom>
@@ -16975,7 +16975,7 @@
           </p:nvSpPr>
           <p:spPr>
             <a:xfrm>
-              <a:off x="4901075" y="1933983"/>
+              <a:off x="5114299" y="1933972"/>
               <a:ext cx="63202" cy="63202"/>
             </a:xfrm>
             <a:custGeom>
@@ -17018,7 +17018,7 @@
           </p:nvSpPr>
           <p:spPr>
             <a:xfrm>
-              <a:off x="5036091" y="2032259"/>
+              <a:off x="4586847" y="2032265"/>
               <a:ext cx="63202" cy="63202"/>
             </a:xfrm>
             <a:custGeom>
@@ -17061,7 +17061,7 @@
           </p:nvSpPr>
           <p:spPr>
             <a:xfrm>
-              <a:off x="4655312" y="1998035"/>
+              <a:off x="4687969" y="1998082"/>
               <a:ext cx="63202" cy="63202"/>
             </a:xfrm>
             <a:custGeom>
@@ -17104,7 +17104,7 @@
           </p:nvSpPr>
           <p:spPr>
             <a:xfrm>
-              <a:off x="4485452" y="1886395"/>
+              <a:off x="4611541" y="1886397"/>
               <a:ext cx="63202" cy="63202"/>
             </a:xfrm>
             <a:custGeom>
@@ -17147,7 +17147,7 @@
           </p:nvSpPr>
           <p:spPr>
             <a:xfrm>
-              <a:off x="4892508" y="2204914"/>
+              <a:off x="4744842" y="2204920"/>
               <a:ext cx="63202" cy="63202"/>
             </a:xfrm>
             <a:custGeom>
@@ -17190,7 +17190,7 @@
           </p:nvSpPr>
           <p:spPr>
             <a:xfrm>
-              <a:off x="5000899" y="1977453"/>
+              <a:off x="5122862" y="1977520"/>
               <a:ext cx="63202" cy="63202"/>
             </a:xfrm>
             <a:custGeom>
@@ -17233,7 +17233,7 @@
           </p:nvSpPr>
           <p:spPr>
             <a:xfrm>
-              <a:off x="4528046" y="1997621"/>
+              <a:off x="4915169" y="1997691"/>
               <a:ext cx="63202" cy="63202"/>
             </a:xfrm>
             <a:custGeom>
@@ -17276,7 +17276,7 @@
           </p:nvSpPr>
           <p:spPr>
             <a:xfrm>
-              <a:off x="5121723" y="2437475"/>
+              <a:off x="4609308" y="2437544"/>
               <a:ext cx="63202" cy="63202"/>
             </a:xfrm>
             <a:custGeom>
@@ -17319,7 +17319,7 @@
           </p:nvSpPr>
           <p:spPr>
             <a:xfrm>
-              <a:off x="4814287" y="2469284"/>
+              <a:off x="4645135" y="2469288"/>
               <a:ext cx="63202" cy="63202"/>
             </a:xfrm>
             <a:custGeom>
@@ -17362,7 +17362,7 @@
           </p:nvSpPr>
           <p:spPr>
             <a:xfrm>
-              <a:off x="4923336" y="1887741"/>
+              <a:off x="5151876" y="1887771"/>
               <a:ext cx="63202" cy="63202"/>
             </a:xfrm>
             <a:custGeom>
@@ -17405,7 +17405,7 @@
           </p:nvSpPr>
           <p:spPr>
             <a:xfrm>
-              <a:off x="5091948" y="1878210"/>
+              <a:off x="4931299" y="1878244"/>
               <a:ext cx="63202" cy="63202"/>
             </a:xfrm>
             <a:custGeom>
@@ -17448,7 +17448,7 @@
           </p:nvSpPr>
           <p:spPr>
             <a:xfrm>
-              <a:off x="4557601" y="1874687"/>
+              <a:off x="4848608" y="1874734"/>
               <a:ext cx="63202" cy="63202"/>
             </a:xfrm>
             <a:custGeom>
@@ -17491,7 +17491,7 @@
           </p:nvSpPr>
           <p:spPr>
             <a:xfrm>
-              <a:off x="4469125" y="2252490"/>
+              <a:off x="4584786" y="2252525"/>
               <a:ext cx="63202" cy="63202"/>
             </a:xfrm>
             <a:custGeom>
@@ -17534,7 +17534,7 @@
           </p:nvSpPr>
           <p:spPr>
             <a:xfrm>
-              <a:off x="4547538" y="1948097"/>
+              <a:off x="4496284" y="1948112"/>
               <a:ext cx="63202" cy="63202"/>
             </a:xfrm>
             <a:custGeom>
@@ -17577,7 +17577,7 @@
           </p:nvSpPr>
           <p:spPr>
             <a:xfrm>
-              <a:off x="4884351" y="1887317"/>
+              <a:off x="4899757" y="1887341"/>
               <a:ext cx="63202" cy="63202"/>
             </a:xfrm>
             <a:custGeom>
@@ -17620,7 +17620,7 @@
           </p:nvSpPr>
           <p:spPr>
             <a:xfrm>
-              <a:off x="4957360" y="2244059"/>
+              <a:off x="5110784" y="2244112"/>
               <a:ext cx="63202" cy="63202"/>
             </a:xfrm>
             <a:custGeom>
@@ -17663,7 +17663,7 @@
           </p:nvSpPr>
           <p:spPr>
             <a:xfrm>
-              <a:off x="5040575" y="1878235"/>
+              <a:off x="5036814" y="1878247"/>
               <a:ext cx="63202" cy="63202"/>
             </a:xfrm>
             <a:custGeom>
@@ -17706,7 +17706,7 @@
           </p:nvSpPr>
           <p:spPr>
             <a:xfrm>
-              <a:off x="4955809" y="1881812"/>
+              <a:off x="4679226" y="1881852"/>
               <a:ext cx="63202" cy="63202"/>
             </a:xfrm>
             <a:custGeom>
@@ -17749,7 +17749,7 @@
           </p:nvSpPr>
           <p:spPr>
             <a:xfrm>
-              <a:off x="4796315" y="1937498"/>
+              <a:off x="5015136" y="1937523"/>
               <a:ext cx="63202" cy="63202"/>
             </a:xfrm>
             <a:custGeom>
@@ -17792,7 +17792,7 @@
           </p:nvSpPr>
           <p:spPr>
             <a:xfrm>
-              <a:off x="5015043" y="1884422"/>
+              <a:off x="4865399" y="1884421"/>
               <a:ext cx="63202" cy="63202"/>
             </a:xfrm>
             <a:custGeom>
@@ -17835,7 +17835,7 @@
           </p:nvSpPr>
           <p:spPr>
             <a:xfrm>
-              <a:off x="4677076" y="2120878"/>
+              <a:off x="4486700" y="2120864"/>
               <a:ext cx="63202" cy="63202"/>
             </a:xfrm>
             <a:custGeom>
@@ -17878,7 +17878,7 @@
           </p:nvSpPr>
           <p:spPr>
             <a:xfrm>
-              <a:off x="4994500" y="1881360"/>
+              <a:off x="4596204" y="1881347"/>
               <a:ext cx="63202" cy="63202"/>
             </a:xfrm>
             <a:custGeom>
@@ -17921,7 +17921,7 @@
           </p:nvSpPr>
           <p:spPr>
             <a:xfrm>
-              <a:off x="4940874" y="1889608"/>
+              <a:off x="5131638" y="1889677"/>
               <a:ext cx="63202" cy="63202"/>
             </a:xfrm>
             <a:custGeom>
@@ -18020,7 +18020,7 @@
           </p:nvSpPr>
           <p:spPr>
             <a:xfrm>
-              <a:off x="4325757" y="4823673"/>
+              <a:off x="4325757" y="4823723"/>
               <a:ext cx="2796732" cy="0"/>
             </a:xfrm>
             <a:custGeom>
@@ -18063,7 +18063,7 @@
           </p:nvSpPr>
           <p:spPr>
             <a:xfrm>
-              <a:off x="4325757" y="4484235"/>
+              <a:off x="4325757" y="4484275"/>
               <a:ext cx="2796732" cy="0"/>
             </a:xfrm>
             <a:custGeom>
@@ -18106,7 +18106,7 @@
           </p:nvSpPr>
           <p:spPr>
             <a:xfrm>
-              <a:off x="4325757" y="4144797"/>
+              <a:off x="4325757" y="4144827"/>
               <a:ext cx="2796732" cy="0"/>
             </a:xfrm>
             <a:custGeom>
@@ -18149,7 +18149,7 @@
           </p:nvSpPr>
           <p:spPr>
             <a:xfrm>
-              <a:off x="4325757" y="3805358"/>
+              <a:off x="4325757" y="3805379"/>
               <a:ext cx="2796732" cy="0"/>
             </a:xfrm>
             <a:custGeom>
@@ -18192,7 +18192,7 @@
           </p:nvSpPr>
           <p:spPr>
             <a:xfrm>
-              <a:off x="4325757" y="3465920"/>
+              <a:off x="4325757" y="3465931"/>
               <a:ext cx="2796732" cy="0"/>
             </a:xfrm>
             <a:custGeom>
@@ -18235,7 +18235,7 @@
           </p:nvSpPr>
           <p:spPr>
             <a:xfrm>
-              <a:off x="4325757" y="4653954"/>
+              <a:off x="4325757" y="4653999"/>
               <a:ext cx="2796732" cy="0"/>
             </a:xfrm>
             <a:custGeom>
@@ -18278,7 +18278,7 @@
           </p:nvSpPr>
           <p:spPr>
             <a:xfrm>
-              <a:off x="4325757" y="4314516"/>
+              <a:off x="4325757" y="4314551"/>
               <a:ext cx="2796732" cy="0"/>
             </a:xfrm>
             <a:custGeom>
@@ -18321,7 +18321,7 @@
           </p:nvSpPr>
           <p:spPr>
             <a:xfrm>
-              <a:off x="4325757" y="3975078"/>
+              <a:off x="4325757" y="3975103"/>
               <a:ext cx="2796732" cy="0"/>
             </a:xfrm>
             <a:custGeom>
@@ -18364,7 +18364,7 @@
           </p:nvSpPr>
           <p:spPr>
             <a:xfrm>
-              <a:off x="4325757" y="3635639"/>
+              <a:off x="4325757" y="3635655"/>
               <a:ext cx="2796732" cy="0"/>
             </a:xfrm>
             <a:custGeom>
@@ -18536,7 +18536,7 @@
           </p:nvSpPr>
           <p:spPr>
             <a:xfrm>
-              <a:off x="4668994" y="4110743"/>
+              <a:off x="4539552" y="4110761"/>
               <a:ext cx="63202" cy="63202"/>
             </a:xfrm>
             <a:custGeom>
@@ -18579,7 +18579,7 @@
           </p:nvSpPr>
           <p:spPr>
             <a:xfrm>
-              <a:off x="5059324" y="4018437"/>
+              <a:off x="5115077" y="4018476"/>
               <a:ext cx="63202" cy="63202"/>
             </a:xfrm>
             <a:custGeom>
@@ -18622,7 +18622,7 @@
           </p:nvSpPr>
           <p:spPr>
             <a:xfrm>
-              <a:off x="5704209" y="3902586"/>
+              <a:off x="5773762" y="3902658"/>
               <a:ext cx="63202" cy="63202"/>
             </a:xfrm>
             <a:custGeom>
@@ -18665,7 +18665,7 @@
           </p:nvSpPr>
           <p:spPr>
             <a:xfrm>
-              <a:off x="6889279" y="4711977"/>
+              <a:off x="6245817" y="4712007"/>
               <a:ext cx="63202" cy="63202"/>
             </a:xfrm>
             <a:custGeom>
@@ -18708,7 +18708,7 @@
           </p:nvSpPr>
           <p:spPr>
             <a:xfrm>
-              <a:off x="6858823" y="4883747"/>
+              <a:off x="6667596" y="4883747"/>
               <a:ext cx="63202" cy="63202"/>
             </a:xfrm>
             <a:custGeom>
@@ -18751,7 +18751,7 @@
           </p:nvSpPr>
           <p:spPr>
             <a:xfrm>
-              <a:off x="6527469" y="4589642"/>
+              <a:off x="6378014" y="4589677"/>
               <a:ext cx="63202" cy="63202"/>
             </a:xfrm>
             <a:custGeom>
@@ -18794,7 +18794,7 @@
           </p:nvSpPr>
           <p:spPr>
             <a:xfrm>
-              <a:off x="6354716" y="4854340"/>
+              <a:off x="6357976" y="4854366"/>
               <a:ext cx="63202" cy="63202"/>
             </a:xfrm>
             <a:custGeom>
@@ -18893,7 +18893,7 @@
           </p:nvSpPr>
           <p:spPr>
             <a:xfrm>
-              <a:off x="4325757" y="6749006"/>
+              <a:off x="4325757" y="6749055"/>
               <a:ext cx="2796732" cy="0"/>
             </a:xfrm>
             <a:custGeom>
@@ -18936,7 +18936,7 @@
           </p:nvSpPr>
           <p:spPr>
             <a:xfrm>
-              <a:off x="4325757" y="6409567"/>
+              <a:off x="4325757" y="6409607"/>
               <a:ext cx="2796732" cy="0"/>
             </a:xfrm>
             <a:custGeom>
@@ -18979,7 +18979,7 @@
           </p:nvSpPr>
           <p:spPr>
             <a:xfrm>
-              <a:off x="4325757" y="6070129"/>
+              <a:off x="4325757" y="6070159"/>
               <a:ext cx="2796732" cy="0"/>
             </a:xfrm>
             <a:custGeom>
@@ -19022,7 +19022,7 @@
           </p:nvSpPr>
           <p:spPr>
             <a:xfrm>
-              <a:off x="4325757" y="5730691"/>
+              <a:off x="4325757" y="5730711"/>
               <a:ext cx="2796732" cy="0"/>
             </a:xfrm>
             <a:custGeom>
@@ -19065,7 +19065,7 @@
           </p:nvSpPr>
           <p:spPr>
             <a:xfrm>
-              <a:off x="4325757" y="5391253"/>
+              <a:off x="4325757" y="5391263"/>
               <a:ext cx="2796732" cy="0"/>
             </a:xfrm>
             <a:custGeom>
@@ -19108,7 +19108,7 @@
           </p:nvSpPr>
           <p:spPr>
             <a:xfrm>
-              <a:off x="4325757" y="6579287"/>
+              <a:off x="4325757" y="6579331"/>
               <a:ext cx="2796732" cy="0"/>
             </a:xfrm>
             <a:custGeom>
@@ -19151,7 +19151,7 @@
           </p:nvSpPr>
           <p:spPr>
             <a:xfrm>
-              <a:off x="4325757" y="6239848"/>
+              <a:off x="4325757" y="6239883"/>
               <a:ext cx="2796732" cy="0"/>
             </a:xfrm>
             <a:custGeom>
@@ -19194,7 +19194,7 @@
           </p:nvSpPr>
           <p:spPr>
             <a:xfrm>
-              <a:off x="4325757" y="5900410"/>
+              <a:off x="4325757" y="5900435"/>
               <a:ext cx="2796732" cy="0"/>
             </a:xfrm>
             <a:custGeom>
@@ -19237,7 +19237,7 @@
           </p:nvSpPr>
           <p:spPr>
             <a:xfrm>
-              <a:off x="4325757" y="5560972"/>
+              <a:off x="4325757" y="5560987"/>
               <a:ext cx="2796732" cy="0"/>
             </a:xfrm>
             <a:custGeom>
@@ -19409,7 +19409,7 @@
           </p:nvSpPr>
           <p:spPr>
             <a:xfrm>
-              <a:off x="4815475" y="5434578"/>
+              <a:off x="4517846" y="5434614"/>
               <a:ext cx="63202" cy="63202"/>
             </a:xfrm>
             <a:custGeom>
@@ -19452,7 +19452,7 @@
           </p:nvSpPr>
           <p:spPr>
             <a:xfrm>
-              <a:off x="5110159" y="5397993"/>
+              <a:off x="4553102" y="5398025"/>
               <a:ext cx="63202" cy="63202"/>
             </a:xfrm>
             <a:custGeom>
@@ -19495,7 +19495,7 @@
           </p:nvSpPr>
           <p:spPr>
             <a:xfrm>
-              <a:off x="5040517" y="5484049"/>
+              <a:off x="5145555" y="5484054"/>
               <a:ext cx="63202" cy="63202"/>
             </a:xfrm>
             <a:custGeom>
@@ -19538,7 +19538,7 @@
           </p:nvSpPr>
           <p:spPr>
             <a:xfrm>
-              <a:off x="4831319" y="5317369"/>
+              <a:off x="4901374" y="5317369"/>
               <a:ext cx="63202" cy="63202"/>
             </a:xfrm>
             <a:custGeom>
@@ -19581,7 +19581,7 @@
           </p:nvSpPr>
           <p:spPr>
             <a:xfrm>
-              <a:off x="4600291" y="5398832"/>
+              <a:off x="4810146" y="5398823"/>
               <a:ext cx="63202" cy="63202"/>
             </a:xfrm>
             <a:custGeom>
@@ -19624,7 +19624,7 @@
           </p:nvSpPr>
           <p:spPr>
             <a:xfrm>
-              <a:off x="4739654" y="5422022"/>
+              <a:off x="5049973" y="5422049"/>
               <a:ext cx="63202" cy="63202"/>
             </a:xfrm>
             <a:custGeom>
@@ -19667,7 +19667,7 @@
           </p:nvSpPr>
           <p:spPr>
             <a:xfrm>
-              <a:off x="4857045" y="5395851"/>
+              <a:off x="4542291" y="5395825"/>
               <a:ext cx="63202" cy="63202"/>
             </a:xfrm>
             <a:custGeom>
@@ -19710,7 +19710,7 @@
           </p:nvSpPr>
           <p:spPr>
             <a:xfrm>
-              <a:off x="4777996" y="5498634"/>
+              <a:off x="5046905" y="5498643"/>
               <a:ext cx="63202" cy="63202"/>
             </a:xfrm>
             <a:custGeom>
@@ -19753,7 +19753,7 @@
           </p:nvSpPr>
           <p:spPr>
             <a:xfrm>
-              <a:off x="5130340" y="5735197"/>
+              <a:off x="5065860" y="5735216"/>
               <a:ext cx="63202" cy="63202"/>
             </a:xfrm>
             <a:custGeom>
@@ -19796,7 +19796,7 @@
           </p:nvSpPr>
           <p:spPr>
             <a:xfrm>
-              <a:off x="4730092" y="5483832"/>
+              <a:off x="4481568" y="5483820"/>
               <a:ext cx="63202" cy="63202"/>
             </a:xfrm>
             <a:custGeom>
@@ -19839,7 +19839,7 @@
           </p:nvSpPr>
           <p:spPr>
             <a:xfrm>
-              <a:off x="4895208" y="5493711"/>
+              <a:off x="4694142" y="5493757"/>
               <a:ext cx="63202" cy="63202"/>
             </a:xfrm>
             <a:custGeom>
@@ -19882,7 +19882,7 @@
           </p:nvSpPr>
           <p:spPr>
             <a:xfrm>
-              <a:off x="4573611" y="5719311"/>
+              <a:off x="4956385" y="5719316"/>
               <a:ext cx="63202" cy="63202"/>
             </a:xfrm>
             <a:custGeom>
@@ -19925,7 +19925,7 @@
           </p:nvSpPr>
           <p:spPr>
             <a:xfrm>
-              <a:off x="4899066" y="5721631"/>
+              <a:off x="5156593" y="5721638"/>
               <a:ext cx="63202" cy="63202"/>
             </a:xfrm>
             <a:custGeom>
@@ -19968,7 +19968,7 @@
           </p:nvSpPr>
           <p:spPr>
             <a:xfrm>
-              <a:off x="4680075" y="5449057"/>
+              <a:off x="4897543" y="5449087"/>
               <a:ext cx="63202" cy="63202"/>
             </a:xfrm>
             <a:custGeom>
@@ -20011,7 +20011,7 @@
           </p:nvSpPr>
           <p:spPr>
             <a:xfrm>
-              <a:off x="4965996" y="5494658"/>
+              <a:off x="4670900" y="5494716"/>
               <a:ext cx="63202" cy="63202"/>
             </a:xfrm>
             <a:custGeom>
@@ -20054,7 +20054,7 @@
           </p:nvSpPr>
           <p:spPr>
             <a:xfrm>
-              <a:off x="5145149" y="5371786"/>
+              <a:off x="4580422" y="5371826"/>
               <a:ext cx="63202" cy="63202"/>
             </a:xfrm>
             <a:custGeom>
@@ -20097,7 +20097,7 @@
           </p:nvSpPr>
           <p:spPr>
             <a:xfrm>
-              <a:off x="4836550" y="5467461"/>
+              <a:off x="4809422" y="5467456"/>
               <a:ext cx="63202" cy="63202"/>
             </a:xfrm>
             <a:custGeom>
@@ -20140,7 +20140,7 @@
           </p:nvSpPr>
           <p:spPr>
             <a:xfrm>
-              <a:off x="4649535" y="5389302"/>
+              <a:off x="4589874" y="5389314"/>
               <a:ext cx="63202" cy="63202"/>
             </a:xfrm>
             <a:custGeom>
@@ -20183,7 +20183,7 @@
           </p:nvSpPr>
           <p:spPr>
             <a:xfrm>
-              <a:off x="5039805" y="5429905"/>
+              <a:off x="4693835" y="5429915"/>
               <a:ext cx="63202" cy="63202"/>
             </a:xfrm>
             <a:custGeom>
@@ -20226,7 +20226,7 @@
           </p:nvSpPr>
           <p:spPr>
             <a:xfrm>
-              <a:off x="4674943" y="5367511"/>
+              <a:off x="5155833" y="5367547"/>
               <a:ext cx="63202" cy="63202"/>
             </a:xfrm>
             <a:custGeom>
@@ -20269,7 +20269,7 @@
           </p:nvSpPr>
           <p:spPr>
             <a:xfrm>
-              <a:off x="4807103" y="5893230"/>
+              <a:off x="4999622" y="5893260"/>
               <a:ext cx="63202" cy="63202"/>
             </a:xfrm>
             <a:custGeom>
@@ -20312,7 +20312,7 @@
           </p:nvSpPr>
           <p:spPr>
             <a:xfrm>
-              <a:off x="5140481" y="5428342"/>
+              <a:off x="5018249" y="5428373"/>
               <a:ext cx="63202" cy="63202"/>
             </a:xfrm>
             <a:custGeom>
@@ -20355,7 +20355,7 @@
           </p:nvSpPr>
           <p:spPr>
             <a:xfrm>
-              <a:off x="4509415" y="5424729"/>
+              <a:off x="4848508" y="5424787"/>
               <a:ext cx="63202" cy="63202"/>
             </a:xfrm>
             <a:custGeom>
@@ -20398,7 +20398,7 @@
           </p:nvSpPr>
           <p:spPr>
             <a:xfrm>
-              <a:off x="4941963" y="5381597"/>
+              <a:off x="4843722" y="5381580"/>
               <a:ext cx="63202" cy="63202"/>
             </a:xfrm>
             <a:custGeom>
@@ -20441,7 +20441,7 @@
           </p:nvSpPr>
           <p:spPr>
             <a:xfrm>
-              <a:off x="4929677" y="5395289"/>
+              <a:off x="4535724" y="5395288"/>
               <a:ext cx="63202" cy="63202"/>
             </a:xfrm>
             <a:custGeom>
@@ -20484,7 +20484,7 @@
           </p:nvSpPr>
           <p:spPr>
             <a:xfrm>
-              <a:off x="5130343" y="5423328"/>
+              <a:off x="4633491" y="5423323"/>
               <a:ext cx="63202" cy="63202"/>
             </a:xfrm>
             <a:custGeom>
@@ -20527,7 +20527,7 @@
           </p:nvSpPr>
           <p:spPr>
             <a:xfrm>
-              <a:off x="4703981" y="5421771"/>
+              <a:off x="4731592" y="5421771"/>
               <a:ext cx="63202" cy="63202"/>
             </a:xfrm>
             <a:custGeom>
@@ -20570,7 +20570,7 @@
           </p:nvSpPr>
           <p:spPr>
             <a:xfrm>
-              <a:off x="4618859" y="5397896"/>
+              <a:off x="4915699" y="5397867"/>
               <a:ext cx="63202" cy="63202"/>
             </a:xfrm>
             <a:custGeom>
@@ -20613,7 +20613,7 @@
           </p:nvSpPr>
           <p:spPr>
             <a:xfrm>
-              <a:off x="5075786" y="5483290"/>
+              <a:off x="4624880" y="5483295"/>
               <a:ext cx="63202" cy="63202"/>
             </a:xfrm>
             <a:custGeom>
@@ -20656,7 +20656,7 @@
           </p:nvSpPr>
           <p:spPr>
             <a:xfrm>
-              <a:off x="4535589" y="5451188"/>
+              <a:off x="4942820" y="5451175"/>
               <a:ext cx="63202" cy="63202"/>
             </a:xfrm>
             <a:custGeom>
@@ -20699,7 +20699,7 @@
           </p:nvSpPr>
           <p:spPr>
             <a:xfrm>
-              <a:off x="4893085" y="5432895"/>
+              <a:off x="4769752" y="5432939"/>
               <a:ext cx="63202" cy="63202"/>
             </a:xfrm>
             <a:custGeom>
@@ -20742,7 +20742,7 @@
           </p:nvSpPr>
           <p:spPr>
             <a:xfrm>
-              <a:off x="4757224" y="5381570"/>
+              <a:off x="4623121" y="5381579"/>
               <a:ext cx="63202" cy="63202"/>
             </a:xfrm>
             <a:custGeom>
@@ -20785,7 +20785,7 @@
           </p:nvSpPr>
           <p:spPr>
             <a:xfrm>
-              <a:off x="4974037" y="5395773"/>
+              <a:off x="4528177" y="5395804"/>
               <a:ext cx="63202" cy="63202"/>
             </a:xfrm>
             <a:custGeom>
@@ -20828,7 +20828,7 @@
           </p:nvSpPr>
           <p:spPr>
             <a:xfrm>
-              <a:off x="5044784" y="5395827"/>
+              <a:off x="4902797" y="5395840"/>
               <a:ext cx="63202" cy="63202"/>
             </a:xfrm>
             <a:custGeom>
@@ -20871,7 +20871,7 @@
           </p:nvSpPr>
           <p:spPr>
             <a:xfrm>
-              <a:off x="4519159" y="5433104"/>
+              <a:off x="4686686" y="5433109"/>
               <a:ext cx="63202" cy="63202"/>
             </a:xfrm>
             <a:custGeom>
@@ -20914,7 +20914,7 @@
           </p:nvSpPr>
           <p:spPr>
             <a:xfrm>
-              <a:off x="4774297" y="5434403"/>
+              <a:off x="4892664" y="5434428"/>
               <a:ext cx="63202" cy="63202"/>
             </a:xfrm>
             <a:custGeom>
@@ -20957,7 +20957,7 @@
           </p:nvSpPr>
           <p:spPr>
             <a:xfrm>
-              <a:off x="4984112" y="5633823"/>
+              <a:off x="5118140" y="5633860"/>
               <a:ext cx="63202" cy="63202"/>
             </a:xfrm>
             <a:custGeom>
@@ -21000,7 +21000,7 @@
           </p:nvSpPr>
           <p:spPr>
             <a:xfrm>
-              <a:off x="5083777" y="5386144"/>
+              <a:off x="5090778" y="5386161"/>
               <a:ext cx="63202" cy="63202"/>
             </a:xfrm>
             <a:custGeom>
@@ -21043,7 +21043,7 @@
           </p:nvSpPr>
           <p:spPr>
             <a:xfrm>
-              <a:off x="4786324" y="5437435"/>
+              <a:off x="4926548" y="5437471"/>
               <a:ext cx="63202" cy="63202"/>
             </a:xfrm>
             <a:custGeom>
@@ -21086,7 +21086,7 @@
           </p:nvSpPr>
           <p:spPr>
             <a:xfrm>
-              <a:off x="4596649" y="5475968"/>
+              <a:off x="4536678" y="5475957"/>
               <a:ext cx="63202" cy="63202"/>
             </a:xfrm>
             <a:custGeom>
@@ -21129,7 +21129,7 @@
           </p:nvSpPr>
           <p:spPr>
             <a:xfrm>
-              <a:off x="4639586" y="5392416"/>
+              <a:off x="4486088" y="5392476"/>
               <a:ext cx="63202" cy="63202"/>
             </a:xfrm>
             <a:custGeom>
@@ -21172,7 +21172,7 @@
           </p:nvSpPr>
           <p:spPr>
             <a:xfrm>
-              <a:off x="4857635" y="5417534"/>
+              <a:off x="4562742" y="5417574"/>
               <a:ext cx="63202" cy="63202"/>
             </a:xfrm>
             <a:custGeom>
@@ -21215,7 +21215,7 @@
           </p:nvSpPr>
           <p:spPr>
             <a:xfrm>
-              <a:off x="4883850" y="5877642"/>
+              <a:off x="4527680" y="5877686"/>
               <a:ext cx="63202" cy="63202"/>
             </a:xfrm>
             <a:custGeom>
@@ -21258,7 +21258,7 @@
           </p:nvSpPr>
           <p:spPr>
             <a:xfrm>
-              <a:off x="4579593" y="5433948"/>
+              <a:off x="4500194" y="5433933"/>
               <a:ext cx="63202" cy="63202"/>
             </a:xfrm>
             <a:custGeom>
@@ -21301,7 +21301,7 @@
           </p:nvSpPr>
           <p:spPr>
             <a:xfrm>
-              <a:off x="5094270" y="5622702"/>
+              <a:off x="4833194" y="5622708"/>
               <a:ext cx="63202" cy="63202"/>
             </a:xfrm>
             <a:custGeom>
@@ -21344,7 +21344,7 @@
           </p:nvSpPr>
           <p:spPr>
             <a:xfrm>
-              <a:off x="4978926" y="5395616"/>
+              <a:off x="5162293" y="5395660"/>
               <a:ext cx="63202" cy="63202"/>
             </a:xfrm>
             <a:custGeom>
@@ -21387,7 +21387,7 @@
           </p:nvSpPr>
           <p:spPr>
             <a:xfrm>
-              <a:off x="4852026" y="5605198"/>
+              <a:off x="5093620" y="5605227"/>
               <a:ext cx="63202" cy="63202"/>
             </a:xfrm>
             <a:custGeom>
@@ -21430,7 +21430,7 @@
           </p:nvSpPr>
           <p:spPr>
             <a:xfrm>
-              <a:off x="4914385" y="5399829"/>
+              <a:off x="5143747" y="5399831"/>
               <a:ext cx="63202" cy="63202"/>
             </a:xfrm>
             <a:custGeom>
@@ -21473,7 +21473,7 @@
           </p:nvSpPr>
           <p:spPr>
             <a:xfrm>
-              <a:off x="4952827" y="5447201"/>
+              <a:off x="5045679" y="5447248"/>
               <a:ext cx="63202" cy="63202"/>
             </a:xfrm>
             <a:custGeom>
@@ -21516,7 +21516,7 @@
           </p:nvSpPr>
           <p:spPr>
             <a:xfrm>
-              <a:off x="4627022" y="5412415"/>
+              <a:off x="4656143" y="5412397"/>
               <a:ext cx="63202" cy="63202"/>
             </a:xfrm>
             <a:custGeom>
@@ -21559,7 +21559,7 @@
           </p:nvSpPr>
           <p:spPr>
             <a:xfrm>
-              <a:off x="4898747" y="5508479"/>
+              <a:off x="5105252" y="5508488"/>
               <a:ext cx="63202" cy="63202"/>
             </a:xfrm>
             <a:custGeom>
@@ -21602,7 +21602,7 @@
           </p:nvSpPr>
           <p:spPr>
             <a:xfrm>
-              <a:off x="4484534" y="5447960"/>
+              <a:off x="4591014" y="5447995"/>
               <a:ext cx="63202" cy="63202"/>
             </a:xfrm>
             <a:custGeom>
@@ -21645,7 +21645,7 @@
           </p:nvSpPr>
           <p:spPr>
             <a:xfrm>
-              <a:off x="4654107" y="5837155"/>
+              <a:off x="4673299" y="5837218"/>
               <a:ext cx="63202" cy="63202"/>
             </a:xfrm>
             <a:custGeom>
@@ -21688,7 +21688,7 @@
           </p:nvSpPr>
           <p:spPr>
             <a:xfrm>
-              <a:off x="4857899" y="5759868"/>
+              <a:off x="4839562" y="5759871"/>
               <a:ext cx="63202" cy="63202"/>
             </a:xfrm>
             <a:custGeom>
@@ -21731,7 +21731,7 @@
           </p:nvSpPr>
           <p:spPr>
             <a:xfrm>
-              <a:off x="4628942" y="5393712"/>
+              <a:off x="4926673" y="5393740"/>
               <a:ext cx="63202" cy="63202"/>
             </a:xfrm>
             <a:custGeom>
@@ -21774,7 +21774,7 @@
           </p:nvSpPr>
           <p:spPr>
             <a:xfrm>
-              <a:off x="5101336" y="5478953"/>
+              <a:off x="4552309" y="5478932"/>
               <a:ext cx="63202" cy="63202"/>
             </a:xfrm>
             <a:custGeom>
@@ -21817,7 +21817,7 @@
           </p:nvSpPr>
           <p:spPr>
             <a:xfrm>
-              <a:off x="4547748" y="5587145"/>
+              <a:off x="4892502" y="5587164"/>
               <a:ext cx="63202" cy="63202"/>
             </a:xfrm>
             <a:custGeom>
@@ -21860,7 +21860,7 @@
           </p:nvSpPr>
           <p:spPr>
             <a:xfrm>
-              <a:off x="4480114" y="5404451"/>
+              <a:off x="4880128" y="5404446"/>
               <a:ext cx="63202" cy="63202"/>
             </a:xfrm>
             <a:custGeom>
@@ -21903,7 +21903,7 @@
           </p:nvSpPr>
           <p:spPr>
             <a:xfrm>
-              <a:off x="4942772" y="5387700"/>
+              <a:off x="4950468" y="5387713"/>
               <a:ext cx="63202" cy="63202"/>
             </a:xfrm>
             <a:custGeom>
@@ -21946,7 +21946,7 @@
           </p:nvSpPr>
           <p:spPr>
             <a:xfrm>
-              <a:off x="4865990" y="5486377"/>
+              <a:off x="4630075" y="5486418"/>
               <a:ext cx="63202" cy="63202"/>
             </a:xfrm>
             <a:custGeom>
@@ -21989,7 +21989,7 @@
           </p:nvSpPr>
           <p:spPr>
             <a:xfrm>
-              <a:off x="5076251" y="5487152"/>
+              <a:off x="5070842" y="5487166"/>
               <a:ext cx="63202" cy="63202"/>
             </a:xfrm>
             <a:custGeom>
@@ -22032,7 +22032,7 @@
           </p:nvSpPr>
           <p:spPr>
             <a:xfrm>
-              <a:off x="4708411" y="5496833"/>
+              <a:off x="4567217" y="5496879"/>
               <a:ext cx="63202" cy="63202"/>
             </a:xfrm>
             <a:custGeom>
@@ -22075,7 +22075,7 @@
           </p:nvSpPr>
           <p:spPr>
             <a:xfrm>
-              <a:off x="4989725" y="5890762"/>
+              <a:off x="4634966" y="5890746"/>
               <a:ext cx="63202" cy="63202"/>
             </a:xfrm>
             <a:custGeom>
@@ -22118,7 +22118,7 @@
           </p:nvSpPr>
           <p:spPr>
             <a:xfrm>
-              <a:off x="4674388" y="5399917"/>
+              <a:off x="4817864" y="5399920"/>
               <a:ext cx="63202" cy="63202"/>
             </a:xfrm>
             <a:custGeom>
@@ -22161,7 +22161,7 @@
           </p:nvSpPr>
           <p:spPr>
             <a:xfrm>
-              <a:off x="4655696" y="5417236"/>
+              <a:off x="4490100" y="5417244"/>
               <a:ext cx="63202" cy="63202"/>
             </a:xfrm>
             <a:custGeom>
@@ -22204,7 +22204,7 @@
           </p:nvSpPr>
           <p:spPr>
             <a:xfrm>
-              <a:off x="4531992" y="5496655"/>
+              <a:off x="4500736" y="5496677"/>
               <a:ext cx="63202" cy="63202"/>
             </a:xfrm>
             <a:custGeom>
@@ -22247,7 +22247,7 @@
           </p:nvSpPr>
           <p:spPr>
             <a:xfrm>
-              <a:off x="5049658" y="5410854"/>
+              <a:off x="4815296" y="5410852"/>
               <a:ext cx="63202" cy="63202"/>
             </a:xfrm>
             <a:custGeom>
@@ -22290,7 +22290,7 @@
           </p:nvSpPr>
           <p:spPr>
             <a:xfrm>
-              <a:off x="4704386" y="5407665"/>
+              <a:off x="4849485" y="5407658"/>
               <a:ext cx="63202" cy="63202"/>
             </a:xfrm>
             <a:custGeom>
@@ -22333,7 +22333,7 @@
           </p:nvSpPr>
           <p:spPr>
             <a:xfrm>
-              <a:off x="4676358" y="5753019"/>
+              <a:off x="4864213" y="5753003"/>
               <a:ext cx="63202" cy="63202"/>
             </a:xfrm>
             <a:custGeom>
@@ -22376,7 +22376,7 @@
           </p:nvSpPr>
           <p:spPr>
             <a:xfrm>
-              <a:off x="4595775" y="5387867"/>
+              <a:off x="4784231" y="5387902"/>
               <a:ext cx="63202" cy="63202"/>
             </a:xfrm>
             <a:custGeom>
@@ -22419,7 +22419,7 @@
           </p:nvSpPr>
           <p:spPr>
             <a:xfrm>
-              <a:off x="4985670" y="5391770"/>
+              <a:off x="4807107" y="5391760"/>
               <a:ext cx="63202" cy="63202"/>
             </a:xfrm>
             <a:custGeom>
@@ -22462,7 +22462,7 @@
           </p:nvSpPr>
           <p:spPr>
             <a:xfrm>
-              <a:off x="4535946" y="5376769"/>
+              <a:off x="4854046" y="5376796"/>
               <a:ext cx="63202" cy="63202"/>
             </a:xfrm>
             <a:custGeom>
@@ -22505,7 +22505,7 @@
           </p:nvSpPr>
           <p:spPr>
             <a:xfrm>
-              <a:off x="4704560" y="5761701"/>
+              <a:off x="4604573" y="5761702"/>
               <a:ext cx="63202" cy="63202"/>
             </a:xfrm>
             <a:custGeom>
@@ -22548,7 +22548,7 @@
           </p:nvSpPr>
           <p:spPr>
             <a:xfrm>
-              <a:off x="4912373" y="5397606"/>
+              <a:off x="4928011" y="5397590"/>
               <a:ext cx="63202" cy="63202"/>
             </a:xfrm>
             <a:custGeom>
@@ -22591,7 +22591,7 @@
           </p:nvSpPr>
           <p:spPr>
             <a:xfrm>
-              <a:off x="4553546" y="5403902"/>
+              <a:off x="4976849" y="5403925"/>
               <a:ext cx="63202" cy="63202"/>
             </a:xfrm>
             <a:custGeom>
@@ -22634,7 +22634,7 @@
           </p:nvSpPr>
           <p:spPr>
             <a:xfrm>
-              <a:off x="4744181" y="5605223"/>
+              <a:off x="4505252" y="5605202"/>
               <a:ext cx="63202" cy="63202"/>
             </a:xfrm>
             <a:custGeom>
@@ -22677,7 +22677,7 @@
           </p:nvSpPr>
           <p:spPr>
             <a:xfrm>
-              <a:off x="4858417" y="5496295"/>
+              <a:off x="4537856" y="5496317"/>
               <a:ext cx="63202" cy="63202"/>
             </a:xfrm>
             <a:custGeom>
@@ -22720,7 +22720,7 @@
           </p:nvSpPr>
           <p:spPr>
             <a:xfrm>
-              <a:off x="4917608" y="5490941"/>
+              <a:off x="4768577" y="5490950"/>
               <a:ext cx="63202" cy="63202"/>
             </a:xfrm>
             <a:custGeom>
@@ -22763,7 +22763,7 @@
           </p:nvSpPr>
           <p:spPr>
             <a:xfrm>
-              <a:off x="4935279" y="5405877"/>
+              <a:off x="4588029" y="5405917"/>
               <a:ext cx="63202" cy="63202"/>
             </a:xfrm>
             <a:custGeom>
@@ -22806,7 +22806,7 @@
           </p:nvSpPr>
           <p:spPr>
             <a:xfrm>
-              <a:off x="4924352" y="5406517"/>
+              <a:off x="4542358" y="5406502"/>
               <a:ext cx="63202" cy="63202"/>
             </a:xfrm>
             <a:custGeom>
@@ -22849,7 +22849,7 @@
           </p:nvSpPr>
           <p:spPr>
             <a:xfrm>
-              <a:off x="4689639" y="5437228"/>
+              <a:off x="5072928" y="5437253"/>
               <a:ext cx="63202" cy="63202"/>
             </a:xfrm>
             <a:custGeom>
@@ -22892,7 +22892,7 @@
           </p:nvSpPr>
           <p:spPr>
             <a:xfrm>
-              <a:off x="4993217" y="5792017"/>
+              <a:off x="4993586" y="5792050"/>
               <a:ext cx="63202" cy="63202"/>
             </a:xfrm>
             <a:custGeom>
@@ -22935,7 +22935,7 @@
           </p:nvSpPr>
           <p:spPr>
             <a:xfrm>
-              <a:off x="4987716" y="6077852"/>
+              <a:off x="4968483" y="6077850"/>
               <a:ext cx="63202" cy="63202"/>
             </a:xfrm>
             <a:custGeom>
@@ -22978,7 +22978,7 @@
           </p:nvSpPr>
           <p:spPr>
             <a:xfrm>
-              <a:off x="5143719" y="5436109"/>
+              <a:off x="4643605" y="5436086"/>
               <a:ext cx="63202" cy="63202"/>
             </a:xfrm>
             <a:custGeom>
@@ -23021,7 +23021,7 @@
           </p:nvSpPr>
           <p:spPr>
             <a:xfrm>
-              <a:off x="4874811" y="6616402"/>
+              <a:off x="4662788" y="6616426"/>
               <a:ext cx="63202" cy="63202"/>
             </a:xfrm>
             <a:custGeom>
@@ -23064,7 +23064,7 @@
           </p:nvSpPr>
           <p:spPr>
             <a:xfrm>
-              <a:off x="4760198" y="5509838"/>
+              <a:off x="4935539" y="5509851"/>
               <a:ext cx="63202" cy="63202"/>
             </a:xfrm>
             <a:custGeom>
@@ -23107,7 +23107,7 @@
           </p:nvSpPr>
           <p:spPr>
             <a:xfrm>
-              <a:off x="4803998" y="5445273"/>
+              <a:off x="4931303" y="5445280"/>
               <a:ext cx="63202" cy="63202"/>
             </a:xfrm>
             <a:custGeom>
@@ -23150,7 +23150,7 @@
           </p:nvSpPr>
           <p:spPr>
             <a:xfrm>
-              <a:off x="4720555" y="5383607"/>
+              <a:off x="4728657" y="5383601"/>
               <a:ext cx="63202" cy="63202"/>
             </a:xfrm>
             <a:custGeom>
@@ -23193,7 +23193,7 @@
           </p:nvSpPr>
           <p:spPr>
             <a:xfrm>
-              <a:off x="4963653" y="5529389"/>
+              <a:off x="5142161" y="5529387"/>
               <a:ext cx="63202" cy="63202"/>
             </a:xfrm>
             <a:custGeom>
@@ -23236,7 +23236,7 @@
           </p:nvSpPr>
           <p:spPr>
             <a:xfrm>
-              <a:off x="4638729" y="5403783"/>
+              <a:off x="5127261" y="5403795"/>
               <a:ext cx="63202" cy="63202"/>
             </a:xfrm>
             <a:custGeom>
@@ -23279,7 +23279,7 @@
           </p:nvSpPr>
           <p:spPr>
             <a:xfrm>
-              <a:off x="4927739" y="5483811"/>
+              <a:off x="4721516" y="5483818"/>
               <a:ext cx="63202" cy="63202"/>
             </a:xfrm>
             <a:custGeom>
@@ -23322,7 +23322,7 @@
           </p:nvSpPr>
           <p:spPr>
             <a:xfrm>
-              <a:off x="4661635" y="5497143"/>
+              <a:off x="5022735" y="5497148"/>
               <a:ext cx="63202" cy="63202"/>
             </a:xfrm>
             <a:custGeom>
@@ -23365,7 +23365,7 @@
           </p:nvSpPr>
           <p:spPr>
             <a:xfrm>
-              <a:off x="4734712" y="5521201"/>
+              <a:off x="4883439" y="5521241"/>
               <a:ext cx="63202" cy="63202"/>
             </a:xfrm>
             <a:custGeom>
@@ -23408,7 +23408,7 @@
           </p:nvSpPr>
           <p:spPr>
             <a:xfrm>
-              <a:off x="4782436" y="5411025"/>
+              <a:off x="5146658" y="5411078"/>
               <a:ext cx="63202" cy="63202"/>
             </a:xfrm>
             <a:custGeom>
@@ -23451,7 +23451,7 @@
           </p:nvSpPr>
           <p:spPr>
             <a:xfrm>
-              <a:off x="4781365" y="5418250"/>
+              <a:off x="4621658" y="5418259"/>
               <a:ext cx="63202" cy="63202"/>
             </a:xfrm>
             <a:custGeom>
@@ -23494,7 +23494,7 @@
           </p:nvSpPr>
           <p:spPr>
             <a:xfrm>
-              <a:off x="4503341" y="5788147"/>
+              <a:off x="4799756" y="5788204"/>
               <a:ext cx="63202" cy="63202"/>
             </a:xfrm>
             <a:custGeom>
@@ -23537,7 +23537,7 @@
           </p:nvSpPr>
           <p:spPr>
             <a:xfrm>
-              <a:off x="4483243" y="5392438"/>
+              <a:off x="4930129" y="5392453"/>
               <a:ext cx="63202" cy="63202"/>
             </a:xfrm>
             <a:custGeom>
@@ -23580,7 +23580,7 @@
           </p:nvSpPr>
           <p:spPr>
             <a:xfrm>
-              <a:off x="4777255" y="5796376"/>
+              <a:off x="5127953" y="5796378"/>
               <a:ext cx="63202" cy="63202"/>
             </a:xfrm>
             <a:custGeom>
@@ -23623,7 +23623,7 @@
           </p:nvSpPr>
           <p:spPr>
             <a:xfrm>
-              <a:off x="4652968" y="5462620"/>
+              <a:off x="4672346" y="5462638"/>
               <a:ext cx="63202" cy="63202"/>
             </a:xfrm>
             <a:custGeom>
@@ -23666,7 +23666,7 @@
           </p:nvSpPr>
           <p:spPr>
             <a:xfrm>
-              <a:off x="4632529" y="5859868"/>
+              <a:off x="4687486" y="5859887"/>
               <a:ext cx="63202" cy="63202"/>
             </a:xfrm>
             <a:custGeom>
@@ -23709,7 +23709,7 @@
           </p:nvSpPr>
           <p:spPr>
             <a:xfrm>
-              <a:off x="4613713" y="5480226"/>
+              <a:off x="4940799" y="5480260"/>
               <a:ext cx="63202" cy="63202"/>
             </a:xfrm>
             <a:custGeom>
@@ -23752,7 +23752,7 @@
           </p:nvSpPr>
           <p:spPr>
             <a:xfrm>
-              <a:off x="5071463" y="5481352"/>
+              <a:off x="4797405" y="5481365"/>
               <a:ext cx="63202" cy="63202"/>
             </a:xfrm>
             <a:custGeom>
@@ -23795,7 +23795,7 @@
           </p:nvSpPr>
           <p:spPr>
             <a:xfrm>
-              <a:off x="4721746" y="5706767"/>
+              <a:off x="4487411" y="5706791"/>
               <a:ext cx="63202" cy="63202"/>
             </a:xfrm>
             <a:custGeom>
@@ -23838,7 +23838,7 @@
           </p:nvSpPr>
           <p:spPr>
             <a:xfrm>
-              <a:off x="4857126" y="5406912"/>
+              <a:off x="4775115" y="5406923"/>
               <a:ext cx="63202" cy="63202"/>
             </a:xfrm>
             <a:custGeom>
@@ -23881,7 +23881,7 @@
           </p:nvSpPr>
           <p:spPr>
             <a:xfrm>
-              <a:off x="5068214" y="5381566"/>
+              <a:off x="4580913" y="5381575"/>
               <a:ext cx="63202" cy="63202"/>
             </a:xfrm>
             <a:custGeom>
@@ -23924,7 +23924,7 @@
           </p:nvSpPr>
           <p:spPr>
             <a:xfrm>
-              <a:off x="4868807" y="5727802"/>
+              <a:off x="4674946" y="5727804"/>
               <a:ext cx="63202" cy="63202"/>
             </a:xfrm>
             <a:custGeom>
@@ -23967,7 +23967,7 @@
           </p:nvSpPr>
           <p:spPr>
             <a:xfrm>
-              <a:off x="4879547" y="5403044"/>
+              <a:off x="5025620" y="5403063"/>
               <a:ext cx="63202" cy="63202"/>
             </a:xfrm>
             <a:custGeom>
@@ -24010,7 +24010,7 @@
           </p:nvSpPr>
           <p:spPr>
             <a:xfrm>
-              <a:off x="4496574" y="5503797"/>
+              <a:off x="4855036" y="5503779"/>
               <a:ext cx="63202" cy="63202"/>
             </a:xfrm>
             <a:custGeom>
@@ -24053,7 +24053,7 @@
           </p:nvSpPr>
           <p:spPr>
             <a:xfrm>
-              <a:off x="4647641" y="5401603"/>
+              <a:off x="4893040" y="5401636"/>
               <a:ext cx="63202" cy="63202"/>
             </a:xfrm>
             <a:custGeom>
@@ -24096,7 +24096,7 @@
           </p:nvSpPr>
           <p:spPr>
             <a:xfrm>
-              <a:off x="4795949" y="5375243"/>
+              <a:off x="5005498" y="5375286"/>
               <a:ext cx="63202" cy="63202"/>
             </a:xfrm>
             <a:custGeom>
@@ -24139,7 +24139,7 @@
           </p:nvSpPr>
           <p:spPr>
             <a:xfrm>
-              <a:off x="4797619" y="5373313"/>
+              <a:off x="4647686" y="5373317"/>
               <a:ext cx="63202" cy="63202"/>
             </a:xfrm>
             <a:custGeom>
@@ -24182,7 +24182,7 @@
           </p:nvSpPr>
           <p:spPr>
             <a:xfrm>
-              <a:off x="4870840" y="5373270"/>
+              <a:off x="4756597" y="5373289"/>
               <a:ext cx="63202" cy="63202"/>
             </a:xfrm>
             <a:custGeom>
@@ -24225,7 +24225,7 @@
           </p:nvSpPr>
           <p:spPr>
             <a:xfrm>
-              <a:off x="4741711" y="5385497"/>
+              <a:off x="5162584" y="5385519"/>
               <a:ext cx="63202" cy="63202"/>
             </a:xfrm>
             <a:custGeom>
@@ -24268,7 +24268,7 @@
           </p:nvSpPr>
           <p:spPr>
             <a:xfrm>
-              <a:off x="4941643" y="5424407"/>
+              <a:off x="4847469" y="5424425"/>
               <a:ext cx="63202" cy="63202"/>
             </a:xfrm>
             <a:custGeom>
@@ -24311,7 +24311,7 @@
           </p:nvSpPr>
           <p:spPr>
             <a:xfrm>
-              <a:off x="4882172" y="5462898"/>
+              <a:off x="4566970" y="5462910"/>
               <a:ext cx="63202" cy="63202"/>
             </a:xfrm>
             <a:custGeom>
@@ -24354,7 +24354,7 @@
           </p:nvSpPr>
           <p:spPr>
             <a:xfrm>
-              <a:off x="5071407" y="5398807"/>
+              <a:off x="5098466" y="5398858"/>
               <a:ext cx="63202" cy="63202"/>
             </a:xfrm>
             <a:custGeom>
@@ -24397,7 +24397,7 @@
           </p:nvSpPr>
           <p:spPr>
             <a:xfrm>
-              <a:off x="4494727" y="5517027"/>
+              <a:off x="4583925" y="5517053"/>
               <a:ext cx="63202" cy="63202"/>
             </a:xfrm>
             <a:custGeom>
@@ -24440,7 +24440,7 @@
           </p:nvSpPr>
           <p:spPr>
             <a:xfrm>
-              <a:off x="5085240" y="5736306"/>
+              <a:off x="4914975" y="5736303"/>
               <a:ext cx="63202" cy="63202"/>
             </a:xfrm>
             <a:custGeom>
@@ -24483,7 +24483,7 @@
           </p:nvSpPr>
           <p:spPr>
             <a:xfrm>
-              <a:off x="4831260" y="5646273"/>
+              <a:off x="4499623" y="5646294"/>
               <a:ext cx="63202" cy="63202"/>
             </a:xfrm>
             <a:custGeom>
@@ -24526,7 +24526,7 @@
           </p:nvSpPr>
           <p:spPr>
             <a:xfrm>
-              <a:off x="4896318" y="5451457"/>
+              <a:off x="4510885" y="5451458"/>
               <a:ext cx="63202" cy="63202"/>
             </a:xfrm>
             <a:custGeom>
@@ -24569,7 +24569,7 @@
           </p:nvSpPr>
           <p:spPr>
             <a:xfrm>
-              <a:off x="4530203" y="5428261"/>
+              <a:off x="4482105" y="5428308"/>
               <a:ext cx="63202" cy="63202"/>
             </a:xfrm>
             <a:custGeom>
@@ -24612,7 +24612,7 @@
           </p:nvSpPr>
           <p:spPr>
             <a:xfrm>
-              <a:off x="4777893" y="5862569"/>
+              <a:off x="4788941" y="5862572"/>
               <a:ext cx="63202" cy="63202"/>
             </a:xfrm>
             <a:custGeom>
@@ -24655,7 +24655,7 @@
           </p:nvSpPr>
           <p:spPr>
             <a:xfrm>
-              <a:off x="4842656" y="5789325"/>
+              <a:off x="4841350" y="5789332"/>
               <a:ext cx="63202" cy="63202"/>
             </a:xfrm>
             <a:custGeom>
@@ -24698,7 +24698,7 @@
           </p:nvSpPr>
           <p:spPr>
             <a:xfrm>
-              <a:off x="4560808" y="5431162"/>
+              <a:off x="4521927" y="5431144"/>
               <a:ext cx="63202" cy="63202"/>
             </a:xfrm>
             <a:custGeom>
@@ -24741,7 +24741,7 @@
           </p:nvSpPr>
           <p:spPr>
             <a:xfrm>
-              <a:off x="4920517" y="5401806"/>
+              <a:off x="4747038" y="5401839"/>
               <a:ext cx="63202" cy="63202"/>
             </a:xfrm>
             <a:custGeom>
@@ -24784,7 +24784,7 @@
           </p:nvSpPr>
           <p:spPr>
             <a:xfrm>
-              <a:off x="4808068" y="5502003"/>
+              <a:off x="4868165" y="5502010"/>
               <a:ext cx="63202" cy="63202"/>
             </a:xfrm>
             <a:custGeom>
@@ -24827,7 +24827,7 @@
           </p:nvSpPr>
           <p:spPr>
             <a:xfrm>
-              <a:off x="4792715" y="5437801"/>
+              <a:off x="4975539" y="5437786"/>
               <a:ext cx="63202" cy="63202"/>
             </a:xfrm>
             <a:custGeom>
@@ -24870,7 +24870,7 @@
           </p:nvSpPr>
           <p:spPr>
             <a:xfrm>
-              <a:off x="5061961" y="5386817"/>
+              <a:off x="4484992" y="5386837"/>
               <a:ext cx="63202" cy="63202"/>
             </a:xfrm>
             <a:custGeom>
@@ -24913,7 +24913,7 @@
           </p:nvSpPr>
           <p:spPr>
             <a:xfrm>
-              <a:off x="4690216" y="5395309"/>
+              <a:off x="4809565" y="5395295"/>
               <a:ext cx="63202" cy="63202"/>
             </a:xfrm>
             <a:custGeom>
@@ -24956,7 +24956,7 @@
           </p:nvSpPr>
           <p:spPr>
             <a:xfrm>
-              <a:off x="4656353" y="5413485"/>
+              <a:off x="4709949" y="5413477"/>
               <a:ext cx="63202" cy="63202"/>
             </a:xfrm>
             <a:custGeom>
@@ -24999,7 +24999,7 @@
           </p:nvSpPr>
           <p:spPr>
             <a:xfrm>
-              <a:off x="4863021" y="5723058"/>
+              <a:off x="5102346" y="5723050"/>
               <a:ext cx="63202" cy="63202"/>
             </a:xfrm>
             <a:custGeom>
@@ -25042,7 +25042,7 @@
           </p:nvSpPr>
           <p:spPr>
             <a:xfrm>
-              <a:off x="5144657" y="6106168"/>
+              <a:off x="4528917" y="6106155"/>
               <a:ext cx="63202" cy="63202"/>
             </a:xfrm>
             <a:custGeom>
@@ -25085,7 +25085,7 @@
           </p:nvSpPr>
           <p:spPr>
             <a:xfrm>
-              <a:off x="4618286" y="5655141"/>
+              <a:off x="5126134" y="5655164"/>
               <a:ext cx="63202" cy="63202"/>
             </a:xfrm>
             <a:custGeom>
@@ -25128,7 +25128,7 @@
           </p:nvSpPr>
           <p:spPr>
             <a:xfrm>
-              <a:off x="5073084" y="6133917"/>
+              <a:off x="5055087" y="6133930"/>
               <a:ext cx="63202" cy="63202"/>
             </a:xfrm>
             <a:custGeom>
@@ -25171,7 +25171,7 @@
           </p:nvSpPr>
           <p:spPr>
             <a:xfrm>
-              <a:off x="4773961" y="5713489"/>
+              <a:off x="4542270" y="5713513"/>
               <a:ext cx="63202" cy="63202"/>
             </a:xfrm>
             <a:custGeom>
@@ -25214,7 +25214,7 @@
           </p:nvSpPr>
           <p:spPr>
             <a:xfrm>
-              <a:off x="4852330" y="5414099"/>
+              <a:off x="4911991" y="5414103"/>
               <a:ext cx="63202" cy="63202"/>
             </a:xfrm>
             <a:custGeom>
@@ -25257,7 +25257,7 @@
           </p:nvSpPr>
           <p:spPr>
             <a:xfrm>
-              <a:off x="4683464" y="5700840"/>
+              <a:off x="4614732" y="5700887"/>
               <a:ext cx="63202" cy="63202"/>
             </a:xfrm>
             <a:custGeom>
@@ -25300,7 +25300,7 @@
           </p:nvSpPr>
           <p:spPr>
             <a:xfrm>
-              <a:off x="4836174" y="5717412"/>
+              <a:off x="4652074" y="5717424"/>
               <a:ext cx="63202" cy="63202"/>
             </a:xfrm>
             <a:custGeom>
@@ -25343,7 +25343,7 @@
           </p:nvSpPr>
           <p:spPr>
             <a:xfrm>
-              <a:off x="5107132" y="5810335"/>
+              <a:off x="4604553" y="5810391"/>
               <a:ext cx="63202" cy="63202"/>
             </a:xfrm>
             <a:custGeom>
@@ -25386,7 +25386,7 @@
           </p:nvSpPr>
           <p:spPr>
             <a:xfrm>
-              <a:off x="4561879" y="5718986"/>
+              <a:off x="4529195" y="5719003"/>
               <a:ext cx="63202" cy="63202"/>
             </a:xfrm>
             <a:custGeom>
@@ -25429,7 +25429,7 @@
           </p:nvSpPr>
           <p:spPr>
             <a:xfrm>
-              <a:off x="5104752" y="5466221"/>
+              <a:off x="4478166" y="5466259"/>
               <a:ext cx="63202" cy="63202"/>
             </a:xfrm>
             <a:custGeom>
@@ -25472,7 +25472,7 @@
           </p:nvSpPr>
           <p:spPr>
             <a:xfrm>
-              <a:off x="4794609" y="5606491"/>
+              <a:off x="4988837" y="5606503"/>
               <a:ext cx="63202" cy="63202"/>
             </a:xfrm>
             <a:custGeom>
@@ -25515,7 +25515,7 @@
           </p:nvSpPr>
           <p:spPr>
             <a:xfrm>
-              <a:off x="5162237" y="5483835"/>
+              <a:off x="4495431" y="5483856"/>
               <a:ext cx="63202" cy="63202"/>
             </a:xfrm>
             <a:custGeom>
@@ -25558,7 +25558,7 @@
           </p:nvSpPr>
           <p:spPr>
             <a:xfrm>
-              <a:off x="4844854" y="5769344"/>
+              <a:off x="4766705" y="5769388"/>
               <a:ext cx="63202" cy="63202"/>
             </a:xfrm>
             <a:custGeom>
@@ -25601,7 +25601,7 @@
           </p:nvSpPr>
           <p:spPr>
             <a:xfrm>
-              <a:off x="4718916" y="5562512"/>
+              <a:off x="5001119" y="5562534"/>
               <a:ext cx="63202" cy="63202"/>
             </a:xfrm>
             <a:custGeom>
@@ -25644,7 +25644,7 @@
           </p:nvSpPr>
           <p:spPr>
             <a:xfrm>
-              <a:off x="4782853" y="5774707"/>
+              <a:off x="4659958" y="5774749"/>
               <a:ext cx="63202" cy="63202"/>
             </a:xfrm>
             <a:custGeom>
@@ -25687,7 +25687,7 @@
           </p:nvSpPr>
           <p:spPr>
             <a:xfrm>
-              <a:off x="4952765" y="5716179"/>
+              <a:off x="4964987" y="5716237"/>
               <a:ext cx="63202" cy="63202"/>
             </a:xfrm>
             <a:custGeom>
@@ -25730,7 +25730,7 @@
           </p:nvSpPr>
           <p:spPr>
             <a:xfrm>
-              <a:off x="4534571" y="5597887"/>
+              <a:off x="5119411" y="5597905"/>
               <a:ext cx="63202" cy="63202"/>
             </a:xfrm>
             <a:custGeom>
@@ -25773,7 +25773,7 @@
           </p:nvSpPr>
           <p:spPr>
             <a:xfrm>
-              <a:off x="4935348" y="5470113"/>
+              <a:off x="4859486" y="5470118"/>
               <a:ext cx="63202" cy="63202"/>
             </a:xfrm>
             <a:custGeom>
@@ -25816,7 +25816,7 @@
           </p:nvSpPr>
           <p:spPr>
             <a:xfrm>
-              <a:off x="5027945" y="5727071"/>
+              <a:off x="4645606" y="5727068"/>
               <a:ext cx="63202" cy="63202"/>
             </a:xfrm>
             <a:custGeom>
@@ -25859,7 +25859,7 @@
           </p:nvSpPr>
           <p:spPr>
             <a:xfrm>
-              <a:off x="4948779" y="5504526"/>
+              <a:off x="5037116" y="5504525"/>
               <a:ext cx="63202" cy="63202"/>
             </a:xfrm>
             <a:custGeom>
@@ -25902,7 +25902,7 @@
           </p:nvSpPr>
           <p:spPr>
             <a:xfrm>
-              <a:off x="5124730" y="5503084"/>
+              <a:off x="4751715" y="5503101"/>
               <a:ext cx="63202" cy="63202"/>
             </a:xfrm>
             <a:custGeom>
@@ -25945,7 +25945,7 @@
           </p:nvSpPr>
           <p:spPr>
             <a:xfrm>
-              <a:off x="4799056" y="5444218"/>
+              <a:off x="5068452" y="5444231"/>
               <a:ext cx="63202" cy="63202"/>
             </a:xfrm>
             <a:custGeom>
@@ -25988,7 +25988,7 @@
           </p:nvSpPr>
           <p:spPr>
             <a:xfrm>
-              <a:off x="4538784" y="5437599"/>
+              <a:off x="5059136" y="5437609"/>
               <a:ext cx="63202" cy="63202"/>
             </a:xfrm>
             <a:custGeom>
@@ -26031,7 +26031,7 @@
           </p:nvSpPr>
           <p:spPr>
             <a:xfrm>
-              <a:off x="4926366" y="5854193"/>
+              <a:off x="5068379" y="5854235"/>
               <a:ext cx="63202" cy="63202"/>
             </a:xfrm>
             <a:custGeom>
@@ -26074,7 +26074,7 @@
           </p:nvSpPr>
           <p:spPr>
             <a:xfrm>
-              <a:off x="4577812" y="5473576"/>
+              <a:off x="4885511" y="5473570"/>
               <a:ext cx="63202" cy="63202"/>
             </a:xfrm>
             <a:custGeom>
@@ -26117,7 +26117,7 @@
           </p:nvSpPr>
           <p:spPr>
             <a:xfrm>
-              <a:off x="5143979" y="5436580"/>
+              <a:off x="4687664" y="5436560"/>
               <a:ext cx="63202" cy="63202"/>
             </a:xfrm>
             <a:custGeom>
@@ -26160,7 +26160,7 @@
           </p:nvSpPr>
           <p:spPr>
             <a:xfrm>
-              <a:off x="4518516" y="5424435"/>
+              <a:off x="4922633" y="5424412"/>
               <a:ext cx="63202" cy="63202"/>
             </a:xfrm>
             <a:custGeom>
@@ -26203,7 +26203,7 @@
           </p:nvSpPr>
           <p:spPr>
             <a:xfrm>
-              <a:off x="4567371" y="5486916"/>
+              <a:off x="5157879" y="5486936"/>
               <a:ext cx="63202" cy="63202"/>
             </a:xfrm>
             <a:custGeom>
@@ -26246,7 +26246,7 @@
           </p:nvSpPr>
           <p:spPr>
             <a:xfrm>
-              <a:off x="4738872" y="5443785"/>
+              <a:off x="4910319" y="5443753"/>
               <a:ext cx="63202" cy="63202"/>
             </a:xfrm>
             <a:custGeom>
@@ -26289,7 +26289,7 @@
           </p:nvSpPr>
           <p:spPr>
             <a:xfrm>
-              <a:off x="5041430" y="5778200"/>
+              <a:off x="4614443" y="5778196"/>
               <a:ext cx="63202" cy="63202"/>
             </a:xfrm>
             <a:custGeom>
@@ -26332,7 +26332,7 @@
           </p:nvSpPr>
           <p:spPr>
             <a:xfrm>
-              <a:off x="4582301" y="5488355"/>
+              <a:off x="4586059" y="5488397"/>
               <a:ext cx="63202" cy="63202"/>
             </a:xfrm>
             <a:custGeom>
@@ -26375,7 +26375,7 @@
           </p:nvSpPr>
           <p:spPr>
             <a:xfrm>
-              <a:off x="4584779" y="5482605"/>
+              <a:off x="4637851" y="5482587"/>
               <a:ext cx="63202" cy="63202"/>
             </a:xfrm>
             <a:custGeom>
@@ -26418,7 +26418,7 @@
           </p:nvSpPr>
           <p:spPr>
             <a:xfrm>
-              <a:off x="4749607" y="5496807"/>
+              <a:off x="4862372" y="5496796"/>
               <a:ext cx="63202" cy="63202"/>
             </a:xfrm>
             <a:custGeom>
@@ -26461,7 +26461,7 @@
           </p:nvSpPr>
           <p:spPr>
             <a:xfrm>
-              <a:off x="4959789" y="5392967"/>
+              <a:off x="5029156" y="5392987"/>
               <a:ext cx="63202" cy="63202"/>
             </a:xfrm>
             <a:custGeom>
@@ -26504,7 +26504,7 @@
           </p:nvSpPr>
           <p:spPr>
             <a:xfrm>
-              <a:off x="4823454" y="5419318"/>
+              <a:off x="4708133" y="5419341"/>
               <a:ext cx="63202" cy="63202"/>
             </a:xfrm>
             <a:custGeom>
@@ -26547,7 +26547,7 @@
           </p:nvSpPr>
           <p:spPr>
             <a:xfrm>
-              <a:off x="4673816" y="5430605"/>
+              <a:off x="4935477" y="5430629"/>
               <a:ext cx="63202" cy="63202"/>
             </a:xfrm>
             <a:custGeom>
@@ -26590,7 +26590,7 @@
           </p:nvSpPr>
           <p:spPr>
             <a:xfrm>
-              <a:off x="4655423" y="5431049"/>
+              <a:off x="4796061" y="5431084"/>
               <a:ext cx="63202" cy="63202"/>
             </a:xfrm>
             <a:custGeom>
@@ -26633,7 +26633,7 @@
           </p:nvSpPr>
           <p:spPr>
             <a:xfrm>
-              <a:off x="5003969" y="5474084"/>
+              <a:off x="4564713" y="5474118"/>
               <a:ext cx="63202" cy="63202"/>
             </a:xfrm>
             <a:custGeom>
@@ -26676,7 +26676,7 @@
           </p:nvSpPr>
           <p:spPr>
             <a:xfrm>
-              <a:off x="4706791" y="5805883"/>
+              <a:off x="5111149" y="5805910"/>
               <a:ext cx="63202" cy="63202"/>
             </a:xfrm>
             <a:custGeom>
@@ -26719,7 +26719,7 @@
           </p:nvSpPr>
           <p:spPr>
             <a:xfrm>
-              <a:off x="4707190" y="5456369"/>
+              <a:off x="4483779" y="5456396"/>
               <a:ext cx="63202" cy="63202"/>
             </a:xfrm>
             <a:custGeom>
@@ -26762,7 +26762,7 @@
           </p:nvSpPr>
           <p:spPr>
             <a:xfrm>
-              <a:off x="4493090" y="5402962"/>
+              <a:off x="4495430" y="5403001"/>
               <a:ext cx="63202" cy="63202"/>
             </a:xfrm>
             <a:custGeom>
@@ -26805,7 +26805,7 @@
           </p:nvSpPr>
           <p:spPr>
             <a:xfrm>
-              <a:off x="4860529" y="5791021"/>
+              <a:off x="5145955" y="5791035"/>
               <a:ext cx="63202" cy="63202"/>
             </a:xfrm>
             <a:custGeom>
@@ -26848,7 +26848,7 @@
           </p:nvSpPr>
           <p:spPr>
             <a:xfrm>
-              <a:off x="4838911" y="5431359"/>
+              <a:off x="4811951" y="5431380"/>
               <a:ext cx="63202" cy="63202"/>
             </a:xfrm>
             <a:custGeom>
@@ -26891,7 +26891,7 @@
           </p:nvSpPr>
           <p:spPr>
             <a:xfrm>
-              <a:off x="5001922" y="5508883"/>
+              <a:off x="4616343" y="5508890"/>
               <a:ext cx="63202" cy="63202"/>
             </a:xfrm>
             <a:custGeom>
@@ -26934,7 +26934,7 @@
           </p:nvSpPr>
           <p:spPr>
             <a:xfrm>
-              <a:off x="4715250" y="5392535"/>
+              <a:off x="4920140" y="5392532"/>
               <a:ext cx="63202" cy="63202"/>
             </a:xfrm>
             <a:custGeom>
@@ -26977,7 +26977,7 @@
           </p:nvSpPr>
           <p:spPr>
             <a:xfrm>
-              <a:off x="4861433" y="5469493"/>
+              <a:off x="4728195" y="5469508"/>
               <a:ext cx="63202" cy="63202"/>
             </a:xfrm>
             <a:custGeom>
@@ -27020,7 +27020,7 @@
           </p:nvSpPr>
           <p:spPr>
             <a:xfrm>
-              <a:off x="4863934" y="5391104"/>
+              <a:off x="4697063" y="5391109"/>
               <a:ext cx="63202" cy="63202"/>
             </a:xfrm>
             <a:custGeom>
@@ -27063,7 +27063,7 @@
           </p:nvSpPr>
           <p:spPr>
             <a:xfrm>
-              <a:off x="4744881" y="5390272"/>
+              <a:off x="4688486" y="5390265"/>
               <a:ext cx="63202" cy="63202"/>
             </a:xfrm>
             <a:custGeom>
@@ -27106,7 +27106,7 @@
           </p:nvSpPr>
           <p:spPr>
             <a:xfrm>
-              <a:off x="5021900" y="5389305"/>
+              <a:off x="4628205" y="5389318"/>
               <a:ext cx="63202" cy="63202"/>
             </a:xfrm>
             <a:custGeom>
@@ -27149,7 +27149,7 @@
           </p:nvSpPr>
           <p:spPr>
             <a:xfrm>
-              <a:off x="4660542" y="5393744"/>
+              <a:off x="5112913" y="5393750"/>
               <a:ext cx="63202" cy="63202"/>
             </a:xfrm>
             <a:custGeom>
@@ -27192,7 +27192,7 @@
           </p:nvSpPr>
           <p:spPr>
             <a:xfrm>
-              <a:off x="4981882" y="5444644"/>
+              <a:off x="4725247" y="5444657"/>
               <a:ext cx="63202" cy="63202"/>
             </a:xfrm>
             <a:custGeom>
@@ -27235,7 +27235,7 @@
           </p:nvSpPr>
           <p:spPr>
             <a:xfrm>
-              <a:off x="4719436" y="5689041"/>
+              <a:off x="4994677" y="5689056"/>
               <a:ext cx="63202" cy="63202"/>
             </a:xfrm>
             <a:custGeom>
@@ -27278,7 +27278,7 @@
           </p:nvSpPr>
           <p:spPr>
             <a:xfrm>
-              <a:off x="4643644" y="5432574"/>
+              <a:off x="4505608" y="5432571"/>
               <a:ext cx="63202" cy="63202"/>
             </a:xfrm>
             <a:custGeom>
@@ -27321,7 +27321,7 @@
           </p:nvSpPr>
           <p:spPr>
             <a:xfrm>
-              <a:off x="4718277" y="5408588"/>
+              <a:off x="4681911" y="5408611"/>
               <a:ext cx="63202" cy="63202"/>
             </a:xfrm>
             <a:custGeom>
@@ -27364,7 +27364,7 @@
           </p:nvSpPr>
           <p:spPr>
             <a:xfrm>
-              <a:off x="4531118" y="5594563"/>
+              <a:off x="4923968" y="5594566"/>
               <a:ext cx="63202" cy="63202"/>
             </a:xfrm>
             <a:custGeom>
@@ -27407,7 +27407,7 @@
           </p:nvSpPr>
           <p:spPr>
             <a:xfrm>
-              <a:off x="5124083" y="5584379"/>
+              <a:off x="4484946" y="5584371"/>
               <a:ext cx="63202" cy="63202"/>
             </a:xfrm>
             <a:custGeom>
@@ -27450,7 +27450,7 @@
           </p:nvSpPr>
           <p:spPr>
             <a:xfrm>
-              <a:off x="5028706" y="5600221"/>
+              <a:off x="5082595" y="5600247"/>
               <a:ext cx="63202" cy="63202"/>
             </a:xfrm>
             <a:custGeom>
@@ -27493,7 +27493,7 @@
           </p:nvSpPr>
           <p:spPr>
             <a:xfrm>
-              <a:off x="4690716" y="5757011"/>
+              <a:off x="4982232" y="5757020"/>
               <a:ext cx="63202" cy="63202"/>
             </a:xfrm>
             <a:custGeom>
@@ -27536,7 +27536,7 @@
           </p:nvSpPr>
           <p:spPr>
             <a:xfrm>
-              <a:off x="4691270" y="5392771"/>
+              <a:off x="4528137" y="5392785"/>
               <a:ext cx="63202" cy="63202"/>
             </a:xfrm>
             <a:custGeom>
@@ -27579,7 +27579,7 @@
           </p:nvSpPr>
           <p:spPr>
             <a:xfrm>
-              <a:off x="5098382" y="5576014"/>
+              <a:off x="4510128" y="5576025"/>
               <a:ext cx="63202" cy="63202"/>
             </a:xfrm>
             <a:custGeom>
@@ -27622,7 +27622,7 @@
           </p:nvSpPr>
           <p:spPr>
             <a:xfrm>
-              <a:off x="4656941" y="5755022"/>
+              <a:off x="4539623" y="5755048"/>
               <a:ext cx="63202" cy="63202"/>
             </a:xfrm>
             <a:custGeom>
@@ -27665,7 +27665,7 @@
           </p:nvSpPr>
           <p:spPr>
             <a:xfrm>
-              <a:off x="4703883" y="5777758"/>
+              <a:off x="5056562" y="5777783"/>
               <a:ext cx="63202" cy="63202"/>
             </a:xfrm>
             <a:custGeom>
@@ -27708,7 +27708,7 @@
           </p:nvSpPr>
           <p:spPr>
             <a:xfrm>
-              <a:off x="4848646" y="5391430"/>
+              <a:off x="4986984" y="5391433"/>
               <a:ext cx="63202" cy="63202"/>
             </a:xfrm>
             <a:custGeom>
@@ -27751,7 +27751,7 @@
           </p:nvSpPr>
           <p:spPr>
             <a:xfrm>
-              <a:off x="5122036" y="5412648"/>
+              <a:off x="5120651" y="5412682"/>
               <a:ext cx="63202" cy="63202"/>
             </a:xfrm>
             <a:custGeom>
@@ -27794,7 +27794,7 @@
           </p:nvSpPr>
           <p:spPr>
             <a:xfrm>
-              <a:off x="4647685" y="5812875"/>
+              <a:off x="4912219" y="5812866"/>
               <a:ext cx="63202" cy="63202"/>
             </a:xfrm>
             <a:custGeom>
@@ -27837,7 +27837,7 @@
           </p:nvSpPr>
           <p:spPr>
             <a:xfrm>
-              <a:off x="4693766" y="5430777"/>
+              <a:off x="4770017" y="5430814"/>
               <a:ext cx="63202" cy="63202"/>
             </a:xfrm>
             <a:custGeom>
@@ -27880,7 +27880,7 @@
           </p:nvSpPr>
           <p:spPr>
             <a:xfrm>
-              <a:off x="5161955" y="5397336"/>
+              <a:off x="4996915" y="5397339"/>
               <a:ext cx="63202" cy="63202"/>
             </a:xfrm>
             <a:custGeom>
@@ -27923,7 +27923,7 @@
           </p:nvSpPr>
           <p:spPr>
             <a:xfrm>
-              <a:off x="4521249" y="5789809"/>
+              <a:off x="4634714" y="5789808"/>
               <a:ext cx="63202" cy="63202"/>
             </a:xfrm>
             <a:custGeom>
@@ -27966,7 +27966,7 @@
           </p:nvSpPr>
           <p:spPr>
             <a:xfrm>
-              <a:off x="5141443" y="5790256"/>
+              <a:off x="4907094" y="5790292"/>
               <a:ext cx="63202" cy="63202"/>
             </a:xfrm>
             <a:custGeom>
@@ -28009,7 +28009,7 @@
           </p:nvSpPr>
           <p:spPr>
             <a:xfrm>
-              <a:off x="4706743" y="5503762"/>
+              <a:off x="4853231" y="5503816"/>
               <a:ext cx="63202" cy="63202"/>
             </a:xfrm>
             <a:custGeom>
@@ -28052,7 +28052,7 @@
           </p:nvSpPr>
           <p:spPr>
             <a:xfrm>
-              <a:off x="5131356" y="5465908"/>
+              <a:off x="4800496" y="5465925"/>
               <a:ext cx="63202" cy="63202"/>
             </a:xfrm>
             <a:custGeom>
@@ -28095,7 +28095,7 @@
           </p:nvSpPr>
           <p:spPr>
             <a:xfrm>
-              <a:off x="4700082" y="5448631"/>
+              <a:off x="4630107" y="5448673"/>
               <a:ext cx="63202" cy="63202"/>
             </a:xfrm>
             <a:custGeom>
@@ -28138,7 +28138,7 @@
           </p:nvSpPr>
           <p:spPr>
             <a:xfrm>
-              <a:off x="5073130" y="5379896"/>
+              <a:off x="4662219" y="5379913"/>
               <a:ext cx="63202" cy="63202"/>
             </a:xfrm>
             <a:custGeom>
@@ -28181,7 +28181,7 @@
           </p:nvSpPr>
           <p:spPr>
             <a:xfrm>
-              <a:off x="4506877" y="5458294"/>
+              <a:off x="4849236" y="5458311"/>
               <a:ext cx="63202" cy="63202"/>
             </a:xfrm>
             <a:custGeom>
@@ -28224,7 +28224,7 @@
           </p:nvSpPr>
           <p:spPr>
             <a:xfrm>
-              <a:off x="5134147" y="6247105"/>
+              <a:off x="4497796" y="6247132"/>
               <a:ext cx="63202" cy="63202"/>
             </a:xfrm>
             <a:custGeom>
@@ -28267,7 +28267,7 @@
           </p:nvSpPr>
           <p:spPr>
             <a:xfrm>
-              <a:off x="4548629" y="5415341"/>
+              <a:off x="4560082" y="5415330"/>
               <a:ext cx="63202" cy="63202"/>
             </a:xfrm>
             <a:custGeom>
@@ -28310,7 +28310,7 @@
           </p:nvSpPr>
           <p:spPr>
             <a:xfrm>
-              <a:off x="5148175" y="5421233"/>
+              <a:off x="4685944" y="5421257"/>
               <a:ext cx="63202" cy="63202"/>
             </a:xfrm>
             <a:custGeom>
@@ -28353,7 +28353,7 @@
           </p:nvSpPr>
           <p:spPr>
             <a:xfrm>
-              <a:off x="4824015" y="5408448"/>
+              <a:off x="4833908" y="5408462"/>
               <a:ext cx="63202" cy="63202"/>
             </a:xfrm>
             <a:custGeom>
@@ -28396,7 +28396,7 @@
           </p:nvSpPr>
           <p:spPr>
             <a:xfrm>
-              <a:off x="4757909" y="5395415"/>
+              <a:off x="4753692" y="5395427"/>
               <a:ext cx="63202" cy="63202"/>
             </a:xfrm>
             <a:custGeom>
@@ -28439,7 +28439,7 @@
           </p:nvSpPr>
           <p:spPr>
             <a:xfrm>
-              <a:off x="5165886" y="5747234"/>
+              <a:off x="4489452" y="5747220"/>
               <a:ext cx="63202" cy="63202"/>
             </a:xfrm>
             <a:custGeom>
@@ -28482,7 +28482,7 @@
           </p:nvSpPr>
           <p:spPr>
             <a:xfrm>
-              <a:off x="4945582" y="5728767"/>
+              <a:off x="4930772" y="5728759"/>
               <a:ext cx="63202" cy="63202"/>
             </a:xfrm>
             <a:custGeom>
@@ -28525,7 +28525,7 @@
           </p:nvSpPr>
           <p:spPr>
             <a:xfrm>
-              <a:off x="4895891" y="5821144"/>
+              <a:off x="4811966" y="5821199"/>
               <a:ext cx="63202" cy="63202"/>
             </a:xfrm>
             <a:custGeom>
@@ -28568,7 +28568,7 @@
           </p:nvSpPr>
           <p:spPr>
             <a:xfrm>
-              <a:off x="4989999" y="5434796"/>
+              <a:off x="4893472" y="5434794"/>
               <a:ext cx="63202" cy="63202"/>
             </a:xfrm>
             <a:custGeom>
@@ -28611,7 +28611,7 @@
           </p:nvSpPr>
           <p:spPr>
             <a:xfrm>
-              <a:off x="5020658" y="5502966"/>
+              <a:off x="5015370" y="5502972"/>
               <a:ext cx="63202" cy="63202"/>
             </a:xfrm>
             <a:custGeom>
@@ -28654,7 +28654,7 @@
           </p:nvSpPr>
           <p:spPr>
             <a:xfrm>
-              <a:off x="4680677" y="5469296"/>
+              <a:off x="4989710" y="5469318"/>
               <a:ext cx="63202" cy="63202"/>
             </a:xfrm>
             <a:custGeom>
@@ -28697,7 +28697,7 @@
           </p:nvSpPr>
           <p:spPr>
             <a:xfrm>
-              <a:off x="4744013" y="5638052"/>
+              <a:off x="4897367" y="5638085"/>
               <a:ext cx="63202" cy="63202"/>
             </a:xfrm>
             <a:custGeom>
@@ -28740,7 +28740,7 @@
           </p:nvSpPr>
           <p:spPr>
             <a:xfrm>
-              <a:off x="5035529" y="5497137"/>
+              <a:off x="4993279" y="5497118"/>
               <a:ext cx="63202" cy="63202"/>
             </a:xfrm>
             <a:custGeom>
@@ -28783,7 +28783,7 @@
           </p:nvSpPr>
           <p:spPr>
             <a:xfrm>
-              <a:off x="4580621" y="5495581"/>
+              <a:off x="5022226" y="5495575"/>
               <a:ext cx="63202" cy="63202"/>
             </a:xfrm>
             <a:custGeom>
@@ -28826,7 +28826,7 @@
           </p:nvSpPr>
           <p:spPr>
             <a:xfrm>
-              <a:off x="4805504" y="5495959"/>
+              <a:off x="4969401" y="5495968"/>
               <a:ext cx="63202" cy="63202"/>
             </a:xfrm>
             <a:custGeom>
@@ -28869,7 +28869,7 @@
           </p:nvSpPr>
           <p:spPr>
             <a:xfrm>
-              <a:off x="4767682" y="6071664"/>
+              <a:off x="4983156" y="6071683"/>
               <a:ext cx="63202" cy="63202"/>
             </a:xfrm>
             <a:custGeom>
@@ -28912,7 +28912,7 @@
           </p:nvSpPr>
           <p:spPr>
             <a:xfrm>
-              <a:off x="4922746" y="5680311"/>
+              <a:off x="4824682" y="5680278"/>
               <a:ext cx="63202" cy="63202"/>
             </a:xfrm>
             <a:custGeom>
@@ -28955,7 +28955,7 @@
           </p:nvSpPr>
           <p:spPr>
             <a:xfrm>
-              <a:off x="4772498" y="5380880"/>
+              <a:off x="4746778" y="5380915"/>
               <a:ext cx="63202" cy="63202"/>
             </a:xfrm>
             <a:custGeom>
@@ -28998,7 +28998,7 @@
           </p:nvSpPr>
           <p:spPr>
             <a:xfrm>
-              <a:off x="4993248" y="5495249"/>
+              <a:off x="4945070" y="5495225"/>
               <a:ext cx="63202" cy="63202"/>
             </a:xfrm>
             <a:custGeom>
@@ -29041,7 +29041,7 @@
           </p:nvSpPr>
           <p:spPr>
             <a:xfrm>
-              <a:off x="5027590" y="5402853"/>
+              <a:off x="5034872" y="5402844"/>
               <a:ext cx="63202" cy="63202"/>
             </a:xfrm>
             <a:custGeom>
@@ -29084,7 +29084,7 @@
           </p:nvSpPr>
           <p:spPr>
             <a:xfrm>
-              <a:off x="4857859" y="5416080"/>
+              <a:off x="4613053" y="5416095"/>
               <a:ext cx="63202" cy="63202"/>
             </a:xfrm>
             <a:custGeom>
@@ -29127,7 +29127,7 @@
           </p:nvSpPr>
           <p:spPr>
             <a:xfrm>
-              <a:off x="4670499" y="5393740"/>
+              <a:off x="4624951" y="5393740"/>
               <a:ext cx="63202" cy="63202"/>
             </a:xfrm>
             <a:custGeom>
@@ -29170,7 +29170,7 @@
           </p:nvSpPr>
           <p:spPr>
             <a:xfrm>
-              <a:off x="4743776" y="5901732"/>
+              <a:off x="4499690" y="5901756"/>
               <a:ext cx="63202" cy="63202"/>
             </a:xfrm>
             <a:custGeom>
@@ -29213,7 +29213,7 @@
           </p:nvSpPr>
           <p:spPr>
             <a:xfrm>
-              <a:off x="4732675" y="5543037"/>
+              <a:off x="5145643" y="5543031"/>
               <a:ext cx="63202" cy="63202"/>
             </a:xfrm>
             <a:custGeom>
@@ -29256,7 +29256,7 @@
           </p:nvSpPr>
           <p:spPr>
             <a:xfrm>
-              <a:off x="4516403" y="5501311"/>
+              <a:off x="4614556" y="5501340"/>
               <a:ext cx="63202" cy="63202"/>
             </a:xfrm>
             <a:custGeom>
@@ -29299,7 +29299,7 @@
           </p:nvSpPr>
           <p:spPr>
             <a:xfrm>
-              <a:off x="5095204" y="5419053"/>
+              <a:off x="4486500" y="5419083"/>
               <a:ext cx="63202" cy="63202"/>
             </a:xfrm>
             <a:custGeom>
@@ -29342,7 +29342,7 @@
           </p:nvSpPr>
           <p:spPr>
             <a:xfrm>
-              <a:off x="4862122" y="5428413"/>
+              <a:off x="5123191" y="5428459"/>
               <a:ext cx="63202" cy="63202"/>
             </a:xfrm>
             <a:custGeom>
@@ -29385,7 +29385,7 @@
           </p:nvSpPr>
           <p:spPr>
             <a:xfrm>
-              <a:off x="4954648" y="5405608"/>
+              <a:off x="4699306" y="5405599"/>
               <a:ext cx="63202" cy="63202"/>
             </a:xfrm>
             <a:custGeom>
@@ -29428,7 +29428,7 @@
           </p:nvSpPr>
           <p:spPr>
             <a:xfrm>
-              <a:off x="4536072" y="5401321"/>
+              <a:off x="4932129" y="5401372"/>
               <a:ext cx="63202" cy="63202"/>
             </a:xfrm>
             <a:custGeom>
@@ -29471,7 +29471,7 @@
           </p:nvSpPr>
           <p:spPr>
             <a:xfrm>
-              <a:off x="5150245" y="5407501"/>
+              <a:off x="4917343" y="5407515"/>
               <a:ext cx="63202" cy="63202"/>
             </a:xfrm>
             <a:custGeom>
@@ -29514,7 +29514,7 @@
           </p:nvSpPr>
           <p:spPr>
             <a:xfrm>
-              <a:off x="4698772" y="5485395"/>
+              <a:off x="5165628" y="5485396"/>
               <a:ext cx="63202" cy="63202"/>
             </a:xfrm>
             <a:custGeom>
@@ -29557,7 +29557,7 @@
           </p:nvSpPr>
           <p:spPr>
             <a:xfrm>
-              <a:off x="5044279" y="5376280"/>
+              <a:off x="5158668" y="5376297"/>
               <a:ext cx="63202" cy="63202"/>
             </a:xfrm>
             <a:custGeom>
@@ -29600,7 +29600,7 @@
           </p:nvSpPr>
           <p:spPr>
             <a:xfrm>
-              <a:off x="4954342" y="5420486"/>
+              <a:off x="4690267" y="5420490"/>
               <a:ext cx="63202" cy="63202"/>
             </a:xfrm>
             <a:custGeom>
@@ -29643,7 +29643,7 @@
           </p:nvSpPr>
           <p:spPr>
             <a:xfrm>
-              <a:off x="4779195" y="6183989"/>
+              <a:off x="4587511" y="6184061"/>
               <a:ext cx="63202" cy="63202"/>
             </a:xfrm>
             <a:custGeom>
@@ -29686,7 +29686,7 @@
           </p:nvSpPr>
           <p:spPr>
             <a:xfrm>
-              <a:off x="4697751" y="5716011"/>
+              <a:off x="4472841" y="5716030"/>
               <a:ext cx="63202" cy="63202"/>
             </a:xfrm>
             <a:custGeom>
@@ -29729,7 +29729,7 @@
           </p:nvSpPr>
           <p:spPr>
             <a:xfrm>
-              <a:off x="4537937" y="5384619"/>
+              <a:off x="5092867" y="5384655"/>
               <a:ext cx="63202" cy="63202"/>
             </a:xfrm>
             <a:custGeom>
@@ -29772,7 +29772,7 @@
           </p:nvSpPr>
           <p:spPr>
             <a:xfrm>
-              <a:off x="4931872" y="5491740"/>
+              <a:off x="4490406" y="5491767"/>
               <a:ext cx="63202" cy="63202"/>
             </a:xfrm>
             <a:custGeom>
@@ -29815,7 +29815,7 @@
           </p:nvSpPr>
           <p:spPr>
             <a:xfrm>
-              <a:off x="4500250" y="5444846"/>
+              <a:off x="4850304" y="5444870"/>
               <a:ext cx="63202" cy="63202"/>
             </a:xfrm>
             <a:custGeom>
@@ -29858,7 +29858,7 @@
           </p:nvSpPr>
           <p:spPr>
             <a:xfrm>
-              <a:off x="4865288" y="5389866"/>
+              <a:off x="4688780" y="5389882"/>
               <a:ext cx="63202" cy="63202"/>
             </a:xfrm>
             <a:custGeom>
@@ -29901,7 +29901,7 @@
           </p:nvSpPr>
           <p:spPr>
             <a:xfrm>
-              <a:off x="4489932" y="5582681"/>
+              <a:off x="4728627" y="5582659"/>
               <a:ext cx="63202" cy="63202"/>
             </a:xfrm>
             <a:custGeom>
@@ -29944,7 +29944,7 @@
           </p:nvSpPr>
           <p:spPr>
             <a:xfrm>
-              <a:off x="4634119" y="5433470"/>
+              <a:off x="4968404" y="5433450"/>
               <a:ext cx="63202" cy="63202"/>
             </a:xfrm>
             <a:custGeom>
@@ -29987,7 +29987,7 @@
           </p:nvSpPr>
           <p:spPr>
             <a:xfrm>
-              <a:off x="4755680" y="5393909"/>
+              <a:off x="4732636" y="5393955"/>
               <a:ext cx="63202" cy="63202"/>
             </a:xfrm>
             <a:custGeom>
@@ -30030,7 +30030,7 @@
           </p:nvSpPr>
           <p:spPr>
             <a:xfrm>
-              <a:off x="5000328" y="5410289"/>
+              <a:off x="4541259" y="5410332"/>
               <a:ext cx="63202" cy="63202"/>
             </a:xfrm>
             <a:custGeom>
@@ -30073,7 +30073,7 @@
           </p:nvSpPr>
           <p:spPr>
             <a:xfrm>
-              <a:off x="5063950" y="5877037"/>
+              <a:off x="4780278" y="5877039"/>
               <a:ext cx="63202" cy="63202"/>
             </a:xfrm>
             <a:custGeom>
@@ -30116,7 +30116,7 @@
           </p:nvSpPr>
           <p:spPr>
             <a:xfrm>
-              <a:off x="4712352" y="5387490"/>
+              <a:off x="4479431" y="5387495"/>
               <a:ext cx="63202" cy="63202"/>
             </a:xfrm>
             <a:custGeom>
@@ -30159,7 +30159,7 @@
           </p:nvSpPr>
           <p:spPr>
             <a:xfrm>
-              <a:off x="4810225" y="5390209"/>
+              <a:off x="4648066" y="5390193"/>
               <a:ext cx="63202" cy="63202"/>
             </a:xfrm>
             <a:custGeom>
@@ -30202,7 +30202,7 @@
           </p:nvSpPr>
           <p:spPr>
             <a:xfrm>
-              <a:off x="4808834" y="5759731"/>
+              <a:off x="4587104" y="5759716"/>
               <a:ext cx="63202" cy="63202"/>
             </a:xfrm>
             <a:custGeom>
@@ -30245,7 +30245,7 @@
           </p:nvSpPr>
           <p:spPr>
             <a:xfrm>
-              <a:off x="4703289" y="6065082"/>
+              <a:off x="4600665" y="6065096"/>
               <a:ext cx="63202" cy="63202"/>
             </a:xfrm>
             <a:custGeom>
@@ -30288,7 +30288,7 @@
           </p:nvSpPr>
           <p:spPr>
             <a:xfrm>
-              <a:off x="5031113" y="5405887"/>
+              <a:off x="4698986" y="5405914"/>
               <a:ext cx="63202" cy="63202"/>
             </a:xfrm>
             <a:custGeom>
@@ -30331,7 +30331,7 @@
           </p:nvSpPr>
           <p:spPr>
             <a:xfrm>
-              <a:off x="4689996" y="5431065"/>
+              <a:off x="4470553" y="5431082"/>
               <a:ext cx="63202" cy="63202"/>
             </a:xfrm>
             <a:custGeom>
@@ -30374,7 +30374,7 @@
           </p:nvSpPr>
           <p:spPr>
             <a:xfrm>
-              <a:off x="5166336" y="5423726"/>
+              <a:off x="4709077" y="5423738"/>
               <a:ext cx="63202" cy="63202"/>
             </a:xfrm>
             <a:custGeom>
@@ -30417,7 +30417,7 @@
           </p:nvSpPr>
           <p:spPr>
             <a:xfrm>
-              <a:off x="4561313" y="5400631"/>
+              <a:off x="4565945" y="5400658"/>
               <a:ext cx="63202" cy="63202"/>
             </a:xfrm>
             <a:custGeom>
@@ -30460,7 +30460,7 @@
           </p:nvSpPr>
           <p:spPr>
             <a:xfrm>
-              <a:off x="4696435" y="5475825"/>
+              <a:off x="5051116" y="5475797"/>
               <a:ext cx="63202" cy="63202"/>
             </a:xfrm>
             <a:custGeom>
@@ -30503,7 +30503,7 @@
           </p:nvSpPr>
           <p:spPr>
             <a:xfrm>
-              <a:off x="5014550" y="5610915"/>
+              <a:off x="4623903" y="5610917"/>
               <a:ext cx="63202" cy="63202"/>
             </a:xfrm>
             <a:custGeom>
@@ -30546,7 +30546,7 @@
           </p:nvSpPr>
           <p:spPr>
             <a:xfrm>
-              <a:off x="4845055" y="5399571"/>
+              <a:off x="4506823" y="5399556"/>
               <a:ext cx="63202" cy="63202"/>
             </a:xfrm>
             <a:custGeom>
@@ -30589,7 +30589,7 @@
           </p:nvSpPr>
           <p:spPr>
             <a:xfrm>
-              <a:off x="4838707" y="5820943"/>
+              <a:off x="4604371" y="5820973"/>
               <a:ext cx="63202" cy="63202"/>
             </a:xfrm>
             <a:custGeom>
@@ -30632,7 +30632,7 @@
           </p:nvSpPr>
           <p:spPr>
             <a:xfrm>
-              <a:off x="4836001" y="5503304"/>
+              <a:off x="4487783" y="5503322"/>
               <a:ext cx="63202" cy="63202"/>
             </a:xfrm>
             <a:custGeom>
@@ -30675,7 +30675,7 @@
           </p:nvSpPr>
           <p:spPr>
             <a:xfrm>
-              <a:off x="5014972" y="5403169"/>
+              <a:off x="4865577" y="5403168"/>
               <a:ext cx="63202" cy="63202"/>
             </a:xfrm>
             <a:custGeom>
@@ -30718,7 +30718,7 @@
           </p:nvSpPr>
           <p:spPr>
             <a:xfrm>
-              <a:off x="5037691" y="5378793"/>
+              <a:off x="4798519" y="5378801"/>
               <a:ext cx="63202" cy="63202"/>
             </a:xfrm>
             <a:custGeom>
@@ -30761,7 +30761,7 @@
           </p:nvSpPr>
           <p:spPr>
             <a:xfrm>
-              <a:off x="4985090" y="5479334"/>
+              <a:off x="4808932" y="5479359"/>
               <a:ext cx="63202" cy="63202"/>
             </a:xfrm>
             <a:custGeom>
@@ -30804,7 +30804,7 @@
           </p:nvSpPr>
           <p:spPr>
             <a:xfrm>
-              <a:off x="5101977" y="5490462"/>
+              <a:off x="4626317" y="5490462"/>
               <a:ext cx="63202" cy="63202"/>
             </a:xfrm>
             <a:custGeom>
@@ -30847,7 +30847,7 @@
           </p:nvSpPr>
           <p:spPr>
             <a:xfrm>
-              <a:off x="4627770" y="6001331"/>
+              <a:off x="5061181" y="6001376"/>
               <a:ext cx="63202" cy="63202"/>
             </a:xfrm>
             <a:custGeom>
@@ -30890,7 +30890,7 @@
           </p:nvSpPr>
           <p:spPr>
             <a:xfrm>
-              <a:off x="4617618" y="5503053"/>
+              <a:off x="5158184" y="5503067"/>
               <a:ext cx="63202" cy="63202"/>
             </a:xfrm>
             <a:custGeom>
@@ -30933,7 +30933,7 @@
           </p:nvSpPr>
           <p:spPr>
             <a:xfrm>
-              <a:off x="4988260" y="5493853"/>
+              <a:off x="4616165" y="5493885"/>
               <a:ext cx="63202" cy="63202"/>
             </a:xfrm>
             <a:custGeom>
@@ -30976,7 +30976,7 @@
           </p:nvSpPr>
           <p:spPr>
             <a:xfrm>
-              <a:off x="4566213" y="5380749"/>
+              <a:off x="4675760" y="5380783"/>
               <a:ext cx="63202" cy="63202"/>
             </a:xfrm>
             <a:custGeom>
@@ -31019,7 +31019,7 @@
           </p:nvSpPr>
           <p:spPr>
             <a:xfrm>
-              <a:off x="5081161" y="5442457"/>
+              <a:off x="5125060" y="5442495"/>
               <a:ext cx="63202" cy="63202"/>
             </a:xfrm>
             <a:custGeom>
@@ -31062,7 +31062,7 @@
           </p:nvSpPr>
           <p:spPr>
             <a:xfrm>
-              <a:off x="4966607" y="5772204"/>
+              <a:off x="5102709" y="5772237"/>
               <a:ext cx="63202" cy="63202"/>
             </a:xfrm>
             <a:custGeom>
@@ -31105,7 +31105,7 @@
           </p:nvSpPr>
           <p:spPr>
             <a:xfrm>
-              <a:off x="4842507" y="5393802"/>
+              <a:off x="4693706" y="5393785"/>
               <a:ext cx="63202" cy="63202"/>
             </a:xfrm>
             <a:custGeom>
@@ -31148,7 +31148,7 @@
           </p:nvSpPr>
           <p:spPr>
             <a:xfrm>
-              <a:off x="4640959" y="5400473"/>
+              <a:off x="4970258" y="5400456"/>
               <a:ext cx="63202" cy="63202"/>
             </a:xfrm>
             <a:custGeom>
@@ -31191,7 +31191,7 @@
           </p:nvSpPr>
           <p:spPr>
             <a:xfrm>
-              <a:off x="4819390" y="5400001"/>
+              <a:off x="5122215" y="5399985"/>
               <a:ext cx="63202" cy="63202"/>
             </a:xfrm>
             <a:custGeom>
@@ -31234,7 +31234,7 @@
           </p:nvSpPr>
           <p:spPr>
             <a:xfrm>
-              <a:off x="4487494" y="5781862"/>
+              <a:off x="4985077" y="5781852"/>
               <a:ext cx="63202" cy="63202"/>
             </a:xfrm>
             <a:custGeom>
@@ -31277,7 +31277,7 @@
           </p:nvSpPr>
           <p:spPr>
             <a:xfrm>
-              <a:off x="4839164" y="5386996"/>
+              <a:off x="5135535" y="5387023"/>
               <a:ext cx="63202" cy="63202"/>
             </a:xfrm>
             <a:custGeom>
@@ -31320,7 +31320,7 @@
           </p:nvSpPr>
           <p:spPr>
             <a:xfrm>
-              <a:off x="4998254" y="5461712"/>
+              <a:off x="5073721" y="5461702"/>
               <a:ext cx="63202" cy="63202"/>
             </a:xfrm>
             <a:custGeom>
@@ -31363,7 +31363,7 @@
           </p:nvSpPr>
           <p:spPr>
             <a:xfrm>
-              <a:off x="4613290" y="5485666"/>
+              <a:off x="4550130" y="5485657"/>
               <a:ext cx="63202" cy="63202"/>
             </a:xfrm>
             <a:custGeom>
@@ -31406,7 +31406,7 @@
           </p:nvSpPr>
           <p:spPr>
             <a:xfrm>
-              <a:off x="4520590" y="5414711"/>
+              <a:off x="4967782" y="5414708"/>
               <a:ext cx="63202" cy="63202"/>
             </a:xfrm>
             <a:custGeom>
@@ -31449,7 +31449,7 @@
           </p:nvSpPr>
           <p:spPr>
             <a:xfrm>
-              <a:off x="4899016" y="5791398"/>
+              <a:off x="4662900" y="5791426"/>
               <a:ext cx="63202" cy="63202"/>
             </a:xfrm>
             <a:custGeom>
@@ -31492,7 +31492,7 @@
           </p:nvSpPr>
           <p:spPr>
             <a:xfrm>
-              <a:off x="4498057" y="5546180"/>
+              <a:off x="5047713" y="5546224"/>
               <a:ext cx="63202" cy="63202"/>
             </a:xfrm>
             <a:custGeom>
@@ -31535,7 +31535,7 @@
           </p:nvSpPr>
           <p:spPr>
             <a:xfrm>
-              <a:off x="4990221" y="5432413"/>
+              <a:off x="4783862" y="5432422"/>
               <a:ext cx="63202" cy="63202"/>
             </a:xfrm>
             <a:custGeom>
@@ -31578,7 +31578,7 @@
           </p:nvSpPr>
           <p:spPr>
             <a:xfrm>
-              <a:off x="5004461" y="5394149"/>
+              <a:off x="4661452" y="5394151"/>
               <a:ext cx="63202" cy="63202"/>
             </a:xfrm>
             <a:custGeom>
@@ -31621,7 +31621,7 @@
           </p:nvSpPr>
           <p:spPr>
             <a:xfrm>
-              <a:off x="4945107" y="5454065"/>
+              <a:off x="5163310" y="5454081"/>
               <a:ext cx="63202" cy="63202"/>
             </a:xfrm>
             <a:custGeom>
@@ -31664,7 +31664,7 @@
           </p:nvSpPr>
           <p:spPr>
             <a:xfrm>
-              <a:off x="4711696" y="5424536"/>
+              <a:off x="4662923" y="5424582"/>
               <a:ext cx="63202" cy="63202"/>
             </a:xfrm>
             <a:custGeom>
@@ -31707,7 +31707,7 @@
           </p:nvSpPr>
           <p:spPr>
             <a:xfrm>
-              <a:off x="4537546" y="5498419"/>
+              <a:off x="5153028" y="5498429"/>
               <a:ext cx="63202" cy="63202"/>
             </a:xfrm>
             <a:custGeom>
@@ -31750,7 +31750,7 @@
           </p:nvSpPr>
           <p:spPr>
             <a:xfrm>
-              <a:off x="5075238" y="5902161"/>
+              <a:off x="4941135" y="5902145"/>
               <a:ext cx="63202" cy="63202"/>
             </a:xfrm>
             <a:custGeom>
@@ -31793,7 +31793,7 @@
           </p:nvSpPr>
           <p:spPr>
             <a:xfrm>
-              <a:off x="4515894" y="5843941"/>
+              <a:off x="4821606" y="5843968"/>
               <a:ext cx="63202" cy="63202"/>
             </a:xfrm>
             <a:custGeom>
@@ -31836,7 +31836,7 @@
           </p:nvSpPr>
           <p:spPr>
             <a:xfrm>
-              <a:off x="5165561" y="5540703"/>
+              <a:off x="4886724" y="5540747"/>
               <a:ext cx="63202" cy="63202"/>
             </a:xfrm>
             <a:custGeom>
@@ -31879,7 +31879,7 @@
           </p:nvSpPr>
           <p:spPr>
             <a:xfrm>
-              <a:off x="4747837" y="5952038"/>
+              <a:off x="4528873" y="5952057"/>
               <a:ext cx="63202" cy="63202"/>
             </a:xfrm>
             <a:custGeom>
@@ -31922,7 +31922,7 @@
           </p:nvSpPr>
           <p:spPr>
             <a:xfrm>
-              <a:off x="4660712" y="5395788"/>
+              <a:off x="4727858" y="5395776"/>
               <a:ext cx="63202" cy="63202"/>
             </a:xfrm>
             <a:custGeom>
@@ -31965,7 +31965,7 @@
           </p:nvSpPr>
           <p:spPr>
             <a:xfrm>
-              <a:off x="4514422" y="5460261"/>
+              <a:off x="5070368" y="5460292"/>
               <a:ext cx="63202" cy="63202"/>
             </a:xfrm>
             <a:custGeom>
@@ -32008,7 +32008,7 @@
           </p:nvSpPr>
           <p:spPr>
             <a:xfrm>
-              <a:off x="4575455" y="5441439"/>
+              <a:off x="4665822" y="5441466"/>
               <a:ext cx="63202" cy="63202"/>
             </a:xfrm>
             <a:custGeom>
@@ -32051,7 +32051,7 @@
           </p:nvSpPr>
           <p:spPr>
             <a:xfrm>
-              <a:off x="5160477" y="5390143"/>
+              <a:off x="4559090" y="5390129"/>
               <a:ext cx="63202" cy="63202"/>
             </a:xfrm>
             <a:custGeom>
@@ -32094,7 +32094,7 @@
           </p:nvSpPr>
           <p:spPr>
             <a:xfrm>
-              <a:off x="5047087" y="5435622"/>
+              <a:off x="5067748" y="5435653"/>
               <a:ext cx="63202" cy="63202"/>
             </a:xfrm>
             <a:custGeom>
@@ -32137,7 +32137,7 @@
           </p:nvSpPr>
           <p:spPr>
             <a:xfrm>
-              <a:off x="4859614" y="5402497"/>
+              <a:off x="4573300" y="5402501"/>
               <a:ext cx="63202" cy="63202"/>
             </a:xfrm>
             <a:custGeom>
@@ -32180,7 +32180,7 @@
           </p:nvSpPr>
           <p:spPr>
             <a:xfrm>
-              <a:off x="4972918" y="5409663"/>
+              <a:off x="4713223" y="5409680"/>
               <a:ext cx="63202" cy="63202"/>
             </a:xfrm>
             <a:custGeom>
@@ -32223,7 +32223,7 @@
           </p:nvSpPr>
           <p:spPr>
             <a:xfrm>
-              <a:off x="5090011" y="5425025"/>
+              <a:off x="4843655" y="5425040"/>
               <a:ext cx="63202" cy="63202"/>
             </a:xfrm>
             <a:custGeom>
@@ -32266,7 +32266,7 @@
           </p:nvSpPr>
           <p:spPr>
             <a:xfrm>
-              <a:off x="4801022" y="5780701"/>
+              <a:off x="4748489" y="5780693"/>
               <a:ext cx="63202" cy="63202"/>
             </a:xfrm>
             <a:custGeom>
@@ -32309,7 +32309,7 @@
           </p:nvSpPr>
           <p:spPr>
             <a:xfrm>
-              <a:off x="4919873" y="5612177"/>
+              <a:off x="4894219" y="5612218"/>
               <a:ext cx="63202" cy="63202"/>
             </a:xfrm>
             <a:custGeom>
@@ -32352,7 +32352,7 @@
           </p:nvSpPr>
           <p:spPr>
             <a:xfrm>
-              <a:off x="5126232" y="5380294"/>
+              <a:off x="4617933" y="5380294"/>
               <a:ext cx="63202" cy="63202"/>
             </a:xfrm>
             <a:custGeom>
@@ -32395,7 +32395,7 @@
           </p:nvSpPr>
           <p:spPr>
             <a:xfrm>
-              <a:off x="4966894" y="5495641"/>
+              <a:off x="5121010" y="5495638"/>
               <a:ext cx="63202" cy="63202"/>
             </a:xfrm>
             <a:custGeom>
@@ -32438,7 +32438,7 @@
           </p:nvSpPr>
           <p:spPr>
             <a:xfrm>
-              <a:off x="4489694" y="5496938"/>
+              <a:off x="4899369" y="5496914"/>
               <a:ext cx="63202" cy="63202"/>
             </a:xfrm>
             <a:custGeom>
@@ -32481,7 +32481,7 @@
           </p:nvSpPr>
           <p:spPr>
             <a:xfrm>
-              <a:off x="4924341" y="5411187"/>
+              <a:off x="4945661" y="5411209"/>
               <a:ext cx="63202" cy="63202"/>
             </a:xfrm>
             <a:custGeom>
@@ -32524,7 +32524,7 @@
           </p:nvSpPr>
           <p:spPr>
             <a:xfrm>
-              <a:off x="5164684" y="5439780"/>
+              <a:off x="4675475" y="5439750"/>
               <a:ext cx="63202" cy="63202"/>
             </a:xfrm>
             <a:custGeom>
@@ -32567,7 +32567,7 @@
           </p:nvSpPr>
           <p:spPr>
             <a:xfrm>
-              <a:off x="4909166" y="5483749"/>
+              <a:off x="4915657" y="5483764"/>
               <a:ext cx="63202" cy="63202"/>
             </a:xfrm>
             <a:custGeom>
@@ -32610,7 +32610,7 @@
           </p:nvSpPr>
           <p:spPr>
             <a:xfrm>
-              <a:off x="4595254" y="5485119"/>
+              <a:off x="5025140" y="5485143"/>
               <a:ext cx="63202" cy="63202"/>
             </a:xfrm>
             <a:custGeom>
@@ -32653,7 +32653,7 @@
           </p:nvSpPr>
           <p:spPr>
             <a:xfrm>
-              <a:off x="4924957" y="5433556"/>
+              <a:off x="4837703" y="5433570"/>
               <a:ext cx="63202" cy="63202"/>
             </a:xfrm>
             <a:custGeom>
@@ -32696,7 +32696,7 @@
           </p:nvSpPr>
           <p:spPr>
             <a:xfrm>
-              <a:off x="5035633" y="5431473"/>
+              <a:off x="4730318" y="5431509"/>
               <a:ext cx="63202" cy="63202"/>
             </a:xfrm>
             <a:custGeom>
@@ -32739,7 +32739,7 @@
           </p:nvSpPr>
           <p:spPr>
             <a:xfrm>
-              <a:off x="5006499" y="5540326"/>
+              <a:off x="4768996" y="5540315"/>
               <a:ext cx="63202" cy="63202"/>
             </a:xfrm>
             <a:custGeom>
@@ -32782,7 +32782,7 @@
           </p:nvSpPr>
           <p:spPr>
             <a:xfrm>
-              <a:off x="4625389" y="5430714"/>
+              <a:off x="4512371" y="5430724"/>
               <a:ext cx="63202" cy="63202"/>
             </a:xfrm>
             <a:custGeom>
@@ -32825,7 +32825,7 @@
           </p:nvSpPr>
           <p:spPr>
             <a:xfrm>
-              <a:off x="4670235" y="5424941"/>
+              <a:off x="5051406" y="5424963"/>
               <a:ext cx="63202" cy="63202"/>
             </a:xfrm>
             <a:custGeom>
@@ -32868,7 +32868,7 @@
           </p:nvSpPr>
           <p:spPr>
             <a:xfrm>
-              <a:off x="4781633" y="5697690"/>
+              <a:off x="4713480" y="5697674"/>
               <a:ext cx="63202" cy="63202"/>
             </a:xfrm>
             <a:custGeom>
@@ -32911,7 +32911,7 @@
           </p:nvSpPr>
           <p:spPr>
             <a:xfrm>
-              <a:off x="4815845" y="5410828"/>
+              <a:off x="4858421" y="5410828"/>
               <a:ext cx="63202" cy="63202"/>
             </a:xfrm>
             <a:custGeom>
@@ -32954,7 +32954,7 @@
           </p:nvSpPr>
           <p:spPr>
             <a:xfrm>
-              <a:off x="4598790" y="5434983"/>
+              <a:off x="4474863" y="5435013"/>
               <a:ext cx="63202" cy="63202"/>
             </a:xfrm>
             <a:custGeom>
@@ -32997,7 +32997,7 @@
           </p:nvSpPr>
           <p:spPr>
             <a:xfrm>
-              <a:off x="5151650" y="5423516"/>
+              <a:off x="4846535" y="5423568"/>
               <a:ext cx="63202" cy="63202"/>
             </a:xfrm>
             <a:custGeom>
@@ -33040,7 +33040,7 @@
           </p:nvSpPr>
           <p:spPr>
             <a:xfrm>
-              <a:off x="4475295" y="5405533"/>
+              <a:off x="4472408" y="5405579"/>
               <a:ext cx="63202" cy="63202"/>
             </a:xfrm>
             <a:custGeom>
@@ -33083,7 +33083,7 @@
           </p:nvSpPr>
           <p:spPr>
             <a:xfrm>
-              <a:off x="4551887" y="5409673"/>
+              <a:off x="4584461" y="5409689"/>
               <a:ext cx="63202" cy="63202"/>
             </a:xfrm>
             <a:custGeom>
@@ -33126,7 +33126,7 @@
           </p:nvSpPr>
           <p:spPr>
             <a:xfrm>
-              <a:off x="5047457" y="5386352"/>
+              <a:off x="4712204" y="5386362"/>
               <a:ext cx="63202" cy="63202"/>
             </a:xfrm>
             <a:custGeom>
@@ -33169,7 +33169,7 @@
           </p:nvSpPr>
           <p:spPr>
             <a:xfrm>
-              <a:off x="4981494" y="6014410"/>
+              <a:off x="5007742" y="6014447"/>
               <a:ext cx="63202" cy="63202"/>
             </a:xfrm>
             <a:custGeom>
@@ -33212,7 +33212,7 @@
           </p:nvSpPr>
           <p:spPr>
             <a:xfrm>
-              <a:off x="4965521" y="5698501"/>
+              <a:off x="5146260" y="5698499"/>
               <a:ext cx="63202" cy="63202"/>
             </a:xfrm>
             <a:custGeom>
@@ -33255,7 +33255,7 @@
           </p:nvSpPr>
           <p:spPr>
             <a:xfrm>
-              <a:off x="4807020" y="5743548"/>
+              <a:off x="4518140" y="5743587"/>
               <a:ext cx="63202" cy="63202"/>
             </a:xfrm>
             <a:custGeom>
@@ -33298,7 +33298,7 @@
           </p:nvSpPr>
           <p:spPr>
             <a:xfrm>
-              <a:off x="4992438" y="5693457"/>
+              <a:off x="4955558" y="5693476"/>
               <a:ext cx="63202" cy="63202"/>
             </a:xfrm>
             <a:custGeom>
@@ -33341,7 +33341,7 @@
           </p:nvSpPr>
           <p:spPr>
             <a:xfrm>
-              <a:off x="4478142" y="5447990"/>
+              <a:off x="4970924" y="5447994"/>
               <a:ext cx="63202" cy="63202"/>
             </a:xfrm>
             <a:custGeom>
@@ -33384,7 +33384,7 @@
           </p:nvSpPr>
           <p:spPr>
             <a:xfrm>
-              <a:off x="4986406" y="6046748"/>
+              <a:off x="5071033" y="6046796"/>
               <a:ext cx="63202" cy="63202"/>
             </a:xfrm>
             <a:custGeom>
@@ -33427,7 +33427,7 @@
           </p:nvSpPr>
           <p:spPr>
             <a:xfrm>
-              <a:off x="4962800" y="6032025"/>
+              <a:off x="4664410" y="6032025"/>
               <a:ext cx="63202" cy="63202"/>
             </a:xfrm>
             <a:custGeom>
@@ -33470,7 +33470,7 @@
           </p:nvSpPr>
           <p:spPr>
             <a:xfrm>
-              <a:off x="4916057" y="5398483"/>
+              <a:off x="4924116" y="5398518"/>
               <a:ext cx="63202" cy="63202"/>
             </a:xfrm>
             <a:custGeom>
@@ -33513,7 +33513,7 @@
           </p:nvSpPr>
           <p:spPr>
             <a:xfrm>
-              <a:off x="4999775" y="5404919"/>
+              <a:off x="5063200" y="5404936"/>
               <a:ext cx="63202" cy="63202"/>
             </a:xfrm>
             <a:custGeom>
@@ -33556,7 +33556,7 @@
           </p:nvSpPr>
           <p:spPr>
             <a:xfrm>
-              <a:off x="5071534" y="5746861"/>
+              <a:off x="4517372" y="5746913"/>
               <a:ext cx="63202" cy="63202"/>
             </a:xfrm>
             <a:custGeom>
@@ -33599,7 +33599,7 @@
           </p:nvSpPr>
           <p:spPr>
             <a:xfrm>
-              <a:off x="5128285" y="6034947"/>
+              <a:off x="4977440" y="6034955"/>
               <a:ext cx="63202" cy="63202"/>
             </a:xfrm>
             <a:custGeom>
@@ -33642,7 +33642,7 @@
           </p:nvSpPr>
           <p:spPr>
             <a:xfrm>
-              <a:off x="4876594" y="5453319"/>
+              <a:off x="4693733" y="5453346"/>
               <a:ext cx="63202" cy="63202"/>
             </a:xfrm>
             <a:custGeom>
@@ -33685,7 +33685,7 @@
           </p:nvSpPr>
           <p:spPr>
             <a:xfrm>
-              <a:off x="4612962" y="5678036"/>
+              <a:off x="5103239" y="5678050"/>
               <a:ext cx="63202" cy="63202"/>
             </a:xfrm>
             <a:custGeom>
@@ -33728,7 +33728,7 @@
           </p:nvSpPr>
           <p:spPr>
             <a:xfrm>
-              <a:off x="5033023" y="5596191"/>
+              <a:off x="4642096" y="5596187"/>
               <a:ext cx="63202" cy="63202"/>
             </a:xfrm>
             <a:custGeom>
@@ -33771,7 +33771,7 @@
           </p:nvSpPr>
           <p:spPr>
             <a:xfrm>
-              <a:off x="4680007" y="5395380"/>
+              <a:off x="4767803" y="5395348"/>
               <a:ext cx="63202" cy="63202"/>
             </a:xfrm>
             <a:custGeom>
@@ -33814,7 +33814,7 @@
           </p:nvSpPr>
           <p:spPr>
             <a:xfrm>
-              <a:off x="4702529" y="5406282"/>
+              <a:off x="5059424" y="5406292"/>
               <a:ext cx="63202" cy="63202"/>
             </a:xfrm>
             <a:custGeom>
@@ -33857,7 +33857,7 @@
           </p:nvSpPr>
           <p:spPr>
             <a:xfrm>
-              <a:off x="4513163" y="5389636"/>
+              <a:off x="4720220" y="5389663"/>
               <a:ext cx="63202" cy="63202"/>
             </a:xfrm>
             <a:custGeom>
@@ -33900,7 +33900,7 @@
           </p:nvSpPr>
           <p:spPr>
             <a:xfrm>
-              <a:off x="4890812" y="5487883"/>
+              <a:off x="5086588" y="5487926"/>
               <a:ext cx="63202" cy="63202"/>
             </a:xfrm>
             <a:custGeom>
@@ -33943,7 +33943,7 @@
           </p:nvSpPr>
           <p:spPr>
             <a:xfrm>
-              <a:off x="5095792" y="5405762"/>
+              <a:off x="5099384" y="5405757"/>
               <a:ext cx="63202" cy="63202"/>
             </a:xfrm>
             <a:custGeom>
@@ -33986,7 +33986,7 @@
           </p:nvSpPr>
           <p:spPr>
             <a:xfrm>
-              <a:off x="5104272" y="5490498"/>
+              <a:off x="5006926" y="5490483"/>
               <a:ext cx="63202" cy="63202"/>
             </a:xfrm>
             <a:custGeom>
@@ -34029,7 +34029,7 @@
           </p:nvSpPr>
           <p:spPr>
             <a:xfrm>
-              <a:off x="4694485" y="5497803"/>
+              <a:off x="5027808" y="5497844"/>
               <a:ext cx="63202" cy="63202"/>
             </a:xfrm>
             <a:custGeom>
@@ -34072,7 +34072,7 @@
           </p:nvSpPr>
           <p:spPr>
             <a:xfrm>
-              <a:off x="5049344" y="5489054"/>
+              <a:off x="4666450" y="5489039"/>
               <a:ext cx="63202" cy="63202"/>
             </a:xfrm>
             <a:custGeom>
@@ -34115,7 +34115,7 @@
           </p:nvSpPr>
           <p:spPr>
             <a:xfrm>
-              <a:off x="4980627" y="5489781"/>
+              <a:off x="4733788" y="5489799"/>
               <a:ext cx="63202" cy="63202"/>
             </a:xfrm>
             <a:custGeom>
@@ -34158,7 +34158,7 @@
           </p:nvSpPr>
           <p:spPr>
             <a:xfrm>
-              <a:off x="4714533" y="5432134"/>
+              <a:off x="4606930" y="5432180"/>
               <a:ext cx="63202" cy="63202"/>
             </a:xfrm>
             <a:custGeom>
@@ -34201,7 +34201,7 @@
           </p:nvSpPr>
           <p:spPr>
             <a:xfrm>
-              <a:off x="5048096" y="5486661"/>
+              <a:off x="4783473" y="5486694"/>
               <a:ext cx="63202" cy="63202"/>
             </a:xfrm>
             <a:custGeom>
@@ -34244,7 +34244,7 @@
           </p:nvSpPr>
           <p:spPr>
             <a:xfrm>
-              <a:off x="5034279" y="5725696"/>
+              <a:off x="4752562" y="5725747"/>
               <a:ext cx="63202" cy="63202"/>
             </a:xfrm>
             <a:custGeom>
@@ -34287,7 +34287,7 @@
           </p:nvSpPr>
           <p:spPr>
             <a:xfrm>
-              <a:off x="4951991" y="5404707"/>
+              <a:off x="4613401" y="5404763"/>
               <a:ext cx="63202" cy="63202"/>
             </a:xfrm>
             <a:custGeom>
@@ -34330,7 +34330,7 @@
           </p:nvSpPr>
           <p:spPr>
             <a:xfrm>
-              <a:off x="4741549" y="5893428"/>
+              <a:off x="4772352" y="5893483"/>
               <a:ext cx="63202" cy="63202"/>
             </a:xfrm>
             <a:custGeom>
@@ -34373,7 +34373,7 @@
           </p:nvSpPr>
           <p:spPr>
             <a:xfrm>
-              <a:off x="4721147" y="5461001"/>
+              <a:off x="4482458" y="5461020"/>
               <a:ext cx="63202" cy="63202"/>
             </a:xfrm>
             <a:custGeom>
@@ -34416,7 +34416,7 @@
           </p:nvSpPr>
           <p:spPr>
             <a:xfrm>
-              <a:off x="5070169" y="5777568"/>
+              <a:off x="4656534" y="5777597"/>
               <a:ext cx="63202" cy="63202"/>
             </a:xfrm>
             <a:custGeom>
@@ -34459,7 +34459,7 @@
           </p:nvSpPr>
           <p:spPr>
             <a:xfrm>
-              <a:off x="5024937" y="5538679"/>
+              <a:off x="4501133" y="5538701"/>
               <a:ext cx="63202" cy="63202"/>
             </a:xfrm>
             <a:custGeom>
@@ -34502,7 +34502,7 @@
           </p:nvSpPr>
           <p:spPr>
             <a:xfrm>
-              <a:off x="5012873" y="5829074"/>
+              <a:off x="5072865" y="5829128"/>
               <a:ext cx="63202" cy="63202"/>
             </a:xfrm>
             <a:custGeom>
@@ -34545,7 +34545,7 @@
           </p:nvSpPr>
           <p:spPr>
             <a:xfrm>
-              <a:off x="4990139" y="5728686"/>
+              <a:off x="4719322" y="5728712"/>
               <a:ext cx="63202" cy="63202"/>
             </a:xfrm>
             <a:custGeom>
@@ -34588,7 +34588,7 @@
           </p:nvSpPr>
           <p:spPr>
             <a:xfrm>
-              <a:off x="4782394" y="5988096"/>
+              <a:off x="4479966" y="5988100"/>
               <a:ext cx="63202" cy="63202"/>
             </a:xfrm>
             <a:custGeom>
@@ -34631,7 +34631,7 @@
           </p:nvSpPr>
           <p:spPr>
             <a:xfrm>
-              <a:off x="4984717" y="5397240"/>
+              <a:off x="4786391" y="5397285"/>
               <a:ext cx="63202" cy="63202"/>
             </a:xfrm>
             <a:custGeom>
@@ -34674,7 +34674,7 @@
           </p:nvSpPr>
           <p:spPr>
             <a:xfrm>
-              <a:off x="4883038" y="5397456"/>
+              <a:off x="4830473" y="5397460"/>
               <a:ext cx="63202" cy="63202"/>
             </a:xfrm>
             <a:custGeom>
@@ -34717,7 +34717,7 @@
           </p:nvSpPr>
           <p:spPr>
             <a:xfrm>
-              <a:off x="4763502" y="5861730"/>
+              <a:off x="4535344" y="5861779"/>
               <a:ext cx="63202" cy="63202"/>
             </a:xfrm>
             <a:custGeom>
@@ -34760,7 +34760,7 @@
           </p:nvSpPr>
           <p:spPr>
             <a:xfrm>
-              <a:off x="5125865" y="5766649"/>
+              <a:off x="4748879" y="5766668"/>
               <a:ext cx="63202" cy="63202"/>
             </a:xfrm>
             <a:custGeom>
@@ -34803,7 +34803,7 @@
           </p:nvSpPr>
           <p:spPr>
             <a:xfrm>
-              <a:off x="4820117" y="5596088"/>
+              <a:off x="5128182" y="5596106"/>
               <a:ext cx="63202" cy="63202"/>
             </a:xfrm>
             <a:custGeom>
@@ -34846,7 +34846,7 @@
           </p:nvSpPr>
           <p:spPr>
             <a:xfrm>
-              <a:off x="4987990" y="5701253"/>
+              <a:off x="4926318" y="5701283"/>
               <a:ext cx="63202" cy="63202"/>
             </a:xfrm>
             <a:custGeom>
@@ -34945,7 +34945,7 @@
           </p:nvSpPr>
           <p:spPr>
             <a:xfrm>
-              <a:off x="7192078" y="2898340"/>
+              <a:off x="7192078" y="2898390"/>
               <a:ext cx="2796732" cy="0"/>
             </a:xfrm>
             <a:custGeom>
@@ -34988,7 +34988,7 @@
           </p:nvSpPr>
           <p:spPr>
             <a:xfrm>
-              <a:off x="7192078" y="2558902"/>
+              <a:off x="7192078" y="2558942"/>
               <a:ext cx="2796732" cy="0"/>
             </a:xfrm>
             <a:custGeom>
@@ -35031,7 +35031,7 @@
           </p:nvSpPr>
           <p:spPr>
             <a:xfrm>
-              <a:off x="7192078" y="2219464"/>
+              <a:off x="7192078" y="2219494"/>
               <a:ext cx="2796732" cy="0"/>
             </a:xfrm>
             <a:custGeom>
@@ -35074,7 +35074,7 @@
           </p:nvSpPr>
           <p:spPr>
             <a:xfrm>
-              <a:off x="7192078" y="1880026"/>
+              <a:off x="7192078" y="1880046"/>
               <a:ext cx="2796732" cy="0"/>
             </a:xfrm>
             <a:custGeom>
@@ -35117,7 +35117,7 @@
           </p:nvSpPr>
           <p:spPr>
             <a:xfrm>
-              <a:off x="7192078" y="1540588"/>
+              <a:off x="7192078" y="1540598"/>
               <a:ext cx="2796732" cy="0"/>
             </a:xfrm>
             <a:custGeom>
@@ -35160,7 +35160,7 @@
           </p:nvSpPr>
           <p:spPr>
             <a:xfrm>
-              <a:off x="7192078" y="2728621"/>
+              <a:off x="7192078" y="2728666"/>
               <a:ext cx="2796732" cy="0"/>
             </a:xfrm>
             <a:custGeom>
@@ -35203,7 +35203,7 @@
           </p:nvSpPr>
           <p:spPr>
             <a:xfrm>
-              <a:off x="7192078" y="2389183"/>
+              <a:off x="7192078" y="2389218"/>
               <a:ext cx="2796732" cy="0"/>
             </a:xfrm>
             <a:custGeom>
@@ -35246,7 +35246,7 @@
           </p:nvSpPr>
           <p:spPr>
             <a:xfrm>
-              <a:off x="7192078" y="2049745"/>
+              <a:off x="7192078" y="2049770"/>
               <a:ext cx="2796732" cy="0"/>
             </a:xfrm>
             <a:custGeom>
@@ -35289,7 +35289,7 @@
           </p:nvSpPr>
           <p:spPr>
             <a:xfrm>
-              <a:off x="7192078" y="1710307"/>
+              <a:off x="7192078" y="1710322"/>
               <a:ext cx="2796732" cy="0"/>
             </a:xfrm>
             <a:custGeom>
@@ -35461,7 +35461,7 @@
           </p:nvSpPr>
           <p:spPr>
             <a:xfrm>
-              <a:off x="7594742" y="2743585"/>
+              <a:off x="7941860" y="2743652"/>
               <a:ext cx="63202" cy="63202"/>
             </a:xfrm>
             <a:custGeom>
@@ -35504,7 +35504,7 @@
           </p:nvSpPr>
           <p:spPr>
             <a:xfrm>
-              <a:off x="7419025" y="2400301"/>
+              <a:off x="7426579" y="2400326"/>
               <a:ext cx="63202" cy="63202"/>
             </a:xfrm>
             <a:custGeom>
@@ -35547,7 +35547,7 @@
           </p:nvSpPr>
           <p:spPr>
             <a:xfrm>
-              <a:off x="7628667" y="2350495"/>
+              <a:off x="7555299" y="2350541"/>
               <a:ext cx="63202" cy="63202"/>
             </a:xfrm>
             <a:custGeom>
@@ -35590,7 +35590,7 @@
           </p:nvSpPr>
           <p:spPr>
             <a:xfrm>
-              <a:off x="7665709" y="2357018"/>
+              <a:off x="7975057" y="2357083"/>
               <a:ext cx="63202" cy="63202"/>
             </a:xfrm>
             <a:custGeom>
@@ -35633,7 +35633,7 @@
           </p:nvSpPr>
           <p:spPr>
             <a:xfrm>
-              <a:off x="7607090" y="2347684"/>
+              <a:off x="7434592" y="2347682"/>
               <a:ext cx="63202" cy="63202"/>
             </a:xfrm>
             <a:custGeom>
@@ -35676,7 +35676,7 @@
           </p:nvSpPr>
           <p:spPr>
             <a:xfrm>
-              <a:off x="7965580" y="1927963"/>
+              <a:off x="7749809" y="1928015"/>
               <a:ext cx="63202" cy="63202"/>
             </a:xfrm>
             <a:custGeom>
@@ -35719,7 +35719,7 @@
           </p:nvSpPr>
           <p:spPr>
             <a:xfrm>
-              <a:off x="8033913" y="2382443"/>
+              <a:off x="7513618" y="2382456"/>
               <a:ext cx="63202" cy="63202"/>
             </a:xfrm>
             <a:custGeom>
@@ -35762,7 +35762,7 @@
           </p:nvSpPr>
           <p:spPr>
             <a:xfrm>
-              <a:off x="7489974" y="2397916"/>
+              <a:off x="7606434" y="2397919"/>
               <a:ext cx="63202" cy="63202"/>
             </a:xfrm>
             <a:custGeom>
@@ -35805,7 +35805,7 @@
           </p:nvSpPr>
           <p:spPr>
             <a:xfrm>
-              <a:off x="7843156" y="2346223"/>
+              <a:off x="7400584" y="2346281"/>
               <a:ext cx="63202" cy="63202"/>
             </a:xfrm>
             <a:custGeom>
@@ -35848,7 +35848,7 @@
           </p:nvSpPr>
           <p:spPr>
             <a:xfrm>
-              <a:off x="8026027" y="2345376"/>
+              <a:off x="7354733" y="2345375"/>
               <a:ext cx="63202" cy="63202"/>
             </a:xfrm>
             <a:custGeom>
@@ -35891,7 +35891,7 @@
           </p:nvSpPr>
           <p:spPr>
             <a:xfrm>
-              <a:off x="7565070" y="2384415"/>
+              <a:off x="7738816" y="2384428"/>
               <a:ext cx="63202" cy="63202"/>
             </a:xfrm>
             <a:custGeom>
@@ -35934,7 +35934,7 @@
           </p:nvSpPr>
           <p:spPr>
             <a:xfrm>
-              <a:off x="7994776" y="2511027"/>
+              <a:off x="8032744" y="2511043"/>
               <a:ext cx="63202" cy="63202"/>
             </a:xfrm>
             <a:custGeom>
@@ -35977,7 +35977,7 @@
           </p:nvSpPr>
           <p:spPr>
             <a:xfrm>
-              <a:off x="7647661" y="2391609"/>
+              <a:off x="7957525" y="2391650"/>
               <a:ext cx="63202" cy="63202"/>
             </a:xfrm>
             <a:custGeom>
@@ -36020,7 +36020,7 @@
           </p:nvSpPr>
           <p:spPr>
             <a:xfrm>
-              <a:off x="8009723" y="2400767"/>
+              <a:off x="7797289" y="2400812"/>
               <a:ext cx="63202" cy="63202"/>
             </a:xfrm>
             <a:custGeom>
@@ -36063,7 +36063,7 @@
           </p:nvSpPr>
           <p:spPr>
             <a:xfrm>
-              <a:off x="7602231" y="2382793"/>
+              <a:off x="7469501" y="2382777"/>
               <a:ext cx="63202" cy="63202"/>
             </a:xfrm>
             <a:custGeom>
@@ -36106,7 +36106,7 @@
           </p:nvSpPr>
           <p:spPr>
             <a:xfrm>
-              <a:off x="7364984" y="2395613"/>
+              <a:off x="7380162" y="2395639"/>
               <a:ext cx="63202" cy="63202"/>
             </a:xfrm>
             <a:custGeom>
@@ -36149,7 +36149,7 @@
           </p:nvSpPr>
           <p:spPr>
             <a:xfrm>
-              <a:off x="7434618" y="2381393"/>
+              <a:off x="7371547" y="2381458"/>
               <a:ext cx="63202" cy="63202"/>
             </a:xfrm>
             <a:custGeom>
@@ -36192,7 +36192,7 @@
           </p:nvSpPr>
           <p:spPr>
             <a:xfrm>
-              <a:off x="7409865" y="2358313"/>
+              <a:off x="7666161" y="2358353"/>
               <a:ext cx="63202" cy="63202"/>
             </a:xfrm>
             <a:custGeom>
@@ -36235,7 +36235,7 @@
           </p:nvSpPr>
           <p:spPr>
             <a:xfrm>
-              <a:off x="8033635" y="2389340"/>
+              <a:off x="7882258" y="2389364"/>
               <a:ext cx="63202" cy="63202"/>
             </a:xfrm>
             <a:custGeom>
@@ -36278,7 +36278,7 @@
           </p:nvSpPr>
           <p:spPr>
             <a:xfrm>
-              <a:off x="7820549" y="2529630"/>
+              <a:off x="7368058" y="2529658"/>
               <a:ext cx="63202" cy="63202"/>
             </a:xfrm>
             <a:custGeom>
@@ -36321,7 +36321,7 @@
           </p:nvSpPr>
           <p:spPr>
             <a:xfrm>
-              <a:off x="7992787" y="2345356"/>
+              <a:off x="7788952" y="2345370"/>
               <a:ext cx="63202" cy="63202"/>
             </a:xfrm>
             <a:custGeom>
@@ -36364,7 +36364,7 @@
           </p:nvSpPr>
           <p:spPr>
             <a:xfrm>
-              <a:off x="7686337" y="2351795"/>
+              <a:off x="7451106" y="2351841"/>
               <a:ext cx="63202" cy="63202"/>
             </a:xfrm>
             <a:custGeom>
@@ -36407,7 +36407,7 @@
           </p:nvSpPr>
           <p:spPr>
             <a:xfrm>
-              <a:off x="7546302" y="2401245"/>
+              <a:off x="7548490" y="2401294"/>
               <a:ext cx="63202" cy="63202"/>
             </a:xfrm>
             <a:custGeom>
@@ -36450,7 +36450,7 @@
           </p:nvSpPr>
           <p:spPr>
             <a:xfrm>
-              <a:off x="7902820" y="2380508"/>
+              <a:off x="7354784" y="2380583"/>
               <a:ext cx="63202" cy="63202"/>
             </a:xfrm>
             <a:custGeom>
@@ -36493,7 +36493,7 @@
           </p:nvSpPr>
           <p:spPr>
             <a:xfrm>
-              <a:off x="7802739" y="2387087"/>
+              <a:off x="7806974" y="2387175"/>
               <a:ext cx="63202" cy="63202"/>
             </a:xfrm>
             <a:custGeom>
@@ -36536,7 +36536,7 @@
           </p:nvSpPr>
           <p:spPr>
             <a:xfrm>
-              <a:off x="7617930" y="2384169"/>
+              <a:off x="7996389" y="2384250"/>
               <a:ext cx="63202" cy="63202"/>
             </a:xfrm>
             <a:custGeom>
@@ -36579,7 +36579,7 @@
           </p:nvSpPr>
           <p:spPr>
             <a:xfrm>
-              <a:off x="7540170" y="1908173"/>
+              <a:off x="7927886" y="1908161"/>
               <a:ext cx="63202" cy="63202"/>
             </a:xfrm>
             <a:custGeom>
@@ -36622,7 +36622,7 @@
           </p:nvSpPr>
           <p:spPr>
             <a:xfrm>
-              <a:off x="7979210" y="2398337"/>
+              <a:off x="7680096" y="2398352"/>
               <a:ext cx="63202" cy="63202"/>
             </a:xfrm>
             <a:custGeom>
@@ -36665,7 +36665,7 @@
           </p:nvSpPr>
           <p:spPr>
             <a:xfrm>
-              <a:off x="7916799" y="2546940"/>
+              <a:off x="7377872" y="2546937"/>
               <a:ext cx="63202" cy="63202"/>
             </a:xfrm>
             <a:custGeom>
@@ -36708,7 +36708,7 @@
           </p:nvSpPr>
           <p:spPr>
             <a:xfrm>
-              <a:off x="7984595" y="2380754"/>
+              <a:off x="7642996" y="2380746"/>
               <a:ext cx="63202" cy="63202"/>
             </a:xfrm>
             <a:custGeom>
@@ -36751,7 +36751,7 @@
           </p:nvSpPr>
           <p:spPr>
             <a:xfrm>
-              <a:off x="7858551" y="1907740"/>
+              <a:off x="7987421" y="1907807"/>
               <a:ext cx="63202" cy="63202"/>
             </a:xfrm>
             <a:custGeom>
@@ -36794,7 +36794,7 @@
           </p:nvSpPr>
           <p:spPr>
             <a:xfrm>
-              <a:off x="7966762" y="2351717"/>
+              <a:off x="7885852" y="2351805"/>
               <a:ext cx="63202" cy="63202"/>
             </a:xfrm>
             <a:custGeom>
@@ -36837,7 +36837,7 @@
           </p:nvSpPr>
           <p:spPr>
             <a:xfrm>
-              <a:off x="7449741" y="2366314"/>
+              <a:off x="7961631" y="2366364"/>
               <a:ext cx="63202" cy="63202"/>
             </a:xfrm>
             <a:custGeom>
@@ -36880,7 +36880,7 @@
           </p:nvSpPr>
           <p:spPr>
             <a:xfrm>
-              <a:off x="7610795" y="2355224"/>
+              <a:off x="7397978" y="2355214"/>
               <a:ext cx="63202" cy="63202"/>
             </a:xfrm>
             <a:custGeom>
@@ -36923,7 +36923,7 @@
           </p:nvSpPr>
           <p:spPr>
             <a:xfrm>
-              <a:off x="7694710" y="2358591"/>
+              <a:off x="7996429" y="2358612"/>
               <a:ext cx="63202" cy="63202"/>
             </a:xfrm>
             <a:custGeom>
@@ -36966,7 +36966,7 @@
           </p:nvSpPr>
           <p:spPr>
             <a:xfrm>
-              <a:off x="7357401" y="2358803"/>
+              <a:off x="7535290" y="2358863"/>
               <a:ext cx="63202" cy="63202"/>
             </a:xfrm>
             <a:custGeom>
@@ -37009,7 +37009,7 @@
           </p:nvSpPr>
           <p:spPr>
             <a:xfrm>
-              <a:off x="8020308" y="2359198"/>
+              <a:off x="7752345" y="2359255"/>
               <a:ext cx="63202" cy="63202"/>
             </a:xfrm>
             <a:custGeom>
@@ -37052,7 +37052,7 @@
           </p:nvSpPr>
           <p:spPr>
             <a:xfrm>
-              <a:off x="7425585" y="2361244"/>
+              <a:off x="7823339" y="2361285"/>
               <a:ext cx="63202" cy="63202"/>
             </a:xfrm>
             <a:custGeom>
@@ -37095,7 +37095,7 @@
           </p:nvSpPr>
           <p:spPr>
             <a:xfrm>
-              <a:off x="7622595" y="2352067"/>
+              <a:off x="7502543" y="2352102"/>
               <a:ext cx="63202" cy="63202"/>
             </a:xfrm>
             <a:custGeom>
@@ -37138,7 +37138,7 @@
           </p:nvSpPr>
           <p:spPr>
             <a:xfrm>
-              <a:off x="7446307" y="2410596"/>
+              <a:off x="7399347" y="2410625"/>
               <a:ext cx="63202" cy="63202"/>
             </a:xfrm>
             <a:custGeom>
@@ -37181,7 +37181,7 @@
           </p:nvSpPr>
           <p:spPr>
             <a:xfrm>
-              <a:off x="7651162" y="2376050"/>
+              <a:off x="7545844" y="2376070"/>
               <a:ext cx="63202" cy="63202"/>
             </a:xfrm>
             <a:custGeom>
@@ -37224,7 +37224,7 @@
           </p:nvSpPr>
           <p:spPr>
             <a:xfrm>
-              <a:off x="7492772" y="2356043"/>
+              <a:off x="7394840" y="2356042"/>
               <a:ext cx="63202" cy="63202"/>
             </a:xfrm>
             <a:custGeom>
@@ -37267,7 +37267,7 @@
           </p:nvSpPr>
           <p:spPr>
             <a:xfrm>
-              <a:off x="7704875" y="2456304"/>
+              <a:off x="7510621" y="2456345"/>
               <a:ext cx="63202" cy="63202"/>
             </a:xfrm>
             <a:custGeom>
@@ -37310,7 +37310,7 @@
           </p:nvSpPr>
           <p:spPr>
             <a:xfrm>
-              <a:off x="7658530" y="2227446"/>
+              <a:off x="7814331" y="2227484"/>
               <a:ext cx="63202" cy="63202"/>
             </a:xfrm>
             <a:custGeom>
@@ -37353,7 +37353,7 @@
           </p:nvSpPr>
           <p:spPr>
             <a:xfrm>
-              <a:off x="7750827" y="2355829"/>
+              <a:off x="7411291" y="2355843"/>
               <a:ext cx="63202" cy="63202"/>
             </a:xfrm>
             <a:custGeom>
@@ -37396,7 +37396,7 @@
           </p:nvSpPr>
           <p:spPr>
             <a:xfrm>
-              <a:off x="7594259" y="2358245"/>
+              <a:off x="7871393" y="2358301"/>
               <a:ext cx="63202" cy="63202"/>
             </a:xfrm>
             <a:custGeom>
@@ -37439,7 +37439,7 @@
           </p:nvSpPr>
           <p:spPr>
             <a:xfrm>
-              <a:off x="7444216" y="2357352"/>
+              <a:off x="7425612" y="2357391"/>
               <a:ext cx="63202" cy="63202"/>
             </a:xfrm>
             <a:custGeom>
@@ -37482,7 +37482,7 @@
           </p:nvSpPr>
           <p:spPr>
             <a:xfrm>
-              <a:off x="7526850" y="2358338"/>
+              <a:off x="7589073" y="2358385"/>
               <a:ext cx="63202" cy="63202"/>
             </a:xfrm>
             <a:custGeom>
@@ -37525,7 +37525,7 @@
           </p:nvSpPr>
           <p:spPr>
             <a:xfrm>
-              <a:off x="7509481" y="2347514"/>
+              <a:off x="7385649" y="2347551"/>
               <a:ext cx="63202" cy="63202"/>
             </a:xfrm>
             <a:custGeom>
@@ -37624,7 +37624,7 @@
           </p:nvSpPr>
           <p:spPr>
             <a:xfrm>
-              <a:off x="7192078" y="4823673"/>
+              <a:off x="7192078" y="4823723"/>
               <a:ext cx="2796732" cy="0"/>
             </a:xfrm>
             <a:custGeom>
@@ -37667,7 +37667,7 @@
           </p:nvSpPr>
           <p:spPr>
             <a:xfrm>
-              <a:off x="7192078" y="4484235"/>
+              <a:off x="7192078" y="4484275"/>
               <a:ext cx="2796732" cy="0"/>
             </a:xfrm>
             <a:custGeom>
@@ -37710,7 +37710,7 @@
           </p:nvSpPr>
           <p:spPr>
             <a:xfrm>
-              <a:off x="7192078" y="4144797"/>
+              <a:off x="7192078" y="4144827"/>
               <a:ext cx="2796732" cy="0"/>
             </a:xfrm>
             <a:custGeom>
@@ -37753,7 +37753,7 @@
           </p:nvSpPr>
           <p:spPr>
             <a:xfrm>
-              <a:off x="7192078" y="3805358"/>
+              <a:off x="7192078" y="3805379"/>
               <a:ext cx="2796732" cy="0"/>
             </a:xfrm>
             <a:custGeom>
@@ -37796,7 +37796,7 @@
           </p:nvSpPr>
           <p:spPr>
             <a:xfrm>
-              <a:off x="7192078" y="3465920"/>
+              <a:off x="7192078" y="3465931"/>
               <a:ext cx="2796732" cy="0"/>
             </a:xfrm>
             <a:custGeom>
@@ -37839,7 +37839,7 @@
           </p:nvSpPr>
           <p:spPr>
             <a:xfrm>
-              <a:off x="7192078" y="4653954"/>
+              <a:off x="7192078" y="4653999"/>
               <a:ext cx="2796732" cy="0"/>
             </a:xfrm>
             <a:custGeom>
@@ -37882,7 +37882,7 @@
           </p:nvSpPr>
           <p:spPr>
             <a:xfrm>
-              <a:off x="7192078" y="4314516"/>
+              <a:off x="7192078" y="4314551"/>
               <a:ext cx="2796732" cy="0"/>
             </a:xfrm>
             <a:custGeom>
@@ -37925,7 +37925,7 @@
           </p:nvSpPr>
           <p:spPr>
             <a:xfrm>
-              <a:off x="7192078" y="3975078"/>
+              <a:off x="7192078" y="3975103"/>
               <a:ext cx="2796732" cy="0"/>
             </a:xfrm>
             <a:custGeom>
@@ -37968,7 +37968,7 @@
           </p:nvSpPr>
           <p:spPr>
             <a:xfrm>
-              <a:off x="7192078" y="3635639"/>
+              <a:off x="7192078" y="3635655"/>
               <a:ext cx="2796732" cy="0"/>
             </a:xfrm>
             <a:custGeom>
@@ -38140,7 +38140,7 @@
           </p:nvSpPr>
           <p:spPr>
             <a:xfrm>
-              <a:off x="7428845" y="4223576"/>
+              <a:off x="7825586" y="4223621"/>
               <a:ext cx="63202" cy="63202"/>
             </a:xfrm>
             <a:custGeom>
@@ -38183,7 +38183,7 @@
           </p:nvSpPr>
           <p:spPr>
             <a:xfrm>
-              <a:off x="7564676" y="4107820"/>
+              <a:off x="7400961" y="4107855"/>
               <a:ext cx="63202" cy="63202"/>
             </a:xfrm>
             <a:custGeom>
@@ -38226,7 +38226,7 @@
           </p:nvSpPr>
           <p:spPr>
             <a:xfrm>
-              <a:off x="7612153" y="4334349"/>
+              <a:off x="7575015" y="4334387"/>
               <a:ext cx="63202" cy="63202"/>
             </a:xfrm>
             <a:custGeom>
@@ -38269,7 +38269,7 @@
           </p:nvSpPr>
           <p:spPr>
             <a:xfrm>
-              <a:off x="7711707" y="4222711"/>
+              <a:off x="7457397" y="4222712"/>
               <a:ext cx="63202" cy="63202"/>
             </a:xfrm>
             <a:custGeom>
@@ -38312,7 +38312,7 @@
           </p:nvSpPr>
           <p:spPr>
             <a:xfrm>
-              <a:off x="7505838" y="4316360"/>
+              <a:off x="7674195" y="4316423"/>
               <a:ext cx="63202" cy="63202"/>
             </a:xfrm>
             <a:custGeom>
@@ -38355,7 +38355,7 @@
           </p:nvSpPr>
           <p:spPr>
             <a:xfrm>
-              <a:off x="7751387" y="4171376"/>
+              <a:off x="7799836" y="4171425"/>
               <a:ext cx="63202" cy="63202"/>
             </a:xfrm>
             <a:custGeom>
@@ -38398,7 +38398,7 @@
           </p:nvSpPr>
           <p:spPr>
             <a:xfrm>
-              <a:off x="8001607" y="4142672"/>
+              <a:off x="7983063" y="4142680"/>
               <a:ext cx="63202" cy="63202"/>
             </a:xfrm>
             <a:custGeom>
@@ -38441,7 +38441,7 @@
           </p:nvSpPr>
           <p:spPr>
             <a:xfrm>
-              <a:off x="7904260" y="4228945"/>
+              <a:off x="7768921" y="4228987"/>
               <a:ext cx="63202" cy="63202"/>
             </a:xfrm>
             <a:custGeom>
@@ -38484,7 +38484,7 @@
           </p:nvSpPr>
           <p:spPr>
             <a:xfrm>
-              <a:off x="7817662" y="4273482"/>
+              <a:off x="7362375" y="4273493"/>
               <a:ext cx="63202" cy="63202"/>
             </a:xfrm>
             <a:custGeom>
@@ -38527,7 +38527,7 @@
           </p:nvSpPr>
           <p:spPr>
             <a:xfrm>
-              <a:off x="7867739" y="4117749"/>
+              <a:off x="7677484" y="4117782"/>
               <a:ext cx="63202" cy="63202"/>
             </a:xfrm>
             <a:custGeom>
@@ -38570,7 +38570,7 @@
           </p:nvSpPr>
           <p:spPr>
             <a:xfrm>
-              <a:off x="7829810" y="4095216"/>
+              <a:off x="7794921" y="4095256"/>
               <a:ext cx="63202" cy="63202"/>
             </a:xfrm>
             <a:custGeom>
@@ -38613,7 +38613,7 @@
           </p:nvSpPr>
           <p:spPr>
             <a:xfrm>
-              <a:off x="7866873" y="4183238"/>
+              <a:off x="7401990" y="4183286"/>
               <a:ext cx="63202" cy="63202"/>
             </a:xfrm>
             <a:custGeom>
@@ -38656,7 +38656,7 @@
           </p:nvSpPr>
           <p:spPr>
             <a:xfrm>
-              <a:off x="7722455" y="4095891"/>
+              <a:off x="7792579" y="4095925"/>
               <a:ext cx="63202" cy="63202"/>
             </a:xfrm>
             <a:custGeom>
@@ -38699,7 +38699,7 @@
           </p:nvSpPr>
           <p:spPr>
             <a:xfrm>
-              <a:off x="7758517" y="4141594"/>
+              <a:off x="7474543" y="4141630"/>
               <a:ext cx="63202" cy="63202"/>
             </a:xfrm>
             <a:custGeom>
@@ -40194,7 +40194,7 @@
           </p:nvSpPr>
           <p:spPr>
             <a:xfrm>
-              <a:off x="1210339" y="2686930"/>
+              <a:off x="1210339" y="2686974"/>
               <a:ext cx="186466" cy="81691"/>
             </a:xfrm>
             <a:prstGeom prst="rect">
@@ -40240,7 +40240,7 @@
           </p:nvSpPr>
           <p:spPr>
             <a:xfrm>
-              <a:off x="1148183" y="2347491"/>
+              <a:off x="1148183" y="2347526"/>
               <a:ext cx="248622" cy="81691"/>
             </a:xfrm>
             <a:prstGeom prst="rect">
@@ -40286,7 +40286,7 @@
           </p:nvSpPr>
           <p:spPr>
             <a:xfrm>
-              <a:off x="1148183" y="2008053"/>
+              <a:off x="1148183" y="2008078"/>
               <a:ext cx="248622" cy="81691"/>
             </a:xfrm>
             <a:prstGeom prst="rect">
@@ -40332,7 +40332,7 @@
           </p:nvSpPr>
           <p:spPr>
             <a:xfrm>
-              <a:off x="1148183" y="1668615"/>
+              <a:off x="1148183" y="1668630"/>
               <a:ext cx="248622" cy="81691"/>
             </a:xfrm>
             <a:prstGeom prst="rect">
@@ -40378,7 +40378,7 @@
           </p:nvSpPr>
           <p:spPr>
             <a:xfrm>
-              <a:off x="1424641" y="2728621"/>
+              <a:off x="1424641" y="2728666"/>
               <a:ext cx="34794" cy="0"/>
             </a:xfrm>
             <a:custGeom>
@@ -40418,7 +40418,7 @@
           </p:nvSpPr>
           <p:spPr>
             <a:xfrm>
-              <a:off x="1424641" y="2389183"/>
+              <a:off x="1424641" y="2389218"/>
               <a:ext cx="34794" cy="0"/>
             </a:xfrm>
             <a:custGeom>
@@ -40458,7 +40458,7 @@
           </p:nvSpPr>
           <p:spPr>
             <a:xfrm>
-              <a:off x="1424641" y="2049745"/>
+              <a:off x="1424641" y="2049770"/>
               <a:ext cx="34794" cy="0"/>
             </a:xfrm>
             <a:custGeom>
@@ -40498,7 +40498,7 @@
           </p:nvSpPr>
           <p:spPr>
             <a:xfrm>
-              <a:off x="1424641" y="1710307"/>
+              <a:off x="1424641" y="1710322"/>
               <a:ext cx="34794" cy="0"/>
             </a:xfrm>
             <a:custGeom>
@@ -40538,7 +40538,7 @@
           </p:nvSpPr>
           <p:spPr>
             <a:xfrm>
-              <a:off x="1210339" y="4612262"/>
+              <a:off x="1210339" y="4612307"/>
               <a:ext cx="186466" cy="81691"/>
             </a:xfrm>
             <a:prstGeom prst="rect">
@@ -40584,7 +40584,7 @@
           </p:nvSpPr>
           <p:spPr>
             <a:xfrm>
-              <a:off x="1148183" y="4272824"/>
+              <a:off x="1148183" y="4272859"/>
               <a:ext cx="248622" cy="81691"/>
             </a:xfrm>
             <a:prstGeom prst="rect">
@@ -40630,7 +40630,7 @@
           </p:nvSpPr>
           <p:spPr>
             <a:xfrm>
-              <a:off x="1148183" y="3933386"/>
+              <a:off x="1148183" y="3933411"/>
               <a:ext cx="248622" cy="81691"/>
             </a:xfrm>
             <a:prstGeom prst="rect">
@@ -40676,7 +40676,7 @@
           </p:nvSpPr>
           <p:spPr>
             <a:xfrm>
-              <a:off x="1148183" y="3593948"/>
+              <a:off x="1148183" y="3593963"/>
               <a:ext cx="248622" cy="81691"/>
             </a:xfrm>
             <a:prstGeom prst="rect">
@@ -40722,7 +40722,7 @@
           </p:nvSpPr>
           <p:spPr>
             <a:xfrm>
-              <a:off x="1424641" y="4653954"/>
+              <a:off x="1424641" y="4653999"/>
               <a:ext cx="34794" cy="0"/>
             </a:xfrm>
             <a:custGeom>
@@ -40762,7 +40762,7 @@
           </p:nvSpPr>
           <p:spPr>
             <a:xfrm>
-              <a:off x="1424641" y="4314516"/>
+              <a:off x="1424641" y="4314551"/>
               <a:ext cx="34794" cy="0"/>
             </a:xfrm>
             <a:custGeom>
@@ -40802,7 +40802,7 @@
           </p:nvSpPr>
           <p:spPr>
             <a:xfrm>
-              <a:off x="1424641" y="3975078"/>
+              <a:off x="1424641" y="3975103"/>
               <a:ext cx="34794" cy="0"/>
             </a:xfrm>
             <a:custGeom>
@@ -40842,7 +40842,7 @@
           </p:nvSpPr>
           <p:spPr>
             <a:xfrm>
-              <a:off x="1424641" y="3635639"/>
+              <a:off x="1424641" y="3635655"/>
               <a:ext cx="34794" cy="0"/>
             </a:xfrm>
             <a:custGeom>
@@ -40882,7 +40882,7 @@
           </p:nvSpPr>
           <p:spPr>
             <a:xfrm>
-              <a:off x="1210339" y="6537595"/>
+              <a:off x="1210339" y="6537639"/>
               <a:ext cx="186466" cy="81691"/>
             </a:xfrm>
             <a:prstGeom prst="rect">
@@ -40928,7 +40928,7 @@
           </p:nvSpPr>
           <p:spPr>
             <a:xfrm>
-              <a:off x="1148183" y="6198157"/>
+              <a:off x="1148183" y="6198191"/>
               <a:ext cx="248622" cy="81691"/>
             </a:xfrm>
             <a:prstGeom prst="rect">
@@ -40974,7 +40974,7 @@
           </p:nvSpPr>
           <p:spPr>
             <a:xfrm>
-              <a:off x="1148183" y="5858718"/>
+              <a:off x="1148183" y="5858743"/>
               <a:ext cx="248622" cy="81691"/>
             </a:xfrm>
             <a:prstGeom prst="rect">
@@ -41020,7 +41020,7 @@
           </p:nvSpPr>
           <p:spPr>
             <a:xfrm>
-              <a:off x="1148183" y="5519280"/>
+              <a:off x="1148183" y="5519295"/>
               <a:ext cx="248622" cy="81691"/>
             </a:xfrm>
             <a:prstGeom prst="rect">
@@ -41066,7 +41066,7 @@
           </p:nvSpPr>
           <p:spPr>
             <a:xfrm>
-              <a:off x="1424641" y="6579287"/>
+              <a:off x="1424641" y="6579331"/>
               <a:ext cx="34794" cy="0"/>
             </a:xfrm>
             <a:custGeom>
@@ -41106,7 +41106,7 @@
           </p:nvSpPr>
           <p:spPr>
             <a:xfrm>
-              <a:off x="1424641" y="6239848"/>
+              <a:off x="1424641" y="6239883"/>
               <a:ext cx="34794" cy="0"/>
             </a:xfrm>
             <a:custGeom>
@@ -41146,7 +41146,7 @@
           </p:nvSpPr>
           <p:spPr>
             <a:xfrm>
-              <a:off x="1424641" y="5900410"/>
+              <a:off x="1424641" y="5900435"/>
               <a:ext cx="34794" cy="0"/>
             </a:xfrm>
             <a:custGeom>
@@ -41186,7 +41186,7 @@
           </p:nvSpPr>
           <p:spPr>
             <a:xfrm>
-              <a:off x="1424641" y="5560972"/>
+              <a:off x="1424641" y="5560987"/>
               <a:ext cx="34794" cy="0"/>
             </a:xfrm>
             <a:custGeom>

--- a/Images/Figures_PPT/Jitter_Plot_TOR_Domain.pptx
+++ b/Images/Figures_PPT/Jitter_Plot_TOR_Domain.pptx
@@ -2359,7 +2359,7 @@
           </p:nvSpPr>
           <p:spPr>
             <a:xfrm>
-              <a:off x="1459435" y="2898390"/>
+              <a:off x="1459435" y="2898377"/>
               <a:ext cx="2796732" cy="0"/>
             </a:xfrm>
             <a:custGeom>
@@ -2402,7 +2402,7 @@
           </p:nvSpPr>
           <p:spPr>
             <a:xfrm>
-              <a:off x="1459435" y="2558942"/>
+              <a:off x="1459435" y="2558932"/>
               <a:ext cx="2796732" cy="0"/>
             </a:xfrm>
             <a:custGeom>
@@ -2445,7 +2445,7 @@
           </p:nvSpPr>
           <p:spPr>
             <a:xfrm>
-              <a:off x="1459435" y="2219494"/>
+              <a:off x="1459435" y="2219487"/>
               <a:ext cx="2796732" cy="0"/>
             </a:xfrm>
             <a:custGeom>
@@ -2488,7 +2488,7 @@
           </p:nvSpPr>
           <p:spPr>
             <a:xfrm>
-              <a:off x="1459435" y="1880046"/>
+              <a:off x="1459435" y="1880041"/>
               <a:ext cx="2796732" cy="0"/>
             </a:xfrm>
             <a:custGeom>
@@ -2531,7 +2531,7 @@
           </p:nvSpPr>
           <p:spPr>
             <a:xfrm>
-              <a:off x="1459435" y="1540598"/>
+              <a:off x="1459435" y="1540596"/>
               <a:ext cx="2796732" cy="0"/>
             </a:xfrm>
             <a:custGeom>
@@ -2574,7 +2574,7 @@
           </p:nvSpPr>
           <p:spPr>
             <a:xfrm>
-              <a:off x="1459435" y="2728666"/>
+              <a:off x="1459435" y="2728655"/>
               <a:ext cx="2796732" cy="0"/>
             </a:xfrm>
             <a:custGeom>
@@ -2617,7 +2617,7 @@
           </p:nvSpPr>
           <p:spPr>
             <a:xfrm>
-              <a:off x="1459435" y="2389218"/>
+              <a:off x="1459435" y="2389209"/>
               <a:ext cx="2796732" cy="0"/>
             </a:xfrm>
             <a:custGeom>
@@ -2660,7 +2660,7 @@
           </p:nvSpPr>
           <p:spPr>
             <a:xfrm>
-              <a:off x="1459435" y="2049770"/>
+              <a:off x="1459435" y="2049764"/>
               <a:ext cx="2796732" cy="0"/>
             </a:xfrm>
             <a:custGeom>
@@ -2703,7 +2703,7 @@
           </p:nvSpPr>
           <p:spPr>
             <a:xfrm>
-              <a:off x="1459435" y="1710322"/>
+              <a:off x="1459435" y="1710318"/>
               <a:ext cx="2796732" cy="0"/>
             </a:xfrm>
             <a:custGeom>
@@ -2875,7 +2875,7 @@
           </p:nvSpPr>
           <p:spPr>
             <a:xfrm>
-              <a:off x="2908564" y="2881301"/>
+              <a:off x="2848151" y="2881292"/>
               <a:ext cx="63202" cy="63202"/>
             </a:xfrm>
             <a:custGeom>
@@ -2918,7 +2918,7 @@
           </p:nvSpPr>
           <p:spPr>
             <a:xfrm>
-              <a:off x="1825549" y="2152515"/>
+              <a:off x="2261317" y="2152491"/>
               <a:ext cx="63202" cy="63202"/>
             </a:xfrm>
             <a:custGeom>
@@ -2961,7 +2961,7 @@
           </p:nvSpPr>
           <p:spPr>
             <a:xfrm>
-              <a:off x="1776871" y="2400710"/>
+              <a:off x="1857906" y="2400725"/>
               <a:ext cx="63202" cy="63202"/>
             </a:xfrm>
             <a:custGeom>
@@ -3004,7 +3004,7 @@
           </p:nvSpPr>
           <p:spPr>
             <a:xfrm>
-              <a:off x="2788138" y="2878648"/>
+              <a:off x="2984597" y="2878657"/>
               <a:ext cx="63202" cy="63202"/>
             </a:xfrm>
             <a:custGeom>
@@ -3047,7 +3047,7 @@
           </p:nvSpPr>
           <p:spPr>
             <a:xfrm>
-              <a:off x="1737180" y="2697458"/>
+              <a:off x="1783477" y="2697457"/>
               <a:ext cx="63202" cy="63202"/>
             </a:xfrm>
             <a:custGeom>
@@ -3090,7 +3090,7 @@
           </p:nvSpPr>
           <p:spPr>
             <a:xfrm>
-              <a:off x="2085272" y="2733449"/>
+              <a:off x="1792608" y="2733416"/>
               <a:ext cx="63202" cy="63202"/>
             </a:xfrm>
             <a:custGeom>
@@ -3133,7 +3133,7 @@
           </p:nvSpPr>
           <p:spPr>
             <a:xfrm>
-              <a:off x="2267131" y="2063735"/>
+              <a:off x="1787621" y="2063700"/>
               <a:ext cx="63202" cy="63202"/>
             </a:xfrm>
             <a:custGeom>
@@ -3176,7 +3176,7 @@
           </p:nvSpPr>
           <p:spPr>
             <a:xfrm>
-              <a:off x="2137733" y="2292776"/>
+              <a:off x="1855305" y="2292765"/>
               <a:ext cx="63202" cy="63202"/>
             </a:xfrm>
             <a:custGeom>
@@ -3219,7 +3219,7 @@
           </p:nvSpPr>
           <p:spPr>
             <a:xfrm>
-              <a:off x="1943279" y="2542940"/>
+              <a:off x="1607936" y="2542961"/>
               <a:ext cx="63202" cy="63202"/>
             </a:xfrm>
             <a:custGeom>
@@ -3262,7 +3262,7 @@
           </p:nvSpPr>
           <p:spPr>
             <a:xfrm>
-              <a:off x="1644729" y="2250868"/>
+              <a:off x="2130658" y="2250861"/>
               <a:ext cx="63202" cy="63202"/>
             </a:xfrm>
             <a:custGeom>
@@ -3305,7 +3305,7 @@
           </p:nvSpPr>
           <p:spPr>
             <a:xfrm>
-              <a:off x="2286382" y="2720078"/>
+              <a:off x="1964693" y="2720053"/>
               <a:ext cx="63202" cy="63202"/>
             </a:xfrm>
             <a:custGeom>
@@ -3348,7 +3348,7 @@
           </p:nvSpPr>
           <p:spPr>
             <a:xfrm>
-              <a:off x="2785263" y="2923586"/>
+              <a:off x="2769231" y="2923626"/>
               <a:ext cx="63202" cy="63202"/>
             </a:xfrm>
             <a:custGeom>
@@ -3391,7 +3391,7 @@
           </p:nvSpPr>
           <p:spPr>
             <a:xfrm>
-              <a:off x="1740335" y="2292563"/>
+              <a:off x="1852616" y="2292569"/>
               <a:ext cx="63202" cy="63202"/>
             </a:xfrm>
             <a:custGeom>
@@ -3434,7 +3434,7 @@
           </p:nvSpPr>
           <p:spPr>
             <a:xfrm>
-              <a:off x="1996001" y="2732563"/>
+              <a:off x="1987103" y="2732581"/>
               <a:ext cx="63202" cy="63202"/>
             </a:xfrm>
             <a:custGeom>
@@ -3477,7 +3477,7 @@
           </p:nvSpPr>
           <p:spPr>
             <a:xfrm>
-              <a:off x="2048237" y="2574109"/>
+              <a:off x="1971560" y="2574083"/>
               <a:ext cx="63202" cy="63202"/>
             </a:xfrm>
             <a:custGeom>
@@ -3520,7 +3520,7 @@
           </p:nvSpPr>
           <p:spPr>
             <a:xfrm>
-              <a:off x="1605645" y="2542959"/>
+              <a:off x="1819246" y="2542924"/>
               <a:ext cx="63202" cy="63202"/>
             </a:xfrm>
             <a:custGeom>
@@ -3563,7 +3563,7 @@
           </p:nvSpPr>
           <p:spPr>
             <a:xfrm>
-              <a:off x="1812810" y="2734963"/>
+              <a:off x="2061053" y="2734962"/>
               <a:ext cx="63202" cy="63202"/>
             </a:xfrm>
             <a:custGeom>
@@ -3606,7 +3606,7 @@
           </p:nvSpPr>
           <p:spPr>
             <a:xfrm>
-              <a:off x="2596725" y="2914677"/>
+              <a:off x="2624999" y="2914658"/>
               <a:ext cx="63202" cy="63202"/>
             </a:xfrm>
             <a:custGeom>
@@ -3649,7 +3649,7 @@
           </p:nvSpPr>
           <p:spPr>
             <a:xfrm>
-              <a:off x="2261368" y="2811825"/>
+              <a:off x="1903115" y="2811761"/>
               <a:ext cx="63202" cy="63202"/>
             </a:xfrm>
             <a:custGeom>
@@ -3692,7 +3692,7 @@
           </p:nvSpPr>
           <p:spPr>
             <a:xfrm>
-              <a:off x="2236470" y="2250881"/>
+              <a:off x="2021935" y="2250878"/>
               <a:ext cx="63202" cy="63202"/>
             </a:xfrm>
             <a:custGeom>
@@ -3735,7 +3735,7 @@
           </p:nvSpPr>
           <p:spPr>
             <a:xfrm>
-              <a:off x="2001670" y="2531569"/>
+              <a:off x="2295244" y="2531563"/>
               <a:ext cx="63202" cy="63202"/>
             </a:xfrm>
             <a:custGeom>
@@ -3778,7 +3778,7 @@
           </p:nvSpPr>
           <p:spPr>
             <a:xfrm>
-              <a:off x="1911286" y="2736374"/>
+              <a:off x="1867873" y="2736366"/>
               <a:ext cx="63202" cy="63202"/>
             </a:xfrm>
             <a:custGeom>
@@ -3821,7 +3821,7 @@
           </p:nvSpPr>
           <p:spPr>
             <a:xfrm>
-              <a:off x="1771596" y="2294022"/>
+              <a:off x="1984842" y="2293977"/>
               <a:ext cx="63202" cy="63202"/>
             </a:xfrm>
             <a:custGeom>
@@ -3864,7 +3864,7 @@
           </p:nvSpPr>
           <p:spPr>
             <a:xfrm>
-              <a:off x="1625974" y="2753024"/>
+              <a:off x="2141303" y="2752998"/>
               <a:ext cx="63202" cy="63202"/>
             </a:xfrm>
             <a:custGeom>
@@ -3907,7 +3907,7 @@
           </p:nvSpPr>
           <p:spPr>
             <a:xfrm>
-              <a:off x="1648709" y="2675499"/>
+              <a:off x="2170708" y="2675453"/>
               <a:ext cx="63202" cy="63202"/>
             </a:xfrm>
             <a:custGeom>
@@ -3950,7 +3950,7 @@
           </p:nvSpPr>
           <p:spPr>
             <a:xfrm>
-              <a:off x="1977988" y="2542625"/>
+              <a:off x="2259633" y="2542588"/>
               <a:ext cx="63202" cy="63202"/>
             </a:xfrm>
             <a:custGeom>
@@ -3993,7 +3993,7 @@
           </p:nvSpPr>
           <p:spPr>
             <a:xfrm>
-              <a:off x="2295755" y="2543575"/>
+              <a:off x="2141567" y="2543547"/>
               <a:ext cx="63202" cy="63202"/>
             </a:xfrm>
             <a:custGeom>
@@ -4036,7 +4036,7 @@
           </p:nvSpPr>
           <p:spPr>
             <a:xfrm>
-              <a:off x="1619291" y="2543305"/>
+              <a:off x="1860794" y="2543262"/>
               <a:ext cx="63202" cy="63202"/>
             </a:xfrm>
             <a:custGeom>
@@ -4079,7 +4079,7 @@
           </p:nvSpPr>
           <p:spPr>
             <a:xfrm>
-              <a:off x="1717835" y="2543777"/>
+              <a:off x="1765907" y="2543775"/>
               <a:ext cx="63202" cy="63202"/>
             </a:xfrm>
             <a:custGeom>
@@ -4122,7 +4122,7 @@
           </p:nvSpPr>
           <p:spPr>
             <a:xfrm>
-              <a:off x="2187338" y="2541925"/>
+              <a:off x="2034302" y="2541904"/>
               <a:ext cx="63202" cy="63202"/>
             </a:xfrm>
             <a:custGeom>
@@ -4165,7 +4165,7 @@
           </p:nvSpPr>
           <p:spPr>
             <a:xfrm>
-              <a:off x="1887092" y="2543367"/>
+              <a:off x="1849668" y="2543363"/>
               <a:ext cx="63202" cy="63202"/>
             </a:xfrm>
             <a:custGeom>
@@ -4208,7 +4208,7 @@
           </p:nvSpPr>
           <p:spPr>
             <a:xfrm>
-              <a:off x="2061623" y="2541943"/>
+              <a:off x="1618387" y="2541913"/>
               <a:ext cx="63202" cy="63202"/>
             </a:xfrm>
             <a:custGeom>
@@ -4251,7 +4251,7 @@
           </p:nvSpPr>
           <p:spPr>
             <a:xfrm>
-              <a:off x="1696268" y="2541047"/>
+              <a:off x="1711403" y="2541021"/>
               <a:ext cx="63202" cy="63202"/>
             </a:xfrm>
             <a:custGeom>
@@ -4294,7 +4294,7 @@
           </p:nvSpPr>
           <p:spPr>
             <a:xfrm>
-              <a:off x="2150581" y="2542935"/>
+              <a:off x="1874522" y="2542934"/>
               <a:ext cx="63202" cy="63202"/>
             </a:xfrm>
             <a:custGeom>
@@ -4337,7 +4337,7 @@
           </p:nvSpPr>
           <p:spPr>
             <a:xfrm>
-              <a:off x="2083562" y="2819354"/>
+              <a:off x="1640521" y="2819335"/>
               <a:ext cx="63202" cy="63202"/>
             </a:xfrm>
             <a:custGeom>
@@ -4380,7 +4380,7 @@
           </p:nvSpPr>
           <p:spPr>
             <a:xfrm>
-              <a:off x="2945631" y="2845550"/>
+              <a:off x="2822504" y="2845547"/>
               <a:ext cx="63202" cy="63202"/>
             </a:xfrm>
             <a:custGeom>
@@ -4423,7 +4423,7 @@
           </p:nvSpPr>
           <p:spPr>
             <a:xfrm>
-              <a:off x="2643950" y="2890433"/>
+              <a:off x="2886198" y="2890397"/>
               <a:ext cx="63202" cy="63202"/>
             </a:xfrm>
             <a:custGeom>
@@ -4466,7 +4466,7 @@
           </p:nvSpPr>
           <p:spPr>
             <a:xfrm>
-              <a:off x="3617907" y="2946490"/>
+              <a:off x="3614259" y="2946470"/>
               <a:ext cx="63202" cy="63202"/>
             </a:xfrm>
             <a:custGeom>
@@ -4509,7 +4509,7 @@
           </p:nvSpPr>
           <p:spPr>
             <a:xfrm>
-              <a:off x="3102565" y="2910652"/>
+              <a:off x="3078304" y="2910628"/>
               <a:ext cx="63202" cy="63202"/>
             </a:xfrm>
             <a:custGeom>
@@ -4552,7 +4552,7 @@
           </p:nvSpPr>
           <p:spPr>
             <a:xfrm>
-              <a:off x="2996661" y="2866179"/>
+              <a:off x="2770956" y="2866170"/>
               <a:ext cx="63202" cy="63202"/>
             </a:xfrm>
             <a:custGeom>
@@ -4595,7 +4595,7 @@
           </p:nvSpPr>
           <p:spPr>
             <a:xfrm>
-              <a:off x="2989323" y="2920156"/>
+              <a:off x="2754617" y="2920113"/>
               <a:ext cx="63202" cy="63202"/>
             </a:xfrm>
             <a:custGeom>
@@ -4638,7 +4638,7 @@
           </p:nvSpPr>
           <p:spPr>
             <a:xfrm>
-              <a:off x="1666015" y="2235466"/>
+              <a:off x="2215856" y="2235478"/>
               <a:ext cx="63202" cy="63202"/>
             </a:xfrm>
             <a:custGeom>
@@ -4681,7 +4681,7 @@
           </p:nvSpPr>
           <p:spPr>
             <a:xfrm>
-              <a:off x="3031758" y="2840790"/>
+              <a:off x="3012352" y="2840798"/>
               <a:ext cx="63202" cy="63202"/>
             </a:xfrm>
             <a:custGeom>
@@ -4724,7 +4724,7 @@
           </p:nvSpPr>
           <p:spPr>
             <a:xfrm>
-              <a:off x="1733582" y="2805478"/>
+              <a:off x="2082299" y="2805447"/>
               <a:ext cx="63202" cy="63202"/>
             </a:xfrm>
             <a:custGeom>
@@ -4767,7 +4767,7 @@
           </p:nvSpPr>
           <p:spPr>
             <a:xfrm>
-              <a:off x="1841535" y="2368805"/>
+              <a:off x="1731781" y="2368820"/>
               <a:ext cx="63202" cy="63202"/>
             </a:xfrm>
             <a:custGeom>
@@ -4810,7 +4810,7 @@
           </p:nvSpPr>
           <p:spPr>
             <a:xfrm>
-              <a:off x="2198755" y="2735849"/>
+              <a:off x="1921725" y="2735803"/>
               <a:ext cx="63202" cy="63202"/>
             </a:xfrm>
             <a:custGeom>
@@ -4853,7 +4853,7 @@
           </p:nvSpPr>
           <p:spPr>
             <a:xfrm>
-              <a:off x="1832102" y="2726483"/>
+              <a:off x="2205537" y="2726469"/>
               <a:ext cx="63202" cy="63202"/>
             </a:xfrm>
             <a:custGeom>
@@ -4896,7 +4896,7 @@
           </p:nvSpPr>
           <p:spPr>
             <a:xfrm>
-              <a:off x="1933600" y="2740772"/>
+              <a:off x="1858936" y="2740761"/>
               <a:ext cx="63202" cy="63202"/>
             </a:xfrm>
             <a:custGeom>
@@ -4939,7 +4939,7 @@
           </p:nvSpPr>
           <p:spPr>
             <a:xfrm>
-              <a:off x="2233452" y="2735202"/>
+              <a:off x="1887826" y="2735233"/>
               <a:ext cx="63202" cy="63202"/>
             </a:xfrm>
             <a:custGeom>
@@ -4982,7 +4982,7 @@
           </p:nvSpPr>
           <p:spPr>
             <a:xfrm>
-              <a:off x="1867005" y="2817116"/>
+              <a:off x="1885523" y="2817085"/>
               <a:ext cx="63202" cy="63202"/>
             </a:xfrm>
             <a:custGeom>
@@ -5025,7 +5025,7 @@
           </p:nvSpPr>
           <p:spPr>
             <a:xfrm>
-              <a:off x="1969046" y="2504038"/>
+              <a:off x="1679271" y="2504039"/>
               <a:ext cx="63202" cy="63202"/>
             </a:xfrm>
             <a:custGeom>
@@ -5068,7 +5068,7 @@
           </p:nvSpPr>
           <p:spPr>
             <a:xfrm>
-              <a:off x="1681642" y="2482601"/>
+              <a:off x="2008882" y="2482572"/>
               <a:ext cx="63202" cy="63202"/>
             </a:xfrm>
             <a:custGeom>
@@ -5111,7 +5111,7 @@
           </p:nvSpPr>
           <p:spPr>
             <a:xfrm>
-              <a:off x="2214354" y="2818372"/>
+              <a:off x="1863883" y="2818375"/>
               <a:ext cx="63202" cy="63202"/>
             </a:xfrm>
             <a:custGeom>
@@ -5154,7 +5154,7 @@
           </p:nvSpPr>
           <p:spPr>
             <a:xfrm>
-              <a:off x="3056809" y="2930352"/>
+              <a:off x="2600831" y="2930322"/>
               <a:ext cx="63202" cy="63202"/>
             </a:xfrm>
             <a:custGeom>
@@ -5197,7 +5197,7 @@
           </p:nvSpPr>
           <p:spPr>
             <a:xfrm>
-              <a:off x="1751396" y="2730480"/>
+              <a:off x="1942690" y="2730481"/>
               <a:ext cx="63202" cy="63202"/>
             </a:xfrm>
             <a:custGeom>
@@ -5240,7 +5240,7 @@
           </p:nvSpPr>
           <p:spPr>
             <a:xfrm>
-              <a:off x="2197616" y="2734899"/>
+              <a:off x="1666088" y="2734869"/>
               <a:ext cx="63202" cy="63202"/>
             </a:xfrm>
             <a:custGeom>
@@ -5283,7 +5283,7 @@
           </p:nvSpPr>
           <p:spPr>
             <a:xfrm>
-              <a:off x="2021588" y="2737599"/>
+              <a:off x="2182643" y="2737582"/>
               <a:ext cx="63202" cy="63202"/>
             </a:xfrm>
             <a:custGeom>
@@ -5326,7 +5326,7 @@
           </p:nvSpPr>
           <p:spPr>
             <a:xfrm>
-              <a:off x="1805364" y="2735674"/>
+              <a:off x="1785826" y="2735697"/>
               <a:ext cx="63202" cy="63202"/>
             </a:xfrm>
             <a:custGeom>
@@ -5369,7 +5369,7 @@
           </p:nvSpPr>
           <p:spPr>
             <a:xfrm>
-              <a:off x="2145912" y="2554552"/>
+              <a:off x="1678377" y="2554553"/>
               <a:ext cx="63202" cy="63202"/>
             </a:xfrm>
             <a:custGeom>
@@ -5412,7 +5412,7 @@
           </p:nvSpPr>
           <p:spPr>
             <a:xfrm>
-              <a:off x="2110865" y="2250883"/>
+              <a:off x="2226610" y="2250888"/>
               <a:ext cx="63202" cy="63202"/>
             </a:xfrm>
             <a:custGeom>
@@ -5455,7 +5455,7 @@
           </p:nvSpPr>
           <p:spPr>
             <a:xfrm>
-              <a:off x="1968220" y="2236319"/>
+              <a:off x="2032478" y="2236283"/>
               <a:ext cx="63202" cy="63202"/>
             </a:xfrm>
             <a:custGeom>
@@ -5498,7 +5498,7 @@
           </p:nvSpPr>
           <p:spPr>
             <a:xfrm>
-              <a:off x="1928005" y="2715512"/>
+              <a:off x="2202027" y="2715507"/>
               <a:ext cx="63202" cy="63202"/>
             </a:xfrm>
             <a:custGeom>
@@ -5541,7 +5541,7 @@
           </p:nvSpPr>
           <p:spPr>
             <a:xfrm>
-              <a:off x="2685805" y="2878820"/>
+              <a:off x="2640959" y="2878786"/>
               <a:ext cx="63202" cy="63202"/>
             </a:xfrm>
             <a:custGeom>
@@ -5584,7 +5584,7 @@
           </p:nvSpPr>
           <p:spPr>
             <a:xfrm>
-              <a:off x="2594896" y="2866570"/>
+              <a:off x="2818632" y="2866546"/>
               <a:ext cx="63202" cy="63202"/>
             </a:xfrm>
             <a:custGeom>
@@ -5627,7 +5627,7 @@
           </p:nvSpPr>
           <p:spPr>
             <a:xfrm>
-              <a:off x="1834540" y="2809212"/>
+              <a:off x="1990000" y="2809186"/>
               <a:ext cx="63202" cy="63202"/>
             </a:xfrm>
             <a:custGeom>
@@ -5670,7 +5670,7 @@
           </p:nvSpPr>
           <p:spPr>
             <a:xfrm>
-              <a:off x="1704323" y="2711407"/>
+              <a:off x="2236681" y="2711392"/>
               <a:ext cx="63202" cy="63202"/>
             </a:xfrm>
             <a:custGeom>
@@ -5713,7 +5713,7 @@
           </p:nvSpPr>
           <p:spPr>
             <a:xfrm>
-              <a:off x="2131956" y="2798533"/>
+              <a:off x="1627944" y="2798548"/>
               <a:ext cx="63202" cy="63202"/>
             </a:xfrm>
             <a:custGeom>
@@ -5756,7 +5756,7 @@
           </p:nvSpPr>
           <p:spPr>
             <a:xfrm>
-              <a:off x="2026673" y="2808594"/>
+              <a:off x="1925251" y="2808596"/>
               <a:ext cx="63202" cy="63202"/>
             </a:xfrm>
             <a:custGeom>
@@ -5799,7 +5799,7 @@
           </p:nvSpPr>
           <p:spPr>
             <a:xfrm>
-              <a:off x="2123387" y="2736398"/>
+              <a:off x="2230035" y="2736362"/>
               <a:ext cx="63202" cy="63202"/>
             </a:xfrm>
             <a:custGeom>
@@ -5842,7 +5842,7 @@
           </p:nvSpPr>
           <p:spPr>
             <a:xfrm>
-              <a:off x="1954059" y="2739555"/>
+              <a:off x="2100353" y="2739572"/>
               <a:ext cx="63202" cy="63202"/>
             </a:xfrm>
             <a:custGeom>
@@ -5885,7 +5885,7 @@
           </p:nvSpPr>
           <p:spPr>
             <a:xfrm>
-              <a:off x="2922717" y="2834999"/>
+              <a:off x="2716817" y="2834984"/>
               <a:ext cx="63202" cy="63202"/>
             </a:xfrm>
             <a:custGeom>
@@ -5928,7 +5928,7 @@
           </p:nvSpPr>
           <p:spPr>
             <a:xfrm>
-              <a:off x="2084001" y="2230652"/>
+              <a:off x="1975882" y="2230665"/>
               <a:ext cx="63202" cy="63202"/>
             </a:xfrm>
             <a:custGeom>
@@ -5971,7 +5971,7 @@
           </p:nvSpPr>
           <p:spPr>
             <a:xfrm>
-              <a:off x="1715651" y="2232981"/>
+              <a:off x="2244226" y="2232962"/>
               <a:ext cx="63202" cy="63202"/>
             </a:xfrm>
             <a:custGeom>
@@ -6014,7 +6014,7 @@
           </p:nvSpPr>
           <p:spPr>
             <a:xfrm>
-              <a:off x="1692892" y="2237095"/>
+              <a:off x="2256324" y="2237124"/>
               <a:ext cx="63202" cy="63202"/>
             </a:xfrm>
             <a:custGeom>
@@ -6057,7 +6057,7 @@
           </p:nvSpPr>
           <p:spPr>
             <a:xfrm>
-              <a:off x="1912494" y="2747557"/>
+              <a:off x="2179331" y="2747552"/>
               <a:ext cx="63202" cy="63202"/>
             </a:xfrm>
             <a:custGeom>
@@ -6100,7 +6100,7 @@
           </p:nvSpPr>
           <p:spPr>
             <a:xfrm>
-              <a:off x="1861606" y="2749059"/>
+              <a:off x="2124807" y="2749045"/>
               <a:ext cx="63202" cy="63202"/>
             </a:xfrm>
             <a:custGeom>
@@ -6143,7 +6143,7 @@
           </p:nvSpPr>
           <p:spPr>
             <a:xfrm>
-              <a:off x="1968693" y="2509072"/>
+              <a:off x="1736008" y="2509072"/>
               <a:ext cx="63202" cy="63202"/>
             </a:xfrm>
             <a:custGeom>
@@ -6186,7 +6186,7 @@
           </p:nvSpPr>
           <p:spPr>
             <a:xfrm>
-              <a:off x="1742229" y="2786132"/>
+              <a:off x="2028010" y="2786116"/>
               <a:ext cx="63202" cy="63202"/>
             </a:xfrm>
             <a:custGeom>
@@ -6229,7 +6229,7 @@
           </p:nvSpPr>
           <p:spPr>
             <a:xfrm>
-              <a:off x="1892975" y="2270584"/>
+              <a:off x="1906120" y="2270555"/>
               <a:ext cx="63202" cy="63202"/>
             </a:xfrm>
             <a:custGeom>
@@ -6272,7 +6272,7 @@
           </p:nvSpPr>
           <p:spPr>
             <a:xfrm>
-              <a:off x="1671048" y="2763335"/>
+              <a:off x="1870052" y="2763334"/>
               <a:ext cx="63202" cy="63202"/>
             </a:xfrm>
             <a:custGeom>
@@ -6315,7 +6315,7 @@
           </p:nvSpPr>
           <p:spPr>
             <a:xfrm>
-              <a:off x="1962146" y="2641777"/>
+              <a:off x="2050213" y="2641816"/>
               <a:ext cx="63202" cy="63202"/>
             </a:xfrm>
             <a:custGeom>
@@ -6358,7 +6358,7 @@
           </p:nvSpPr>
           <p:spPr>
             <a:xfrm>
-              <a:off x="2297260" y="2728813"/>
+              <a:off x="1807306" y="2728815"/>
               <a:ext cx="63202" cy="63202"/>
             </a:xfrm>
             <a:custGeom>
@@ -6401,7 +6401,7 @@
           </p:nvSpPr>
           <p:spPr>
             <a:xfrm>
-              <a:off x="2191441" y="2236750"/>
+              <a:off x="2006080" y="2236744"/>
               <a:ext cx="63202" cy="63202"/>
             </a:xfrm>
             <a:custGeom>
@@ -6500,7 +6500,7 @@
           </p:nvSpPr>
           <p:spPr>
             <a:xfrm>
-              <a:off x="1459435" y="4823723"/>
+              <a:off x="1459435" y="4823710"/>
               <a:ext cx="2796732" cy="0"/>
             </a:xfrm>
             <a:custGeom>
@@ -6543,7 +6543,7 @@
           </p:nvSpPr>
           <p:spPr>
             <a:xfrm>
-              <a:off x="1459435" y="4484275"/>
+              <a:off x="1459435" y="4484265"/>
               <a:ext cx="2796732" cy="0"/>
             </a:xfrm>
             <a:custGeom>
@@ -6586,7 +6586,7 @@
           </p:nvSpPr>
           <p:spPr>
             <a:xfrm>
-              <a:off x="1459435" y="4144827"/>
+              <a:off x="1459435" y="4144819"/>
               <a:ext cx="2796732" cy="0"/>
             </a:xfrm>
             <a:custGeom>
@@ -6629,7 +6629,7 @@
           </p:nvSpPr>
           <p:spPr>
             <a:xfrm>
-              <a:off x="1459435" y="3805379"/>
+              <a:off x="1459435" y="3805374"/>
               <a:ext cx="2796732" cy="0"/>
             </a:xfrm>
             <a:custGeom>
@@ -6672,7 +6672,7 @@
           </p:nvSpPr>
           <p:spPr>
             <a:xfrm>
-              <a:off x="1459435" y="3465931"/>
+              <a:off x="1459435" y="3465928"/>
               <a:ext cx="2796732" cy="0"/>
             </a:xfrm>
             <a:custGeom>
@@ -6715,7 +6715,7 @@
           </p:nvSpPr>
           <p:spPr>
             <a:xfrm>
-              <a:off x="1459435" y="4653999"/>
+              <a:off x="1459435" y="4653987"/>
               <a:ext cx="2796732" cy="0"/>
             </a:xfrm>
             <a:custGeom>
@@ -6758,7 +6758,7 @@
           </p:nvSpPr>
           <p:spPr>
             <a:xfrm>
-              <a:off x="1459435" y="4314551"/>
+              <a:off x="1459435" y="4314542"/>
               <a:ext cx="2796732" cy="0"/>
             </a:xfrm>
             <a:custGeom>
@@ -6801,7 +6801,7 @@
           </p:nvSpPr>
           <p:spPr>
             <a:xfrm>
-              <a:off x="1459435" y="3975103"/>
+              <a:off x="1459435" y="3975096"/>
               <a:ext cx="2796732" cy="0"/>
             </a:xfrm>
             <a:custGeom>
@@ -6844,7 +6844,7 @@
           </p:nvSpPr>
           <p:spPr>
             <a:xfrm>
-              <a:off x="1459435" y="3635655"/>
+              <a:off x="1459435" y="3635651"/>
               <a:ext cx="2796732" cy="0"/>
             </a:xfrm>
             <a:custGeom>
@@ -7016,7 +7016,7 @@
           </p:nvSpPr>
           <p:spPr>
             <a:xfrm>
-              <a:off x="1918187" y="4329906"/>
+              <a:off x="1625894" y="4329919"/>
               <a:ext cx="63202" cy="63202"/>
             </a:xfrm>
             <a:custGeom>
@@ -7059,7 +7059,7 @@
           </p:nvSpPr>
           <p:spPr>
             <a:xfrm>
-              <a:off x="2284190" y="4476138"/>
+              <a:off x="1616780" y="4476157"/>
               <a:ext cx="63202" cy="63202"/>
             </a:xfrm>
             <a:custGeom>
@@ -7102,7 +7102,7 @@
           </p:nvSpPr>
           <p:spPr>
             <a:xfrm>
-              <a:off x="1833740" y="4328149"/>
+              <a:off x="1625425" y="4328134"/>
               <a:ext cx="63202" cy="63202"/>
             </a:xfrm>
             <a:custGeom>
@@ -7145,7 +7145,7 @@
           </p:nvSpPr>
           <p:spPr>
             <a:xfrm>
-              <a:off x="1682782" y="4339165"/>
+              <a:off x="2274502" y="4339174"/>
               <a:ext cx="63202" cy="63202"/>
             </a:xfrm>
             <a:custGeom>
@@ -7188,7 +7188,7 @@
           </p:nvSpPr>
           <p:spPr>
             <a:xfrm>
-              <a:off x="1668688" y="4332291"/>
+              <a:off x="1811776" y="4332274"/>
               <a:ext cx="63202" cy="63202"/>
             </a:xfrm>
             <a:custGeom>
@@ -7231,7 +7231,7 @@
           </p:nvSpPr>
           <p:spPr>
             <a:xfrm>
-              <a:off x="2103691" y="4541403"/>
+              <a:off x="2153169" y="4541371"/>
               <a:ext cx="63202" cy="63202"/>
             </a:xfrm>
             <a:custGeom>
@@ -7274,7 +7274,7 @@
           </p:nvSpPr>
           <p:spPr>
             <a:xfrm>
-              <a:off x="1868938" y="4394418"/>
+              <a:off x="1717601" y="4394433"/>
               <a:ext cx="63202" cy="63202"/>
             </a:xfrm>
             <a:custGeom>
@@ -7317,7 +7317,7 @@
           </p:nvSpPr>
           <p:spPr>
             <a:xfrm>
-              <a:off x="1685135" y="4425864"/>
+              <a:off x="2071604" y="4425844"/>
               <a:ext cx="63202" cy="63202"/>
             </a:xfrm>
             <a:custGeom>
@@ -7360,7 +7360,7 @@
           </p:nvSpPr>
           <p:spPr>
             <a:xfrm>
-              <a:off x="1728190" y="4492310"/>
+              <a:off x="1943738" y="4492328"/>
               <a:ext cx="63202" cy="63202"/>
             </a:xfrm>
             <a:custGeom>
@@ -7403,7 +7403,7 @@
           </p:nvSpPr>
           <p:spPr>
             <a:xfrm>
-              <a:off x="1657819" y="4423711"/>
+              <a:off x="2275446" y="4423648"/>
               <a:ext cx="63202" cy="63202"/>
             </a:xfrm>
             <a:custGeom>
@@ -7446,7 +7446,7 @@
           </p:nvSpPr>
           <p:spPr>
             <a:xfrm>
-              <a:off x="1878896" y="4413187"/>
+              <a:off x="2277700" y="4413171"/>
               <a:ext cx="63202" cy="63202"/>
             </a:xfrm>
             <a:custGeom>
@@ -7489,7 +7489,7 @@
           </p:nvSpPr>
           <p:spPr>
             <a:xfrm>
-              <a:off x="2042661" y="4609376"/>
+              <a:off x="1648174" y="4609363"/>
               <a:ext cx="63202" cy="63202"/>
             </a:xfrm>
             <a:custGeom>
@@ -7532,7 +7532,7 @@
           </p:nvSpPr>
           <p:spPr>
             <a:xfrm>
-              <a:off x="2076779" y="4189262"/>
+              <a:off x="1795374" y="4189279"/>
               <a:ext cx="63202" cy="63202"/>
             </a:xfrm>
             <a:custGeom>
@@ -7575,7 +7575,7 @@
           </p:nvSpPr>
           <p:spPr>
             <a:xfrm>
-              <a:off x="1898382" y="4508563"/>
+              <a:off x="1981839" y="4508549"/>
               <a:ext cx="63202" cy="63202"/>
             </a:xfrm>
             <a:custGeom>
@@ -7618,7 +7618,7 @@
           </p:nvSpPr>
           <p:spPr>
             <a:xfrm>
-              <a:off x="1861254" y="4578015"/>
+              <a:off x="1726324" y="4577996"/>
               <a:ext cx="63202" cy="63202"/>
             </a:xfrm>
             <a:custGeom>
@@ -7661,7 +7661,7 @@
           </p:nvSpPr>
           <p:spPr>
             <a:xfrm>
-              <a:off x="1855806" y="4086836"/>
+              <a:off x="2151826" y="4086804"/>
               <a:ext cx="63202" cy="63202"/>
             </a:xfrm>
             <a:custGeom>
@@ -7704,7 +7704,7 @@
           </p:nvSpPr>
           <p:spPr>
             <a:xfrm>
-              <a:off x="1992738" y="4481949"/>
+              <a:off x="1904763" y="4481922"/>
               <a:ext cx="63202" cy="63202"/>
             </a:xfrm>
             <a:custGeom>
@@ -7747,7 +7747,7 @@
           </p:nvSpPr>
           <p:spPr>
             <a:xfrm>
-              <a:off x="2079355" y="4147872"/>
+              <a:off x="2288833" y="4147817"/>
               <a:ext cx="63202" cy="63202"/>
             </a:xfrm>
             <a:custGeom>
@@ -7790,7 +7790,7 @@
           </p:nvSpPr>
           <p:spPr>
             <a:xfrm>
-              <a:off x="1989933" y="4491494"/>
+              <a:off x="2015776" y="4491511"/>
               <a:ext cx="63202" cy="63202"/>
             </a:xfrm>
             <a:custGeom>
@@ -7833,7 +7833,7 @@
           </p:nvSpPr>
           <p:spPr>
             <a:xfrm>
-              <a:off x="1934851" y="4492410"/>
+              <a:off x="2238705" y="4492399"/>
               <a:ext cx="63202" cy="63202"/>
             </a:xfrm>
             <a:custGeom>
@@ -7876,7 +7876,7 @@
           </p:nvSpPr>
           <p:spPr>
             <a:xfrm>
-              <a:off x="2200407" y="4368099"/>
+              <a:off x="1925819" y="4368068"/>
               <a:ext cx="63202" cy="63202"/>
             </a:xfrm>
             <a:custGeom>
@@ -7919,7 +7919,7 @@
           </p:nvSpPr>
           <p:spPr>
             <a:xfrm>
-              <a:off x="1802362" y="4418365"/>
+              <a:off x="2128987" y="4418373"/>
               <a:ext cx="63202" cy="63202"/>
             </a:xfrm>
             <a:custGeom>
@@ -8018,7 +8018,7 @@
           </p:nvSpPr>
           <p:spPr>
             <a:xfrm>
-              <a:off x="1459435" y="6749055"/>
+              <a:off x="1459435" y="6749043"/>
               <a:ext cx="2796732" cy="0"/>
             </a:xfrm>
             <a:custGeom>
@@ -8061,7 +8061,7 @@
           </p:nvSpPr>
           <p:spPr>
             <a:xfrm>
-              <a:off x="1459435" y="6409607"/>
+              <a:off x="1459435" y="6409597"/>
               <a:ext cx="2796732" cy="0"/>
             </a:xfrm>
             <a:custGeom>
@@ -8104,7 +8104,7 @@
           </p:nvSpPr>
           <p:spPr>
             <a:xfrm>
-              <a:off x="1459435" y="6070159"/>
+              <a:off x="1459435" y="6070152"/>
               <a:ext cx="2796732" cy="0"/>
             </a:xfrm>
             <a:custGeom>
@@ -8147,7 +8147,7 @@
           </p:nvSpPr>
           <p:spPr>
             <a:xfrm>
-              <a:off x="1459435" y="5730711"/>
+              <a:off x="1459435" y="5730706"/>
               <a:ext cx="2796732" cy="0"/>
             </a:xfrm>
             <a:custGeom>
@@ -8190,7 +8190,7 @@
           </p:nvSpPr>
           <p:spPr>
             <a:xfrm>
-              <a:off x="1459435" y="5391263"/>
+              <a:off x="1459435" y="5391261"/>
               <a:ext cx="2796732" cy="0"/>
             </a:xfrm>
             <a:custGeom>
@@ -8233,7 +8233,7 @@
           </p:nvSpPr>
           <p:spPr>
             <a:xfrm>
-              <a:off x="1459435" y="6579331"/>
+              <a:off x="1459435" y="6579320"/>
               <a:ext cx="2796732" cy="0"/>
             </a:xfrm>
             <a:custGeom>
@@ -8276,7 +8276,7 @@
           </p:nvSpPr>
           <p:spPr>
             <a:xfrm>
-              <a:off x="1459435" y="6239883"/>
+              <a:off x="1459435" y="6239874"/>
               <a:ext cx="2796732" cy="0"/>
             </a:xfrm>
             <a:custGeom>
@@ -8319,7 +8319,7 @@
           </p:nvSpPr>
           <p:spPr>
             <a:xfrm>
-              <a:off x="1459435" y="5900435"/>
+              <a:off x="1459435" y="5900429"/>
               <a:ext cx="2796732" cy="0"/>
             </a:xfrm>
             <a:custGeom>
@@ -8362,7 +8362,7 @@
           </p:nvSpPr>
           <p:spPr>
             <a:xfrm>
-              <a:off x="1459435" y="5560987"/>
+              <a:off x="1459435" y="5560983"/>
               <a:ext cx="2796732" cy="0"/>
             </a:xfrm>
             <a:custGeom>
@@ -8534,7 +8534,7 @@
           </p:nvSpPr>
           <p:spPr>
             <a:xfrm>
-              <a:off x="2239240" y="5532579"/>
+              <a:off x="2053809" y="5532576"/>
               <a:ext cx="63202" cy="63202"/>
             </a:xfrm>
             <a:custGeom>
@@ -8577,7 +8577,7 @@
           </p:nvSpPr>
           <p:spPr>
             <a:xfrm>
-              <a:off x="1811053" y="5559173"/>
+              <a:off x="2085018" y="5559159"/>
               <a:ext cx="63202" cy="63202"/>
             </a:xfrm>
             <a:custGeom>
@@ -8620,7 +8620,7 @@
           </p:nvSpPr>
           <p:spPr>
             <a:xfrm>
-              <a:off x="1800567" y="5486951"/>
+              <a:off x="1754229" y="5486937"/>
               <a:ext cx="63202" cy="63202"/>
             </a:xfrm>
             <a:custGeom>
@@ -8663,7 +8663,7 @@
           </p:nvSpPr>
           <p:spPr>
             <a:xfrm>
-              <a:off x="2106557" y="6103080"/>
+              <a:off x="2244194" y="6103051"/>
               <a:ext cx="63202" cy="63202"/>
             </a:xfrm>
             <a:custGeom>
@@ -8706,7 +8706,7 @@
           </p:nvSpPr>
           <p:spPr>
             <a:xfrm>
-              <a:off x="2100260" y="5991595"/>
+              <a:off x="2073858" y="5991569"/>
               <a:ext cx="63202" cy="63202"/>
             </a:xfrm>
             <a:custGeom>
@@ -8749,7 +8749,7 @@
           </p:nvSpPr>
           <p:spPr>
             <a:xfrm>
-              <a:off x="2103325" y="6021928"/>
+              <a:off x="2047497" y="6021910"/>
               <a:ext cx="63202" cy="63202"/>
             </a:xfrm>
             <a:custGeom>
@@ -8792,7 +8792,7 @@
           </p:nvSpPr>
           <p:spPr>
             <a:xfrm>
-              <a:off x="2146203" y="5889618"/>
+              <a:off x="1865917" y="5889628"/>
               <a:ext cx="63202" cy="63202"/>
             </a:xfrm>
             <a:custGeom>
@@ -8835,7 +8835,7 @@
           </p:nvSpPr>
           <p:spPr>
             <a:xfrm>
-              <a:off x="1822134" y="5865354"/>
+              <a:off x="2241827" y="5865346"/>
               <a:ext cx="63202" cy="63202"/>
             </a:xfrm>
             <a:custGeom>
@@ -8878,7 +8878,7 @@
           </p:nvSpPr>
           <p:spPr>
             <a:xfrm>
-              <a:off x="1796530" y="6374490"/>
+              <a:off x="2164399" y="6374442"/>
               <a:ext cx="63202" cy="63202"/>
             </a:xfrm>
             <a:custGeom>
@@ -8921,7 +8921,7 @@
           </p:nvSpPr>
           <p:spPr>
             <a:xfrm>
-              <a:off x="2253515" y="6368409"/>
+              <a:off x="1947648" y="6368410"/>
               <a:ext cx="63202" cy="63202"/>
             </a:xfrm>
             <a:custGeom>
@@ -8964,7 +8964,7 @@
           </p:nvSpPr>
           <p:spPr>
             <a:xfrm>
-              <a:off x="1605093" y="6029842"/>
+              <a:off x="2195224" y="6029844"/>
               <a:ext cx="63202" cy="63202"/>
             </a:xfrm>
             <a:custGeom>
@@ -9007,7 +9007,7 @@
           </p:nvSpPr>
           <p:spPr>
             <a:xfrm>
-              <a:off x="1626717" y="6165938"/>
+              <a:off x="2029787" y="6165903"/>
               <a:ext cx="63202" cy="63202"/>
             </a:xfrm>
             <a:custGeom>
@@ -9050,7 +9050,7 @@
           </p:nvSpPr>
           <p:spPr>
             <a:xfrm>
-              <a:off x="1959127" y="5960230"/>
+              <a:off x="2003982" y="5960211"/>
               <a:ext cx="63202" cy="63202"/>
             </a:xfrm>
             <a:custGeom>
@@ -9093,7 +9093,7 @@
           </p:nvSpPr>
           <p:spPr>
             <a:xfrm>
-              <a:off x="1609869" y="6053982"/>
+              <a:off x="1638357" y="6053972"/>
               <a:ext cx="63202" cy="63202"/>
             </a:xfrm>
             <a:custGeom>
@@ -9136,7 +9136,7 @@
           </p:nvSpPr>
           <p:spPr>
             <a:xfrm>
-              <a:off x="2077797" y="6291437"/>
+              <a:off x="1901714" y="6291417"/>
               <a:ext cx="63202" cy="63202"/>
             </a:xfrm>
             <a:custGeom>
@@ -9179,7 +9179,7 @@
           </p:nvSpPr>
           <p:spPr>
             <a:xfrm>
-              <a:off x="1945871" y="6048267"/>
+              <a:off x="2231654" y="6048261"/>
               <a:ext cx="63202" cy="63202"/>
             </a:xfrm>
             <a:custGeom>
@@ -9222,7 +9222,7 @@
           </p:nvSpPr>
           <p:spPr>
             <a:xfrm>
-              <a:off x="2265251" y="6101209"/>
+              <a:off x="2241501" y="6101187"/>
               <a:ext cx="63202" cy="63202"/>
             </a:xfrm>
             <a:custGeom>
@@ -9265,7 +9265,7 @@
           </p:nvSpPr>
           <p:spPr>
             <a:xfrm>
-              <a:off x="1866196" y="6056149"/>
+              <a:off x="2207947" y="6056128"/>
               <a:ext cx="63202" cy="63202"/>
             </a:xfrm>
             <a:custGeom>
@@ -9308,7 +9308,7 @@
           </p:nvSpPr>
           <p:spPr>
             <a:xfrm>
-              <a:off x="1799167" y="6028422"/>
+              <a:off x="2137895" y="6028409"/>
               <a:ext cx="63202" cy="63202"/>
             </a:xfrm>
             <a:custGeom>
@@ -9351,7 +9351,7 @@
           </p:nvSpPr>
           <p:spPr>
             <a:xfrm>
-              <a:off x="2171363" y="6068423"/>
+              <a:off x="1633953" y="6068424"/>
               <a:ext cx="63202" cy="63202"/>
             </a:xfrm>
             <a:custGeom>
@@ -9394,7 +9394,7 @@
           </p:nvSpPr>
           <p:spPr>
             <a:xfrm>
-              <a:off x="2049932" y="6046477"/>
+              <a:off x="2198965" y="6046479"/>
               <a:ext cx="63202" cy="63202"/>
             </a:xfrm>
             <a:custGeom>
@@ -9437,7 +9437,7 @@
           </p:nvSpPr>
           <p:spPr>
             <a:xfrm>
-              <a:off x="1683151" y="6010363"/>
+              <a:off x="1844924" y="6010351"/>
               <a:ext cx="63202" cy="63202"/>
             </a:xfrm>
             <a:custGeom>
@@ -9480,7 +9480,7 @@
           </p:nvSpPr>
           <p:spPr>
             <a:xfrm>
-              <a:off x="2065235" y="5834212"/>
+              <a:off x="2048159" y="5834205"/>
               <a:ext cx="63202" cy="63202"/>
             </a:xfrm>
             <a:custGeom>
@@ -9523,7 +9523,7 @@
           </p:nvSpPr>
           <p:spPr>
             <a:xfrm>
-              <a:off x="1607509" y="5881726"/>
+              <a:off x="1703676" y="5881716"/>
               <a:ext cx="63202" cy="63202"/>
             </a:xfrm>
             <a:custGeom>
@@ -9566,7 +9566,7 @@
           </p:nvSpPr>
           <p:spPr>
             <a:xfrm>
-              <a:off x="2249752" y="6187023"/>
+              <a:off x="1877356" y="6187023"/>
               <a:ext cx="63202" cy="63202"/>
             </a:xfrm>
             <a:custGeom>
@@ -9609,7 +9609,7 @@
           </p:nvSpPr>
           <p:spPr>
             <a:xfrm>
-              <a:off x="2155175" y="6469748"/>
+              <a:off x="1735970" y="6469712"/>
               <a:ext cx="63202" cy="63202"/>
             </a:xfrm>
             <a:custGeom>
@@ -9652,7 +9652,7 @@
           </p:nvSpPr>
           <p:spPr>
             <a:xfrm>
-              <a:off x="2156591" y="6363429"/>
+              <a:off x="1742781" y="6363421"/>
               <a:ext cx="63202" cy="63202"/>
             </a:xfrm>
             <a:custGeom>
@@ -9695,7 +9695,7 @@
           </p:nvSpPr>
           <p:spPr>
             <a:xfrm>
-              <a:off x="1921816" y="6475832"/>
+              <a:off x="1969266" y="6475802"/>
               <a:ext cx="63202" cy="63202"/>
             </a:xfrm>
             <a:custGeom>
@@ -9738,7 +9738,7 @@
           </p:nvSpPr>
           <p:spPr>
             <a:xfrm>
-              <a:off x="2128725" y="5951328"/>
+              <a:off x="2057230" y="5951304"/>
               <a:ext cx="63202" cy="63202"/>
             </a:xfrm>
             <a:custGeom>
@@ -9781,7 +9781,7 @@
           </p:nvSpPr>
           <p:spPr>
             <a:xfrm>
-              <a:off x="1676151" y="6017876"/>
+              <a:off x="1898316" y="6017829"/>
               <a:ext cx="63202" cy="63202"/>
             </a:xfrm>
             <a:custGeom>
@@ -9824,7 +9824,7 @@
           </p:nvSpPr>
           <p:spPr>
             <a:xfrm>
-              <a:off x="2148266" y="6557666"/>
+              <a:off x="1718266" y="6557610"/>
               <a:ext cx="63202" cy="63202"/>
             </a:xfrm>
             <a:custGeom>
@@ -9867,7 +9867,7 @@
           </p:nvSpPr>
           <p:spPr>
             <a:xfrm>
-              <a:off x="2156496" y="5516534"/>
+              <a:off x="1971553" y="5516542"/>
               <a:ext cx="63202" cy="63202"/>
             </a:xfrm>
             <a:custGeom>
@@ -9910,7 +9910,7 @@
           </p:nvSpPr>
           <p:spPr>
             <a:xfrm>
-              <a:off x="2017781" y="6028722"/>
+              <a:off x="1947614" y="6028685"/>
               <a:ext cx="63202" cy="63202"/>
             </a:xfrm>
             <a:custGeom>
@@ -9953,7 +9953,7 @@
           </p:nvSpPr>
           <p:spPr>
             <a:xfrm>
-              <a:off x="1986035" y="6055586"/>
+              <a:off x="1899078" y="6055602"/>
               <a:ext cx="63202" cy="63202"/>
             </a:xfrm>
             <a:custGeom>
@@ -9996,7 +9996,7 @@
           </p:nvSpPr>
           <p:spPr>
             <a:xfrm>
-              <a:off x="1965163" y="6126671"/>
+              <a:off x="1685233" y="6126675"/>
               <a:ext cx="63202" cy="63202"/>
             </a:xfrm>
             <a:custGeom>
@@ -10039,7 +10039,7 @@
           </p:nvSpPr>
           <p:spPr>
             <a:xfrm>
-              <a:off x="1947743" y="6103340"/>
+              <a:off x="2087256" y="6103291"/>
               <a:ext cx="63202" cy="63202"/>
             </a:xfrm>
             <a:custGeom>
@@ -10082,7 +10082,7 @@
           </p:nvSpPr>
           <p:spPr>
             <a:xfrm>
-              <a:off x="1974555" y="6063459"/>
+              <a:off x="1978300" y="6063491"/>
               <a:ext cx="63202" cy="63202"/>
             </a:xfrm>
             <a:custGeom>
@@ -10125,7 +10125,7 @@
           </p:nvSpPr>
           <p:spPr>
             <a:xfrm>
-              <a:off x="2130966" y="6190539"/>
+              <a:off x="2188445" y="6190577"/>
               <a:ext cx="63202" cy="63202"/>
             </a:xfrm>
             <a:custGeom>
@@ -10168,7 +10168,7 @@
           </p:nvSpPr>
           <p:spPr>
             <a:xfrm>
-              <a:off x="1719974" y="5707397"/>
+              <a:off x="1931155" y="5707382"/>
               <a:ext cx="63202" cy="63202"/>
             </a:xfrm>
             <a:custGeom>
@@ -10211,7 +10211,7 @@
           </p:nvSpPr>
           <p:spPr>
             <a:xfrm>
-              <a:off x="1995540" y="6258063"/>
+              <a:off x="1817251" y="6258010"/>
               <a:ext cx="63202" cy="63202"/>
             </a:xfrm>
             <a:custGeom>
@@ -10254,7 +10254,7 @@
           </p:nvSpPr>
           <p:spPr>
             <a:xfrm>
-              <a:off x="1698233" y="5471590"/>
+              <a:off x="1835664" y="5471635"/>
               <a:ext cx="63202" cy="63202"/>
             </a:xfrm>
             <a:custGeom>
@@ -10297,7 +10297,7 @@
           </p:nvSpPr>
           <p:spPr>
             <a:xfrm>
-              <a:off x="2117174" y="6179638"/>
+              <a:off x="2098404" y="6179597"/>
               <a:ext cx="63202" cy="63202"/>
             </a:xfrm>
             <a:custGeom>
@@ -10340,7 +10340,7 @@
           </p:nvSpPr>
           <p:spPr>
             <a:xfrm>
-              <a:off x="2194578" y="6043503"/>
+              <a:off x="1617816" y="6043501"/>
               <a:ext cx="63202" cy="63202"/>
             </a:xfrm>
             <a:custGeom>
@@ -10383,7 +10383,7 @@
           </p:nvSpPr>
           <p:spPr>
             <a:xfrm>
-              <a:off x="2051613" y="6259737"/>
+              <a:off x="2135097" y="6259727"/>
               <a:ext cx="63202" cy="63202"/>
             </a:xfrm>
             <a:custGeom>
@@ -10426,7 +10426,7 @@
           </p:nvSpPr>
           <p:spPr>
             <a:xfrm>
-              <a:off x="1741276" y="5443082"/>
+              <a:off x="1820344" y="5443106"/>
               <a:ext cx="63202" cy="63202"/>
             </a:xfrm>
             <a:custGeom>
@@ -10469,7 +10469,7 @@
           </p:nvSpPr>
           <p:spPr>
             <a:xfrm>
-              <a:off x="1992971" y="6060916"/>
+              <a:off x="1996724" y="6060865"/>
               <a:ext cx="63202" cy="63202"/>
             </a:xfrm>
             <a:custGeom>
@@ -10512,7 +10512,7 @@
           </p:nvSpPr>
           <p:spPr>
             <a:xfrm>
-              <a:off x="1721055" y="5966415"/>
+              <a:off x="2074678" y="5966376"/>
               <a:ext cx="63202" cy="63202"/>
             </a:xfrm>
             <a:custGeom>
@@ -10555,7 +10555,7 @@
           </p:nvSpPr>
           <p:spPr>
             <a:xfrm>
-              <a:off x="1713528" y="5952973"/>
+              <a:off x="2014658" y="5952964"/>
               <a:ext cx="63202" cy="63202"/>
             </a:xfrm>
             <a:custGeom>
@@ -10598,7 +10598,7 @@
           </p:nvSpPr>
           <p:spPr>
             <a:xfrm>
-              <a:off x="2209448" y="5434834"/>
+              <a:off x="2166350" y="5434804"/>
               <a:ext cx="63202" cy="63202"/>
             </a:xfrm>
             <a:custGeom>
@@ -10641,7 +10641,7 @@
           </p:nvSpPr>
           <p:spPr>
             <a:xfrm>
-              <a:off x="2293355" y="5936520"/>
+              <a:off x="1837196" y="5936498"/>
               <a:ext cx="63202" cy="63202"/>
             </a:xfrm>
             <a:custGeom>
@@ -10684,7 +10684,7 @@
           </p:nvSpPr>
           <p:spPr>
             <a:xfrm>
-              <a:off x="2227536" y="6019741"/>
+              <a:off x="2275243" y="6019727"/>
               <a:ext cx="63202" cy="63202"/>
             </a:xfrm>
             <a:custGeom>
@@ -10727,7 +10727,7 @@
           </p:nvSpPr>
           <p:spPr>
             <a:xfrm>
-              <a:off x="1951088" y="6139164"/>
+              <a:off x="1648969" y="6139162"/>
               <a:ext cx="63202" cy="63202"/>
             </a:xfrm>
             <a:custGeom>
@@ -10770,7 +10770,7 @@
           </p:nvSpPr>
           <p:spPr>
             <a:xfrm>
-              <a:off x="1803459" y="6013658"/>
+              <a:off x="2223948" y="6013632"/>
               <a:ext cx="63202" cy="63202"/>
             </a:xfrm>
             <a:custGeom>
@@ -10813,7 +10813,7 @@
           </p:nvSpPr>
           <p:spPr>
             <a:xfrm>
-              <a:off x="1928500" y="6021367"/>
+              <a:off x="2286724" y="6021387"/>
               <a:ext cx="63202" cy="63202"/>
             </a:xfrm>
             <a:custGeom>
@@ -10856,7 +10856,7 @@
           </p:nvSpPr>
           <p:spPr>
             <a:xfrm>
-              <a:off x="2260766" y="5703129"/>
+              <a:off x="1750044" y="5703106"/>
               <a:ext cx="63202" cy="63202"/>
             </a:xfrm>
             <a:custGeom>
@@ -10899,7 +10899,7 @@
           </p:nvSpPr>
           <p:spPr>
             <a:xfrm>
-              <a:off x="1606019" y="6179611"/>
+              <a:off x="1917842" y="6179604"/>
               <a:ext cx="63202" cy="63202"/>
             </a:xfrm>
             <a:custGeom>
@@ -10942,7 +10942,7 @@
           </p:nvSpPr>
           <p:spPr>
             <a:xfrm>
-              <a:off x="2018204" y="5944256"/>
+              <a:off x="1954748" y="5944256"/>
               <a:ext cx="63202" cy="63202"/>
             </a:xfrm>
             <a:custGeom>
@@ -10985,7 +10985,7 @@
           </p:nvSpPr>
           <p:spPr>
             <a:xfrm>
-              <a:off x="2110648" y="5474830"/>
+              <a:off x="1743025" y="5474818"/>
               <a:ext cx="63202" cy="63202"/>
             </a:xfrm>
             <a:custGeom>
@@ -11028,7 +11028,7 @@
           </p:nvSpPr>
           <p:spPr>
             <a:xfrm>
-              <a:off x="1768039" y="5472484"/>
+              <a:off x="2064578" y="5472499"/>
               <a:ext cx="63202" cy="63202"/>
             </a:xfrm>
             <a:custGeom>
@@ -11071,7 +11071,7 @@
           </p:nvSpPr>
           <p:spPr>
             <a:xfrm>
-              <a:off x="2055553" y="5472162"/>
+              <a:off x="1937767" y="5472141"/>
               <a:ext cx="63202" cy="63202"/>
             </a:xfrm>
             <a:custGeom>
@@ -11114,7 +11114,7 @@
           </p:nvSpPr>
           <p:spPr>
             <a:xfrm>
-              <a:off x="2035406" y="5472034"/>
+              <a:off x="1795981" y="5471989"/>
               <a:ext cx="63202" cy="63202"/>
             </a:xfrm>
             <a:custGeom>
@@ -11157,7 +11157,7 @@
           </p:nvSpPr>
           <p:spPr>
             <a:xfrm>
-              <a:off x="1910951" y="5471871"/>
+              <a:off x="1825205" y="5471902"/>
               <a:ext cx="63202" cy="63202"/>
             </a:xfrm>
             <a:custGeom>
@@ -11200,7 +11200,7 @@
           </p:nvSpPr>
           <p:spPr>
             <a:xfrm>
-              <a:off x="2276598" y="5740753"/>
+              <a:off x="2184188" y="5740741"/>
               <a:ext cx="63202" cy="63202"/>
             </a:xfrm>
             <a:custGeom>
@@ -11243,7 +11243,7 @@
           </p:nvSpPr>
           <p:spPr>
             <a:xfrm>
-              <a:off x="2110623" y="5730349"/>
+              <a:off x="2229469" y="5730351"/>
               <a:ext cx="63202" cy="63202"/>
             </a:xfrm>
             <a:custGeom>
@@ -11286,7 +11286,7 @@
           </p:nvSpPr>
           <p:spPr>
             <a:xfrm>
-              <a:off x="1832962" y="6144589"/>
+              <a:off x="1735009" y="6144607"/>
               <a:ext cx="63202" cy="63202"/>
             </a:xfrm>
             <a:custGeom>
@@ -11329,7 +11329,7 @@
           </p:nvSpPr>
           <p:spPr>
             <a:xfrm>
-              <a:off x="1932562" y="5487903"/>
+              <a:off x="1892144" y="5487912"/>
               <a:ext cx="63202" cy="63202"/>
             </a:xfrm>
             <a:custGeom>
@@ -11372,7 +11372,7 @@
           </p:nvSpPr>
           <p:spPr>
             <a:xfrm>
-              <a:off x="1674747" y="5875917"/>
+              <a:off x="2137316" y="5875886"/>
               <a:ext cx="63202" cy="63202"/>
             </a:xfrm>
             <a:custGeom>
@@ -11415,7 +11415,7 @@
           </p:nvSpPr>
           <p:spPr>
             <a:xfrm>
-              <a:off x="2256119" y="5752058"/>
+              <a:off x="1883274" y="5752032"/>
               <a:ext cx="63202" cy="63202"/>
             </a:xfrm>
             <a:custGeom>
@@ -11458,7 +11458,7 @@
           </p:nvSpPr>
           <p:spPr>
             <a:xfrm>
-              <a:off x="1866234" y="6161028"/>
+              <a:off x="2026178" y="6161047"/>
               <a:ext cx="63202" cy="63202"/>
             </a:xfrm>
             <a:custGeom>
@@ -11501,7 +11501,7 @@
           </p:nvSpPr>
           <p:spPr>
             <a:xfrm>
-              <a:off x="2202655" y="5498657"/>
+              <a:off x="1843616" y="5498606"/>
               <a:ext cx="63202" cy="63202"/>
             </a:xfrm>
             <a:custGeom>
@@ -11544,7 +11544,7 @@
           </p:nvSpPr>
           <p:spPr>
             <a:xfrm>
-              <a:off x="1657116" y="6036909"/>
+              <a:off x="1690752" y="6036936"/>
               <a:ext cx="63202" cy="63202"/>
             </a:xfrm>
             <a:custGeom>
@@ -11587,7 +11587,7 @@
           </p:nvSpPr>
           <p:spPr>
             <a:xfrm>
-              <a:off x="2229696" y="6366288"/>
+              <a:off x="1607927" y="6366275"/>
               <a:ext cx="63202" cy="63202"/>
             </a:xfrm>
             <a:custGeom>
@@ -11630,7 +11630,7 @@
           </p:nvSpPr>
           <p:spPr>
             <a:xfrm>
-              <a:off x="2261681" y="5718713"/>
+              <a:off x="1885492" y="5718747"/>
               <a:ext cx="63202" cy="63202"/>
             </a:xfrm>
             <a:custGeom>
@@ -11673,7 +11673,7 @@
           </p:nvSpPr>
           <p:spPr>
             <a:xfrm>
-              <a:off x="1751739" y="6433137"/>
+              <a:off x="1821436" y="6433130"/>
               <a:ext cx="63202" cy="63202"/>
             </a:xfrm>
             <a:custGeom>
@@ -11716,7 +11716,7 @@
           </p:nvSpPr>
           <p:spPr>
             <a:xfrm>
-              <a:off x="1955653" y="5464798"/>
+              <a:off x="2078861" y="5464808"/>
               <a:ext cx="63202" cy="63202"/>
             </a:xfrm>
             <a:custGeom>
@@ -11759,7 +11759,7 @@
           </p:nvSpPr>
           <p:spPr>
             <a:xfrm>
-              <a:off x="1858169" y="5659779"/>
+              <a:off x="2105472" y="5659775"/>
               <a:ext cx="63202" cy="63202"/>
             </a:xfrm>
             <a:custGeom>
@@ -11802,7 +11802,7 @@
           </p:nvSpPr>
           <p:spPr>
             <a:xfrm>
-              <a:off x="2146451" y="5601765"/>
+              <a:off x="2288179" y="5601741"/>
               <a:ext cx="63202" cy="63202"/>
             </a:xfrm>
             <a:custGeom>
@@ -11845,7 +11845,7 @@
           </p:nvSpPr>
           <p:spPr>
             <a:xfrm>
-              <a:off x="1769646" y="5646704"/>
+              <a:off x="2148291" y="5646722"/>
               <a:ext cx="63202" cy="63202"/>
             </a:xfrm>
             <a:custGeom>
@@ -11888,7 +11888,7 @@
           </p:nvSpPr>
           <p:spPr>
             <a:xfrm>
-              <a:off x="1918861" y="5454989"/>
+              <a:off x="2136633" y="5454972"/>
               <a:ext cx="63202" cy="63202"/>
             </a:xfrm>
             <a:custGeom>
@@ -11931,7 +11931,7 @@
           </p:nvSpPr>
           <p:spPr>
             <a:xfrm>
-              <a:off x="2269169" y="5451976"/>
+              <a:off x="1760741" y="5452008"/>
               <a:ext cx="63202" cy="63202"/>
             </a:xfrm>
             <a:custGeom>
@@ -11974,7 +11974,7 @@
           </p:nvSpPr>
           <p:spPr>
             <a:xfrm>
-              <a:off x="2269387" y="5699851"/>
+              <a:off x="2029670" y="5699853"/>
               <a:ext cx="63202" cy="63202"/>
             </a:xfrm>
             <a:custGeom>
@@ -12017,7 +12017,7 @@
           </p:nvSpPr>
           <p:spPr>
             <a:xfrm>
-              <a:off x="1846423" y="5689020"/>
+              <a:off x="1810809" y="5689006"/>
               <a:ext cx="63202" cy="63202"/>
             </a:xfrm>
             <a:custGeom>
@@ -12060,7 +12060,7 @@
           </p:nvSpPr>
           <p:spPr>
             <a:xfrm>
-              <a:off x="2010703" y="5469289"/>
+              <a:off x="2228310" y="5469296"/>
               <a:ext cx="63202" cy="63202"/>
             </a:xfrm>
             <a:custGeom>
@@ -12103,7 +12103,7 @@
           </p:nvSpPr>
           <p:spPr>
             <a:xfrm>
-              <a:off x="1958838" y="5477089"/>
+              <a:off x="1930879" y="5477095"/>
               <a:ext cx="63202" cy="63202"/>
             </a:xfrm>
             <a:custGeom>
@@ -12146,7 +12146,7 @@
           </p:nvSpPr>
           <p:spPr>
             <a:xfrm>
-              <a:off x="2277332" y="5477669"/>
+              <a:off x="1916599" y="5477629"/>
               <a:ext cx="63202" cy="63202"/>
             </a:xfrm>
             <a:custGeom>
@@ -12189,7 +12189,7 @@
           </p:nvSpPr>
           <p:spPr>
             <a:xfrm>
-              <a:off x="2228505" y="5536872"/>
+              <a:off x="2154681" y="5536866"/>
               <a:ext cx="63202" cy="63202"/>
             </a:xfrm>
             <a:custGeom>
@@ -12232,7 +12232,7 @@
           </p:nvSpPr>
           <p:spPr>
             <a:xfrm>
-              <a:off x="2259597" y="5466295"/>
+              <a:off x="1666589" y="5466340"/>
               <a:ext cx="63202" cy="63202"/>
             </a:xfrm>
             <a:custGeom>
@@ -12275,7 +12275,7 @@
           </p:nvSpPr>
           <p:spPr>
             <a:xfrm>
-              <a:off x="1768826" y="6017832"/>
+              <a:off x="2158495" y="6017859"/>
               <a:ext cx="63202" cy="63202"/>
             </a:xfrm>
             <a:custGeom>
@@ -12318,7 +12318,7 @@
           </p:nvSpPr>
           <p:spPr>
             <a:xfrm>
-              <a:off x="2177512" y="5490146"/>
+              <a:off x="2175073" y="5490164"/>
               <a:ext cx="63202" cy="63202"/>
             </a:xfrm>
             <a:custGeom>
@@ -12361,7 +12361,7 @@
           </p:nvSpPr>
           <p:spPr>
             <a:xfrm>
-              <a:off x="1908278" y="5399736"/>
+              <a:off x="2247958" y="5399715"/>
               <a:ext cx="63202" cy="63202"/>
             </a:xfrm>
             <a:custGeom>
@@ -12404,7 +12404,7 @@
           </p:nvSpPr>
           <p:spPr>
             <a:xfrm>
-              <a:off x="2141490" y="5886035"/>
+              <a:off x="1833690" y="5885979"/>
               <a:ext cx="63202" cy="63202"/>
             </a:xfrm>
             <a:custGeom>
@@ -12447,7 +12447,7 @@
           </p:nvSpPr>
           <p:spPr>
             <a:xfrm>
-              <a:off x="1675080" y="6400207"/>
+              <a:off x="2195946" y="6400186"/>
               <a:ext cx="63202" cy="63202"/>
             </a:xfrm>
             <a:custGeom>
@@ -12490,7 +12490,7 @@
           </p:nvSpPr>
           <p:spPr>
             <a:xfrm>
-              <a:off x="1818563" y="5979978"/>
+              <a:off x="2174245" y="5979952"/>
               <a:ext cx="63202" cy="63202"/>
             </a:xfrm>
             <a:custGeom>
@@ -12533,7 +12533,7 @@
           </p:nvSpPr>
           <p:spPr>
             <a:xfrm>
-              <a:off x="1848095" y="5965089"/>
+              <a:off x="1830360" y="5965073"/>
               <a:ext cx="63202" cy="63202"/>
             </a:xfrm>
             <a:custGeom>
@@ -12576,7 +12576,7 @@
           </p:nvSpPr>
           <p:spPr>
             <a:xfrm>
-              <a:off x="1773770" y="5458920"/>
+              <a:off x="1781874" y="5458906"/>
               <a:ext cx="63202" cy="63202"/>
             </a:xfrm>
             <a:custGeom>
@@ -12619,7 +12619,7 @@
           </p:nvSpPr>
           <p:spPr>
             <a:xfrm>
-              <a:off x="2011606" y="5550107"/>
+              <a:off x="1724583" y="5550074"/>
               <a:ext cx="63202" cy="63202"/>
             </a:xfrm>
             <a:custGeom>
@@ -12662,7 +12662,7 @@
           </p:nvSpPr>
           <p:spPr>
             <a:xfrm>
-              <a:off x="2252972" y="5970535"/>
+              <a:off x="2164036" y="5970550"/>
               <a:ext cx="63202" cy="63202"/>
             </a:xfrm>
             <a:custGeom>
@@ -12705,7 +12705,7 @@
           </p:nvSpPr>
           <p:spPr>
             <a:xfrm>
-              <a:off x="1656707" y="5983964"/>
+              <a:off x="2240287" y="5983959"/>
               <a:ext cx="63202" cy="63202"/>
             </a:xfrm>
             <a:custGeom>
@@ -12748,7 +12748,7 @@
           </p:nvSpPr>
           <p:spPr>
             <a:xfrm>
-              <a:off x="1973790" y="5981468"/>
+              <a:off x="1818350" y="5981430"/>
               <a:ext cx="63202" cy="63202"/>
             </a:xfrm>
             <a:custGeom>
@@ -12791,7 +12791,7 @@
           </p:nvSpPr>
           <p:spPr>
             <a:xfrm>
-              <a:off x="1661756" y="6130341"/>
+              <a:off x="1669565" y="6130335"/>
               <a:ext cx="63202" cy="63202"/>
             </a:xfrm>
             <a:custGeom>
@@ -12834,7 +12834,7 @@
           </p:nvSpPr>
           <p:spPr>
             <a:xfrm>
-              <a:off x="2136712" y="6050734"/>
+              <a:off x="2266643" y="6050719"/>
               <a:ext cx="63202" cy="63202"/>
             </a:xfrm>
             <a:custGeom>
@@ -12877,7 +12877,7 @@
           </p:nvSpPr>
           <p:spPr>
             <a:xfrm>
-              <a:off x="2253398" y="5483683"/>
+              <a:off x="2116776" y="5483708"/>
               <a:ext cx="63202" cy="63202"/>
             </a:xfrm>
             <a:custGeom>
@@ -12920,7 +12920,7 @@
           </p:nvSpPr>
           <p:spPr>
             <a:xfrm>
-              <a:off x="1847580" y="6127490"/>
+              <a:off x="2250805" y="6127497"/>
               <a:ext cx="63202" cy="63202"/>
             </a:xfrm>
             <a:custGeom>
@@ -12963,7 +12963,7 @@
           </p:nvSpPr>
           <p:spPr>
             <a:xfrm>
-              <a:off x="1781936" y="6135833"/>
+              <a:off x="2207682" y="6135847"/>
               <a:ext cx="63202" cy="63202"/>
             </a:xfrm>
             <a:custGeom>
@@ -13006,7 +13006,7 @@
           </p:nvSpPr>
           <p:spPr>
             <a:xfrm>
-              <a:off x="2131838" y="6090776"/>
+              <a:off x="1657096" y="6090769"/>
               <a:ext cx="63202" cy="63202"/>
             </a:xfrm>
             <a:custGeom>
@@ -13049,7 +13049,7 @@
           </p:nvSpPr>
           <p:spPr>
             <a:xfrm>
-              <a:off x="2049584" y="6225851"/>
+              <a:off x="1735257" y="6225834"/>
               <a:ext cx="63202" cy="63202"/>
             </a:xfrm>
             <a:custGeom>
@@ -13092,7 +13092,7 @@
           </p:nvSpPr>
           <p:spPr>
             <a:xfrm>
-              <a:off x="2040312" y="6135660"/>
+              <a:off x="1907117" y="6135608"/>
               <a:ext cx="63202" cy="63202"/>
             </a:xfrm>
             <a:custGeom>
@@ -13135,7 +13135,7 @@
           </p:nvSpPr>
           <p:spPr>
             <a:xfrm>
-              <a:off x="1978493" y="5570578"/>
+              <a:off x="1905158" y="5570600"/>
               <a:ext cx="63202" cy="63202"/>
             </a:xfrm>
             <a:custGeom>
@@ -13178,7 +13178,7 @@
           </p:nvSpPr>
           <p:spPr>
             <a:xfrm>
-              <a:off x="1728730" y="6322518"/>
+              <a:off x="1680737" y="6322528"/>
               <a:ext cx="63202" cy="63202"/>
             </a:xfrm>
             <a:custGeom>
@@ -13221,7 +13221,7 @@
           </p:nvSpPr>
           <p:spPr>
             <a:xfrm>
-              <a:off x="1749836" y="6102217"/>
+              <a:off x="2011031" y="6102241"/>
               <a:ext cx="63202" cy="63202"/>
             </a:xfrm>
             <a:custGeom>
@@ -13264,7 +13264,7 @@
           </p:nvSpPr>
           <p:spPr>
             <a:xfrm>
-              <a:off x="2227142" y="5492748"/>
+              <a:off x="1732348" y="5492746"/>
               <a:ext cx="63202" cy="63202"/>
             </a:xfrm>
             <a:custGeom>
@@ -13307,7 +13307,7 @@
           </p:nvSpPr>
           <p:spPr>
             <a:xfrm>
-              <a:off x="1940827" y="5489058"/>
+              <a:off x="1859898" y="5489033"/>
               <a:ext cx="63202" cy="63202"/>
             </a:xfrm>
             <a:custGeom>
@@ -13350,7 +13350,7 @@
           </p:nvSpPr>
           <p:spPr>
             <a:xfrm>
-              <a:off x="1813889" y="5514575"/>
+              <a:off x="2089215" y="5514567"/>
               <a:ext cx="63202" cy="63202"/>
             </a:xfrm>
             <a:custGeom>
@@ -13393,7 +13393,7 @@
           </p:nvSpPr>
           <p:spPr>
             <a:xfrm>
-              <a:off x="2118108" y="5501745"/>
+              <a:off x="1851189" y="5501732"/>
               <a:ext cx="63202" cy="63202"/>
             </a:xfrm>
             <a:custGeom>
@@ -13436,7 +13436,7 @@
           </p:nvSpPr>
           <p:spPr>
             <a:xfrm>
-              <a:off x="1704098" y="5693272"/>
+              <a:off x="2125590" y="5693252"/>
               <a:ext cx="63202" cy="63202"/>
             </a:xfrm>
             <a:custGeom>
@@ -13479,7 +13479,7 @@
           </p:nvSpPr>
           <p:spPr>
             <a:xfrm>
-              <a:off x="1967359" y="6535927"/>
+              <a:off x="2262011" y="6535906"/>
               <a:ext cx="63202" cy="63202"/>
             </a:xfrm>
             <a:custGeom>
@@ -13522,7 +13522,7 @@
           </p:nvSpPr>
           <p:spPr>
             <a:xfrm>
-              <a:off x="1649872" y="5933311"/>
+              <a:off x="1957810" y="5933302"/>
               <a:ext cx="63202" cy="63202"/>
             </a:xfrm>
             <a:custGeom>
@@ -13565,7 +13565,7 @@
           </p:nvSpPr>
           <p:spPr>
             <a:xfrm>
-              <a:off x="1672753" y="5872710"/>
+              <a:off x="2230915" y="5872687"/>
               <a:ext cx="63202" cy="63202"/>
             </a:xfrm>
             <a:custGeom>
@@ -13608,7 +13608,7 @@
           </p:nvSpPr>
           <p:spPr>
             <a:xfrm>
-              <a:off x="1671955" y="6538698"/>
+              <a:off x="2074068" y="6538680"/>
               <a:ext cx="63202" cy="63202"/>
             </a:xfrm>
             <a:custGeom>
@@ -13651,7 +13651,7 @@
           </p:nvSpPr>
           <p:spPr>
             <a:xfrm>
-              <a:off x="1821095" y="6089608"/>
+              <a:off x="2098710" y="6089623"/>
               <a:ext cx="63202" cy="63202"/>
             </a:xfrm>
             <a:custGeom>
@@ -13750,7 +13750,7 @@
           </p:nvSpPr>
           <p:spPr>
             <a:xfrm>
-              <a:off x="4325757" y="2898390"/>
+              <a:off x="4325757" y="2898377"/>
               <a:ext cx="2796732" cy="0"/>
             </a:xfrm>
             <a:custGeom>
@@ -13793,7 +13793,7 @@
           </p:nvSpPr>
           <p:spPr>
             <a:xfrm>
-              <a:off x="4325757" y="2558942"/>
+              <a:off x="4325757" y="2558932"/>
               <a:ext cx="2796732" cy="0"/>
             </a:xfrm>
             <a:custGeom>
@@ -13836,7 +13836,7 @@
           </p:nvSpPr>
           <p:spPr>
             <a:xfrm>
-              <a:off x="4325757" y="2219494"/>
+              <a:off x="4325757" y="2219487"/>
               <a:ext cx="2796732" cy="0"/>
             </a:xfrm>
             <a:custGeom>
@@ -13879,7 +13879,7 @@
           </p:nvSpPr>
           <p:spPr>
             <a:xfrm>
-              <a:off x="4325757" y="1880046"/>
+              <a:off x="4325757" y="1880041"/>
               <a:ext cx="2796732" cy="0"/>
             </a:xfrm>
             <a:custGeom>
@@ -13922,7 +13922,7 @@
           </p:nvSpPr>
           <p:spPr>
             <a:xfrm>
-              <a:off x="4325757" y="1540598"/>
+              <a:off x="4325757" y="1540596"/>
               <a:ext cx="2796732" cy="0"/>
             </a:xfrm>
             <a:custGeom>
@@ -13965,7 +13965,7 @@
           </p:nvSpPr>
           <p:spPr>
             <a:xfrm>
-              <a:off x="4325757" y="2728666"/>
+              <a:off x="4325757" y="2728655"/>
               <a:ext cx="2796732" cy="0"/>
             </a:xfrm>
             <a:custGeom>
@@ -14008,7 +14008,7 @@
           </p:nvSpPr>
           <p:spPr>
             <a:xfrm>
-              <a:off x="4325757" y="2389218"/>
+              <a:off x="4325757" y="2389209"/>
               <a:ext cx="2796732" cy="0"/>
             </a:xfrm>
             <a:custGeom>
@@ -14051,7 +14051,7 @@
           </p:nvSpPr>
           <p:spPr>
             <a:xfrm>
-              <a:off x="4325757" y="2049770"/>
+              <a:off x="4325757" y="2049764"/>
               <a:ext cx="2796732" cy="0"/>
             </a:xfrm>
             <a:custGeom>
@@ -14094,7 +14094,7 @@
           </p:nvSpPr>
           <p:spPr>
             <a:xfrm>
-              <a:off x="4325757" y="1710322"/>
+              <a:off x="4325757" y="1710318"/>
               <a:ext cx="2796732" cy="0"/>
             </a:xfrm>
             <a:custGeom>
@@ -14266,7 +14266,7 @@
           </p:nvSpPr>
           <p:spPr>
             <a:xfrm>
-              <a:off x="4523792" y="1898638"/>
+              <a:off x="4537236" y="1898630"/>
               <a:ext cx="63202" cy="63202"/>
             </a:xfrm>
             <a:custGeom>
@@ -14309,7 +14309,7 @@
           </p:nvSpPr>
           <p:spPr>
             <a:xfrm>
-              <a:off x="5154825" y="1950635"/>
+              <a:off x="5058590" y="1950630"/>
               <a:ext cx="63202" cy="63202"/>
             </a:xfrm>
             <a:custGeom>
@@ -14352,7 +14352,7 @@
           </p:nvSpPr>
           <p:spPr>
             <a:xfrm>
-              <a:off x="4913208" y="2305165"/>
+              <a:off x="5126260" y="2305131"/>
               <a:ext cx="63202" cy="63202"/>
             </a:xfrm>
             <a:custGeom>
@@ -14395,7 +14395,7 @@
           </p:nvSpPr>
           <p:spPr>
             <a:xfrm>
-              <a:off x="4629268" y="1882800"/>
+              <a:off x="4885919" y="1882805"/>
               <a:ext cx="63202" cy="63202"/>
             </a:xfrm>
             <a:custGeom>
@@ -14438,7 +14438,7 @@
           </p:nvSpPr>
           <p:spPr>
             <a:xfrm>
-              <a:off x="4607465" y="1989736"/>
+              <a:off x="4664998" y="1989713"/>
               <a:ext cx="63202" cy="63202"/>
             </a:xfrm>
             <a:custGeom>
@@ -14481,7 +14481,7 @@
           </p:nvSpPr>
           <p:spPr>
             <a:xfrm>
-              <a:off x="4981601" y="2347953"/>
+              <a:off x="4739879" y="2347977"/>
               <a:ext cx="63202" cy="63202"/>
             </a:xfrm>
             <a:custGeom>
@@ -14524,7 +14524,7 @@
           </p:nvSpPr>
           <p:spPr>
             <a:xfrm>
-              <a:off x="5076559" y="1942159"/>
+              <a:off x="4711329" y="1942109"/>
               <a:ext cx="63202" cy="63202"/>
             </a:xfrm>
             <a:custGeom>
@@ -14567,7 +14567,7 @@
           </p:nvSpPr>
           <p:spPr>
             <a:xfrm>
-              <a:off x="5788662" y="2921311"/>
+              <a:off x="6002902" y="2921311"/>
               <a:ext cx="63202" cy="63202"/>
             </a:xfrm>
             <a:custGeom>
@@ -14610,7 +14610,7 @@
           </p:nvSpPr>
           <p:spPr>
             <a:xfrm>
-              <a:off x="4906288" y="1900882"/>
+              <a:off x="4595744" y="1900852"/>
               <a:ext cx="63202" cy="63202"/>
             </a:xfrm>
             <a:custGeom>
@@ -14653,7 +14653,7 @@
           </p:nvSpPr>
           <p:spPr>
             <a:xfrm>
-              <a:off x="5103237" y="2408417"/>
+              <a:off x="5061622" y="2408391"/>
               <a:ext cx="63202" cy="63202"/>
             </a:xfrm>
             <a:custGeom>
@@ -14696,7 +14696,7 @@
           </p:nvSpPr>
           <p:spPr>
             <a:xfrm>
-              <a:off x="4786536" y="2774865"/>
+              <a:off x="5135841" y="2774838"/>
               <a:ext cx="63202" cy="63202"/>
             </a:xfrm>
             <a:custGeom>
@@ -14739,7 +14739,7 @@
           </p:nvSpPr>
           <p:spPr>
             <a:xfrm>
-              <a:off x="5102486" y="1905015"/>
+              <a:off x="5113983" y="1904994"/>
               <a:ext cx="63202" cy="63202"/>
             </a:xfrm>
             <a:custGeom>
@@ -14782,7 +14782,7 @@
           </p:nvSpPr>
           <p:spPr>
             <a:xfrm>
-              <a:off x="5039327" y="1894350"/>
+              <a:off x="4953552" y="1894328"/>
               <a:ext cx="63202" cy="63202"/>
             </a:xfrm>
             <a:custGeom>
@@ -14825,7 +14825,7 @@
           </p:nvSpPr>
           <p:spPr>
             <a:xfrm>
-              <a:off x="4882801" y="1933169"/>
+              <a:off x="4932434" y="1933186"/>
               <a:ext cx="63202" cy="63202"/>
             </a:xfrm>
             <a:custGeom>
@@ -14868,7 +14868,7 @@
           </p:nvSpPr>
           <p:spPr>
             <a:xfrm>
-              <a:off x="4823747" y="1965977"/>
+              <a:off x="4627255" y="1965932"/>
               <a:ext cx="63202" cy="63202"/>
             </a:xfrm>
             <a:custGeom>
@@ -14911,7 +14911,7 @@
           </p:nvSpPr>
           <p:spPr>
             <a:xfrm>
-              <a:off x="4745665" y="1947294"/>
+              <a:off x="4575034" y="1947284"/>
               <a:ext cx="63202" cy="63202"/>
             </a:xfrm>
             <a:custGeom>
@@ -14954,7 +14954,7 @@
           </p:nvSpPr>
           <p:spPr>
             <a:xfrm>
-              <a:off x="5074459" y="1976011"/>
+              <a:off x="4812515" y="1976009"/>
               <a:ext cx="63202" cy="63202"/>
             </a:xfrm>
             <a:custGeom>
@@ -14997,7 +14997,7 @@
           </p:nvSpPr>
           <p:spPr>
             <a:xfrm>
-              <a:off x="4669424" y="1935948"/>
+              <a:off x="4490314" y="1935948"/>
               <a:ext cx="63202" cy="63202"/>
             </a:xfrm>
             <a:custGeom>
@@ -15040,7 +15040,7 @@
           </p:nvSpPr>
           <p:spPr>
             <a:xfrm>
-              <a:off x="4963535" y="1930028"/>
+              <a:off x="5020909" y="1930052"/>
               <a:ext cx="63202" cy="63202"/>
             </a:xfrm>
             <a:custGeom>
@@ -15083,7 +15083,7 @@
           </p:nvSpPr>
           <p:spPr>
             <a:xfrm>
-              <a:off x="4695882" y="2152615"/>
+              <a:off x="4582546" y="2152562"/>
               <a:ext cx="63202" cy="63202"/>
             </a:xfrm>
             <a:custGeom>
@@ -15126,7 +15126,7 @@
           </p:nvSpPr>
           <p:spPr>
             <a:xfrm>
-              <a:off x="4613503" y="1928357"/>
+              <a:off x="4545832" y="1928340"/>
               <a:ext cx="63202" cy="63202"/>
             </a:xfrm>
             <a:custGeom>
@@ -15169,7 +15169,7 @@
           </p:nvSpPr>
           <p:spPr>
             <a:xfrm>
-              <a:off x="5138420" y="2131071"/>
+              <a:off x="4557314" y="2131046"/>
               <a:ext cx="63202" cy="63202"/>
             </a:xfrm>
             <a:custGeom>
@@ -15212,7 +15212,7 @@
           </p:nvSpPr>
           <p:spPr>
             <a:xfrm>
-              <a:off x="4548327" y="2264277"/>
+              <a:off x="4679322" y="2264273"/>
               <a:ext cx="63202" cy="63202"/>
             </a:xfrm>
             <a:custGeom>
@@ -15255,7 +15255,7 @@
           </p:nvSpPr>
           <p:spPr>
             <a:xfrm>
-              <a:off x="4619680" y="2219668"/>
+              <a:off x="4522156" y="2219667"/>
               <a:ext cx="63202" cy="63202"/>
             </a:xfrm>
             <a:custGeom>
@@ -15298,7 +15298,7 @@
           </p:nvSpPr>
           <p:spPr>
             <a:xfrm>
-              <a:off x="4740803" y="2145600"/>
+              <a:off x="4540333" y="2145595"/>
               <a:ext cx="63202" cy="63202"/>
             </a:xfrm>
             <a:custGeom>
@@ -15341,7 +15341,7 @@
           </p:nvSpPr>
           <p:spPr>
             <a:xfrm>
-              <a:off x="4823966" y="1936267"/>
+              <a:off x="4874974" y="1936291"/>
               <a:ext cx="63202" cy="63202"/>
             </a:xfrm>
             <a:custGeom>
@@ -15384,7 +15384,7 @@
           </p:nvSpPr>
           <p:spPr>
             <a:xfrm>
-              <a:off x="4749778" y="2299965"/>
+              <a:off x="4593885" y="2299995"/>
               <a:ext cx="63202" cy="63202"/>
             </a:xfrm>
             <a:custGeom>
@@ -15427,7 +15427,7 @@
           </p:nvSpPr>
           <p:spPr>
             <a:xfrm>
-              <a:off x="4886848" y="1936991"/>
+              <a:off x="4816337" y="1936979"/>
               <a:ext cx="63202" cy="63202"/>
             </a:xfrm>
             <a:custGeom>
@@ -15470,7 +15470,7 @@
           </p:nvSpPr>
           <p:spPr>
             <a:xfrm>
-              <a:off x="4541724" y="1968521"/>
+              <a:off x="4499656" y="1968537"/>
               <a:ext cx="63202" cy="63202"/>
             </a:xfrm>
             <a:custGeom>
@@ -15513,7 +15513,7 @@
           </p:nvSpPr>
           <p:spPr>
             <a:xfrm>
-              <a:off x="4882423" y="2494697"/>
+              <a:off x="4942847" y="2494695"/>
               <a:ext cx="63202" cy="63202"/>
             </a:xfrm>
             <a:custGeom>
@@ -15556,7 +15556,7 @@
           </p:nvSpPr>
           <p:spPr>
             <a:xfrm>
-              <a:off x="4524575" y="2022093"/>
+              <a:off x="4526999" y="2022101"/>
               <a:ext cx="63202" cy="63202"/>
             </a:xfrm>
             <a:custGeom>
@@ -15599,7 +15599,7 @@
           </p:nvSpPr>
           <p:spPr>
             <a:xfrm>
-              <a:off x="4938273" y="1928829"/>
+              <a:off x="5029982" y="1928840"/>
               <a:ext cx="63202" cy="63202"/>
             </a:xfrm>
             <a:custGeom>
@@ -15642,7 +15642,7 @@
           </p:nvSpPr>
           <p:spPr>
             <a:xfrm>
-              <a:off x="4617984" y="2399578"/>
+              <a:off x="4677936" y="2399558"/>
               <a:ext cx="63202" cy="63202"/>
             </a:xfrm>
             <a:custGeom>
@@ -15685,7 +15685,7 @@
           </p:nvSpPr>
           <p:spPr>
             <a:xfrm>
-              <a:off x="5053621" y="2114642"/>
+              <a:off x="4519917" y="2114622"/>
               <a:ext cx="63202" cy="63202"/>
             </a:xfrm>
             <a:custGeom>
@@ -15728,7 +15728,7 @@
           </p:nvSpPr>
           <p:spPr>
             <a:xfrm>
-              <a:off x="5011664" y="1952173"/>
+              <a:off x="4698537" y="1952178"/>
               <a:ext cx="63202" cy="63202"/>
             </a:xfrm>
             <a:custGeom>
@@ -15771,7 +15771,7 @@
           </p:nvSpPr>
           <p:spPr>
             <a:xfrm>
-              <a:off x="4584263" y="1949483"/>
+              <a:off x="5119023" y="1949432"/>
               <a:ext cx="63202" cy="63202"/>
             </a:xfrm>
             <a:custGeom>
@@ -15814,7 +15814,7 @@
           </p:nvSpPr>
           <p:spPr>
             <a:xfrm>
-              <a:off x="4822367" y="1886867"/>
+              <a:off x="4579947" y="1886841"/>
               <a:ext cx="63202" cy="63202"/>
             </a:xfrm>
             <a:custGeom>
@@ -15857,7 +15857,7 @@
           </p:nvSpPr>
           <p:spPr>
             <a:xfrm>
-              <a:off x="4985334" y="1886846"/>
+              <a:off x="4770966" y="1886853"/>
               <a:ext cx="63202" cy="63202"/>
             </a:xfrm>
             <a:custGeom>
@@ -15900,7 +15900,7 @@
           </p:nvSpPr>
           <p:spPr>
             <a:xfrm>
-              <a:off x="4513136" y="1983909"/>
+              <a:off x="4796863" y="1983874"/>
               <a:ext cx="63202" cy="63202"/>
             </a:xfrm>
             <a:custGeom>
@@ -15943,7 +15943,7 @@
           </p:nvSpPr>
           <p:spPr>
             <a:xfrm>
-              <a:off x="4717541" y="2415617"/>
+              <a:off x="4834914" y="2415566"/>
               <a:ext cx="63202" cy="63202"/>
             </a:xfrm>
             <a:custGeom>
@@ -15986,7 +15986,7 @@
           </p:nvSpPr>
           <p:spPr>
             <a:xfrm>
-              <a:off x="4800438" y="1978781"/>
+              <a:off x="4797814" y="1978774"/>
               <a:ext cx="63202" cy="63202"/>
             </a:xfrm>
             <a:custGeom>
@@ -16029,7 +16029,7 @@
           </p:nvSpPr>
           <p:spPr>
             <a:xfrm>
-              <a:off x="5125027" y="1957432"/>
+              <a:off x="4934984" y="1957405"/>
               <a:ext cx="63202" cy="63202"/>
             </a:xfrm>
             <a:custGeom>
@@ -16072,7 +16072,7 @@
           </p:nvSpPr>
           <p:spPr>
             <a:xfrm>
-              <a:off x="5054738" y="1840321"/>
+              <a:off x="4783266" y="1840282"/>
               <a:ext cx="63202" cy="63202"/>
             </a:xfrm>
             <a:custGeom>
@@ -16115,7 +16115,7 @@
           </p:nvSpPr>
           <p:spPr>
             <a:xfrm>
-              <a:off x="4752455" y="2255159"/>
+              <a:off x="4935645" y="2255143"/>
               <a:ext cx="63202" cy="63202"/>
             </a:xfrm>
             <a:custGeom>
@@ -16158,7 +16158,7 @@
           </p:nvSpPr>
           <p:spPr>
             <a:xfrm>
-              <a:off x="5145134" y="1877698"/>
+              <a:off x="4919936" y="1877708"/>
               <a:ext cx="63202" cy="63202"/>
             </a:xfrm>
             <a:custGeom>
@@ -16201,7 +16201,7 @@
           </p:nvSpPr>
           <p:spPr>
             <a:xfrm>
-              <a:off x="4795018" y="2010184"/>
+              <a:off x="5147200" y="2010160"/>
               <a:ext cx="63202" cy="63202"/>
             </a:xfrm>
             <a:custGeom>
@@ -16244,7 +16244,7 @@
           </p:nvSpPr>
           <p:spPr>
             <a:xfrm>
-              <a:off x="4726271" y="2056208"/>
+              <a:off x="4787640" y="2056154"/>
               <a:ext cx="63202" cy="63202"/>
             </a:xfrm>
             <a:custGeom>
@@ -16287,7 +16287,7 @@
           </p:nvSpPr>
           <p:spPr>
             <a:xfrm>
-              <a:off x="4910005" y="1946436"/>
+              <a:off x="5085620" y="1946387"/>
               <a:ext cx="63202" cy="63202"/>
             </a:xfrm>
             <a:custGeom>
@@ -16330,7 +16330,7 @@
           </p:nvSpPr>
           <p:spPr>
             <a:xfrm>
-              <a:off x="4999716" y="2631674"/>
+              <a:off x="4852199" y="2631664"/>
               <a:ext cx="63202" cy="63202"/>
             </a:xfrm>
             <a:custGeom>
@@ -16373,7 +16373,7 @@
           </p:nvSpPr>
           <p:spPr>
             <a:xfrm>
-              <a:off x="5049563" y="2643099"/>
+              <a:off x="4986075" y="2643069"/>
               <a:ext cx="63202" cy="63202"/>
             </a:xfrm>
             <a:custGeom>
@@ -16416,7 +16416,7 @@
           </p:nvSpPr>
           <p:spPr>
             <a:xfrm>
-              <a:off x="4885749" y="2017276"/>
+              <a:off x="4916266" y="2017304"/>
               <a:ext cx="63202" cy="63202"/>
             </a:xfrm>
             <a:custGeom>
@@ -16459,7 +16459,7 @@
           </p:nvSpPr>
           <p:spPr>
             <a:xfrm>
-              <a:off x="4855402" y="2218434"/>
+              <a:off x="4762032" y="2218439"/>
               <a:ext cx="63202" cy="63202"/>
             </a:xfrm>
             <a:custGeom>
@@ -16502,7 +16502,7 @@
           </p:nvSpPr>
           <p:spPr>
             <a:xfrm>
-              <a:off x="5100554" y="2495299"/>
+              <a:off x="4763902" y="2495293"/>
               <a:ext cx="63202" cy="63202"/>
             </a:xfrm>
             <a:custGeom>
@@ -16545,7 +16545,7 @@
           </p:nvSpPr>
           <p:spPr>
             <a:xfrm>
-              <a:off x="4492832" y="1950264"/>
+              <a:off x="4886833" y="1950279"/>
               <a:ext cx="63202" cy="63202"/>
             </a:xfrm>
             <a:custGeom>
@@ -16588,7 +16588,7 @@
           </p:nvSpPr>
           <p:spPr>
             <a:xfrm>
-              <a:off x="5148693" y="2058355"/>
+              <a:off x="4790056" y="2058368"/>
               <a:ext cx="63202" cy="63202"/>
             </a:xfrm>
             <a:custGeom>
@@ -16631,7 +16631,7 @@
           </p:nvSpPr>
           <p:spPr>
             <a:xfrm>
-              <a:off x="5042580" y="1902291"/>
+              <a:off x="4596010" y="1902290"/>
               <a:ext cx="63202" cy="63202"/>
             </a:xfrm>
             <a:custGeom>
@@ -16674,7 +16674,7 @@
           </p:nvSpPr>
           <p:spPr>
             <a:xfrm>
-              <a:off x="4907337" y="2710821"/>
+              <a:off x="5027944" y="2710826"/>
               <a:ext cx="63202" cy="63202"/>
             </a:xfrm>
             <a:custGeom>
@@ -16717,7 +16717,7 @@
           </p:nvSpPr>
           <p:spPr>
             <a:xfrm>
-              <a:off x="5053955" y="1941953"/>
+              <a:off x="4725174" y="1941911"/>
               <a:ext cx="63202" cy="63202"/>
             </a:xfrm>
             <a:custGeom>
@@ -16760,7 +16760,7 @@
           </p:nvSpPr>
           <p:spPr>
             <a:xfrm>
-              <a:off x="4700115" y="2017278"/>
+              <a:off x="4697983" y="2017286"/>
               <a:ext cx="63202" cy="63202"/>
             </a:xfrm>
             <a:custGeom>
@@ -16803,7 +16803,7 @@
           </p:nvSpPr>
           <p:spPr>
             <a:xfrm>
-              <a:off x="4703209" y="2536493"/>
+              <a:off x="4876553" y="2536514"/>
               <a:ext cx="63202" cy="63202"/>
             </a:xfrm>
             <a:custGeom>
@@ -16846,7 +16846,7 @@
           </p:nvSpPr>
           <p:spPr>
             <a:xfrm>
-              <a:off x="4731155" y="2042177"/>
+              <a:off x="4686652" y="2042190"/>
               <a:ext cx="63202" cy="63202"/>
             </a:xfrm>
             <a:custGeom>
@@ -16889,7 +16889,7 @@
           </p:nvSpPr>
           <p:spPr>
             <a:xfrm>
-              <a:off x="4538584" y="2050034"/>
+              <a:off x="4712398" y="2050006"/>
               <a:ext cx="63202" cy="63202"/>
             </a:xfrm>
             <a:custGeom>
@@ -16932,7 +16932,7 @@
           </p:nvSpPr>
           <p:spPr>
             <a:xfrm>
-              <a:off x="5002373" y="1883319"/>
+              <a:off x="5123074" y="1883308"/>
               <a:ext cx="63202" cy="63202"/>
             </a:xfrm>
             <a:custGeom>
@@ -16975,7 +16975,7 @@
           </p:nvSpPr>
           <p:spPr>
             <a:xfrm>
-              <a:off x="5114299" y="1933972"/>
+              <a:off x="5054922" y="1933992"/>
               <a:ext cx="63202" cy="63202"/>
             </a:xfrm>
             <a:custGeom>
@@ -17018,7 +17018,7 @@
           </p:nvSpPr>
           <p:spPr>
             <a:xfrm>
-              <a:off x="4586847" y="2032265"/>
+              <a:off x="4508469" y="2032296"/>
               <a:ext cx="63202" cy="63202"/>
             </a:xfrm>
             <a:custGeom>
@@ -17061,7 +17061,7 @@
           </p:nvSpPr>
           <p:spPr>
             <a:xfrm>
-              <a:off x="4687969" y="1998082"/>
+              <a:off x="4833706" y="1998070"/>
               <a:ext cx="63202" cy="63202"/>
             </a:xfrm>
             <a:custGeom>
@@ -17104,7 +17104,7 @@
           </p:nvSpPr>
           <p:spPr>
             <a:xfrm>
-              <a:off x="4611541" y="1886397"/>
+              <a:off x="4825176" y="1886365"/>
               <a:ext cx="63202" cy="63202"/>
             </a:xfrm>
             <a:custGeom>
@@ -17147,7 +17147,7 @@
           </p:nvSpPr>
           <p:spPr>
             <a:xfrm>
-              <a:off x="4744842" y="2204920"/>
+              <a:off x="4895163" y="2204922"/>
               <a:ext cx="63202" cy="63202"/>
             </a:xfrm>
             <a:custGeom>
@@ -17190,7 +17190,7 @@
           </p:nvSpPr>
           <p:spPr>
             <a:xfrm>
-              <a:off x="5122862" y="1977520"/>
+              <a:off x="4899896" y="1977482"/>
               <a:ext cx="63202" cy="63202"/>
             </a:xfrm>
             <a:custGeom>
@@ -17233,7 +17233,7 @@
           </p:nvSpPr>
           <p:spPr>
             <a:xfrm>
-              <a:off x="4915169" y="1997691"/>
+              <a:off x="5119367" y="1997652"/>
               <a:ext cx="63202" cy="63202"/>
             </a:xfrm>
             <a:custGeom>
@@ -17276,7 +17276,7 @@
           </p:nvSpPr>
           <p:spPr>
             <a:xfrm>
-              <a:off x="4609308" y="2437544"/>
+              <a:off x="4495945" y="2437536"/>
               <a:ext cx="63202" cy="63202"/>
             </a:xfrm>
             <a:custGeom>
@@ -17319,7 +17319,7 @@
           </p:nvSpPr>
           <p:spPr>
             <a:xfrm>
-              <a:off x="4645135" y="2469288"/>
+              <a:off x="4930704" y="2469289"/>
               <a:ext cx="63202" cy="63202"/>
             </a:xfrm>
             <a:custGeom>
@@ -17362,7 +17362,7 @@
           </p:nvSpPr>
           <p:spPr>
             <a:xfrm>
-              <a:off x="5151876" y="1887771"/>
+              <a:off x="4697802" y="1887766"/>
               <a:ext cx="63202" cy="63202"/>
             </a:xfrm>
             <a:custGeom>
@@ -17405,7 +17405,7 @@
           </p:nvSpPr>
           <p:spPr>
             <a:xfrm>
-              <a:off x="4931299" y="1878244"/>
+              <a:off x="4675743" y="1878249"/>
               <a:ext cx="63202" cy="63202"/>
             </a:xfrm>
             <a:custGeom>
@@ -17448,7 +17448,7 @@
           </p:nvSpPr>
           <p:spPr>
             <a:xfrm>
-              <a:off x="4848608" y="1874734"/>
+              <a:off x="4699614" y="1874690"/>
               <a:ext cx="63202" cy="63202"/>
             </a:xfrm>
             <a:custGeom>
@@ -17491,7 +17491,7 @@
           </p:nvSpPr>
           <p:spPr>
             <a:xfrm>
-              <a:off x="4584786" y="2252525"/>
+              <a:off x="4630739" y="2252508"/>
               <a:ext cx="63202" cy="63202"/>
             </a:xfrm>
             <a:custGeom>
@@ -17534,7 +17534,7 @@
           </p:nvSpPr>
           <p:spPr>
             <a:xfrm>
-              <a:off x="4496284" y="1948112"/>
+              <a:off x="4784021" y="1948078"/>
               <a:ext cx="63202" cy="63202"/>
             </a:xfrm>
             <a:custGeom>
@@ -17577,7 +17577,7 @@
           </p:nvSpPr>
           <p:spPr>
             <a:xfrm>
-              <a:off x="4899757" y="1887341"/>
+              <a:off x="4694460" y="1887341"/>
               <a:ext cx="63202" cy="63202"/>
             </a:xfrm>
             <a:custGeom>
@@ -17620,7 +17620,7 @@
           </p:nvSpPr>
           <p:spPr>
             <a:xfrm>
-              <a:off x="5110784" y="2244112"/>
+              <a:off x="4488092" y="2244106"/>
               <a:ext cx="63202" cy="63202"/>
             </a:xfrm>
             <a:custGeom>
@@ -17663,7 +17663,7 @@
           </p:nvSpPr>
           <p:spPr>
             <a:xfrm>
-              <a:off x="5036814" y="1878247"/>
+              <a:off x="4660223" y="1878268"/>
               <a:ext cx="63202" cy="63202"/>
             </a:xfrm>
             <a:custGeom>
@@ -17706,7 +17706,7 @@
           </p:nvSpPr>
           <p:spPr>
             <a:xfrm>
-              <a:off x="4679226" y="1881852"/>
+              <a:off x="5164318" y="1881824"/>
               <a:ext cx="63202" cy="63202"/>
             </a:xfrm>
             <a:custGeom>
@@ -17749,7 +17749,7 @@
           </p:nvSpPr>
           <p:spPr>
             <a:xfrm>
-              <a:off x="5015136" y="1937523"/>
+              <a:off x="4924674" y="1937510"/>
               <a:ext cx="63202" cy="63202"/>
             </a:xfrm>
             <a:custGeom>
@@ -17792,7 +17792,7 @@
           </p:nvSpPr>
           <p:spPr>
             <a:xfrm>
-              <a:off x="4865399" y="1884421"/>
+              <a:off x="4559506" y="1884416"/>
               <a:ext cx="63202" cy="63202"/>
             </a:xfrm>
             <a:custGeom>
@@ -17835,7 +17835,7 @@
           </p:nvSpPr>
           <p:spPr>
             <a:xfrm>
-              <a:off x="4486700" y="2120864"/>
+              <a:off x="4787160" y="2120882"/>
               <a:ext cx="63202" cy="63202"/>
             </a:xfrm>
             <a:custGeom>
@@ -17878,7 +17878,7 @@
           </p:nvSpPr>
           <p:spPr>
             <a:xfrm>
-              <a:off x="4596204" y="1881347"/>
+              <a:off x="4982848" y="1881388"/>
               <a:ext cx="63202" cy="63202"/>
             </a:xfrm>
             <a:custGeom>
@@ -17921,7 +17921,7 @@
           </p:nvSpPr>
           <p:spPr>
             <a:xfrm>
-              <a:off x="5131638" y="1889677"/>
+              <a:off x="4606440" y="1889671"/>
               <a:ext cx="63202" cy="63202"/>
             </a:xfrm>
             <a:custGeom>
@@ -18020,7 +18020,7 @@
           </p:nvSpPr>
           <p:spPr>
             <a:xfrm>
-              <a:off x="4325757" y="4823723"/>
+              <a:off x="4325757" y="4823710"/>
               <a:ext cx="2796732" cy="0"/>
             </a:xfrm>
             <a:custGeom>
@@ -18063,7 +18063,7 @@
           </p:nvSpPr>
           <p:spPr>
             <a:xfrm>
-              <a:off x="4325757" y="4484275"/>
+              <a:off x="4325757" y="4484265"/>
               <a:ext cx="2796732" cy="0"/>
             </a:xfrm>
             <a:custGeom>
@@ -18106,7 +18106,7 @@
           </p:nvSpPr>
           <p:spPr>
             <a:xfrm>
-              <a:off x="4325757" y="4144827"/>
+              <a:off x="4325757" y="4144819"/>
               <a:ext cx="2796732" cy="0"/>
             </a:xfrm>
             <a:custGeom>
@@ -18149,7 +18149,7 @@
           </p:nvSpPr>
           <p:spPr>
             <a:xfrm>
-              <a:off x="4325757" y="3805379"/>
+              <a:off x="4325757" y="3805374"/>
               <a:ext cx="2796732" cy="0"/>
             </a:xfrm>
             <a:custGeom>
@@ -18192,7 +18192,7 @@
           </p:nvSpPr>
           <p:spPr>
             <a:xfrm>
-              <a:off x="4325757" y="3465931"/>
+              <a:off x="4325757" y="3465928"/>
               <a:ext cx="2796732" cy="0"/>
             </a:xfrm>
             <a:custGeom>
@@ -18235,7 +18235,7 @@
           </p:nvSpPr>
           <p:spPr>
             <a:xfrm>
-              <a:off x="4325757" y="4653999"/>
+              <a:off x="4325757" y="4653987"/>
               <a:ext cx="2796732" cy="0"/>
             </a:xfrm>
             <a:custGeom>
@@ -18278,7 +18278,7 @@
           </p:nvSpPr>
           <p:spPr>
             <a:xfrm>
-              <a:off x="4325757" y="4314551"/>
+              <a:off x="4325757" y="4314542"/>
               <a:ext cx="2796732" cy="0"/>
             </a:xfrm>
             <a:custGeom>
@@ -18321,7 +18321,7 @@
           </p:nvSpPr>
           <p:spPr>
             <a:xfrm>
-              <a:off x="4325757" y="3975103"/>
+              <a:off x="4325757" y="3975096"/>
               <a:ext cx="2796732" cy="0"/>
             </a:xfrm>
             <a:custGeom>
@@ -18364,7 +18364,7 @@
           </p:nvSpPr>
           <p:spPr>
             <a:xfrm>
-              <a:off x="4325757" y="3635655"/>
+              <a:off x="4325757" y="3635651"/>
               <a:ext cx="2796732" cy="0"/>
             </a:xfrm>
             <a:custGeom>
@@ -18536,7 +18536,7 @@
           </p:nvSpPr>
           <p:spPr>
             <a:xfrm>
-              <a:off x="4539552" y="4110761"/>
+              <a:off x="5004298" y="4110772"/>
               <a:ext cx="63202" cy="63202"/>
             </a:xfrm>
             <a:custGeom>
@@ -18579,7 +18579,7 @@
           </p:nvSpPr>
           <p:spPr>
             <a:xfrm>
-              <a:off x="5115077" y="4018476"/>
+              <a:off x="4912260" y="4018467"/>
               <a:ext cx="63202" cy="63202"/>
             </a:xfrm>
             <a:custGeom>
@@ -18622,7 +18622,7 @@
           </p:nvSpPr>
           <p:spPr>
             <a:xfrm>
-              <a:off x="5773762" y="3902658"/>
+              <a:off x="6024622" y="3902618"/>
               <a:ext cx="63202" cy="63202"/>
             </a:xfrm>
             <a:custGeom>
@@ -18665,7 +18665,7 @@
           </p:nvSpPr>
           <p:spPr>
             <a:xfrm>
-              <a:off x="6245817" y="4712007"/>
+              <a:off x="6595688" y="4711997"/>
               <a:ext cx="63202" cy="63202"/>
             </a:xfrm>
             <a:custGeom>
@@ -18708,7 +18708,7 @@
           </p:nvSpPr>
           <p:spPr>
             <a:xfrm>
-              <a:off x="6667596" y="4883747"/>
+              <a:off x="6743601" y="4883747"/>
               <a:ext cx="63202" cy="63202"/>
             </a:xfrm>
             <a:custGeom>
@@ -18751,7 +18751,7 @@
           </p:nvSpPr>
           <p:spPr>
             <a:xfrm>
-              <a:off x="6378014" y="4589677"/>
+              <a:off x="6508031" y="4589660"/>
               <a:ext cx="63202" cy="63202"/>
             </a:xfrm>
             <a:custGeom>
@@ -18794,7 +18794,7 @@
           </p:nvSpPr>
           <p:spPr>
             <a:xfrm>
-              <a:off x="6357976" y="4854366"/>
+              <a:off x="6801803" y="4854344"/>
               <a:ext cx="63202" cy="63202"/>
             </a:xfrm>
             <a:custGeom>
@@ -18893,7 +18893,7 @@
           </p:nvSpPr>
           <p:spPr>
             <a:xfrm>
-              <a:off x="4325757" y="6749055"/>
+              <a:off x="4325757" y="6749043"/>
               <a:ext cx="2796732" cy="0"/>
             </a:xfrm>
             <a:custGeom>
@@ -18936,7 +18936,7 @@
           </p:nvSpPr>
           <p:spPr>
             <a:xfrm>
-              <a:off x="4325757" y="6409607"/>
+              <a:off x="4325757" y="6409597"/>
               <a:ext cx="2796732" cy="0"/>
             </a:xfrm>
             <a:custGeom>
@@ -18979,7 +18979,7 @@
           </p:nvSpPr>
           <p:spPr>
             <a:xfrm>
-              <a:off x="4325757" y="6070159"/>
+              <a:off x="4325757" y="6070152"/>
               <a:ext cx="2796732" cy="0"/>
             </a:xfrm>
             <a:custGeom>
@@ -19022,7 +19022,7 @@
           </p:nvSpPr>
           <p:spPr>
             <a:xfrm>
-              <a:off x="4325757" y="5730711"/>
+              <a:off x="4325757" y="5730706"/>
               <a:ext cx="2796732" cy="0"/>
             </a:xfrm>
             <a:custGeom>
@@ -19065,7 +19065,7 @@
           </p:nvSpPr>
           <p:spPr>
             <a:xfrm>
-              <a:off x="4325757" y="5391263"/>
+              <a:off x="4325757" y="5391261"/>
               <a:ext cx="2796732" cy="0"/>
             </a:xfrm>
             <a:custGeom>
@@ -19108,7 +19108,7 @@
           </p:nvSpPr>
           <p:spPr>
             <a:xfrm>
-              <a:off x="4325757" y="6579331"/>
+              <a:off x="4325757" y="6579320"/>
               <a:ext cx="2796732" cy="0"/>
             </a:xfrm>
             <a:custGeom>
@@ -19151,7 +19151,7 @@
           </p:nvSpPr>
           <p:spPr>
             <a:xfrm>
-              <a:off x="4325757" y="6239883"/>
+              <a:off x="4325757" y="6239874"/>
               <a:ext cx="2796732" cy="0"/>
             </a:xfrm>
             <a:custGeom>
@@ -19194,7 +19194,7 @@
           </p:nvSpPr>
           <p:spPr>
             <a:xfrm>
-              <a:off x="4325757" y="5900435"/>
+              <a:off x="4325757" y="5900429"/>
               <a:ext cx="2796732" cy="0"/>
             </a:xfrm>
             <a:custGeom>
@@ -19237,7 +19237,7 @@
           </p:nvSpPr>
           <p:spPr>
             <a:xfrm>
-              <a:off x="4325757" y="5560987"/>
+              <a:off x="4325757" y="5560983"/>
               <a:ext cx="2796732" cy="0"/>
             </a:xfrm>
             <a:custGeom>
@@ -19409,7 +19409,7 @@
           </p:nvSpPr>
           <p:spPr>
             <a:xfrm>
-              <a:off x="4517846" y="5434614"/>
+              <a:off x="5120733" y="5434589"/>
               <a:ext cx="63202" cy="63202"/>
             </a:xfrm>
             <a:custGeom>
@@ -19452,7 +19452,7 @@
           </p:nvSpPr>
           <p:spPr>
             <a:xfrm>
-              <a:off x="4553102" y="5398025"/>
+              <a:off x="4549416" y="5398040"/>
               <a:ext cx="63202" cy="63202"/>
             </a:xfrm>
             <a:custGeom>
@@ -19495,7 +19495,7 @@
           </p:nvSpPr>
           <p:spPr>
             <a:xfrm>
-              <a:off x="5145555" y="5484054"/>
+              <a:off x="5005867" y="5484058"/>
               <a:ext cx="63202" cy="63202"/>
             </a:xfrm>
             <a:custGeom>
@@ -19538,7 +19538,7 @@
           </p:nvSpPr>
           <p:spPr>
             <a:xfrm>
-              <a:off x="4901374" y="5317369"/>
+              <a:off x="4488338" y="5317369"/>
               <a:ext cx="63202" cy="63202"/>
             </a:xfrm>
             <a:custGeom>
@@ -19581,7 +19581,7 @@
           </p:nvSpPr>
           <p:spPr>
             <a:xfrm>
-              <a:off x="4810146" y="5398823"/>
+              <a:off x="4669458" y="5398846"/>
               <a:ext cx="63202" cy="63202"/>
             </a:xfrm>
             <a:custGeom>
@@ -19624,7 +19624,7 @@
           </p:nvSpPr>
           <p:spPr>
             <a:xfrm>
-              <a:off x="5049973" y="5422049"/>
+              <a:off x="4919993" y="5422045"/>
               <a:ext cx="63202" cy="63202"/>
             </a:xfrm>
             <a:custGeom>
@@ -19667,7 +19667,7 @@
           </p:nvSpPr>
           <p:spPr>
             <a:xfrm>
-              <a:off x="4542291" y="5395825"/>
+              <a:off x="4760732" y="5395836"/>
               <a:ext cx="63202" cy="63202"/>
             </a:xfrm>
             <a:custGeom>
@@ -19710,7 +19710,7 @@
           </p:nvSpPr>
           <p:spPr>
             <a:xfrm>
-              <a:off x="5046905" y="5498643"/>
+              <a:off x="4551589" y="5498645"/>
               <a:ext cx="63202" cy="63202"/>
             </a:xfrm>
             <a:custGeom>
@@ -19753,7 +19753,7 @@
           </p:nvSpPr>
           <p:spPr>
             <a:xfrm>
-              <a:off x="5065860" y="5735216"/>
+              <a:off x="4940494" y="5735247"/>
               <a:ext cx="63202" cy="63202"/>
             </a:xfrm>
             <a:custGeom>
@@ -19796,7 +19796,7 @@
           </p:nvSpPr>
           <p:spPr>
             <a:xfrm>
-              <a:off x="4481568" y="5483820"/>
+              <a:off x="5037860" y="5483822"/>
               <a:ext cx="63202" cy="63202"/>
             </a:xfrm>
             <a:custGeom>
@@ -19839,7 +19839,7 @@
           </p:nvSpPr>
           <p:spPr>
             <a:xfrm>
-              <a:off x="4694142" y="5493757"/>
+              <a:off x="5135724" y="5493756"/>
               <a:ext cx="63202" cy="63202"/>
             </a:xfrm>
             <a:custGeom>
@@ -19882,7 +19882,7 @@
           </p:nvSpPr>
           <p:spPr>
             <a:xfrm>
-              <a:off x="4956385" y="5719316"/>
+              <a:off x="4633187" y="5719334"/>
               <a:ext cx="63202" cy="63202"/>
             </a:xfrm>
             <a:custGeom>
@@ -19925,7 +19925,7 @@
           </p:nvSpPr>
           <p:spPr>
             <a:xfrm>
-              <a:off x="5156593" y="5721638"/>
+              <a:off x="4826909" y="5721660"/>
               <a:ext cx="63202" cy="63202"/>
             </a:xfrm>
             <a:custGeom>
@@ -19968,7 +19968,7 @@
           </p:nvSpPr>
           <p:spPr>
             <a:xfrm>
-              <a:off x="4897543" y="5449087"/>
+              <a:off x="4717353" y="5449048"/>
               <a:ext cx="63202" cy="63202"/>
             </a:xfrm>
             <a:custGeom>
@@ -20011,7 +20011,7 @@
           </p:nvSpPr>
           <p:spPr>
             <a:xfrm>
-              <a:off x="4670900" y="5494716"/>
+              <a:off x="4549906" y="5494717"/>
               <a:ext cx="63202" cy="63202"/>
             </a:xfrm>
             <a:custGeom>
@@ -20054,7 +20054,7 @@
           </p:nvSpPr>
           <p:spPr>
             <a:xfrm>
-              <a:off x="4580422" y="5371826"/>
+              <a:off x="4960633" y="5371817"/>
               <a:ext cx="63202" cy="63202"/>
             </a:xfrm>
             <a:custGeom>
@@ -20097,7 +20097,7 @@
           </p:nvSpPr>
           <p:spPr>
             <a:xfrm>
-              <a:off x="4809422" y="5467456"/>
+              <a:off x="4682937" y="5467454"/>
               <a:ext cx="63202" cy="63202"/>
             </a:xfrm>
             <a:custGeom>
@@ -20140,7 +20140,7 @@
           </p:nvSpPr>
           <p:spPr>
             <a:xfrm>
-              <a:off x="4589874" y="5389314"/>
+              <a:off x="4564628" y="5389343"/>
               <a:ext cx="63202" cy="63202"/>
             </a:xfrm>
             <a:custGeom>
@@ -20183,7 +20183,7 @@
           </p:nvSpPr>
           <p:spPr>
             <a:xfrm>
-              <a:off x="4693835" y="5429915"/>
+              <a:off x="4807931" y="5429908"/>
               <a:ext cx="63202" cy="63202"/>
             </a:xfrm>
             <a:custGeom>
@@ -20226,7 +20226,7 @@
           </p:nvSpPr>
           <p:spPr>
             <a:xfrm>
-              <a:off x="5155833" y="5367547"/>
+              <a:off x="4719079" y="5367513"/>
               <a:ext cx="63202" cy="63202"/>
             </a:xfrm>
             <a:custGeom>
@@ -20269,7 +20269,7 @@
           </p:nvSpPr>
           <p:spPr>
             <a:xfrm>
-              <a:off x="4999622" y="5893260"/>
+              <a:off x="4546814" y="5893243"/>
               <a:ext cx="63202" cy="63202"/>
             </a:xfrm>
             <a:custGeom>
@@ -20312,7 +20312,7 @@
           </p:nvSpPr>
           <p:spPr>
             <a:xfrm>
-              <a:off x="5018249" y="5428373"/>
+              <a:off x="4825312" y="5428370"/>
               <a:ext cx="63202" cy="63202"/>
             </a:xfrm>
             <a:custGeom>
@@ -20355,7 +20355,7 @@
           </p:nvSpPr>
           <p:spPr>
             <a:xfrm>
-              <a:off x="4848508" y="5424787"/>
+              <a:off x="5053024" y="5424752"/>
               <a:ext cx="63202" cy="63202"/>
             </a:xfrm>
             <a:custGeom>
@@ -20398,7 +20398,7 @@
           </p:nvSpPr>
           <p:spPr>
             <a:xfrm>
-              <a:off x="4843722" y="5381580"/>
+              <a:off x="4650454" y="5381581"/>
               <a:ext cx="63202" cy="63202"/>
             </a:xfrm>
             <a:custGeom>
@@ -20441,7 +20441,7 @@
           </p:nvSpPr>
           <p:spPr>
             <a:xfrm>
-              <a:off x="4535724" y="5395288"/>
+              <a:off x="4598447" y="5395308"/>
               <a:ext cx="63202" cy="63202"/>
             </a:xfrm>
             <a:custGeom>
@@ -20484,7 +20484,7 @@
           </p:nvSpPr>
           <p:spPr>
             <a:xfrm>
-              <a:off x="4633491" y="5423323"/>
+              <a:off x="4795980" y="5423314"/>
               <a:ext cx="63202" cy="63202"/>
             </a:xfrm>
             <a:custGeom>
@@ -20527,7 +20527,7 @@
           </p:nvSpPr>
           <p:spPr>
             <a:xfrm>
-              <a:off x="4731592" y="5421771"/>
+              <a:off x="4725545" y="5421799"/>
               <a:ext cx="63202" cy="63202"/>
             </a:xfrm>
             <a:custGeom>
@@ -20570,7 +20570,7 @@
           </p:nvSpPr>
           <p:spPr>
             <a:xfrm>
-              <a:off x="4915699" y="5397867"/>
+              <a:off x="5143770" y="5397869"/>
               <a:ext cx="63202" cy="63202"/>
             </a:xfrm>
             <a:custGeom>
@@ -20613,7 +20613,7 @@
           </p:nvSpPr>
           <p:spPr>
             <a:xfrm>
-              <a:off x="4624880" y="5483295"/>
+              <a:off x="5015730" y="5483260"/>
               <a:ext cx="63202" cy="63202"/>
             </a:xfrm>
             <a:custGeom>
@@ -20656,7 +20656,7 @@
           </p:nvSpPr>
           <p:spPr>
             <a:xfrm>
-              <a:off x="4942820" y="5451175"/>
+              <a:off x="4625123" y="5451170"/>
               <a:ext cx="63202" cy="63202"/>
             </a:xfrm>
             <a:custGeom>
@@ -20699,7 +20699,7 @@
           </p:nvSpPr>
           <p:spPr>
             <a:xfrm>
-              <a:off x="4769752" y="5432939"/>
+              <a:off x="4857527" y="5432935"/>
               <a:ext cx="63202" cy="63202"/>
             </a:xfrm>
             <a:custGeom>
@@ -20742,7 +20742,7 @@
           </p:nvSpPr>
           <p:spPr>
             <a:xfrm>
-              <a:off x="4623121" y="5381579"/>
+              <a:off x="4946718" y="5381597"/>
               <a:ext cx="63202" cy="63202"/>
             </a:xfrm>
             <a:custGeom>
@@ -20785,7 +20785,7 @@
           </p:nvSpPr>
           <p:spPr>
             <a:xfrm>
-              <a:off x="4528177" y="5395804"/>
+              <a:off x="4509228" y="5395800"/>
               <a:ext cx="63202" cy="63202"/>
             </a:xfrm>
             <a:custGeom>
@@ -20828,7 +20828,7 @@
           </p:nvSpPr>
           <p:spPr>
             <a:xfrm>
-              <a:off x="4902797" y="5395840"/>
+              <a:off x="5150559" y="5395840"/>
               <a:ext cx="63202" cy="63202"/>
             </a:xfrm>
             <a:custGeom>
@@ -20871,7 +20871,7 @@
           </p:nvSpPr>
           <p:spPr>
             <a:xfrm>
-              <a:off x="4686686" y="5433109"/>
+              <a:off x="4635997" y="5433133"/>
               <a:ext cx="63202" cy="63202"/>
             </a:xfrm>
             <a:custGeom>
@@ -20914,7 +20914,7 @@
           </p:nvSpPr>
           <p:spPr>
             <a:xfrm>
-              <a:off x="4892664" y="5434428"/>
+              <a:off x="4486177" y="5434415"/>
               <a:ext cx="63202" cy="63202"/>
             </a:xfrm>
             <a:custGeom>
@@ -20957,7 +20957,7 @@
           </p:nvSpPr>
           <p:spPr>
             <a:xfrm>
-              <a:off x="5118140" y="5633860"/>
+              <a:off x="4933583" y="5633842"/>
               <a:ext cx="63202" cy="63202"/>
             </a:xfrm>
             <a:custGeom>
@@ -21000,7 +21000,7 @@
           </p:nvSpPr>
           <p:spPr>
             <a:xfrm>
-              <a:off x="5090778" y="5386161"/>
+              <a:off x="5136438" y="5386160"/>
               <a:ext cx="63202" cy="63202"/>
             </a:xfrm>
             <a:custGeom>
@@ -21043,7 +21043,7 @@
           </p:nvSpPr>
           <p:spPr>
             <a:xfrm>
-              <a:off x="4926548" y="5437471"/>
+              <a:off x="4690167" y="5437485"/>
               <a:ext cx="63202" cy="63202"/>
             </a:xfrm>
             <a:custGeom>
@@ -21086,7 +21086,7 @@
           </p:nvSpPr>
           <p:spPr>
             <a:xfrm>
-              <a:off x="4536678" y="5475957"/>
+              <a:off x="4811758" y="5475963"/>
               <a:ext cx="63202" cy="63202"/>
             </a:xfrm>
             <a:custGeom>
@@ -21129,7 +21129,7 @@
           </p:nvSpPr>
           <p:spPr>
             <a:xfrm>
-              <a:off x="4486088" y="5392476"/>
+              <a:off x="4727485" y="5392453"/>
               <a:ext cx="63202" cy="63202"/>
             </a:xfrm>
             <a:custGeom>
@@ -21172,7 +21172,7 @@
           </p:nvSpPr>
           <p:spPr>
             <a:xfrm>
-              <a:off x="4562742" y="5417574"/>
+              <a:off x="4707560" y="5417563"/>
               <a:ext cx="63202" cy="63202"/>
             </a:xfrm>
             <a:custGeom>
@@ -21215,7 +21215,7 @@
           </p:nvSpPr>
           <p:spPr>
             <a:xfrm>
-              <a:off x="4527680" y="5877686"/>
+              <a:off x="4493525" y="5877651"/>
               <a:ext cx="63202" cy="63202"/>
             </a:xfrm>
             <a:custGeom>
@@ -21258,7 +21258,7 @@
           </p:nvSpPr>
           <p:spPr>
             <a:xfrm>
-              <a:off x="4500194" y="5433933"/>
+              <a:off x="4811558" y="5433941"/>
               <a:ext cx="63202" cy="63202"/>
             </a:xfrm>
             <a:custGeom>
@@ -21301,7 +21301,7 @@
           </p:nvSpPr>
           <p:spPr>
             <a:xfrm>
-              <a:off x="4833194" y="5622708"/>
+              <a:off x="5136766" y="5622749"/>
               <a:ext cx="63202" cy="63202"/>
             </a:xfrm>
             <a:custGeom>
@@ -21344,7 +21344,7 @@
           </p:nvSpPr>
           <p:spPr>
             <a:xfrm>
-              <a:off x="5162293" y="5395660"/>
+              <a:off x="4579885" y="5395651"/>
               <a:ext cx="63202" cy="63202"/>
             </a:xfrm>
             <a:custGeom>
@@ -21387,7 +21387,7 @@
           </p:nvSpPr>
           <p:spPr>
             <a:xfrm>
-              <a:off x="5093620" y="5605227"/>
+              <a:off x="4671878" y="5605209"/>
               <a:ext cx="63202" cy="63202"/>
             </a:xfrm>
             <a:custGeom>
@@ -21430,7 +21430,7 @@
           </p:nvSpPr>
           <p:spPr>
             <a:xfrm>
-              <a:off x="5143747" y="5399831"/>
+              <a:off x="4832554" y="5399830"/>
               <a:ext cx="63202" cy="63202"/>
             </a:xfrm>
             <a:custGeom>
@@ -21473,7 +21473,7 @@
           </p:nvSpPr>
           <p:spPr>
             <a:xfrm>
-              <a:off x="5045679" y="5447248"/>
+              <a:off x="4729948" y="5447229"/>
               <a:ext cx="63202" cy="63202"/>
             </a:xfrm>
             <a:custGeom>
@@ -21516,7 +21516,7 @@
           </p:nvSpPr>
           <p:spPr>
             <a:xfrm>
-              <a:off x="4656143" y="5412397"/>
+              <a:off x="4800199" y="5412398"/>
               <a:ext cx="63202" cy="63202"/>
             </a:xfrm>
             <a:custGeom>
@@ -21559,7 +21559,7 @@
           </p:nvSpPr>
           <p:spPr>
             <a:xfrm>
-              <a:off x="5105252" y="5508488"/>
+              <a:off x="4945101" y="5508499"/>
               <a:ext cx="63202" cy="63202"/>
             </a:xfrm>
             <a:custGeom>
@@ -21602,7 +21602,7 @@
           </p:nvSpPr>
           <p:spPr>
             <a:xfrm>
-              <a:off x="4591014" y="5447995"/>
+              <a:off x="4714197" y="5447999"/>
               <a:ext cx="63202" cy="63202"/>
             </a:xfrm>
             <a:custGeom>
@@ -21645,7 +21645,7 @@
           </p:nvSpPr>
           <p:spPr>
             <a:xfrm>
-              <a:off x="4673299" y="5837218"/>
+              <a:off x="4924303" y="5837176"/>
               <a:ext cx="63202" cy="63202"/>
             </a:xfrm>
             <a:custGeom>
@@ -21688,7 +21688,7 @@
           </p:nvSpPr>
           <p:spPr>
             <a:xfrm>
-              <a:off x="4839562" y="5759871"/>
+              <a:off x="4872175" y="5759870"/>
               <a:ext cx="63202" cy="63202"/>
             </a:xfrm>
             <a:custGeom>
@@ -21731,7 +21731,7 @@
           </p:nvSpPr>
           <p:spPr>
             <a:xfrm>
-              <a:off x="4926673" y="5393740"/>
+              <a:off x="4739265" y="5393747"/>
               <a:ext cx="63202" cy="63202"/>
             </a:xfrm>
             <a:custGeom>
@@ -21774,7 +21774,7 @@
           </p:nvSpPr>
           <p:spPr>
             <a:xfrm>
-              <a:off x="4552309" y="5478932"/>
+              <a:off x="4988556" y="5478961"/>
               <a:ext cx="63202" cy="63202"/>
             </a:xfrm>
             <a:custGeom>
@@ -21817,7 +21817,7 @@
           </p:nvSpPr>
           <p:spPr>
             <a:xfrm>
-              <a:off x="4892502" y="5587164"/>
+              <a:off x="4509766" y="5587129"/>
               <a:ext cx="63202" cy="63202"/>
             </a:xfrm>
             <a:custGeom>
@@ -21860,7 +21860,7 @@
           </p:nvSpPr>
           <p:spPr>
             <a:xfrm>
-              <a:off x="4880128" y="5404446"/>
+              <a:off x="4629810" y="5404488"/>
               <a:ext cx="63202" cy="63202"/>
             </a:xfrm>
             <a:custGeom>
@@ -21903,7 +21903,7 @@
           </p:nvSpPr>
           <p:spPr>
             <a:xfrm>
-              <a:off x="4950468" y="5387713"/>
+              <a:off x="4997675" y="5387705"/>
               <a:ext cx="63202" cy="63202"/>
             </a:xfrm>
             <a:custGeom>
@@ -21946,7 +21946,7 @@
           </p:nvSpPr>
           <p:spPr>
             <a:xfrm>
-              <a:off x="4630075" y="5486418"/>
+              <a:off x="4482097" y="5486384"/>
               <a:ext cx="63202" cy="63202"/>
             </a:xfrm>
             <a:custGeom>
@@ -21989,7 +21989,7 @@
           </p:nvSpPr>
           <p:spPr>
             <a:xfrm>
-              <a:off x="5070842" y="5487166"/>
+              <a:off x="4796694" y="5487179"/>
               <a:ext cx="63202" cy="63202"/>
             </a:xfrm>
             <a:custGeom>
@@ -22032,7 +22032,7 @@
           </p:nvSpPr>
           <p:spPr>
             <a:xfrm>
-              <a:off x="4567217" y="5496879"/>
+              <a:off x="4632134" y="5496839"/>
               <a:ext cx="63202" cy="63202"/>
             </a:xfrm>
             <a:custGeom>
@@ -22075,7 +22075,7 @@
           </p:nvSpPr>
           <p:spPr>
             <a:xfrm>
-              <a:off x="4634966" y="5890746"/>
+              <a:off x="5090009" y="5890732"/>
               <a:ext cx="63202" cy="63202"/>
             </a:xfrm>
             <a:custGeom>
@@ -22118,7 +22118,7 @@
           </p:nvSpPr>
           <p:spPr>
             <a:xfrm>
-              <a:off x="4817864" y="5399920"/>
+              <a:off x="4585334" y="5399892"/>
               <a:ext cx="63202" cy="63202"/>
             </a:xfrm>
             <a:custGeom>
@@ -22161,7 +22161,7 @@
           </p:nvSpPr>
           <p:spPr>
             <a:xfrm>
-              <a:off x="4490100" y="5417244"/>
+              <a:off x="5022210" y="5417244"/>
               <a:ext cx="63202" cy="63202"/>
             </a:xfrm>
             <a:custGeom>
@@ -22204,7 +22204,7 @@
           </p:nvSpPr>
           <p:spPr>
             <a:xfrm>
-              <a:off x="4500736" y="5496677"/>
+              <a:off x="5166068" y="5496676"/>
               <a:ext cx="63202" cy="63202"/>
             </a:xfrm>
             <a:custGeom>
@@ -22247,7 +22247,7 @@
           </p:nvSpPr>
           <p:spPr>
             <a:xfrm>
-              <a:off x="4815296" y="5410852"/>
+              <a:off x="5097866" y="5410847"/>
               <a:ext cx="63202" cy="63202"/>
             </a:xfrm>
             <a:custGeom>
@@ -22290,7 +22290,7 @@
           </p:nvSpPr>
           <p:spPr>
             <a:xfrm>
-              <a:off x="4849485" y="5407658"/>
+              <a:off x="4990746" y="5407675"/>
               <a:ext cx="63202" cy="63202"/>
             </a:xfrm>
             <a:custGeom>
@@ -22333,7 +22333,7 @@
           </p:nvSpPr>
           <p:spPr>
             <a:xfrm>
-              <a:off x="4864213" y="5753003"/>
+              <a:off x="5088463" y="5753019"/>
               <a:ext cx="63202" cy="63202"/>
             </a:xfrm>
             <a:custGeom>
@@ -22376,7 +22376,7 @@
           </p:nvSpPr>
           <p:spPr>
             <a:xfrm>
-              <a:off x="4784231" y="5387902"/>
+              <a:off x="4808100" y="5387927"/>
               <a:ext cx="63202" cy="63202"/>
             </a:xfrm>
             <a:custGeom>
@@ -22419,7 +22419,7 @@
           </p:nvSpPr>
           <p:spPr>
             <a:xfrm>
-              <a:off x="4807107" y="5391760"/>
+              <a:off x="4751481" y="5391757"/>
               <a:ext cx="63202" cy="63202"/>
             </a:xfrm>
             <a:custGeom>
@@ -22462,7 +22462,7 @@
           </p:nvSpPr>
           <p:spPr>
             <a:xfrm>
-              <a:off x="4854046" y="5376796"/>
+              <a:off x="4657179" y="5376744"/>
               <a:ext cx="63202" cy="63202"/>
             </a:xfrm>
             <a:custGeom>
@@ -22505,7 +22505,7 @@
           </p:nvSpPr>
           <p:spPr>
             <a:xfrm>
-              <a:off x="4604573" y="5761702"/>
+              <a:off x="4568198" y="5761705"/>
               <a:ext cx="63202" cy="63202"/>
             </a:xfrm>
             <a:custGeom>
@@ -22548,7 +22548,7 @@
           </p:nvSpPr>
           <p:spPr>
             <a:xfrm>
-              <a:off x="4928011" y="5397590"/>
+              <a:off x="4701632" y="5397626"/>
               <a:ext cx="63202" cy="63202"/>
             </a:xfrm>
             <a:custGeom>
@@ -22591,7 +22591,7 @@
           </p:nvSpPr>
           <p:spPr>
             <a:xfrm>
-              <a:off x="4976849" y="5403925"/>
+              <a:off x="4920367" y="5403901"/>
               <a:ext cx="63202" cy="63202"/>
             </a:xfrm>
             <a:custGeom>
@@ -22634,7 +22634,7 @@
           </p:nvSpPr>
           <p:spPr>
             <a:xfrm>
-              <a:off x="4505252" y="5605202"/>
+              <a:off x="4892191" y="5605200"/>
               <a:ext cx="63202" cy="63202"/>
             </a:xfrm>
             <a:custGeom>
@@ -22677,7 +22677,7 @@
           </p:nvSpPr>
           <p:spPr>
             <a:xfrm>
-              <a:off x="4537856" y="5496317"/>
+              <a:off x="4784640" y="5496344"/>
               <a:ext cx="63202" cy="63202"/>
             </a:xfrm>
             <a:custGeom>
@@ -22720,7 +22720,7 @@
           </p:nvSpPr>
           <p:spPr>
             <a:xfrm>
-              <a:off x="4768577" y="5490950"/>
+              <a:off x="5074173" y="5490933"/>
               <a:ext cx="63202" cy="63202"/>
             </a:xfrm>
             <a:custGeom>
@@ -22763,7 +22763,7 @@
           </p:nvSpPr>
           <p:spPr>
             <a:xfrm>
-              <a:off x="4588029" y="5405917"/>
+              <a:off x="4503779" y="5405894"/>
               <a:ext cx="63202" cy="63202"/>
             </a:xfrm>
             <a:custGeom>
@@ -22806,7 +22806,7 @@
           </p:nvSpPr>
           <p:spPr>
             <a:xfrm>
-              <a:off x="4542358" y="5406502"/>
+              <a:off x="4821522" y="5406482"/>
               <a:ext cx="63202" cy="63202"/>
             </a:xfrm>
             <a:custGeom>
@@ -22849,7 +22849,7 @@
           </p:nvSpPr>
           <p:spPr>
             <a:xfrm>
-              <a:off x="5072928" y="5437253"/>
+              <a:off x="4761666" y="5437240"/>
               <a:ext cx="63202" cy="63202"/>
             </a:xfrm>
             <a:custGeom>
@@ -22892,7 +22892,7 @@
           </p:nvSpPr>
           <p:spPr>
             <a:xfrm>
-              <a:off x="4993586" y="5792050"/>
+              <a:off x="5165514" y="5792067"/>
               <a:ext cx="63202" cy="63202"/>
             </a:xfrm>
             <a:custGeom>
@@ -22935,7 +22935,7 @@
           </p:nvSpPr>
           <p:spPr>
             <a:xfrm>
-              <a:off x="4968483" y="6077850"/>
+              <a:off x="5012299" y="6077836"/>
               <a:ext cx="63202" cy="63202"/>
             </a:xfrm>
             <a:custGeom>
@@ -22978,7 +22978,7 @@
           </p:nvSpPr>
           <p:spPr>
             <a:xfrm>
-              <a:off x="4643605" y="5436086"/>
+              <a:off x="4624922" y="5436078"/>
               <a:ext cx="63202" cy="63202"/>
             </a:xfrm>
             <a:custGeom>
@@ -23021,7 +23021,7 @@
           </p:nvSpPr>
           <p:spPr>
             <a:xfrm>
-              <a:off x="4662788" y="6616426"/>
+              <a:off x="4820479" y="6616404"/>
               <a:ext cx="63202" cy="63202"/>
             </a:xfrm>
             <a:custGeom>
@@ -23064,7 +23064,7 @@
           </p:nvSpPr>
           <p:spPr>
             <a:xfrm>
-              <a:off x="4935539" y="5509851"/>
+              <a:off x="4824331" y="5509840"/>
               <a:ext cx="63202" cy="63202"/>
             </a:xfrm>
             <a:custGeom>
@@ -23107,7 +23107,7 @@
           </p:nvSpPr>
           <p:spPr>
             <a:xfrm>
-              <a:off x="4931303" y="5445280"/>
+              <a:off x="4900229" y="5445290"/>
               <a:ext cx="63202" cy="63202"/>
             </a:xfrm>
             <a:custGeom>
@@ -23150,7 +23150,7 @@
           </p:nvSpPr>
           <p:spPr>
             <a:xfrm>
-              <a:off x="4728657" y="5383601"/>
+              <a:off x="4869369" y="5383617"/>
               <a:ext cx="63202" cy="63202"/>
             </a:xfrm>
             <a:custGeom>
@@ -23193,7 +23193,7 @@
           </p:nvSpPr>
           <p:spPr>
             <a:xfrm>
-              <a:off x="5142161" y="5529387"/>
+              <a:off x="5109951" y="5529357"/>
               <a:ext cx="63202" cy="63202"/>
             </a:xfrm>
             <a:custGeom>
@@ -23236,7 +23236,7 @@
           </p:nvSpPr>
           <p:spPr>
             <a:xfrm>
-              <a:off x="5127261" y="5403795"/>
+              <a:off x="5083775" y="5403767"/>
               <a:ext cx="63202" cy="63202"/>
             </a:xfrm>
             <a:custGeom>
@@ -23279,7 +23279,7 @@
           </p:nvSpPr>
           <p:spPr>
             <a:xfrm>
-              <a:off x="4721516" y="5483818"/>
+              <a:off x="4980162" y="5483847"/>
               <a:ext cx="63202" cy="63202"/>
             </a:xfrm>
             <a:custGeom>
@@ -23322,7 +23322,7 @@
           </p:nvSpPr>
           <p:spPr>
             <a:xfrm>
-              <a:off x="5022735" y="5497148"/>
+              <a:off x="4566715" y="5497148"/>
               <a:ext cx="63202" cy="63202"/>
             </a:xfrm>
             <a:custGeom>
@@ -23365,7 +23365,7 @@
           </p:nvSpPr>
           <p:spPr>
             <a:xfrm>
-              <a:off x="4883439" y="5521241"/>
+              <a:off x="4988212" y="5521223"/>
               <a:ext cx="63202" cy="63202"/>
             </a:xfrm>
             <a:custGeom>
@@ -23408,7 +23408,7 @@
           </p:nvSpPr>
           <p:spPr>
             <a:xfrm>
-              <a:off x="5146658" y="5411078"/>
+              <a:off x="5005275" y="5411062"/>
               <a:ext cx="63202" cy="63202"/>
             </a:xfrm>
             <a:custGeom>
@@ -23451,7 +23451,7 @@
           </p:nvSpPr>
           <p:spPr>
             <a:xfrm>
-              <a:off x="4621658" y="5418259"/>
+              <a:off x="4943638" y="5418262"/>
               <a:ext cx="63202" cy="63202"/>
             </a:xfrm>
             <a:custGeom>
@@ -23494,7 +23494,7 @@
           </p:nvSpPr>
           <p:spPr>
             <a:xfrm>
-              <a:off x="4799756" y="5788204"/>
+              <a:off x="4976732" y="5788154"/>
               <a:ext cx="63202" cy="63202"/>
             </a:xfrm>
             <a:custGeom>
@@ -23537,7 +23537,7 @@
           </p:nvSpPr>
           <p:spPr>
             <a:xfrm>
-              <a:off x="4930129" y="5392453"/>
+              <a:off x="4615058" y="5392437"/>
               <a:ext cx="63202" cy="63202"/>
             </a:xfrm>
             <a:custGeom>
@@ -23580,7 +23580,7 @@
           </p:nvSpPr>
           <p:spPr>
             <a:xfrm>
-              <a:off x="5127953" y="5796378"/>
+              <a:off x="5029268" y="5796402"/>
               <a:ext cx="63202" cy="63202"/>
             </a:xfrm>
             <a:custGeom>
@@ -23623,7 +23623,7 @@
           </p:nvSpPr>
           <p:spPr>
             <a:xfrm>
-              <a:off x="4672346" y="5462638"/>
+              <a:off x="4951323" y="5462637"/>
               <a:ext cx="63202" cy="63202"/>
             </a:xfrm>
             <a:custGeom>
@@ -23666,7 +23666,7 @@
           </p:nvSpPr>
           <p:spPr>
             <a:xfrm>
-              <a:off x="4687486" y="5859887"/>
+              <a:off x="5022739" y="5859875"/>
               <a:ext cx="63202" cy="63202"/>
             </a:xfrm>
             <a:custGeom>
@@ -23709,7 +23709,7 @@
           </p:nvSpPr>
           <p:spPr>
             <a:xfrm>
-              <a:off x="4940799" y="5480260"/>
+              <a:off x="4748532" y="5480223"/>
               <a:ext cx="63202" cy="63202"/>
             </a:xfrm>
             <a:custGeom>
@@ -23752,7 +23752,7 @@
           </p:nvSpPr>
           <p:spPr>
             <a:xfrm>
-              <a:off x="4797405" y="5481365"/>
+              <a:off x="5051061" y="5481390"/>
               <a:ext cx="63202" cy="63202"/>
             </a:xfrm>
             <a:custGeom>
@@ -23795,7 +23795,7 @@
           </p:nvSpPr>
           <p:spPr>
             <a:xfrm>
-              <a:off x="4487411" y="5706791"/>
+              <a:off x="5047473" y="5706761"/>
               <a:ext cx="63202" cy="63202"/>
             </a:xfrm>
             <a:custGeom>
@@ -23838,7 +23838,7 @@
           </p:nvSpPr>
           <p:spPr>
             <a:xfrm>
-              <a:off x="4775115" y="5406923"/>
+              <a:off x="5137636" y="5406885"/>
               <a:ext cx="63202" cy="63202"/>
             </a:xfrm>
             <a:custGeom>
@@ -23881,7 +23881,7 @@
           </p:nvSpPr>
           <p:spPr>
             <a:xfrm>
-              <a:off x="4580913" y="5381575"/>
+              <a:off x="4737162" y="5381572"/>
               <a:ext cx="63202" cy="63202"/>
             </a:xfrm>
             <a:custGeom>
@@ -23924,7 +23924,7 @@
           </p:nvSpPr>
           <p:spPr>
             <a:xfrm>
-              <a:off x="4674946" y="5727804"/>
+              <a:off x="5005256" y="5727819"/>
               <a:ext cx="63202" cy="63202"/>
             </a:xfrm>
             <a:custGeom>
@@ -23967,7 +23967,7 @@
           </p:nvSpPr>
           <p:spPr>
             <a:xfrm>
-              <a:off x="5025620" y="5403063"/>
+              <a:off x="4535538" y="5403016"/>
               <a:ext cx="63202" cy="63202"/>
             </a:xfrm>
             <a:custGeom>
@@ -24010,7 +24010,7 @@
           </p:nvSpPr>
           <p:spPr>
             <a:xfrm>
-              <a:off x="4855036" y="5503779"/>
+              <a:off x="4537473" y="5503811"/>
               <a:ext cx="63202" cy="63202"/>
             </a:xfrm>
             <a:custGeom>
@@ -24053,7 +24053,7 @@
           </p:nvSpPr>
           <p:spPr>
             <a:xfrm>
-              <a:off x="4893040" y="5401636"/>
+              <a:off x="4872784" y="5401631"/>
               <a:ext cx="63202" cy="63202"/>
             </a:xfrm>
             <a:custGeom>
@@ -24096,7 +24096,7 @@
           </p:nvSpPr>
           <p:spPr>
             <a:xfrm>
-              <a:off x="5005498" y="5375286"/>
+              <a:off x="4656092" y="5375263"/>
               <a:ext cx="63202" cy="63202"/>
             </a:xfrm>
             <a:custGeom>
@@ -24139,7 +24139,7 @@
           </p:nvSpPr>
           <p:spPr>
             <a:xfrm>
-              <a:off x="4647686" y="5373317"/>
+              <a:off x="5027564" y="5373289"/>
               <a:ext cx="63202" cy="63202"/>
             </a:xfrm>
             <a:custGeom>
@@ -24182,7 +24182,7 @@
           </p:nvSpPr>
           <p:spPr>
             <a:xfrm>
-              <a:off x="4756597" y="5373289"/>
+              <a:off x="4604407" y="5373327"/>
               <a:ext cx="63202" cy="63202"/>
             </a:xfrm>
             <a:custGeom>
@@ -24225,7 +24225,7 @@
           </p:nvSpPr>
           <p:spPr>
             <a:xfrm>
-              <a:off x="5162584" y="5385519"/>
+              <a:off x="4878222" y="5385500"/>
               <a:ext cx="63202" cy="63202"/>
             </a:xfrm>
             <a:custGeom>
@@ -24268,7 +24268,7 @@
           </p:nvSpPr>
           <p:spPr>
             <a:xfrm>
-              <a:off x="4847469" y="5424425"/>
+              <a:off x="4851735" y="5424443"/>
               <a:ext cx="63202" cy="63202"/>
             </a:xfrm>
             <a:custGeom>
@@ -24311,7 +24311,7 @@
           </p:nvSpPr>
           <p:spPr>
             <a:xfrm>
-              <a:off x="4566970" y="5462910"/>
+              <a:off x="4974071" y="5462920"/>
               <a:ext cx="63202" cy="63202"/>
             </a:xfrm>
             <a:custGeom>
@@ -24354,7 +24354,7 @@
           </p:nvSpPr>
           <p:spPr>
             <a:xfrm>
-              <a:off x="5098466" y="5398858"/>
+              <a:off x="4470507" y="5398817"/>
               <a:ext cx="63202" cy="63202"/>
             </a:xfrm>
             <a:custGeom>
@@ -24397,7 +24397,7 @@
           </p:nvSpPr>
           <p:spPr>
             <a:xfrm>
-              <a:off x="4583925" y="5517053"/>
+              <a:off x="4534452" y="5517032"/>
               <a:ext cx="63202" cy="63202"/>
             </a:xfrm>
             <a:custGeom>
@@ -24440,7 +24440,7 @@
           </p:nvSpPr>
           <p:spPr>
             <a:xfrm>
-              <a:off x="4914975" y="5736303"/>
+              <a:off x="4770459" y="5736319"/>
               <a:ext cx="63202" cy="63202"/>
             </a:xfrm>
             <a:custGeom>
@@ -24483,7 +24483,7 @@
           </p:nvSpPr>
           <p:spPr>
             <a:xfrm>
-              <a:off x="4499623" y="5646294"/>
+              <a:off x="4798207" y="5646287"/>
               <a:ext cx="63202" cy="63202"/>
             </a:xfrm>
             <a:custGeom>
@@ -24526,7 +24526,7 @@
           </p:nvSpPr>
           <p:spPr>
             <a:xfrm>
-              <a:off x="4510885" y="5451458"/>
+              <a:off x="5101086" y="5451442"/>
               <a:ext cx="63202" cy="63202"/>
             </a:xfrm>
             <a:custGeom>
@@ -24569,7 +24569,7 @@
           </p:nvSpPr>
           <p:spPr>
             <a:xfrm>
-              <a:off x="4482105" y="5428308"/>
+              <a:off x="4574172" y="5428321"/>
               <a:ext cx="63202" cy="63202"/>
             </a:xfrm>
             <a:custGeom>
@@ -24612,7 +24612,7 @@
           </p:nvSpPr>
           <p:spPr>
             <a:xfrm>
-              <a:off x="4788941" y="5862572"/>
+              <a:off x="4922503" y="5862558"/>
               <a:ext cx="63202" cy="63202"/>
             </a:xfrm>
             <a:custGeom>
@@ -24655,7 +24655,7 @@
           </p:nvSpPr>
           <p:spPr>
             <a:xfrm>
-              <a:off x="4841350" y="5789332"/>
+              <a:off x="4799472" y="5789355"/>
               <a:ext cx="63202" cy="63202"/>
             </a:xfrm>
             <a:custGeom>
@@ -24698,7 +24698,7 @@
           </p:nvSpPr>
           <p:spPr>
             <a:xfrm>
-              <a:off x="4521927" y="5431144"/>
+              <a:off x="4770309" y="5431140"/>
               <a:ext cx="63202" cy="63202"/>
             </a:xfrm>
             <a:custGeom>
@@ -24741,7 +24741,7 @@
           </p:nvSpPr>
           <p:spPr>
             <a:xfrm>
-              <a:off x="4747038" y="5401839"/>
+              <a:off x="4731038" y="5401799"/>
               <a:ext cx="63202" cy="63202"/>
             </a:xfrm>
             <a:custGeom>
@@ -24784,7 +24784,7 @@
           </p:nvSpPr>
           <p:spPr>
             <a:xfrm>
-              <a:off x="4868165" y="5502010"/>
+              <a:off x="4931377" y="5502030"/>
               <a:ext cx="63202" cy="63202"/>
             </a:xfrm>
             <a:custGeom>
@@ -24827,7 +24827,7 @@
           </p:nvSpPr>
           <p:spPr>
             <a:xfrm>
-              <a:off x="4975539" y="5437786"/>
+              <a:off x="5120568" y="5437799"/>
               <a:ext cx="63202" cy="63202"/>
             </a:xfrm>
             <a:custGeom>
@@ -24870,7 +24870,7 @@
           </p:nvSpPr>
           <p:spPr>
             <a:xfrm>
-              <a:off x="4484992" y="5386837"/>
+              <a:off x="4809115" y="5386812"/>
               <a:ext cx="63202" cy="63202"/>
             </a:xfrm>
             <a:custGeom>
@@ -24913,7 +24913,7 @@
           </p:nvSpPr>
           <p:spPr>
             <a:xfrm>
-              <a:off x="4809565" y="5395295"/>
+              <a:off x="4835327" y="5395326"/>
               <a:ext cx="63202" cy="63202"/>
             </a:xfrm>
             <a:custGeom>
@@ -24956,7 +24956,7 @@
           </p:nvSpPr>
           <p:spPr>
             <a:xfrm>
-              <a:off x="4709949" y="5413477"/>
+              <a:off x="4577662" y="5413515"/>
               <a:ext cx="63202" cy="63202"/>
             </a:xfrm>
             <a:custGeom>
@@ -24999,7 +24999,7 @@
           </p:nvSpPr>
           <p:spPr>
             <a:xfrm>
-              <a:off x="5102346" y="5723050"/>
+              <a:off x="4681650" y="5723083"/>
               <a:ext cx="63202" cy="63202"/>
             </a:xfrm>
             <a:custGeom>
@@ -25042,7 +25042,7 @@
           </p:nvSpPr>
           <p:spPr>
             <a:xfrm>
-              <a:off x="4528917" y="6106155"/>
+              <a:off x="4764644" y="6106144"/>
               <a:ext cx="63202" cy="63202"/>
             </a:xfrm>
             <a:custGeom>
@@ -25085,7 +25085,7 @@
           </p:nvSpPr>
           <p:spPr>
             <a:xfrm>
-              <a:off x="5126134" y="5655164"/>
+              <a:off x="5153190" y="5655166"/>
               <a:ext cx="63202" cy="63202"/>
             </a:xfrm>
             <a:custGeom>
@@ -25128,7 +25128,7 @@
           </p:nvSpPr>
           <p:spPr>
             <a:xfrm>
-              <a:off x="5055087" y="6133930"/>
+              <a:off x="4786749" y="6133958"/>
               <a:ext cx="63202" cy="63202"/>
             </a:xfrm>
             <a:custGeom>
@@ -25171,7 +25171,7 @@
           </p:nvSpPr>
           <p:spPr>
             <a:xfrm>
-              <a:off x="4542270" y="5713513"/>
+              <a:off x="4633317" y="5713516"/>
               <a:ext cx="63202" cy="63202"/>
             </a:xfrm>
             <a:custGeom>
@@ -25214,7 +25214,7 @@
           </p:nvSpPr>
           <p:spPr>
             <a:xfrm>
-              <a:off x="4911991" y="5414103"/>
+              <a:off x="4606265" y="5414105"/>
               <a:ext cx="63202" cy="63202"/>
             </a:xfrm>
             <a:custGeom>
@@ -25257,7 +25257,7 @@
           </p:nvSpPr>
           <p:spPr>
             <a:xfrm>
-              <a:off x="4614732" y="5700887"/>
+              <a:off x="4868176" y="5700872"/>
               <a:ext cx="63202" cy="63202"/>
             </a:xfrm>
             <a:custGeom>
@@ -25300,7 +25300,7 @@
           </p:nvSpPr>
           <p:spPr>
             <a:xfrm>
-              <a:off x="4652074" y="5717424"/>
+              <a:off x="4654610" y="5717454"/>
               <a:ext cx="63202" cy="63202"/>
             </a:xfrm>
             <a:custGeom>
@@ -25343,7 +25343,7 @@
           </p:nvSpPr>
           <p:spPr>
             <a:xfrm>
-              <a:off x="4604553" y="5810391"/>
+              <a:off x="4936804" y="5810365"/>
               <a:ext cx="63202" cy="63202"/>
             </a:xfrm>
             <a:custGeom>
@@ -25386,7 +25386,7 @@
           </p:nvSpPr>
           <p:spPr>
             <a:xfrm>
-              <a:off x="4529195" y="5719003"/>
+              <a:off x="4990500" y="5719024"/>
               <a:ext cx="63202" cy="63202"/>
             </a:xfrm>
             <a:custGeom>
@@ -25429,7 +25429,7 @@
           </p:nvSpPr>
           <p:spPr>
             <a:xfrm>
-              <a:off x="4478166" y="5466259"/>
+              <a:off x="4507185" y="5466244"/>
               <a:ext cx="63202" cy="63202"/>
             </a:xfrm>
             <a:custGeom>
@@ -25472,7 +25472,7 @@
           </p:nvSpPr>
           <p:spPr>
             <a:xfrm>
-              <a:off x="4988837" y="5606503"/>
+              <a:off x="5009095" y="5606491"/>
               <a:ext cx="63202" cy="63202"/>
             </a:xfrm>
             <a:custGeom>
@@ -25515,7 +25515,7 @@
           </p:nvSpPr>
           <p:spPr>
             <a:xfrm>
-              <a:off x="4495431" y="5483856"/>
+              <a:off x="4978003" y="5483835"/>
               <a:ext cx="63202" cy="63202"/>
             </a:xfrm>
             <a:custGeom>
@@ -25558,7 +25558,7 @@
           </p:nvSpPr>
           <p:spPr>
             <a:xfrm>
-              <a:off x="4766705" y="5769388"/>
+              <a:off x="4540211" y="5769375"/>
               <a:ext cx="63202" cy="63202"/>
             </a:xfrm>
             <a:custGeom>
@@ -25601,7 +25601,7 @@
           </p:nvSpPr>
           <p:spPr>
             <a:xfrm>
-              <a:off x="5001119" y="5562534"/>
+              <a:off x="4522131" y="5562519"/>
               <a:ext cx="63202" cy="63202"/>
             </a:xfrm>
             <a:custGeom>
@@ -25644,7 +25644,7 @@
           </p:nvSpPr>
           <p:spPr>
             <a:xfrm>
-              <a:off x="4659958" y="5774749"/>
+              <a:off x="5047284" y="5774735"/>
               <a:ext cx="63202" cy="63202"/>
             </a:xfrm>
             <a:custGeom>
@@ -25687,7 +25687,7 @@
           </p:nvSpPr>
           <p:spPr>
             <a:xfrm>
-              <a:off x="4964987" y="5716237"/>
+              <a:off x="4576366" y="5716203"/>
               <a:ext cx="63202" cy="63202"/>
             </a:xfrm>
             <a:custGeom>
@@ -25730,7 +25730,7 @@
           </p:nvSpPr>
           <p:spPr>
             <a:xfrm>
-              <a:off x="5119411" y="5597905"/>
+              <a:off x="4629651" y="5597876"/>
               <a:ext cx="63202" cy="63202"/>
             </a:xfrm>
             <a:custGeom>
@@ -25773,7 +25773,7 @@
           </p:nvSpPr>
           <p:spPr>
             <a:xfrm>
-              <a:off x="4859486" y="5470118"/>
+              <a:off x="4692620" y="5470124"/>
               <a:ext cx="63202" cy="63202"/>
             </a:xfrm>
             <a:custGeom>
@@ -25816,7 +25816,7 @@
           </p:nvSpPr>
           <p:spPr>
             <a:xfrm>
-              <a:off x="4645606" y="5727068"/>
+              <a:off x="4660272" y="5727099"/>
               <a:ext cx="63202" cy="63202"/>
             </a:xfrm>
             <a:custGeom>
@@ -25859,7 +25859,7 @@
           </p:nvSpPr>
           <p:spPr>
             <a:xfrm>
-              <a:off x="5037116" y="5504525"/>
+              <a:off x="4526026" y="5504558"/>
               <a:ext cx="63202" cy="63202"/>
             </a:xfrm>
             <a:custGeom>
@@ -25902,7 +25902,7 @@
           </p:nvSpPr>
           <p:spPr>
             <a:xfrm>
-              <a:off x="4751715" y="5503101"/>
+              <a:off x="4475105" y="5503104"/>
               <a:ext cx="63202" cy="63202"/>
             </a:xfrm>
             <a:custGeom>
@@ -25945,7 +25945,7 @@
           </p:nvSpPr>
           <p:spPr>
             <a:xfrm>
-              <a:off x="5068452" y="5444231"/>
+              <a:off x="5015216" y="5444260"/>
               <a:ext cx="63202" cy="63202"/>
             </a:xfrm>
             <a:custGeom>
@@ -25988,7 +25988,7 @@
           </p:nvSpPr>
           <p:spPr>
             <a:xfrm>
-              <a:off x="5059136" y="5437609"/>
+              <a:off x="4648070" y="5437612"/>
               <a:ext cx="63202" cy="63202"/>
             </a:xfrm>
             <a:custGeom>
@@ -26031,7 +26031,7 @@
           </p:nvSpPr>
           <p:spPr>
             <a:xfrm>
-              <a:off x="5068379" y="5854235"/>
+              <a:off x="4697257" y="5854250"/>
               <a:ext cx="63202" cy="63202"/>
             </a:xfrm>
             <a:custGeom>
@@ -26074,7 +26074,7 @@
           </p:nvSpPr>
           <p:spPr>
             <a:xfrm>
-              <a:off x="4885511" y="5473570"/>
+              <a:off x="4666347" y="5473604"/>
               <a:ext cx="63202" cy="63202"/>
             </a:xfrm>
             <a:custGeom>
@@ -26117,7 +26117,7 @@
           </p:nvSpPr>
           <p:spPr>
             <a:xfrm>
-              <a:off x="4687664" y="5436560"/>
+              <a:off x="4945095" y="5436561"/>
               <a:ext cx="63202" cy="63202"/>
             </a:xfrm>
             <a:custGeom>
@@ -26160,7 +26160,7 @@
           </p:nvSpPr>
           <p:spPr>
             <a:xfrm>
-              <a:off x="4922633" y="5424412"/>
+              <a:off x="4934050" y="5424433"/>
               <a:ext cx="63202" cy="63202"/>
             </a:xfrm>
             <a:custGeom>
@@ -26203,7 +26203,7 @@
           </p:nvSpPr>
           <p:spPr>
             <a:xfrm>
-              <a:off x="5157879" y="5486936"/>
+              <a:off x="4580177" y="5486962"/>
               <a:ext cx="63202" cy="63202"/>
             </a:xfrm>
             <a:custGeom>
@@ -26246,7 +26246,7 @@
           </p:nvSpPr>
           <p:spPr>
             <a:xfrm>
-              <a:off x="4910319" y="5443753"/>
+              <a:off x="4690986" y="5443755"/>
               <a:ext cx="63202" cy="63202"/>
             </a:xfrm>
             <a:custGeom>
@@ -26289,7 +26289,7 @@
           </p:nvSpPr>
           <p:spPr>
             <a:xfrm>
-              <a:off x="4614443" y="5778196"/>
+              <a:off x="5056582" y="5778214"/>
               <a:ext cx="63202" cy="63202"/>
             </a:xfrm>
             <a:custGeom>
@@ -26332,7 +26332,7 @@
           </p:nvSpPr>
           <p:spPr>
             <a:xfrm>
-              <a:off x="4586059" y="5488397"/>
+              <a:off x="4888168" y="5488373"/>
               <a:ext cx="63202" cy="63202"/>
             </a:xfrm>
             <a:custGeom>
@@ -26375,7 +26375,7 @@
           </p:nvSpPr>
           <p:spPr>
             <a:xfrm>
-              <a:off x="4637851" y="5482587"/>
+              <a:off x="4831882" y="5482616"/>
               <a:ext cx="63202" cy="63202"/>
             </a:xfrm>
             <a:custGeom>
@@ -26418,7 +26418,7 @@
           </p:nvSpPr>
           <p:spPr>
             <a:xfrm>
-              <a:off x="4862372" y="5496796"/>
+              <a:off x="4945758" y="5496796"/>
               <a:ext cx="63202" cy="63202"/>
             </a:xfrm>
             <a:custGeom>
@@ -26461,7 +26461,7 @@
           </p:nvSpPr>
           <p:spPr>
             <a:xfrm>
-              <a:off x="5029156" y="5392987"/>
+              <a:off x="5033353" y="5392993"/>
               <a:ext cx="63202" cy="63202"/>
             </a:xfrm>
             <a:custGeom>
@@ -26504,7 +26504,7 @@
           </p:nvSpPr>
           <p:spPr>
             <a:xfrm>
-              <a:off x="4708133" y="5419341"/>
+              <a:off x="4711856" y="5419345"/>
               <a:ext cx="63202" cy="63202"/>
             </a:xfrm>
             <a:custGeom>
@@ -26547,7 +26547,7 @@
           </p:nvSpPr>
           <p:spPr>
             <a:xfrm>
-              <a:off x="4935477" y="5430629"/>
+              <a:off x="4683643" y="5430590"/>
               <a:ext cx="63202" cy="63202"/>
             </a:xfrm>
             <a:custGeom>
@@ -26590,7 +26590,7 @@
           </p:nvSpPr>
           <p:spPr>
             <a:xfrm>
-              <a:off x="4796061" y="5431084"/>
+              <a:off x="4857776" y="5431080"/>
               <a:ext cx="63202" cy="63202"/>
             </a:xfrm>
             <a:custGeom>
@@ -26633,7 +26633,7 @@
           </p:nvSpPr>
           <p:spPr>
             <a:xfrm>
-              <a:off x="4564713" y="5474118"/>
+              <a:off x="4953358" y="5474142"/>
               <a:ext cx="63202" cy="63202"/>
             </a:xfrm>
             <a:custGeom>
@@ -26676,7 +26676,7 @@
           </p:nvSpPr>
           <p:spPr>
             <a:xfrm>
-              <a:off x="5111149" y="5805910"/>
+              <a:off x="4750463" y="5805883"/>
               <a:ext cx="63202" cy="63202"/>
             </a:xfrm>
             <a:custGeom>
@@ -26719,7 +26719,7 @@
           </p:nvSpPr>
           <p:spPr>
             <a:xfrm>
-              <a:off x="4483779" y="5456396"/>
+              <a:off x="4479656" y="5456416"/>
               <a:ext cx="63202" cy="63202"/>
             </a:xfrm>
             <a:custGeom>
@@ -26762,7 +26762,7 @@
           </p:nvSpPr>
           <p:spPr>
             <a:xfrm>
-              <a:off x="4495430" y="5403001"/>
+              <a:off x="4769340" y="5402988"/>
               <a:ext cx="63202" cy="63202"/>
             </a:xfrm>
             <a:custGeom>
@@ -26805,7 +26805,7 @@
           </p:nvSpPr>
           <p:spPr>
             <a:xfrm>
-              <a:off x="5145955" y="5791035"/>
+              <a:off x="4759260" y="5791021"/>
               <a:ext cx="63202" cy="63202"/>
             </a:xfrm>
             <a:custGeom>
@@ -26848,7 +26848,7 @@
           </p:nvSpPr>
           <p:spPr>
             <a:xfrm>
-              <a:off x="4811951" y="5431380"/>
+              <a:off x="4823762" y="5431372"/>
               <a:ext cx="63202" cy="63202"/>
             </a:xfrm>
             <a:custGeom>
@@ -26891,7 +26891,7 @@
           </p:nvSpPr>
           <p:spPr>
             <a:xfrm>
-              <a:off x="4616343" y="5508890"/>
+              <a:off x="4752917" y="5508871"/>
               <a:ext cx="63202" cy="63202"/>
             </a:xfrm>
             <a:custGeom>
@@ -26934,7 +26934,7 @@
           </p:nvSpPr>
           <p:spPr>
             <a:xfrm>
-              <a:off x="4920140" y="5392532"/>
+              <a:off x="5060980" y="5392542"/>
               <a:ext cx="63202" cy="63202"/>
             </a:xfrm>
             <a:custGeom>
@@ -26977,7 +26977,7 @@
           </p:nvSpPr>
           <p:spPr>
             <a:xfrm>
-              <a:off x="4728195" y="5469508"/>
+              <a:off x="4613843" y="5469495"/>
               <a:ext cx="63202" cy="63202"/>
             </a:xfrm>
             <a:custGeom>
@@ -27020,7 +27020,7 @@
           </p:nvSpPr>
           <p:spPr>
             <a:xfrm>
-              <a:off x="4697063" y="5391109"/>
+              <a:off x="4737298" y="5391090"/>
               <a:ext cx="63202" cy="63202"/>
             </a:xfrm>
             <a:custGeom>
@@ -27063,7 +27063,7 @@
           </p:nvSpPr>
           <p:spPr>
             <a:xfrm>
-              <a:off x="4688486" y="5390265"/>
+              <a:off x="5030947" y="5390277"/>
               <a:ext cx="63202" cy="63202"/>
             </a:xfrm>
             <a:custGeom>
@@ -27106,7 +27106,7 @@
           </p:nvSpPr>
           <p:spPr>
             <a:xfrm>
-              <a:off x="4628205" y="5389318"/>
+              <a:off x="5042076" y="5389309"/>
               <a:ext cx="63202" cy="63202"/>
             </a:xfrm>
             <a:custGeom>
@@ -27149,7 +27149,7 @@
           </p:nvSpPr>
           <p:spPr>
             <a:xfrm>
-              <a:off x="5112913" y="5393750"/>
+              <a:off x="4915192" y="5393764"/>
               <a:ext cx="63202" cy="63202"/>
             </a:xfrm>
             <a:custGeom>
@@ -27192,7 +27192,7 @@
           </p:nvSpPr>
           <p:spPr>
             <a:xfrm>
-              <a:off x="4725247" y="5444657"/>
+              <a:off x="4977808" y="5444653"/>
               <a:ext cx="63202" cy="63202"/>
             </a:xfrm>
             <a:custGeom>
@@ -27235,7 +27235,7 @@
           </p:nvSpPr>
           <p:spPr>
             <a:xfrm>
-              <a:off x="4994677" y="5689056"/>
+              <a:off x="4935333" y="5689080"/>
               <a:ext cx="63202" cy="63202"/>
             </a:xfrm>
             <a:custGeom>
@@ -27278,7 +27278,7 @@
           </p:nvSpPr>
           <p:spPr>
             <a:xfrm>
-              <a:off x="4505608" y="5432571"/>
+              <a:off x="5106732" y="5432575"/>
               <a:ext cx="63202" cy="63202"/>
             </a:xfrm>
             <a:custGeom>
@@ -27321,7 +27321,7 @@
           </p:nvSpPr>
           <p:spPr>
             <a:xfrm>
-              <a:off x="4681911" y="5408611"/>
+              <a:off x="5051378" y="5408626"/>
               <a:ext cx="63202" cy="63202"/>
             </a:xfrm>
             <a:custGeom>
@@ -27364,7 +27364,7 @@
           </p:nvSpPr>
           <p:spPr>
             <a:xfrm>
-              <a:off x="4923968" y="5594566"/>
+              <a:off x="4823605" y="5594580"/>
               <a:ext cx="63202" cy="63202"/>
             </a:xfrm>
             <a:custGeom>
@@ -27407,7 +27407,7 @@
           </p:nvSpPr>
           <p:spPr>
             <a:xfrm>
-              <a:off x="4484946" y="5584371"/>
+              <a:off x="4602255" y="5584376"/>
               <a:ext cx="63202" cy="63202"/>
             </a:xfrm>
             <a:custGeom>
@@ -27450,7 +27450,7 @@
           </p:nvSpPr>
           <p:spPr>
             <a:xfrm>
-              <a:off x="5082595" y="5600247"/>
+              <a:off x="4731446" y="5600269"/>
               <a:ext cx="63202" cy="63202"/>
             </a:xfrm>
             <a:custGeom>
@@ -27493,7 +27493,7 @@
           </p:nvSpPr>
           <p:spPr>
             <a:xfrm>
-              <a:off x="4982232" y="5757020"/>
+              <a:off x="4651478" y="5757031"/>
               <a:ext cx="63202" cy="63202"/>
             </a:xfrm>
             <a:custGeom>
@@ -27536,7 +27536,7 @@
           </p:nvSpPr>
           <p:spPr>
             <a:xfrm>
-              <a:off x="4528137" y="5392785"/>
+              <a:off x="5004809" y="5392766"/>
               <a:ext cx="63202" cy="63202"/>
             </a:xfrm>
             <a:custGeom>
@@ -27579,7 +27579,7 @@
           </p:nvSpPr>
           <p:spPr>
             <a:xfrm>
-              <a:off x="4510128" y="5576025"/>
+              <a:off x="4575833" y="5575997"/>
               <a:ext cx="63202" cy="63202"/>
             </a:xfrm>
             <a:custGeom>
@@ -27622,7 +27622,7 @@
           </p:nvSpPr>
           <p:spPr>
             <a:xfrm>
-              <a:off x="4539623" y="5755048"/>
+              <a:off x="4953887" y="5755055"/>
               <a:ext cx="63202" cy="63202"/>
             </a:xfrm>
             <a:custGeom>
@@ -27665,7 +27665,7 @@
           </p:nvSpPr>
           <p:spPr>
             <a:xfrm>
-              <a:off x="5056562" y="5777783"/>
+              <a:off x="5099309" y="5777802"/>
               <a:ext cx="63202" cy="63202"/>
             </a:xfrm>
             <a:custGeom>
@@ -27708,7 +27708,7 @@
           </p:nvSpPr>
           <p:spPr>
             <a:xfrm>
-              <a:off x="4986984" y="5391433"/>
+              <a:off x="4992241" y="5391456"/>
               <a:ext cx="63202" cy="63202"/>
             </a:xfrm>
             <a:custGeom>
@@ -27751,7 +27751,7 @@
           </p:nvSpPr>
           <p:spPr>
             <a:xfrm>
-              <a:off x="5120651" y="5412682"/>
+              <a:off x="4891595" y="5412663"/>
               <a:ext cx="63202" cy="63202"/>
             </a:xfrm>
             <a:custGeom>
@@ -27794,7 +27794,7 @@
           </p:nvSpPr>
           <p:spPr>
             <a:xfrm>
-              <a:off x="4912219" y="5812866"/>
+              <a:off x="5110533" y="5812879"/>
               <a:ext cx="63202" cy="63202"/>
             </a:xfrm>
             <a:custGeom>
@@ -27837,7 +27837,7 @@
           </p:nvSpPr>
           <p:spPr>
             <a:xfrm>
-              <a:off x="4770017" y="5430814"/>
+              <a:off x="5164067" y="5430784"/>
               <a:ext cx="63202" cy="63202"/>
             </a:xfrm>
             <a:custGeom>
@@ -27880,7 +27880,7 @@
           </p:nvSpPr>
           <p:spPr>
             <a:xfrm>
-              <a:off x="4996915" y="5397339"/>
+              <a:off x="4824272" y="5397313"/>
               <a:ext cx="63202" cy="63202"/>
             </a:xfrm>
             <a:custGeom>
@@ -27923,7 +27923,7 @@
           </p:nvSpPr>
           <p:spPr>
             <a:xfrm>
-              <a:off x="4634714" y="5789808"/>
+              <a:off x="4788797" y="5789808"/>
               <a:ext cx="63202" cy="63202"/>
             </a:xfrm>
             <a:custGeom>
@@ -27966,7 +27966,7 @@
           </p:nvSpPr>
           <p:spPr>
             <a:xfrm>
-              <a:off x="4907094" y="5790292"/>
+              <a:off x="5145520" y="5790277"/>
               <a:ext cx="63202" cy="63202"/>
             </a:xfrm>
             <a:custGeom>
@@ -28009,7 +28009,7 @@
           </p:nvSpPr>
           <p:spPr>
             <a:xfrm>
-              <a:off x="4853231" y="5503816"/>
+              <a:off x="4830107" y="5503763"/>
               <a:ext cx="63202" cy="63202"/>
             </a:xfrm>
             <a:custGeom>
@@ -28052,7 +28052,7 @@
           </p:nvSpPr>
           <p:spPr>
             <a:xfrm>
-              <a:off x="4800496" y="5465925"/>
+              <a:off x="4955255" y="5465895"/>
               <a:ext cx="63202" cy="63202"/>
             </a:xfrm>
             <a:custGeom>
@@ -28095,7 +28095,7 @@
           </p:nvSpPr>
           <p:spPr>
             <a:xfrm>
-              <a:off x="4630107" y="5448673"/>
+              <a:off x="5155709" y="5448643"/>
               <a:ext cx="63202" cy="63202"/>
             </a:xfrm>
             <a:custGeom>
@@ -28138,7 +28138,7 @@
           </p:nvSpPr>
           <p:spPr>
             <a:xfrm>
-              <a:off x="4662219" y="5379913"/>
+              <a:off x="5138556" y="5379889"/>
               <a:ext cx="63202" cy="63202"/>
             </a:xfrm>
             <a:custGeom>
@@ -28181,7 +28181,7 @@
           </p:nvSpPr>
           <p:spPr>
             <a:xfrm>
-              <a:off x="4849236" y="5458311"/>
+              <a:off x="4712964" y="5458313"/>
               <a:ext cx="63202" cy="63202"/>
             </a:xfrm>
             <a:custGeom>
@@ -28224,7 +28224,7 @@
           </p:nvSpPr>
           <p:spPr>
             <a:xfrm>
-              <a:off x="4497796" y="6247132"/>
+              <a:off x="4678170" y="6247095"/>
               <a:ext cx="63202" cy="63202"/>
             </a:xfrm>
             <a:custGeom>
@@ -28267,7 +28267,7 @@
           </p:nvSpPr>
           <p:spPr>
             <a:xfrm>
-              <a:off x="4560082" y="5415330"/>
+              <a:off x="5017738" y="5415318"/>
               <a:ext cx="63202" cy="63202"/>
             </a:xfrm>
             <a:custGeom>
@@ -28310,7 +28310,7 @@
           </p:nvSpPr>
           <p:spPr>
             <a:xfrm>
-              <a:off x="4685944" y="5421257"/>
+              <a:off x="4773543" y="5421213"/>
               <a:ext cx="63202" cy="63202"/>
             </a:xfrm>
             <a:custGeom>
@@ -28353,7 +28353,7 @@
           </p:nvSpPr>
           <p:spPr>
             <a:xfrm>
-              <a:off x="4833908" y="5408462"/>
+              <a:off x="4868432" y="5408455"/>
               <a:ext cx="63202" cy="63202"/>
             </a:xfrm>
             <a:custGeom>
@@ -28396,7 +28396,7 @@
           </p:nvSpPr>
           <p:spPr>
             <a:xfrm>
-              <a:off x="4753692" y="5395427"/>
+              <a:off x="4887952" y="5395425"/>
               <a:ext cx="63202" cy="63202"/>
             </a:xfrm>
             <a:custGeom>
@@ -28439,7 +28439,7 @@
           </p:nvSpPr>
           <p:spPr>
             <a:xfrm>
-              <a:off x="4489452" y="5747220"/>
+              <a:off x="4477214" y="5747242"/>
               <a:ext cx="63202" cy="63202"/>
             </a:xfrm>
             <a:custGeom>
@@ -28482,7 +28482,7 @@
           </p:nvSpPr>
           <p:spPr>
             <a:xfrm>
-              <a:off x="4930772" y="5728759"/>
+              <a:off x="4892121" y="5728798"/>
               <a:ext cx="63202" cy="63202"/>
             </a:xfrm>
             <a:custGeom>
@@ -28525,7 +28525,7 @@
           </p:nvSpPr>
           <p:spPr>
             <a:xfrm>
-              <a:off x="4811966" y="5821199"/>
+              <a:off x="4494820" y="5821159"/>
               <a:ext cx="63202" cy="63202"/>
             </a:xfrm>
             <a:custGeom>
@@ -28568,7 +28568,7 @@
           </p:nvSpPr>
           <p:spPr>
             <a:xfrm>
-              <a:off x="4893472" y="5434794"/>
+              <a:off x="5016984" y="5434797"/>
               <a:ext cx="63202" cy="63202"/>
             </a:xfrm>
             <a:custGeom>
@@ -28611,7 +28611,7 @@
           </p:nvSpPr>
           <p:spPr>
             <a:xfrm>
-              <a:off x="5015370" y="5502972"/>
+              <a:off x="4801710" y="5502985"/>
               <a:ext cx="63202" cy="63202"/>
             </a:xfrm>
             <a:custGeom>
@@ -28654,7 +28654,7 @@
           </p:nvSpPr>
           <p:spPr>
             <a:xfrm>
-              <a:off x="4989710" y="5469318"/>
+              <a:off x="4877539" y="5469298"/>
               <a:ext cx="63202" cy="63202"/>
             </a:xfrm>
             <a:custGeom>
@@ -28697,7 +28697,7 @@
           </p:nvSpPr>
           <p:spPr>
             <a:xfrm>
-              <a:off x="4897367" y="5638085"/>
+              <a:off x="4909459" y="5638079"/>
               <a:ext cx="63202" cy="63202"/>
             </a:xfrm>
             <a:custGeom>
@@ -28740,7 +28740,7 @@
           </p:nvSpPr>
           <p:spPr>
             <a:xfrm>
-              <a:off x="4993279" y="5497118"/>
+              <a:off x="4943907" y="5497144"/>
               <a:ext cx="63202" cy="63202"/>
             </a:xfrm>
             <a:custGeom>
@@ -28783,7 +28783,7 @@
           </p:nvSpPr>
           <p:spPr>
             <a:xfrm>
-              <a:off x="5022226" y="5495575"/>
+              <a:off x="4556669" y="5495561"/>
               <a:ext cx="63202" cy="63202"/>
             </a:xfrm>
             <a:custGeom>
@@ -28826,7 +28826,7 @@
           </p:nvSpPr>
           <p:spPr>
             <a:xfrm>
-              <a:off x="4969401" y="5495968"/>
+              <a:off x="5000569" y="5495989"/>
               <a:ext cx="63202" cy="63202"/>
             </a:xfrm>
             <a:custGeom>
@@ -28869,7 +28869,7 @@
           </p:nvSpPr>
           <p:spPr>
             <a:xfrm>
-              <a:off x="4983156" y="6071683"/>
+              <a:off x="4980978" y="6071701"/>
               <a:ext cx="63202" cy="63202"/>
             </a:xfrm>
             <a:custGeom>
@@ -28912,7 +28912,7 @@
           </p:nvSpPr>
           <p:spPr>
             <a:xfrm>
-              <a:off x="4824682" y="5680278"/>
+              <a:off x="4987146" y="5680275"/>
               <a:ext cx="63202" cy="63202"/>
             </a:xfrm>
             <a:custGeom>
@@ -28955,7 +28955,7 @@
           </p:nvSpPr>
           <p:spPr>
             <a:xfrm>
-              <a:off x="4746778" y="5380915"/>
+              <a:off x="4944258" y="5380884"/>
               <a:ext cx="63202" cy="63202"/>
             </a:xfrm>
             <a:custGeom>
@@ -28998,7 +28998,7 @@
           </p:nvSpPr>
           <p:spPr>
             <a:xfrm>
-              <a:off x="4945070" y="5495225"/>
+              <a:off x="4842587" y="5495221"/>
               <a:ext cx="63202" cy="63202"/>
             </a:xfrm>
             <a:custGeom>
@@ -29041,7 +29041,7 @@
           </p:nvSpPr>
           <p:spPr>
             <a:xfrm>
-              <a:off x="5034872" y="5402844"/>
+              <a:off x="5101887" y="5402843"/>
               <a:ext cx="63202" cy="63202"/>
             </a:xfrm>
             <a:custGeom>
@@ -29084,7 +29084,7 @@
           </p:nvSpPr>
           <p:spPr>
             <a:xfrm>
-              <a:off x="4613053" y="5416095"/>
+              <a:off x="5104957" y="5416102"/>
               <a:ext cx="63202" cy="63202"/>
             </a:xfrm>
             <a:custGeom>
@@ -29127,7 +29127,7 @@
           </p:nvSpPr>
           <p:spPr>
             <a:xfrm>
-              <a:off x="4624951" y="5393740"/>
+              <a:off x="5139314" y="5393752"/>
               <a:ext cx="63202" cy="63202"/>
             </a:xfrm>
             <a:custGeom>
@@ -29170,7 +29170,7 @@
           </p:nvSpPr>
           <p:spPr>
             <a:xfrm>
-              <a:off x="4499690" y="5901756"/>
+              <a:off x="4942537" y="5901779"/>
               <a:ext cx="63202" cy="63202"/>
             </a:xfrm>
             <a:custGeom>
@@ -29213,7 +29213,7 @@
           </p:nvSpPr>
           <p:spPr>
             <a:xfrm>
-              <a:off x="5145643" y="5543031"/>
+              <a:off x="4733754" y="5543012"/>
               <a:ext cx="63202" cy="63202"/>
             </a:xfrm>
             <a:custGeom>
@@ -29256,7 +29256,7 @@
           </p:nvSpPr>
           <p:spPr>
             <a:xfrm>
-              <a:off x="4614556" y="5501340"/>
+              <a:off x="5110105" y="5501340"/>
               <a:ext cx="63202" cy="63202"/>
             </a:xfrm>
             <a:custGeom>
@@ -29299,7 +29299,7 @@
           </p:nvSpPr>
           <p:spPr>
             <a:xfrm>
-              <a:off x="4486500" y="5419083"/>
+              <a:off x="5046512" y="5419058"/>
               <a:ext cx="63202" cy="63202"/>
             </a:xfrm>
             <a:custGeom>
@@ -29342,7 +29342,7 @@
           </p:nvSpPr>
           <p:spPr>
             <a:xfrm>
-              <a:off x="5123191" y="5428459"/>
+              <a:off x="4760427" y="5428442"/>
               <a:ext cx="63202" cy="63202"/>
             </a:xfrm>
             <a:custGeom>
@@ -29385,7 +29385,7 @@
           </p:nvSpPr>
           <p:spPr>
             <a:xfrm>
-              <a:off x="4699306" y="5405599"/>
+              <a:off x="4997493" y="5405634"/>
               <a:ext cx="63202" cy="63202"/>
             </a:xfrm>
             <a:custGeom>
@@ -29428,7 +29428,7 @@
           </p:nvSpPr>
           <p:spPr>
             <a:xfrm>
-              <a:off x="4932129" y="5401372"/>
+              <a:off x="5127906" y="5401318"/>
               <a:ext cx="63202" cy="63202"/>
             </a:xfrm>
             <a:custGeom>
@@ -29471,7 +29471,7 @@
           </p:nvSpPr>
           <p:spPr>
             <a:xfrm>
-              <a:off x="4917343" y="5407515"/>
+              <a:off x="5031219" y="5407533"/>
               <a:ext cx="63202" cy="63202"/>
             </a:xfrm>
             <a:custGeom>
@@ -29514,7 +29514,7 @@
           </p:nvSpPr>
           <p:spPr>
             <a:xfrm>
-              <a:off x="5165628" y="5485396"/>
+              <a:off x="4784171" y="5485412"/>
               <a:ext cx="63202" cy="63202"/>
             </a:xfrm>
             <a:custGeom>
@@ -29557,7 +29557,7 @@
           </p:nvSpPr>
           <p:spPr>
             <a:xfrm>
-              <a:off x="5158668" y="5376297"/>
+              <a:off x="4684580" y="5376313"/>
               <a:ext cx="63202" cy="63202"/>
             </a:xfrm>
             <a:custGeom>
@@ -29600,7 +29600,7 @@
           </p:nvSpPr>
           <p:spPr>
             <a:xfrm>
-              <a:off x="4690267" y="5420490"/>
+              <a:off x="4691068" y="5420474"/>
               <a:ext cx="63202" cy="63202"/>
             </a:xfrm>
             <a:custGeom>
@@ -29643,7 +29643,7 @@
           </p:nvSpPr>
           <p:spPr>
             <a:xfrm>
-              <a:off x="4587511" y="6184061"/>
+              <a:off x="4717748" y="6184021"/>
               <a:ext cx="63202" cy="63202"/>
             </a:xfrm>
             <a:custGeom>
@@ -29686,7 +29686,7 @@
           </p:nvSpPr>
           <p:spPr>
             <a:xfrm>
-              <a:off x="4472841" y="5716030"/>
+              <a:off x="5145343" y="5716014"/>
               <a:ext cx="63202" cy="63202"/>
             </a:xfrm>
             <a:custGeom>
@@ -29729,7 +29729,7 @@
           </p:nvSpPr>
           <p:spPr>
             <a:xfrm>
-              <a:off x="5092867" y="5384655"/>
+              <a:off x="4873908" y="5384622"/>
               <a:ext cx="63202" cy="63202"/>
             </a:xfrm>
             <a:custGeom>
@@ -29772,7 +29772,7 @@
           </p:nvSpPr>
           <p:spPr>
             <a:xfrm>
-              <a:off x="4490406" y="5491767"/>
+              <a:off x="4561946" y="5491759"/>
               <a:ext cx="63202" cy="63202"/>
             </a:xfrm>
             <a:custGeom>
@@ -29815,7 +29815,7 @@
           </p:nvSpPr>
           <p:spPr>
             <a:xfrm>
-              <a:off x="4850304" y="5444870"/>
+              <a:off x="4852057" y="5444876"/>
               <a:ext cx="63202" cy="63202"/>
             </a:xfrm>
             <a:custGeom>
@@ -29858,7 +29858,7 @@
           </p:nvSpPr>
           <p:spPr>
             <a:xfrm>
-              <a:off x="4688780" y="5389882"/>
+              <a:off x="5077385" y="5389882"/>
               <a:ext cx="63202" cy="63202"/>
             </a:xfrm>
             <a:custGeom>
@@ -29901,7 +29901,7 @@
           </p:nvSpPr>
           <p:spPr>
             <a:xfrm>
-              <a:off x="4728627" y="5582659"/>
+              <a:off x="4863189" y="5582691"/>
               <a:ext cx="63202" cy="63202"/>
             </a:xfrm>
             <a:custGeom>
@@ -29944,7 +29944,7 @@
           </p:nvSpPr>
           <p:spPr>
             <a:xfrm>
-              <a:off x="4968404" y="5433450"/>
+              <a:off x="4585663" y="5433454"/>
               <a:ext cx="63202" cy="63202"/>
             </a:xfrm>
             <a:custGeom>
@@ -29987,7 +29987,7 @@
           </p:nvSpPr>
           <p:spPr>
             <a:xfrm>
-              <a:off x="4732636" y="5393955"/>
+              <a:off x="4947684" y="5393968"/>
               <a:ext cx="63202" cy="63202"/>
             </a:xfrm>
             <a:custGeom>
@@ -30030,7 +30030,7 @@
           </p:nvSpPr>
           <p:spPr>
             <a:xfrm>
-              <a:off x="4541259" y="5410332"/>
+              <a:off x="5081445" y="5410286"/>
               <a:ext cx="63202" cy="63202"/>
             </a:xfrm>
             <a:custGeom>
@@ -30073,7 +30073,7 @@
           </p:nvSpPr>
           <p:spPr>
             <a:xfrm>
-              <a:off x="4780278" y="5877039"/>
+              <a:off x="4704001" y="5877049"/>
               <a:ext cx="63202" cy="63202"/>
             </a:xfrm>
             <a:custGeom>
@@ -30116,7 +30116,7 @@
           </p:nvSpPr>
           <p:spPr>
             <a:xfrm>
-              <a:off x="4479431" y="5387495"/>
+              <a:off x="5056822" y="5387494"/>
               <a:ext cx="63202" cy="63202"/>
             </a:xfrm>
             <a:custGeom>
@@ -30159,7 +30159,7 @@
           </p:nvSpPr>
           <p:spPr>
             <a:xfrm>
-              <a:off x="4648066" y="5390193"/>
+              <a:off x="4839812" y="5390213"/>
               <a:ext cx="63202" cy="63202"/>
             </a:xfrm>
             <a:custGeom>
@@ -30202,7 +30202,7 @@
           </p:nvSpPr>
           <p:spPr>
             <a:xfrm>
-              <a:off x="4587104" y="5759716"/>
+              <a:off x="5113661" y="5759738"/>
               <a:ext cx="63202" cy="63202"/>
             </a:xfrm>
             <a:custGeom>
@@ -30245,7 +30245,7 @@
           </p:nvSpPr>
           <p:spPr>
             <a:xfrm>
-              <a:off x="4600665" y="6065096"/>
+              <a:off x="4710217" y="6065109"/>
               <a:ext cx="63202" cy="63202"/>
             </a:xfrm>
             <a:custGeom>
@@ -30288,7 +30288,7 @@
           </p:nvSpPr>
           <p:spPr>
             <a:xfrm>
-              <a:off x="4698986" y="5405914"/>
+              <a:off x="4546690" y="5405867"/>
               <a:ext cx="63202" cy="63202"/>
             </a:xfrm>
             <a:custGeom>
@@ -30331,7 +30331,7 @@
           </p:nvSpPr>
           <p:spPr>
             <a:xfrm>
-              <a:off x="4470553" y="5431082"/>
+              <a:off x="4512524" y="5431084"/>
               <a:ext cx="63202" cy="63202"/>
             </a:xfrm>
             <a:custGeom>
@@ -30374,7 +30374,7 @@
           </p:nvSpPr>
           <p:spPr>
             <a:xfrm>
-              <a:off x="4709077" y="5423738"/>
+              <a:off x="4717588" y="5423753"/>
               <a:ext cx="63202" cy="63202"/>
             </a:xfrm>
             <a:custGeom>
@@ -30417,7 +30417,7 @@
           </p:nvSpPr>
           <p:spPr>
             <a:xfrm>
-              <a:off x="4565945" y="5400658"/>
+              <a:off x="4480162" y="5400675"/>
               <a:ext cx="63202" cy="63202"/>
             </a:xfrm>
             <a:custGeom>
@@ -30460,7 +30460,7 @@
           </p:nvSpPr>
           <p:spPr>
             <a:xfrm>
-              <a:off x="5051116" y="5475797"/>
+              <a:off x="5000379" y="5475796"/>
               <a:ext cx="63202" cy="63202"/>
             </a:xfrm>
             <a:custGeom>
@@ -30503,7 +30503,7 @@
           </p:nvSpPr>
           <p:spPr>
             <a:xfrm>
-              <a:off x="4623903" y="5610917"/>
+              <a:off x="5093798" y="5610917"/>
               <a:ext cx="63202" cy="63202"/>
             </a:xfrm>
             <a:custGeom>
@@ -30546,7 +30546,7 @@
           </p:nvSpPr>
           <p:spPr>
             <a:xfrm>
-              <a:off x="4506823" y="5399556"/>
+              <a:off x="4834896" y="5399583"/>
               <a:ext cx="63202" cy="63202"/>
             </a:xfrm>
             <a:custGeom>
@@ -30589,7 +30589,7 @@
           </p:nvSpPr>
           <p:spPr>
             <a:xfrm>
-              <a:off x="4604371" y="5820973"/>
+              <a:off x="5106693" y="5820971"/>
               <a:ext cx="63202" cy="63202"/>
             </a:xfrm>
             <a:custGeom>
@@ -30632,7 +30632,7 @@
           </p:nvSpPr>
           <p:spPr>
             <a:xfrm>
-              <a:off x="4487783" y="5503322"/>
+              <a:off x="4896876" y="5503320"/>
               <a:ext cx="63202" cy="63202"/>
             </a:xfrm>
             <a:custGeom>
@@ -30675,7 +30675,7 @@
           </p:nvSpPr>
           <p:spPr>
             <a:xfrm>
-              <a:off x="4865577" y="5403168"/>
+              <a:off x="4792844" y="5403202"/>
               <a:ext cx="63202" cy="63202"/>
             </a:xfrm>
             <a:custGeom>
@@ -30718,7 +30718,7 @@
           </p:nvSpPr>
           <p:spPr>
             <a:xfrm>
-              <a:off x="4798519" y="5378801"/>
+              <a:off x="4980290" y="5378826"/>
               <a:ext cx="63202" cy="63202"/>
             </a:xfrm>
             <a:custGeom>
@@ -30761,7 +30761,7 @@
           </p:nvSpPr>
           <p:spPr>
             <a:xfrm>
-              <a:off x="4808932" y="5479359"/>
+              <a:off x="4541410" y="5479344"/>
               <a:ext cx="63202" cy="63202"/>
             </a:xfrm>
             <a:custGeom>
@@ -30804,7 +30804,7 @@
           </p:nvSpPr>
           <p:spPr>
             <a:xfrm>
-              <a:off x="4626317" y="5490462"/>
+              <a:off x="4555524" y="5490482"/>
               <a:ext cx="63202" cy="63202"/>
             </a:xfrm>
             <a:custGeom>
@@ -30847,7 +30847,7 @@
           </p:nvSpPr>
           <p:spPr>
             <a:xfrm>
-              <a:off x="5061181" y="6001376"/>
+              <a:off x="5063529" y="6001338"/>
               <a:ext cx="63202" cy="63202"/>
             </a:xfrm>
             <a:custGeom>
@@ -30890,7 +30890,7 @@
           </p:nvSpPr>
           <p:spPr>
             <a:xfrm>
-              <a:off x="5158184" y="5503067"/>
+              <a:off x="4886550" y="5503063"/>
               <a:ext cx="63202" cy="63202"/>
             </a:xfrm>
             <a:custGeom>
@@ -30933,7 +30933,7 @@
           </p:nvSpPr>
           <p:spPr>
             <a:xfrm>
-              <a:off x="4616165" y="5493885"/>
+              <a:off x="4863556" y="5493850"/>
               <a:ext cx="63202" cy="63202"/>
             </a:xfrm>
             <a:custGeom>
@@ -30976,7 +30976,7 @@
           </p:nvSpPr>
           <p:spPr>
             <a:xfrm>
-              <a:off x="4675760" y="5380783"/>
+              <a:off x="4926416" y="5380758"/>
               <a:ext cx="63202" cy="63202"/>
             </a:xfrm>
             <a:custGeom>
@@ -31019,7 +31019,7 @@
           </p:nvSpPr>
           <p:spPr>
             <a:xfrm>
-              <a:off x="5125060" y="5442495"/>
+              <a:off x="4800149" y="5442468"/>
               <a:ext cx="63202" cy="63202"/>
             </a:xfrm>
             <a:custGeom>
@@ -31062,7 +31062,7 @@
           </p:nvSpPr>
           <p:spPr>
             <a:xfrm>
-              <a:off x="5102709" y="5772237"/>
+              <a:off x="4639464" y="5772209"/>
               <a:ext cx="63202" cy="63202"/>
             </a:xfrm>
             <a:custGeom>
@@ -31105,7 +31105,7 @@
           </p:nvSpPr>
           <p:spPr>
             <a:xfrm>
-              <a:off x="4693706" y="5393785"/>
+              <a:off x="4599534" y="5393835"/>
               <a:ext cx="63202" cy="63202"/>
             </a:xfrm>
             <a:custGeom>
@@ -31148,7 +31148,7 @@
           </p:nvSpPr>
           <p:spPr>
             <a:xfrm>
-              <a:off x="4970258" y="5400456"/>
+              <a:off x="4921973" y="5400464"/>
               <a:ext cx="63202" cy="63202"/>
             </a:xfrm>
             <a:custGeom>
@@ -31191,7 +31191,7 @@
           </p:nvSpPr>
           <p:spPr>
             <a:xfrm>
-              <a:off x="5122215" y="5399985"/>
+              <a:off x="4927692" y="5399974"/>
               <a:ext cx="63202" cy="63202"/>
             </a:xfrm>
             <a:custGeom>
@@ -31234,7 +31234,7 @@
           </p:nvSpPr>
           <p:spPr>
             <a:xfrm>
-              <a:off x="4985077" y="5781852"/>
+              <a:off x="5121042" y="5781848"/>
               <a:ext cx="63202" cy="63202"/>
             </a:xfrm>
             <a:custGeom>
@@ -31277,7 +31277,7 @@
           </p:nvSpPr>
           <p:spPr>
             <a:xfrm>
-              <a:off x="5135535" y="5387023"/>
+              <a:off x="4486364" y="5387012"/>
               <a:ext cx="63202" cy="63202"/>
             </a:xfrm>
             <a:custGeom>
@@ -31320,7 +31320,7 @@
           </p:nvSpPr>
           <p:spPr>
             <a:xfrm>
-              <a:off x="5073721" y="5461702"/>
+              <a:off x="4602964" y="5461683"/>
               <a:ext cx="63202" cy="63202"/>
             </a:xfrm>
             <a:custGeom>
@@ -31363,7 +31363,7 @@
           </p:nvSpPr>
           <p:spPr>
             <a:xfrm>
-              <a:off x="4550130" y="5485657"/>
+              <a:off x="4677486" y="5485678"/>
               <a:ext cx="63202" cy="63202"/>
             </a:xfrm>
             <a:custGeom>
@@ -31406,7 +31406,7 @@
           </p:nvSpPr>
           <p:spPr>
             <a:xfrm>
-              <a:off x="4967782" y="5414708"/>
+              <a:off x="4844553" y="5414713"/>
               <a:ext cx="63202" cy="63202"/>
             </a:xfrm>
             <a:custGeom>
@@ -31449,7 +31449,7 @@
           </p:nvSpPr>
           <p:spPr>
             <a:xfrm>
-              <a:off x="4662900" y="5791426"/>
+              <a:off x="4960780" y="5791460"/>
               <a:ext cx="63202" cy="63202"/>
             </a:xfrm>
             <a:custGeom>
@@ -31492,7 +31492,7 @@
           </p:nvSpPr>
           <p:spPr>
             <a:xfrm>
-              <a:off x="5047713" y="5546224"/>
+              <a:off x="4762429" y="5546194"/>
               <a:ext cx="63202" cy="63202"/>
             </a:xfrm>
             <a:custGeom>
@@ -31535,7 +31535,7 @@
           </p:nvSpPr>
           <p:spPr>
             <a:xfrm>
-              <a:off x="4783862" y="5432422"/>
+              <a:off x="4539471" y="5432449"/>
               <a:ext cx="63202" cy="63202"/>
             </a:xfrm>
             <a:custGeom>
@@ -31578,7 +31578,7 @@
           </p:nvSpPr>
           <p:spPr>
             <a:xfrm>
-              <a:off x="4661452" y="5394151"/>
+              <a:off x="4790647" y="5394153"/>
               <a:ext cx="63202" cy="63202"/>
             </a:xfrm>
             <a:custGeom>
@@ -31621,7 +31621,7 @@
           </p:nvSpPr>
           <p:spPr>
             <a:xfrm>
-              <a:off x="5163310" y="5454081"/>
+              <a:off x="4522707" y="5454089"/>
               <a:ext cx="63202" cy="63202"/>
             </a:xfrm>
             <a:custGeom>
@@ -31664,7 +31664,7 @@
           </p:nvSpPr>
           <p:spPr>
             <a:xfrm>
-              <a:off x="4662923" y="5424582"/>
+              <a:off x="5024649" y="5424547"/>
               <a:ext cx="63202" cy="63202"/>
             </a:xfrm>
             <a:custGeom>
@@ -31707,7 +31707,7 @@
           </p:nvSpPr>
           <p:spPr>
             <a:xfrm>
-              <a:off x="5153028" y="5498429"/>
+              <a:off x="4713458" y="5498438"/>
               <a:ext cx="63202" cy="63202"/>
             </a:xfrm>
             <a:custGeom>
@@ -31750,7 +31750,7 @@
           </p:nvSpPr>
           <p:spPr>
             <a:xfrm>
-              <a:off x="4941135" y="5902145"/>
+              <a:off x="4857869" y="5902137"/>
               <a:ext cx="63202" cy="63202"/>
             </a:xfrm>
             <a:custGeom>
@@ -31793,7 +31793,7 @@
           </p:nvSpPr>
           <p:spPr>
             <a:xfrm>
-              <a:off x="4821606" y="5843968"/>
+              <a:off x="5119728" y="5843961"/>
               <a:ext cx="63202" cy="63202"/>
             </a:xfrm>
             <a:custGeom>
@@ -31836,7 +31836,7 @@
           </p:nvSpPr>
           <p:spPr>
             <a:xfrm>
-              <a:off x="4886724" y="5540747"/>
+              <a:off x="4546027" y="5540707"/>
               <a:ext cx="63202" cy="63202"/>
             </a:xfrm>
             <a:custGeom>
@@ -31879,7 +31879,7 @@
           </p:nvSpPr>
           <p:spPr>
             <a:xfrm>
-              <a:off x="4528873" y="5952057"/>
+              <a:off x="4555334" y="5952038"/>
               <a:ext cx="63202" cy="63202"/>
             </a:xfrm>
             <a:custGeom>
@@ -31922,7 +31922,7 @@
           </p:nvSpPr>
           <p:spPr>
             <a:xfrm>
-              <a:off x="4727858" y="5395776"/>
+              <a:off x="4963919" y="5395777"/>
               <a:ext cx="63202" cy="63202"/>
             </a:xfrm>
             <a:custGeom>
@@ -31965,7 +31965,7 @@
           </p:nvSpPr>
           <p:spPr>
             <a:xfrm>
-              <a:off x="5070368" y="5460292"/>
+              <a:off x="4890874" y="5460263"/>
               <a:ext cx="63202" cy="63202"/>
             </a:xfrm>
             <a:custGeom>
@@ -32008,7 +32008,7 @@
           </p:nvSpPr>
           <p:spPr>
             <a:xfrm>
-              <a:off x="4665822" y="5441466"/>
+              <a:off x="4815021" y="5441469"/>
               <a:ext cx="63202" cy="63202"/>
             </a:xfrm>
             <a:custGeom>
@@ -32051,7 +32051,7 @@
           </p:nvSpPr>
           <p:spPr>
             <a:xfrm>
-              <a:off x="4559090" y="5390129"/>
+              <a:off x="4892643" y="5390129"/>
               <a:ext cx="63202" cy="63202"/>
             </a:xfrm>
             <a:custGeom>
@@ -32094,7 +32094,7 @@
           </p:nvSpPr>
           <p:spPr>
             <a:xfrm>
-              <a:off x="5067748" y="5435653"/>
+              <a:off x="4942551" y="5435638"/>
               <a:ext cx="63202" cy="63202"/>
             </a:xfrm>
             <a:custGeom>
@@ -32137,7 +32137,7 @@
           </p:nvSpPr>
           <p:spPr>
             <a:xfrm>
-              <a:off x="4573300" y="5402501"/>
+              <a:off x="5113360" y="5402515"/>
               <a:ext cx="63202" cy="63202"/>
             </a:xfrm>
             <a:custGeom>
@@ -32180,7 +32180,7 @@
           </p:nvSpPr>
           <p:spPr>
             <a:xfrm>
-              <a:off x="4713223" y="5409680"/>
+              <a:off x="4964869" y="5409686"/>
               <a:ext cx="63202" cy="63202"/>
             </a:xfrm>
             <a:custGeom>
@@ -32223,7 +32223,7 @@
           </p:nvSpPr>
           <p:spPr>
             <a:xfrm>
-              <a:off x="4843655" y="5425040"/>
+              <a:off x="5127995" y="5425031"/>
               <a:ext cx="63202" cy="63202"/>
             </a:xfrm>
             <a:custGeom>
@@ -32266,7 +32266,7 @@
           </p:nvSpPr>
           <p:spPr>
             <a:xfrm>
-              <a:off x="4748489" y="5780693"/>
+              <a:off x="4511170" y="5780733"/>
               <a:ext cx="63202" cy="63202"/>
             </a:xfrm>
             <a:custGeom>
@@ -32309,7 +32309,7 @@
           </p:nvSpPr>
           <p:spPr>
             <a:xfrm>
-              <a:off x="4894219" y="5612218"/>
+              <a:off x="5021986" y="5612212"/>
               <a:ext cx="63202" cy="63202"/>
             </a:xfrm>
             <a:custGeom>
@@ -32352,7 +32352,7 @@
           </p:nvSpPr>
           <p:spPr>
             <a:xfrm>
-              <a:off x="4617933" y="5380294"/>
+              <a:off x="5116894" y="5380324"/>
               <a:ext cx="63202" cy="63202"/>
             </a:xfrm>
             <a:custGeom>
@@ -32395,7 +32395,7 @@
           </p:nvSpPr>
           <p:spPr>
             <a:xfrm>
-              <a:off x="5121010" y="5495638"/>
+              <a:off x="5102527" y="5495641"/>
               <a:ext cx="63202" cy="63202"/>
             </a:xfrm>
             <a:custGeom>
@@ -32438,7 +32438,7 @@
           </p:nvSpPr>
           <p:spPr>
             <a:xfrm>
-              <a:off x="4899369" y="5496914"/>
+              <a:off x="4943648" y="5496944"/>
               <a:ext cx="63202" cy="63202"/>
             </a:xfrm>
             <a:custGeom>
@@ -32481,7 +32481,7 @@
           </p:nvSpPr>
           <p:spPr>
             <a:xfrm>
-              <a:off x="4945661" y="5411209"/>
+              <a:off x="4612986" y="5411171"/>
               <a:ext cx="63202" cy="63202"/>
             </a:xfrm>
             <a:custGeom>
@@ -32524,7 +32524,7 @@
           </p:nvSpPr>
           <p:spPr>
             <a:xfrm>
-              <a:off x="4675475" y="5439750"/>
+              <a:off x="4740351" y="5439756"/>
               <a:ext cx="63202" cy="63202"/>
             </a:xfrm>
             <a:custGeom>
@@ -32567,7 +32567,7 @@
           </p:nvSpPr>
           <p:spPr>
             <a:xfrm>
-              <a:off x="4915657" y="5483764"/>
+              <a:off x="4988926" y="5483758"/>
               <a:ext cx="63202" cy="63202"/>
             </a:xfrm>
             <a:custGeom>
@@ -32610,7 +32610,7 @@
           </p:nvSpPr>
           <p:spPr>
             <a:xfrm>
-              <a:off x="5025140" y="5485143"/>
+              <a:off x="4998936" y="5485133"/>
               <a:ext cx="63202" cy="63202"/>
             </a:xfrm>
             <a:custGeom>
@@ -32653,7 +32653,7 @@
           </p:nvSpPr>
           <p:spPr>
             <a:xfrm>
-              <a:off x="4837703" y="5433570"/>
+              <a:off x="4643318" y="5433586"/>
               <a:ext cx="63202" cy="63202"/>
             </a:xfrm>
             <a:custGeom>
@@ -32696,7 +32696,7 @@
           </p:nvSpPr>
           <p:spPr>
             <a:xfrm>
-              <a:off x="4730318" y="5431509"/>
+              <a:off x="4964538" y="5431468"/>
               <a:ext cx="63202" cy="63202"/>
             </a:xfrm>
             <a:custGeom>
@@ -32739,7 +32739,7 @@
           </p:nvSpPr>
           <p:spPr>
             <a:xfrm>
-              <a:off x="4768996" y="5540315"/>
+              <a:off x="4753317" y="5540288"/>
               <a:ext cx="63202" cy="63202"/>
             </a:xfrm>
             <a:custGeom>
@@ -32782,7 +32782,7 @@
           </p:nvSpPr>
           <p:spPr>
             <a:xfrm>
-              <a:off x="4512371" y="5430724"/>
+              <a:off x="4854334" y="5430734"/>
               <a:ext cx="63202" cy="63202"/>
             </a:xfrm>
             <a:custGeom>
@@ -32825,7 +32825,7 @@
           </p:nvSpPr>
           <p:spPr>
             <a:xfrm>
-              <a:off x="5051406" y="5424963"/>
+              <a:off x="4623461" y="5424982"/>
               <a:ext cx="63202" cy="63202"/>
             </a:xfrm>
             <a:custGeom>
@@ -32868,7 +32868,7 @@
           </p:nvSpPr>
           <p:spPr>
             <a:xfrm>
-              <a:off x="4713480" y="5697674"/>
+              <a:off x="4858756" y="5697686"/>
               <a:ext cx="63202" cy="63202"/>
             </a:xfrm>
             <a:custGeom>
@@ -32911,7 +32911,7 @@
           </p:nvSpPr>
           <p:spPr>
             <a:xfrm>
-              <a:off x="4858421" y="5410828"/>
+              <a:off x="4884869" y="5410858"/>
               <a:ext cx="63202" cy="63202"/>
             </a:xfrm>
             <a:custGeom>
@@ -32954,7 +32954,7 @@
           </p:nvSpPr>
           <p:spPr>
             <a:xfrm>
-              <a:off x="4474863" y="5435013"/>
+              <a:off x="4506964" y="5434998"/>
               <a:ext cx="63202" cy="63202"/>
             </a:xfrm>
             <a:custGeom>
@@ -32997,7 +32997,7 @@
           </p:nvSpPr>
           <p:spPr>
             <a:xfrm>
-              <a:off x="4846535" y="5423568"/>
+              <a:off x="4833768" y="5423535"/>
               <a:ext cx="63202" cy="63202"/>
             </a:xfrm>
             <a:custGeom>
@@ -33040,7 +33040,7 @@
           </p:nvSpPr>
           <p:spPr>
             <a:xfrm>
-              <a:off x="4472408" y="5405579"/>
+              <a:off x="4652455" y="5405532"/>
               <a:ext cx="63202" cy="63202"/>
             </a:xfrm>
             <a:custGeom>
@@ -33083,7 +33083,7 @@
           </p:nvSpPr>
           <p:spPr>
             <a:xfrm>
-              <a:off x="4584461" y="5409689"/>
+              <a:off x="4654759" y="5409699"/>
               <a:ext cx="63202" cy="63202"/>
             </a:xfrm>
             <a:custGeom>
@@ -33126,7 +33126,7 @@
           </p:nvSpPr>
           <p:spPr>
             <a:xfrm>
-              <a:off x="4712204" y="5386362"/>
+              <a:off x="4772227" y="5386349"/>
               <a:ext cx="63202" cy="63202"/>
             </a:xfrm>
             <a:custGeom>
@@ -33169,7 +33169,7 @@
           </p:nvSpPr>
           <p:spPr>
             <a:xfrm>
-              <a:off x="5007742" y="6014447"/>
+              <a:off x="4950496" y="6014433"/>
               <a:ext cx="63202" cy="63202"/>
             </a:xfrm>
             <a:custGeom>
@@ -33212,7 +33212,7 @@
           </p:nvSpPr>
           <p:spPr>
             <a:xfrm>
-              <a:off x="5146260" y="5698499"/>
+              <a:off x="4759984" y="5698498"/>
               <a:ext cx="63202" cy="63202"/>
             </a:xfrm>
             <a:custGeom>
@@ -33255,7 +33255,7 @@
           </p:nvSpPr>
           <p:spPr>
             <a:xfrm>
-              <a:off x="4518140" y="5743587"/>
+              <a:off x="4579666" y="5743575"/>
               <a:ext cx="63202" cy="63202"/>
             </a:xfrm>
             <a:custGeom>
@@ -33298,7 +33298,7 @@
           </p:nvSpPr>
           <p:spPr>
             <a:xfrm>
-              <a:off x="4955558" y="5693476"/>
+              <a:off x="4897554" y="5693451"/>
               <a:ext cx="63202" cy="63202"/>
             </a:xfrm>
             <a:custGeom>
@@ -33341,7 +33341,7 @@
           </p:nvSpPr>
           <p:spPr>
             <a:xfrm>
-              <a:off x="4970924" y="5447994"/>
+              <a:off x="4728882" y="5447964"/>
               <a:ext cx="63202" cy="63202"/>
             </a:xfrm>
             <a:custGeom>
@@ -33384,7 +33384,7 @@
           </p:nvSpPr>
           <p:spPr>
             <a:xfrm>
-              <a:off x="5071033" y="6046796"/>
+              <a:off x="4573416" y="6046773"/>
               <a:ext cx="63202" cy="63202"/>
             </a:xfrm>
             <a:custGeom>
@@ -33427,7 +33427,7 @@
           </p:nvSpPr>
           <p:spPr>
             <a:xfrm>
-              <a:off x="4664410" y="6032025"/>
+              <a:off x="4987544" y="6032037"/>
               <a:ext cx="63202" cy="63202"/>
             </a:xfrm>
             <a:custGeom>
@@ -33470,7 +33470,7 @@
           </p:nvSpPr>
           <p:spPr>
             <a:xfrm>
-              <a:off x="4924116" y="5398518"/>
+              <a:off x="4665790" y="5398466"/>
               <a:ext cx="63202" cy="63202"/>
             </a:xfrm>
             <a:custGeom>
@@ -33513,7 +33513,7 @@
           </p:nvSpPr>
           <p:spPr>
             <a:xfrm>
-              <a:off x="5063200" y="5404936"/>
+              <a:off x="4750850" y="5404957"/>
               <a:ext cx="63202" cy="63202"/>
             </a:xfrm>
             <a:custGeom>
@@ -33556,7 +33556,7 @@
           </p:nvSpPr>
           <p:spPr>
             <a:xfrm>
-              <a:off x="4517372" y="5746913"/>
+              <a:off x="4498139" y="5746916"/>
               <a:ext cx="63202" cy="63202"/>
             </a:xfrm>
             <a:custGeom>
@@ -33599,7 +33599,7 @@
           </p:nvSpPr>
           <p:spPr>
             <a:xfrm>
-              <a:off x="4977440" y="6034955"/>
+              <a:off x="4688222" y="6034933"/>
               <a:ext cx="63202" cy="63202"/>
             </a:xfrm>
             <a:custGeom>
@@ -33642,7 +33642,7 @@
           </p:nvSpPr>
           <p:spPr>
             <a:xfrm>
-              <a:off x="4693733" y="5453346"/>
+              <a:off x="4744788" y="5453344"/>
               <a:ext cx="63202" cy="63202"/>
             </a:xfrm>
             <a:custGeom>
@@ -33685,7 +33685,7 @@
           </p:nvSpPr>
           <p:spPr>
             <a:xfrm>
-              <a:off x="5103239" y="5678050"/>
+              <a:off x="4657119" y="5678085"/>
               <a:ext cx="63202" cy="63202"/>
             </a:xfrm>
             <a:custGeom>
@@ -33728,7 +33728,7 @@
           </p:nvSpPr>
           <p:spPr>
             <a:xfrm>
-              <a:off x="4642096" y="5596187"/>
+              <a:off x="5046727" y="5596199"/>
               <a:ext cx="63202" cy="63202"/>
             </a:xfrm>
             <a:custGeom>
@@ -33771,7 +33771,7 @@
           </p:nvSpPr>
           <p:spPr>
             <a:xfrm>
-              <a:off x="4767803" y="5395348"/>
+              <a:off x="4709833" y="5395385"/>
               <a:ext cx="63202" cy="63202"/>
             </a:xfrm>
             <a:custGeom>
@@ -33814,7 +33814,7 @@
           </p:nvSpPr>
           <p:spPr>
             <a:xfrm>
-              <a:off x="5059424" y="5406292"/>
+              <a:off x="4629709" y="5406313"/>
               <a:ext cx="63202" cy="63202"/>
             </a:xfrm>
             <a:custGeom>
@@ -33857,7 +33857,7 @@
           </p:nvSpPr>
           <p:spPr>
             <a:xfrm>
-              <a:off x="4720220" y="5389663"/>
+              <a:off x="5119410" y="5389656"/>
               <a:ext cx="63202" cy="63202"/>
             </a:xfrm>
             <a:custGeom>
@@ -33900,7 +33900,7 @@
           </p:nvSpPr>
           <p:spPr>
             <a:xfrm>
-              <a:off x="5086588" y="5487926"/>
+              <a:off x="4818434" y="5487924"/>
               <a:ext cx="63202" cy="63202"/>
             </a:xfrm>
             <a:custGeom>
@@ -33943,7 +33943,7 @@
           </p:nvSpPr>
           <p:spPr>
             <a:xfrm>
-              <a:off x="5099384" y="5405757"/>
+              <a:off x="4731445" y="5405775"/>
               <a:ext cx="63202" cy="63202"/>
             </a:xfrm>
             <a:custGeom>
@@ -33986,7 +33986,7 @@
           </p:nvSpPr>
           <p:spPr>
             <a:xfrm>
-              <a:off x="5006926" y="5490483"/>
+              <a:off x="5145701" y="5490501"/>
               <a:ext cx="63202" cy="63202"/>
             </a:xfrm>
             <a:custGeom>
@@ -34029,7 +34029,7 @@
           </p:nvSpPr>
           <p:spPr>
             <a:xfrm>
-              <a:off x="5027808" y="5497844"/>
+              <a:off x="4910532" y="5497795"/>
               <a:ext cx="63202" cy="63202"/>
             </a:xfrm>
             <a:custGeom>
@@ -34072,7 +34072,7 @@
           </p:nvSpPr>
           <p:spPr>
             <a:xfrm>
-              <a:off x="4666450" y="5489039"/>
+              <a:off x="4722757" y="5489061"/>
               <a:ext cx="63202" cy="63202"/>
             </a:xfrm>
             <a:custGeom>
@@ -34115,7 +34115,7 @@
           </p:nvSpPr>
           <p:spPr>
             <a:xfrm>
-              <a:off x="4733788" y="5489799"/>
+              <a:off x="4653617" y="5489829"/>
               <a:ext cx="63202" cy="63202"/>
             </a:xfrm>
             <a:custGeom>
@@ -34158,7 +34158,7 @@
           </p:nvSpPr>
           <p:spPr>
             <a:xfrm>
-              <a:off x="4606930" y="5432180"/>
+              <a:off x="4573490" y="5432161"/>
               <a:ext cx="63202" cy="63202"/>
             </a:xfrm>
             <a:custGeom>
@@ -34201,7 +34201,7 @@
           </p:nvSpPr>
           <p:spPr>
             <a:xfrm>
-              <a:off x="4783473" y="5486694"/>
+              <a:off x="4774967" y="5486670"/>
               <a:ext cx="63202" cy="63202"/>
             </a:xfrm>
             <a:custGeom>
@@ -34244,7 +34244,7 @@
           </p:nvSpPr>
           <p:spPr>
             <a:xfrm>
-              <a:off x="4752562" y="5725747"/>
+              <a:off x="4630052" y="5725690"/>
               <a:ext cx="63202" cy="63202"/>
             </a:xfrm>
             <a:custGeom>
@@ -34287,7 +34287,7 @@
           </p:nvSpPr>
           <p:spPr>
             <a:xfrm>
-              <a:off x="4613401" y="5404763"/>
+              <a:off x="4975099" y="5404749"/>
               <a:ext cx="63202" cy="63202"/>
             </a:xfrm>
             <a:custGeom>
@@ -34330,7 +34330,7 @@
           </p:nvSpPr>
           <p:spPr>
             <a:xfrm>
-              <a:off x="4772352" y="5893483"/>
+              <a:off x="5019699" y="5893481"/>
               <a:ext cx="63202" cy="63202"/>
             </a:xfrm>
             <a:custGeom>
@@ -34373,7 +34373,7 @@
           </p:nvSpPr>
           <p:spPr>
             <a:xfrm>
-              <a:off x="4482458" y="5461020"/>
+              <a:off x="4839990" y="5461022"/>
               <a:ext cx="63202" cy="63202"/>
             </a:xfrm>
             <a:custGeom>
@@ -34416,7 +34416,7 @@
           </p:nvSpPr>
           <p:spPr>
             <a:xfrm>
-              <a:off x="4656534" y="5777597"/>
+              <a:off x="4650521" y="5777564"/>
               <a:ext cx="63202" cy="63202"/>
             </a:xfrm>
             <a:custGeom>
@@ -34459,7 +34459,7 @@
           </p:nvSpPr>
           <p:spPr>
             <a:xfrm>
-              <a:off x="4501133" y="5538701"/>
+              <a:off x="4826059" y="5538694"/>
               <a:ext cx="63202" cy="63202"/>
             </a:xfrm>
             <a:custGeom>
@@ -34502,7 +34502,7 @@
           </p:nvSpPr>
           <p:spPr>
             <a:xfrm>
-              <a:off x="5072865" y="5829128"/>
+              <a:off x="4734833" y="5829103"/>
               <a:ext cx="63202" cy="63202"/>
             </a:xfrm>
             <a:custGeom>
@@ -34545,7 +34545,7 @@
           </p:nvSpPr>
           <p:spPr>
             <a:xfrm>
-              <a:off x="4719322" y="5728712"/>
+              <a:off x="5064032" y="5728690"/>
               <a:ext cx="63202" cy="63202"/>
             </a:xfrm>
             <a:custGeom>
@@ -34588,7 +34588,7 @@
           </p:nvSpPr>
           <p:spPr>
             <a:xfrm>
-              <a:off x="4479966" y="5988100"/>
+              <a:off x="4675484" y="5988090"/>
               <a:ext cx="63202" cy="63202"/>
             </a:xfrm>
             <a:custGeom>
@@ -34631,7 +34631,7 @@
           </p:nvSpPr>
           <p:spPr>
             <a:xfrm>
-              <a:off x="4786391" y="5397285"/>
+              <a:off x="4471235" y="5397275"/>
               <a:ext cx="63202" cy="63202"/>
             </a:xfrm>
             <a:custGeom>
@@ -34674,7 +34674,7 @@
           </p:nvSpPr>
           <p:spPr>
             <a:xfrm>
-              <a:off x="4830473" y="5397460"/>
+              <a:off x="4898607" y="5397451"/>
               <a:ext cx="63202" cy="63202"/>
             </a:xfrm>
             <a:custGeom>
@@ -34717,7 +34717,7 @@
           </p:nvSpPr>
           <p:spPr>
             <a:xfrm>
-              <a:off x="4535344" y="5861779"/>
+              <a:off x="4750827" y="5861745"/>
               <a:ext cx="63202" cy="63202"/>
             </a:xfrm>
             <a:custGeom>
@@ -34760,7 +34760,7 @@
           </p:nvSpPr>
           <p:spPr>
             <a:xfrm>
-              <a:off x="4748879" y="5766668"/>
+              <a:off x="4940558" y="5766655"/>
               <a:ext cx="63202" cy="63202"/>
             </a:xfrm>
             <a:custGeom>
@@ -34803,7 +34803,7 @@
           </p:nvSpPr>
           <p:spPr>
             <a:xfrm>
-              <a:off x="5128182" y="5596106"/>
+              <a:off x="5161836" y="5596090"/>
               <a:ext cx="63202" cy="63202"/>
             </a:xfrm>
             <a:custGeom>
@@ -34846,7 +34846,7 @@
           </p:nvSpPr>
           <p:spPr>
             <a:xfrm>
-              <a:off x="4926318" y="5701283"/>
+              <a:off x="4694458" y="5701272"/>
               <a:ext cx="63202" cy="63202"/>
             </a:xfrm>
             <a:custGeom>
@@ -34945,7 +34945,7 @@
           </p:nvSpPr>
           <p:spPr>
             <a:xfrm>
-              <a:off x="7192078" y="2898390"/>
+              <a:off x="7192078" y="2898377"/>
               <a:ext cx="2796732" cy="0"/>
             </a:xfrm>
             <a:custGeom>
@@ -34988,7 +34988,7 @@
           </p:nvSpPr>
           <p:spPr>
             <a:xfrm>
-              <a:off x="7192078" y="2558942"/>
+              <a:off x="7192078" y="2558932"/>
               <a:ext cx="2796732" cy="0"/>
             </a:xfrm>
             <a:custGeom>
@@ -35031,7 +35031,7 @@
           </p:nvSpPr>
           <p:spPr>
             <a:xfrm>
-              <a:off x="7192078" y="2219494"/>
+              <a:off x="7192078" y="2219487"/>
               <a:ext cx="2796732" cy="0"/>
             </a:xfrm>
             <a:custGeom>
@@ -35074,7 +35074,7 @@
           </p:nvSpPr>
           <p:spPr>
             <a:xfrm>
-              <a:off x="7192078" y="1880046"/>
+              <a:off x="7192078" y="1880041"/>
               <a:ext cx="2796732" cy="0"/>
             </a:xfrm>
             <a:custGeom>
@@ -35117,7 +35117,7 @@
           </p:nvSpPr>
           <p:spPr>
             <a:xfrm>
-              <a:off x="7192078" y="1540598"/>
+              <a:off x="7192078" y="1540596"/>
               <a:ext cx="2796732" cy="0"/>
             </a:xfrm>
             <a:custGeom>
@@ -35160,7 +35160,7 @@
           </p:nvSpPr>
           <p:spPr>
             <a:xfrm>
-              <a:off x="7192078" y="2728666"/>
+              <a:off x="7192078" y="2728655"/>
               <a:ext cx="2796732" cy="0"/>
             </a:xfrm>
             <a:custGeom>
@@ -35203,7 +35203,7 @@
           </p:nvSpPr>
           <p:spPr>
             <a:xfrm>
-              <a:off x="7192078" y="2389218"/>
+              <a:off x="7192078" y="2389209"/>
               <a:ext cx="2796732" cy="0"/>
             </a:xfrm>
             <a:custGeom>
@@ -35246,7 +35246,7 @@
           </p:nvSpPr>
           <p:spPr>
             <a:xfrm>
-              <a:off x="7192078" y="2049770"/>
+              <a:off x="7192078" y="2049764"/>
               <a:ext cx="2796732" cy="0"/>
             </a:xfrm>
             <a:custGeom>
@@ -35289,7 +35289,7 @@
           </p:nvSpPr>
           <p:spPr>
             <a:xfrm>
-              <a:off x="7192078" y="1710322"/>
+              <a:off x="7192078" y="1710318"/>
               <a:ext cx="2796732" cy="0"/>
             </a:xfrm>
             <a:custGeom>
@@ -35461,7 +35461,7 @@
           </p:nvSpPr>
           <p:spPr>
             <a:xfrm>
-              <a:off x="7941860" y="2743652"/>
+              <a:off x="7549037" y="2743608"/>
               <a:ext cx="63202" cy="63202"/>
             </a:xfrm>
             <a:custGeom>
@@ -35504,7 +35504,7 @@
           </p:nvSpPr>
           <p:spPr>
             <a:xfrm>
-              <a:off x="7426579" y="2400326"/>
+              <a:off x="7910507" y="2400287"/>
               <a:ext cx="63202" cy="63202"/>
             </a:xfrm>
             <a:custGeom>
@@ -35547,7 +35547,7 @@
           </p:nvSpPr>
           <p:spPr>
             <a:xfrm>
-              <a:off x="7555299" y="2350541"/>
+              <a:off x="7473047" y="2350521"/>
               <a:ext cx="63202" cy="63202"/>
             </a:xfrm>
             <a:custGeom>
@@ -35590,7 +35590,7 @@
           </p:nvSpPr>
           <p:spPr>
             <a:xfrm>
-              <a:off x="7975057" y="2357083"/>
+              <a:off x="7585938" y="2357040"/>
               <a:ext cx="63202" cy="63202"/>
             </a:xfrm>
             <a:custGeom>
@@ -35633,7 +35633,7 @@
           </p:nvSpPr>
           <p:spPr>
             <a:xfrm>
-              <a:off x="7434592" y="2347682"/>
+              <a:off x="7860296" y="2347721"/>
               <a:ext cx="63202" cy="63202"/>
             </a:xfrm>
             <a:custGeom>
@@ -35676,7 +35676,7 @@
           </p:nvSpPr>
           <p:spPr>
             <a:xfrm>
-              <a:off x="7749809" y="1928015"/>
+              <a:off x="7401237" y="1928030"/>
               <a:ext cx="63202" cy="63202"/>
             </a:xfrm>
             <a:custGeom>
@@ -35719,7 +35719,7 @@
           </p:nvSpPr>
           <p:spPr>
             <a:xfrm>
-              <a:off x="7513618" y="2382456"/>
+              <a:off x="8004251" y="2382457"/>
               <a:ext cx="63202" cy="63202"/>
             </a:xfrm>
             <a:custGeom>
@@ -35762,7 +35762,7 @@
           </p:nvSpPr>
           <p:spPr>
             <a:xfrm>
-              <a:off x="7606434" y="2397919"/>
+              <a:off x="7421840" y="2397953"/>
               <a:ext cx="63202" cy="63202"/>
             </a:xfrm>
             <a:custGeom>
@@ -35805,7 +35805,7 @@
           </p:nvSpPr>
           <p:spPr>
             <a:xfrm>
-              <a:off x="7400584" y="2346281"/>
+              <a:off x="7578341" y="2346245"/>
               <a:ext cx="63202" cy="63202"/>
             </a:xfrm>
             <a:custGeom>
@@ -35848,7 +35848,7 @@
           </p:nvSpPr>
           <p:spPr>
             <a:xfrm>
-              <a:off x="7354733" y="2345375"/>
+              <a:off x="7991680" y="2345412"/>
               <a:ext cx="63202" cy="63202"/>
             </a:xfrm>
             <a:custGeom>
@@ -35891,7 +35891,7 @@
           </p:nvSpPr>
           <p:spPr>
             <a:xfrm>
-              <a:off x="7738816" y="2384428"/>
+              <a:off x="7690139" y="2384437"/>
               <a:ext cx="63202" cy="63202"/>
             </a:xfrm>
             <a:custGeom>
@@ -35934,7 +35934,7 @@
           </p:nvSpPr>
           <p:spPr>
             <a:xfrm>
-              <a:off x="8032744" y="2511043"/>
+              <a:off x="7511425" y="2511042"/>
               <a:ext cx="63202" cy="63202"/>
             </a:xfrm>
             <a:custGeom>
@@ -35977,7 +35977,7 @@
           </p:nvSpPr>
           <p:spPr>
             <a:xfrm>
-              <a:off x="7957525" y="2391650"/>
+              <a:off x="8027739" y="2391594"/>
               <a:ext cx="63202" cy="63202"/>
             </a:xfrm>
             <a:custGeom>
@@ -36020,7 +36020,7 @@
           </p:nvSpPr>
           <p:spPr>
             <a:xfrm>
-              <a:off x="7797289" y="2400812"/>
+              <a:off x="7428782" y="2400812"/>
               <a:ext cx="63202" cy="63202"/>
             </a:xfrm>
             <a:custGeom>
@@ -36063,7 +36063,7 @@
           </p:nvSpPr>
           <p:spPr>
             <a:xfrm>
-              <a:off x="7469501" y="2382777"/>
+              <a:off x="7763656" y="2382783"/>
               <a:ext cx="63202" cy="63202"/>
             </a:xfrm>
             <a:custGeom>
@@ -36106,7 +36106,7 @@
           </p:nvSpPr>
           <p:spPr>
             <a:xfrm>
-              <a:off x="7380162" y="2395639"/>
+              <a:off x="7728732" y="2395637"/>
               <a:ext cx="63202" cy="63202"/>
             </a:xfrm>
             <a:custGeom>
@@ -36149,7 +36149,7 @@
           </p:nvSpPr>
           <p:spPr>
             <a:xfrm>
-              <a:off x="7371547" y="2381458"/>
+              <a:off x="7649368" y="2381411"/>
               <a:ext cx="63202" cy="63202"/>
             </a:xfrm>
             <a:custGeom>
@@ -36192,7 +36192,7 @@
           </p:nvSpPr>
           <p:spPr>
             <a:xfrm>
-              <a:off x="7666161" y="2358353"/>
+              <a:off x="7869621" y="2358345"/>
               <a:ext cx="63202" cy="63202"/>
             </a:xfrm>
             <a:custGeom>
@@ -36235,7 +36235,7 @@
           </p:nvSpPr>
           <p:spPr>
             <a:xfrm>
-              <a:off x="7882258" y="2389364"/>
+              <a:off x="7480518" y="2389395"/>
               <a:ext cx="63202" cy="63202"/>
             </a:xfrm>
             <a:custGeom>
@@ -36278,7 +36278,7 @@
           </p:nvSpPr>
           <p:spPr>
             <a:xfrm>
-              <a:off x="7368058" y="2529658"/>
+              <a:off x="7407867" y="2529657"/>
               <a:ext cx="63202" cy="63202"/>
             </a:xfrm>
             <a:custGeom>
@@ -36321,7 +36321,7 @@
           </p:nvSpPr>
           <p:spPr>
             <a:xfrm>
-              <a:off x="7788952" y="2345370"/>
+              <a:off x="7545534" y="2345414"/>
               <a:ext cx="63202" cy="63202"/>
             </a:xfrm>
             <a:custGeom>
@@ -36364,7 +36364,7 @@
           </p:nvSpPr>
           <p:spPr>
             <a:xfrm>
-              <a:off x="7451106" y="2351841"/>
+              <a:off x="7393692" y="2351829"/>
               <a:ext cx="63202" cy="63202"/>
             </a:xfrm>
             <a:custGeom>
@@ -36407,7 +36407,7 @@
           </p:nvSpPr>
           <p:spPr>
             <a:xfrm>
-              <a:off x="7548490" y="2401294"/>
+              <a:off x="7782836" y="2401278"/>
               <a:ext cx="63202" cy="63202"/>
             </a:xfrm>
             <a:custGeom>
@@ -36450,7 +36450,7 @@
           </p:nvSpPr>
           <p:spPr>
             <a:xfrm>
-              <a:off x="7354784" y="2380583"/>
+              <a:off x="7711091" y="2380568"/>
               <a:ext cx="63202" cy="63202"/>
             </a:xfrm>
             <a:custGeom>
@@ -36493,7 +36493,7 @@
           </p:nvSpPr>
           <p:spPr>
             <a:xfrm>
-              <a:off x="7806974" y="2387175"/>
+              <a:off x="7360807" y="2387149"/>
               <a:ext cx="63202" cy="63202"/>
             </a:xfrm>
             <a:custGeom>
@@ -36536,7 +36536,7 @@
           </p:nvSpPr>
           <p:spPr>
             <a:xfrm>
-              <a:off x="7996389" y="2384250"/>
+              <a:off x="7563313" y="2384230"/>
               <a:ext cx="63202" cy="63202"/>
             </a:xfrm>
             <a:custGeom>
@@ -36579,7 +36579,7 @@
           </p:nvSpPr>
           <p:spPr>
             <a:xfrm>
-              <a:off x="7927886" y="1908161"/>
+              <a:off x="7449890" y="1908200"/>
               <a:ext cx="63202" cy="63202"/>
             </a:xfrm>
             <a:custGeom>
@@ -36622,7 +36622,7 @@
           </p:nvSpPr>
           <p:spPr>
             <a:xfrm>
-              <a:off x="7680096" y="2398352"/>
+              <a:off x="7763416" y="2398347"/>
               <a:ext cx="63202" cy="63202"/>
             </a:xfrm>
             <a:custGeom>
@@ -36665,7 +36665,7 @@
           </p:nvSpPr>
           <p:spPr>
             <a:xfrm>
-              <a:off x="7377872" y="2546937"/>
+              <a:off x="7824716" y="2546976"/>
               <a:ext cx="63202" cy="63202"/>
             </a:xfrm>
             <a:custGeom>
@@ -36708,7 +36708,7 @@
           </p:nvSpPr>
           <p:spPr>
             <a:xfrm>
-              <a:off x="7642996" y="2380746"/>
+              <a:off x="7345622" y="2380765"/>
               <a:ext cx="63202" cy="63202"/>
             </a:xfrm>
             <a:custGeom>
@@ -36751,7 +36751,7 @@
           </p:nvSpPr>
           <p:spPr>
             <a:xfrm>
-              <a:off x="7987421" y="1907807"/>
+              <a:off x="7745289" y="1907783"/>
               <a:ext cx="63202" cy="63202"/>
             </a:xfrm>
             <a:custGeom>
@@ -36794,7 +36794,7 @@
           </p:nvSpPr>
           <p:spPr>
             <a:xfrm>
-              <a:off x="7885852" y="2351805"/>
+              <a:off x="7379560" y="2351743"/>
               <a:ext cx="63202" cy="63202"/>
             </a:xfrm>
             <a:custGeom>
@@ -36837,7 +36837,7 @@
           </p:nvSpPr>
           <p:spPr>
             <a:xfrm>
-              <a:off x="7961631" y="2366364"/>
+              <a:off x="7540058" y="2366355"/>
               <a:ext cx="63202" cy="63202"/>
             </a:xfrm>
             <a:custGeom>
@@ -36880,7 +36880,7 @@
           </p:nvSpPr>
           <p:spPr>
             <a:xfrm>
-              <a:off x="7397978" y="2355214"/>
+              <a:off x="7768182" y="2355231"/>
               <a:ext cx="63202" cy="63202"/>
             </a:xfrm>
             <a:custGeom>
@@ -36923,7 +36923,7 @@
           </p:nvSpPr>
           <p:spPr>
             <a:xfrm>
-              <a:off x="7996429" y="2358612"/>
+              <a:off x="7411310" y="2358634"/>
               <a:ext cx="63202" cy="63202"/>
             </a:xfrm>
             <a:custGeom>
@@ -36966,7 +36966,7 @@
           </p:nvSpPr>
           <p:spPr>
             <a:xfrm>
-              <a:off x="7535290" y="2358863"/>
+              <a:off x="7937398" y="2358803"/>
               <a:ext cx="63202" cy="63202"/>
             </a:xfrm>
             <a:custGeom>
@@ -37009,7 +37009,7 @@
           </p:nvSpPr>
           <p:spPr>
             <a:xfrm>
-              <a:off x="7752345" y="2359255"/>
+              <a:off x="7577854" y="2359250"/>
               <a:ext cx="63202" cy="63202"/>
             </a:xfrm>
             <a:custGeom>
@@ -37052,7 +37052,7 @@
           </p:nvSpPr>
           <p:spPr>
             <a:xfrm>
-              <a:off x="7823339" y="2361285"/>
+              <a:off x="7535564" y="2361250"/>
               <a:ext cx="63202" cy="63202"/>
             </a:xfrm>
             <a:custGeom>
@@ -37095,7 +37095,7 @@
           </p:nvSpPr>
           <p:spPr>
             <a:xfrm>
-              <a:off x="7502543" y="2352102"/>
+              <a:off x="7954144" y="2352132"/>
               <a:ext cx="63202" cy="63202"/>
             </a:xfrm>
             <a:custGeom>
@@ -37138,7 +37138,7 @@
           </p:nvSpPr>
           <p:spPr>
             <a:xfrm>
-              <a:off x="7399347" y="2410625"/>
+              <a:off x="7939824" y="2410613"/>
               <a:ext cx="63202" cy="63202"/>
             </a:xfrm>
             <a:custGeom>
@@ -37181,7 +37181,7 @@
           </p:nvSpPr>
           <p:spPr>
             <a:xfrm>
-              <a:off x="7545844" y="2376070"/>
+              <a:off x="8025599" y="2376087"/>
               <a:ext cx="63202" cy="63202"/>
             </a:xfrm>
             <a:custGeom>
@@ -37224,7 +37224,7 @@
           </p:nvSpPr>
           <p:spPr>
             <a:xfrm>
-              <a:off x="7394840" y="2356042"/>
+              <a:off x="7701433" y="2356034"/>
               <a:ext cx="63202" cy="63202"/>
             </a:xfrm>
             <a:custGeom>
@@ -37267,7 +37267,7 @@
           </p:nvSpPr>
           <p:spPr>
             <a:xfrm>
-              <a:off x="7510621" y="2456345"/>
+              <a:off x="7744848" y="2456342"/>
               <a:ext cx="63202" cy="63202"/>
             </a:xfrm>
             <a:custGeom>
@@ -37310,7 +37310,7 @@
           </p:nvSpPr>
           <p:spPr>
             <a:xfrm>
-              <a:off x="7814331" y="2227484"/>
+              <a:off x="7866599" y="2227484"/>
               <a:ext cx="63202" cy="63202"/>
             </a:xfrm>
             <a:custGeom>
@@ -37353,7 +37353,7 @@
           </p:nvSpPr>
           <p:spPr>
             <a:xfrm>
-              <a:off x="7411291" y="2355843"/>
+              <a:off x="7357372" y="2355858"/>
               <a:ext cx="63202" cy="63202"/>
             </a:xfrm>
             <a:custGeom>
@@ -37396,7 +37396,7 @@
           </p:nvSpPr>
           <p:spPr>
             <a:xfrm>
-              <a:off x="7871393" y="2358301"/>
+              <a:off x="7605250" y="2358275"/>
               <a:ext cx="63202" cy="63202"/>
             </a:xfrm>
             <a:custGeom>
@@ -37439,7 +37439,7 @@
           </p:nvSpPr>
           <p:spPr>
             <a:xfrm>
-              <a:off x="7425612" y="2357391"/>
+              <a:off x="7500236" y="2357386"/>
               <a:ext cx="63202" cy="63202"/>
             </a:xfrm>
             <a:custGeom>
@@ -37482,7 +37482,7 @@
           </p:nvSpPr>
           <p:spPr>
             <a:xfrm>
-              <a:off x="7589073" y="2358385"/>
+              <a:off x="7483539" y="2358348"/>
               <a:ext cx="63202" cy="63202"/>
             </a:xfrm>
             <a:custGeom>
@@ -37525,7 +37525,7 @@
           </p:nvSpPr>
           <p:spPr>
             <a:xfrm>
-              <a:off x="7385649" y="2347551"/>
+              <a:off x="7441413" y="2347572"/>
               <a:ext cx="63202" cy="63202"/>
             </a:xfrm>
             <a:custGeom>
@@ -37624,7 +37624,7 @@
           </p:nvSpPr>
           <p:spPr>
             <a:xfrm>
-              <a:off x="7192078" y="4823723"/>
+              <a:off x="7192078" y="4823710"/>
               <a:ext cx="2796732" cy="0"/>
             </a:xfrm>
             <a:custGeom>
@@ -37667,7 +37667,7 @@
           </p:nvSpPr>
           <p:spPr>
             <a:xfrm>
-              <a:off x="7192078" y="4484275"/>
+              <a:off x="7192078" y="4484265"/>
               <a:ext cx="2796732" cy="0"/>
             </a:xfrm>
             <a:custGeom>
@@ -37710,7 +37710,7 @@
           </p:nvSpPr>
           <p:spPr>
             <a:xfrm>
-              <a:off x="7192078" y="4144827"/>
+              <a:off x="7192078" y="4144819"/>
               <a:ext cx="2796732" cy="0"/>
             </a:xfrm>
             <a:custGeom>
@@ -37753,7 +37753,7 @@
           </p:nvSpPr>
           <p:spPr>
             <a:xfrm>
-              <a:off x="7192078" y="3805379"/>
+              <a:off x="7192078" y="3805374"/>
               <a:ext cx="2796732" cy="0"/>
             </a:xfrm>
             <a:custGeom>
@@ -37796,7 +37796,7 @@
           </p:nvSpPr>
           <p:spPr>
             <a:xfrm>
-              <a:off x="7192078" y="3465931"/>
+              <a:off x="7192078" y="3465928"/>
               <a:ext cx="2796732" cy="0"/>
             </a:xfrm>
             <a:custGeom>
@@ -37839,7 +37839,7 @@
           </p:nvSpPr>
           <p:spPr>
             <a:xfrm>
-              <a:off x="7192078" y="4653999"/>
+              <a:off x="7192078" y="4653987"/>
               <a:ext cx="2796732" cy="0"/>
             </a:xfrm>
             <a:custGeom>
@@ -37882,7 +37882,7 @@
           </p:nvSpPr>
           <p:spPr>
             <a:xfrm>
-              <a:off x="7192078" y="4314551"/>
+              <a:off x="7192078" y="4314542"/>
               <a:ext cx="2796732" cy="0"/>
             </a:xfrm>
             <a:custGeom>
@@ -37925,7 +37925,7 @@
           </p:nvSpPr>
           <p:spPr>
             <a:xfrm>
-              <a:off x="7192078" y="3975103"/>
+              <a:off x="7192078" y="3975096"/>
               <a:ext cx="2796732" cy="0"/>
             </a:xfrm>
             <a:custGeom>
@@ -37968,7 +37968,7 @@
           </p:nvSpPr>
           <p:spPr>
             <a:xfrm>
-              <a:off x="7192078" y="3635655"/>
+              <a:off x="7192078" y="3635651"/>
               <a:ext cx="2796732" cy="0"/>
             </a:xfrm>
             <a:custGeom>
@@ -38140,7 +38140,7 @@
           </p:nvSpPr>
           <p:spPr>
             <a:xfrm>
-              <a:off x="7825586" y="4223621"/>
+              <a:off x="7622478" y="4223584"/>
               <a:ext cx="63202" cy="63202"/>
             </a:xfrm>
             <a:custGeom>
@@ -38183,7 +38183,7 @@
           </p:nvSpPr>
           <p:spPr>
             <a:xfrm>
-              <a:off x="7400961" y="4107855"/>
+              <a:off x="7498585" y="4107847"/>
               <a:ext cx="63202" cy="63202"/>
             </a:xfrm>
             <a:custGeom>
@@ -38226,7 +38226,7 @@
           </p:nvSpPr>
           <p:spPr>
             <a:xfrm>
-              <a:off x="7575015" y="4334387"/>
+              <a:off x="7650601" y="4334391"/>
               <a:ext cx="63202" cy="63202"/>
             </a:xfrm>
             <a:custGeom>
@@ -38269,7 +38269,7 @@
           </p:nvSpPr>
           <p:spPr>
             <a:xfrm>
-              <a:off x="7457397" y="4222712"/>
+              <a:off x="7897713" y="4222697"/>
               <a:ext cx="63202" cy="63202"/>
             </a:xfrm>
             <a:custGeom>
@@ -38312,7 +38312,7 @@
           </p:nvSpPr>
           <p:spPr>
             <a:xfrm>
-              <a:off x="7674195" y="4316423"/>
+              <a:off x="7898445" y="4316408"/>
               <a:ext cx="63202" cy="63202"/>
             </a:xfrm>
             <a:custGeom>
@@ -38355,7 +38355,7 @@
           </p:nvSpPr>
           <p:spPr>
             <a:xfrm>
-              <a:off x="7799836" y="4171425"/>
+              <a:off x="7465833" y="4171405"/>
               <a:ext cx="63202" cy="63202"/>
             </a:xfrm>
             <a:custGeom>
@@ -38398,7 +38398,7 @@
           </p:nvSpPr>
           <p:spPr>
             <a:xfrm>
-              <a:off x="7983063" y="4142680"/>
+              <a:off x="7379291" y="4142671"/>
               <a:ext cx="63202" cy="63202"/>
             </a:xfrm>
             <a:custGeom>
@@ -38441,7 +38441,7 @@
           </p:nvSpPr>
           <p:spPr>
             <a:xfrm>
-              <a:off x="7768921" y="4228987"/>
+              <a:off x="7615725" y="4228965"/>
               <a:ext cx="63202" cy="63202"/>
             </a:xfrm>
             <a:custGeom>
@@ -38484,7 +38484,7 @@
           </p:nvSpPr>
           <p:spPr>
             <a:xfrm>
-              <a:off x="7362375" y="4273493"/>
+              <a:off x="7922050" y="4273507"/>
               <a:ext cx="63202" cy="63202"/>
             </a:xfrm>
             <a:custGeom>
@@ -38527,7 +38527,7 @@
           </p:nvSpPr>
           <p:spPr>
             <a:xfrm>
-              <a:off x="7677484" y="4117782"/>
+              <a:off x="7504675" y="4117784"/>
               <a:ext cx="63202" cy="63202"/>
             </a:xfrm>
             <a:custGeom>
@@ -38570,7 +38570,7 @@
           </p:nvSpPr>
           <p:spPr>
             <a:xfrm>
-              <a:off x="7794921" y="4095256"/>
+              <a:off x="7350418" y="4095207"/>
               <a:ext cx="63202" cy="63202"/>
             </a:xfrm>
             <a:custGeom>
@@ -38613,7 +38613,7 @@
           </p:nvSpPr>
           <p:spPr>
             <a:xfrm>
-              <a:off x="7401990" y="4183286"/>
+              <a:off x="7836105" y="4183262"/>
               <a:ext cx="63202" cy="63202"/>
             </a:xfrm>
             <a:custGeom>
@@ -38656,7 +38656,7 @@
           </p:nvSpPr>
           <p:spPr>
             <a:xfrm>
-              <a:off x="7792579" y="4095925"/>
+              <a:off x="7812559" y="4095931"/>
               <a:ext cx="63202" cy="63202"/>
             </a:xfrm>
             <a:custGeom>
@@ -38699,7 +38699,7 @@
           </p:nvSpPr>
           <p:spPr>
             <a:xfrm>
-              <a:off x="7474543" y="4141630"/>
+              <a:off x="7624587" y="4141617"/>
               <a:ext cx="63202" cy="63202"/>
             </a:xfrm>
             <a:custGeom>
@@ -40194,7 +40194,7 @@
           </p:nvSpPr>
           <p:spPr>
             <a:xfrm>
-              <a:off x="1210339" y="2686974"/>
+              <a:off x="1210339" y="2686963"/>
               <a:ext cx="186466" cy="81691"/>
             </a:xfrm>
             <a:prstGeom prst="rect">
@@ -40240,7 +40240,7 @@
           </p:nvSpPr>
           <p:spPr>
             <a:xfrm>
-              <a:off x="1148183" y="2347526"/>
+              <a:off x="1148183" y="2347518"/>
               <a:ext cx="248622" cy="81691"/>
             </a:xfrm>
             <a:prstGeom prst="rect">
@@ -40286,7 +40286,7 @@
           </p:nvSpPr>
           <p:spPr>
             <a:xfrm>
-              <a:off x="1148183" y="2008078"/>
+              <a:off x="1148183" y="2008072"/>
               <a:ext cx="248622" cy="81691"/>
             </a:xfrm>
             <a:prstGeom prst="rect">
@@ -40332,7 +40332,7 @@
           </p:nvSpPr>
           <p:spPr>
             <a:xfrm>
-              <a:off x="1148183" y="1668630"/>
+              <a:off x="1148183" y="1668627"/>
               <a:ext cx="248622" cy="81691"/>
             </a:xfrm>
             <a:prstGeom prst="rect">
@@ -40378,7 +40378,7 @@
           </p:nvSpPr>
           <p:spPr>
             <a:xfrm>
-              <a:off x="1424641" y="2728666"/>
+              <a:off x="1424641" y="2728655"/>
               <a:ext cx="34794" cy="0"/>
             </a:xfrm>
             <a:custGeom>
@@ -40418,7 +40418,7 @@
           </p:nvSpPr>
           <p:spPr>
             <a:xfrm>
-              <a:off x="1424641" y="2389218"/>
+              <a:off x="1424641" y="2389209"/>
               <a:ext cx="34794" cy="0"/>
             </a:xfrm>
             <a:custGeom>
@@ -40458,7 +40458,7 @@
           </p:nvSpPr>
           <p:spPr>
             <a:xfrm>
-              <a:off x="1424641" y="2049770"/>
+              <a:off x="1424641" y="2049764"/>
               <a:ext cx="34794" cy="0"/>
             </a:xfrm>
             <a:custGeom>
@@ -40498,7 +40498,7 @@
           </p:nvSpPr>
           <p:spPr>
             <a:xfrm>
-              <a:off x="1424641" y="1710322"/>
+              <a:off x="1424641" y="1710318"/>
               <a:ext cx="34794" cy="0"/>
             </a:xfrm>
             <a:custGeom>
@@ -40538,7 +40538,7 @@
           </p:nvSpPr>
           <p:spPr>
             <a:xfrm>
-              <a:off x="1210339" y="4612307"/>
+              <a:off x="1210339" y="4612296"/>
               <a:ext cx="186466" cy="81691"/>
             </a:xfrm>
             <a:prstGeom prst="rect">
@@ -40584,7 +40584,7 @@
           </p:nvSpPr>
           <p:spPr>
             <a:xfrm>
-              <a:off x="1148183" y="4272859"/>
+              <a:off x="1148183" y="4272850"/>
               <a:ext cx="248622" cy="81691"/>
             </a:xfrm>
             <a:prstGeom prst="rect">
@@ -40630,7 +40630,7 @@
           </p:nvSpPr>
           <p:spPr>
             <a:xfrm>
-              <a:off x="1148183" y="3933411"/>
+              <a:off x="1148183" y="3933405"/>
               <a:ext cx="248622" cy="81691"/>
             </a:xfrm>
             <a:prstGeom prst="rect">
@@ -40676,7 +40676,7 @@
           </p:nvSpPr>
           <p:spPr>
             <a:xfrm>
-              <a:off x="1148183" y="3593963"/>
+              <a:off x="1148183" y="3593959"/>
               <a:ext cx="248622" cy="81691"/>
             </a:xfrm>
             <a:prstGeom prst="rect">
@@ -40722,7 +40722,7 @@
           </p:nvSpPr>
           <p:spPr>
             <a:xfrm>
-              <a:off x="1424641" y="4653999"/>
+              <a:off x="1424641" y="4653987"/>
               <a:ext cx="34794" cy="0"/>
             </a:xfrm>
             <a:custGeom>
@@ -40762,7 +40762,7 @@
           </p:nvSpPr>
           <p:spPr>
             <a:xfrm>
-              <a:off x="1424641" y="4314551"/>
+              <a:off x="1424641" y="4314542"/>
               <a:ext cx="34794" cy="0"/>
             </a:xfrm>
             <a:custGeom>
@@ -40802,7 +40802,7 @@
           </p:nvSpPr>
           <p:spPr>
             <a:xfrm>
-              <a:off x="1424641" y="3975103"/>
+              <a:off x="1424641" y="3975096"/>
               <a:ext cx="34794" cy="0"/>
             </a:xfrm>
             <a:custGeom>
@@ -40842,7 +40842,7 @@
           </p:nvSpPr>
           <p:spPr>
             <a:xfrm>
-              <a:off x="1424641" y="3635655"/>
+              <a:off x="1424641" y="3635651"/>
               <a:ext cx="34794" cy="0"/>
             </a:xfrm>
             <a:custGeom>
@@ -40882,7 +40882,7 @@
           </p:nvSpPr>
           <p:spPr>
             <a:xfrm>
-              <a:off x="1210339" y="6537639"/>
+              <a:off x="1210339" y="6537628"/>
               <a:ext cx="186466" cy="81691"/>
             </a:xfrm>
             <a:prstGeom prst="rect">
@@ -40928,7 +40928,7 @@
           </p:nvSpPr>
           <p:spPr>
             <a:xfrm>
-              <a:off x="1148183" y="6198191"/>
+              <a:off x="1148183" y="6198183"/>
               <a:ext cx="248622" cy="81691"/>
             </a:xfrm>
             <a:prstGeom prst="rect">
@@ -40974,7 +40974,7 @@
           </p:nvSpPr>
           <p:spPr>
             <a:xfrm>
-              <a:off x="1148183" y="5858743"/>
+              <a:off x="1148183" y="5858737"/>
               <a:ext cx="248622" cy="81691"/>
             </a:xfrm>
             <a:prstGeom prst="rect">
@@ -41020,7 +41020,7 @@
           </p:nvSpPr>
           <p:spPr>
             <a:xfrm>
-              <a:off x="1148183" y="5519295"/>
+              <a:off x="1148183" y="5519292"/>
               <a:ext cx="248622" cy="81691"/>
             </a:xfrm>
             <a:prstGeom prst="rect">
@@ -41066,7 +41066,7 @@
           </p:nvSpPr>
           <p:spPr>
             <a:xfrm>
-              <a:off x="1424641" y="6579331"/>
+              <a:off x="1424641" y="6579320"/>
               <a:ext cx="34794" cy="0"/>
             </a:xfrm>
             <a:custGeom>
@@ -41106,7 +41106,7 @@
           </p:nvSpPr>
           <p:spPr>
             <a:xfrm>
-              <a:off x="1424641" y="6239883"/>
+              <a:off x="1424641" y="6239874"/>
               <a:ext cx="34794" cy="0"/>
             </a:xfrm>
             <a:custGeom>
@@ -41146,7 +41146,7 @@
           </p:nvSpPr>
           <p:spPr>
             <a:xfrm>
-              <a:off x="1424641" y="5900435"/>
+              <a:off x="1424641" y="5900429"/>
               <a:ext cx="34794" cy="0"/>
             </a:xfrm>
             <a:custGeom>
@@ -41186,7 +41186,7 @@
           </p:nvSpPr>
           <p:spPr>
             <a:xfrm>
-              <a:off x="1424641" y="5560987"/>
+              <a:off x="1424641" y="5560983"/>
               <a:ext cx="34794" cy="0"/>
             </a:xfrm>
             <a:custGeom>

--- a/Images/Figures_PPT/Jitter_Plot_TOR_Domain.pptx
+++ b/Images/Figures_PPT/Jitter_Plot_TOR_Domain.pptx
@@ -2359,7 +2359,7 @@
           </p:nvSpPr>
           <p:spPr>
             <a:xfrm>
-              <a:off x="1459435" y="2898377"/>
+              <a:off x="1459435" y="2898347"/>
               <a:ext cx="2796732" cy="0"/>
             </a:xfrm>
             <a:custGeom>
@@ -2402,7 +2402,7 @@
           </p:nvSpPr>
           <p:spPr>
             <a:xfrm>
-              <a:off x="1459435" y="2558932"/>
+              <a:off x="1459435" y="2558904"/>
               <a:ext cx="2796732" cy="0"/>
             </a:xfrm>
             <a:custGeom>
@@ -2445,7 +2445,7 @@
           </p:nvSpPr>
           <p:spPr>
             <a:xfrm>
-              <a:off x="1459435" y="2219487"/>
+              <a:off x="1459435" y="2219461"/>
               <a:ext cx="2796732" cy="0"/>
             </a:xfrm>
             <a:custGeom>
@@ -2488,7 +2488,7 @@
           </p:nvSpPr>
           <p:spPr>
             <a:xfrm>
-              <a:off x="1459435" y="1880041"/>
+              <a:off x="1459435" y="1880018"/>
               <a:ext cx="2796732" cy="0"/>
             </a:xfrm>
             <a:custGeom>
@@ -2531,7 +2531,7 @@
           </p:nvSpPr>
           <p:spPr>
             <a:xfrm>
-              <a:off x="1459435" y="1540596"/>
+              <a:off x="1459435" y="1540574"/>
               <a:ext cx="2796732" cy="0"/>
             </a:xfrm>
             <a:custGeom>
@@ -2574,7 +2574,7 @@
           </p:nvSpPr>
           <p:spPr>
             <a:xfrm>
-              <a:off x="1459435" y="2728655"/>
+              <a:off x="1459435" y="2728626"/>
               <a:ext cx="2796732" cy="0"/>
             </a:xfrm>
             <a:custGeom>
@@ -2617,7 +2617,7 @@
           </p:nvSpPr>
           <p:spPr>
             <a:xfrm>
-              <a:off x="1459435" y="2389209"/>
+              <a:off x="1459435" y="2389182"/>
               <a:ext cx="2796732" cy="0"/>
             </a:xfrm>
             <a:custGeom>
@@ -2660,7 +2660,7 @@
           </p:nvSpPr>
           <p:spPr>
             <a:xfrm>
-              <a:off x="1459435" y="2049764"/>
+              <a:off x="1459435" y="2049739"/>
               <a:ext cx="2796732" cy="0"/>
             </a:xfrm>
             <a:custGeom>
@@ -2703,7 +2703,7 @@
           </p:nvSpPr>
           <p:spPr>
             <a:xfrm>
-              <a:off x="1459435" y="1710318"/>
+              <a:off x="1459435" y="1710296"/>
               <a:ext cx="2796732" cy="0"/>
             </a:xfrm>
             <a:custGeom>
@@ -2875,7 +2875,7 @@
           </p:nvSpPr>
           <p:spPr>
             <a:xfrm>
-              <a:off x="2848151" y="2881292"/>
+              <a:off x="2757889" y="2881272"/>
               <a:ext cx="63202" cy="63202"/>
             </a:xfrm>
             <a:custGeom>
@@ -2918,7 +2918,7 @@
           </p:nvSpPr>
           <p:spPr>
             <a:xfrm>
-              <a:off x="2261317" y="2152491"/>
+              <a:off x="2177994" y="2152465"/>
               <a:ext cx="63202" cy="63202"/>
             </a:xfrm>
             <a:custGeom>
@@ -2961,7 +2961,7 @@
           </p:nvSpPr>
           <p:spPr>
             <a:xfrm>
-              <a:off x="1857906" y="2400725"/>
+              <a:off x="2162226" y="2400696"/>
               <a:ext cx="63202" cy="63202"/>
             </a:xfrm>
             <a:custGeom>
@@ -3004,7 +3004,7 @@
           </p:nvSpPr>
           <p:spPr>
             <a:xfrm>
-              <a:off x="2984597" y="2878657"/>
+              <a:off x="2666902" y="2878631"/>
               <a:ext cx="63202" cy="63202"/>
             </a:xfrm>
             <a:custGeom>
@@ -3047,7 +3047,7 @@
           </p:nvSpPr>
           <p:spPr>
             <a:xfrm>
-              <a:off x="1783477" y="2697457"/>
+              <a:off x="1988896" y="2697422"/>
               <a:ext cx="63202" cy="63202"/>
             </a:xfrm>
             <a:custGeom>
@@ -3090,7 +3090,7 @@
           </p:nvSpPr>
           <p:spPr>
             <a:xfrm>
-              <a:off x="1792608" y="2733416"/>
+              <a:off x="1664829" y="2733405"/>
               <a:ext cx="63202" cy="63202"/>
             </a:xfrm>
             <a:custGeom>
@@ -3133,7 +3133,7 @@
           </p:nvSpPr>
           <p:spPr>
             <a:xfrm>
-              <a:off x="1787621" y="2063700"/>
+              <a:off x="1685453" y="2063681"/>
               <a:ext cx="63202" cy="63202"/>
             </a:xfrm>
             <a:custGeom>
@@ -3176,7 +3176,7 @@
           </p:nvSpPr>
           <p:spPr>
             <a:xfrm>
-              <a:off x="1855305" y="2292765"/>
+              <a:off x="1992935" y="2292721"/>
               <a:ext cx="63202" cy="63202"/>
             </a:xfrm>
             <a:custGeom>
@@ -3219,7 +3219,7 @@
           </p:nvSpPr>
           <p:spPr>
             <a:xfrm>
-              <a:off x="1607936" y="2542961"/>
+              <a:off x="1666550" y="2542891"/>
               <a:ext cx="63202" cy="63202"/>
             </a:xfrm>
             <a:custGeom>
@@ -3262,7 +3262,7 @@
           </p:nvSpPr>
           <p:spPr>
             <a:xfrm>
-              <a:off x="2130658" y="2250861"/>
+              <a:off x="2283087" y="2250882"/>
               <a:ext cx="63202" cy="63202"/>
             </a:xfrm>
             <a:custGeom>
@@ -3305,7 +3305,7 @@
           </p:nvSpPr>
           <p:spPr>
             <a:xfrm>
-              <a:off x="1964693" y="2720053"/>
+              <a:off x="1825966" y="2720015"/>
               <a:ext cx="63202" cy="63202"/>
             </a:xfrm>
             <a:custGeom>
@@ -3348,7 +3348,7 @@
           </p:nvSpPr>
           <p:spPr>
             <a:xfrm>
-              <a:off x="2769231" y="2923626"/>
+              <a:off x="3113688" y="2923560"/>
               <a:ext cx="63202" cy="63202"/>
             </a:xfrm>
             <a:custGeom>
@@ -3391,7 +3391,7 @@
           </p:nvSpPr>
           <p:spPr>
             <a:xfrm>
-              <a:off x="1852616" y="2292569"/>
+              <a:off x="1949862" y="2292552"/>
               <a:ext cx="63202" cy="63202"/>
             </a:xfrm>
             <a:custGeom>
@@ -3434,7 +3434,7 @@
           </p:nvSpPr>
           <p:spPr>
             <a:xfrm>
-              <a:off x="1987103" y="2732581"/>
+              <a:off x="1882111" y="2732515"/>
               <a:ext cx="63202" cy="63202"/>
             </a:xfrm>
             <a:custGeom>
@@ -3477,7 +3477,7 @@
           </p:nvSpPr>
           <p:spPr>
             <a:xfrm>
-              <a:off x="1971560" y="2574083"/>
+              <a:off x="2276012" y="2574061"/>
               <a:ext cx="63202" cy="63202"/>
             </a:xfrm>
             <a:custGeom>
@@ -3520,7 +3520,7 @@
           </p:nvSpPr>
           <p:spPr>
             <a:xfrm>
-              <a:off x="1819246" y="2542924"/>
+              <a:off x="1665639" y="2542925"/>
               <a:ext cx="63202" cy="63202"/>
             </a:xfrm>
             <a:custGeom>
@@ -3563,7 +3563,7 @@
           </p:nvSpPr>
           <p:spPr>
             <a:xfrm>
-              <a:off x="2061053" y="2734962"/>
+              <a:off x="2214090" y="2734900"/>
               <a:ext cx="63202" cy="63202"/>
             </a:xfrm>
             <a:custGeom>
@@ -3606,7 +3606,7 @@
           </p:nvSpPr>
           <p:spPr>
             <a:xfrm>
-              <a:off x="2624999" y="2914658"/>
+              <a:off x="2491456" y="2914591"/>
               <a:ext cx="63202" cy="63202"/>
             </a:xfrm>
             <a:custGeom>
@@ -3649,7 +3649,7 @@
           </p:nvSpPr>
           <p:spPr>
             <a:xfrm>
-              <a:off x="1903115" y="2811761"/>
+              <a:off x="1876715" y="2811775"/>
               <a:ext cx="63202" cy="63202"/>
             </a:xfrm>
             <a:custGeom>
@@ -3692,7 +3692,7 @@
           </p:nvSpPr>
           <p:spPr>
             <a:xfrm>
-              <a:off x="2021935" y="2250878"/>
+              <a:off x="2285548" y="2250871"/>
               <a:ext cx="63202" cy="63202"/>
             </a:xfrm>
             <a:custGeom>
@@ -3735,7 +3735,7 @@
           </p:nvSpPr>
           <p:spPr>
             <a:xfrm>
-              <a:off x="2295244" y="2531563"/>
+              <a:off x="1698638" y="2531497"/>
               <a:ext cx="63202" cy="63202"/>
             </a:xfrm>
             <a:custGeom>
@@ -3778,7 +3778,7 @@
           </p:nvSpPr>
           <p:spPr>
             <a:xfrm>
-              <a:off x="1867873" y="2736366"/>
+              <a:off x="1858403" y="2736334"/>
               <a:ext cx="63202" cy="63202"/>
             </a:xfrm>
             <a:custGeom>
@@ -3821,7 +3821,7 @@
           </p:nvSpPr>
           <p:spPr>
             <a:xfrm>
-              <a:off x="1984842" y="2293977"/>
+              <a:off x="2190384" y="2293958"/>
               <a:ext cx="63202" cy="63202"/>
             </a:xfrm>
             <a:custGeom>
@@ -3864,7 +3864,7 @@
           </p:nvSpPr>
           <p:spPr>
             <a:xfrm>
-              <a:off x="2141303" y="2752998"/>
+              <a:off x="1872305" y="2752945"/>
               <a:ext cx="63202" cy="63202"/>
             </a:xfrm>
             <a:custGeom>
@@ -3907,7 +3907,7 @@
           </p:nvSpPr>
           <p:spPr>
             <a:xfrm>
-              <a:off x="2170708" y="2675453"/>
+              <a:off x="1609807" y="2675441"/>
               <a:ext cx="63202" cy="63202"/>
             </a:xfrm>
             <a:custGeom>
@@ -3950,7 +3950,7 @@
           </p:nvSpPr>
           <p:spPr>
             <a:xfrm>
-              <a:off x="2259633" y="2542588"/>
+              <a:off x="2003348" y="2542597"/>
               <a:ext cx="63202" cy="63202"/>
             </a:xfrm>
             <a:custGeom>
@@ -3993,7 +3993,7 @@
           </p:nvSpPr>
           <p:spPr>
             <a:xfrm>
-              <a:off x="2141567" y="2543547"/>
+              <a:off x="1824937" y="2543507"/>
               <a:ext cx="63202" cy="63202"/>
             </a:xfrm>
             <a:custGeom>
@@ -4036,7 +4036,7 @@
           </p:nvSpPr>
           <p:spPr>
             <a:xfrm>
-              <a:off x="1860794" y="2543262"/>
+              <a:off x="2074981" y="2543277"/>
               <a:ext cx="63202" cy="63202"/>
             </a:xfrm>
             <a:custGeom>
@@ -4079,7 +4079,7 @@
           </p:nvSpPr>
           <p:spPr>
             <a:xfrm>
-              <a:off x="1765907" y="2543775"/>
+              <a:off x="1742009" y="2543754"/>
               <a:ext cx="63202" cy="63202"/>
             </a:xfrm>
             <a:custGeom>
@@ -4122,7 +4122,7 @@
           </p:nvSpPr>
           <p:spPr>
             <a:xfrm>
-              <a:off x="2034302" y="2541904"/>
+              <a:off x="1763485" y="2541925"/>
               <a:ext cx="63202" cy="63202"/>
             </a:xfrm>
             <a:custGeom>
@@ -4165,7 +4165,7 @@
           </p:nvSpPr>
           <p:spPr>
             <a:xfrm>
-              <a:off x="1849668" y="2543363"/>
+              <a:off x="1961501" y="2543319"/>
               <a:ext cx="63202" cy="63202"/>
             </a:xfrm>
             <a:custGeom>
@@ -4208,7 +4208,7 @@
           </p:nvSpPr>
           <p:spPr>
             <a:xfrm>
-              <a:off x="1618387" y="2541913"/>
+              <a:off x="1856833" y="2541912"/>
               <a:ext cx="63202" cy="63202"/>
             </a:xfrm>
             <a:custGeom>
@@ -4251,7 +4251,7 @@
           </p:nvSpPr>
           <p:spPr>
             <a:xfrm>
-              <a:off x="1711403" y="2541021"/>
+              <a:off x="2076750" y="2541011"/>
               <a:ext cx="63202" cy="63202"/>
             </a:xfrm>
             <a:custGeom>
@@ -4294,7 +4294,7 @@
           </p:nvSpPr>
           <p:spPr>
             <a:xfrm>
-              <a:off x="1874522" y="2542934"/>
+              <a:off x="2243004" y="2542893"/>
               <a:ext cx="63202" cy="63202"/>
             </a:xfrm>
             <a:custGeom>
@@ -4337,7 +4337,7 @@
           </p:nvSpPr>
           <p:spPr>
             <a:xfrm>
-              <a:off x="1640521" y="2819335"/>
+              <a:off x="1748335" y="2819298"/>
               <a:ext cx="63202" cy="63202"/>
             </a:xfrm>
             <a:custGeom>
@@ -4380,7 +4380,7 @@
           </p:nvSpPr>
           <p:spPr>
             <a:xfrm>
-              <a:off x="2822504" y="2845547"/>
+              <a:off x="2909383" y="2845475"/>
               <a:ext cx="63202" cy="63202"/>
             </a:xfrm>
             <a:custGeom>
@@ -4423,7 +4423,7 @@
           </p:nvSpPr>
           <p:spPr>
             <a:xfrm>
-              <a:off x="2886198" y="2890397"/>
+              <a:off x="2778483" y="2890358"/>
               <a:ext cx="63202" cy="63202"/>
             </a:xfrm>
             <a:custGeom>
@@ -4466,7 +4466,7 @@
           </p:nvSpPr>
           <p:spPr>
             <a:xfrm>
-              <a:off x="3614259" y="2946470"/>
+              <a:off x="3538812" y="2946436"/>
               <a:ext cx="63202" cy="63202"/>
             </a:xfrm>
             <a:custGeom>
@@ -4509,7 +4509,7 @@
           </p:nvSpPr>
           <p:spPr>
             <a:xfrm>
-              <a:off x="3078304" y="2910628"/>
+              <a:off x="2825831" y="2910620"/>
               <a:ext cx="63202" cy="63202"/>
             </a:xfrm>
             <a:custGeom>
@@ -4552,7 +4552,7 @@
           </p:nvSpPr>
           <p:spPr>
             <a:xfrm>
-              <a:off x="2770956" y="2866170"/>
+              <a:off x="2534456" y="2866109"/>
               <a:ext cx="63202" cy="63202"/>
             </a:xfrm>
             <a:custGeom>
@@ -4595,7 +4595,7 @@
           </p:nvSpPr>
           <p:spPr>
             <a:xfrm>
-              <a:off x="2754617" y="2920113"/>
+              <a:off x="3108842" y="2920109"/>
               <a:ext cx="63202" cy="63202"/>
             </a:xfrm>
             <a:custGeom>
@@ -4638,7 +4638,7 @@
           </p:nvSpPr>
           <p:spPr>
             <a:xfrm>
-              <a:off x="2215856" y="2235478"/>
+              <a:off x="1804155" y="2235467"/>
               <a:ext cx="63202" cy="63202"/>
             </a:xfrm>
             <a:custGeom>
@@ -4681,7 +4681,7 @@
           </p:nvSpPr>
           <p:spPr>
             <a:xfrm>
-              <a:off x="3012352" y="2840798"/>
+              <a:off x="2971953" y="2840763"/>
               <a:ext cx="63202" cy="63202"/>
             </a:xfrm>
             <a:custGeom>
@@ -4724,7 +4724,7 @@
           </p:nvSpPr>
           <p:spPr>
             <a:xfrm>
-              <a:off x="2082299" y="2805447"/>
+              <a:off x="2127267" y="2805440"/>
               <a:ext cx="63202" cy="63202"/>
             </a:xfrm>
             <a:custGeom>
@@ -4767,7 +4767,7 @@
           </p:nvSpPr>
           <p:spPr>
             <a:xfrm>
-              <a:off x="1731781" y="2368820"/>
+              <a:off x="2107090" y="2368756"/>
               <a:ext cx="63202" cy="63202"/>
             </a:xfrm>
             <a:custGeom>
@@ -4810,7 +4810,7 @@
           </p:nvSpPr>
           <p:spPr>
             <a:xfrm>
-              <a:off x="1921725" y="2735803"/>
+              <a:off x="1809407" y="2735811"/>
               <a:ext cx="63202" cy="63202"/>
             </a:xfrm>
             <a:custGeom>
@@ -4853,7 +4853,7 @@
           </p:nvSpPr>
           <p:spPr>
             <a:xfrm>
-              <a:off x="2205537" y="2726469"/>
+              <a:off x="1963535" y="2726436"/>
               <a:ext cx="63202" cy="63202"/>
             </a:xfrm>
             <a:custGeom>
@@ -4896,7 +4896,7 @@
           </p:nvSpPr>
           <p:spPr>
             <a:xfrm>
-              <a:off x="1858936" y="2740761"/>
+              <a:off x="1715225" y="2740769"/>
               <a:ext cx="63202" cy="63202"/>
             </a:xfrm>
             <a:custGeom>
@@ -4939,7 +4939,7 @@
           </p:nvSpPr>
           <p:spPr>
             <a:xfrm>
-              <a:off x="1887826" y="2735233"/>
+              <a:off x="1695008" y="2735194"/>
               <a:ext cx="63202" cy="63202"/>
             </a:xfrm>
             <a:custGeom>
@@ -4982,7 +4982,7 @@
           </p:nvSpPr>
           <p:spPr>
             <a:xfrm>
-              <a:off x="1885523" y="2817085"/>
+              <a:off x="1934169" y="2817030"/>
               <a:ext cx="63202" cy="63202"/>
             </a:xfrm>
             <a:custGeom>
@@ -5025,7 +5025,7 @@
           </p:nvSpPr>
           <p:spPr>
             <a:xfrm>
-              <a:off x="1679271" y="2504039"/>
+              <a:off x="1643585" y="2504000"/>
               <a:ext cx="63202" cy="63202"/>
             </a:xfrm>
             <a:custGeom>
@@ -5068,7 +5068,7 @@
           </p:nvSpPr>
           <p:spPr>
             <a:xfrm>
-              <a:off x="2008882" y="2482572"/>
+              <a:off x="1879620" y="2482538"/>
               <a:ext cx="63202" cy="63202"/>
             </a:xfrm>
             <a:custGeom>
@@ -5111,7 +5111,7 @@
           </p:nvSpPr>
           <p:spPr>
             <a:xfrm>
-              <a:off x="1863883" y="2818375"/>
+              <a:off x="1838668" y="2818330"/>
               <a:ext cx="63202" cy="63202"/>
             </a:xfrm>
             <a:custGeom>
@@ -5154,7 +5154,7 @@
           </p:nvSpPr>
           <p:spPr>
             <a:xfrm>
-              <a:off x="2600831" y="2930322"/>
+              <a:off x="2799624" y="2930314"/>
               <a:ext cx="63202" cy="63202"/>
             </a:xfrm>
             <a:custGeom>
@@ -5197,7 +5197,7 @@
           </p:nvSpPr>
           <p:spPr>
             <a:xfrm>
-              <a:off x="1942690" y="2730481"/>
+              <a:off x="2066070" y="2730408"/>
               <a:ext cx="63202" cy="63202"/>
             </a:xfrm>
             <a:custGeom>
@@ -5240,7 +5240,7 @@
           </p:nvSpPr>
           <p:spPr>
             <a:xfrm>
-              <a:off x="1666088" y="2734869"/>
+              <a:off x="2135420" y="2734841"/>
               <a:ext cx="63202" cy="63202"/>
             </a:xfrm>
             <a:custGeom>
@@ -5283,7 +5283,7 @@
           </p:nvSpPr>
           <p:spPr>
             <a:xfrm>
-              <a:off x="2182643" y="2737582"/>
+              <a:off x="1743429" y="2737551"/>
               <a:ext cx="63202" cy="63202"/>
             </a:xfrm>
             <a:custGeom>
@@ -5326,7 +5326,7 @@
           </p:nvSpPr>
           <p:spPr>
             <a:xfrm>
-              <a:off x="1785826" y="2735697"/>
+              <a:off x="2185546" y="2735657"/>
               <a:ext cx="63202" cy="63202"/>
             </a:xfrm>
             <a:custGeom>
@@ -5369,7 +5369,7 @@
           </p:nvSpPr>
           <p:spPr>
             <a:xfrm>
-              <a:off x="1678377" y="2554553"/>
+              <a:off x="2026987" y="2554521"/>
               <a:ext cx="63202" cy="63202"/>
             </a:xfrm>
             <a:custGeom>
@@ -5412,7 +5412,7 @@
           </p:nvSpPr>
           <p:spPr>
             <a:xfrm>
-              <a:off x="2226610" y="2250888"/>
+              <a:off x="2230697" y="2250840"/>
               <a:ext cx="63202" cy="63202"/>
             </a:xfrm>
             <a:custGeom>
@@ -5455,7 +5455,7 @@
           </p:nvSpPr>
           <p:spPr>
             <a:xfrm>
-              <a:off x="2032478" y="2236283"/>
+              <a:off x="1849518" y="2236264"/>
               <a:ext cx="63202" cy="63202"/>
             </a:xfrm>
             <a:custGeom>
@@ -5498,7 +5498,7 @@
           </p:nvSpPr>
           <p:spPr>
             <a:xfrm>
-              <a:off x="2202027" y="2715507"/>
+              <a:off x="2131334" y="2715481"/>
               <a:ext cx="63202" cy="63202"/>
             </a:xfrm>
             <a:custGeom>
@@ -5541,7 +5541,7 @@
           </p:nvSpPr>
           <p:spPr>
             <a:xfrm>
-              <a:off x="2640959" y="2878786"/>
+              <a:off x="2930835" y="2878764"/>
               <a:ext cx="63202" cy="63202"/>
             </a:xfrm>
             <a:custGeom>
@@ -5584,7 +5584,7 @@
           </p:nvSpPr>
           <p:spPr>
             <a:xfrm>
-              <a:off x="2818632" y="2866546"/>
+              <a:off x="2807819" y="2866560"/>
               <a:ext cx="63202" cy="63202"/>
             </a:xfrm>
             <a:custGeom>
@@ -5627,7 +5627,7 @@
           </p:nvSpPr>
           <p:spPr>
             <a:xfrm>
-              <a:off x="1990000" y="2809186"/>
+              <a:off x="2268373" y="2809171"/>
               <a:ext cx="63202" cy="63202"/>
             </a:xfrm>
             <a:custGeom>
@@ -5670,7 +5670,7 @@
           </p:nvSpPr>
           <p:spPr>
             <a:xfrm>
-              <a:off x="2236681" y="2711392"/>
+              <a:off x="1788825" y="2711374"/>
               <a:ext cx="63202" cy="63202"/>
             </a:xfrm>
             <a:custGeom>
@@ -5713,7 +5713,7 @@
           </p:nvSpPr>
           <p:spPr>
             <a:xfrm>
-              <a:off x="1627944" y="2798548"/>
+              <a:off x="1656835" y="2798504"/>
               <a:ext cx="63202" cy="63202"/>
             </a:xfrm>
             <a:custGeom>
@@ -5756,7 +5756,7 @@
           </p:nvSpPr>
           <p:spPr>
             <a:xfrm>
-              <a:off x="1925251" y="2808596"/>
+              <a:off x="2130477" y="2808589"/>
               <a:ext cx="63202" cy="63202"/>
             </a:xfrm>
             <a:custGeom>
@@ -5799,7 +5799,7 @@
           </p:nvSpPr>
           <p:spPr>
             <a:xfrm>
-              <a:off x="2230035" y="2736362"/>
+              <a:off x="1620188" y="2736339"/>
               <a:ext cx="63202" cy="63202"/>
             </a:xfrm>
             <a:custGeom>
@@ -5842,7 +5842,7 @@
           </p:nvSpPr>
           <p:spPr>
             <a:xfrm>
-              <a:off x="2100353" y="2739572"/>
+              <a:off x="1694281" y="2739499"/>
               <a:ext cx="63202" cy="63202"/>
             </a:xfrm>
             <a:custGeom>
@@ -5885,7 +5885,7 @@
           </p:nvSpPr>
           <p:spPr>
             <a:xfrm>
-              <a:off x="2716817" y="2834984"/>
+              <a:off x="2904733" y="2834954"/>
               <a:ext cx="63202" cy="63202"/>
             </a:xfrm>
             <a:custGeom>
@@ -5928,7 +5928,7 @@
           </p:nvSpPr>
           <p:spPr>
             <a:xfrm>
-              <a:off x="1975882" y="2230665"/>
+              <a:off x="1739448" y="2230654"/>
               <a:ext cx="63202" cy="63202"/>
             </a:xfrm>
             <a:custGeom>
@@ -5971,7 +5971,7 @@
           </p:nvSpPr>
           <p:spPr>
             <a:xfrm>
-              <a:off x="2244226" y="2232962"/>
+              <a:off x="1681809" y="2232956"/>
               <a:ext cx="63202" cy="63202"/>
             </a:xfrm>
             <a:custGeom>
@@ -6014,7 +6014,7 @@
           </p:nvSpPr>
           <p:spPr>
             <a:xfrm>
-              <a:off x="2256324" y="2237124"/>
+              <a:off x="1753386" y="2237076"/>
               <a:ext cx="63202" cy="63202"/>
             </a:xfrm>
             <a:custGeom>
@@ -6057,7 +6057,7 @@
           </p:nvSpPr>
           <p:spPr>
             <a:xfrm>
-              <a:off x="2179331" y="2747552"/>
+              <a:off x="2189115" y="2747537"/>
               <a:ext cx="63202" cy="63202"/>
             </a:xfrm>
             <a:custGeom>
@@ -6100,7 +6100,7 @@
           </p:nvSpPr>
           <p:spPr>
             <a:xfrm>
-              <a:off x="2124807" y="2749045"/>
+              <a:off x="2181139" y="2749017"/>
               <a:ext cx="63202" cy="63202"/>
             </a:xfrm>
             <a:custGeom>
@@ -6143,7 +6143,7 @@
           </p:nvSpPr>
           <p:spPr>
             <a:xfrm>
-              <a:off x="1736008" y="2509072"/>
+              <a:off x="1784726" y="2509049"/>
               <a:ext cx="63202" cy="63202"/>
             </a:xfrm>
             <a:custGeom>
@@ -6186,7 +6186,7 @@
           </p:nvSpPr>
           <p:spPr>
             <a:xfrm>
-              <a:off x="2028010" y="2786116"/>
+              <a:off x="1834959" y="2786089"/>
               <a:ext cx="63202" cy="63202"/>
             </a:xfrm>
             <a:custGeom>
@@ -6229,7 +6229,7 @@
           </p:nvSpPr>
           <p:spPr>
             <a:xfrm>
-              <a:off x="1906120" y="2270555"/>
+              <a:off x="2022269" y="2270565"/>
               <a:ext cx="63202" cy="63202"/>
             </a:xfrm>
             <a:custGeom>
@@ -6272,7 +6272,7 @@
           </p:nvSpPr>
           <p:spPr>
             <a:xfrm>
-              <a:off x="1870052" y="2763334"/>
+              <a:off x="1685546" y="2763266"/>
               <a:ext cx="63202" cy="63202"/>
             </a:xfrm>
             <a:custGeom>
@@ -6315,7 +6315,7 @@
           </p:nvSpPr>
           <p:spPr>
             <a:xfrm>
-              <a:off x="2050213" y="2641816"/>
+              <a:off x="1781594" y="2641771"/>
               <a:ext cx="63202" cy="63202"/>
             </a:xfrm>
             <a:custGeom>
@@ -6358,7 +6358,7 @@
           </p:nvSpPr>
           <p:spPr>
             <a:xfrm>
-              <a:off x="1807306" y="2728815"/>
+              <a:off x="1629177" y="2728783"/>
               <a:ext cx="63202" cy="63202"/>
             </a:xfrm>
             <a:custGeom>
@@ -6401,7 +6401,7 @@
           </p:nvSpPr>
           <p:spPr>
             <a:xfrm>
-              <a:off x="2006080" y="2236744"/>
+              <a:off x="1617131" y="2236714"/>
               <a:ext cx="63202" cy="63202"/>
             </a:xfrm>
             <a:custGeom>
@@ -6500,7 +6500,7 @@
           </p:nvSpPr>
           <p:spPr>
             <a:xfrm>
-              <a:off x="1459435" y="4823710"/>
+              <a:off x="1459435" y="4823680"/>
               <a:ext cx="2796732" cy="0"/>
             </a:xfrm>
             <a:custGeom>
@@ -6543,7 +6543,7 @@
           </p:nvSpPr>
           <p:spPr>
             <a:xfrm>
-              <a:off x="1459435" y="4484265"/>
+              <a:off x="1459435" y="4484237"/>
               <a:ext cx="2796732" cy="0"/>
             </a:xfrm>
             <a:custGeom>
@@ -6586,7 +6586,7 @@
           </p:nvSpPr>
           <p:spPr>
             <a:xfrm>
-              <a:off x="1459435" y="4144819"/>
+              <a:off x="1459435" y="4144793"/>
               <a:ext cx="2796732" cy="0"/>
             </a:xfrm>
             <a:custGeom>
@@ -6629,7 +6629,7 @@
           </p:nvSpPr>
           <p:spPr>
             <a:xfrm>
-              <a:off x="1459435" y="3805374"/>
+              <a:off x="1459435" y="3805350"/>
               <a:ext cx="2796732" cy="0"/>
             </a:xfrm>
             <a:custGeom>
@@ -6672,7 +6672,7 @@
           </p:nvSpPr>
           <p:spPr>
             <a:xfrm>
-              <a:off x="1459435" y="3465928"/>
+              <a:off x="1459435" y="3465907"/>
               <a:ext cx="2796732" cy="0"/>
             </a:xfrm>
             <a:custGeom>
@@ -6715,7 +6715,7 @@
           </p:nvSpPr>
           <p:spPr>
             <a:xfrm>
-              <a:off x="1459435" y="4653987"/>
+              <a:off x="1459435" y="4653958"/>
               <a:ext cx="2796732" cy="0"/>
             </a:xfrm>
             <a:custGeom>
@@ -6758,7 +6758,7 @@
           </p:nvSpPr>
           <p:spPr>
             <a:xfrm>
-              <a:off x="1459435" y="4314542"/>
+              <a:off x="1459435" y="4314515"/>
               <a:ext cx="2796732" cy="0"/>
             </a:xfrm>
             <a:custGeom>
@@ -6801,7 +6801,7 @@
           </p:nvSpPr>
           <p:spPr>
             <a:xfrm>
-              <a:off x="1459435" y="3975096"/>
+              <a:off x="1459435" y="3975072"/>
               <a:ext cx="2796732" cy="0"/>
             </a:xfrm>
             <a:custGeom>
@@ -6844,7 +6844,7 @@
           </p:nvSpPr>
           <p:spPr>
             <a:xfrm>
-              <a:off x="1459435" y="3635651"/>
+              <a:off x="1459435" y="3635628"/>
               <a:ext cx="2796732" cy="0"/>
             </a:xfrm>
             <a:custGeom>
@@ -7016,7 +7016,7 @@
           </p:nvSpPr>
           <p:spPr>
             <a:xfrm>
-              <a:off x="1625894" y="4329919"/>
+              <a:off x="2216382" y="4329910"/>
               <a:ext cx="63202" cy="63202"/>
             </a:xfrm>
             <a:custGeom>
@@ -7059,7 +7059,7 @@
           </p:nvSpPr>
           <p:spPr>
             <a:xfrm>
-              <a:off x="1616780" y="4476157"/>
+              <a:off x="1991772" y="4476108"/>
               <a:ext cx="63202" cy="63202"/>
             </a:xfrm>
             <a:custGeom>
@@ -7102,7 +7102,7 @@
           </p:nvSpPr>
           <p:spPr>
             <a:xfrm>
-              <a:off x="1625425" y="4328134"/>
+              <a:off x="2265925" y="4328128"/>
               <a:ext cx="63202" cy="63202"/>
             </a:xfrm>
             <a:custGeom>
@@ -7145,7 +7145,7 @@
           </p:nvSpPr>
           <p:spPr>
             <a:xfrm>
-              <a:off x="2274502" y="4339174"/>
+              <a:off x="2181711" y="4339142"/>
               <a:ext cx="63202" cy="63202"/>
             </a:xfrm>
             <a:custGeom>
@@ -7188,7 +7188,7 @@
           </p:nvSpPr>
           <p:spPr>
             <a:xfrm>
-              <a:off x="1811776" y="4332274"/>
+              <a:off x="2063366" y="4332280"/>
               <a:ext cx="63202" cy="63202"/>
             </a:xfrm>
             <a:custGeom>
@@ -7231,7 +7231,7 @@
           </p:nvSpPr>
           <p:spPr>
             <a:xfrm>
-              <a:off x="2153169" y="4541371"/>
+              <a:off x="1772069" y="4541375"/>
               <a:ext cx="63202" cy="63202"/>
             </a:xfrm>
             <a:custGeom>
@@ -7274,7 +7274,7 @@
           </p:nvSpPr>
           <p:spPr>
             <a:xfrm>
-              <a:off x="1717601" y="4394433"/>
+              <a:off x="2005028" y="4394378"/>
               <a:ext cx="63202" cy="63202"/>
             </a:xfrm>
             <a:custGeom>
@@ -7317,7 +7317,7 @@
           </p:nvSpPr>
           <p:spPr>
             <a:xfrm>
-              <a:off x="2071604" y="4425844"/>
+              <a:off x="2257116" y="4425814"/>
               <a:ext cx="63202" cy="63202"/>
             </a:xfrm>
             <a:custGeom>
@@ -7360,7 +7360,7 @@
           </p:nvSpPr>
           <p:spPr>
             <a:xfrm>
-              <a:off x="1943738" y="4492328"/>
+              <a:off x="2024037" y="4492265"/>
               <a:ext cx="63202" cy="63202"/>
             </a:xfrm>
             <a:custGeom>
@@ -7403,7 +7403,7 @@
           </p:nvSpPr>
           <p:spPr>
             <a:xfrm>
-              <a:off x="2275446" y="4423648"/>
+              <a:off x="1963734" y="4423668"/>
               <a:ext cx="63202" cy="63202"/>
             </a:xfrm>
             <a:custGeom>
@@ -7446,7 +7446,7 @@
           </p:nvSpPr>
           <p:spPr>
             <a:xfrm>
-              <a:off x="2277700" y="4413171"/>
+              <a:off x="2034121" y="4413141"/>
               <a:ext cx="63202" cy="63202"/>
             </a:xfrm>
             <a:custGeom>
@@ -7489,7 +7489,7 @@
           </p:nvSpPr>
           <p:spPr>
             <a:xfrm>
-              <a:off x="1648174" y="4609363"/>
+              <a:off x="1758593" y="4609347"/>
               <a:ext cx="63202" cy="63202"/>
             </a:xfrm>
             <a:custGeom>
@@ -7532,7 +7532,7 @@
           </p:nvSpPr>
           <p:spPr>
             <a:xfrm>
-              <a:off x="1795374" y="4189279"/>
+              <a:off x="1792921" y="4189239"/>
               <a:ext cx="63202" cy="63202"/>
             </a:xfrm>
             <a:custGeom>
@@ -7575,7 +7575,7 @@
           </p:nvSpPr>
           <p:spPr>
             <a:xfrm>
-              <a:off x="1981839" y="4508549"/>
+              <a:off x="1721011" y="4508514"/>
               <a:ext cx="63202" cy="63202"/>
             </a:xfrm>
             <a:custGeom>
@@ -7618,7 +7618,7 @@
           </p:nvSpPr>
           <p:spPr>
             <a:xfrm>
-              <a:off x="1726324" y="4577996"/>
+              <a:off x="2169421" y="4577969"/>
               <a:ext cx="63202" cy="63202"/>
             </a:xfrm>
             <a:custGeom>
@@ -7661,7 +7661,7 @@
           </p:nvSpPr>
           <p:spPr>
             <a:xfrm>
-              <a:off x="2151826" y="4086804"/>
+              <a:off x="1821086" y="4086773"/>
               <a:ext cx="63202" cy="63202"/>
             </a:xfrm>
             <a:custGeom>
@@ -7704,7 +7704,7 @@
           </p:nvSpPr>
           <p:spPr>
             <a:xfrm>
-              <a:off x="1904763" y="4481922"/>
+              <a:off x="2169526" y="4481901"/>
               <a:ext cx="63202" cy="63202"/>
             </a:xfrm>
             <a:custGeom>
@@ -7747,7 +7747,7 @@
           </p:nvSpPr>
           <p:spPr>
             <a:xfrm>
-              <a:off x="2288833" y="4147817"/>
+              <a:off x="2075923" y="4147796"/>
               <a:ext cx="63202" cy="63202"/>
             </a:xfrm>
             <a:custGeom>
@@ -7790,7 +7790,7 @@
           </p:nvSpPr>
           <p:spPr>
             <a:xfrm>
-              <a:off x="2015776" y="4491511"/>
+              <a:off x="2059727" y="4491468"/>
               <a:ext cx="63202" cy="63202"/>
             </a:xfrm>
             <a:custGeom>
@@ -7833,7 +7833,7 @@
           </p:nvSpPr>
           <p:spPr>
             <a:xfrm>
-              <a:off x="2238705" y="4492399"/>
+              <a:off x="1743901" y="4492371"/>
               <a:ext cx="63202" cy="63202"/>
             </a:xfrm>
             <a:custGeom>
@@ -7876,7 +7876,7 @@
           </p:nvSpPr>
           <p:spPr>
             <a:xfrm>
-              <a:off x="1925819" y="4368068"/>
+              <a:off x="1661257" y="4368031"/>
               <a:ext cx="63202" cy="63202"/>
             </a:xfrm>
             <a:custGeom>
@@ -7919,7 +7919,7 @@
           </p:nvSpPr>
           <p:spPr>
             <a:xfrm>
-              <a:off x="2128987" y="4418373"/>
+              <a:off x="1691326" y="4418350"/>
               <a:ext cx="63202" cy="63202"/>
             </a:xfrm>
             <a:custGeom>
@@ -8018,7 +8018,7 @@
           </p:nvSpPr>
           <p:spPr>
             <a:xfrm>
-              <a:off x="1459435" y="6749043"/>
+              <a:off x="1459435" y="6749013"/>
               <a:ext cx="2796732" cy="0"/>
             </a:xfrm>
             <a:custGeom>
@@ -8061,7 +8061,7 @@
           </p:nvSpPr>
           <p:spPr>
             <a:xfrm>
-              <a:off x="1459435" y="6409597"/>
+              <a:off x="1459435" y="6409569"/>
               <a:ext cx="2796732" cy="0"/>
             </a:xfrm>
             <a:custGeom>
@@ -8104,7 +8104,7 @@
           </p:nvSpPr>
           <p:spPr>
             <a:xfrm>
-              <a:off x="1459435" y="6070152"/>
+              <a:off x="1459435" y="6070126"/>
               <a:ext cx="2796732" cy="0"/>
             </a:xfrm>
             <a:custGeom>
@@ -8147,7 +8147,7 @@
           </p:nvSpPr>
           <p:spPr>
             <a:xfrm>
-              <a:off x="1459435" y="5730706"/>
+              <a:off x="1459435" y="5730683"/>
               <a:ext cx="2796732" cy="0"/>
             </a:xfrm>
             <a:custGeom>
@@ -8190,7 +8190,7 @@
           </p:nvSpPr>
           <p:spPr>
             <a:xfrm>
-              <a:off x="1459435" y="5391261"/>
+              <a:off x="1459435" y="5391239"/>
               <a:ext cx="2796732" cy="0"/>
             </a:xfrm>
             <a:custGeom>
@@ -8233,7 +8233,7 @@
           </p:nvSpPr>
           <p:spPr>
             <a:xfrm>
-              <a:off x="1459435" y="6579320"/>
+              <a:off x="1459435" y="6579291"/>
               <a:ext cx="2796732" cy="0"/>
             </a:xfrm>
             <a:custGeom>
@@ -8276,7 +8276,7 @@
           </p:nvSpPr>
           <p:spPr>
             <a:xfrm>
-              <a:off x="1459435" y="6239874"/>
+              <a:off x="1459435" y="6239848"/>
               <a:ext cx="2796732" cy="0"/>
             </a:xfrm>
             <a:custGeom>
@@ -8319,7 +8319,7 @@
           </p:nvSpPr>
           <p:spPr>
             <a:xfrm>
-              <a:off x="1459435" y="5900429"/>
+              <a:off x="1459435" y="5900404"/>
               <a:ext cx="2796732" cy="0"/>
             </a:xfrm>
             <a:custGeom>
@@ -8362,7 +8362,7 @@
           </p:nvSpPr>
           <p:spPr>
             <a:xfrm>
-              <a:off x="1459435" y="5560983"/>
+              <a:off x="1459435" y="5560961"/>
               <a:ext cx="2796732" cy="0"/>
             </a:xfrm>
             <a:custGeom>
@@ -8534,7 +8534,7 @@
           </p:nvSpPr>
           <p:spPr>
             <a:xfrm>
-              <a:off x="2053809" y="5532576"/>
+              <a:off x="2282719" y="5532561"/>
               <a:ext cx="63202" cy="63202"/>
             </a:xfrm>
             <a:custGeom>
@@ -8577,7 +8577,7 @@
           </p:nvSpPr>
           <p:spPr>
             <a:xfrm>
-              <a:off x="2085018" y="5559159"/>
+              <a:off x="1768127" y="5559167"/>
               <a:ext cx="63202" cy="63202"/>
             </a:xfrm>
             <a:custGeom>
@@ -8620,7 +8620,7 @@
           </p:nvSpPr>
           <p:spPr>
             <a:xfrm>
-              <a:off x="1754229" y="5486937"/>
+              <a:off x="2069518" y="5486906"/>
               <a:ext cx="63202" cy="63202"/>
             </a:xfrm>
             <a:custGeom>
@@ -8663,7 +8663,7 @@
           </p:nvSpPr>
           <p:spPr>
             <a:xfrm>
-              <a:off x="2244194" y="6103051"/>
+              <a:off x="1805482" y="6103008"/>
               <a:ext cx="63202" cy="63202"/>
             </a:xfrm>
             <a:custGeom>
@@ -8706,7 +8706,7 @@
           </p:nvSpPr>
           <p:spPr>
             <a:xfrm>
-              <a:off x="2073858" y="5991569"/>
+              <a:off x="2021589" y="5991556"/>
               <a:ext cx="63202" cy="63202"/>
             </a:xfrm>
             <a:custGeom>
@@ -8749,7 +8749,7 @@
           </p:nvSpPr>
           <p:spPr>
             <a:xfrm>
-              <a:off x="2047497" y="6021910"/>
+              <a:off x="2281095" y="6021871"/>
               <a:ext cx="63202" cy="63202"/>
             </a:xfrm>
             <a:custGeom>
@@ -8792,7 +8792,7 @@
           </p:nvSpPr>
           <p:spPr>
             <a:xfrm>
-              <a:off x="1865917" y="5889628"/>
+              <a:off x="2043645" y="5889594"/>
               <a:ext cx="63202" cy="63202"/>
             </a:xfrm>
             <a:custGeom>
@@ -8835,7 +8835,7 @@
           </p:nvSpPr>
           <p:spPr>
             <a:xfrm>
-              <a:off x="2241827" y="5865346"/>
+              <a:off x="1983752" y="5865331"/>
               <a:ext cx="63202" cy="63202"/>
             </a:xfrm>
             <a:custGeom>
@@ -8878,7 +8878,7 @@
           </p:nvSpPr>
           <p:spPr>
             <a:xfrm>
-              <a:off x="2164399" y="6374442"/>
+              <a:off x="1800275" y="6374414"/>
               <a:ext cx="63202" cy="63202"/>
             </a:xfrm>
             <a:custGeom>
@@ -8921,7 +8921,7 @@
           </p:nvSpPr>
           <p:spPr>
             <a:xfrm>
-              <a:off x="1947648" y="6368410"/>
+              <a:off x="2156410" y="6368415"/>
               <a:ext cx="63202" cy="63202"/>
             </a:xfrm>
             <a:custGeom>
@@ -8964,7 +8964,7 @@
           </p:nvSpPr>
           <p:spPr>
             <a:xfrm>
-              <a:off x="2195224" y="6029844"/>
+              <a:off x="1674297" y="6029858"/>
               <a:ext cx="63202" cy="63202"/>
             </a:xfrm>
             <a:custGeom>
@@ -9007,7 +9007,7 @@
           </p:nvSpPr>
           <p:spPr>
             <a:xfrm>
-              <a:off x="2029787" y="6165903"/>
+              <a:off x="1762359" y="6165881"/>
               <a:ext cx="63202" cy="63202"/>
             </a:xfrm>
             <a:custGeom>
@@ -9050,7 +9050,7 @@
           </p:nvSpPr>
           <p:spPr>
             <a:xfrm>
-              <a:off x="2003982" y="5960211"/>
+              <a:off x="1660863" y="5960192"/>
               <a:ext cx="63202" cy="63202"/>
             </a:xfrm>
             <a:custGeom>
@@ -9093,7 +9093,7 @@
           </p:nvSpPr>
           <p:spPr>
             <a:xfrm>
-              <a:off x="1638357" y="6053972"/>
+              <a:off x="2117476" y="6053949"/>
               <a:ext cx="63202" cy="63202"/>
             </a:xfrm>
             <a:custGeom>
@@ -9136,7 +9136,7 @@
           </p:nvSpPr>
           <p:spPr>
             <a:xfrm>
-              <a:off x="1901714" y="6291417"/>
+              <a:off x="2190230" y="6291392"/>
               <a:ext cx="63202" cy="63202"/>
             </a:xfrm>
             <a:custGeom>
@@ -9179,7 +9179,7 @@
           </p:nvSpPr>
           <p:spPr>
             <a:xfrm>
-              <a:off x="2231654" y="6048261"/>
+              <a:off x="1892079" y="6048259"/>
               <a:ext cx="63202" cy="63202"/>
             </a:xfrm>
             <a:custGeom>
@@ -9222,7 +9222,7 @@
           </p:nvSpPr>
           <p:spPr>
             <a:xfrm>
-              <a:off x="2241501" y="6101187"/>
+              <a:off x="1638505" y="6101211"/>
               <a:ext cx="63202" cy="63202"/>
             </a:xfrm>
             <a:custGeom>
@@ -9265,7 +9265,7 @@
           </p:nvSpPr>
           <p:spPr>
             <a:xfrm>
-              <a:off x="2207947" y="6056128"/>
+              <a:off x="1971336" y="6056091"/>
               <a:ext cx="63202" cy="63202"/>
             </a:xfrm>
             <a:custGeom>
@@ -9308,7 +9308,7 @@
           </p:nvSpPr>
           <p:spPr>
             <a:xfrm>
-              <a:off x="2137895" y="6028409"/>
+              <a:off x="2192899" y="6028421"/>
               <a:ext cx="63202" cy="63202"/>
             </a:xfrm>
             <a:custGeom>
@@ -9351,7 +9351,7 @@
           </p:nvSpPr>
           <p:spPr>
             <a:xfrm>
-              <a:off x="1633953" y="6068424"/>
+              <a:off x="1783294" y="6068371"/>
               <a:ext cx="63202" cy="63202"/>
             </a:xfrm>
             <a:custGeom>
@@ -9394,7 +9394,7 @@
           </p:nvSpPr>
           <p:spPr>
             <a:xfrm>
-              <a:off x="2198965" y="6046479"/>
+              <a:off x="2098568" y="6046483"/>
               <a:ext cx="63202" cy="63202"/>
             </a:xfrm>
             <a:custGeom>
@@ -9437,7 +9437,7 @@
           </p:nvSpPr>
           <p:spPr>
             <a:xfrm>
-              <a:off x="1844924" y="6010351"/>
+              <a:off x="2159856" y="6010355"/>
               <a:ext cx="63202" cy="63202"/>
             </a:xfrm>
             <a:custGeom>
@@ -9480,7 +9480,7 @@
           </p:nvSpPr>
           <p:spPr>
             <a:xfrm>
-              <a:off x="2048159" y="5834205"/>
+              <a:off x="1840666" y="5834179"/>
               <a:ext cx="63202" cy="63202"/>
             </a:xfrm>
             <a:custGeom>
@@ -9523,7 +9523,7 @@
           </p:nvSpPr>
           <p:spPr>
             <a:xfrm>
-              <a:off x="1703676" y="5881716"/>
+              <a:off x="1661865" y="5881681"/>
               <a:ext cx="63202" cy="63202"/>
             </a:xfrm>
             <a:custGeom>
@@ -9566,7 +9566,7 @@
           </p:nvSpPr>
           <p:spPr>
             <a:xfrm>
-              <a:off x="1877356" y="6187023"/>
+              <a:off x="1747808" y="6187005"/>
               <a:ext cx="63202" cy="63202"/>
             </a:xfrm>
             <a:custGeom>
@@ -9609,7 +9609,7 @@
           </p:nvSpPr>
           <p:spPr>
             <a:xfrm>
-              <a:off x="1735970" y="6469712"/>
+              <a:off x="1964693" y="6469702"/>
               <a:ext cx="63202" cy="63202"/>
             </a:xfrm>
             <a:custGeom>
@@ -9652,7 +9652,7 @@
           </p:nvSpPr>
           <p:spPr>
             <a:xfrm>
-              <a:off x="1742781" y="6363421"/>
+              <a:off x="1831493" y="6363365"/>
               <a:ext cx="63202" cy="63202"/>
             </a:xfrm>
             <a:custGeom>
@@ -9695,7 +9695,7 @@
           </p:nvSpPr>
           <p:spPr>
             <a:xfrm>
-              <a:off x="1969266" y="6475802"/>
+              <a:off x="2258462" y="6475784"/>
               <a:ext cx="63202" cy="63202"/>
             </a:xfrm>
             <a:custGeom>
@@ -9738,7 +9738,7 @@
           </p:nvSpPr>
           <p:spPr>
             <a:xfrm>
-              <a:off x="2057230" y="5951304"/>
+              <a:off x="1729707" y="5951288"/>
               <a:ext cx="63202" cy="63202"/>
             </a:xfrm>
             <a:custGeom>
@@ -9781,7 +9781,7 @@
           </p:nvSpPr>
           <p:spPr>
             <a:xfrm>
-              <a:off x="1898316" y="6017829"/>
+              <a:off x="1759817" y="6017842"/>
               <a:ext cx="63202" cy="63202"/>
             </a:xfrm>
             <a:custGeom>
@@ -9824,7 +9824,7 @@
           </p:nvSpPr>
           <p:spPr>
             <a:xfrm>
-              <a:off x="1718266" y="6557610"/>
+              <a:off x="2089165" y="6557586"/>
               <a:ext cx="63202" cy="63202"/>
             </a:xfrm>
             <a:custGeom>
@@ -9867,7 +9867,7 @@
           </p:nvSpPr>
           <p:spPr>
             <a:xfrm>
-              <a:off x="1971553" y="5516542"/>
+              <a:off x="2147016" y="5516513"/>
               <a:ext cx="63202" cy="63202"/>
             </a:xfrm>
             <a:custGeom>
@@ -9910,7 +9910,7 @@
           </p:nvSpPr>
           <p:spPr>
             <a:xfrm>
-              <a:off x="1947614" y="6028685"/>
+              <a:off x="2108306" y="6028684"/>
               <a:ext cx="63202" cy="63202"/>
             </a:xfrm>
             <a:custGeom>
@@ -9953,7 +9953,7 @@
           </p:nvSpPr>
           <p:spPr>
             <a:xfrm>
-              <a:off x="1899078" y="6055602"/>
+              <a:off x="1886669" y="6055573"/>
               <a:ext cx="63202" cy="63202"/>
             </a:xfrm>
             <a:custGeom>
@@ -9996,7 +9996,7 @@
           </p:nvSpPr>
           <p:spPr>
             <a:xfrm>
-              <a:off x="1685233" y="6126675"/>
+              <a:off x="1686431" y="6126624"/>
               <a:ext cx="63202" cy="63202"/>
             </a:xfrm>
             <a:custGeom>
@@ -10039,7 +10039,7 @@
           </p:nvSpPr>
           <p:spPr>
             <a:xfrm>
-              <a:off x="2087256" y="6103291"/>
+              <a:off x="1817827" y="6103282"/>
               <a:ext cx="63202" cy="63202"/>
             </a:xfrm>
             <a:custGeom>
@@ -10082,7 +10082,7 @@
           </p:nvSpPr>
           <p:spPr>
             <a:xfrm>
-              <a:off x="1978300" y="6063491"/>
+              <a:off x="2133938" y="6063459"/>
               <a:ext cx="63202" cy="63202"/>
             </a:xfrm>
             <a:custGeom>
@@ -10125,7 +10125,7 @@
           </p:nvSpPr>
           <p:spPr>
             <a:xfrm>
-              <a:off x="2188445" y="6190577"/>
+              <a:off x="2202073" y="6190517"/>
               <a:ext cx="63202" cy="63202"/>
             </a:xfrm>
             <a:custGeom>
@@ -10168,7 +10168,7 @@
           </p:nvSpPr>
           <p:spPr>
             <a:xfrm>
-              <a:off x="1931155" y="5707382"/>
+              <a:off x="2080058" y="5707358"/>
               <a:ext cx="63202" cy="63202"/>
             </a:xfrm>
             <a:custGeom>
@@ -10211,7 +10211,7 @@
           </p:nvSpPr>
           <p:spPr>
             <a:xfrm>
-              <a:off x="1817251" y="6258010"/>
+              <a:off x="1905195" y="6257990"/>
               <a:ext cx="63202" cy="63202"/>
             </a:xfrm>
             <a:custGeom>
@@ -10254,7 +10254,7 @@
           </p:nvSpPr>
           <p:spPr>
             <a:xfrm>
-              <a:off x="1835664" y="5471635"/>
+              <a:off x="2168211" y="5471566"/>
               <a:ext cx="63202" cy="63202"/>
             </a:xfrm>
             <a:custGeom>
@@ -10297,7 +10297,7 @@
           </p:nvSpPr>
           <p:spPr>
             <a:xfrm>
-              <a:off x="2098404" y="6179597"/>
+              <a:off x="1853524" y="6179591"/>
               <a:ext cx="63202" cy="63202"/>
             </a:xfrm>
             <a:custGeom>
@@ -10340,7 +10340,7 @@
           </p:nvSpPr>
           <p:spPr>
             <a:xfrm>
-              <a:off x="1617816" y="6043501"/>
+              <a:off x="1936683" y="6043460"/>
               <a:ext cx="63202" cy="63202"/>
             </a:xfrm>
             <a:custGeom>
@@ -10383,7 +10383,7 @@
           </p:nvSpPr>
           <p:spPr>
             <a:xfrm>
-              <a:off x="2135097" y="6259727"/>
+              <a:off x="1815630" y="6259700"/>
               <a:ext cx="63202" cy="63202"/>
             </a:xfrm>
             <a:custGeom>
@@ -10426,7 +10426,7 @@
           </p:nvSpPr>
           <p:spPr>
             <a:xfrm>
-              <a:off x="1820344" y="5443106"/>
+              <a:off x="1911488" y="5443071"/>
               <a:ext cx="63202" cy="63202"/>
             </a:xfrm>
             <a:custGeom>
@@ -10469,7 +10469,7 @@
           </p:nvSpPr>
           <p:spPr>
             <a:xfrm>
-              <a:off x="1996724" y="6060865"/>
+              <a:off x="1816211" y="6060860"/>
               <a:ext cx="63202" cy="63202"/>
             </a:xfrm>
             <a:custGeom>
@@ -10512,7 +10512,7 @@
           </p:nvSpPr>
           <p:spPr>
             <a:xfrm>
-              <a:off x="2074678" y="5966376"/>
+              <a:off x="2263803" y="5966377"/>
               <a:ext cx="63202" cy="63202"/>
             </a:xfrm>
             <a:custGeom>
@@ -10555,7 +10555,7 @@
           </p:nvSpPr>
           <p:spPr>
             <a:xfrm>
-              <a:off x="2014658" y="5952964"/>
+              <a:off x="2300556" y="5952930"/>
               <a:ext cx="63202" cy="63202"/>
             </a:xfrm>
             <a:custGeom>
@@ -10598,7 +10598,7 @@
           </p:nvSpPr>
           <p:spPr>
             <a:xfrm>
-              <a:off x="2166350" y="5434804"/>
+              <a:off x="2134442" y="5434783"/>
               <a:ext cx="63202" cy="63202"/>
             </a:xfrm>
             <a:custGeom>
@@ -10641,7 +10641,7 @@
           </p:nvSpPr>
           <p:spPr>
             <a:xfrm>
-              <a:off x="1837196" y="5936498"/>
+              <a:off x="2235073" y="5936476"/>
               <a:ext cx="63202" cy="63202"/>
             </a:xfrm>
             <a:custGeom>
@@ -10684,7 +10684,7 @@
           </p:nvSpPr>
           <p:spPr>
             <a:xfrm>
-              <a:off x="2275243" y="6019727"/>
+              <a:off x="1663421" y="6019715"/>
               <a:ext cx="63202" cy="63202"/>
             </a:xfrm>
             <a:custGeom>
@@ -10727,7 +10727,7 @@
           </p:nvSpPr>
           <p:spPr>
             <a:xfrm>
-              <a:off x="1648969" y="6139162"/>
+              <a:off x="2006487" y="6139162"/>
               <a:ext cx="63202" cy="63202"/>
             </a:xfrm>
             <a:custGeom>
@@ -10770,7 +10770,7 @@
           </p:nvSpPr>
           <p:spPr>
             <a:xfrm>
-              <a:off x="2223948" y="6013632"/>
+              <a:off x="1829234" y="6013620"/>
               <a:ext cx="63202" cy="63202"/>
             </a:xfrm>
             <a:custGeom>
@@ -10813,7 +10813,7 @@
           </p:nvSpPr>
           <p:spPr>
             <a:xfrm>
-              <a:off x="2286724" y="6021387"/>
+              <a:off x="1915845" y="6021334"/>
               <a:ext cx="63202" cy="63202"/>
             </a:xfrm>
             <a:custGeom>
@@ -10856,7 +10856,7 @@
           </p:nvSpPr>
           <p:spPr>
             <a:xfrm>
-              <a:off x="1750044" y="5703106"/>
+              <a:off x="2084312" y="5703109"/>
               <a:ext cx="63202" cy="63202"/>
             </a:xfrm>
             <a:custGeom>
@@ -10899,7 +10899,7 @@
           </p:nvSpPr>
           <p:spPr>
             <a:xfrm>
-              <a:off x="1917842" y="6179604"/>
+              <a:off x="2058523" y="6179603"/>
               <a:ext cx="63202" cy="63202"/>
             </a:xfrm>
             <a:custGeom>
@@ -10942,7 +10942,7 @@
           </p:nvSpPr>
           <p:spPr>
             <a:xfrm>
-              <a:off x="1954748" y="5944256"/>
+              <a:off x="2193324" y="5944220"/>
               <a:ext cx="63202" cy="63202"/>
             </a:xfrm>
             <a:custGeom>
@@ -10985,7 +10985,7 @@
           </p:nvSpPr>
           <p:spPr>
             <a:xfrm>
-              <a:off x="1743025" y="5474818"/>
+              <a:off x="1635925" y="5474781"/>
               <a:ext cx="63202" cy="63202"/>
             </a:xfrm>
             <a:custGeom>
@@ -11028,7 +11028,7 @@
           </p:nvSpPr>
           <p:spPr>
             <a:xfrm>
-              <a:off x="2064578" y="5472499"/>
+              <a:off x="1988517" y="5472451"/>
               <a:ext cx="63202" cy="63202"/>
             </a:xfrm>
             <a:custGeom>
@@ -11071,7 +11071,7 @@
           </p:nvSpPr>
           <p:spPr>
             <a:xfrm>
-              <a:off x="1937767" y="5472141"/>
+              <a:off x="2051686" y="5472146"/>
               <a:ext cx="63202" cy="63202"/>
             </a:xfrm>
             <a:custGeom>
@@ -11114,7 +11114,7 @@
           </p:nvSpPr>
           <p:spPr>
             <a:xfrm>
-              <a:off x="1795981" y="5471989"/>
+              <a:off x="1916561" y="5471982"/>
               <a:ext cx="63202" cy="63202"/>
             </a:xfrm>
             <a:custGeom>
@@ -11157,7 +11157,7 @@
           </p:nvSpPr>
           <p:spPr>
             <a:xfrm>
-              <a:off x="1825205" y="5471902"/>
+              <a:off x="1938201" y="5471862"/>
               <a:ext cx="63202" cy="63202"/>
             </a:xfrm>
             <a:custGeom>
@@ -11200,7 +11200,7 @@
           </p:nvSpPr>
           <p:spPr>
             <a:xfrm>
-              <a:off x="2184188" y="5740741"/>
+              <a:off x="1752313" y="5740672"/>
               <a:ext cx="63202" cy="63202"/>
             </a:xfrm>
             <a:custGeom>
@@ -11243,7 +11243,7 @@
           </p:nvSpPr>
           <p:spPr>
             <a:xfrm>
-              <a:off x="2229469" y="5730351"/>
+              <a:off x="1798086" y="5730313"/>
               <a:ext cx="63202" cy="63202"/>
             </a:xfrm>
             <a:custGeom>
@@ -11286,7 +11286,7 @@
           </p:nvSpPr>
           <p:spPr>
             <a:xfrm>
-              <a:off x="1735009" y="6144607"/>
+              <a:off x="1772913" y="6144581"/>
               <a:ext cx="63202" cy="63202"/>
             </a:xfrm>
             <a:custGeom>
@@ -11329,7 +11329,7 @@
           </p:nvSpPr>
           <p:spPr>
             <a:xfrm>
-              <a:off x="1892144" y="5487912"/>
+              <a:off x="2161707" y="5487875"/>
               <a:ext cx="63202" cy="63202"/>
             </a:xfrm>
             <a:custGeom>
@@ -11372,7 +11372,7 @@
           </p:nvSpPr>
           <p:spPr>
             <a:xfrm>
-              <a:off x="2137316" y="5875886"/>
+              <a:off x="2170602" y="5875849"/>
               <a:ext cx="63202" cy="63202"/>
             </a:xfrm>
             <a:custGeom>
@@ -11415,7 +11415,7 @@
           </p:nvSpPr>
           <p:spPr>
             <a:xfrm>
-              <a:off x="1883274" y="5752032"/>
+              <a:off x="1947568" y="5752056"/>
               <a:ext cx="63202" cy="63202"/>
             </a:xfrm>
             <a:custGeom>
@@ -11458,7 +11458,7 @@
           </p:nvSpPr>
           <p:spPr>
             <a:xfrm>
-              <a:off x="2026178" y="6161047"/>
+              <a:off x="1662614" y="6161023"/>
               <a:ext cx="63202" cy="63202"/>
             </a:xfrm>
             <a:custGeom>
@@ -11501,7 +11501,7 @@
           </p:nvSpPr>
           <p:spPr>
             <a:xfrm>
-              <a:off x="1843616" y="5498606"/>
+              <a:off x="2080391" y="5498619"/>
               <a:ext cx="63202" cy="63202"/>
             </a:xfrm>
             <a:custGeom>
@@ -11544,7 +11544,7 @@
           </p:nvSpPr>
           <p:spPr>
             <a:xfrm>
-              <a:off x="1690752" y="6036936"/>
+              <a:off x="1859254" y="6036902"/>
               <a:ext cx="63202" cy="63202"/>
             </a:xfrm>
             <a:custGeom>
@@ -11587,7 +11587,7 @@
           </p:nvSpPr>
           <p:spPr>
             <a:xfrm>
-              <a:off x="1607927" y="6366275"/>
+              <a:off x="1958913" y="6366203"/>
               <a:ext cx="63202" cy="63202"/>
             </a:xfrm>
             <a:custGeom>
@@ -11630,7 +11630,7 @@
           </p:nvSpPr>
           <p:spPr>
             <a:xfrm>
-              <a:off x="1885492" y="5718747"/>
+              <a:off x="1703432" y="5718726"/>
               <a:ext cx="63202" cy="63202"/>
             </a:xfrm>
             <a:custGeom>
@@ -11673,7 +11673,7 @@
           </p:nvSpPr>
           <p:spPr>
             <a:xfrm>
-              <a:off x="1821436" y="6433130"/>
+              <a:off x="1636146" y="6433120"/>
               <a:ext cx="63202" cy="63202"/>
             </a:xfrm>
             <a:custGeom>
@@ -11716,7 +11716,7 @@
           </p:nvSpPr>
           <p:spPr>
             <a:xfrm>
-              <a:off x="2078861" y="5464808"/>
+              <a:off x="1907973" y="5464793"/>
               <a:ext cx="63202" cy="63202"/>
             </a:xfrm>
             <a:custGeom>
@@ -11759,7 +11759,7 @@
           </p:nvSpPr>
           <p:spPr>
             <a:xfrm>
-              <a:off x="2105472" y="5659775"/>
+              <a:off x="2095252" y="5659767"/>
               <a:ext cx="63202" cy="63202"/>
             </a:xfrm>
             <a:custGeom>
@@ -11802,7 +11802,7 @@
           </p:nvSpPr>
           <p:spPr>
             <a:xfrm>
-              <a:off x="2288179" y="5601741"/>
+              <a:off x="1749746" y="5601714"/>
               <a:ext cx="63202" cy="63202"/>
             </a:xfrm>
             <a:custGeom>
@@ -11845,7 +11845,7 @@
           </p:nvSpPr>
           <p:spPr>
             <a:xfrm>
-              <a:off x="2148291" y="5646722"/>
+              <a:off x="2121732" y="5646686"/>
               <a:ext cx="63202" cy="63202"/>
             </a:xfrm>
             <a:custGeom>
@@ -11888,7 +11888,7 @@
           </p:nvSpPr>
           <p:spPr>
             <a:xfrm>
-              <a:off x="2136633" y="5454972"/>
+              <a:off x="2155890" y="5454954"/>
               <a:ext cx="63202" cy="63202"/>
             </a:xfrm>
             <a:custGeom>
@@ -11931,7 +11931,7 @@
           </p:nvSpPr>
           <p:spPr>
             <a:xfrm>
-              <a:off x="1760741" y="5452008"/>
+              <a:off x="1904751" y="5451951"/>
               <a:ext cx="63202" cy="63202"/>
             </a:xfrm>
             <a:custGeom>
@@ -11974,7 +11974,7 @@
           </p:nvSpPr>
           <p:spPr>
             <a:xfrm>
-              <a:off x="2029670" y="5699853"/>
+              <a:off x="2203675" y="5699842"/>
               <a:ext cx="63202" cy="63202"/>
             </a:xfrm>
             <a:custGeom>
@@ -12017,7 +12017,7 @@
           </p:nvSpPr>
           <p:spPr>
             <a:xfrm>
-              <a:off x="1810809" y="5689006"/>
+              <a:off x="1981078" y="5688978"/>
               <a:ext cx="63202" cy="63202"/>
             </a:xfrm>
             <a:custGeom>
@@ -12060,7 +12060,7 @@
           </p:nvSpPr>
           <p:spPr>
             <a:xfrm>
-              <a:off x="2228310" y="5469296"/>
+              <a:off x="1701382" y="5469286"/>
               <a:ext cx="63202" cy="63202"/>
             </a:xfrm>
             <a:custGeom>
@@ -12103,7 +12103,7 @@
           </p:nvSpPr>
           <p:spPr>
             <a:xfrm>
-              <a:off x="1930879" y="5477095"/>
+              <a:off x="1909180" y="5477095"/>
               <a:ext cx="63202" cy="63202"/>
             </a:xfrm>
             <a:custGeom>
@@ -12146,7 +12146,7 @@
           </p:nvSpPr>
           <p:spPr>
             <a:xfrm>
-              <a:off x="1916599" y="5477629"/>
+              <a:off x="2240223" y="5477651"/>
               <a:ext cx="63202" cy="63202"/>
             </a:xfrm>
             <a:custGeom>
@@ -12189,7 +12189,7 @@
           </p:nvSpPr>
           <p:spPr>
             <a:xfrm>
-              <a:off x="2154681" y="5536866"/>
+              <a:off x="1696779" y="5536846"/>
               <a:ext cx="63202" cy="63202"/>
             </a:xfrm>
             <a:custGeom>
@@ -12232,7 +12232,7 @@
           </p:nvSpPr>
           <p:spPr>
             <a:xfrm>
-              <a:off x="1666589" y="5466340"/>
+              <a:off x="2190483" y="5466294"/>
               <a:ext cx="63202" cy="63202"/>
             </a:xfrm>
             <a:custGeom>
@@ -12275,7 +12275,7 @@
           </p:nvSpPr>
           <p:spPr>
             <a:xfrm>
-              <a:off x="2158495" y="6017859"/>
+              <a:off x="1751545" y="6017842"/>
               <a:ext cx="63202" cy="63202"/>
             </a:xfrm>
             <a:custGeom>
@@ -12318,7 +12318,7 @@
           </p:nvSpPr>
           <p:spPr>
             <a:xfrm>
-              <a:off x="2175073" y="5490164"/>
+              <a:off x="1895017" y="5490113"/>
               <a:ext cx="63202" cy="63202"/>
             </a:xfrm>
             <a:custGeom>
@@ -12361,7 +12361,7 @@
           </p:nvSpPr>
           <p:spPr>
             <a:xfrm>
-              <a:off x="2247958" y="5399715"/>
+              <a:off x="2080545" y="5399674"/>
               <a:ext cx="63202" cy="63202"/>
             </a:xfrm>
             <a:custGeom>
@@ -12404,7 +12404,7 @@
           </p:nvSpPr>
           <p:spPr>
             <a:xfrm>
-              <a:off x="1833690" y="5885979"/>
+              <a:off x="1750949" y="5885988"/>
               <a:ext cx="63202" cy="63202"/>
             </a:xfrm>
             <a:custGeom>
@@ -12447,7 +12447,7 @@
           </p:nvSpPr>
           <p:spPr>
             <a:xfrm>
-              <a:off x="2195946" y="6400186"/>
+              <a:off x="1622409" y="6400175"/>
               <a:ext cx="63202" cy="63202"/>
             </a:xfrm>
             <a:custGeom>
@@ -12490,7 +12490,7 @@
           </p:nvSpPr>
           <p:spPr>
             <a:xfrm>
-              <a:off x="2174245" y="5979952"/>
+              <a:off x="1604538" y="5979960"/>
               <a:ext cx="63202" cy="63202"/>
             </a:xfrm>
             <a:custGeom>
@@ -12533,7 +12533,7 @@
           </p:nvSpPr>
           <p:spPr>
             <a:xfrm>
-              <a:off x="1830360" y="5965073"/>
+              <a:off x="1746130" y="5965084"/>
               <a:ext cx="63202" cy="63202"/>
             </a:xfrm>
             <a:custGeom>
@@ -12576,7 +12576,7 @@
           </p:nvSpPr>
           <p:spPr>
             <a:xfrm>
-              <a:off x="1781874" y="5458906"/>
+              <a:off x="1711943" y="5458906"/>
               <a:ext cx="63202" cy="63202"/>
             </a:xfrm>
             <a:custGeom>
@@ -12619,7 +12619,7 @@
           </p:nvSpPr>
           <p:spPr>
             <a:xfrm>
-              <a:off x="1724583" y="5550074"/>
+              <a:off x="1801806" y="5550068"/>
               <a:ext cx="63202" cy="63202"/>
             </a:xfrm>
             <a:custGeom>
@@ -12662,7 +12662,7 @@
           </p:nvSpPr>
           <p:spPr>
             <a:xfrm>
-              <a:off x="2164036" y="5970550"/>
+              <a:off x="2107815" y="5970509"/>
               <a:ext cx="63202" cy="63202"/>
             </a:xfrm>
             <a:custGeom>
@@ -12705,7 +12705,7 @@
           </p:nvSpPr>
           <p:spPr>
             <a:xfrm>
-              <a:off x="2240287" y="5983959"/>
+              <a:off x="1639631" y="5983945"/>
               <a:ext cx="63202" cy="63202"/>
             </a:xfrm>
             <a:custGeom>
@@ -12748,7 +12748,7 @@
           </p:nvSpPr>
           <p:spPr>
             <a:xfrm>
-              <a:off x="1818350" y="5981430"/>
+              <a:off x="2051002" y="5981405"/>
               <a:ext cx="63202" cy="63202"/>
             </a:xfrm>
             <a:custGeom>
@@ -12791,7 +12791,7 @@
           </p:nvSpPr>
           <p:spPr>
             <a:xfrm>
-              <a:off x="1669565" y="6130335"/>
+              <a:off x="2056877" y="6130311"/>
               <a:ext cx="63202" cy="63202"/>
             </a:xfrm>
             <a:custGeom>
@@ -12834,7 +12834,7 @@
           </p:nvSpPr>
           <p:spPr>
             <a:xfrm>
-              <a:off x="2266643" y="6050719"/>
+              <a:off x="1738117" y="6050685"/>
               <a:ext cx="63202" cy="63202"/>
             </a:xfrm>
             <a:custGeom>
@@ -12877,7 +12877,7 @@
           </p:nvSpPr>
           <p:spPr>
             <a:xfrm>
-              <a:off x="2116776" y="5483708"/>
+              <a:off x="1784069" y="5483696"/>
               <a:ext cx="63202" cy="63202"/>
             </a:xfrm>
             <a:custGeom>
@@ -12920,7 +12920,7 @@
           </p:nvSpPr>
           <p:spPr>
             <a:xfrm>
-              <a:off x="2250805" y="6127497"/>
+              <a:off x="1971948" y="6127434"/>
               <a:ext cx="63202" cy="63202"/>
             </a:xfrm>
             <a:custGeom>
@@ -12963,7 +12963,7 @@
           </p:nvSpPr>
           <p:spPr>
             <a:xfrm>
-              <a:off x="2207682" y="6135847"/>
+              <a:off x="2228388" y="6135806"/>
               <a:ext cx="63202" cy="63202"/>
             </a:xfrm>
             <a:custGeom>
@@ -13006,7 +13006,7 @@
           </p:nvSpPr>
           <p:spPr>
             <a:xfrm>
-              <a:off x="1657096" y="6090769"/>
+              <a:off x="1854709" y="6090757"/>
               <a:ext cx="63202" cy="63202"/>
             </a:xfrm>
             <a:custGeom>
@@ -13049,7 +13049,7 @@
           </p:nvSpPr>
           <p:spPr>
             <a:xfrm>
-              <a:off x="1735257" y="6225834"/>
+              <a:off x="2254466" y="6225848"/>
               <a:ext cx="63202" cy="63202"/>
             </a:xfrm>
             <a:custGeom>
@@ -13092,7 +13092,7 @@
           </p:nvSpPr>
           <p:spPr>
             <a:xfrm>
-              <a:off x="1907117" y="6135608"/>
+              <a:off x="1736919" y="6135633"/>
               <a:ext cx="63202" cy="63202"/>
             </a:xfrm>
             <a:custGeom>
@@ -13135,7 +13135,7 @@
           </p:nvSpPr>
           <p:spPr>
             <a:xfrm>
-              <a:off x="1905158" y="5570600"/>
+              <a:off x="2104096" y="5570563"/>
               <a:ext cx="63202" cy="63202"/>
             </a:xfrm>
             <a:custGeom>
@@ -13178,7 +13178,7 @@
           </p:nvSpPr>
           <p:spPr>
             <a:xfrm>
-              <a:off x="1680737" y="6322528"/>
+              <a:off x="1770806" y="6322502"/>
               <a:ext cx="63202" cy="63202"/>
             </a:xfrm>
             <a:custGeom>
@@ -13221,7 +13221,7 @@
           </p:nvSpPr>
           <p:spPr>
             <a:xfrm>
-              <a:off x="2011031" y="6102241"/>
+              <a:off x="1920544" y="6102227"/>
               <a:ext cx="63202" cy="63202"/>
             </a:xfrm>
             <a:custGeom>
@@ -13264,7 +13264,7 @@
           </p:nvSpPr>
           <p:spPr>
             <a:xfrm>
-              <a:off x="1732348" y="5492746"/>
+              <a:off x="1841094" y="5492698"/>
               <a:ext cx="63202" cy="63202"/>
             </a:xfrm>
             <a:custGeom>
@@ -13307,7 +13307,7 @@
           </p:nvSpPr>
           <p:spPr>
             <a:xfrm>
-              <a:off x="1859898" y="5489033"/>
+              <a:off x="2114435" y="5489020"/>
               <a:ext cx="63202" cy="63202"/>
             </a:xfrm>
             <a:custGeom>
@@ -13350,7 +13350,7 @@
           </p:nvSpPr>
           <p:spPr>
             <a:xfrm>
-              <a:off x="2089215" y="5514567"/>
+              <a:off x="2219441" y="5514543"/>
               <a:ext cx="63202" cy="63202"/>
             </a:xfrm>
             <a:custGeom>
@@ -13393,7 +13393,7 @@
           </p:nvSpPr>
           <p:spPr>
             <a:xfrm>
-              <a:off x="1851189" y="5501732"/>
+              <a:off x="2141412" y="5501729"/>
               <a:ext cx="63202" cy="63202"/>
             </a:xfrm>
             <a:custGeom>
@@ -13436,7 +13436,7 @@
           </p:nvSpPr>
           <p:spPr>
             <a:xfrm>
-              <a:off x="2125590" y="5693252"/>
+              <a:off x="2100721" y="5693247"/>
               <a:ext cx="63202" cy="63202"/>
             </a:xfrm>
             <a:custGeom>
@@ -13479,7 +13479,7 @@
           </p:nvSpPr>
           <p:spPr>
             <a:xfrm>
-              <a:off x="2262011" y="6535906"/>
+              <a:off x="1617187" y="6535892"/>
               <a:ext cx="63202" cy="63202"/>
             </a:xfrm>
             <a:custGeom>
@@ -13522,7 +13522,7 @@
           </p:nvSpPr>
           <p:spPr>
             <a:xfrm>
-              <a:off x="1957810" y="5933302"/>
+              <a:off x="1923153" y="5933279"/>
               <a:ext cx="63202" cy="63202"/>
             </a:xfrm>
             <a:custGeom>
@@ -13565,7 +13565,7 @@
           </p:nvSpPr>
           <p:spPr>
             <a:xfrm>
-              <a:off x="2230915" y="5872687"/>
+              <a:off x="1749395" y="5872650"/>
               <a:ext cx="63202" cy="63202"/>
             </a:xfrm>
             <a:custGeom>
@@ -13608,7 +13608,7 @@
           </p:nvSpPr>
           <p:spPr>
             <a:xfrm>
-              <a:off x="2074068" y="6538680"/>
+              <a:off x="1997000" y="6538637"/>
               <a:ext cx="63202" cy="63202"/>
             </a:xfrm>
             <a:custGeom>
@@ -13651,7 +13651,7 @@
           </p:nvSpPr>
           <p:spPr>
             <a:xfrm>
-              <a:off x="2098710" y="6089623"/>
+              <a:off x="1937609" y="6089581"/>
               <a:ext cx="63202" cy="63202"/>
             </a:xfrm>
             <a:custGeom>
@@ -13750,7 +13750,7 @@
           </p:nvSpPr>
           <p:spPr>
             <a:xfrm>
-              <a:off x="4325757" y="2898377"/>
+              <a:off x="4325757" y="2898347"/>
               <a:ext cx="2796732" cy="0"/>
             </a:xfrm>
             <a:custGeom>
@@ -13793,7 +13793,7 @@
           </p:nvSpPr>
           <p:spPr>
             <a:xfrm>
-              <a:off x="4325757" y="2558932"/>
+              <a:off x="4325757" y="2558904"/>
               <a:ext cx="2796732" cy="0"/>
             </a:xfrm>
             <a:custGeom>
@@ -13836,7 +13836,7 @@
           </p:nvSpPr>
           <p:spPr>
             <a:xfrm>
-              <a:off x="4325757" y="2219487"/>
+              <a:off x="4325757" y="2219461"/>
               <a:ext cx="2796732" cy="0"/>
             </a:xfrm>
             <a:custGeom>
@@ -13879,7 +13879,7 @@
           </p:nvSpPr>
           <p:spPr>
             <a:xfrm>
-              <a:off x="4325757" y="1880041"/>
+              <a:off x="4325757" y="1880018"/>
               <a:ext cx="2796732" cy="0"/>
             </a:xfrm>
             <a:custGeom>
@@ -13922,7 +13922,7 @@
           </p:nvSpPr>
           <p:spPr>
             <a:xfrm>
-              <a:off x="4325757" y="1540596"/>
+              <a:off x="4325757" y="1540574"/>
               <a:ext cx="2796732" cy="0"/>
             </a:xfrm>
             <a:custGeom>
@@ -13965,7 +13965,7 @@
           </p:nvSpPr>
           <p:spPr>
             <a:xfrm>
-              <a:off x="4325757" y="2728655"/>
+              <a:off x="4325757" y="2728626"/>
               <a:ext cx="2796732" cy="0"/>
             </a:xfrm>
             <a:custGeom>
@@ -14008,7 +14008,7 @@
           </p:nvSpPr>
           <p:spPr>
             <a:xfrm>
-              <a:off x="4325757" y="2389209"/>
+              <a:off x="4325757" y="2389182"/>
               <a:ext cx="2796732" cy="0"/>
             </a:xfrm>
             <a:custGeom>
@@ -14051,7 +14051,7 @@
           </p:nvSpPr>
           <p:spPr>
             <a:xfrm>
-              <a:off x="4325757" y="2049764"/>
+              <a:off x="4325757" y="2049739"/>
               <a:ext cx="2796732" cy="0"/>
             </a:xfrm>
             <a:custGeom>
@@ -14094,7 +14094,7 @@
           </p:nvSpPr>
           <p:spPr>
             <a:xfrm>
-              <a:off x="4325757" y="1710318"/>
+              <a:off x="4325757" y="1710296"/>
               <a:ext cx="2796732" cy="0"/>
             </a:xfrm>
             <a:custGeom>
@@ -14266,7 +14266,7 @@
           </p:nvSpPr>
           <p:spPr>
             <a:xfrm>
-              <a:off x="4537236" y="1898630"/>
+              <a:off x="4599635" y="1898587"/>
               <a:ext cx="63202" cy="63202"/>
             </a:xfrm>
             <a:custGeom>
@@ -14309,7 +14309,7 @@
           </p:nvSpPr>
           <p:spPr>
             <a:xfrm>
-              <a:off x="5058590" y="1950630"/>
+              <a:off x="4555343" y="1950616"/>
               <a:ext cx="63202" cy="63202"/>
             </a:xfrm>
             <a:custGeom>
@@ -14352,7 +14352,7 @@
           </p:nvSpPr>
           <p:spPr>
             <a:xfrm>
-              <a:off x="5126260" y="2305131"/>
+              <a:off x="4878075" y="2305125"/>
               <a:ext cx="63202" cy="63202"/>
             </a:xfrm>
             <a:custGeom>
@@ -14395,7 +14395,7 @@
           </p:nvSpPr>
           <p:spPr>
             <a:xfrm>
-              <a:off x="4885919" y="1882805"/>
+              <a:off x="4670207" y="1882769"/>
               <a:ext cx="63202" cy="63202"/>
             </a:xfrm>
             <a:custGeom>
@@ -14438,7 +14438,7 @@
           </p:nvSpPr>
           <p:spPr>
             <a:xfrm>
-              <a:off x="4664998" y="1989713"/>
+              <a:off x="4699587" y="1989681"/>
               <a:ext cx="63202" cy="63202"/>
             </a:xfrm>
             <a:custGeom>
@@ -14481,7 +14481,7 @@
           </p:nvSpPr>
           <p:spPr>
             <a:xfrm>
-              <a:off x="4739879" y="2347977"/>
+              <a:off x="5007483" y="2347945"/>
               <a:ext cx="63202" cy="63202"/>
             </a:xfrm>
             <a:custGeom>
@@ -14524,7 +14524,7 @@
           </p:nvSpPr>
           <p:spPr>
             <a:xfrm>
-              <a:off x="4711329" y="1942109"/>
+              <a:off x="5015585" y="1942081"/>
               <a:ext cx="63202" cy="63202"/>
             </a:xfrm>
             <a:custGeom>
@@ -14567,7 +14567,7 @@
           </p:nvSpPr>
           <p:spPr>
             <a:xfrm>
-              <a:off x="6002902" y="2921311"/>
+              <a:off x="5423681" y="2921255"/>
               <a:ext cx="63202" cy="63202"/>
             </a:xfrm>
             <a:custGeom>
@@ -14610,7 +14610,7 @@
           </p:nvSpPr>
           <p:spPr>
             <a:xfrm>
-              <a:off x="4595744" y="1900852"/>
+              <a:off x="4896112" y="1900842"/>
               <a:ext cx="63202" cy="63202"/>
             </a:xfrm>
             <a:custGeom>
@@ -14653,7 +14653,7 @@
           </p:nvSpPr>
           <p:spPr>
             <a:xfrm>
-              <a:off x="5061622" y="2408391"/>
+              <a:off x="4728837" y="2408388"/>
               <a:ext cx="63202" cy="63202"/>
             </a:xfrm>
             <a:custGeom>
@@ -14696,7 +14696,7 @@
           </p:nvSpPr>
           <p:spPr>
             <a:xfrm>
-              <a:off x="5135841" y="2774838"/>
+              <a:off x="4969678" y="2774835"/>
               <a:ext cx="63202" cy="63202"/>
             </a:xfrm>
             <a:custGeom>
@@ -14739,7 +14739,7 @@
           </p:nvSpPr>
           <p:spPr>
             <a:xfrm>
-              <a:off x="5113983" y="1904994"/>
+              <a:off x="4860503" y="1904967"/>
               <a:ext cx="63202" cy="63202"/>
             </a:xfrm>
             <a:custGeom>
@@ -14782,7 +14782,7 @@
           </p:nvSpPr>
           <p:spPr>
             <a:xfrm>
-              <a:off x="4953552" y="1894328"/>
+              <a:off x="5106253" y="1894299"/>
               <a:ext cx="63202" cy="63202"/>
             </a:xfrm>
             <a:custGeom>
@@ -14825,7 +14825,7 @@
           </p:nvSpPr>
           <p:spPr>
             <a:xfrm>
-              <a:off x="4932434" y="1933186"/>
+              <a:off x="4946772" y="1933115"/>
               <a:ext cx="63202" cy="63202"/>
             </a:xfrm>
             <a:custGeom>
@@ -14868,7 +14868,7 @@
           </p:nvSpPr>
           <p:spPr>
             <a:xfrm>
-              <a:off x="4627255" y="1965932"/>
+              <a:off x="5055432" y="1965907"/>
               <a:ext cx="63202" cy="63202"/>
             </a:xfrm>
             <a:custGeom>
@@ -14911,7 +14911,7 @@
           </p:nvSpPr>
           <p:spPr>
             <a:xfrm>
-              <a:off x="4575034" y="1947284"/>
+              <a:off x="4493822" y="1947249"/>
               <a:ext cx="63202" cy="63202"/>
             </a:xfrm>
             <a:custGeom>
@@ -14954,7 +14954,7 @@
           </p:nvSpPr>
           <p:spPr>
             <a:xfrm>
-              <a:off x="4812515" y="1976009"/>
+              <a:off x="4489223" y="1975985"/>
               <a:ext cx="63202" cy="63202"/>
             </a:xfrm>
             <a:custGeom>
@@ -14997,7 +14997,7 @@
           </p:nvSpPr>
           <p:spPr>
             <a:xfrm>
-              <a:off x="4490314" y="1935948"/>
+              <a:off x="4518668" y="1935937"/>
               <a:ext cx="63202" cy="63202"/>
             </a:xfrm>
             <a:custGeom>
@@ -15040,7 +15040,7 @@
           </p:nvSpPr>
           <p:spPr>
             <a:xfrm>
-              <a:off x="5020909" y="1930052"/>
+              <a:off x="5115148" y="1930019"/>
               <a:ext cx="63202" cy="63202"/>
             </a:xfrm>
             <a:custGeom>
@@ -15083,7 +15083,7 @@
           </p:nvSpPr>
           <p:spPr>
             <a:xfrm>
-              <a:off x="4582546" y="2152562"/>
+              <a:off x="4911926" y="2152552"/>
               <a:ext cx="63202" cy="63202"/>
             </a:xfrm>
             <a:custGeom>
@@ -15126,7 +15126,7 @@
           </p:nvSpPr>
           <p:spPr>
             <a:xfrm>
-              <a:off x="4545832" y="1928340"/>
+              <a:off x="4933633" y="1928304"/>
               <a:ext cx="63202" cy="63202"/>
             </a:xfrm>
             <a:custGeom>
@@ -15169,7 +15169,7 @@
           </p:nvSpPr>
           <p:spPr>
             <a:xfrm>
-              <a:off x="4557314" y="2131046"/>
+              <a:off x="5121444" y="2131062"/>
               <a:ext cx="63202" cy="63202"/>
             </a:xfrm>
             <a:custGeom>
@@ -15212,7 +15212,7 @@
           </p:nvSpPr>
           <p:spPr>
             <a:xfrm>
-              <a:off x="4679322" y="2264273"/>
+              <a:off x="4570988" y="2264225"/>
               <a:ext cx="63202" cy="63202"/>
             </a:xfrm>
             <a:custGeom>
@@ -15255,7 +15255,7 @@
           </p:nvSpPr>
           <p:spPr>
             <a:xfrm>
-              <a:off x="4522156" y="2219667"/>
+              <a:off x="4925781" y="2219634"/>
               <a:ext cx="63202" cy="63202"/>
             </a:xfrm>
             <a:custGeom>
@@ -15298,7 +15298,7 @@
           </p:nvSpPr>
           <p:spPr>
             <a:xfrm>
-              <a:off x="4540333" y="2145595"/>
+              <a:off x="4857279" y="2145567"/>
               <a:ext cx="63202" cy="63202"/>
             </a:xfrm>
             <a:custGeom>
@@ -15341,7 +15341,7 @@
           </p:nvSpPr>
           <p:spPr>
             <a:xfrm>
-              <a:off x="4874974" y="1936291"/>
+              <a:off x="4911061" y="1936252"/>
               <a:ext cx="63202" cy="63202"/>
             </a:xfrm>
             <a:custGeom>
@@ -15384,7 +15384,7 @@
           </p:nvSpPr>
           <p:spPr>
             <a:xfrm>
-              <a:off x="4593885" y="2299995"/>
+              <a:off x="5041308" y="2299934"/>
               <a:ext cx="63202" cy="63202"/>
             </a:xfrm>
             <a:custGeom>
@@ -15427,7 +15427,7 @@
           </p:nvSpPr>
           <p:spPr>
             <a:xfrm>
-              <a:off x="4816337" y="1936979"/>
+              <a:off x="4705468" y="1936948"/>
               <a:ext cx="63202" cy="63202"/>
             </a:xfrm>
             <a:custGeom>
@@ -15470,7 +15470,7 @@
           </p:nvSpPr>
           <p:spPr>
             <a:xfrm>
-              <a:off x="4499656" y="1968537"/>
+              <a:off x="4560752" y="1968531"/>
               <a:ext cx="63202" cy="63202"/>
             </a:xfrm>
             <a:custGeom>
@@ -15513,7 +15513,7 @@
           </p:nvSpPr>
           <p:spPr>
             <a:xfrm>
-              <a:off x="4942847" y="2494695"/>
+              <a:off x="4798574" y="2494669"/>
               <a:ext cx="63202" cy="63202"/>
             </a:xfrm>
             <a:custGeom>
@@ -15556,7 +15556,7 @@
           </p:nvSpPr>
           <p:spPr>
             <a:xfrm>
-              <a:off x="4526999" y="2022101"/>
+              <a:off x="4900472" y="2022068"/>
               <a:ext cx="63202" cy="63202"/>
             </a:xfrm>
             <a:custGeom>
@@ -15599,7 +15599,7 @@
           </p:nvSpPr>
           <p:spPr>
             <a:xfrm>
-              <a:off x="5029982" y="1928840"/>
+              <a:off x="4666829" y="1928815"/>
               <a:ext cx="63202" cy="63202"/>
             </a:xfrm>
             <a:custGeom>
@@ -15642,7 +15642,7 @@
           </p:nvSpPr>
           <p:spPr>
             <a:xfrm>
-              <a:off x="4677936" y="2399558"/>
+              <a:off x="4790529" y="2399555"/>
               <a:ext cx="63202" cy="63202"/>
             </a:xfrm>
             <a:custGeom>
@@ -15685,7 +15685,7 @@
           </p:nvSpPr>
           <p:spPr>
             <a:xfrm>
-              <a:off x="4519917" y="2114622"/>
+              <a:off x="4723500" y="2114634"/>
               <a:ext cx="63202" cy="63202"/>
             </a:xfrm>
             <a:custGeom>
@@ -15728,7 +15728,7 @@
           </p:nvSpPr>
           <p:spPr>
             <a:xfrm>
-              <a:off x="4698537" y="1952178"/>
+              <a:off x="5003039" y="1952166"/>
               <a:ext cx="63202" cy="63202"/>
             </a:xfrm>
             <a:custGeom>
@@ -15771,7 +15771,7 @@
           </p:nvSpPr>
           <p:spPr>
             <a:xfrm>
-              <a:off x="5119023" y="1949432"/>
+              <a:off x="4951206" y="1949446"/>
               <a:ext cx="63202" cy="63202"/>
             </a:xfrm>
             <a:custGeom>
@@ -15814,7 +15814,7 @@
           </p:nvSpPr>
           <p:spPr>
             <a:xfrm>
-              <a:off x="4579947" y="1886841"/>
+              <a:off x="4944307" y="1886831"/>
               <a:ext cx="63202" cy="63202"/>
             </a:xfrm>
             <a:custGeom>
@@ -15857,7 +15857,7 @@
           </p:nvSpPr>
           <p:spPr>
             <a:xfrm>
-              <a:off x="4770966" y="1886853"/>
+              <a:off x="4511110" y="1886826"/>
               <a:ext cx="63202" cy="63202"/>
             </a:xfrm>
             <a:custGeom>
@@ -15900,7 +15900,7 @@
           </p:nvSpPr>
           <p:spPr>
             <a:xfrm>
-              <a:off x="4796863" y="1983874"/>
+              <a:off x="4965506" y="1983850"/>
               <a:ext cx="63202" cy="63202"/>
             </a:xfrm>
             <a:custGeom>
@@ -15943,7 +15943,7 @@
           </p:nvSpPr>
           <p:spPr>
             <a:xfrm>
-              <a:off x="4834914" y="2415566"/>
+              <a:off x="4914546" y="2415553"/>
               <a:ext cx="63202" cy="63202"/>
             </a:xfrm>
             <a:custGeom>
@@ -15986,7 +15986,7 @@
           </p:nvSpPr>
           <p:spPr>
             <a:xfrm>
-              <a:off x="4797814" y="1978774"/>
+              <a:off x="4748572" y="1978755"/>
               <a:ext cx="63202" cy="63202"/>
             </a:xfrm>
             <a:custGeom>
@@ -16029,7 +16029,7 @@
           </p:nvSpPr>
           <p:spPr>
             <a:xfrm>
-              <a:off x="4934984" y="1957405"/>
+              <a:off x="4929428" y="1957392"/>
               <a:ext cx="63202" cy="63202"/>
             </a:xfrm>
             <a:custGeom>
@@ -16072,7 +16072,7 @@
           </p:nvSpPr>
           <p:spPr>
             <a:xfrm>
-              <a:off x="4783266" y="1840282"/>
+              <a:off x="4709953" y="1840246"/>
               <a:ext cx="63202" cy="63202"/>
             </a:xfrm>
             <a:custGeom>
@@ -16115,7 +16115,7 @@
           </p:nvSpPr>
           <p:spPr>
             <a:xfrm>
-              <a:off x="4935645" y="2255143"/>
+              <a:off x="4728341" y="2255155"/>
               <a:ext cx="63202" cy="63202"/>
             </a:xfrm>
             <a:custGeom>
@@ -16158,7 +16158,7 @@
           </p:nvSpPr>
           <p:spPr>
             <a:xfrm>
-              <a:off x="4919936" y="1877708"/>
+              <a:off x="4771867" y="1877652"/>
               <a:ext cx="63202" cy="63202"/>
             </a:xfrm>
             <a:custGeom>
@@ -16201,7 +16201,7 @@
           </p:nvSpPr>
           <p:spPr>
             <a:xfrm>
-              <a:off x="5147200" y="2010160"/>
+              <a:off x="4909475" y="2010145"/>
               <a:ext cx="63202" cy="63202"/>
             </a:xfrm>
             <a:custGeom>
@@ -16244,7 +16244,7 @@
           </p:nvSpPr>
           <p:spPr>
             <a:xfrm>
-              <a:off x="4787640" y="2056154"/>
+              <a:off x="4663768" y="2056181"/>
               <a:ext cx="63202" cy="63202"/>
             </a:xfrm>
             <a:custGeom>
@@ -16287,7 +16287,7 @@
           </p:nvSpPr>
           <p:spPr>
             <a:xfrm>
-              <a:off x="5085620" y="1946387"/>
+              <a:off x="5061856" y="1946374"/>
               <a:ext cx="63202" cy="63202"/>
             </a:xfrm>
             <a:custGeom>
@@ -16330,7 +16330,7 @@
           </p:nvSpPr>
           <p:spPr>
             <a:xfrm>
-              <a:off x="4852199" y="2631664"/>
+              <a:off x="4488914" y="2631663"/>
               <a:ext cx="63202" cy="63202"/>
             </a:xfrm>
             <a:custGeom>
@@ -16373,7 +16373,7 @@
           </p:nvSpPr>
           <p:spPr>
             <a:xfrm>
-              <a:off x="4986075" y="2643069"/>
+              <a:off x="4617075" y="2643048"/>
               <a:ext cx="63202" cy="63202"/>
             </a:xfrm>
             <a:custGeom>
@@ -16416,7 +16416,7 @@
           </p:nvSpPr>
           <p:spPr>
             <a:xfrm>
-              <a:off x="4916266" y="2017304"/>
+              <a:off x="4685668" y="2017249"/>
               <a:ext cx="63202" cy="63202"/>
             </a:xfrm>
             <a:custGeom>
@@ -16459,7 +16459,7 @@
           </p:nvSpPr>
           <p:spPr>
             <a:xfrm>
-              <a:off x="4762032" y="2218439"/>
+              <a:off x="5094602" y="2218383"/>
               <a:ext cx="63202" cy="63202"/>
             </a:xfrm>
             <a:custGeom>
@@ -16502,7 +16502,7 @@
           </p:nvSpPr>
           <p:spPr>
             <a:xfrm>
-              <a:off x="4763902" y="2495293"/>
+              <a:off x="4591584" y="2495253"/>
               <a:ext cx="63202" cy="63202"/>
             </a:xfrm>
             <a:custGeom>
@@ -16545,7 +16545,7 @@
           </p:nvSpPr>
           <p:spPr>
             <a:xfrm>
-              <a:off x="4886833" y="1950279"/>
+              <a:off x="5059760" y="1950230"/>
               <a:ext cx="63202" cy="63202"/>
             </a:xfrm>
             <a:custGeom>
@@ -16588,7 +16588,7 @@
           </p:nvSpPr>
           <p:spPr>
             <a:xfrm>
-              <a:off x="4790056" y="2058368"/>
+              <a:off x="4951193" y="2058351"/>
               <a:ext cx="63202" cy="63202"/>
             </a:xfrm>
             <a:custGeom>
@@ -16631,7 +16631,7 @@
           </p:nvSpPr>
           <p:spPr>
             <a:xfrm>
-              <a:off x="4596010" y="1902290"/>
+              <a:off x="4719582" y="1902255"/>
               <a:ext cx="63202" cy="63202"/>
             </a:xfrm>
             <a:custGeom>
@@ -16674,7 +16674,7 @@
           </p:nvSpPr>
           <p:spPr>
             <a:xfrm>
-              <a:off x="5027944" y="2710826"/>
+              <a:off x="4611473" y="2710829"/>
               <a:ext cx="63202" cy="63202"/>
             </a:xfrm>
             <a:custGeom>
@@ -16717,7 +16717,7 @@
           </p:nvSpPr>
           <p:spPr>
             <a:xfrm>
-              <a:off x="4725174" y="1941911"/>
+              <a:off x="4778480" y="1941924"/>
               <a:ext cx="63202" cy="63202"/>
             </a:xfrm>
             <a:custGeom>
@@ -16760,7 +16760,7 @@
           </p:nvSpPr>
           <p:spPr>
             <a:xfrm>
-              <a:off x="4697983" y="2017286"/>
+              <a:off x="4874739" y="2017251"/>
               <a:ext cx="63202" cy="63202"/>
             </a:xfrm>
             <a:custGeom>
@@ -16803,7 +16803,7 @@
           </p:nvSpPr>
           <p:spPr>
             <a:xfrm>
-              <a:off x="4876553" y="2536514"/>
+              <a:off x="4479532" y="2536459"/>
               <a:ext cx="63202" cy="63202"/>
             </a:xfrm>
             <a:custGeom>
@@ -16846,7 +16846,7 @@
           </p:nvSpPr>
           <p:spPr>
             <a:xfrm>
-              <a:off x="4686652" y="2042190"/>
+              <a:off x="5117612" y="2042185"/>
               <a:ext cx="63202" cy="63202"/>
             </a:xfrm>
             <a:custGeom>
@@ -16889,7 +16889,7 @@
           </p:nvSpPr>
           <p:spPr>
             <a:xfrm>
-              <a:off x="4712398" y="2050006"/>
+              <a:off x="4639870" y="2049957"/>
               <a:ext cx="63202" cy="63202"/>
             </a:xfrm>
             <a:custGeom>
@@ -16932,7 +16932,7 @@
           </p:nvSpPr>
           <p:spPr>
             <a:xfrm>
-              <a:off x="5123074" y="1883308"/>
+              <a:off x="5124055" y="1883328"/>
               <a:ext cx="63202" cy="63202"/>
             </a:xfrm>
             <a:custGeom>
@@ -16975,7 +16975,7 @@
           </p:nvSpPr>
           <p:spPr>
             <a:xfrm>
-              <a:off x="5054922" y="1933992"/>
+              <a:off x="4905274" y="1933945"/>
               <a:ext cx="63202" cy="63202"/>
             </a:xfrm>
             <a:custGeom>
@@ -17018,7 +17018,7 @@
           </p:nvSpPr>
           <p:spPr>
             <a:xfrm>
-              <a:off x="4508469" y="2032296"/>
+              <a:off x="5120358" y="2032244"/>
               <a:ext cx="63202" cy="63202"/>
             </a:xfrm>
             <a:custGeom>
@@ -17061,7 +17061,7 @@
           </p:nvSpPr>
           <p:spPr>
             <a:xfrm>
-              <a:off x="4833706" y="1998070"/>
+              <a:off x="4500100" y="1998050"/>
               <a:ext cx="63202" cy="63202"/>
             </a:xfrm>
             <a:custGeom>
@@ -17104,7 +17104,7 @@
           </p:nvSpPr>
           <p:spPr>
             <a:xfrm>
-              <a:off x="4825176" y="1886365"/>
+              <a:off x="5073502" y="1886365"/>
               <a:ext cx="63202" cy="63202"/>
             </a:xfrm>
             <a:custGeom>
@@ -17147,7 +17147,7 @@
           </p:nvSpPr>
           <p:spPr>
             <a:xfrm>
-              <a:off x="4895163" y="2204922"/>
+              <a:off x="4852690" y="2204921"/>
               <a:ext cx="63202" cy="63202"/>
             </a:xfrm>
             <a:custGeom>
@@ -17190,7 +17190,7 @@
           </p:nvSpPr>
           <p:spPr>
             <a:xfrm>
-              <a:off x="4899896" y="1977482"/>
+              <a:off x="4836893" y="1977450"/>
               <a:ext cx="63202" cy="63202"/>
             </a:xfrm>
             <a:custGeom>
@@ -17233,7 +17233,7 @@
           </p:nvSpPr>
           <p:spPr>
             <a:xfrm>
-              <a:off x="5119367" y="1997652"/>
+              <a:off x="5145349" y="1997639"/>
               <a:ext cx="63202" cy="63202"/>
             </a:xfrm>
             <a:custGeom>
@@ -17276,7 +17276,7 @@
           </p:nvSpPr>
           <p:spPr>
             <a:xfrm>
-              <a:off x="4495945" y="2437536"/>
+              <a:off x="4751052" y="2437468"/>
               <a:ext cx="63202" cy="63202"/>
             </a:xfrm>
             <a:custGeom>
@@ -17319,7 +17319,7 @@
           </p:nvSpPr>
           <p:spPr>
             <a:xfrm>
-              <a:off x="4930704" y="2469289"/>
+              <a:off x="4539644" y="2469241"/>
               <a:ext cx="63202" cy="63202"/>
             </a:xfrm>
             <a:custGeom>
@@ -17362,7 +17362,7 @@
           </p:nvSpPr>
           <p:spPr>
             <a:xfrm>
-              <a:off x="4697802" y="1887766"/>
+              <a:off x="5028317" y="1887738"/>
               <a:ext cx="63202" cy="63202"/>
             </a:xfrm>
             <a:custGeom>
@@ -17405,7 +17405,7 @@
           </p:nvSpPr>
           <p:spPr>
             <a:xfrm>
-              <a:off x="4675743" y="1878249"/>
+              <a:off x="5004510" y="1878223"/>
               <a:ext cx="63202" cy="63202"/>
             </a:xfrm>
             <a:custGeom>
@@ -17448,7 +17448,7 @@
           </p:nvSpPr>
           <p:spPr>
             <a:xfrm>
-              <a:off x="4699614" y="1874690"/>
+              <a:off x="4989999" y="1874694"/>
               <a:ext cx="63202" cy="63202"/>
             </a:xfrm>
             <a:custGeom>
@@ -17491,7 +17491,7 @@
           </p:nvSpPr>
           <p:spPr>
             <a:xfrm>
-              <a:off x="4630739" y="2252508"/>
+              <a:off x="5112647" y="2252505"/>
               <a:ext cx="63202" cy="63202"/>
             </a:xfrm>
             <a:custGeom>
@@ -17534,7 +17534,7 @@
           </p:nvSpPr>
           <p:spPr>
             <a:xfrm>
-              <a:off x="4784021" y="1948078"/>
+              <a:off x="4837495" y="1948082"/>
               <a:ext cx="63202" cy="63202"/>
             </a:xfrm>
             <a:custGeom>
@@ -17577,7 +17577,7 @@
           </p:nvSpPr>
           <p:spPr>
             <a:xfrm>
-              <a:off x="4694460" y="1887341"/>
+              <a:off x="4852986" y="1887333"/>
               <a:ext cx="63202" cy="63202"/>
             </a:xfrm>
             <a:custGeom>
@@ -17620,7 +17620,7 @@
           </p:nvSpPr>
           <p:spPr>
             <a:xfrm>
-              <a:off x="4488092" y="2244106"/>
+              <a:off x="4541264" y="2244048"/>
               <a:ext cx="63202" cy="63202"/>
             </a:xfrm>
             <a:custGeom>
@@ -17663,7 +17663,7 @@
           </p:nvSpPr>
           <p:spPr>
             <a:xfrm>
-              <a:off x="4660223" y="1878268"/>
+              <a:off x="4953065" y="1878214"/>
               <a:ext cx="63202" cy="63202"/>
             </a:xfrm>
             <a:custGeom>
@@ -17706,7 +17706,7 @@
           </p:nvSpPr>
           <p:spPr>
             <a:xfrm>
-              <a:off x="5164318" y="1881824"/>
+              <a:off x="5083158" y="1881813"/>
               <a:ext cx="63202" cy="63202"/>
             </a:xfrm>
             <a:custGeom>
@@ -17749,7 +17749,7 @@
           </p:nvSpPr>
           <p:spPr>
             <a:xfrm>
-              <a:off x="4924674" y="1937510"/>
+              <a:off x="5055643" y="1937474"/>
               <a:ext cx="63202" cy="63202"/>
             </a:xfrm>
             <a:custGeom>
@@ -17792,7 +17792,7 @@
           </p:nvSpPr>
           <p:spPr>
             <a:xfrm>
-              <a:off x="4559506" y="1884416"/>
+              <a:off x="4977603" y="1884419"/>
               <a:ext cx="63202" cy="63202"/>
             </a:xfrm>
             <a:custGeom>
@@ -17835,7 +17835,7 @@
           </p:nvSpPr>
           <p:spPr>
             <a:xfrm>
-              <a:off x="4787160" y="2120882"/>
+              <a:off x="4759481" y="2120856"/>
               <a:ext cx="63202" cy="63202"/>
             </a:xfrm>
             <a:custGeom>
@@ -17878,7 +17878,7 @@
           </p:nvSpPr>
           <p:spPr>
             <a:xfrm>
-              <a:off x="4982848" y="1881388"/>
+              <a:off x="5145446" y="1881366"/>
               <a:ext cx="63202" cy="63202"/>
             </a:xfrm>
             <a:custGeom>
@@ -17921,7 +17921,7 @@
           </p:nvSpPr>
           <p:spPr>
             <a:xfrm>
-              <a:off x="4606440" y="1889671"/>
+              <a:off x="4683593" y="1889603"/>
               <a:ext cx="63202" cy="63202"/>
             </a:xfrm>
             <a:custGeom>
@@ -18020,7 +18020,7 @@
           </p:nvSpPr>
           <p:spPr>
             <a:xfrm>
-              <a:off x="4325757" y="4823710"/>
+              <a:off x="4325757" y="4823680"/>
               <a:ext cx="2796732" cy="0"/>
             </a:xfrm>
             <a:custGeom>
@@ -18063,7 +18063,7 @@
           </p:nvSpPr>
           <p:spPr>
             <a:xfrm>
-              <a:off x="4325757" y="4484265"/>
+              <a:off x="4325757" y="4484237"/>
               <a:ext cx="2796732" cy="0"/>
             </a:xfrm>
             <a:custGeom>
@@ -18106,7 +18106,7 @@
           </p:nvSpPr>
           <p:spPr>
             <a:xfrm>
-              <a:off x="4325757" y="4144819"/>
+              <a:off x="4325757" y="4144793"/>
               <a:ext cx="2796732" cy="0"/>
             </a:xfrm>
             <a:custGeom>
@@ -18149,7 +18149,7 @@
           </p:nvSpPr>
           <p:spPr>
             <a:xfrm>
-              <a:off x="4325757" y="3805374"/>
+              <a:off x="4325757" y="3805350"/>
               <a:ext cx="2796732" cy="0"/>
             </a:xfrm>
             <a:custGeom>
@@ -18192,7 +18192,7 @@
           </p:nvSpPr>
           <p:spPr>
             <a:xfrm>
-              <a:off x="4325757" y="3465928"/>
+              <a:off x="4325757" y="3465907"/>
               <a:ext cx="2796732" cy="0"/>
             </a:xfrm>
             <a:custGeom>
@@ -18235,7 +18235,7 @@
           </p:nvSpPr>
           <p:spPr>
             <a:xfrm>
-              <a:off x="4325757" y="4653987"/>
+              <a:off x="4325757" y="4653958"/>
               <a:ext cx="2796732" cy="0"/>
             </a:xfrm>
             <a:custGeom>
@@ -18278,7 +18278,7 @@
           </p:nvSpPr>
           <p:spPr>
             <a:xfrm>
-              <a:off x="4325757" y="4314542"/>
+              <a:off x="4325757" y="4314515"/>
               <a:ext cx="2796732" cy="0"/>
             </a:xfrm>
             <a:custGeom>
@@ -18321,7 +18321,7 @@
           </p:nvSpPr>
           <p:spPr>
             <a:xfrm>
-              <a:off x="4325757" y="3975096"/>
+              <a:off x="4325757" y="3975072"/>
               <a:ext cx="2796732" cy="0"/>
             </a:xfrm>
             <a:custGeom>
@@ -18364,7 +18364,7 @@
           </p:nvSpPr>
           <p:spPr>
             <a:xfrm>
-              <a:off x="4325757" y="3635651"/>
+              <a:off x="4325757" y="3635628"/>
               <a:ext cx="2796732" cy="0"/>
             </a:xfrm>
             <a:custGeom>
@@ -18536,7 +18536,7 @@
           </p:nvSpPr>
           <p:spPr>
             <a:xfrm>
-              <a:off x="5004298" y="4110772"/>
+              <a:off x="5000917" y="4110723"/>
               <a:ext cx="63202" cy="63202"/>
             </a:xfrm>
             <a:custGeom>
@@ -18579,7 +18579,7 @@
           </p:nvSpPr>
           <p:spPr>
             <a:xfrm>
-              <a:off x="4912260" y="4018467"/>
+              <a:off x="4893333" y="4018419"/>
               <a:ext cx="63202" cy="63202"/>
             </a:xfrm>
             <a:custGeom>
@@ -18622,7 +18622,7 @@
           </p:nvSpPr>
           <p:spPr>
             <a:xfrm>
-              <a:off x="6024622" y="3902618"/>
+              <a:off x="5420435" y="3902597"/>
               <a:ext cx="63202" cy="63202"/>
             </a:xfrm>
             <a:custGeom>
@@ -18665,7 +18665,7 @@
           </p:nvSpPr>
           <p:spPr>
             <a:xfrm>
-              <a:off x="6595688" y="4711997"/>
+              <a:off x="6822478" y="4711993"/>
               <a:ext cx="63202" cy="63202"/>
             </a:xfrm>
             <a:custGeom>
@@ -18708,7 +18708,7 @@
           </p:nvSpPr>
           <p:spPr>
             <a:xfrm>
-              <a:off x="6743601" y="4883747"/>
+              <a:off x="6549009" y="4883747"/>
               <a:ext cx="63202" cy="63202"/>
             </a:xfrm>
             <a:custGeom>
@@ -18751,7 +18751,7 @@
           </p:nvSpPr>
           <p:spPr>
             <a:xfrm>
-              <a:off x="6508031" y="4589660"/>
+              <a:off x="6884288" y="4589613"/>
               <a:ext cx="63202" cy="63202"/>
             </a:xfrm>
             <a:custGeom>
@@ -18794,7 +18794,7 @@
           </p:nvSpPr>
           <p:spPr>
             <a:xfrm>
-              <a:off x="6801803" y="4854344"/>
+              <a:off x="6539182" y="4854354"/>
               <a:ext cx="63202" cy="63202"/>
             </a:xfrm>
             <a:custGeom>
@@ -18893,7 +18893,7 @@
           </p:nvSpPr>
           <p:spPr>
             <a:xfrm>
-              <a:off x="4325757" y="6749043"/>
+              <a:off x="4325757" y="6749013"/>
               <a:ext cx="2796732" cy="0"/>
             </a:xfrm>
             <a:custGeom>
@@ -18936,7 +18936,7 @@
           </p:nvSpPr>
           <p:spPr>
             <a:xfrm>
-              <a:off x="4325757" y="6409597"/>
+              <a:off x="4325757" y="6409569"/>
               <a:ext cx="2796732" cy="0"/>
             </a:xfrm>
             <a:custGeom>
@@ -18979,7 +18979,7 @@
           </p:nvSpPr>
           <p:spPr>
             <a:xfrm>
-              <a:off x="4325757" y="6070152"/>
+              <a:off x="4325757" y="6070126"/>
               <a:ext cx="2796732" cy="0"/>
             </a:xfrm>
             <a:custGeom>
@@ -19022,7 +19022,7 @@
           </p:nvSpPr>
           <p:spPr>
             <a:xfrm>
-              <a:off x="4325757" y="5730706"/>
+              <a:off x="4325757" y="5730683"/>
               <a:ext cx="2796732" cy="0"/>
             </a:xfrm>
             <a:custGeom>
@@ -19065,7 +19065,7 @@
           </p:nvSpPr>
           <p:spPr>
             <a:xfrm>
-              <a:off x="4325757" y="5391261"/>
+              <a:off x="4325757" y="5391239"/>
               <a:ext cx="2796732" cy="0"/>
             </a:xfrm>
             <a:custGeom>
@@ -19108,7 +19108,7 @@
           </p:nvSpPr>
           <p:spPr>
             <a:xfrm>
-              <a:off x="4325757" y="6579320"/>
+              <a:off x="4325757" y="6579291"/>
               <a:ext cx="2796732" cy="0"/>
             </a:xfrm>
             <a:custGeom>
@@ -19151,7 +19151,7 @@
           </p:nvSpPr>
           <p:spPr>
             <a:xfrm>
-              <a:off x="4325757" y="6239874"/>
+              <a:off x="4325757" y="6239848"/>
               <a:ext cx="2796732" cy="0"/>
             </a:xfrm>
             <a:custGeom>
@@ -19194,7 +19194,7 @@
           </p:nvSpPr>
           <p:spPr>
             <a:xfrm>
-              <a:off x="4325757" y="5900429"/>
+              <a:off x="4325757" y="5900404"/>
               <a:ext cx="2796732" cy="0"/>
             </a:xfrm>
             <a:custGeom>
@@ -19237,7 +19237,7 @@
           </p:nvSpPr>
           <p:spPr>
             <a:xfrm>
-              <a:off x="4325757" y="5560983"/>
+              <a:off x="4325757" y="5560961"/>
               <a:ext cx="2796732" cy="0"/>
             </a:xfrm>
             <a:custGeom>
@@ -19409,7 +19409,7 @@
           </p:nvSpPr>
           <p:spPr>
             <a:xfrm>
-              <a:off x="5120733" y="5434589"/>
+              <a:off x="4807840" y="5434571"/>
               <a:ext cx="63202" cy="63202"/>
             </a:xfrm>
             <a:custGeom>
@@ -19452,7 +19452,7 @@
           </p:nvSpPr>
           <p:spPr>
             <a:xfrm>
-              <a:off x="4549416" y="5398040"/>
+              <a:off x="4685143" y="5398013"/>
               <a:ext cx="63202" cy="63202"/>
             </a:xfrm>
             <a:custGeom>
@@ -19495,7 +19495,7 @@
           </p:nvSpPr>
           <p:spPr>
             <a:xfrm>
-              <a:off x="5005867" y="5484058"/>
+              <a:off x="4557142" y="5484012"/>
               <a:ext cx="63202" cy="63202"/>
             </a:xfrm>
             <a:custGeom>
@@ -19538,7 +19538,7 @@
           </p:nvSpPr>
           <p:spPr>
             <a:xfrm>
-              <a:off x="4488338" y="5317369"/>
+              <a:off x="4604963" y="5317369"/>
               <a:ext cx="63202" cy="63202"/>
             </a:xfrm>
             <a:custGeom>
@@ -19581,7 +19581,7 @@
           </p:nvSpPr>
           <p:spPr>
             <a:xfrm>
-              <a:off x="4669458" y="5398846"/>
+              <a:off x="5128918" y="5398815"/>
               <a:ext cx="63202" cy="63202"/>
             </a:xfrm>
             <a:custGeom>
@@ -19624,7 +19624,7 @@
           </p:nvSpPr>
           <p:spPr>
             <a:xfrm>
-              <a:off x="4919993" y="5422045"/>
+              <a:off x="5108498" y="5422040"/>
               <a:ext cx="63202" cy="63202"/>
             </a:xfrm>
             <a:custGeom>
@@ -19667,7 +19667,7 @@
           </p:nvSpPr>
           <p:spPr>
             <a:xfrm>
-              <a:off x="4760732" y="5395836"/>
+              <a:off x="4925695" y="5395822"/>
               <a:ext cx="63202" cy="63202"/>
             </a:xfrm>
             <a:custGeom>
@@ -19710,7 +19710,7 @@
           </p:nvSpPr>
           <p:spPr>
             <a:xfrm>
-              <a:off x="4551589" y="5498645"/>
+              <a:off x="4879554" y="5498618"/>
               <a:ext cx="63202" cy="63202"/>
             </a:xfrm>
             <a:custGeom>
@@ -19753,7 +19753,7 @@
           </p:nvSpPr>
           <p:spPr>
             <a:xfrm>
-              <a:off x="4940494" y="5735247"/>
+              <a:off x="5000790" y="5735185"/>
               <a:ext cx="63202" cy="63202"/>
             </a:xfrm>
             <a:custGeom>
@@ -19796,7 +19796,7 @@
           </p:nvSpPr>
           <p:spPr>
             <a:xfrm>
-              <a:off x="5037860" y="5483822"/>
+              <a:off x="4523794" y="5483802"/>
               <a:ext cx="63202" cy="63202"/>
             </a:xfrm>
             <a:custGeom>
@@ -19839,7 +19839,7 @@
           </p:nvSpPr>
           <p:spPr>
             <a:xfrm>
-              <a:off x="5135724" y="5493756"/>
+              <a:off x="4488252" y="5493709"/>
               <a:ext cx="63202" cy="63202"/>
             </a:xfrm>
             <a:custGeom>
@@ -19882,7 +19882,7 @@
           </p:nvSpPr>
           <p:spPr>
             <a:xfrm>
-              <a:off x="4633187" y="5719334"/>
+              <a:off x="4991128" y="5719335"/>
               <a:ext cx="63202" cy="63202"/>
             </a:xfrm>
             <a:custGeom>
@@ -19925,7 +19925,7 @@
           </p:nvSpPr>
           <p:spPr>
             <a:xfrm>
-              <a:off x="4826909" y="5721660"/>
+              <a:off x="4770603" y="5721612"/>
               <a:ext cx="63202" cy="63202"/>
             </a:xfrm>
             <a:custGeom>
@@ -19968,7 +19968,7 @@
           </p:nvSpPr>
           <p:spPr>
             <a:xfrm>
-              <a:off x="4717353" y="5449048"/>
+              <a:off x="4607042" y="5449034"/>
               <a:ext cx="63202" cy="63202"/>
             </a:xfrm>
             <a:custGeom>
@@ -20011,7 +20011,7 @@
           </p:nvSpPr>
           <p:spPr>
             <a:xfrm>
-              <a:off x="4549906" y="5494717"/>
+              <a:off x="4818601" y="5494678"/>
               <a:ext cx="63202" cy="63202"/>
             </a:xfrm>
             <a:custGeom>
@@ -20054,7 +20054,7 @@
           </p:nvSpPr>
           <p:spPr>
             <a:xfrm>
-              <a:off x="4960633" y="5371817"/>
+              <a:off x="4708141" y="5371817"/>
               <a:ext cx="63202" cy="63202"/>
             </a:xfrm>
             <a:custGeom>
@@ -20097,7 +20097,7 @@
           </p:nvSpPr>
           <p:spPr>
             <a:xfrm>
-              <a:off x="4682937" y="5467454"/>
+              <a:off x="4878045" y="5467433"/>
               <a:ext cx="63202" cy="63202"/>
             </a:xfrm>
             <a:custGeom>
@@ -20140,7 +20140,7 @@
           </p:nvSpPr>
           <p:spPr>
             <a:xfrm>
-              <a:off x="4564628" y="5389343"/>
+              <a:off x="4638881" y="5389322"/>
               <a:ext cx="63202" cy="63202"/>
             </a:xfrm>
             <a:custGeom>
@@ -20183,7 +20183,7 @@
           </p:nvSpPr>
           <p:spPr>
             <a:xfrm>
-              <a:off x="4807931" y="5429908"/>
+              <a:off x="4693914" y="5429903"/>
               <a:ext cx="63202" cy="63202"/>
             </a:xfrm>
             <a:custGeom>
@@ -20226,7 +20226,7 @@
           </p:nvSpPr>
           <p:spPr>
             <a:xfrm>
-              <a:off x="4719079" y="5367513"/>
+              <a:off x="4605556" y="5367494"/>
               <a:ext cx="63202" cy="63202"/>
             </a:xfrm>
             <a:custGeom>
@@ -20269,7 +20269,7 @@
           </p:nvSpPr>
           <p:spPr>
             <a:xfrm>
-              <a:off x="4546814" y="5893243"/>
+              <a:off x="4630599" y="5893220"/>
               <a:ext cx="63202" cy="63202"/>
             </a:xfrm>
             <a:custGeom>
@@ -20312,7 +20312,7 @@
           </p:nvSpPr>
           <p:spPr>
             <a:xfrm>
-              <a:off x="4825312" y="5428370"/>
+              <a:off x="5136581" y="5428339"/>
               <a:ext cx="63202" cy="63202"/>
             </a:xfrm>
             <a:custGeom>
@@ -20355,7 +20355,7 @@
           </p:nvSpPr>
           <p:spPr>
             <a:xfrm>
-              <a:off x="5053024" y="5424752"/>
+              <a:off x="4726242" y="5424744"/>
               <a:ext cx="63202" cy="63202"/>
             </a:xfrm>
             <a:custGeom>
@@ -20398,7 +20398,7 @@
           </p:nvSpPr>
           <p:spPr>
             <a:xfrm>
-              <a:off x="4650454" y="5381581"/>
+              <a:off x="4528408" y="5381570"/>
               <a:ext cx="63202" cy="63202"/>
             </a:xfrm>
             <a:custGeom>
@@ -20441,7 +20441,7 @@
           </p:nvSpPr>
           <p:spPr>
             <a:xfrm>
-              <a:off x="4598447" y="5395308"/>
+              <a:off x="4697304" y="5395271"/>
               <a:ext cx="63202" cy="63202"/>
             </a:xfrm>
             <a:custGeom>
@@ -20484,7 +20484,7 @@
           </p:nvSpPr>
           <p:spPr>
             <a:xfrm>
-              <a:off x="4795980" y="5423314"/>
+              <a:off x="4998882" y="5423297"/>
               <a:ext cx="63202" cy="63202"/>
             </a:xfrm>
             <a:custGeom>
@@ -20527,7 +20527,7 @@
           </p:nvSpPr>
           <p:spPr>
             <a:xfrm>
-              <a:off x="4725545" y="5421799"/>
+              <a:off x="4514439" y="5421731"/>
               <a:ext cx="63202" cy="63202"/>
             </a:xfrm>
             <a:custGeom>
@@ -20570,7 +20570,7 @@
           </p:nvSpPr>
           <p:spPr>
             <a:xfrm>
-              <a:off x="5143770" y="5397869"/>
+              <a:off x="4529741" y="5397869"/>
               <a:ext cx="63202" cy="63202"/>
             </a:xfrm>
             <a:custGeom>
@@ -20613,7 +20613,7 @@
           </p:nvSpPr>
           <p:spPr>
             <a:xfrm>
-              <a:off x="5015730" y="5483260"/>
+              <a:off x="4701534" y="5483268"/>
               <a:ext cx="63202" cy="63202"/>
             </a:xfrm>
             <a:custGeom>
@@ -20656,7 +20656,7 @@
           </p:nvSpPr>
           <p:spPr>
             <a:xfrm>
-              <a:off x="4625123" y="5451170"/>
+              <a:off x="4621254" y="5451126"/>
               <a:ext cx="63202" cy="63202"/>
             </a:xfrm>
             <a:custGeom>
@@ -20699,7 +20699,7 @@
           </p:nvSpPr>
           <p:spPr>
             <a:xfrm>
-              <a:off x="4857527" y="5432935"/>
+              <a:off x="4537338" y="5432882"/>
               <a:ext cx="63202" cy="63202"/>
             </a:xfrm>
             <a:custGeom>
@@ -20742,7 +20742,7 @@
           </p:nvSpPr>
           <p:spPr>
             <a:xfrm>
-              <a:off x="4946718" y="5381597"/>
+              <a:off x="5049120" y="5381571"/>
               <a:ext cx="63202" cy="63202"/>
             </a:xfrm>
             <a:custGeom>
@@ -20785,7 +20785,7 @@
           </p:nvSpPr>
           <p:spPr>
             <a:xfrm>
-              <a:off x="4509228" y="5395800"/>
+              <a:off x="4778123" y="5395764"/>
               <a:ext cx="63202" cy="63202"/>
             </a:xfrm>
             <a:custGeom>
@@ -20828,7 +20828,7 @@
           </p:nvSpPr>
           <p:spPr>
             <a:xfrm>
-              <a:off x="5150559" y="5395840"/>
+              <a:off x="4514687" y="5395804"/>
               <a:ext cx="63202" cy="63202"/>
             </a:xfrm>
             <a:custGeom>
@@ -20871,7 +20871,7 @@
           </p:nvSpPr>
           <p:spPr>
             <a:xfrm>
-              <a:off x="4635997" y="5433133"/>
+              <a:off x="4600201" y="5433105"/>
               <a:ext cx="63202" cy="63202"/>
             </a:xfrm>
             <a:custGeom>
@@ -20914,7 +20914,7 @@
           </p:nvSpPr>
           <p:spPr>
             <a:xfrm>
-              <a:off x="4486177" y="5434415"/>
+              <a:off x="4621913" y="5434366"/>
               <a:ext cx="63202" cy="63202"/>
             </a:xfrm>
             <a:custGeom>
@@ -20957,7 +20957,7 @@
           </p:nvSpPr>
           <p:spPr>
             <a:xfrm>
-              <a:off x="4933583" y="5633842"/>
+              <a:off x="4636114" y="5633832"/>
               <a:ext cx="63202" cy="63202"/>
             </a:xfrm>
             <a:custGeom>
@@ -21000,7 +21000,7 @@
           </p:nvSpPr>
           <p:spPr>
             <a:xfrm>
-              <a:off x="5136438" y="5386160"/>
+              <a:off x="5080654" y="5386131"/>
               <a:ext cx="63202" cy="63202"/>
             </a:xfrm>
             <a:custGeom>
@@ -21043,7 +21043,7 @@
           </p:nvSpPr>
           <p:spPr>
             <a:xfrm>
-              <a:off x="4690167" y="5437485"/>
+              <a:off x="4602776" y="5437423"/>
               <a:ext cx="63202" cy="63202"/>
             </a:xfrm>
             <a:custGeom>
@@ -21086,7 +21086,7 @@
           </p:nvSpPr>
           <p:spPr>
             <a:xfrm>
-              <a:off x="4811758" y="5475963"/>
+              <a:off x="4993574" y="5475936"/>
               <a:ext cx="63202" cy="63202"/>
             </a:xfrm>
             <a:custGeom>
@@ -21129,7 +21129,7 @@
           </p:nvSpPr>
           <p:spPr>
             <a:xfrm>
-              <a:off x="4727485" y="5392453"/>
+              <a:off x="4765389" y="5392447"/>
               <a:ext cx="63202" cy="63202"/>
             </a:xfrm>
             <a:custGeom>
@@ -21172,7 +21172,7 @@
           </p:nvSpPr>
           <p:spPr>
             <a:xfrm>
-              <a:off x="4707560" y="5417563"/>
+              <a:off x="4744986" y="5417533"/>
               <a:ext cx="63202" cy="63202"/>
             </a:xfrm>
             <a:custGeom>
@@ -21215,7 +21215,7 @@
           </p:nvSpPr>
           <p:spPr>
             <a:xfrm>
-              <a:off x="4493525" y="5877651"/>
+              <a:off x="4535991" y="5877613"/>
               <a:ext cx="63202" cy="63202"/>
             </a:xfrm>
             <a:custGeom>
@@ -21258,7 +21258,7 @@
           </p:nvSpPr>
           <p:spPr>
             <a:xfrm>
-              <a:off x="4811558" y="5433941"/>
+              <a:off x="4651053" y="5433917"/>
               <a:ext cx="63202" cy="63202"/>
             </a:xfrm>
             <a:custGeom>
@@ -21301,7 +21301,7 @@
           </p:nvSpPr>
           <p:spPr>
             <a:xfrm>
-              <a:off x="5136766" y="5622749"/>
+              <a:off x="4869432" y="5622697"/>
               <a:ext cx="63202" cy="63202"/>
             </a:xfrm>
             <a:custGeom>
@@ -21344,7 +21344,7 @@
           </p:nvSpPr>
           <p:spPr>
             <a:xfrm>
-              <a:off x="4579885" y="5395651"/>
+              <a:off x="4672489" y="5395607"/>
               <a:ext cx="63202" cy="63202"/>
             </a:xfrm>
             <a:custGeom>
@@ -21387,7 +21387,7 @@
           </p:nvSpPr>
           <p:spPr>
             <a:xfrm>
-              <a:off x="4671878" y="5605209"/>
+              <a:off x="4648759" y="5605166"/>
               <a:ext cx="63202" cy="63202"/>
             </a:xfrm>
             <a:custGeom>
@@ -21430,7 +21430,7 @@
           </p:nvSpPr>
           <p:spPr>
             <a:xfrm>
-              <a:off x="4832554" y="5399830"/>
+              <a:off x="4729432" y="5399825"/>
               <a:ext cx="63202" cy="63202"/>
             </a:xfrm>
             <a:custGeom>
@@ -21473,7 +21473,7 @@
           </p:nvSpPr>
           <p:spPr>
             <a:xfrm>
-              <a:off x="4729948" y="5447229"/>
+              <a:off x="4629946" y="5447208"/>
               <a:ext cx="63202" cy="63202"/>
             </a:xfrm>
             <a:custGeom>
@@ -21516,7 +21516,7 @@
           </p:nvSpPr>
           <p:spPr>
             <a:xfrm>
-              <a:off x="4800199" y="5412398"/>
+              <a:off x="4992436" y="5412409"/>
               <a:ext cx="63202" cy="63202"/>
             </a:xfrm>
             <a:custGeom>
@@ -21559,7 +21559,7 @@
           </p:nvSpPr>
           <p:spPr>
             <a:xfrm>
-              <a:off x="4945101" y="5508499"/>
+              <a:off x="4644139" y="5508450"/>
               <a:ext cx="63202" cy="63202"/>
             </a:xfrm>
             <a:custGeom>
@@ -21602,7 +21602,7 @@
           </p:nvSpPr>
           <p:spPr>
             <a:xfrm>
-              <a:off x="4714197" y="5447999"/>
+              <a:off x="4514846" y="5447944"/>
               <a:ext cx="63202" cy="63202"/>
             </a:xfrm>
             <a:custGeom>
@@ -21645,7 +21645,7 @@
           </p:nvSpPr>
           <p:spPr>
             <a:xfrm>
-              <a:off x="4924303" y="5837176"/>
+              <a:off x="5037616" y="5837185"/>
               <a:ext cx="63202" cy="63202"/>
             </a:xfrm>
             <a:custGeom>
@@ -21688,7 +21688,7 @@
           </p:nvSpPr>
           <p:spPr>
             <a:xfrm>
-              <a:off x="4872175" y="5759870"/>
+              <a:off x="4798893" y="5759857"/>
               <a:ext cx="63202" cy="63202"/>
             </a:xfrm>
             <a:custGeom>
@@ -21731,7 +21731,7 @@
           </p:nvSpPr>
           <p:spPr>
             <a:xfrm>
-              <a:off x="4739265" y="5393747"/>
+              <a:off x="4662896" y="5393728"/>
               <a:ext cx="63202" cy="63202"/>
             </a:xfrm>
             <a:custGeom>
@@ -21774,7 +21774,7 @@
           </p:nvSpPr>
           <p:spPr>
             <a:xfrm>
-              <a:off x="4988556" y="5478961"/>
+              <a:off x="4952762" y="5478899"/>
               <a:ext cx="63202" cy="63202"/>
             </a:xfrm>
             <a:custGeom>
@@ -21817,7 +21817,7 @@
           </p:nvSpPr>
           <p:spPr>
             <a:xfrm>
-              <a:off x="4509766" y="5587129"/>
+              <a:off x="4831769" y="5587135"/>
               <a:ext cx="63202" cy="63202"/>
             </a:xfrm>
             <a:custGeom>
@@ -21860,7 +21860,7 @@
           </p:nvSpPr>
           <p:spPr>
             <a:xfrm>
-              <a:off x="4629810" y="5404488"/>
+              <a:off x="4744981" y="5404419"/>
               <a:ext cx="63202" cy="63202"/>
             </a:xfrm>
             <a:custGeom>
@@ -21903,7 +21903,7 @@
           </p:nvSpPr>
           <p:spPr>
             <a:xfrm>
-              <a:off x="4997675" y="5387705"/>
+              <a:off x="5060159" y="5387682"/>
               <a:ext cx="63202" cy="63202"/>
             </a:xfrm>
             <a:custGeom>
@@ -21946,7 +21946,7 @@
           </p:nvSpPr>
           <p:spPr>
             <a:xfrm>
-              <a:off x="4482097" y="5486384"/>
+              <a:off x="4655969" y="5486392"/>
               <a:ext cx="63202" cy="63202"/>
             </a:xfrm>
             <a:custGeom>
@@ -21989,7 +21989,7 @@
           </p:nvSpPr>
           <p:spPr>
             <a:xfrm>
-              <a:off x="4796694" y="5487179"/>
+              <a:off x="4936729" y="5487144"/>
               <a:ext cx="63202" cy="63202"/>
             </a:xfrm>
             <a:custGeom>
@@ -22032,7 +22032,7 @@
           </p:nvSpPr>
           <p:spPr>
             <a:xfrm>
-              <a:off x="4632134" y="5496839"/>
+              <a:off x="4991373" y="5496824"/>
               <a:ext cx="63202" cy="63202"/>
             </a:xfrm>
             <a:custGeom>
@@ -22075,7 +22075,7 @@
           </p:nvSpPr>
           <p:spPr>
             <a:xfrm>
-              <a:off x="5090009" y="5890732"/>
+              <a:off x="5076236" y="5890748"/>
               <a:ext cx="63202" cy="63202"/>
             </a:xfrm>
             <a:custGeom>
@@ -22118,7 +22118,7 @@
           </p:nvSpPr>
           <p:spPr>
             <a:xfrm>
-              <a:off x="4585334" y="5399892"/>
+              <a:off x="4744220" y="5399923"/>
               <a:ext cx="63202" cy="63202"/>
             </a:xfrm>
             <a:custGeom>
@@ -22161,7 +22161,7 @@
           </p:nvSpPr>
           <p:spPr>
             <a:xfrm>
-              <a:off x="5022210" y="5417244"/>
+              <a:off x="4490799" y="5417225"/>
               <a:ext cx="63202" cy="63202"/>
             </a:xfrm>
             <a:custGeom>
@@ -22204,7 +22204,7 @@
           </p:nvSpPr>
           <p:spPr>
             <a:xfrm>
-              <a:off x="5166068" y="5496676"/>
+              <a:off x="4860911" y="5496658"/>
               <a:ext cx="63202" cy="63202"/>
             </a:xfrm>
             <a:custGeom>
@@ -22247,7 +22247,7 @@
           </p:nvSpPr>
           <p:spPr>
             <a:xfrm>
-              <a:off x="5097866" y="5410847"/>
+              <a:off x="4519964" y="5410834"/>
               <a:ext cx="63202" cy="63202"/>
             </a:xfrm>
             <a:custGeom>
@@ -22290,7 +22290,7 @@
           </p:nvSpPr>
           <p:spPr>
             <a:xfrm>
-              <a:off x="4990746" y="5407675"/>
+              <a:off x="4887438" y="5407615"/>
               <a:ext cx="63202" cy="63202"/>
             </a:xfrm>
             <a:custGeom>
@@ -22333,7 +22333,7 @@
           </p:nvSpPr>
           <p:spPr>
             <a:xfrm>
-              <a:off x="5088463" y="5753019"/>
+              <a:off x="4490137" y="5752966"/>
               <a:ext cx="63202" cy="63202"/>
             </a:xfrm>
             <a:custGeom>
@@ -22376,7 +22376,7 @@
           </p:nvSpPr>
           <p:spPr>
             <a:xfrm>
-              <a:off x="4808100" y="5387927"/>
+              <a:off x="5035508" y="5387904"/>
               <a:ext cx="63202" cy="63202"/>
             </a:xfrm>
             <a:custGeom>
@@ -22419,7 +22419,7 @@
           </p:nvSpPr>
           <p:spPr>
             <a:xfrm>
-              <a:off x="4751481" y="5391757"/>
+              <a:off x="4887299" y="5391742"/>
               <a:ext cx="63202" cy="63202"/>
             </a:xfrm>
             <a:custGeom>
@@ -22462,7 +22462,7 @@
           </p:nvSpPr>
           <p:spPr>
             <a:xfrm>
-              <a:off x="4657179" y="5376744"/>
+              <a:off x="4565649" y="5376760"/>
               <a:ext cx="63202" cy="63202"/>
             </a:xfrm>
             <a:custGeom>
@@ -22505,7 +22505,7 @@
           </p:nvSpPr>
           <p:spPr>
             <a:xfrm>
-              <a:off x="4568198" y="5761705"/>
+              <a:off x="4769876" y="5761699"/>
               <a:ext cx="63202" cy="63202"/>
             </a:xfrm>
             <a:custGeom>
@@ -22548,7 +22548,7 @@
           </p:nvSpPr>
           <p:spPr>
             <a:xfrm>
-              <a:off x="4701632" y="5397626"/>
+              <a:off x="4973474" y="5397598"/>
               <a:ext cx="63202" cy="63202"/>
             </a:xfrm>
             <a:custGeom>
@@ -22591,7 +22591,7 @@
           </p:nvSpPr>
           <p:spPr>
             <a:xfrm>
-              <a:off x="4920367" y="5403901"/>
+              <a:off x="4911090" y="5403876"/>
               <a:ext cx="63202" cy="63202"/>
             </a:xfrm>
             <a:custGeom>
@@ -22634,7 +22634,7 @@
           </p:nvSpPr>
           <p:spPr>
             <a:xfrm>
-              <a:off x="4892191" y="5605200"/>
+              <a:off x="5155712" y="5605184"/>
               <a:ext cx="63202" cy="63202"/>
             </a:xfrm>
             <a:custGeom>
@@ -22677,7 +22677,7 @@
           </p:nvSpPr>
           <p:spPr>
             <a:xfrm>
-              <a:off x="4784640" y="5496344"/>
+              <a:off x="4514180" y="5496289"/>
               <a:ext cx="63202" cy="63202"/>
             </a:xfrm>
             <a:custGeom>
@@ -22720,7 +22720,7 @@
           </p:nvSpPr>
           <p:spPr>
             <a:xfrm>
-              <a:off x="5074173" y="5490933"/>
+              <a:off x="5062370" y="5490946"/>
               <a:ext cx="63202" cy="63202"/>
             </a:xfrm>
             <a:custGeom>
@@ -22763,7 +22763,7 @@
           </p:nvSpPr>
           <p:spPr>
             <a:xfrm>
-              <a:off x="4503779" y="5405894"/>
+              <a:off x="5130398" y="5405870"/>
               <a:ext cx="63202" cy="63202"/>
             </a:xfrm>
             <a:custGeom>
@@ -22806,7 +22806,7 @@
           </p:nvSpPr>
           <p:spPr>
             <a:xfrm>
-              <a:off x="4821522" y="5406482"/>
+              <a:off x="4779061" y="5406492"/>
               <a:ext cx="63202" cy="63202"/>
             </a:xfrm>
             <a:custGeom>
@@ -22849,7 +22849,7 @@
           </p:nvSpPr>
           <p:spPr>
             <a:xfrm>
-              <a:off x="4761666" y="5437240"/>
+              <a:off x="4568010" y="5437214"/>
               <a:ext cx="63202" cy="63202"/>
             </a:xfrm>
             <a:custGeom>
@@ -22892,7 +22892,7 @@
           </p:nvSpPr>
           <p:spPr>
             <a:xfrm>
-              <a:off x="5165514" y="5792067"/>
+              <a:off x="5116085" y="5792026"/>
               <a:ext cx="63202" cy="63202"/>
             </a:xfrm>
             <a:custGeom>
@@ -22935,7 +22935,7 @@
           </p:nvSpPr>
           <p:spPr>
             <a:xfrm>
-              <a:off x="5012299" y="6077836"/>
+              <a:off x="4485320" y="6077842"/>
               <a:ext cx="63202" cy="63202"/>
             </a:xfrm>
             <a:custGeom>
@@ -22978,7 +22978,7 @@
           </p:nvSpPr>
           <p:spPr>
             <a:xfrm>
-              <a:off x="4624922" y="5436078"/>
+              <a:off x="4579006" y="5436085"/>
               <a:ext cx="63202" cy="63202"/>
             </a:xfrm>
             <a:custGeom>
@@ -23021,7 +23021,7 @@
           </p:nvSpPr>
           <p:spPr>
             <a:xfrm>
-              <a:off x="4820479" y="6616404"/>
+              <a:off x="4813926" y="6616420"/>
               <a:ext cx="63202" cy="63202"/>
             </a:xfrm>
             <a:custGeom>
@@ -23064,7 +23064,7 @@
           </p:nvSpPr>
           <p:spPr>
             <a:xfrm>
-              <a:off x="4824331" y="5509840"/>
+              <a:off x="5033803" y="5509795"/>
               <a:ext cx="63202" cy="63202"/>
             </a:xfrm>
             <a:custGeom>
@@ -23107,7 +23107,7 @@
           </p:nvSpPr>
           <p:spPr>
             <a:xfrm>
-              <a:off x="4900229" y="5445290"/>
+              <a:off x="4791722" y="5445270"/>
               <a:ext cx="63202" cy="63202"/>
             </a:xfrm>
             <a:custGeom>
@@ -23150,7 +23150,7 @@
           </p:nvSpPr>
           <p:spPr>
             <a:xfrm>
-              <a:off x="4869369" y="5383617"/>
+              <a:off x="5017769" y="5383613"/>
               <a:ext cx="63202" cy="63202"/>
             </a:xfrm>
             <a:custGeom>
@@ -23193,7 +23193,7 @@
           </p:nvSpPr>
           <p:spPr>
             <a:xfrm>
-              <a:off x="5109951" y="5529357"/>
+              <a:off x="4845585" y="5529371"/>
               <a:ext cx="63202" cy="63202"/>
             </a:xfrm>
             <a:custGeom>
@@ -23236,7 +23236,7 @@
           </p:nvSpPr>
           <p:spPr>
             <a:xfrm>
-              <a:off x="5083775" y="5403767"/>
+              <a:off x="4707499" y="5403754"/>
               <a:ext cx="63202" cy="63202"/>
             </a:xfrm>
             <a:custGeom>
@@ -23279,7 +23279,7 @@
           </p:nvSpPr>
           <p:spPr>
             <a:xfrm>
-              <a:off x="4980162" y="5483847"/>
+              <a:off x="5160354" y="5483782"/>
               <a:ext cx="63202" cy="63202"/>
             </a:xfrm>
             <a:custGeom>
@@ -23322,7 +23322,7 @@
           </p:nvSpPr>
           <p:spPr>
             <a:xfrm>
-              <a:off x="4566715" y="5497148"/>
+              <a:off x="4668723" y="5497123"/>
               <a:ext cx="63202" cy="63202"/>
             </a:xfrm>
             <a:custGeom>
@@ -23365,7 +23365,7 @@
           </p:nvSpPr>
           <p:spPr>
             <a:xfrm>
-              <a:off x="4988212" y="5521223"/>
+              <a:off x="4685689" y="5521219"/>
               <a:ext cx="63202" cy="63202"/>
             </a:xfrm>
             <a:custGeom>
@@ -23408,7 +23408,7 @@
           </p:nvSpPr>
           <p:spPr>
             <a:xfrm>
-              <a:off x="5005275" y="5411062"/>
+              <a:off x="4606275" y="5411019"/>
               <a:ext cx="63202" cy="63202"/>
             </a:xfrm>
             <a:custGeom>
@@ -23451,7 +23451,7 @@
           </p:nvSpPr>
           <p:spPr>
             <a:xfrm>
-              <a:off x="4943638" y="5418262"/>
+              <a:off x="4484533" y="5418213"/>
               <a:ext cx="63202" cy="63202"/>
             </a:xfrm>
             <a:custGeom>
@@ -23494,7 +23494,7 @@
           </p:nvSpPr>
           <p:spPr>
             <a:xfrm>
-              <a:off x="4976732" y="5788154"/>
+              <a:off x="4575956" y="5788144"/>
               <a:ext cx="63202" cy="63202"/>
             </a:xfrm>
             <a:custGeom>
@@ -23537,7 +23537,7 @@
           </p:nvSpPr>
           <p:spPr>
             <a:xfrm>
-              <a:off x="4615058" y="5392437"/>
+              <a:off x="4897329" y="5392443"/>
               <a:ext cx="63202" cy="63202"/>
             </a:xfrm>
             <a:custGeom>
@@ -23580,7 +23580,7 @@
           </p:nvSpPr>
           <p:spPr>
             <a:xfrm>
-              <a:off x="5029268" y="5796402"/>
+              <a:off x="4516981" y="5796377"/>
               <a:ext cx="63202" cy="63202"/>
             </a:xfrm>
             <a:custGeom>
@@ -23623,7 +23623,7 @@
           </p:nvSpPr>
           <p:spPr>
             <a:xfrm>
-              <a:off x="4951323" y="5462637"/>
+              <a:off x="5054849" y="5462631"/>
               <a:ext cx="63202" cy="63202"/>
             </a:xfrm>
             <a:custGeom>
@@ -23666,7 +23666,7 @@
           </p:nvSpPr>
           <p:spPr>
             <a:xfrm>
-              <a:off x="5022739" y="5859875"/>
+              <a:off x="4951437" y="5859833"/>
               <a:ext cx="63202" cy="63202"/>
             </a:xfrm>
             <a:custGeom>
@@ -23709,7 +23709,7 @@
           </p:nvSpPr>
           <p:spPr>
             <a:xfrm>
-              <a:off x="4748532" y="5480223"/>
+              <a:off x="5165335" y="5480213"/>
               <a:ext cx="63202" cy="63202"/>
             </a:xfrm>
             <a:custGeom>
@@ -23752,7 +23752,7 @@
           </p:nvSpPr>
           <p:spPr>
             <a:xfrm>
-              <a:off x="5051061" y="5481390"/>
+              <a:off x="5142554" y="5481364"/>
               <a:ext cx="63202" cy="63202"/>
             </a:xfrm>
             <a:custGeom>
@@ -23795,7 +23795,7 @@
           </p:nvSpPr>
           <p:spPr>
             <a:xfrm>
-              <a:off x="5047473" y="5706761"/>
+              <a:off x="5040369" y="5706780"/>
               <a:ext cx="63202" cy="63202"/>
             </a:xfrm>
             <a:custGeom>
@@ -23838,7 +23838,7 @@
           </p:nvSpPr>
           <p:spPr>
             <a:xfrm>
-              <a:off x="5137636" y="5406885"/>
+              <a:off x="4918560" y="5406863"/>
               <a:ext cx="63202" cy="63202"/>
             </a:xfrm>
             <a:custGeom>
@@ -23881,7 +23881,7 @@
           </p:nvSpPr>
           <p:spPr>
             <a:xfrm>
-              <a:off x="4737162" y="5381572"/>
+              <a:off x="4799741" y="5381565"/>
               <a:ext cx="63202" cy="63202"/>
             </a:xfrm>
             <a:custGeom>
@@ -23924,7 +23924,7 @@
           </p:nvSpPr>
           <p:spPr>
             <a:xfrm>
-              <a:off x="5005256" y="5727819"/>
+              <a:off x="5107963" y="5727784"/>
               <a:ext cx="63202" cy="63202"/>
             </a:xfrm>
             <a:custGeom>
@@ -23967,7 +23967,7 @@
           </p:nvSpPr>
           <p:spPr>
             <a:xfrm>
-              <a:off x="4535538" y="5403016"/>
+              <a:off x="5073319" y="5403002"/>
               <a:ext cx="63202" cy="63202"/>
             </a:xfrm>
             <a:custGeom>
@@ -24010,7 +24010,7 @@
           </p:nvSpPr>
           <p:spPr>
             <a:xfrm>
-              <a:off x="4537473" y="5503811"/>
+              <a:off x="4624198" y="5503753"/>
               <a:ext cx="63202" cy="63202"/>
             </a:xfrm>
             <a:custGeom>
@@ -24053,7 +24053,7 @@
           </p:nvSpPr>
           <p:spPr>
             <a:xfrm>
-              <a:off x="4872784" y="5401631"/>
+              <a:off x="4493554" y="5401606"/>
               <a:ext cx="63202" cy="63202"/>
             </a:xfrm>
             <a:custGeom>
@@ -24096,7 +24096,7 @@
           </p:nvSpPr>
           <p:spPr>
             <a:xfrm>
-              <a:off x="4656092" y="5375263"/>
+              <a:off x="4888397" y="5375232"/>
               <a:ext cx="63202" cy="63202"/>
             </a:xfrm>
             <a:custGeom>
@@ -24139,7 +24139,7 @@
           </p:nvSpPr>
           <p:spPr>
             <a:xfrm>
-              <a:off x="5027564" y="5373289"/>
+              <a:off x="4664310" y="5373265"/>
               <a:ext cx="63202" cy="63202"/>
             </a:xfrm>
             <a:custGeom>
@@ -24182,7 +24182,7 @@
           </p:nvSpPr>
           <p:spPr>
             <a:xfrm>
-              <a:off x="4604407" y="5373327"/>
+              <a:off x="4710210" y="5373288"/>
               <a:ext cx="63202" cy="63202"/>
             </a:xfrm>
             <a:custGeom>
@@ -24225,7 +24225,7 @@
           </p:nvSpPr>
           <p:spPr>
             <a:xfrm>
-              <a:off x="4878222" y="5385500"/>
+              <a:off x="4817565" y="5385506"/>
               <a:ext cx="63202" cy="63202"/>
             </a:xfrm>
             <a:custGeom>
@@ -24268,7 +24268,7 @@
           </p:nvSpPr>
           <p:spPr>
             <a:xfrm>
-              <a:off x="4851735" y="5424443"/>
+              <a:off x="4890537" y="5424402"/>
               <a:ext cx="63202" cy="63202"/>
             </a:xfrm>
             <a:custGeom>
@@ -24311,7 +24311,7 @@
           </p:nvSpPr>
           <p:spPr>
             <a:xfrm>
-              <a:off x="4974071" y="5462920"/>
+              <a:off x="4519376" y="5462895"/>
               <a:ext cx="63202" cy="63202"/>
             </a:xfrm>
             <a:custGeom>
@@ -24354,7 +24354,7 @@
           </p:nvSpPr>
           <p:spPr>
             <a:xfrm>
-              <a:off x="4470507" y="5398817"/>
+              <a:off x="4836420" y="5398807"/>
               <a:ext cx="63202" cy="63202"/>
             </a:xfrm>
             <a:custGeom>
@@ -24397,7 +24397,7 @@
           </p:nvSpPr>
           <p:spPr>
             <a:xfrm>
-              <a:off x="4534452" y="5517032"/>
+              <a:off x="4836278" y="5516989"/>
               <a:ext cx="63202" cy="63202"/>
             </a:xfrm>
             <a:custGeom>
@@ -24440,7 +24440,7 @@
           </p:nvSpPr>
           <p:spPr>
             <a:xfrm>
-              <a:off x="4770459" y="5736319"/>
+              <a:off x="4588747" y="5736307"/>
               <a:ext cx="63202" cy="63202"/>
             </a:xfrm>
             <a:custGeom>
@@ -24483,7 +24483,7 @@
           </p:nvSpPr>
           <p:spPr>
             <a:xfrm>
-              <a:off x="4798207" y="5646287"/>
+              <a:off x="4826985" y="5646288"/>
               <a:ext cx="63202" cy="63202"/>
             </a:xfrm>
             <a:custGeom>
@@ -24526,7 +24526,7 @@
           </p:nvSpPr>
           <p:spPr>
             <a:xfrm>
-              <a:off x="5101086" y="5451442"/>
+              <a:off x="4675687" y="5451446"/>
               <a:ext cx="63202" cy="63202"/>
             </a:xfrm>
             <a:custGeom>
@@ -24569,7 +24569,7 @@
           </p:nvSpPr>
           <p:spPr>
             <a:xfrm>
-              <a:off x="4574172" y="5428321"/>
+              <a:off x="5038749" y="5428289"/>
               <a:ext cx="63202" cy="63202"/>
             </a:xfrm>
             <a:custGeom>
@@ -24612,7 +24612,7 @@
           </p:nvSpPr>
           <p:spPr>
             <a:xfrm>
-              <a:off x="4922503" y="5862558"/>
+              <a:off x="5065467" y="5862535"/>
               <a:ext cx="63202" cy="63202"/>
             </a:xfrm>
             <a:custGeom>
@@ -24655,7 +24655,7 @@
           </p:nvSpPr>
           <p:spPr>
             <a:xfrm>
-              <a:off x="4799472" y="5789355"/>
+              <a:off x="4737809" y="5789330"/>
               <a:ext cx="63202" cy="63202"/>
             </a:xfrm>
             <a:custGeom>
@@ -24698,7 +24698,7 @@
           </p:nvSpPr>
           <p:spPr>
             <a:xfrm>
-              <a:off x="4770309" y="5431140"/>
+              <a:off x="4674145" y="5431104"/>
               <a:ext cx="63202" cy="63202"/>
             </a:xfrm>
             <a:custGeom>
@@ -24741,7 +24741,7 @@
           </p:nvSpPr>
           <p:spPr>
             <a:xfrm>
-              <a:off x="4731038" y="5401799"/>
+              <a:off x="5083507" y="5401774"/>
               <a:ext cx="63202" cy="63202"/>
             </a:xfrm>
             <a:custGeom>
@@ -24784,7 +24784,7 @@
           </p:nvSpPr>
           <p:spPr>
             <a:xfrm>
-              <a:off x="4931377" y="5502030"/>
+              <a:off x="5049509" y="5502026"/>
               <a:ext cx="63202" cy="63202"/>
             </a:xfrm>
             <a:custGeom>
@@ -24827,7 +24827,7 @@
           </p:nvSpPr>
           <p:spPr>
             <a:xfrm>
-              <a:off x="5120568" y="5437799"/>
+              <a:off x="4815405" y="5437758"/>
               <a:ext cx="63202" cy="63202"/>
             </a:xfrm>
             <a:custGeom>
@@ -24870,7 +24870,7 @@
           </p:nvSpPr>
           <p:spPr>
             <a:xfrm>
-              <a:off x="4809115" y="5386812"/>
+              <a:off x="4905788" y="5386773"/>
               <a:ext cx="63202" cy="63202"/>
             </a:xfrm>
             <a:custGeom>
@@ -24913,7 +24913,7 @@
           </p:nvSpPr>
           <p:spPr>
             <a:xfrm>
-              <a:off x="4835327" y="5395326"/>
+              <a:off x="4698249" y="5395268"/>
               <a:ext cx="63202" cy="63202"/>
             </a:xfrm>
             <a:custGeom>
@@ -24956,7 +24956,7 @@
           </p:nvSpPr>
           <p:spPr>
             <a:xfrm>
-              <a:off x="4577662" y="5413515"/>
+              <a:off x="4902120" y="5413476"/>
               <a:ext cx="63202" cy="63202"/>
             </a:xfrm>
             <a:custGeom>
@@ -24999,7 +24999,7 @@
           </p:nvSpPr>
           <p:spPr>
             <a:xfrm>
-              <a:off x="4681650" y="5723083"/>
+              <a:off x="4739870" y="5723058"/>
               <a:ext cx="63202" cy="63202"/>
             </a:xfrm>
             <a:custGeom>
@@ -25042,7 +25042,7 @@
           </p:nvSpPr>
           <p:spPr>
             <a:xfrm>
-              <a:off x="4764644" y="6106144"/>
+              <a:off x="4924940" y="6106153"/>
               <a:ext cx="63202" cy="63202"/>
             </a:xfrm>
             <a:custGeom>
@@ -25085,7 +25085,7 @@
           </p:nvSpPr>
           <p:spPr>
             <a:xfrm>
-              <a:off x="5153190" y="5655166"/>
+              <a:off x="4777180" y="5655171"/>
               <a:ext cx="63202" cy="63202"/>
             </a:xfrm>
             <a:custGeom>
@@ -25128,7 +25128,7 @@
           </p:nvSpPr>
           <p:spPr>
             <a:xfrm>
-              <a:off x="4786749" y="6133958"/>
+              <a:off x="4615521" y="6133894"/>
               <a:ext cx="63202" cy="63202"/>
             </a:xfrm>
             <a:custGeom>
@@ -25171,7 +25171,7 @@
           </p:nvSpPr>
           <p:spPr>
             <a:xfrm>
-              <a:off x="4633317" y="5713516"/>
+              <a:off x="5056456" y="5713470"/>
               <a:ext cx="63202" cy="63202"/>
             </a:xfrm>
             <a:custGeom>
@@ -25214,7 +25214,7 @@
           </p:nvSpPr>
           <p:spPr>
             <a:xfrm>
-              <a:off x="4606265" y="5414105"/>
+              <a:off x="5053302" y="5414099"/>
               <a:ext cx="63202" cy="63202"/>
             </a:xfrm>
             <a:custGeom>
@@ -25257,7 +25257,7 @@
           </p:nvSpPr>
           <p:spPr>
             <a:xfrm>
-              <a:off x="4868176" y="5700872"/>
+              <a:off x="4847037" y="5700837"/>
               <a:ext cx="63202" cy="63202"/>
             </a:xfrm>
             <a:custGeom>
@@ -25300,7 +25300,7 @@
           </p:nvSpPr>
           <p:spPr>
             <a:xfrm>
-              <a:off x="4654610" y="5717454"/>
+              <a:off x="5083791" y="5717406"/>
               <a:ext cx="63202" cy="63202"/>
             </a:xfrm>
             <a:custGeom>
@@ -25343,7 +25343,7 @@
           </p:nvSpPr>
           <p:spPr>
             <a:xfrm>
-              <a:off x="4936804" y="5810365"/>
+              <a:off x="4671767" y="5810325"/>
               <a:ext cx="63202" cy="63202"/>
             </a:xfrm>
             <a:custGeom>
@@ -25386,7 +25386,7 @@
           </p:nvSpPr>
           <p:spPr>
             <a:xfrm>
-              <a:off x="4990500" y="5719024"/>
+              <a:off x="4743504" y="5718981"/>
               <a:ext cx="63202" cy="63202"/>
             </a:xfrm>
             <a:custGeom>
@@ -25429,7 +25429,7 @@
           </p:nvSpPr>
           <p:spPr>
             <a:xfrm>
-              <a:off x="4507185" y="5466244"/>
+              <a:off x="5000245" y="5466198"/>
               <a:ext cx="63202" cy="63202"/>
             </a:xfrm>
             <a:custGeom>
@@ -25472,7 +25472,7 @@
           </p:nvSpPr>
           <p:spPr>
             <a:xfrm>
-              <a:off x="5009095" y="5606491"/>
+              <a:off x="4856855" y="5606457"/>
               <a:ext cx="63202" cy="63202"/>
             </a:xfrm>
             <a:custGeom>
@@ -25515,7 +25515,7 @@
           </p:nvSpPr>
           <p:spPr>
             <a:xfrm>
-              <a:off x="4978003" y="5483835"/>
+              <a:off x="4565278" y="5483833"/>
               <a:ext cx="63202" cy="63202"/>
             </a:xfrm>
             <a:custGeom>
@@ -25558,7 +25558,7 @@
           </p:nvSpPr>
           <p:spPr>
             <a:xfrm>
-              <a:off x="4540211" y="5769375"/>
+              <a:off x="4472371" y="5769342"/>
               <a:ext cx="63202" cy="63202"/>
             </a:xfrm>
             <a:custGeom>
@@ -25601,7 +25601,7 @@
           </p:nvSpPr>
           <p:spPr>
             <a:xfrm>
-              <a:off x="4522131" y="5562519"/>
+              <a:off x="4595311" y="5562490"/>
               <a:ext cx="63202" cy="63202"/>
             </a:xfrm>
             <a:custGeom>
@@ -25644,7 +25644,7 @@
           </p:nvSpPr>
           <p:spPr>
             <a:xfrm>
-              <a:off x="5047284" y="5774735"/>
+              <a:off x="4900959" y="5774702"/>
               <a:ext cx="63202" cy="63202"/>
             </a:xfrm>
             <a:custGeom>
@@ -25687,7 +25687,7 @@
           </p:nvSpPr>
           <p:spPr>
             <a:xfrm>
-              <a:off x="4576366" y="5716203"/>
+              <a:off x="4833448" y="5716163"/>
               <a:ext cx="63202" cy="63202"/>
             </a:xfrm>
             <a:custGeom>
@@ -25730,7 +25730,7 @@
           </p:nvSpPr>
           <p:spPr>
             <a:xfrm>
-              <a:off x="4629651" y="5597876"/>
+              <a:off x="4877913" y="5597874"/>
               <a:ext cx="63202" cy="63202"/>
             </a:xfrm>
             <a:custGeom>
@@ -25773,7 +25773,7 @@
           </p:nvSpPr>
           <p:spPr>
             <a:xfrm>
-              <a:off x="4692620" y="5470124"/>
+              <a:off x="4517775" y="5470111"/>
               <a:ext cx="63202" cy="63202"/>
             </a:xfrm>
             <a:custGeom>
@@ -25816,7 +25816,7 @@
           </p:nvSpPr>
           <p:spPr>
             <a:xfrm>
-              <a:off x="4660272" y="5727099"/>
+              <a:off x="4689352" y="5727070"/>
               <a:ext cx="63202" cy="63202"/>
             </a:xfrm>
             <a:custGeom>
@@ -25859,7 +25859,7 @@
           </p:nvSpPr>
           <p:spPr>
             <a:xfrm>
-              <a:off x="4526026" y="5504558"/>
+              <a:off x="4474695" y="5504510"/>
               <a:ext cx="63202" cy="63202"/>
             </a:xfrm>
             <a:custGeom>
@@ -25902,7 +25902,7 @@
           </p:nvSpPr>
           <p:spPr>
             <a:xfrm>
-              <a:off x="4475105" y="5503104"/>
+              <a:off x="4906600" y="5503067"/>
               <a:ext cx="63202" cy="63202"/>
             </a:xfrm>
             <a:custGeom>
@@ -25945,7 +25945,7 @@
           </p:nvSpPr>
           <p:spPr>
             <a:xfrm>
-              <a:off x="5015216" y="5444260"/>
+              <a:off x="4474477" y="5444252"/>
               <a:ext cx="63202" cy="63202"/>
             </a:xfrm>
             <a:custGeom>
@@ -25988,7 +25988,7 @@
           </p:nvSpPr>
           <p:spPr>
             <a:xfrm>
-              <a:off x="4648070" y="5437612"/>
+              <a:off x="4485291" y="5437556"/>
               <a:ext cx="63202" cy="63202"/>
             </a:xfrm>
             <a:custGeom>
@@ -26031,7 +26031,7 @@
           </p:nvSpPr>
           <p:spPr>
             <a:xfrm>
-              <a:off x="4697257" y="5854250"/>
+              <a:off x="5026071" y="5854221"/>
               <a:ext cx="63202" cy="63202"/>
             </a:xfrm>
             <a:custGeom>
@@ -26074,7 +26074,7 @@
           </p:nvSpPr>
           <p:spPr>
             <a:xfrm>
-              <a:off x="4666347" y="5473604"/>
+              <a:off x="5025998" y="5473555"/>
               <a:ext cx="63202" cy="63202"/>
             </a:xfrm>
             <a:custGeom>
@@ -26117,7 +26117,7 @@
           </p:nvSpPr>
           <p:spPr>
             <a:xfrm>
-              <a:off x="4945095" y="5436561"/>
+              <a:off x="4926227" y="5436582"/>
               <a:ext cx="63202" cy="63202"/>
             </a:xfrm>
             <a:custGeom>
@@ -26160,7 +26160,7 @@
           </p:nvSpPr>
           <p:spPr>
             <a:xfrm>
-              <a:off x="4934050" y="5424433"/>
+              <a:off x="4828981" y="5424424"/>
               <a:ext cx="63202" cy="63202"/>
             </a:xfrm>
             <a:custGeom>
@@ -26203,7 +26203,7 @@
           </p:nvSpPr>
           <p:spPr>
             <a:xfrm>
-              <a:off x="4580177" y="5486962"/>
+              <a:off x="4533897" y="5486932"/>
               <a:ext cx="63202" cy="63202"/>
             </a:xfrm>
             <a:custGeom>
@@ -26246,7 +26246,7 @@
           </p:nvSpPr>
           <p:spPr>
             <a:xfrm>
-              <a:off x="4690986" y="5443755"/>
+              <a:off x="5135598" y="5443747"/>
               <a:ext cx="63202" cy="63202"/>
             </a:xfrm>
             <a:custGeom>
@@ -26289,7 +26289,7 @@
           </p:nvSpPr>
           <p:spPr>
             <a:xfrm>
-              <a:off x="5056582" y="5778214"/>
+              <a:off x="4498579" y="5778148"/>
               <a:ext cx="63202" cy="63202"/>
             </a:xfrm>
             <a:custGeom>
@@ -26332,7 +26332,7 @@
           </p:nvSpPr>
           <p:spPr>
             <a:xfrm>
-              <a:off x="4888168" y="5488373"/>
+              <a:off x="4666386" y="5488347"/>
               <a:ext cx="63202" cy="63202"/>
             </a:xfrm>
             <a:custGeom>
@@ -26375,7 +26375,7 @@
           </p:nvSpPr>
           <p:spPr>
             <a:xfrm>
-              <a:off x="4831882" y="5482616"/>
+              <a:off x="4743648" y="5482586"/>
               <a:ext cx="63202" cy="63202"/>
             </a:xfrm>
             <a:custGeom>
@@ -26418,7 +26418,7 @@
           </p:nvSpPr>
           <p:spPr>
             <a:xfrm>
-              <a:off x="4945758" y="5496796"/>
+              <a:off x="5004038" y="5496749"/>
               <a:ext cx="63202" cy="63202"/>
             </a:xfrm>
             <a:custGeom>
@@ -26461,7 +26461,7 @@
           </p:nvSpPr>
           <p:spPr>
             <a:xfrm>
-              <a:off x="5033353" y="5392993"/>
+              <a:off x="4596540" y="5392964"/>
               <a:ext cx="63202" cy="63202"/>
             </a:xfrm>
             <a:custGeom>
@@ -26504,7 +26504,7 @@
           </p:nvSpPr>
           <p:spPr>
             <a:xfrm>
-              <a:off x="4711856" y="5419345"/>
+              <a:off x="4717498" y="5419306"/>
               <a:ext cx="63202" cy="63202"/>
             </a:xfrm>
             <a:custGeom>
@@ -26547,7 +26547,7 @@
           </p:nvSpPr>
           <p:spPr>
             <a:xfrm>
-              <a:off x="4683643" y="5430590"/>
+              <a:off x="4805098" y="5430608"/>
               <a:ext cx="63202" cy="63202"/>
             </a:xfrm>
             <a:custGeom>
@@ -26590,7 +26590,7 @@
           </p:nvSpPr>
           <p:spPr>
             <a:xfrm>
-              <a:off x="4857776" y="5431080"/>
+              <a:off x="4824527" y="5431058"/>
               <a:ext cx="63202" cy="63202"/>
             </a:xfrm>
             <a:custGeom>
@@ -26633,7 +26633,7 @@
           </p:nvSpPr>
           <p:spPr>
             <a:xfrm>
-              <a:off x="4953358" y="5474142"/>
+              <a:off x="4597645" y="5474100"/>
               <a:ext cx="63202" cy="63202"/>
             </a:xfrm>
             <a:custGeom>
@@ -26676,7 +26676,7 @@
           </p:nvSpPr>
           <p:spPr>
             <a:xfrm>
-              <a:off x="4750463" y="5805883"/>
+              <a:off x="4531583" y="5805881"/>
               <a:ext cx="63202" cy="63202"/>
             </a:xfrm>
             <a:custGeom>
@@ -26719,7 +26719,7 @@
           </p:nvSpPr>
           <p:spPr>
             <a:xfrm>
-              <a:off x="4479656" y="5456416"/>
+              <a:off x="5147592" y="5456356"/>
               <a:ext cx="63202" cy="63202"/>
             </a:xfrm>
             <a:custGeom>
@@ -26762,7 +26762,7 @@
           </p:nvSpPr>
           <p:spPr>
             <a:xfrm>
-              <a:off x="4769340" y="5402988"/>
+              <a:off x="4469386" y="5402940"/>
               <a:ext cx="63202" cy="63202"/>
             </a:xfrm>
             <a:custGeom>
@@ -26805,7 +26805,7 @@
           </p:nvSpPr>
           <p:spPr>
             <a:xfrm>
-              <a:off x="4759260" y="5791021"/>
+              <a:off x="4650897" y="5791021"/>
               <a:ext cx="63202" cy="63202"/>
             </a:xfrm>
             <a:custGeom>
@@ -26848,7 +26848,7 @@
           </p:nvSpPr>
           <p:spPr>
             <a:xfrm>
-              <a:off x="4823762" y="5431372"/>
+              <a:off x="4737587" y="5431353"/>
               <a:ext cx="63202" cy="63202"/>
             </a:xfrm>
             <a:custGeom>
@@ -26891,7 +26891,7 @@
           </p:nvSpPr>
           <p:spPr>
             <a:xfrm>
-              <a:off x="4752917" y="5508871"/>
+              <a:off x="4795684" y="5508862"/>
               <a:ext cx="63202" cy="63202"/>
             </a:xfrm>
             <a:custGeom>
@@ -26934,7 +26934,7 @@
           </p:nvSpPr>
           <p:spPr>
             <a:xfrm>
-              <a:off x="5060980" y="5392542"/>
+              <a:off x="5049507" y="5392521"/>
               <a:ext cx="63202" cy="63202"/>
             </a:xfrm>
             <a:custGeom>
@@ -26977,7 +26977,7 @@
           </p:nvSpPr>
           <p:spPr>
             <a:xfrm>
-              <a:off x="4613843" y="5469495"/>
+              <a:off x="4841882" y="5469491"/>
               <a:ext cx="63202" cy="63202"/>
             </a:xfrm>
             <a:custGeom>
@@ -27020,7 +27020,7 @@
           </p:nvSpPr>
           <p:spPr>
             <a:xfrm>
-              <a:off x="4737298" y="5391090"/>
+              <a:off x="4583883" y="5391054"/>
               <a:ext cx="63202" cy="63202"/>
             </a:xfrm>
             <a:custGeom>
@@ -27063,7 +27063,7 @@
           </p:nvSpPr>
           <p:spPr>
             <a:xfrm>
-              <a:off x="5030947" y="5390277"/>
+              <a:off x="4907590" y="5390259"/>
               <a:ext cx="63202" cy="63202"/>
             </a:xfrm>
             <a:custGeom>
@@ -27106,7 +27106,7 @@
           </p:nvSpPr>
           <p:spPr>
             <a:xfrm>
-              <a:off x="5042076" y="5389309"/>
+              <a:off x="5004208" y="5389318"/>
               <a:ext cx="63202" cy="63202"/>
             </a:xfrm>
             <a:custGeom>
@@ -27149,7 +27149,7 @@
           </p:nvSpPr>
           <p:spPr>
             <a:xfrm>
-              <a:off x="4915192" y="5393764"/>
+              <a:off x="4503176" y="5393737"/>
               <a:ext cx="63202" cy="63202"/>
             </a:xfrm>
             <a:custGeom>
@@ -27192,7 +27192,7 @@
           </p:nvSpPr>
           <p:spPr>
             <a:xfrm>
-              <a:off x="4977808" y="5444653"/>
+              <a:off x="4967445" y="5444652"/>
               <a:ext cx="63202" cy="63202"/>
             </a:xfrm>
             <a:custGeom>
@@ -27235,7 +27235,7 @@
           </p:nvSpPr>
           <p:spPr>
             <a:xfrm>
-              <a:off x="4935333" y="5689080"/>
+              <a:off x="4883629" y="5689054"/>
               <a:ext cx="63202" cy="63202"/>
             </a:xfrm>
             <a:custGeom>
@@ -27278,7 +27278,7 @@
           </p:nvSpPr>
           <p:spPr>
             <a:xfrm>
-              <a:off x="5106732" y="5432575"/>
+              <a:off x="4979648" y="5432538"/>
               <a:ext cx="63202" cy="63202"/>
             </a:xfrm>
             <a:custGeom>
@@ -27321,7 +27321,7 @@
           </p:nvSpPr>
           <p:spPr>
             <a:xfrm>
-              <a:off x="5051378" y="5408626"/>
+              <a:off x="4495167" y="5408560"/>
               <a:ext cx="63202" cy="63202"/>
             </a:xfrm>
             <a:custGeom>
@@ -27364,7 +27364,7 @@
           </p:nvSpPr>
           <p:spPr>
             <a:xfrm>
-              <a:off x="4823605" y="5594580"/>
+              <a:off x="4972583" y="5594509"/>
               <a:ext cx="63202" cy="63202"/>
             </a:xfrm>
             <a:custGeom>
@@ -27407,7 +27407,7 @@
           </p:nvSpPr>
           <p:spPr>
             <a:xfrm>
-              <a:off x="4602255" y="5584376"/>
+              <a:off x="4996256" y="5584372"/>
               <a:ext cx="63202" cy="63202"/>
             </a:xfrm>
             <a:custGeom>
@@ -27450,7 +27450,7 @@
           </p:nvSpPr>
           <p:spPr>
             <a:xfrm>
-              <a:off x="4731446" y="5600269"/>
+              <a:off x="5010247" y="5600254"/>
               <a:ext cx="63202" cy="63202"/>
             </a:xfrm>
             <a:custGeom>
@@ -27493,7 +27493,7 @@
           </p:nvSpPr>
           <p:spPr>
             <a:xfrm>
-              <a:off x="4651478" y="5757031"/>
+              <a:off x="4479920" y="5756969"/>
               <a:ext cx="63202" cy="63202"/>
             </a:xfrm>
             <a:custGeom>
@@ -27536,7 +27536,7 @@
           </p:nvSpPr>
           <p:spPr>
             <a:xfrm>
-              <a:off x="5004809" y="5392766"/>
+              <a:off x="4984324" y="5392745"/>
               <a:ext cx="63202" cy="63202"/>
             </a:xfrm>
             <a:custGeom>
@@ -27579,7 +27579,7 @@
           </p:nvSpPr>
           <p:spPr>
             <a:xfrm>
-              <a:off x="4575833" y="5575997"/>
+              <a:off x="5022239" y="5576008"/>
               <a:ext cx="63202" cy="63202"/>
             </a:xfrm>
             <a:custGeom>
@@ -27622,7 +27622,7 @@
           </p:nvSpPr>
           <p:spPr>
             <a:xfrm>
-              <a:off x="4953887" y="5755055"/>
+              <a:off x="5135810" y="5755000"/>
               <a:ext cx="63202" cy="63202"/>
             </a:xfrm>
             <a:custGeom>
@@ -27665,7 +27665,7 @@
           </p:nvSpPr>
           <p:spPr>
             <a:xfrm>
-              <a:off x="5099309" y="5777802"/>
+              <a:off x="4986379" y="5777760"/>
               <a:ext cx="63202" cy="63202"/>
             </a:xfrm>
             <a:custGeom>
@@ -27708,7 +27708,7 @@
           </p:nvSpPr>
           <p:spPr>
             <a:xfrm>
-              <a:off x="4992241" y="5391456"/>
+              <a:off x="4812445" y="5391401"/>
               <a:ext cx="63202" cy="63202"/>
             </a:xfrm>
             <a:custGeom>
@@ -27751,7 +27751,7 @@
           </p:nvSpPr>
           <p:spPr>
             <a:xfrm>
-              <a:off x="4891595" y="5412663"/>
+              <a:off x="5152107" y="5412675"/>
               <a:ext cx="63202" cy="63202"/>
             </a:xfrm>
             <a:custGeom>
@@ -27794,7 +27794,7 @@
           </p:nvSpPr>
           <p:spPr>
             <a:xfrm>
-              <a:off x="5110533" y="5812879"/>
+              <a:off x="4924802" y="5812869"/>
               <a:ext cx="63202" cy="63202"/>
             </a:xfrm>
             <a:custGeom>
@@ -27837,7 +27837,7 @@
           </p:nvSpPr>
           <p:spPr>
             <a:xfrm>
-              <a:off x="5164067" y="5430784"/>
+              <a:off x="4806826" y="5430798"/>
               <a:ext cx="63202" cy="63202"/>
             </a:xfrm>
             <a:custGeom>
@@ -27880,7 +27880,7 @@
           </p:nvSpPr>
           <p:spPr>
             <a:xfrm>
-              <a:off x="4824272" y="5397313"/>
+              <a:off x="4488389" y="5397303"/>
               <a:ext cx="63202" cy="63202"/>
             </a:xfrm>
             <a:custGeom>
@@ -27923,7 +27923,7 @@
           </p:nvSpPr>
           <p:spPr>
             <a:xfrm>
-              <a:off x="4788797" y="5789808"/>
+              <a:off x="4823925" y="5789761"/>
               <a:ext cx="63202" cy="63202"/>
             </a:xfrm>
             <a:custGeom>
@@ -27966,7 +27966,7 @@
           </p:nvSpPr>
           <p:spPr>
             <a:xfrm>
-              <a:off x="5145520" y="5790277"/>
+              <a:off x="4865153" y="5790261"/>
               <a:ext cx="63202" cy="63202"/>
             </a:xfrm>
             <a:custGeom>
@@ -28009,7 +28009,7 @@
           </p:nvSpPr>
           <p:spPr>
             <a:xfrm>
-              <a:off x="4830107" y="5503763"/>
+              <a:off x="4974234" y="5503740"/>
               <a:ext cx="63202" cy="63202"/>
             </a:xfrm>
             <a:custGeom>
@@ -28052,7 +28052,7 @@
           </p:nvSpPr>
           <p:spPr>
             <a:xfrm>
-              <a:off x="4955255" y="5465895"/>
+              <a:off x="4998562" y="5465863"/>
               <a:ext cx="63202" cy="63202"/>
             </a:xfrm>
             <a:custGeom>
@@ -28095,7 +28095,7 @@
           </p:nvSpPr>
           <p:spPr>
             <a:xfrm>
-              <a:off x="5155709" y="5448643"/>
+              <a:off x="4472947" y="5448618"/>
               <a:ext cx="63202" cy="63202"/>
             </a:xfrm>
             <a:custGeom>
@@ -28138,7 +28138,7 @@
           </p:nvSpPr>
           <p:spPr>
             <a:xfrm>
-              <a:off x="5138556" y="5379889"/>
+              <a:off x="4593902" y="5379848"/>
               <a:ext cx="63202" cy="63202"/>
             </a:xfrm>
             <a:custGeom>
@@ -28181,7 +28181,7 @@
           </p:nvSpPr>
           <p:spPr>
             <a:xfrm>
-              <a:off x="4712964" y="5458313"/>
+              <a:off x="4787427" y="5458263"/>
               <a:ext cx="63202" cy="63202"/>
             </a:xfrm>
             <a:custGeom>
@@ -28224,7 +28224,7 @@
           </p:nvSpPr>
           <p:spPr>
             <a:xfrm>
-              <a:off x="4678170" y="6247095"/>
+              <a:off x="4633123" y="6247082"/>
               <a:ext cx="63202" cy="63202"/>
             </a:xfrm>
             <a:custGeom>
@@ -28267,7 +28267,7 @@
           </p:nvSpPr>
           <p:spPr>
             <a:xfrm>
-              <a:off x="5017738" y="5415318"/>
+              <a:off x="4600791" y="5415319"/>
               <a:ext cx="63202" cy="63202"/>
             </a:xfrm>
             <a:custGeom>
@@ -28310,7 +28310,7 @@
           </p:nvSpPr>
           <p:spPr>
             <a:xfrm>
-              <a:off x="4773543" y="5421213"/>
+              <a:off x="4770812" y="5421239"/>
               <a:ext cx="63202" cy="63202"/>
             </a:xfrm>
             <a:custGeom>
@@ -28353,7 +28353,7 @@
           </p:nvSpPr>
           <p:spPr>
             <a:xfrm>
-              <a:off x="4868432" y="5408455"/>
+              <a:off x="5081103" y="5408475"/>
               <a:ext cx="63202" cy="63202"/>
             </a:xfrm>
             <a:custGeom>
@@ -28396,7 +28396,7 @@
           </p:nvSpPr>
           <p:spPr>
             <a:xfrm>
-              <a:off x="4887952" y="5395425"/>
+              <a:off x="4992358" y="5395419"/>
               <a:ext cx="63202" cy="63202"/>
             </a:xfrm>
             <a:custGeom>
@@ -28439,7 +28439,7 @@
           </p:nvSpPr>
           <p:spPr>
             <a:xfrm>
-              <a:off x="4477214" y="5747242"/>
+              <a:off x="4551103" y="5747227"/>
               <a:ext cx="63202" cy="63202"/>
             </a:xfrm>
             <a:custGeom>
@@ -28482,7 +28482,7 @@
           </p:nvSpPr>
           <p:spPr>
             <a:xfrm>
-              <a:off x="4892121" y="5728798"/>
+              <a:off x="5101232" y="5728728"/>
               <a:ext cx="63202" cy="63202"/>
             </a:xfrm>
             <a:custGeom>
@@ -28525,7 +28525,7 @@
           </p:nvSpPr>
           <p:spPr>
             <a:xfrm>
-              <a:off x="4494820" y="5821159"/>
+              <a:off x="4969332" y="5821140"/>
               <a:ext cx="63202" cy="63202"/>
             </a:xfrm>
             <a:custGeom>
@@ -28568,7 +28568,7 @@
           </p:nvSpPr>
           <p:spPr>
             <a:xfrm>
-              <a:off x="5016984" y="5434797"/>
+              <a:off x="4881569" y="5434785"/>
               <a:ext cx="63202" cy="63202"/>
             </a:xfrm>
             <a:custGeom>
@@ -28611,7 +28611,7 @@
           </p:nvSpPr>
           <p:spPr>
             <a:xfrm>
-              <a:off x="4801710" y="5502985"/>
+              <a:off x="4608811" y="5502954"/>
               <a:ext cx="63202" cy="63202"/>
             </a:xfrm>
             <a:custGeom>
@@ -28654,7 +28654,7 @@
           </p:nvSpPr>
           <p:spPr>
             <a:xfrm>
-              <a:off x="4877539" y="5469298"/>
+              <a:off x="4514885" y="5469286"/>
               <a:ext cx="63202" cy="63202"/>
             </a:xfrm>
             <a:custGeom>
@@ -28697,7 +28697,7 @@
           </p:nvSpPr>
           <p:spPr>
             <a:xfrm>
-              <a:off x="4909459" y="5638079"/>
+              <a:off x="4567626" y="5638067"/>
               <a:ext cx="63202" cy="63202"/>
             </a:xfrm>
             <a:custGeom>
@@ -28740,7 +28740,7 @@
           </p:nvSpPr>
           <p:spPr>
             <a:xfrm>
-              <a:off x="4943907" y="5497144"/>
+              <a:off x="4757061" y="5497092"/>
               <a:ext cx="63202" cy="63202"/>
             </a:xfrm>
             <a:custGeom>
@@ -28783,7 +28783,7 @@
           </p:nvSpPr>
           <p:spPr>
             <a:xfrm>
-              <a:off x="4556669" y="5495561"/>
+              <a:off x="4806789" y="5495566"/>
               <a:ext cx="63202" cy="63202"/>
             </a:xfrm>
             <a:custGeom>
@@ -28826,7 +28826,7 @@
           </p:nvSpPr>
           <p:spPr>
             <a:xfrm>
-              <a:off x="5000569" y="5495989"/>
+              <a:off x="4604434" y="5495943"/>
               <a:ext cx="63202" cy="63202"/>
             </a:xfrm>
             <a:custGeom>
@@ -28869,7 +28869,7 @@
           </p:nvSpPr>
           <p:spPr>
             <a:xfrm>
-              <a:off x="4980978" y="6071701"/>
+              <a:off x="4674028" y="6071668"/>
               <a:ext cx="63202" cy="63202"/>
             </a:xfrm>
             <a:custGeom>
@@ -28912,7 +28912,7 @@
           </p:nvSpPr>
           <p:spPr>
             <a:xfrm>
-              <a:off x="4987146" y="5680275"/>
+              <a:off x="4617175" y="5680256"/>
               <a:ext cx="63202" cy="63202"/>
             </a:xfrm>
             <a:custGeom>
@@ -28955,7 +28955,7 @@
           </p:nvSpPr>
           <p:spPr>
             <a:xfrm>
-              <a:off x="4944258" y="5380884"/>
+              <a:off x="5167099" y="5380868"/>
               <a:ext cx="63202" cy="63202"/>
             </a:xfrm>
             <a:custGeom>
@@ -28998,7 +28998,7 @@
           </p:nvSpPr>
           <p:spPr>
             <a:xfrm>
-              <a:off x="4842587" y="5495221"/>
+              <a:off x="5012036" y="5495198"/>
               <a:ext cx="63202" cy="63202"/>
             </a:xfrm>
             <a:custGeom>
@@ -29041,7 +29041,7 @@
           </p:nvSpPr>
           <p:spPr>
             <a:xfrm>
-              <a:off x="5101887" y="5402843"/>
+              <a:off x="4896590" y="5402832"/>
               <a:ext cx="63202" cy="63202"/>
             </a:xfrm>
             <a:custGeom>
@@ -29084,7 +29084,7 @@
           </p:nvSpPr>
           <p:spPr>
             <a:xfrm>
-              <a:off x="5104957" y="5416102"/>
+              <a:off x="4687971" y="5416074"/>
               <a:ext cx="63202" cy="63202"/>
             </a:xfrm>
             <a:custGeom>
@@ -29127,7 +29127,7 @@
           </p:nvSpPr>
           <p:spPr>
             <a:xfrm>
-              <a:off x="5139314" y="5393752"/>
+              <a:off x="4676077" y="5393709"/>
               <a:ext cx="63202" cy="63202"/>
             </a:xfrm>
             <a:custGeom>
@@ -29170,7 +29170,7 @@
           </p:nvSpPr>
           <p:spPr>
             <a:xfrm>
-              <a:off x="4942537" y="5901779"/>
+              <a:off x="4570924" y="5901723"/>
               <a:ext cx="63202" cy="63202"/>
             </a:xfrm>
             <a:custGeom>
@@ -29213,7 +29213,7 @@
           </p:nvSpPr>
           <p:spPr>
             <a:xfrm>
-              <a:off x="4733754" y="5543012"/>
+              <a:off x="5136726" y="5542992"/>
               <a:ext cx="63202" cy="63202"/>
             </a:xfrm>
             <a:custGeom>
@@ -29256,7 +29256,7 @@
           </p:nvSpPr>
           <p:spPr>
             <a:xfrm>
-              <a:off x="5110105" y="5501340"/>
+              <a:off x="4633188" y="5501338"/>
               <a:ext cx="63202" cy="63202"/>
             </a:xfrm>
             <a:custGeom>
@@ -29299,7 +29299,7 @@
           </p:nvSpPr>
           <p:spPr>
             <a:xfrm>
-              <a:off x="5046512" y="5419058"/>
+              <a:off x="4787980" y="5419031"/>
               <a:ext cx="63202" cy="63202"/>
             </a:xfrm>
             <a:custGeom>
@@ -29342,7 +29342,7 @@
           </p:nvSpPr>
           <p:spPr>
             <a:xfrm>
-              <a:off x="4760427" y="5428442"/>
+              <a:off x="4990159" y="5428422"/>
               <a:ext cx="63202" cy="63202"/>
             </a:xfrm>
             <a:custGeom>
@@ -29385,7 +29385,7 @@
           </p:nvSpPr>
           <p:spPr>
             <a:xfrm>
-              <a:off x="4997493" y="5405634"/>
+              <a:off x="4517832" y="5405580"/>
               <a:ext cx="63202" cy="63202"/>
             </a:xfrm>
             <a:custGeom>
@@ -29428,7 +29428,7 @@
           </p:nvSpPr>
           <p:spPr>
             <a:xfrm>
-              <a:off x="5127906" y="5401318"/>
+              <a:off x="4596475" y="5401319"/>
               <a:ext cx="63202" cy="63202"/>
             </a:xfrm>
             <a:custGeom>
@@ -29471,7 +29471,7 @@
           </p:nvSpPr>
           <p:spPr>
             <a:xfrm>
-              <a:off x="5031219" y="5407533"/>
+              <a:off x="4823104" y="5407513"/>
               <a:ext cx="63202" cy="63202"/>
             </a:xfrm>
             <a:custGeom>
@@ -29514,7 +29514,7 @@
           </p:nvSpPr>
           <p:spPr>
             <a:xfrm>
-              <a:off x="4784171" y="5485412"/>
+              <a:off x="4821849" y="5485377"/>
               <a:ext cx="63202" cy="63202"/>
             </a:xfrm>
             <a:custGeom>
@@ -29557,7 +29557,7 @@
           </p:nvSpPr>
           <p:spPr>
             <a:xfrm>
-              <a:off x="4684580" y="5376313"/>
+              <a:off x="4826064" y="5376254"/>
               <a:ext cx="63202" cy="63202"/>
             </a:xfrm>
             <a:custGeom>
@@ -29600,7 +29600,7 @@
           </p:nvSpPr>
           <p:spPr>
             <a:xfrm>
-              <a:off x="4691068" y="5420474"/>
+              <a:off x="4506368" y="5420463"/>
               <a:ext cx="63202" cy="63202"/>
             </a:xfrm>
             <a:custGeom>
@@ -29643,7 +29643,7 @@
           </p:nvSpPr>
           <p:spPr>
             <a:xfrm>
-              <a:off x="4717748" y="6184021"/>
+              <a:off x="4809339" y="6184030"/>
               <a:ext cx="63202" cy="63202"/>
             </a:xfrm>
             <a:custGeom>
@@ -29686,7 +29686,7 @@
           </p:nvSpPr>
           <p:spPr>
             <a:xfrm>
-              <a:off x="5145343" y="5716014"/>
+              <a:off x="5018306" y="5715986"/>
               <a:ext cx="63202" cy="63202"/>
             </a:xfrm>
             <a:custGeom>
@@ -29729,7 +29729,7 @@
           </p:nvSpPr>
           <p:spPr>
             <a:xfrm>
-              <a:off x="4873908" y="5384622"/>
+              <a:off x="5025164" y="5384646"/>
               <a:ext cx="63202" cy="63202"/>
             </a:xfrm>
             <a:custGeom>
@@ -29772,7 +29772,7 @@
           </p:nvSpPr>
           <p:spPr>
             <a:xfrm>
-              <a:off x="4561946" y="5491759"/>
+              <a:off x="4561237" y="5491759"/>
               <a:ext cx="63202" cy="63202"/>
             </a:xfrm>
             <a:custGeom>
@@ -29815,7 +29815,7 @@
           </p:nvSpPr>
           <p:spPr>
             <a:xfrm>
-              <a:off x="4852057" y="5444876"/>
+              <a:off x="4493019" y="5444829"/>
               <a:ext cx="63202" cy="63202"/>
             </a:xfrm>
             <a:custGeom>
@@ -29858,7 +29858,7 @@
           </p:nvSpPr>
           <p:spPr>
             <a:xfrm>
-              <a:off x="5077385" y="5389882"/>
+              <a:off x="4876691" y="5389824"/>
               <a:ext cx="63202" cy="63202"/>
             </a:xfrm>
             <a:custGeom>
@@ -29901,7 +29901,7 @@
           </p:nvSpPr>
           <p:spPr>
             <a:xfrm>
-              <a:off x="4863189" y="5582691"/>
+              <a:off x="4811807" y="5582630"/>
               <a:ext cx="63202" cy="63202"/>
             </a:xfrm>
             <a:custGeom>
@@ -29944,7 +29944,7 @@
           </p:nvSpPr>
           <p:spPr>
             <a:xfrm>
-              <a:off x="4585663" y="5433454"/>
+              <a:off x="4496643" y="5433417"/>
               <a:ext cx="63202" cy="63202"/>
             </a:xfrm>
             <a:custGeom>
@@ -29987,7 +29987,7 @@
           </p:nvSpPr>
           <p:spPr>
             <a:xfrm>
-              <a:off x="4947684" y="5393968"/>
+              <a:off x="5067379" y="5393943"/>
               <a:ext cx="63202" cy="63202"/>
             </a:xfrm>
             <a:custGeom>
@@ -30030,7 +30030,7 @@
           </p:nvSpPr>
           <p:spPr>
             <a:xfrm>
-              <a:off x="5081445" y="5410286"/>
+              <a:off x="4989162" y="5410259"/>
               <a:ext cx="63202" cy="63202"/>
             </a:xfrm>
             <a:custGeom>
@@ -30073,7 +30073,7 @@
           </p:nvSpPr>
           <p:spPr>
             <a:xfrm>
-              <a:off x="4704001" y="5877049"/>
+              <a:off x="4822190" y="5877030"/>
               <a:ext cx="63202" cy="63202"/>
             </a:xfrm>
             <a:custGeom>
@@ -30116,7 +30116,7 @@
           </p:nvSpPr>
           <p:spPr>
             <a:xfrm>
-              <a:off x="5056822" y="5387494"/>
+              <a:off x="4957818" y="5387466"/>
               <a:ext cx="63202" cy="63202"/>
             </a:xfrm>
             <a:custGeom>
@@ -30159,7 +30159,7 @@
           </p:nvSpPr>
           <p:spPr>
             <a:xfrm>
-              <a:off x="4839812" y="5390213"/>
+              <a:off x="4668867" y="5390163"/>
               <a:ext cx="63202" cy="63202"/>
             </a:xfrm>
             <a:custGeom>
@@ -30202,7 +30202,7 @@
           </p:nvSpPr>
           <p:spPr>
             <a:xfrm>
-              <a:off x="5113661" y="5759738"/>
+              <a:off x="4718507" y="5759723"/>
               <a:ext cx="63202" cy="63202"/>
             </a:xfrm>
             <a:custGeom>
@@ -30245,7 +30245,7 @@
           </p:nvSpPr>
           <p:spPr>
             <a:xfrm>
-              <a:off x="4710217" y="6065109"/>
+              <a:off x="4618751" y="6065042"/>
               <a:ext cx="63202" cy="63202"/>
             </a:xfrm>
             <a:custGeom>
@@ -30288,7 +30288,7 @@
           </p:nvSpPr>
           <p:spPr>
             <a:xfrm>
-              <a:off x="4546690" y="5405867"/>
+              <a:off x="4667977" y="5405890"/>
               <a:ext cx="63202" cy="63202"/>
             </a:xfrm>
             <a:custGeom>
@@ -30331,7 +30331,7 @@
           </p:nvSpPr>
           <p:spPr>
             <a:xfrm>
-              <a:off x="4512524" y="5431084"/>
+              <a:off x="4555917" y="5431047"/>
               <a:ext cx="63202" cy="63202"/>
             </a:xfrm>
             <a:custGeom>
@@ -30374,7 +30374,7 @@
           </p:nvSpPr>
           <p:spPr>
             <a:xfrm>
-              <a:off x="4717588" y="5423753"/>
+              <a:off x="5060157" y="5423739"/>
               <a:ext cx="63202" cy="63202"/>
             </a:xfrm>
             <a:custGeom>
@@ -30417,7 +30417,7 @@
           </p:nvSpPr>
           <p:spPr>
             <a:xfrm>
-              <a:off x="4480162" y="5400675"/>
+              <a:off x="4928718" y="5400665"/>
               <a:ext cx="63202" cy="63202"/>
             </a:xfrm>
             <a:custGeom>
@@ -30460,7 +30460,7 @@
           </p:nvSpPr>
           <p:spPr>
             <a:xfrm>
-              <a:off x="5000379" y="5475796"/>
+              <a:off x="4674190" y="5475805"/>
               <a:ext cx="63202" cy="63202"/>
             </a:xfrm>
             <a:custGeom>
@@ -30503,7 +30503,7 @@
           </p:nvSpPr>
           <p:spPr>
             <a:xfrm>
-              <a:off x="5093798" y="5610917"/>
+              <a:off x="4541073" y="5610902"/>
               <a:ext cx="63202" cy="63202"/>
             </a:xfrm>
             <a:custGeom>
@@ -30546,7 +30546,7 @@
           </p:nvSpPr>
           <p:spPr>
             <a:xfrm>
-              <a:off x="4834896" y="5399583"/>
+              <a:off x="5139746" y="5399575"/>
               <a:ext cx="63202" cy="63202"/>
             </a:xfrm>
             <a:custGeom>
@@ -30589,7 +30589,7 @@
           </p:nvSpPr>
           <p:spPr>
             <a:xfrm>
-              <a:off x="5106693" y="5820971"/>
+              <a:off x="4574296" y="5820942"/>
               <a:ext cx="63202" cy="63202"/>
             </a:xfrm>
             <a:custGeom>
@@ -30632,7 +30632,7 @@
           </p:nvSpPr>
           <p:spPr>
             <a:xfrm>
-              <a:off x="4896876" y="5503320"/>
+              <a:off x="5098284" y="5503278"/>
               <a:ext cx="63202" cy="63202"/>
             </a:xfrm>
             <a:custGeom>
@@ -30675,7 +30675,7 @@
           </p:nvSpPr>
           <p:spPr>
             <a:xfrm>
-              <a:off x="4792844" y="5403202"/>
+              <a:off x="4793867" y="5403180"/>
               <a:ext cx="63202" cy="63202"/>
             </a:xfrm>
             <a:custGeom>
@@ -30718,7 +30718,7 @@
           </p:nvSpPr>
           <p:spPr>
             <a:xfrm>
-              <a:off x="4980290" y="5378826"/>
+              <a:off x="4718879" y="5378776"/>
               <a:ext cx="63202" cy="63202"/>
             </a:xfrm>
             <a:custGeom>
@@ -30761,7 +30761,7 @@
           </p:nvSpPr>
           <p:spPr>
             <a:xfrm>
-              <a:off x="4541410" y="5479344"/>
+              <a:off x="4636068" y="5479317"/>
               <a:ext cx="63202" cy="63202"/>
             </a:xfrm>
             <a:custGeom>
@@ -30804,7 +30804,7 @@
           </p:nvSpPr>
           <p:spPr>
             <a:xfrm>
-              <a:off x="4555524" y="5490482"/>
+              <a:off x="4544313" y="5490434"/>
               <a:ext cx="63202" cy="63202"/>
             </a:xfrm>
             <a:custGeom>
@@ -30847,7 +30847,7 @@
           </p:nvSpPr>
           <p:spPr>
             <a:xfrm>
-              <a:off x="5063529" y="6001338"/>
+              <a:off x="4626370" y="6001340"/>
               <a:ext cx="63202" cy="63202"/>
             </a:xfrm>
             <a:custGeom>
@@ -30890,7 +30890,7 @@
           </p:nvSpPr>
           <p:spPr>
             <a:xfrm>
-              <a:off x="4886550" y="5503063"/>
+              <a:off x="4831535" y="5503042"/>
               <a:ext cx="63202" cy="63202"/>
             </a:xfrm>
             <a:custGeom>
@@ -30933,7 +30933,7 @@
           </p:nvSpPr>
           <p:spPr>
             <a:xfrm>
-              <a:off x="4863556" y="5493850"/>
+              <a:off x="4970460" y="5493874"/>
               <a:ext cx="63202" cy="63202"/>
             </a:xfrm>
             <a:custGeom>
@@ -30976,7 +30976,7 @@
           </p:nvSpPr>
           <p:spPr>
             <a:xfrm>
-              <a:off x="4926416" y="5380758"/>
+              <a:off x="4614631" y="5380770"/>
               <a:ext cx="63202" cy="63202"/>
             </a:xfrm>
             <a:custGeom>
@@ -31019,7 +31019,7 @@
           </p:nvSpPr>
           <p:spPr>
             <a:xfrm>
-              <a:off x="4800149" y="5442468"/>
+              <a:off x="4999526" y="5442467"/>
               <a:ext cx="63202" cy="63202"/>
             </a:xfrm>
             <a:custGeom>
@@ -31062,7 +31062,7 @@
           </p:nvSpPr>
           <p:spPr>
             <a:xfrm>
-              <a:off x="4639464" y="5772209"/>
+              <a:off x="4554247" y="5772175"/>
               <a:ext cx="63202" cy="63202"/>
             </a:xfrm>
             <a:custGeom>
@@ -31105,7 +31105,7 @@
           </p:nvSpPr>
           <p:spPr>
             <a:xfrm>
-              <a:off x="4599534" y="5393835"/>
+              <a:off x="4561904" y="5393807"/>
               <a:ext cx="63202" cy="63202"/>
             </a:xfrm>
             <a:custGeom>
@@ -31148,7 +31148,7 @@
           </p:nvSpPr>
           <p:spPr>
             <a:xfrm>
-              <a:off x="4921973" y="5400464"/>
+              <a:off x="4470441" y="5400413"/>
               <a:ext cx="63202" cy="63202"/>
             </a:xfrm>
             <a:custGeom>
@@ -31191,7 +31191,7 @@
           </p:nvSpPr>
           <p:spPr>
             <a:xfrm>
-              <a:off x="4927692" y="5399974"/>
+              <a:off x="4596353" y="5399961"/>
               <a:ext cx="63202" cy="63202"/>
             </a:xfrm>
             <a:custGeom>
@@ -31234,7 +31234,7 @@
           </p:nvSpPr>
           <p:spPr>
             <a:xfrm>
-              <a:off x="5121042" y="5781848"/>
+              <a:off x="5148245" y="5781841"/>
               <a:ext cx="63202" cy="63202"/>
             </a:xfrm>
             <a:custGeom>
@@ -31277,7 +31277,7 @@
           </p:nvSpPr>
           <p:spPr>
             <a:xfrm>
-              <a:off x="4486364" y="5387012"/>
+              <a:off x="4544117" y="5387014"/>
               <a:ext cx="63202" cy="63202"/>
             </a:xfrm>
             <a:custGeom>
@@ -31320,7 +31320,7 @@
           </p:nvSpPr>
           <p:spPr>
             <a:xfrm>
-              <a:off x="4602964" y="5461683"/>
+              <a:off x="4922329" y="5461682"/>
               <a:ext cx="63202" cy="63202"/>
             </a:xfrm>
             <a:custGeom>
@@ -31363,7 +31363,7 @@
           </p:nvSpPr>
           <p:spPr>
             <a:xfrm>
-              <a:off x="4677486" y="5485678"/>
+              <a:off x="4733583" y="5485651"/>
               <a:ext cx="63202" cy="63202"/>
             </a:xfrm>
             <a:custGeom>
@@ -31406,7 +31406,7 @@
           </p:nvSpPr>
           <p:spPr>
             <a:xfrm>
-              <a:off x="4844553" y="5414713"/>
+              <a:off x="4773440" y="5414711"/>
               <a:ext cx="63202" cy="63202"/>
             </a:xfrm>
             <a:custGeom>
@@ -31449,7 +31449,7 @@
           </p:nvSpPr>
           <p:spPr>
             <a:xfrm>
-              <a:off x="4960780" y="5791460"/>
+              <a:off x="4988827" y="5791433"/>
               <a:ext cx="63202" cy="63202"/>
             </a:xfrm>
             <a:custGeom>
@@ -31492,7 +31492,7 @@
           </p:nvSpPr>
           <p:spPr>
             <a:xfrm>
-              <a:off x="4762429" y="5546194"/>
+              <a:off x="5126651" y="5546212"/>
               <a:ext cx="63202" cy="63202"/>
             </a:xfrm>
             <a:custGeom>
@@ -31535,7 +31535,7 @@
           </p:nvSpPr>
           <p:spPr>
             <a:xfrm>
-              <a:off x="4539471" y="5432449"/>
+              <a:off x="4811023" y="5432434"/>
               <a:ext cx="63202" cy="63202"/>
             </a:xfrm>
             <a:custGeom>
@@ -31578,7 +31578,7 @@
           </p:nvSpPr>
           <p:spPr>
             <a:xfrm>
-              <a:off x="4790647" y="5394153"/>
+              <a:off x="4469212" y="5394120"/>
               <a:ext cx="63202" cy="63202"/>
             </a:xfrm>
             <a:custGeom>
@@ -31621,7 +31621,7 @@
           </p:nvSpPr>
           <p:spPr>
             <a:xfrm>
-              <a:off x="4522707" y="5454089"/>
+              <a:off x="4611110" y="5454053"/>
               <a:ext cx="63202" cy="63202"/>
             </a:xfrm>
             <a:custGeom>
@@ -31664,7 +31664,7 @@
           </p:nvSpPr>
           <p:spPr>
             <a:xfrm>
-              <a:off x="5024649" y="5424547"/>
+              <a:off x="4546753" y="5424546"/>
               <a:ext cx="63202" cy="63202"/>
             </a:xfrm>
             <a:custGeom>
@@ -31707,7 +31707,7 @@
           </p:nvSpPr>
           <p:spPr>
             <a:xfrm>
-              <a:off x="4713458" y="5498438"/>
+              <a:off x="4649178" y="5498418"/>
               <a:ext cx="63202" cy="63202"/>
             </a:xfrm>
             <a:custGeom>
@@ -31750,7 +31750,7 @@
           </p:nvSpPr>
           <p:spPr>
             <a:xfrm>
-              <a:off x="4857869" y="5902137"/>
+              <a:off x="5158111" y="5902136"/>
               <a:ext cx="63202" cy="63202"/>
             </a:xfrm>
             <a:custGeom>
@@ -31793,7 +31793,7 @@
           </p:nvSpPr>
           <p:spPr>
             <a:xfrm>
-              <a:off x="5119728" y="5843961"/>
+              <a:off x="4762085" y="5843931"/>
               <a:ext cx="63202" cy="63202"/>
             </a:xfrm>
             <a:custGeom>
@@ -31836,7 +31836,7 @@
           </p:nvSpPr>
           <p:spPr>
             <a:xfrm>
-              <a:off x="4546027" y="5540707"/>
+              <a:off x="4695526" y="5540693"/>
               <a:ext cx="63202" cy="63202"/>
             </a:xfrm>
             <a:custGeom>
@@ -31879,7 +31879,7 @@
           </p:nvSpPr>
           <p:spPr>
             <a:xfrm>
-              <a:off x="4555334" y="5952038"/>
+              <a:off x="4952631" y="5952011"/>
               <a:ext cx="63202" cy="63202"/>
             </a:xfrm>
             <a:custGeom>
@@ -31922,7 +31922,7 @@
           </p:nvSpPr>
           <p:spPr>
             <a:xfrm>
-              <a:off x="4963919" y="5395777"/>
+              <a:off x="4585893" y="5395745"/>
               <a:ext cx="63202" cy="63202"/>
             </a:xfrm>
             <a:custGeom>
@@ -31965,7 +31965,7 @@
           </p:nvSpPr>
           <p:spPr>
             <a:xfrm>
-              <a:off x="4890874" y="5460263"/>
+              <a:off x="4970362" y="5460241"/>
               <a:ext cx="63202" cy="63202"/>
             </a:xfrm>
             <a:custGeom>
@@ -32008,7 +32008,7 @@
           </p:nvSpPr>
           <p:spPr>
             <a:xfrm>
-              <a:off x="4815021" y="5441469"/>
+              <a:off x="4657540" y="5441430"/>
               <a:ext cx="63202" cy="63202"/>
             </a:xfrm>
             <a:custGeom>
@@ -32051,7 +32051,7 @@
           </p:nvSpPr>
           <p:spPr>
             <a:xfrm>
-              <a:off x="4892643" y="5390129"/>
+              <a:off x="4660467" y="5390114"/>
               <a:ext cx="63202" cy="63202"/>
             </a:xfrm>
             <a:custGeom>
@@ -32094,7 +32094,7 @@
           </p:nvSpPr>
           <p:spPr>
             <a:xfrm>
-              <a:off x="4942551" y="5435638"/>
+              <a:off x="4616244" y="5435624"/>
               <a:ext cx="63202" cy="63202"/>
             </a:xfrm>
             <a:custGeom>
@@ -32137,7 +32137,7 @@
           </p:nvSpPr>
           <p:spPr>
             <a:xfrm>
-              <a:off x="5113360" y="5402515"/>
+              <a:off x="4708380" y="5402495"/>
               <a:ext cx="63202" cy="63202"/>
             </a:xfrm>
             <a:custGeom>
@@ -32180,7 +32180,7 @@
           </p:nvSpPr>
           <p:spPr>
             <a:xfrm>
-              <a:off x="4964869" y="5409686"/>
+              <a:off x="5078153" y="5409668"/>
               <a:ext cx="63202" cy="63202"/>
             </a:xfrm>
             <a:custGeom>
@@ -32223,7 +32223,7 @@
           </p:nvSpPr>
           <p:spPr>
             <a:xfrm>
-              <a:off x="5127995" y="5425031"/>
+              <a:off x="4747547" y="5424990"/>
               <a:ext cx="63202" cy="63202"/>
             </a:xfrm>
             <a:custGeom>
@@ -32266,7 +32266,7 @@
           </p:nvSpPr>
           <p:spPr>
             <a:xfrm>
-              <a:off x="4511170" y="5780733"/>
+              <a:off x="4532182" y="5780684"/>
               <a:ext cx="63202" cy="63202"/>
             </a:xfrm>
             <a:custGeom>
@@ -32309,7 +32309,7 @@
           </p:nvSpPr>
           <p:spPr>
             <a:xfrm>
-              <a:off x="5021986" y="5612212"/>
+              <a:off x="5070784" y="5612200"/>
               <a:ext cx="63202" cy="63202"/>
             </a:xfrm>
             <a:custGeom>
@@ -32352,7 +32352,7 @@
           </p:nvSpPr>
           <p:spPr>
             <a:xfrm>
-              <a:off x="5116894" y="5380324"/>
+              <a:off x="5135345" y="5380260"/>
               <a:ext cx="63202" cy="63202"/>
             </a:xfrm>
             <a:custGeom>
@@ -32395,7 +32395,7 @@
           </p:nvSpPr>
           <p:spPr>
             <a:xfrm>
-              <a:off x="5102527" y="5495641"/>
+              <a:off x="4855329" y="5495609"/>
               <a:ext cx="63202" cy="63202"/>
             </a:xfrm>
             <a:custGeom>
@@ -32438,7 +32438,7 @@
           </p:nvSpPr>
           <p:spPr>
             <a:xfrm>
-              <a:off x="4943648" y="5496944"/>
+              <a:off x="4639450" y="5496884"/>
               <a:ext cx="63202" cy="63202"/>
             </a:xfrm>
             <a:custGeom>
@@ -32481,7 +32481,7 @@
           </p:nvSpPr>
           <p:spPr>
             <a:xfrm>
-              <a:off x="4612986" y="5411171"/>
+              <a:off x="4722624" y="5411189"/>
               <a:ext cx="63202" cy="63202"/>
             </a:xfrm>
             <a:custGeom>
@@ -32524,7 +32524,7 @@
           </p:nvSpPr>
           <p:spPr>
             <a:xfrm>
-              <a:off x="4740351" y="5439756"/>
+              <a:off x="4979798" y="5439736"/>
               <a:ext cx="63202" cy="63202"/>
             </a:xfrm>
             <a:custGeom>
@@ -32567,7 +32567,7 @@
           </p:nvSpPr>
           <p:spPr>
             <a:xfrm>
-              <a:off x="4988926" y="5483758"/>
+              <a:off x="4860502" y="5483719"/>
               <a:ext cx="63202" cy="63202"/>
             </a:xfrm>
             <a:custGeom>
@@ -32610,7 +32610,7 @@
           </p:nvSpPr>
           <p:spPr>
             <a:xfrm>
-              <a:off x="4998936" y="5485133"/>
+              <a:off x="4763394" y="5485121"/>
               <a:ext cx="63202" cy="63202"/>
             </a:xfrm>
             <a:custGeom>
@@ -32653,7 +32653,7 @@
           </p:nvSpPr>
           <p:spPr>
             <a:xfrm>
-              <a:off x="4643318" y="5433586"/>
+              <a:off x="4978958" y="5433587"/>
               <a:ext cx="63202" cy="63202"/>
             </a:xfrm>
             <a:custGeom>
@@ -32696,7 +32696,7 @@
           </p:nvSpPr>
           <p:spPr>
             <a:xfrm>
-              <a:off x="4964538" y="5431468"/>
+              <a:off x="5075325" y="5431460"/>
               <a:ext cx="63202" cy="63202"/>
             </a:xfrm>
             <a:custGeom>
@@ -32739,7 +32739,7 @@
           </p:nvSpPr>
           <p:spPr>
             <a:xfrm>
-              <a:off x="4753317" y="5540288"/>
+              <a:off x="4505042" y="5540310"/>
               <a:ext cx="63202" cy="63202"/>
             </a:xfrm>
             <a:custGeom>
@@ -32782,7 +32782,7 @@
           </p:nvSpPr>
           <p:spPr>
             <a:xfrm>
-              <a:off x="4854334" y="5430734"/>
+              <a:off x="5033524" y="5430700"/>
               <a:ext cx="63202" cy="63202"/>
             </a:xfrm>
             <a:custGeom>
@@ -32825,7 +32825,7 @@
           </p:nvSpPr>
           <p:spPr>
             <a:xfrm>
-              <a:off x="4623461" y="5424982"/>
+              <a:off x="4987101" y="5424955"/>
               <a:ext cx="63202" cy="63202"/>
             </a:xfrm>
             <a:custGeom>
@@ -32868,7 +32868,7 @@
           </p:nvSpPr>
           <p:spPr>
             <a:xfrm>
-              <a:off x="4858756" y="5697686"/>
+              <a:off x="5115242" y="5697644"/>
               <a:ext cx="63202" cy="63202"/>
             </a:xfrm>
             <a:custGeom>
@@ -32911,7 +32911,7 @@
           </p:nvSpPr>
           <p:spPr>
             <a:xfrm>
-              <a:off x="4884869" y="5410858"/>
+              <a:off x="4974406" y="5410828"/>
               <a:ext cx="63202" cy="63202"/>
             </a:xfrm>
             <a:custGeom>
@@ -32954,7 +32954,7 @@
           </p:nvSpPr>
           <p:spPr>
             <a:xfrm>
-              <a:off x="4506964" y="5434998"/>
+              <a:off x="5033949" y="5434978"/>
               <a:ext cx="63202" cy="63202"/>
             </a:xfrm>
             <a:custGeom>
@@ -32997,7 +32997,7 @@
           </p:nvSpPr>
           <p:spPr>
             <a:xfrm>
-              <a:off x="4833768" y="5423535"/>
+              <a:off x="5040770" y="5423546"/>
               <a:ext cx="63202" cy="63202"/>
             </a:xfrm>
             <a:custGeom>
@@ -33040,7 +33040,7 @@
           </p:nvSpPr>
           <p:spPr>
             <a:xfrm>
-              <a:off x="4652455" y="5405532"/>
+              <a:off x="4828729" y="5405531"/>
               <a:ext cx="63202" cy="63202"/>
             </a:xfrm>
             <a:custGeom>
@@ -33083,7 +33083,7 @@
           </p:nvSpPr>
           <p:spPr>
             <a:xfrm>
-              <a:off x="4654759" y="5409699"/>
+              <a:off x="4779477" y="5409660"/>
               <a:ext cx="63202" cy="63202"/>
             </a:xfrm>
             <a:custGeom>
@@ -33126,7 +33126,7 @@
           </p:nvSpPr>
           <p:spPr>
             <a:xfrm>
-              <a:off x="4772227" y="5386349"/>
+              <a:off x="4601765" y="5386342"/>
               <a:ext cx="63202" cy="63202"/>
             </a:xfrm>
             <a:custGeom>
@@ -33169,7 +33169,7 @@
           </p:nvSpPr>
           <p:spPr>
             <a:xfrm>
-              <a:off x="4950496" y="6014433"/>
+              <a:off x="4792391" y="6014424"/>
               <a:ext cx="63202" cy="63202"/>
             </a:xfrm>
             <a:custGeom>
@@ -33212,7 +33212,7 @@
           </p:nvSpPr>
           <p:spPr>
             <a:xfrm>
-              <a:off x="4759984" y="5698498"/>
+              <a:off x="5129557" y="5698445"/>
               <a:ext cx="63202" cy="63202"/>
             </a:xfrm>
             <a:custGeom>
@@ -33255,7 +33255,7 @@
           </p:nvSpPr>
           <p:spPr>
             <a:xfrm>
-              <a:off x="4579666" y="5743575"/>
+              <a:off x="4746562" y="5743556"/>
               <a:ext cx="63202" cy="63202"/>
             </a:xfrm>
             <a:custGeom>
@@ -33298,7 +33298,7 @@
           </p:nvSpPr>
           <p:spPr>
             <a:xfrm>
-              <a:off x="4897554" y="5693451"/>
+              <a:off x="4916584" y="5693461"/>
               <a:ext cx="63202" cy="63202"/>
             </a:xfrm>
             <a:custGeom>
@@ -33341,7 +33341,7 @@
           </p:nvSpPr>
           <p:spPr>
             <a:xfrm>
-              <a:off x="4728882" y="5447964"/>
+              <a:off x="4592446" y="5447950"/>
               <a:ext cx="63202" cy="63202"/>
             </a:xfrm>
             <a:custGeom>
@@ -33384,7 +33384,7 @@
           </p:nvSpPr>
           <p:spPr>
             <a:xfrm>
-              <a:off x="4573416" y="6046773"/>
+              <a:off x="4603478" y="6046748"/>
               <a:ext cx="63202" cy="63202"/>
             </a:xfrm>
             <a:custGeom>
@@ -33427,7 +33427,7 @@
           </p:nvSpPr>
           <p:spPr>
             <a:xfrm>
-              <a:off x="4987544" y="6032037"/>
+              <a:off x="5115928" y="6032028"/>
               <a:ext cx="63202" cy="63202"/>
             </a:xfrm>
             <a:custGeom>
@@ -33470,7 +33470,7 @@
           </p:nvSpPr>
           <p:spPr>
             <a:xfrm>
-              <a:off x="4665790" y="5398466"/>
+              <a:off x="4641742" y="5398486"/>
               <a:ext cx="63202" cy="63202"/>
             </a:xfrm>
             <a:custGeom>
@@ -33513,7 +33513,7 @@
           </p:nvSpPr>
           <p:spPr>
             <a:xfrm>
-              <a:off x="4750850" y="5404957"/>
+              <a:off x="5070237" y="5404934"/>
               <a:ext cx="63202" cy="63202"/>
             </a:xfrm>
             <a:custGeom>
@@ -33556,7 +33556,7 @@
           </p:nvSpPr>
           <p:spPr>
             <a:xfrm>
-              <a:off x="4498139" y="5746916"/>
+              <a:off x="4660881" y="5746850"/>
               <a:ext cx="63202" cy="63202"/>
             </a:xfrm>
             <a:custGeom>
@@ -33599,7 +33599,7 @@
           </p:nvSpPr>
           <p:spPr>
             <a:xfrm>
-              <a:off x="4688222" y="6034933"/>
+              <a:off x="4794881" y="6034919"/>
               <a:ext cx="63202" cy="63202"/>
             </a:xfrm>
             <a:custGeom>
@@ -33642,7 +33642,7 @@
           </p:nvSpPr>
           <p:spPr>
             <a:xfrm>
-              <a:off x="4744788" y="5453344"/>
+              <a:off x="4795354" y="5453321"/>
               <a:ext cx="63202" cy="63202"/>
             </a:xfrm>
             <a:custGeom>
@@ -33685,7 +33685,7 @@
           </p:nvSpPr>
           <p:spPr>
             <a:xfrm>
-              <a:off x="4657119" y="5678085"/>
+              <a:off x="4557613" y="5678050"/>
               <a:ext cx="63202" cy="63202"/>
             </a:xfrm>
             <a:custGeom>
@@ -33728,7 +33728,7 @@
           </p:nvSpPr>
           <p:spPr>
             <a:xfrm>
-              <a:off x="5046727" y="5596199"/>
+              <a:off x="4496334" y="5596153"/>
               <a:ext cx="63202" cy="63202"/>
             </a:xfrm>
             <a:custGeom>
@@ -33771,7 +33771,7 @@
           </p:nvSpPr>
           <p:spPr>
             <a:xfrm>
-              <a:off x="4709833" y="5395385"/>
+              <a:off x="4532132" y="5395338"/>
               <a:ext cx="63202" cy="63202"/>
             </a:xfrm>
             <a:custGeom>
@@ -33814,7 +33814,7 @@
           </p:nvSpPr>
           <p:spPr>
             <a:xfrm>
-              <a:off x="4629709" y="5406313"/>
+              <a:off x="4943797" y="5406254"/>
               <a:ext cx="63202" cy="63202"/>
             </a:xfrm>
             <a:custGeom>
@@ -33857,7 +33857,7 @@
           </p:nvSpPr>
           <p:spPr>
             <a:xfrm>
-              <a:off x="5119410" y="5389656"/>
+              <a:off x="5014561" y="5389664"/>
               <a:ext cx="63202" cy="63202"/>
             </a:xfrm>
             <a:custGeom>
@@ -33900,7 +33900,7 @@
           </p:nvSpPr>
           <p:spPr>
             <a:xfrm>
-              <a:off x="4818434" y="5487924"/>
+              <a:off x="4495289" y="5487882"/>
               <a:ext cx="63202" cy="63202"/>
             </a:xfrm>
             <a:custGeom>
@@ -33943,7 +33943,7 @@
           </p:nvSpPr>
           <p:spPr>
             <a:xfrm>
-              <a:off x="4731445" y="5405775"/>
+              <a:off x="4747482" y="5405754"/>
               <a:ext cx="63202" cy="63202"/>
             </a:xfrm>
             <a:custGeom>
@@ -33986,7 +33986,7 @@
           </p:nvSpPr>
           <p:spPr>
             <a:xfrm>
-              <a:off x="5145701" y="5490501"/>
+              <a:off x="4771628" y="5490480"/>
               <a:ext cx="63202" cy="63202"/>
             </a:xfrm>
             <a:custGeom>
@@ -34029,7 +34029,7 @@
           </p:nvSpPr>
           <p:spPr>
             <a:xfrm>
-              <a:off x="4910532" y="5497795"/>
+              <a:off x="4983658" y="5497803"/>
               <a:ext cx="63202" cy="63202"/>
             </a:xfrm>
             <a:custGeom>
@@ -34072,7 +34072,7 @@
           </p:nvSpPr>
           <p:spPr>
             <a:xfrm>
-              <a:off x="4722757" y="5489061"/>
+              <a:off x="4662999" y="5489034"/>
               <a:ext cx="63202" cy="63202"/>
             </a:xfrm>
             <a:custGeom>
@@ -34115,7 +34115,7 @@
           </p:nvSpPr>
           <p:spPr>
             <a:xfrm>
-              <a:off x="4653617" y="5489829"/>
+              <a:off x="4938527" y="5489784"/>
               <a:ext cx="63202" cy="63202"/>
             </a:xfrm>
             <a:custGeom>
@@ -34158,7 +34158,7 @@
           </p:nvSpPr>
           <p:spPr>
             <a:xfrm>
-              <a:off x="4573490" y="5432161"/>
+              <a:off x="4641124" y="5432142"/>
               <a:ext cx="63202" cy="63202"/>
             </a:xfrm>
             <a:custGeom>
@@ -34201,7 +34201,7 @@
           </p:nvSpPr>
           <p:spPr>
             <a:xfrm>
-              <a:off x="4774967" y="5486670"/>
+              <a:off x="4845172" y="5486632"/>
               <a:ext cx="63202" cy="63202"/>
             </a:xfrm>
             <a:custGeom>
@@ -34244,7 +34244,7 @@
           </p:nvSpPr>
           <p:spPr>
             <a:xfrm>
-              <a:off x="4630052" y="5725690"/>
+              <a:off x="4586831" y="5725700"/>
               <a:ext cx="63202" cy="63202"/>
             </a:xfrm>
             <a:custGeom>
@@ -34287,7 +34287,7 @@
           </p:nvSpPr>
           <p:spPr>
             <a:xfrm>
-              <a:off x="4975099" y="5404749"/>
+              <a:off x="4792344" y="5404697"/>
               <a:ext cx="63202" cy="63202"/>
             </a:xfrm>
             <a:custGeom>
@@ -34330,7 +34330,7 @@
           </p:nvSpPr>
           <p:spPr>
             <a:xfrm>
-              <a:off x="5019699" y="5893481"/>
+              <a:off x="4605670" y="5893430"/>
               <a:ext cx="63202" cy="63202"/>
             </a:xfrm>
             <a:custGeom>
@@ -34373,7 +34373,7 @@
           </p:nvSpPr>
           <p:spPr>
             <a:xfrm>
-              <a:off x="4839990" y="5461022"/>
+              <a:off x="5157593" y="5461016"/>
               <a:ext cx="63202" cy="63202"/>
             </a:xfrm>
             <a:custGeom>
@@ -34416,7 +34416,7 @@
           </p:nvSpPr>
           <p:spPr>
             <a:xfrm>
-              <a:off x="4650521" y="5777564"/>
+              <a:off x="4493601" y="5777552"/>
               <a:ext cx="63202" cy="63202"/>
             </a:xfrm>
             <a:custGeom>
@@ -34459,7 +34459,7 @@
           </p:nvSpPr>
           <p:spPr>
             <a:xfrm>
-              <a:off x="4826059" y="5538694"/>
+              <a:off x="4847500" y="5538648"/>
               <a:ext cx="63202" cy="63202"/>
             </a:xfrm>
             <a:custGeom>
@@ -34502,7 +34502,7 @@
           </p:nvSpPr>
           <p:spPr>
             <a:xfrm>
-              <a:off x="4734833" y="5829103"/>
+              <a:off x="4508033" y="5829088"/>
               <a:ext cx="63202" cy="63202"/>
             </a:xfrm>
             <a:custGeom>
@@ -34545,7 +34545,7 @@
           </p:nvSpPr>
           <p:spPr>
             <a:xfrm>
-              <a:off x="5064032" y="5728690"/>
+              <a:off x="4672321" y="5728668"/>
               <a:ext cx="63202" cy="63202"/>
             </a:xfrm>
             <a:custGeom>
@@ -34588,7 +34588,7 @@
           </p:nvSpPr>
           <p:spPr>
             <a:xfrm>
-              <a:off x="4675484" y="5988090"/>
+              <a:off x="4636894" y="5988058"/>
               <a:ext cx="63202" cy="63202"/>
             </a:xfrm>
             <a:custGeom>
@@ -34631,7 +34631,7 @@
           </p:nvSpPr>
           <p:spPr>
             <a:xfrm>
-              <a:off x="4471235" y="5397275"/>
+              <a:off x="5095198" y="5397249"/>
               <a:ext cx="63202" cy="63202"/>
             </a:xfrm>
             <a:custGeom>
@@ -34674,7 +34674,7 @@
           </p:nvSpPr>
           <p:spPr>
             <a:xfrm>
-              <a:off x="4898607" y="5397451"/>
+              <a:off x="5104014" y="5397428"/>
               <a:ext cx="63202" cy="63202"/>
             </a:xfrm>
             <a:custGeom>
@@ -34717,7 +34717,7 @@
           </p:nvSpPr>
           <p:spPr>
             <a:xfrm>
-              <a:off x="4750827" y="5861745"/>
+              <a:off x="4673607" y="5861732"/>
               <a:ext cx="63202" cy="63202"/>
             </a:xfrm>
             <a:custGeom>
@@ -34760,7 +34760,7 @@
           </p:nvSpPr>
           <p:spPr>
             <a:xfrm>
-              <a:off x="4940558" y="5766655"/>
+              <a:off x="4510928" y="5766648"/>
               <a:ext cx="63202" cy="63202"/>
             </a:xfrm>
             <a:custGeom>
@@ -34803,7 +34803,7 @@
           </p:nvSpPr>
           <p:spPr>
             <a:xfrm>
-              <a:off x="5161836" y="5596090"/>
+              <a:off x="4543747" y="5596118"/>
               <a:ext cx="63202" cy="63202"/>
             </a:xfrm>
             <a:custGeom>
@@ -34846,7 +34846,7 @@
           </p:nvSpPr>
           <p:spPr>
             <a:xfrm>
-              <a:off x="4694458" y="5701272"/>
+              <a:off x="4945633" y="5701249"/>
               <a:ext cx="63202" cy="63202"/>
             </a:xfrm>
             <a:custGeom>
@@ -34945,7 +34945,7 @@
           </p:nvSpPr>
           <p:spPr>
             <a:xfrm>
-              <a:off x="7192078" y="2898377"/>
+              <a:off x="7192078" y="2898347"/>
               <a:ext cx="2796732" cy="0"/>
             </a:xfrm>
             <a:custGeom>
@@ -34988,7 +34988,7 @@
           </p:nvSpPr>
           <p:spPr>
             <a:xfrm>
-              <a:off x="7192078" y="2558932"/>
+              <a:off x="7192078" y="2558904"/>
               <a:ext cx="2796732" cy="0"/>
             </a:xfrm>
             <a:custGeom>
@@ -35031,7 +35031,7 @@
           </p:nvSpPr>
           <p:spPr>
             <a:xfrm>
-              <a:off x="7192078" y="2219487"/>
+              <a:off x="7192078" y="2219461"/>
               <a:ext cx="2796732" cy="0"/>
             </a:xfrm>
             <a:custGeom>
@@ -35074,7 +35074,7 @@
           </p:nvSpPr>
           <p:spPr>
             <a:xfrm>
-              <a:off x="7192078" y="1880041"/>
+              <a:off x="7192078" y="1880018"/>
               <a:ext cx="2796732" cy="0"/>
             </a:xfrm>
             <a:custGeom>
@@ -35117,7 +35117,7 @@
           </p:nvSpPr>
           <p:spPr>
             <a:xfrm>
-              <a:off x="7192078" y="1540596"/>
+              <a:off x="7192078" y="1540574"/>
               <a:ext cx="2796732" cy="0"/>
             </a:xfrm>
             <a:custGeom>
@@ -35160,7 +35160,7 @@
           </p:nvSpPr>
           <p:spPr>
             <a:xfrm>
-              <a:off x="7192078" y="2728655"/>
+              <a:off x="7192078" y="2728626"/>
               <a:ext cx="2796732" cy="0"/>
             </a:xfrm>
             <a:custGeom>
@@ -35203,7 +35203,7 @@
           </p:nvSpPr>
           <p:spPr>
             <a:xfrm>
-              <a:off x="7192078" y="2389209"/>
+              <a:off x="7192078" y="2389182"/>
               <a:ext cx="2796732" cy="0"/>
             </a:xfrm>
             <a:custGeom>
@@ -35246,7 +35246,7 @@
           </p:nvSpPr>
           <p:spPr>
             <a:xfrm>
-              <a:off x="7192078" y="2049764"/>
+              <a:off x="7192078" y="2049739"/>
               <a:ext cx="2796732" cy="0"/>
             </a:xfrm>
             <a:custGeom>
@@ -35289,7 +35289,7 @@
           </p:nvSpPr>
           <p:spPr>
             <a:xfrm>
-              <a:off x="7192078" y="1710318"/>
+              <a:off x="7192078" y="1710296"/>
               <a:ext cx="2796732" cy="0"/>
             </a:xfrm>
             <a:custGeom>
@@ -35461,7 +35461,7 @@
           </p:nvSpPr>
           <p:spPr>
             <a:xfrm>
-              <a:off x="7549037" y="2743608"/>
+              <a:off x="7494644" y="2743610"/>
               <a:ext cx="63202" cy="63202"/>
             </a:xfrm>
             <a:custGeom>
@@ -35504,7 +35504,7 @@
           </p:nvSpPr>
           <p:spPr>
             <a:xfrm>
-              <a:off x="7910507" y="2400287"/>
+              <a:off x="7717554" y="2400284"/>
               <a:ext cx="63202" cy="63202"/>
             </a:xfrm>
             <a:custGeom>
@@ -35547,7 +35547,7 @@
           </p:nvSpPr>
           <p:spPr>
             <a:xfrm>
-              <a:off x="7473047" y="2350521"/>
+              <a:off x="7414593" y="2350546"/>
               <a:ext cx="63202" cy="63202"/>
             </a:xfrm>
             <a:custGeom>
@@ -35590,7 +35590,7 @@
           </p:nvSpPr>
           <p:spPr>
             <a:xfrm>
-              <a:off x="7585938" y="2357040"/>
+              <a:off x="7393946" y="2357040"/>
               <a:ext cx="63202" cy="63202"/>
             </a:xfrm>
             <a:custGeom>
@@ -35633,7 +35633,7 @@
           </p:nvSpPr>
           <p:spPr>
             <a:xfrm>
-              <a:off x="7860296" y="2347721"/>
+              <a:off x="7404685" y="2347651"/>
               <a:ext cx="63202" cy="63202"/>
             </a:xfrm>
             <a:custGeom>
@@ -35676,7 +35676,7 @@
           </p:nvSpPr>
           <p:spPr>
             <a:xfrm>
-              <a:off x="7401237" y="1928030"/>
+              <a:off x="7848655" y="1927984"/>
               <a:ext cx="63202" cy="63202"/>
             </a:xfrm>
             <a:custGeom>
@@ -35719,7 +35719,7 @@
           </p:nvSpPr>
           <p:spPr>
             <a:xfrm>
-              <a:off x="8004251" y="2382457"/>
+              <a:off x="7844439" y="2382418"/>
               <a:ext cx="63202" cy="63202"/>
             </a:xfrm>
             <a:custGeom>
@@ -35762,7 +35762,7 @@
           </p:nvSpPr>
           <p:spPr>
             <a:xfrm>
-              <a:off x="7421840" y="2397953"/>
+              <a:off x="7425320" y="2397903"/>
               <a:ext cx="63202" cy="63202"/>
             </a:xfrm>
             <a:custGeom>
@@ -35805,7 +35805,7 @@
           </p:nvSpPr>
           <p:spPr>
             <a:xfrm>
-              <a:off x="7578341" y="2346245"/>
+              <a:off x="7789371" y="2346262"/>
               <a:ext cx="63202" cy="63202"/>
             </a:xfrm>
             <a:custGeom>
@@ -35848,7 +35848,7 @@
           </p:nvSpPr>
           <p:spPr>
             <a:xfrm>
-              <a:off x="7991680" y="2345412"/>
+              <a:off x="7958088" y="2345367"/>
               <a:ext cx="63202" cy="63202"/>
             </a:xfrm>
             <a:custGeom>
@@ -35891,7 +35891,7 @@
           </p:nvSpPr>
           <p:spPr>
             <a:xfrm>
-              <a:off x="7690139" y="2384437"/>
+              <a:off x="7538300" y="2384397"/>
               <a:ext cx="63202" cy="63202"/>
             </a:xfrm>
             <a:custGeom>
@@ -35934,7 +35934,7 @@
           </p:nvSpPr>
           <p:spPr>
             <a:xfrm>
-              <a:off x="7511425" y="2511042"/>
+              <a:off x="7393265" y="2510987"/>
               <a:ext cx="63202" cy="63202"/>
             </a:xfrm>
             <a:custGeom>
@@ -35977,7 +35977,7 @@
           </p:nvSpPr>
           <p:spPr>
             <a:xfrm>
-              <a:off x="8027739" y="2391594"/>
+              <a:off x="7897987" y="2391581"/>
               <a:ext cx="63202" cy="63202"/>
             </a:xfrm>
             <a:custGeom>
@@ -36020,7 +36020,7 @@
           </p:nvSpPr>
           <p:spPr>
             <a:xfrm>
-              <a:off x="7428782" y="2400812"/>
+              <a:off x="7832939" y="2400740"/>
               <a:ext cx="63202" cy="63202"/>
             </a:xfrm>
             <a:custGeom>
@@ -36063,7 +36063,7 @@
           </p:nvSpPr>
           <p:spPr>
             <a:xfrm>
-              <a:off x="7763656" y="2382783"/>
+              <a:off x="7664838" y="2382764"/>
               <a:ext cx="63202" cy="63202"/>
             </a:xfrm>
             <a:custGeom>
@@ -36106,7 +36106,7 @@
           </p:nvSpPr>
           <p:spPr>
             <a:xfrm>
-              <a:off x="7728732" y="2395637"/>
+              <a:off x="7683270" y="2395625"/>
               <a:ext cx="63202" cy="63202"/>
             </a:xfrm>
             <a:custGeom>
@@ -36149,7 +36149,7 @@
           </p:nvSpPr>
           <p:spPr>
             <a:xfrm>
-              <a:off x="7649368" y="2381411"/>
+              <a:off x="7968171" y="2381425"/>
               <a:ext cx="63202" cy="63202"/>
             </a:xfrm>
             <a:custGeom>
@@ -36192,7 +36192,7 @@
           </p:nvSpPr>
           <p:spPr>
             <a:xfrm>
-              <a:off x="7869621" y="2358345"/>
+              <a:off x="7821221" y="2358323"/>
               <a:ext cx="63202" cy="63202"/>
             </a:xfrm>
             <a:custGeom>
@@ -36235,7 +36235,7 @@
           </p:nvSpPr>
           <p:spPr>
             <a:xfrm>
-              <a:off x="7480518" y="2389395"/>
+              <a:off x="7532822" y="2389328"/>
               <a:ext cx="63202" cy="63202"/>
             </a:xfrm>
             <a:custGeom>
@@ -36278,7 +36278,7 @@
           </p:nvSpPr>
           <p:spPr>
             <a:xfrm>
-              <a:off x="7407867" y="2529657"/>
+              <a:off x="7342464" y="2529593"/>
               <a:ext cx="63202" cy="63202"/>
             </a:xfrm>
             <a:custGeom>
@@ -36321,7 +36321,7 @@
           </p:nvSpPr>
           <p:spPr>
             <a:xfrm>
-              <a:off x="7545534" y="2345414"/>
+              <a:off x="7737253" y="2345386"/>
               <a:ext cx="63202" cy="63202"/>
             </a:xfrm>
             <a:custGeom>
@@ -36364,7 +36364,7 @@
           </p:nvSpPr>
           <p:spPr>
             <a:xfrm>
-              <a:off x="7393692" y="2351829"/>
+              <a:off x="7373099" y="2351792"/>
               <a:ext cx="63202" cy="63202"/>
             </a:xfrm>
             <a:custGeom>
@@ -36407,7 +36407,7 @@
           </p:nvSpPr>
           <p:spPr>
             <a:xfrm>
-              <a:off x="7782836" y="2401278"/>
+              <a:off x="8029987" y="2401219"/>
               <a:ext cx="63202" cy="63202"/>
             </a:xfrm>
             <a:custGeom>
@@ -36450,7 +36450,7 @@
           </p:nvSpPr>
           <p:spPr>
             <a:xfrm>
-              <a:off x="7711091" y="2380568"/>
+              <a:off x="7448928" y="2380547"/>
               <a:ext cx="63202" cy="63202"/>
             </a:xfrm>
             <a:custGeom>
@@ -36493,7 +36493,7 @@
           </p:nvSpPr>
           <p:spPr>
             <a:xfrm>
-              <a:off x="7360807" y="2387149"/>
+              <a:off x="7413662" y="2387120"/>
               <a:ext cx="63202" cy="63202"/>
             </a:xfrm>
             <a:custGeom>
@@ -36536,7 +36536,7 @@
           </p:nvSpPr>
           <p:spPr>
             <a:xfrm>
-              <a:off x="7563313" y="2384230"/>
+              <a:off x="7630237" y="2384170"/>
               <a:ext cx="63202" cy="63202"/>
             </a:xfrm>
             <a:custGeom>
@@ -36579,7 +36579,7 @@
           </p:nvSpPr>
           <p:spPr>
             <a:xfrm>
-              <a:off x="7449890" y="1908200"/>
+              <a:off x="7526493" y="1908136"/>
               <a:ext cx="63202" cy="63202"/>
             </a:xfrm>
             <a:custGeom>
@@ -36622,7 +36622,7 @@
           </p:nvSpPr>
           <p:spPr>
             <a:xfrm>
-              <a:off x="7763416" y="2398347"/>
+              <a:off x="7778880" y="2398334"/>
               <a:ext cx="63202" cy="63202"/>
             </a:xfrm>
             <a:custGeom>
@@ -36665,7 +36665,7 @@
           </p:nvSpPr>
           <p:spPr>
             <a:xfrm>
-              <a:off x="7824716" y="2546976"/>
+              <a:off x="7438121" y="2546906"/>
               <a:ext cx="63202" cy="63202"/>
             </a:xfrm>
             <a:custGeom>
@@ -36708,7 +36708,7 @@
           </p:nvSpPr>
           <p:spPr>
             <a:xfrm>
-              <a:off x="7345622" y="2380765"/>
+              <a:off x="7398241" y="2380754"/>
               <a:ext cx="63202" cy="63202"/>
             </a:xfrm>
             <a:custGeom>
@@ -36751,7 +36751,7 @@
           </p:nvSpPr>
           <p:spPr>
             <a:xfrm>
-              <a:off x="7745289" y="1907783"/>
+              <a:off x="7929974" y="1907737"/>
               <a:ext cx="63202" cy="63202"/>
             </a:xfrm>
             <a:custGeom>
@@ -36794,7 +36794,7 @@
           </p:nvSpPr>
           <p:spPr>
             <a:xfrm>
-              <a:off x="7379560" y="2351743"/>
+              <a:off x="7519269" y="2351719"/>
               <a:ext cx="63202" cy="63202"/>
             </a:xfrm>
             <a:custGeom>
@@ -36837,7 +36837,7 @@
           </p:nvSpPr>
           <p:spPr>
             <a:xfrm>
-              <a:off x="7540058" y="2366355"/>
+              <a:off x="7590366" y="2366345"/>
               <a:ext cx="63202" cy="63202"/>
             </a:xfrm>
             <a:custGeom>
@@ -36880,7 +36880,7 @@
           </p:nvSpPr>
           <p:spPr>
             <a:xfrm>
-              <a:off x="7768182" y="2355231"/>
+              <a:off x="7916415" y="2355226"/>
               <a:ext cx="63202" cy="63202"/>
             </a:xfrm>
             <a:custGeom>
@@ -36923,7 +36923,7 @@
           </p:nvSpPr>
           <p:spPr>
             <a:xfrm>
-              <a:off x="7411310" y="2358634"/>
+              <a:off x="7870119" y="2358575"/>
               <a:ext cx="63202" cy="63202"/>
             </a:xfrm>
             <a:custGeom>
@@ -36966,7 +36966,7 @@
           </p:nvSpPr>
           <p:spPr>
             <a:xfrm>
-              <a:off x="7937398" y="2358803"/>
+              <a:off x="7403087" y="2358809"/>
               <a:ext cx="63202" cy="63202"/>
             </a:xfrm>
             <a:custGeom>
@@ -37009,7 +37009,7 @@
           </p:nvSpPr>
           <p:spPr>
             <a:xfrm>
-              <a:off x="7577854" y="2359250"/>
+              <a:off x="7452331" y="2359229"/>
               <a:ext cx="63202" cy="63202"/>
             </a:xfrm>
             <a:custGeom>
@@ -37052,7 +37052,7 @@
           </p:nvSpPr>
           <p:spPr>
             <a:xfrm>
-              <a:off x="7535564" y="2361250"/>
+              <a:off x="7953750" y="2361245"/>
               <a:ext cx="63202" cy="63202"/>
             </a:xfrm>
             <a:custGeom>
@@ -37095,7 +37095,7 @@
           </p:nvSpPr>
           <p:spPr>
             <a:xfrm>
-              <a:off x="7954144" y="2352132"/>
+              <a:off x="7525354" y="2352105"/>
               <a:ext cx="63202" cy="63202"/>
             </a:xfrm>
             <a:custGeom>
@@ -37138,7 +37138,7 @@
           </p:nvSpPr>
           <p:spPr>
             <a:xfrm>
-              <a:off x="7939824" y="2410613"/>
+              <a:off x="7361903" y="2410623"/>
               <a:ext cx="63202" cy="63202"/>
             </a:xfrm>
             <a:custGeom>
@@ -37181,7 +37181,7 @@
           </p:nvSpPr>
           <p:spPr>
             <a:xfrm>
-              <a:off x="8025599" y="2376087"/>
+              <a:off x="7994395" y="2376037"/>
               <a:ext cx="63202" cy="63202"/>
             </a:xfrm>
             <a:custGeom>
@@ -37224,7 +37224,7 @@
           </p:nvSpPr>
           <p:spPr>
             <a:xfrm>
-              <a:off x="7701433" y="2356034"/>
+              <a:off x="7337739" y="2356041"/>
               <a:ext cx="63202" cy="63202"/>
             </a:xfrm>
             <a:custGeom>
@@ -37267,7 +37267,7 @@
           </p:nvSpPr>
           <p:spPr>
             <a:xfrm>
-              <a:off x="7744848" y="2456342"/>
+              <a:off x="7851062" y="2456310"/>
               <a:ext cx="63202" cy="63202"/>
             </a:xfrm>
             <a:custGeom>
@@ -37310,7 +37310,7 @@
           </p:nvSpPr>
           <p:spPr>
             <a:xfrm>
-              <a:off x="7866599" y="2227484"/>
+              <a:off x="8032618" y="2227444"/>
               <a:ext cx="63202" cy="63202"/>
             </a:xfrm>
             <a:custGeom>
@@ -37353,7 +37353,7 @@
           </p:nvSpPr>
           <p:spPr>
             <a:xfrm>
-              <a:off x="7357372" y="2355858"/>
+              <a:off x="7920889" y="2355819"/>
               <a:ext cx="63202" cy="63202"/>
             </a:xfrm>
             <a:custGeom>
@@ -37396,7 +37396,7 @@
           </p:nvSpPr>
           <p:spPr>
             <a:xfrm>
-              <a:off x="7605250" y="2358275"/>
+              <a:off x="7829069" y="2358268"/>
               <a:ext cx="63202" cy="63202"/>
             </a:xfrm>
             <a:custGeom>
@@ -37439,7 +37439,7 @@
           </p:nvSpPr>
           <p:spPr>
             <a:xfrm>
-              <a:off x="7500236" y="2357386"/>
+              <a:off x="7943329" y="2357387"/>
               <a:ext cx="63202" cy="63202"/>
             </a:xfrm>
             <a:custGeom>
@@ -37482,7 +37482,7 @@
           </p:nvSpPr>
           <p:spPr>
             <a:xfrm>
-              <a:off x="7483539" y="2358348"/>
+              <a:off x="7647698" y="2358335"/>
               <a:ext cx="63202" cy="63202"/>
             </a:xfrm>
             <a:custGeom>
@@ -37525,7 +37525,7 @@
           </p:nvSpPr>
           <p:spPr>
             <a:xfrm>
-              <a:off x="7441413" y="2347572"/>
+              <a:off x="7811820" y="2347520"/>
               <a:ext cx="63202" cy="63202"/>
             </a:xfrm>
             <a:custGeom>
@@ -37624,7 +37624,7 @@
           </p:nvSpPr>
           <p:spPr>
             <a:xfrm>
-              <a:off x="7192078" y="4823710"/>
+              <a:off x="7192078" y="4823680"/>
               <a:ext cx="2796732" cy="0"/>
             </a:xfrm>
             <a:custGeom>
@@ -37667,7 +37667,7 @@
           </p:nvSpPr>
           <p:spPr>
             <a:xfrm>
-              <a:off x="7192078" y="4484265"/>
+              <a:off x="7192078" y="4484237"/>
               <a:ext cx="2796732" cy="0"/>
             </a:xfrm>
             <a:custGeom>
@@ -37710,7 +37710,7 @@
           </p:nvSpPr>
           <p:spPr>
             <a:xfrm>
-              <a:off x="7192078" y="4144819"/>
+              <a:off x="7192078" y="4144793"/>
               <a:ext cx="2796732" cy="0"/>
             </a:xfrm>
             <a:custGeom>
@@ -37753,7 +37753,7 @@
           </p:nvSpPr>
           <p:spPr>
             <a:xfrm>
-              <a:off x="7192078" y="3805374"/>
+              <a:off x="7192078" y="3805350"/>
               <a:ext cx="2796732" cy="0"/>
             </a:xfrm>
             <a:custGeom>
@@ -37796,7 +37796,7 @@
           </p:nvSpPr>
           <p:spPr>
             <a:xfrm>
-              <a:off x="7192078" y="3465928"/>
+              <a:off x="7192078" y="3465907"/>
               <a:ext cx="2796732" cy="0"/>
             </a:xfrm>
             <a:custGeom>
@@ -37839,7 +37839,7 @@
           </p:nvSpPr>
           <p:spPr>
             <a:xfrm>
-              <a:off x="7192078" y="4653987"/>
+              <a:off x="7192078" y="4653958"/>
               <a:ext cx="2796732" cy="0"/>
             </a:xfrm>
             <a:custGeom>
@@ -37882,7 +37882,7 @@
           </p:nvSpPr>
           <p:spPr>
             <a:xfrm>
-              <a:off x="7192078" y="4314542"/>
+              <a:off x="7192078" y="4314515"/>
               <a:ext cx="2796732" cy="0"/>
             </a:xfrm>
             <a:custGeom>
@@ -37925,7 +37925,7 @@
           </p:nvSpPr>
           <p:spPr>
             <a:xfrm>
-              <a:off x="7192078" y="3975096"/>
+              <a:off x="7192078" y="3975072"/>
               <a:ext cx="2796732" cy="0"/>
             </a:xfrm>
             <a:custGeom>
@@ -37968,7 +37968,7 @@
           </p:nvSpPr>
           <p:spPr>
             <a:xfrm>
-              <a:off x="7192078" y="3635651"/>
+              <a:off x="7192078" y="3635628"/>
               <a:ext cx="2796732" cy="0"/>
             </a:xfrm>
             <a:custGeom>
@@ -38140,7 +38140,7 @@
           </p:nvSpPr>
           <p:spPr>
             <a:xfrm>
-              <a:off x="7622478" y="4223584"/>
+              <a:off x="7608640" y="4223558"/>
               <a:ext cx="63202" cy="63202"/>
             </a:xfrm>
             <a:custGeom>
@@ -38183,7 +38183,7 @@
           </p:nvSpPr>
           <p:spPr>
             <a:xfrm>
-              <a:off x="7498585" y="4107847"/>
+              <a:off x="7699448" y="4107848"/>
               <a:ext cx="63202" cy="63202"/>
             </a:xfrm>
             <a:custGeom>
@@ -38226,7 +38226,7 @@
           </p:nvSpPr>
           <p:spPr>
             <a:xfrm>
-              <a:off x="7650601" y="4334391"/>
+              <a:off x="7644262" y="4334378"/>
               <a:ext cx="63202" cy="63202"/>
             </a:xfrm>
             <a:custGeom>
@@ -38269,7 +38269,7 @@
           </p:nvSpPr>
           <p:spPr>
             <a:xfrm>
-              <a:off x="7897713" y="4222697"/>
+              <a:off x="7528315" y="4222724"/>
               <a:ext cx="63202" cy="63202"/>
             </a:xfrm>
             <a:custGeom>
@@ -38312,7 +38312,7 @@
           </p:nvSpPr>
           <p:spPr>
             <a:xfrm>
-              <a:off x="7898445" y="4316408"/>
+              <a:off x="7857531" y="4316408"/>
               <a:ext cx="63202" cy="63202"/>
             </a:xfrm>
             <a:custGeom>
@@ -38355,7 +38355,7 @@
           </p:nvSpPr>
           <p:spPr>
             <a:xfrm>
-              <a:off x="7465833" y="4171405"/>
+              <a:off x="7931399" y="4171383"/>
               <a:ext cx="63202" cy="63202"/>
             </a:xfrm>
             <a:custGeom>
@@ -38398,7 +38398,7 @@
           </p:nvSpPr>
           <p:spPr>
             <a:xfrm>
-              <a:off x="7379291" y="4142671"/>
+              <a:off x="7856303" y="4142682"/>
               <a:ext cx="63202" cy="63202"/>
             </a:xfrm>
             <a:custGeom>
@@ -38441,7 +38441,7 @@
           </p:nvSpPr>
           <p:spPr>
             <a:xfrm>
-              <a:off x="7615725" y="4228965"/>
+              <a:off x="7543770" y="4228921"/>
               <a:ext cx="63202" cy="63202"/>
             </a:xfrm>
             <a:custGeom>
@@ -38484,7 +38484,7 @@
           </p:nvSpPr>
           <p:spPr>
             <a:xfrm>
-              <a:off x="7922050" y="4273507"/>
+              <a:off x="7592079" y="4273485"/>
               <a:ext cx="63202" cy="63202"/>
             </a:xfrm>
             <a:custGeom>
@@ -38527,7 +38527,7 @@
           </p:nvSpPr>
           <p:spPr>
             <a:xfrm>
-              <a:off x="7504675" y="4117784"/>
+              <a:off x="7861410" y="4117755"/>
               <a:ext cx="63202" cy="63202"/>
             </a:xfrm>
             <a:custGeom>
@@ -38570,7 +38570,7 @@
           </p:nvSpPr>
           <p:spPr>
             <a:xfrm>
-              <a:off x="7350418" y="4095207"/>
+              <a:off x="7743421" y="4095214"/>
               <a:ext cx="63202" cy="63202"/>
             </a:xfrm>
             <a:custGeom>
@@ -38613,7 +38613,7 @@
           </p:nvSpPr>
           <p:spPr>
             <a:xfrm>
-              <a:off x="7836105" y="4183262"/>
+              <a:off x="7853205" y="4183234"/>
               <a:ext cx="63202" cy="63202"/>
             </a:xfrm>
             <a:custGeom>
@@ -38656,7 +38656,7 @@
           </p:nvSpPr>
           <p:spPr>
             <a:xfrm>
-              <a:off x="7812559" y="4095931"/>
+              <a:off x="7454401" y="4095900"/>
               <a:ext cx="63202" cy="63202"/>
             </a:xfrm>
             <a:custGeom>
@@ -38699,7 +38699,7 @@
           </p:nvSpPr>
           <p:spPr>
             <a:xfrm>
-              <a:off x="7624587" y="4141617"/>
+              <a:off x="7354969" y="4141546"/>
               <a:ext cx="63202" cy="63202"/>
             </a:xfrm>
             <a:custGeom>
@@ -40194,7 +40194,7 @@
           </p:nvSpPr>
           <p:spPr>
             <a:xfrm>
-              <a:off x="1210339" y="2686963"/>
+              <a:off x="1210339" y="2686934"/>
               <a:ext cx="186466" cy="81691"/>
             </a:xfrm>
             <a:prstGeom prst="rect">
@@ -40240,7 +40240,7 @@
           </p:nvSpPr>
           <p:spPr>
             <a:xfrm>
-              <a:off x="1148183" y="2347518"/>
+              <a:off x="1148183" y="2347491"/>
               <a:ext cx="248622" cy="81691"/>
             </a:xfrm>
             <a:prstGeom prst="rect">
@@ -40286,7 +40286,7 @@
           </p:nvSpPr>
           <p:spPr>
             <a:xfrm>
-              <a:off x="1148183" y="2008072"/>
+              <a:off x="1148183" y="2008047"/>
               <a:ext cx="248622" cy="81691"/>
             </a:xfrm>
             <a:prstGeom prst="rect">
@@ -40332,7 +40332,7 @@
           </p:nvSpPr>
           <p:spPr>
             <a:xfrm>
-              <a:off x="1148183" y="1668627"/>
+              <a:off x="1148183" y="1668604"/>
               <a:ext cx="248622" cy="81691"/>
             </a:xfrm>
             <a:prstGeom prst="rect">
@@ -40378,7 +40378,7 @@
           </p:nvSpPr>
           <p:spPr>
             <a:xfrm>
-              <a:off x="1424641" y="2728655"/>
+              <a:off x="1424641" y="2728626"/>
               <a:ext cx="34794" cy="0"/>
             </a:xfrm>
             <a:custGeom>
@@ -40418,7 +40418,7 @@
           </p:nvSpPr>
           <p:spPr>
             <a:xfrm>
-              <a:off x="1424641" y="2389209"/>
+              <a:off x="1424641" y="2389182"/>
               <a:ext cx="34794" cy="0"/>
             </a:xfrm>
             <a:custGeom>
@@ -40458,7 +40458,7 @@
           </p:nvSpPr>
           <p:spPr>
             <a:xfrm>
-              <a:off x="1424641" y="2049764"/>
+              <a:off x="1424641" y="2049739"/>
               <a:ext cx="34794" cy="0"/>
             </a:xfrm>
             <a:custGeom>
@@ -40498,7 +40498,7 @@
           </p:nvSpPr>
           <p:spPr>
             <a:xfrm>
-              <a:off x="1424641" y="1710318"/>
+              <a:off x="1424641" y="1710296"/>
               <a:ext cx="34794" cy="0"/>
             </a:xfrm>
             <a:custGeom>
@@ -40538,7 +40538,7 @@
           </p:nvSpPr>
           <p:spPr>
             <a:xfrm>
-              <a:off x="1210339" y="4612296"/>
+              <a:off x="1210339" y="4612267"/>
               <a:ext cx="186466" cy="81691"/>
             </a:xfrm>
             <a:prstGeom prst="rect">
@@ -40584,7 +40584,7 @@
           </p:nvSpPr>
           <p:spPr>
             <a:xfrm>
-              <a:off x="1148183" y="4272850"/>
+              <a:off x="1148183" y="4272823"/>
               <a:ext cx="248622" cy="81691"/>
             </a:xfrm>
             <a:prstGeom prst="rect">
@@ -40630,7 +40630,7 @@
           </p:nvSpPr>
           <p:spPr>
             <a:xfrm>
-              <a:off x="1148183" y="3933405"/>
+              <a:off x="1148183" y="3933380"/>
               <a:ext cx="248622" cy="81691"/>
             </a:xfrm>
             <a:prstGeom prst="rect">
@@ -40676,7 +40676,7 @@
           </p:nvSpPr>
           <p:spPr>
             <a:xfrm>
-              <a:off x="1148183" y="3593959"/>
+              <a:off x="1148183" y="3593937"/>
               <a:ext cx="248622" cy="81691"/>
             </a:xfrm>
             <a:prstGeom prst="rect">
@@ -40722,7 +40722,7 @@
           </p:nvSpPr>
           <p:spPr>
             <a:xfrm>
-              <a:off x="1424641" y="4653987"/>
+              <a:off x="1424641" y="4653958"/>
               <a:ext cx="34794" cy="0"/>
             </a:xfrm>
             <a:custGeom>
@@ -40762,7 +40762,7 @@
           </p:nvSpPr>
           <p:spPr>
             <a:xfrm>
-              <a:off x="1424641" y="4314542"/>
+              <a:off x="1424641" y="4314515"/>
               <a:ext cx="34794" cy="0"/>
             </a:xfrm>
             <a:custGeom>
@@ -40802,7 +40802,7 @@
           </p:nvSpPr>
           <p:spPr>
             <a:xfrm>
-              <a:off x="1424641" y="3975096"/>
+              <a:off x="1424641" y="3975072"/>
               <a:ext cx="34794" cy="0"/>
             </a:xfrm>
             <a:custGeom>
@@ -40842,7 +40842,7 @@
           </p:nvSpPr>
           <p:spPr>
             <a:xfrm>
-              <a:off x="1424641" y="3635651"/>
+              <a:off x="1424641" y="3635628"/>
               <a:ext cx="34794" cy="0"/>
             </a:xfrm>
             <a:custGeom>
@@ -40882,7 +40882,7 @@
           </p:nvSpPr>
           <p:spPr>
             <a:xfrm>
-              <a:off x="1210339" y="6537628"/>
+              <a:off x="1210339" y="6537599"/>
               <a:ext cx="186466" cy="81691"/>
             </a:xfrm>
             <a:prstGeom prst="rect">
@@ -40928,7 +40928,7 @@
           </p:nvSpPr>
           <p:spPr>
             <a:xfrm>
-              <a:off x="1148183" y="6198183"/>
+              <a:off x="1148183" y="6198156"/>
               <a:ext cx="248622" cy="81691"/>
             </a:xfrm>
             <a:prstGeom prst="rect">
@@ -40974,7 +40974,7 @@
           </p:nvSpPr>
           <p:spPr>
             <a:xfrm>
-              <a:off x="1148183" y="5858737"/>
+              <a:off x="1148183" y="5858713"/>
               <a:ext cx="248622" cy="81691"/>
             </a:xfrm>
             <a:prstGeom prst="rect">
@@ -41020,7 +41020,7 @@
           </p:nvSpPr>
           <p:spPr>
             <a:xfrm>
-              <a:off x="1148183" y="5519292"/>
+              <a:off x="1148183" y="5519269"/>
               <a:ext cx="248622" cy="81691"/>
             </a:xfrm>
             <a:prstGeom prst="rect">
@@ -41066,7 +41066,7 @@
           </p:nvSpPr>
           <p:spPr>
             <a:xfrm>
-              <a:off x="1424641" y="6579320"/>
+              <a:off x="1424641" y="6579291"/>
               <a:ext cx="34794" cy="0"/>
             </a:xfrm>
             <a:custGeom>
@@ -41106,7 +41106,7 @@
           </p:nvSpPr>
           <p:spPr>
             <a:xfrm>
-              <a:off x="1424641" y="6239874"/>
+              <a:off x="1424641" y="6239848"/>
               <a:ext cx="34794" cy="0"/>
             </a:xfrm>
             <a:custGeom>
@@ -41146,7 +41146,7 @@
           </p:nvSpPr>
           <p:spPr>
             <a:xfrm>
-              <a:off x="1424641" y="5900429"/>
+              <a:off x="1424641" y="5900404"/>
               <a:ext cx="34794" cy="0"/>
             </a:xfrm>
             <a:custGeom>
@@ -41186,7 +41186,7 @@
           </p:nvSpPr>
           <p:spPr>
             <a:xfrm>
-              <a:off x="1424641" y="5560983"/>
+              <a:off x="1424641" y="5560961"/>
               <a:ext cx="34794" cy="0"/>
             </a:xfrm>
             <a:custGeom>

--- a/Images/Figures_PPT/Jitter_Plot_TOR_Domain.pptx
+++ b/Images/Figures_PPT/Jitter_Plot_TOR_Domain.pptx
@@ -2359,7 +2359,7 @@
           </p:nvSpPr>
           <p:spPr>
             <a:xfrm>
-              <a:off x="1459435" y="2898347"/>
+              <a:off x="1459435" y="2898375"/>
               <a:ext cx="2796732" cy="0"/>
             </a:xfrm>
             <a:custGeom>
@@ -2402,7 +2402,7 @@
           </p:nvSpPr>
           <p:spPr>
             <a:xfrm>
-              <a:off x="1459435" y="2558904"/>
+              <a:off x="1459435" y="2558929"/>
               <a:ext cx="2796732" cy="0"/>
             </a:xfrm>
             <a:custGeom>
@@ -2445,7 +2445,7 @@
           </p:nvSpPr>
           <p:spPr>
             <a:xfrm>
-              <a:off x="1459435" y="2219461"/>
+              <a:off x="1459435" y="2219484"/>
               <a:ext cx="2796732" cy="0"/>
             </a:xfrm>
             <a:custGeom>
@@ -2488,7 +2488,7 @@
           </p:nvSpPr>
           <p:spPr>
             <a:xfrm>
-              <a:off x="1459435" y="1880018"/>
+              <a:off x="1459435" y="1880038"/>
               <a:ext cx="2796732" cy="0"/>
             </a:xfrm>
             <a:custGeom>
@@ -2531,7 +2531,7 @@
           </p:nvSpPr>
           <p:spPr>
             <a:xfrm>
-              <a:off x="1459435" y="1540574"/>
+              <a:off x="1459435" y="1540593"/>
               <a:ext cx="2796732" cy="0"/>
             </a:xfrm>
             <a:custGeom>
@@ -2574,7 +2574,7 @@
           </p:nvSpPr>
           <p:spPr>
             <a:xfrm>
-              <a:off x="1459435" y="2728626"/>
+              <a:off x="1459435" y="2728652"/>
               <a:ext cx="2796732" cy="0"/>
             </a:xfrm>
             <a:custGeom>
@@ -2617,7 +2617,7 @@
           </p:nvSpPr>
           <p:spPr>
             <a:xfrm>
-              <a:off x="1459435" y="2389182"/>
+              <a:off x="1459435" y="2389206"/>
               <a:ext cx="2796732" cy="0"/>
             </a:xfrm>
             <a:custGeom>
@@ -2660,7 +2660,7 @@
           </p:nvSpPr>
           <p:spPr>
             <a:xfrm>
-              <a:off x="1459435" y="2049739"/>
+              <a:off x="1459435" y="2049761"/>
               <a:ext cx="2796732" cy="0"/>
             </a:xfrm>
             <a:custGeom>
@@ -2703,7 +2703,7 @@
           </p:nvSpPr>
           <p:spPr>
             <a:xfrm>
-              <a:off x="1459435" y="1710296"/>
+              <a:off x="1459435" y="1710316"/>
               <a:ext cx="2796732" cy="0"/>
             </a:xfrm>
             <a:custGeom>
@@ -2875,7 +2875,7 @@
           </p:nvSpPr>
           <p:spPr>
             <a:xfrm>
-              <a:off x="2757889" y="2881272"/>
+              <a:off x="2550349" y="2881318"/>
               <a:ext cx="63202" cy="63202"/>
             </a:xfrm>
             <a:custGeom>
@@ -2918,7 +2918,7 @@
           </p:nvSpPr>
           <p:spPr>
             <a:xfrm>
-              <a:off x="2177994" y="2152465"/>
+              <a:off x="1944020" y="2152505"/>
               <a:ext cx="63202" cy="63202"/>
             </a:xfrm>
             <a:custGeom>
@@ -2961,7 +2961,7 @@
           </p:nvSpPr>
           <p:spPr>
             <a:xfrm>
-              <a:off x="2162226" y="2400696"/>
+              <a:off x="2211805" y="2400724"/>
               <a:ext cx="63202" cy="63202"/>
             </a:xfrm>
             <a:custGeom>
@@ -3004,7 +3004,7 @@
           </p:nvSpPr>
           <p:spPr>
             <a:xfrm>
-              <a:off x="2666902" y="2878631"/>
+              <a:off x="2871688" y="2878649"/>
               <a:ext cx="63202" cy="63202"/>
             </a:xfrm>
             <a:custGeom>
@@ -3047,7 +3047,7 @@
           </p:nvSpPr>
           <p:spPr>
             <a:xfrm>
-              <a:off x="1988896" y="2697422"/>
+              <a:off x="2090572" y="2697471"/>
               <a:ext cx="63202" cy="63202"/>
             </a:xfrm>
             <a:custGeom>
@@ -3090,7 +3090,7 @@
           </p:nvSpPr>
           <p:spPr>
             <a:xfrm>
-              <a:off x="1664829" y="2733405"/>
+              <a:off x="1815584" y="2733439"/>
               <a:ext cx="63202" cy="63202"/>
             </a:xfrm>
             <a:custGeom>
@@ -3133,7 +3133,7 @@
           </p:nvSpPr>
           <p:spPr>
             <a:xfrm>
-              <a:off x="1685453" y="2063681"/>
+              <a:off x="2244336" y="2063725"/>
               <a:ext cx="63202" cy="63202"/>
             </a:xfrm>
             <a:custGeom>
@@ -3176,7 +3176,7 @@
           </p:nvSpPr>
           <p:spPr>
             <a:xfrm>
-              <a:off x="1992935" y="2292721"/>
+              <a:off x="2085367" y="2292749"/>
               <a:ext cx="63202" cy="63202"/>
             </a:xfrm>
             <a:custGeom>
@@ -3219,7 +3219,7 @@
           </p:nvSpPr>
           <p:spPr>
             <a:xfrm>
-              <a:off x="1666550" y="2542891"/>
+              <a:off x="1974895" y="2542958"/>
               <a:ext cx="63202" cy="63202"/>
             </a:xfrm>
             <a:custGeom>
@@ -3262,7 +3262,7 @@
           </p:nvSpPr>
           <p:spPr>
             <a:xfrm>
-              <a:off x="2283087" y="2250882"/>
+              <a:off x="1632557" y="2250881"/>
               <a:ext cx="63202" cy="63202"/>
             </a:xfrm>
             <a:custGeom>
@@ -3305,7 +3305,7 @@
           </p:nvSpPr>
           <p:spPr>
             <a:xfrm>
-              <a:off x="1825966" y="2720015"/>
+              <a:off x="1716843" y="2720083"/>
               <a:ext cx="63202" cy="63202"/>
             </a:xfrm>
             <a:custGeom>
@@ -3348,7 +3348,7 @@
           </p:nvSpPr>
           <p:spPr>
             <a:xfrm>
-              <a:off x="3113688" y="2923560"/>
+              <a:off x="2578367" y="2923579"/>
               <a:ext cx="63202" cy="63202"/>
             </a:xfrm>
             <a:custGeom>
@@ -3391,7 +3391,7 @@
           </p:nvSpPr>
           <p:spPr>
             <a:xfrm>
-              <a:off x="1949862" y="2292552"/>
+              <a:off x="1999491" y="2292577"/>
               <a:ext cx="63202" cy="63202"/>
             </a:xfrm>
             <a:custGeom>
@@ -3434,7 +3434,7 @@
           </p:nvSpPr>
           <p:spPr>
             <a:xfrm>
-              <a:off x="1882111" y="2732515"/>
+              <a:off x="1786121" y="2732533"/>
               <a:ext cx="63202" cy="63202"/>
             </a:xfrm>
             <a:custGeom>
@@ -3477,7 +3477,7 @@
           </p:nvSpPr>
           <p:spPr>
             <a:xfrm>
-              <a:off x="2276012" y="2574061"/>
+              <a:off x="1709182" y="2574109"/>
               <a:ext cx="63202" cy="63202"/>
             </a:xfrm>
             <a:custGeom>
@@ -3520,7 +3520,7 @@
           </p:nvSpPr>
           <p:spPr>
             <a:xfrm>
-              <a:off x="1665639" y="2542925"/>
+              <a:off x="1893651" y="2542959"/>
               <a:ext cx="63202" cy="63202"/>
             </a:xfrm>
             <a:custGeom>
@@ -3563,7 +3563,7 @@
           </p:nvSpPr>
           <p:spPr>
             <a:xfrm>
-              <a:off x="2214090" y="2734900"/>
+              <a:off x="1775260" y="2734955"/>
               <a:ext cx="63202" cy="63202"/>
             </a:xfrm>
             <a:custGeom>
@@ -3606,7 +3606,7 @@
           </p:nvSpPr>
           <p:spPr>
             <a:xfrm>
-              <a:off x="2491456" y="2914591"/>
+              <a:off x="2522913" y="2914659"/>
               <a:ext cx="63202" cy="63202"/>
             </a:xfrm>
             <a:custGeom>
@@ -3649,7 +3649,7 @@
           </p:nvSpPr>
           <p:spPr>
             <a:xfrm>
-              <a:off x="1876715" y="2811775"/>
+              <a:off x="1728761" y="2811801"/>
               <a:ext cx="63202" cy="63202"/>
             </a:xfrm>
             <a:custGeom>
@@ -3692,7 +3692,7 @@
           </p:nvSpPr>
           <p:spPr>
             <a:xfrm>
-              <a:off x="2285548" y="2250871"/>
+              <a:off x="1757619" y="2250887"/>
               <a:ext cx="63202" cy="63202"/>
             </a:xfrm>
             <a:custGeom>
@@ -3735,7 +3735,7 @@
           </p:nvSpPr>
           <p:spPr>
             <a:xfrm>
-              <a:off x="1698638" y="2531497"/>
+              <a:off x="2179765" y="2531527"/>
               <a:ext cx="63202" cy="63202"/>
             </a:xfrm>
             <a:custGeom>
@@ -3778,7 +3778,7 @@
           </p:nvSpPr>
           <p:spPr>
             <a:xfrm>
-              <a:off x="1858403" y="2736334"/>
+              <a:off x="2248399" y="2736366"/>
               <a:ext cx="63202" cy="63202"/>
             </a:xfrm>
             <a:custGeom>
@@ -3821,7 +3821,7 @@
           </p:nvSpPr>
           <p:spPr>
             <a:xfrm>
-              <a:off x="2190384" y="2293958"/>
+              <a:off x="1670129" y="2294019"/>
               <a:ext cx="63202" cy="63202"/>
             </a:xfrm>
             <a:custGeom>
@@ -3864,7 +3864,7 @@
           </p:nvSpPr>
           <p:spPr>
             <a:xfrm>
-              <a:off x="1872305" y="2752945"/>
+              <a:off x="1771626" y="2752995"/>
               <a:ext cx="63202" cy="63202"/>
             </a:xfrm>
             <a:custGeom>
@@ -3907,7 +3907,7 @@
           </p:nvSpPr>
           <p:spPr>
             <a:xfrm>
-              <a:off x="1609807" y="2675441"/>
+              <a:off x="2174334" y="2675457"/>
               <a:ext cx="63202" cy="63202"/>
             </a:xfrm>
             <a:custGeom>
@@ -3950,7 +3950,7 @@
           </p:nvSpPr>
           <p:spPr>
             <a:xfrm>
-              <a:off x="2003348" y="2542597"/>
+              <a:off x="1835835" y="2542616"/>
               <a:ext cx="63202" cy="63202"/>
             </a:xfrm>
             <a:custGeom>
@@ -3993,7 +3993,7 @@
           </p:nvSpPr>
           <p:spPr>
             <a:xfrm>
-              <a:off x="1824937" y="2543507"/>
+              <a:off x="1744264" y="2543568"/>
               <a:ext cx="63202" cy="63202"/>
             </a:xfrm>
             <a:custGeom>
@@ -4036,7 +4036,7 @@
           </p:nvSpPr>
           <p:spPr>
             <a:xfrm>
-              <a:off x="2074981" y="2543277"/>
+              <a:off x="2159401" y="2543267"/>
               <a:ext cx="63202" cy="63202"/>
             </a:xfrm>
             <a:custGeom>
@@ -4079,7 +4079,7 @@
           </p:nvSpPr>
           <p:spPr>
             <a:xfrm>
-              <a:off x="1742009" y="2543754"/>
+              <a:off x="2035792" y="2543773"/>
               <a:ext cx="63202" cy="63202"/>
             </a:xfrm>
             <a:custGeom>
@@ -4122,7 +4122,7 @@
           </p:nvSpPr>
           <p:spPr>
             <a:xfrm>
-              <a:off x="1763485" y="2541925"/>
+              <a:off x="1729547" y="2541939"/>
               <a:ext cx="63202" cy="63202"/>
             </a:xfrm>
             <a:custGeom>
@@ -4165,7 +4165,7 @@
           </p:nvSpPr>
           <p:spPr>
             <a:xfrm>
-              <a:off x="1961501" y="2543319"/>
+              <a:off x="2128923" y="2543334"/>
               <a:ext cx="63202" cy="63202"/>
             </a:xfrm>
             <a:custGeom>
@@ -4208,7 +4208,7 @@
           </p:nvSpPr>
           <p:spPr>
             <a:xfrm>
-              <a:off x="1856833" y="2541912"/>
+              <a:off x="1704477" y="2541898"/>
               <a:ext cx="63202" cy="63202"/>
             </a:xfrm>
             <a:custGeom>
@@ -4251,7 +4251,7 @@
           </p:nvSpPr>
           <p:spPr>
             <a:xfrm>
-              <a:off x="2076750" y="2541011"/>
+              <a:off x="2092486" y="2541047"/>
               <a:ext cx="63202" cy="63202"/>
             </a:xfrm>
             <a:custGeom>
@@ -4294,7 +4294,7 @@
           </p:nvSpPr>
           <p:spPr>
             <a:xfrm>
-              <a:off x="2243004" y="2542893"/>
+              <a:off x="2014921" y="2542921"/>
               <a:ext cx="63202" cy="63202"/>
             </a:xfrm>
             <a:custGeom>
@@ -4337,7 +4337,7 @@
           </p:nvSpPr>
           <p:spPr>
             <a:xfrm>
-              <a:off x="1748335" y="2819298"/>
+              <a:off x="2265520" y="2819298"/>
               <a:ext cx="63202" cy="63202"/>
             </a:xfrm>
             <a:custGeom>
@@ -4380,7 +4380,7 @@
           </p:nvSpPr>
           <p:spPr>
             <a:xfrm>
-              <a:off x="2909383" y="2845475"/>
+              <a:off x="2686124" y="2845534"/>
               <a:ext cx="63202" cy="63202"/>
             </a:xfrm>
             <a:custGeom>
@@ -4423,7 +4423,7 @@
           </p:nvSpPr>
           <p:spPr>
             <a:xfrm>
-              <a:off x="2778483" y="2890358"/>
+              <a:off x="2503593" y="2890398"/>
               <a:ext cx="63202" cy="63202"/>
             </a:xfrm>
             <a:custGeom>
@@ -4466,7 +4466,7 @@
           </p:nvSpPr>
           <p:spPr>
             <a:xfrm>
-              <a:off x="3538812" y="2946436"/>
+              <a:off x="3864179" y="2946484"/>
               <a:ext cx="63202" cy="63202"/>
             </a:xfrm>
             <a:custGeom>
@@ -4509,7 +4509,7 @@
           </p:nvSpPr>
           <p:spPr>
             <a:xfrm>
-              <a:off x="2825831" y="2910620"/>
+              <a:off x="2942329" y="2910630"/>
               <a:ext cx="63202" cy="63202"/>
             </a:xfrm>
             <a:custGeom>
@@ -4552,7 +4552,7 @@
           </p:nvSpPr>
           <p:spPr>
             <a:xfrm>
-              <a:off x="2534456" y="2866109"/>
+              <a:off x="2941844" y="2866156"/>
               <a:ext cx="63202" cy="63202"/>
             </a:xfrm>
             <a:custGeom>
@@ -4595,7 +4595,7 @@
           </p:nvSpPr>
           <p:spPr>
             <a:xfrm>
-              <a:off x="3108842" y="2920109"/>
+              <a:off x="3056071" y="2920125"/>
               <a:ext cx="63202" cy="63202"/>
             </a:xfrm>
             <a:custGeom>
@@ -4638,7 +4638,7 @@
           </p:nvSpPr>
           <p:spPr>
             <a:xfrm>
-              <a:off x="1804155" y="2235467"/>
+              <a:off x="1755365" y="2235486"/>
               <a:ext cx="63202" cy="63202"/>
             </a:xfrm>
             <a:custGeom>
@@ -4681,7 +4681,7 @@
           </p:nvSpPr>
           <p:spPr>
             <a:xfrm>
-              <a:off x="2971953" y="2840763"/>
+              <a:off x="2487835" y="2840762"/>
               <a:ext cx="63202" cy="63202"/>
             </a:xfrm>
             <a:custGeom>
@@ -4724,7 +4724,7 @@
           </p:nvSpPr>
           <p:spPr>
             <a:xfrm>
-              <a:off x="2127267" y="2805440"/>
+              <a:off x="1877506" y="2805469"/>
               <a:ext cx="63202" cy="63202"/>
             </a:xfrm>
             <a:custGeom>
@@ -4767,7 +4767,7 @@
           </p:nvSpPr>
           <p:spPr>
             <a:xfrm>
-              <a:off x="2107090" y="2368756"/>
+              <a:off x="2117581" y="2368823"/>
               <a:ext cx="63202" cy="63202"/>
             </a:xfrm>
             <a:custGeom>
@@ -4810,7 +4810,7 @@
           </p:nvSpPr>
           <p:spPr>
             <a:xfrm>
-              <a:off x="1809407" y="2735811"/>
+              <a:off x="2167231" y="2735832"/>
               <a:ext cx="63202" cy="63202"/>
             </a:xfrm>
             <a:custGeom>
@@ -4853,7 +4853,7 @@
           </p:nvSpPr>
           <p:spPr>
             <a:xfrm>
-              <a:off x="1963535" y="2726436"/>
+              <a:off x="1647357" y="2726436"/>
               <a:ext cx="63202" cy="63202"/>
             </a:xfrm>
             <a:custGeom>
@@ -4896,7 +4896,7 @@
           </p:nvSpPr>
           <p:spPr>
             <a:xfrm>
-              <a:off x="1715225" y="2740769"/>
+              <a:off x="2246488" y="2740791"/>
               <a:ext cx="63202" cy="63202"/>
             </a:xfrm>
             <a:custGeom>
@@ -4939,7 +4939,7 @@
           </p:nvSpPr>
           <p:spPr>
             <a:xfrm>
-              <a:off x="1695008" y="2735194"/>
+              <a:off x="2103780" y="2735200"/>
               <a:ext cx="63202" cy="63202"/>
             </a:xfrm>
             <a:custGeom>
@@ -4982,7 +4982,7 @@
           </p:nvSpPr>
           <p:spPr>
             <a:xfrm>
-              <a:off x="1934169" y="2817030"/>
+              <a:off x="1635698" y="2817053"/>
               <a:ext cx="63202" cy="63202"/>
             </a:xfrm>
             <a:custGeom>
@@ -5025,7 +5025,7 @@
           </p:nvSpPr>
           <p:spPr>
             <a:xfrm>
-              <a:off x="1643585" y="2504000"/>
+              <a:off x="1734791" y="2504050"/>
               <a:ext cx="63202" cy="63202"/>
             </a:xfrm>
             <a:custGeom>
@@ -5068,7 +5068,7 @@
           </p:nvSpPr>
           <p:spPr>
             <a:xfrm>
-              <a:off x="1879620" y="2482538"/>
+              <a:off x="1768880" y="2482569"/>
               <a:ext cx="63202" cy="63202"/>
             </a:xfrm>
             <a:custGeom>
@@ -5111,7 +5111,7 @@
           </p:nvSpPr>
           <p:spPr>
             <a:xfrm>
-              <a:off x="1838668" y="2818330"/>
+              <a:off x="2194847" y="2818388"/>
               <a:ext cx="63202" cy="63202"/>
             </a:xfrm>
             <a:custGeom>
@@ -5154,7 +5154,7 @@
           </p:nvSpPr>
           <p:spPr>
             <a:xfrm>
-              <a:off x="2799624" y="2930314"/>
+              <a:off x="2730732" y="2930332"/>
               <a:ext cx="63202" cy="63202"/>
             </a:xfrm>
             <a:custGeom>
@@ -5197,7 +5197,7 @@
           </p:nvSpPr>
           <p:spPr>
             <a:xfrm>
-              <a:off x="2066070" y="2730408"/>
+              <a:off x="1693100" y="2730465"/>
               <a:ext cx="63202" cy="63202"/>
             </a:xfrm>
             <a:custGeom>
@@ -5240,7 +5240,7 @@
           </p:nvSpPr>
           <p:spPr>
             <a:xfrm>
-              <a:off x="2135420" y="2734841"/>
+              <a:off x="1817477" y="2734841"/>
               <a:ext cx="63202" cy="63202"/>
             </a:xfrm>
             <a:custGeom>
@@ -5283,7 +5283,7 @@
           </p:nvSpPr>
           <p:spPr>
             <a:xfrm>
-              <a:off x="1743429" y="2737551"/>
+              <a:off x="1655286" y="2737587"/>
               <a:ext cx="63202" cy="63202"/>
             </a:xfrm>
             <a:custGeom>
@@ -5326,7 +5326,7 @@
           </p:nvSpPr>
           <p:spPr>
             <a:xfrm>
-              <a:off x="2185546" y="2735657"/>
+              <a:off x="1613900" y="2735674"/>
               <a:ext cx="63202" cy="63202"/>
             </a:xfrm>
             <a:custGeom>
@@ -5369,7 +5369,7 @@
           </p:nvSpPr>
           <p:spPr>
             <a:xfrm>
-              <a:off x="2026987" y="2554521"/>
+              <a:off x="2113551" y="2554561"/>
               <a:ext cx="63202" cy="63202"/>
             </a:xfrm>
             <a:custGeom>
@@ -5412,7 +5412,7 @@
           </p:nvSpPr>
           <p:spPr>
             <a:xfrm>
-              <a:off x="2230697" y="2250840"/>
+              <a:off x="1898438" y="2250882"/>
               <a:ext cx="63202" cy="63202"/>
             </a:xfrm>
             <a:custGeom>
@@ -5455,7 +5455,7 @@
           </p:nvSpPr>
           <p:spPr>
             <a:xfrm>
-              <a:off x="1849518" y="2236264"/>
+              <a:off x="2039814" y="2236264"/>
               <a:ext cx="63202" cy="63202"/>
             </a:xfrm>
             <a:custGeom>
@@ -5498,7 +5498,7 @@
           </p:nvSpPr>
           <p:spPr>
             <a:xfrm>
-              <a:off x="2131334" y="2715481"/>
+              <a:off x="1637900" y="2715530"/>
               <a:ext cx="63202" cy="63202"/>
             </a:xfrm>
             <a:custGeom>
@@ -5541,7 +5541,7 @@
           </p:nvSpPr>
           <p:spPr>
             <a:xfrm>
-              <a:off x="2930835" y="2878764"/>
+              <a:off x="2770925" y="2878790"/>
               <a:ext cx="63202" cy="63202"/>
             </a:xfrm>
             <a:custGeom>
@@ -5584,7 +5584,7 @@
           </p:nvSpPr>
           <p:spPr>
             <a:xfrm>
-              <a:off x="2807819" y="2866560"/>
+              <a:off x="2974141" y="2866589"/>
               <a:ext cx="63202" cy="63202"/>
             </a:xfrm>
             <a:custGeom>
@@ -5627,7 +5627,7 @@
           </p:nvSpPr>
           <p:spPr>
             <a:xfrm>
-              <a:off x="2268373" y="2809171"/>
+              <a:off x="1681907" y="2809194"/>
               <a:ext cx="63202" cy="63202"/>
             </a:xfrm>
             <a:custGeom>
@@ -5670,7 +5670,7 @@
           </p:nvSpPr>
           <p:spPr>
             <a:xfrm>
-              <a:off x="1788825" y="2711374"/>
+              <a:off x="1640961" y="2711395"/>
               <a:ext cx="63202" cy="63202"/>
             </a:xfrm>
             <a:custGeom>
@@ -5713,7 +5713,7 @@
           </p:nvSpPr>
           <p:spPr>
             <a:xfrm>
-              <a:off x="1656835" y="2798504"/>
+              <a:off x="2230725" y="2798551"/>
               <a:ext cx="63202" cy="63202"/>
             </a:xfrm>
             <a:custGeom>
@@ -5756,7 +5756,7 @@
           </p:nvSpPr>
           <p:spPr>
             <a:xfrm>
-              <a:off x="2130477" y="2808589"/>
+              <a:off x="1994208" y="2808604"/>
               <a:ext cx="63202" cy="63202"/>
             </a:xfrm>
             <a:custGeom>
@@ -5799,7 +5799,7 @@
           </p:nvSpPr>
           <p:spPr>
             <a:xfrm>
-              <a:off x="1620188" y="2736339"/>
+              <a:off x="1958715" y="2736373"/>
               <a:ext cx="63202" cy="63202"/>
             </a:xfrm>
             <a:custGeom>
@@ -5842,7 +5842,7 @@
           </p:nvSpPr>
           <p:spPr>
             <a:xfrm>
-              <a:off x="1694281" y="2739499"/>
+              <a:off x="1672405" y="2739536"/>
               <a:ext cx="63202" cy="63202"/>
             </a:xfrm>
             <a:custGeom>
@@ -5885,7 +5885,7 @@
           </p:nvSpPr>
           <p:spPr>
             <a:xfrm>
-              <a:off x="2904733" y="2834954"/>
+              <a:off x="2771175" y="2835023"/>
               <a:ext cx="63202" cy="63202"/>
             </a:xfrm>
             <a:custGeom>
@@ -5928,7 +5928,7 @@
           </p:nvSpPr>
           <p:spPr>
             <a:xfrm>
-              <a:off x="1739448" y="2230654"/>
+              <a:off x="1773899" y="2230651"/>
               <a:ext cx="63202" cy="63202"/>
             </a:xfrm>
             <a:custGeom>
@@ -5971,7 +5971,7 @@
           </p:nvSpPr>
           <p:spPr>
             <a:xfrm>
-              <a:off x="1681809" y="2232956"/>
+              <a:off x="1958214" y="2232969"/>
               <a:ext cx="63202" cy="63202"/>
             </a:xfrm>
             <a:custGeom>
@@ -6014,7 +6014,7 @@
           </p:nvSpPr>
           <p:spPr>
             <a:xfrm>
-              <a:off x="1753386" y="2237076"/>
+              <a:off x="1757465" y="2237113"/>
               <a:ext cx="63202" cy="63202"/>
             </a:xfrm>
             <a:custGeom>
@@ -6057,7 +6057,7 @@
           </p:nvSpPr>
           <p:spPr>
             <a:xfrm>
-              <a:off x="2189115" y="2747537"/>
+              <a:off x="1799151" y="2747573"/>
               <a:ext cx="63202" cy="63202"/>
             </a:xfrm>
             <a:custGeom>
@@ -6100,7 +6100,7 @@
           </p:nvSpPr>
           <p:spPr>
             <a:xfrm>
-              <a:off x="2181139" y="2749017"/>
+              <a:off x="2209313" y="2749027"/>
               <a:ext cx="63202" cy="63202"/>
             </a:xfrm>
             <a:custGeom>
@@ -6143,7 +6143,7 @@
           </p:nvSpPr>
           <p:spPr>
             <a:xfrm>
-              <a:off x="1784726" y="2509049"/>
+              <a:off x="2039101" y="2509046"/>
               <a:ext cx="63202" cy="63202"/>
             </a:xfrm>
             <a:custGeom>
@@ -6186,7 +6186,7 @@
           </p:nvSpPr>
           <p:spPr>
             <a:xfrm>
-              <a:off x="1834959" y="2786089"/>
+              <a:off x="2073125" y="2786138"/>
               <a:ext cx="63202" cy="63202"/>
             </a:xfrm>
             <a:custGeom>
@@ -6229,7 +6229,7 @@
           </p:nvSpPr>
           <p:spPr>
             <a:xfrm>
-              <a:off x="2022269" y="2270565"/>
+              <a:off x="2035554" y="2270550"/>
               <a:ext cx="63202" cy="63202"/>
             </a:xfrm>
             <a:custGeom>
@@ -6272,7 +6272,7 @@
           </p:nvSpPr>
           <p:spPr>
             <a:xfrm>
-              <a:off x="1685546" y="2763266"/>
+              <a:off x="1837283" y="2763284"/>
               <a:ext cx="63202" cy="63202"/>
             </a:xfrm>
             <a:custGeom>
@@ -6315,7 +6315,7 @@
           </p:nvSpPr>
           <p:spPr>
             <a:xfrm>
-              <a:off x="1781594" y="2641771"/>
+              <a:off x="2073056" y="2641780"/>
               <a:ext cx="63202" cy="63202"/>
             </a:xfrm>
             <a:custGeom>
@@ -6358,7 +6358,7 @@
           </p:nvSpPr>
           <p:spPr>
             <a:xfrm>
-              <a:off x="1629177" y="2728783"/>
+              <a:off x="2238757" y="2728847"/>
               <a:ext cx="63202" cy="63202"/>
             </a:xfrm>
             <a:custGeom>
@@ -6401,7 +6401,7 @@
           </p:nvSpPr>
           <p:spPr>
             <a:xfrm>
-              <a:off x="1617131" y="2236714"/>
+              <a:off x="1947571" y="2236771"/>
               <a:ext cx="63202" cy="63202"/>
             </a:xfrm>
             <a:custGeom>
@@ -6500,7 +6500,7 @@
           </p:nvSpPr>
           <p:spPr>
             <a:xfrm>
-              <a:off x="1459435" y="4823680"/>
+              <a:off x="1459435" y="4823707"/>
               <a:ext cx="2796732" cy="0"/>
             </a:xfrm>
             <a:custGeom>
@@ -6543,7 +6543,7 @@
           </p:nvSpPr>
           <p:spPr>
             <a:xfrm>
-              <a:off x="1459435" y="4484237"/>
+              <a:off x="1459435" y="4484262"/>
               <a:ext cx="2796732" cy="0"/>
             </a:xfrm>
             <a:custGeom>
@@ -6586,7 +6586,7 @@
           </p:nvSpPr>
           <p:spPr>
             <a:xfrm>
-              <a:off x="1459435" y="4144793"/>
+              <a:off x="1459435" y="4144816"/>
               <a:ext cx="2796732" cy="0"/>
             </a:xfrm>
             <a:custGeom>
@@ -6629,7 +6629,7 @@
           </p:nvSpPr>
           <p:spPr>
             <a:xfrm>
-              <a:off x="1459435" y="3805350"/>
+              <a:off x="1459435" y="3805371"/>
               <a:ext cx="2796732" cy="0"/>
             </a:xfrm>
             <a:custGeom>
@@ -6672,7 +6672,7 @@
           </p:nvSpPr>
           <p:spPr>
             <a:xfrm>
-              <a:off x="1459435" y="3465907"/>
+              <a:off x="1459435" y="3465925"/>
               <a:ext cx="2796732" cy="0"/>
             </a:xfrm>
             <a:custGeom>
@@ -6715,7 +6715,7 @@
           </p:nvSpPr>
           <p:spPr>
             <a:xfrm>
-              <a:off x="1459435" y="4653958"/>
+              <a:off x="1459435" y="4653984"/>
               <a:ext cx="2796732" cy="0"/>
             </a:xfrm>
             <a:custGeom>
@@ -6758,7 +6758,7 @@
           </p:nvSpPr>
           <p:spPr>
             <a:xfrm>
-              <a:off x="1459435" y="4314515"/>
+              <a:off x="1459435" y="4314539"/>
               <a:ext cx="2796732" cy="0"/>
             </a:xfrm>
             <a:custGeom>
@@ -6801,7 +6801,7 @@
           </p:nvSpPr>
           <p:spPr>
             <a:xfrm>
-              <a:off x="1459435" y="3975072"/>
+              <a:off x="1459435" y="3975094"/>
               <a:ext cx="2796732" cy="0"/>
             </a:xfrm>
             <a:custGeom>
@@ -6844,7 +6844,7 @@
           </p:nvSpPr>
           <p:spPr>
             <a:xfrm>
-              <a:off x="1459435" y="3635628"/>
+              <a:off x="1459435" y="3635648"/>
               <a:ext cx="2796732" cy="0"/>
             </a:xfrm>
             <a:custGeom>
@@ -7016,7 +7016,7 @@
           </p:nvSpPr>
           <p:spPr>
             <a:xfrm>
-              <a:off x="2216382" y="4329910"/>
+              <a:off x="1875598" y="4329893"/>
               <a:ext cx="63202" cy="63202"/>
             </a:xfrm>
             <a:custGeom>
@@ -7059,7 +7059,7 @@
           </p:nvSpPr>
           <p:spPr>
             <a:xfrm>
-              <a:off x="1991772" y="4476108"/>
+              <a:off x="2216572" y="4476151"/>
               <a:ext cx="63202" cy="63202"/>
             </a:xfrm>
             <a:custGeom>
@@ -7102,7 +7102,7 @@
           </p:nvSpPr>
           <p:spPr>
             <a:xfrm>
-              <a:off x="2265925" y="4328128"/>
+              <a:off x="1883616" y="4328158"/>
               <a:ext cx="63202" cy="63202"/>
             </a:xfrm>
             <a:custGeom>
@@ -7145,7 +7145,7 @@
           </p:nvSpPr>
           <p:spPr>
             <a:xfrm>
-              <a:off x="2181711" y="4339142"/>
+              <a:off x="1880561" y="4339149"/>
               <a:ext cx="63202" cy="63202"/>
             </a:xfrm>
             <a:custGeom>
@@ -7188,7 +7188,7 @@
           </p:nvSpPr>
           <p:spPr>
             <a:xfrm>
-              <a:off x="2063366" y="4332280"/>
+              <a:off x="2111612" y="4332313"/>
               <a:ext cx="63202" cy="63202"/>
             </a:xfrm>
             <a:custGeom>
@@ -7231,7 +7231,7 @@
           </p:nvSpPr>
           <p:spPr>
             <a:xfrm>
-              <a:off x="1772069" y="4541375"/>
+              <a:off x="1965874" y="4541385"/>
               <a:ext cx="63202" cy="63202"/>
             </a:xfrm>
             <a:custGeom>
@@ -7274,7 +7274,7 @@
           </p:nvSpPr>
           <p:spPr>
             <a:xfrm>
-              <a:off x="2005028" y="4394378"/>
+              <a:off x="1922104" y="4394425"/>
               <a:ext cx="63202" cy="63202"/>
             </a:xfrm>
             <a:custGeom>
@@ -7317,7 +7317,7 @@
           </p:nvSpPr>
           <p:spPr>
             <a:xfrm>
-              <a:off x="2257116" y="4425814"/>
+              <a:off x="2295217" y="4425833"/>
               <a:ext cx="63202" cy="63202"/>
             </a:xfrm>
             <a:custGeom>
@@ -7360,7 +7360,7 @@
           </p:nvSpPr>
           <p:spPr>
             <a:xfrm>
-              <a:off x="2024037" y="4492265"/>
+              <a:off x="1882989" y="4492302"/>
               <a:ext cx="63202" cy="63202"/>
             </a:xfrm>
             <a:custGeom>
@@ -7403,7 +7403,7 @@
           </p:nvSpPr>
           <p:spPr>
             <a:xfrm>
-              <a:off x="1963734" y="4423668"/>
+              <a:off x="1781621" y="4423687"/>
               <a:ext cx="63202" cy="63202"/>
             </a:xfrm>
             <a:custGeom>
@@ -7446,7 +7446,7 @@
           </p:nvSpPr>
           <p:spPr>
             <a:xfrm>
-              <a:off x="2034121" y="4413141"/>
+              <a:off x="2136676" y="4413142"/>
               <a:ext cx="63202" cy="63202"/>
             </a:xfrm>
             <a:custGeom>
@@ -7489,7 +7489,7 @@
           </p:nvSpPr>
           <p:spPr>
             <a:xfrm>
-              <a:off x="1758593" y="4609347"/>
+              <a:off x="1990228" y="4609343"/>
               <a:ext cx="63202" cy="63202"/>
             </a:xfrm>
             <a:custGeom>
@@ -7532,7 +7532,7 @@
           </p:nvSpPr>
           <p:spPr>
             <a:xfrm>
-              <a:off x="1792921" y="4189239"/>
+              <a:off x="1959230" y="4189268"/>
               <a:ext cx="63202" cy="63202"/>
             </a:xfrm>
             <a:custGeom>
@@ -7575,7 +7575,7 @@
           </p:nvSpPr>
           <p:spPr>
             <a:xfrm>
-              <a:off x="1721011" y="4508514"/>
+              <a:off x="2104030" y="4508536"/>
               <a:ext cx="63202" cy="63202"/>
             </a:xfrm>
             <a:custGeom>
@@ -7618,7 +7618,7 @@
           </p:nvSpPr>
           <p:spPr>
             <a:xfrm>
-              <a:off x="2169421" y="4577969"/>
+              <a:off x="1832901" y="4578007"/>
               <a:ext cx="63202" cy="63202"/>
             </a:xfrm>
             <a:custGeom>
@@ -7661,7 +7661,7 @@
           </p:nvSpPr>
           <p:spPr>
             <a:xfrm>
-              <a:off x="1821086" y="4086773"/>
+              <a:off x="1797183" y="4086833"/>
               <a:ext cx="63202" cy="63202"/>
             </a:xfrm>
             <a:custGeom>
@@ -7704,7 +7704,7 @@
           </p:nvSpPr>
           <p:spPr>
             <a:xfrm>
-              <a:off x="2169526" y="4481901"/>
+              <a:off x="2279094" y="4481895"/>
               <a:ext cx="63202" cy="63202"/>
             </a:xfrm>
             <a:custGeom>
@@ -7747,7 +7747,7 @@
           </p:nvSpPr>
           <p:spPr>
             <a:xfrm>
-              <a:off x="2075923" y="4147796"/>
+              <a:off x="1839670" y="4147817"/>
               <a:ext cx="63202" cy="63202"/>
             </a:xfrm>
             <a:custGeom>
@@ -7790,7 +7790,7 @@
           </p:nvSpPr>
           <p:spPr>
             <a:xfrm>
-              <a:off x="2059727" y="4491468"/>
+              <a:off x="1926452" y="4491497"/>
               <a:ext cx="63202" cy="63202"/>
             </a:xfrm>
             <a:custGeom>
@@ -7833,7 +7833,7 @@
           </p:nvSpPr>
           <p:spPr>
             <a:xfrm>
-              <a:off x="1743901" y="4492371"/>
+              <a:off x="1754145" y="4492394"/>
               <a:ext cx="63202" cy="63202"/>
             </a:xfrm>
             <a:custGeom>
@@ -7876,7 +7876,7 @@
           </p:nvSpPr>
           <p:spPr>
             <a:xfrm>
-              <a:off x="1661257" y="4368031"/>
+              <a:off x="2231041" y="4368067"/>
               <a:ext cx="63202" cy="63202"/>
             </a:xfrm>
             <a:custGeom>
@@ -7919,7 +7919,7 @@
           </p:nvSpPr>
           <p:spPr>
             <a:xfrm>
-              <a:off x="1691326" y="4418350"/>
+              <a:off x="2227844" y="4418393"/>
               <a:ext cx="63202" cy="63202"/>
             </a:xfrm>
             <a:custGeom>
@@ -8018,7 +8018,7 @@
           </p:nvSpPr>
           <p:spPr>
             <a:xfrm>
-              <a:off x="1459435" y="6749013"/>
+              <a:off x="1459435" y="6749040"/>
               <a:ext cx="2796732" cy="0"/>
             </a:xfrm>
             <a:custGeom>
@@ -8061,7 +8061,7 @@
           </p:nvSpPr>
           <p:spPr>
             <a:xfrm>
-              <a:off x="1459435" y="6409569"/>
+              <a:off x="1459435" y="6409594"/>
               <a:ext cx="2796732" cy="0"/>
             </a:xfrm>
             <a:custGeom>
@@ -8104,7 +8104,7 @@
           </p:nvSpPr>
           <p:spPr>
             <a:xfrm>
-              <a:off x="1459435" y="6070126"/>
+              <a:off x="1459435" y="6070149"/>
               <a:ext cx="2796732" cy="0"/>
             </a:xfrm>
             <a:custGeom>
@@ -8147,7 +8147,7 @@
           </p:nvSpPr>
           <p:spPr>
             <a:xfrm>
-              <a:off x="1459435" y="5730683"/>
+              <a:off x="1459435" y="5730703"/>
               <a:ext cx="2796732" cy="0"/>
             </a:xfrm>
             <a:custGeom>
@@ -8190,7 +8190,7 @@
           </p:nvSpPr>
           <p:spPr>
             <a:xfrm>
-              <a:off x="1459435" y="5391239"/>
+              <a:off x="1459435" y="5391258"/>
               <a:ext cx="2796732" cy="0"/>
             </a:xfrm>
             <a:custGeom>
@@ -8233,7 +8233,7 @@
           </p:nvSpPr>
           <p:spPr>
             <a:xfrm>
-              <a:off x="1459435" y="6579291"/>
+              <a:off x="1459435" y="6579317"/>
               <a:ext cx="2796732" cy="0"/>
             </a:xfrm>
             <a:custGeom>
@@ -8276,7 +8276,7 @@
           </p:nvSpPr>
           <p:spPr>
             <a:xfrm>
-              <a:off x="1459435" y="6239848"/>
+              <a:off x="1459435" y="6239872"/>
               <a:ext cx="2796732" cy="0"/>
             </a:xfrm>
             <a:custGeom>
@@ -8319,7 +8319,7 @@
           </p:nvSpPr>
           <p:spPr>
             <a:xfrm>
-              <a:off x="1459435" y="5900404"/>
+              <a:off x="1459435" y="5900426"/>
               <a:ext cx="2796732" cy="0"/>
             </a:xfrm>
             <a:custGeom>
@@ -8362,7 +8362,7 @@
           </p:nvSpPr>
           <p:spPr>
             <a:xfrm>
-              <a:off x="1459435" y="5560961"/>
+              <a:off x="1459435" y="5560981"/>
               <a:ext cx="2796732" cy="0"/>
             </a:xfrm>
             <a:custGeom>
@@ -8534,7 +8534,7 @@
           </p:nvSpPr>
           <p:spPr>
             <a:xfrm>
-              <a:off x="2282719" y="5532561"/>
+              <a:off x="2231680" y="5532576"/>
               <a:ext cx="63202" cy="63202"/>
             </a:xfrm>
             <a:custGeom>
@@ -8577,7 +8577,7 @@
           </p:nvSpPr>
           <p:spPr>
             <a:xfrm>
-              <a:off x="1768127" y="5559167"/>
+              <a:off x="1638602" y="5559156"/>
               <a:ext cx="63202" cy="63202"/>
             </a:xfrm>
             <a:custGeom>
@@ -8620,7 +8620,7 @@
           </p:nvSpPr>
           <p:spPr>
             <a:xfrm>
-              <a:off x="2069518" y="5486906"/>
+              <a:off x="1862125" y="5486931"/>
               <a:ext cx="63202" cy="63202"/>
             </a:xfrm>
             <a:custGeom>
@@ -8663,7 +8663,7 @@
           </p:nvSpPr>
           <p:spPr>
             <a:xfrm>
-              <a:off x="1805482" y="6103008"/>
+              <a:off x="2091592" y="6103041"/>
               <a:ext cx="63202" cy="63202"/>
             </a:xfrm>
             <a:custGeom>
@@ -8706,7 +8706,7 @@
           </p:nvSpPr>
           <p:spPr>
             <a:xfrm>
-              <a:off x="2021589" y="5991556"/>
+              <a:off x="2149484" y="5991577"/>
               <a:ext cx="63202" cy="63202"/>
             </a:xfrm>
             <a:custGeom>
@@ -8749,7 +8749,7 @@
           </p:nvSpPr>
           <p:spPr>
             <a:xfrm>
-              <a:off x="2281095" y="6021871"/>
+              <a:off x="1948780" y="6021892"/>
               <a:ext cx="63202" cy="63202"/>
             </a:xfrm>
             <a:custGeom>
@@ -8792,7 +8792,7 @@
           </p:nvSpPr>
           <p:spPr>
             <a:xfrm>
-              <a:off x="2043645" y="5889594"/>
+              <a:off x="2174228" y="5889580"/>
               <a:ext cx="63202" cy="63202"/>
             </a:xfrm>
             <a:custGeom>
@@ -8835,7 +8835,7 @@
           </p:nvSpPr>
           <p:spPr>
             <a:xfrm>
-              <a:off x="1983752" y="5865331"/>
+              <a:off x="1965343" y="5865343"/>
               <a:ext cx="63202" cy="63202"/>
             </a:xfrm>
             <a:custGeom>
@@ -8878,7 +8878,7 @@
           </p:nvSpPr>
           <p:spPr>
             <a:xfrm>
-              <a:off x="1800275" y="6374414"/>
+              <a:off x="1768457" y="6374490"/>
               <a:ext cx="63202" cy="63202"/>
             </a:xfrm>
             <a:custGeom>
@@ -8921,7 +8921,7 @@
           </p:nvSpPr>
           <p:spPr>
             <a:xfrm>
-              <a:off x="2156410" y="6368415"/>
+              <a:off x="1800852" y="6368395"/>
               <a:ext cx="63202" cy="63202"/>
             </a:xfrm>
             <a:custGeom>
@@ -8964,7 +8964,7 @@
           </p:nvSpPr>
           <p:spPr>
             <a:xfrm>
-              <a:off x="1674297" y="6029858"/>
+              <a:off x="1703888" y="6029836"/>
               <a:ext cx="63202" cy="63202"/>
             </a:xfrm>
             <a:custGeom>
@@ -9007,7 +9007,7 @@
           </p:nvSpPr>
           <p:spPr>
             <a:xfrm>
-              <a:off x="1762359" y="6165881"/>
+              <a:off x="2260938" y="6165904"/>
               <a:ext cx="63202" cy="63202"/>
             </a:xfrm>
             <a:custGeom>
@@ -9050,7 +9050,7 @@
           </p:nvSpPr>
           <p:spPr>
             <a:xfrm>
-              <a:off x="1660863" y="5960192"/>
+              <a:off x="2088398" y="5960218"/>
               <a:ext cx="63202" cy="63202"/>
             </a:xfrm>
             <a:custGeom>
@@ -9093,7 +9093,7 @@
           </p:nvSpPr>
           <p:spPr>
             <a:xfrm>
-              <a:off x="2117476" y="6053949"/>
+              <a:off x="1756072" y="6053947"/>
               <a:ext cx="63202" cy="63202"/>
             </a:xfrm>
             <a:custGeom>
@@ -9136,7 +9136,7 @@
           </p:nvSpPr>
           <p:spPr>
             <a:xfrm>
-              <a:off x="2190230" y="6291392"/>
+              <a:off x="1765564" y="6291419"/>
               <a:ext cx="63202" cy="63202"/>
             </a:xfrm>
             <a:custGeom>
@@ -9179,7 +9179,7 @@
           </p:nvSpPr>
           <p:spPr>
             <a:xfrm>
-              <a:off x="1892079" y="6048259"/>
+              <a:off x="1879503" y="6048252"/>
               <a:ext cx="63202" cy="63202"/>
             </a:xfrm>
             <a:custGeom>
@@ -9222,7 +9222,7 @@
           </p:nvSpPr>
           <p:spPr>
             <a:xfrm>
-              <a:off x="1638505" y="6101211"/>
+              <a:off x="2265988" y="6101190"/>
               <a:ext cx="63202" cy="63202"/>
             </a:xfrm>
             <a:custGeom>
@@ -9265,7 +9265,7 @@
           </p:nvSpPr>
           <p:spPr>
             <a:xfrm>
-              <a:off x="1971336" y="6056091"/>
+              <a:off x="1703308" y="6056125"/>
               <a:ext cx="63202" cy="63202"/>
             </a:xfrm>
             <a:custGeom>
@@ -9308,7 +9308,7 @@
           </p:nvSpPr>
           <p:spPr>
             <a:xfrm>
-              <a:off x="2192899" y="6028421"/>
+              <a:off x="2094743" y="6028408"/>
               <a:ext cx="63202" cy="63202"/>
             </a:xfrm>
             <a:custGeom>
@@ -9351,7 +9351,7 @@
           </p:nvSpPr>
           <p:spPr>
             <a:xfrm>
-              <a:off x="1783294" y="6068371"/>
+              <a:off x="2134494" y="6068425"/>
               <a:ext cx="63202" cy="63202"/>
             </a:xfrm>
             <a:custGeom>
@@ -9394,7 +9394,7 @@
           </p:nvSpPr>
           <p:spPr>
             <a:xfrm>
-              <a:off x="2098568" y="6046483"/>
+              <a:off x="2255530" y="6046483"/>
               <a:ext cx="63202" cy="63202"/>
             </a:xfrm>
             <a:custGeom>
@@ -9437,7 +9437,7 @@
           </p:nvSpPr>
           <p:spPr>
             <a:xfrm>
-              <a:off x="2159856" y="6010355"/>
+              <a:off x="1952338" y="6010377"/>
               <a:ext cx="63202" cy="63202"/>
             </a:xfrm>
             <a:custGeom>
@@ -9480,7 +9480,7 @@
           </p:nvSpPr>
           <p:spPr>
             <a:xfrm>
-              <a:off x="1840666" y="5834179"/>
+              <a:off x="1789767" y="5834182"/>
               <a:ext cx="63202" cy="63202"/>
             </a:xfrm>
             <a:custGeom>
@@ -9523,7 +9523,7 @@
           </p:nvSpPr>
           <p:spPr>
             <a:xfrm>
-              <a:off x="1661865" y="5881681"/>
+              <a:off x="1626803" y="5881734"/>
               <a:ext cx="63202" cy="63202"/>
             </a:xfrm>
             <a:custGeom>
@@ -9566,7 +9566,7 @@
           </p:nvSpPr>
           <p:spPr>
             <a:xfrm>
-              <a:off x="1747808" y="6187005"/>
+              <a:off x="2196693" y="6187021"/>
               <a:ext cx="63202" cy="63202"/>
             </a:xfrm>
             <a:custGeom>
@@ -9609,7 +9609,7 @@
           </p:nvSpPr>
           <p:spPr>
             <a:xfrm>
-              <a:off x="1964693" y="6469702"/>
+              <a:off x="2239515" y="6469710"/>
               <a:ext cx="63202" cy="63202"/>
             </a:xfrm>
             <a:custGeom>
@@ -9652,7 +9652,7 @@
           </p:nvSpPr>
           <p:spPr>
             <a:xfrm>
-              <a:off x="1831493" y="6363365"/>
+              <a:off x="1788405" y="6363382"/>
               <a:ext cx="63202" cy="63202"/>
             </a:xfrm>
             <a:custGeom>
@@ -9695,7 +9695,7 @@
           </p:nvSpPr>
           <p:spPr>
             <a:xfrm>
-              <a:off x="2258462" y="6475784"/>
+              <a:off x="2101937" y="6475847"/>
               <a:ext cx="63202" cy="63202"/>
             </a:xfrm>
             <a:custGeom>
@@ -9738,7 +9738,7 @@
           </p:nvSpPr>
           <p:spPr>
             <a:xfrm>
-              <a:off x="1729707" y="5951288"/>
+              <a:off x="1767440" y="5951321"/>
               <a:ext cx="63202" cy="63202"/>
             </a:xfrm>
             <a:custGeom>
@@ -9781,7 +9781,7 @@
           </p:nvSpPr>
           <p:spPr>
             <a:xfrm>
-              <a:off x="1759817" y="6017842"/>
+              <a:off x="2102876" y="6017857"/>
               <a:ext cx="63202" cy="63202"/>
             </a:xfrm>
             <a:custGeom>
@@ -9824,7 +9824,7 @@
           </p:nvSpPr>
           <p:spPr>
             <a:xfrm>
-              <a:off x="2089165" y="6557586"/>
+              <a:off x="2246521" y="6557602"/>
               <a:ext cx="63202" cy="63202"/>
             </a:xfrm>
             <a:custGeom>
@@ -9867,7 +9867,7 @@
           </p:nvSpPr>
           <p:spPr>
             <a:xfrm>
-              <a:off x="2147016" y="5516513"/>
+              <a:off x="2278394" y="5516573"/>
               <a:ext cx="63202" cy="63202"/>
             </a:xfrm>
             <a:custGeom>
@@ -9910,7 +9910,7 @@
           </p:nvSpPr>
           <p:spPr>
             <a:xfrm>
-              <a:off x="2108306" y="6028684"/>
+              <a:off x="2192853" y="6028695"/>
               <a:ext cx="63202" cy="63202"/>
             </a:xfrm>
             <a:custGeom>
@@ -9953,7 +9953,7 @@
           </p:nvSpPr>
           <p:spPr>
             <a:xfrm>
-              <a:off x="1886669" y="6055573"/>
+              <a:off x="1973421" y="6055570"/>
               <a:ext cx="63202" cy="63202"/>
             </a:xfrm>
             <a:custGeom>
@@ -9996,7 +9996,7 @@
           </p:nvSpPr>
           <p:spPr>
             <a:xfrm>
-              <a:off x="1686431" y="6126624"/>
+              <a:off x="1939383" y="6126649"/>
               <a:ext cx="63202" cy="63202"/>
             </a:xfrm>
             <a:custGeom>
@@ -10039,7 +10039,7 @@
           </p:nvSpPr>
           <p:spPr>
             <a:xfrm>
-              <a:off x="1817827" y="6103282"/>
+              <a:off x="2156981" y="6103310"/>
               <a:ext cx="63202" cy="63202"/>
             </a:xfrm>
             <a:custGeom>
@@ -10082,7 +10082,7 @@
           </p:nvSpPr>
           <p:spPr>
             <a:xfrm>
-              <a:off x="2133938" y="6063459"/>
+              <a:off x="1894824" y="6063470"/>
               <a:ext cx="63202" cy="63202"/>
             </a:xfrm>
             <a:custGeom>
@@ -10125,7 +10125,7 @@
           </p:nvSpPr>
           <p:spPr>
             <a:xfrm>
-              <a:off x="2202073" y="6190517"/>
+              <a:off x="1776045" y="6190563"/>
               <a:ext cx="63202" cy="63202"/>
             </a:xfrm>
             <a:custGeom>
@@ -10168,7 +10168,7 @@
           </p:nvSpPr>
           <p:spPr>
             <a:xfrm>
-              <a:off x="2080058" y="5707358"/>
+              <a:off x="1757469" y="5707360"/>
               <a:ext cx="63202" cy="63202"/>
             </a:xfrm>
             <a:custGeom>
@@ -10211,7 +10211,7 @@
           </p:nvSpPr>
           <p:spPr>
             <a:xfrm>
-              <a:off x="1905195" y="6257990"/>
+              <a:off x="1830529" y="6258011"/>
               <a:ext cx="63202" cy="63202"/>
             </a:xfrm>
             <a:custGeom>
@@ -10254,7 +10254,7 @@
           </p:nvSpPr>
           <p:spPr>
             <a:xfrm>
-              <a:off x="2168211" y="5471566"/>
+              <a:off x="2098693" y="5471601"/>
               <a:ext cx="63202" cy="63202"/>
             </a:xfrm>
             <a:custGeom>
@@ -10297,7 +10297,7 @@
           </p:nvSpPr>
           <p:spPr>
             <a:xfrm>
-              <a:off x="1853524" y="6179591"/>
+              <a:off x="1726323" y="6179646"/>
               <a:ext cx="63202" cy="63202"/>
             </a:xfrm>
             <a:custGeom>
@@ -10340,7 +10340,7 @@
           </p:nvSpPr>
           <p:spPr>
             <a:xfrm>
-              <a:off x="1936683" y="6043460"/>
+              <a:off x="1693829" y="6043526"/>
               <a:ext cx="63202" cy="63202"/>
             </a:xfrm>
             <a:custGeom>
@@ -10383,7 +10383,7 @@
           </p:nvSpPr>
           <p:spPr>
             <a:xfrm>
-              <a:off x="1815630" y="6259700"/>
+              <a:off x="1841493" y="6259756"/>
               <a:ext cx="63202" cy="63202"/>
             </a:xfrm>
             <a:custGeom>
@@ -10426,7 +10426,7 @@
           </p:nvSpPr>
           <p:spPr>
             <a:xfrm>
-              <a:off x="1911488" y="5443071"/>
+              <a:off x="1783392" y="5443105"/>
               <a:ext cx="63202" cy="63202"/>
             </a:xfrm>
             <a:custGeom>
@@ -10469,7 +10469,7 @@
           </p:nvSpPr>
           <p:spPr>
             <a:xfrm>
-              <a:off x="1816211" y="6060860"/>
+              <a:off x="1692677" y="6060903"/>
               <a:ext cx="63202" cy="63202"/>
             </a:xfrm>
             <a:custGeom>
@@ -10512,7 +10512,7 @@
           </p:nvSpPr>
           <p:spPr>
             <a:xfrm>
-              <a:off x="2263803" y="5966377"/>
+              <a:off x="2137998" y="5966371"/>
               <a:ext cx="63202" cy="63202"/>
             </a:xfrm>
             <a:custGeom>
@@ -10555,7 +10555,7 @@
           </p:nvSpPr>
           <p:spPr>
             <a:xfrm>
-              <a:off x="2300556" y="5952930"/>
+              <a:off x="2189625" y="5952914"/>
               <a:ext cx="63202" cy="63202"/>
             </a:xfrm>
             <a:custGeom>
@@ -10598,7 +10598,7 @@
           </p:nvSpPr>
           <p:spPr>
             <a:xfrm>
-              <a:off x="2134442" y="5434783"/>
+              <a:off x="1996765" y="5434800"/>
               <a:ext cx="63202" cy="63202"/>
             </a:xfrm>
             <a:custGeom>
@@ -10641,7 +10641,7 @@
           </p:nvSpPr>
           <p:spPr>
             <a:xfrm>
-              <a:off x="2235073" y="5936476"/>
+              <a:off x="2255391" y="5936489"/>
               <a:ext cx="63202" cy="63202"/>
             </a:xfrm>
             <a:custGeom>
@@ -10684,7 +10684,7 @@
           </p:nvSpPr>
           <p:spPr>
             <a:xfrm>
-              <a:off x="1663421" y="6019715"/>
+              <a:off x="1684439" y="6019765"/>
               <a:ext cx="63202" cy="63202"/>
             </a:xfrm>
             <a:custGeom>
@@ -10727,7 +10727,7 @@
           </p:nvSpPr>
           <p:spPr>
             <a:xfrm>
-              <a:off x="2006487" y="6139162"/>
+              <a:off x="2274145" y="6139147"/>
               <a:ext cx="63202" cy="63202"/>
             </a:xfrm>
             <a:custGeom>
@@ -10770,7 +10770,7 @@
           </p:nvSpPr>
           <p:spPr>
             <a:xfrm>
-              <a:off x="1829234" y="6013620"/>
+              <a:off x="1690124" y="6013631"/>
               <a:ext cx="63202" cy="63202"/>
             </a:xfrm>
             <a:custGeom>
@@ -10813,7 +10813,7 @@
           </p:nvSpPr>
           <p:spPr>
             <a:xfrm>
-              <a:off x="1915845" y="6021334"/>
+              <a:off x="2139851" y="6021374"/>
               <a:ext cx="63202" cy="63202"/>
             </a:xfrm>
             <a:custGeom>
@@ -10856,7 +10856,7 @@
           </p:nvSpPr>
           <p:spPr>
             <a:xfrm>
-              <a:off x="2084312" y="5703109"/>
+              <a:off x="1727176" y="5703124"/>
               <a:ext cx="63202" cy="63202"/>
             </a:xfrm>
             <a:custGeom>
@@ -10899,7 +10899,7 @@
           </p:nvSpPr>
           <p:spPr>
             <a:xfrm>
-              <a:off x="2058523" y="6179603"/>
+              <a:off x="1760923" y="6179636"/>
               <a:ext cx="63202" cy="63202"/>
             </a:xfrm>
             <a:custGeom>
@@ -10942,7 +10942,7 @@
           </p:nvSpPr>
           <p:spPr>
             <a:xfrm>
-              <a:off x="2193324" y="5944220"/>
+              <a:off x="1815396" y="5944238"/>
               <a:ext cx="63202" cy="63202"/>
             </a:xfrm>
             <a:custGeom>
@@ -10985,7 +10985,7 @@
           </p:nvSpPr>
           <p:spPr>
             <a:xfrm>
-              <a:off x="1635925" y="5474781"/>
+              <a:off x="2112390" y="5474798"/>
               <a:ext cx="63202" cy="63202"/>
             </a:xfrm>
             <a:custGeom>
@@ -11028,7 +11028,7 @@
           </p:nvSpPr>
           <p:spPr>
             <a:xfrm>
-              <a:off x="1988517" y="5472451"/>
+              <a:off x="1902818" y="5472498"/>
               <a:ext cx="63202" cy="63202"/>
             </a:xfrm>
             <a:custGeom>
@@ -11071,7 +11071,7 @@
           </p:nvSpPr>
           <p:spPr>
             <a:xfrm>
-              <a:off x="2051686" y="5472146"/>
+              <a:off x="1713691" y="5472153"/>
               <a:ext cx="63202" cy="63202"/>
             </a:xfrm>
             <a:custGeom>
@@ -11114,7 +11114,7 @@
           </p:nvSpPr>
           <p:spPr>
             <a:xfrm>
-              <a:off x="1916561" y="5471982"/>
+              <a:off x="2047143" y="5471988"/>
               <a:ext cx="63202" cy="63202"/>
             </a:xfrm>
             <a:custGeom>
@@ -11157,7 +11157,7 @@
           </p:nvSpPr>
           <p:spPr>
             <a:xfrm>
-              <a:off x="1938201" y="5471862"/>
+              <a:off x="1845699" y="5471874"/>
               <a:ext cx="63202" cy="63202"/>
             </a:xfrm>
             <a:custGeom>
@@ -11200,7 +11200,7 @@
           </p:nvSpPr>
           <p:spPr>
             <a:xfrm>
-              <a:off x="1752313" y="5740672"/>
+              <a:off x="2193568" y="5740719"/>
               <a:ext cx="63202" cy="63202"/>
             </a:xfrm>
             <a:custGeom>
@@ -11243,7 +11243,7 @@
           </p:nvSpPr>
           <p:spPr>
             <a:xfrm>
-              <a:off x="1798086" y="5730313"/>
+              <a:off x="2241149" y="5730325"/>
               <a:ext cx="63202" cy="63202"/>
             </a:xfrm>
             <a:custGeom>
@@ -11286,7 +11286,7 @@
           </p:nvSpPr>
           <p:spPr>
             <a:xfrm>
-              <a:off x="1772913" y="6144581"/>
+              <a:off x="2264535" y="6144600"/>
               <a:ext cx="63202" cy="63202"/>
             </a:xfrm>
             <a:custGeom>
@@ -11329,7 +11329,7 @@
           </p:nvSpPr>
           <p:spPr>
             <a:xfrm>
-              <a:off x="2161707" y="5487875"/>
+              <a:off x="1951513" y="5487873"/>
               <a:ext cx="63202" cy="63202"/>
             </a:xfrm>
             <a:custGeom>
@@ -11372,7 +11372,7 @@
           </p:nvSpPr>
           <p:spPr>
             <a:xfrm>
-              <a:off x="2170602" y="5875849"/>
+              <a:off x="1690303" y="5875878"/>
               <a:ext cx="63202" cy="63202"/>
             </a:xfrm>
             <a:custGeom>
@@ -11415,7 +11415,7 @@
           </p:nvSpPr>
           <p:spPr>
             <a:xfrm>
-              <a:off x="1947568" y="5752056"/>
+              <a:off x="2145140" y="5752067"/>
               <a:ext cx="63202" cy="63202"/>
             </a:xfrm>
             <a:custGeom>
@@ -11458,7 +11458,7 @@
           </p:nvSpPr>
           <p:spPr>
             <a:xfrm>
-              <a:off x="1662614" y="6161023"/>
+              <a:off x="2181386" y="6161032"/>
               <a:ext cx="63202" cy="63202"/>
             </a:xfrm>
             <a:custGeom>
@@ -11501,7 +11501,7 @@
           </p:nvSpPr>
           <p:spPr>
             <a:xfrm>
-              <a:off x="2080391" y="5498619"/>
+              <a:off x="1775534" y="5498621"/>
               <a:ext cx="63202" cy="63202"/>
             </a:xfrm>
             <a:custGeom>
@@ -11544,7 +11544,7 @@
           </p:nvSpPr>
           <p:spPr>
             <a:xfrm>
-              <a:off x="1859254" y="6036902"/>
+              <a:off x="1966149" y="6036919"/>
               <a:ext cx="63202" cy="63202"/>
             </a:xfrm>
             <a:custGeom>
@@ -11587,7 +11587,7 @@
           </p:nvSpPr>
           <p:spPr>
             <a:xfrm>
-              <a:off x="1958913" y="6366203"/>
+              <a:off x="1787621" y="6366241"/>
               <a:ext cx="63202" cy="63202"/>
             </a:xfrm>
             <a:custGeom>
@@ -11630,7 +11630,7 @@
           </p:nvSpPr>
           <p:spPr>
             <a:xfrm>
-              <a:off x="1703432" y="5718726"/>
+              <a:off x="1934993" y="5718737"/>
               <a:ext cx="63202" cy="63202"/>
             </a:xfrm>
             <a:custGeom>
@@ -11673,7 +11673,7 @@
           </p:nvSpPr>
           <p:spPr>
             <a:xfrm>
-              <a:off x="1636146" y="6433120"/>
+              <a:off x="2034019" y="6433122"/>
               <a:ext cx="63202" cy="63202"/>
             </a:xfrm>
             <a:custGeom>
@@ -11716,7 +11716,7 @@
           </p:nvSpPr>
           <p:spPr>
             <a:xfrm>
-              <a:off x="1907973" y="5464793"/>
+              <a:off x="1769488" y="5464821"/>
               <a:ext cx="63202" cy="63202"/>
             </a:xfrm>
             <a:custGeom>
@@ -11759,7 +11759,7 @@
           </p:nvSpPr>
           <p:spPr>
             <a:xfrm>
-              <a:off x="2095252" y="5659767"/>
+              <a:off x="1690031" y="5659812"/>
               <a:ext cx="63202" cy="63202"/>
             </a:xfrm>
             <a:custGeom>
@@ -11802,7 +11802,7 @@
           </p:nvSpPr>
           <p:spPr>
             <a:xfrm>
-              <a:off x="1749746" y="5601714"/>
+              <a:off x="2219014" y="5601732"/>
               <a:ext cx="63202" cy="63202"/>
             </a:xfrm>
             <a:custGeom>
@@ -11845,7 +11845,7 @@
           </p:nvSpPr>
           <p:spPr>
             <a:xfrm>
-              <a:off x="2121732" y="5646686"/>
+              <a:off x="2219867" y="5646698"/>
               <a:ext cx="63202" cy="63202"/>
             </a:xfrm>
             <a:custGeom>
@@ -11888,7 +11888,7 @@
           </p:nvSpPr>
           <p:spPr>
             <a:xfrm>
-              <a:off x="2155890" y="5454954"/>
+              <a:off x="1637733" y="5454992"/>
               <a:ext cx="63202" cy="63202"/>
             </a:xfrm>
             <a:custGeom>
@@ -11931,7 +11931,7 @@
           </p:nvSpPr>
           <p:spPr>
             <a:xfrm>
-              <a:off x="1904751" y="5451951"/>
+              <a:off x="1880463" y="5452009"/>
               <a:ext cx="63202" cy="63202"/>
             </a:xfrm>
             <a:custGeom>
@@ -11974,7 +11974,7 @@
           </p:nvSpPr>
           <p:spPr>
             <a:xfrm>
-              <a:off x="2203675" y="5699842"/>
+              <a:off x="1885931" y="5699837"/>
               <a:ext cx="63202" cy="63202"/>
             </a:xfrm>
             <a:custGeom>
@@ -12017,7 +12017,7 @@
           </p:nvSpPr>
           <p:spPr>
             <a:xfrm>
-              <a:off x="1981078" y="5688978"/>
+              <a:off x="1650337" y="5688976"/>
               <a:ext cx="63202" cy="63202"/>
             </a:xfrm>
             <a:custGeom>
@@ -12060,7 +12060,7 @@
           </p:nvSpPr>
           <p:spPr>
             <a:xfrm>
-              <a:off x="1701382" y="5469286"/>
+              <a:off x="1933445" y="5469313"/>
               <a:ext cx="63202" cy="63202"/>
             </a:xfrm>
             <a:custGeom>
@@ -12103,7 +12103,7 @@
           </p:nvSpPr>
           <p:spPr>
             <a:xfrm>
-              <a:off x="1909180" y="5477095"/>
+              <a:off x="1805053" y="5477125"/>
               <a:ext cx="63202" cy="63202"/>
             </a:xfrm>
             <a:custGeom>
@@ -12146,7 +12146,7 @@
           </p:nvSpPr>
           <p:spPr>
             <a:xfrm>
-              <a:off x="2240223" y="5477651"/>
+              <a:off x="1916539" y="5477674"/>
               <a:ext cx="63202" cy="63202"/>
             </a:xfrm>
             <a:custGeom>
@@ -12189,7 +12189,7 @@
           </p:nvSpPr>
           <p:spPr>
             <a:xfrm>
-              <a:off x="1696779" y="5536846"/>
+              <a:off x="2070891" y="5536840"/>
               <a:ext cx="63202" cy="63202"/>
             </a:xfrm>
             <a:custGeom>
@@ -12232,7 +12232,7 @@
           </p:nvSpPr>
           <p:spPr>
             <a:xfrm>
-              <a:off x="2190483" y="5466294"/>
+              <a:off x="1973524" y="5466309"/>
               <a:ext cx="63202" cy="63202"/>
             </a:xfrm>
             <a:custGeom>
@@ -12275,7 +12275,7 @@
           </p:nvSpPr>
           <p:spPr>
             <a:xfrm>
-              <a:off x="1751545" y="6017842"/>
+              <a:off x="1767100" y="6017860"/>
               <a:ext cx="63202" cy="63202"/>
             </a:xfrm>
             <a:custGeom>
@@ -12318,7 +12318,7 @@
           </p:nvSpPr>
           <p:spPr>
             <a:xfrm>
-              <a:off x="1895017" y="5490113"/>
+              <a:off x="2155791" y="5490122"/>
               <a:ext cx="63202" cy="63202"/>
             </a:xfrm>
             <a:custGeom>
@@ -12361,7 +12361,7 @@
           </p:nvSpPr>
           <p:spPr>
             <a:xfrm>
-              <a:off x="2080545" y="5399674"/>
+              <a:off x="2089497" y="5399696"/>
               <a:ext cx="63202" cy="63202"/>
             </a:xfrm>
             <a:custGeom>
@@ -12404,7 +12404,7 @@
           </p:nvSpPr>
           <p:spPr>
             <a:xfrm>
-              <a:off x="1750949" y="5885988"/>
+              <a:off x="1905688" y="5885993"/>
               <a:ext cx="63202" cy="63202"/>
             </a:xfrm>
             <a:custGeom>
@@ -12447,7 +12447,7 @@
           </p:nvSpPr>
           <p:spPr>
             <a:xfrm>
-              <a:off x="1622409" y="6400175"/>
+              <a:off x="2281967" y="6400177"/>
               <a:ext cx="63202" cy="63202"/>
             </a:xfrm>
             <a:custGeom>
@@ -12490,7 +12490,7 @@
           </p:nvSpPr>
           <p:spPr>
             <a:xfrm>
-              <a:off x="1604538" y="5979960"/>
+              <a:off x="1940199" y="5979964"/>
               <a:ext cx="63202" cy="63202"/>
             </a:xfrm>
             <a:custGeom>
@@ -12533,7 +12533,7 @@
           </p:nvSpPr>
           <p:spPr>
             <a:xfrm>
-              <a:off x="1746130" y="5965084"/>
+              <a:off x="1636069" y="5965088"/>
               <a:ext cx="63202" cy="63202"/>
             </a:xfrm>
             <a:custGeom>
@@ -12576,7 +12576,7 @@
           </p:nvSpPr>
           <p:spPr>
             <a:xfrm>
-              <a:off x="1711943" y="5458906"/>
+              <a:off x="2094275" y="5458910"/>
               <a:ext cx="63202" cy="63202"/>
             </a:xfrm>
             <a:custGeom>
@@ -12619,7 +12619,7 @@
           </p:nvSpPr>
           <p:spPr>
             <a:xfrm>
-              <a:off x="1801806" y="5550068"/>
+              <a:off x="2249026" y="5550093"/>
               <a:ext cx="63202" cy="63202"/>
             </a:xfrm>
             <a:custGeom>
@@ -12662,7 +12662,7 @@
           </p:nvSpPr>
           <p:spPr>
             <a:xfrm>
-              <a:off x="2107815" y="5970509"/>
+              <a:off x="1804079" y="5970527"/>
               <a:ext cx="63202" cy="63202"/>
             </a:xfrm>
             <a:custGeom>
@@ -12705,7 +12705,7 @@
           </p:nvSpPr>
           <p:spPr>
             <a:xfrm>
-              <a:off x="1639631" y="5983945"/>
+              <a:off x="2242421" y="5983989"/>
               <a:ext cx="63202" cy="63202"/>
             </a:xfrm>
             <a:custGeom>
@@ -12748,7 +12748,7 @@
           </p:nvSpPr>
           <p:spPr>
             <a:xfrm>
-              <a:off x="2051002" y="5981405"/>
+              <a:off x="2190582" y="5981460"/>
               <a:ext cx="63202" cy="63202"/>
             </a:xfrm>
             <a:custGeom>
@@ -12791,7 +12791,7 @@
           </p:nvSpPr>
           <p:spPr>
             <a:xfrm>
-              <a:off x="2056877" y="6130311"/>
+              <a:off x="1885825" y="6130356"/>
               <a:ext cx="63202" cy="63202"/>
             </a:xfrm>
             <a:custGeom>
@@ -12834,7 +12834,7 @@
           </p:nvSpPr>
           <p:spPr>
             <a:xfrm>
-              <a:off x="1738117" y="6050685"/>
+              <a:off x="1920796" y="6050712"/>
               <a:ext cx="63202" cy="63202"/>
             </a:xfrm>
             <a:custGeom>
@@ -12877,7 +12877,7 @@
           </p:nvSpPr>
           <p:spPr>
             <a:xfrm>
-              <a:off x="1784069" y="5483696"/>
+              <a:off x="2238214" y="5483701"/>
               <a:ext cx="63202" cy="63202"/>
             </a:xfrm>
             <a:custGeom>
@@ -12920,7 +12920,7 @@
           </p:nvSpPr>
           <p:spPr>
             <a:xfrm>
-              <a:off x="1971948" y="6127434"/>
+              <a:off x="1836608" y="6127493"/>
               <a:ext cx="63202" cy="63202"/>
             </a:xfrm>
             <a:custGeom>
@@ -12963,7 +12963,7 @@
           </p:nvSpPr>
           <p:spPr>
             <a:xfrm>
-              <a:off x="2228388" y="6135806"/>
+              <a:off x="1721052" y="6135826"/>
               <a:ext cx="63202" cy="63202"/>
             </a:xfrm>
             <a:custGeom>
@@ -13006,7 +13006,7 @@
           </p:nvSpPr>
           <p:spPr>
             <a:xfrm>
-              <a:off x="1854709" y="6090757"/>
+              <a:off x="1715196" y="6090765"/>
               <a:ext cx="63202" cy="63202"/>
             </a:xfrm>
             <a:custGeom>
@@ -13049,7 +13049,7 @@
           </p:nvSpPr>
           <p:spPr>
             <a:xfrm>
-              <a:off x="2254466" y="6225848"/>
+              <a:off x="1660819" y="6225873"/>
               <a:ext cx="63202" cy="63202"/>
             </a:xfrm>
             <a:custGeom>
@@ -13092,7 +13092,7 @@
           </p:nvSpPr>
           <p:spPr>
             <a:xfrm>
-              <a:off x="1736919" y="6135633"/>
+              <a:off x="1641131" y="6135647"/>
               <a:ext cx="63202" cy="63202"/>
             </a:xfrm>
             <a:custGeom>
@@ -13135,7 +13135,7 @@
           </p:nvSpPr>
           <p:spPr>
             <a:xfrm>
-              <a:off x="2104096" y="5570563"/>
+              <a:off x="1705648" y="5570607"/>
               <a:ext cx="63202" cy="63202"/>
             </a:xfrm>
             <a:custGeom>
@@ -13178,7 +13178,7 @@
           </p:nvSpPr>
           <p:spPr>
             <a:xfrm>
-              <a:off x="1770806" y="6322502"/>
+              <a:off x="1731780" y="6322553"/>
               <a:ext cx="63202" cy="63202"/>
             </a:xfrm>
             <a:custGeom>
@@ -13221,7 +13221,7 @@
           </p:nvSpPr>
           <p:spPr>
             <a:xfrm>
-              <a:off x="1920544" y="6102227"/>
+              <a:off x="2292020" y="6102251"/>
               <a:ext cx="63202" cy="63202"/>
             </a:xfrm>
             <a:custGeom>
@@ -13264,7 +13264,7 @@
           </p:nvSpPr>
           <p:spPr>
             <a:xfrm>
-              <a:off x="1841094" y="5492698"/>
+              <a:off x="2255533" y="5492740"/>
               <a:ext cx="63202" cy="63202"/>
             </a:xfrm>
             <a:custGeom>
@@ -13307,7 +13307,7 @@
           </p:nvSpPr>
           <p:spPr>
             <a:xfrm>
-              <a:off x="2114435" y="5489020"/>
+              <a:off x="2186164" y="5489045"/>
               <a:ext cx="63202" cy="63202"/>
             </a:xfrm>
             <a:custGeom>
@@ -13350,7 +13350,7 @@
           </p:nvSpPr>
           <p:spPr>
             <a:xfrm>
-              <a:off x="2219441" y="5514543"/>
+              <a:off x="2091294" y="5514597"/>
               <a:ext cx="63202" cy="63202"/>
             </a:xfrm>
             <a:custGeom>
@@ -13393,7 +13393,7 @@
           </p:nvSpPr>
           <p:spPr>
             <a:xfrm>
-              <a:off x="2141412" y="5501729"/>
+              <a:off x="1737625" y="5501760"/>
               <a:ext cx="63202" cy="63202"/>
             </a:xfrm>
             <a:custGeom>
@@ -13436,7 +13436,7 @@
           </p:nvSpPr>
           <p:spPr>
             <a:xfrm>
-              <a:off x="2100721" y="5693247"/>
+              <a:off x="1941497" y="5693263"/>
               <a:ext cx="63202" cy="63202"/>
             </a:xfrm>
             <a:custGeom>
@@ -13479,7 +13479,7 @@
           </p:nvSpPr>
           <p:spPr>
             <a:xfrm>
-              <a:off x="1617187" y="6535892"/>
+              <a:off x="1843067" y="6535914"/>
               <a:ext cx="63202" cy="63202"/>
             </a:xfrm>
             <a:custGeom>
@@ -13522,7 +13522,7 @@
           </p:nvSpPr>
           <p:spPr>
             <a:xfrm>
-              <a:off x="1923153" y="5933279"/>
+              <a:off x="1788596" y="5933301"/>
               <a:ext cx="63202" cy="63202"/>
             </a:xfrm>
             <a:custGeom>
@@ -13565,7 +13565,7 @@
           </p:nvSpPr>
           <p:spPr>
             <a:xfrm>
-              <a:off x="1749395" y="5872650"/>
+              <a:off x="1975527" y="5872685"/>
               <a:ext cx="63202" cy="63202"/>
             </a:xfrm>
             <a:custGeom>
@@ -13608,7 +13608,7 @@
           </p:nvSpPr>
           <p:spPr>
             <a:xfrm>
-              <a:off x="1997000" y="6538637"/>
+              <a:off x="2058401" y="6538693"/>
               <a:ext cx="63202" cy="63202"/>
             </a:xfrm>
             <a:custGeom>
@@ -13651,7 +13651,7 @@
           </p:nvSpPr>
           <p:spPr>
             <a:xfrm>
-              <a:off x="1937609" y="6089581"/>
+              <a:off x="1762432" y="6089596"/>
               <a:ext cx="63202" cy="63202"/>
             </a:xfrm>
             <a:custGeom>
@@ -13750,7 +13750,7 @@
           </p:nvSpPr>
           <p:spPr>
             <a:xfrm>
-              <a:off x="4325757" y="2898347"/>
+              <a:off x="4325757" y="2898375"/>
               <a:ext cx="2796732" cy="0"/>
             </a:xfrm>
             <a:custGeom>
@@ -13793,7 +13793,7 @@
           </p:nvSpPr>
           <p:spPr>
             <a:xfrm>
-              <a:off x="4325757" y="2558904"/>
+              <a:off x="4325757" y="2558929"/>
               <a:ext cx="2796732" cy="0"/>
             </a:xfrm>
             <a:custGeom>
@@ -13836,7 +13836,7 @@
           </p:nvSpPr>
           <p:spPr>
             <a:xfrm>
-              <a:off x="4325757" y="2219461"/>
+              <a:off x="4325757" y="2219484"/>
               <a:ext cx="2796732" cy="0"/>
             </a:xfrm>
             <a:custGeom>
@@ -13879,7 +13879,7 @@
           </p:nvSpPr>
           <p:spPr>
             <a:xfrm>
-              <a:off x="4325757" y="1880018"/>
+              <a:off x="4325757" y="1880038"/>
               <a:ext cx="2796732" cy="0"/>
             </a:xfrm>
             <a:custGeom>
@@ -13922,7 +13922,7 @@
           </p:nvSpPr>
           <p:spPr>
             <a:xfrm>
-              <a:off x="4325757" y="1540574"/>
+              <a:off x="4325757" y="1540593"/>
               <a:ext cx="2796732" cy="0"/>
             </a:xfrm>
             <a:custGeom>
@@ -13965,7 +13965,7 @@
           </p:nvSpPr>
           <p:spPr>
             <a:xfrm>
-              <a:off x="4325757" y="2728626"/>
+              <a:off x="4325757" y="2728652"/>
               <a:ext cx="2796732" cy="0"/>
             </a:xfrm>
             <a:custGeom>
@@ -14008,7 +14008,7 @@
           </p:nvSpPr>
           <p:spPr>
             <a:xfrm>
-              <a:off x="4325757" y="2389182"/>
+              <a:off x="4325757" y="2389206"/>
               <a:ext cx="2796732" cy="0"/>
             </a:xfrm>
             <a:custGeom>
@@ -14051,7 +14051,7 @@
           </p:nvSpPr>
           <p:spPr>
             <a:xfrm>
-              <a:off x="4325757" y="2049739"/>
+              <a:off x="4325757" y="2049761"/>
               <a:ext cx="2796732" cy="0"/>
             </a:xfrm>
             <a:custGeom>
@@ -14094,7 +14094,7 @@
           </p:nvSpPr>
           <p:spPr>
             <a:xfrm>
-              <a:off x="4325757" y="1710296"/>
+              <a:off x="4325757" y="1710316"/>
               <a:ext cx="2796732" cy="0"/>
             </a:xfrm>
             <a:custGeom>
@@ -14266,7 +14266,7 @@
           </p:nvSpPr>
           <p:spPr>
             <a:xfrm>
-              <a:off x="4599635" y="1898587"/>
+              <a:off x="4841591" y="1898593"/>
               <a:ext cx="63202" cy="63202"/>
             </a:xfrm>
             <a:custGeom>
@@ -14309,7 +14309,7 @@
           </p:nvSpPr>
           <p:spPr>
             <a:xfrm>
-              <a:off x="4555343" y="1950616"/>
+              <a:off x="4755692" y="1950594"/>
               <a:ext cx="63202" cy="63202"/>
             </a:xfrm>
             <a:custGeom>
@@ -14352,7 +14352,7 @@
           </p:nvSpPr>
           <p:spPr>
             <a:xfrm>
-              <a:off x="4878075" y="2305125"/>
+              <a:off x="4756542" y="2305128"/>
               <a:ext cx="63202" cy="63202"/>
             </a:xfrm>
             <a:custGeom>
@@ -14395,7 +14395,7 @@
           </p:nvSpPr>
           <p:spPr>
             <a:xfrm>
-              <a:off x="4670207" y="1882769"/>
+              <a:off x="4674114" y="1882814"/>
               <a:ext cx="63202" cy="63202"/>
             </a:xfrm>
             <a:custGeom>
@@ -14438,7 +14438,7 @@
           </p:nvSpPr>
           <p:spPr>
             <a:xfrm>
-              <a:off x="4699587" y="1989681"/>
+              <a:off x="5136819" y="1989696"/>
               <a:ext cx="63202" cy="63202"/>
             </a:xfrm>
             <a:custGeom>
@@ -14481,7 +14481,7 @@
           </p:nvSpPr>
           <p:spPr>
             <a:xfrm>
-              <a:off x="5007483" y="2347945"/>
+              <a:off x="4837234" y="2347966"/>
               <a:ext cx="63202" cy="63202"/>
             </a:xfrm>
             <a:custGeom>
@@ -14524,7 +14524,7 @@
           </p:nvSpPr>
           <p:spPr>
             <a:xfrm>
-              <a:off x="5015585" y="1942081"/>
+              <a:off x="4672821" y="1942127"/>
               <a:ext cx="63202" cy="63202"/>
             </a:xfrm>
             <a:custGeom>
@@ -14567,7 +14567,7 @@
           </p:nvSpPr>
           <p:spPr>
             <a:xfrm>
-              <a:off x="5423681" y="2921255"/>
+              <a:off x="5376927" y="2921303"/>
               <a:ext cx="63202" cy="63202"/>
             </a:xfrm>
             <a:custGeom>
@@ -14610,7 +14610,7 @@
           </p:nvSpPr>
           <p:spPr>
             <a:xfrm>
-              <a:off x="4896112" y="1900842"/>
+              <a:off x="4643303" y="1900837"/>
               <a:ext cx="63202" cy="63202"/>
             </a:xfrm>
             <a:custGeom>
@@ -14653,7 +14653,7 @@
           </p:nvSpPr>
           <p:spPr>
             <a:xfrm>
-              <a:off x="4728837" y="2408388"/>
+              <a:off x="4630157" y="2408407"/>
               <a:ext cx="63202" cy="63202"/>
             </a:xfrm>
             <a:custGeom>
@@ -14696,7 +14696,7 @@
           </p:nvSpPr>
           <p:spPr>
             <a:xfrm>
-              <a:off x="4969678" y="2774835"/>
+              <a:off x="4548506" y="2774873"/>
               <a:ext cx="63202" cy="63202"/>
             </a:xfrm>
             <a:custGeom>
@@ -14739,7 +14739,7 @@
           </p:nvSpPr>
           <p:spPr>
             <a:xfrm>
-              <a:off x="4860503" y="1904967"/>
+              <a:off x="4478871" y="1905011"/>
               <a:ext cx="63202" cy="63202"/>
             </a:xfrm>
             <a:custGeom>
@@ -14782,7 +14782,7 @@
           </p:nvSpPr>
           <p:spPr>
             <a:xfrm>
-              <a:off x="5106253" y="1894299"/>
+              <a:off x="4978527" y="1894328"/>
               <a:ext cx="63202" cy="63202"/>
             </a:xfrm>
             <a:custGeom>
@@ -14825,7 +14825,7 @@
           </p:nvSpPr>
           <p:spPr>
             <a:xfrm>
-              <a:off x="4946772" y="1933115"/>
+              <a:off x="4615082" y="1933153"/>
               <a:ext cx="63202" cy="63202"/>
             </a:xfrm>
             <a:custGeom>
@@ -14868,7 +14868,7 @@
           </p:nvSpPr>
           <p:spPr>
             <a:xfrm>
-              <a:off x="5055432" y="1965907"/>
+              <a:off x="4560828" y="1965967"/>
               <a:ext cx="63202" cy="63202"/>
             </a:xfrm>
             <a:custGeom>
@@ -14911,7 +14911,7 @@
           </p:nvSpPr>
           <p:spPr>
             <a:xfrm>
-              <a:off x="4493822" y="1947249"/>
+              <a:off x="4742376" y="1947308"/>
               <a:ext cx="63202" cy="63202"/>
             </a:xfrm>
             <a:custGeom>
@@ -14954,7 +14954,7 @@
           </p:nvSpPr>
           <p:spPr>
             <a:xfrm>
-              <a:off x="4489223" y="1975985"/>
+              <a:off x="5034890" y="1976005"/>
               <a:ext cx="63202" cy="63202"/>
             </a:xfrm>
             <a:custGeom>
@@ -14997,7 +14997,7 @@
           </p:nvSpPr>
           <p:spPr>
             <a:xfrm>
-              <a:off x="4518668" y="1935937"/>
+              <a:off x="4623679" y="1935933"/>
               <a:ext cx="63202" cy="63202"/>
             </a:xfrm>
             <a:custGeom>
@@ -15040,7 +15040,7 @@
           </p:nvSpPr>
           <p:spPr>
             <a:xfrm>
-              <a:off x="5115148" y="1930019"/>
+              <a:off x="4661163" y="1930029"/>
               <a:ext cx="63202" cy="63202"/>
             </a:xfrm>
             <a:custGeom>
@@ -15083,7 +15083,7 @@
           </p:nvSpPr>
           <p:spPr>
             <a:xfrm>
-              <a:off x="4911926" y="2152552"/>
+              <a:off x="5159419" y="2152583"/>
               <a:ext cx="63202" cy="63202"/>
             </a:xfrm>
             <a:custGeom>
@@ -15126,7 +15126,7 @@
           </p:nvSpPr>
           <p:spPr>
             <a:xfrm>
-              <a:off x="4933633" y="1928304"/>
+              <a:off x="4662433" y="1928319"/>
               <a:ext cx="63202" cy="63202"/>
             </a:xfrm>
             <a:custGeom>
@@ -15169,7 +15169,7 @@
           </p:nvSpPr>
           <p:spPr>
             <a:xfrm>
-              <a:off x="5121444" y="2131062"/>
+              <a:off x="4843787" y="2131066"/>
               <a:ext cx="63202" cy="63202"/>
             </a:xfrm>
             <a:custGeom>
@@ -15212,7 +15212,7 @@
           </p:nvSpPr>
           <p:spPr>
             <a:xfrm>
-              <a:off x="4570988" y="2264225"/>
+              <a:off x="5089015" y="2264284"/>
               <a:ext cx="63202" cy="63202"/>
             </a:xfrm>
             <a:custGeom>
@@ -15255,7 +15255,7 @@
           </p:nvSpPr>
           <p:spPr>
             <a:xfrm>
-              <a:off x="4925781" y="2219634"/>
+              <a:off x="5058122" y="2219656"/>
               <a:ext cx="63202" cy="63202"/>
             </a:xfrm>
             <a:custGeom>
@@ -15298,7 +15298,7 @@
           </p:nvSpPr>
           <p:spPr>
             <a:xfrm>
-              <a:off x="4857279" y="2145567"/>
+              <a:off x="4500789" y="2145592"/>
               <a:ext cx="63202" cy="63202"/>
             </a:xfrm>
             <a:custGeom>
@@ -15341,7 +15341,7 @@
           </p:nvSpPr>
           <p:spPr>
             <a:xfrm>
-              <a:off x="4911061" y="1936252"/>
+              <a:off x="5105267" y="1936301"/>
               <a:ext cx="63202" cy="63202"/>
             </a:xfrm>
             <a:custGeom>
@@ -15384,7 +15384,7 @@
           </p:nvSpPr>
           <p:spPr>
             <a:xfrm>
-              <a:off x="5041308" y="2299934"/>
+              <a:off x="5129972" y="2299945"/>
               <a:ext cx="63202" cy="63202"/>
             </a:xfrm>
             <a:custGeom>
@@ -15427,7 +15427,7 @@
           </p:nvSpPr>
           <p:spPr>
             <a:xfrm>
-              <a:off x="4705468" y="1936948"/>
+              <a:off x="4701774" y="1936991"/>
               <a:ext cx="63202" cy="63202"/>
             </a:xfrm>
             <a:custGeom>
@@ -15470,7 +15470,7 @@
           </p:nvSpPr>
           <p:spPr>
             <a:xfrm>
-              <a:off x="4560752" y="1968531"/>
+              <a:off x="4636297" y="1968516"/>
               <a:ext cx="63202" cy="63202"/>
             </a:xfrm>
             <a:custGeom>
@@ -15513,7 +15513,7 @@
           </p:nvSpPr>
           <p:spPr>
             <a:xfrm>
-              <a:off x="4798574" y="2494669"/>
+              <a:off x="5039506" y="2494678"/>
               <a:ext cx="63202" cy="63202"/>
             </a:xfrm>
             <a:custGeom>
@@ -15556,7 +15556,7 @@
           </p:nvSpPr>
           <p:spPr>
             <a:xfrm>
-              <a:off x="4900472" y="2022068"/>
+              <a:off x="5141582" y="2022092"/>
               <a:ext cx="63202" cy="63202"/>
             </a:xfrm>
             <a:custGeom>
@@ -15599,7 +15599,7 @@
           </p:nvSpPr>
           <p:spPr>
             <a:xfrm>
-              <a:off x="4666829" y="1928815"/>
+              <a:off x="5159534" y="1928794"/>
               <a:ext cx="63202" cy="63202"/>
             </a:xfrm>
             <a:custGeom>
@@ -15642,7 +15642,7 @@
           </p:nvSpPr>
           <p:spPr>
             <a:xfrm>
-              <a:off x="4790529" y="2399555"/>
+              <a:off x="4823991" y="2399561"/>
               <a:ext cx="63202" cy="63202"/>
             </a:xfrm>
             <a:custGeom>
@@ -15685,7 +15685,7 @@
           </p:nvSpPr>
           <p:spPr>
             <a:xfrm>
-              <a:off x="4723500" y="2114634"/>
+              <a:off x="4475608" y="2114641"/>
               <a:ext cx="63202" cy="63202"/>
             </a:xfrm>
             <a:custGeom>
@@ -15728,7 +15728,7 @@
           </p:nvSpPr>
           <p:spPr>
             <a:xfrm>
-              <a:off x="5003039" y="1952166"/>
+              <a:off x="5019077" y="1952165"/>
               <a:ext cx="63202" cy="63202"/>
             </a:xfrm>
             <a:custGeom>
@@ -15771,7 +15771,7 @@
           </p:nvSpPr>
           <p:spPr>
             <a:xfrm>
-              <a:off x="4951206" y="1949446"/>
+              <a:off x="4555956" y="1949465"/>
               <a:ext cx="63202" cy="63202"/>
             </a:xfrm>
             <a:custGeom>
@@ -15814,7 +15814,7 @@
           </p:nvSpPr>
           <p:spPr>
             <a:xfrm>
-              <a:off x="4944307" y="1886831"/>
+              <a:off x="4824117" y="1886878"/>
               <a:ext cx="63202" cy="63202"/>
             </a:xfrm>
             <a:custGeom>
@@ -15857,7 +15857,7 @@
           </p:nvSpPr>
           <p:spPr>
             <a:xfrm>
-              <a:off x="4511110" y="1886826"/>
+              <a:off x="4623843" y="1886850"/>
               <a:ext cx="63202" cy="63202"/>
             </a:xfrm>
             <a:custGeom>
@@ -15900,7 +15900,7 @@
           </p:nvSpPr>
           <p:spPr>
             <a:xfrm>
-              <a:off x="4965506" y="1983850"/>
+              <a:off x="5084332" y="1983894"/>
               <a:ext cx="63202" cy="63202"/>
             </a:xfrm>
             <a:custGeom>
@@ -15943,7 +15943,7 @@
           </p:nvSpPr>
           <p:spPr>
             <a:xfrm>
-              <a:off x="4914546" y="2415553"/>
+              <a:off x="4496961" y="2415557"/>
               <a:ext cx="63202" cy="63202"/>
             </a:xfrm>
             <a:custGeom>
@@ -15986,7 +15986,7 @@
           </p:nvSpPr>
           <p:spPr>
             <a:xfrm>
-              <a:off x="4748572" y="1978755"/>
+              <a:off x="4878926" y="1978780"/>
               <a:ext cx="63202" cy="63202"/>
             </a:xfrm>
             <a:custGeom>
@@ -16029,7 +16029,7 @@
           </p:nvSpPr>
           <p:spPr>
             <a:xfrm>
-              <a:off x="4929428" y="1957392"/>
+              <a:off x="4884408" y="1957395"/>
               <a:ext cx="63202" cy="63202"/>
             </a:xfrm>
             <a:custGeom>
@@ -16072,7 +16072,7 @@
           </p:nvSpPr>
           <p:spPr>
             <a:xfrm>
-              <a:off x="4709953" y="1840246"/>
+              <a:off x="4657332" y="1840316"/>
               <a:ext cx="63202" cy="63202"/>
             </a:xfrm>
             <a:custGeom>
@@ -16115,7 +16115,7 @@
           </p:nvSpPr>
           <p:spPr>
             <a:xfrm>
-              <a:off x="4728341" y="2255155"/>
+              <a:off x="4524715" y="2255183"/>
               <a:ext cx="63202" cy="63202"/>
             </a:xfrm>
             <a:custGeom>
@@ -16158,7 +16158,7 @@
           </p:nvSpPr>
           <p:spPr>
             <a:xfrm>
-              <a:off x="4771867" y="1877652"/>
+              <a:off x="4989096" y="1877711"/>
               <a:ext cx="63202" cy="63202"/>
             </a:xfrm>
             <a:custGeom>
@@ -16201,7 +16201,7 @@
           </p:nvSpPr>
           <p:spPr>
             <a:xfrm>
-              <a:off x="4909475" y="2010145"/>
+              <a:off x="4824816" y="2010138"/>
               <a:ext cx="63202" cy="63202"/>
             </a:xfrm>
             <a:custGeom>
@@ -16244,7 +16244,7 @@
           </p:nvSpPr>
           <p:spPr>
             <a:xfrm>
-              <a:off x="4663768" y="2056181"/>
+              <a:off x="4718880" y="2056156"/>
               <a:ext cx="63202" cy="63202"/>
             </a:xfrm>
             <a:custGeom>
@@ -16287,7 +16287,7 @@
           </p:nvSpPr>
           <p:spPr>
             <a:xfrm>
-              <a:off x="5061856" y="1946374"/>
+              <a:off x="4673926" y="1946389"/>
               <a:ext cx="63202" cy="63202"/>
             </a:xfrm>
             <a:custGeom>
@@ -16330,7 +16330,7 @@
           </p:nvSpPr>
           <p:spPr>
             <a:xfrm>
-              <a:off x="4488914" y="2631663"/>
+              <a:off x="4850367" y="2631681"/>
               <a:ext cx="63202" cy="63202"/>
             </a:xfrm>
             <a:custGeom>
@@ -16373,7 +16373,7 @@
           </p:nvSpPr>
           <p:spPr>
             <a:xfrm>
-              <a:off x="4617075" y="2643048"/>
+              <a:off x="5090791" y="2643091"/>
               <a:ext cx="63202" cy="63202"/>
             </a:xfrm>
             <a:custGeom>
@@ -16416,7 +16416,7 @@
           </p:nvSpPr>
           <p:spPr>
             <a:xfrm>
-              <a:off x="4685668" y="2017249"/>
+              <a:off x="4494388" y="2017255"/>
               <a:ext cx="63202" cy="63202"/>
             </a:xfrm>
             <a:custGeom>
@@ -16459,7 +16459,7 @@
           </p:nvSpPr>
           <p:spPr>
             <a:xfrm>
-              <a:off x="5094602" y="2218383"/>
+              <a:off x="5023632" y="2218444"/>
               <a:ext cx="63202" cy="63202"/>
             </a:xfrm>
             <a:custGeom>
@@ -16502,7 +16502,7 @@
           </p:nvSpPr>
           <p:spPr>
             <a:xfrm>
-              <a:off x="4591584" y="2495253"/>
+              <a:off x="4860142" y="2495298"/>
               <a:ext cx="63202" cy="63202"/>
             </a:xfrm>
             <a:custGeom>
@@ -16545,7 +16545,7 @@
           </p:nvSpPr>
           <p:spPr>
             <a:xfrm>
-              <a:off x="5059760" y="1950230"/>
+              <a:off x="5081347" y="1950288"/>
               <a:ext cx="63202" cy="63202"/>
             </a:xfrm>
             <a:custGeom>
@@ -16588,7 +16588,7 @@
           </p:nvSpPr>
           <p:spPr>
             <a:xfrm>
-              <a:off x="4951193" y="2058351"/>
+              <a:off x="5093061" y="2058368"/>
               <a:ext cx="63202" cy="63202"/>
             </a:xfrm>
             <a:custGeom>
@@ -16631,7 +16631,7 @@
           </p:nvSpPr>
           <p:spPr>
             <a:xfrm>
-              <a:off x="4719582" y="1902255"/>
+              <a:off x="4710102" y="1902255"/>
               <a:ext cx="63202" cy="63202"/>
             </a:xfrm>
             <a:custGeom>
@@ -16674,7 +16674,7 @@
           </p:nvSpPr>
           <p:spPr>
             <a:xfrm>
-              <a:off x="4611473" y="2710829"/>
+              <a:off x="4922573" y="2710808"/>
               <a:ext cx="63202" cy="63202"/>
             </a:xfrm>
             <a:custGeom>
@@ -16717,7 +16717,7 @@
           </p:nvSpPr>
           <p:spPr>
             <a:xfrm>
-              <a:off x="4778480" y="1941924"/>
+              <a:off x="5055379" y="1941946"/>
               <a:ext cx="63202" cy="63202"/>
             </a:xfrm>
             <a:custGeom>
@@ -16760,7 +16760,7 @@
           </p:nvSpPr>
           <p:spPr>
             <a:xfrm>
-              <a:off x="4874739" y="2017251"/>
+              <a:off x="4918160" y="2017252"/>
               <a:ext cx="63202" cy="63202"/>
             </a:xfrm>
             <a:custGeom>
@@ -16803,7 +16803,7 @@
           </p:nvSpPr>
           <p:spPr>
             <a:xfrm>
-              <a:off x="4479532" y="2536459"/>
+              <a:off x="4515690" y="2536493"/>
               <a:ext cx="63202" cy="63202"/>
             </a:xfrm>
             <a:custGeom>
@@ -16846,7 +16846,7 @@
           </p:nvSpPr>
           <p:spPr>
             <a:xfrm>
-              <a:off x="5117612" y="2042185"/>
+              <a:off x="4812690" y="2042194"/>
               <a:ext cx="63202" cy="63202"/>
             </a:xfrm>
             <a:custGeom>
@@ -16889,7 +16889,7 @@
           </p:nvSpPr>
           <p:spPr>
             <a:xfrm>
-              <a:off x="4639870" y="2049957"/>
+              <a:off x="4870326" y="2050005"/>
               <a:ext cx="63202" cy="63202"/>
             </a:xfrm>
             <a:custGeom>
@@ -16932,7 +16932,7 @@
           </p:nvSpPr>
           <p:spPr>
             <a:xfrm>
-              <a:off x="5124055" y="1883328"/>
+              <a:off x="4782883" y="1883359"/>
               <a:ext cx="63202" cy="63202"/>
             </a:xfrm>
             <a:custGeom>
@@ -16975,7 +16975,7 @@
           </p:nvSpPr>
           <p:spPr>
             <a:xfrm>
-              <a:off x="4905274" y="1933945"/>
+              <a:off x="4617117" y="1933966"/>
               <a:ext cx="63202" cy="63202"/>
             </a:xfrm>
             <a:custGeom>
@@ -17018,7 +17018,7 @@
           </p:nvSpPr>
           <p:spPr>
             <a:xfrm>
-              <a:off x="5120358" y="2032244"/>
+              <a:off x="4740023" y="2032275"/>
               <a:ext cx="63202" cy="63202"/>
             </a:xfrm>
             <a:custGeom>
@@ -17061,7 +17061,7 @@
           </p:nvSpPr>
           <p:spPr>
             <a:xfrm>
-              <a:off x="4500100" y="1998050"/>
+              <a:off x="4591035" y="1998068"/>
               <a:ext cx="63202" cy="63202"/>
             </a:xfrm>
             <a:custGeom>
@@ -17104,7 +17104,7 @@
           </p:nvSpPr>
           <p:spPr>
             <a:xfrm>
-              <a:off x="5073502" y="1886365"/>
+              <a:off x="4801356" y="1886385"/>
               <a:ext cx="63202" cy="63202"/>
             </a:xfrm>
             <a:custGeom>
@@ -17147,7 +17147,7 @@
           </p:nvSpPr>
           <p:spPr>
             <a:xfrm>
-              <a:off x="4852690" y="2204921"/>
+              <a:off x="4558062" y="2204916"/>
               <a:ext cx="63202" cy="63202"/>
             </a:xfrm>
             <a:custGeom>
@@ -17190,7 +17190,7 @@
           </p:nvSpPr>
           <p:spPr>
             <a:xfrm>
-              <a:off x="4836893" y="1977450"/>
+              <a:off x="4596144" y="1977499"/>
               <a:ext cx="63202" cy="63202"/>
             </a:xfrm>
             <a:custGeom>
@@ -17233,7 +17233,7 @@
           </p:nvSpPr>
           <p:spPr>
             <a:xfrm>
-              <a:off x="5145349" y="1997639"/>
+              <a:off x="5162420" y="1997649"/>
               <a:ext cx="63202" cy="63202"/>
             </a:xfrm>
             <a:custGeom>
@@ -17276,7 +17276,7 @@
           </p:nvSpPr>
           <p:spPr>
             <a:xfrm>
-              <a:off x="4751052" y="2437468"/>
+              <a:off x="4963885" y="2437491"/>
               <a:ext cx="63202" cy="63202"/>
             </a:xfrm>
             <a:custGeom>
@@ -17319,7 +17319,7 @@
           </p:nvSpPr>
           <p:spPr>
             <a:xfrm>
-              <a:off x="4539644" y="2469241"/>
+              <a:off x="4930409" y="2469272"/>
               <a:ext cx="63202" cy="63202"/>
             </a:xfrm>
             <a:custGeom>
@@ -17362,7 +17362,7 @@
           </p:nvSpPr>
           <p:spPr>
             <a:xfrm>
-              <a:off x="5028317" y="1887738"/>
+              <a:off x="4581579" y="1887752"/>
               <a:ext cx="63202" cy="63202"/>
             </a:xfrm>
             <a:custGeom>
@@ -17405,7 +17405,7 @@
           </p:nvSpPr>
           <p:spPr>
             <a:xfrm>
-              <a:off x="5004510" y="1878223"/>
+              <a:off x="4775206" y="1878238"/>
               <a:ext cx="63202" cy="63202"/>
             </a:xfrm>
             <a:custGeom>
@@ -17448,7 +17448,7 @@
           </p:nvSpPr>
           <p:spPr>
             <a:xfrm>
-              <a:off x="4989999" y="1874694"/>
+              <a:off x="4943508" y="1874714"/>
               <a:ext cx="63202" cy="63202"/>
             </a:xfrm>
             <a:custGeom>
@@ -17491,7 +17491,7 @@
           </p:nvSpPr>
           <p:spPr>
             <a:xfrm>
-              <a:off x="5112647" y="2252505"/>
+              <a:off x="4683261" y="2252490"/>
               <a:ext cx="63202" cy="63202"/>
             </a:xfrm>
             <a:custGeom>
@@ -17534,7 +17534,7 @@
           </p:nvSpPr>
           <p:spPr>
             <a:xfrm>
-              <a:off x="4837495" y="1948082"/>
+              <a:off x="4629496" y="1948078"/>
               <a:ext cx="63202" cy="63202"/>
             </a:xfrm>
             <a:custGeom>
@@ -17577,7 +17577,7 @@
           </p:nvSpPr>
           <p:spPr>
             <a:xfrm>
-              <a:off x="4852986" y="1887333"/>
+              <a:off x="4754292" y="1887360"/>
               <a:ext cx="63202" cy="63202"/>
             </a:xfrm>
             <a:custGeom>
@@ -17620,7 +17620,7 @@
           </p:nvSpPr>
           <p:spPr>
             <a:xfrm>
-              <a:off x="4541264" y="2244048"/>
+              <a:off x="4494639" y="2244090"/>
               <a:ext cx="63202" cy="63202"/>
             </a:xfrm>
             <a:custGeom>
@@ -17663,7 +17663,7 @@
           </p:nvSpPr>
           <p:spPr>
             <a:xfrm>
-              <a:off x="4953065" y="1878214"/>
+              <a:off x="5123696" y="1878225"/>
               <a:ext cx="63202" cy="63202"/>
             </a:xfrm>
             <a:custGeom>
@@ -17706,7 +17706,7 @@
           </p:nvSpPr>
           <p:spPr>
             <a:xfrm>
-              <a:off x="5083158" y="1881813"/>
+              <a:off x="5116571" y="1881839"/>
               <a:ext cx="63202" cy="63202"/>
             </a:xfrm>
             <a:custGeom>
@@ -17749,7 +17749,7 @@
           </p:nvSpPr>
           <p:spPr>
             <a:xfrm>
-              <a:off x="5055643" y="1937474"/>
+              <a:off x="4928494" y="1937501"/>
               <a:ext cx="63202" cy="63202"/>
             </a:xfrm>
             <a:custGeom>
@@ -17792,7 +17792,7 @@
           </p:nvSpPr>
           <p:spPr>
             <a:xfrm>
-              <a:off x="4977603" y="1884419"/>
+              <a:off x="4478263" y="1884404"/>
               <a:ext cx="63202" cy="63202"/>
             </a:xfrm>
             <a:custGeom>
@@ -17835,7 +17835,7 @@
           </p:nvSpPr>
           <p:spPr>
             <a:xfrm>
-              <a:off x="4759481" y="2120856"/>
+              <a:off x="4948350" y="2120901"/>
               <a:ext cx="63202" cy="63202"/>
             </a:xfrm>
             <a:custGeom>
@@ -17878,7 +17878,7 @@
           </p:nvSpPr>
           <p:spPr>
             <a:xfrm>
-              <a:off x="5145446" y="1881366"/>
+              <a:off x="5056145" y="1881349"/>
               <a:ext cx="63202" cy="63202"/>
             </a:xfrm>
             <a:custGeom>
@@ -17921,7 +17921,7 @@
           </p:nvSpPr>
           <p:spPr>
             <a:xfrm>
-              <a:off x="4683593" y="1889603"/>
+              <a:off x="4929375" y="1889647"/>
               <a:ext cx="63202" cy="63202"/>
             </a:xfrm>
             <a:custGeom>
@@ -18020,7 +18020,7 @@
           </p:nvSpPr>
           <p:spPr>
             <a:xfrm>
-              <a:off x="4325757" y="4823680"/>
+              <a:off x="4325757" y="4823707"/>
               <a:ext cx="2796732" cy="0"/>
             </a:xfrm>
             <a:custGeom>
@@ -18063,7 +18063,7 @@
           </p:nvSpPr>
           <p:spPr>
             <a:xfrm>
-              <a:off x="4325757" y="4484237"/>
+              <a:off x="4325757" y="4484262"/>
               <a:ext cx="2796732" cy="0"/>
             </a:xfrm>
             <a:custGeom>
@@ -18106,7 +18106,7 @@
           </p:nvSpPr>
           <p:spPr>
             <a:xfrm>
-              <a:off x="4325757" y="4144793"/>
+              <a:off x="4325757" y="4144816"/>
               <a:ext cx="2796732" cy="0"/>
             </a:xfrm>
             <a:custGeom>
@@ -18149,7 +18149,7 @@
           </p:nvSpPr>
           <p:spPr>
             <a:xfrm>
-              <a:off x="4325757" y="3805350"/>
+              <a:off x="4325757" y="3805371"/>
               <a:ext cx="2796732" cy="0"/>
             </a:xfrm>
             <a:custGeom>
@@ -18192,7 +18192,7 @@
           </p:nvSpPr>
           <p:spPr>
             <a:xfrm>
-              <a:off x="4325757" y="3465907"/>
+              <a:off x="4325757" y="3465925"/>
               <a:ext cx="2796732" cy="0"/>
             </a:xfrm>
             <a:custGeom>
@@ -18235,7 +18235,7 @@
           </p:nvSpPr>
           <p:spPr>
             <a:xfrm>
-              <a:off x="4325757" y="4653958"/>
+              <a:off x="4325757" y="4653984"/>
               <a:ext cx="2796732" cy="0"/>
             </a:xfrm>
             <a:custGeom>
@@ -18278,7 +18278,7 @@
           </p:nvSpPr>
           <p:spPr>
             <a:xfrm>
-              <a:off x="4325757" y="4314515"/>
+              <a:off x="4325757" y="4314539"/>
               <a:ext cx="2796732" cy="0"/>
             </a:xfrm>
             <a:custGeom>
@@ -18321,7 +18321,7 @@
           </p:nvSpPr>
           <p:spPr>
             <a:xfrm>
-              <a:off x="4325757" y="3975072"/>
+              <a:off x="4325757" y="3975094"/>
               <a:ext cx="2796732" cy="0"/>
             </a:xfrm>
             <a:custGeom>
@@ -18364,7 +18364,7 @@
           </p:nvSpPr>
           <p:spPr>
             <a:xfrm>
-              <a:off x="4325757" y="3635628"/>
+              <a:off x="4325757" y="3635648"/>
               <a:ext cx="2796732" cy="0"/>
             </a:xfrm>
             <a:custGeom>
@@ -18536,7 +18536,7 @@
           </p:nvSpPr>
           <p:spPr>
             <a:xfrm>
-              <a:off x="5000917" y="4110723"/>
+              <a:off x="4875853" y="4110776"/>
               <a:ext cx="63202" cy="63202"/>
             </a:xfrm>
             <a:custGeom>
@@ -18579,7 +18579,7 @@
           </p:nvSpPr>
           <p:spPr>
             <a:xfrm>
-              <a:off x="4893333" y="4018419"/>
+              <a:off x="4988795" y="4018456"/>
               <a:ext cx="63202" cy="63202"/>
             </a:xfrm>
             <a:custGeom>
@@ -18622,7 +18622,7 @@
           </p:nvSpPr>
           <p:spPr>
             <a:xfrm>
-              <a:off x="5420435" y="3902597"/>
+              <a:off x="5357544" y="3902603"/>
               <a:ext cx="63202" cy="63202"/>
             </a:xfrm>
             <a:custGeom>
@@ -18665,7 +18665,7 @@
           </p:nvSpPr>
           <p:spPr>
             <a:xfrm>
-              <a:off x="6822478" y="4711993"/>
+              <a:off x="6857644" y="4711973"/>
               <a:ext cx="63202" cy="63202"/>
             </a:xfrm>
             <a:custGeom>
@@ -18708,7 +18708,7 @@
           </p:nvSpPr>
           <p:spPr>
             <a:xfrm>
-              <a:off x="6549009" y="4883747"/>
+              <a:off x="6826992" y="4883747"/>
               <a:ext cx="63202" cy="63202"/>
             </a:xfrm>
             <a:custGeom>
@@ -18751,7 +18751,7 @@
           </p:nvSpPr>
           <p:spPr>
             <a:xfrm>
-              <a:off x="6884288" y="4589613"/>
+              <a:off x="6598197" y="4589647"/>
               <a:ext cx="63202" cy="63202"/>
             </a:xfrm>
             <a:custGeom>
@@ -18794,7 +18794,7 @@
           </p:nvSpPr>
           <p:spPr>
             <a:xfrm>
-              <a:off x="6539182" y="4854354"/>
+              <a:off x="6749529" y="4854337"/>
               <a:ext cx="63202" cy="63202"/>
             </a:xfrm>
             <a:custGeom>
@@ -18893,7 +18893,7 @@
           </p:nvSpPr>
           <p:spPr>
             <a:xfrm>
-              <a:off x="4325757" y="6749013"/>
+              <a:off x="4325757" y="6749040"/>
               <a:ext cx="2796732" cy="0"/>
             </a:xfrm>
             <a:custGeom>
@@ -18936,7 +18936,7 @@
           </p:nvSpPr>
           <p:spPr>
             <a:xfrm>
-              <a:off x="4325757" y="6409569"/>
+              <a:off x="4325757" y="6409594"/>
               <a:ext cx="2796732" cy="0"/>
             </a:xfrm>
             <a:custGeom>
@@ -18979,7 +18979,7 @@
           </p:nvSpPr>
           <p:spPr>
             <a:xfrm>
-              <a:off x="4325757" y="6070126"/>
+              <a:off x="4325757" y="6070149"/>
               <a:ext cx="2796732" cy="0"/>
             </a:xfrm>
             <a:custGeom>
@@ -19022,7 +19022,7 @@
           </p:nvSpPr>
           <p:spPr>
             <a:xfrm>
-              <a:off x="4325757" y="5730683"/>
+              <a:off x="4325757" y="5730703"/>
               <a:ext cx="2796732" cy="0"/>
             </a:xfrm>
             <a:custGeom>
@@ -19065,7 +19065,7 @@
           </p:nvSpPr>
           <p:spPr>
             <a:xfrm>
-              <a:off x="4325757" y="5391239"/>
+              <a:off x="4325757" y="5391258"/>
               <a:ext cx="2796732" cy="0"/>
             </a:xfrm>
             <a:custGeom>
@@ -19108,7 +19108,7 @@
           </p:nvSpPr>
           <p:spPr>
             <a:xfrm>
-              <a:off x="4325757" y="6579291"/>
+              <a:off x="4325757" y="6579317"/>
               <a:ext cx="2796732" cy="0"/>
             </a:xfrm>
             <a:custGeom>
@@ -19151,7 +19151,7 @@
           </p:nvSpPr>
           <p:spPr>
             <a:xfrm>
-              <a:off x="4325757" y="6239848"/>
+              <a:off x="4325757" y="6239872"/>
               <a:ext cx="2796732" cy="0"/>
             </a:xfrm>
             <a:custGeom>
@@ -19194,7 +19194,7 @@
           </p:nvSpPr>
           <p:spPr>
             <a:xfrm>
-              <a:off x="4325757" y="5900404"/>
+              <a:off x="4325757" y="5900426"/>
               <a:ext cx="2796732" cy="0"/>
             </a:xfrm>
             <a:custGeom>
@@ -19237,7 +19237,7 @@
           </p:nvSpPr>
           <p:spPr>
             <a:xfrm>
-              <a:off x="4325757" y="5560961"/>
+              <a:off x="4325757" y="5560981"/>
               <a:ext cx="2796732" cy="0"/>
             </a:xfrm>
             <a:custGeom>
@@ -19409,7 +19409,7 @@
           </p:nvSpPr>
           <p:spPr>
             <a:xfrm>
-              <a:off x="4807840" y="5434571"/>
+              <a:off x="4799493" y="5434615"/>
               <a:ext cx="63202" cy="63202"/>
             </a:xfrm>
             <a:custGeom>
@@ -19452,7 +19452,7 @@
           </p:nvSpPr>
           <p:spPr>
             <a:xfrm>
-              <a:off x="4685143" y="5398013"/>
+              <a:off x="4957312" y="5398035"/>
               <a:ext cx="63202" cy="63202"/>
             </a:xfrm>
             <a:custGeom>
@@ -19495,7 +19495,7 @@
           </p:nvSpPr>
           <p:spPr>
             <a:xfrm>
-              <a:off x="4557142" y="5484012"/>
+              <a:off x="4637907" y="5484005"/>
               <a:ext cx="63202" cy="63202"/>
             </a:xfrm>
             <a:custGeom>
@@ -19538,7 +19538,7 @@
           </p:nvSpPr>
           <p:spPr>
             <a:xfrm>
-              <a:off x="4604963" y="5317369"/>
+              <a:off x="4562716" y="5317369"/>
               <a:ext cx="63202" cy="63202"/>
             </a:xfrm>
             <a:custGeom>
@@ -19581,7 +19581,7 @@
           </p:nvSpPr>
           <p:spPr>
             <a:xfrm>
-              <a:off x="5128918" y="5398815"/>
+              <a:off x="5036350" y="5398821"/>
               <a:ext cx="63202" cy="63202"/>
             </a:xfrm>
             <a:custGeom>
@@ -19624,7 +19624,7 @@
           </p:nvSpPr>
           <p:spPr>
             <a:xfrm>
-              <a:off x="5108498" y="5422040"/>
+              <a:off x="5153175" y="5422073"/>
               <a:ext cx="63202" cy="63202"/>
             </a:xfrm>
             <a:custGeom>
@@ -19667,7 +19667,7 @@
           </p:nvSpPr>
           <p:spPr>
             <a:xfrm>
-              <a:off x="4925695" y="5395822"/>
+              <a:off x="5002445" y="5395859"/>
               <a:ext cx="63202" cy="63202"/>
             </a:xfrm>
             <a:custGeom>
@@ -19710,7 +19710,7 @@
           </p:nvSpPr>
           <p:spPr>
             <a:xfrm>
-              <a:off x="4879554" y="5498618"/>
+              <a:off x="4825414" y="5498599"/>
               <a:ext cx="63202" cy="63202"/>
             </a:xfrm>
             <a:custGeom>
@@ -19753,7 +19753,7 @@
           </p:nvSpPr>
           <p:spPr>
             <a:xfrm>
-              <a:off x="5000790" y="5735185"/>
+              <a:off x="5153343" y="5735228"/>
               <a:ext cx="63202" cy="63202"/>
             </a:xfrm>
             <a:custGeom>
@@ -19796,7 +19796,7 @@
           </p:nvSpPr>
           <p:spPr>
             <a:xfrm>
-              <a:off x="4523794" y="5483802"/>
+              <a:off x="4692219" y="5483825"/>
               <a:ext cx="63202" cy="63202"/>
             </a:xfrm>
             <a:custGeom>
@@ -19839,7 +19839,7 @@
           </p:nvSpPr>
           <p:spPr>
             <a:xfrm>
-              <a:off x="4488252" y="5493709"/>
+              <a:off x="4523865" y="5493726"/>
               <a:ext cx="63202" cy="63202"/>
             </a:xfrm>
             <a:custGeom>
@@ -19882,7 +19882,7 @@
           </p:nvSpPr>
           <p:spPr>
             <a:xfrm>
-              <a:off x="4991128" y="5719335"/>
+              <a:off x="4949863" y="5719350"/>
               <a:ext cx="63202" cy="63202"/>
             </a:xfrm>
             <a:custGeom>
@@ -19925,7 +19925,7 @@
           </p:nvSpPr>
           <p:spPr>
             <a:xfrm>
-              <a:off x="4770603" y="5721612"/>
+              <a:off x="5084439" y="5721630"/>
               <a:ext cx="63202" cy="63202"/>
             </a:xfrm>
             <a:custGeom>
@@ -19968,7 +19968,7 @@
           </p:nvSpPr>
           <p:spPr>
             <a:xfrm>
-              <a:off x="4607042" y="5449034"/>
+              <a:off x="4553256" y="5449048"/>
               <a:ext cx="63202" cy="63202"/>
             </a:xfrm>
             <a:custGeom>
@@ -20011,7 +20011,7 @@
           </p:nvSpPr>
           <p:spPr>
             <a:xfrm>
-              <a:off x="4818601" y="5494678"/>
+              <a:off x="4506482" y="5494671"/>
               <a:ext cx="63202" cy="63202"/>
             </a:xfrm>
             <a:custGeom>
@@ -20054,7 +20054,7 @@
           </p:nvSpPr>
           <p:spPr>
             <a:xfrm>
-              <a:off x="4708141" y="5371817"/>
+              <a:off x="4962991" y="5371830"/>
               <a:ext cx="63202" cy="63202"/>
             </a:xfrm>
             <a:custGeom>
@@ -20097,7 +20097,7 @@
           </p:nvSpPr>
           <p:spPr>
             <a:xfrm>
-              <a:off x="4878045" y="5467433"/>
+              <a:off x="4721031" y="5467452"/>
               <a:ext cx="63202" cy="63202"/>
             </a:xfrm>
             <a:custGeom>
@@ -20140,7 +20140,7 @@
           </p:nvSpPr>
           <p:spPr>
             <a:xfrm>
-              <a:off x="4638881" y="5389322"/>
+              <a:off x="4534582" y="5389323"/>
               <a:ext cx="63202" cy="63202"/>
             </a:xfrm>
             <a:custGeom>
@@ -20183,7 +20183,7 @@
           </p:nvSpPr>
           <p:spPr>
             <a:xfrm>
-              <a:off x="4693914" y="5429903"/>
+              <a:off x="5134207" y="5429924"/>
               <a:ext cx="63202" cy="63202"/>
             </a:xfrm>
             <a:custGeom>
@@ -20226,7 +20226,7 @@
           </p:nvSpPr>
           <p:spPr>
             <a:xfrm>
-              <a:off x="4605556" y="5367494"/>
+              <a:off x="4584805" y="5367545"/>
               <a:ext cx="63202" cy="63202"/>
             </a:xfrm>
             <a:custGeom>
@@ -20269,7 +20269,7 @@
           </p:nvSpPr>
           <p:spPr>
             <a:xfrm>
-              <a:off x="4630599" y="5893220"/>
+              <a:off x="4495839" y="5893275"/>
               <a:ext cx="63202" cy="63202"/>
             </a:xfrm>
             <a:custGeom>
@@ -20312,7 +20312,7 @@
           </p:nvSpPr>
           <p:spPr>
             <a:xfrm>
-              <a:off x="5136581" y="5428339"/>
+              <a:off x="5157138" y="5428375"/>
               <a:ext cx="63202" cy="63202"/>
             </a:xfrm>
             <a:custGeom>
@@ -20355,7 +20355,7 @@
           </p:nvSpPr>
           <p:spPr>
             <a:xfrm>
-              <a:off x="4726242" y="5424744"/>
+              <a:off x="4836145" y="5424784"/>
               <a:ext cx="63202" cy="63202"/>
             </a:xfrm>
             <a:custGeom>
@@ -20398,7 +20398,7 @@
           </p:nvSpPr>
           <p:spPr>
             <a:xfrm>
-              <a:off x="4528408" y="5381570"/>
+              <a:off x="4949593" y="5381585"/>
               <a:ext cx="63202" cy="63202"/>
             </a:xfrm>
             <a:custGeom>
@@ -20441,7 +20441,7 @@
           </p:nvSpPr>
           <p:spPr>
             <a:xfrm>
-              <a:off x="4697304" y="5395271"/>
+              <a:off x="5158279" y="5395272"/>
               <a:ext cx="63202" cy="63202"/>
             </a:xfrm>
             <a:custGeom>
@@ -20484,7 +20484,7 @@
           </p:nvSpPr>
           <p:spPr>
             <a:xfrm>
-              <a:off x="4998882" y="5423297"/>
+              <a:off x="4739249" y="5423314"/>
               <a:ext cx="63202" cy="63202"/>
             </a:xfrm>
             <a:custGeom>
@@ -20527,7 +20527,7 @@
           </p:nvSpPr>
           <p:spPr>
             <a:xfrm>
-              <a:off x="4514439" y="5421731"/>
+              <a:off x="5037981" y="5421785"/>
               <a:ext cx="63202" cy="63202"/>
             </a:xfrm>
             <a:custGeom>
@@ -20570,7 +20570,7 @@
           </p:nvSpPr>
           <p:spPr>
             <a:xfrm>
-              <a:off x="4529741" y="5397869"/>
+              <a:off x="5048332" y="5397851"/>
               <a:ext cx="63202" cy="63202"/>
             </a:xfrm>
             <a:custGeom>
@@ -20613,7 +20613,7 @@
           </p:nvSpPr>
           <p:spPr>
             <a:xfrm>
-              <a:off x="4701534" y="5483268"/>
+              <a:off x="5017830" y="5483292"/>
               <a:ext cx="63202" cy="63202"/>
             </a:xfrm>
             <a:custGeom>
@@ -20656,7 +20656,7 @@
           </p:nvSpPr>
           <p:spPr>
             <a:xfrm>
-              <a:off x="4621254" y="5451126"/>
+              <a:off x="4711124" y="5451152"/>
               <a:ext cx="63202" cy="63202"/>
             </a:xfrm>
             <a:custGeom>
@@ -20699,7 +20699,7 @@
           </p:nvSpPr>
           <p:spPr>
             <a:xfrm>
-              <a:off x="4537338" y="5432882"/>
+              <a:off x="4836680" y="5432898"/>
               <a:ext cx="63202" cy="63202"/>
             </a:xfrm>
             <a:custGeom>
@@ -20742,7 +20742,7 @@
           </p:nvSpPr>
           <p:spPr>
             <a:xfrm>
-              <a:off x="5049120" y="5381571"/>
+              <a:off x="5148678" y="5381602"/>
               <a:ext cx="63202" cy="63202"/>
             </a:xfrm>
             <a:custGeom>
@@ -20785,7 +20785,7 @@
           </p:nvSpPr>
           <p:spPr>
             <a:xfrm>
-              <a:off x="4778123" y="5395764"/>
+              <a:off x="4924311" y="5395771"/>
               <a:ext cx="63202" cy="63202"/>
             </a:xfrm>
             <a:custGeom>
@@ -20828,7 +20828,7 @@
           </p:nvSpPr>
           <p:spPr>
             <a:xfrm>
-              <a:off x="4514687" y="5395804"/>
+              <a:off x="5084072" y="5395857"/>
               <a:ext cx="63202" cy="63202"/>
             </a:xfrm>
             <a:custGeom>
@@ -20871,7 +20871,7 @@
           </p:nvSpPr>
           <p:spPr>
             <a:xfrm>
-              <a:off x="4600201" y="5433105"/>
+              <a:off x="4689111" y="5433135"/>
               <a:ext cx="63202" cy="63202"/>
             </a:xfrm>
             <a:custGeom>
@@ -20914,7 +20914,7 @@
           </p:nvSpPr>
           <p:spPr>
             <a:xfrm>
-              <a:off x="4621913" y="5434366"/>
+              <a:off x="4707325" y="5434395"/>
               <a:ext cx="63202" cy="63202"/>
             </a:xfrm>
             <a:custGeom>
@@ -20957,7 +20957,7 @@
           </p:nvSpPr>
           <p:spPr>
             <a:xfrm>
-              <a:off x="4636114" y="5633832"/>
+              <a:off x="5086297" y="5633868"/>
               <a:ext cx="63202" cy="63202"/>
             </a:xfrm>
             <a:custGeom>
@@ -21000,7 +21000,7 @@
           </p:nvSpPr>
           <p:spPr>
             <a:xfrm>
-              <a:off x="5080654" y="5386131"/>
+              <a:off x="5113803" y="5386124"/>
               <a:ext cx="63202" cy="63202"/>
             </a:xfrm>
             <a:custGeom>
@@ -21043,7 +21043,7 @@
           </p:nvSpPr>
           <p:spPr>
             <a:xfrm>
-              <a:off x="4602776" y="5437423"/>
+              <a:off x="4494228" y="5437478"/>
               <a:ext cx="63202" cy="63202"/>
             </a:xfrm>
             <a:custGeom>
@@ -21086,7 +21086,7 @@
           </p:nvSpPr>
           <p:spPr>
             <a:xfrm>
-              <a:off x="4993574" y="5475936"/>
+              <a:off x="4902243" y="5475945"/>
               <a:ext cx="63202" cy="63202"/>
             </a:xfrm>
             <a:custGeom>
@@ -21129,7 +21129,7 @@
           </p:nvSpPr>
           <p:spPr>
             <a:xfrm>
-              <a:off x="4765389" y="5392447"/>
+              <a:off x="4936368" y="5392445"/>
               <a:ext cx="63202" cy="63202"/>
             </a:xfrm>
             <a:custGeom>
@@ -21172,7 +21172,7 @@
           </p:nvSpPr>
           <p:spPr>
             <a:xfrm>
-              <a:off x="4744986" y="5417533"/>
+              <a:off x="4858785" y="5417566"/>
               <a:ext cx="63202" cy="63202"/>
             </a:xfrm>
             <a:custGeom>
@@ -21215,7 +21215,7 @@
           </p:nvSpPr>
           <p:spPr>
             <a:xfrm>
-              <a:off x="4535991" y="5877613"/>
+              <a:off x="5086280" y="5877649"/>
               <a:ext cx="63202" cy="63202"/>
             </a:xfrm>
             <a:custGeom>
@@ -21258,7 +21258,7 @@
           </p:nvSpPr>
           <p:spPr>
             <a:xfrm>
-              <a:off x="4651053" y="5433917"/>
+              <a:off x="5084712" y="5433910"/>
               <a:ext cx="63202" cy="63202"/>
             </a:xfrm>
             <a:custGeom>
@@ -21301,7 +21301,7 @@
           </p:nvSpPr>
           <p:spPr>
             <a:xfrm>
-              <a:off x="4869432" y="5622697"/>
+              <a:off x="4772743" y="5622752"/>
               <a:ext cx="63202" cy="63202"/>
             </a:xfrm>
             <a:custGeom>
@@ -21344,7 +21344,7 @@
           </p:nvSpPr>
           <p:spPr>
             <a:xfrm>
-              <a:off x="4672489" y="5395607"/>
+              <a:off x="4508275" y="5395612"/>
               <a:ext cx="63202" cy="63202"/>
             </a:xfrm>
             <a:custGeom>
@@ -21387,7 +21387,7 @@
           </p:nvSpPr>
           <p:spPr>
             <a:xfrm>
-              <a:off x="4648759" y="5605166"/>
+              <a:off x="4772972" y="5605222"/>
               <a:ext cx="63202" cy="63202"/>
             </a:xfrm>
             <a:custGeom>
@@ -21430,7 +21430,7 @@
           </p:nvSpPr>
           <p:spPr>
             <a:xfrm>
-              <a:off x="4729432" y="5399825"/>
+              <a:off x="4503728" y="5399847"/>
               <a:ext cx="63202" cy="63202"/>
             </a:xfrm>
             <a:custGeom>
@@ -21473,7 +21473,7 @@
           </p:nvSpPr>
           <p:spPr>
             <a:xfrm>
-              <a:off x="4629946" y="5447208"/>
+              <a:off x="4766424" y="5447251"/>
               <a:ext cx="63202" cy="63202"/>
             </a:xfrm>
             <a:custGeom>
@@ -21516,7 +21516,7 @@
           </p:nvSpPr>
           <p:spPr>
             <a:xfrm>
-              <a:off x="4992436" y="5412409"/>
+              <a:off x="4622682" y="5412408"/>
               <a:ext cx="63202" cy="63202"/>
             </a:xfrm>
             <a:custGeom>
@@ -21559,7 +21559,7 @@
           </p:nvSpPr>
           <p:spPr>
             <a:xfrm>
-              <a:off x="4644139" y="5508450"/>
+              <a:off x="4827606" y="5508490"/>
               <a:ext cx="63202" cy="63202"/>
             </a:xfrm>
             <a:custGeom>
@@ -21602,7 +21602,7 @@
           </p:nvSpPr>
           <p:spPr>
             <a:xfrm>
-              <a:off x="4514846" y="5447944"/>
+              <a:off x="4839075" y="5447996"/>
               <a:ext cx="63202" cy="63202"/>
             </a:xfrm>
             <a:custGeom>
@@ -21645,7 +21645,7 @@
           </p:nvSpPr>
           <p:spPr>
             <a:xfrm>
-              <a:off x="5037616" y="5837185"/>
+              <a:off x="5048641" y="5837169"/>
               <a:ext cx="63202" cy="63202"/>
             </a:xfrm>
             <a:custGeom>
@@ -21688,7 +21688,7 @@
           </p:nvSpPr>
           <p:spPr>
             <a:xfrm>
-              <a:off x="4798893" y="5759857"/>
+              <a:off x="4802938" y="5759842"/>
               <a:ext cx="63202" cy="63202"/>
             </a:xfrm>
             <a:custGeom>
@@ -21731,7 +21731,7 @@
           </p:nvSpPr>
           <p:spPr>
             <a:xfrm>
-              <a:off x="4662896" y="5393728"/>
+              <a:off x="4988133" y="5393749"/>
               <a:ext cx="63202" cy="63202"/>
             </a:xfrm>
             <a:custGeom>
@@ -21774,7 +21774,7 @@
           </p:nvSpPr>
           <p:spPr>
             <a:xfrm>
-              <a:off x="4952762" y="5478899"/>
+              <a:off x="4469140" y="5478950"/>
               <a:ext cx="63202" cy="63202"/>
             </a:xfrm>
             <a:custGeom>
@@ -21817,7 +21817,7 @@
           </p:nvSpPr>
           <p:spPr>
             <a:xfrm>
-              <a:off x="4831769" y="5587135"/>
+              <a:off x="4814250" y="5587135"/>
               <a:ext cx="63202" cy="63202"/>
             </a:xfrm>
             <a:custGeom>
@@ -21860,7 +21860,7 @@
           </p:nvSpPr>
           <p:spPr>
             <a:xfrm>
-              <a:off x="4744981" y="5404419"/>
+              <a:off x="4483333" y="5404460"/>
               <a:ext cx="63202" cy="63202"/>
             </a:xfrm>
             <a:custGeom>
@@ -21903,7 +21903,7 @@
           </p:nvSpPr>
           <p:spPr>
             <a:xfrm>
-              <a:off x="5060159" y="5387682"/>
+              <a:off x="4752709" y="5387669"/>
               <a:ext cx="63202" cy="63202"/>
             </a:xfrm>
             <a:custGeom>
@@ -21946,7 +21946,7 @@
           </p:nvSpPr>
           <p:spPr>
             <a:xfrm>
-              <a:off x="4655969" y="5486392"/>
+              <a:off x="4991027" y="5486419"/>
               <a:ext cx="63202" cy="63202"/>
             </a:xfrm>
             <a:custGeom>
@@ -21989,7 +21989,7 @@
           </p:nvSpPr>
           <p:spPr>
             <a:xfrm>
-              <a:off x="4936729" y="5487144"/>
+              <a:off x="4483890" y="5487151"/>
               <a:ext cx="63202" cy="63202"/>
             </a:xfrm>
             <a:custGeom>
@@ -22032,7 +22032,7 @@
           </p:nvSpPr>
           <p:spPr>
             <a:xfrm>
-              <a:off x="4991373" y="5496824"/>
+              <a:off x="4892305" y="5496875"/>
               <a:ext cx="63202" cy="63202"/>
             </a:xfrm>
             <a:custGeom>
@@ -22075,7 +22075,7 @@
           </p:nvSpPr>
           <p:spPr>
             <a:xfrm>
-              <a:off x="5076236" y="5890748"/>
+              <a:off x="4627634" y="5890747"/>
               <a:ext cx="63202" cy="63202"/>
             </a:xfrm>
             <a:custGeom>
@@ -22118,7 +22118,7 @@
           </p:nvSpPr>
           <p:spPr>
             <a:xfrm>
-              <a:off x="4744220" y="5399923"/>
+              <a:off x="4905125" y="5399902"/>
               <a:ext cx="63202" cy="63202"/>
             </a:xfrm>
             <a:custGeom>
@@ -22161,7 +22161,7 @@
           </p:nvSpPr>
           <p:spPr>
             <a:xfrm>
-              <a:off x="4490799" y="5417225"/>
+              <a:off x="4572859" y="5417215"/>
               <a:ext cx="63202" cy="63202"/>
             </a:xfrm>
             <a:custGeom>
@@ -22204,7 +22204,7 @@
           </p:nvSpPr>
           <p:spPr>
             <a:xfrm>
-              <a:off x="4860911" y="5496658"/>
+              <a:off x="4655977" y="5496667"/>
               <a:ext cx="63202" cy="63202"/>
             </a:xfrm>
             <a:custGeom>
@@ -22247,7 +22247,7 @@
           </p:nvSpPr>
           <p:spPr>
             <a:xfrm>
-              <a:off x="4519964" y="5410834"/>
+              <a:off x="5008082" y="5410867"/>
               <a:ext cx="63202" cy="63202"/>
             </a:xfrm>
             <a:custGeom>
@@ -22290,7 +22290,7 @@
           </p:nvSpPr>
           <p:spPr>
             <a:xfrm>
-              <a:off x="4887438" y="5407615"/>
+              <a:off x="4580907" y="5407653"/>
               <a:ext cx="63202" cy="63202"/>
             </a:xfrm>
             <a:custGeom>
@@ -22333,7 +22333,7 @@
           </p:nvSpPr>
           <p:spPr>
             <a:xfrm>
-              <a:off x="4490137" y="5752966"/>
+              <a:off x="4734192" y="5752989"/>
               <a:ext cx="63202" cy="63202"/>
             </a:xfrm>
             <a:custGeom>
@@ -22376,7 +22376,7 @@
           </p:nvSpPr>
           <p:spPr>
             <a:xfrm>
-              <a:off x="5035508" y="5387904"/>
+              <a:off x="4920671" y="5387920"/>
               <a:ext cx="63202" cy="63202"/>
             </a:xfrm>
             <a:custGeom>
@@ -22419,7 +22419,7 @@
           </p:nvSpPr>
           <p:spPr>
             <a:xfrm>
-              <a:off x="4887299" y="5391742"/>
+              <a:off x="4933039" y="5391791"/>
               <a:ext cx="63202" cy="63202"/>
             </a:xfrm>
             <a:custGeom>
@@ -22462,7 +22462,7 @@
           </p:nvSpPr>
           <p:spPr>
             <a:xfrm>
-              <a:off x="4565649" y="5376760"/>
+              <a:off x="4740324" y="5376782"/>
               <a:ext cx="63202" cy="63202"/>
             </a:xfrm>
             <a:custGeom>
@@ -22505,7 +22505,7 @@
           </p:nvSpPr>
           <p:spPr>
             <a:xfrm>
-              <a:off x="4769876" y="5761699"/>
+              <a:off x="4700261" y="5761707"/>
               <a:ext cx="63202" cy="63202"/>
             </a:xfrm>
             <a:custGeom>
@@ -22548,7 +22548,7 @@
           </p:nvSpPr>
           <p:spPr>
             <a:xfrm>
-              <a:off x="4973474" y="5397598"/>
+              <a:off x="4931690" y="5397614"/>
               <a:ext cx="63202" cy="63202"/>
             </a:xfrm>
             <a:custGeom>
@@ -22591,7 +22591,7 @@
           </p:nvSpPr>
           <p:spPr>
             <a:xfrm>
-              <a:off x="4911090" y="5403876"/>
+              <a:off x="4671369" y="5403902"/>
               <a:ext cx="63202" cy="63202"/>
             </a:xfrm>
             <a:custGeom>
@@ -22634,7 +22634,7 @@
           </p:nvSpPr>
           <p:spPr>
             <a:xfrm>
-              <a:off x="5155712" y="5605184"/>
+              <a:off x="5052152" y="5605208"/>
               <a:ext cx="63202" cy="63202"/>
             </a:xfrm>
             <a:custGeom>
@@ -22677,7 +22677,7 @@
           </p:nvSpPr>
           <p:spPr>
             <a:xfrm>
-              <a:off x="4514180" y="5496289"/>
+              <a:off x="5066248" y="5496330"/>
               <a:ext cx="63202" cy="63202"/>
             </a:xfrm>
             <a:custGeom>
@@ -22720,7 +22720,7 @@
           </p:nvSpPr>
           <p:spPr>
             <a:xfrm>
-              <a:off x="5062370" y="5490946"/>
+              <a:off x="4705140" y="5490977"/>
               <a:ext cx="63202" cy="63202"/>
             </a:xfrm>
             <a:custGeom>
@@ -22763,7 +22763,7 @@
           </p:nvSpPr>
           <p:spPr>
             <a:xfrm>
-              <a:off x="5130398" y="5405870"/>
+              <a:off x="4711262" y="5405904"/>
               <a:ext cx="63202" cy="63202"/>
             </a:xfrm>
             <a:custGeom>
@@ -22806,7 +22806,7 @@
           </p:nvSpPr>
           <p:spPr>
             <a:xfrm>
-              <a:off x="4779061" y="5406492"/>
+              <a:off x="4675274" y="5406496"/>
               <a:ext cx="63202" cy="63202"/>
             </a:xfrm>
             <a:custGeom>
@@ -22849,7 +22849,7 @@
           </p:nvSpPr>
           <p:spPr>
             <a:xfrm>
-              <a:off x="4568010" y="5437214"/>
+              <a:off x="5022831" y="5437270"/>
               <a:ext cx="63202" cy="63202"/>
             </a:xfrm>
             <a:custGeom>
@@ -22892,7 +22892,7 @@
           </p:nvSpPr>
           <p:spPr>
             <a:xfrm>
-              <a:off x="5116085" y="5792026"/>
+              <a:off x="5082271" y="5792069"/>
               <a:ext cx="63202" cy="63202"/>
             </a:xfrm>
             <a:custGeom>
@@ -22935,7 +22935,7 @@
           </p:nvSpPr>
           <p:spPr>
             <a:xfrm>
-              <a:off x="4485320" y="6077842"/>
+              <a:off x="5137255" y="6077854"/>
               <a:ext cx="63202" cy="63202"/>
             </a:xfrm>
             <a:custGeom>
@@ -22978,7 +22978,7 @@
           </p:nvSpPr>
           <p:spPr>
             <a:xfrm>
-              <a:off x="4579006" y="5436085"/>
+              <a:off x="4945193" y="5436083"/>
               <a:ext cx="63202" cy="63202"/>
             </a:xfrm>
             <a:custGeom>
@@ -23021,7 +23021,7 @@
           </p:nvSpPr>
           <p:spPr>
             <a:xfrm>
-              <a:off x="4813926" y="6616420"/>
+              <a:off x="4621382" y="6616416"/>
               <a:ext cx="63202" cy="63202"/>
             </a:xfrm>
             <a:custGeom>
@@ -23064,7 +23064,7 @@
           </p:nvSpPr>
           <p:spPr>
             <a:xfrm>
-              <a:off x="5033803" y="5509795"/>
+              <a:off x="4992874" y="5509818"/>
               <a:ext cx="63202" cy="63202"/>
             </a:xfrm>
             <a:custGeom>
@@ -23107,7 +23107,7 @@
           </p:nvSpPr>
           <p:spPr>
             <a:xfrm>
-              <a:off x="4791722" y="5445270"/>
+              <a:off x="4763481" y="5445280"/>
               <a:ext cx="63202" cy="63202"/>
             </a:xfrm>
             <a:custGeom>
@@ -23150,7 +23150,7 @@
           </p:nvSpPr>
           <p:spPr>
             <a:xfrm>
-              <a:off x="5017769" y="5383613"/>
+              <a:off x="4633453" y="5383619"/>
               <a:ext cx="63202" cy="63202"/>
             </a:xfrm>
             <a:custGeom>
@@ -23193,7 +23193,7 @@
           </p:nvSpPr>
           <p:spPr>
             <a:xfrm>
-              <a:off x="4845585" y="5529371"/>
+              <a:off x="4719900" y="5529383"/>
               <a:ext cx="63202" cy="63202"/>
             </a:xfrm>
             <a:custGeom>
@@ -23236,7 +23236,7 @@
           </p:nvSpPr>
           <p:spPr>
             <a:xfrm>
-              <a:off x="4707499" y="5403754"/>
+              <a:off x="4531171" y="5403781"/>
               <a:ext cx="63202" cy="63202"/>
             </a:xfrm>
             <a:custGeom>
@@ -23279,7 +23279,7 @@
           </p:nvSpPr>
           <p:spPr>
             <a:xfrm>
-              <a:off x="5160354" y="5483782"/>
+              <a:off x="5088056" y="5483834"/>
               <a:ext cx="63202" cy="63202"/>
             </a:xfrm>
             <a:custGeom>
@@ -23322,7 +23322,7 @@
           </p:nvSpPr>
           <p:spPr>
             <a:xfrm>
-              <a:off x="4668723" y="5497123"/>
+              <a:off x="5140069" y="5497127"/>
               <a:ext cx="63202" cy="63202"/>
             </a:xfrm>
             <a:custGeom>
@@ -23365,7 +23365,7 @@
           </p:nvSpPr>
           <p:spPr>
             <a:xfrm>
-              <a:off x="4685689" y="5521219"/>
+              <a:off x="5052460" y="5521226"/>
               <a:ext cx="63202" cy="63202"/>
             </a:xfrm>
             <a:custGeom>
@@ -23408,7 +23408,7 @@
           </p:nvSpPr>
           <p:spPr>
             <a:xfrm>
-              <a:off x="4606275" y="5411019"/>
+              <a:off x="4911619" y="5411069"/>
               <a:ext cx="63202" cy="63202"/>
             </a:xfrm>
             <a:custGeom>
@@ -23451,7 +23451,7 @@
           </p:nvSpPr>
           <p:spPr>
             <a:xfrm>
-              <a:off x="4484533" y="5418213"/>
+              <a:off x="4707326" y="5418256"/>
               <a:ext cx="63202" cy="63202"/>
             </a:xfrm>
             <a:custGeom>
@@ -23494,7 +23494,7 @@
           </p:nvSpPr>
           <p:spPr>
             <a:xfrm>
-              <a:off x="4575956" y="5788144"/>
+              <a:off x="4513223" y="5788189"/>
               <a:ext cx="63202" cy="63202"/>
             </a:xfrm>
             <a:custGeom>
@@ -23537,7 +23537,7 @@
           </p:nvSpPr>
           <p:spPr>
             <a:xfrm>
-              <a:off x="4897329" y="5392443"/>
+              <a:off x="4737079" y="5392459"/>
               <a:ext cx="63202" cy="63202"/>
             </a:xfrm>
             <a:custGeom>
@@ -23580,7 +23580,7 @@
           </p:nvSpPr>
           <p:spPr>
             <a:xfrm>
-              <a:off x="4516981" y="5796377"/>
+              <a:off x="4733699" y="5796409"/>
               <a:ext cx="63202" cy="63202"/>
             </a:xfrm>
             <a:custGeom>
@@ -23623,7 +23623,7 @@
           </p:nvSpPr>
           <p:spPr>
             <a:xfrm>
-              <a:off x="5054849" y="5462631"/>
+              <a:off x="4848182" y="5462671"/>
               <a:ext cx="63202" cy="63202"/>
             </a:xfrm>
             <a:custGeom>
@@ -23666,7 +23666,7 @@
           </p:nvSpPr>
           <p:spPr>
             <a:xfrm>
-              <a:off x="4951437" y="5859833"/>
+              <a:off x="4578635" y="5859890"/>
               <a:ext cx="63202" cy="63202"/>
             </a:xfrm>
             <a:custGeom>
@@ -23709,7 +23709,7 @@
           </p:nvSpPr>
           <p:spPr>
             <a:xfrm>
-              <a:off x="5165335" y="5480213"/>
+              <a:off x="5037990" y="5480236"/>
               <a:ext cx="63202" cy="63202"/>
             </a:xfrm>
             <a:custGeom>
@@ -23752,7 +23752,7 @@
           </p:nvSpPr>
           <p:spPr>
             <a:xfrm>
-              <a:off x="5142554" y="5481364"/>
+              <a:off x="4863113" y="5481371"/>
               <a:ext cx="63202" cy="63202"/>
             </a:xfrm>
             <a:custGeom>
@@ -23795,7 +23795,7 @@
           </p:nvSpPr>
           <p:spPr>
             <a:xfrm>
-              <a:off x="5040369" y="5706780"/>
+              <a:off x="5034450" y="5706754"/>
               <a:ext cx="63202" cy="63202"/>
             </a:xfrm>
             <a:custGeom>
@@ -23838,7 +23838,7 @@
           </p:nvSpPr>
           <p:spPr>
             <a:xfrm>
-              <a:off x="4918560" y="5406863"/>
+              <a:off x="5146118" y="5406882"/>
               <a:ext cx="63202" cy="63202"/>
             </a:xfrm>
             <a:custGeom>
@@ -23881,7 +23881,7 @@
           </p:nvSpPr>
           <p:spPr>
             <a:xfrm>
-              <a:off x="4799741" y="5381565"/>
+              <a:off x="4769781" y="5381566"/>
               <a:ext cx="63202" cy="63202"/>
             </a:xfrm>
             <a:custGeom>
@@ -23924,7 +23924,7 @@
           </p:nvSpPr>
           <p:spPr>
             <a:xfrm>
-              <a:off x="5107963" y="5727784"/>
+              <a:off x="4726589" y="5727799"/>
               <a:ext cx="63202" cy="63202"/>
             </a:xfrm>
             <a:custGeom>
@@ -23967,7 +23967,7 @@
           </p:nvSpPr>
           <p:spPr>
             <a:xfrm>
-              <a:off x="5073319" y="5403002"/>
+              <a:off x="4688788" y="5403044"/>
               <a:ext cx="63202" cy="63202"/>
             </a:xfrm>
             <a:custGeom>
@@ -24010,7 +24010,7 @@
           </p:nvSpPr>
           <p:spPr>
             <a:xfrm>
-              <a:off x="4624198" y="5503753"/>
+              <a:off x="4732705" y="5503761"/>
               <a:ext cx="63202" cy="63202"/>
             </a:xfrm>
             <a:custGeom>
@@ -24053,7 +24053,7 @@
           </p:nvSpPr>
           <p:spPr>
             <a:xfrm>
-              <a:off x="4493554" y="5401606"/>
+              <a:off x="4920818" y="5401605"/>
               <a:ext cx="63202" cy="63202"/>
             </a:xfrm>
             <a:custGeom>
@@ -24096,7 +24096,7 @@
           </p:nvSpPr>
           <p:spPr>
             <a:xfrm>
-              <a:off x="4888397" y="5375232"/>
+              <a:off x="4702302" y="5375296"/>
               <a:ext cx="63202" cy="63202"/>
             </a:xfrm>
             <a:custGeom>
@@ -24139,7 +24139,7 @@
           </p:nvSpPr>
           <p:spPr>
             <a:xfrm>
-              <a:off x="4664310" y="5373265"/>
+              <a:off x="4748013" y="5373279"/>
               <a:ext cx="63202" cy="63202"/>
             </a:xfrm>
             <a:custGeom>
@@ -24182,7 +24182,7 @@
           </p:nvSpPr>
           <p:spPr>
             <a:xfrm>
-              <a:off x="4710210" y="5373288"/>
+              <a:off x="5119212" y="5373311"/>
               <a:ext cx="63202" cy="63202"/>
             </a:xfrm>
             <a:custGeom>
@@ -24225,7 +24225,7 @@
           </p:nvSpPr>
           <p:spPr>
             <a:xfrm>
-              <a:off x="4817565" y="5385506"/>
+              <a:off x="4607821" y="5385532"/>
               <a:ext cx="63202" cy="63202"/>
             </a:xfrm>
             <a:custGeom>
@@ -24268,7 +24268,7 @@
           </p:nvSpPr>
           <p:spPr>
             <a:xfrm>
-              <a:off x="4890537" y="5424402"/>
+              <a:off x="5075836" y="5424443"/>
               <a:ext cx="63202" cy="63202"/>
             </a:xfrm>
             <a:custGeom>
@@ -24311,7 +24311,7 @@
           </p:nvSpPr>
           <p:spPr>
             <a:xfrm>
-              <a:off x="4519376" y="5462895"/>
+              <a:off x="5061010" y="5462918"/>
               <a:ext cx="63202" cy="63202"/>
             </a:xfrm>
             <a:custGeom>
@@ -24354,7 +24354,7 @@
           </p:nvSpPr>
           <p:spPr>
             <a:xfrm>
-              <a:off x="4836420" y="5398807"/>
+              <a:off x="4962080" y="5398821"/>
               <a:ext cx="63202" cy="63202"/>
             </a:xfrm>
             <a:custGeom>
@@ -24397,7 +24397,7 @@
           </p:nvSpPr>
           <p:spPr>
             <a:xfrm>
-              <a:off x="4836278" y="5516989"/>
+              <a:off x="5120821" y="5517044"/>
               <a:ext cx="63202" cy="63202"/>
             </a:xfrm>
             <a:custGeom>
@@ -24440,7 +24440,7 @@
           </p:nvSpPr>
           <p:spPr>
             <a:xfrm>
-              <a:off x="4588747" y="5736307"/>
+              <a:off x="4669731" y="5736313"/>
               <a:ext cx="63202" cy="63202"/>
             </a:xfrm>
             <a:custGeom>
@@ -24483,7 +24483,7 @@
           </p:nvSpPr>
           <p:spPr>
             <a:xfrm>
-              <a:off x="4826985" y="5646288"/>
+              <a:off x="4629833" y="5646296"/>
               <a:ext cx="63202" cy="63202"/>
             </a:xfrm>
             <a:custGeom>
@@ -24526,7 +24526,7 @@
           </p:nvSpPr>
           <p:spPr>
             <a:xfrm>
-              <a:off x="4675687" y="5451446"/>
+              <a:off x="4736220" y="5451425"/>
               <a:ext cx="63202" cy="63202"/>
             </a:xfrm>
             <a:custGeom>
@@ -24569,7 +24569,7 @@
           </p:nvSpPr>
           <p:spPr>
             <a:xfrm>
-              <a:off x="5038749" y="5428289"/>
+              <a:off x="4979833" y="5428288"/>
               <a:ext cx="63202" cy="63202"/>
             </a:xfrm>
             <a:custGeom>
@@ -24612,7 +24612,7 @@
           </p:nvSpPr>
           <p:spPr>
             <a:xfrm>
-              <a:off x="5065467" y="5862535"/>
+              <a:off x="4970128" y="5862566"/>
               <a:ext cx="63202" cy="63202"/>
             </a:xfrm>
             <a:custGeom>
@@ -24655,7 +24655,7 @@
           </p:nvSpPr>
           <p:spPr>
             <a:xfrm>
-              <a:off x="4737809" y="5789330"/>
+              <a:off x="4681026" y="5789341"/>
               <a:ext cx="63202" cy="63202"/>
             </a:xfrm>
             <a:custGeom>
@@ -24698,7 +24698,7 @@
           </p:nvSpPr>
           <p:spPr>
             <a:xfrm>
-              <a:off x="4674145" y="5431104"/>
+              <a:off x="5077733" y="5431150"/>
               <a:ext cx="63202" cy="63202"/>
             </a:xfrm>
             <a:custGeom>
@@ -24741,7 +24741,7 @@
           </p:nvSpPr>
           <p:spPr>
             <a:xfrm>
-              <a:off x="5083507" y="5401774"/>
+              <a:off x="4614934" y="5401816"/>
               <a:ext cx="63202" cy="63202"/>
             </a:xfrm>
             <a:custGeom>
@@ -24784,7 +24784,7 @@
           </p:nvSpPr>
           <p:spPr>
             <a:xfrm>
-              <a:off x="5049509" y="5502026"/>
+              <a:off x="5016173" y="5502026"/>
               <a:ext cx="63202" cy="63202"/>
             </a:xfrm>
             <a:custGeom>
@@ -24827,7 +24827,7 @@
           </p:nvSpPr>
           <p:spPr>
             <a:xfrm>
-              <a:off x="4815405" y="5437758"/>
+              <a:off x="4531691" y="5437816"/>
               <a:ext cx="63202" cy="63202"/>
             </a:xfrm>
             <a:custGeom>
@@ -24870,7 +24870,7 @@
           </p:nvSpPr>
           <p:spPr>
             <a:xfrm>
-              <a:off x="4905788" y="5386773"/>
+              <a:off x="5079704" y="5386824"/>
               <a:ext cx="63202" cy="63202"/>
             </a:xfrm>
             <a:custGeom>
@@ -24913,7 +24913,7 @@
           </p:nvSpPr>
           <p:spPr>
             <a:xfrm>
-              <a:off x="4698249" y="5395268"/>
+              <a:off x="5019142" y="5395301"/>
               <a:ext cx="63202" cy="63202"/>
             </a:xfrm>
             <a:custGeom>
@@ -24956,7 +24956,7 @@
           </p:nvSpPr>
           <p:spPr>
             <a:xfrm>
-              <a:off x="4902120" y="5413476"/>
+              <a:off x="4898508" y="5413470"/>
               <a:ext cx="63202" cy="63202"/>
             </a:xfrm>
             <a:custGeom>
@@ -24999,7 +24999,7 @@
           </p:nvSpPr>
           <p:spPr>
             <a:xfrm>
-              <a:off x="4739870" y="5723058"/>
+              <a:off x="4974599" y="5723078"/>
               <a:ext cx="63202" cy="63202"/>
             </a:xfrm>
             <a:custGeom>
@@ -25042,7 +25042,7 @@
           </p:nvSpPr>
           <p:spPr>
             <a:xfrm>
-              <a:off x="4924940" y="6106153"/>
+              <a:off x="5000418" y="6106140"/>
               <a:ext cx="63202" cy="63202"/>
             </a:xfrm>
             <a:custGeom>
@@ -25085,7 +25085,7 @@
           </p:nvSpPr>
           <p:spPr>
             <a:xfrm>
-              <a:off x="4777180" y="5655171"/>
+              <a:off x="4900805" y="5655152"/>
               <a:ext cx="63202" cy="63202"/>
             </a:xfrm>
             <a:custGeom>
@@ -25128,7 +25128,7 @@
           </p:nvSpPr>
           <p:spPr>
             <a:xfrm>
-              <a:off x="4615521" y="6133894"/>
+              <a:off x="4481811" y="6133930"/>
               <a:ext cx="63202" cy="63202"/>
             </a:xfrm>
             <a:custGeom>
@@ -25171,7 +25171,7 @@
           </p:nvSpPr>
           <p:spPr>
             <a:xfrm>
-              <a:off x="5056456" y="5713470"/>
+              <a:off x="5116786" y="5713488"/>
               <a:ext cx="63202" cy="63202"/>
             </a:xfrm>
             <a:custGeom>
@@ -25214,7 +25214,7 @@
           </p:nvSpPr>
           <p:spPr>
             <a:xfrm>
-              <a:off x="5053302" y="5414099"/>
+              <a:off x="4922514" y="5414124"/>
               <a:ext cx="63202" cy="63202"/>
             </a:xfrm>
             <a:custGeom>
@@ -25257,7 +25257,7 @@
           </p:nvSpPr>
           <p:spPr>
             <a:xfrm>
-              <a:off x="4847037" y="5700837"/>
+              <a:off x="4686957" y="5700873"/>
               <a:ext cx="63202" cy="63202"/>
             </a:xfrm>
             <a:custGeom>
@@ -25300,7 +25300,7 @@
           </p:nvSpPr>
           <p:spPr>
             <a:xfrm>
-              <a:off x="5083791" y="5717406"/>
+              <a:off x="4541244" y="5717406"/>
               <a:ext cx="63202" cy="63202"/>
             </a:xfrm>
             <a:custGeom>
@@ -25343,7 +25343,7 @@
           </p:nvSpPr>
           <p:spPr>
             <a:xfrm>
-              <a:off x="4671767" y="5810325"/>
+              <a:off x="4538983" y="5810364"/>
               <a:ext cx="63202" cy="63202"/>
             </a:xfrm>
             <a:custGeom>
@@ -25386,7 +25386,7 @@
           </p:nvSpPr>
           <p:spPr>
             <a:xfrm>
-              <a:off x="4743504" y="5718981"/>
+              <a:off x="4737427" y="5719016"/>
               <a:ext cx="63202" cy="63202"/>
             </a:xfrm>
             <a:custGeom>
@@ -25429,7 +25429,7 @@
           </p:nvSpPr>
           <p:spPr>
             <a:xfrm>
-              <a:off x="5000245" y="5466198"/>
+              <a:off x="4803013" y="5466219"/>
               <a:ext cx="63202" cy="63202"/>
             </a:xfrm>
             <a:custGeom>
@@ -25472,7 +25472,7 @@
           </p:nvSpPr>
           <p:spPr>
             <a:xfrm>
-              <a:off x="4856855" y="5606457"/>
+              <a:off x="4536930" y="5606511"/>
               <a:ext cx="63202" cy="63202"/>
             </a:xfrm>
             <a:custGeom>
@@ -25515,7 +25515,7 @@
           </p:nvSpPr>
           <p:spPr>
             <a:xfrm>
-              <a:off x="4565278" y="5483833"/>
+              <a:off x="5053719" y="5483820"/>
               <a:ext cx="63202" cy="63202"/>
             </a:xfrm>
             <a:custGeom>
@@ -25558,7 +25558,7 @@
           </p:nvSpPr>
           <p:spPr>
             <a:xfrm>
-              <a:off x="4472371" y="5769342"/>
+              <a:off x="4486405" y="5769356"/>
               <a:ext cx="63202" cy="63202"/>
             </a:xfrm>
             <a:custGeom>
@@ -25601,7 +25601,7 @@
           </p:nvSpPr>
           <p:spPr>
             <a:xfrm>
-              <a:off x="4595311" y="5562490"/>
+              <a:off x="4504504" y="5562529"/>
               <a:ext cx="63202" cy="63202"/>
             </a:xfrm>
             <a:custGeom>
@@ -25644,7 +25644,7 @@
           </p:nvSpPr>
           <p:spPr>
             <a:xfrm>
-              <a:off x="4900959" y="5774702"/>
+              <a:off x="4689340" y="5774715"/>
               <a:ext cx="63202" cy="63202"/>
             </a:xfrm>
             <a:custGeom>
@@ -25687,7 +25687,7 @@
           </p:nvSpPr>
           <p:spPr>
             <a:xfrm>
-              <a:off x="4833448" y="5716163"/>
+              <a:off x="5032598" y="5716236"/>
               <a:ext cx="63202" cy="63202"/>
             </a:xfrm>
             <a:custGeom>
@@ -25730,7 +25730,7 @@
           </p:nvSpPr>
           <p:spPr>
             <a:xfrm>
-              <a:off x="4877913" y="5597874"/>
+              <a:off x="4603984" y="5597886"/>
               <a:ext cx="63202" cy="63202"/>
             </a:xfrm>
             <a:custGeom>
@@ -25773,7 +25773,7 @@
           </p:nvSpPr>
           <p:spPr>
             <a:xfrm>
-              <a:off x="4517775" y="5470111"/>
+              <a:off x="5007015" y="5470101"/>
               <a:ext cx="63202" cy="63202"/>
             </a:xfrm>
             <a:custGeom>
@@ -25816,7 +25816,7 @@
           </p:nvSpPr>
           <p:spPr>
             <a:xfrm>
-              <a:off x="4689352" y="5727070"/>
+              <a:off x="4509260" y="5727092"/>
               <a:ext cx="63202" cy="63202"/>
             </a:xfrm>
             <a:custGeom>
@@ -25859,7 +25859,7 @@
           </p:nvSpPr>
           <p:spPr>
             <a:xfrm>
-              <a:off x="4474695" y="5504510"/>
+              <a:off x="4758360" y="5504532"/>
               <a:ext cx="63202" cy="63202"/>
             </a:xfrm>
             <a:custGeom>
@@ -25902,7 +25902,7 @@
           </p:nvSpPr>
           <p:spPr>
             <a:xfrm>
-              <a:off x="4906600" y="5503067"/>
+              <a:off x="4970488" y="5503102"/>
               <a:ext cx="63202" cy="63202"/>
             </a:xfrm>
             <a:custGeom>
@@ -25945,7 +25945,7 @@
           </p:nvSpPr>
           <p:spPr>
             <a:xfrm>
-              <a:off x="4474477" y="5444252"/>
+              <a:off x="4972154" y="5444227"/>
               <a:ext cx="63202" cy="63202"/>
             </a:xfrm>
             <a:custGeom>
@@ -25988,7 +25988,7 @@
           </p:nvSpPr>
           <p:spPr>
             <a:xfrm>
-              <a:off x="4485291" y="5437556"/>
+              <a:off x="4949802" y="5437595"/>
               <a:ext cx="63202" cy="63202"/>
             </a:xfrm>
             <a:custGeom>
@@ -26031,7 +26031,7 @@
           </p:nvSpPr>
           <p:spPr>
             <a:xfrm>
-              <a:off x="5026071" y="5854221"/>
+              <a:off x="4683507" y="5854247"/>
               <a:ext cx="63202" cy="63202"/>
             </a:xfrm>
             <a:custGeom>
@@ -26074,7 +26074,7 @@
           </p:nvSpPr>
           <p:spPr>
             <a:xfrm>
-              <a:off x="5025998" y="5473555"/>
+              <a:off x="4582164" y="5473565"/>
               <a:ext cx="63202" cy="63202"/>
             </a:xfrm>
             <a:custGeom>
@@ -26117,7 +26117,7 @@
           </p:nvSpPr>
           <p:spPr>
             <a:xfrm>
-              <a:off x="4926227" y="5436582"/>
+              <a:off x="4637174" y="5436561"/>
               <a:ext cx="63202" cy="63202"/>
             </a:xfrm>
             <a:custGeom>
@@ -26160,7 +26160,7 @@
           </p:nvSpPr>
           <p:spPr>
             <a:xfrm>
-              <a:off x="4828981" y="5424424"/>
+              <a:off x="4851240" y="5424413"/>
               <a:ext cx="63202" cy="63202"/>
             </a:xfrm>
             <a:custGeom>
@@ -26203,7 +26203,7 @@
           </p:nvSpPr>
           <p:spPr>
             <a:xfrm>
-              <a:off x="4533897" y="5486932"/>
+              <a:off x="4569612" y="5486956"/>
               <a:ext cx="63202" cy="63202"/>
             </a:xfrm>
             <a:custGeom>
@@ -26246,7 +26246,7 @@
           </p:nvSpPr>
           <p:spPr>
             <a:xfrm>
-              <a:off x="5135598" y="5443747"/>
+              <a:off x="4677246" y="5443773"/>
               <a:ext cx="63202" cy="63202"/>
             </a:xfrm>
             <a:custGeom>
@@ -26289,7 +26289,7 @@
           </p:nvSpPr>
           <p:spPr>
             <a:xfrm>
-              <a:off x="4498579" y="5778148"/>
+              <a:off x="4551574" y="5778191"/>
               <a:ext cx="63202" cy="63202"/>
             </a:xfrm>
             <a:custGeom>
@@ -26332,7 +26332,7 @@
           </p:nvSpPr>
           <p:spPr>
             <a:xfrm>
-              <a:off x="4666386" y="5488347"/>
+              <a:off x="4817243" y="5488366"/>
               <a:ext cx="63202" cy="63202"/>
             </a:xfrm>
             <a:custGeom>
@@ -26375,7 +26375,7 @@
           </p:nvSpPr>
           <p:spPr>
             <a:xfrm>
-              <a:off x="4743648" y="5482586"/>
+              <a:off x="4646850" y="5482607"/>
               <a:ext cx="63202" cy="63202"/>
             </a:xfrm>
             <a:custGeom>
@@ -26418,7 +26418,7 @@
           </p:nvSpPr>
           <p:spPr>
             <a:xfrm>
-              <a:off x="5004038" y="5496749"/>
+              <a:off x="5161911" y="5496799"/>
               <a:ext cx="63202" cy="63202"/>
             </a:xfrm>
             <a:custGeom>
@@ -26461,7 +26461,7 @@
           </p:nvSpPr>
           <p:spPr>
             <a:xfrm>
-              <a:off x="4596540" y="5392964"/>
+              <a:off x="4904034" y="5393011"/>
               <a:ext cx="63202" cy="63202"/>
             </a:xfrm>
             <a:custGeom>
@@ -26504,7 +26504,7 @@
           </p:nvSpPr>
           <p:spPr>
             <a:xfrm>
-              <a:off x="4717498" y="5419306"/>
+              <a:off x="4870050" y="5419309"/>
               <a:ext cx="63202" cy="63202"/>
             </a:xfrm>
             <a:custGeom>
@@ -26547,7 +26547,7 @@
           </p:nvSpPr>
           <p:spPr>
             <a:xfrm>
-              <a:off x="4805098" y="5430608"/>
+              <a:off x="5050534" y="5430603"/>
               <a:ext cx="63202" cy="63202"/>
             </a:xfrm>
             <a:custGeom>
@@ -26590,7 +26590,7 @@
           </p:nvSpPr>
           <p:spPr>
             <a:xfrm>
-              <a:off x="4824527" y="5431058"/>
+              <a:off x="4855852" y="5431058"/>
               <a:ext cx="63202" cy="63202"/>
             </a:xfrm>
             <a:custGeom>
@@ -26633,7 +26633,7 @@
           </p:nvSpPr>
           <p:spPr>
             <a:xfrm>
-              <a:off x="4597645" y="5474100"/>
+              <a:off x="4938238" y="5474114"/>
               <a:ext cx="63202" cy="63202"/>
             </a:xfrm>
             <a:custGeom>
@@ -26676,7 +26676,7 @@
           </p:nvSpPr>
           <p:spPr>
             <a:xfrm>
-              <a:off x="4531583" y="5805881"/>
+              <a:off x="4656817" y="5805883"/>
               <a:ext cx="63202" cy="63202"/>
             </a:xfrm>
             <a:custGeom>
@@ -26719,7 +26719,7 @@
           </p:nvSpPr>
           <p:spPr>
             <a:xfrm>
-              <a:off x="5147592" y="5456356"/>
+              <a:off x="5084729" y="5456414"/>
               <a:ext cx="63202" cy="63202"/>
             </a:xfrm>
             <a:custGeom>
@@ -26762,7 +26762,7 @@
           </p:nvSpPr>
           <p:spPr>
             <a:xfrm>
-              <a:off x="4469386" y="5402940"/>
+              <a:off x="5160812" y="5402958"/>
               <a:ext cx="63202" cy="63202"/>
             </a:xfrm>
             <a:custGeom>
@@ -26805,7 +26805,7 @@
           </p:nvSpPr>
           <p:spPr>
             <a:xfrm>
-              <a:off x="4650897" y="5791021"/>
+              <a:off x="4998029" y="5791007"/>
               <a:ext cx="63202" cy="63202"/>
             </a:xfrm>
             <a:custGeom>
@@ -26848,7 +26848,7 @@
           </p:nvSpPr>
           <p:spPr>
             <a:xfrm>
-              <a:off x="4737587" y="5431353"/>
+              <a:off x="5101188" y="5431331"/>
               <a:ext cx="63202" cy="63202"/>
             </a:xfrm>
             <a:custGeom>
@@ -26891,7 +26891,7 @@
           </p:nvSpPr>
           <p:spPr>
             <a:xfrm>
-              <a:off x="4795684" y="5508862"/>
+              <a:off x="5057542" y="5508854"/>
               <a:ext cx="63202" cy="63202"/>
             </a:xfrm>
             <a:custGeom>
@@ -26934,7 +26934,7 @@
           </p:nvSpPr>
           <p:spPr>
             <a:xfrm>
-              <a:off x="5049507" y="5392521"/>
+              <a:off x="4872934" y="5392526"/>
               <a:ext cx="63202" cy="63202"/>
             </a:xfrm>
             <a:custGeom>
@@ -26977,7 +26977,7 @@
           </p:nvSpPr>
           <p:spPr>
             <a:xfrm>
-              <a:off x="4841882" y="5469491"/>
+              <a:off x="5047993" y="5469514"/>
               <a:ext cx="63202" cy="63202"/>
             </a:xfrm>
             <a:custGeom>
@@ -27020,7 +27020,7 @@
           </p:nvSpPr>
           <p:spPr>
             <a:xfrm>
-              <a:off x="4583883" y="5391054"/>
+              <a:off x="4866494" y="5391071"/>
               <a:ext cx="63202" cy="63202"/>
             </a:xfrm>
             <a:custGeom>
@@ -27063,7 +27063,7 @@
           </p:nvSpPr>
           <p:spPr>
             <a:xfrm>
-              <a:off x="4907590" y="5390259"/>
+              <a:off x="4815194" y="5390277"/>
               <a:ext cx="63202" cy="63202"/>
             </a:xfrm>
             <a:custGeom>
@@ -27106,7 +27106,7 @@
           </p:nvSpPr>
           <p:spPr>
             <a:xfrm>
-              <a:off x="5004208" y="5389318"/>
+              <a:off x="4643447" y="5389336"/>
               <a:ext cx="63202" cy="63202"/>
             </a:xfrm>
             <a:custGeom>
@@ -27149,7 +27149,7 @@
           </p:nvSpPr>
           <p:spPr>
             <a:xfrm>
-              <a:off x="4503176" y="5393737"/>
+              <a:off x="4755325" y="5393718"/>
               <a:ext cx="63202" cy="63202"/>
             </a:xfrm>
             <a:custGeom>
@@ -27192,7 +27192,7 @@
           </p:nvSpPr>
           <p:spPr>
             <a:xfrm>
-              <a:off x="4967445" y="5444652"/>
+              <a:off x="4595474" y="5444676"/>
               <a:ext cx="63202" cy="63202"/>
             </a:xfrm>
             <a:custGeom>
@@ -27235,7 +27235,7 @@
           </p:nvSpPr>
           <p:spPr>
             <a:xfrm>
-              <a:off x="4883629" y="5689054"/>
+              <a:off x="5114611" y="5689031"/>
               <a:ext cx="63202" cy="63202"/>
             </a:xfrm>
             <a:custGeom>
@@ -27278,7 +27278,7 @@
           </p:nvSpPr>
           <p:spPr>
             <a:xfrm>
-              <a:off x="4979648" y="5432538"/>
+              <a:off x="4538867" y="5432560"/>
               <a:ext cx="63202" cy="63202"/>
             </a:xfrm>
             <a:custGeom>
@@ -27321,7 +27321,7 @@
           </p:nvSpPr>
           <p:spPr>
             <a:xfrm>
-              <a:off x="4495167" y="5408560"/>
+              <a:off x="4601622" y="5408620"/>
               <a:ext cx="63202" cy="63202"/>
             </a:xfrm>
             <a:custGeom>
@@ -27364,7 +27364,7 @@
           </p:nvSpPr>
           <p:spPr>
             <a:xfrm>
-              <a:off x="4972583" y="5594509"/>
+              <a:off x="4894358" y="5594532"/>
               <a:ext cx="63202" cy="63202"/>
             </a:xfrm>
             <a:custGeom>
@@ -27407,7 +27407,7 @@
           </p:nvSpPr>
           <p:spPr>
             <a:xfrm>
-              <a:off x="4996256" y="5584372"/>
+              <a:off x="5081463" y="5584380"/>
               <a:ext cx="63202" cy="63202"/>
             </a:xfrm>
             <a:custGeom>
@@ -27450,7 +27450,7 @@
           </p:nvSpPr>
           <p:spPr>
             <a:xfrm>
-              <a:off x="5010247" y="5600254"/>
+              <a:off x="4738178" y="5600253"/>
               <a:ext cx="63202" cy="63202"/>
             </a:xfrm>
             <a:custGeom>
@@ -27493,7 +27493,7 @@
           </p:nvSpPr>
           <p:spPr>
             <a:xfrm>
-              <a:off x="4479920" y="5756969"/>
+              <a:off x="4489837" y="5757036"/>
               <a:ext cx="63202" cy="63202"/>
             </a:xfrm>
             <a:custGeom>
@@ -27536,7 +27536,7 @@
           </p:nvSpPr>
           <p:spPr>
             <a:xfrm>
-              <a:off x="4984324" y="5392745"/>
+              <a:off x="4567630" y="5392795"/>
               <a:ext cx="63202" cy="63202"/>
             </a:xfrm>
             <a:custGeom>
@@ -27579,7 +27579,7 @@
           </p:nvSpPr>
           <p:spPr>
             <a:xfrm>
-              <a:off x="5022239" y="5576008"/>
+              <a:off x="5154054" y="5575997"/>
               <a:ext cx="63202" cy="63202"/>
             </a:xfrm>
             <a:custGeom>
@@ -27622,7 +27622,7 @@
           </p:nvSpPr>
           <p:spPr>
             <a:xfrm>
-              <a:off x="5135810" y="5755000"/>
+              <a:off x="4783891" y="5755026"/>
               <a:ext cx="63202" cy="63202"/>
             </a:xfrm>
             <a:custGeom>
@@ -27665,7 +27665,7 @@
           </p:nvSpPr>
           <p:spPr>
             <a:xfrm>
-              <a:off x="4986379" y="5777760"/>
+              <a:off x="4848025" y="5777780"/>
               <a:ext cx="63202" cy="63202"/>
             </a:xfrm>
             <a:custGeom>
@@ -27708,7 +27708,7 @@
           </p:nvSpPr>
           <p:spPr>
             <a:xfrm>
-              <a:off x="4812445" y="5391401"/>
+              <a:off x="4988942" y="5391406"/>
               <a:ext cx="63202" cy="63202"/>
             </a:xfrm>
             <a:custGeom>
@@ -27751,7 +27751,7 @@
           </p:nvSpPr>
           <p:spPr>
             <a:xfrm>
-              <a:off x="5152107" y="5412675"/>
+              <a:off x="4746619" y="5412685"/>
               <a:ext cx="63202" cy="63202"/>
             </a:xfrm>
             <a:custGeom>
@@ -27794,7 +27794,7 @@
           </p:nvSpPr>
           <p:spPr>
             <a:xfrm>
-              <a:off x="4924802" y="5812869"/>
+              <a:off x="4773245" y="5812863"/>
               <a:ext cx="63202" cy="63202"/>
             </a:xfrm>
             <a:custGeom>
@@ -27837,7 +27837,7 @@
           </p:nvSpPr>
           <p:spPr>
             <a:xfrm>
-              <a:off x="4806826" y="5430798"/>
+              <a:off x="4854956" y="5430828"/>
               <a:ext cx="63202" cy="63202"/>
             </a:xfrm>
             <a:custGeom>
@@ -27880,7 +27880,7 @@
           </p:nvSpPr>
           <p:spPr>
             <a:xfrm>
-              <a:off x="4488389" y="5397303"/>
+              <a:off x="4474557" y="5397357"/>
               <a:ext cx="63202" cy="63202"/>
             </a:xfrm>
             <a:custGeom>
@@ -27923,7 +27923,7 @@
           </p:nvSpPr>
           <p:spPr>
             <a:xfrm>
-              <a:off x="4823925" y="5789761"/>
+              <a:off x="4964145" y="5789824"/>
               <a:ext cx="63202" cy="63202"/>
             </a:xfrm>
             <a:custGeom>
@@ -27966,7 +27966,7 @@
           </p:nvSpPr>
           <p:spPr>
             <a:xfrm>
-              <a:off x="4865153" y="5790261"/>
+              <a:off x="5137822" y="5790279"/>
               <a:ext cx="63202" cy="63202"/>
             </a:xfrm>
             <a:custGeom>
@@ -28009,7 +28009,7 @@
           </p:nvSpPr>
           <p:spPr>
             <a:xfrm>
-              <a:off x="4974234" y="5503740"/>
+              <a:off x="4997660" y="5503765"/>
               <a:ext cx="63202" cy="63202"/>
             </a:xfrm>
             <a:custGeom>
@@ -28052,7 +28052,7 @@
           </p:nvSpPr>
           <p:spPr>
             <a:xfrm>
-              <a:off x="4998562" y="5465863"/>
+              <a:off x="4988531" y="5465911"/>
               <a:ext cx="63202" cy="63202"/>
             </a:xfrm>
             <a:custGeom>
@@ -28095,7 +28095,7 @@
           </p:nvSpPr>
           <p:spPr>
             <a:xfrm>
-              <a:off x="4472947" y="5448618"/>
+              <a:off x="4977885" y="5448680"/>
               <a:ext cx="63202" cy="63202"/>
             </a:xfrm>
             <a:custGeom>
@@ -28138,7 +28138,7 @@
           </p:nvSpPr>
           <p:spPr>
             <a:xfrm>
-              <a:off x="4593902" y="5379848"/>
+              <a:off x="4644736" y="5379884"/>
               <a:ext cx="63202" cy="63202"/>
             </a:xfrm>
             <a:custGeom>
@@ -28181,7 +28181,7 @@
           </p:nvSpPr>
           <p:spPr>
             <a:xfrm>
-              <a:off x="4787427" y="5458263"/>
+              <a:off x="5108576" y="5458282"/>
               <a:ext cx="63202" cy="63202"/>
             </a:xfrm>
             <a:custGeom>
@@ -28224,7 +28224,7 @@
           </p:nvSpPr>
           <p:spPr>
             <a:xfrm>
-              <a:off x="4633123" y="6247082"/>
+              <a:off x="4972311" y="6247078"/>
               <a:ext cx="63202" cy="63202"/>
             </a:xfrm>
             <a:custGeom>
@@ -28267,7 +28267,7 @@
           </p:nvSpPr>
           <p:spPr>
             <a:xfrm>
-              <a:off x="4600791" y="5415319"/>
+              <a:off x="5162103" y="5415315"/>
               <a:ext cx="63202" cy="63202"/>
             </a:xfrm>
             <a:custGeom>
@@ -28310,7 +28310,7 @@
           </p:nvSpPr>
           <p:spPr>
             <a:xfrm>
-              <a:off x="4770812" y="5421239"/>
+              <a:off x="4779081" y="5421243"/>
               <a:ext cx="63202" cy="63202"/>
             </a:xfrm>
             <a:custGeom>
@@ -28353,7 +28353,7 @@
           </p:nvSpPr>
           <p:spPr>
             <a:xfrm>
-              <a:off x="5081103" y="5408475"/>
+              <a:off x="4490645" y="5408485"/>
               <a:ext cx="63202" cy="63202"/>
             </a:xfrm>
             <a:custGeom>
@@ -28396,7 +28396,7 @@
           </p:nvSpPr>
           <p:spPr>
             <a:xfrm>
-              <a:off x="4992358" y="5395419"/>
+              <a:off x="4923540" y="5395412"/>
               <a:ext cx="63202" cy="63202"/>
             </a:xfrm>
             <a:custGeom>
@@ -28439,7 +28439,7 @@
           </p:nvSpPr>
           <p:spPr>
             <a:xfrm>
-              <a:off x="4551103" y="5747227"/>
+              <a:off x="5134002" y="5747231"/>
               <a:ext cx="63202" cy="63202"/>
             </a:xfrm>
             <a:custGeom>
@@ -28482,7 +28482,7 @@
           </p:nvSpPr>
           <p:spPr>
             <a:xfrm>
-              <a:off x="5101232" y="5728728"/>
+              <a:off x="5080870" y="5728786"/>
               <a:ext cx="63202" cy="63202"/>
             </a:xfrm>
             <a:custGeom>
@@ -28525,7 +28525,7 @@
           </p:nvSpPr>
           <p:spPr>
             <a:xfrm>
-              <a:off x="4969332" y="5821140"/>
+              <a:off x="4721743" y="5821191"/>
               <a:ext cx="63202" cy="63202"/>
             </a:xfrm>
             <a:custGeom>
@@ -28568,7 +28568,7 @@
           </p:nvSpPr>
           <p:spPr>
             <a:xfrm>
-              <a:off x="4881569" y="5434785"/>
+              <a:off x="5007611" y="5434809"/>
               <a:ext cx="63202" cy="63202"/>
             </a:xfrm>
             <a:custGeom>
@@ -28611,7 +28611,7 @@
           </p:nvSpPr>
           <p:spPr>
             <a:xfrm>
-              <a:off x="4608811" y="5502954"/>
+              <a:off x="5095450" y="5502956"/>
               <a:ext cx="63202" cy="63202"/>
             </a:xfrm>
             <a:custGeom>
@@ -28654,7 +28654,7 @@
           </p:nvSpPr>
           <p:spPr>
             <a:xfrm>
-              <a:off x="4514885" y="5469286"/>
+              <a:off x="4781043" y="5469280"/>
               <a:ext cx="63202" cy="63202"/>
             </a:xfrm>
             <a:custGeom>
@@ -28697,7 +28697,7 @@
           </p:nvSpPr>
           <p:spPr>
             <a:xfrm>
-              <a:off x="4567626" y="5638067"/>
+              <a:off x="4864293" y="5638064"/>
               <a:ext cx="63202" cy="63202"/>
             </a:xfrm>
             <a:custGeom>
@@ -28740,7 +28740,7 @@
           </p:nvSpPr>
           <p:spPr>
             <a:xfrm>
-              <a:off x="4757061" y="5497092"/>
+              <a:off x="5019732" y="5497146"/>
               <a:ext cx="63202" cy="63202"/>
             </a:xfrm>
             <a:custGeom>
@@ -28783,7 +28783,7 @@
           </p:nvSpPr>
           <p:spPr>
             <a:xfrm>
-              <a:off x="4806789" y="5495566"/>
+              <a:off x="4545487" y="5495572"/>
               <a:ext cx="63202" cy="63202"/>
             </a:xfrm>
             <a:custGeom>
@@ -28826,7 +28826,7 @@
           </p:nvSpPr>
           <p:spPr>
             <a:xfrm>
-              <a:off x="4604434" y="5495943"/>
+              <a:off x="4582369" y="5495996"/>
               <a:ext cx="63202" cy="63202"/>
             </a:xfrm>
             <a:custGeom>
@@ -28869,7 +28869,7 @@
           </p:nvSpPr>
           <p:spPr>
             <a:xfrm>
-              <a:off x="4674028" y="6071668"/>
+              <a:off x="4888531" y="6071664"/>
               <a:ext cx="63202" cy="63202"/>
             </a:xfrm>
             <a:custGeom>
@@ -28912,7 +28912,7 @@
           </p:nvSpPr>
           <p:spPr>
             <a:xfrm>
-              <a:off x="4617175" y="5680256"/>
+              <a:off x="4874337" y="5680295"/>
               <a:ext cx="63202" cy="63202"/>
             </a:xfrm>
             <a:custGeom>
@@ -28955,7 +28955,7 @@
           </p:nvSpPr>
           <p:spPr>
             <a:xfrm>
-              <a:off x="5167099" y="5380868"/>
+              <a:off x="4956618" y="5380914"/>
               <a:ext cx="63202" cy="63202"/>
             </a:xfrm>
             <a:custGeom>
@@ -28998,7 +28998,7 @@
           </p:nvSpPr>
           <p:spPr>
             <a:xfrm>
-              <a:off x="5012036" y="5495198"/>
+              <a:off x="5150191" y="5495253"/>
               <a:ext cx="63202" cy="63202"/>
             </a:xfrm>
             <a:custGeom>
@@ -29041,7 +29041,7 @@
           </p:nvSpPr>
           <p:spPr>
             <a:xfrm>
-              <a:off x="4896590" y="5402832"/>
+              <a:off x="5034026" y="5402831"/>
               <a:ext cx="63202" cy="63202"/>
             </a:xfrm>
             <a:custGeom>
@@ -29084,7 +29084,7 @@
           </p:nvSpPr>
           <p:spPr>
             <a:xfrm>
-              <a:off x="4687971" y="5416074"/>
+              <a:off x="4762985" y="5416087"/>
               <a:ext cx="63202" cy="63202"/>
             </a:xfrm>
             <a:custGeom>
@@ -29127,7 +29127,7 @@
           </p:nvSpPr>
           <p:spPr>
             <a:xfrm>
-              <a:off x="4676077" y="5393709"/>
+              <a:off x="4521067" y="5393740"/>
               <a:ext cx="63202" cy="63202"/>
             </a:xfrm>
             <a:custGeom>
@@ -29170,7 +29170,7 @@
           </p:nvSpPr>
           <p:spPr>
             <a:xfrm>
-              <a:off x="4570924" y="5901723"/>
+              <a:off x="4497025" y="5901732"/>
               <a:ext cx="63202" cy="63202"/>
             </a:xfrm>
             <a:custGeom>
@@ -29213,7 +29213,7 @@
           </p:nvSpPr>
           <p:spPr>
             <a:xfrm>
-              <a:off x="5136726" y="5542992"/>
+              <a:off x="5162782" y="5543037"/>
               <a:ext cx="63202" cy="63202"/>
             </a:xfrm>
             <a:custGeom>
@@ -29256,7 +29256,7 @@
           </p:nvSpPr>
           <p:spPr>
             <a:xfrm>
-              <a:off x="4633188" y="5501338"/>
+              <a:off x="4713063" y="5501331"/>
               <a:ext cx="63202" cy="63202"/>
             </a:xfrm>
             <a:custGeom>
@@ -29299,7 +29299,7 @@
           </p:nvSpPr>
           <p:spPr>
             <a:xfrm>
-              <a:off x="4787980" y="5419031"/>
+              <a:off x="4489078" y="5419052"/>
               <a:ext cx="63202" cy="63202"/>
             </a:xfrm>
             <a:custGeom>
@@ -29342,7 +29342,7 @@
           </p:nvSpPr>
           <p:spPr>
             <a:xfrm>
-              <a:off x="4990159" y="5428422"/>
+              <a:off x="4585833" y="5428413"/>
               <a:ext cx="63202" cy="63202"/>
             </a:xfrm>
             <a:custGeom>
@@ -29385,7 +29385,7 @@
           </p:nvSpPr>
           <p:spPr>
             <a:xfrm>
-              <a:off x="4517832" y="5405580"/>
+              <a:off x="4833841" y="5405592"/>
               <a:ext cx="63202" cy="63202"/>
             </a:xfrm>
             <a:custGeom>
@@ -29428,7 +29428,7 @@
           </p:nvSpPr>
           <p:spPr>
             <a:xfrm>
-              <a:off x="4596475" y="5401319"/>
+              <a:off x="5068289" y="5401329"/>
               <a:ext cx="63202" cy="63202"/>
             </a:xfrm>
             <a:custGeom>
@@ -29471,7 +29471,7 @@
           </p:nvSpPr>
           <p:spPr>
             <a:xfrm>
-              <a:off x="4823104" y="5407513"/>
+              <a:off x="4807558" y="5407504"/>
               <a:ext cx="63202" cy="63202"/>
             </a:xfrm>
             <a:custGeom>
@@ -29514,7 +29514,7 @@
           </p:nvSpPr>
           <p:spPr>
             <a:xfrm>
-              <a:off x="4821849" y="5485377"/>
+              <a:off x="5034902" y="5485379"/>
               <a:ext cx="63202" cy="63202"/>
             </a:xfrm>
             <a:custGeom>
@@ -29557,7 +29557,7 @@
           </p:nvSpPr>
           <p:spPr>
             <a:xfrm>
-              <a:off x="4826064" y="5376254"/>
+              <a:off x="4737398" y="5376294"/>
               <a:ext cx="63202" cy="63202"/>
             </a:xfrm>
             <a:custGeom>
@@ -29600,7 +29600,7 @@
           </p:nvSpPr>
           <p:spPr>
             <a:xfrm>
-              <a:off x="4506368" y="5420463"/>
+              <a:off x="5117149" y="5420467"/>
               <a:ext cx="63202" cy="63202"/>
             </a:xfrm>
             <a:custGeom>
@@ -29643,7 +29643,7 @@
           </p:nvSpPr>
           <p:spPr>
             <a:xfrm>
-              <a:off x="4809339" y="6184030"/>
+              <a:off x="4773938" y="6184052"/>
               <a:ext cx="63202" cy="63202"/>
             </a:xfrm>
             <a:custGeom>
@@ -29686,7 +29686,7 @@
           </p:nvSpPr>
           <p:spPr>
             <a:xfrm>
-              <a:off x="5018306" y="5715986"/>
+              <a:off x="4967518" y="5715998"/>
               <a:ext cx="63202" cy="63202"/>
             </a:xfrm>
             <a:custGeom>
@@ -29729,7 +29729,7 @@
           </p:nvSpPr>
           <p:spPr>
             <a:xfrm>
-              <a:off x="5025164" y="5384646"/>
+              <a:off x="4804461" y="5384651"/>
               <a:ext cx="63202" cy="63202"/>
             </a:xfrm>
             <a:custGeom>
@@ -29772,7 +29772,7 @@
           </p:nvSpPr>
           <p:spPr>
             <a:xfrm>
-              <a:off x="4561237" y="5491759"/>
+              <a:off x="4982633" y="5491781"/>
               <a:ext cx="63202" cy="63202"/>
             </a:xfrm>
             <a:custGeom>
@@ -29815,7 +29815,7 @@
           </p:nvSpPr>
           <p:spPr>
             <a:xfrm>
-              <a:off x="4493019" y="5444829"/>
+              <a:off x="4985240" y="5444851"/>
               <a:ext cx="63202" cy="63202"/>
             </a:xfrm>
             <a:custGeom>
@@ -29858,7 +29858,7 @@
           </p:nvSpPr>
           <p:spPr>
             <a:xfrm>
-              <a:off x="4876691" y="5389824"/>
+              <a:off x="4594584" y="5389892"/>
               <a:ext cx="63202" cy="63202"/>
             </a:xfrm>
             <a:custGeom>
@@ -29901,7 +29901,7 @@
           </p:nvSpPr>
           <p:spPr>
             <a:xfrm>
-              <a:off x="4811807" y="5582630"/>
+              <a:off x="4731343" y="5582690"/>
               <a:ext cx="63202" cy="63202"/>
             </a:xfrm>
             <a:custGeom>
@@ -29944,7 +29944,7 @@
           </p:nvSpPr>
           <p:spPr>
             <a:xfrm>
-              <a:off x="4496643" y="5433417"/>
+              <a:off x="4993416" y="5433474"/>
               <a:ext cx="63202" cy="63202"/>
             </a:xfrm>
             <a:custGeom>
@@ -29987,7 +29987,7 @@
           </p:nvSpPr>
           <p:spPr>
             <a:xfrm>
-              <a:off x="5067379" y="5393943"/>
+              <a:off x="4645145" y="5393962"/>
               <a:ext cx="63202" cy="63202"/>
             </a:xfrm>
             <a:custGeom>
@@ -30030,7 +30030,7 @@
           </p:nvSpPr>
           <p:spPr>
             <a:xfrm>
-              <a:off x="4989162" y="5410259"/>
+              <a:off x="4680087" y="5410308"/>
               <a:ext cx="63202" cy="63202"/>
             </a:xfrm>
             <a:custGeom>
@@ -30073,7 +30073,7 @@
           </p:nvSpPr>
           <p:spPr>
             <a:xfrm>
-              <a:off x="4822190" y="5877030"/>
+              <a:off x="5033043" y="5877028"/>
               <a:ext cx="63202" cy="63202"/>
             </a:xfrm>
             <a:custGeom>
@@ -30116,7 +30116,7 @@
           </p:nvSpPr>
           <p:spPr>
             <a:xfrm>
-              <a:off x="4957818" y="5387466"/>
+              <a:off x="4825197" y="5387498"/>
               <a:ext cx="63202" cy="63202"/>
             </a:xfrm>
             <a:custGeom>
@@ -30159,7 +30159,7 @@
           </p:nvSpPr>
           <p:spPr>
             <a:xfrm>
-              <a:off x="4668867" y="5390163"/>
+              <a:off x="4777231" y="5390228"/>
               <a:ext cx="63202" cy="63202"/>
             </a:xfrm>
             <a:custGeom>
@@ -30202,7 +30202,7 @@
           </p:nvSpPr>
           <p:spPr>
             <a:xfrm>
-              <a:off x="4718507" y="5759723"/>
+              <a:off x="5133560" y="5759742"/>
               <a:ext cx="63202" cy="63202"/>
             </a:xfrm>
             <a:custGeom>
@@ -30245,7 +30245,7 @@
           </p:nvSpPr>
           <p:spPr>
             <a:xfrm>
-              <a:off x="4618751" y="6065042"/>
+              <a:off x="4794830" y="6065114"/>
               <a:ext cx="63202" cy="63202"/>
             </a:xfrm>
             <a:custGeom>
@@ -30288,7 +30288,7 @@
           </p:nvSpPr>
           <p:spPr>
             <a:xfrm>
-              <a:off x="4667977" y="5405890"/>
+              <a:off x="4896807" y="5405878"/>
               <a:ext cx="63202" cy="63202"/>
             </a:xfrm>
             <a:custGeom>
@@ -30331,7 +30331,7 @@
           </p:nvSpPr>
           <p:spPr>
             <a:xfrm>
-              <a:off x="4555917" y="5431047"/>
+              <a:off x="4491625" y="5431070"/>
               <a:ext cx="63202" cy="63202"/>
             </a:xfrm>
             <a:custGeom>
@@ -30374,7 +30374,7 @@
           </p:nvSpPr>
           <p:spPr>
             <a:xfrm>
-              <a:off x="5060157" y="5423739"/>
+              <a:off x="4773231" y="5423732"/>
               <a:ext cx="63202" cy="63202"/>
             </a:xfrm>
             <a:custGeom>
@@ -30417,7 +30417,7 @@
           </p:nvSpPr>
           <p:spPr>
             <a:xfrm>
-              <a:off x="4928718" y="5400665"/>
+              <a:off x="4754756" y="5400675"/>
               <a:ext cx="63202" cy="63202"/>
             </a:xfrm>
             <a:custGeom>
@@ -30460,7 +30460,7 @@
           </p:nvSpPr>
           <p:spPr>
             <a:xfrm>
-              <a:off x="4674190" y="5475805"/>
+              <a:off x="4491918" y="5475842"/>
               <a:ext cx="63202" cy="63202"/>
             </a:xfrm>
             <a:custGeom>
@@ -30503,7 +30503,7 @@
           </p:nvSpPr>
           <p:spPr>
             <a:xfrm>
-              <a:off x="4541073" y="5610902"/>
+              <a:off x="4676175" y="5610926"/>
               <a:ext cx="63202" cy="63202"/>
             </a:xfrm>
             <a:custGeom>
@@ -30546,7 +30546,7 @@
           </p:nvSpPr>
           <p:spPr>
             <a:xfrm>
-              <a:off x="5139746" y="5399575"/>
+              <a:off x="4488361" y="5399549"/>
               <a:ext cx="63202" cy="63202"/>
             </a:xfrm>
             <a:custGeom>
@@ -30589,7 +30589,7 @@
           </p:nvSpPr>
           <p:spPr>
             <a:xfrm>
-              <a:off x="4574296" y="5820942"/>
+              <a:off x="4969252" y="5820944"/>
               <a:ext cx="63202" cy="63202"/>
             </a:xfrm>
             <a:custGeom>
@@ -30632,7 +30632,7 @@
           </p:nvSpPr>
           <p:spPr>
             <a:xfrm>
-              <a:off x="5098284" y="5503278"/>
+              <a:off x="4557930" y="5503317"/>
               <a:ext cx="63202" cy="63202"/>
             </a:xfrm>
             <a:custGeom>
@@ -30675,7 +30675,7 @@
           </p:nvSpPr>
           <p:spPr>
             <a:xfrm>
-              <a:off x="4793867" y="5403180"/>
+              <a:off x="4476481" y="5403200"/>
               <a:ext cx="63202" cy="63202"/>
             </a:xfrm>
             <a:custGeom>
@@ -30718,7 +30718,7 @@
           </p:nvSpPr>
           <p:spPr>
             <a:xfrm>
-              <a:off x="4718879" y="5378776"/>
+              <a:off x="4881628" y="5378804"/>
               <a:ext cx="63202" cy="63202"/>
             </a:xfrm>
             <a:custGeom>
@@ -30761,7 +30761,7 @@
           </p:nvSpPr>
           <p:spPr>
             <a:xfrm>
-              <a:off x="4636068" y="5479317"/>
+              <a:off x="4943523" y="5479340"/>
               <a:ext cx="63202" cy="63202"/>
             </a:xfrm>
             <a:custGeom>
@@ -30804,7 +30804,7 @@
           </p:nvSpPr>
           <p:spPr>
             <a:xfrm>
-              <a:off x="4544313" y="5490434"/>
+              <a:off x="5010240" y="5490471"/>
               <a:ext cx="63202" cy="63202"/>
             </a:xfrm>
             <a:custGeom>
@@ -30847,7 +30847,7 @@
           </p:nvSpPr>
           <p:spPr>
             <a:xfrm>
-              <a:off x="4626370" y="6001340"/>
+              <a:off x="4980489" y="6001342"/>
               <a:ext cx="63202" cy="63202"/>
             </a:xfrm>
             <a:custGeom>
@@ -30890,7 +30890,7 @@
           </p:nvSpPr>
           <p:spPr>
             <a:xfrm>
-              <a:off x="4831535" y="5503042"/>
+              <a:off x="4597434" y="5503013"/>
               <a:ext cx="63202" cy="63202"/>
             </a:xfrm>
             <a:custGeom>
@@ -30933,7 +30933,7 @@
           </p:nvSpPr>
           <p:spPr>
             <a:xfrm>
-              <a:off x="4970460" y="5493874"/>
+              <a:off x="4524676" y="5493868"/>
               <a:ext cx="63202" cy="63202"/>
             </a:xfrm>
             <a:custGeom>
@@ -30976,7 +30976,7 @@
           </p:nvSpPr>
           <p:spPr>
             <a:xfrm>
-              <a:off x="4614631" y="5380770"/>
+              <a:off x="4487412" y="5380757"/>
               <a:ext cx="63202" cy="63202"/>
             </a:xfrm>
             <a:custGeom>
@@ -31019,7 +31019,7 @@
           </p:nvSpPr>
           <p:spPr>
             <a:xfrm>
-              <a:off x="4999526" y="5442467"/>
+              <a:off x="5046800" y="5442505"/>
               <a:ext cx="63202" cy="63202"/>
             </a:xfrm>
             <a:custGeom>
@@ -31062,7 +31062,7 @@
           </p:nvSpPr>
           <p:spPr>
             <a:xfrm>
-              <a:off x="4554247" y="5772175"/>
+              <a:off x="4572416" y="5772195"/>
               <a:ext cx="63202" cy="63202"/>
             </a:xfrm>
             <a:custGeom>
@@ -31105,7 +31105,7 @@
           </p:nvSpPr>
           <p:spPr>
             <a:xfrm>
-              <a:off x="4561904" y="5393807"/>
+              <a:off x="4759505" y="5393796"/>
               <a:ext cx="63202" cy="63202"/>
             </a:xfrm>
             <a:custGeom>
@@ -31148,7 +31148,7 @@
           </p:nvSpPr>
           <p:spPr>
             <a:xfrm>
-              <a:off x="4470441" y="5400413"/>
+              <a:off x="4822201" y="5400474"/>
               <a:ext cx="63202" cy="63202"/>
             </a:xfrm>
             <a:custGeom>
@@ -31191,7 +31191,7 @@
           </p:nvSpPr>
           <p:spPr>
             <a:xfrm>
-              <a:off x="4596353" y="5399961"/>
+              <a:off x="4704119" y="5399989"/>
               <a:ext cx="63202" cy="63202"/>
             </a:xfrm>
             <a:custGeom>
@@ -31234,7 +31234,7 @@
           </p:nvSpPr>
           <p:spPr>
             <a:xfrm>
-              <a:off x="5148245" y="5781841"/>
+              <a:off x="4995900" y="5781834"/>
               <a:ext cx="63202" cy="63202"/>
             </a:xfrm>
             <a:custGeom>
@@ -31277,7 +31277,7 @@
           </p:nvSpPr>
           <p:spPr>
             <a:xfrm>
-              <a:off x="4544117" y="5387014"/>
+              <a:off x="4796187" y="5386994"/>
               <a:ext cx="63202" cy="63202"/>
             </a:xfrm>
             <a:custGeom>
@@ -31320,7 +31320,7 @@
           </p:nvSpPr>
           <p:spPr>
             <a:xfrm>
-              <a:off x="4922329" y="5461682"/>
+              <a:off x="4584689" y="5461688"/>
               <a:ext cx="63202" cy="63202"/>
             </a:xfrm>
             <a:custGeom>
@@ -31363,7 +31363,7 @@
           </p:nvSpPr>
           <p:spPr>
             <a:xfrm>
-              <a:off x="4733583" y="5485651"/>
+              <a:off x="4778676" y="5485684"/>
               <a:ext cx="63202" cy="63202"/>
             </a:xfrm>
             <a:custGeom>
@@ -31406,7 +31406,7 @@
           </p:nvSpPr>
           <p:spPr>
             <a:xfrm>
-              <a:off x="4773440" y="5414711"/>
+              <a:off x="4906674" y="5414712"/>
               <a:ext cx="63202" cy="63202"/>
             </a:xfrm>
             <a:custGeom>
@@ -31449,7 +31449,7 @@
           </p:nvSpPr>
           <p:spPr>
             <a:xfrm>
-              <a:off x="4988827" y="5791433"/>
+              <a:off x="4878013" y="5791426"/>
               <a:ext cx="63202" cy="63202"/>
             </a:xfrm>
             <a:custGeom>
@@ -31492,7 +31492,7 @@
           </p:nvSpPr>
           <p:spPr>
             <a:xfrm>
-              <a:off x="5126651" y="5546212"/>
+              <a:off x="4979432" y="5546198"/>
               <a:ext cx="63202" cy="63202"/>
             </a:xfrm>
             <a:custGeom>
@@ -31535,7 +31535,7 @@
           </p:nvSpPr>
           <p:spPr>
             <a:xfrm>
-              <a:off x="4811023" y="5432434"/>
+              <a:off x="5079540" y="5432437"/>
               <a:ext cx="63202" cy="63202"/>
             </a:xfrm>
             <a:custGeom>
@@ -31578,7 +31578,7 @@
           </p:nvSpPr>
           <p:spPr>
             <a:xfrm>
-              <a:off x="4469212" y="5394120"/>
+              <a:off x="4906898" y="5394153"/>
               <a:ext cx="63202" cy="63202"/>
             </a:xfrm>
             <a:custGeom>
@@ -31621,7 +31621,7 @@
           </p:nvSpPr>
           <p:spPr>
             <a:xfrm>
-              <a:off x="4611110" y="5454053"/>
+              <a:off x="4821532" y="5454080"/>
               <a:ext cx="63202" cy="63202"/>
             </a:xfrm>
             <a:custGeom>
@@ -31664,7 +31664,7 @@
           </p:nvSpPr>
           <p:spPr>
             <a:xfrm>
-              <a:off x="4546753" y="5424546"/>
+              <a:off x="4796114" y="5424563"/>
               <a:ext cx="63202" cy="63202"/>
             </a:xfrm>
             <a:custGeom>
@@ -31707,7 +31707,7 @@
           </p:nvSpPr>
           <p:spPr>
             <a:xfrm>
-              <a:off x="4649178" y="5498418"/>
+              <a:off x="4990483" y="5498439"/>
               <a:ext cx="63202" cy="63202"/>
             </a:xfrm>
             <a:custGeom>
@@ -31750,7 +31750,7 @@
           </p:nvSpPr>
           <p:spPr>
             <a:xfrm>
-              <a:off x="5158111" y="5902136"/>
+              <a:off x="4945819" y="5902170"/>
               <a:ext cx="63202" cy="63202"/>
             </a:xfrm>
             <a:custGeom>
@@ -31793,7 +31793,7 @@
           </p:nvSpPr>
           <p:spPr>
             <a:xfrm>
-              <a:off x="4762085" y="5843931"/>
+              <a:off x="4818958" y="5844003"/>
               <a:ext cx="63202" cy="63202"/>
             </a:xfrm>
             <a:custGeom>
@@ -31836,7 +31836,7 @@
           </p:nvSpPr>
           <p:spPr>
             <a:xfrm>
-              <a:off x="4695526" y="5540693"/>
+              <a:off x="4617697" y="5540714"/>
               <a:ext cx="63202" cy="63202"/>
             </a:xfrm>
             <a:custGeom>
@@ -31879,7 +31879,7 @@
           </p:nvSpPr>
           <p:spPr>
             <a:xfrm>
-              <a:off x="4952631" y="5952011"/>
+              <a:off x="4666179" y="5952053"/>
               <a:ext cx="63202" cy="63202"/>
             </a:xfrm>
             <a:custGeom>
@@ -31922,7 +31922,7 @@
           </p:nvSpPr>
           <p:spPr>
             <a:xfrm>
-              <a:off x="4585893" y="5395745"/>
+              <a:off x="4929796" y="5395766"/>
               <a:ext cx="63202" cy="63202"/>
             </a:xfrm>
             <a:custGeom>
@@ -31965,7 +31965,7 @@
           </p:nvSpPr>
           <p:spPr>
             <a:xfrm>
-              <a:off x="4970362" y="5460241"/>
+              <a:off x="4486470" y="5460260"/>
               <a:ext cx="63202" cy="63202"/>
             </a:xfrm>
             <a:custGeom>
@@ -32008,7 +32008,7 @@
           </p:nvSpPr>
           <p:spPr>
             <a:xfrm>
-              <a:off x="4657540" y="5441430"/>
+              <a:off x="5044038" y="5441445"/>
               <a:ext cx="63202" cy="63202"/>
             </a:xfrm>
             <a:custGeom>
@@ -32051,7 +32051,7 @@
           </p:nvSpPr>
           <p:spPr>
             <a:xfrm>
-              <a:off x="4660467" y="5390114"/>
+              <a:off x="5136264" y="5390143"/>
               <a:ext cx="63202" cy="63202"/>
             </a:xfrm>
             <a:custGeom>
@@ -32094,7 +32094,7 @@
           </p:nvSpPr>
           <p:spPr>
             <a:xfrm>
-              <a:off x="4616244" y="5435624"/>
+              <a:off x="4991127" y="5435626"/>
               <a:ext cx="63202" cy="63202"/>
             </a:xfrm>
             <a:custGeom>
@@ -32137,7 +32137,7 @@
           </p:nvSpPr>
           <p:spPr>
             <a:xfrm>
-              <a:off x="4708380" y="5402495"/>
+              <a:off x="4643600" y="5402481"/>
               <a:ext cx="63202" cy="63202"/>
             </a:xfrm>
             <a:custGeom>
@@ -32180,7 +32180,7 @@
           </p:nvSpPr>
           <p:spPr>
             <a:xfrm>
-              <a:off x="5078153" y="5409668"/>
+              <a:off x="4839800" y="5409708"/>
               <a:ext cx="63202" cy="63202"/>
             </a:xfrm>
             <a:custGeom>
@@ -32223,7 +32223,7 @@
           </p:nvSpPr>
           <p:spPr>
             <a:xfrm>
-              <a:off x="4747547" y="5424990"/>
+              <a:off x="4878032" y="5425027"/>
               <a:ext cx="63202" cy="63202"/>
             </a:xfrm>
             <a:custGeom>
@@ -32266,7 +32266,7 @@
           </p:nvSpPr>
           <p:spPr>
             <a:xfrm>
-              <a:off x="4532182" y="5780684"/>
+              <a:off x="4876522" y="5780718"/>
               <a:ext cx="63202" cy="63202"/>
             </a:xfrm>
             <a:custGeom>
@@ -32309,7 +32309,7 @@
           </p:nvSpPr>
           <p:spPr>
             <a:xfrm>
-              <a:off x="5070784" y="5612200"/>
+              <a:off x="4917145" y="5612218"/>
               <a:ext cx="63202" cy="63202"/>
             </a:xfrm>
             <a:custGeom>
@@ -32352,7 +32352,7 @@
           </p:nvSpPr>
           <p:spPr>
             <a:xfrm>
-              <a:off x="5135345" y="5380260"/>
+              <a:off x="5094090" y="5380278"/>
               <a:ext cx="63202" cy="63202"/>
             </a:xfrm>
             <a:custGeom>
@@ -32395,7 +32395,7 @@
           </p:nvSpPr>
           <p:spPr>
             <a:xfrm>
-              <a:off x="4855329" y="5495609"/>
+              <a:off x="4619736" y="5495645"/>
               <a:ext cx="63202" cy="63202"/>
             </a:xfrm>
             <a:custGeom>
@@ -32438,7 +32438,7 @@
           </p:nvSpPr>
           <p:spPr>
             <a:xfrm>
-              <a:off x="4639450" y="5496884"/>
+              <a:off x="4536055" y="5496931"/>
               <a:ext cx="63202" cy="63202"/>
             </a:xfrm>
             <a:custGeom>
@@ -32481,7 +32481,7 @@
           </p:nvSpPr>
           <p:spPr>
             <a:xfrm>
-              <a:off x="4722624" y="5411189"/>
+              <a:off x="5021071" y="5411164"/>
               <a:ext cx="63202" cy="63202"/>
             </a:xfrm>
             <a:custGeom>
@@ -32524,7 +32524,7 @@
           </p:nvSpPr>
           <p:spPr>
             <a:xfrm>
-              <a:off x="4979798" y="5439736"/>
+              <a:off x="4540592" y="5439790"/>
               <a:ext cx="63202" cy="63202"/>
             </a:xfrm>
             <a:custGeom>
@@ -32567,7 +32567,7 @@
           </p:nvSpPr>
           <p:spPr>
             <a:xfrm>
-              <a:off x="4860502" y="5483719"/>
+              <a:off x="4776463" y="5483764"/>
               <a:ext cx="63202" cy="63202"/>
             </a:xfrm>
             <a:custGeom>
@@ -32610,7 +32610,7 @@
           </p:nvSpPr>
           <p:spPr>
             <a:xfrm>
-              <a:off x="4763394" y="5485121"/>
+              <a:off x="5157601" y="5485125"/>
               <a:ext cx="63202" cy="63202"/>
             </a:xfrm>
             <a:custGeom>
@@ -32653,7 +32653,7 @@
           </p:nvSpPr>
           <p:spPr>
             <a:xfrm>
-              <a:off x="4978958" y="5433587"/>
+              <a:off x="4548835" y="5433602"/>
               <a:ext cx="63202" cy="63202"/>
             </a:xfrm>
             <a:custGeom>
@@ -32696,7 +32696,7 @@
           </p:nvSpPr>
           <p:spPr>
             <a:xfrm>
-              <a:off x="5075325" y="5431460"/>
+              <a:off x="4714639" y="5431499"/>
               <a:ext cx="63202" cy="63202"/>
             </a:xfrm>
             <a:custGeom>
@@ -32739,7 +32739,7 @@
           </p:nvSpPr>
           <p:spPr>
             <a:xfrm>
-              <a:off x="4505042" y="5540310"/>
+              <a:off x="4570893" y="5540287"/>
               <a:ext cx="63202" cy="63202"/>
             </a:xfrm>
             <a:custGeom>
@@ -32782,7 +32782,7 @@
           </p:nvSpPr>
           <p:spPr>
             <a:xfrm>
-              <a:off x="5033524" y="5430700"/>
+              <a:off x="4616909" y="5430750"/>
               <a:ext cx="63202" cy="63202"/>
             </a:xfrm>
             <a:custGeom>
@@ -32825,7 +32825,7 @@
           </p:nvSpPr>
           <p:spPr>
             <a:xfrm>
-              <a:off x="4987101" y="5424955"/>
+              <a:off x="5136922" y="5424940"/>
               <a:ext cx="63202" cy="63202"/>
             </a:xfrm>
             <a:custGeom>
@@ -32868,7 +32868,7 @@
           </p:nvSpPr>
           <p:spPr>
             <a:xfrm>
-              <a:off x="5115242" y="5697644"/>
+              <a:off x="4703196" y="5697681"/>
               <a:ext cx="63202" cy="63202"/>
             </a:xfrm>
             <a:custGeom>
@@ -32911,7 +32911,7 @@
           </p:nvSpPr>
           <p:spPr>
             <a:xfrm>
-              <a:off x="4974406" y="5410828"/>
+              <a:off x="4941304" y="5410820"/>
               <a:ext cx="63202" cy="63202"/>
             </a:xfrm>
             <a:custGeom>
@@ -32954,7 +32954,7 @@
           </p:nvSpPr>
           <p:spPr>
             <a:xfrm>
-              <a:off x="5033949" y="5434978"/>
+              <a:off x="4846800" y="5435007"/>
               <a:ext cx="63202" cy="63202"/>
             </a:xfrm>
             <a:custGeom>
@@ -32997,7 +32997,7 @@
           </p:nvSpPr>
           <p:spPr>
             <a:xfrm>
-              <a:off x="5040770" y="5423546"/>
+              <a:off x="4584674" y="5423541"/>
               <a:ext cx="63202" cy="63202"/>
             </a:xfrm>
             <a:custGeom>
@@ -33040,7 +33040,7 @@
           </p:nvSpPr>
           <p:spPr>
             <a:xfrm>
-              <a:off x="4828729" y="5405531"/>
+              <a:off x="4843623" y="5405530"/>
               <a:ext cx="63202" cy="63202"/>
             </a:xfrm>
             <a:custGeom>
@@ -33083,7 +33083,7 @@
           </p:nvSpPr>
           <p:spPr>
             <a:xfrm>
-              <a:off x="4779477" y="5409660"/>
+              <a:off x="4598372" y="5409664"/>
               <a:ext cx="63202" cy="63202"/>
             </a:xfrm>
             <a:custGeom>
@@ -33126,7 +33126,7 @@
           </p:nvSpPr>
           <p:spPr>
             <a:xfrm>
-              <a:off x="4601765" y="5386342"/>
+              <a:off x="4897798" y="5386330"/>
               <a:ext cx="63202" cy="63202"/>
             </a:xfrm>
             <a:custGeom>
@@ -33169,7 +33169,7 @@
           </p:nvSpPr>
           <p:spPr>
             <a:xfrm>
-              <a:off x="4792391" y="6014424"/>
+              <a:off x="4863624" y="6014465"/>
               <a:ext cx="63202" cy="63202"/>
             </a:xfrm>
             <a:custGeom>
@@ -33212,7 +33212,7 @@
           </p:nvSpPr>
           <p:spPr>
             <a:xfrm>
-              <a:off x="5129557" y="5698445"/>
+              <a:off x="5012970" y="5698465"/>
               <a:ext cx="63202" cy="63202"/>
             </a:xfrm>
             <a:custGeom>
@@ -33255,7 +33255,7 @@
           </p:nvSpPr>
           <p:spPr>
             <a:xfrm>
-              <a:off x="4746562" y="5743556"/>
+              <a:off x="4985147" y="5743587"/>
               <a:ext cx="63202" cy="63202"/>
             </a:xfrm>
             <a:custGeom>
@@ -33298,7 +33298,7 @@
           </p:nvSpPr>
           <p:spPr>
             <a:xfrm>
-              <a:off x="4916584" y="5693461"/>
+              <a:off x="4681884" y="5693484"/>
               <a:ext cx="63202" cy="63202"/>
             </a:xfrm>
             <a:custGeom>
@@ -33341,7 +33341,7 @@
           </p:nvSpPr>
           <p:spPr>
             <a:xfrm>
-              <a:off x="4592446" y="5447950"/>
+              <a:off x="4516549" y="5447983"/>
               <a:ext cx="63202" cy="63202"/>
             </a:xfrm>
             <a:custGeom>
@@ -33384,7 +33384,7 @@
           </p:nvSpPr>
           <p:spPr>
             <a:xfrm>
-              <a:off x="4603478" y="6046748"/>
+              <a:off x="5033330" y="6046736"/>
               <a:ext cx="63202" cy="63202"/>
             </a:xfrm>
             <a:custGeom>
@@ -33427,7 +33427,7 @@
           </p:nvSpPr>
           <p:spPr>
             <a:xfrm>
-              <a:off x="5115928" y="6032028"/>
+              <a:off x="4886588" y="6032016"/>
               <a:ext cx="63202" cy="63202"/>
             </a:xfrm>
             <a:custGeom>
@@ -33470,7 +33470,7 @@
           </p:nvSpPr>
           <p:spPr>
             <a:xfrm>
-              <a:off x="4641742" y="5398486"/>
+              <a:off x="4804577" y="5398504"/>
               <a:ext cx="63202" cy="63202"/>
             </a:xfrm>
             <a:custGeom>
@@ -33513,7 +33513,7 @@
           </p:nvSpPr>
           <p:spPr>
             <a:xfrm>
-              <a:off x="5070237" y="5404934"/>
+              <a:off x="4929772" y="5404932"/>
               <a:ext cx="63202" cy="63202"/>
             </a:xfrm>
             <a:custGeom>
@@ -33556,7 +33556,7 @@
           </p:nvSpPr>
           <p:spPr>
             <a:xfrm>
-              <a:off x="4660881" y="5746850"/>
+              <a:off x="4694302" y="5746923"/>
               <a:ext cx="63202" cy="63202"/>
             </a:xfrm>
             <a:custGeom>
@@ -33599,7 +33599,7 @@
           </p:nvSpPr>
           <p:spPr>
             <a:xfrm>
-              <a:off x="4794881" y="6034919"/>
+              <a:off x="4469287" y="6034950"/>
               <a:ext cx="63202" cy="63202"/>
             </a:xfrm>
             <a:custGeom>
@@ -33642,7 +33642,7 @@
           </p:nvSpPr>
           <p:spPr>
             <a:xfrm>
-              <a:off x="4795354" y="5453321"/>
+              <a:off x="4759239" y="5453322"/>
               <a:ext cx="63202" cy="63202"/>
             </a:xfrm>
             <a:custGeom>
@@ -33685,7 +33685,7 @@
           </p:nvSpPr>
           <p:spPr>
             <a:xfrm>
-              <a:off x="4557613" y="5678050"/>
+              <a:off x="5012856" y="5678070"/>
               <a:ext cx="63202" cy="63202"/>
             </a:xfrm>
             <a:custGeom>
@@ -33728,7 +33728,7 @@
           </p:nvSpPr>
           <p:spPr>
             <a:xfrm>
-              <a:off x="4496334" y="5596153"/>
+              <a:off x="4656202" y="5596158"/>
               <a:ext cx="63202" cy="63202"/>
             </a:xfrm>
             <a:custGeom>
@@ -33771,7 +33771,7 @@
           </p:nvSpPr>
           <p:spPr>
             <a:xfrm>
-              <a:off x="4532132" y="5395338"/>
+              <a:off x="5080142" y="5395362"/>
               <a:ext cx="63202" cy="63202"/>
             </a:xfrm>
             <a:custGeom>
@@ -33814,7 +33814,7 @@
           </p:nvSpPr>
           <p:spPr>
             <a:xfrm>
-              <a:off x="4943797" y="5406254"/>
+              <a:off x="4981239" y="5406294"/>
               <a:ext cx="63202" cy="63202"/>
             </a:xfrm>
             <a:custGeom>
@@ -33857,7 +33857,7 @@
           </p:nvSpPr>
           <p:spPr>
             <a:xfrm>
-              <a:off x="5014561" y="5389664"/>
+              <a:off x="4784988" y="5389646"/>
               <a:ext cx="63202" cy="63202"/>
             </a:xfrm>
             <a:custGeom>
@@ -33900,7 +33900,7 @@
           </p:nvSpPr>
           <p:spPr>
             <a:xfrm>
-              <a:off x="4495289" y="5487882"/>
+              <a:off x="4899677" y="5487895"/>
               <a:ext cx="63202" cy="63202"/>
             </a:xfrm>
             <a:custGeom>
@@ -33943,7 +33943,7 @@
           </p:nvSpPr>
           <p:spPr>
             <a:xfrm>
-              <a:off x="4747482" y="5405754"/>
+              <a:off x="4505249" y="5405760"/>
               <a:ext cx="63202" cy="63202"/>
             </a:xfrm>
             <a:custGeom>
@@ -33986,7 +33986,7 @@
           </p:nvSpPr>
           <p:spPr>
             <a:xfrm>
-              <a:off x="4771628" y="5490480"/>
+              <a:off x="4807013" y="5490480"/>
               <a:ext cx="63202" cy="63202"/>
             </a:xfrm>
             <a:custGeom>
@@ -34029,7 +34029,7 @@
           </p:nvSpPr>
           <p:spPr>
             <a:xfrm>
-              <a:off x="4983658" y="5497803"/>
+              <a:off x="4499916" y="5497828"/>
               <a:ext cx="63202" cy="63202"/>
             </a:xfrm>
             <a:custGeom>
@@ -34072,7 +34072,7 @@
           </p:nvSpPr>
           <p:spPr>
             <a:xfrm>
-              <a:off x="4662999" y="5489034"/>
+              <a:off x="5029599" y="5489079"/>
               <a:ext cx="63202" cy="63202"/>
             </a:xfrm>
             <a:custGeom>
@@ -34115,7 +34115,7 @@
           </p:nvSpPr>
           <p:spPr>
             <a:xfrm>
-              <a:off x="4938527" y="5489784"/>
+              <a:off x="4959552" y="5489782"/>
               <a:ext cx="63202" cy="63202"/>
             </a:xfrm>
             <a:custGeom>
@@ -34158,7 +34158,7 @@
           </p:nvSpPr>
           <p:spPr>
             <a:xfrm>
-              <a:off x="4641124" y="5432142"/>
+              <a:off x="5035375" y="5432177"/>
               <a:ext cx="63202" cy="63202"/>
             </a:xfrm>
             <a:custGeom>
@@ -34201,7 +34201,7 @@
           </p:nvSpPr>
           <p:spPr>
             <a:xfrm>
-              <a:off x="4845172" y="5486632"/>
+              <a:off x="5047618" y="5486687"/>
               <a:ext cx="63202" cy="63202"/>
             </a:xfrm>
             <a:custGeom>
@@ -34244,7 +34244,7 @@
           </p:nvSpPr>
           <p:spPr>
             <a:xfrm>
-              <a:off x="4586831" y="5725700"/>
+              <a:off x="4677653" y="5725724"/>
               <a:ext cx="63202" cy="63202"/>
             </a:xfrm>
             <a:custGeom>
@@ -34287,7 +34287,7 @@
           </p:nvSpPr>
           <p:spPr>
             <a:xfrm>
-              <a:off x="4792344" y="5404697"/>
+              <a:off x="4918200" y="5404755"/>
               <a:ext cx="63202" cy="63202"/>
             </a:xfrm>
             <a:custGeom>
@@ -34330,7 +34330,7 @@
           </p:nvSpPr>
           <p:spPr>
             <a:xfrm>
-              <a:off x="4605670" y="5893430"/>
+              <a:off x="4761203" y="5893458"/>
               <a:ext cx="63202" cy="63202"/>
             </a:xfrm>
             <a:custGeom>
@@ -34373,7 +34373,7 @@
           </p:nvSpPr>
           <p:spPr>
             <a:xfrm>
-              <a:off x="5157593" y="5461016"/>
+              <a:off x="4641027" y="5461036"/>
               <a:ext cx="63202" cy="63202"/>
             </a:xfrm>
             <a:custGeom>
@@ -34416,7 +34416,7 @@
           </p:nvSpPr>
           <p:spPr>
             <a:xfrm>
-              <a:off x="4493601" y="5777552"/>
+              <a:off x="4483700" y="5777600"/>
               <a:ext cx="63202" cy="63202"/>
             </a:xfrm>
             <a:custGeom>
@@ -34459,7 +34459,7 @@
           </p:nvSpPr>
           <p:spPr>
             <a:xfrm>
-              <a:off x="4847500" y="5538648"/>
+              <a:off x="4833003" y="5538702"/>
               <a:ext cx="63202" cy="63202"/>
             </a:xfrm>
             <a:custGeom>
@@ -34502,7 +34502,7 @@
           </p:nvSpPr>
           <p:spPr>
             <a:xfrm>
-              <a:off x="4508033" y="5829088"/>
+              <a:off x="5091031" y="5829117"/>
               <a:ext cx="63202" cy="63202"/>
             </a:xfrm>
             <a:custGeom>
@@ -34545,7 +34545,7 @@
           </p:nvSpPr>
           <p:spPr>
             <a:xfrm>
-              <a:off x="4672321" y="5728668"/>
+              <a:off x="4783493" y="5728720"/>
               <a:ext cx="63202" cy="63202"/>
             </a:xfrm>
             <a:custGeom>
@@ -34588,7 +34588,7 @@
           </p:nvSpPr>
           <p:spPr>
             <a:xfrm>
-              <a:off x="4636894" y="5988058"/>
+              <a:off x="4980284" y="5988104"/>
               <a:ext cx="63202" cy="63202"/>
             </a:xfrm>
             <a:custGeom>
@@ -34631,7 +34631,7 @@
           </p:nvSpPr>
           <p:spPr>
             <a:xfrm>
-              <a:off x="5095198" y="5397249"/>
+              <a:off x="5025623" y="5397273"/>
               <a:ext cx="63202" cy="63202"/>
             </a:xfrm>
             <a:custGeom>
@@ -34674,7 +34674,7 @@
           </p:nvSpPr>
           <p:spPr>
             <a:xfrm>
-              <a:off x="5104014" y="5397428"/>
+              <a:off x="5086399" y="5397483"/>
               <a:ext cx="63202" cy="63202"/>
             </a:xfrm>
             <a:custGeom>
@@ -34717,7 +34717,7 @@
           </p:nvSpPr>
           <p:spPr>
             <a:xfrm>
-              <a:off x="4673607" y="5861732"/>
+              <a:off x="4733291" y="5861747"/>
               <a:ext cx="63202" cy="63202"/>
             </a:xfrm>
             <a:custGeom>
@@ -34760,7 +34760,7 @@
           </p:nvSpPr>
           <p:spPr>
             <a:xfrm>
-              <a:off x="4510928" y="5766648"/>
+              <a:off x="5049888" y="5766674"/>
               <a:ext cx="63202" cy="63202"/>
             </a:xfrm>
             <a:custGeom>
@@ -34803,7 +34803,7 @@
           </p:nvSpPr>
           <p:spPr>
             <a:xfrm>
-              <a:off x="4543747" y="5596118"/>
+              <a:off x="4966258" y="5596095"/>
               <a:ext cx="63202" cy="63202"/>
             </a:xfrm>
             <a:custGeom>
@@ -34846,7 +34846,7 @@
           </p:nvSpPr>
           <p:spPr>
             <a:xfrm>
-              <a:off x="4945633" y="5701249"/>
+              <a:off x="4950549" y="5701248"/>
               <a:ext cx="63202" cy="63202"/>
             </a:xfrm>
             <a:custGeom>
@@ -34945,7 +34945,7 @@
           </p:nvSpPr>
           <p:spPr>
             <a:xfrm>
-              <a:off x="7192078" y="2898347"/>
+              <a:off x="7192078" y="2898375"/>
               <a:ext cx="2796732" cy="0"/>
             </a:xfrm>
             <a:custGeom>
@@ -34988,7 +34988,7 @@
           </p:nvSpPr>
           <p:spPr>
             <a:xfrm>
-              <a:off x="7192078" y="2558904"/>
+              <a:off x="7192078" y="2558929"/>
               <a:ext cx="2796732" cy="0"/>
             </a:xfrm>
             <a:custGeom>
@@ -35031,7 +35031,7 @@
           </p:nvSpPr>
           <p:spPr>
             <a:xfrm>
-              <a:off x="7192078" y="2219461"/>
+              <a:off x="7192078" y="2219484"/>
               <a:ext cx="2796732" cy="0"/>
             </a:xfrm>
             <a:custGeom>
@@ -35074,7 +35074,7 @@
           </p:nvSpPr>
           <p:spPr>
             <a:xfrm>
-              <a:off x="7192078" y="1880018"/>
+              <a:off x="7192078" y="1880038"/>
               <a:ext cx="2796732" cy="0"/>
             </a:xfrm>
             <a:custGeom>
@@ -35117,7 +35117,7 @@
           </p:nvSpPr>
           <p:spPr>
             <a:xfrm>
-              <a:off x="7192078" y="1540574"/>
+              <a:off x="7192078" y="1540593"/>
               <a:ext cx="2796732" cy="0"/>
             </a:xfrm>
             <a:custGeom>
@@ -35160,7 +35160,7 @@
           </p:nvSpPr>
           <p:spPr>
             <a:xfrm>
-              <a:off x="7192078" y="2728626"/>
+              <a:off x="7192078" y="2728652"/>
               <a:ext cx="2796732" cy="0"/>
             </a:xfrm>
             <a:custGeom>
@@ -35203,7 +35203,7 @@
           </p:nvSpPr>
           <p:spPr>
             <a:xfrm>
-              <a:off x="7192078" y="2389182"/>
+              <a:off x="7192078" y="2389206"/>
               <a:ext cx="2796732" cy="0"/>
             </a:xfrm>
             <a:custGeom>
@@ -35246,7 +35246,7 @@
           </p:nvSpPr>
           <p:spPr>
             <a:xfrm>
-              <a:off x="7192078" y="2049739"/>
+              <a:off x="7192078" y="2049761"/>
               <a:ext cx="2796732" cy="0"/>
             </a:xfrm>
             <a:custGeom>
@@ -35289,7 +35289,7 @@
           </p:nvSpPr>
           <p:spPr>
             <a:xfrm>
-              <a:off x="7192078" y="1710296"/>
+              <a:off x="7192078" y="1710316"/>
               <a:ext cx="2796732" cy="0"/>
             </a:xfrm>
             <a:custGeom>
@@ -35461,7 +35461,7 @@
           </p:nvSpPr>
           <p:spPr>
             <a:xfrm>
-              <a:off x="7494644" y="2743610"/>
+              <a:off x="7347406" y="2743609"/>
               <a:ext cx="63202" cy="63202"/>
             </a:xfrm>
             <a:custGeom>
@@ -35504,7 +35504,7 @@
           </p:nvSpPr>
           <p:spPr>
             <a:xfrm>
-              <a:off x="7717554" y="2400284"/>
+              <a:off x="7690066" y="2400288"/>
               <a:ext cx="63202" cy="63202"/>
             </a:xfrm>
             <a:custGeom>
@@ -35547,7 +35547,7 @@
           </p:nvSpPr>
           <p:spPr>
             <a:xfrm>
-              <a:off x="7414593" y="2350546"/>
+              <a:off x="7752657" y="2350562"/>
               <a:ext cx="63202" cy="63202"/>
             </a:xfrm>
             <a:custGeom>
@@ -35590,7 +35590,7 @@
           </p:nvSpPr>
           <p:spPr>
             <a:xfrm>
-              <a:off x="7393946" y="2357040"/>
+              <a:off x="7396534" y="2357080"/>
               <a:ext cx="63202" cy="63202"/>
             </a:xfrm>
             <a:custGeom>
@@ -35633,7 +35633,7 @@
           </p:nvSpPr>
           <p:spPr>
             <a:xfrm>
-              <a:off x="7404685" y="2347651"/>
+              <a:off x="7605924" y="2347712"/>
               <a:ext cx="63202" cy="63202"/>
             </a:xfrm>
             <a:custGeom>
@@ -35676,7 +35676,7 @@
           </p:nvSpPr>
           <p:spPr>
             <a:xfrm>
-              <a:off x="7848655" y="1927984"/>
+              <a:off x="7566381" y="1927989"/>
               <a:ext cx="63202" cy="63202"/>
             </a:xfrm>
             <a:custGeom>
@@ -35719,7 +35719,7 @@
           </p:nvSpPr>
           <p:spPr>
             <a:xfrm>
-              <a:off x="7844439" y="2382418"/>
+              <a:off x="8009396" y="2382464"/>
               <a:ext cx="63202" cy="63202"/>
             </a:xfrm>
             <a:custGeom>
@@ -35762,7 +35762,7 @@
           </p:nvSpPr>
           <p:spPr>
             <a:xfrm>
-              <a:off x="7425320" y="2397903"/>
+              <a:off x="7401627" y="2397939"/>
               <a:ext cx="63202" cy="63202"/>
             </a:xfrm>
             <a:custGeom>
@@ -35805,7 +35805,7 @@
           </p:nvSpPr>
           <p:spPr>
             <a:xfrm>
-              <a:off x="7789371" y="2346262"/>
+              <a:off x="7476545" y="2346287"/>
               <a:ext cx="63202" cy="63202"/>
             </a:xfrm>
             <a:custGeom>
@@ -35848,7 +35848,7 @@
           </p:nvSpPr>
           <p:spPr>
             <a:xfrm>
-              <a:off x="7958088" y="2345367"/>
+              <a:off x="7930926" y="2345365"/>
               <a:ext cx="63202" cy="63202"/>
             </a:xfrm>
             <a:custGeom>
@@ -35891,7 +35891,7 @@
           </p:nvSpPr>
           <p:spPr>
             <a:xfrm>
-              <a:off x="7538300" y="2384397"/>
+              <a:off x="7430397" y="2384400"/>
               <a:ext cx="63202" cy="63202"/>
             </a:xfrm>
             <a:custGeom>
@@ -35934,7 +35934,7 @@
           </p:nvSpPr>
           <p:spPr>
             <a:xfrm>
-              <a:off x="7393265" y="2510987"/>
+              <a:off x="7774361" y="2511059"/>
               <a:ext cx="63202" cy="63202"/>
             </a:xfrm>
             <a:custGeom>
@@ -35977,7 +35977,7 @@
           </p:nvSpPr>
           <p:spPr>
             <a:xfrm>
-              <a:off x="7897987" y="2391581"/>
+              <a:off x="7604779" y="2391606"/>
               <a:ext cx="63202" cy="63202"/>
             </a:xfrm>
             <a:custGeom>
@@ -36020,7 +36020,7 @@
           </p:nvSpPr>
           <p:spPr>
             <a:xfrm>
-              <a:off x="7832939" y="2400740"/>
+              <a:off x="7787008" y="2400770"/>
               <a:ext cx="63202" cy="63202"/>
             </a:xfrm>
             <a:custGeom>
@@ -36063,7 +36063,7 @@
           </p:nvSpPr>
           <p:spPr>
             <a:xfrm>
-              <a:off x="7664838" y="2382764"/>
+              <a:off x="7380813" y="2382816"/>
               <a:ext cx="63202" cy="63202"/>
             </a:xfrm>
             <a:custGeom>
@@ -36106,7 +36106,7 @@
           </p:nvSpPr>
           <p:spPr>
             <a:xfrm>
-              <a:off x="7683270" y="2395625"/>
+              <a:off x="7690920" y="2395627"/>
               <a:ext cx="63202" cy="63202"/>
             </a:xfrm>
             <a:custGeom>
@@ -36149,7 +36149,7 @@
           </p:nvSpPr>
           <p:spPr>
             <a:xfrm>
-              <a:off x="7968171" y="2381425"/>
+              <a:off x="7587474" y="2381429"/>
               <a:ext cx="63202" cy="63202"/>
             </a:xfrm>
             <a:custGeom>
@@ -36192,7 +36192,7 @@
           </p:nvSpPr>
           <p:spPr>
             <a:xfrm>
-              <a:off x="7821221" y="2358323"/>
+              <a:off x="7936834" y="2358328"/>
               <a:ext cx="63202" cy="63202"/>
             </a:xfrm>
             <a:custGeom>
@@ -36235,7 +36235,7 @@
           </p:nvSpPr>
           <p:spPr>
             <a:xfrm>
-              <a:off x="7532822" y="2389328"/>
+              <a:off x="7634433" y="2389366"/>
               <a:ext cx="63202" cy="63202"/>
             </a:xfrm>
             <a:custGeom>
@@ -36278,7 +36278,7 @@
           </p:nvSpPr>
           <p:spPr>
             <a:xfrm>
-              <a:off x="7342464" y="2529593"/>
+              <a:off x="7731438" y="2529656"/>
               <a:ext cx="63202" cy="63202"/>
             </a:xfrm>
             <a:custGeom>
@@ -36321,7 +36321,7 @@
           </p:nvSpPr>
           <p:spPr>
             <a:xfrm>
-              <a:off x="7737253" y="2345386"/>
+              <a:off x="7438858" y="2345398"/>
               <a:ext cx="63202" cy="63202"/>
             </a:xfrm>
             <a:custGeom>
@@ -36364,7 +36364,7 @@
           </p:nvSpPr>
           <p:spPr>
             <a:xfrm>
-              <a:off x="7373099" y="2351792"/>
+              <a:off x="7669309" y="2351811"/>
               <a:ext cx="63202" cy="63202"/>
             </a:xfrm>
             <a:custGeom>
@@ -36407,7 +36407,7 @@
           </p:nvSpPr>
           <p:spPr>
             <a:xfrm>
-              <a:off x="8029987" y="2401219"/>
+              <a:off x="7575931" y="2401278"/>
               <a:ext cx="63202" cy="63202"/>
             </a:xfrm>
             <a:custGeom>
@@ -36450,7 +36450,7 @@
           </p:nvSpPr>
           <p:spPr>
             <a:xfrm>
-              <a:off x="7448928" y="2380547"/>
+              <a:off x="7500976" y="2380551"/>
               <a:ext cx="63202" cy="63202"/>
             </a:xfrm>
             <a:custGeom>
@@ -36493,7 +36493,7 @@
           </p:nvSpPr>
           <p:spPr>
             <a:xfrm>
-              <a:off x="7413662" y="2387120"/>
+              <a:off x="7779791" y="2387161"/>
               <a:ext cx="63202" cy="63202"/>
             </a:xfrm>
             <a:custGeom>
@@ -36536,7 +36536,7 @@
           </p:nvSpPr>
           <p:spPr>
             <a:xfrm>
-              <a:off x="7630237" y="2384170"/>
+              <a:off x="7477438" y="2384195"/>
               <a:ext cx="63202" cy="63202"/>
             </a:xfrm>
             <a:custGeom>
@@ -36579,7 +36579,7 @@
           </p:nvSpPr>
           <p:spPr>
             <a:xfrm>
-              <a:off x="7526493" y="1908136"/>
+              <a:off x="7550988" y="1908157"/>
               <a:ext cx="63202" cy="63202"/>
             </a:xfrm>
             <a:custGeom>
@@ -36622,7 +36622,7 @@
           </p:nvSpPr>
           <p:spPr>
             <a:xfrm>
-              <a:off x="7778880" y="2398334"/>
+              <a:off x="7754249" y="2398360"/>
               <a:ext cx="63202" cy="63202"/>
             </a:xfrm>
             <a:custGeom>
@@ -36665,7 +36665,7 @@
           </p:nvSpPr>
           <p:spPr>
             <a:xfrm>
-              <a:off x="7438121" y="2546906"/>
+              <a:off x="7930452" y="2546940"/>
               <a:ext cx="63202" cy="63202"/>
             </a:xfrm>
             <a:custGeom>
@@ -36708,7 +36708,7 @@
           </p:nvSpPr>
           <p:spPr>
             <a:xfrm>
-              <a:off x="7398241" y="2380754"/>
+              <a:off x="7515145" y="2380747"/>
               <a:ext cx="63202" cy="63202"/>
             </a:xfrm>
             <a:custGeom>
@@ -36751,7 +36751,7 @@
           </p:nvSpPr>
           <p:spPr>
             <a:xfrm>
-              <a:off x="7929974" y="1907737"/>
+              <a:off x="7415191" y="1907763"/>
               <a:ext cx="63202" cy="63202"/>
             </a:xfrm>
             <a:custGeom>
@@ -36794,7 +36794,7 @@
           </p:nvSpPr>
           <p:spPr>
             <a:xfrm>
-              <a:off x="7519269" y="2351719"/>
+              <a:off x="7339911" y="2351772"/>
               <a:ext cx="63202" cy="63202"/>
             </a:xfrm>
             <a:custGeom>
@@ -36837,7 +36837,7 @@
           </p:nvSpPr>
           <p:spPr>
             <a:xfrm>
-              <a:off x="7590366" y="2366345"/>
+              <a:off x="7961743" y="2366356"/>
               <a:ext cx="63202" cy="63202"/>
             </a:xfrm>
             <a:custGeom>
@@ -36880,7 +36880,7 @@
           </p:nvSpPr>
           <p:spPr>
             <a:xfrm>
-              <a:off x="7916415" y="2355226"/>
+              <a:off x="7693773" y="2355254"/>
               <a:ext cx="63202" cy="63202"/>
             </a:xfrm>
             <a:custGeom>
@@ -36923,7 +36923,7 @@
           </p:nvSpPr>
           <p:spPr>
             <a:xfrm>
-              <a:off x="7870119" y="2358575"/>
+              <a:off x="7386778" y="2358628"/>
               <a:ext cx="63202" cy="63202"/>
             </a:xfrm>
             <a:custGeom>
@@ -36966,7 +36966,7 @@
           </p:nvSpPr>
           <p:spPr>
             <a:xfrm>
-              <a:off x="7403087" y="2358809"/>
+              <a:off x="7672201" y="2358808"/>
               <a:ext cx="63202" cy="63202"/>
             </a:xfrm>
             <a:custGeom>
@@ -37009,7 +37009,7 @@
           </p:nvSpPr>
           <p:spPr>
             <a:xfrm>
-              <a:off x="7452331" y="2359229"/>
+              <a:off x="7802851" y="2359210"/>
               <a:ext cx="63202" cy="63202"/>
             </a:xfrm>
             <a:custGeom>
@@ -37052,7 +37052,7 @@
           </p:nvSpPr>
           <p:spPr>
             <a:xfrm>
-              <a:off x="7953750" y="2361245"/>
+              <a:off x="7894893" y="2361282"/>
               <a:ext cx="63202" cy="63202"/>
             </a:xfrm>
             <a:custGeom>
@@ -37095,7 +37095,7 @@
           </p:nvSpPr>
           <p:spPr>
             <a:xfrm>
-              <a:off x="7525354" y="2352105"/>
+              <a:off x="7965231" y="2352102"/>
               <a:ext cx="63202" cy="63202"/>
             </a:xfrm>
             <a:custGeom>
@@ -37138,7 +37138,7 @@
           </p:nvSpPr>
           <p:spPr>
             <a:xfrm>
-              <a:off x="7361903" y="2410623"/>
+              <a:off x="7909054" y="2410621"/>
               <a:ext cx="63202" cy="63202"/>
             </a:xfrm>
             <a:custGeom>
@@ -37181,7 +37181,7 @@
           </p:nvSpPr>
           <p:spPr>
             <a:xfrm>
-              <a:off x="7994395" y="2376037"/>
+              <a:off x="7746021" y="2376097"/>
               <a:ext cx="63202" cy="63202"/>
             </a:xfrm>
             <a:custGeom>
@@ -37224,7 +37224,7 @@
           </p:nvSpPr>
           <p:spPr>
             <a:xfrm>
-              <a:off x="7337739" y="2356041"/>
+              <a:off x="7592834" y="2356045"/>
               <a:ext cx="63202" cy="63202"/>
             </a:xfrm>
             <a:custGeom>
@@ -37267,7 +37267,7 @@
           </p:nvSpPr>
           <p:spPr>
             <a:xfrm>
-              <a:off x="7851062" y="2456310"/>
+              <a:off x="7426692" y="2456302"/>
               <a:ext cx="63202" cy="63202"/>
             </a:xfrm>
             <a:custGeom>
@@ -37310,7 +37310,7 @@
           </p:nvSpPr>
           <p:spPr>
             <a:xfrm>
-              <a:off x="8032618" y="2227444"/>
+              <a:off x="7670824" y="2227442"/>
               <a:ext cx="63202" cy="63202"/>
             </a:xfrm>
             <a:custGeom>
@@ -37353,7 +37353,7 @@
           </p:nvSpPr>
           <p:spPr>
             <a:xfrm>
-              <a:off x="7920889" y="2355819"/>
+              <a:off x="7826226" y="2355844"/>
               <a:ext cx="63202" cy="63202"/>
             </a:xfrm>
             <a:custGeom>
@@ -37396,7 +37396,7 @@
           </p:nvSpPr>
           <p:spPr>
             <a:xfrm>
-              <a:off x="7829069" y="2358268"/>
+              <a:off x="7399953" y="2358279"/>
               <a:ext cx="63202" cy="63202"/>
             </a:xfrm>
             <a:custGeom>
@@ -37439,7 +37439,7 @@
           </p:nvSpPr>
           <p:spPr>
             <a:xfrm>
-              <a:off x="7943329" y="2357387"/>
+              <a:off x="7789325" y="2357422"/>
               <a:ext cx="63202" cy="63202"/>
             </a:xfrm>
             <a:custGeom>
@@ -37482,7 +37482,7 @@
           </p:nvSpPr>
           <p:spPr>
             <a:xfrm>
-              <a:off x="7647698" y="2358335"/>
+              <a:off x="7726504" y="2358331"/>
               <a:ext cx="63202" cy="63202"/>
             </a:xfrm>
             <a:custGeom>
@@ -37525,7 +37525,7 @@
           </p:nvSpPr>
           <p:spPr>
             <a:xfrm>
-              <a:off x="7811820" y="2347520"/>
+              <a:off x="8014395" y="2347577"/>
               <a:ext cx="63202" cy="63202"/>
             </a:xfrm>
             <a:custGeom>
@@ -37624,7 +37624,7 @@
           </p:nvSpPr>
           <p:spPr>
             <a:xfrm>
-              <a:off x="7192078" y="4823680"/>
+              <a:off x="7192078" y="4823707"/>
               <a:ext cx="2796732" cy="0"/>
             </a:xfrm>
             <a:custGeom>
@@ -37667,7 +37667,7 @@
           </p:nvSpPr>
           <p:spPr>
             <a:xfrm>
-              <a:off x="7192078" y="4484237"/>
+              <a:off x="7192078" y="4484262"/>
               <a:ext cx="2796732" cy="0"/>
             </a:xfrm>
             <a:custGeom>
@@ -37710,7 +37710,7 @@
           </p:nvSpPr>
           <p:spPr>
             <a:xfrm>
-              <a:off x="7192078" y="4144793"/>
+              <a:off x="7192078" y="4144816"/>
               <a:ext cx="2796732" cy="0"/>
             </a:xfrm>
             <a:custGeom>
@@ -37753,7 +37753,7 @@
           </p:nvSpPr>
           <p:spPr>
             <a:xfrm>
-              <a:off x="7192078" y="3805350"/>
+              <a:off x="7192078" y="3805371"/>
               <a:ext cx="2796732" cy="0"/>
             </a:xfrm>
             <a:custGeom>
@@ -37796,7 +37796,7 @@
           </p:nvSpPr>
           <p:spPr>
             <a:xfrm>
-              <a:off x="7192078" y="3465907"/>
+              <a:off x="7192078" y="3465925"/>
               <a:ext cx="2796732" cy="0"/>
             </a:xfrm>
             <a:custGeom>
@@ -37839,7 +37839,7 @@
           </p:nvSpPr>
           <p:spPr>
             <a:xfrm>
-              <a:off x="7192078" y="4653958"/>
+              <a:off x="7192078" y="4653984"/>
               <a:ext cx="2796732" cy="0"/>
             </a:xfrm>
             <a:custGeom>
@@ -37882,7 +37882,7 @@
           </p:nvSpPr>
           <p:spPr>
             <a:xfrm>
-              <a:off x="7192078" y="4314515"/>
+              <a:off x="7192078" y="4314539"/>
               <a:ext cx="2796732" cy="0"/>
             </a:xfrm>
             <a:custGeom>
@@ -37925,7 +37925,7 @@
           </p:nvSpPr>
           <p:spPr>
             <a:xfrm>
-              <a:off x="7192078" y="3975072"/>
+              <a:off x="7192078" y="3975094"/>
               <a:ext cx="2796732" cy="0"/>
             </a:xfrm>
             <a:custGeom>
@@ -37968,7 +37968,7 @@
           </p:nvSpPr>
           <p:spPr>
             <a:xfrm>
-              <a:off x="7192078" y="3635628"/>
+              <a:off x="7192078" y="3635648"/>
               <a:ext cx="2796732" cy="0"/>
             </a:xfrm>
             <a:custGeom>
@@ -38140,7 +38140,7 @@
           </p:nvSpPr>
           <p:spPr>
             <a:xfrm>
-              <a:off x="7608640" y="4223558"/>
+              <a:off x="7595073" y="4223604"/>
               <a:ext cx="63202" cy="63202"/>
             </a:xfrm>
             <a:custGeom>
@@ -38183,7 +38183,7 @@
           </p:nvSpPr>
           <p:spPr>
             <a:xfrm>
-              <a:off x="7699448" y="4107848"/>
+              <a:off x="7652125" y="4107866"/>
               <a:ext cx="63202" cy="63202"/>
             </a:xfrm>
             <a:custGeom>
@@ -38226,7 +38226,7 @@
           </p:nvSpPr>
           <p:spPr>
             <a:xfrm>
-              <a:off x="7644262" y="4334378"/>
+              <a:off x="7928065" y="4334419"/>
               <a:ext cx="63202" cy="63202"/>
             </a:xfrm>
             <a:custGeom>
@@ -38269,7 +38269,7 @@
           </p:nvSpPr>
           <p:spPr>
             <a:xfrm>
-              <a:off x="7528315" y="4222724"/>
+              <a:off x="7397950" y="4222721"/>
               <a:ext cx="63202" cy="63202"/>
             </a:xfrm>
             <a:custGeom>
@@ -38312,7 +38312,7 @@
           </p:nvSpPr>
           <p:spPr>
             <a:xfrm>
-              <a:off x="7857531" y="4316408"/>
+              <a:off x="7859775" y="4316413"/>
               <a:ext cx="63202" cy="63202"/>
             </a:xfrm>
             <a:custGeom>
@@ -38355,7 +38355,7 @@
           </p:nvSpPr>
           <p:spPr>
             <a:xfrm>
-              <a:off x="7931399" y="4171383"/>
+              <a:off x="7631987" y="4171371"/>
               <a:ext cx="63202" cy="63202"/>
             </a:xfrm>
             <a:custGeom>
@@ -38398,7 +38398,7 @@
           </p:nvSpPr>
           <p:spPr>
             <a:xfrm>
-              <a:off x="7856303" y="4142682"/>
+              <a:off x="7704967" y="4142664"/>
               <a:ext cx="63202" cy="63202"/>
             </a:xfrm>
             <a:custGeom>
@@ -38441,7 +38441,7 @@
           </p:nvSpPr>
           <p:spPr>
             <a:xfrm>
-              <a:off x="7543770" y="4228921"/>
+              <a:off x="7519439" y="4228950"/>
               <a:ext cx="63202" cy="63202"/>
             </a:xfrm>
             <a:custGeom>
@@ -38484,7 +38484,7 @@
           </p:nvSpPr>
           <p:spPr>
             <a:xfrm>
-              <a:off x="7592079" y="4273485"/>
+              <a:off x="7954860" y="4273484"/>
               <a:ext cx="63202" cy="63202"/>
             </a:xfrm>
             <a:custGeom>
@@ -38527,7 +38527,7 @@
           </p:nvSpPr>
           <p:spPr>
             <a:xfrm>
-              <a:off x="7861410" y="4117755"/>
+              <a:off x="7968500" y="4117778"/>
               <a:ext cx="63202" cy="63202"/>
             </a:xfrm>
             <a:custGeom>
@@ -38570,7 +38570,7 @@
           </p:nvSpPr>
           <p:spPr>
             <a:xfrm>
-              <a:off x="7743421" y="4095214"/>
+              <a:off x="7777421" y="4095242"/>
               <a:ext cx="63202" cy="63202"/>
             </a:xfrm>
             <a:custGeom>
@@ -38613,7 +38613,7 @@
           </p:nvSpPr>
           <p:spPr>
             <a:xfrm>
-              <a:off x="7853205" y="4183234"/>
+              <a:off x="7949549" y="4183272"/>
               <a:ext cx="63202" cy="63202"/>
             </a:xfrm>
             <a:custGeom>
@@ -38656,7 +38656,7 @@
           </p:nvSpPr>
           <p:spPr>
             <a:xfrm>
-              <a:off x="7454401" y="4095900"/>
+              <a:off x="7570991" y="4095930"/>
               <a:ext cx="63202" cy="63202"/>
             </a:xfrm>
             <a:custGeom>
@@ -38699,7 +38699,7 @@
           </p:nvSpPr>
           <p:spPr>
             <a:xfrm>
-              <a:off x="7354969" y="4141546"/>
+              <a:off x="7773538" y="4141566"/>
               <a:ext cx="63202" cy="63202"/>
             </a:xfrm>
             <a:custGeom>
@@ -40194,7 +40194,7 @@
           </p:nvSpPr>
           <p:spPr>
             <a:xfrm>
-              <a:off x="1210339" y="2686934"/>
+              <a:off x="1210339" y="2686960"/>
               <a:ext cx="186466" cy="81691"/>
             </a:xfrm>
             <a:prstGeom prst="rect">
@@ -40240,7 +40240,7 @@
           </p:nvSpPr>
           <p:spPr>
             <a:xfrm>
-              <a:off x="1148183" y="2347491"/>
+              <a:off x="1148183" y="2347515"/>
               <a:ext cx="248622" cy="81691"/>
             </a:xfrm>
             <a:prstGeom prst="rect">
@@ -40286,7 +40286,7 @@
           </p:nvSpPr>
           <p:spPr>
             <a:xfrm>
-              <a:off x="1148183" y="2008047"/>
+              <a:off x="1148183" y="2008069"/>
               <a:ext cx="248622" cy="81691"/>
             </a:xfrm>
             <a:prstGeom prst="rect">
@@ -40332,7 +40332,7 @@
           </p:nvSpPr>
           <p:spPr>
             <a:xfrm>
-              <a:off x="1148183" y="1668604"/>
+              <a:off x="1148183" y="1668624"/>
               <a:ext cx="248622" cy="81691"/>
             </a:xfrm>
             <a:prstGeom prst="rect">
@@ -40378,7 +40378,7 @@
           </p:nvSpPr>
           <p:spPr>
             <a:xfrm>
-              <a:off x="1424641" y="2728626"/>
+              <a:off x="1424641" y="2728652"/>
               <a:ext cx="34794" cy="0"/>
             </a:xfrm>
             <a:custGeom>
@@ -40418,7 +40418,7 @@
           </p:nvSpPr>
           <p:spPr>
             <a:xfrm>
-              <a:off x="1424641" y="2389182"/>
+              <a:off x="1424641" y="2389206"/>
               <a:ext cx="34794" cy="0"/>
             </a:xfrm>
             <a:custGeom>
@@ -40458,7 +40458,7 @@
           </p:nvSpPr>
           <p:spPr>
             <a:xfrm>
-              <a:off x="1424641" y="2049739"/>
+              <a:off x="1424641" y="2049761"/>
               <a:ext cx="34794" cy="0"/>
             </a:xfrm>
             <a:custGeom>
@@ -40498,7 +40498,7 @@
           </p:nvSpPr>
           <p:spPr>
             <a:xfrm>
-              <a:off x="1424641" y="1710296"/>
+              <a:off x="1424641" y="1710316"/>
               <a:ext cx="34794" cy="0"/>
             </a:xfrm>
             <a:custGeom>
@@ -40538,7 +40538,7 @@
           </p:nvSpPr>
           <p:spPr>
             <a:xfrm>
-              <a:off x="1210339" y="4612267"/>
+              <a:off x="1210339" y="4612293"/>
               <a:ext cx="186466" cy="81691"/>
             </a:xfrm>
             <a:prstGeom prst="rect">
@@ -40584,7 +40584,7 @@
           </p:nvSpPr>
           <p:spPr>
             <a:xfrm>
-              <a:off x="1148183" y="4272823"/>
+              <a:off x="1148183" y="4272847"/>
               <a:ext cx="248622" cy="81691"/>
             </a:xfrm>
             <a:prstGeom prst="rect">
@@ -40630,7 +40630,7 @@
           </p:nvSpPr>
           <p:spPr>
             <a:xfrm>
-              <a:off x="1148183" y="3933380"/>
+              <a:off x="1148183" y="3933402"/>
               <a:ext cx="248622" cy="81691"/>
             </a:xfrm>
             <a:prstGeom prst="rect">
@@ -40676,7 +40676,7 @@
           </p:nvSpPr>
           <p:spPr>
             <a:xfrm>
-              <a:off x="1148183" y="3593937"/>
+              <a:off x="1148183" y="3593956"/>
               <a:ext cx="248622" cy="81691"/>
             </a:xfrm>
             <a:prstGeom prst="rect">
@@ -40722,7 +40722,7 @@
           </p:nvSpPr>
           <p:spPr>
             <a:xfrm>
-              <a:off x="1424641" y="4653958"/>
+              <a:off x="1424641" y="4653984"/>
               <a:ext cx="34794" cy="0"/>
             </a:xfrm>
             <a:custGeom>
@@ -40762,7 +40762,7 @@
           </p:nvSpPr>
           <p:spPr>
             <a:xfrm>
-              <a:off x="1424641" y="4314515"/>
+              <a:off x="1424641" y="4314539"/>
               <a:ext cx="34794" cy="0"/>
             </a:xfrm>
             <a:custGeom>
@@ -40802,7 +40802,7 @@
           </p:nvSpPr>
           <p:spPr>
             <a:xfrm>
-              <a:off x="1424641" y="3975072"/>
+              <a:off x="1424641" y="3975094"/>
               <a:ext cx="34794" cy="0"/>
             </a:xfrm>
             <a:custGeom>
@@ -40842,7 +40842,7 @@
           </p:nvSpPr>
           <p:spPr>
             <a:xfrm>
-              <a:off x="1424641" y="3635628"/>
+              <a:off x="1424641" y="3635648"/>
               <a:ext cx="34794" cy="0"/>
             </a:xfrm>
             <a:custGeom>
@@ -40882,7 +40882,7 @@
           </p:nvSpPr>
           <p:spPr>
             <a:xfrm>
-              <a:off x="1210339" y="6537599"/>
+              <a:off x="1210339" y="6537625"/>
               <a:ext cx="186466" cy="81691"/>
             </a:xfrm>
             <a:prstGeom prst="rect">
@@ -40928,7 +40928,7 @@
           </p:nvSpPr>
           <p:spPr>
             <a:xfrm>
-              <a:off x="1148183" y="6198156"/>
+              <a:off x="1148183" y="6198180"/>
               <a:ext cx="248622" cy="81691"/>
             </a:xfrm>
             <a:prstGeom prst="rect">
@@ -40974,7 +40974,7 @@
           </p:nvSpPr>
           <p:spPr>
             <a:xfrm>
-              <a:off x="1148183" y="5858713"/>
+              <a:off x="1148183" y="5858734"/>
               <a:ext cx="248622" cy="81691"/>
             </a:xfrm>
             <a:prstGeom prst="rect">
@@ -41020,7 +41020,7 @@
           </p:nvSpPr>
           <p:spPr>
             <a:xfrm>
-              <a:off x="1148183" y="5519269"/>
+              <a:off x="1148183" y="5519289"/>
               <a:ext cx="248622" cy="81691"/>
             </a:xfrm>
             <a:prstGeom prst="rect">
@@ -41066,7 +41066,7 @@
           </p:nvSpPr>
           <p:spPr>
             <a:xfrm>
-              <a:off x="1424641" y="6579291"/>
+              <a:off x="1424641" y="6579317"/>
               <a:ext cx="34794" cy="0"/>
             </a:xfrm>
             <a:custGeom>
@@ -41106,7 +41106,7 @@
           </p:nvSpPr>
           <p:spPr>
             <a:xfrm>
-              <a:off x="1424641" y="6239848"/>
+              <a:off x="1424641" y="6239872"/>
               <a:ext cx="34794" cy="0"/>
             </a:xfrm>
             <a:custGeom>
@@ -41146,7 +41146,7 @@
           </p:nvSpPr>
           <p:spPr>
             <a:xfrm>
-              <a:off x="1424641" y="5900404"/>
+              <a:off x="1424641" y="5900426"/>
               <a:ext cx="34794" cy="0"/>
             </a:xfrm>
             <a:custGeom>
@@ -41186,7 +41186,7 @@
           </p:nvSpPr>
           <p:spPr>
             <a:xfrm>
-              <a:off x="1424641" y="5560961"/>
+              <a:off x="1424641" y="5560981"/>
               <a:ext cx="34794" cy="0"/>
             </a:xfrm>
             <a:custGeom>

--- a/Images/Figures_PPT/Jitter_Plot_TOR_Domain.pptx
+++ b/Images/Figures_PPT/Jitter_Plot_TOR_Domain.pptx
@@ -2359,7 +2359,7 @@
           </p:nvSpPr>
           <p:spPr>
             <a:xfrm>
-              <a:off x="1459435" y="2898375"/>
+              <a:off x="1459435" y="2898366"/>
               <a:ext cx="2796732" cy="0"/>
             </a:xfrm>
             <a:custGeom>
@@ -2402,7 +2402,7 @@
           </p:nvSpPr>
           <p:spPr>
             <a:xfrm>
-              <a:off x="1459435" y="2558929"/>
+              <a:off x="1459435" y="2558923"/>
               <a:ext cx="2796732" cy="0"/>
             </a:xfrm>
             <a:custGeom>
@@ -2445,7 +2445,7 @@
           </p:nvSpPr>
           <p:spPr>
             <a:xfrm>
-              <a:off x="1459435" y="2219484"/>
+              <a:off x="1459435" y="2219479"/>
               <a:ext cx="2796732" cy="0"/>
             </a:xfrm>
             <a:custGeom>
@@ -2488,7 +2488,7 @@
           </p:nvSpPr>
           <p:spPr>
             <a:xfrm>
-              <a:off x="1459435" y="1880038"/>
+              <a:off x="1459435" y="1880036"/>
               <a:ext cx="2796732" cy="0"/>
             </a:xfrm>
             <a:custGeom>
@@ -2574,7 +2574,7 @@
           </p:nvSpPr>
           <p:spPr>
             <a:xfrm>
-              <a:off x="1459435" y="2728652"/>
+              <a:off x="1459435" y="2728644"/>
               <a:ext cx="2796732" cy="0"/>
             </a:xfrm>
             <a:custGeom>
@@ -2617,7 +2617,7 @@
           </p:nvSpPr>
           <p:spPr>
             <a:xfrm>
-              <a:off x="1459435" y="2389206"/>
+              <a:off x="1459435" y="2389201"/>
               <a:ext cx="2796732" cy="0"/>
             </a:xfrm>
             <a:custGeom>
@@ -2660,7 +2660,7 @@
           </p:nvSpPr>
           <p:spPr>
             <a:xfrm>
-              <a:off x="1459435" y="2049761"/>
+              <a:off x="1459435" y="2049758"/>
               <a:ext cx="2796732" cy="0"/>
             </a:xfrm>
             <a:custGeom>
@@ -2703,7 +2703,7 @@
           </p:nvSpPr>
           <p:spPr>
             <a:xfrm>
-              <a:off x="1459435" y="1710316"/>
+              <a:off x="1459435" y="1710315"/>
               <a:ext cx="2796732" cy="0"/>
             </a:xfrm>
             <a:custGeom>
@@ -2875,7 +2875,7 @@
           </p:nvSpPr>
           <p:spPr>
             <a:xfrm>
-              <a:off x="2550349" y="2881318"/>
+              <a:off x="2938681" y="2881275"/>
               <a:ext cx="63202" cy="63202"/>
             </a:xfrm>
             <a:custGeom>
@@ -2918,7 +2918,7 @@
           </p:nvSpPr>
           <p:spPr>
             <a:xfrm>
-              <a:off x="1944020" y="2152505"/>
+              <a:off x="1898596" y="2152507"/>
               <a:ext cx="63202" cy="63202"/>
             </a:xfrm>
             <a:custGeom>
@@ -2961,7 +2961,7 @@
           </p:nvSpPr>
           <p:spPr>
             <a:xfrm>
-              <a:off x="2211805" y="2400724"/>
+              <a:off x="1985351" y="2400722"/>
               <a:ext cx="63202" cy="63202"/>
             </a:xfrm>
             <a:custGeom>
@@ -3004,7 +3004,7 @@
           </p:nvSpPr>
           <p:spPr>
             <a:xfrm>
-              <a:off x="2871688" y="2878649"/>
+              <a:off x="2821308" y="2878629"/>
               <a:ext cx="63202" cy="63202"/>
             </a:xfrm>
             <a:custGeom>
@@ -3047,7 +3047,7 @@
           </p:nvSpPr>
           <p:spPr>
             <a:xfrm>
-              <a:off x="2090572" y="2697471"/>
+              <a:off x="2175649" y="2697426"/>
               <a:ext cx="63202" cy="63202"/>
             </a:xfrm>
             <a:custGeom>
@@ -3090,7 +3090,7 @@
           </p:nvSpPr>
           <p:spPr>
             <a:xfrm>
-              <a:off x="1815584" y="2733439"/>
+              <a:off x="1949589" y="2733420"/>
               <a:ext cx="63202" cy="63202"/>
             </a:xfrm>
             <a:custGeom>
@@ -3133,7 +3133,7 @@
           </p:nvSpPr>
           <p:spPr>
             <a:xfrm>
-              <a:off x="2244336" y="2063725"/>
+              <a:off x="1752316" y="2063684"/>
               <a:ext cx="63202" cy="63202"/>
             </a:xfrm>
             <a:custGeom>
@@ -3176,7 +3176,7 @@
           </p:nvSpPr>
           <p:spPr>
             <a:xfrm>
-              <a:off x="2085367" y="2292749"/>
+              <a:off x="1712631" y="2292760"/>
               <a:ext cx="63202" cy="63202"/>
             </a:xfrm>
             <a:custGeom>
@@ -3219,7 +3219,7 @@
           </p:nvSpPr>
           <p:spPr>
             <a:xfrm>
-              <a:off x="1974895" y="2542958"/>
+              <a:off x="1855449" y="2542926"/>
               <a:ext cx="63202" cy="63202"/>
             </a:xfrm>
             <a:custGeom>
@@ -3262,7 +3262,7 @@
           </p:nvSpPr>
           <p:spPr>
             <a:xfrm>
-              <a:off x="1632557" y="2250881"/>
+              <a:off x="2198622" y="2250871"/>
               <a:ext cx="63202" cy="63202"/>
             </a:xfrm>
             <a:custGeom>
@@ -3305,7 +3305,7 @@
           </p:nvSpPr>
           <p:spPr>
             <a:xfrm>
-              <a:off x="1716843" y="2720083"/>
+              <a:off x="1828321" y="2720046"/>
               <a:ext cx="63202" cy="63202"/>
             </a:xfrm>
             <a:custGeom>
@@ -3348,7 +3348,7 @@
           </p:nvSpPr>
           <p:spPr>
             <a:xfrm>
-              <a:off x="2578367" y="2923579"/>
+              <a:off x="2967006" y="2923572"/>
               <a:ext cx="63202" cy="63202"/>
             </a:xfrm>
             <a:custGeom>
@@ -3391,7 +3391,7 @@
           </p:nvSpPr>
           <p:spPr>
             <a:xfrm>
-              <a:off x="1999491" y="2292577"/>
+              <a:off x="2191926" y="2292563"/>
               <a:ext cx="63202" cy="63202"/>
             </a:xfrm>
             <a:custGeom>
@@ -3434,7 +3434,7 @@
           </p:nvSpPr>
           <p:spPr>
             <a:xfrm>
-              <a:off x="1786121" y="2732533"/>
+              <a:off x="1948838" y="2732538"/>
               <a:ext cx="63202" cy="63202"/>
             </a:xfrm>
             <a:custGeom>
@@ -3477,7 +3477,7 @@
           </p:nvSpPr>
           <p:spPr>
             <a:xfrm>
-              <a:off x="1709182" y="2574109"/>
+              <a:off x="2287173" y="2574104"/>
               <a:ext cx="63202" cy="63202"/>
             </a:xfrm>
             <a:custGeom>
@@ -3520,7 +3520,7 @@
           </p:nvSpPr>
           <p:spPr>
             <a:xfrm>
-              <a:off x="1893651" y="2542959"/>
+              <a:off x="1913388" y="2542915"/>
               <a:ext cx="63202" cy="63202"/>
             </a:xfrm>
             <a:custGeom>
@@ -3563,7 +3563,7 @@
           </p:nvSpPr>
           <p:spPr>
             <a:xfrm>
-              <a:off x="1775260" y="2734955"/>
+              <a:off x="2211233" y="2734929"/>
               <a:ext cx="63202" cy="63202"/>
             </a:xfrm>
             <a:custGeom>
@@ -3606,7 +3606,7 @@
           </p:nvSpPr>
           <p:spPr>
             <a:xfrm>
-              <a:off x="2522913" y="2914659"/>
+              <a:off x="2630991" y="2914622"/>
               <a:ext cx="63202" cy="63202"/>
             </a:xfrm>
             <a:custGeom>
@@ -3649,7 +3649,7 @@
           </p:nvSpPr>
           <p:spPr>
             <a:xfrm>
-              <a:off x="1728761" y="2811801"/>
+              <a:off x="2021007" y="2811773"/>
               <a:ext cx="63202" cy="63202"/>
             </a:xfrm>
             <a:custGeom>
@@ -3692,7 +3692,7 @@
           </p:nvSpPr>
           <p:spPr>
             <a:xfrm>
-              <a:off x="1757619" y="2250887"/>
+              <a:off x="2009343" y="2250866"/>
               <a:ext cx="63202" cy="63202"/>
             </a:xfrm>
             <a:custGeom>
@@ -3735,7 +3735,7 @@
           </p:nvSpPr>
           <p:spPr>
             <a:xfrm>
-              <a:off x="2179765" y="2531527"/>
+              <a:off x="2244521" y="2531542"/>
               <a:ext cx="63202" cy="63202"/>
             </a:xfrm>
             <a:custGeom>
@@ -3778,7 +3778,7 @@
           </p:nvSpPr>
           <p:spPr>
             <a:xfrm>
-              <a:off x="2248399" y="2736366"/>
+              <a:off x="1996890" y="2736356"/>
               <a:ext cx="63202" cy="63202"/>
             </a:xfrm>
             <a:custGeom>
@@ -3821,7 +3821,7 @@
           </p:nvSpPr>
           <p:spPr>
             <a:xfrm>
-              <a:off x="1670129" y="2294019"/>
+              <a:off x="1764158" y="2293979"/>
               <a:ext cx="63202" cy="63202"/>
             </a:xfrm>
             <a:custGeom>
@@ -3864,7 +3864,7 @@
           </p:nvSpPr>
           <p:spPr>
             <a:xfrm>
-              <a:off x="1771626" y="2752995"/>
+              <a:off x="2296228" y="2752988"/>
               <a:ext cx="63202" cy="63202"/>
             </a:xfrm>
             <a:custGeom>
@@ -3907,7 +3907,7 @@
           </p:nvSpPr>
           <p:spPr>
             <a:xfrm>
-              <a:off x="2174334" y="2675457"/>
+              <a:off x="1727212" y="2675453"/>
               <a:ext cx="63202" cy="63202"/>
             </a:xfrm>
             <a:custGeom>
@@ -3950,7 +3950,7 @@
           </p:nvSpPr>
           <p:spPr>
             <a:xfrm>
-              <a:off x="1835835" y="2542616"/>
+              <a:off x="1619328" y="2542574"/>
               <a:ext cx="63202" cy="63202"/>
             </a:xfrm>
             <a:custGeom>
@@ -3993,7 +3993,7 @@
           </p:nvSpPr>
           <p:spPr>
             <a:xfrm>
-              <a:off x="1744264" y="2543568"/>
+              <a:off x="1932488" y="2543552"/>
               <a:ext cx="63202" cy="63202"/>
             </a:xfrm>
             <a:custGeom>
@@ -4036,7 +4036,7 @@
           </p:nvSpPr>
           <p:spPr>
             <a:xfrm>
-              <a:off x="2159401" y="2543267"/>
+              <a:off x="1886949" y="2543256"/>
               <a:ext cx="63202" cy="63202"/>
             </a:xfrm>
             <a:custGeom>
@@ -4079,7 +4079,7 @@
           </p:nvSpPr>
           <p:spPr>
             <a:xfrm>
-              <a:off x="2035792" y="2543773"/>
+              <a:off x="1795306" y="2543751"/>
               <a:ext cx="63202" cy="63202"/>
             </a:xfrm>
             <a:custGeom>
@@ -4122,7 +4122,7 @@
           </p:nvSpPr>
           <p:spPr>
             <a:xfrm>
-              <a:off x="1729547" y="2541939"/>
+              <a:off x="1918846" y="2541926"/>
               <a:ext cx="63202" cy="63202"/>
             </a:xfrm>
             <a:custGeom>
@@ -4165,7 +4165,7 @@
           </p:nvSpPr>
           <p:spPr>
             <a:xfrm>
-              <a:off x="2128923" y="2543334"/>
+              <a:off x="1691413" y="2543351"/>
               <a:ext cx="63202" cy="63202"/>
             </a:xfrm>
             <a:custGeom>
@@ -4208,7 +4208,7 @@
           </p:nvSpPr>
           <p:spPr>
             <a:xfrm>
-              <a:off x="1704477" y="2541898"/>
+              <a:off x="2288108" y="2541925"/>
               <a:ext cx="63202" cy="63202"/>
             </a:xfrm>
             <a:custGeom>
@@ -4251,7 +4251,7 @@
           </p:nvSpPr>
           <p:spPr>
             <a:xfrm>
-              <a:off x="2092486" y="2541047"/>
+              <a:off x="2206520" y="2541060"/>
               <a:ext cx="63202" cy="63202"/>
             </a:xfrm>
             <a:custGeom>
@@ -4294,7 +4294,7 @@
           </p:nvSpPr>
           <p:spPr>
             <a:xfrm>
-              <a:off x="2014921" y="2542921"/>
+              <a:off x="2065976" y="2542917"/>
               <a:ext cx="63202" cy="63202"/>
             </a:xfrm>
             <a:custGeom>
@@ -4337,7 +4337,7 @@
           </p:nvSpPr>
           <p:spPr>
             <a:xfrm>
-              <a:off x="2265520" y="2819298"/>
+              <a:off x="1958852" y="2819319"/>
               <a:ext cx="63202" cy="63202"/>
             </a:xfrm>
             <a:custGeom>
@@ -4380,7 +4380,7 @@
           </p:nvSpPr>
           <p:spPr>
             <a:xfrm>
-              <a:off x="2686124" y="2845534"/>
+              <a:off x="3061823" y="2845539"/>
               <a:ext cx="63202" cy="63202"/>
             </a:xfrm>
             <a:custGeom>
@@ -4423,7 +4423,7 @@
           </p:nvSpPr>
           <p:spPr>
             <a:xfrm>
-              <a:off x="2503593" y="2890398"/>
+              <a:off x="2884802" y="2890401"/>
               <a:ext cx="63202" cy="63202"/>
             </a:xfrm>
             <a:custGeom>
@@ -4466,7 +4466,7 @@
           </p:nvSpPr>
           <p:spPr>
             <a:xfrm>
-              <a:off x="3864179" y="2946484"/>
+              <a:off x="3750322" y="2946469"/>
               <a:ext cx="63202" cy="63202"/>
             </a:xfrm>
             <a:custGeom>
@@ -4509,7 +4509,7 @@
           </p:nvSpPr>
           <p:spPr>
             <a:xfrm>
-              <a:off x="2942329" y="2910630"/>
+              <a:off x="2802778" y="2910634"/>
               <a:ext cx="63202" cy="63202"/>
             </a:xfrm>
             <a:custGeom>
@@ -4552,7 +4552,7 @@
           </p:nvSpPr>
           <p:spPr>
             <a:xfrm>
-              <a:off x="2941844" y="2866156"/>
+              <a:off x="2891070" y="2866153"/>
               <a:ext cx="63202" cy="63202"/>
             </a:xfrm>
             <a:custGeom>
@@ -4595,7 +4595,7 @@
           </p:nvSpPr>
           <p:spPr>
             <a:xfrm>
-              <a:off x="3056071" y="2920125"/>
+              <a:off x="3088976" y="2920139"/>
               <a:ext cx="63202" cy="63202"/>
             </a:xfrm>
             <a:custGeom>
@@ -4638,7 +4638,7 @@
           </p:nvSpPr>
           <p:spPr>
             <a:xfrm>
-              <a:off x="1755365" y="2235486"/>
+              <a:off x="2082643" y="2235482"/>
               <a:ext cx="63202" cy="63202"/>
             </a:xfrm>
             <a:custGeom>
@@ -4681,7 +4681,7 @@
           </p:nvSpPr>
           <p:spPr>
             <a:xfrm>
-              <a:off x="2487835" y="2840762"/>
+              <a:off x="2669942" y="2840744"/>
               <a:ext cx="63202" cy="63202"/>
             </a:xfrm>
             <a:custGeom>
@@ -4724,7 +4724,7 @@
           </p:nvSpPr>
           <p:spPr>
             <a:xfrm>
-              <a:off x="1877506" y="2805469"/>
+              <a:off x="2130426" y="2805481"/>
               <a:ext cx="63202" cy="63202"/>
             </a:xfrm>
             <a:custGeom>
@@ -4767,7 +4767,7 @@
           </p:nvSpPr>
           <p:spPr>
             <a:xfrm>
-              <a:off x="2117581" y="2368823"/>
+              <a:off x="1708411" y="2368777"/>
               <a:ext cx="63202" cy="63202"/>
             </a:xfrm>
             <a:custGeom>
@@ -4810,7 +4810,7 @@
           </p:nvSpPr>
           <p:spPr>
             <a:xfrm>
-              <a:off x="2167231" y="2735832"/>
+              <a:off x="1822829" y="2735783"/>
               <a:ext cx="63202" cy="63202"/>
             </a:xfrm>
             <a:custGeom>
@@ -4853,7 +4853,7 @@
           </p:nvSpPr>
           <p:spPr>
             <a:xfrm>
-              <a:off x="1647357" y="2726436"/>
+              <a:off x="2010917" y="2726439"/>
               <a:ext cx="63202" cy="63202"/>
             </a:xfrm>
             <a:custGeom>
@@ -4896,7 +4896,7 @@
           </p:nvSpPr>
           <p:spPr>
             <a:xfrm>
-              <a:off x="2246488" y="2740791"/>
+              <a:off x="2100781" y="2740758"/>
               <a:ext cx="63202" cy="63202"/>
             </a:xfrm>
             <a:custGeom>
@@ -4939,7 +4939,7 @@
           </p:nvSpPr>
           <p:spPr>
             <a:xfrm>
-              <a:off x="2103780" y="2735200"/>
+              <a:off x="1817138" y="2735204"/>
               <a:ext cx="63202" cy="63202"/>
             </a:xfrm>
             <a:custGeom>
@@ -4982,7 +4982,7 @@
           </p:nvSpPr>
           <p:spPr>
             <a:xfrm>
-              <a:off x="1635698" y="2817053"/>
+              <a:off x="2054163" y="2817045"/>
               <a:ext cx="63202" cy="63202"/>
             </a:xfrm>
             <a:custGeom>
@@ -5025,7 +5025,7 @@
           </p:nvSpPr>
           <p:spPr>
             <a:xfrm>
-              <a:off x="1734791" y="2504050"/>
+              <a:off x="1782334" y="2504025"/>
               <a:ext cx="63202" cy="63202"/>
             </a:xfrm>
             <a:custGeom>
@@ -5068,7 +5068,7 @@
           </p:nvSpPr>
           <p:spPr>
             <a:xfrm>
-              <a:off x="1768880" y="2482569"/>
+              <a:off x="1772372" y="2482582"/>
               <a:ext cx="63202" cy="63202"/>
             </a:xfrm>
             <a:custGeom>
@@ -5111,7 +5111,7 @@
           </p:nvSpPr>
           <p:spPr>
             <a:xfrm>
-              <a:off x="2194847" y="2818388"/>
+              <a:off x="1832811" y="2818337"/>
               <a:ext cx="63202" cy="63202"/>
             </a:xfrm>
             <a:custGeom>
@@ -5154,7 +5154,7 @@
           </p:nvSpPr>
           <p:spPr>
             <a:xfrm>
-              <a:off x="2730732" y="2930332"/>
+              <a:off x="2936998" y="2930309"/>
               <a:ext cx="63202" cy="63202"/>
             </a:xfrm>
             <a:custGeom>
@@ -5197,7 +5197,7 @@
           </p:nvSpPr>
           <p:spPr>
             <a:xfrm>
-              <a:off x="1693100" y="2730465"/>
+              <a:off x="1758171" y="2730460"/>
               <a:ext cx="63202" cy="63202"/>
             </a:xfrm>
             <a:custGeom>
@@ -5240,7 +5240,7 @@
           </p:nvSpPr>
           <p:spPr>
             <a:xfrm>
-              <a:off x="1817477" y="2734841"/>
+              <a:off x="2000790" y="2734854"/>
               <a:ext cx="63202" cy="63202"/>
             </a:xfrm>
             <a:custGeom>
@@ -5283,7 +5283,7 @@
           </p:nvSpPr>
           <p:spPr>
             <a:xfrm>
-              <a:off x="1655286" y="2737587"/>
+              <a:off x="1917358" y="2737582"/>
               <a:ext cx="63202" cy="63202"/>
             </a:xfrm>
             <a:custGeom>
@@ -5326,7 +5326,7 @@
           </p:nvSpPr>
           <p:spPr>
             <a:xfrm>
-              <a:off x="1613900" y="2735674"/>
+              <a:off x="1868967" y="2735659"/>
               <a:ext cx="63202" cy="63202"/>
             </a:xfrm>
             <a:custGeom>
@@ -5369,7 +5369,7 @@
           </p:nvSpPr>
           <p:spPr>
             <a:xfrm>
-              <a:off x="2113551" y="2554561"/>
+              <a:off x="1720060" y="2554561"/>
               <a:ext cx="63202" cy="63202"/>
             </a:xfrm>
             <a:custGeom>
@@ -5412,7 +5412,7 @@
           </p:nvSpPr>
           <p:spPr>
             <a:xfrm>
-              <a:off x="1898438" y="2250882"/>
+              <a:off x="2193137" y="2250862"/>
               <a:ext cx="63202" cy="63202"/>
             </a:xfrm>
             <a:custGeom>
@@ -5455,7 +5455,7 @@
           </p:nvSpPr>
           <p:spPr>
             <a:xfrm>
-              <a:off x="2039814" y="2236264"/>
+              <a:off x="1841465" y="2236278"/>
               <a:ext cx="63202" cy="63202"/>
             </a:xfrm>
             <a:custGeom>
@@ -5498,7 +5498,7 @@
           </p:nvSpPr>
           <p:spPr>
             <a:xfrm>
-              <a:off x="1637900" y="2715530"/>
+              <a:off x="1804460" y="2715501"/>
               <a:ext cx="63202" cy="63202"/>
             </a:xfrm>
             <a:custGeom>
@@ -5541,7 +5541,7 @@
           </p:nvSpPr>
           <p:spPr>
             <a:xfrm>
-              <a:off x="2770925" y="2878790"/>
+              <a:off x="3113130" y="2878803"/>
               <a:ext cx="63202" cy="63202"/>
             </a:xfrm>
             <a:custGeom>
@@ -5584,7 +5584,7 @@
           </p:nvSpPr>
           <p:spPr>
             <a:xfrm>
-              <a:off x="2974141" y="2866589"/>
+              <a:off x="2625051" y="2866543"/>
               <a:ext cx="63202" cy="63202"/>
             </a:xfrm>
             <a:custGeom>
@@ -5627,7 +5627,7 @@
           </p:nvSpPr>
           <p:spPr>
             <a:xfrm>
-              <a:off x="1681907" y="2809194"/>
+              <a:off x="1945176" y="2809195"/>
               <a:ext cx="63202" cy="63202"/>
             </a:xfrm>
             <a:custGeom>
@@ -5670,7 +5670,7 @@
           </p:nvSpPr>
           <p:spPr>
             <a:xfrm>
-              <a:off x="1640961" y="2711395"/>
+              <a:off x="1622430" y="2711347"/>
               <a:ext cx="63202" cy="63202"/>
             </a:xfrm>
             <a:custGeom>
@@ -5713,7 +5713,7 @@
           </p:nvSpPr>
           <p:spPr>
             <a:xfrm>
-              <a:off x="2230725" y="2798551"/>
+              <a:off x="1734012" y="2798512"/>
               <a:ext cx="63202" cy="63202"/>
             </a:xfrm>
             <a:custGeom>
@@ -5756,7 +5756,7 @@
           </p:nvSpPr>
           <p:spPr>
             <a:xfrm>
-              <a:off x="1994208" y="2808604"/>
+              <a:off x="1990262" y="2808575"/>
               <a:ext cx="63202" cy="63202"/>
             </a:xfrm>
             <a:custGeom>
@@ -5799,7 +5799,7 @@
           </p:nvSpPr>
           <p:spPr>
             <a:xfrm>
-              <a:off x="1958715" y="2736373"/>
+              <a:off x="1919586" y="2736339"/>
               <a:ext cx="63202" cy="63202"/>
             </a:xfrm>
             <a:custGeom>
@@ -5842,7 +5842,7 @@
           </p:nvSpPr>
           <p:spPr>
             <a:xfrm>
-              <a:off x="1672405" y="2739536"/>
+              <a:off x="1611219" y="2739522"/>
               <a:ext cx="63202" cy="63202"/>
             </a:xfrm>
             <a:custGeom>
@@ -5885,7 +5885,7 @@
           </p:nvSpPr>
           <p:spPr>
             <a:xfrm>
-              <a:off x="2771175" y="2835023"/>
+              <a:off x="3130547" y="2835008"/>
               <a:ext cx="63202" cy="63202"/>
             </a:xfrm>
             <a:custGeom>
@@ -5928,7 +5928,7 @@
           </p:nvSpPr>
           <p:spPr>
             <a:xfrm>
-              <a:off x="1773899" y="2230651"/>
+              <a:off x="1885394" y="2230643"/>
               <a:ext cx="63202" cy="63202"/>
             </a:xfrm>
             <a:custGeom>
@@ -5971,7 +5971,7 @@
           </p:nvSpPr>
           <p:spPr>
             <a:xfrm>
-              <a:off x="1958214" y="2232969"/>
+              <a:off x="2267934" y="2232959"/>
               <a:ext cx="63202" cy="63202"/>
             </a:xfrm>
             <a:custGeom>
@@ -6014,7 +6014,7 @@
           </p:nvSpPr>
           <p:spPr>
             <a:xfrm>
-              <a:off x="1757465" y="2237113"/>
+              <a:off x="1765699" y="2237090"/>
               <a:ext cx="63202" cy="63202"/>
             </a:xfrm>
             <a:custGeom>
@@ -6057,7 +6057,7 @@
           </p:nvSpPr>
           <p:spPr>
             <a:xfrm>
-              <a:off x="1799151" y="2747573"/>
+              <a:off x="1860825" y="2747529"/>
               <a:ext cx="63202" cy="63202"/>
             </a:xfrm>
             <a:custGeom>
@@ -6100,7 +6100,7 @@
           </p:nvSpPr>
           <p:spPr>
             <a:xfrm>
-              <a:off x="2209313" y="2749027"/>
+              <a:off x="1936622" y="2749033"/>
               <a:ext cx="63202" cy="63202"/>
             </a:xfrm>
             <a:custGeom>
@@ -6143,7 +6143,7 @@
           </p:nvSpPr>
           <p:spPr>
             <a:xfrm>
-              <a:off x="2039101" y="2509046"/>
+              <a:off x="1910762" y="2509080"/>
               <a:ext cx="63202" cy="63202"/>
             </a:xfrm>
             <a:custGeom>
@@ -6186,7 +6186,7 @@
           </p:nvSpPr>
           <p:spPr>
             <a:xfrm>
-              <a:off x="2073125" y="2786138"/>
+              <a:off x="1640861" y="2786111"/>
               <a:ext cx="63202" cy="63202"/>
             </a:xfrm>
             <a:custGeom>
@@ -6229,7 +6229,7 @@
           </p:nvSpPr>
           <p:spPr>
             <a:xfrm>
-              <a:off x="2035554" y="2270550"/>
+              <a:off x="1762035" y="2270542"/>
               <a:ext cx="63202" cy="63202"/>
             </a:xfrm>
             <a:custGeom>
@@ -6272,7 +6272,7 @@
           </p:nvSpPr>
           <p:spPr>
             <a:xfrm>
-              <a:off x="1837283" y="2763284"/>
+              <a:off x="2195234" y="2763317"/>
               <a:ext cx="63202" cy="63202"/>
             </a:xfrm>
             <a:custGeom>
@@ -6315,7 +6315,7 @@
           </p:nvSpPr>
           <p:spPr>
             <a:xfrm>
-              <a:off x="2073056" y="2641780"/>
+              <a:off x="1968126" y="2641802"/>
               <a:ext cx="63202" cy="63202"/>
             </a:xfrm>
             <a:custGeom>
@@ -6358,7 +6358,7 @@
           </p:nvSpPr>
           <p:spPr>
             <a:xfrm>
-              <a:off x="2238757" y="2728847"/>
+              <a:off x="1994433" y="2728800"/>
               <a:ext cx="63202" cy="63202"/>
             </a:xfrm>
             <a:custGeom>
@@ -6401,7 +6401,7 @@
           </p:nvSpPr>
           <p:spPr>
             <a:xfrm>
-              <a:off x="1947571" y="2236771"/>
+              <a:off x="1938611" y="2236759"/>
               <a:ext cx="63202" cy="63202"/>
             </a:xfrm>
             <a:custGeom>
@@ -6500,7 +6500,7 @@
           </p:nvSpPr>
           <p:spPr>
             <a:xfrm>
-              <a:off x="1459435" y="4823707"/>
+              <a:off x="1459435" y="4823698"/>
               <a:ext cx="2796732" cy="0"/>
             </a:xfrm>
             <a:custGeom>
@@ -6543,7 +6543,7 @@
           </p:nvSpPr>
           <p:spPr>
             <a:xfrm>
-              <a:off x="1459435" y="4484262"/>
+              <a:off x="1459435" y="4484255"/>
               <a:ext cx="2796732" cy="0"/>
             </a:xfrm>
             <a:custGeom>
@@ -6586,7 +6586,7 @@
           </p:nvSpPr>
           <p:spPr>
             <a:xfrm>
-              <a:off x="1459435" y="4144816"/>
+              <a:off x="1459435" y="4144812"/>
               <a:ext cx="2796732" cy="0"/>
             </a:xfrm>
             <a:custGeom>
@@ -6629,7 +6629,7 @@
           </p:nvSpPr>
           <p:spPr>
             <a:xfrm>
-              <a:off x="1459435" y="3805371"/>
+              <a:off x="1459435" y="3805369"/>
               <a:ext cx="2796732" cy="0"/>
             </a:xfrm>
             <a:custGeom>
@@ -6672,7 +6672,7 @@
           </p:nvSpPr>
           <p:spPr>
             <a:xfrm>
-              <a:off x="1459435" y="3465925"/>
+              <a:off x="1459435" y="3465926"/>
               <a:ext cx="2796732" cy="0"/>
             </a:xfrm>
             <a:custGeom>
@@ -6715,7 +6715,7 @@
           </p:nvSpPr>
           <p:spPr>
             <a:xfrm>
-              <a:off x="1459435" y="4653984"/>
+              <a:off x="1459435" y="4653977"/>
               <a:ext cx="2796732" cy="0"/>
             </a:xfrm>
             <a:custGeom>
@@ -6758,7 +6758,7 @@
           </p:nvSpPr>
           <p:spPr>
             <a:xfrm>
-              <a:off x="1459435" y="4314539"/>
+              <a:off x="1459435" y="4314534"/>
               <a:ext cx="2796732" cy="0"/>
             </a:xfrm>
             <a:custGeom>
@@ -6801,7 +6801,7 @@
           </p:nvSpPr>
           <p:spPr>
             <a:xfrm>
-              <a:off x="1459435" y="3975094"/>
+              <a:off x="1459435" y="3975090"/>
               <a:ext cx="2796732" cy="0"/>
             </a:xfrm>
             <a:custGeom>
@@ -6844,7 +6844,7 @@
           </p:nvSpPr>
           <p:spPr>
             <a:xfrm>
-              <a:off x="1459435" y="3635648"/>
+              <a:off x="1459435" y="3635647"/>
               <a:ext cx="2796732" cy="0"/>
             </a:xfrm>
             <a:custGeom>
@@ -7016,7 +7016,7 @@
           </p:nvSpPr>
           <p:spPr>
             <a:xfrm>
-              <a:off x="1875598" y="4329893"/>
+              <a:off x="2047265" y="4329889"/>
               <a:ext cx="63202" cy="63202"/>
             </a:xfrm>
             <a:custGeom>
@@ -7059,7 +7059,7 @@
           </p:nvSpPr>
           <p:spPr>
             <a:xfrm>
-              <a:off x="2216572" y="4476151"/>
+              <a:off x="2085569" y="4476146"/>
               <a:ext cx="63202" cy="63202"/>
             </a:xfrm>
             <a:custGeom>
@@ -7102,7 +7102,7 @@
           </p:nvSpPr>
           <p:spPr>
             <a:xfrm>
-              <a:off x="1883616" y="4328158"/>
+              <a:off x="1789426" y="4328120"/>
               <a:ext cx="63202" cy="63202"/>
             </a:xfrm>
             <a:custGeom>
@@ -7145,7 +7145,7 @@
           </p:nvSpPr>
           <p:spPr>
             <a:xfrm>
-              <a:off x="1880561" y="4339149"/>
+              <a:off x="2278561" y="4339131"/>
               <a:ext cx="63202" cy="63202"/>
             </a:xfrm>
             <a:custGeom>
@@ -7188,7 +7188,7 @@
           </p:nvSpPr>
           <p:spPr>
             <a:xfrm>
-              <a:off x="2111612" y="4332313"/>
+              <a:off x="2068398" y="4332296"/>
               <a:ext cx="63202" cy="63202"/>
             </a:xfrm>
             <a:custGeom>
@@ -7231,7 +7231,7 @@
           </p:nvSpPr>
           <p:spPr>
             <a:xfrm>
-              <a:off x="1965874" y="4541385"/>
+              <a:off x="1684012" y="4541406"/>
               <a:ext cx="63202" cy="63202"/>
             </a:xfrm>
             <a:custGeom>
@@ -7274,7 +7274,7 @@
           </p:nvSpPr>
           <p:spPr>
             <a:xfrm>
-              <a:off x="1922104" y="4394425"/>
+              <a:off x="1735522" y="4394397"/>
               <a:ext cx="63202" cy="63202"/>
             </a:xfrm>
             <a:custGeom>
@@ -7317,7 +7317,7 @@
           </p:nvSpPr>
           <p:spPr>
             <a:xfrm>
-              <a:off x="2295217" y="4425833"/>
+              <a:off x="2252989" y="4425817"/>
               <a:ext cx="63202" cy="63202"/>
             </a:xfrm>
             <a:custGeom>
@@ -7360,7 +7360,7 @@
           </p:nvSpPr>
           <p:spPr>
             <a:xfrm>
-              <a:off x="1882989" y="4492302"/>
+              <a:off x="2105795" y="4492286"/>
               <a:ext cx="63202" cy="63202"/>
             </a:xfrm>
             <a:custGeom>
@@ -7403,7 +7403,7 @@
           </p:nvSpPr>
           <p:spPr>
             <a:xfrm>
-              <a:off x="1781621" y="4423687"/>
+              <a:off x="1990529" y="4423641"/>
               <a:ext cx="63202" cy="63202"/>
             </a:xfrm>
             <a:custGeom>
@@ -7446,7 +7446,7 @@
           </p:nvSpPr>
           <p:spPr>
             <a:xfrm>
-              <a:off x="2136676" y="4413142"/>
+              <a:off x="2224774" y="4413146"/>
               <a:ext cx="63202" cy="63202"/>
             </a:xfrm>
             <a:custGeom>
@@ -7489,7 +7489,7 @@
           </p:nvSpPr>
           <p:spPr>
             <a:xfrm>
-              <a:off x="1990228" y="4609343"/>
+              <a:off x="1821182" y="4609366"/>
               <a:ext cx="63202" cy="63202"/>
             </a:xfrm>
             <a:custGeom>
@@ -7532,7 +7532,7 @@
           </p:nvSpPr>
           <p:spPr>
             <a:xfrm>
-              <a:off x="1959230" y="4189268"/>
+              <a:off x="2107296" y="4189273"/>
               <a:ext cx="63202" cy="63202"/>
             </a:xfrm>
             <a:custGeom>
@@ -7575,7 +7575,7 @@
           </p:nvSpPr>
           <p:spPr>
             <a:xfrm>
-              <a:off x="2104030" y="4508536"/>
+              <a:off x="2007566" y="4508541"/>
               <a:ext cx="63202" cy="63202"/>
             </a:xfrm>
             <a:custGeom>
@@ -7618,7 +7618,7 @@
           </p:nvSpPr>
           <p:spPr>
             <a:xfrm>
-              <a:off x="1832901" y="4578007"/>
+              <a:off x="2207622" y="4577976"/>
               <a:ext cx="63202" cy="63202"/>
             </a:xfrm>
             <a:custGeom>
@@ -7661,7 +7661,7 @@
           </p:nvSpPr>
           <p:spPr>
             <a:xfrm>
-              <a:off x="1797183" y="4086833"/>
+              <a:off x="2019340" y="4086797"/>
               <a:ext cx="63202" cy="63202"/>
             </a:xfrm>
             <a:custGeom>
@@ -7704,7 +7704,7 @@
           </p:nvSpPr>
           <p:spPr>
             <a:xfrm>
-              <a:off x="2279094" y="4481895"/>
+              <a:off x="2065195" y="4481889"/>
               <a:ext cx="63202" cy="63202"/>
             </a:xfrm>
             <a:custGeom>
@@ -7747,7 +7747,7 @@
           </p:nvSpPr>
           <p:spPr>
             <a:xfrm>
-              <a:off x="1839670" y="4147817"/>
+              <a:off x="2043855" y="4147846"/>
               <a:ext cx="63202" cy="63202"/>
             </a:xfrm>
             <a:custGeom>
@@ -7790,7 +7790,7 @@
           </p:nvSpPr>
           <p:spPr>
             <a:xfrm>
-              <a:off x="1926452" y="4491497"/>
+              <a:off x="1744803" y="4491498"/>
               <a:ext cx="63202" cy="63202"/>
             </a:xfrm>
             <a:custGeom>
@@ -7833,7 +7833,7 @@
           </p:nvSpPr>
           <p:spPr>
             <a:xfrm>
-              <a:off x="1754145" y="4492394"/>
+              <a:off x="1876555" y="4492344"/>
               <a:ext cx="63202" cy="63202"/>
             </a:xfrm>
             <a:custGeom>
@@ -7876,7 +7876,7 @@
           </p:nvSpPr>
           <p:spPr>
             <a:xfrm>
-              <a:off x="2231041" y="4368067"/>
+              <a:off x="1961730" y="4368082"/>
               <a:ext cx="63202" cy="63202"/>
             </a:xfrm>
             <a:custGeom>
@@ -7919,7 +7919,7 @@
           </p:nvSpPr>
           <p:spPr>
             <a:xfrm>
-              <a:off x="2227844" y="4418393"/>
+              <a:off x="1862826" y="4418353"/>
               <a:ext cx="63202" cy="63202"/>
             </a:xfrm>
             <a:custGeom>
@@ -8018,7 +8018,7 @@
           </p:nvSpPr>
           <p:spPr>
             <a:xfrm>
-              <a:off x="1459435" y="6749040"/>
+              <a:off x="1459435" y="6749031"/>
               <a:ext cx="2796732" cy="0"/>
             </a:xfrm>
             <a:custGeom>
@@ -8061,7 +8061,7 @@
           </p:nvSpPr>
           <p:spPr>
             <a:xfrm>
-              <a:off x="1459435" y="6409594"/>
+              <a:off x="1459435" y="6409588"/>
               <a:ext cx="2796732" cy="0"/>
             </a:xfrm>
             <a:custGeom>
@@ -8104,7 +8104,7 @@
           </p:nvSpPr>
           <p:spPr>
             <a:xfrm>
-              <a:off x="1459435" y="6070149"/>
+              <a:off x="1459435" y="6070145"/>
               <a:ext cx="2796732" cy="0"/>
             </a:xfrm>
             <a:custGeom>
@@ -8147,7 +8147,7 @@
           </p:nvSpPr>
           <p:spPr>
             <a:xfrm>
-              <a:off x="1459435" y="5730703"/>
+              <a:off x="1459435" y="5730702"/>
               <a:ext cx="2796732" cy="0"/>
             </a:xfrm>
             <a:custGeom>
@@ -8233,7 +8233,7 @@
           </p:nvSpPr>
           <p:spPr>
             <a:xfrm>
-              <a:off x="1459435" y="6579317"/>
+              <a:off x="1459435" y="6579309"/>
               <a:ext cx="2796732" cy="0"/>
             </a:xfrm>
             <a:custGeom>
@@ -8276,7 +8276,7 @@
           </p:nvSpPr>
           <p:spPr>
             <a:xfrm>
-              <a:off x="1459435" y="6239872"/>
+              <a:off x="1459435" y="6239866"/>
               <a:ext cx="2796732" cy="0"/>
             </a:xfrm>
             <a:custGeom>
@@ -8319,7 +8319,7 @@
           </p:nvSpPr>
           <p:spPr>
             <a:xfrm>
-              <a:off x="1459435" y="5900426"/>
+              <a:off x="1459435" y="5900423"/>
               <a:ext cx="2796732" cy="0"/>
             </a:xfrm>
             <a:custGeom>
@@ -8362,7 +8362,7 @@
           </p:nvSpPr>
           <p:spPr>
             <a:xfrm>
-              <a:off x="1459435" y="5560981"/>
+              <a:off x="1459435" y="5560980"/>
               <a:ext cx="2796732" cy="0"/>
             </a:xfrm>
             <a:custGeom>
@@ -8534,7 +8534,7 @@
           </p:nvSpPr>
           <p:spPr>
             <a:xfrm>
-              <a:off x="2231680" y="5532576"/>
+              <a:off x="1940627" y="5532592"/>
               <a:ext cx="63202" cy="63202"/>
             </a:xfrm>
             <a:custGeom>
@@ -8577,7 +8577,7 @@
           </p:nvSpPr>
           <p:spPr>
             <a:xfrm>
-              <a:off x="1638602" y="5559156"/>
+              <a:off x="1697928" y="5559205"/>
               <a:ext cx="63202" cy="63202"/>
             </a:xfrm>
             <a:custGeom>
@@ -8620,7 +8620,7 @@
           </p:nvSpPr>
           <p:spPr>
             <a:xfrm>
-              <a:off x="1862125" y="5486931"/>
+              <a:off x="2219828" y="5486947"/>
               <a:ext cx="63202" cy="63202"/>
             </a:xfrm>
             <a:custGeom>
@@ -8663,7 +8663,7 @@
           </p:nvSpPr>
           <p:spPr>
             <a:xfrm>
-              <a:off x="2091592" y="6103041"/>
+              <a:off x="1969438" y="6103064"/>
               <a:ext cx="63202" cy="63202"/>
             </a:xfrm>
             <a:custGeom>
@@ -8706,7 +8706,7 @@
           </p:nvSpPr>
           <p:spPr>
             <a:xfrm>
-              <a:off x="2149484" y="5991577"/>
+              <a:off x="1863779" y="5991558"/>
               <a:ext cx="63202" cy="63202"/>
             </a:xfrm>
             <a:custGeom>
@@ -8749,7 +8749,7 @@
           </p:nvSpPr>
           <p:spPr>
             <a:xfrm>
-              <a:off x="1948780" y="6021892"/>
+              <a:off x="2182183" y="6021917"/>
               <a:ext cx="63202" cy="63202"/>
             </a:xfrm>
             <a:custGeom>
@@ -8792,7 +8792,7 @@
           </p:nvSpPr>
           <p:spPr>
             <a:xfrm>
-              <a:off x="2174228" y="5889580"/>
+              <a:off x="1979078" y="5889612"/>
               <a:ext cx="63202" cy="63202"/>
             </a:xfrm>
             <a:custGeom>
@@ -8835,7 +8835,7 @@
           </p:nvSpPr>
           <p:spPr>
             <a:xfrm>
-              <a:off x="1965343" y="5865343"/>
+              <a:off x="1852261" y="5865377"/>
               <a:ext cx="63202" cy="63202"/>
             </a:xfrm>
             <a:custGeom>
@@ -8878,7 +8878,7 @@
           </p:nvSpPr>
           <p:spPr>
             <a:xfrm>
-              <a:off x="1768457" y="6374490"/>
+              <a:off x="1879312" y="6374443"/>
               <a:ext cx="63202" cy="63202"/>
             </a:xfrm>
             <a:custGeom>
@@ -8921,7 +8921,7 @@
           </p:nvSpPr>
           <p:spPr>
             <a:xfrm>
-              <a:off x="1800852" y="6368395"/>
+              <a:off x="1785156" y="6368437"/>
               <a:ext cx="63202" cy="63202"/>
             </a:xfrm>
             <a:custGeom>
@@ -8964,7 +8964,7 @@
           </p:nvSpPr>
           <p:spPr>
             <a:xfrm>
-              <a:off x="1703888" y="6029836"/>
+              <a:off x="1968398" y="6029837"/>
               <a:ext cx="63202" cy="63202"/>
             </a:xfrm>
             <a:custGeom>
@@ -9007,7 +9007,7 @@
           </p:nvSpPr>
           <p:spPr>
             <a:xfrm>
-              <a:off x="2260938" y="6165904"/>
+              <a:off x="1840973" y="6165876"/>
               <a:ext cx="63202" cy="63202"/>
             </a:xfrm>
             <a:custGeom>
@@ -9050,7 +9050,7 @@
           </p:nvSpPr>
           <p:spPr>
             <a:xfrm>
-              <a:off x="2088398" y="5960218"/>
+              <a:off x="1707653" y="5960175"/>
               <a:ext cx="63202" cy="63202"/>
             </a:xfrm>
             <a:custGeom>
@@ -9093,7 +9093,7 @@
           </p:nvSpPr>
           <p:spPr>
             <a:xfrm>
-              <a:off x="1756072" y="6053947"/>
+              <a:off x="1632133" y="6053961"/>
               <a:ext cx="63202" cy="63202"/>
             </a:xfrm>
             <a:custGeom>
@@ -9136,7 +9136,7 @@
           </p:nvSpPr>
           <p:spPr>
             <a:xfrm>
-              <a:off x="1765564" y="6291419"/>
+              <a:off x="1843940" y="6291442"/>
               <a:ext cx="63202" cy="63202"/>
             </a:xfrm>
             <a:custGeom>
@@ -9179,7 +9179,7 @@
           </p:nvSpPr>
           <p:spPr>
             <a:xfrm>
-              <a:off x="1879503" y="6048252"/>
+              <a:off x="1649423" y="6048255"/>
               <a:ext cx="63202" cy="63202"/>
             </a:xfrm>
             <a:custGeom>
@@ -9222,7 +9222,7 @@
           </p:nvSpPr>
           <p:spPr>
             <a:xfrm>
-              <a:off x="2265988" y="6101190"/>
+              <a:off x="1919919" y="6101218"/>
               <a:ext cx="63202" cy="63202"/>
             </a:xfrm>
             <a:custGeom>
@@ -9265,7 +9265,7 @@
           </p:nvSpPr>
           <p:spPr>
             <a:xfrm>
-              <a:off x="1703308" y="6056125"/>
+              <a:off x="1949154" y="6056126"/>
               <a:ext cx="63202" cy="63202"/>
             </a:xfrm>
             <a:custGeom>
@@ -9308,7 +9308,7 @@
           </p:nvSpPr>
           <p:spPr>
             <a:xfrm>
-              <a:off x="2094743" y="6028408"/>
+              <a:off x="1992273" y="6028418"/>
               <a:ext cx="63202" cy="63202"/>
             </a:xfrm>
             <a:custGeom>
@@ -9351,7 +9351,7 @@
           </p:nvSpPr>
           <p:spPr>
             <a:xfrm>
-              <a:off x="2134494" y="6068425"/>
+              <a:off x="2291875" y="6068441"/>
               <a:ext cx="63202" cy="63202"/>
             </a:xfrm>
             <a:custGeom>
@@ -9394,7 +9394,7 @@
           </p:nvSpPr>
           <p:spPr>
             <a:xfrm>
-              <a:off x="2255530" y="6046483"/>
+              <a:off x="2087506" y="6046510"/>
               <a:ext cx="63202" cy="63202"/>
             </a:xfrm>
             <a:custGeom>
@@ -9437,7 +9437,7 @@
           </p:nvSpPr>
           <p:spPr>
             <a:xfrm>
-              <a:off x="1952338" y="6010377"/>
+              <a:off x="2212371" y="6010377"/>
               <a:ext cx="63202" cy="63202"/>
             </a:xfrm>
             <a:custGeom>
@@ -9480,7 +9480,7 @@
           </p:nvSpPr>
           <p:spPr>
             <a:xfrm>
-              <a:off x="1789767" y="5834182"/>
+              <a:off x="2232491" y="5834212"/>
               <a:ext cx="63202" cy="63202"/>
             </a:xfrm>
             <a:custGeom>
@@ -9523,7 +9523,7 @@
           </p:nvSpPr>
           <p:spPr>
             <a:xfrm>
-              <a:off x="1626803" y="5881734"/>
+              <a:off x="2039413" y="5881705"/>
               <a:ext cx="63202" cy="63202"/>
             </a:xfrm>
             <a:custGeom>
@@ -9566,7 +9566,7 @@
           </p:nvSpPr>
           <p:spPr>
             <a:xfrm>
-              <a:off x="2196693" y="6187021"/>
+              <a:off x="1687309" y="6187026"/>
               <a:ext cx="63202" cy="63202"/>
             </a:xfrm>
             <a:custGeom>
@@ -9609,7 +9609,7 @@
           </p:nvSpPr>
           <p:spPr>
             <a:xfrm>
-              <a:off x="2239515" y="6469710"/>
+              <a:off x="1700286" y="6469699"/>
               <a:ext cx="63202" cy="63202"/>
             </a:xfrm>
             <a:custGeom>
@@ -9652,7 +9652,7 @@
           </p:nvSpPr>
           <p:spPr>
             <a:xfrm>
-              <a:off x="1788405" y="6363382"/>
+              <a:off x="1892409" y="6363410"/>
               <a:ext cx="63202" cy="63202"/>
             </a:xfrm>
             <a:custGeom>
@@ -9695,7 +9695,7 @@
           </p:nvSpPr>
           <p:spPr>
             <a:xfrm>
-              <a:off x="2101937" y="6475847"/>
+              <a:off x="1683882" y="6475791"/>
               <a:ext cx="63202" cy="63202"/>
             </a:xfrm>
             <a:custGeom>
@@ -9738,7 +9738,7 @@
           </p:nvSpPr>
           <p:spPr>
             <a:xfrm>
-              <a:off x="1767440" y="5951321"/>
+              <a:off x="1898646" y="5951324"/>
               <a:ext cx="63202" cy="63202"/>
             </a:xfrm>
             <a:custGeom>
@@ -9781,7 +9781,7 @@
           </p:nvSpPr>
           <p:spPr>
             <a:xfrm>
-              <a:off x="2102876" y="6017857"/>
+              <a:off x="1887861" y="6017844"/>
               <a:ext cx="63202" cy="63202"/>
             </a:xfrm>
             <a:custGeom>
@@ -9824,7 +9824,7 @@
           </p:nvSpPr>
           <p:spPr>
             <a:xfrm>
-              <a:off x="2246521" y="6557602"/>
+              <a:off x="1634803" y="6557628"/>
               <a:ext cx="63202" cy="63202"/>
             </a:xfrm>
             <a:custGeom>
@@ -9867,7 +9867,7 @@
           </p:nvSpPr>
           <p:spPr>
             <a:xfrm>
-              <a:off x="2278394" y="5516573"/>
+              <a:off x="2176369" y="5516553"/>
               <a:ext cx="63202" cy="63202"/>
             </a:xfrm>
             <a:custGeom>
@@ -9910,7 +9910,7 @@
           </p:nvSpPr>
           <p:spPr>
             <a:xfrm>
-              <a:off x="2192853" y="6028695"/>
+              <a:off x="1626976" y="6028718"/>
               <a:ext cx="63202" cy="63202"/>
             </a:xfrm>
             <a:custGeom>
@@ -9953,7 +9953,7 @@
           </p:nvSpPr>
           <p:spPr>
             <a:xfrm>
-              <a:off x="1973421" y="6055570"/>
+              <a:off x="2163191" y="6055588"/>
               <a:ext cx="63202" cy="63202"/>
             </a:xfrm>
             <a:custGeom>
@@ -9996,7 +9996,7 @@
           </p:nvSpPr>
           <p:spPr>
             <a:xfrm>
-              <a:off x="1939383" y="6126649"/>
+              <a:off x="2276560" y="6126656"/>
               <a:ext cx="63202" cy="63202"/>
             </a:xfrm>
             <a:custGeom>
@@ -10039,7 +10039,7 @@
           </p:nvSpPr>
           <p:spPr>
             <a:xfrm>
-              <a:off x="2156981" y="6103310"/>
+              <a:off x="1781172" y="6103297"/>
               <a:ext cx="63202" cy="63202"/>
             </a:xfrm>
             <a:custGeom>
@@ -10082,7 +10082,7 @@
           </p:nvSpPr>
           <p:spPr>
             <a:xfrm>
-              <a:off x="1894824" y="6063470"/>
+              <a:off x="1637468" y="6063460"/>
               <a:ext cx="63202" cy="63202"/>
             </a:xfrm>
             <a:custGeom>
@@ -10125,7 +10125,7 @@
           </p:nvSpPr>
           <p:spPr>
             <a:xfrm>
-              <a:off x="1776045" y="6190563"/>
+              <a:off x="1804074" y="6190519"/>
               <a:ext cx="63202" cy="63202"/>
             </a:xfrm>
             <a:custGeom>
@@ -10168,7 +10168,7 @@
           </p:nvSpPr>
           <p:spPr>
             <a:xfrm>
-              <a:off x="1757469" y="5707360"/>
+              <a:off x="1868584" y="5707388"/>
               <a:ext cx="63202" cy="63202"/>
             </a:xfrm>
             <a:custGeom>
@@ -10211,7 +10211,7 @@
           </p:nvSpPr>
           <p:spPr>
             <a:xfrm>
-              <a:off x="1830529" y="6258011"/>
+              <a:off x="1899905" y="6258010"/>
               <a:ext cx="63202" cy="63202"/>
             </a:xfrm>
             <a:custGeom>
@@ -10254,7 +10254,7 @@
           </p:nvSpPr>
           <p:spPr>
             <a:xfrm>
-              <a:off x="2098693" y="5471601"/>
+              <a:off x="2186466" y="5471626"/>
               <a:ext cx="63202" cy="63202"/>
             </a:xfrm>
             <a:custGeom>
@@ -10297,7 +10297,7 @@
           </p:nvSpPr>
           <p:spPr>
             <a:xfrm>
-              <a:off x="1726323" y="6179646"/>
+              <a:off x="2104921" y="6179595"/>
               <a:ext cx="63202" cy="63202"/>
             </a:xfrm>
             <a:custGeom>
@@ -10340,7 +10340,7 @@
           </p:nvSpPr>
           <p:spPr>
             <a:xfrm>
-              <a:off x="1693829" y="6043526"/>
+              <a:off x="1735189" y="6043477"/>
               <a:ext cx="63202" cy="63202"/>
             </a:xfrm>
             <a:custGeom>
@@ -10383,7 +10383,7 @@
           </p:nvSpPr>
           <p:spPr>
             <a:xfrm>
-              <a:off x="1841493" y="6259756"/>
+              <a:off x="2237368" y="6259702"/>
               <a:ext cx="63202" cy="63202"/>
             </a:xfrm>
             <a:custGeom>
@@ -10426,7 +10426,7 @@
           </p:nvSpPr>
           <p:spPr>
             <a:xfrm>
-              <a:off x="1783392" y="5443105"/>
+              <a:off x="2280001" y="5443095"/>
               <a:ext cx="63202" cy="63202"/>
             </a:xfrm>
             <a:custGeom>
@@ -10469,7 +10469,7 @@
           </p:nvSpPr>
           <p:spPr>
             <a:xfrm>
-              <a:off x="1692677" y="6060903"/>
+              <a:off x="1934766" y="6060900"/>
               <a:ext cx="63202" cy="63202"/>
             </a:xfrm>
             <a:custGeom>
@@ -10512,7 +10512,7 @@
           </p:nvSpPr>
           <p:spPr>
             <a:xfrm>
-              <a:off x="2137998" y="5966371"/>
+              <a:off x="1846568" y="5966386"/>
               <a:ext cx="63202" cy="63202"/>
             </a:xfrm>
             <a:custGeom>
@@ -10555,7 +10555,7 @@
           </p:nvSpPr>
           <p:spPr>
             <a:xfrm>
-              <a:off x="2189625" y="5952914"/>
+              <a:off x="1997524" y="5952918"/>
               <a:ext cx="63202" cy="63202"/>
             </a:xfrm>
             <a:custGeom>
@@ -10598,7 +10598,7 @@
           </p:nvSpPr>
           <p:spPr>
             <a:xfrm>
-              <a:off x="1996765" y="5434800"/>
+              <a:off x="1691337" y="5434811"/>
               <a:ext cx="63202" cy="63202"/>
             </a:xfrm>
             <a:custGeom>
@@ -10641,7 +10641,7 @@
           </p:nvSpPr>
           <p:spPr>
             <a:xfrm>
-              <a:off x="2255391" y="5936489"/>
+              <a:off x="2132883" y="5936530"/>
               <a:ext cx="63202" cy="63202"/>
             </a:xfrm>
             <a:custGeom>
@@ -10684,7 +10684,7 @@
           </p:nvSpPr>
           <p:spPr>
             <a:xfrm>
-              <a:off x="1684439" y="6019765"/>
+              <a:off x="2089554" y="6019748"/>
               <a:ext cx="63202" cy="63202"/>
             </a:xfrm>
             <a:custGeom>
@@ -10727,7 +10727,7 @@
           </p:nvSpPr>
           <p:spPr>
             <a:xfrm>
-              <a:off x="2274145" y="6139147"/>
+              <a:off x="2069418" y="6139147"/>
               <a:ext cx="63202" cy="63202"/>
             </a:xfrm>
             <a:custGeom>
@@ -10770,7 +10770,7 @@
           </p:nvSpPr>
           <p:spPr>
             <a:xfrm>
-              <a:off x="1690124" y="6013631"/>
+              <a:off x="1941262" y="6013653"/>
               <a:ext cx="63202" cy="63202"/>
             </a:xfrm>
             <a:custGeom>
@@ -10813,7 +10813,7 @@
           </p:nvSpPr>
           <p:spPr>
             <a:xfrm>
-              <a:off x="2139851" y="6021374"/>
+              <a:off x="2094985" y="6021346"/>
               <a:ext cx="63202" cy="63202"/>
             </a:xfrm>
             <a:custGeom>
@@ -10856,7 +10856,7 @@
           </p:nvSpPr>
           <p:spPr>
             <a:xfrm>
-              <a:off x="1727176" y="5703124"/>
+              <a:off x="1672555" y="5703097"/>
               <a:ext cx="63202" cy="63202"/>
             </a:xfrm>
             <a:custGeom>
@@ -10899,7 +10899,7 @@
           </p:nvSpPr>
           <p:spPr>
             <a:xfrm>
-              <a:off x="1760923" y="6179636"/>
+              <a:off x="2008793" y="6179631"/>
               <a:ext cx="63202" cy="63202"/>
             </a:xfrm>
             <a:custGeom>
@@ -10942,7 +10942,7 @@
           </p:nvSpPr>
           <p:spPr>
             <a:xfrm>
-              <a:off x="1815396" y="5944238"/>
+              <a:off x="2056588" y="5944243"/>
               <a:ext cx="63202" cy="63202"/>
             </a:xfrm>
             <a:custGeom>
@@ -10985,7 +10985,7 @@
           </p:nvSpPr>
           <p:spPr>
             <a:xfrm>
-              <a:off x="2112390" y="5474798"/>
+              <a:off x="1632146" y="5474790"/>
               <a:ext cx="63202" cy="63202"/>
             </a:xfrm>
             <a:custGeom>
@@ -11028,7 +11028,7 @@
           </p:nvSpPr>
           <p:spPr>
             <a:xfrm>
-              <a:off x="1902818" y="5472498"/>
+              <a:off x="1985073" y="5472507"/>
               <a:ext cx="63202" cy="63202"/>
             </a:xfrm>
             <a:custGeom>
@@ -11071,7 +11071,7 @@
           </p:nvSpPr>
           <p:spPr>
             <a:xfrm>
-              <a:off x="1713691" y="5472153"/>
+              <a:off x="1687212" y="5472175"/>
               <a:ext cx="63202" cy="63202"/>
             </a:xfrm>
             <a:custGeom>
@@ -11114,7 +11114,7 @@
           </p:nvSpPr>
           <p:spPr>
             <a:xfrm>
-              <a:off x="2047143" y="5471988"/>
+              <a:off x="1704346" y="5472002"/>
               <a:ext cx="63202" cy="63202"/>
             </a:xfrm>
             <a:custGeom>
@@ -11157,7 +11157,7 @@
           </p:nvSpPr>
           <p:spPr>
             <a:xfrm>
-              <a:off x="1845699" y="5471874"/>
+              <a:off x="1668131" y="5471876"/>
               <a:ext cx="63202" cy="63202"/>
             </a:xfrm>
             <a:custGeom>
@@ -11200,7 +11200,7 @@
           </p:nvSpPr>
           <p:spPr>
             <a:xfrm>
-              <a:off x="2193568" y="5740719"/>
+              <a:off x="2261747" y="5740736"/>
               <a:ext cx="63202" cy="63202"/>
             </a:xfrm>
             <a:custGeom>
@@ -11243,7 +11243,7 @@
           </p:nvSpPr>
           <p:spPr>
             <a:xfrm>
-              <a:off x="2241149" y="5730325"/>
+              <a:off x="1842390" y="5730310"/>
               <a:ext cx="63202" cy="63202"/>
             </a:xfrm>
             <a:custGeom>
@@ -11286,7 +11286,7 @@
           </p:nvSpPr>
           <p:spPr>
             <a:xfrm>
-              <a:off x="2264535" y="6144600"/>
+              <a:off x="2158052" y="6144578"/>
               <a:ext cx="63202" cy="63202"/>
             </a:xfrm>
             <a:custGeom>
@@ -11329,7 +11329,7 @@
           </p:nvSpPr>
           <p:spPr>
             <a:xfrm>
-              <a:off x="1951513" y="5487873"/>
+              <a:off x="1763667" y="5487875"/>
               <a:ext cx="63202" cy="63202"/>
             </a:xfrm>
             <a:custGeom>
@@ -11372,7 +11372,7 @@
           </p:nvSpPr>
           <p:spPr>
             <a:xfrm>
-              <a:off x="1690303" y="5875878"/>
+              <a:off x="2301779" y="5875896"/>
               <a:ext cx="63202" cy="63202"/>
             </a:xfrm>
             <a:custGeom>
@@ -11415,7 +11415,7 @@
           </p:nvSpPr>
           <p:spPr>
             <a:xfrm>
-              <a:off x="2145140" y="5752067"/>
+              <a:off x="1925471" y="5752035"/>
               <a:ext cx="63202" cy="63202"/>
             </a:xfrm>
             <a:custGeom>
@@ -11458,7 +11458,7 @@
           </p:nvSpPr>
           <p:spPr>
             <a:xfrm>
-              <a:off x="2181386" y="6161032"/>
+              <a:off x="1919922" y="6161019"/>
               <a:ext cx="63202" cy="63202"/>
             </a:xfrm>
             <a:custGeom>
@@ -11501,7 +11501,7 @@
           </p:nvSpPr>
           <p:spPr>
             <a:xfrm>
-              <a:off x="1775534" y="5498621"/>
+              <a:off x="2076789" y="5498607"/>
               <a:ext cx="63202" cy="63202"/>
             </a:xfrm>
             <a:custGeom>
@@ -11544,7 +11544,7 @@
           </p:nvSpPr>
           <p:spPr>
             <a:xfrm>
-              <a:off x="1966149" y="6036919"/>
+              <a:off x="1856310" y="6036901"/>
               <a:ext cx="63202" cy="63202"/>
             </a:xfrm>
             <a:custGeom>
@@ -11587,7 +11587,7 @@
           </p:nvSpPr>
           <p:spPr>
             <a:xfrm>
-              <a:off x="1787621" y="6366241"/>
+              <a:off x="1706021" y="6366255"/>
               <a:ext cx="63202" cy="63202"/>
             </a:xfrm>
             <a:custGeom>
@@ -11630,7 +11630,7 @@
           </p:nvSpPr>
           <p:spPr>
             <a:xfrm>
-              <a:off x="1934993" y="5718737"/>
+              <a:off x="2148282" y="5718728"/>
               <a:ext cx="63202" cy="63202"/>
             </a:xfrm>
             <a:custGeom>
@@ -11673,7 +11673,7 @@
           </p:nvSpPr>
           <p:spPr>
             <a:xfrm>
-              <a:off x="2034019" y="6433122"/>
+              <a:off x="1776031" y="6433126"/>
               <a:ext cx="63202" cy="63202"/>
             </a:xfrm>
             <a:custGeom>
@@ -11716,7 +11716,7 @@
           </p:nvSpPr>
           <p:spPr>
             <a:xfrm>
-              <a:off x="1769488" y="5464821"/>
+              <a:off x="2094465" y="5464830"/>
               <a:ext cx="63202" cy="63202"/>
             </a:xfrm>
             <a:custGeom>
@@ -11759,7 +11759,7 @@
           </p:nvSpPr>
           <p:spPr>
             <a:xfrm>
-              <a:off x="1690031" y="5659812"/>
+              <a:off x="1710512" y="5659788"/>
               <a:ext cx="63202" cy="63202"/>
             </a:xfrm>
             <a:custGeom>
@@ -11802,7 +11802,7 @@
           </p:nvSpPr>
           <p:spPr>
             <a:xfrm>
-              <a:off x="2219014" y="5601732"/>
+              <a:off x="2100910" y="5601728"/>
               <a:ext cx="63202" cy="63202"/>
             </a:xfrm>
             <a:custGeom>
@@ -11845,7 +11845,7 @@
           </p:nvSpPr>
           <p:spPr>
             <a:xfrm>
-              <a:off x="2219867" y="5646698"/>
+              <a:off x="2082408" y="5646699"/>
               <a:ext cx="63202" cy="63202"/>
             </a:xfrm>
             <a:custGeom>
@@ -11888,7 +11888,7 @@
           </p:nvSpPr>
           <p:spPr>
             <a:xfrm>
-              <a:off x="1637733" y="5454992"/>
+              <a:off x="2108602" y="5454970"/>
               <a:ext cx="63202" cy="63202"/>
             </a:xfrm>
             <a:custGeom>
@@ -11931,7 +11931,7 @@
           </p:nvSpPr>
           <p:spPr>
             <a:xfrm>
-              <a:off x="1880463" y="5452009"/>
+              <a:off x="1629626" y="5452004"/>
               <a:ext cx="63202" cy="63202"/>
             </a:xfrm>
             <a:custGeom>
@@ -11974,7 +11974,7 @@
           </p:nvSpPr>
           <p:spPr>
             <a:xfrm>
-              <a:off x="1885931" y="5699837"/>
+              <a:off x="2175874" y="5699822"/>
               <a:ext cx="63202" cy="63202"/>
             </a:xfrm>
             <a:custGeom>
@@ -12017,7 +12017,7 @@
           </p:nvSpPr>
           <p:spPr>
             <a:xfrm>
-              <a:off x="1650337" y="5688976"/>
+              <a:off x="1890948" y="5688984"/>
               <a:ext cx="63202" cy="63202"/>
             </a:xfrm>
             <a:custGeom>
@@ -12060,7 +12060,7 @@
           </p:nvSpPr>
           <p:spPr>
             <a:xfrm>
-              <a:off x="1933445" y="5469313"/>
+              <a:off x="2194133" y="5469276"/>
               <a:ext cx="63202" cy="63202"/>
             </a:xfrm>
             <a:custGeom>
@@ -12103,7 +12103,7 @@
           </p:nvSpPr>
           <p:spPr>
             <a:xfrm>
-              <a:off x="1805053" y="5477125"/>
+              <a:off x="1667096" y="5477097"/>
               <a:ext cx="63202" cy="63202"/>
             </a:xfrm>
             <a:custGeom>
@@ -12146,7 +12146,7 @@
           </p:nvSpPr>
           <p:spPr>
             <a:xfrm>
-              <a:off x="1916539" y="5477674"/>
+              <a:off x="1829230" y="5477674"/>
               <a:ext cx="63202" cy="63202"/>
             </a:xfrm>
             <a:custGeom>
@@ -12189,7 +12189,7 @@
           </p:nvSpPr>
           <p:spPr>
             <a:xfrm>
-              <a:off x="2070891" y="5536840"/>
+              <a:off x="2160302" y="5536850"/>
               <a:ext cx="63202" cy="63202"/>
             </a:xfrm>
             <a:custGeom>
@@ -12232,7 +12232,7 @@
           </p:nvSpPr>
           <p:spPr>
             <a:xfrm>
-              <a:off x="1973524" y="5466309"/>
+              <a:off x="1718718" y="5466294"/>
               <a:ext cx="63202" cy="63202"/>
             </a:xfrm>
             <a:custGeom>
@@ -12275,7 +12275,7 @@
           </p:nvSpPr>
           <p:spPr>
             <a:xfrm>
-              <a:off x="1767100" y="6017860"/>
+              <a:off x="1770798" y="6017852"/>
               <a:ext cx="63202" cy="63202"/>
             </a:xfrm>
             <a:custGeom>
@@ -12318,7 +12318,7 @@
           </p:nvSpPr>
           <p:spPr>
             <a:xfrm>
-              <a:off x="2155791" y="5490122"/>
+              <a:off x="1654083" y="5490157"/>
               <a:ext cx="63202" cy="63202"/>
             </a:xfrm>
             <a:custGeom>
@@ -12361,7 +12361,7 @@
           </p:nvSpPr>
           <p:spPr>
             <a:xfrm>
-              <a:off x="2089497" y="5399696"/>
+              <a:off x="1988359" y="5399710"/>
               <a:ext cx="63202" cy="63202"/>
             </a:xfrm>
             <a:custGeom>
@@ -12404,7 +12404,7 @@
           </p:nvSpPr>
           <p:spPr>
             <a:xfrm>
-              <a:off x="1905688" y="5885993"/>
+              <a:off x="2178916" y="5885980"/>
               <a:ext cx="63202" cy="63202"/>
             </a:xfrm>
             <a:custGeom>
@@ -12447,7 +12447,7 @@
           </p:nvSpPr>
           <p:spPr>
             <a:xfrm>
-              <a:off x="2281967" y="6400177"/>
+              <a:off x="1804769" y="6400204"/>
               <a:ext cx="63202" cy="63202"/>
             </a:xfrm>
             <a:custGeom>
@@ -12490,7 +12490,7 @@
           </p:nvSpPr>
           <p:spPr>
             <a:xfrm>
-              <a:off x="1940199" y="5979964"/>
+              <a:off x="2254527" y="5979981"/>
               <a:ext cx="63202" cy="63202"/>
             </a:xfrm>
             <a:custGeom>
@@ -12533,7 +12533,7 @@
           </p:nvSpPr>
           <p:spPr>
             <a:xfrm>
-              <a:off x="1636069" y="5965088"/>
+              <a:off x="1784022" y="5965085"/>
               <a:ext cx="63202" cy="63202"/>
             </a:xfrm>
             <a:custGeom>
@@ -12576,7 +12576,7 @@
           </p:nvSpPr>
           <p:spPr>
             <a:xfrm>
-              <a:off x="2094275" y="5458910"/>
+              <a:off x="1955558" y="5458920"/>
               <a:ext cx="63202" cy="63202"/>
             </a:xfrm>
             <a:custGeom>
@@ -12619,7 +12619,7 @@
           </p:nvSpPr>
           <p:spPr>
             <a:xfrm>
-              <a:off x="2249026" y="5550093"/>
+              <a:off x="1988554" y="5550080"/>
               <a:ext cx="63202" cy="63202"/>
             </a:xfrm>
             <a:custGeom>
@@ -12662,7 +12662,7 @@
           </p:nvSpPr>
           <p:spPr>
             <a:xfrm>
-              <a:off x="1804079" y="5970527"/>
+              <a:off x="1854028" y="5970498"/>
               <a:ext cx="63202" cy="63202"/>
             </a:xfrm>
             <a:custGeom>
@@ -12705,7 +12705,7 @@
           </p:nvSpPr>
           <p:spPr>
             <a:xfrm>
-              <a:off x="2242421" y="5983989"/>
+              <a:off x="1804394" y="5983960"/>
               <a:ext cx="63202" cy="63202"/>
             </a:xfrm>
             <a:custGeom>
@@ -12748,7 +12748,7 @@
           </p:nvSpPr>
           <p:spPr>
             <a:xfrm>
-              <a:off x="2190582" y="5981460"/>
+              <a:off x="2011720" y="5981460"/>
               <a:ext cx="63202" cy="63202"/>
             </a:xfrm>
             <a:custGeom>
@@ -12791,7 +12791,7 @@
           </p:nvSpPr>
           <p:spPr>
             <a:xfrm>
-              <a:off x="1885825" y="6130356"/>
+              <a:off x="2018410" y="6130343"/>
               <a:ext cx="63202" cy="63202"/>
             </a:xfrm>
             <a:custGeom>
@@ -12834,7 +12834,7 @@
           </p:nvSpPr>
           <p:spPr>
             <a:xfrm>
-              <a:off x="1920796" y="6050712"/>
+              <a:off x="2105380" y="6050674"/>
               <a:ext cx="63202" cy="63202"/>
             </a:xfrm>
             <a:custGeom>
@@ -12877,7 +12877,7 @@
           </p:nvSpPr>
           <p:spPr>
             <a:xfrm>
-              <a:off x="2238214" y="5483701"/>
+              <a:off x="2131396" y="5483715"/>
               <a:ext cx="63202" cy="63202"/>
             </a:xfrm>
             <a:custGeom>
@@ -12920,7 +12920,7 @@
           </p:nvSpPr>
           <p:spPr>
             <a:xfrm>
-              <a:off x="1836608" y="6127493"/>
+              <a:off x="1876911" y="6127463"/>
               <a:ext cx="63202" cy="63202"/>
             </a:xfrm>
             <a:custGeom>
@@ -12963,7 +12963,7 @@
           </p:nvSpPr>
           <p:spPr>
             <a:xfrm>
-              <a:off x="1721052" y="6135826"/>
+              <a:off x="1726073" y="6135824"/>
               <a:ext cx="63202" cy="63202"/>
             </a:xfrm>
             <a:custGeom>
@@ -13006,7 +13006,7 @@
           </p:nvSpPr>
           <p:spPr>
             <a:xfrm>
-              <a:off x="1715196" y="6090765"/>
+              <a:off x="1781630" y="6090741"/>
               <a:ext cx="63202" cy="63202"/>
             </a:xfrm>
             <a:custGeom>
@@ -13049,7 +13049,7 @@
           </p:nvSpPr>
           <p:spPr>
             <a:xfrm>
-              <a:off x="1660819" y="6225873"/>
+              <a:off x="1687934" y="6225835"/>
               <a:ext cx="63202" cy="63202"/>
             </a:xfrm>
             <a:custGeom>
@@ -13092,7 +13092,7 @@
           </p:nvSpPr>
           <p:spPr>
             <a:xfrm>
-              <a:off x="1641131" y="6135647"/>
+              <a:off x="1855087" y="6135651"/>
               <a:ext cx="63202" cy="63202"/>
             </a:xfrm>
             <a:custGeom>
@@ -13135,7 +13135,7 @@
           </p:nvSpPr>
           <p:spPr>
             <a:xfrm>
-              <a:off x="1705648" y="5570607"/>
+              <a:off x="2034842" y="5570564"/>
               <a:ext cx="63202" cy="63202"/>
             </a:xfrm>
             <a:custGeom>
@@ -13178,7 +13178,7 @@
           </p:nvSpPr>
           <p:spPr>
             <a:xfrm>
-              <a:off x="1731780" y="6322553"/>
+              <a:off x="1657380" y="6322525"/>
               <a:ext cx="63202" cy="63202"/>
             </a:xfrm>
             <a:custGeom>
@@ -13221,7 +13221,7 @@
           </p:nvSpPr>
           <p:spPr>
             <a:xfrm>
-              <a:off x="2292020" y="6102251"/>
+              <a:off x="2251851" y="6102238"/>
               <a:ext cx="63202" cy="63202"/>
             </a:xfrm>
             <a:custGeom>
@@ -13264,7 +13264,7 @@
           </p:nvSpPr>
           <p:spPr>
             <a:xfrm>
-              <a:off x="2255533" y="5492740"/>
+              <a:off x="1707776" y="5492709"/>
               <a:ext cx="63202" cy="63202"/>
             </a:xfrm>
             <a:custGeom>
@@ -13307,7 +13307,7 @@
           </p:nvSpPr>
           <p:spPr>
             <a:xfrm>
-              <a:off x="2186164" y="5489045"/>
+              <a:off x="1951195" y="5489026"/>
               <a:ext cx="63202" cy="63202"/>
             </a:xfrm>
             <a:custGeom>
@@ -13350,7 +13350,7 @@
           </p:nvSpPr>
           <p:spPr>
             <a:xfrm>
-              <a:off x="2091294" y="5514597"/>
+              <a:off x="1960480" y="5514575"/>
               <a:ext cx="63202" cy="63202"/>
             </a:xfrm>
             <a:custGeom>
@@ -13393,7 +13393,7 @@
           </p:nvSpPr>
           <p:spPr>
             <a:xfrm>
-              <a:off x="1737625" y="5501760"/>
+              <a:off x="2141203" y="5501767"/>
               <a:ext cx="63202" cy="63202"/>
             </a:xfrm>
             <a:custGeom>
@@ -13436,7 +13436,7 @@
           </p:nvSpPr>
           <p:spPr>
             <a:xfrm>
-              <a:off x="1941497" y="5693263"/>
+              <a:off x="2007146" y="5693263"/>
               <a:ext cx="63202" cy="63202"/>
             </a:xfrm>
             <a:custGeom>
@@ -13479,7 +13479,7 @@
           </p:nvSpPr>
           <p:spPr>
             <a:xfrm>
-              <a:off x="1843067" y="6535914"/>
+              <a:off x="1737272" y="6535871"/>
               <a:ext cx="63202" cy="63202"/>
             </a:xfrm>
             <a:custGeom>
@@ -13522,7 +13522,7 @@
           </p:nvSpPr>
           <p:spPr>
             <a:xfrm>
-              <a:off x="1788596" y="5933301"/>
+              <a:off x="1769004" y="5933339"/>
               <a:ext cx="63202" cy="63202"/>
             </a:xfrm>
             <a:custGeom>
@@ -13565,7 +13565,7 @@
           </p:nvSpPr>
           <p:spPr>
             <a:xfrm>
-              <a:off x="1975527" y="5872685"/>
+              <a:off x="2266500" y="5872675"/>
               <a:ext cx="63202" cy="63202"/>
             </a:xfrm>
             <a:custGeom>
@@ -13608,7 +13608,7 @@
           </p:nvSpPr>
           <p:spPr>
             <a:xfrm>
-              <a:off x="2058401" y="6538693"/>
+              <a:off x="2196043" y="6538668"/>
               <a:ext cx="63202" cy="63202"/>
             </a:xfrm>
             <a:custGeom>
@@ -13651,7 +13651,7 @@
           </p:nvSpPr>
           <p:spPr>
             <a:xfrm>
-              <a:off x="1762432" y="6089596"/>
+              <a:off x="1816192" y="6089619"/>
               <a:ext cx="63202" cy="63202"/>
             </a:xfrm>
             <a:custGeom>
@@ -13750,7 +13750,7 @@
           </p:nvSpPr>
           <p:spPr>
             <a:xfrm>
-              <a:off x="4325757" y="2898375"/>
+              <a:off x="4325757" y="2898366"/>
               <a:ext cx="2796732" cy="0"/>
             </a:xfrm>
             <a:custGeom>
@@ -13793,7 +13793,7 @@
           </p:nvSpPr>
           <p:spPr>
             <a:xfrm>
-              <a:off x="4325757" y="2558929"/>
+              <a:off x="4325757" y="2558923"/>
               <a:ext cx="2796732" cy="0"/>
             </a:xfrm>
             <a:custGeom>
@@ -13836,7 +13836,7 @@
           </p:nvSpPr>
           <p:spPr>
             <a:xfrm>
-              <a:off x="4325757" y="2219484"/>
+              <a:off x="4325757" y="2219479"/>
               <a:ext cx="2796732" cy="0"/>
             </a:xfrm>
             <a:custGeom>
@@ -13879,7 +13879,7 @@
           </p:nvSpPr>
           <p:spPr>
             <a:xfrm>
-              <a:off x="4325757" y="1880038"/>
+              <a:off x="4325757" y="1880036"/>
               <a:ext cx="2796732" cy="0"/>
             </a:xfrm>
             <a:custGeom>
@@ -13965,7 +13965,7 @@
           </p:nvSpPr>
           <p:spPr>
             <a:xfrm>
-              <a:off x="4325757" y="2728652"/>
+              <a:off x="4325757" y="2728644"/>
               <a:ext cx="2796732" cy="0"/>
             </a:xfrm>
             <a:custGeom>
@@ -14008,7 +14008,7 @@
           </p:nvSpPr>
           <p:spPr>
             <a:xfrm>
-              <a:off x="4325757" y="2389206"/>
+              <a:off x="4325757" y="2389201"/>
               <a:ext cx="2796732" cy="0"/>
             </a:xfrm>
             <a:custGeom>
@@ -14051,7 +14051,7 @@
           </p:nvSpPr>
           <p:spPr>
             <a:xfrm>
-              <a:off x="4325757" y="2049761"/>
+              <a:off x="4325757" y="2049758"/>
               <a:ext cx="2796732" cy="0"/>
             </a:xfrm>
             <a:custGeom>
@@ -14094,7 +14094,7 @@
           </p:nvSpPr>
           <p:spPr>
             <a:xfrm>
-              <a:off x="4325757" y="1710316"/>
+              <a:off x="4325757" y="1710315"/>
               <a:ext cx="2796732" cy="0"/>
             </a:xfrm>
             <a:custGeom>
@@ -14266,7 +14266,7 @@
           </p:nvSpPr>
           <p:spPr>
             <a:xfrm>
-              <a:off x="4841591" y="1898593"/>
+              <a:off x="5022042" y="1898616"/>
               <a:ext cx="63202" cy="63202"/>
             </a:xfrm>
             <a:custGeom>
@@ -14309,7 +14309,7 @@
           </p:nvSpPr>
           <p:spPr>
             <a:xfrm>
-              <a:off x="4755692" y="1950594"/>
+              <a:off x="4992720" y="1950629"/>
               <a:ext cx="63202" cy="63202"/>
             </a:xfrm>
             <a:custGeom>
@@ -14352,7 +14352,7 @@
           </p:nvSpPr>
           <p:spPr>
             <a:xfrm>
-              <a:off x="4756542" y="2305128"/>
+              <a:off x="4488352" y="2305105"/>
               <a:ext cx="63202" cy="63202"/>
             </a:xfrm>
             <a:custGeom>
@@ -14395,7 +14395,7 @@
           </p:nvSpPr>
           <p:spPr>
             <a:xfrm>
-              <a:off x="4674114" y="1882814"/>
+              <a:off x="4772910" y="1882778"/>
               <a:ext cx="63202" cy="63202"/>
             </a:xfrm>
             <a:custGeom>
@@ -14438,7 +14438,7 @@
           </p:nvSpPr>
           <p:spPr>
             <a:xfrm>
-              <a:off x="5136819" y="1989696"/>
+              <a:off x="4594802" y="1989722"/>
               <a:ext cx="63202" cy="63202"/>
             </a:xfrm>
             <a:custGeom>
@@ -14481,7 +14481,7 @@
           </p:nvSpPr>
           <p:spPr>
             <a:xfrm>
-              <a:off x="4837234" y="2347966"/>
+              <a:off x="5072555" y="2347967"/>
               <a:ext cx="63202" cy="63202"/>
             </a:xfrm>
             <a:custGeom>
@@ -14524,7 +14524,7 @@
           </p:nvSpPr>
           <p:spPr>
             <a:xfrm>
-              <a:off x="4672821" y="1942127"/>
+              <a:off x="4894083" y="1942130"/>
               <a:ext cx="63202" cy="63202"/>
             </a:xfrm>
             <a:custGeom>
@@ -14567,7 +14567,7 @@
           </p:nvSpPr>
           <p:spPr>
             <a:xfrm>
-              <a:off x="5376927" y="2921303"/>
+              <a:off x="5509586" y="2921266"/>
               <a:ext cx="63202" cy="63202"/>
             </a:xfrm>
             <a:custGeom>
@@ -14610,7 +14610,7 @@
           </p:nvSpPr>
           <p:spPr>
             <a:xfrm>
-              <a:off x="4643303" y="1900837"/>
+              <a:off x="4802085" y="1900829"/>
               <a:ext cx="63202" cy="63202"/>
             </a:xfrm>
             <a:custGeom>
@@ -14653,7 +14653,7 @@
           </p:nvSpPr>
           <p:spPr>
             <a:xfrm>
-              <a:off x="4630157" y="2408407"/>
+              <a:off x="4585958" y="2408392"/>
               <a:ext cx="63202" cy="63202"/>
             </a:xfrm>
             <a:custGeom>
@@ -14696,7 +14696,7 @@
           </p:nvSpPr>
           <p:spPr>
             <a:xfrm>
-              <a:off x="4548506" y="2774873"/>
+              <a:off x="4659533" y="2774845"/>
               <a:ext cx="63202" cy="63202"/>
             </a:xfrm>
             <a:custGeom>
@@ -14739,7 +14739,7 @@
           </p:nvSpPr>
           <p:spPr>
             <a:xfrm>
-              <a:off x="4478871" y="1905011"/>
+              <a:off x="4906039" y="1905005"/>
               <a:ext cx="63202" cy="63202"/>
             </a:xfrm>
             <a:custGeom>
@@ -14782,7 +14782,7 @@
           </p:nvSpPr>
           <p:spPr>
             <a:xfrm>
-              <a:off x="4978527" y="1894328"/>
+              <a:off x="4816061" y="1894331"/>
               <a:ext cx="63202" cy="63202"/>
             </a:xfrm>
             <a:custGeom>
@@ -14825,7 +14825,7 @@
           </p:nvSpPr>
           <p:spPr>
             <a:xfrm>
-              <a:off x="4615082" y="1933153"/>
+              <a:off x="5111626" y="1933144"/>
               <a:ext cx="63202" cy="63202"/>
             </a:xfrm>
             <a:custGeom>
@@ -14868,7 +14868,7 @@
           </p:nvSpPr>
           <p:spPr>
             <a:xfrm>
-              <a:off x="4560828" y="1965967"/>
+              <a:off x="5163157" y="1965954"/>
               <a:ext cx="63202" cy="63202"/>
             </a:xfrm>
             <a:custGeom>
@@ -14911,7 +14911,7 @@
           </p:nvSpPr>
           <p:spPr>
             <a:xfrm>
-              <a:off x="4742376" y="1947308"/>
+              <a:off x="4835507" y="1947258"/>
               <a:ext cx="63202" cy="63202"/>
             </a:xfrm>
             <a:custGeom>
@@ -14954,7 +14954,7 @@
           </p:nvSpPr>
           <p:spPr>
             <a:xfrm>
-              <a:off x="5034890" y="1976005"/>
+              <a:off x="4720001" y="1976024"/>
               <a:ext cx="63202" cy="63202"/>
             </a:xfrm>
             <a:custGeom>
@@ -14997,7 +14997,7 @@
           </p:nvSpPr>
           <p:spPr>
             <a:xfrm>
-              <a:off x="4623679" y="1935933"/>
+              <a:off x="4924498" y="1935964"/>
               <a:ext cx="63202" cy="63202"/>
             </a:xfrm>
             <a:custGeom>
@@ -15040,7 +15040,7 @@
           </p:nvSpPr>
           <p:spPr>
             <a:xfrm>
-              <a:off x="4661163" y="1930029"/>
+              <a:off x="5021464" y="1930057"/>
               <a:ext cx="63202" cy="63202"/>
             </a:xfrm>
             <a:custGeom>
@@ -15083,7 +15083,7 @@
           </p:nvSpPr>
           <p:spPr>
             <a:xfrm>
-              <a:off x="5159419" y="2152583"/>
+              <a:off x="5071903" y="2152561"/>
               <a:ext cx="63202" cy="63202"/>
             </a:xfrm>
             <a:custGeom>
@@ -15126,7 +15126,7 @@
           </p:nvSpPr>
           <p:spPr>
             <a:xfrm>
-              <a:off x="4662433" y="1928319"/>
+              <a:off x="4933398" y="1928314"/>
               <a:ext cx="63202" cy="63202"/>
             </a:xfrm>
             <a:custGeom>
@@ -15169,7 +15169,7 @@
           </p:nvSpPr>
           <p:spPr>
             <a:xfrm>
-              <a:off x="4843787" y="2131066"/>
+              <a:off x="4758204" y="2131081"/>
               <a:ext cx="63202" cy="63202"/>
             </a:xfrm>
             <a:custGeom>
@@ -15212,7 +15212,7 @@
           </p:nvSpPr>
           <p:spPr>
             <a:xfrm>
-              <a:off x="5089015" y="2264284"/>
+              <a:off x="4890750" y="2264259"/>
               <a:ext cx="63202" cy="63202"/>
             </a:xfrm>
             <a:custGeom>
@@ -15255,7 +15255,7 @@
           </p:nvSpPr>
           <p:spPr>
             <a:xfrm>
-              <a:off x="5058122" y="2219656"/>
+              <a:off x="5052564" y="2219633"/>
               <a:ext cx="63202" cy="63202"/>
             </a:xfrm>
             <a:custGeom>
@@ -15298,7 +15298,7 @@
           </p:nvSpPr>
           <p:spPr>
             <a:xfrm>
-              <a:off x="4500789" y="2145592"/>
+              <a:off x="4655023" y="2145565"/>
               <a:ext cx="63202" cy="63202"/>
             </a:xfrm>
             <a:custGeom>
@@ -15341,7 +15341,7 @@
           </p:nvSpPr>
           <p:spPr>
             <a:xfrm>
-              <a:off x="5105267" y="1936301"/>
+              <a:off x="4958342" y="1936280"/>
               <a:ext cx="63202" cy="63202"/>
             </a:xfrm>
             <a:custGeom>
@@ -15384,7 +15384,7 @@
           </p:nvSpPr>
           <p:spPr>
             <a:xfrm>
-              <a:off x="5129972" y="2299945"/>
+              <a:off x="4923295" y="2299952"/>
               <a:ext cx="63202" cy="63202"/>
             </a:xfrm>
             <a:custGeom>
@@ -15427,7 +15427,7 @@
           </p:nvSpPr>
           <p:spPr>
             <a:xfrm>
-              <a:off x="4701774" y="1936991"/>
+              <a:off x="4775117" y="1936957"/>
               <a:ext cx="63202" cy="63202"/>
             </a:xfrm>
             <a:custGeom>
@@ -15470,7 +15470,7 @@
           </p:nvSpPr>
           <p:spPr>
             <a:xfrm>
-              <a:off x="4636297" y="1968516"/>
+              <a:off x="4961993" y="1968554"/>
               <a:ext cx="63202" cy="63202"/>
             </a:xfrm>
             <a:custGeom>
@@ -15513,7 +15513,7 @@
           </p:nvSpPr>
           <p:spPr>
             <a:xfrm>
-              <a:off x="5039506" y="2494678"/>
+              <a:off x="4676184" y="2494645"/>
               <a:ext cx="63202" cy="63202"/>
             </a:xfrm>
             <a:custGeom>
@@ -15556,7 +15556,7 @@
           </p:nvSpPr>
           <p:spPr>
             <a:xfrm>
-              <a:off x="5141582" y="2022092"/>
+              <a:off x="5095944" y="2022079"/>
               <a:ext cx="63202" cy="63202"/>
             </a:xfrm>
             <a:custGeom>
@@ -15599,7 +15599,7 @@
           </p:nvSpPr>
           <p:spPr>
             <a:xfrm>
-              <a:off x="5159534" y="1928794"/>
+              <a:off x="4785706" y="1928832"/>
               <a:ext cx="63202" cy="63202"/>
             </a:xfrm>
             <a:custGeom>
@@ -15642,7 +15642,7 @@
           </p:nvSpPr>
           <p:spPr>
             <a:xfrm>
-              <a:off x="4823991" y="2399561"/>
+              <a:off x="4658476" y="2399532"/>
               <a:ext cx="63202" cy="63202"/>
             </a:xfrm>
             <a:custGeom>
@@ -15685,7 +15685,7 @@
           </p:nvSpPr>
           <p:spPr>
             <a:xfrm>
-              <a:off x="4475608" y="2114641"/>
+              <a:off x="4718140" y="2114601"/>
               <a:ext cx="63202" cy="63202"/>
             </a:xfrm>
             <a:custGeom>
@@ -15728,7 +15728,7 @@
           </p:nvSpPr>
           <p:spPr>
             <a:xfrm>
-              <a:off x="5019077" y="1952165"/>
+              <a:off x="5015714" y="1952167"/>
               <a:ext cx="63202" cy="63202"/>
             </a:xfrm>
             <a:custGeom>
@@ -15771,7 +15771,7 @@
           </p:nvSpPr>
           <p:spPr>
             <a:xfrm>
-              <a:off x="4555956" y="1949465"/>
+              <a:off x="4966666" y="1949465"/>
               <a:ext cx="63202" cy="63202"/>
             </a:xfrm>
             <a:custGeom>
@@ -15814,7 +15814,7 @@
           </p:nvSpPr>
           <p:spPr>
             <a:xfrm>
-              <a:off x="4824117" y="1886878"/>
+              <a:off x="5017662" y="1886833"/>
               <a:ext cx="63202" cy="63202"/>
             </a:xfrm>
             <a:custGeom>
@@ -15857,7 +15857,7 @@
           </p:nvSpPr>
           <p:spPr>
             <a:xfrm>
-              <a:off x="4623843" y="1886850"/>
+              <a:off x="4841880" y="1886877"/>
               <a:ext cx="63202" cy="63202"/>
             </a:xfrm>
             <a:custGeom>
@@ -15900,7 +15900,7 @@
           </p:nvSpPr>
           <p:spPr>
             <a:xfrm>
-              <a:off x="5084332" y="1983894"/>
+              <a:off x="4715875" y="1983878"/>
               <a:ext cx="63202" cy="63202"/>
             </a:xfrm>
             <a:custGeom>
@@ -15943,7 +15943,7 @@
           </p:nvSpPr>
           <p:spPr>
             <a:xfrm>
-              <a:off x="4496961" y="2415557"/>
+              <a:off x="4982248" y="2415598"/>
               <a:ext cx="63202" cy="63202"/>
             </a:xfrm>
             <a:custGeom>
@@ -15986,7 +15986,7 @@
           </p:nvSpPr>
           <p:spPr>
             <a:xfrm>
-              <a:off x="4878926" y="1978780"/>
+              <a:off x="4503702" y="1978771"/>
               <a:ext cx="63202" cy="63202"/>
             </a:xfrm>
             <a:custGeom>
@@ -16029,7 +16029,7 @@
           </p:nvSpPr>
           <p:spPr>
             <a:xfrm>
-              <a:off x="4884408" y="1957395"/>
+              <a:off x="4862296" y="1957380"/>
               <a:ext cx="63202" cy="63202"/>
             </a:xfrm>
             <a:custGeom>
@@ -16072,7 +16072,7 @@
           </p:nvSpPr>
           <p:spPr>
             <a:xfrm>
-              <a:off x="4657332" y="1840316"/>
+              <a:off x="4939157" y="1840299"/>
               <a:ext cx="63202" cy="63202"/>
             </a:xfrm>
             <a:custGeom>
@@ -16115,7 +16115,7 @@
           </p:nvSpPr>
           <p:spPr>
             <a:xfrm>
-              <a:off x="4524715" y="2255183"/>
+              <a:off x="4954751" y="2255138"/>
               <a:ext cx="63202" cy="63202"/>
             </a:xfrm>
             <a:custGeom>
@@ -16158,7 +16158,7 @@
           </p:nvSpPr>
           <p:spPr>
             <a:xfrm>
-              <a:off x="4989096" y="1877711"/>
+              <a:off x="4491407" y="1877705"/>
               <a:ext cx="63202" cy="63202"/>
             </a:xfrm>
             <a:custGeom>
@@ -16201,7 +16201,7 @@
           </p:nvSpPr>
           <p:spPr>
             <a:xfrm>
-              <a:off x="4824816" y="2010138"/>
+              <a:off x="4858938" y="2010147"/>
               <a:ext cx="63202" cy="63202"/>
             </a:xfrm>
             <a:custGeom>
@@ -16244,7 +16244,7 @@
           </p:nvSpPr>
           <p:spPr>
             <a:xfrm>
-              <a:off x="4718880" y="2056156"/>
+              <a:off x="5042042" y="2056184"/>
               <a:ext cx="63202" cy="63202"/>
             </a:xfrm>
             <a:custGeom>
@@ -16287,7 +16287,7 @@
           </p:nvSpPr>
           <p:spPr>
             <a:xfrm>
-              <a:off x="4673926" y="1946389"/>
+              <a:off x="5126249" y="1946418"/>
               <a:ext cx="63202" cy="63202"/>
             </a:xfrm>
             <a:custGeom>
@@ -16330,7 +16330,7 @@
           </p:nvSpPr>
           <p:spPr>
             <a:xfrm>
-              <a:off x="4850367" y="2631681"/>
+              <a:off x="4721387" y="2631687"/>
               <a:ext cx="63202" cy="63202"/>
             </a:xfrm>
             <a:custGeom>
@@ -16373,7 +16373,7 @@
           </p:nvSpPr>
           <p:spPr>
             <a:xfrm>
-              <a:off x="5090791" y="2643091"/>
+              <a:off x="4986090" y="2643075"/>
               <a:ext cx="63202" cy="63202"/>
             </a:xfrm>
             <a:custGeom>
@@ -16416,7 +16416,7 @@
           </p:nvSpPr>
           <p:spPr>
             <a:xfrm>
-              <a:off x="4494388" y="2017255"/>
+              <a:off x="4909592" y="2017282"/>
               <a:ext cx="63202" cy="63202"/>
             </a:xfrm>
             <a:custGeom>
@@ -16459,7 +16459,7 @@
           </p:nvSpPr>
           <p:spPr>
             <a:xfrm>
-              <a:off x="5023632" y="2218444"/>
+              <a:off x="4863765" y="2218447"/>
               <a:ext cx="63202" cy="63202"/>
             </a:xfrm>
             <a:custGeom>
@@ -16502,7 +16502,7 @@
           </p:nvSpPr>
           <p:spPr>
             <a:xfrm>
-              <a:off x="4860142" y="2495298"/>
+              <a:off x="5035203" y="2495264"/>
               <a:ext cx="63202" cy="63202"/>
             </a:xfrm>
             <a:custGeom>
@@ -16545,7 +16545,7 @@
           </p:nvSpPr>
           <p:spPr>
             <a:xfrm>
-              <a:off x="5081347" y="1950288"/>
+              <a:off x="4633912" y="1950272"/>
               <a:ext cx="63202" cy="63202"/>
             </a:xfrm>
             <a:custGeom>
@@ -16588,7 +16588,7 @@
           </p:nvSpPr>
           <p:spPr>
             <a:xfrm>
-              <a:off x="5093061" y="2058368"/>
+              <a:off x="4716021" y="2058366"/>
               <a:ext cx="63202" cy="63202"/>
             </a:xfrm>
             <a:custGeom>
@@ -16631,7 +16631,7 @@
           </p:nvSpPr>
           <p:spPr>
             <a:xfrm>
-              <a:off x="4710102" y="1902255"/>
+              <a:off x="4859310" y="1902250"/>
               <a:ext cx="63202" cy="63202"/>
             </a:xfrm>
             <a:custGeom>
@@ -16674,7 +16674,7 @@
           </p:nvSpPr>
           <p:spPr>
             <a:xfrm>
-              <a:off x="4922573" y="2710808"/>
+              <a:off x="4802713" y="2710844"/>
               <a:ext cx="63202" cy="63202"/>
             </a:xfrm>
             <a:custGeom>
@@ -16717,7 +16717,7 @@
           </p:nvSpPr>
           <p:spPr>
             <a:xfrm>
-              <a:off x="5055379" y="1941946"/>
+              <a:off x="4474330" y="1941930"/>
               <a:ext cx="63202" cy="63202"/>
             </a:xfrm>
             <a:custGeom>
@@ -16760,7 +16760,7 @@
           </p:nvSpPr>
           <p:spPr>
             <a:xfrm>
-              <a:off x="4918160" y="2017252"/>
+              <a:off x="4948108" y="2017285"/>
               <a:ext cx="63202" cy="63202"/>
             </a:xfrm>
             <a:custGeom>
@@ -16803,7 +16803,7 @@
           </p:nvSpPr>
           <p:spPr>
             <a:xfrm>
-              <a:off x="4515690" y="2536493"/>
+              <a:off x="4642239" y="2536506"/>
               <a:ext cx="63202" cy="63202"/>
             </a:xfrm>
             <a:custGeom>
@@ -16846,7 +16846,7 @@
           </p:nvSpPr>
           <p:spPr>
             <a:xfrm>
-              <a:off x="4812690" y="2042194"/>
+              <a:off x="5081210" y="2042190"/>
               <a:ext cx="63202" cy="63202"/>
             </a:xfrm>
             <a:custGeom>
@@ -16889,7 +16889,7 @@
           </p:nvSpPr>
           <p:spPr>
             <a:xfrm>
-              <a:off x="4870326" y="2050005"/>
+              <a:off x="4689052" y="2050010"/>
               <a:ext cx="63202" cy="63202"/>
             </a:xfrm>
             <a:custGeom>
@@ -16932,7 +16932,7 @@
           </p:nvSpPr>
           <p:spPr>
             <a:xfrm>
-              <a:off x="4782883" y="1883359"/>
+              <a:off x="4956123" y="1883311"/>
               <a:ext cx="63202" cy="63202"/>
             </a:xfrm>
             <a:custGeom>
@@ -16975,7 +16975,7 @@
           </p:nvSpPr>
           <p:spPr>
             <a:xfrm>
-              <a:off x="4617117" y="1933966"/>
+              <a:off x="5045761" y="1933984"/>
               <a:ext cx="63202" cy="63202"/>
             </a:xfrm>
             <a:custGeom>
@@ -17018,7 +17018,7 @@
           </p:nvSpPr>
           <p:spPr>
             <a:xfrm>
-              <a:off x="4740023" y="2032275"/>
+              <a:off x="5028980" y="2032282"/>
               <a:ext cx="63202" cy="63202"/>
             </a:xfrm>
             <a:custGeom>
@@ -17061,7 +17061,7 @@
           </p:nvSpPr>
           <p:spPr>
             <a:xfrm>
-              <a:off x="4591035" y="1998068"/>
+              <a:off x="4894305" y="1998064"/>
               <a:ext cx="63202" cy="63202"/>
             </a:xfrm>
             <a:custGeom>
@@ -17104,7 +17104,7 @@
           </p:nvSpPr>
           <p:spPr>
             <a:xfrm>
-              <a:off x="4801356" y="1886385"/>
+              <a:off x="5012665" y="1886411"/>
               <a:ext cx="63202" cy="63202"/>
             </a:xfrm>
             <a:custGeom>
@@ -17147,7 +17147,7 @@
           </p:nvSpPr>
           <p:spPr>
             <a:xfrm>
-              <a:off x="4558062" y="2204916"/>
+              <a:off x="4936654" y="2204894"/>
               <a:ext cx="63202" cy="63202"/>
             </a:xfrm>
             <a:custGeom>
@@ -17190,7 +17190,7 @@
           </p:nvSpPr>
           <p:spPr>
             <a:xfrm>
-              <a:off x="4596144" y="1977499"/>
+              <a:off x="4999129" y="1977505"/>
               <a:ext cx="63202" cy="63202"/>
             </a:xfrm>
             <a:custGeom>
@@ -17233,7 +17233,7 @@
           </p:nvSpPr>
           <p:spPr>
             <a:xfrm>
-              <a:off x="5162420" y="1997649"/>
+              <a:off x="5163819" y="1997642"/>
               <a:ext cx="63202" cy="63202"/>
             </a:xfrm>
             <a:custGeom>
@@ -17276,7 +17276,7 @@
           </p:nvSpPr>
           <p:spPr>
             <a:xfrm>
-              <a:off x="4963885" y="2437491"/>
+              <a:off x="4632857" y="2437497"/>
               <a:ext cx="63202" cy="63202"/>
             </a:xfrm>
             <a:custGeom>
@@ -17319,7 +17319,7 @@
           </p:nvSpPr>
           <p:spPr>
             <a:xfrm>
-              <a:off x="4930409" y="2469272"/>
+              <a:off x="4813221" y="2469293"/>
               <a:ext cx="63202" cy="63202"/>
             </a:xfrm>
             <a:custGeom>
@@ -17362,7 +17362,7 @@
           </p:nvSpPr>
           <p:spPr>
             <a:xfrm>
-              <a:off x="4581579" y="1887752"/>
+              <a:off x="4945407" y="1887769"/>
               <a:ext cx="63202" cy="63202"/>
             </a:xfrm>
             <a:custGeom>
@@ -17405,7 +17405,7 @@
           </p:nvSpPr>
           <p:spPr>
             <a:xfrm>
-              <a:off x="4775206" y="1878238"/>
+              <a:off x="4517016" y="1878256"/>
               <a:ext cx="63202" cy="63202"/>
             </a:xfrm>
             <a:custGeom>
@@ -17448,7 +17448,7 @@
           </p:nvSpPr>
           <p:spPr>
             <a:xfrm>
-              <a:off x="4943508" y="1874714"/>
+              <a:off x="4561509" y="1874692"/>
               <a:ext cx="63202" cy="63202"/>
             </a:xfrm>
             <a:custGeom>
@@ -17491,7 +17491,7 @@
           </p:nvSpPr>
           <p:spPr>
             <a:xfrm>
-              <a:off x="4683261" y="2252490"/>
+              <a:off x="5120321" y="2252496"/>
               <a:ext cx="63202" cy="63202"/>
             </a:xfrm>
             <a:custGeom>
@@ -17534,7 +17534,7 @@
           </p:nvSpPr>
           <p:spPr>
             <a:xfrm>
-              <a:off x="4629496" y="1948078"/>
+              <a:off x="4754452" y="1948086"/>
               <a:ext cx="63202" cy="63202"/>
             </a:xfrm>
             <a:custGeom>
@@ -17577,7 +17577,7 @@
           </p:nvSpPr>
           <p:spPr>
             <a:xfrm>
-              <a:off x="4754292" y="1887360"/>
+              <a:off x="4836285" y="1887322"/>
               <a:ext cx="63202" cy="63202"/>
             </a:xfrm>
             <a:custGeom>
@@ -17620,7 +17620,7 @@
           </p:nvSpPr>
           <p:spPr>
             <a:xfrm>
-              <a:off x="4494639" y="2244090"/>
+              <a:off x="5089835" y="2244092"/>
               <a:ext cx="63202" cy="63202"/>
             </a:xfrm>
             <a:custGeom>
@@ -17663,7 +17663,7 @@
           </p:nvSpPr>
           <p:spPr>
             <a:xfrm>
-              <a:off x="5123696" y="1878225"/>
+              <a:off x="4886030" y="1878215"/>
               <a:ext cx="63202" cy="63202"/>
             </a:xfrm>
             <a:custGeom>
@@ -17706,7 +17706,7 @@
           </p:nvSpPr>
           <p:spPr>
             <a:xfrm>
-              <a:off x="5116571" y="1881839"/>
+              <a:off x="4808095" y="1881862"/>
               <a:ext cx="63202" cy="63202"/>
             </a:xfrm>
             <a:custGeom>
@@ -17749,7 +17749,7 @@
           </p:nvSpPr>
           <p:spPr>
             <a:xfrm>
-              <a:off x="4928494" y="1937501"/>
+              <a:off x="4608043" y="1937507"/>
               <a:ext cx="63202" cy="63202"/>
             </a:xfrm>
             <a:custGeom>
@@ -17792,7 +17792,7 @@
           </p:nvSpPr>
           <p:spPr>
             <a:xfrm>
-              <a:off x="4478263" y="1884404"/>
+              <a:off x="4916439" y="1884392"/>
               <a:ext cx="63202" cy="63202"/>
             </a:xfrm>
             <a:custGeom>
@@ -17835,7 +17835,7 @@
           </p:nvSpPr>
           <p:spPr>
             <a:xfrm>
-              <a:off x="4948350" y="2120901"/>
+              <a:off x="5126213" y="2120890"/>
               <a:ext cx="63202" cy="63202"/>
             </a:xfrm>
             <a:custGeom>
@@ -17878,7 +17878,7 @@
           </p:nvSpPr>
           <p:spPr>
             <a:xfrm>
-              <a:off x="5056145" y="1881349"/>
+              <a:off x="4784849" y="1881364"/>
               <a:ext cx="63202" cy="63202"/>
             </a:xfrm>
             <a:custGeom>
@@ -17921,7 +17921,7 @@
           </p:nvSpPr>
           <p:spPr>
             <a:xfrm>
-              <a:off x="4929375" y="1889647"/>
+              <a:off x="4888342" y="1889650"/>
               <a:ext cx="63202" cy="63202"/>
             </a:xfrm>
             <a:custGeom>
@@ -18020,7 +18020,7 @@
           </p:nvSpPr>
           <p:spPr>
             <a:xfrm>
-              <a:off x="4325757" y="4823707"/>
+              <a:off x="4325757" y="4823698"/>
               <a:ext cx="2796732" cy="0"/>
             </a:xfrm>
             <a:custGeom>
@@ -18063,7 +18063,7 @@
           </p:nvSpPr>
           <p:spPr>
             <a:xfrm>
-              <a:off x="4325757" y="4484262"/>
+              <a:off x="4325757" y="4484255"/>
               <a:ext cx="2796732" cy="0"/>
             </a:xfrm>
             <a:custGeom>
@@ -18106,7 +18106,7 @@
           </p:nvSpPr>
           <p:spPr>
             <a:xfrm>
-              <a:off x="4325757" y="4144816"/>
+              <a:off x="4325757" y="4144812"/>
               <a:ext cx="2796732" cy="0"/>
             </a:xfrm>
             <a:custGeom>
@@ -18149,7 +18149,7 @@
           </p:nvSpPr>
           <p:spPr>
             <a:xfrm>
-              <a:off x="4325757" y="3805371"/>
+              <a:off x="4325757" y="3805369"/>
               <a:ext cx="2796732" cy="0"/>
             </a:xfrm>
             <a:custGeom>
@@ -18192,7 +18192,7 @@
           </p:nvSpPr>
           <p:spPr>
             <a:xfrm>
-              <a:off x="4325757" y="3465925"/>
+              <a:off x="4325757" y="3465926"/>
               <a:ext cx="2796732" cy="0"/>
             </a:xfrm>
             <a:custGeom>
@@ -18235,7 +18235,7 @@
           </p:nvSpPr>
           <p:spPr>
             <a:xfrm>
-              <a:off x="4325757" y="4653984"/>
+              <a:off x="4325757" y="4653977"/>
               <a:ext cx="2796732" cy="0"/>
             </a:xfrm>
             <a:custGeom>
@@ -18278,7 +18278,7 @@
           </p:nvSpPr>
           <p:spPr>
             <a:xfrm>
-              <a:off x="4325757" y="4314539"/>
+              <a:off x="4325757" y="4314534"/>
               <a:ext cx="2796732" cy="0"/>
             </a:xfrm>
             <a:custGeom>
@@ -18321,7 +18321,7 @@
           </p:nvSpPr>
           <p:spPr>
             <a:xfrm>
-              <a:off x="4325757" y="3975094"/>
+              <a:off x="4325757" y="3975090"/>
               <a:ext cx="2796732" cy="0"/>
             </a:xfrm>
             <a:custGeom>
@@ -18364,7 +18364,7 @@
           </p:nvSpPr>
           <p:spPr>
             <a:xfrm>
-              <a:off x="4325757" y="3635648"/>
+              <a:off x="4325757" y="3635647"/>
               <a:ext cx="2796732" cy="0"/>
             </a:xfrm>
             <a:custGeom>
@@ -18536,7 +18536,7 @@
           </p:nvSpPr>
           <p:spPr>
             <a:xfrm>
-              <a:off x="4875853" y="4110776"/>
+              <a:off x="4616938" y="4110777"/>
               <a:ext cx="63202" cy="63202"/>
             </a:xfrm>
             <a:custGeom>
@@ -18579,7 +18579,7 @@
           </p:nvSpPr>
           <p:spPr>
             <a:xfrm>
-              <a:off x="4988795" y="4018456"/>
+              <a:off x="4610609" y="4018462"/>
               <a:ext cx="63202" cy="63202"/>
             </a:xfrm>
             <a:custGeom>
@@ -18622,7 +18622,7 @@
           </p:nvSpPr>
           <p:spPr>
             <a:xfrm>
-              <a:off x="5357544" y="3902603"/>
+              <a:off x="5983874" y="3902643"/>
               <a:ext cx="63202" cy="63202"/>
             </a:xfrm>
             <a:custGeom>
@@ -18665,7 +18665,7 @@
           </p:nvSpPr>
           <p:spPr>
             <a:xfrm>
-              <a:off x="6857644" y="4711973"/>
+              <a:off x="6499396" y="4711983"/>
               <a:ext cx="63202" cy="63202"/>
             </a:xfrm>
             <a:custGeom>
@@ -18708,7 +18708,7 @@
           </p:nvSpPr>
           <p:spPr>
             <a:xfrm>
-              <a:off x="6826992" y="4883747"/>
+              <a:off x="6812464" y="4883747"/>
               <a:ext cx="63202" cy="63202"/>
             </a:xfrm>
             <a:custGeom>
@@ -18751,7 +18751,7 @@
           </p:nvSpPr>
           <p:spPr>
             <a:xfrm>
-              <a:off x="6598197" y="4589647"/>
+              <a:off x="6266506" y="4589654"/>
               <a:ext cx="63202" cy="63202"/>
             </a:xfrm>
             <a:custGeom>
@@ -18794,7 +18794,7 @@
           </p:nvSpPr>
           <p:spPr>
             <a:xfrm>
-              <a:off x="6749529" y="4854337"/>
+              <a:off x="6473454" y="4854359"/>
               <a:ext cx="63202" cy="63202"/>
             </a:xfrm>
             <a:custGeom>
@@ -18893,7 +18893,7 @@
           </p:nvSpPr>
           <p:spPr>
             <a:xfrm>
-              <a:off x="4325757" y="6749040"/>
+              <a:off x="4325757" y="6749031"/>
               <a:ext cx="2796732" cy="0"/>
             </a:xfrm>
             <a:custGeom>
@@ -18936,7 +18936,7 @@
           </p:nvSpPr>
           <p:spPr>
             <a:xfrm>
-              <a:off x="4325757" y="6409594"/>
+              <a:off x="4325757" y="6409588"/>
               <a:ext cx="2796732" cy="0"/>
             </a:xfrm>
             <a:custGeom>
@@ -18979,7 +18979,7 @@
           </p:nvSpPr>
           <p:spPr>
             <a:xfrm>
-              <a:off x="4325757" y="6070149"/>
+              <a:off x="4325757" y="6070145"/>
               <a:ext cx="2796732" cy="0"/>
             </a:xfrm>
             <a:custGeom>
@@ -19022,7 +19022,7 @@
           </p:nvSpPr>
           <p:spPr>
             <a:xfrm>
-              <a:off x="4325757" y="5730703"/>
+              <a:off x="4325757" y="5730702"/>
               <a:ext cx="2796732" cy="0"/>
             </a:xfrm>
             <a:custGeom>
@@ -19108,7 +19108,7 @@
           </p:nvSpPr>
           <p:spPr>
             <a:xfrm>
-              <a:off x="4325757" y="6579317"/>
+              <a:off x="4325757" y="6579309"/>
               <a:ext cx="2796732" cy="0"/>
             </a:xfrm>
             <a:custGeom>
@@ -19151,7 +19151,7 @@
           </p:nvSpPr>
           <p:spPr>
             <a:xfrm>
-              <a:off x="4325757" y="6239872"/>
+              <a:off x="4325757" y="6239866"/>
               <a:ext cx="2796732" cy="0"/>
             </a:xfrm>
             <a:custGeom>
@@ -19194,7 +19194,7 @@
           </p:nvSpPr>
           <p:spPr>
             <a:xfrm>
-              <a:off x="4325757" y="5900426"/>
+              <a:off x="4325757" y="5900423"/>
               <a:ext cx="2796732" cy="0"/>
             </a:xfrm>
             <a:custGeom>
@@ -19237,7 +19237,7 @@
           </p:nvSpPr>
           <p:spPr>
             <a:xfrm>
-              <a:off x="4325757" y="5560981"/>
+              <a:off x="4325757" y="5560980"/>
               <a:ext cx="2796732" cy="0"/>
             </a:xfrm>
             <a:custGeom>
@@ -19409,7 +19409,7 @@
           </p:nvSpPr>
           <p:spPr>
             <a:xfrm>
-              <a:off x="4799493" y="5434615"/>
+              <a:off x="4785987" y="5434583"/>
               <a:ext cx="63202" cy="63202"/>
             </a:xfrm>
             <a:custGeom>
@@ -19452,7 +19452,7 @@
           </p:nvSpPr>
           <p:spPr>
             <a:xfrm>
-              <a:off x="4957312" y="5398035"/>
+              <a:off x="4675459" y="5398003"/>
               <a:ext cx="63202" cy="63202"/>
             </a:xfrm>
             <a:custGeom>
@@ -19495,7 +19495,7 @@
           </p:nvSpPr>
           <p:spPr>
             <a:xfrm>
-              <a:off x="4637907" y="5484005"/>
+              <a:off x="4900602" y="5484018"/>
               <a:ext cx="63202" cy="63202"/>
             </a:xfrm>
             <a:custGeom>
@@ -19538,7 +19538,7 @@
           </p:nvSpPr>
           <p:spPr>
             <a:xfrm>
-              <a:off x="4562716" y="5317369"/>
+              <a:off x="5165729" y="5317369"/>
               <a:ext cx="63202" cy="63202"/>
             </a:xfrm>
             <a:custGeom>
@@ -19581,7 +19581,7 @@
           </p:nvSpPr>
           <p:spPr>
             <a:xfrm>
-              <a:off x="5036350" y="5398821"/>
+              <a:off x="4781167" y="5398820"/>
               <a:ext cx="63202" cy="63202"/>
             </a:xfrm>
             <a:custGeom>
@@ -19624,7 +19624,7 @@
           </p:nvSpPr>
           <p:spPr>
             <a:xfrm>
-              <a:off x="5153175" y="5422073"/>
+              <a:off x="4847738" y="5422035"/>
               <a:ext cx="63202" cy="63202"/>
             </a:xfrm>
             <a:custGeom>
@@ -19667,7 +19667,7 @@
           </p:nvSpPr>
           <p:spPr>
             <a:xfrm>
-              <a:off x="5002445" y="5395859"/>
+              <a:off x="4898285" y="5395824"/>
               <a:ext cx="63202" cy="63202"/>
             </a:xfrm>
             <a:custGeom>
@@ -19710,7 +19710,7 @@
           </p:nvSpPr>
           <p:spPr>
             <a:xfrm>
-              <a:off x="4825414" y="5498599"/>
+              <a:off x="4940475" y="5498647"/>
               <a:ext cx="63202" cy="63202"/>
             </a:xfrm>
             <a:custGeom>
@@ -19753,7 +19753,7 @@
           </p:nvSpPr>
           <p:spPr>
             <a:xfrm>
-              <a:off x="5153343" y="5735228"/>
+              <a:off x="4549977" y="5735234"/>
               <a:ext cx="63202" cy="63202"/>
             </a:xfrm>
             <a:custGeom>
@@ -19796,7 +19796,7 @@
           </p:nvSpPr>
           <p:spPr>
             <a:xfrm>
-              <a:off x="4692219" y="5483825"/>
+              <a:off x="4491081" y="5483832"/>
               <a:ext cx="63202" cy="63202"/>
             </a:xfrm>
             <a:custGeom>
@@ -19839,7 +19839,7 @@
           </p:nvSpPr>
           <p:spPr>
             <a:xfrm>
-              <a:off x="4523865" y="5493726"/>
+              <a:off x="4716908" y="5493741"/>
               <a:ext cx="63202" cy="63202"/>
             </a:xfrm>
             <a:custGeom>
@@ -19882,7 +19882,7 @@
           </p:nvSpPr>
           <p:spPr>
             <a:xfrm>
-              <a:off x="4949863" y="5719350"/>
+              <a:off x="4786571" y="5719315"/>
               <a:ext cx="63202" cy="63202"/>
             </a:xfrm>
             <a:custGeom>
@@ -19925,7 +19925,7 @@
           </p:nvSpPr>
           <p:spPr>
             <a:xfrm>
-              <a:off x="5084439" y="5721630"/>
+              <a:off x="4623005" y="5721636"/>
               <a:ext cx="63202" cy="63202"/>
             </a:xfrm>
             <a:custGeom>
@@ -19968,7 +19968,7 @@
           </p:nvSpPr>
           <p:spPr>
             <a:xfrm>
-              <a:off x="4553256" y="5449048"/>
+              <a:off x="4863992" y="5449088"/>
               <a:ext cx="63202" cy="63202"/>
             </a:xfrm>
             <a:custGeom>
@@ -20011,7 +20011,7 @@
           </p:nvSpPr>
           <p:spPr>
             <a:xfrm>
-              <a:off x="4506482" y="5494671"/>
+              <a:off x="4570253" y="5494674"/>
               <a:ext cx="63202" cy="63202"/>
             </a:xfrm>
             <a:custGeom>
@@ -20054,7 +20054,7 @@
           </p:nvSpPr>
           <p:spPr>
             <a:xfrm>
-              <a:off x="4962991" y="5371830"/>
+              <a:off x="4867525" y="5371824"/>
               <a:ext cx="63202" cy="63202"/>
             </a:xfrm>
             <a:custGeom>
@@ -20097,7 +20097,7 @@
           </p:nvSpPr>
           <p:spPr>
             <a:xfrm>
-              <a:off x="4721031" y="5467452"/>
+              <a:off x="5014767" y="5467442"/>
               <a:ext cx="63202" cy="63202"/>
             </a:xfrm>
             <a:custGeom>
@@ -20140,7 +20140,7 @@
           </p:nvSpPr>
           <p:spPr>
             <a:xfrm>
-              <a:off x="4534582" y="5389323"/>
+              <a:off x="4978622" y="5389328"/>
               <a:ext cx="63202" cy="63202"/>
             </a:xfrm>
             <a:custGeom>
@@ -20183,7 +20183,7 @@
           </p:nvSpPr>
           <p:spPr>
             <a:xfrm>
-              <a:off x="5134207" y="5429924"/>
+              <a:off x="4999049" y="5429947"/>
               <a:ext cx="63202" cy="63202"/>
             </a:xfrm>
             <a:custGeom>
@@ -20226,7 +20226,7 @@
           </p:nvSpPr>
           <p:spPr>
             <a:xfrm>
-              <a:off x="4584805" y="5367545"/>
+              <a:off x="4756618" y="5367530"/>
               <a:ext cx="63202" cy="63202"/>
             </a:xfrm>
             <a:custGeom>
@@ -20269,7 +20269,7 @@
           </p:nvSpPr>
           <p:spPr>
             <a:xfrm>
-              <a:off x="4495839" y="5893275"/>
+              <a:off x="4946504" y="5893243"/>
               <a:ext cx="63202" cy="63202"/>
             </a:xfrm>
             <a:custGeom>
@@ -20312,7 +20312,7 @@
           </p:nvSpPr>
           <p:spPr>
             <a:xfrm>
-              <a:off x="5157138" y="5428375"/>
+              <a:off x="5110861" y="5428384"/>
               <a:ext cx="63202" cy="63202"/>
             </a:xfrm>
             <a:custGeom>
@@ -20355,7 +20355,7 @@
           </p:nvSpPr>
           <p:spPr>
             <a:xfrm>
-              <a:off x="4836145" y="5424784"/>
+              <a:off x="4979960" y="5424754"/>
               <a:ext cx="63202" cy="63202"/>
             </a:xfrm>
             <a:custGeom>
@@ -20398,7 +20398,7 @@
           </p:nvSpPr>
           <p:spPr>
             <a:xfrm>
-              <a:off x="4949593" y="5381585"/>
+              <a:off x="5042834" y="5381578"/>
               <a:ext cx="63202" cy="63202"/>
             </a:xfrm>
             <a:custGeom>
@@ -20441,7 +20441,7 @@
           </p:nvSpPr>
           <p:spPr>
             <a:xfrm>
-              <a:off x="5158279" y="5395272"/>
+              <a:off x="4929822" y="5395304"/>
               <a:ext cx="63202" cy="63202"/>
             </a:xfrm>
             <a:custGeom>
@@ -20484,7 +20484,7 @@
           </p:nvSpPr>
           <p:spPr>
             <a:xfrm>
-              <a:off x="4739249" y="5423314"/>
+              <a:off x="5053496" y="5423340"/>
               <a:ext cx="63202" cy="63202"/>
             </a:xfrm>
             <a:custGeom>
@@ -20527,7 +20527,7 @@
           </p:nvSpPr>
           <p:spPr>
             <a:xfrm>
-              <a:off x="5037981" y="5421785"/>
+              <a:off x="4631315" y="5421753"/>
               <a:ext cx="63202" cy="63202"/>
             </a:xfrm>
             <a:custGeom>
@@ -20570,7 +20570,7 @@
           </p:nvSpPr>
           <p:spPr>
             <a:xfrm>
-              <a:off x="5048332" y="5397851"/>
+              <a:off x="5030095" y="5397871"/>
               <a:ext cx="63202" cy="63202"/>
             </a:xfrm>
             <a:custGeom>
@@ -20613,7 +20613,7 @@
           </p:nvSpPr>
           <p:spPr>
             <a:xfrm>
-              <a:off x="5017830" y="5483292"/>
+              <a:off x="4821327" y="5483280"/>
               <a:ext cx="63202" cy="63202"/>
             </a:xfrm>
             <a:custGeom>
@@ -20656,7 +20656,7 @@
           </p:nvSpPr>
           <p:spPr>
             <a:xfrm>
-              <a:off x="4711124" y="5451152"/>
+              <a:off x="4693982" y="5451195"/>
               <a:ext cx="63202" cy="63202"/>
             </a:xfrm>
             <a:custGeom>
@@ -20699,7 +20699,7 @@
           </p:nvSpPr>
           <p:spPr>
             <a:xfrm>
-              <a:off x="4836680" y="5432898"/>
+              <a:off x="5103700" y="5432887"/>
               <a:ext cx="63202" cy="63202"/>
             </a:xfrm>
             <a:custGeom>
@@ -20742,7 +20742,7 @@
           </p:nvSpPr>
           <p:spPr>
             <a:xfrm>
-              <a:off x="5148678" y="5381602"/>
+              <a:off x="4934491" y="5381610"/>
               <a:ext cx="63202" cy="63202"/>
             </a:xfrm>
             <a:custGeom>
@@ -20785,7 +20785,7 @@
           </p:nvSpPr>
           <p:spPr>
             <a:xfrm>
-              <a:off x="4924311" y="5395771"/>
+              <a:off x="4846588" y="5395751"/>
               <a:ext cx="63202" cy="63202"/>
             </a:xfrm>
             <a:custGeom>
@@ -20828,7 +20828,7 @@
           </p:nvSpPr>
           <p:spPr>
             <a:xfrm>
-              <a:off x="5084072" y="5395857"/>
+              <a:off x="5073429" y="5395850"/>
               <a:ext cx="63202" cy="63202"/>
             </a:xfrm>
             <a:custGeom>
@@ -20871,7 +20871,7 @@
           </p:nvSpPr>
           <p:spPr>
             <a:xfrm>
-              <a:off x="4689111" y="5433135"/>
+              <a:off x="4638562" y="5433112"/>
               <a:ext cx="63202" cy="63202"/>
             </a:xfrm>
             <a:custGeom>
@@ -20914,7 +20914,7 @@
           </p:nvSpPr>
           <p:spPr>
             <a:xfrm>
-              <a:off x="4707325" y="5434395"/>
+              <a:off x="4628120" y="5434379"/>
               <a:ext cx="63202" cy="63202"/>
             </a:xfrm>
             <a:custGeom>
@@ -20957,7 +20957,7 @@
           </p:nvSpPr>
           <p:spPr>
             <a:xfrm>
-              <a:off x="5086297" y="5633868"/>
+              <a:off x="4554990" y="5633841"/>
               <a:ext cx="63202" cy="63202"/>
             </a:xfrm>
             <a:custGeom>
@@ -21000,7 +21000,7 @@
           </p:nvSpPr>
           <p:spPr>
             <a:xfrm>
-              <a:off x="5113803" y="5386124"/>
+              <a:off x="4505125" y="5386111"/>
               <a:ext cx="63202" cy="63202"/>
             </a:xfrm>
             <a:custGeom>
@@ -21043,7 +21043,7 @@
           </p:nvSpPr>
           <p:spPr>
             <a:xfrm>
-              <a:off x="4494228" y="5437478"/>
+              <a:off x="4725955" y="5437480"/>
               <a:ext cx="63202" cy="63202"/>
             </a:xfrm>
             <a:custGeom>
@@ -21086,7 +21086,7 @@
           </p:nvSpPr>
           <p:spPr>
             <a:xfrm>
-              <a:off x="4902243" y="5475945"/>
+              <a:off x="4841113" y="5475966"/>
               <a:ext cx="63202" cy="63202"/>
             </a:xfrm>
             <a:custGeom>
@@ -21129,7 +21129,7 @@
           </p:nvSpPr>
           <p:spPr>
             <a:xfrm>
-              <a:off x="4936368" y="5392445"/>
+              <a:off x="4776217" y="5392431"/>
               <a:ext cx="63202" cy="63202"/>
             </a:xfrm>
             <a:custGeom>
@@ -21172,7 +21172,7 @@
           </p:nvSpPr>
           <p:spPr>
             <a:xfrm>
-              <a:off x="4858785" y="5417566"/>
+              <a:off x="4978901" y="5417561"/>
               <a:ext cx="63202" cy="63202"/>
             </a:xfrm>
             <a:custGeom>
@@ -21215,7 +21215,7 @@
           </p:nvSpPr>
           <p:spPr>
             <a:xfrm>
-              <a:off x="5086280" y="5877649"/>
+              <a:off x="4565289" y="5877672"/>
               <a:ext cx="63202" cy="63202"/>
             </a:xfrm>
             <a:custGeom>
@@ -21258,7 +21258,7 @@
           </p:nvSpPr>
           <p:spPr>
             <a:xfrm>
-              <a:off x="5084712" y="5433910"/>
+              <a:off x="4895602" y="5433952"/>
               <a:ext cx="63202" cy="63202"/>
             </a:xfrm>
             <a:custGeom>
@@ -21301,7 +21301,7 @@
           </p:nvSpPr>
           <p:spPr>
             <a:xfrm>
-              <a:off x="4772743" y="5622752"/>
+              <a:off x="4914830" y="5622748"/>
               <a:ext cx="63202" cy="63202"/>
             </a:xfrm>
             <a:custGeom>
@@ -21344,7 +21344,7 @@
           </p:nvSpPr>
           <p:spPr>
             <a:xfrm>
-              <a:off x="4508275" y="5395612"/>
+              <a:off x="5117045" y="5395665"/>
               <a:ext cx="63202" cy="63202"/>
             </a:xfrm>
             <a:custGeom>
@@ -21387,7 +21387,7 @@
           </p:nvSpPr>
           <p:spPr>
             <a:xfrm>
-              <a:off x="4772972" y="5605222"/>
+              <a:off x="4873091" y="5605224"/>
               <a:ext cx="63202" cy="63202"/>
             </a:xfrm>
             <a:custGeom>
@@ -21430,7 +21430,7 @@
           </p:nvSpPr>
           <p:spPr>
             <a:xfrm>
-              <a:off x="4503728" y="5399847"/>
+              <a:off x="4879763" y="5399837"/>
               <a:ext cx="63202" cy="63202"/>
             </a:xfrm>
             <a:custGeom>
@@ -21473,7 +21473,7 @@
           </p:nvSpPr>
           <p:spPr>
             <a:xfrm>
-              <a:off x="4766424" y="5447251"/>
+              <a:off x="4756111" y="5447246"/>
               <a:ext cx="63202" cy="63202"/>
             </a:xfrm>
             <a:custGeom>
@@ -21516,7 +21516,7 @@
           </p:nvSpPr>
           <p:spPr>
             <a:xfrm>
-              <a:off x="4622682" y="5412408"/>
+              <a:off x="4672814" y="5412401"/>
               <a:ext cx="63202" cy="63202"/>
             </a:xfrm>
             <a:custGeom>
@@ -21559,7 +21559,7 @@
           </p:nvSpPr>
           <p:spPr>
             <a:xfrm>
-              <a:off x="4827606" y="5508490"/>
+              <a:off x="4515713" y="5508455"/>
               <a:ext cx="63202" cy="63202"/>
             </a:xfrm>
             <a:custGeom>
@@ -21602,7 +21602,7 @@
           </p:nvSpPr>
           <p:spPr>
             <a:xfrm>
-              <a:off x="4839075" y="5447996"/>
+              <a:off x="4509168" y="5447985"/>
               <a:ext cx="63202" cy="63202"/>
             </a:xfrm>
             <a:custGeom>
@@ -21645,7 +21645,7 @@
           </p:nvSpPr>
           <p:spPr>
             <a:xfrm>
-              <a:off x="5048641" y="5837169"/>
+              <a:off x="4681339" y="5837170"/>
               <a:ext cx="63202" cy="63202"/>
             </a:xfrm>
             <a:custGeom>
@@ -21688,7 +21688,7 @@
           </p:nvSpPr>
           <p:spPr>
             <a:xfrm>
-              <a:off x="4802938" y="5759842"/>
+              <a:off x="4669281" y="5759854"/>
               <a:ext cx="63202" cy="63202"/>
             </a:xfrm>
             <a:custGeom>
@@ -21731,7 +21731,7 @@
           </p:nvSpPr>
           <p:spPr>
             <a:xfrm>
-              <a:off x="4988133" y="5393749"/>
+              <a:off x="4625155" y="5393755"/>
               <a:ext cx="63202" cy="63202"/>
             </a:xfrm>
             <a:custGeom>
@@ -21774,7 +21774,7 @@
           </p:nvSpPr>
           <p:spPr>
             <a:xfrm>
-              <a:off x="4469140" y="5478950"/>
+              <a:off x="4680660" y="5478920"/>
               <a:ext cx="63202" cy="63202"/>
             </a:xfrm>
             <a:custGeom>
@@ -21817,7 +21817,7 @@
           </p:nvSpPr>
           <p:spPr>
             <a:xfrm>
-              <a:off x="4814250" y="5587135"/>
+              <a:off x="4613909" y="5587173"/>
               <a:ext cx="63202" cy="63202"/>
             </a:xfrm>
             <a:custGeom>
@@ -21860,7 +21860,7 @@
           </p:nvSpPr>
           <p:spPr>
             <a:xfrm>
-              <a:off x="4483333" y="5404460"/>
+              <a:off x="4569265" y="5404445"/>
               <a:ext cx="63202" cy="63202"/>
             </a:xfrm>
             <a:custGeom>
@@ -21903,7 +21903,7 @@
           </p:nvSpPr>
           <p:spPr>
             <a:xfrm>
-              <a:off x="4752709" y="5387669"/>
+              <a:off x="4964449" y="5387682"/>
               <a:ext cx="63202" cy="63202"/>
             </a:xfrm>
             <a:custGeom>
@@ -21946,7 +21946,7 @@
           </p:nvSpPr>
           <p:spPr>
             <a:xfrm>
-              <a:off x="4991027" y="5486419"/>
+              <a:off x="4812917" y="5486386"/>
               <a:ext cx="63202" cy="63202"/>
             </a:xfrm>
             <a:custGeom>
@@ -21989,7 +21989,7 @@
           </p:nvSpPr>
           <p:spPr>
             <a:xfrm>
-              <a:off x="4483890" y="5487151"/>
+              <a:off x="4921112" y="5487136"/>
               <a:ext cx="63202" cy="63202"/>
             </a:xfrm>
             <a:custGeom>
@@ -22032,7 +22032,7 @@
           </p:nvSpPr>
           <p:spPr>
             <a:xfrm>
-              <a:off x="4892305" y="5496875"/>
+              <a:off x="4497730" y="5496885"/>
               <a:ext cx="63202" cy="63202"/>
             </a:xfrm>
             <a:custGeom>
@@ -22075,7 +22075,7 @@
           </p:nvSpPr>
           <p:spPr>
             <a:xfrm>
-              <a:off x="4627634" y="5890747"/>
+              <a:off x="5143251" y="5890757"/>
               <a:ext cx="63202" cy="63202"/>
             </a:xfrm>
             <a:custGeom>
@@ -22118,7 +22118,7 @@
           </p:nvSpPr>
           <p:spPr>
             <a:xfrm>
-              <a:off x="4905125" y="5399902"/>
+              <a:off x="4474190" y="5399889"/>
               <a:ext cx="63202" cy="63202"/>
             </a:xfrm>
             <a:custGeom>
@@ -22161,7 +22161,7 @@
           </p:nvSpPr>
           <p:spPr>
             <a:xfrm>
-              <a:off x="4572859" y="5417215"/>
+              <a:off x="4600941" y="5417221"/>
               <a:ext cx="63202" cy="63202"/>
             </a:xfrm>
             <a:custGeom>
@@ -22204,7 +22204,7 @@
           </p:nvSpPr>
           <p:spPr>
             <a:xfrm>
-              <a:off x="4655977" y="5496667"/>
+              <a:off x="4790242" y="5496643"/>
               <a:ext cx="63202" cy="63202"/>
             </a:xfrm>
             <a:custGeom>
@@ -22247,7 +22247,7 @@
           </p:nvSpPr>
           <p:spPr>
             <a:xfrm>
-              <a:off x="5008082" y="5410867"/>
+              <a:off x="4900456" y="5410859"/>
               <a:ext cx="63202" cy="63202"/>
             </a:xfrm>
             <a:custGeom>
@@ -22290,7 +22290,7 @@
           </p:nvSpPr>
           <p:spPr>
             <a:xfrm>
-              <a:off x="4580907" y="5407653"/>
+              <a:off x="4516843" y="5407663"/>
               <a:ext cx="63202" cy="63202"/>
             </a:xfrm>
             <a:custGeom>
@@ -22333,7 +22333,7 @@
           </p:nvSpPr>
           <p:spPr>
             <a:xfrm>
-              <a:off x="4734192" y="5752989"/>
+              <a:off x="4671444" y="5753017"/>
               <a:ext cx="63202" cy="63202"/>
             </a:xfrm>
             <a:custGeom>
@@ -22376,7 +22376,7 @@
           </p:nvSpPr>
           <p:spPr>
             <a:xfrm>
-              <a:off x="4920671" y="5387920"/>
+              <a:off x="4868066" y="5387909"/>
               <a:ext cx="63202" cy="63202"/>
             </a:xfrm>
             <a:custGeom>
@@ -22419,7 +22419,7 @@
           </p:nvSpPr>
           <p:spPr>
             <a:xfrm>
-              <a:off x="4933039" y="5391791"/>
+              <a:off x="4762926" y="5391760"/>
               <a:ext cx="63202" cy="63202"/>
             </a:xfrm>
             <a:custGeom>
@@ -22462,7 +22462,7 @@
           </p:nvSpPr>
           <p:spPr>
             <a:xfrm>
-              <a:off x="4740324" y="5376782"/>
+              <a:off x="4651687" y="5376768"/>
               <a:ext cx="63202" cy="63202"/>
             </a:xfrm>
             <a:custGeom>
@@ -22505,7 +22505,7 @@
           </p:nvSpPr>
           <p:spPr>
             <a:xfrm>
-              <a:off x="4700261" y="5761707"/>
+              <a:off x="4698963" y="5761703"/>
               <a:ext cx="63202" cy="63202"/>
             </a:xfrm>
             <a:custGeom>
@@ -22548,7 +22548,7 @@
           </p:nvSpPr>
           <p:spPr>
             <a:xfrm>
-              <a:off x="4931690" y="5397614"/>
+              <a:off x="4567876" y="5397600"/>
               <a:ext cx="63202" cy="63202"/>
             </a:xfrm>
             <a:custGeom>
@@ -22591,7 +22591,7 @@
           </p:nvSpPr>
           <p:spPr>
             <a:xfrm>
-              <a:off x="4671369" y="5403902"/>
+              <a:off x="4559911" y="5403911"/>
               <a:ext cx="63202" cy="63202"/>
             </a:xfrm>
             <a:custGeom>
@@ -22634,7 +22634,7 @@
           </p:nvSpPr>
           <p:spPr>
             <a:xfrm>
-              <a:off x="5052152" y="5605208"/>
+              <a:off x="4588903" y="5605200"/>
               <a:ext cx="63202" cy="63202"/>
             </a:xfrm>
             <a:custGeom>
@@ -22677,7 +22677,7 @@
           </p:nvSpPr>
           <p:spPr>
             <a:xfrm>
-              <a:off x="5066248" y="5496330"/>
+              <a:off x="5128391" y="5496302"/>
               <a:ext cx="63202" cy="63202"/>
             </a:xfrm>
             <a:custGeom>
@@ -22720,7 +22720,7 @@
           </p:nvSpPr>
           <p:spPr>
             <a:xfrm>
-              <a:off x="4705140" y="5490977"/>
+              <a:off x="5003761" y="5490951"/>
               <a:ext cx="63202" cy="63202"/>
             </a:xfrm>
             <a:custGeom>
@@ -22763,7 +22763,7 @@
           </p:nvSpPr>
           <p:spPr>
             <a:xfrm>
-              <a:off x="4711262" y="5405904"/>
+              <a:off x="4692153" y="5405908"/>
               <a:ext cx="63202" cy="63202"/>
             </a:xfrm>
             <a:custGeom>
@@ -22806,7 +22806,7 @@
           </p:nvSpPr>
           <p:spPr>
             <a:xfrm>
-              <a:off x="4675274" y="5406496"/>
+              <a:off x="5010756" y="5406519"/>
               <a:ext cx="63202" cy="63202"/>
             </a:xfrm>
             <a:custGeom>
@@ -22849,7 +22849,7 @@
           </p:nvSpPr>
           <p:spPr>
             <a:xfrm>
-              <a:off x="5022831" y="5437270"/>
+              <a:off x="4777395" y="5437247"/>
               <a:ext cx="63202" cy="63202"/>
             </a:xfrm>
             <a:custGeom>
@@ -22892,7 +22892,7 @@
           </p:nvSpPr>
           <p:spPr>
             <a:xfrm>
-              <a:off x="5082271" y="5792069"/>
+              <a:off x="4530444" y="5792027"/>
               <a:ext cx="63202" cy="63202"/>
             </a:xfrm>
             <a:custGeom>
@@ -22935,7 +22935,7 @@
           </p:nvSpPr>
           <p:spPr>
             <a:xfrm>
-              <a:off x="5137255" y="6077854"/>
+              <a:off x="4913603" y="6077848"/>
               <a:ext cx="63202" cy="63202"/>
             </a:xfrm>
             <a:custGeom>
@@ -22978,7 +22978,7 @@
           </p:nvSpPr>
           <p:spPr>
             <a:xfrm>
-              <a:off x="4945193" y="5436083"/>
+              <a:off x="5068078" y="5436073"/>
               <a:ext cx="63202" cy="63202"/>
             </a:xfrm>
             <a:custGeom>
@@ -23021,7 +23021,7 @@
           </p:nvSpPr>
           <p:spPr>
             <a:xfrm>
-              <a:off x="4621382" y="6616416"/>
+              <a:off x="4762238" y="6616401"/>
               <a:ext cx="63202" cy="63202"/>
             </a:xfrm>
             <a:custGeom>
@@ -23064,7 +23064,7 @@
           </p:nvSpPr>
           <p:spPr>
             <a:xfrm>
-              <a:off x="4992874" y="5509818"/>
+              <a:off x="5052503" y="5509815"/>
               <a:ext cx="63202" cy="63202"/>
             </a:xfrm>
             <a:custGeom>
@@ -23107,7 +23107,7 @@
           </p:nvSpPr>
           <p:spPr>
             <a:xfrm>
-              <a:off x="4763481" y="5445280"/>
+              <a:off x="4778718" y="5445264"/>
               <a:ext cx="63202" cy="63202"/>
             </a:xfrm>
             <a:custGeom>
@@ -23150,7 +23150,7 @@
           </p:nvSpPr>
           <p:spPr>
             <a:xfrm>
-              <a:off x="4633453" y="5383619"/>
+              <a:off x="5040363" y="5383613"/>
               <a:ext cx="63202" cy="63202"/>
             </a:xfrm>
             <a:custGeom>
@@ -23193,7 +23193,7 @@
           </p:nvSpPr>
           <p:spPr>
             <a:xfrm>
-              <a:off x="4719900" y="5529383"/>
+              <a:off x="5138704" y="5529370"/>
               <a:ext cx="63202" cy="63202"/>
             </a:xfrm>
             <a:custGeom>
@@ -23236,7 +23236,7 @@
           </p:nvSpPr>
           <p:spPr>
             <a:xfrm>
-              <a:off x="4531171" y="5403781"/>
+              <a:off x="5025591" y="5403771"/>
               <a:ext cx="63202" cy="63202"/>
             </a:xfrm>
             <a:custGeom>
@@ -23279,7 +23279,7 @@
           </p:nvSpPr>
           <p:spPr>
             <a:xfrm>
-              <a:off x="5088056" y="5483834"/>
+              <a:off x="4592751" y="5483820"/>
               <a:ext cx="63202" cy="63202"/>
             </a:xfrm>
             <a:custGeom>
@@ -23322,7 +23322,7 @@
           </p:nvSpPr>
           <p:spPr>
             <a:xfrm>
-              <a:off x="5140069" y="5497127"/>
+              <a:off x="5025961" y="5497126"/>
               <a:ext cx="63202" cy="63202"/>
             </a:xfrm>
             <a:custGeom>
@@ -23365,7 +23365,7 @@
           </p:nvSpPr>
           <p:spPr>
             <a:xfrm>
-              <a:off x="5052460" y="5521226"/>
+              <a:off x="4657019" y="5521245"/>
               <a:ext cx="63202" cy="63202"/>
             </a:xfrm>
             <a:custGeom>
@@ -23408,7 +23408,7 @@
           </p:nvSpPr>
           <p:spPr>
             <a:xfrm>
-              <a:off x="4911619" y="5411069"/>
+              <a:off x="4687325" y="5411041"/>
               <a:ext cx="63202" cy="63202"/>
             </a:xfrm>
             <a:custGeom>
@@ -23451,7 +23451,7 @@
           </p:nvSpPr>
           <p:spPr>
             <a:xfrm>
-              <a:off x="4707326" y="5418256"/>
+              <a:off x="5127349" y="5418266"/>
               <a:ext cx="63202" cy="63202"/>
             </a:xfrm>
             <a:custGeom>
@@ -23494,7 +23494,7 @@
           </p:nvSpPr>
           <p:spPr>
             <a:xfrm>
-              <a:off x="4513223" y="5788189"/>
+              <a:off x="4885511" y="5788184"/>
               <a:ext cx="63202" cy="63202"/>
             </a:xfrm>
             <a:custGeom>
@@ -23537,7 +23537,7 @@
           </p:nvSpPr>
           <p:spPr>
             <a:xfrm>
-              <a:off x="4737079" y="5392459"/>
+              <a:off x="4974009" y="5392424"/>
               <a:ext cx="63202" cy="63202"/>
             </a:xfrm>
             <a:custGeom>
@@ -23580,7 +23580,7 @@
           </p:nvSpPr>
           <p:spPr>
             <a:xfrm>
-              <a:off x="4733699" y="5796409"/>
+              <a:off x="4608523" y="5796385"/>
               <a:ext cx="63202" cy="63202"/>
             </a:xfrm>
             <a:custGeom>
@@ -23623,7 +23623,7 @@
           </p:nvSpPr>
           <p:spPr>
             <a:xfrm>
-              <a:off x="4848182" y="5462671"/>
+              <a:off x="5014343" y="5462630"/>
               <a:ext cx="63202" cy="63202"/>
             </a:xfrm>
             <a:custGeom>
@@ -23666,7 +23666,7 @@
           </p:nvSpPr>
           <p:spPr>
             <a:xfrm>
-              <a:off x="4578635" y="5859890"/>
+              <a:off x="5158358" y="5859870"/>
               <a:ext cx="63202" cy="63202"/>
             </a:xfrm>
             <a:custGeom>
@@ -23709,7 +23709,7 @@
           </p:nvSpPr>
           <p:spPr>
             <a:xfrm>
-              <a:off x="5037990" y="5480236"/>
+              <a:off x="4507398" y="5480207"/>
               <a:ext cx="63202" cy="63202"/>
             </a:xfrm>
             <a:custGeom>
@@ -23752,7 +23752,7 @@
           </p:nvSpPr>
           <p:spPr>
             <a:xfrm>
-              <a:off x="4863113" y="5481371"/>
+              <a:off x="4636122" y="5481389"/>
               <a:ext cx="63202" cy="63202"/>
             </a:xfrm>
             <a:custGeom>
@@ -23795,7 +23795,7 @@
           </p:nvSpPr>
           <p:spPr>
             <a:xfrm>
-              <a:off x="5034450" y="5706754"/>
+              <a:off x="5016091" y="5706759"/>
               <a:ext cx="63202" cy="63202"/>
             </a:xfrm>
             <a:custGeom>
@@ -23838,7 +23838,7 @@
           </p:nvSpPr>
           <p:spPr>
             <a:xfrm>
-              <a:off x="5146118" y="5406882"/>
+              <a:off x="4986037" y="5406887"/>
               <a:ext cx="63202" cy="63202"/>
             </a:xfrm>
             <a:custGeom>
@@ -23881,7 +23881,7 @@
           </p:nvSpPr>
           <p:spPr>
             <a:xfrm>
-              <a:off x="4769781" y="5381566"/>
+              <a:off x="5068904" y="5381593"/>
               <a:ext cx="63202" cy="63202"/>
             </a:xfrm>
             <a:custGeom>
@@ -23924,7 +23924,7 @@
           </p:nvSpPr>
           <p:spPr>
             <a:xfrm>
-              <a:off x="4726589" y="5727799"/>
+              <a:off x="4864235" y="5727843"/>
               <a:ext cx="63202" cy="63202"/>
             </a:xfrm>
             <a:custGeom>
@@ -23967,7 +23967,7 @@
           </p:nvSpPr>
           <p:spPr>
             <a:xfrm>
-              <a:off x="4688788" y="5403044"/>
+              <a:off x="5120146" y="5403038"/>
               <a:ext cx="63202" cy="63202"/>
             </a:xfrm>
             <a:custGeom>
@@ -24010,7 +24010,7 @@
           </p:nvSpPr>
           <p:spPr>
             <a:xfrm>
-              <a:off x="4732705" y="5503761"/>
+              <a:off x="4567026" y="5503780"/>
               <a:ext cx="63202" cy="63202"/>
             </a:xfrm>
             <a:custGeom>
@@ -24053,7 +24053,7 @@
           </p:nvSpPr>
           <p:spPr>
             <a:xfrm>
-              <a:off x="4920818" y="5401605"/>
+              <a:off x="4588899" y="5401588"/>
               <a:ext cx="63202" cy="63202"/>
             </a:xfrm>
             <a:custGeom>
@@ -24096,7 +24096,7 @@
           </p:nvSpPr>
           <p:spPr>
             <a:xfrm>
-              <a:off x="4702302" y="5375296"/>
+              <a:off x="5121488" y="5375289"/>
               <a:ext cx="63202" cy="63202"/>
             </a:xfrm>
             <a:custGeom>
@@ -24139,7 +24139,7 @@
           </p:nvSpPr>
           <p:spPr>
             <a:xfrm>
-              <a:off x="4748013" y="5373279"/>
+              <a:off x="4572453" y="5373287"/>
               <a:ext cx="63202" cy="63202"/>
             </a:xfrm>
             <a:custGeom>
@@ -24182,7 +24182,7 @@
           </p:nvSpPr>
           <p:spPr>
             <a:xfrm>
-              <a:off x="5119212" y="5373311"/>
+              <a:off x="4936486" y="5373308"/>
               <a:ext cx="63202" cy="63202"/>
             </a:xfrm>
             <a:custGeom>
@@ -24225,7 +24225,7 @@
           </p:nvSpPr>
           <p:spPr>
             <a:xfrm>
-              <a:off x="4607821" y="5385532"/>
+              <a:off x="5137582" y="5385504"/>
               <a:ext cx="63202" cy="63202"/>
             </a:xfrm>
             <a:custGeom>
@@ -24268,7 +24268,7 @@
           </p:nvSpPr>
           <p:spPr>
             <a:xfrm>
-              <a:off x="5075836" y="5424443"/>
+              <a:off x="5048687" y="5424431"/>
               <a:ext cx="63202" cy="63202"/>
             </a:xfrm>
             <a:custGeom>
@@ -24311,7 +24311,7 @@
           </p:nvSpPr>
           <p:spPr>
             <a:xfrm>
-              <a:off x="5061010" y="5462918"/>
+              <a:off x="4905613" y="5462909"/>
               <a:ext cx="63202" cy="63202"/>
             </a:xfrm>
             <a:custGeom>
@@ -24354,7 +24354,7 @@
           </p:nvSpPr>
           <p:spPr>
             <a:xfrm>
-              <a:off x="4962080" y="5398821"/>
+              <a:off x="4838750" y="5398846"/>
               <a:ext cx="63202" cy="63202"/>
             </a:xfrm>
             <a:custGeom>
@@ -24397,7 +24397,7 @@
           </p:nvSpPr>
           <p:spPr>
             <a:xfrm>
-              <a:off x="5120821" y="5517044"/>
+              <a:off x="5012858" y="5517020"/>
               <a:ext cx="63202" cy="63202"/>
             </a:xfrm>
             <a:custGeom>
@@ -24440,7 +24440,7 @@
           </p:nvSpPr>
           <p:spPr>
             <a:xfrm>
-              <a:off x="4669731" y="5736313"/>
+              <a:off x="5132008" y="5736289"/>
               <a:ext cx="63202" cy="63202"/>
             </a:xfrm>
             <a:custGeom>
@@ -24483,7 +24483,7 @@
           </p:nvSpPr>
           <p:spPr>
             <a:xfrm>
-              <a:off x="4629833" y="5646296"/>
+              <a:off x="5149199" y="5646298"/>
               <a:ext cx="63202" cy="63202"/>
             </a:xfrm>
             <a:custGeom>
@@ -24526,7 +24526,7 @@
           </p:nvSpPr>
           <p:spPr>
             <a:xfrm>
-              <a:off x="4736220" y="5451425"/>
+              <a:off x="4700083" y="5451447"/>
               <a:ext cx="63202" cy="63202"/>
             </a:xfrm>
             <a:custGeom>
@@ -24569,7 +24569,7 @@
           </p:nvSpPr>
           <p:spPr>
             <a:xfrm>
-              <a:off x="4979833" y="5428288"/>
+              <a:off x="4857138" y="5428274"/>
               <a:ext cx="63202" cy="63202"/>
             </a:xfrm>
             <a:custGeom>
@@ -24612,7 +24612,7 @@
           </p:nvSpPr>
           <p:spPr>
             <a:xfrm>
-              <a:off x="4970128" y="5862566"/>
+              <a:off x="4704998" y="5862558"/>
               <a:ext cx="63202" cy="63202"/>
             </a:xfrm>
             <a:custGeom>
@@ -24655,7 +24655,7 @@
           </p:nvSpPr>
           <p:spPr>
             <a:xfrm>
-              <a:off x="4681026" y="5789341"/>
+              <a:off x="4570267" y="5789335"/>
               <a:ext cx="63202" cy="63202"/>
             </a:xfrm>
             <a:custGeom>
@@ -24698,7 +24698,7 @@
           </p:nvSpPr>
           <p:spPr>
             <a:xfrm>
-              <a:off x="5077733" y="5431150"/>
+              <a:off x="4752732" y="5431140"/>
               <a:ext cx="63202" cy="63202"/>
             </a:xfrm>
             <a:custGeom>
@@ -24741,7 +24741,7 @@
           </p:nvSpPr>
           <p:spPr>
             <a:xfrm>
-              <a:off x="4614934" y="5401816"/>
+              <a:off x="5133131" y="5401834"/>
               <a:ext cx="63202" cy="63202"/>
             </a:xfrm>
             <a:custGeom>
@@ -24784,7 +24784,7 @@
           </p:nvSpPr>
           <p:spPr>
             <a:xfrm>
-              <a:off x="5016173" y="5502026"/>
+              <a:off x="4965128" y="5502006"/>
               <a:ext cx="63202" cy="63202"/>
             </a:xfrm>
             <a:custGeom>
@@ -24827,7 +24827,7 @@
           </p:nvSpPr>
           <p:spPr>
             <a:xfrm>
-              <a:off x="4531691" y="5437816"/>
+              <a:off x="4737225" y="5437785"/>
               <a:ext cx="63202" cy="63202"/>
             </a:xfrm>
             <a:custGeom>
@@ -24870,7 +24870,7 @@
           </p:nvSpPr>
           <p:spPr>
             <a:xfrm>
-              <a:off x="5079704" y="5386824"/>
+              <a:off x="4805274" y="5386806"/>
               <a:ext cx="63202" cy="63202"/>
             </a:xfrm>
             <a:custGeom>
@@ -24913,7 +24913,7 @@
           </p:nvSpPr>
           <p:spPr>
             <a:xfrm>
-              <a:off x="5019142" y="5395301"/>
+              <a:off x="4555400" y="5395323"/>
               <a:ext cx="63202" cy="63202"/>
             </a:xfrm>
             <a:custGeom>
@@ -24956,7 +24956,7 @@
           </p:nvSpPr>
           <p:spPr>
             <a:xfrm>
-              <a:off x="4898508" y="5413470"/>
+              <a:off x="4588002" y="5413492"/>
               <a:ext cx="63202" cy="63202"/>
             </a:xfrm>
             <a:custGeom>
@@ -24999,7 +24999,7 @@
           </p:nvSpPr>
           <p:spPr>
             <a:xfrm>
-              <a:off x="4974599" y="5723078"/>
+              <a:off x="5030424" y="5723066"/>
               <a:ext cx="63202" cy="63202"/>
             </a:xfrm>
             <a:custGeom>
@@ -25042,7 +25042,7 @@
           </p:nvSpPr>
           <p:spPr>
             <a:xfrm>
-              <a:off x="5000418" y="6106140"/>
+              <a:off x="4657395" y="6106134"/>
               <a:ext cx="63202" cy="63202"/>
             </a:xfrm>
             <a:custGeom>
@@ -25085,7 +25085,7 @@
           </p:nvSpPr>
           <p:spPr>
             <a:xfrm>
-              <a:off x="4900805" y="5655152"/>
+              <a:off x="4935097" y="5655195"/>
               <a:ext cx="63202" cy="63202"/>
             </a:xfrm>
             <a:custGeom>
@@ -25128,7 +25128,7 @@
           </p:nvSpPr>
           <p:spPr>
             <a:xfrm>
-              <a:off x="4481811" y="6133930"/>
+              <a:off x="5020559" y="6133932"/>
               <a:ext cx="63202" cy="63202"/>
             </a:xfrm>
             <a:custGeom>
@@ -25171,7 +25171,7 @@
           </p:nvSpPr>
           <p:spPr>
             <a:xfrm>
-              <a:off x="5116786" y="5713488"/>
+              <a:off x="4584500" y="5713505"/>
               <a:ext cx="63202" cy="63202"/>
             </a:xfrm>
             <a:custGeom>
@@ -25214,7 +25214,7 @@
           </p:nvSpPr>
           <p:spPr>
             <a:xfrm>
-              <a:off x="4922514" y="5414124"/>
+              <a:off x="4546324" y="5414111"/>
               <a:ext cx="63202" cy="63202"/>
             </a:xfrm>
             <a:custGeom>
@@ -25257,7 +25257,7 @@
           </p:nvSpPr>
           <p:spPr>
             <a:xfrm>
-              <a:off x="4686957" y="5700873"/>
+              <a:off x="4777163" y="5700865"/>
               <a:ext cx="63202" cy="63202"/>
             </a:xfrm>
             <a:custGeom>
@@ -25300,7 +25300,7 @@
           </p:nvSpPr>
           <p:spPr>
             <a:xfrm>
-              <a:off x="4541244" y="5717406"/>
+              <a:off x="4966128" y="5717435"/>
               <a:ext cx="63202" cy="63202"/>
             </a:xfrm>
             <a:custGeom>
@@ -25343,7 +25343,7 @@
           </p:nvSpPr>
           <p:spPr>
             <a:xfrm>
-              <a:off x="4538983" y="5810364"/>
+              <a:off x="4962271" y="5810343"/>
               <a:ext cx="63202" cy="63202"/>
             </a:xfrm>
             <a:custGeom>
@@ -25386,7 +25386,7 @@
           </p:nvSpPr>
           <p:spPr>
             <a:xfrm>
-              <a:off x="4737427" y="5719016"/>
+              <a:off x="4618149" y="5718972"/>
               <a:ext cx="63202" cy="63202"/>
             </a:xfrm>
             <a:custGeom>
@@ -25429,7 +25429,7 @@
           </p:nvSpPr>
           <p:spPr>
             <a:xfrm>
-              <a:off x="4803013" y="5466219"/>
+              <a:off x="5125729" y="5466249"/>
               <a:ext cx="63202" cy="63202"/>
             </a:xfrm>
             <a:custGeom>
@@ -25472,7 +25472,7 @@
           </p:nvSpPr>
           <p:spPr>
             <a:xfrm>
-              <a:off x="4536930" y="5606511"/>
+              <a:off x="4518594" y="5606523"/>
               <a:ext cx="63202" cy="63202"/>
             </a:xfrm>
             <a:custGeom>
@@ -25515,7 +25515,7 @@
           </p:nvSpPr>
           <p:spPr>
             <a:xfrm>
-              <a:off x="5053719" y="5483820"/>
+              <a:off x="4647287" y="5483841"/>
               <a:ext cx="63202" cy="63202"/>
             </a:xfrm>
             <a:custGeom>
@@ -25558,7 +25558,7 @@
           </p:nvSpPr>
           <p:spPr>
             <a:xfrm>
-              <a:off x="4486405" y="5769356"/>
+              <a:off x="4684200" y="5769359"/>
               <a:ext cx="63202" cy="63202"/>
             </a:xfrm>
             <a:custGeom>
@@ -25601,7 +25601,7 @@
           </p:nvSpPr>
           <p:spPr>
             <a:xfrm>
-              <a:off x="4504504" y="5562529"/>
+              <a:off x="4701025" y="5562492"/>
               <a:ext cx="63202" cy="63202"/>
             </a:xfrm>
             <a:custGeom>
@@ -25644,7 +25644,7 @@
           </p:nvSpPr>
           <p:spPr>
             <a:xfrm>
-              <a:off x="4689340" y="5774715"/>
+              <a:off x="4618493" y="5774723"/>
               <a:ext cx="63202" cy="63202"/>
             </a:xfrm>
             <a:custGeom>
@@ -25687,7 +25687,7 @@
           </p:nvSpPr>
           <p:spPr>
             <a:xfrm>
-              <a:off x="5032598" y="5716236"/>
+              <a:off x="5132823" y="5716199"/>
               <a:ext cx="63202" cy="63202"/>
             </a:xfrm>
             <a:custGeom>
@@ -25730,7 +25730,7 @@
           </p:nvSpPr>
           <p:spPr>
             <a:xfrm>
-              <a:off x="4603984" y="5597886"/>
+              <a:off x="4511513" y="5597892"/>
               <a:ext cx="63202" cy="63202"/>
             </a:xfrm>
             <a:custGeom>
@@ -25773,7 +25773,7 @@
           </p:nvSpPr>
           <p:spPr>
             <a:xfrm>
-              <a:off x="5007015" y="5470101"/>
+              <a:off x="4589584" y="5470095"/>
               <a:ext cx="63202" cy="63202"/>
             </a:xfrm>
             <a:custGeom>
@@ -25816,7 +25816,7 @@
           </p:nvSpPr>
           <p:spPr>
             <a:xfrm>
-              <a:off x="4509260" y="5727092"/>
+              <a:off x="4518160" y="5727058"/>
               <a:ext cx="63202" cy="63202"/>
             </a:xfrm>
             <a:custGeom>
@@ -25859,7 +25859,7 @@
           </p:nvSpPr>
           <p:spPr>
             <a:xfrm>
-              <a:off x="4758360" y="5504532"/>
+              <a:off x="4553485" y="5504517"/>
               <a:ext cx="63202" cy="63202"/>
             </a:xfrm>
             <a:custGeom>
@@ -25902,7 +25902,7 @@
           </p:nvSpPr>
           <p:spPr>
             <a:xfrm>
-              <a:off x="4970488" y="5503102"/>
+              <a:off x="4667094" y="5503097"/>
               <a:ext cx="63202" cy="63202"/>
             </a:xfrm>
             <a:custGeom>
@@ -25945,7 +25945,7 @@
           </p:nvSpPr>
           <p:spPr>
             <a:xfrm>
-              <a:off x="4972154" y="5444227"/>
+              <a:off x="4474922" y="5444265"/>
               <a:ext cx="63202" cy="63202"/>
             </a:xfrm>
             <a:custGeom>
@@ -25988,7 +25988,7 @@
           </p:nvSpPr>
           <p:spPr>
             <a:xfrm>
-              <a:off x="4949802" y="5437595"/>
+              <a:off x="4643282" y="5437567"/>
               <a:ext cx="63202" cy="63202"/>
             </a:xfrm>
             <a:custGeom>
@@ -26031,7 +26031,7 @@
           </p:nvSpPr>
           <p:spPr>
             <a:xfrm>
-              <a:off x="4683507" y="5854247"/>
+              <a:off x="4572361" y="5854204"/>
               <a:ext cx="63202" cy="63202"/>
             </a:xfrm>
             <a:custGeom>
@@ -26074,7 +26074,7 @@
           </p:nvSpPr>
           <p:spPr>
             <a:xfrm>
-              <a:off x="4582164" y="5473565"/>
+              <a:off x="4806399" y="5473578"/>
               <a:ext cx="63202" cy="63202"/>
             </a:xfrm>
             <a:custGeom>
@@ -26117,7 +26117,7 @@
           </p:nvSpPr>
           <p:spPr>
             <a:xfrm>
-              <a:off x="4637174" y="5436561"/>
+              <a:off x="4940430" y="5436590"/>
               <a:ext cx="63202" cy="63202"/>
             </a:xfrm>
             <a:custGeom>
@@ -26160,7 +26160,7 @@
           </p:nvSpPr>
           <p:spPr>
             <a:xfrm>
-              <a:off x="4851240" y="5424413"/>
+              <a:off x="5000154" y="5424422"/>
               <a:ext cx="63202" cy="63202"/>
             </a:xfrm>
             <a:custGeom>
@@ -26203,7 +26203,7 @@
           </p:nvSpPr>
           <p:spPr>
             <a:xfrm>
-              <a:off x="4569612" y="5486956"/>
+              <a:off x="4469004" y="5486974"/>
               <a:ext cx="63202" cy="63202"/>
             </a:xfrm>
             <a:custGeom>
@@ -26246,7 +26246,7 @@
           </p:nvSpPr>
           <p:spPr>
             <a:xfrm>
-              <a:off x="4677246" y="5443773"/>
+              <a:off x="4972139" y="5443788"/>
               <a:ext cx="63202" cy="63202"/>
             </a:xfrm>
             <a:custGeom>
@@ -26289,7 +26289,7 @@
           </p:nvSpPr>
           <p:spPr>
             <a:xfrm>
-              <a:off x="4551574" y="5778191"/>
+              <a:off x="4557362" y="5778189"/>
               <a:ext cx="63202" cy="63202"/>
             </a:xfrm>
             <a:custGeom>
@@ -26332,7 +26332,7 @@
           </p:nvSpPr>
           <p:spPr>
             <a:xfrm>
-              <a:off x="4817243" y="5488366"/>
+              <a:off x="4624042" y="5488385"/>
               <a:ext cx="63202" cy="63202"/>
             </a:xfrm>
             <a:custGeom>
@@ -26375,7 +26375,7 @@
           </p:nvSpPr>
           <p:spPr>
             <a:xfrm>
-              <a:off x="4646850" y="5482607"/>
+              <a:off x="4791639" y="5482593"/>
               <a:ext cx="63202" cy="63202"/>
             </a:xfrm>
             <a:custGeom>
@@ -26418,7 +26418,7 @@
           </p:nvSpPr>
           <p:spPr>
             <a:xfrm>
-              <a:off x="5161911" y="5496799"/>
+              <a:off x="4490527" y="5496812"/>
               <a:ext cx="63202" cy="63202"/>
             </a:xfrm>
             <a:custGeom>
@@ -26461,7 +26461,7 @@
           </p:nvSpPr>
           <p:spPr>
             <a:xfrm>
-              <a:off x="4904034" y="5393011"/>
+              <a:off x="4840703" y="5393015"/>
               <a:ext cx="63202" cy="63202"/>
             </a:xfrm>
             <a:custGeom>
@@ -26504,7 +26504,7 @@
           </p:nvSpPr>
           <p:spPr>
             <a:xfrm>
-              <a:off x="4870050" y="5419309"/>
+              <a:off x="5089286" y="5419349"/>
               <a:ext cx="63202" cy="63202"/>
             </a:xfrm>
             <a:custGeom>
@@ -26547,7 +26547,7 @@
           </p:nvSpPr>
           <p:spPr>
             <a:xfrm>
-              <a:off x="5050534" y="5430603"/>
+              <a:off x="4840165" y="5430579"/>
               <a:ext cx="63202" cy="63202"/>
             </a:xfrm>
             <a:custGeom>
@@ -26590,7 +26590,7 @@
           </p:nvSpPr>
           <p:spPr>
             <a:xfrm>
-              <a:off x="4855852" y="5431058"/>
+              <a:off x="4618630" y="5431080"/>
               <a:ext cx="63202" cy="63202"/>
             </a:xfrm>
             <a:custGeom>
@@ -26633,7 +26633,7 @@
           </p:nvSpPr>
           <p:spPr>
             <a:xfrm>
-              <a:off x="4938238" y="5474114"/>
+              <a:off x="4868328" y="5474114"/>
               <a:ext cx="63202" cy="63202"/>
             </a:xfrm>
             <a:custGeom>
@@ -26676,7 +26676,7 @@
           </p:nvSpPr>
           <p:spPr>
             <a:xfrm>
-              <a:off x="4656817" y="5805883"/>
+              <a:off x="4521523" y="5805913"/>
               <a:ext cx="63202" cy="63202"/>
             </a:xfrm>
             <a:custGeom>
@@ -26719,7 +26719,7 @@
           </p:nvSpPr>
           <p:spPr>
             <a:xfrm>
-              <a:off x="5084729" y="5456414"/>
+              <a:off x="5142730" y="5456394"/>
               <a:ext cx="63202" cy="63202"/>
             </a:xfrm>
             <a:custGeom>
@@ -26762,7 +26762,7 @@
           </p:nvSpPr>
           <p:spPr>
             <a:xfrm>
-              <a:off x="5160812" y="5402958"/>
+              <a:off x="4945217" y="5402960"/>
               <a:ext cx="63202" cy="63202"/>
             </a:xfrm>
             <a:custGeom>
@@ -26805,7 +26805,7 @@
           </p:nvSpPr>
           <p:spPr>
             <a:xfrm>
-              <a:off x="4998029" y="5791007"/>
+              <a:off x="4990279" y="5791034"/>
               <a:ext cx="63202" cy="63202"/>
             </a:xfrm>
             <a:custGeom>
@@ -26848,7 +26848,7 @@
           </p:nvSpPr>
           <p:spPr>
             <a:xfrm>
-              <a:off x="5101188" y="5431331"/>
+              <a:off x="5136407" y="5431339"/>
               <a:ext cx="63202" cy="63202"/>
             </a:xfrm>
             <a:custGeom>
@@ -26891,7 +26891,7 @@
           </p:nvSpPr>
           <p:spPr>
             <a:xfrm>
-              <a:off x="5057542" y="5508854"/>
+              <a:off x="4900562" y="5508902"/>
               <a:ext cx="63202" cy="63202"/>
             </a:xfrm>
             <a:custGeom>
@@ -26934,7 +26934,7 @@
           </p:nvSpPr>
           <p:spPr>
             <a:xfrm>
-              <a:off x="4872934" y="5392526"/>
+              <a:off x="5082215" y="5392513"/>
               <a:ext cx="63202" cy="63202"/>
             </a:xfrm>
             <a:custGeom>
@@ -26977,7 +26977,7 @@
           </p:nvSpPr>
           <p:spPr>
             <a:xfrm>
-              <a:off x="5047993" y="5469514"/>
+              <a:off x="5161633" y="5469522"/>
               <a:ext cx="63202" cy="63202"/>
             </a:xfrm>
             <a:custGeom>
@@ -27020,7 +27020,7 @@
           </p:nvSpPr>
           <p:spPr>
             <a:xfrm>
-              <a:off x="4866494" y="5391071"/>
+              <a:off x="4506120" y="5391090"/>
               <a:ext cx="63202" cy="63202"/>
             </a:xfrm>
             <a:custGeom>
@@ -27063,7 +27063,7 @@
           </p:nvSpPr>
           <p:spPr>
             <a:xfrm>
-              <a:off x="4815194" y="5390277"/>
+              <a:off x="4755684" y="5390295"/>
               <a:ext cx="63202" cy="63202"/>
             </a:xfrm>
             <a:custGeom>
@@ -27106,7 +27106,7 @@
           </p:nvSpPr>
           <p:spPr>
             <a:xfrm>
-              <a:off x="4643447" y="5389336"/>
+              <a:off x="5069803" y="5389300"/>
               <a:ext cx="63202" cy="63202"/>
             </a:xfrm>
             <a:custGeom>
@@ -27149,7 +27149,7 @@
           </p:nvSpPr>
           <p:spPr>
             <a:xfrm>
-              <a:off x="4755325" y="5393718"/>
+              <a:off x="4521238" y="5393711"/>
               <a:ext cx="63202" cy="63202"/>
             </a:xfrm>
             <a:custGeom>
@@ -27192,7 +27192,7 @@
           </p:nvSpPr>
           <p:spPr>
             <a:xfrm>
-              <a:off x="4595474" y="5444676"/>
+              <a:off x="4574130" y="5444671"/>
               <a:ext cx="63202" cy="63202"/>
             </a:xfrm>
             <a:custGeom>
@@ -27235,7 +27235,7 @@
           </p:nvSpPr>
           <p:spPr>
             <a:xfrm>
-              <a:off x="5114611" y="5689031"/>
+              <a:off x="4858767" y="5689056"/>
               <a:ext cx="63202" cy="63202"/>
             </a:xfrm>
             <a:custGeom>
@@ -27278,7 +27278,7 @@
           </p:nvSpPr>
           <p:spPr>
             <a:xfrm>
-              <a:off x="4538867" y="5432560"/>
+              <a:off x="4741698" y="5432549"/>
               <a:ext cx="63202" cy="63202"/>
             </a:xfrm>
             <a:custGeom>
@@ -27321,7 +27321,7 @@
           </p:nvSpPr>
           <p:spPr>
             <a:xfrm>
-              <a:off x="4601622" y="5408620"/>
+              <a:off x="4778349" y="5408619"/>
               <a:ext cx="63202" cy="63202"/>
             </a:xfrm>
             <a:custGeom>
@@ -27364,7 +27364,7 @@
           </p:nvSpPr>
           <p:spPr>
             <a:xfrm>
-              <a:off x="4894358" y="5594532"/>
+              <a:off x="4806203" y="5594547"/>
               <a:ext cx="63202" cy="63202"/>
             </a:xfrm>
             <a:custGeom>
@@ -27407,7 +27407,7 @@
           </p:nvSpPr>
           <p:spPr>
             <a:xfrm>
-              <a:off x="5081463" y="5584380"/>
+              <a:off x="4570679" y="5584353"/>
               <a:ext cx="63202" cy="63202"/>
             </a:xfrm>
             <a:custGeom>
@@ -27450,7 +27450,7 @@
           </p:nvSpPr>
           <p:spPr>
             <a:xfrm>
-              <a:off x="4738178" y="5600253"/>
+              <a:off x="5088478" y="5600276"/>
               <a:ext cx="63202" cy="63202"/>
             </a:xfrm>
             <a:custGeom>
@@ -27493,7 +27493,7 @@
           </p:nvSpPr>
           <p:spPr>
             <a:xfrm>
-              <a:off x="4489837" y="5757036"/>
+              <a:off x="4708891" y="5756984"/>
               <a:ext cx="63202" cy="63202"/>
             </a:xfrm>
             <a:custGeom>
@@ -27536,7 +27536,7 @@
           </p:nvSpPr>
           <p:spPr>
             <a:xfrm>
-              <a:off x="4567630" y="5392795"/>
+              <a:off x="4546772" y="5392802"/>
               <a:ext cx="63202" cy="63202"/>
             </a:xfrm>
             <a:custGeom>
@@ -27579,7 +27579,7 @@
           </p:nvSpPr>
           <p:spPr>
             <a:xfrm>
-              <a:off x="5154054" y="5575997"/>
+              <a:off x="5117053" y="5576013"/>
               <a:ext cx="63202" cy="63202"/>
             </a:xfrm>
             <a:custGeom>
@@ -27622,7 +27622,7 @@
           </p:nvSpPr>
           <p:spPr>
             <a:xfrm>
-              <a:off x="4783891" y="5755026"/>
+              <a:off x="4831632" y="5755059"/>
               <a:ext cx="63202" cy="63202"/>
             </a:xfrm>
             <a:custGeom>
@@ -27665,7 +27665,7 @@
           </p:nvSpPr>
           <p:spPr>
             <a:xfrm>
-              <a:off x="4848025" y="5777780"/>
+              <a:off x="4937286" y="5777801"/>
               <a:ext cx="63202" cy="63202"/>
             </a:xfrm>
             <a:custGeom>
@@ -27708,7 +27708,7 @@
           </p:nvSpPr>
           <p:spPr>
             <a:xfrm>
-              <a:off x="4988942" y="5391406"/>
+              <a:off x="4819991" y="5391443"/>
               <a:ext cx="63202" cy="63202"/>
             </a:xfrm>
             <a:custGeom>
@@ -27751,7 +27751,7 @@
           </p:nvSpPr>
           <p:spPr>
             <a:xfrm>
-              <a:off x="4746619" y="5412685"/>
+              <a:off x="4500051" y="5412661"/>
               <a:ext cx="63202" cy="63202"/>
             </a:xfrm>
             <a:custGeom>
@@ -27794,7 +27794,7 @@
           </p:nvSpPr>
           <p:spPr>
             <a:xfrm>
-              <a:off x="4773245" y="5812863"/>
+              <a:off x="4634374" y="5812895"/>
               <a:ext cx="63202" cy="63202"/>
             </a:xfrm>
             <a:custGeom>
@@ -27837,7 +27837,7 @@
           </p:nvSpPr>
           <p:spPr>
             <a:xfrm>
-              <a:off x="4854956" y="5430828"/>
+              <a:off x="4811793" y="5430810"/>
               <a:ext cx="63202" cy="63202"/>
             </a:xfrm>
             <a:custGeom>
@@ -27880,7 +27880,7 @@
           </p:nvSpPr>
           <p:spPr>
             <a:xfrm>
-              <a:off x="4474557" y="5397357"/>
+              <a:off x="4609270" y="5397326"/>
               <a:ext cx="63202" cy="63202"/>
             </a:xfrm>
             <a:custGeom>
@@ -27923,7 +27923,7 @@
           </p:nvSpPr>
           <p:spPr>
             <a:xfrm>
-              <a:off x="4964145" y="5789824"/>
+              <a:off x="4540321" y="5789792"/>
               <a:ext cx="63202" cy="63202"/>
             </a:xfrm>
             <a:custGeom>
@@ -27966,7 +27966,7 @@
           </p:nvSpPr>
           <p:spPr>
             <a:xfrm>
-              <a:off x="5137822" y="5790279"/>
+              <a:off x="4981381" y="5790275"/>
               <a:ext cx="63202" cy="63202"/>
             </a:xfrm>
             <a:custGeom>
@@ -28009,7 +28009,7 @@
           </p:nvSpPr>
           <p:spPr>
             <a:xfrm>
-              <a:off x="4997660" y="5503765"/>
+              <a:off x="4822042" y="5503801"/>
               <a:ext cx="63202" cy="63202"/>
             </a:xfrm>
             <a:custGeom>
@@ -28052,7 +28052,7 @@
           </p:nvSpPr>
           <p:spPr>
             <a:xfrm>
-              <a:off x="4988531" y="5465911"/>
+              <a:off x="4485145" y="5465896"/>
               <a:ext cx="63202" cy="63202"/>
             </a:xfrm>
             <a:custGeom>
@@ -28095,7 +28095,7 @@
           </p:nvSpPr>
           <p:spPr>
             <a:xfrm>
-              <a:off x="4977885" y="5448680"/>
+              <a:off x="4973854" y="5448645"/>
               <a:ext cx="63202" cy="63202"/>
             </a:xfrm>
             <a:custGeom>
@@ -28138,7 +28138,7 @@
           </p:nvSpPr>
           <p:spPr>
             <a:xfrm>
-              <a:off x="4644736" y="5379884"/>
+              <a:off x="4692132" y="5379882"/>
               <a:ext cx="63202" cy="63202"/>
             </a:xfrm>
             <a:custGeom>
@@ -28181,7 +28181,7 @@
           </p:nvSpPr>
           <p:spPr>
             <a:xfrm>
-              <a:off x="5108576" y="5458282"/>
+              <a:off x="4898050" y="5458278"/>
               <a:ext cx="63202" cy="63202"/>
             </a:xfrm>
             <a:custGeom>
@@ -28224,7 +28224,7 @@
           </p:nvSpPr>
           <p:spPr>
             <a:xfrm>
-              <a:off x="4972311" y="6247078"/>
+              <a:off x="4480374" y="6247101"/>
               <a:ext cx="63202" cy="63202"/>
             </a:xfrm>
             <a:custGeom>
@@ -28267,7 +28267,7 @@
           </p:nvSpPr>
           <p:spPr>
             <a:xfrm>
-              <a:off x="5162103" y="5415315"/>
+              <a:off x="4888714" y="5415322"/>
               <a:ext cx="63202" cy="63202"/>
             </a:xfrm>
             <a:custGeom>
@@ -28310,7 +28310,7 @@
           </p:nvSpPr>
           <p:spPr>
             <a:xfrm>
-              <a:off x="4779081" y="5421243"/>
+              <a:off x="4744528" y="5421258"/>
               <a:ext cx="63202" cy="63202"/>
             </a:xfrm>
             <a:custGeom>
@@ -28353,7 +28353,7 @@
           </p:nvSpPr>
           <p:spPr>
             <a:xfrm>
-              <a:off x="4490645" y="5408485"/>
+              <a:off x="5123746" y="5408479"/>
               <a:ext cx="63202" cy="63202"/>
             </a:xfrm>
             <a:custGeom>
@@ -28396,7 +28396,7 @@
           </p:nvSpPr>
           <p:spPr>
             <a:xfrm>
-              <a:off x="4923540" y="5395412"/>
+              <a:off x="4682192" y="5395420"/>
               <a:ext cx="63202" cy="63202"/>
             </a:xfrm>
             <a:custGeom>
@@ -28439,7 +28439,7 @@
           </p:nvSpPr>
           <p:spPr>
             <a:xfrm>
-              <a:off x="5134002" y="5747231"/>
+              <a:off x="4771478" y="5747251"/>
               <a:ext cx="63202" cy="63202"/>
             </a:xfrm>
             <a:custGeom>
@@ -28482,7 +28482,7 @@
           </p:nvSpPr>
           <p:spPr>
             <a:xfrm>
-              <a:off x="5080870" y="5728786"/>
+              <a:off x="4857359" y="5728783"/>
               <a:ext cx="63202" cy="63202"/>
             </a:xfrm>
             <a:custGeom>
@@ -28525,7 +28525,7 @@
           </p:nvSpPr>
           <p:spPr>
             <a:xfrm>
-              <a:off x="4721743" y="5821191"/>
+              <a:off x="4978971" y="5821179"/>
               <a:ext cx="63202" cy="63202"/>
             </a:xfrm>
             <a:custGeom>
@@ -28568,7 +28568,7 @@
           </p:nvSpPr>
           <p:spPr>
             <a:xfrm>
-              <a:off x="5007611" y="5434809"/>
+              <a:off x="5151013" y="5434792"/>
               <a:ext cx="63202" cy="63202"/>
             </a:xfrm>
             <a:custGeom>
@@ -28611,7 +28611,7 @@
           </p:nvSpPr>
           <p:spPr>
             <a:xfrm>
-              <a:off x="5095450" y="5502956"/>
+              <a:off x="4722104" y="5502978"/>
               <a:ext cx="63202" cy="63202"/>
             </a:xfrm>
             <a:custGeom>
@@ -28654,7 +28654,7 @@
           </p:nvSpPr>
           <p:spPr>
             <a:xfrm>
-              <a:off x="4781043" y="5469280"/>
+              <a:off x="4972482" y="5469306"/>
               <a:ext cx="63202" cy="63202"/>
             </a:xfrm>
             <a:custGeom>
@@ -28697,7 +28697,7 @@
           </p:nvSpPr>
           <p:spPr>
             <a:xfrm>
-              <a:off x="4864293" y="5638064"/>
+              <a:off x="4560146" y="5638094"/>
               <a:ext cx="63202" cy="63202"/>
             </a:xfrm>
             <a:custGeom>
@@ -28740,7 +28740,7 @@
           </p:nvSpPr>
           <p:spPr>
             <a:xfrm>
-              <a:off x="5019732" y="5497146"/>
+              <a:off x="4731210" y="5497118"/>
               <a:ext cx="63202" cy="63202"/>
             </a:xfrm>
             <a:custGeom>
@@ -28783,7 +28783,7 @@
           </p:nvSpPr>
           <p:spPr>
             <a:xfrm>
-              <a:off x="4545487" y="5495572"/>
+              <a:off x="4933364" y="5495559"/>
               <a:ext cx="63202" cy="63202"/>
             </a:xfrm>
             <a:custGeom>
@@ -28826,7 +28826,7 @@
           </p:nvSpPr>
           <p:spPr>
             <a:xfrm>
-              <a:off x="4582369" y="5495996"/>
+              <a:off x="4717438" y="5495960"/>
               <a:ext cx="63202" cy="63202"/>
             </a:xfrm>
             <a:custGeom>
@@ -28869,7 +28869,7 @@
           </p:nvSpPr>
           <p:spPr>
             <a:xfrm>
-              <a:off x="4888531" y="6071664"/>
+              <a:off x="4719985" y="6071677"/>
               <a:ext cx="63202" cy="63202"/>
             </a:xfrm>
             <a:custGeom>
@@ -28912,7 +28912,7 @@
           </p:nvSpPr>
           <p:spPr>
             <a:xfrm>
-              <a:off x="4874337" y="5680295"/>
+              <a:off x="5016791" y="5680288"/>
               <a:ext cx="63202" cy="63202"/>
             </a:xfrm>
             <a:custGeom>
@@ -28955,7 +28955,7 @@
           </p:nvSpPr>
           <p:spPr>
             <a:xfrm>
-              <a:off x="4956618" y="5380914"/>
+              <a:off x="5139752" y="5380928"/>
               <a:ext cx="63202" cy="63202"/>
             </a:xfrm>
             <a:custGeom>
@@ -28998,7 +28998,7 @@
           </p:nvSpPr>
           <p:spPr>
             <a:xfrm>
-              <a:off x="5150191" y="5495253"/>
+              <a:off x="4992311" y="5495242"/>
               <a:ext cx="63202" cy="63202"/>
             </a:xfrm>
             <a:custGeom>
@@ -29041,7 +29041,7 @@
           </p:nvSpPr>
           <p:spPr>
             <a:xfrm>
-              <a:off x="5034026" y="5402831"/>
+              <a:off x="4578383" y="5402836"/>
               <a:ext cx="63202" cy="63202"/>
             </a:xfrm>
             <a:custGeom>
@@ -29084,7 +29084,7 @@
           </p:nvSpPr>
           <p:spPr>
             <a:xfrm>
-              <a:off x="4762985" y="5416087"/>
+              <a:off x="4839300" y="5416090"/>
               <a:ext cx="63202" cy="63202"/>
             </a:xfrm>
             <a:custGeom>
@@ -29127,7 +29127,7 @@
           </p:nvSpPr>
           <p:spPr>
             <a:xfrm>
-              <a:off x="4521067" y="5393740"/>
+              <a:off x="4515315" y="5393762"/>
               <a:ext cx="63202" cy="63202"/>
             </a:xfrm>
             <a:custGeom>
@@ -29170,7 +29170,7 @@
           </p:nvSpPr>
           <p:spPr>
             <a:xfrm>
-              <a:off x="4497025" y="5901732"/>
+              <a:off x="4618880" y="5901755"/>
               <a:ext cx="63202" cy="63202"/>
             </a:xfrm>
             <a:custGeom>
@@ -29213,7 +29213,7 @@
           </p:nvSpPr>
           <p:spPr>
             <a:xfrm>
-              <a:off x="5162782" y="5543037"/>
+              <a:off x="5127836" y="5543009"/>
               <a:ext cx="63202" cy="63202"/>
             </a:xfrm>
             <a:custGeom>
@@ -29256,7 +29256,7 @@
           </p:nvSpPr>
           <p:spPr>
             <a:xfrm>
-              <a:off x="4713063" y="5501331"/>
+              <a:off x="5058987" y="5501340"/>
               <a:ext cx="63202" cy="63202"/>
             </a:xfrm>
             <a:custGeom>
@@ -29299,7 +29299,7 @@
           </p:nvSpPr>
           <p:spPr>
             <a:xfrm>
-              <a:off x="4489078" y="5419052"/>
+              <a:off x="4480450" y="5419057"/>
               <a:ext cx="63202" cy="63202"/>
             </a:xfrm>
             <a:custGeom>
@@ -29342,7 +29342,7 @@
           </p:nvSpPr>
           <p:spPr>
             <a:xfrm>
-              <a:off x="4585833" y="5428413"/>
+              <a:off x="4795610" y="5428432"/>
               <a:ext cx="63202" cy="63202"/>
             </a:xfrm>
             <a:custGeom>
@@ -29385,7 +29385,7 @@
           </p:nvSpPr>
           <p:spPr>
             <a:xfrm>
-              <a:off x="4833841" y="5405592"/>
+              <a:off x="4904468" y="5405607"/>
               <a:ext cx="63202" cy="63202"/>
             </a:xfrm>
             <a:custGeom>
@@ -29428,7 +29428,7 @@
           </p:nvSpPr>
           <p:spPr>
             <a:xfrm>
-              <a:off x="5068289" y="5401329"/>
+              <a:off x="5022098" y="5401324"/>
               <a:ext cx="63202" cy="63202"/>
             </a:xfrm>
             <a:custGeom>
@@ -29471,7 +29471,7 @@
           </p:nvSpPr>
           <p:spPr>
             <a:xfrm>
-              <a:off x="4807558" y="5407504"/>
+              <a:off x="4498609" y="5407495"/>
               <a:ext cx="63202" cy="63202"/>
             </a:xfrm>
             <a:custGeom>
@@ -29514,7 +29514,7 @@
           </p:nvSpPr>
           <p:spPr>
             <a:xfrm>
-              <a:off x="5034902" y="5485379"/>
+              <a:off x="5150350" y="5485413"/>
               <a:ext cx="63202" cy="63202"/>
             </a:xfrm>
             <a:custGeom>
@@ -29557,7 +29557,7 @@
           </p:nvSpPr>
           <p:spPr>
             <a:xfrm>
-              <a:off x="4737398" y="5376294"/>
+              <a:off x="4487442" y="5376273"/>
               <a:ext cx="63202" cy="63202"/>
             </a:xfrm>
             <a:custGeom>
@@ -29600,7 +29600,7 @@
           </p:nvSpPr>
           <p:spPr>
             <a:xfrm>
-              <a:off x="5117149" y="5420467"/>
+              <a:off x="4647841" y="5420461"/>
               <a:ext cx="63202" cy="63202"/>
             </a:xfrm>
             <a:custGeom>
@@ -29643,7 +29643,7 @@
           </p:nvSpPr>
           <p:spPr>
             <a:xfrm>
-              <a:off x="4773938" y="6184052"/>
+              <a:off x="4874958" y="6184020"/>
               <a:ext cx="63202" cy="63202"/>
             </a:xfrm>
             <a:custGeom>
@@ -29686,7 +29686,7 @@
           </p:nvSpPr>
           <p:spPr>
             <a:xfrm>
-              <a:off x="4967518" y="5715998"/>
+              <a:off x="4907928" y="5716031"/>
               <a:ext cx="63202" cy="63202"/>
             </a:xfrm>
             <a:custGeom>
@@ -29729,7 +29729,7 @@
           </p:nvSpPr>
           <p:spPr>
             <a:xfrm>
-              <a:off x="4804461" y="5384651"/>
+              <a:off x="4757338" y="5384645"/>
               <a:ext cx="63202" cy="63202"/>
             </a:xfrm>
             <a:custGeom>
@@ -29772,7 +29772,7 @@
           </p:nvSpPr>
           <p:spPr>
             <a:xfrm>
-              <a:off x="4982633" y="5491781"/>
+              <a:off x="4603836" y="5491786"/>
               <a:ext cx="63202" cy="63202"/>
             </a:xfrm>
             <a:custGeom>
@@ -29815,7 +29815,7 @@
           </p:nvSpPr>
           <p:spPr>
             <a:xfrm>
-              <a:off x="4985240" y="5444851"/>
+              <a:off x="4565919" y="5444841"/>
               <a:ext cx="63202" cy="63202"/>
             </a:xfrm>
             <a:custGeom>
@@ -29858,7 +29858,7 @@
           </p:nvSpPr>
           <p:spPr>
             <a:xfrm>
-              <a:off x="4594584" y="5389892"/>
+              <a:off x="4481931" y="5389861"/>
               <a:ext cx="63202" cy="63202"/>
             </a:xfrm>
             <a:custGeom>
@@ -29901,7 +29901,7 @@
           </p:nvSpPr>
           <p:spPr>
             <a:xfrm>
-              <a:off x="4731343" y="5582690"/>
+              <a:off x="5102744" y="5582644"/>
               <a:ext cx="63202" cy="63202"/>
             </a:xfrm>
             <a:custGeom>
@@ -29944,7 +29944,7 @@
           </p:nvSpPr>
           <p:spPr>
             <a:xfrm>
-              <a:off x="4993416" y="5433474"/>
+              <a:off x="4929195" y="5433461"/>
               <a:ext cx="63202" cy="63202"/>
             </a:xfrm>
             <a:custGeom>
@@ -29987,7 +29987,7 @@
           </p:nvSpPr>
           <p:spPr>
             <a:xfrm>
-              <a:off x="4645145" y="5393962"/>
+              <a:off x="5167701" y="5393951"/>
               <a:ext cx="63202" cy="63202"/>
             </a:xfrm>
             <a:custGeom>
@@ -30030,7 +30030,7 @@
           </p:nvSpPr>
           <p:spPr>
             <a:xfrm>
-              <a:off x="4680087" y="5410308"/>
+              <a:off x="4841079" y="5410290"/>
               <a:ext cx="63202" cy="63202"/>
             </a:xfrm>
             <a:custGeom>
@@ -30073,7 +30073,7 @@
           </p:nvSpPr>
           <p:spPr>
             <a:xfrm>
-              <a:off x="5033043" y="5877028"/>
+              <a:off x="4976913" y="5877037"/>
               <a:ext cx="63202" cy="63202"/>
             </a:xfrm>
             <a:custGeom>
@@ -30116,7 +30116,7 @@
           </p:nvSpPr>
           <p:spPr>
             <a:xfrm>
-              <a:off x="4825197" y="5387498"/>
+              <a:off x="4754106" y="5387475"/>
               <a:ext cx="63202" cy="63202"/>
             </a:xfrm>
             <a:custGeom>
@@ -30159,7 +30159,7 @@
           </p:nvSpPr>
           <p:spPr>
             <a:xfrm>
-              <a:off x="4777231" y="5390228"/>
+              <a:off x="4823373" y="5390205"/>
               <a:ext cx="63202" cy="63202"/>
             </a:xfrm>
             <a:custGeom>
@@ -30202,7 +30202,7 @@
           </p:nvSpPr>
           <p:spPr>
             <a:xfrm>
-              <a:off x="5133560" y="5759742"/>
+              <a:off x="4943173" y="5759716"/>
               <a:ext cx="63202" cy="63202"/>
             </a:xfrm>
             <a:custGeom>
@@ -30245,7 +30245,7 @@
           </p:nvSpPr>
           <p:spPr>
             <a:xfrm>
-              <a:off x="4794830" y="6065114"/>
+              <a:off x="4756452" y="6065062"/>
               <a:ext cx="63202" cy="63202"/>
             </a:xfrm>
             <a:custGeom>
@@ -30288,7 +30288,7 @@
           </p:nvSpPr>
           <p:spPr>
             <a:xfrm>
-              <a:off x="4896807" y="5405878"/>
+              <a:off x="5116962" y="5405903"/>
               <a:ext cx="63202" cy="63202"/>
             </a:xfrm>
             <a:custGeom>
@@ -30331,7 +30331,7 @@
           </p:nvSpPr>
           <p:spPr>
             <a:xfrm>
-              <a:off x="4491625" y="5431070"/>
+              <a:off x="4530462" y="5431091"/>
               <a:ext cx="63202" cy="63202"/>
             </a:xfrm>
             <a:custGeom>
@@ -30374,7 +30374,7 @@
           </p:nvSpPr>
           <p:spPr>
             <a:xfrm>
-              <a:off x="4773231" y="5423732"/>
+              <a:off x="4643535" y="5423718"/>
               <a:ext cx="63202" cy="63202"/>
             </a:xfrm>
             <a:custGeom>
@@ -30417,7 +30417,7 @@
           </p:nvSpPr>
           <p:spPr>
             <a:xfrm>
-              <a:off x="4754756" y="5400675"/>
+              <a:off x="5003834" y="5400648"/>
               <a:ext cx="63202" cy="63202"/>
             </a:xfrm>
             <a:custGeom>
@@ -30460,7 +30460,7 @@
           </p:nvSpPr>
           <p:spPr>
             <a:xfrm>
-              <a:off x="4491918" y="5475842"/>
+              <a:off x="5054996" y="5475820"/>
               <a:ext cx="63202" cy="63202"/>
             </a:xfrm>
             <a:custGeom>
@@ -30503,7 +30503,7 @@
           </p:nvSpPr>
           <p:spPr>
             <a:xfrm>
-              <a:off x="4676175" y="5610926"/>
+              <a:off x="5147122" y="5610918"/>
               <a:ext cx="63202" cy="63202"/>
             </a:xfrm>
             <a:custGeom>
@@ -30546,7 +30546,7 @@
           </p:nvSpPr>
           <p:spPr>
             <a:xfrm>
-              <a:off x="4488361" y="5399549"/>
+              <a:off x="5091373" y="5399580"/>
               <a:ext cx="63202" cy="63202"/>
             </a:xfrm>
             <a:custGeom>
@@ -30589,7 +30589,7 @@
           </p:nvSpPr>
           <p:spPr>
             <a:xfrm>
-              <a:off x="4969252" y="5820944"/>
+              <a:off x="4570338" y="5820941"/>
               <a:ext cx="63202" cy="63202"/>
             </a:xfrm>
             <a:custGeom>
@@ -30632,7 +30632,7 @@
           </p:nvSpPr>
           <p:spPr>
             <a:xfrm>
-              <a:off x="4557930" y="5503317"/>
+              <a:off x="4861834" y="5503332"/>
               <a:ext cx="63202" cy="63202"/>
             </a:xfrm>
             <a:custGeom>
@@ -30675,7 +30675,7 @@
           </p:nvSpPr>
           <p:spPr>
             <a:xfrm>
-              <a:off x="4476481" y="5403200"/>
+              <a:off x="4607828" y="5403150"/>
               <a:ext cx="63202" cy="63202"/>
             </a:xfrm>
             <a:custGeom>
@@ -30718,7 +30718,7 @@
           </p:nvSpPr>
           <p:spPr>
             <a:xfrm>
-              <a:off x="4881628" y="5378804"/>
+              <a:off x="4524985" y="5378825"/>
               <a:ext cx="63202" cy="63202"/>
             </a:xfrm>
             <a:custGeom>
@@ -30761,7 +30761,7 @@
           </p:nvSpPr>
           <p:spPr>
             <a:xfrm>
-              <a:off x="4943523" y="5479340"/>
+              <a:off x="4856673" y="5479318"/>
               <a:ext cx="63202" cy="63202"/>
             </a:xfrm>
             <a:custGeom>
@@ -30804,7 +30804,7 @@
           </p:nvSpPr>
           <p:spPr>
             <a:xfrm>
-              <a:off x="5010240" y="5490471"/>
+              <a:off x="5118215" y="5490477"/>
               <a:ext cx="63202" cy="63202"/>
             </a:xfrm>
             <a:custGeom>
@@ -30847,7 +30847,7 @@
           </p:nvSpPr>
           <p:spPr>
             <a:xfrm>
-              <a:off x="4980489" y="6001342"/>
+              <a:off x="4839677" y="6001356"/>
               <a:ext cx="63202" cy="63202"/>
             </a:xfrm>
             <a:custGeom>
@@ -30890,7 +30890,7 @@
           </p:nvSpPr>
           <p:spPr>
             <a:xfrm>
-              <a:off x="4597434" y="5503013"/>
+              <a:off x="4511575" y="5503018"/>
               <a:ext cx="63202" cy="63202"/>
             </a:xfrm>
             <a:custGeom>
@@ -30933,7 +30933,7 @@
           </p:nvSpPr>
           <p:spPr>
             <a:xfrm>
-              <a:off x="4524676" y="5493868"/>
+              <a:off x="5083855" y="5493848"/>
               <a:ext cx="63202" cy="63202"/>
             </a:xfrm>
             <a:custGeom>
@@ -30976,7 +30976,7 @@
           </p:nvSpPr>
           <p:spPr>
             <a:xfrm>
-              <a:off x="4487412" y="5380757"/>
+              <a:off x="4689992" y="5380753"/>
               <a:ext cx="63202" cy="63202"/>
             </a:xfrm>
             <a:custGeom>
@@ -31019,7 +31019,7 @@
           </p:nvSpPr>
           <p:spPr>
             <a:xfrm>
-              <a:off x="5046800" y="5442505"/>
+              <a:off x="4978862" y="5442492"/>
               <a:ext cx="63202" cy="63202"/>
             </a:xfrm>
             <a:custGeom>
@@ -31062,7 +31062,7 @@
           </p:nvSpPr>
           <p:spPr>
             <a:xfrm>
-              <a:off x="4572416" y="5772195"/>
+              <a:off x="4862379" y="5772205"/>
               <a:ext cx="63202" cy="63202"/>
             </a:xfrm>
             <a:custGeom>
@@ -31105,7 +31105,7 @@
           </p:nvSpPr>
           <p:spPr>
             <a:xfrm>
-              <a:off x="4759505" y="5393796"/>
+              <a:off x="4683192" y="5393798"/>
               <a:ext cx="63202" cy="63202"/>
             </a:xfrm>
             <a:custGeom>
@@ -31148,7 +31148,7 @@
           </p:nvSpPr>
           <p:spPr>
             <a:xfrm>
-              <a:off x="4822201" y="5400474"/>
+              <a:off x="5156307" y="5400451"/>
               <a:ext cx="63202" cy="63202"/>
             </a:xfrm>
             <a:custGeom>
@@ -31191,7 +31191,7 @@
           </p:nvSpPr>
           <p:spPr>
             <a:xfrm>
-              <a:off x="4704119" y="5399989"/>
+              <a:off x="4922527" y="5399969"/>
               <a:ext cx="63202" cy="63202"/>
             </a:xfrm>
             <a:custGeom>
@@ -31234,7 +31234,7 @@
           </p:nvSpPr>
           <p:spPr>
             <a:xfrm>
-              <a:off x="4995900" y="5781834"/>
+              <a:off x="5148202" y="5781870"/>
               <a:ext cx="63202" cy="63202"/>
             </a:xfrm>
             <a:custGeom>
@@ -31277,7 +31277,7 @@
           </p:nvSpPr>
           <p:spPr>
             <a:xfrm>
-              <a:off x="4796187" y="5386994"/>
+              <a:off x="4604294" y="5387007"/>
               <a:ext cx="63202" cy="63202"/>
             </a:xfrm>
             <a:custGeom>
@@ -31320,7 +31320,7 @@
           </p:nvSpPr>
           <p:spPr>
             <a:xfrm>
-              <a:off x="4584689" y="5461688"/>
+              <a:off x="4719143" y="5461683"/>
               <a:ext cx="63202" cy="63202"/>
             </a:xfrm>
             <a:custGeom>
@@ -31363,7 +31363,7 @@
           </p:nvSpPr>
           <p:spPr>
             <a:xfrm>
-              <a:off x="4778676" y="5485684"/>
+              <a:off x="4850469" y="5485671"/>
               <a:ext cx="63202" cy="63202"/>
             </a:xfrm>
             <a:custGeom>
@@ -31406,7 +31406,7 @@
           </p:nvSpPr>
           <p:spPr>
             <a:xfrm>
-              <a:off x="4906674" y="5414712"/>
+              <a:off x="5104658" y="5414738"/>
               <a:ext cx="63202" cy="63202"/>
             </a:xfrm>
             <a:custGeom>
@@ -31449,7 +31449,7 @@
           </p:nvSpPr>
           <p:spPr>
             <a:xfrm>
-              <a:off x="4878013" y="5791426"/>
+              <a:off x="5030941" y="5791416"/>
               <a:ext cx="63202" cy="63202"/>
             </a:xfrm>
             <a:custGeom>
@@ -31492,7 +31492,7 @@
           </p:nvSpPr>
           <p:spPr>
             <a:xfrm>
-              <a:off x="4979432" y="5546198"/>
+              <a:off x="5090607" y="5546198"/>
               <a:ext cx="63202" cy="63202"/>
             </a:xfrm>
             <a:custGeom>
@@ -31535,7 +31535,7 @@
           </p:nvSpPr>
           <p:spPr>
             <a:xfrm>
-              <a:off x="5079540" y="5432437"/>
+              <a:off x="4512555" y="5432433"/>
               <a:ext cx="63202" cy="63202"/>
             </a:xfrm>
             <a:custGeom>
@@ -31578,7 +31578,7 @@
           </p:nvSpPr>
           <p:spPr>
             <a:xfrm>
-              <a:off x="4906898" y="5394153"/>
+              <a:off x="4678212" y="5394127"/>
               <a:ext cx="63202" cy="63202"/>
             </a:xfrm>
             <a:custGeom>
@@ -31621,7 +31621,7 @@
           </p:nvSpPr>
           <p:spPr>
             <a:xfrm>
-              <a:off x="4821532" y="5454080"/>
+              <a:off x="4860910" y="5454087"/>
               <a:ext cx="63202" cy="63202"/>
             </a:xfrm>
             <a:custGeom>
@@ -31664,7 +31664,7 @@
           </p:nvSpPr>
           <p:spPr>
             <a:xfrm>
-              <a:off x="4796114" y="5424563"/>
+              <a:off x="4899771" y="5424559"/>
               <a:ext cx="63202" cy="63202"/>
             </a:xfrm>
             <a:custGeom>
@@ -31707,7 +31707,7 @@
           </p:nvSpPr>
           <p:spPr>
             <a:xfrm>
-              <a:off x="4990483" y="5498439"/>
+              <a:off x="5020665" y="5498446"/>
               <a:ext cx="63202" cy="63202"/>
             </a:xfrm>
             <a:custGeom>
@@ -31750,7 +31750,7 @@
           </p:nvSpPr>
           <p:spPr>
             <a:xfrm>
-              <a:off x="4945819" y="5902170"/>
+              <a:off x="4936872" y="5902165"/>
               <a:ext cx="63202" cy="63202"/>
             </a:xfrm>
             <a:custGeom>
@@ -31793,7 +31793,7 @@
           </p:nvSpPr>
           <p:spPr>
             <a:xfrm>
-              <a:off x="4818958" y="5844003"/>
+              <a:off x="4901820" y="5843970"/>
               <a:ext cx="63202" cy="63202"/>
             </a:xfrm>
             <a:custGeom>
@@ -31836,7 +31836,7 @@
           </p:nvSpPr>
           <p:spPr>
             <a:xfrm>
-              <a:off x="4617697" y="5540714"/>
+              <a:off x="4873336" y="5540708"/>
               <a:ext cx="63202" cy="63202"/>
             </a:xfrm>
             <a:custGeom>
@@ -31879,7 +31879,7 @@
           </p:nvSpPr>
           <p:spPr>
             <a:xfrm>
-              <a:off x="4666179" y="5952053"/>
+              <a:off x="4759462" y="5952073"/>
               <a:ext cx="63202" cy="63202"/>
             </a:xfrm>
             <a:custGeom>
@@ -31922,7 +31922,7 @@
           </p:nvSpPr>
           <p:spPr>
             <a:xfrm>
-              <a:off x="4929796" y="5395766"/>
+              <a:off x="4810146" y="5395773"/>
               <a:ext cx="63202" cy="63202"/>
             </a:xfrm>
             <a:custGeom>
@@ -31965,7 +31965,7 @@
           </p:nvSpPr>
           <p:spPr>
             <a:xfrm>
-              <a:off x="4486470" y="5460260"/>
+              <a:off x="4870902" y="5460243"/>
               <a:ext cx="63202" cy="63202"/>
             </a:xfrm>
             <a:custGeom>
@@ -32008,7 +32008,7 @@
           </p:nvSpPr>
           <p:spPr>
             <a:xfrm>
-              <a:off x="5044038" y="5441445"/>
+              <a:off x="4966934" y="5441476"/>
               <a:ext cx="63202" cy="63202"/>
             </a:xfrm>
             <a:custGeom>
@@ -32051,7 +32051,7 @@
           </p:nvSpPr>
           <p:spPr>
             <a:xfrm>
-              <a:off x="5136264" y="5390143"/>
+              <a:off x="4864580" y="5390162"/>
               <a:ext cx="63202" cy="63202"/>
             </a:xfrm>
             <a:custGeom>
@@ -32094,7 +32094,7 @@
           </p:nvSpPr>
           <p:spPr>
             <a:xfrm>
-              <a:off x="4991127" y="5435626"/>
+              <a:off x="4878595" y="5435646"/>
               <a:ext cx="63202" cy="63202"/>
             </a:xfrm>
             <a:custGeom>
@@ -32137,7 +32137,7 @@
           </p:nvSpPr>
           <p:spPr>
             <a:xfrm>
-              <a:off x="4643600" y="5402481"/>
+              <a:off x="4813435" y="5402476"/>
               <a:ext cx="63202" cy="63202"/>
             </a:xfrm>
             <a:custGeom>
@@ -32180,7 +32180,7 @@
           </p:nvSpPr>
           <p:spPr>
             <a:xfrm>
-              <a:off x="4839800" y="5409708"/>
+              <a:off x="4592130" y="5409666"/>
               <a:ext cx="63202" cy="63202"/>
             </a:xfrm>
             <a:custGeom>
@@ -32223,7 +32223,7 @@
           </p:nvSpPr>
           <p:spPr>
             <a:xfrm>
-              <a:off x="4878032" y="5425027"/>
+              <a:off x="4715353" y="5425046"/>
               <a:ext cx="63202" cy="63202"/>
             </a:xfrm>
             <a:custGeom>
@@ -32266,7 +32266,7 @@
           </p:nvSpPr>
           <p:spPr>
             <a:xfrm>
-              <a:off x="4876522" y="5780718"/>
+              <a:off x="4501532" y="5780724"/>
               <a:ext cx="63202" cy="63202"/>
             </a:xfrm>
             <a:custGeom>
@@ -32309,7 +32309,7 @@
           </p:nvSpPr>
           <p:spPr>
             <a:xfrm>
-              <a:off x="4917145" y="5612218"/>
+              <a:off x="4610403" y="5612210"/>
               <a:ext cx="63202" cy="63202"/>
             </a:xfrm>
             <a:custGeom>
@@ -32352,7 +32352,7 @@
           </p:nvSpPr>
           <p:spPr>
             <a:xfrm>
-              <a:off x="5094090" y="5380278"/>
+              <a:off x="4678139" y="5380270"/>
               <a:ext cx="63202" cy="63202"/>
             </a:xfrm>
             <a:custGeom>
@@ -32395,7 +32395,7 @@
           </p:nvSpPr>
           <p:spPr>
             <a:xfrm>
-              <a:off x="4619736" y="5495645"/>
+              <a:off x="4930942" y="5495660"/>
               <a:ext cx="63202" cy="63202"/>
             </a:xfrm>
             <a:custGeom>
@@ -32438,7 +32438,7 @@
           </p:nvSpPr>
           <p:spPr>
             <a:xfrm>
-              <a:off x="4536055" y="5496931"/>
+              <a:off x="4867196" y="5496908"/>
               <a:ext cx="63202" cy="63202"/>
             </a:xfrm>
             <a:custGeom>
@@ -32481,7 +32481,7 @@
           </p:nvSpPr>
           <p:spPr>
             <a:xfrm>
-              <a:off x="5021071" y="5411164"/>
+              <a:off x="4579367" y="5411179"/>
               <a:ext cx="63202" cy="63202"/>
             </a:xfrm>
             <a:custGeom>
@@ -32524,7 +32524,7 @@
           </p:nvSpPr>
           <p:spPr>
             <a:xfrm>
-              <a:off x="4540592" y="5439790"/>
+              <a:off x="4918011" y="5439750"/>
               <a:ext cx="63202" cy="63202"/>
             </a:xfrm>
             <a:custGeom>
@@ -32567,7 +32567,7 @@
           </p:nvSpPr>
           <p:spPr>
             <a:xfrm>
-              <a:off x="4776463" y="5483764"/>
+              <a:off x="4640131" y="5483754"/>
               <a:ext cx="63202" cy="63202"/>
             </a:xfrm>
             <a:custGeom>
@@ -32610,7 +32610,7 @@
           </p:nvSpPr>
           <p:spPr>
             <a:xfrm>
-              <a:off x="5157601" y="5485125"/>
+              <a:off x="4924121" y="5485099"/>
               <a:ext cx="63202" cy="63202"/>
             </a:xfrm>
             <a:custGeom>
@@ -32653,7 +32653,7 @@
           </p:nvSpPr>
           <p:spPr>
             <a:xfrm>
-              <a:off x="4548835" y="5433602"/>
+              <a:off x="4870468" y="5433605"/>
               <a:ext cx="63202" cy="63202"/>
             </a:xfrm>
             <a:custGeom>
@@ -32696,7 +32696,7 @@
           </p:nvSpPr>
           <p:spPr>
             <a:xfrm>
-              <a:off x="4714639" y="5431499"/>
+              <a:off x="4525092" y="5431495"/>
               <a:ext cx="63202" cy="63202"/>
             </a:xfrm>
             <a:custGeom>
@@ -32739,7 +32739,7 @@
           </p:nvSpPr>
           <p:spPr>
             <a:xfrm>
-              <a:off x="4570893" y="5540287"/>
+              <a:off x="5075574" y="5540295"/>
               <a:ext cx="63202" cy="63202"/>
             </a:xfrm>
             <a:custGeom>
@@ -32782,7 +32782,7 @@
           </p:nvSpPr>
           <p:spPr>
             <a:xfrm>
-              <a:off x="4616909" y="5430750"/>
+              <a:off x="4698869" y="5430721"/>
               <a:ext cx="63202" cy="63202"/>
             </a:xfrm>
             <a:custGeom>
@@ -32825,7 +32825,7 @@
           </p:nvSpPr>
           <p:spPr>
             <a:xfrm>
-              <a:off x="5136922" y="5424940"/>
+              <a:off x="4674166" y="5424958"/>
               <a:ext cx="63202" cy="63202"/>
             </a:xfrm>
             <a:custGeom>
@@ -32868,7 +32868,7 @@
           </p:nvSpPr>
           <p:spPr>
             <a:xfrm>
-              <a:off x="4703196" y="5697681"/>
+              <a:off x="4929940" y="5697655"/>
               <a:ext cx="63202" cy="63202"/>
             </a:xfrm>
             <a:custGeom>
@@ -32911,7 +32911,7 @@
           </p:nvSpPr>
           <p:spPr>
             <a:xfrm>
-              <a:off x="4941304" y="5410820"/>
+              <a:off x="4872671" y="5410827"/>
               <a:ext cx="63202" cy="63202"/>
             </a:xfrm>
             <a:custGeom>
@@ -32954,7 +32954,7 @@
           </p:nvSpPr>
           <p:spPr>
             <a:xfrm>
-              <a:off x="4846800" y="5435007"/>
+              <a:off x="4996767" y="5434990"/>
               <a:ext cx="63202" cy="63202"/>
             </a:xfrm>
             <a:custGeom>
@@ -32997,7 +32997,7 @@
           </p:nvSpPr>
           <p:spPr>
             <a:xfrm>
-              <a:off x="4584674" y="5423541"/>
+              <a:off x="4808712" y="5423562"/>
               <a:ext cx="63202" cy="63202"/>
             </a:xfrm>
             <a:custGeom>
@@ -33040,7 +33040,7 @@
           </p:nvSpPr>
           <p:spPr>
             <a:xfrm>
-              <a:off x="4843623" y="5405530"/>
+              <a:off x="4626127" y="5405537"/>
               <a:ext cx="63202" cy="63202"/>
             </a:xfrm>
             <a:custGeom>
@@ -33083,7 +33083,7 @@
           </p:nvSpPr>
           <p:spPr>
             <a:xfrm>
-              <a:off x="4598372" y="5409664"/>
+              <a:off x="5058779" y="5409717"/>
               <a:ext cx="63202" cy="63202"/>
             </a:xfrm>
             <a:custGeom>
@@ -33126,7 +33126,7 @@
           </p:nvSpPr>
           <p:spPr>
             <a:xfrm>
-              <a:off x="4897798" y="5386330"/>
+              <a:off x="4569937" y="5386352"/>
               <a:ext cx="63202" cy="63202"/>
             </a:xfrm>
             <a:custGeom>
@@ -33169,7 +33169,7 @@
           </p:nvSpPr>
           <p:spPr>
             <a:xfrm>
-              <a:off x="4863624" y="6014465"/>
+              <a:off x="4551938" y="6014443"/>
               <a:ext cx="63202" cy="63202"/>
             </a:xfrm>
             <a:custGeom>
@@ -33212,7 +33212,7 @@
           </p:nvSpPr>
           <p:spPr>
             <a:xfrm>
-              <a:off x="5012970" y="5698465"/>
+              <a:off x="4649568" y="5698464"/>
               <a:ext cx="63202" cy="63202"/>
             </a:xfrm>
             <a:custGeom>
@@ -33255,7 +33255,7 @@
           </p:nvSpPr>
           <p:spPr>
             <a:xfrm>
-              <a:off x="4985147" y="5743587"/>
+              <a:off x="4925747" y="5743588"/>
               <a:ext cx="63202" cy="63202"/>
             </a:xfrm>
             <a:custGeom>
@@ -33298,7 +33298,7 @@
           </p:nvSpPr>
           <p:spPr>
             <a:xfrm>
-              <a:off x="4681884" y="5693484"/>
+              <a:off x="5012839" y="5693482"/>
               <a:ext cx="63202" cy="63202"/>
             </a:xfrm>
             <a:custGeom>
@@ -33341,7 +33341,7 @@
           </p:nvSpPr>
           <p:spPr>
             <a:xfrm>
-              <a:off x="4516549" y="5447983"/>
+              <a:off x="4704086" y="5447962"/>
               <a:ext cx="63202" cy="63202"/>
             </a:xfrm>
             <a:custGeom>
@@ -33384,7 +33384,7 @@
           </p:nvSpPr>
           <p:spPr>
             <a:xfrm>
-              <a:off x="5033330" y="6046736"/>
+              <a:off x="4971105" y="6046757"/>
               <a:ext cx="63202" cy="63202"/>
             </a:xfrm>
             <a:custGeom>
@@ -33427,7 +33427,7 @@
           </p:nvSpPr>
           <p:spPr>
             <a:xfrm>
-              <a:off x="4886588" y="6032016"/>
+              <a:off x="4880803" y="6032021"/>
               <a:ext cx="63202" cy="63202"/>
             </a:xfrm>
             <a:custGeom>
@@ -33470,7 +33470,7 @@
           </p:nvSpPr>
           <p:spPr>
             <a:xfrm>
-              <a:off x="4804577" y="5398504"/>
+              <a:off x="4543367" y="5398505"/>
               <a:ext cx="63202" cy="63202"/>
             </a:xfrm>
             <a:custGeom>
@@ -33513,7 +33513,7 @@
           </p:nvSpPr>
           <p:spPr>
             <a:xfrm>
-              <a:off x="4929772" y="5404932"/>
+              <a:off x="4863080" y="5404960"/>
               <a:ext cx="63202" cy="63202"/>
             </a:xfrm>
             <a:custGeom>
@@ -33556,7 +33556,7 @@
           </p:nvSpPr>
           <p:spPr>
             <a:xfrm>
-              <a:off x="4694302" y="5746923"/>
+              <a:off x="4491859" y="5746907"/>
               <a:ext cx="63202" cy="63202"/>
             </a:xfrm>
             <a:custGeom>
@@ -33599,7 +33599,7 @@
           </p:nvSpPr>
           <p:spPr>
             <a:xfrm>
-              <a:off x="4469287" y="6034950"/>
+              <a:off x="4473059" y="6034932"/>
               <a:ext cx="63202" cy="63202"/>
             </a:xfrm>
             <a:custGeom>
@@ -33642,7 +33642,7 @@
           </p:nvSpPr>
           <p:spPr>
             <a:xfrm>
-              <a:off x="4759239" y="5453322"/>
+              <a:off x="4604960" y="5453350"/>
               <a:ext cx="63202" cy="63202"/>
             </a:xfrm>
             <a:custGeom>
@@ -33685,7 +33685,7 @@
           </p:nvSpPr>
           <p:spPr>
             <a:xfrm>
-              <a:off x="5012856" y="5678070"/>
+              <a:off x="5109478" y="5678063"/>
               <a:ext cx="63202" cy="63202"/>
             </a:xfrm>
             <a:custGeom>
@@ -33728,7 +33728,7 @@
           </p:nvSpPr>
           <p:spPr>
             <a:xfrm>
-              <a:off x="4656202" y="5596158"/>
+              <a:off x="4676029" y="5596206"/>
               <a:ext cx="63202" cy="63202"/>
             </a:xfrm>
             <a:custGeom>
@@ -33771,7 +33771,7 @@
           </p:nvSpPr>
           <p:spPr>
             <a:xfrm>
-              <a:off x="5080142" y="5395362"/>
+              <a:off x="4505737" y="5395359"/>
               <a:ext cx="63202" cy="63202"/>
             </a:xfrm>
             <a:custGeom>
@@ -33814,7 +33814,7 @@
           </p:nvSpPr>
           <p:spPr>
             <a:xfrm>
-              <a:off x="4981239" y="5406294"/>
+              <a:off x="5136165" y="5406320"/>
               <a:ext cx="63202" cy="63202"/>
             </a:xfrm>
             <a:custGeom>
@@ -33857,7 +33857,7 @@
           </p:nvSpPr>
           <p:spPr>
             <a:xfrm>
-              <a:off x="4784988" y="5389646"/>
+              <a:off x="5097066" y="5389667"/>
               <a:ext cx="63202" cy="63202"/>
             </a:xfrm>
             <a:custGeom>
@@ -33900,7 +33900,7 @@
           </p:nvSpPr>
           <p:spPr>
             <a:xfrm>
-              <a:off x="4899677" y="5487895"/>
+              <a:off x="4807441" y="5487916"/>
               <a:ext cx="63202" cy="63202"/>
             </a:xfrm>
             <a:custGeom>
@@ -33943,7 +33943,7 @@
           </p:nvSpPr>
           <p:spPr>
             <a:xfrm>
-              <a:off x="4505249" y="5405760"/>
+              <a:off x="4488166" y="5405773"/>
               <a:ext cx="63202" cy="63202"/>
             </a:xfrm>
             <a:custGeom>
@@ -33986,7 +33986,7 @@
           </p:nvSpPr>
           <p:spPr>
             <a:xfrm>
-              <a:off x="4807013" y="5490480"/>
+              <a:off x="4607824" y="5490505"/>
               <a:ext cx="63202" cy="63202"/>
             </a:xfrm>
             <a:custGeom>
@@ -34029,7 +34029,7 @@
           </p:nvSpPr>
           <p:spPr>
             <a:xfrm>
-              <a:off x="4499916" y="5497828"/>
+              <a:off x="4885888" y="5497788"/>
               <a:ext cx="63202" cy="63202"/>
             </a:xfrm>
             <a:custGeom>
@@ -34072,7 +34072,7 @@
           </p:nvSpPr>
           <p:spPr>
             <a:xfrm>
-              <a:off x="5029599" y="5489079"/>
+              <a:off x="4939525" y="5489057"/>
               <a:ext cx="63202" cy="63202"/>
             </a:xfrm>
             <a:custGeom>
@@ -34115,7 +34115,7 @@
           </p:nvSpPr>
           <p:spPr>
             <a:xfrm>
-              <a:off x="4959552" y="5489782"/>
+              <a:off x="5070325" y="5489821"/>
               <a:ext cx="63202" cy="63202"/>
             </a:xfrm>
             <a:custGeom>
@@ -34158,7 +34158,7 @@
           </p:nvSpPr>
           <p:spPr>
             <a:xfrm>
-              <a:off x="5035375" y="5432177"/>
+              <a:off x="4774812" y="5432180"/>
               <a:ext cx="63202" cy="63202"/>
             </a:xfrm>
             <a:custGeom>
@@ -34201,7 +34201,7 @@
           </p:nvSpPr>
           <p:spPr>
             <a:xfrm>
-              <a:off x="5047618" y="5486687"/>
+              <a:off x="4882844" y="5486679"/>
               <a:ext cx="63202" cy="63202"/>
             </a:xfrm>
             <a:custGeom>
@@ -34244,7 +34244,7 @@
           </p:nvSpPr>
           <p:spPr>
             <a:xfrm>
-              <a:off x="4677653" y="5725724"/>
+              <a:off x="5066187" y="5725703"/>
               <a:ext cx="63202" cy="63202"/>
             </a:xfrm>
             <a:custGeom>
@@ -34287,7 +34287,7 @@
           </p:nvSpPr>
           <p:spPr>
             <a:xfrm>
-              <a:off x="4918200" y="5404755"/>
+              <a:off x="4736039" y="5404715"/>
               <a:ext cx="63202" cy="63202"/>
             </a:xfrm>
             <a:custGeom>
@@ -34330,7 +34330,7 @@
           </p:nvSpPr>
           <p:spPr>
             <a:xfrm>
-              <a:off x="4761203" y="5893458"/>
+              <a:off x="4873417" y="5893456"/>
               <a:ext cx="63202" cy="63202"/>
             </a:xfrm>
             <a:custGeom>
@@ -34373,7 +34373,7 @@
           </p:nvSpPr>
           <p:spPr>
             <a:xfrm>
-              <a:off x="4641027" y="5461036"/>
+              <a:off x="4501612" y="5460989"/>
               <a:ext cx="63202" cy="63202"/>
             </a:xfrm>
             <a:custGeom>
@@ -34416,7 +34416,7 @@
           </p:nvSpPr>
           <p:spPr>
             <a:xfrm>
-              <a:off x="4483700" y="5777600"/>
+              <a:off x="5077837" y="5777571"/>
               <a:ext cx="63202" cy="63202"/>
             </a:xfrm>
             <a:custGeom>
@@ -34459,7 +34459,7 @@
           </p:nvSpPr>
           <p:spPr>
             <a:xfrm>
-              <a:off x="4833003" y="5538702"/>
+              <a:off x="4598021" y="5538686"/>
               <a:ext cx="63202" cy="63202"/>
             </a:xfrm>
             <a:custGeom>
@@ -34502,7 +34502,7 @@
           </p:nvSpPr>
           <p:spPr>
             <a:xfrm>
-              <a:off x="5091031" y="5829117"/>
+              <a:off x="5009282" y="5829084"/>
               <a:ext cx="63202" cy="63202"/>
             </a:xfrm>
             <a:custGeom>
@@ -34545,7 +34545,7 @@
           </p:nvSpPr>
           <p:spPr>
             <a:xfrm>
-              <a:off x="4783493" y="5728720"/>
+              <a:off x="4798385" y="5728698"/>
               <a:ext cx="63202" cy="63202"/>
             </a:xfrm>
             <a:custGeom>
@@ -34588,7 +34588,7 @@
           </p:nvSpPr>
           <p:spPr>
             <a:xfrm>
-              <a:off x="4980284" y="5988104"/>
+              <a:off x="4608458" y="5988127"/>
               <a:ext cx="63202" cy="63202"/>
             </a:xfrm>
             <a:custGeom>
@@ -34631,7 +34631,7 @@
           </p:nvSpPr>
           <p:spPr>
             <a:xfrm>
-              <a:off x="5025623" y="5397273"/>
+              <a:off x="4553965" y="5397273"/>
               <a:ext cx="63202" cy="63202"/>
             </a:xfrm>
             <a:custGeom>
@@ -34674,7 +34674,7 @@
           </p:nvSpPr>
           <p:spPr>
             <a:xfrm>
-              <a:off x="5086399" y="5397483"/>
+              <a:off x="4477909" y="5397462"/>
               <a:ext cx="63202" cy="63202"/>
             </a:xfrm>
             <a:custGeom>
@@ -34717,7 +34717,7 @@
           </p:nvSpPr>
           <p:spPr>
             <a:xfrm>
-              <a:off x="4733291" y="5861747"/>
+              <a:off x="5110660" y="5861761"/>
               <a:ext cx="63202" cy="63202"/>
             </a:xfrm>
             <a:custGeom>
@@ -34760,7 +34760,7 @@
           </p:nvSpPr>
           <p:spPr>
             <a:xfrm>
-              <a:off x="5049888" y="5766674"/>
+              <a:off x="4804740" y="5766658"/>
               <a:ext cx="63202" cy="63202"/>
             </a:xfrm>
             <a:custGeom>
@@ -34803,7 +34803,7 @@
           </p:nvSpPr>
           <p:spPr>
             <a:xfrm>
-              <a:off x="4966258" y="5596095"/>
+              <a:off x="4945976" y="5596094"/>
               <a:ext cx="63202" cy="63202"/>
             </a:xfrm>
             <a:custGeom>
@@ -34846,7 +34846,7 @@
           </p:nvSpPr>
           <p:spPr>
             <a:xfrm>
-              <a:off x="4950549" y="5701248"/>
+              <a:off x="4610120" y="5701264"/>
               <a:ext cx="63202" cy="63202"/>
             </a:xfrm>
             <a:custGeom>
@@ -34945,7 +34945,7 @@
           </p:nvSpPr>
           <p:spPr>
             <a:xfrm>
-              <a:off x="7192078" y="2898375"/>
+              <a:off x="7192078" y="2898366"/>
               <a:ext cx="2796732" cy="0"/>
             </a:xfrm>
             <a:custGeom>
@@ -34988,7 +34988,7 @@
           </p:nvSpPr>
           <p:spPr>
             <a:xfrm>
-              <a:off x="7192078" y="2558929"/>
+              <a:off x="7192078" y="2558923"/>
               <a:ext cx="2796732" cy="0"/>
             </a:xfrm>
             <a:custGeom>
@@ -35031,7 +35031,7 @@
           </p:nvSpPr>
           <p:spPr>
             <a:xfrm>
-              <a:off x="7192078" y="2219484"/>
+              <a:off x="7192078" y="2219479"/>
               <a:ext cx="2796732" cy="0"/>
             </a:xfrm>
             <a:custGeom>
@@ -35074,7 +35074,7 @@
           </p:nvSpPr>
           <p:spPr>
             <a:xfrm>
-              <a:off x="7192078" y="1880038"/>
+              <a:off x="7192078" y="1880036"/>
               <a:ext cx="2796732" cy="0"/>
             </a:xfrm>
             <a:custGeom>
@@ -35160,7 +35160,7 @@
           </p:nvSpPr>
           <p:spPr>
             <a:xfrm>
-              <a:off x="7192078" y="2728652"/>
+              <a:off x="7192078" y="2728644"/>
               <a:ext cx="2796732" cy="0"/>
             </a:xfrm>
             <a:custGeom>
@@ -35203,7 +35203,7 @@
           </p:nvSpPr>
           <p:spPr>
             <a:xfrm>
-              <a:off x="7192078" y="2389206"/>
+              <a:off x="7192078" y="2389201"/>
               <a:ext cx="2796732" cy="0"/>
             </a:xfrm>
             <a:custGeom>
@@ -35246,7 +35246,7 @@
           </p:nvSpPr>
           <p:spPr>
             <a:xfrm>
-              <a:off x="7192078" y="2049761"/>
+              <a:off x="7192078" y="2049758"/>
               <a:ext cx="2796732" cy="0"/>
             </a:xfrm>
             <a:custGeom>
@@ -35289,7 +35289,7 @@
           </p:nvSpPr>
           <p:spPr>
             <a:xfrm>
-              <a:off x="7192078" y="1710316"/>
+              <a:off x="7192078" y="1710315"/>
               <a:ext cx="2796732" cy="0"/>
             </a:xfrm>
             <a:custGeom>
@@ -35461,7 +35461,7 @@
           </p:nvSpPr>
           <p:spPr>
             <a:xfrm>
-              <a:off x="7347406" y="2743609"/>
+              <a:off x="7399438" y="2743607"/>
               <a:ext cx="63202" cy="63202"/>
             </a:xfrm>
             <a:custGeom>
@@ -35504,7 +35504,7 @@
           </p:nvSpPr>
           <p:spPr>
             <a:xfrm>
-              <a:off x="7690066" y="2400288"/>
+              <a:off x="7569854" y="2400310"/>
               <a:ext cx="63202" cy="63202"/>
             </a:xfrm>
             <a:custGeom>
@@ -35547,7 +35547,7 @@
           </p:nvSpPr>
           <p:spPr>
             <a:xfrm>
-              <a:off x="7752657" y="2350562"/>
+              <a:off x="7921880" y="2350554"/>
               <a:ext cx="63202" cy="63202"/>
             </a:xfrm>
             <a:custGeom>
@@ -35590,7 +35590,7 @@
           </p:nvSpPr>
           <p:spPr>
             <a:xfrm>
-              <a:off x="7396534" y="2357080"/>
+              <a:off x="7564644" y="2357035"/>
               <a:ext cx="63202" cy="63202"/>
             </a:xfrm>
             <a:custGeom>
@@ -35633,7 +35633,7 @@
           </p:nvSpPr>
           <p:spPr>
             <a:xfrm>
-              <a:off x="7605924" y="2347712"/>
+              <a:off x="7916435" y="2347705"/>
               <a:ext cx="63202" cy="63202"/>
             </a:xfrm>
             <a:custGeom>
@@ -35676,7 +35676,7 @@
           </p:nvSpPr>
           <p:spPr>
             <a:xfrm>
-              <a:off x="7566381" y="1927989"/>
+              <a:off x="7637617" y="1927992"/>
               <a:ext cx="63202" cy="63202"/>
             </a:xfrm>
             <a:custGeom>
@@ -35719,7 +35719,7 @@
           </p:nvSpPr>
           <p:spPr>
             <a:xfrm>
-              <a:off x="8009396" y="2382464"/>
+              <a:off x="7628252" y="2382453"/>
               <a:ext cx="63202" cy="63202"/>
             </a:xfrm>
             <a:custGeom>
@@ -35762,7 +35762,7 @@
           </p:nvSpPr>
           <p:spPr>
             <a:xfrm>
-              <a:off x="7401627" y="2397939"/>
+              <a:off x="7945295" y="2397910"/>
               <a:ext cx="63202" cy="63202"/>
             </a:xfrm>
             <a:custGeom>
@@ -35805,7 +35805,7 @@
           </p:nvSpPr>
           <p:spPr>
             <a:xfrm>
-              <a:off x="7476545" y="2346287"/>
+              <a:off x="7644724" y="2346285"/>
               <a:ext cx="63202" cy="63202"/>
             </a:xfrm>
             <a:custGeom>
@@ -35848,7 +35848,7 @@
           </p:nvSpPr>
           <p:spPr>
             <a:xfrm>
-              <a:off x="7930926" y="2345365"/>
+              <a:off x="7889256" y="2345383"/>
               <a:ext cx="63202" cy="63202"/>
             </a:xfrm>
             <a:custGeom>
@@ -35891,7 +35891,7 @@
           </p:nvSpPr>
           <p:spPr>
             <a:xfrm>
-              <a:off x="7430397" y="2384400"/>
+              <a:off x="7828134" y="2384436"/>
               <a:ext cx="63202" cy="63202"/>
             </a:xfrm>
             <a:custGeom>
@@ -35934,7 +35934,7 @@
           </p:nvSpPr>
           <p:spPr>
             <a:xfrm>
-              <a:off x="7774361" y="2511059"/>
+              <a:off x="7979762" y="2511020"/>
               <a:ext cx="63202" cy="63202"/>
             </a:xfrm>
             <a:custGeom>
@@ -35977,7 +35977,7 @@
           </p:nvSpPr>
           <p:spPr>
             <a:xfrm>
-              <a:off x="7604779" y="2391606"/>
+              <a:off x="7498789" y="2391622"/>
               <a:ext cx="63202" cy="63202"/>
             </a:xfrm>
             <a:custGeom>
@@ -36020,7 +36020,7 @@
           </p:nvSpPr>
           <p:spPr>
             <a:xfrm>
-              <a:off x="7787008" y="2400770"/>
+              <a:off x="7335825" y="2400763"/>
               <a:ext cx="63202" cy="63202"/>
             </a:xfrm>
             <a:custGeom>
@@ -36063,7 +36063,7 @@
           </p:nvSpPr>
           <p:spPr>
             <a:xfrm>
-              <a:off x="7380813" y="2382816"/>
+              <a:off x="7920231" y="2382800"/>
               <a:ext cx="63202" cy="63202"/>
             </a:xfrm>
             <a:custGeom>
@@ -36106,7 +36106,7 @@
           </p:nvSpPr>
           <p:spPr>
             <a:xfrm>
-              <a:off x="7690920" y="2395627"/>
+              <a:off x="7842623" y="2395593"/>
               <a:ext cx="63202" cy="63202"/>
             </a:xfrm>
             <a:custGeom>
@@ -36149,7 +36149,7 @@
           </p:nvSpPr>
           <p:spPr>
             <a:xfrm>
-              <a:off x="7587474" y="2381429"/>
+              <a:off x="7748062" y="2381448"/>
               <a:ext cx="63202" cy="63202"/>
             </a:xfrm>
             <a:custGeom>
@@ -36192,7 +36192,7 @@
           </p:nvSpPr>
           <p:spPr>
             <a:xfrm>
-              <a:off x="7936834" y="2358328"/>
+              <a:off x="7873033" y="2358373"/>
               <a:ext cx="63202" cy="63202"/>
             </a:xfrm>
             <a:custGeom>
@@ -36235,7 +36235,7 @@
           </p:nvSpPr>
           <p:spPr>
             <a:xfrm>
-              <a:off x="7634433" y="2389366"/>
+              <a:off x="7775485" y="2389389"/>
               <a:ext cx="63202" cy="63202"/>
             </a:xfrm>
             <a:custGeom>
@@ -36278,7 +36278,7 @@
           </p:nvSpPr>
           <p:spPr>
             <a:xfrm>
-              <a:off x="7731438" y="2529656"/>
+              <a:off x="7565128" y="2529608"/>
               <a:ext cx="63202" cy="63202"/>
             </a:xfrm>
             <a:custGeom>
@@ -36321,7 +36321,7 @@
           </p:nvSpPr>
           <p:spPr>
             <a:xfrm>
-              <a:off x="7438858" y="2345398"/>
+              <a:off x="7869186" y="2345389"/>
               <a:ext cx="63202" cy="63202"/>
             </a:xfrm>
             <a:custGeom>
@@ -36364,7 +36364,7 @@
           </p:nvSpPr>
           <p:spPr>
             <a:xfrm>
-              <a:off x="7669309" y="2351811"/>
+              <a:off x="7797824" y="2351825"/>
               <a:ext cx="63202" cy="63202"/>
             </a:xfrm>
             <a:custGeom>
@@ -36407,7 +36407,7 @@
           </p:nvSpPr>
           <p:spPr>
             <a:xfrm>
-              <a:off x="7575931" y="2401278"/>
+              <a:off x="8030273" y="2401248"/>
               <a:ext cx="63202" cy="63202"/>
             </a:xfrm>
             <a:custGeom>
@@ -36450,7 +36450,7 @@
           </p:nvSpPr>
           <p:spPr>
             <a:xfrm>
-              <a:off x="7500976" y="2380551"/>
+              <a:off x="7541295" y="2380526"/>
               <a:ext cx="63202" cy="63202"/>
             </a:xfrm>
             <a:custGeom>
@@ -36493,7 +36493,7 @@
           </p:nvSpPr>
           <p:spPr>
             <a:xfrm>
-              <a:off x="7779791" y="2387161"/>
+              <a:off x="7346819" y="2387141"/>
               <a:ext cx="63202" cy="63202"/>
             </a:xfrm>
             <a:custGeom>
@@ -36536,7 +36536,7 @@
           </p:nvSpPr>
           <p:spPr>
             <a:xfrm>
-              <a:off x="7477438" y="2384195"/>
+              <a:off x="8013158" y="2384214"/>
               <a:ext cx="63202" cy="63202"/>
             </a:xfrm>
             <a:custGeom>
@@ -36579,7 +36579,7 @@
           </p:nvSpPr>
           <p:spPr>
             <a:xfrm>
-              <a:off x="7550988" y="1908157"/>
+              <a:off x="7871250" y="1908190"/>
               <a:ext cx="63202" cy="63202"/>
             </a:xfrm>
             <a:custGeom>
@@ -36622,7 +36622,7 @@
           </p:nvSpPr>
           <p:spPr>
             <a:xfrm>
-              <a:off x="7754249" y="2398360"/>
+              <a:off x="7450586" y="2398326"/>
               <a:ext cx="63202" cy="63202"/>
             </a:xfrm>
             <a:custGeom>
@@ -36665,7 +36665,7 @@
           </p:nvSpPr>
           <p:spPr>
             <a:xfrm>
-              <a:off x="7930452" y="2546940"/>
+              <a:off x="7829065" y="2546939"/>
               <a:ext cx="63202" cy="63202"/>
             </a:xfrm>
             <a:custGeom>
@@ -36708,7 +36708,7 @@
           </p:nvSpPr>
           <p:spPr>
             <a:xfrm>
-              <a:off x="7515145" y="2380747"/>
+              <a:off x="7741365" y="2380731"/>
               <a:ext cx="63202" cy="63202"/>
             </a:xfrm>
             <a:custGeom>
@@ -36751,7 +36751,7 @@
           </p:nvSpPr>
           <p:spPr>
             <a:xfrm>
-              <a:off x="7415191" y="1907763"/>
+              <a:off x="7491909" y="1907771"/>
               <a:ext cx="63202" cy="63202"/>
             </a:xfrm>
             <a:custGeom>
@@ -36794,7 +36794,7 @@
           </p:nvSpPr>
           <p:spPr>
             <a:xfrm>
-              <a:off x="7339911" y="2351772"/>
+              <a:off x="7469941" y="2351769"/>
               <a:ext cx="63202" cy="63202"/>
             </a:xfrm>
             <a:custGeom>
@@ -36837,7 +36837,7 @@
           </p:nvSpPr>
           <p:spPr>
             <a:xfrm>
-              <a:off x="7961743" y="2366356"/>
+              <a:off x="7737004" y="2366381"/>
               <a:ext cx="63202" cy="63202"/>
             </a:xfrm>
             <a:custGeom>
@@ -36880,7 +36880,7 @@
           </p:nvSpPr>
           <p:spPr>
             <a:xfrm>
-              <a:off x="7693773" y="2355254"/>
+              <a:off x="7382313" y="2355245"/>
               <a:ext cx="63202" cy="63202"/>
             </a:xfrm>
             <a:custGeom>
@@ -36923,7 +36923,7 @@
           </p:nvSpPr>
           <p:spPr>
             <a:xfrm>
-              <a:off x="7386778" y="2358628"/>
+              <a:off x="7973325" y="2358606"/>
               <a:ext cx="63202" cy="63202"/>
             </a:xfrm>
             <a:custGeom>
@@ -36966,7 +36966,7 @@
           </p:nvSpPr>
           <p:spPr>
             <a:xfrm>
-              <a:off x="7672201" y="2358808"/>
+              <a:off x="7471879" y="2358839"/>
               <a:ext cx="63202" cy="63202"/>
             </a:xfrm>
             <a:custGeom>
@@ -37009,7 +37009,7 @@
           </p:nvSpPr>
           <p:spPr>
             <a:xfrm>
-              <a:off x="7802851" y="2359210"/>
+              <a:off x="7961044" y="2359215"/>
               <a:ext cx="63202" cy="63202"/>
             </a:xfrm>
             <a:custGeom>
@@ -37052,7 +37052,7 @@
           </p:nvSpPr>
           <p:spPr>
             <a:xfrm>
-              <a:off x="7894893" y="2361282"/>
+              <a:off x="7851234" y="2361266"/>
               <a:ext cx="63202" cy="63202"/>
             </a:xfrm>
             <a:custGeom>
@@ -37095,7 +37095,7 @@
           </p:nvSpPr>
           <p:spPr>
             <a:xfrm>
-              <a:off x="7965231" y="2352102"/>
+              <a:off x="7964204" y="2352076"/>
               <a:ext cx="63202" cy="63202"/>
             </a:xfrm>
             <a:custGeom>
@@ -37138,7 +37138,7 @@
           </p:nvSpPr>
           <p:spPr>
             <a:xfrm>
-              <a:off x="7909054" y="2410621"/>
+              <a:off x="7914174" y="2410637"/>
               <a:ext cx="63202" cy="63202"/>
             </a:xfrm>
             <a:custGeom>
@@ -37181,7 +37181,7 @@
           </p:nvSpPr>
           <p:spPr>
             <a:xfrm>
-              <a:off x="7746021" y="2376097"/>
+              <a:off x="7698029" y="2376060"/>
               <a:ext cx="63202" cy="63202"/>
             </a:xfrm>
             <a:custGeom>
@@ -37224,7 +37224,7 @@
           </p:nvSpPr>
           <p:spPr>
             <a:xfrm>
-              <a:off x="7592834" y="2356045"/>
+              <a:off x="7682238" y="2356039"/>
               <a:ext cx="63202" cy="63202"/>
             </a:xfrm>
             <a:custGeom>
@@ -37267,7 +37267,7 @@
           </p:nvSpPr>
           <p:spPr>
             <a:xfrm>
-              <a:off x="7426692" y="2456302"/>
+              <a:off x="7775145" y="2456293"/>
               <a:ext cx="63202" cy="63202"/>
             </a:xfrm>
             <a:custGeom>
@@ -37310,7 +37310,7 @@
           </p:nvSpPr>
           <p:spPr>
             <a:xfrm>
-              <a:off x="7670824" y="2227442"/>
+              <a:off x="7877719" y="2227479"/>
               <a:ext cx="63202" cy="63202"/>
             </a:xfrm>
             <a:custGeom>
@@ -37353,7 +37353,7 @@
           </p:nvSpPr>
           <p:spPr>
             <a:xfrm>
-              <a:off x="7826226" y="2355844"/>
+              <a:off x="7857851" y="2355849"/>
               <a:ext cx="63202" cy="63202"/>
             </a:xfrm>
             <a:custGeom>
@@ -37396,7 +37396,7 @@
           </p:nvSpPr>
           <p:spPr>
             <a:xfrm>
-              <a:off x="7399953" y="2358279"/>
+              <a:off x="7921024" y="2358253"/>
               <a:ext cx="63202" cy="63202"/>
             </a:xfrm>
             <a:custGeom>
@@ -37439,7 +37439,7 @@
           </p:nvSpPr>
           <p:spPr>
             <a:xfrm>
-              <a:off x="7789325" y="2357422"/>
+              <a:off x="8031390" y="2357406"/>
               <a:ext cx="63202" cy="63202"/>
             </a:xfrm>
             <a:custGeom>
@@ -37482,7 +37482,7 @@
           </p:nvSpPr>
           <p:spPr>
             <a:xfrm>
-              <a:off x="7726504" y="2358331"/>
+              <a:off x="7806016" y="2358353"/>
               <a:ext cx="63202" cy="63202"/>
             </a:xfrm>
             <a:custGeom>
@@ -37525,7 +37525,7 @@
           </p:nvSpPr>
           <p:spPr>
             <a:xfrm>
-              <a:off x="8014395" y="2347577"/>
+              <a:off x="7757762" y="2347569"/>
               <a:ext cx="63202" cy="63202"/>
             </a:xfrm>
             <a:custGeom>
@@ -37624,7 +37624,7 @@
           </p:nvSpPr>
           <p:spPr>
             <a:xfrm>
-              <a:off x="7192078" y="4823707"/>
+              <a:off x="7192078" y="4823698"/>
               <a:ext cx="2796732" cy="0"/>
             </a:xfrm>
             <a:custGeom>
@@ -37667,7 +37667,7 @@
           </p:nvSpPr>
           <p:spPr>
             <a:xfrm>
-              <a:off x="7192078" y="4484262"/>
+              <a:off x="7192078" y="4484255"/>
               <a:ext cx="2796732" cy="0"/>
             </a:xfrm>
             <a:custGeom>
@@ -37710,7 +37710,7 @@
           </p:nvSpPr>
           <p:spPr>
             <a:xfrm>
-              <a:off x="7192078" y="4144816"/>
+              <a:off x="7192078" y="4144812"/>
               <a:ext cx="2796732" cy="0"/>
             </a:xfrm>
             <a:custGeom>
@@ -37753,7 +37753,7 @@
           </p:nvSpPr>
           <p:spPr>
             <a:xfrm>
-              <a:off x="7192078" y="3805371"/>
+              <a:off x="7192078" y="3805369"/>
               <a:ext cx="2796732" cy="0"/>
             </a:xfrm>
             <a:custGeom>
@@ -37796,7 +37796,7 @@
           </p:nvSpPr>
           <p:spPr>
             <a:xfrm>
-              <a:off x="7192078" y="3465925"/>
+              <a:off x="7192078" y="3465926"/>
               <a:ext cx="2796732" cy="0"/>
             </a:xfrm>
             <a:custGeom>
@@ -37839,7 +37839,7 @@
           </p:nvSpPr>
           <p:spPr>
             <a:xfrm>
-              <a:off x="7192078" y="4653984"/>
+              <a:off x="7192078" y="4653977"/>
               <a:ext cx="2796732" cy="0"/>
             </a:xfrm>
             <a:custGeom>
@@ -37882,7 +37882,7 @@
           </p:nvSpPr>
           <p:spPr>
             <a:xfrm>
-              <a:off x="7192078" y="4314539"/>
+              <a:off x="7192078" y="4314534"/>
               <a:ext cx="2796732" cy="0"/>
             </a:xfrm>
             <a:custGeom>
@@ -37925,7 +37925,7 @@
           </p:nvSpPr>
           <p:spPr>
             <a:xfrm>
-              <a:off x="7192078" y="3975094"/>
+              <a:off x="7192078" y="3975090"/>
               <a:ext cx="2796732" cy="0"/>
             </a:xfrm>
             <a:custGeom>
@@ -37968,7 +37968,7 @@
           </p:nvSpPr>
           <p:spPr>
             <a:xfrm>
-              <a:off x="7192078" y="3635648"/>
+              <a:off x="7192078" y="3635647"/>
               <a:ext cx="2796732" cy="0"/>
             </a:xfrm>
             <a:custGeom>
@@ -38140,7 +38140,7 @@
           </p:nvSpPr>
           <p:spPr>
             <a:xfrm>
-              <a:off x="7595073" y="4223604"/>
+              <a:off x="7956862" y="4223618"/>
               <a:ext cx="63202" cy="63202"/>
             </a:xfrm>
             <a:custGeom>
@@ -38183,7 +38183,7 @@
           </p:nvSpPr>
           <p:spPr>
             <a:xfrm>
-              <a:off x="7652125" y="4107866"/>
+              <a:off x="7519130" y="4107874"/>
               <a:ext cx="63202" cy="63202"/>
             </a:xfrm>
             <a:custGeom>
@@ -38226,7 +38226,7 @@
           </p:nvSpPr>
           <p:spPr>
             <a:xfrm>
-              <a:off x="7928065" y="4334419"/>
+              <a:off x="7902549" y="4334409"/>
               <a:ext cx="63202" cy="63202"/>
             </a:xfrm>
             <a:custGeom>
@@ -38269,7 +38269,7 @@
           </p:nvSpPr>
           <p:spPr>
             <a:xfrm>
-              <a:off x="7397950" y="4222721"/>
+              <a:off x="7786091" y="4222738"/>
               <a:ext cx="63202" cy="63202"/>
             </a:xfrm>
             <a:custGeom>
@@ -38312,7 +38312,7 @@
           </p:nvSpPr>
           <p:spPr>
             <a:xfrm>
-              <a:off x="7859775" y="4316413"/>
+              <a:off x="7779553" y="4316424"/>
               <a:ext cx="63202" cy="63202"/>
             </a:xfrm>
             <a:custGeom>
@@ -38355,7 +38355,7 @@
           </p:nvSpPr>
           <p:spPr>
             <a:xfrm>
-              <a:off x="7631987" y="4171371"/>
+              <a:off x="7463130" y="4171368"/>
               <a:ext cx="63202" cy="63202"/>
             </a:xfrm>
             <a:custGeom>
@@ -38398,7 +38398,7 @@
           </p:nvSpPr>
           <p:spPr>
             <a:xfrm>
-              <a:off x="7704967" y="4142664"/>
+              <a:off x="7492875" y="4142657"/>
               <a:ext cx="63202" cy="63202"/>
             </a:xfrm>
             <a:custGeom>
@@ -38441,7 +38441,7 @@
           </p:nvSpPr>
           <p:spPr>
             <a:xfrm>
-              <a:off x="7519439" y="4228950"/>
+              <a:off x="7535125" y="4228980"/>
               <a:ext cx="63202" cy="63202"/>
             </a:xfrm>
             <a:custGeom>
@@ -38484,7 +38484,7 @@
           </p:nvSpPr>
           <p:spPr>
             <a:xfrm>
-              <a:off x="7954860" y="4273484"/>
+              <a:off x="7425682" y="4273510"/>
               <a:ext cx="63202" cy="63202"/>
             </a:xfrm>
             <a:custGeom>
@@ -38527,7 +38527,7 @@
           </p:nvSpPr>
           <p:spPr>
             <a:xfrm>
-              <a:off x="7968500" y="4117778"/>
+              <a:off x="7534600" y="4117763"/>
               <a:ext cx="63202" cy="63202"/>
             </a:xfrm>
             <a:custGeom>
@@ -38570,7 +38570,7 @@
           </p:nvSpPr>
           <p:spPr>
             <a:xfrm>
-              <a:off x="7777421" y="4095242"/>
+              <a:off x="7557277" y="4095199"/>
               <a:ext cx="63202" cy="63202"/>
             </a:xfrm>
             <a:custGeom>
@@ -38613,7 +38613,7 @@
           </p:nvSpPr>
           <p:spPr>
             <a:xfrm>
-              <a:off x="7949549" y="4183272"/>
+              <a:off x="7736615" y="4183275"/>
               <a:ext cx="63202" cy="63202"/>
             </a:xfrm>
             <a:custGeom>
@@ -38656,7 +38656,7 @@
           </p:nvSpPr>
           <p:spPr>
             <a:xfrm>
-              <a:off x="7570991" y="4095930"/>
+              <a:off x="8031363" y="4095920"/>
               <a:ext cx="63202" cy="63202"/>
             </a:xfrm>
             <a:custGeom>
@@ -38699,7 +38699,7 @@
           </p:nvSpPr>
           <p:spPr>
             <a:xfrm>
-              <a:off x="7773538" y="4141566"/>
+              <a:off x="7668993" y="4141598"/>
               <a:ext cx="63202" cy="63202"/>
             </a:xfrm>
             <a:custGeom>
@@ -40194,7 +40194,7 @@
           </p:nvSpPr>
           <p:spPr>
             <a:xfrm>
-              <a:off x="1210339" y="2686960"/>
+              <a:off x="1210339" y="2686952"/>
               <a:ext cx="186466" cy="81691"/>
             </a:xfrm>
             <a:prstGeom prst="rect">
@@ -40240,7 +40240,7 @@
           </p:nvSpPr>
           <p:spPr>
             <a:xfrm>
-              <a:off x="1148183" y="2347515"/>
+              <a:off x="1148183" y="2347509"/>
               <a:ext cx="248622" cy="81691"/>
             </a:xfrm>
             <a:prstGeom prst="rect">
@@ -40286,7 +40286,7 @@
           </p:nvSpPr>
           <p:spPr>
             <a:xfrm>
-              <a:off x="1148183" y="2008069"/>
+              <a:off x="1148183" y="2008066"/>
               <a:ext cx="248622" cy="81691"/>
             </a:xfrm>
             <a:prstGeom prst="rect">
@@ -40332,7 +40332,7 @@
           </p:nvSpPr>
           <p:spPr>
             <a:xfrm>
-              <a:off x="1148183" y="1668624"/>
+              <a:off x="1148183" y="1668623"/>
               <a:ext cx="248622" cy="81691"/>
             </a:xfrm>
             <a:prstGeom prst="rect">
@@ -40378,7 +40378,7 @@
           </p:nvSpPr>
           <p:spPr>
             <a:xfrm>
-              <a:off x="1424641" y="2728652"/>
+              <a:off x="1424641" y="2728644"/>
               <a:ext cx="34794" cy="0"/>
             </a:xfrm>
             <a:custGeom>
@@ -40418,7 +40418,7 @@
           </p:nvSpPr>
           <p:spPr>
             <a:xfrm>
-              <a:off x="1424641" y="2389206"/>
+              <a:off x="1424641" y="2389201"/>
               <a:ext cx="34794" cy="0"/>
             </a:xfrm>
             <a:custGeom>
@@ -40458,7 +40458,7 @@
           </p:nvSpPr>
           <p:spPr>
             <a:xfrm>
-              <a:off x="1424641" y="2049761"/>
+              <a:off x="1424641" y="2049758"/>
               <a:ext cx="34794" cy="0"/>
             </a:xfrm>
             <a:custGeom>
@@ -40498,7 +40498,7 @@
           </p:nvSpPr>
           <p:spPr>
             <a:xfrm>
-              <a:off x="1424641" y="1710316"/>
+              <a:off x="1424641" y="1710315"/>
               <a:ext cx="34794" cy="0"/>
             </a:xfrm>
             <a:custGeom>
@@ -40538,7 +40538,7 @@
           </p:nvSpPr>
           <p:spPr>
             <a:xfrm>
-              <a:off x="1210339" y="4612293"/>
+              <a:off x="1210339" y="4612285"/>
               <a:ext cx="186466" cy="81691"/>
             </a:xfrm>
             <a:prstGeom prst="rect">
@@ -40584,7 +40584,7 @@
           </p:nvSpPr>
           <p:spPr>
             <a:xfrm>
-              <a:off x="1148183" y="4272847"/>
+              <a:off x="1148183" y="4272842"/>
               <a:ext cx="248622" cy="81691"/>
             </a:xfrm>
             <a:prstGeom prst="rect">
@@ -40630,7 +40630,7 @@
           </p:nvSpPr>
           <p:spPr>
             <a:xfrm>
-              <a:off x="1148183" y="3933402"/>
+              <a:off x="1148183" y="3933399"/>
               <a:ext cx="248622" cy="81691"/>
             </a:xfrm>
             <a:prstGeom prst="rect">
@@ -40722,7 +40722,7 @@
           </p:nvSpPr>
           <p:spPr>
             <a:xfrm>
-              <a:off x="1424641" y="4653984"/>
+              <a:off x="1424641" y="4653977"/>
               <a:ext cx="34794" cy="0"/>
             </a:xfrm>
             <a:custGeom>
@@ -40762,7 +40762,7 @@
           </p:nvSpPr>
           <p:spPr>
             <a:xfrm>
-              <a:off x="1424641" y="4314539"/>
+              <a:off x="1424641" y="4314534"/>
               <a:ext cx="34794" cy="0"/>
             </a:xfrm>
             <a:custGeom>
@@ -40802,7 +40802,7 @@
           </p:nvSpPr>
           <p:spPr>
             <a:xfrm>
-              <a:off x="1424641" y="3975094"/>
+              <a:off x="1424641" y="3975090"/>
               <a:ext cx="34794" cy="0"/>
             </a:xfrm>
             <a:custGeom>
@@ -40842,7 +40842,7 @@
           </p:nvSpPr>
           <p:spPr>
             <a:xfrm>
-              <a:off x="1424641" y="3635648"/>
+              <a:off x="1424641" y="3635647"/>
               <a:ext cx="34794" cy="0"/>
             </a:xfrm>
             <a:custGeom>
@@ -40882,7 +40882,7 @@
           </p:nvSpPr>
           <p:spPr>
             <a:xfrm>
-              <a:off x="1210339" y="6537625"/>
+              <a:off x="1210339" y="6537618"/>
               <a:ext cx="186466" cy="81691"/>
             </a:xfrm>
             <a:prstGeom prst="rect">
@@ -40928,7 +40928,7 @@
           </p:nvSpPr>
           <p:spPr>
             <a:xfrm>
-              <a:off x="1148183" y="6198180"/>
+              <a:off x="1148183" y="6198174"/>
               <a:ext cx="248622" cy="81691"/>
             </a:xfrm>
             <a:prstGeom prst="rect">
@@ -40974,7 +40974,7 @@
           </p:nvSpPr>
           <p:spPr>
             <a:xfrm>
-              <a:off x="1148183" y="5858734"/>
+              <a:off x="1148183" y="5858731"/>
               <a:ext cx="248622" cy="81691"/>
             </a:xfrm>
             <a:prstGeom prst="rect">
@@ -41020,7 +41020,7 @@
           </p:nvSpPr>
           <p:spPr>
             <a:xfrm>
-              <a:off x="1148183" y="5519289"/>
+              <a:off x="1148183" y="5519288"/>
               <a:ext cx="248622" cy="81691"/>
             </a:xfrm>
             <a:prstGeom prst="rect">
@@ -41066,7 +41066,7 @@
           </p:nvSpPr>
           <p:spPr>
             <a:xfrm>
-              <a:off x="1424641" y="6579317"/>
+              <a:off x="1424641" y="6579309"/>
               <a:ext cx="34794" cy="0"/>
             </a:xfrm>
             <a:custGeom>
@@ -41106,7 +41106,7 @@
           </p:nvSpPr>
           <p:spPr>
             <a:xfrm>
-              <a:off x="1424641" y="6239872"/>
+              <a:off x="1424641" y="6239866"/>
               <a:ext cx="34794" cy="0"/>
             </a:xfrm>
             <a:custGeom>
@@ -41146,7 +41146,7 @@
           </p:nvSpPr>
           <p:spPr>
             <a:xfrm>
-              <a:off x="1424641" y="5900426"/>
+              <a:off x="1424641" y="5900423"/>
               <a:ext cx="34794" cy="0"/>
             </a:xfrm>
             <a:custGeom>
@@ -41186,7 +41186,7 @@
           </p:nvSpPr>
           <p:spPr>
             <a:xfrm>
-              <a:off x="1424641" y="5560981"/>
+              <a:off x="1424641" y="5560980"/>
               <a:ext cx="34794" cy="0"/>
             </a:xfrm>
             <a:custGeom>

--- a/Images/Figures_PPT/Jitter_Plot_TOR_Domain.pptx
+++ b/Images/Figures_PPT/Jitter_Plot_TOR_Domain.pptx
@@ -2359,7 +2359,7 @@
           </p:nvSpPr>
           <p:spPr>
             <a:xfrm>
-              <a:off x="1459435" y="2898366"/>
+              <a:off x="1459435" y="2898347"/>
               <a:ext cx="2796732" cy="0"/>
             </a:xfrm>
             <a:custGeom>
@@ -2402,7 +2402,7 @@
           </p:nvSpPr>
           <p:spPr>
             <a:xfrm>
-              <a:off x="1459435" y="2558923"/>
+              <a:off x="1459435" y="2558916"/>
               <a:ext cx="2796732" cy="0"/>
             </a:xfrm>
             <a:custGeom>
@@ -2445,7 +2445,7 @@
           </p:nvSpPr>
           <p:spPr>
             <a:xfrm>
-              <a:off x="1459435" y="2219479"/>
+              <a:off x="1459435" y="2219486"/>
               <a:ext cx="2796732" cy="0"/>
             </a:xfrm>
             <a:custGeom>
@@ -2488,7 +2488,7 @@
           </p:nvSpPr>
           <p:spPr>
             <a:xfrm>
-              <a:off x="1459435" y="1880036"/>
+              <a:off x="1459435" y="1880055"/>
               <a:ext cx="2796732" cy="0"/>
             </a:xfrm>
             <a:custGeom>
@@ -2531,7 +2531,7 @@
           </p:nvSpPr>
           <p:spPr>
             <a:xfrm>
-              <a:off x="1459435" y="1540593"/>
+              <a:off x="1459435" y="1540624"/>
               <a:ext cx="2796732" cy="0"/>
             </a:xfrm>
             <a:custGeom>
@@ -2574,7 +2574,7 @@
           </p:nvSpPr>
           <p:spPr>
             <a:xfrm>
-              <a:off x="1459435" y="2728644"/>
+              <a:off x="1459435" y="2728631"/>
               <a:ext cx="2796732" cy="0"/>
             </a:xfrm>
             <a:custGeom>
@@ -2660,7 +2660,7 @@
           </p:nvSpPr>
           <p:spPr>
             <a:xfrm>
-              <a:off x="1459435" y="2049758"/>
+              <a:off x="1459435" y="2049770"/>
               <a:ext cx="2796732" cy="0"/>
             </a:xfrm>
             <a:custGeom>
@@ -2703,7 +2703,7 @@
           </p:nvSpPr>
           <p:spPr>
             <a:xfrm>
-              <a:off x="1459435" y="1710315"/>
+              <a:off x="1459435" y="1710340"/>
               <a:ext cx="2796732" cy="0"/>
             </a:xfrm>
             <a:custGeom>
@@ -2875,7 +2875,7 @@
           </p:nvSpPr>
           <p:spPr>
             <a:xfrm>
-              <a:off x="2938681" y="2881275"/>
+              <a:off x="3123086" y="2881277"/>
               <a:ext cx="63202" cy="63202"/>
             </a:xfrm>
             <a:custGeom>
@@ -2918,7 +2918,7 @@
           </p:nvSpPr>
           <p:spPr>
             <a:xfrm>
-              <a:off x="1898596" y="2152507"/>
+              <a:off x="2267900" y="2152513"/>
               <a:ext cx="63202" cy="63202"/>
             </a:xfrm>
             <a:custGeom>
@@ -2961,7 +2961,7 @@
           </p:nvSpPr>
           <p:spPr>
             <a:xfrm>
-              <a:off x="1985351" y="2400722"/>
+              <a:off x="2022428" y="2400703"/>
               <a:ext cx="63202" cy="63202"/>
             </a:xfrm>
             <a:custGeom>
@@ -3004,7 +3004,7 @@
           </p:nvSpPr>
           <p:spPr>
             <a:xfrm>
-              <a:off x="2821308" y="2878629"/>
+              <a:off x="2919072" y="2878632"/>
               <a:ext cx="63202" cy="63202"/>
             </a:xfrm>
             <a:custGeom>
@@ -3047,7 +3047,7 @@
           </p:nvSpPr>
           <p:spPr>
             <a:xfrm>
-              <a:off x="2175649" y="2697426"/>
+              <a:off x="2276079" y="2697410"/>
               <a:ext cx="63202" cy="63202"/>
             </a:xfrm>
             <a:custGeom>
@@ -3090,7 +3090,7 @@
           </p:nvSpPr>
           <p:spPr>
             <a:xfrm>
-              <a:off x="1949589" y="2733420"/>
+              <a:off x="1713357" y="2733409"/>
               <a:ext cx="63202" cy="63202"/>
             </a:xfrm>
             <a:custGeom>
@@ -3133,7 +3133,7 @@
           </p:nvSpPr>
           <p:spPr>
             <a:xfrm>
-              <a:off x="1752316" y="2063684"/>
+              <a:off x="1956761" y="2063740"/>
               <a:ext cx="63202" cy="63202"/>
             </a:xfrm>
             <a:custGeom>
@@ -3176,7 +3176,7 @@
           </p:nvSpPr>
           <p:spPr>
             <a:xfrm>
-              <a:off x="1712631" y="2292760"/>
+              <a:off x="2009388" y="2292769"/>
               <a:ext cx="63202" cy="63202"/>
             </a:xfrm>
             <a:custGeom>
@@ -3219,7 +3219,7 @@
           </p:nvSpPr>
           <p:spPr>
             <a:xfrm>
-              <a:off x="1855449" y="2542926"/>
+              <a:off x="1844579" y="2542937"/>
               <a:ext cx="63202" cy="63202"/>
             </a:xfrm>
             <a:custGeom>
@@ -3262,7 +3262,7 @@
           </p:nvSpPr>
           <p:spPr>
             <a:xfrm>
-              <a:off x="2198622" y="2250871"/>
+              <a:off x="1658024" y="2250857"/>
               <a:ext cx="63202" cy="63202"/>
             </a:xfrm>
             <a:custGeom>
@@ -3305,7 +3305,7 @@
           </p:nvSpPr>
           <p:spPr>
             <a:xfrm>
-              <a:off x="1828321" y="2720046"/>
+              <a:off x="2074259" y="2720044"/>
               <a:ext cx="63202" cy="63202"/>
             </a:xfrm>
             <a:custGeom>
@@ -3348,7 +3348,7 @@
           </p:nvSpPr>
           <p:spPr>
             <a:xfrm>
-              <a:off x="2967006" y="2923572"/>
+              <a:off x="2680522" y="2923566"/>
               <a:ext cx="63202" cy="63202"/>
             </a:xfrm>
             <a:custGeom>
@@ -3391,7 +3391,7 @@
           </p:nvSpPr>
           <p:spPr>
             <a:xfrm>
-              <a:off x="2191926" y="2292563"/>
+              <a:off x="1994230" y="2292570"/>
               <a:ext cx="63202" cy="63202"/>
             </a:xfrm>
             <a:custGeom>
@@ -3434,7 +3434,7 @@
           </p:nvSpPr>
           <p:spPr>
             <a:xfrm>
-              <a:off x="1948838" y="2732538"/>
+              <a:off x="1690003" y="2732511"/>
               <a:ext cx="63202" cy="63202"/>
             </a:xfrm>
             <a:custGeom>
@@ -3477,7 +3477,7 @@
           </p:nvSpPr>
           <p:spPr>
             <a:xfrm>
-              <a:off x="2287173" y="2574104"/>
+              <a:off x="2283711" y="2574102"/>
               <a:ext cx="63202" cy="63202"/>
             </a:xfrm>
             <a:custGeom>
@@ -3520,7 +3520,7 @@
           </p:nvSpPr>
           <p:spPr>
             <a:xfrm>
-              <a:off x="1913388" y="2542915"/>
+              <a:off x="1806951" y="2542931"/>
               <a:ext cx="63202" cy="63202"/>
             </a:xfrm>
             <a:custGeom>
@@ -3563,7 +3563,7 @@
           </p:nvSpPr>
           <p:spPr>
             <a:xfrm>
-              <a:off x="2211233" y="2734929"/>
+              <a:off x="1629499" y="2734901"/>
               <a:ext cx="63202" cy="63202"/>
             </a:xfrm>
             <a:custGeom>
@@ -3606,7 +3606,7 @@
           </p:nvSpPr>
           <p:spPr>
             <a:xfrm>
-              <a:off x="2630991" y="2914622"/>
+              <a:off x="2861501" y="2914590"/>
               <a:ext cx="63202" cy="63202"/>
             </a:xfrm>
             <a:custGeom>
@@ -3649,7 +3649,7 @@
           </p:nvSpPr>
           <p:spPr>
             <a:xfrm>
-              <a:off x="2021007" y="2811773"/>
+              <a:off x="1961418" y="2811745"/>
               <a:ext cx="63202" cy="63202"/>
             </a:xfrm>
             <a:custGeom>
@@ -3692,7 +3692,7 @@
           </p:nvSpPr>
           <p:spPr>
             <a:xfrm>
-              <a:off x="2009343" y="2250866"/>
+              <a:off x="1773351" y="2250875"/>
               <a:ext cx="63202" cy="63202"/>
             </a:xfrm>
             <a:custGeom>
@@ -3735,7 +3735,7 @@
           </p:nvSpPr>
           <p:spPr>
             <a:xfrm>
-              <a:off x="2244521" y="2531542"/>
+              <a:off x="1855952" y="2531517"/>
               <a:ext cx="63202" cy="63202"/>
             </a:xfrm>
             <a:custGeom>
@@ -3778,7 +3778,7 @@
           </p:nvSpPr>
           <p:spPr>
             <a:xfrm>
-              <a:off x="1996890" y="2736356"/>
+              <a:off x="1758466" y="2736333"/>
               <a:ext cx="63202" cy="63202"/>
             </a:xfrm>
             <a:custGeom>
@@ -3821,7 +3821,7 @@
           </p:nvSpPr>
           <p:spPr>
             <a:xfrm>
-              <a:off x="1764158" y="2293979"/>
+              <a:off x="1823914" y="2293983"/>
               <a:ext cx="63202" cy="63202"/>
             </a:xfrm>
             <a:custGeom>
@@ -3864,7 +3864,7 @@
           </p:nvSpPr>
           <p:spPr>
             <a:xfrm>
-              <a:off x="2296228" y="2752988"/>
+              <a:off x="1809557" y="2752965"/>
               <a:ext cx="63202" cy="63202"/>
             </a:xfrm>
             <a:custGeom>
@@ -3907,7 +3907,7 @@
           </p:nvSpPr>
           <p:spPr>
             <a:xfrm>
-              <a:off x="1727212" y="2675453"/>
+              <a:off x="1795981" y="2675460"/>
               <a:ext cx="63202" cy="63202"/>
             </a:xfrm>
             <a:custGeom>
@@ -3950,7 +3950,7 @@
           </p:nvSpPr>
           <p:spPr>
             <a:xfrm>
-              <a:off x="1619328" y="2542574"/>
+              <a:off x="2003624" y="2542592"/>
               <a:ext cx="63202" cy="63202"/>
             </a:xfrm>
             <a:custGeom>
@@ -3993,7 +3993,7 @@
           </p:nvSpPr>
           <p:spPr>
             <a:xfrm>
-              <a:off x="1932488" y="2543552"/>
+              <a:off x="2291860" y="2543522"/>
               <a:ext cx="63202" cy="63202"/>
             </a:xfrm>
             <a:custGeom>
@@ -4036,7 +4036,7 @@
           </p:nvSpPr>
           <p:spPr>
             <a:xfrm>
-              <a:off x="1886949" y="2543256"/>
+              <a:off x="1879652" y="2543249"/>
               <a:ext cx="63202" cy="63202"/>
             </a:xfrm>
             <a:custGeom>
@@ -4079,7 +4079,7 @@
           </p:nvSpPr>
           <p:spPr>
             <a:xfrm>
-              <a:off x="1795306" y="2543751"/>
+              <a:off x="2211672" y="2543723"/>
               <a:ext cx="63202" cy="63202"/>
             </a:xfrm>
             <a:custGeom>
@@ -4122,7 +4122,7 @@
           </p:nvSpPr>
           <p:spPr>
             <a:xfrm>
-              <a:off x="1918846" y="2541926"/>
+              <a:off x="2211816" y="2541909"/>
               <a:ext cx="63202" cy="63202"/>
             </a:xfrm>
             <a:custGeom>
@@ -4165,7 +4165,7 @@
           </p:nvSpPr>
           <p:spPr>
             <a:xfrm>
-              <a:off x="1691413" y="2543351"/>
+              <a:off x="1615414" y="2543349"/>
               <a:ext cx="63202" cy="63202"/>
             </a:xfrm>
             <a:custGeom>
@@ -4208,7 +4208,7 @@
           </p:nvSpPr>
           <p:spPr>
             <a:xfrm>
-              <a:off x="2288108" y="2541925"/>
+              <a:off x="2246974" y="2541903"/>
               <a:ext cx="63202" cy="63202"/>
             </a:xfrm>
             <a:custGeom>
@@ -4251,7 +4251,7 @@
           </p:nvSpPr>
           <p:spPr>
             <a:xfrm>
-              <a:off x="2206520" y="2541060"/>
+              <a:off x="2118661" y="2541034"/>
               <a:ext cx="63202" cy="63202"/>
             </a:xfrm>
             <a:custGeom>
@@ -4294,7 +4294,7 @@
           </p:nvSpPr>
           <p:spPr>
             <a:xfrm>
-              <a:off x="2065976" y="2542917"/>
+              <a:off x="1987566" y="2542916"/>
               <a:ext cx="63202" cy="63202"/>
             </a:xfrm>
             <a:custGeom>
@@ -4337,7 +4337,7 @@
           </p:nvSpPr>
           <p:spPr>
             <a:xfrm>
-              <a:off x="1958852" y="2819319"/>
+              <a:off x="1840597" y="2819291"/>
               <a:ext cx="63202" cy="63202"/>
             </a:xfrm>
             <a:custGeom>
@@ -4380,7 +4380,7 @@
           </p:nvSpPr>
           <p:spPr>
             <a:xfrm>
-              <a:off x="3061823" y="2845539"/>
+              <a:off x="2981975" y="2845516"/>
               <a:ext cx="63202" cy="63202"/>
             </a:xfrm>
             <a:custGeom>
@@ -4423,7 +4423,7 @@
           </p:nvSpPr>
           <p:spPr>
             <a:xfrm>
-              <a:off x="2884802" y="2890401"/>
+              <a:off x="3113981" y="2890358"/>
               <a:ext cx="63202" cy="63202"/>
             </a:xfrm>
             <a:custGeom>
@@ -4466,7 +4466,7 @@
           </p:nvSpPr>
           <p:spPr>
             <a:xfrm>
-              <a:off x="3750322" y="2946469"/>
+              <a:off x="4008709" y="2946437"/>
               <a:ext cx="63202" cy="63202"/>
             </a:xfrm>
             <a:custGeom>
@@ -4509,7 +4509,7 @@
           </p:nvSpPr>
           <p:spPr>
             <a:xfrm>
-              <a:off x="2802778" y="2910634"/>
+              <a:off x="2904458" y="2910624"/>
               <a:ext cx="63202" cy="63202"/>
             </a:xfrm>
             <a:custGeom>
@@ -4552,7 +4552,7 @@
           </p:nvSpPr>
           <p:spPr>
             <a:xfrm>
-              <a:off x="2891070" y="2866153"/>
+              <a:off x="2536236" y="2866116"/>
               <a:ext cx="63202" cy="63202"/>
             </a:xfrm>
             <a:custGeom>
@@ -4595,7 +4595,7 @@
           </p:nvSpPr>
           <p:spPr>
             <a:xfrm>
-              <a:off x="3088976" y="2920139"/>
+              <a:off x="2924826" y="2920121"/>
               <a:ext cx="63202" cy="63202"/>
             </a:xfrm>
             <a:custGeom>
@@ -4638,7 +4638,7 @@
           </p:nvSpPr>
           <p:spPr>
             <a:xfrm>
-              <a:off x="2082643" y="2235482"/>
+              <a:off x="1645656" y="2235492"/>
               <a:ext cx="63202" cy="63202"/>
             </a:xfrm>
             <a:custGeom>
@@ -4681,7 +4681,7 @@
           </p:nvSpPr>
           <p:spPr>
             <a:xfrm>
-              <a:off x="2669942" y="2840744"/>
+              <a:off x="2757749" y="2840724"/>
               <a:ext cx="63202" cy="63202"/>
             </a:xfrm>
             <a:custGeom>
@@ -4724,7 +4724,7 @@
           </p:nvSpPr>
           <p:spPr>
             <a:xfrm>
-              <a:off x="2130426" y="2805481"/>
+              <a:off x="2194082" y="2805433"/>
               <a:ext cx="63202" cy="63202"/>
             </a:xfrm>
             <a:custGeom>
@@ -4767,7 +4767,7 @@
           </p:nvSpPr>
           <p:spPr>
             <a:xfrm>
-              <a:off x="1708411" y="2368777"/>
+              <a:off x="1810156" y="2368809"/>
               <a:ext cx="63202" cy="63202"/>
             </a:xfrm>
             <a:custGeom>
@@ -4810,7 +4810,7 @@
           </p:nvSpPr>
           <p:spPr>
             <a:xfrm>
-              <a:off x="1822829" y="2735783"/>
+              <a:off x="1634029" y="2735784"/>
               <a:ext cx="63202" cy="63202"/>
             </a:xfrm>
             <a:custGeom>
@@ -4853,7 +4853,7 @@
           </p:nvSpPr>
           <p:spPr>
             <a:xfrm>
-              <a:off x="2010917" y="2726439"/>
+              <a:off x="1668372" y="2726446"/>
               <a:ext cx="63202" cy="63202"/>
             </a:xfrm>
             <a:custGeom>
@@ -4896,7 +4896,7 @@
           </p:nvSpPr>
           <p:spPr>
             <a:xfrm>
-              <a:off x="2100781" y="2740758"/>
+              <a:off x="2189393" y="2740762"/>
               <a:ext cx="63202" cy="63202"/>
             </a:xfrm>
             <a:custGeom>
@@ -4939,7 +4939,7 @@
           </p:nvSpPr>
           <p:spPr>
             <a:xfrm>
-              <a:off x="1817138" y="2735204"/>
+              <a:off x="1859670" y="2735186"/>
               <a:ext cx="63202" cy="63202"/>
             </a:xfrm>
             <a:custGeom>
@@ -4982,7 +4982,7 @@
           </p:nvSpPr>
           <p:spPr>
             <a:xfrm>
-              <a:off x="2054163" y="2817045"/>
+              <a:off x="1731855" y="2817067"/>
               <a:ext cx="63202" cy="63202"/>
             </a:xfrm>
             <a:custGeom>
@@ -5025,7 +5025,7 @@
           </p:nvSpPr>
           <p:spPr>
             <a:xfrm>
-              <a:off x="1782334" y="2504025"/>
+              <a:off x="1916076" y="2504055"/>
               <a:ext cx="63202" cy="63202"/>
             </a:xfrm>
             <a:custGeom>
@@ -5068,7 +5068,7 @@
           </p:nvSpPr>
           <p:spPr>
             <a:xfrm>
-              <a:off x="1772372" y="2482582"/>
+              <a:off x="1635117" y="2482559"/>
               <a:ext cx="63202" cy="63202"/>
             </a:xfrm>
             <a:custGeom>
@@ -5111,7 +5111,7 @@
           </p:nvSpPr>
           <p:spPr>
             <a:xfrm>
-              <a:off x="1832811" y="2818337"/>
+              <a:off x="1841518" y="2818334"/>
               <a:ext cx="63202" cy="63202"/>
             </a:xfrm>
             <a:custGeom>
@@ -5154,7 +5154,7 @@
           </p:nvSpPr>
           <p:spPr>
             <a:xfrm>
-              <a:off x="2936998" y="2930309"/>
+              <a:off x="3149655" y="2930265"/>
               <a:ext cx="63202" cy="63202"/>
             </a:xfrm>
             <a:custGeom>
@@ -5197,7 +5197,7 @@
           </p:nvSpPr>
           <p:spPr>
             <a:xfrm>
-              <a:off x="1758171" y="2730460"/>
+              <a:off x="1859351" y="2730432"/>
               <a:ext cx="63202" cy="63202"/>
             </a:xfrm>
             <a:custGeom>
@@ -5240,7 +5240,7 @@
           </p:nvSpPr>
           <p:spPr>
             <a:xfrm>
-              <a:off x="2000790" y="2734854"/>
+              <a:off x="2187606" y="2734859"/>
               <a:ext cx="63202" cy="63202"/>
             </a:xfrm>
             <a:custGeom>
@@ -5283,7 +5283,7 @@
           </p:nvSpPr>
           <p:spPr>
             <a:xfrm>
-              <a:off x="1917358" y="2737582"/>
+              <a:off x="1640336" y="2737568"/>
               <a:ext cx="63202" cy="63202"/>
             </a:xfrm>
             <a:custGeom>
@@ -5326,7 +5326,7 @@
           </p:nvSpPr>
           <p:spPr>
             <a:xfrm>
-              <a:off x="1868967" y="2735659"/>
+              <a:off x="1883678" y="2735655"/>
               <a:ext cx="63202" cy="63202"/>
             </a:xfrm>
             <a:custGeom>
@@ -5369,7 +5369,7 @@
           </p:nvSpPr>
           <p:spPr>
             <a:xfrm>
-              <a:off x="1720060" y="2554561"/>
+              <a:off x="1828208" y="2554511"/>
               <a:ext cx="63202" cy="63202"/>
             </a:xfrm>
             <a:custGeom>
@@ -5412,7 +5412,7 @@
           </p:nvSpPr>
           <p:spPr>
             <a:xfrm>
-              <a:off x="2193137" y="2250862"/>
+              <a:off x="1647897" y="2250860"/>
               <a:ext cx="63202" cy="63202"/>
             </a:xfrm>
             <a:custGeom>
@@ -5455,7 +5455,7 @@
           </p:nvSpPr>
           <p:spPr>
             <a:xfrm>
-              <a:off x="1841465" y="2236278"/>
+              <a:off x="2074466" y="2236298"/>
               <a:ext cx="63202" cy="63202"/>
             </a:xfrm>
             <a:custGeom>
@@ -5498,7 +5498,7 @@
           </p:nvSpPr>
           <p:spPr>
             <a:xfrm>
-              <a:off x="1804460" y="2715501"/>
+              <a:off x="2079448" y="2715493"/>
               <a:ext cx="63202" cy="63202"/>
             </a:xfrm>
             <a:custGeom>
@@ -5541,7 +5541,7 @@
           </p:nvSpPr>
           <p:spPr>
             <a:xfrm>
-              <a:off x="3113130" y="2878803"/>
+              <a:off x="3096651" y="2878752"/>
               <a:ext cx="63202" cy="63202"/>
             </a:xfrm>
             <a:custGeom>
@@ -5584,7 +5584,7 @@
           </p:nvSpPr>
           <p:spPr>
             <a:xfrm>
-              <a:off x="2625051" y="2866543"/>
+              <a:off x="2927002" y="2866569"/>
               <a:ext cx="63202" cy="63202"/>
             </a:xfrm>
             <a:custGeom>
@@ -5627,7 +5627,7 @@
           </p:nvSpPr>
           <p:spPr>
             <a:xfrm>
-              <a:off x="1945176" y="2809195"/>
+              <a:off x="2100395" y="2809177"/>
               <a:ext cx="63202" cy="63202"/>
             </a:xfrm>
             <a:custGeom>
@@ -5670,7 +5670,7 @@
           </p:nvSpPr>
           <p:spPr>
             <a:xfrm>
-              <a:off x="1622430" y="2711347"/>
+              <a:off x="1883636" y="2711373"/>
               <a:ext cx="63202" cy="63202"/>
             </a:xfrm>
             <a:custGeom>
@@ -5713,7 +5713,7 @@
           </p:nvSpPr>
           <p:spPr>
             <a:xfrm>
-              <a:off x="1734012" y="2798512"/>
+              <a:off x="1990795" y="2798528"/>
               <a:ext cx="63202" cy="63202"/>
             </a:xfrm>
             <a:custGeom>
@@ -5756,7 +5756,7 @@
           </p:nvSpPr>
           <p:spPr>
             <a:xfrm>
-              <a:off x="1990262" y="2808575"/>
+              <a:off x="1606183" y="2808581"/>
               <a:ext cx="63202" cy="63202"/>
             </a:xfrm>
             <a:custGeom>
@@ -5799,7 +5799,7 @@
           </p:nvSpPr>
           <p:spPr>
             <a:xfrm>
-              <a:off x="1919586" y="2736339"/>
+              <a:off x="2037897" y="2736317"/>
               <a:ext cx="63202" cy="63202"/>
             </a:xfrm>
             <a:custGeom>
@@ -5842,7 +5842,7 @@
           </p:nvSpPr>
           <p:spPr>
             <a:xfrm>
-              <a:off x="1611219" y="2739522"/>
+              <a:off x="1642764" y="2739532"/>
               <a:ext cx="63202" cy="63202"/>
             </a:xfrm>
             <a:custGeom>
@@ -5885,7 +5885,7 @@
           </p:nvSpPr>
           <p:spPr>
             <a:xfrm>
-              <a:off x="3130547" y="2835008"/>
+              <a:off x="2543891" y="2834949"/>
               <a:ext cx="63202" cy="63202"/>
             </a:xfrm>
             <a:custGeom>
@@ -5928,7 +5928,7 @@
           </p:nvSpPr>
           <p:spPr>
             <a:xfrm>
-              <a:off x="1885394" y="2230643"/>
+              <a:off x="2079472" y="2230632"/>
               <a:ext cx="63202" cy="63202"/>
             </a:xfrm>
             <a:custGeom>
@@ -5971,7 +5971,7 @@
           </p:nvSpPr>
           <p:spPr>
             <a:xfrm>
-              <a:off x="2267934" y="2232959"/>
+              <a:off x="1878836" y="2232975"/>
               <a:ext cx="63202" cy="63202"/>
             </a:xfrm>
             <a:custGeom>
@@ -6014,7 +6014,7 @@
           </p:nvSpPr>
           <p:spPr>
             <a:xfrm>
-              <a:off x="1765699" y="2237090"/>
+              <a:off x="1625316" y="2237120"/>
               <a:ext cx="63202" cy="63202"/>
             </a:xfrm>
             <a:custGeom>
@@ -6057,7 +6057,7 @@
           </p:nvSpPr>
           <p:spPr>
             <a:xfrm>
-              <a:off x="1860825" y="2747529"/>
+              <a:off x="1751442" y="2747534"/>
               <a:ext cx="63202" cy="63202"/>
             </a:xfrm>
             <a:custGeom>
@@ -6100,7 +6100,7 @@
           </p:nvSpPr>
           <p:spPr>
             <a:xfrm>
-              <a:off x="1936622" y="2749033"/>
+              <a:off x="2014111" y="2749004"/>
               <a:ext cx="63202" cy="63202"/>
             </a:xfrm>
             <a:custGeom>
@@ -6143,7 +6143,7 @@
           </p:nvSpPr>
           <p:spPr>
             <a:xfrm>
-              <a:off x="1910762" y="2509080"/>
+              <a:off x="2178109" y="2509035"/>
               <a:ext cx="63202" cy="63202"/>
             </a:xfrm>
             <a:custGeom>
@@ -6186,7 +6186,7 @@
           </p:nvSpPr>
           <p:spPr>
             <a:xfrm>
-              <a:off x="1640861" y="2786111"/>
+              <a:off x="1824329" y="2786081"/>
               <a:ext cx="63202" cy="63202"/>
             </a:xfrm>
             <a:custGeom>
@@ -6229,7 +6229,7 @@
           </p:nvSpPr>
           <p:spPr>
             <a:xfrm>
-              <a:off x="1762035" y="2270542"/>
+              <a:off x="1809208" y="2270569"/>
               <a:ext cx="63202" cy="63202"/>
             </a:xfrm>
             <a:custGeom>
@@ -6272,7 +6272,7 @@
           </p:nvSpPr>
           <p:spPr>
             <a:xfrm>
-              <a:off x="2195234" y="2763317"/>
+              <a:off x="1852516" y="2763298"/>
               <a:ext cx="63202" cy="63202"/>
             </a:xfrm>
             <a:custGeom>
@@ -6315,7 +6315,7 @@
           </p:nvSpPr>
           <p:spPr>
             <a:xfrm>
-              <a:off x="1968126" y="2641802"/>
+              <a:off x="1698622" y="2641782"/>
               <a:ext cx="63202" cy="63202"/>
             </a:xfrm>
             <a:custGeom>
@@ -6358,7 +6358,7 @@
           </p:nvSpPr>
           <p:spPr>
             <a:xfrm>
-              <a:off x="1994433" y="2728800"/>
+              <a:off x="1788787" y="2728828"/>
               <a:ext cx="63202" cy="63202"/>
             </a:xfrm>
             <a:custGeom>
@@ -6401,7 +6401,7 @@
           </p:nvSpPr>
           <p:spPr>
             <a:xfrm>
-              <a:off x="1938611" y="2236759"/>
+              <a:off x="1933266" y="2236788"/>
               <a:ext cx="63202" cy="63202"/>
             </a:xfrm>
             <a:custGeom>
@@ -6500,7 +6500,7 @@
           </p:nvSpPr>
           <p:spPr>
             <a:xfrm>
-              <a:off x="1459435" y="4823698"/>
+              <a:off x="1459435" y="4823679"/>
               <a:ext cx="2796732" cy="0"/>
             </a:xfrm>
             <a:custGeom>
@@ -6543,7 +6543,7 @@
           </p:nvSpPr>
           <p:spPr>
             <a:xfrm>
-              <a:off x="1459435" y="4484255"/>
+              <a:off x="1459435" y="4484249"/>
               <a:ext cx="2796732" cy="0"/>
             </a:xfrm>
             <a:custGeom>
@@ -6586,7 +6586,7 @@
           </p:nvSpPr>
           <p:spPr>
             <a:xfrm>
-              <a:off x="1459435" y="4144812"/>
+              <a:off x="1459435" y="4144818"/>
               <a:ext cx="2796732" cy="0"/>
             </a:xfrm>
             <a:custGeom>
@@ -6629,7 +6629,7 @@
           </p:nvSpPr>
           <p:spPr>
             <a:xfrm>
-              <a:off x="1459435" y="3805369"/>
+              <a:off x="1459435" y="3805388"/>
               <a:ext cx="2796732" cy="0"/>
             </a:xfrm>
             <a:custGeom>
@@ -6672,7 +6672,7 @@
           </p:nvSpPr>
           <p:spPr>
             <a:xfrm>
-              <a:off x="1459435" y="3465926"/>
+              <a:off x="1459435" y="3465957"/>
               <a:ext cx="2796732" cy="0"/>
             </a:xfrm>
             <a:custGeom>
@@ -6715,7 +6715,7 @@
           </p:nvSpPr>
           <p:spPr>
             <a:xfrm>
-              <a:off x="1459435" y="4653977"/>
+              <a:off x="1459435" y="4653964"/>
               <a:ext cx="2796732" cy="0"/>
             </a:xfrm>
             <a:custGeom>
@@ -6758,7 +6758,7 @@
           </p:nvSpPr>
           <p:spPr>
             <a:xfrm>
-              <a:off x="1459435" y="4314534"/>
+              <a:off x="1459435" y="4314533"/>
               <a:ext cx="2796732" cy="0"/>
             </a:xfrm>
             <a:custGeom>
@@ -6801,7 +6801,7 @@
           </p:nvSpPr>
           <p:spPr>
             <a:xfrm>
-              <a:off x="1459435" y="3975090"/>
+              <a:off x="1459435" y="3975103"/>
               <a:ext cx="2796732" cy="0"/>
             </a:xfrm>
             <a:custGeom>
@@ -6844,7 +6844,7 @@
           </p:nvSpPr>
           <p:spPr>
             <a:xfrm>
-              <a:off x="1459435" y="3635647"/>
+              <a:off x="1459435" y="3635672"/>
               <a:ext cx="2796732" cy="0"/>
             </a:xfrm>
             <a:custGeom>
@@ -7016,7 +7016,7 @@
           </p:nvSpPr>
           <p:spPr>
             <a:xfrm>
-              <a:off x="2047265" y="4329889"/>
+              <a:off x="2243003" y="4329885"/>
               <a:ext cx="63202" cy="63202"/>
             </a:xfrm>
             <a:custGeom>
@@ -7059,7 +7059,7 @@
           </p:nvSpPr>
           <p:spPr>
             <a:xfrm>
-              <a:off x="2085569" y="4476146"/>
+              <a:off x="2262778" y="4476158"/>
               <a:ext cx="63202" cy="63202"/>
             </a:xfrm>
             <a:custGeom>
@@ -7102,7 +7102,7 @@
           </p:nvSpPr>
           <p:spPr>
             <a:xfrm>
-              <a:off x="1789426" y="4328120"/>
+              <a:off x="2041987" y="4328151"/>
               <a:ext cx="63202" cy="63202"/>
             </a:xfrm>
             <a:custGeom>
@@ -7145,7 +7145,7 @@
           </p:nvSpPr>
           <p:spPr>
             <a:xfrm>
-              <a:off x="2278561" y="4339131"/>
+              <a:off x="1839850" y="4339132"/>
               <a:ext cx="63202" cy="63202"/>
             </a:xfrm>
             <a:custGeom>
@@ -7188,7 +7188,7 @@
           </p:nvSpPr>
           <p:spPr>
             <a:xfrm>
-              <a:off x="2068398" y="4332296"/>
+              <a:off x="1671724" y="4332307"/>
               <a:ext cx="63202" cy="63202"/>
             </a:xfrm>
             <a:custGeom>
@@ -7231,7 +7231,7 @@
           </p:nvSpPr>
           <p:spPr>
             <a:xfrm>
-              <a:off x="1684012" y="4541406"/>
+              <a:off x="2185191" y="4541387"/>
               <a:ext cx="63202" cy="63202"/>
             </a:xfrm>
             <a:custGeom>
@@ -7274,7 +7274,7 @@
           </p:nvSpPr>
           <p:spPr>
             <a:xfrm>
-              <a:off x="1735522" y="4394397"/>
+              <a:off x="2144489" y="4394375"/>
               <a:ext cx="63202" cy="63202"/>
             </a:xfrm>
             <a:custGeom>
@@ -7317,7 +7317,7 @@
           </p:nvSpPr>
           <p:spPr>
             <a:xfrm>
-              <a:off x="2252989" y="4425817"/>
+              <a:off x="2269479" y="4425848"/>
               <a:ext cx="63202" cy="63202"/>
             </a:xfrm>
             <a:custGeom>
@@ -7360,7 +7360,7 @@
           </p:nvSpPr>
           <p:spPr>
             <a:xfrm>
-              <a:off x="2105795" y="4492286"/>
+              <a:off x="2203464" y="4492279"/>
               <a:ext cx="63202" cy="63202"/>
             </a:xfrm>
             <a:custGeom>
@@ -7403,7 +7403,7 @@
           </p:nvSpPr>
           <p:spPr>
             <a:xfrm>
-              <a:off x="1990529" y="4423641"/>
+              <a:off x="1749380" y="4423634"/>
               <a:ext cx="63202" cy="63202"/>
             </a:xfrm>
             <a:custGeom>
@@ -7446,7 +7446,7 @@
           </p:nvSpPr>
           <p:spPr>
             <a:xfrm>
-              <a:off x="2224774" y="4413146"/>
+              <a:off x="1880821" y="4413133"/>
               <a:ext cx="63202" cy="63202"/>
             </a:xfrm>
             <a:custGeom>
@@ -7489,7 +7489,7 @@
           </p:nvSpPr>
           <p:spPr>
             <a:xfrm>
-              <a:off x="1821182" y="4609366"/>
+              <a:off x="2157893" y="4609353"/>
               <a:ext cx="63202" cy="63202"/>
             </a:xfrm>
             <a:custGeom>
@@ -7532,7 +7532,7 @@
           </p:nvSpPr>
           <p:spPr>
             <a:xfrm>
-              <a:off x="2107296" y="4189273"/>
+              <a:off x="2015667" y="4189266"/>
               <a:ext cx="63202" cy="63202"/>
             </a:xfrm>
             <a:custGeom>
@@ -7575,7 +7575,7 @@
           </p:nvSpPr>
           <p:spPr>
             <a:xfrm>
-              <a:off x="2007566" y="4508541"/>
+              <a:off x="1709396" y="4508518"/>
               <a:ext cx="63202" cy="63202"/>
             </a:xfrm>
             <a:custGeom>
@@ -7618,7 +7618,7 @@
           </p:nvSpPr>
           <p:spPr>
             <a:xfrm>
-              <a:off x="2207622" y="4577976"/>
+              <a:off x="1656239" y="4577983"/>
               <a:ext cx="63202" cy="63202"/>
             </a:xfrm>
             <a:custGeom>
@@ -7661,7 +7661,7 @@
           </p:nvSpPr>
           <p:spPr>
             <a:xfrm>
-              <a:off x="2019340" y="4086797"/>
+              <a:off x="1978525" y="4086806"/>
               <a:ext cx="63202" cy="63202"/>
             </a:xfrm>
             <a:custGeom>
@@ -7704,7 +7704,7 @@
           </p:nvSpPr>
           <p:spPr>
             <a:xfrm>
-              <a:off x="2065195" y="4481889"/>
+              <a:off x="1933998" y="4481887"/>
               <a:ext cx="63202" cy="63202"/>
             </a:xfrm>
             <a:custGeom>
@@ -7747,7 +7747,7 @@
           </p:nvSpPr>
           <p:spPr>
             <a:xfrm>
-              <a:off x="2043855" y="4147846"/>
+              <a:off x="1960985" y="4147818"/>
               <a:ext cx="63202" cy="63202"/>
             </a:xfrm>
             <a:custGeom>
@@ -7790,7 +7790,7 @@
           </p:nvSpPr>
           <p:spPr>
             <a:xfrm>
-              <a:off x="1744803" y="4491498"/>
+              <a:off x="2260935" y="4491455"/>
               <a:ext cx="63202" cy="63202"/>
             </a:xfrm>
             <a:custGeom>
@@ -7833,7 +7833,7 @@
           </p:nvSpPr>
           <p:spPr>
             <a:xfrm>
-              <a:off x="1876555" y="4492344"/>
+              <a:off x="2000966" y="4492362"/>
               <a:ext cx="63202" cy="63202"/>
             </a:xfrm>
             <a:custGeom>
@@ -7876,7 +7876,7 @@
           </p:nvSpPr>
           <p:spPr>
             <a:xfrm>
-              <a:off x="1961730" y="4368082"/>
+              <a:off x="2102749" y="4368069"/>
               <a:ext cx="63202" cy="63202"/>
             </a:xfrm>
             <a:custGeom>
@@ -7919,7 +7919,7 @@
           </p:nvSpPr>
           <p:spPr>
             <a:xfrm>
-              <a:off x="1862826" y="4418353"/>
+              <a:off x="1728622" y="4418341"/>
               <a:ext cx="63202" cy="63202"/>
             </a:xfrm>
             <a:custGeom>
@@ -8018,7 +8018,7 @@
           </p:nvSpPr>
           <p:spPr>
             <a:xfrm>
-              <a:off x="1459435" y="6749031"/>
+              <a:off x="1459435" y="6749012"/>
               <a:ext cx="2796732" cy="0"/>
             </a:xfrm>
             <a:custGeom>
@@ -8061,7 +8061,7 @@
           </p:nvSpPr>
           <p:spPr>
             <a:xfrm>
-              <a:off x="1459435" y="6409588"/>
+              <a:off x="1459435" y="6409581"/>
               <a:ext cx="2796732" cy="0"/>
             </a:xfrm>
             <a:custGeom>
@@ -8104,7 +8104,7 @@
           </p:nvSpPr>
           <p:spPr>
             <a:xfrm>
-              <a:off x="1459435" y="6070145"/>
+              <a:off x="1459435" y="6070151"/>
               <a:ext cx="2796732" cy="0"/>
             </a:xfrm>
             <a:custGeom>
@@ -8147,7 +8147,7 @@
           </p:nvSpPr>
           <p:spPr>
             <a:xfrm>
-              <a:off x="1459435" y="5730702"/>
+              <a:off x="1459435" y="5730720"/>
               <a:ext cx="2796732" cy="0"/>
             </a:xfrm>
             <a:custGeom>
@@ -8190,7 +8190,7 @@
           </p:nvSpPr>
           <p:spPr>
             <a:xfrm>
-              <a:off x="1459435" y="5391258"/>
+              <a:off x="1459435" y="5391290"/>
               <a:ext cx="2796732" cy="0"/>
             </a:xfrm>
             <a:custGeom>
@@ -8233,7 +8233,7 @@
           </p:nvSpPr>
           <p:spPr>
             <a:xfrm>
-              <a:off x="1459435" y="6579309"/>
+              <a:off x="1459435" y="6579297"/>
               <a:ext cx="2796732" cy="0"/>
             </a:xfrm>
             <a:custGeom>
@@ -8319,7 +8319,7 @@
           </p:nvSpPr>
           <p:spPr>
             <a:xfrm>
-              <a:off x="1459435" y="5900423"/>
+              <a:off x="1459435" y="5900435"/>
               <a:ext cx="2796732" cy="0"/>
             </a:xfrm>
             <a:custGeom>
@@ -8362,7 +8362,7 @@
           </p:nvSpPr>
           <p:spPr>
             <a:xfrm>
-              <a:off x="1459435" y="5560980"/>
+              <a:off x="1459435" y="5561005"/>
               <a:ext cx="2796732" cy="0"/>
             </a:xfrm>
             <a:custGeom>
@@ -8534,7 +8534,7 @@
           </p:nvSpPr>
           <p:spPr>
             <a:xfrm>
-              <a:off x="1940627" y="5532592"/>
+              <a:off x="2105846" y="5532601"/>
               <a:ext cx="63202" cy="63202"/>
             </a:xfrm>
             <a:custGeom>
@@ -8577,7 +8577,7 @@
           </p:nvSpPr>
           <p:spPr>
             <a:xfrm>
-              <a:off x="1697928" y="5559205"/>
+              <a:off x="2242624" y="5559182"/>
               <a:ext cx="63202" cy="63202"/>
             </a:xfrm>
             <a:custGeom>
@@ -8620,7 +8620,7 @@
           </p:nvSpPr>
           <p:spPr>
             <a:xfrm>
-              <a:off x="2219828" y="5486947"/>
+              <a:off x="2138680" y="5486952"/>
               <a:ext cx="63202" cy="63202"/>
             </a:xfrm>
             <a:custGeom>
@@ -8663,7 +8663,7 @@
           </p:nvSpPr>
           <p:spPr>
             <a:xfrm>
-              <a:off x="1969438" y="6103064"/>
+              <a:off x="2116397" y="6103025"/>
               <a:ext cx="63202" cy="63202"/>
             </a:xfrm>
             <a:custGeom>
@@ -8706,7 +8706,7 @@
           </p:nvSpPr>
           <p:spPr>
             <a:xfrm>
-              <a:off x="1863779" y="5991558"/>
+              <a:off x="1926857" y="5991598"/>
               <a:ext cx="63202" cy="63202"/>
             </a:xfrm>
             <a:custGeom>
@@ -8749,7 +8749,7 @@
           </p:nvSpPr>
           <p:spPr>
             <a:xfrm>
-              <a:off x="2182183" y="6021917"/>
+              <a:off x="2096651" y="6021937"/>
               <a:ext cx="63202" cy="63202"/>
             </a:xfrm>
             <a:custGeom>
@@ -8792,7 +8792,7 @@
           </p:nvSpPr>
           <p:spPr>
             <a:xfrm>
-              <a:off x="1979078" y="5889612"/>
+              <a:off x="1988108" y="5889596"/>
               <a:ext cx="63202" cy="63202"/>
             </a:xfrm>
             <a:custGeom>
@@ -8835,7 +8835,7 @@
           </p:nvSpPr>
           <p:spPr>
             <a:xfrm>
-              <a:off x="1852261" y="5865377"/>
+              <a:off x="2067600" y="5865397"/>
               <a:ext cx="63202" cy="63202"/>
             </a:xfrm>
             <a:custGeom>
@@ -8878,7 +8878,7 @@
           </p:nvSpPr>
           <p:spPr>
             <a:xfrm>
-              <a:off x="1879312" y="6374443"/>
+              <a:off x="2248437" y="6374445"/>
               <a:ext cx="63202" cy="63202"/>
             </a:xfrm>
             <a:custGeom>
@@ -8921,7 +8921,7 @@
           </p:nvSpPr>
           <p:spPr>
             <a:xfrm>
-              <a:off x="1785156" y="6368437"/>
+              <a:off x="2035890" y="6368408"/>
               <a:ext cx="63202" cy="63202"/>
             </a:xfrm>
             <a:custGeom>
@@ -8964,7 +8964,7 @@
           </p:nvSpPr>
           <p:spPr>
             <a:xfrm>
-              <a:off x="1968398" y="6029837"/>
+              <a:off x="1907178" y="6029872"/>
               <a:ext cx="63202" cy="63202"/>
             </a:xfrm>
             <a:custGeom>
@@ -9007,7 +9007,7 @@
           </p:nvSpPr>
           <p:spPr>
             <a:xfrm>
-              <a:off x="1840973" y="6165876"/>
+              <a:off x="2118000" y="6165899"/>
               <a:ext cx="63202" cy="63202"/>
             </a:xfrm>
             <a:custGeom>
@@ -9050,7 +9050,7 @@
           </p:nvSpPr>
           <p:spPr>
             <a:xfrm>
-              <a:off x="1707653" y="5960175"/>
+              <a:off x="2287528" y="5960187"/>
               <a:ext cx="63202" cy="63202"/>
             </a:xfrm>
             <a:custGeom>
@@ -9093,7 +9093,7 @@
           </p:nvSpPr>
           <p:spPr>
             <a:xfrm>
-              <a:off x="1632133" y="6053961"/>
+              <a:off x="1702388" y="6053975"/>
               <a:ext cx="63202" cy="63202"/>
             </a:xfrm>
             <a:custGeom>
@@ -9136,7 +9136,7 @@
           </p:nvSpPr>
           <p:spPr>
             <a:xfrm>
-              <a:off x="1843940" y="6291442"/>
+              <a:off x="2044915" y="6291404"/>
               <a:ext cx="63202" cy="63202"/>
             </a:xfrm>
             <a:custGeom>
@@ -9179,7 +9179,7 @@
           </p:nvSpPr>
           <p:spPr>
             <a:xfrm>
-              <a:off x="1649423" y="6048255"/>
+              <a:off x="1933115" y="6048262"/>
               <a:ext cx="63202" cy="63202"/>
             </a:xfrm>
             <a:custGeom>
@@ -9222,7 +9222,7 @@
           </p:nvSpPr>
           <p:spPr>
             <a:xfrm>
-              <a:off x="1919919" y="6101218"/>
+              <a:off x="1716046" y="6101200"/>
               <a:ext cx="63202" cy="63202"/>
             </a:xfrm>
             <a:custGeom>
@@ -9265,7 +9265,7 @@
           </p:nvSpPr>
           <p:spPr>
             <a:xfrm>
-              <a:off x="1949154" y="6056126"/>
+              <a:off x="2255851" y="6056126"/>
               <a:ext cx="63202" cy="63202"/>
             </a:xfrm>
             <a:custGeom>
@@ -9308,7 +9308,7 @@
           </p:nvSpPr>
           <p:spPr>
             <a:xfrm>
-              <a:off x="1992273" y="6028418"/>
+              <a:off x="2253588" y="6028416"/>
               <a:ext cx="63202" cy="63202"/>
             </a:xfrm>
             <a:custGeom>
@@ -9351,7 +9351,7 @@
           </p:nvSpPr>
           <p:spPr>
             <a:xfrm>
-              <a:off x="2291875" y="6068441"/>
+              <a:off x="1830777" y="6068421"/>
               <a:ext cx="63202" cy="63202"/>
             </a:xfrm>
             <a:custGeom>
@@ -9394,7 +9394,7 @@
           </p:nvSpPr>
           <p:spPr>
             <a:xfrm>
-              <a:off x="2087506" y="6046510"/>
+              <a:off x="2263217" y="6046470"/>
               <a:ext cx="63202" cy="63202"/>
             </a:xfrm>
             <a:custGeom>
@@ -9437,7 +9437,7 @@
           </p:nvSpPr>
           <p:spPr>
             <a:xfrm>
-              <a:off x="2212371" y="6010377"/>
+              <a:off x="1697585" y="6010390"/>
               <a:ext cx="63202" cy="63202"/>
             </a:xfrm>
             <a:custGeom>
@@ -9480,7 +9480,7 @@
           </p:nvSpPr>
           <p:spPr>
             <a:xfrm>
-              <a:off x="2232491" y="5834212"/>
+              <a:off x="1861422" y="5834204"/>
               <a:ext cx="63202" cy="63202"/>
             </a:xfrm>
             <a:custGeom>
@@ -9523,7 +9523,7 @@
           </p:nvSpPr>
           <p:spPr>
             <a:xfrm>
-              <a:off x="2039413" y="5881705"/>
+              <a:off x="1931130" y="5881745"/>
               <a:ext cx="63202" cy="63202"/>
             </a:xfrm>
             <a:custGeom>
@@ -9566,7 +9566,7 @@
           </p:nvSpPr>
           <p:spPr>
             <a:xfrm>
-              <a:off x="1687309" y="6187026"/>
+              <a:off x="1736501" y="6186998"/>
               <a:ext cx="63202" cy="63202"/>
             </a:xfrm>
             <a:custGeom>
@@ -9609,7 +9609,7 @@
           </p:nvSpPr>
           <p:spPr>
             <a:xfrm>
-              <a:off x="1700286" y="6469699"/>
+              <a:off x="1687122" y="6469676"/>
               <a:ext cx="63202" cy="63202"/>
             </a:xfrm>
             <a:custGeom>
@@ -9652,7 +9652,7 @@
           </p:nvSpPr>
           <p:spPr>
             <a:xfrm>
-              <a:off x="1892409" y="6363410"/>
+              <a:off x="1928942" y="6363396"/>
               <a:ext cx="63202" cy="63202"/>
             </a:xfrm>
             <a:custGeom>
@@ -9695,7 +9695,7 @@
           </p:nvSpPr>
           <p:spPr>
             <a:xfrm>
-              <a:off x="1683882" y="6475791"/>
+              <a:off x="2095881" y="6475794"/>
               <a:ext cx="63202" cy="63202"/>
             </a:xfrm>
             <a:custGeom>
@@ -9738,7 +9738,7 @@
           </p:nvSpPr>
           <p:spPr>
             <a:xfrm>
-              <a:off x="1898646" y="5951324"/>
+              <a:off x="2064550" y="5951303"/>
               <a:ext cx="63202" cy="63202"/>
             </a:xfrm>
             <a:custGeom>
@@ -9781,7 +9781,7 @@
           </p:nvSpPr>
           <p:spPr>
             <a:xfrm>
-              <a:off x="1887861" y="6017844"/>
+              <a:off x="2092786" y="6017828"/>
               <a:ext cx="63202" cy="63202"/>
             </a:xfrm>
             <a:custGeom>
@@ -9824,7 +9824,7 @@
           </p:nvSpPr>
           <p:spPr>
             <a:xfrm>
-              <a:off x="1634803" y="6557628"/>
+              <a:off x="2175241" y="6557600"/>
               <a:ext cx="63202" cy="63202"/>
             </a:xfrm>
             <a:custGeom>
@@ -9867,7 +9867,7 @@
           </p:nvSpPr>
           <p:spPr>
             <a:xfrm>
-              <a:off x="2176369" y="5516553"/>
+              <a:off x="1954761" y="5516553"/>
               <a:ext cx="63202" cy="63202"/>
             </a:xfrm>
             <a:custGeom>
@@ -9910,7 +9910,7 @@
           </p:nvSpPr>
           <p:spPr>
             <a:xfrm>
-              <a:off x="1626976" y="6028718"/>
+              <a:off x="1791232" y="6028705"/>
               <a:ext cx="63202" cy="63202"/>
             </a:xfrm>
             <a:custGeom>
@@ -9953,7 +9953,7 @@
           </p:nvSpPr>
           <p:spPr>
             <a:xfrm>
-              <a:off x="2163191" y="6055588"/>
+              <a:off x="2095666" y="6055571"/>
               <a:ext cx="63202" cy="63202"/>
             </a:xfrm>
             <a:custGeom>
@@ -9996,7 +9996,7 @@
           </p:nvSpPr>
           <p:spPr>
             <a:xfrm>
-              <a:off x="2276560" y="6126656"/>
+              <a:off x="2104678" y="6126686"/>
               <a:ext cx="63202" cy="63202"/>
             </a:xfrm>
             <a:custGeom>
@@ -10039,7 +10039,7 @@
           </p:nvSpPr>
           <p:spPr>
             <a:xfrm>
-              <a:off x="1781172" y="6103297"/>
+              <a:off x="1893776" y="6103336"/>
               <a:ext cx="63202" cy="63202"/>
             </a:xfrm>
             <a:custGeom>
@@ -10082,7 +10082,7 @@
           </p:nvSpPr>
           <p:spPr>
             <a:xfrm>
-              <a:off x="1637468" y="6063460"/>
+              <a:off x="2020492" y="6063457"/>
               <a:ext cx="63202" cy="63202"/>
             </a:xfrm>
             <a:custGeom>
@@ -10125,7 +10125,7 @@
           </p:nvSpPr>
           <p:spPr>
             <a:xfrm>
-              <a:off x="1804074" y="6190519"/>
+              <a:off x="2278168" y="6190536"/>
               <a:ext cx="63202" cy="63202"/>
             </a:xfrm>
             <a:custGeom>
@@ -10168,7 +10168,7 @@
           </p:nvSpPr>
           <p:spPr>
             <a:xfrm>
-              <a:off x="1868584" y="5707388"/>
+              <a:off x="1834309" y="5707409"/>
               <a:ext cx="63202" cy="63202"/>
             </a:xfrm>
             <a:custGeom>
@@ -10211,7 +10211,7 @@
           </p:nvSpPr>
           <p:spPr>
             <a:xfrm>
-              <a:off x="1899905" y="6258010"/>
+              <a:off x="1608479" y="6258027"/>
               <a:ext cx="63202" cy="63202"/>
             </a:xfrm>
             <a:custGeom>
@@ -10254,7 +10254,7 @@
           </p:nvSpPr>
           <p:spPr>
             <a:xfrm>
-              <a:off x="2186466" y="5471626"/>
+              <a:off x="2270411" y="5471615"/>
               <a:ext cx="63202" cy="63202"/>
             </a:xfrm>
             <a:custGeom>
@@ -10297,7 +10297,7 @@
           </p:nvSpPr>
           <p:spPr>
             <a:xfrm>
-              <a:off x="2104921" y="6179595"/>
+              <a:off x="1620341" y="6179592"/>
               <a:ext cx="63202" cy="63202"/>
             </a:xfrm>
             <a:custGeom>
@@ -10340,7 +10340,7 @@
           </p:nvSpPr>
           <p:spPr>
             <a:xfrm>
-              <a:off x="1735189" y="6043477"/>
+              <a:off x="2103172" y="6043495"/>
               <a:ext cx="63202" cy="63202"/>
             </a:xfrm>
             <a:custGeom>
@@ -10383,7 +10383,7 @@
           </p:nvSpPr>
           <p:spPr>
             <a:xfrm>
-              <a:off x="2237368" y="6259702"/>
+              <a:off x="2009526" y="6259739"/>
               <a:ext cx="63202" cy="63202"/>
             </a:xfrm>
             <a:custGeom>
@@ -10426,7 +10426,7 @@
           </p:nvSpPr>
           <p:spPr>
             <a:xfrm>
-              <a:off x="2280001" y="5443095"/>
+              <a:off x="2130443" y="5443122"/>
               <a:ext cx="63202" cy="63202"/>
             </a:xfrm>
             <a:custGeom>
@@ -10469,7 +10469,7 @@
           </p:nvSpPr>
           <p:spPr>
             <a:xfrm>
-              <a:off x="1934766" y="6060900"/>
+              <a:off x="1950874" y="6060909"/>
               <a:ext cx="63202" cy="63202"/>
             </a:xfrm>
             <a:custGeom>
@@ -10512,7 +10512,7 @@
           </p:nvSpPr>
           <p:spPr>
             <a:xfrm>
-              <a:off x="1846568" y="5966386"/>
+              <a:off x="1798978" y="5966379"/>
               <a:ext cx="63202" cy="63202"/>
             </a:xfrm>
             <a:custGeom>
@@ -10555,7 +10555,7 @@
           </p:nvSpPr>
           <p:spPr>
             <a:xfrm>
-              <a:off x="1997524" y="5952918"/>
+              <a:off x="1616365" y="5952944"/>
               <a:ext cx="63202" cy="63202"/>
             </a:xfrm>
             <a:custGeom>
@@ -10598,7 +10598,7 @@
           </p:nvSpPr>
           <p:spPr>
             <a:xfrm>
-              <a:off x="1691337" y="5434811"/>
+              <a:off x="1699001" y="5434841"/>
               <a:ext cx="63202" cy="63202"/>
             </a:xfrm>
             <a:custGeom>
@@ -10641,7 +10641,7 @@
           </p:nvSpPr>
           <p:spPr>
             <a:xfrm>
-              <a:off x="2132883" y="5936530"/>
+              <a:off x="1649479" y="5936531"/>
               <a:ext cx="63202" cy="63202"/>
             </a:xfrm>
             <a:custGeom>
@@ -10684,7 +10684,7 @@
           </p:nvSpPr>
           <p:spPr>
             <a:xfrm>
-              <a:off x="2089554" y="6019748"/>
+              <a:off x="1665115" y="6019767"/>
               <a:ext cx="63202" cy="63202"/>
             </a:xfrm>
             <a:custGeom>
@@ -10727,7 +10727,7 @@
           </p:nvSpPr>
           <p:spPr>
             <a:xfrm>
-              <a:off x="2069418" y="6139147"/>
+              <a:off x="2079256" y="6139160"/>
               <a:ext cx="63202" cy="63202"/>
             </a:xfrm>
             <a:custGeom>
@@ -10770,7 +10770,7 @@
           </p:nvSpPr>
           <p:spPr>
             <a:xfrm>
-              <a:off x="1941262" y="6013653"/>
+              <a:off x="2288901" y="6013636"/>
               <a:ext cx="63202" cy="63202"/>
             </a:xfrm>
             <a:custGeom>
@@ -10813,7 +10813,7 @@
           </p:nvSpPr>
           <p:spPr>
             <a:xfrm>
-              <a:off x="2094985" y="6021346"/>
+              <a:off x="1801721" y="6021381"/>
               <a:ext cx="63202" cy="63202"/>
             </a:xfrm>
             <a:custGeom>
@@ -10856,7 +10856,7 @@
           </p:nvSpPr>
           <p:spPr>
             <a:xfrm>
-              <a:off x="1672555" y="5703097"/>
+              <a:off x="2286363" y="5703133"/>
               <a:ext cx="63202" cy="63202"/>
             </a:xfrm>
             <a:custGeom>
@@ -10899,7 +10899,7 @@
           </p:nvSpPr>
           <p:spPr>
             <a:xfrm>
-              <a:off x="2008793" y="6179631"/>
+              <a:off x="1889827" y="6179619"/>
               <a:ext cx="63202" cy="63202"/>
             </a:xfrm>
             <a:custGeom>
@@ -10942,7 +10942,7 @@
           </p:nvSpPr>
           <p:spPr>
             <a:xfrm>
-              <a:off x="2056588" y="5944243"/>
+              <a:off x="1819662" y="5944257"/>
               <a:ext cx="63202" cy="63202"/>
             </a:xfrm>
             <a:custGeom>
@@ -10985,7 +10985,7 @@
           </p:nvSpPr>
           <p:spPr>
             <a:xfrm>
-              <a:off x="1632146" y="5474790"/>
+              <a:off x="1921567" y="5474841"/>
               <a:ext cx="63202" cy="63202"/>
             </a:xfrm>
             <a:custGeom>
@@ -11028,7 +11028,7 @@
           </p:nvSpPr>
           <p:spPr>
             <a:xfrm>
-              <a:off x="1985073" y="5472507"/>
+              <a:off x="2062796" y="5472518"/>
               <a:ext cx="63202" cy="63202"/>
             </a:xfrm>
             <a:custGeom>
@@ -11071,7 +11071,7 @@
           </p:nvSpPr>
           <p:spPr>
             <a:xfrm>
-              <a:off x="1687212" y="5472175"/>
+              <a:off x="1762226" y="5472178"/>
               <a:ext cx="63202" cy="63202"/>
             </a:xfrm>
             <a:custGeom>
@@ -11114,7 +11114,7 @@
           </p:nvSpPr>
           <p:spPr>
             <a:xfrm>
-              <a:off x="1704346" y="5472002"/>
+              <a:off x="2127926" y="5472014"/>
               <a:ext cx="63202" cy="63202"/>
             </a:xfrm>
             <a:custGeom>
@@ -11157,7 +11157,7 @@
           </p:nvSpPr>
           <p:spPr>
             <a:xfrm>
-              <a:off x="1668131" y="5471876"/>
+              <a:off x="1629496" y="5471914"/>
               <a:ext cx="63202" cy="63202"/>
             </a:xfrm>
             <a:custGeom>
@@ -11200,7 +11200,7 @@
           </p:nvSpPr>
           <p:spPr>
             <a:xfrm>
-              <a:off x="2261747" y="5740736"/>
+              <a:off x="1847173" y="5740754"/>
               <a:ext cx="63202" cy="63202"/>
             </a:xfrm>
             <a:custGeom>
@@ -11243,7 +11243,7 @@
           </p:nvSpPr>
           <p:spPr>
             <a:xfrm>
-              <a:off x="1842390" y="5730310"/>
+              <a:off x="1696689" y="5730320"/>
               <a:ext cx="63202" cy="63202"/>
             </a:xfrm>
             <a:custGeom>
@@ -11286,7 +11286,7 @@
           </p:nvSpPr>
           <p:spPr>
             <a:xfrm>
-              <a:off x="2158052" y="6144578"/>
+              <a:off x="1824418" y="6144592"/>
               <a:ext cx="63202" cy="63202"/>
             </a:xfrm>
             <a:custGeom>
@@ -11329,7 +11329,7 @@
           </p:nvSpPr>
           <p:spPr>
             <a:xfrm>
-              <a:off x="1763667" y="5487875"/>
+              <a:off x="2271361" y="5487909"/>
               <a:ext cx="63202" cy="63202"/>
             </a:xfrm>
             <a:custGeom>
@@ -11372,7 +11372,7 @@
           </p:nvSpPr>
           <p:spPr>
             <a:xfrm>
-              <a:off x="2301779" y="5875896"/>
+              <a:off x="2171478" y="5875904"/>
               <a:ext cx="63202" cy="63202"/>
             </a:xfrm>
             <a:custGeom>
@@ -11415,7 +11415,7 @@
           </p:nvSpPr>
           <p:spPr>
             <a:xfrm>
-              <a:off x="1925471" y="5752035"/>
+              <a:off x="1617249" y="5752075"/>
               <a:ext cx="63202" cy="63202"/>
             </a:xfrm>
             <a:custGeom>
@@ -11458,7 +11458,7 @@
           </p:nvSpPr>
           <p:spPr>
             <a:xfrm>
-              <a:off x="1919922" y="6161019"/>
+              <a:off x="2293198" y="6161033"/>
               <a:ext cx="63202" cy="63202"/>
             </a:xfrm>
             <a:custGeom>
@@ -11501,7 +11501,7 @@
           </p:nvSpPr>
           <p:spPr>
             <a:xfrm>
-              <a:off x="2076789" y="5498607"/>
+              <a:off x="2188200" y="5498650"/>
               <a:ext cx="63202" cy="63202"/>
             </a:xfrm>
             <a:custGeom>
@@ -11544,7 +11544,7 @@
           </p:nvSpPr>
           <p:spPr>
             <a:xfrm>
-              <a:off x="1856310" y="6036901"/>
+              <a:off x="1746078" y="6036903"/>
               <a:ext cx="63202" cy="63202"/>
             </a:xfrm>
             <a:custGeom>
@@ -11587,7 +11587,7 @@
           </p:nvSpPr>
           <p:spPr>
             <a:xfrm>
-              <a:off x="1706021" y="6366255"/>
+              <a:off x="2021675" y="6366209"/>
               <a:ext cx="63202" cy="63202"/>
             </a:xfrm>
             <a:custGeom>
@@ -11630,7 +11630,7 @@
           </p:nvSpPr>
           <p:spPr>
             <a:xfrm>
-              <a:off x="2148282" y="5718728"/>
+              <a:off x="2111408" y="5718735"/>
               <a:ext cx="63202" cy="63202"/>
             </a:xfrm>
             <a:custGeom>
@@ -11673,7 +11673,7 @@
           </p:nvSpPr>
           <p:spPr>
             <a:xfrm>
-              <a:off x="1776031" y="6433126"/>
+              <a:off x="2185004" y="6433128"/>
               <a:ext cx="63202" cy="63202"/>
             </a:xfrm>
             <a:custGeom>
@@ -11716,7 +11716,7 @@
           </p:nvSpPr>
           <p:spPr>
             <a:xfrm>
-              <a:off x="2094465" y="5464830"/>
+              <a:off x="1851310" y="5464823"/>
               <a:ext cx="63202" cy="63202"/>
             </a:xfrm>
             <a:custGeom>
@@ -11759,7 +11759,7 @@
           </p:nvSpPr>
           <p:spPr>
             <a:xfrm>
-              <a:off x="1710512" y="5659788"/>
+              <a:off x="1627999" y="5659823"/>
               <a:ext cx="63202" cy="63202"/>
             </a:xfrm>
             <a:custGeom>
@@ -11802,7 +11802,7 @@
           </p:nvSpPr>
           <p:spPr>
             <a:xfrm>
-              <a:off x="2100910" y="5601728"/>
+              <a:off x="2135859" y="5601745"/>
               <a:ext cx="63202" cy="63202"/>
             </a:xfrm>
             <a:custGeom>
@@ -11845,7 +11845,7 @@
           </p:nvSpPr>
           <p:spPr>
             <a:xfrm>
-              <a:off x="2082408" y="5646699"/>
+              <a:off x="1683362" y="5646726"/>
               <a:ext cx="63202" cy="63202"/>
             </a:xfrm>
             <a:custGeom>
@@ -11888,7 +11888,7 @@
           </p:nvSpPr>
           <p:spPr>
             <a:xfrm>
-              <a:off x="2108602" y="5454970"/>
+              <a:off x="1852262" y="5455000"/>
               <a:ext cx="63202" cy="63202"/>
             </a:xfrm>
             <a:custGeom>
@@ -11931,7 +11931,7 @@
           </p:nvSpPr>
           <p:spPr>
             <a:xfrm>
-              <a:off x="1629626" y="5452004"/>
+              <a:off x="1970675" y="5451988"/>
               <a:ext cx="63202" cy="63202"/>
             </a:xfrm>
             <a:custGeom>
@@ -11974,7 +11974,7 @@
           </p:nvSpPr>
           <p:spPr>
             <a:xfrm>
-              <a:off x="2175874" y="5699822"/>
+              <a:off x="1881864" y="5699873"/>
               <a:ext cx="63202" cy="63202"/>
             </a:xfrm>
             <a:custGeom>
@@ -12017,7 +12017,7 @@
           </p:nvSpPr>
           <p:spPr>
             <a:xfrm>
-              <a:off x="1890948" y="5688984"/>
+              <a:off x="1612982" y="5689024"/>
               <a:ext cx="63202" cy="63202"/>
             </a:xfrm>
             <a:custGeom>
@@ -12060,7 +12060,7 @@
           </p:nvSpPr>
           <p:spPr>
             <a:xfrm>
-              <a:off x="2194133" y="5469276"/>
+              <a:off x="2034444" y="5469329"/>
               <a:ext cx="63202" cy="63202"/>
             </a:xfrm>
             <a:custGeom>
@@ -12103,7 +12103,7 @@
           </p:nvSpPr>
           <p:spPr>
             <a:xfrm>
-              <a:off x="1667096" y="5477097"/>
+              <a:off x="1691032" y="5477129"/>
               <a:ext cx="63202" cy="63202"/>
             </a:xfrm>
             <a:custGeom>
@@ -12146,7 +12146,7 @@
           </p:nvSpPr>
           <p:spPr>
             <a:xfrm>
-              <a:off x="1829230" y="5477674"/>
+              <a:off x="2109746" y="5477698"/>
               <a:ext cx="63202" cy="63202"/>
             </a:xfrm>
             <a:custGeom>
@@ -12189,7 +12189,7 @@
           </p:nvSpPr>
           <p:spPr>
             <a:xfrm>
-              <a:off x="2160302" y="5536850"/>
+              <a:off x="1674429" y="5536860"/>
               <a:ext cx="63202" cy="63202"/>
             </a:xfrm>
             <a:custGeom>
@@ -12232,7 +12232,7 @@
           </p:nvSpPr>
           <p:spPr>
             <a:xfrm>
-              <a:off x="1718718" y="5466294"/>
+              <a:off x="2229941" y="5466339"/>
               <a:ext cx="63202" cy="63202"/>
             </a:xfrm>
             <a:custGeom>
@@ -12275,7 +12275,7 @@
           </p:nvSpPr>
           <p:spPr>
             <a:xfrm>
-              <a:off x="1770798" y="6017852"/>
+              <a:off x="2262881" y="6017833"/>
               <a:ext cx="63202" cy="63202"/>
             </a:xfrm>
             <a:custGeom>
@@ -12318,7 +12318,7 @@
           </p:nvSpPr>
           <p:spPr>
             <a:xfrm>
-              <a:off x="1654083" y="5490157"/>
+              <a:off x="1757075" y="5490147"/>
               <a:ext cx="63202" cy="63202"/>
             </a:xfrm>
             <a:custGeom>
@@ -12361,7 +12361,7 @@
           </p:nvSpPr>
           <p:spPr>
             <a:xfrm>
-              <a:off x="1988359" y="5399710"/>
+              <a:off x="1884737" y="5399720"/>
               <a:ext cx="63202" cy="63202"/>
             </a:xfrm>
             <a:custGeom>
@@ -12404,7 +12404,7 @@
           </p:nvSpPr>
           <p:spPr>
             <a:xfrm>
-              <a:off x="2178916" y="5885980"/>
+              <a:off x="2220576" y="5885996"/>
               <a:ext cx="63202" cy="63202"/>
             </a:xfrm>
             <a:custGeom>
@@ -12447,7 +12447,7 @@
           </p:nvSpPr>
           <p:spPr>
             <a:xfrm>
-              <a:off x="1804769" y="6400204"/>
+              <a:off x="1742585" y="6400154"/>
               <a:ext cx="63202" cy="63202"/>
             </a:xfrm>
             <a:custGeom>
@@ -12490,7 +12490,7 @@
           </p:nvSpPr>
           <p:spPr>
             <a:xfrm>
-              <a:off x="2254527" y="5979981"/>
+              <a:off x="1616220" y="5979953"/>
               <a:ext cx="63202" cy="63202"/>
             </a:xfrm>
             <a:custGeom>
@@ -12533,7 +12533,7 @@
           </p:nvSpPr>
           <p:spPr>
             <a:xfrm>
-              <a:off x="1784022" y="5965085"/>
+              <a:off x="2200654" y="5965092"/>
               <a:ext cx="63202" cy="63202"/>
             </a:xfrm>
             <a:custGeom>
@@ -12576,7 +12576,7 @@
           </p:nvSpPr>
           <p:spPr>
             <a:xfrm>
-              <a:off x="1955558" y="5458920"/>
+              <a:off x="2122322" y="5458924"/>
               <a:ext cx="63202" cy="63202"/>
             </a:xfrm>
             <a:custGeom>
@@ -12619,7 +12619,7 @@
           </p:nvSpPr>
           <p:spPr>
             <a:xfrm>
-              <a:off x="1988554" y="5550080"/>
+              <a:off x="1818041" y="5550100"/>
               <a:ext cx="63202" cy="63202"/>
             </a:xfrm>
             <a:custGeom>
@@ -12662,7 +12662,7 @@
           </p:nvSpPr>
           <p:spPr>
             <a:xfrm>
-              <a:off x="1854028" y="5970498"/>
+              <a:off x="2054365" y="5970528"/>
               <a:ext cx="63202" cy="63202"/>
             </a:xfrm>
             <a:custGeom>
@@ -12705,7 +12705,7 @@
           </p:nvSpPr>
           <p:spPr>
             <a:xfrm>
-              <a:off x="1804394" y="5983960"/>
+              <a:off x="2108944" y="5983991"/>
               <a:ext cx="63202" cy="63202"/>
             </a:xfrm>
             <a:custGeom>
@@ -12748,7 +12748,7 @@
           </p:nvSpPr>
           <p:spPr>
             <a:xfrm>
-              <a:off x="2011720" y="5981460"/>
+              <a:off x="1649068" y="5981480"/>
               <a:ext cx="63202" cy="63202"/>
             </a:xfrm>
             <a:custGeom>
@@ -12791,7 +12791,7 @@
           </p:nvSpPr>
           <p:spPr>
             <a:xfrm>
-              <a:off x="2018410" y="6130343"/>
+              <a:off x="2284656" y="6130351"/>
               <a:ext cx="63202" cy="63202"/>
             </a:xfrm>
             <a:custGeom>
@@ -12834,7 +12834,7 @@
           </p:nvSpPr>
           <p:spPr>
             <a:xfrm>
-              <a:off x="2105380" y="6050674"/>
+              <a:off x="2052920" y="6050711"/>
               <a:ext cx="63202" cy="63202"/>
             </a:xfrm>
             <a:custGeom>
@@ -12877,7 +12877,7 @@
           </p:nvSpPr>
           <p:spPr>
             <a:xfrm>
-              <a:off x="2131396" y="5483715"/>
+              <a:off x="1642734" y="5483711"/>
               <a:ext cx="63202" cy="63202"/>
             </a:xfrm>
             <a:custGeom>
@@ -12920,7 +12920,7 @@
           </p:nvSpPr>
           <p:spPr>
             <a:xfrm>
-              <a:off x="1876911" y="6127463"/>
+              <a:off x="2112833" y="6127470"/>
               <a:ext cx="63202" cy="63202"/>
             </a:xfrm>
             <a:custGeom>
@@ -12963,7 +12963,7 @@
           </p:nvSpPr>
           <p:spPr>
             <a:xfrm>
-              <a:off x="1726073" y="6135824"/>
+              <a:off x="1624085" y="6135834"/>
               <a:ext cx="63202" cy="63202"/>
             </a:xfrm>
             <a:custGeom>
@@ -13006,7 +13006,7 @@
           </p:nvSpPr>
           <p:spPr>
             <a:xfrm>
-              <a:off x="1781630" y="6090741"/>
+              <a:off x="1811463" y="6090735"/>
               <a:ext cx="63202" cy="63202"/>
             </a:xfrm>
             <a:custGeom>
@@ -13049,7 +13049,7 @@
           </p:nvSpPr>
           <p:spPr>
             <a:xfrm>
-              <a:off x="1687934" y="6225835"/>
+              <a:off x="1631001" y="6225830"/>
               <a:ext cx="63202" cy="63202"/>
             </a:xfrm>
             <a:custGeom>
@@ -13092,7 +13092,7 @@
           </p:nvSpPr>
           <p:spPr>
             <a:xfrm>
-              <a:off x="1855087" y="6135651"/>
+              <a:off x="1702996" y="6135631"/>
               <a:ext cx="63202" cy="63202"/>
             </a:xfrm>
             <a:custGeom>
@@ -13135,7 +13135,7 @@
           </p:nvSpPr>
           <p:spPr>
             <a:xfrm>
-              <a:off x="2034842" y="5570564"/>
+              <a:off x="1789637" y="5570599"/>
               <a:ext cx="63202" cy="63202"/>
             </a:xfrm>
             <a:custGeom>
@@ -13178,7 +13178,7 @@
           </p:nvSpPr>
           <p:spPr>
             <a:xfrm>
-              <a:off x="1657380" y="6322525"/>
+              <a:off x="2129716" y="6322534"/>
               <a:ext cx="63202" cy="63202"/>
             </a:xfrm>
             <a:custGeom>
@@ -13221,7 +13221,7 @@
           </p:nvSpPr>
           <p:spPr>
             <a:xfrm>
-              <a:off x="2251851" y="6102238"/>
+              <a:off x="2199206" y="6102223"/>
               <a:ext cx="63202" cy="63202"/>
             </a:xfrm>
             <a:custGeom>
@@ -13264,7 +13264,7 @@
           </p:nvSpPr>
           <p:spPr>
             <a:xfrm>
-              <a:off x="1707776" y="5492709"/>
+              <a:off x="1612205" y="5492743"/>
               <a:ext cx="63202" cy="63202"/>
             </a:xfrm>
             <a:custGeom>
@@ -13307,7 +13307,7 @@
           </p:nvSpPr>
           <p:spPr>
             <a:xfrm>
-              <a:off x="1951195" y="5489026"/>
+              <a:off x="1692665" y="5489089"/>
               <a:ext cx="63202" cy="63202"/>
             </a:xfrm>
             <a:custGeom>
@@ -13350,7 +13350,7 @@
           </p:nvSpPr>
           <p:spPr>
             <a:xfrm>
-              <a:off x="1960480" y="5514575"/>
+              <a:off x="2216100" y="5514593"/>
               <a:ext cx="63202" cy="63202"/>
             </a:xfrm>
             <a:custGeom>
@@ -13393,7 +13393,7 @@
           </p:nvSpPr>
           <p:spPr>
             <a:xfrm>
-              <a:off x="2141203" y="5501767"/>
+              <a:off x="1709860" y="5501779"/>
               <a:ext cx="63202" cy="63202"/>
             </a:xfrm>
             <a:custGeom>
@@ -13436,7 +13436,7 @@
           </p:nvSpPr>
           <p:spPr>
             <a:xfrm>
-              <a:off x="2007146" y="5693263"/>
+              <a:off x="1643721" y="5693303"/>
               <a:ext cx="63202" cy="63202"/>
             </a:xfrm>
             <a:custGeom>
@@ -13479,7 +13479,7 @@
           </p:nvSpPr>
           <p:spPr>
             <a:xfrm>
-              <a:off x="1737272" y="6535871"/>
+              <a:off x="2098997" y="6535863"/>
               <a:ext cx="63202" cy="63202"/>
             </a:xfrm>
             <a:custGeom>
@@ -13522,7 +13522,7 @@
           </p:nvSpPr>
           <p:spPr>
             <a:xfrm>
-              <a:off x="1769004" y="5933339"/>
+              <a:off x="2037104" y="5933319"/>
               <a:ext cx="63202" cy="63202"/>
             </a:xfrm>
             <a:custGeom>
@@ -13565,7 +13565,7 @@
           </p:nvSpPr>
           <p:spPr>
             <a:xfrm>
-              <a:off x="2266500" y="5872675"/>
+              <a:off x="2119558" y="5872717"/>
               <a:ext cx="63202" cy="63202"/>
             </a:xfrm>
             <a:custGeom>
@@ -13608,7 +13608,7 @@
           </p:nvSpPr>
           <p:spPr>
             <a:xfrm>
-              <a:off x="2196043" y="6538668"/>
+              <a:off x="1676200" y="6538649"/>
               <a:ext cx="63202" cy="63202"/>
             </a:xfrm>
             <a:custGeom>
@@ -13651,7 +13651,7 @@
           </p:nvSpPr>
           <p:spPr>
             <a:xfrm>
-              <a:off x="1816192" y="6089619"/>
+              <a:off x="1776246" y="6089573"/>
               <a:ext cx="63202" cy="63202"/>
             </a:xfrm>
             <a:custGeom>
@@ -13750,7 +13750,7 @@
           </p:nvSpPr>
           <p:spPr>
             <a:xfrm>
-              <a:off x="4325757" y="2898366"/>
+              <a:off x="4325757" y="2898347"/>
               <a:ext cx="2796732" cy="0"/>
             </a:xfrm>
             <a:custGeom>
@@ -13793,7 +13793,7 @@
           </p:nvSpPr>
           <p:spPr>
             <a:xfrm>
-              <a:off x="4325757" y="2558923"/>
+              <a:off x="4325757" y="2558916"/>
               <a:ext cx="2796732" cy="0"/>
             </a:xfrm>
             <a:custGeom>
@@ -13836,7 +13836,7 @@
           </p:nvSpPr>
           <p:spPr>
             <a:xfrm>
-              <a:off x="4325757" y="2219479"/>
+              <a:off x="4325757" y="2219486"/>
               <a:ext cx="2796732" cy="0"/>
             </a:xfrm>
             <a:custGeom>
@@ -13879,7 +13879,7 @@
           </p:nvSpPr>
           <p:spPr>
             <a:xfrm>
-              <a:off x="4325757" y="1880036"/>
+              <a:off x="4325757" y="1880055"/>
               <a:ext cx="2796732" cy="0"/>
             </a:xfrm>
             <a:custGeom>
@@ -13922,7 +13922,7 @@
           </p:nvSpPr>
           <p:spPr>
             <a:xfrm>
-              <a:off x="4325757" y="1540593"/>
+              <a:off x="4325757" y="1540624"/>
               <a:ext cx="2796732" cy="0"/>
             </a:xfrm>
             <a:custGeom>
@@ -13965,7 +13965,7 @@
           </p:nvSpPr>
           <p:spPr>
             <a:xfrm>
-              <a:off x="4325757" y="2728644"/>
+              <a:off x="4325757" y="2728631"/>
               <a:ext cx="2796732" cy="0"/>
             </a:xfrm>
             <a:custGeom>
@@ -14051,7 +14051,7 @@
           </p:nvSpPr>
           <p:spPr>
             <a:xfrm>
-              <a:off x="4325757" y="2049758"/>
+              <a:off x="4325757" y="2049770"/>
               <a:ext cx="2796732" cy="0"/>
             </a:xfrm>
             <a:custGeom>
@@ -14094,7 +14094,7 @@
           </p:nvSpPr>
           <p:spPr>
             <a:xfrm>
-              <a:off x="4325757" y="1710315"/>
+              <a:off x="4325757" y="1710340"/>
               <a:ext cx="2796732" cy="0"/>
             </a:xfrm>
             <a:custGeom>
@@ -14266,7 +14266,7 @@
           </p:nvSpPr>
           <p:spPr>
             <a:xfrm>
-              <a:off x="5022042" y="1898616"/>
+              <a:off x="4587374" y="1898595"/>
               <a:ext cx="63202" cy="63202"/>
             </a:xfrm>
             <a:custGeom>
@@ -14309,7 +14309,7 @@
           </p:nvSpPr>
           <p:spPr>
             <a:xfrm>
-              <a:off x="4992720" y="1950629"/>
+              <a:off x="4560328" y="1950624"/>
               <a:ext cx="63202" cy="63202"/>
             </a:xfrm>
             <a:custGeom>
@@ -14352,7 +14352,7 @@
           </p:nvSpPr>
           <p:spPr>
             <a:xfrm>
-              <a:off x="4488352" y="2305105"/>
+              <a:off x="4622175" y="2305103"/>
               <a:ext cx="63202" cy="63202"/>
             </a:xfrm>
             <a:custGeom>
@@ -14395,7 +14395,7 @@
           </p:nvSpPr>
           <p:spPr>
             <a:xfrm>
-              <a:off x="4772910" y="1882778"/>
+              <a:off x="5101322" y="1882812"/>
               <a:ext cx="63202" cy="63202"/>
             </a:xfrm>
             <a:custGeom>
@@ -14438,7 +14438,7 @@
           </p:nvSpPr>
           <p:spPr>
             <a:xfrm>
-              <a:off x="4594802" y="1989722"/>
+              <a:off x="5089508" y="1989729"/>
               <a:ext cx="63202" cy="63202"/>
             </a:xfrm>
             <a:custGeom>
@@ -14481,7 +14481,7 @@
           </p:nvSpPr>
           <p:spPr>
             <a:xfrm>
-              <a:off x="5072555" y="2347967"/>
+              <a:off x="4573328" y="2347960"/>
               <a:ext cx="63202" cy="63202"/>
             </a:xfrm>
             <a:custGeom>
@@ -14524,7 +14524,7 @@
           </p:nvSpPr>
           <p:spPr>
             <a:xfrm>
-              <a:off x="4894083" y="1942130"/>
+              <a:off x="4634283" y="1942142"/>
               <a:ext cx="63202" cy="63202"/>
             </a:xfrm>
             <a:custGeom>
@@ -14567,7 +14567,7 @@
           </p:nvSpPr>
           <p:spPr>
             <a:xfrm>
-              <a:off x="5509586" y="2921266"/>
+              <a:off x="5645744" y="2921261"/>
               <a:ext cx="63202" cy="63202"/>
             </a:xfrm>
             <a:custGeom>
@@ -14610,7 +14610,7 @@
           </p:nvSpPr>
           <p:spPr>
             <a:xfrm>
-              <a:off x="4802085" y="1900829"/>
+              <a:off x="5167343" y="1900842"/>
               <a:ext cx="63202" cy="63202"/>
             </a:xfrm>
             <a:custGeom>
@@ -14653,7 +14653,7 @@
           </p:nvSpPr>
           <p:spPr>
             <a:xfrm>
-              <a:off x="4585958" y="2408392"/>
+              <a:off x="4523158" y="2408358"/>
               <a:ext cx="63202" cy="63202"/>
             </a:xfrm>
             <a:custGeom>
@@ -14696,7 +14696,7 @@
           </p:nvSpPr>
           <p:spPr>
             <a:xfrm>
-              <a:off x="4659533" y="2774845"/>
+              <a:off x="4972861" y="2774834"/>
               <a:ext cx="63202" cy="63202"/>
             </a:xfrm>
             <a:custGeom>
@@ -14739,7 +14739,7 @@
           </p:nvSpPr>
           <p:spPr>
             <a:xfrm>
-              <a:off x="4906039" y="1905005"/>
+              <a:off x="4502487" y="1904989"/>
               <a:ext cx="63202" cy="63202"/>
             </a:xfrm>
             <a:custGeom>
@@ -14782,7 +14782,7 @@
           </p:nvSpPr>
           <p:spPr>
             <a:xfrm>
-              <a:off x="4816061" y="1894331"/>
+              <a:off x="4966510" y="1894336"/>
               <a:ext cx="63202" cy="63202"/>
             </a:xfrm>
             <a:custGeom>
@@ -14825,7 +14825,7 @@
           </p:nvSpPr>
           <p:spPr>
             <a:xfrm>
-              <a:off x="5111626" y="1933144"/>
+              <a:off x="4625252" y="1933149"/>
               <a:ext cx="63202" cy="63202"/>
             </a:xfrm>
             <a:custGeom>
@@ -14868,7 +14868,7 @@
           </p:nvSpPr>
           <p:spPr>
             <a:xfrm>
-              <a:off x="5163157" y="1965954"/>
+              <a:off x="4699733" y="1965950"/>
               <a:ext cx="63202" cy="63202"/>
             </a:xfrm>
             <a:custGeom>
@@ -14911,7 +14911,7 @@
           </p:nvSpPr>
           <p:spPr>
             <a:xfrm>
-              <a:off x="4835507" y="1947258"/>
+              <a:off x="4556051" y="1947319"/>
               <a:ext cx="63202" cy="63202"/>
             </a:xfrm>
             <a:custGeom>
@@ -14954,7 +14954,7 @@
           </p:nvSpPr>
           <p:spPr>
             <a:xfrm>
-              <a:off x="4720001" y="1976024"/>
+              <a:off x="4821918" y="1976032"/>
               <a:ext cx="63202" cy="63202"/>
             </a:xfrm>
             <a:custGeom>
@@ -14997,7 +14997,7 @@
           </p:nvSpPr>
           <p:spPr>
             <a:xfrm>
-              <a:off x="4924498" y="1935964"/>
+              <a:off x="4792528" y="1935933"/>
               <a:ext cx="63202" cy="63202"/>
             </a:xfrm>
             <a:custGeom>
@@ -15040,7 +15040,7 @@
           </p:nvSpPr>
           <p:spPr>
             <a:xfrm>
-              <a:off x="5021464" y="1930057"/>
+              <a:off x="5087156" y="1930033"/>
               <a:ext cx="63202" cy="63202"/>
             </a:xfrm>
             <a:custGeom>
@@ -15083,7 +15083,7 @@
           </p:nvSpPr>
           <p:spPr>
             <a:xfrm>
-              <a:off x="5071903" y="2152561"/>
+              <a:off x="4543151" y="2152587"/>
               <a:ext cx="63202" cy="63202"/>
             </a:xfrm>
             <a:custGeom>
@@ -15126,7 +15126,7 @@
           </p:nvSpPr>
           <p:spPr>
             <a:xfrm>
-              <a:off x="4933398" y="1928314"/>
+              <a:off x="4491949" y="1928365"/>
               <a:ext cx="63202" cy="63202"/>
             </a:xfrm>
             <a:custGeom>
@@ -15169,7 +15169,7 @@
           </p:nvSpPr>
           <p:spPr>
             <a:xfrm>
-              <a:off x="4758204" y="2131081"/>
+              <a:off x="4838116" y="2131076"/>
               <a:ext cx="63202" cy="63202"/>
             </a:xfrm>
             <a:custGeom>
@@ -15212,7 +15212,7 @@
           </p:nvSpPr>
           <p:spPr>
             <a:xfrm>
-              <a:off x="4890750" y="2264259"/>
+              <a:off x="4650025" y="2264273"/>
               <a:ext cx="63202" cy="63202"/>
             </a:xfrm>
             <a:custGeom>
@@ -15255,7 +15255,7 @@
           </p:nvSpPr>
           <p:spPr>
             <a:xfrm>
-              <a:off x="5052564" y="2219633"/>
+              <a:off x="4896332" y="2219632"/>
               <a:ext cx="63202" cy="63202"/>
             </a:xfrm>
             <a:custGeom>
@@ -15298,7 +15298,7 @@
           </p:nvSpPr>
           <p:spPr>
             <a:xfrm>
-              <a:off x="4655023" y="2145565"/>
+              <a:off x="4983362" y="2145576"/>
               <a:ext cx="63202" cy="63202"/>
             </a:xfrm>
             <a:custGeom>
@@ -15341,7 +15341,7 @@
           </p:nvSpPr>
           <p:spPr>
             <a:xfrm>
-              <a:off x="4958342" y="1936280"/>
+              <a:off x="4766545" y="1936304"/>
               <a:ext cx="63202" cy="63202"/>
             </a:xfrm>
             <a:custGeom>
@@ -15384,7 +15384,7 @@
           </p:nvSpPr>
           <p:spPr>
             <a:xfrm>
-              <a:off x="4923295" y="2299952"/>
+              <a:off x="4697443" y="2299969"/>
               <a:ext cx="63202" cy="63202"/>
             </a:xfrm>
             <a:custGeom>
@@ -15427,7 +15427,7 @@
           </p:nvSpPr>
           <p:spPr>
             <a:xfrm>
-              <a:off x="4775117" y="1936957"/>
+              <a:off x="4714641" y="1936965"/>
               <a:ext cx="63202" cy="63202"/>
             </a:xfrm>
             <a:custGeom>
@@ -15470,7 +15470,7 @@
           </p:nvSpPr>
           <p:spPr>
             <a:xfrm>
-              <a:off x="4961993" y="1968554"/>
+              <a:off x="4705389" y="1968567"/>
               <a:ext cx="63202" cy="63202"/>
             </a:xfrm>
             <a:custGeom>
@@ -15513,7 +15513,7 @@
           </p:nvSpPr>
           <p:spPr>
             <a:xfrm>
-              <a:off x="4676184" y="2494645"/>
+              <a:off x="5096337" y="2494654"/>
               <a:ext cx="63202" cy="63202"/>
             </a:xfrm>
             <a:custGeom>
@@ -15556,7 +15556,7 @@
           </p:nvSpPr>
           <p:spPr>
             <a:xfrm>
-              <a:off x="5095944" y="2022079"/>
+              <a:off x="4554086" y="2022128"/>
               <a:ext cx="63202" cy="63202"/>
             </a:xfrm>
             <a:custGeom>
@@ -15599,7 +15599,7 @@
           </p:nvSpPr>
           <p:spPr>
             <a:xfrm>
-              <a:off x="4785706" y="1928832"/>
+              <a:off x="4518243" y="1928813"/>
               <a:ext cx="63202" cy="63202"/>
             </a:xfrm>
             <a:custGeom>
@@ -15642,7 +15642,7 @@
           </p:nvSpPr>
           <p:spPr>
             <a:xfrm>
-              <a:off x="4658476" y="2399532"/>
+              <a:off x="4580260" y="2399565"/>
               <a:ext cx="63202" cy="63202"/>
             </a:xfrm>
             <a:custGeom>
@@ -15685,7 +15685,7 @@
           </p:nvSpPr>
           <p:spPr>
             <a:xfrm>
-              <a:off x="4718140" y="2114601"/>
+              <a:off x="5006669" y="2114619"/>
               <a:ext cx="63202" cy="63202"/>
             </a:xfrm>
             <a:custGeom>
@@ -15728,7 +15728,7 @@
           </p:nvSpPr>
           <p:spPr>
             <a:xfrm>
-              <a:off x="5015714" y="1952167"/>
+              <a:off x="4964505" y="1952158"/>
               <a:ext cx="63202" cy="63202"/>
             </a:xfrm>
             <a:custGeom>
@@ -15771,7 +15771,7 @@
           </p:nvSpPr>
           <p:spPr>
             <a:xfrm>
-              <a:off x="4966666" y="1949465"/>
+              <a:off x="4658804" y="1949455"/>
               <a:ext cx="63202" cy="63202"/>
             </a:xfrm>
             <a:custGeom>
@@ -15814,7 +15814,7 @@
           </p:nvSpPr>
           <p:spPr>
             <a:xfrm>
-              <a:off x="5017662" y="1886833"/>
+              <a:off x="4682520" y="1886892"/>
               <a:ext cx="63202" cy="63202"/>
             </a:xfrm>
             <a:custGeom>
@@ -15857,7 +15857,7 @@
           </p:nvSpPr>
           <p:spPr>
             <a:xfrm>
-              <a:off x="4841880" y="1886877"/>
+              <a:off x="4741892" y="1886886"/>
               <a:ext cx="63202" cy="63202"/>
             </a:xfrm>
             <a:custGeom>
@@ -15900,7 +15900,7 @@
           </p:nvSpPr>
           <p:spPr>
             <a:xfrm>
-              <a:off x="4715875" y="1983878"/>
+              <a:off x="4940594" y="1983893"/>
               <a:ext cx="63202" cy="63202"/>
             </a:xfrm>
             <a:custGeom>
@@ -15943,7 +15943,7 @@
           </p:nvSpPr>
           <p:spPr>
             <a:xfrm>
-              <a:off x="4982248" y="2415598"/>
+              <a:off x="4887563" y="2415566"/>
               <a:ext cx="63202" cy="63202"/>
             </a:xfrm>
             <a:custGeom>
@@ -15986,7 +15986,7 @@
           </p:nvSpPr>
           <p:spPr>
             <a:xfrm>
-              <a:off x="4503702" y="1978771"/>
+              <a:off x="4697085" y="1978784"/>
               <a:ext cx="63202" cy="63202"/>
             </a:xfrm>
             <a:custGeom>
@@ -16029,7 +16029,7 @@
           </p:nvSpPr>
           <p:spPr>
             <a:xfrm>
-              <a:off x="4862296" y="1957380"/>
+              <a:off x="4840319" y="1957433"/>
               <a:ext cx="63202" cy="63202"/>
             </a:xfrm>
             <a:custGeom>
@@ -16072,7 +16072,7 @@
           </p:nvSpPr>
           <p:spPr>
             <a:xfrm>
-              <a:off x="4939157" y="1840299"/>
+              <a:off x="4756328" y="1840331"/>
               <a:ext cx="63202" cy="63202"/>
             </a:xfrm>
             <a:custGeom>
@@ -16115,7 +16115,7 @@
           </p:nvSpPr>
           <p:spPr>
             <a:xfrm>
-              <a:off x="4954751" y="2255138"/>
+              <a:off x="5054643" y="2255134"/>
               <a:ext cx="63202" cy="63202"/>
             </a:xfrm>
             <a:custGeom>
@@ -16158,7 +16158,7 @@
           </p:nvSpPr>
           <p:spPr>
             <a:xfrm>
-              <a:off x="4491407" y="1877705"/>
+              <a:off x="4553008" y="1877716"/>
               <a:ext cx="63202" cy="63202"/>
             </a:xfrm>
             <a:custGeom>
@@ -16201,7 +16201,7 @@
           </p:nvSpPr>
           <p:spPr>
             <a:xfrm>
-              <a:off x="4858938" y="2010147"/>
+              <a:off x="4640144" y="2010164"/>
               <a:ext cx="63202" cy="63202"/>
             </a:xfrm>
             <a:custGeom>
@@ -16244,7 +16244,7 @@
           </p:nvSpPr>
           <p:spPr>
             <a:xfrm>
-              <a:off x="5042042" y="2056184"/>
+              <a:off x="5162296" y="2056183"/>
               <a:ext cx="63202" cy="63202"/>
             </a:xfrm>
             <a:custGeom>
@@ -16287,7 +16287,7 @@
           </p:nvSpPr>
           <p:spPr>
             <a:xfrm>
-              <a:off x="5126249" y="1946418"/>
+              <a:off x="4709319" y="1946400"/>
               <a:ext cx="63202" cy="63202"/>
             </a:xfrm>
             <a:custGeom>
@@ -16330,7 +16330,7 @@
           </p:nvSpPr>
           <p:spPr>
             <a:xfrm>
-              <a:off x="4721387" y="2631687"/>
+              <a:off x="5151792" y="2631638"/>
               <a:ext cx="63202" cy="63202"/>
             </a:xfrm>
             <a:custGeom>
@@ -16373,7 +16373,7 @@
           </p:nvSpPr>
           <p:spPr>
             <a:xfrm>
-              <a:off x="4986090" y="2643075"/>
+              <a:off x="5073326" y="2643050"/>
               <a:ext cx="63202" cy="63202"/>
             </a:xfrm>
             <a:custGeom>
@@ -16416,7 +16416,7 @@
           </p:nvSpPr>
           <p:spPr>
             <a:xfrm>
-              <a:off x="4909592" y="2017282"/>
+              <a:off x="5116806" y="2017304"/>
               <a:ext cx="63202" cy="63202"/>
             </a:xfrm>
             <a:custGeom>
@@ -16459,7 +16459,7 @@
           </p:nvSpPr>
           <p:spPr>
             <a:xfrm>
-              <a:off x="4863765" y="2218447"/>
+              <a:off x="4597140" y="2218425"/>
               <a:ext cx="63202" cy="63202"/>
             </a:xfrm>
             <a:custGeom>
@@ -16502,7 +16502,7 @@
           </p:nvSpPr>
           <p:spPr>
             <a:xfrm>
-              <a:off x="5035203" y="2495264"/>
+              <a:off x="4820233" y="2495298"/>
               <a:ext cx="63202" cy="63202"/>
             </a:xfrm>
             <a:custGeom>
@@ -16545,7 +16545,7 @@
           </p:nvSpPr>
           <p:spPr>
             <a:xfrm>
-              <a:off x="4633912" y="1950272"/>
+              <a:off x="4835583" y="1950272"/>
               <a:ext cx="63202" cy="63202"/>
             </a:xfrm>
             <a:custGeom>
@@ -16588,7 +16588,7 @@
           </p:nvSpPr>
           <p:spPr>
             <a:xfrm>
-              <a:off x="4716021" y="2058366"/>
+              <a:off x="4961151" y="2058383"/>
               <a:ext cx="63202" cy="63202"/>
             </a:xfrm>
             <a:custGeom>
@@ -16631,7 +16631,7 @@
           </p:nvSpPr>
           <p:spPr>
             <a:xfrm>
-              <a:off x="4859310" y="1902250"/>
+              <a:off x="4898999" y="1902260"/>
               <a:ext cx="63202" cy="63202"/>
             </a:xfrm>
             <a:custGeom>
@@ -16674,7 +16674,7 @@
           </p:nvSpPr>
           <p:spPr>
             <a:xfrm>
-              <a:off x="4802713" y="2710844"/>
+              <a:off x="4585168" y="2710803"/>
               <a:ext cx="63202" cy="63202"/>
             </a:xfrm>
             <a:custGeom>
@@ -16717,7 +16717,7 @@
           </p:nvSpPr>
           <p:spPr>
             <a:xfrm>
-              <a:off x="4474330" y="1941930"/>
+              <a:off x="4605119" y="1941934"/>
               <a:ext cx="63202" cy="63202"/>
             </a:xfrm>
             <a:custGeom>
@@ -16760,7 +16760,7 @@
           </p:nvSpPr>
           <p:spPr>
             <a:xfrm>
-              <a:off x="4948108" y="2017285"/>
+              <a:off x="5104438" y="2017264"/>
               <a:ext cx="63202" cy="63202"/>
             </a:xfrm>
             <a:custGeom>
@@ -16803,7 +16803,7 @@
           </p:nvSpPr>
           <p:spPr>
             <a:xfrm>
-              <a:off x="4642239" y="2536506"/>
+              <a:off x="4924759" y="2536467"/>
               <a:ext cx="63202" cy="63202"/>
             </a:xfrm>
             <a:custGeom>
@@ -16846,7 +16846,7 @@
           </p:nvSpPr>
           <p:spPr>
             <a:xfrm>
-              <a:off x="5081210" y="2042190"/>
+              <a:off x="5126496" y="2042197"/>
               <a:ext cx="63202" cy="63202"/>
             </a:xfrm>
             <a:custGeom>
@@ -16889,7 +16889,7 @@
           </p:nvSpPr>
           <p:spPr>
             <a:xfrm>
-              <a:off x="4689052" y="2050010"/>
+              <a:off x="4664155" y="2050007"/>
               <a:ext cx="63202" cy="63202"/>
             </a:xfrm>
             <a:custGeom>
@@ -16932,7 +16932,7 @@
           </p:nvSpPr>
           <p:spPr>
             <a:xfrm>
-              <a:off x="4956123" y="1883311"/>
+              <a:off x="4822684" y="1883356"/>
               <a:ext cx="63202" cy="63202"/>
             </a:xfrm>
             <a:custGeom>
@@ -16975,7 +16975,7 @@
           </p:nvSpPr>
           <p:spPr>
             <a:xfrm>
-              <a:off x="5045761" y="1933984"/>
+              <a:off x="4812666" y="1933979"/>
               <a:ext cx="63202" cy="63202"/>
             </a:xfrm>
             <a:custGeom>
@@ -17018,7 +17018,7 @@
           </p:nvSpPr>
           <p:spPr>
             <a:xfrm>
-              <a:off x="5028980" y="2032282"/>
+              <a:off x="5016239" y="2032274"/>
               <a:ext cx="63202" cy="63202"/>
             </a:xfrm>
             <a:custGeom>
@@ -17061,7 +17061,7 @@
           </p:nvSpPr>
           <p:spPr>
             <a:xfrm>
-              <a:off x="4894305" y="1998064"/>
+              <a:off x="4832165" y="1998081"/>
               <a:ext cx="63202" cy="63202"/>
             </a:xfrm>
             <a:custGeom>
@@ -17104,7 +17104,7 @@
           </p:nvSpPr>
           <p:spPr>
             <a:xfrm>
-              <a:off x="5012665" y="1886411"/>
+              <a:off x="4680404" y="1886429"/>
               <a:ext cx="63202" cy="63202"/>
             </a:xfrm>
             <a:custGeom>
@@ -17147,7 +17147,7 @@
           </p:nvSpPr>
           <p:spPr>
             <a:xfrm>
-              <a:off x="4936654" y="2204894"/>
+              <a:off x="5095349" y="2204941"/>
               <a:ext cx="63202" cy="63202"/>
             </a:xfrm>
             <a:custGeom>
@@ -17190,7 +17190,7 @@
           </p:nvSpPr>
           <p:spPr>
             <a:xfrm>
-              <a:off x="4999129" y="1977505"/>
+              <a:off x="4557437" y="1977512"/>
               <a:ext cx="63202" cy="63202"/>
             </a:xfrm>
             <a:custGeom>
@@ -17233,7 +17233,7 @@
           </p:nvSpPr>
           <p:spPr>
             <a:xfrm>
-              <a:off x="5163819" y="1997642"/>
+              <a:off x="4912296" y="1997688"/>
               <a:ext cx="63202" cy="63202"/>
             </a:xfrm>
             <a:custGeom>
@@ -17276,7 +17276,7 @@
           </p:nvSpPr>
           <p:spPr>
             <a:xfrm>
-              <a:off x="4632857" y="2437497"/>
+              <a:off x="4853425" y="2437519"/>
               <a:ext cx="63202" cy="63202"/>
             </a:xfrm>
             <a:custGeom>
@@ -17319,7 +17319,7 @@
           </p:nvSpPr>
           <p:spPr>
             <a:xfrm>
-              <a:off x="4813221" y="2469293"/>
+              <a:off x="4657713" y="2469264"/>
               <a:ext cx="63202" cy="63202"/>
             </a:xfrm>
             <a:custGeom>
@@ -17362,7 +17362,7 @@
           </p:nvSpPr>
           <p:spPr>
             <a:xfrm>
-              <a:off x="4945407" y="1887769"/>
+              <a:off x="4760245" y="1887781"/>
               <a:ext cx="63202" cy="63202"/>
             </a:xfrm>
             <a:custGeom>
@@ -17405,7 +17405,7 @@
           </p:nvSpPr>
           <p:spPr>
             <a:xfrm>
-              <a:off x="4517016" y="1878256"/>
+              <a:off x="4486052" y="1878273"/>
               <a:ext cx="63202" cy="63202"/>
             </a:xfrm>
             <a:custGeom>
@@ -17448,7 +17448,7 @@
           </p:nvSpPr>
           <p:spPr>
             <a:xfrm>
-              <a:off x="4561509" y="1874692"/>
+              <a:off x="4632306" y="1874721"/>
               <a:ext cx="63202" cy="63202"/>
             </a:xfrm>
             <a:custGeom>
@@ -17491,7 +17491,7 @@
           </p:nvSpPr>
           <p:spPr>
             <a:xfrm>
-              <a:off x="5120321" y="2252496"/>
+              <a:off x="4696430" y="2252529"/>
               <a:ext cx="63202" cy="63202"/>
             </a:xfrm>
             <a:custGeom>
@@ -17534,7 +17534,7 @@
           </p:nvSpPr>
           <p:spPr>
             <a:xfrm>
-              <a:off x="4754452" y="1948086"/>
+              <a:off x="4950631" y="1948130"/>
               <a:ext cx="63202" cy="63202"/>
             </a:xfrm>
             <a:custGeom>
@@ -17577,7 +17577,7 @@
           </p:nvSpPr>
           <p:spPr>
             <a:xfrm>
-              <a:off x="4836285" y="1887322"/>
+              <a:off x="4504593" y="1887364"/>
               <a:ext cx="63202" cy="63202"/>
             </a:xfrm>
             <a:custGeom>
@@ -17620,7 +17620,7 @@
           </p:nvSpPr>
           <p:spPr>
             <a:xfrm>
-              <a:off x="5089835" y="2244092"/>
+              <a:off x="4596455" y="2244099"/>
               <a:ext cx="63202" cy="63202"/>
             </a:xfrm>
             <a:custGeom>
@@ -17663,7 +17663,7 @@
           </p:nvSpPr>
           <p:spPr>
             <a:xfrm>
-              <a:off x="4886030" y="1878215"/>
+              <a:off x="4702117" y="1878265"/>
               <a:ext cx="63202" cy="63202"/>
             </a:xfrm>
             <a:custGeom>
@@ -17706,7 +17706,7 @@
           </p:nvSpPr>
           <p:spPr>
             <a:xfrm>
-              <a:off x="4808095" y="1881862"/>
+              <a:off x="4632372" y="1881851"/>
               <a:ext cx="63202" cy="63202"/>
             </a:xfrm>
             <a:custGeom>
@@ -17749,7 +17749,7 @@
           </p:nvSpPr>
           <p:spPr>
             <a:xfrm>
-              <a:off x="4608043" y="1937507"/>
+              <a:off x="4648875" y="1937537"/>
               <a:ext cx="63202" cy="63202"/>
             </a:xfrm>
             <a:custGeom>
@@ -17792,7 +17792,7 @@
           </p:nvSpPr>
           <p:spPr>
             <a:xfrm>
-              <a:off x="4916439" y="1884392"/>
+              <a:off x="5088500" y="1884410"/>
               <a:ext cx="63202" cy="63202"/>
             </a:xfrm>
             <a:custGeom>
@@ -17835,7 +17835,7 @@
           </p:nvSpPr>
           <p:spPr>
             <a:xfrm>
-              <a:off x="5126213" y="2120890"/>
+              <a:off x="4525007" y="2120899"/>
               <a:ext cx="63202" cy="63202"/>
             </a:xfrm>
             <a:custGeom>
@@ -17878,7 +17878,7 @@
           </p:nvSpPr>
           <p:spPr>
             <a:xfrm>
-              <a:off x="4784849" y="1881364"/>
+              <a:off x="4774655" y="1881374"/>
               <a:ext cx="63202" cy="63202"/>
             </a:xfrm>
             <a:custGeom>
@@ -17921,7 +17921,7 @@
           </p:nvSpPr>
           <p:spPr>
             <a:xfrm>
-              <a:off x="4888342" y="1889650"/>
+              <a:off x="5103588" y="1889645"/>
               <a:ext cx="63202" cy="63202"/>
             </a:xfrm>
             <a:custGeom>
@@ -18020,7 +18020,7 @@
           </p:nvSpPr>
           <p:spPr>
             <a:xfrm>
-              <a:off x="4325757" y="4823698"/>
+              <a:off x="4325757" y="4823679"/>
               <a:ext cx="2796732" cy="0"/>
             </a:xfrm>
             <a:custGeom>
@@ -18063,7 +18063,7 @@
           </p:nvSpPr>
           <p:spPr>
             <a:xfrm>
-              <a:off x="4325757" y="4484255"/>
+              <a:off x="4325757" y="4484249"/>
               <a:ext cx="2796732" cy="0"/>
             </a:xfrm>
             <a:custGeom>
@@ -18106,7 +18106,7 @@
           </p:nvSpPr>
           <p:spPr>
             <a:xfrm>
-              <a:off x="4325757" y="4144812"/>
+              <a:off x="4325757" y="4144818"/>
               <a:ext cx="2796732" cy="0"/>
             </a:xfrm>
             <a:custGeom>
@@ -18149,7 +18149,7 @@
           </p:nvSpPr>
           <p:spPr>
             <a:xfrm>
-              <a:off x="4325757" y="3805369"/>
+              <a:off x="4325757" y="3805388"/>
               <a:ext cx="2796732" cy="0"/>
             </a:xfrm>
             <a:custGeom>
@@ -18192,7 +18192,7 @@
           </p:nvSpPr>
           <p:spPr>
             <a:xfrm>
-              <a:off x="4325757" y="3465926"/>
+              <a:off x="4325757" y="3465957"/>
               <a:ext cx="2796732" cy="0"/>
             </a:xfrm>
             <a:custGeom>
@@ -18235,7 +18235,7 @@
           </p:nvSpPr>
           <p:spPr>
             <a:xfrm>
-              <a:off x="4325757" y="4653977"/>
+              <a:off x="4325757" y="4653964"/>
               <a:ext cx="2796732" cy="0"/>
             </a:xfrm>
             <a:custGeom>
@@ -18278,7 +18278,7 @@
           </p:nvSpPr>
           <p:spPr>
             <a:xfrm>
-              <a:off x="4325757" y="4314534"/>
+              <a:off x="4325757" y="4314533"/>
               <a:ext cx="2796732" cy="0"/>
             </a:xfrm>
             <a:custGeom>
@@ -18321,7 +18321,7 @@
           </p:nvSpPr>
           <p:spPr>
             <a:xfrm>
-              <a:off x="4325757" y="3975090"/>
+              <a:off x="4325757" y="3975103"/>
               <a:ext cx="2796732" cy="0"/>
             </a:xfrm>
             <a:custGeom>
@@ -18364,7 +18364,7 @@
           </p:nvSpPr>
           <p:spPr>
             <a:xfrm>
-              <a:off x="4325757" y="3635647"/>
+              <a:off x="4325757" y="3635672"/>
               <a:ext cx="2796732" cy="0"/>
             </a:xfrm>
             <a:custGeom>
@@ -18536,7 +18536,7 @@
           </p:nvSpPr>
           <p:spPr>
             <a:xfrm>
-              <a:off x="4616938" y="4110777"/>
+              <a:off x="4670974" y="4110750"/>
               <a:ext cx="63202" cy="63202"/>
             </a:xfrm>
             <a:custGeom>
@@ -18579,7 +18579,7 @@
           </p:nvSpPr>
           <p:spPr>
             <a:xfrm>
-              <a:off x="4610609" y="4018462"/>
+              <a:off x="4590026" y="4018468"/>
               <a:ext cx="63202" cy="63202"/>
             </a:xfrm>
             <a:custGeom>
@@ -18622,7 +18622,7 @@
           </p:nvSpPr>
           <p:spPr>
             <a:xfrm>
-              <a:off x="5983874" y="3902643"/>
+              <a:off x="5937289" y="3902630"/>
               <a:ext cx="63202" cy="63202"/>
             </a:xfrm>
             <a:custGeom>
@@ -18665,7 +18665,7 @@
           </p:nvSpPr>
           <p:spPr>
             <a:xfrm>
-              <a:off x="6499396" y="4711983"/>
+              <a:off x="6646288" y="4711947"/>
               <a:ext cx="63202" cy="63202"/>
             </a:xfrm>
             <a:custGeom>
@@ -18708,7 +18708,7 @@
           </p:nvSpPr>
           <p:spPr>
             <a:xfrm>
-              <a:off x="6812464" y="4883747"/>
+              <a:off x="6360723" y="4883747"/>
               <a:ext cx="63202" cy="63202"/>
             </a:xfrm>
             <a:custGeom>
@@ -18751,7 +18751,7 @@
           </p:nvSpPr>
           <p:spPr>
             <a:xfrm>
-              <a:off x="6266506" y="4589654"/>
+              <a:off x="6447978" y="4589652"/>
               <a:ext cx="63202" cy="63202"/>
             </a:xfrm>
             <a:custGeom>
@@ -18794,7 +18794,7 @@
           </p:nvSpPr>
           <p:spPr>
             <a:xfrm>
-              <a:off x="6473454" y="4854359"/>
+              <a:off x="6570428" y="4854321"/>
               <a:ext cx="63202" cy="63202"/>
             </a:xfrm>
             <a:custGeom>
@@ -18893,7 +18893,7 @@
           </p:nvSpPr>
           <p:spPr>
             <a:xfrm>
-              <a:off x="4325757" y="6749031"/>
+              <a:off x="4325757" y="6749012"/>
               <a:ext cx="2796732" cy="0"/>
             </a:xfrm>
             <a:custGeom>
@@ -18936,7 +18936,7 @@
           </p:nvSpPr>
           <p:spPr>
             <a:xfrm>
-              <a:off x="4325757" y="6409588"/>
+              <a:off x="4325757" y="6409581"/>
               <a:ext cx="2796732" cy="0"/>
             </a:xfrm>
             <a:custGeom>
@@ -18979,7 +18979,7 @@
           </p:nvSpPr>
           <p:spPr>
             <a:xfrm>
-              <a:off x="4325757" y="6070145"/>
+              <a:off x="4325757" y="6070151"/>
               <a:ext cx="2796732" cy="0"/>
             </a:xfrm>
             <a:custGeom>
@@ -19022,7 +19022,7 @@
           </p:nvSpPr>
           <p:spPr>
             <a:xfrm>
-              <a:off x="4325757" y="5730702"/>
+              <a:off x="4325757" y="5730720"/>
               <a:ext cx="2796732" cy="0"/>
             </a:xfrm>
             <a:custGeom>
@@ -19065,7 +19065,7 @@
           </p:nvSpPr>
           <p:spPr>
             <a:xfrm>
-              <a:off x="4325757" y="5391258"/>
+              <a:off x="4325757" y="5391290"/>
               <a:ext cx="2796732" cy="0"/>
             </a:xfrm>
             <a:custGeom>
@@ -19108,7 +19108,7 @@
           </p:nvSpPr>
           <p:spPr>
             <a:xfrm>
-              <a:off x="4325757" y="6579309"/>
+              <a:off x="4325757" y="6579297"/>
               <a:ext cx="2796732" cy="0"/>
             </a:xfrm>
             <a:custGeom>
@@ -19194,7 +19194,7 @@
           </p:nvSpPr>
           <p:spPr>
             <a:xfrm>
-              <a:off x="4325757" y="5900423"/>
+              <a:off x="4325757" y="5900435"/>
               <a:ext cx="2796732" cy="0"/>
             </a:xfrm>
             <a:custGeom>
@@ -19237,7 +19237,7 @@
           </p:nvSpPr>
           <p:spPr>
             <a:xfrm>
-              <a:off x="4325757" y="5560980"/>
+              <a:off x="4325757" y="5561005"/>
               <a:ext cx="2796732" cy="0"/>
             </a:xfrm>
             <a:custGeom>
@@ -19409,7 +19409,7 @@
           </p:nvSpPr>
           <p:spPr>
             <a:xfrm>
-              <a:off x="4785987" y="5434583"/>
+              <a:off x="5152376" y="5434612"/>
               <a:ext cx="63202" cy="63202"/>
             </a:xfrm>
             <a:custGeom>
@@ -19452,7 +19452,7 @@
           </p:nvSpPr>
           <p:spPr>
             <a:xfrm>
-              <a:off x="4675459" y="5398003"/>
+              <a:off x="4770429" y="5398036"/>
               <a:ext cx="63202" cy="63202"/>
             </a:xfrm>
             <a:custGeom>
@@ -19495,7 +19495,7 @@
           </p:nvSpPr>
           <p:spPr>
             <a:xfrm>
-              <a:off x="4900602" y="5484018"/>
+              <a:off x="5075080" y="5484042"/>
               <a:ext cx="63202" cy="63202"/>
             </a:xfrm>
             <a:custGeom>
@@ -19538,7 +19538,7 @@
           </p:nvSpPr>
           <p:spPr>
             <a:xfrm>
-              <a:off x="5165729" y="5317369"/>
+              <a:off x="5113611" y="5317369"/>
               <a:ext cx="63202" cy="63202"/>
             </a:xfrm>
             <a:custGeom>
@@ -19581,7 +19581,7 @@
           </p:nvSpPr>
           <p:spPr>
             <a:xfrm>
-              <a:off x="4781167" y="5398820"/>
+              <a:off x="4471139" y="5398832"/>
               <a:ext cx="63202" cy="63202"/>
             </a:xfrm>
             <a:custGeom>
@@ -19624,7 +19624,7 @@
           </p:nvSpPr>
           <p:spPr>
             <a:xfrm>
-              <a:off x="4847738" y="5422035"/>
+              <a:off x="4935673" y="5422049"/>
               <a:ext cx="63202" cy="63202"/>
             </a:xfrm>
             <a:custGeom>
@@ -19667,7 +19667,7 @@
           </p:nvSpPr>
           <p:spPr>
             <a:xfrm>
-              <a:off x="4898285" y="5395824"/>
+              <a:off x="4706786" y="5395871"/>
               <a:ext cx="63202" cy="63202"/>
             </a:xfrm>
             <a:custGeom>
@@ -19710,7 +19710,7 @@
           </p:nvSpPr>
           <p:spPr>
             <a:xfrm>
-              <a:off x="4940475" y="5498647"/>
+              <a:off x="4580912" y="5498634"/>
               <a:ext cx="63202" cy="63202"/>
             </a:xfrm>
             <a:custGeom>
@@ -19753,7 +19753,7 @@
           </p:nvSpPr>
           <p:spPr>
             <a:xfrm>
-              <a:off x="4549977" y="5735234"/>
+              <a:off x="4585627" y="5735241"/>
               <a:ext cx="63202" cy="63202"/>
             </a:xfrm>
             <a:custGeom>
@@ -19796,7 +19796,7 @@
           </p:nvSpPr>
           <p:spPr>
             <a:xfrm>
-              <a:off x="4491081" y="5483832"/>
+              <a:off x="4866206" y="5483858"/>
               <a:ext cx="63202" cy="63202"/>
             </a:xfrm>
             <a:custGeom>
@@ -19839,7 +19839,7 @@
           </p:nvSpPr>
           <p:spPr>
             <a:xfrm>
-              <a:off x="4716908" y="5493741"/>
+              <a:off x="4809016" y="5493753"/>
               <a:ext cx="63202" cy="63202"/>
             </a:xfrm>
             <a:custGeom>
@@ -19882,7 +19882,7 @@
           </p:nvSpPr>
           <p:spPr>
             <a:xfrm>
-              <a:off x="4786571" y="5719315"/>
+              <a:off x="4543068" y="5719360"/>
               <a:ext cx="63202" cy="63202"/>
             </a:xfrm>
             <a:custGeom>
@@ -19925,7 +19925,7 @@
           </p:nvSpPr>
           <p:spPr>
             <a:xfrm>
-              <a:off x="4623005" y="5721636"/>
+              <a:off x="4832693" y="5721662"/>
               <a:ext cx="63202" cy="63202"/>
             </a:xfrm>
             <a:custGeom>
@@ -19968,7 +19968,7 @@
           </p:nvSpPr>
           <p:spPr>
             <a:xfrm>
-              <a:off x="4863992" y="5449088"/>
+              <a:off x="5016840" y="5449074"/>
               <a:ext cx="63202" cy="63202"/>
             </a:xfrm>
             <a:custGeom>
@@ -20011,7 +20011,7 @@
           </p:nvSpPr>
           <p:spPr>
             <a:xfrm>
-              <a:off x="4570253" y="5494674"/>
+              <a:off x="4471179" y="5494725"/>
               <a:ext cx="63202" cy="63202"/>
             </a:xfrm>
             <a:custGeom>
@@ -20054,7 +20054,7 @@
           </p:nvSpPr>
           <p:spPr>
             <a:xfrm>
-              <a:off x="4867525" y="5371824"/>
+              <a:off x="4918363" y="5371865"/>
               <a:ext cx="63202" cy="63202"/>
             </a:xfrm>
             <a:custGeom>
@@ -20097,7 +20097,7 @@
           </p:nvSpPr>
           <p:spPr>
             <a:xfrm>
-              <a:off x="5014767" y="5467442"/>
+              <a:off x="5123424" y="5467465"/>
               <a:ext cx="63202" cy="63202"/>
             </a:xfrm>
             <a:custGeom>
@@ -20140,7 +20140,7 @@
           </p:nvSpPr>
           <p:spPr>
             <a:xfrm>
-              <a:off x="4978622" y="5389328"/>
+              <a:off x="4827187" y="5389382"/>
               <a:ext cx="63202" cy="63202"/>
             </a:xfrm>
             <a:custGeom>
@@ -20183,7 +20183,7 @@
           </p:nvSpPr>
           <p:spPr>
             <a:xfrm>
-              <a:off x="4999049" y="5429947"/>
+              <a:off x="4969456" y="5429938"/>
               <a:ext cx="63202" cy="63202"/>
             </a:xfrm>
             <a:custGeom>
@@ -20226,7 +20226,7 @@
           </p:nvSpPr>
           <p:spPr>
             <a:xfrm>
-              <a:off x="4756618" y="5367530"/>
+              <a:off x="4535722" y="5367579"/>
               <a:ext cx="63202" cy="63202"/>
             </a:xfrm>
             <a:custGeom>
@@ -20269,7 +20269,7 @@
           </p:nvSpPr>
           <p:spPr>
             <a:xfrm>
-              <a:off x="4946504" y="5893243"/>
+              <a:off x="4830114" y="5893273"/>
               <a:ext cx="63202" cy="63202"/>
             </a:xfrm>
             <a:custGeom>
@@ -20312,7 +20312,7 @@
           </p:nvSpPr>
           <p:spPr>
             <a:xfrm>
-              <a:off x="5110861" y="5428384"/>
+              <a:off x="4677769" y="5428386"/>
               <a:ext cx="63202" cy="63202"/>
             </a:xfrm>
             <a:custGeom>
@@ -20355,7 +20355,7 @@
           </p:nvSpPr>
           <p:spPr>
             <a:xfrm>
-              <a:off x="4979960" y="5424754"/>
+              <a:off x="4581497" y="5424810"/>
               <a:ext cx="63202" cy="63202"/>
             </a:xfrm>
             <a:custGeom>
@@ -20398,7 +20398,7 @@
           </p:nvSpPr>
           <p:spPr>
             <a:xfrm>
-              <a:off x="5042834" y="5381578"/>
+              <a:off x="4488858" y="5381605"/>
               <a:ext cx="63202" cy="63202"/>
             </a:xfrm>
             <a:custGeom>
@@ -20441,7 +20441,7 @@
           </p:nvSpPr>
           <p:spPr>
             <a:xfrm>
-              <a:off x="4929822" y="5395304"/>
+              <a:off x="4580714" y="5395352"/>
               <a:ext cx="63202" cy="63202"/>
             </a:xfrm>
             <a:custGeom>
@@ -20484,7 +20484,7 @@
           </p:nvSpPr>
           <p:spPr>
             <a:xfrm>
-              <a:off x="5053496" y="5423340"/>
+              <a:off x="4773500" y="5423370"/>
               <a:ext cx="63202" cy="63202"/>
             </a:xfrm>
             <a:custGeom>
@@ -20527,7 +20527,7 @@
           </p:nvSpPr>
           <p:spPr>
             <a:xfrm>
-              <a:off x="4631315" y="5421753"/>
+              <a:off x="4683632" y="5421791"/>
               <a:ext cx="63202" cy="63202"/>
             </a:xfrm>
             <a:custGeom>
@@ -20570,7 +20570,7 @@
           </p:nvSpPr>
           <p:spPr>
             <a:xfrm>
-              <a:off x="5030095" y="5397871"/>
+              <a:off x="4571021" y="5397885"/>
               <a:ext cx="63202" cy="63202"/>
             </a:xfrm>
             <a:custGeom>
@@ -20613,7 +20613,7 @@
           </p:nvSpPr>
           <p:spPr>
             <a:xfrm>
-              <a:off x="4821327" y="5483280"/>
+              <a:off x="4552353" y="5483323"/>
               <a:ext cx="63202" cy="63202"/>
             </a:xfrm>
             <a:custGeom>
@@ -20656,7 +20656,7 @@
           </p:nvSpPr>
           <p:spPr>
             <a:xfrm>
-              <a:off x="4693982" y="5451195"/>
+              <a:off x="4824430" y="5451211"/>
               <a:ext cx="63202" cy="63202"/>
             </a:xfrm>
             <a:custGeom>
@@ -20699,7 +20699,7 @@
           </p:nvSpPr>
           <p:spPr>
             <a:xfrm>
-              <a:off x="5103700" y="5432887"/>
+              <a:off x="4746423" y="5432965"/>
               <a:ext cx="63202" cy="63202"/>
             </a:xfrm>
             <a:custGeom>
@@ -20742,7 +20742,7 @@
           </p:nvSpPr>
           <p:spPr>
             <a:xfrm>
-              <a:off x="4934491" y="5381610"/>
+              <a:off x="5115936" y="5381640"/>
               <a:ext cx="63202" cy="63202"/>
             </a:xfrm>
             <a:custGeom>
@@ -20785,7 +20785,7 @@
           </p:nvSpPr>
           <p:spPr>
             <a:xfrm>
-              <a:off x="4846588" y="5395751"/>
+              <a:off x="4911763" y="5395809"/>
               <a:ext cx="63202" cy="63202"/>
             </a:xfrm>
             <a:custGeom>
@@ -20828,7 +20828,7 @@
           </p:nvSpPr>
           <p:spPr>
             <a:xfrm>
-              <a:off x="5073429" y="5395850"/>
+              <a:off x="4643730" y="5395845"/>
               <a:ext cx="63202" cy="63202"/>
             </a:xfrm>
             <a:custGeom>
@@ -20871,7 +20871,7 @@
           </p:nvSpPr>
           <p:spPr>
             <a:xfrm>
-              <a:off x="4638562" y="5433112"/>
+              <a:off x="4820089" y="5433157"/>
               <a:ext cx="63202" cy="63202"/>
             </a:xfrm>
             <a:custGeom>
@@ -20914,7 +20914,7 @@
           </p:nvSpPr>
           <p:spPr>
             <a:xfrm>
-              <a:off x="4628120" y="5434379"/>
+              <a:off x="4965527" y="5434438"/>
               <a:ext cx="63202" cy="63202"/>
             </a:xfrm>
             <a:custGeom>
@@ -20957,7 +20957,7 @@
           </p:nvSpPr>
           <p:spPr>
             <a:xfrm>
-              <a:off x="4554990" y="5633841"/>
+              <a:off x="4952294" y="5633860"/>
               <a:ext cx="63202" cy="63202"/>
             </a:xfrm>
             <a:custGeom>
@@ -21000,7 +21000,7 @@
           </p:nvSpPr>
           <p:spPr>
             <a:xfrm>
-              <a:off x="4505125" y="5386111"/>
+              <a:off x="4579807" y="5386159"/>
               <a:ext cx="63202" cy="63202"/>
             </a:xfrm>
             <a:custGeom>
@@ -21043,7 +21043,7 @@
           </p:nvSpPr>
           <p:spPr>
             <a:xfrm>
-              <a:off x="4725955" y="5437480"/>
+              <a:off x="4744076" y="5437481"/>
               <a:ext cx="63202" cy="63202"/>
             </a:xfrm>
             <a:custGeom>
@@ -21086,7 +21086,7 @@
           </p:nvSpPr>
           <p:spPr>
             <a:xfrm>
-              <a:off x="4841113" y="5475966"/>
+              <a:off x="4492922" y="5475963"/>
               <a:ext cx="63202" cy="63202"/>
             </a:xfrm>
             <a:custGeom>
@@ -21129,7 +21129,7 @@
           </p:nvSpPr>
           <p:spPr>
             <a:xfrm>
-              <a:off x="4776217" y="5392431"/>
+              <a:off x="4804412" y="5392501"/>
               <a:ext cx="63202" cy="63202"/>
             </a:xfrm>
             <a:custGeom>
@@ -21172,7 +21172,7 @@
           </p:nvSpPr>
           <p:spPr>
             <a:xfrm>
-              <a:off x="4978901" y="5417561"/>
+              <a:off x="4555801" y="5417613"/>
               <a:ext cx="63202" cy="63202"/>
             </a:xfrm>
             <a:custGeom>
@@ -21215,7 +21215,7 @@
           </p:nvSpPr>
           <p:spPr>
             <a:xfrm>
-              <a:off x="4565289" y="5877672"/>
+              <a:off x="4936334" y="5877672"/>
               <a:ext cx="63202" cy="63202"/>
             </a:xfrm>
             <a:custGeom>
@@ -21258,7 +21258,7 @@
           </p:nvSpPr>
           <p:spPr>
             <a:xfrm>
-              <a:off x="4895602" y="5433952"/>
+              <a:off x="4676285" y="5433964"/>
               <a:ext cx="63202" cy="63202"/>
             </a:xfrm>
             <a:custGeom>
@@ -21301,7 +21301,7 @@
           </p:nvSpPr>
           <p:spPr>
             <a:xfrm>
-              <a:off x="4914830" y="5622748"/>
+              <a:off x="4811716" y="5622723"/>
               <a:ext cx="63202" cy="63202"/>
             </a:xfrm>
             <a:custGeom>
@@ -21344,7 +21344,7 @@
           </p:nvSpPr>
           <p:spPr>
             <a:xfrm>
-              <a:off x="5117045" y="5395665"/>
+              <a:off x="4937000" y="5395691"/>
               <a:ext cx="63202" cy="63202"/>
             </a:xfrm>
             <a:custGeom>
@@ -21387,7 +21387,7 @@
           </p:nvSpPr>
           <p:spPr>
             <a:xfrm>
-              <a:off x="4873091" y="5605224"/>
+              <a:off x="4903561" y="5605228"/>
               <a:ext cx="63202" cy="63202"/>
             </a:xfrm>
             <a:custGeom>
@@ -21430,7 +21430,7 @@
           </p:nvSpPr>
           <p:spPr>
             <a:xfrm>
-              <a:off x="4879763" y="5399837"/>
+              <a:off x="5121774" y="5399857"/>
               <a:ext cx="63202" cy="63202"/>
             </a:xfrm>
             <a:custGeom>
@@ -21473,7 +21473,7 @@
           </p:nvSpPr>
           <p:spPr>
             <a:xfrm>
-              <a:off x="4756111" y="5447246"/>
+              <a:off x="4702960" y="5447238"/>
               <a:ext cx="63202" cy="63202"/>
             </a:xfrm>
             <a:custGeom>
@@ -21516,7 +21516,7 @@
           </p:nvSpPr>
           <p:spPr>
             <a:xfrm>
-              <a:off x="4672814" y="5412401"/>
+              <a:off x="4770195" y="5412409"/>
               <a:ext cx="63202" cy="63202"/>
             </a:xfrm>
             <a:custGeom>
@@ -21559,7 +21559,7 @@
           </p:nvSpPr>
           <p:spPr>
             <a:xfrm>
-              <a:off x="4515713" y="5508455"/>
+              <a:off x="4676083" y="5508488"/>
               <a:ext cx="63202" cy="63202"/>
             </a:xfrm>
             <a:custGeom>
@@ -21602,7 +21602,7 @@
           </p:nvSpPr>
           <p:spPr>
             <a:xfrm>
-              <a:off x="4509168" y="5447985"/>
+              <a:off x="4837547" y="5447987"/>
               <a:ext cx="63202" cy="63202"/>
             </a:xfrm>
             <a:custGeom>
@@ -21645,7 +21645,7 @@
           </p:nvSpPr>
           <p:spPr>
             <a:xfrm>
-              <a:off x="4681339" y="5837170"/>
+              <a:off x="4833022" y="5837217"/>
               <a:ext cx="63202" cy="63202"/>
             </a:xfrm>
             <a:custGeom>
@@ -21688,7 +21688,7 @@
           </p:nvSpPr>
           <p:spPr>
             <a:xfrm>
-              <a:off x="4669281" y="5759854"/>
+              <a:off x="4933770" y="5759900"/>
               <a:ext cx="63202" cy="63202"/>
             </a:xfrm>
             <a:custGeom>
@@ -21731,7 +21731,7 @@
           </p:nvSpPr>
           <p:spPr>
             <a:xfrm>
-              <a:off x="4625155" y="5393755"/>
+              <a:off x="4575091" y="5393791"/>
               <a:ext cx="63202" cy="63202"/>
             </a:xfrm>
             <a:custGeom>
@@ -21774,7 +21774,7 @@
           </p:nvSpPr>
           <p:spPr>
             <a:xfrm>
-              <a:off x="4680660" y="5478920"/>
+              <a:off x="4933882" y="5478955"/>
               <a:ext cx="63202" cy="63202"/>
             </a:xfrm>
             <a:custGeom>
@@ -21817,7 +21817,7 @@
           </p:nvSpPr>
           <p:spPr>
             <a:xfrm>
-              <a:off x="4613909" y="5587173"/>
+              <a:off x="4792167" y="5587160"/>
               <a:ext cx="63202" cy="63202"/>
             </a:xfrm>
             <a:custGeom>
@@ -21860,7 +21860,7 @@
           </p:nvSpPr>
           <p:spPr>
             <a:xfrm>
-              <a:off x="4569265" y="5404445"/>
+              <a:off x="4665347" y="5404511"/>
               <a:ext cx="63202" cy="63202"/>
             </a:xfrm>
             <a:custGeom>
@@ -21903,7 +21903,7 @@
           </p:nvSpPr>
           <p:spPr>
             <a:xfrm>
-              <a:off x="4964449" y="5387682"/>
+              <a:off x="4681008" y="5387746"/>
               <a:ext cx="63202" cy="63202"/>
             </a:xfrm>
             <a:custGeom>
@@ -21946,7 +21946,7 @@
           </p:nvSpPr>
           <p:spPr>
             <a:xfrm>
-              <a:off x="4812917" y="5486386"/>
+              <a:off x="5038307" y="5486448"/>
               <a:ext cx="63202" cy="63202"/>
             </a:xfrm>
             <a:custGeom>
@@ -21989,7 +21989,7 @@
           </p:nvSpPr>
           <p:spPr>
             <a:xfrm>
-              <a:off x="4921112" y="5487136"/>
+              <a:off x="4608124" y="5487185"/>
               <a:ext cx="63202" cy="63202"/>
             </a:xfrm>
             <a:custGeom>
@@ -22032,7 +22032,7 @@
           </p:nvSpPr>
           <p:spPr>
             <a:xfrm>
-              <a:off x="4497730" y="5496885"/>
+              <a:off x="4541416" y="5496881"/>
               <a:ext cx="63202" cy="63202"/>
             </a:xfrm>
             <a:custGeom>
@@ -22075,7 +22075,7 @@
           </p:nvSpPr>
           <p:spPr>
             <a:xfrm>
-              <a:off x="5143251" y="5890757"/>
+              <a:off x="4815939" y="5890779"/>
               <a:ext cx="63202" cy="63202"/>
             </a:xfrm>
             <a:custGeom>
@@ -22118,7 +22118,7 @@
           </p:nvSpPr>
           <p:spPr>
             <a:xfrm>
-              <a:off x="4474190" y="5399889"/>
+              <a:off x="5001750" y="5399950"/>
               <a:ext cx="63202" cy="63202"/>
             </a:xfrm>
             <a:custGeom>
@@ -22161,7 +22161,7 @@
           </p:nvSpPr>
           <p:spPr>
             <a:xfrm>
-              <a:off x="4600941" y="5417221"/>
+              <a:off x="4949049" y="5417242"/>
               <a:ext cx="63202" cy="63202"/>
             </a:xfrm>
             <a:custGeom>
@@ -22204,7 +22204,7 @@
           </p:nvSpPr>
           <p:spPr>
             <a:xfrm>
-              <a:off x="4790242" y="5496643"/>
+              <a:off x="5121295" y="5496699"/>
               <a:ext cx="63202" cy="63202"/>
             </a:xfrm>
             <a:custGeom>
@@ -22247,7 +22247,7 @@
           </p:nvSpPr>
           <p:spPr>
             <a:xfrm>
-              <a:off x="4900456" y="5410859"/>
+              <a:off x="5024777" y="5410849"/>
               <a:ext cx="63202" cy="63202"/>
             </a:xfrm>
             <a:custGeom>
@@ -22290,7 +22290,7 @@
           </p:nvSpPr>
           <p:spPr>
             <a:xfrm>
-              <a:off x="4516843" y="5407663"/>
+              <a:off x="4700500" y="5407688"/>
               <a:ext cx="63202" cy="63202"/>
             </a:xfrm>
             <a:custGeom>
@@ -22333,7 +22333,7 @@
           </p:nvSpPr>
           <p:spPr>
             <a:xfrm>
-              <a:off x="4671444" y="5753017"/>
+              <a:off x="4956894" y="5753004"/>
               <a:ext cx="63202" cy="63202"/>
             </a:xfrm>
             <a:custGeom>
@@ -22376,7 +22376,7 @@
           </p:nvSpPr>
           <p:spPr>
             <a:xfrm>
-              <a:off x="4868066" y="5387909"/>
+              <a:off x="4729613" y="5387942"/>
               <a:ext cx="63202" cy="63202"/>
             </a:xfrm>
             <a:custGeom>
@@ -22419,7 +22419,7 @@
           </p:nvSpPr>
           <p:spPr>
             <a:xfrm>
-              <a:off x="4762926" y="5391760"/>
+              <a:off x="4891788" y="5391797"/>
               <a:ext cx="63202" cy="63202"/>
             </a:xfrm>
             <a:custGeom>
@@ -22462,7 +22462,7 @@
           </p:nvSpPr>
           <p:spPr>
             <a:xfrm>
-              <a:off x="4651687" y="5376768"/>
+              <a:off x="5069011" y="5376803"/>
               <a:ext cx="63202" cy="63202"/>
             </a:xfrm>
             <a:custGeom>
@@ -22505,7 +22505,7 @@
           </p:nvSpPr>
           <p:spPr>
             <a:xfrm>
-              <a:off x="4698963" y="5761703"/>
+              <a:off x="4567242" y="5761724"/>
               <a:ext cx="63202" cy="63202"/>
             </a:xfrm>
             <a:custGeom>
@@ -22548,7 +22548,7 @@
           </p:nvSpPr>
           <p:spPr>
             <a:xfrm>
-              <a:off x="4567876" y="5397600"/>
+              <a:off x="4629374" y="5397636"/>
               <a:ext cx="63202" cy="63202"/>
             </a:xfrm>
             <a:custGeom>
@@ -22591,7 +22591,7 @@
           </p:nvSpPr>
           <p:spPr>
             <a:xfrm>
-              <a:off x="4559911" y="5403911"/>
+              <a:off x="4906825" y="5403942"/>
               <a:ext cx="63202" cy="63202"/>
             </a:xfrm>
             <a:custGeom>
@@ -22634,7 +22634,7 @@
           </p:nvSpPr>
           <p:spPr>
             <a:xfrm>
-              <a:off x="4588903" y="5605200"/>
+              <a:off x="4870293" y="5605228"/>
               <a:ext cx="63202" cy="63202"/>
             </a:xfrm>
             <a:custGeom>
@@ -22677,7 +22677,7 @@
           </p:nvSpPr>
           <p:spPr>
             <a:xfrm>
-              <a:off x="5128391" y="5496302"/>
+              <a:off x="4975484" y="5496336"/>
               <a:ext cx="63202" cy="63202"/>
             </a:xfrm>
             <a:custGeom>
@@ -22720,7 +22720,7 @@
           </p:nvSpPr>
           <p:spPr>
             <a:xfrm>
-              <a:off x="5003761" y="5490951"/>
+              <a:off x="4643724" y="5490995"/>
               <a:ext cx="63202" cy="63202"/>
             </a:xfrm>
             <a:custGeom>
@@ -22763,7 +22763,7 @@
           </p:nvSpPr>
           <p:spPr>
             <a:xfrm>
-              <a:off x="4692153" y="5405908"/>
+              <a:off x="4509977" y="5405934"/>
               <a:ext cx="63202" cy="63202"/>
             </a:xfrm>
             <a:custGeom>
@@ -22806,7 +22806,7 @@
           </p:nvSpPr>
           <p:spPr>
             <a:xfrm>
-              <a:off x="5010756" y="5406519"/>
+              <a:off x="4877649" y="5406537"/>
               <a:ext cx="63202" cy="63202"/>
             </a:xfrm>
             <a:custGeom>
@@ -22849,7 +22849,7 @@
           </p:nvSpPr>
           <p:spPr>
             <a:xfrm>
-              <a:off x="4777395" y="5437247"/>
+              <a:off x="5095317" y="5437268"/>
               <a:ext cx="63202" cy="63202"/>
             </a:xfrm>
             <a:custGeom>
@@ -22892,7 +22892,7 @@
           </p:nvSpPr>
           <p:spPr>
             <a:xfrm>
-              <a:off x="4530444" y="5792027"/>
+              <a:off x="4487217" y="5792035"/>
               <a:ext cx="63202" cy="63202"/>
             </a:xfrm>
             <a:custGeom>
@@ -22935,7 +22935,7 @@
           </p:nvSpPr>
           <p:spPr>
             <a:xfrm>
-              <a:off x="4913603" y="6077848"/>
+              <a:off x="4876127" y="6077859"/>
               <a:ext cx="63202" cy="63202"/>
             </a:xfrm>
             <a:custGeom>
@@ -22978,7 +22978,7 @@
           </p:nvSpPr>
           <p:spPr>
             <a:xfrm>
-              <a:off x="5068078" y="5436073"/>
+              <a:off x="5010510" y="5436110"/>
               <a:ext cx="63202" cy="63202"/>
             </a:xfrm>
             <a:custGeom>
@@ -23021,7 +23021,7 @@
           </p:nvSpPr>
           <p:spPr>
             <a:xfrm>
-              <a:off x="4762238" y="6616401"/>
+              <a:off x="4607988" y="6616417"/>
               <a:ext cx="63202" cy="63202"/>
             </a:xfrm>
             <a:custGeom>
@@ -23064,7 +23064,7 @@
           </p:nvSpPr>
           <p:spPr>
             <a:xfrm>
-              <a:off x="5052503" y="5509815"/>
+              <a:off x="5054813" y="5509842"/>
               <a:ext cx="63202" cy="63202"/>
             </a:xfrm>
             <a:custGeom>
@@ -23107,7 +23107,7 @@
           </p:nvSpPr>
           <p:spPr>
             <a:xfrm>
-              <a:off x="4778718" y="5445264"/>
+              <a:off x="4509030" y="5445280"/>
               <a:ext cx="63202" cy="63202"/>
             </a:xfrm>
             <a:custGeom>
@@ -23150,7 +23150,7 @@
           </p:nvSpPr>
           <p:spPr>
             <a:xfrm>
-              <a:off x="5040363" y="5383613"/>
+              <a:off x="4894787" y="5383656"/>
               <a:ext cx="63202" cy="63202"/>
             </a:xfrm>
             <a:custGeom>
@@ -23193,7 +23193,7 @@
           </p:nvSpPr>
           <p:spPr>
             <a:xfrm>
-              <a:off x="5138704" y="5529370"/>
+              <a:off x="4757454" y="5529411"/>
               <a:ext cx="63202" cy="63202"/>
             </a:xfrm>
             <a:custGeom>
@@ -23236,7 +23236,7 @@
           </p:nvSpPr>
           <p:spPr>
             <a:xfrm>
-              <a:off x="5025591" y="5403771"/>
+              <a:off x="4516654" y="5403835"/>
               <a:ext cx="63202" cy="63202"/>
             </a:xfrm>
             <a:custGeom>
@@ -23279,7 +23279,7 @@
           </p:nvSpPr>
           <p:spPr>
             <a:xfrm>
-              <a:off x="4592751" y="5483820"/>
+              <a:off x="4681390" y="5483874"/>
               <a:ext cx="63202" cy="63202"/>
             </a:xfrm>
             <a:custGeom>
@@ -23322,7 +23322,7 @@
           </p:nvSpPr>
           <p:spPr>
             <a:xfrm>
-              <a:off x="5025961" y="5497126"/>
+              <a:off x="4766477" y="5497185"/>
               <a:ext cx="63202" cy="63202"/>
             </a:xfrm>
             <a:custGeom>
@@ -23365,7 +23365,7 @@
           </p:nvSpPr>
           <p:spPr>
             <a:xfrm>
-              <a:off x="4657019" y="5521245"/>
+              <a:off x="5013251" y="5521257"/>
               <a:ext cx="63202" cy="63202"/>
             </a:xfrm>
             <a:custGeom>
@@ -23408,7 +23408,7 @@
           </p:nvSpPr>
           <p:spPr>
             <a:xfrm>
-              <a:off x="4687325" y="5411041"/>
+              <a:off x="4827397" y="5411067"/>
               <a:ext cx="63202" cy="63202"/>
             </a:xfrm>
             <a:custGeom>
@@ -23451,7 +23451,7 @@
           </p:nvSpPr>
           <p:spPr>
             <a:xfrm>
-              <a:off x="5127349" y="5418266"/>
+              <a:off x="4830211" y="5418257"/>
               <a:ext cx="63202" cy="63202"/>
             </a:xfrm>
             <a:custGeom>
@@ -23494,7 +23494,7 @@
           </p:nvSpPr>
           <p:spPr>
             <a:xfrm>
-              <a:off x="4885511" y="5788184"/>
+              <a:off x="4700451" y="5788182"/>
               <a:ext cx="63202" cy="63202"/>
             </a:xfrm>
             <a:custGeom>
@@ -23537,7 +23537,7 @@
           </p:nvSpPr>
           <p:spPr>
             <a:xfrm>
-              <a:off x="4974009" y="5392424"/>
+              <a:off x="5002449" y="5392499"/>
               <a:ext cx="63202" cy="63202"/>
             </a:xfrm>
             <a:custGeom>
@@ -23580,7 +23580,7 @@
           </p:nvSpPr>
           <p:spPr>
             <a:xfrm>
-              <a:off x="4608523" y="5796385"/>
+              <a:off x="4867649" y="5796380"/>
               <a:ext cx="63202" cy="63202"/>
             </a:xfrm>
             <a:custGeom>
@@ -23623,7 +23623,7 @@
           </p:nvSpPr>
           <p:spPr>
             <a:xfrm>
-              <a:off x="5014343" y="5462630"/>
+              <a:off x="4956273" y="5462655"/>
               <a:ext cx="63202" cy="63202"/>
             </a:xfrm>
             <a:custGeom>
@@ -23666,7 +23666,7 @@
           </p:nvSpPr>
           <p:spPr>
             <a:xfrm>
-              <a:off x="5158358" y="5859870"/>
+              <a:off x="5081419" y="5859858"/>
               <a:ext cx="63202" cy="63202"/>
             </a:xfrm>
             <a:custGeom>
@@ -23709,7 +23709,7 @@
           </p:nvSpPr>
           <p:spPr>
             <a:xfrm>
-              <a:off x="4507398" y="5480207"/>
+              <a:off x="4795540" y="5480245"/>
               <a:ext cx="63202" cy="63202"/>
             </a:xfrm>
             <a:custGeom>
@@ -23752,7 +23752,7 @@
           </p:nvSpPr>
           <p:spPr>
             <a:xfrm>
-              <a:off x="4636122" y="5481389"/>
+              <a:off x="4755624" y="5481413"/>
               <a:ext cx="63202" cy="63202"/>
             </a:xfrm>
             <a:custGeom>
@@ -23795,7 +23795,7 @@
           </p:nvSpPr>
           <p:spPr>
             <a:xfrm>
-              <a:off x="5016091" y="5706759"/>
+              <a:off x="4490591" y="5706815"/>
               <a:ext cx="63202" cy="63202"/>
             </a:xfrm>
             <a:custGeom>
@@ -23838,7 +23838,7 @@
           </p:nvSpPr>
           <p:spPr>
             <a:xfrm>
-              <a:off x="4986037" y="5406887"/>
+              <a:off x="4867528" y="5406957"/>
               <a:ext cx="63202" cy="63202"/>
             </a:xfrm>
             <a:custGeom>
@@ -23881,7 +23881,7 @@
           </p:nvSpPr>
           <p:spPr>
             <a:xfrm>
-              <a:off x="5068904" y="5381593"/>
+              <a:off x="4894787" y="5381630"/>
               <a:ext cx="63202" cy="63202"/>
             </a:xfrm>
             <a:custGeom>
@@ -23924,7 +23924,7 @@
           </p:nvSpPr>
           <p:spPr>
             <a:xfrm>
-              <a:off x="4864235" y="5727843"/>
+              <a:off x="4657288" y="5727853"/>
               <a:ext cx="63202" cy="63202"/>
             </a:xfrm>
             <a:custGeom>
@@ -23967,7 +23967,7 @@
           </p:nvSpPr>
           <p:spPr>
             <a:xfrm>
-              <a:off x="5120146" y="5403038"/>
+              <a:off x="4969047" y="5403082"/>
               <a:ext cx="63202" cy="63202"/>
             </a:xfrm>
             <a:custGeom>
@@ -24010,7 +24010,7 @@
           </p:nvSpPr>
           <p:spPr>
             <a:xfrm>
-              <a:off x="4567026" y="5503780"/>
+              <a:off x="4816167" y="5503803"/>
               <a:ext cx="63202" cy="63202"/>
             </a:xfrm>
             <a:custGeom>
@@ -24053,7 +24053,7 @@
           </p:nvSpPr>
           <p:spPr>
             <a:xfrm>
-              <a:off x="4588899" y="5401588"/>
+              <a:off x="4683678" y="5401664"/>
               <a:ext cx="63202" cy="63202"/>
             </a:xfrm>
             <a:custGeom>
@@ -24096,7 +24096,7 @@
           </p:nvSpPr>
           <p:spPr>
             <a:xfrm>
-              <a:off x="5121488" y="5375289"/>
+              <a:off x="4910380" y="5375327"/>
               <a:ext cx="63202" cy="63202"/>
             </a:xfrm>
             <a:custGeom>
@@ -24139,7 +24139,7 @@
           </p:nvSpPr>
           <p:spPr>
             <a:xfrm>
-              <a:off x="4572453" y="5373287"/>
+              <a:off x="4919165" y="5373348"/>
               <a:ext cx="63202" cy="63202"/>
             </a:xfrm>
             <a:custGeom>
@@ -24182,7 +24182,7 @@
           </p:nvSpPr>
           <p:spPr>
             <a:xfrm>
-              <a:off x="4936486" y="5373308"/>
+              <a:off x="4594357" y="5373335"/>
               <a:ext cx="63202" cy="63202"/>
             </a:xfrm>
             <a:custGeom>
@@ -24225,7 +24225,7 @@
           </p:nvSpPr>
           <p:spPr>
             <a:xfrm>
-              <a:off x="5137582" y="5385504"/>
+              <a:off x="5073082" y="5385547"/>
               <a:ext cx="63202" cy="63202"/>
             </a:xfrm>
             <a:custGeom>
@@ -24268,7 +24268,7 @@
           </p:nvSpPr>
           <p:spPr>
             <a:xfrm>
-              <a:off x="5048687" y="5424431"/>
+              <a:off x="5005396" y="5424460"/>
               <a:ext cx="63202" cy="63202"/>
             </a:xfrm>
             <a:custGeom>
@@ -24311,7 +24311,7 @@
           </p:nvSpPr>
           <p:spPr>
             <a:xfrm>
-              <a:off x="4905613" y="5462909"/>
+              <a:off x="4495231" y="5462931"/>
               <a:ext cx="63202" cy="63202"/>
             </a:xfrm>
             <a:custGeom>
@@ -24354,7 +24354,7 @@
           </p:nvSpPr>
           <p:spPr>
             <a:xfrm>
-              <a:off x="4838750" y="5398846"/>
+              <a:off x="4550624" y="5398852"/>
               <a:ext cx="63202" cy="63202"/>
             </a:xfrm>
             <a:custGeom>
@@ -24397,7 +24397,7 @@
           </p:nvSpPr>
           <p:spPr>
             <a:xfrm>
-              <a:off x="5012858" y="5517020"/>
+              <a:off x="4489120" y="5517055"/>
               <a:ext cx="63202" cy="63202"/>
             </a:xfrm>
             <a:custGeom>
@@ -24440,7 +24440,7 @@
           </p:nvSpPr>
           <p:spPr>
             <a:xfrm>
-              <a:off x="5132008" y="5736289"/>
+              <a:off x="4727411" y="5736337"/>
               <a:ext cx="63202" cy="63202"/>
             </a:xfrm>
             <a:custGeom>
@@ -24483,7 +24483,7 @@
           </p:nvSpPr>
           <p:spPr>
             <a:xfrm>
-              <a:off x="5149199" y="5646298"/>
+              <a:off x="4510424" y="5646306"/>
               <a:ext cx="63202" cy="63202"/>
             </a:xfrm>
             <a:custGeom>
@@ -24526,7 +24526,7 @@
           </p:nvSpPr>
           <p:spPr>
             <a:xfrm>
-              <a:off x="4700083" y="5451447"/>
+              <a:off x="4776845" y="5451449"/>
               <a:ext cx="63202" cy="63202"/>
             </a:xfrm>
             <a:custGeom>
@@ -24569,7 +24569,7 @@
           </p:nvSpPr>
           <p:spPr>
             <a:xfrm>
-              <a:off x="4857138" y="5428274"/>
+              <a:off x="4786604" y="5428347"/>
               <a:ext cx="63202" cy="63202"/>
             </a:xfrm>
             <a:custGeom>
@@ -24612,7 +24612,7 @@
           </p:nvSpPr>
           <p:spPr>
             <a:xfrm>
-              <a:off x="4704998" y="5862558"/>
+              <a:off x="4671674" y="5862586"/>
               <a:ext cx="63202" cy="63202"/>
             </a:xfrm>
             <a:custGeom>
@@ -24655,7 +24655,7 @@
           </p:nvSpPr>
           <p:spPr>
             <a:xfrm>
-              <a:off x="4570267" y="5789335"/>
+              <a:off x="4644291" y="5789364"/>
               <a:ext cx="63202" cy="63202"/>
             </a:xfrm>
             <a:custGeom>
@@ -24698,7 +24698,7 @@
           </p:nvSpPr>
           <p:spPr>
             <a:xfrm>
-              <a:off x="4752732" y="5431140"/>
+              <a:off x="5127123" y="5431148"/>
               <a:ext cx="63202" cy="63202"/>
             </a:xfrm>
             <a:custGeom>
@@ -24741,7 +24741,7 @@
           </p:nvSpPr>
           <p:spPr>
             <a:xfrm>
-              <a:off x="5133131" y="5401834"/>
+              <a:off x="4901793" y="5401851"/>
               <a:ext cx="63202" cy="63202"/>
             </a:xfrm>
             <a:custGeom>
@@ -24784,7 +24784,7 @@
           </p:nvSpPr>
           <p:spPr>
             <a:xfrm>
-              <a:off x="4965128" y="5502006"/>
+              <a:off x="4886945" y="5502055"/>
               <a:ext cx="63202" cy="63202"/>
             </a:xfrm>
             <a:custGeom>
@@ -24827,7 +24827,7 @@
           </p:nvSpPr>
           <p:spPr>
             <a:xfrm>
-              <a:off x="4737225" y="5437785"/>
+              <a:off x="4900195" y="5437815"/>
               <a:ext cx="63202" cy="63202"/>
             </a:xfrm>
             <a:custGeom>
@@ -24870,7 +24870,7 @@
           </p:nvSpPr>
           <p:spPr>
             <a:xfrm>
-              <a:off x="4805274" y="5386806"/>
+              <a:off x="4731896" y="5386827"/>
               <a:ext cx="63202" cy="63202"/>
             </a:xfrm>
             <a:custGeom>
@@ -24913,7 +24913,7 @@
           </p:nvSpPr>
           <p:spPr>
             <a:xfrm>
-              <a:off x="4555400" y="5395323"/>
+              <a:off x="4979143" y="5395341"/>
               <a:ext cx="63202" cy="63202"/>
             </a:xfrm>
             <a:custGeom>
@@ -24956,7 +24956,7 @@
           </p:nvSpPr>
           <p:spPr>
             <a:xfrm>
-              <a:off x="4588002" y="5413492"/>
+              <a:off x="4933236" y="5413508"/>
               <a:ext cx="63202" cy="63202"/>
             </a:xfrm>
             <a:custGeom>
@@ -24999,7 +24999,7 @@
           </p:nvSpPr>
           <p:spPr>
             <a:xfrm>
-              <a:off x="5030424" y="5723066"/>
+              <a:off x="5124003" y="5723084"/>
               <a:ext cx="63202" cy="63202"/>
             </a:xfrm>
             <a:custGeom>
@@ -25042,7 +25042,7 @@
           </p:nvSpPr>
           <p:spPr>
             <a:xfrm>
-              <a:off x="4657395" y="6106134"/>
+              <a:off x="5101428" y="6106184"/>
               <a:ext cx="63202" cy="63202"/>
             </a:xfrm>
             <a:custGeom>
@@ -25085,7 +25085,7 @@
           </p:nvSpPr>
           <p:spPr>
             <a:xfrm>
-              <a:off x="4935097" y="5655195"/>
+              <a:off x="5024129" y="5655211"/>
               <a:ext cx="63202" cy="63202"/>
             </a:xfrm>
             <a:custGeom>
@@ -25128,7 +25128,7 @@
           </p:nvSpPr>
           <p:spPr>
             <a:xfrm>
-              <a:off x="5020559" y="6133932"/>
+              <a:off x="4556479" y="6133931"/>
               <a:ext cx="63202" cy="63202"/>
             </a:xfrm>
             <a:custGeom>
@@ -25171,7 +25171,7 @@
           </p:nvSpPr>
           <p:spPr>
             <a:xfrm>
-              <a:off x="4584500" y="5713505"/>
+              <a:off x="4472440" y="5713516"/>
               <a:ext cx="63202" cy="63202"/>
             </a:xfrm>
             <a:custGeom>
@@ -25214,7 +25214,7 @@
           </p:nvSpPr>
           <p:spPr>
             <a:xfrm>
-              <a:off x="4546324" y="5414111"/>
+              <a:off x="4499024" y="5414157"/>
               <a:ext cx="63202" cy="63202"/>
             </a:xfrm>
             <a:custGeom>
@@ -25257,7 +25257,7 @@
           </p:nvSpPr>
           <p:spPr>
             <a:xfrm>
-              <a:off x="4777163" y="5700865"/>
+              <a:off x="4926124" y="5700866"/>
               <a:ext cx="63202" cy="63202"/>
             </a:xfrm>
             <a:custGeom>
@@ -25300,7 +25300,7 @@
           </p:nvSpPr>
           <p:spPr>
             <a:xfrm>
-              <a:off x="4966128" y="5717435"/>
+              <a:off x="4484416" y="5717438"/>
               <a:ext cx="63202" cy="63202"/>
             </a:xfrm>
             <a:custGeom>
@@ -25343,7 +25343,7 @@
           </p:nvSpPr>
           <p:spPr>
             <a:xfrm>
-              <a:off x="4962271" y="5810343"/>
+              <a:off x="5070528" y="5810384"/>
               <a:ext cx="63202" cy="63202"/>
             </a:xfrm>
             <a:custGeom>
@@ -25386,7 +25386,7 @@
           </p:nvSpPr>
           <p:spPr>
             <a:xfrm>
-              <a:off x="4618149" y="5718972"/>
+              <a:off x="4490768" y="5719012"/>
               <a:ext cx="63202" cy="63202"/>
             </a:xfrm>
             <a:custGeom>
@@ -25429,7 +25429,7 @@
           </p:nvSpPr>
           <p:spPr>
             <a:xfrm>
-              <a:off x="5125729" y="5466249"/>
+              <a:off x="5076829" y="5466246"/>
               <a:ext cx="63202" cy="63202"/>
             </a:xfrm>
             <a:custGeom>
@@ -25472,7 +25472,7 @@
           </p:nvSpPr>
           <p:spPr>
             <a:xfrm>
-              <a:off x="4518594" y="5606523"/>
+              <a:off x="4695760" y="5606522"/>
               <a:ext cx="63202" cy="63202"/>
             </a:xfrm>
             <a:custGeom>
@@ -25515,7 +25515,7 @@
           </p:nvSpPr>
           <p:spPr>
             <a:xfrm>
-              <a:off x="4647287" y="5483841"/>
+              <a:off x="4529342" y="5483832"/>
               <a:ext cx="63202" cy="63202"/>
             </a:xfrm>
             <a:custGeom>
@@ -25558,7 +25558,7 @@
           </p:nvSpPr>
           <p:spPr>
             <a:xfrm>
-              <a:off x="4684200" y="5769359"/>
+              <a:off x="5148576" y="5769376"/>
               <a:ext cx="63202" cy="63202"/>
             </a:xfrm>
             <a:custGeom>
@@ -25601,7 +25601,7 @@
           </p:nvSpPr>
           <p:spPr>
             <a:xfrm>
-              <a:off x="4701025" y="5562492"/>
+              <a:off x="4822003" y="5562536"/>
               <a:ext cx="63202" cy="63202"/>
             </a:xfrm>
             <a:custGeom>
@@ -25644,7 +25644,7 @@
           </p:nvSpPr>
           <p:spPr>
             <a:xfrm>
-              <a:off x="4618493" y="5774723"/>
+              <a:off x="4473326" y="5774745"/>
               <a:ext cx="63202" cy="63202"/>
             </a:xfrm>
             <a:custGeom>
@@ -25687,7 +25687,7 @@
           </p:nvSpPr>
           <p:spPr>
             <a:xfrm>
-              <a:off x="5132823" y="5716199"/>
+              <a:off x="4834879" y="5716218"/>
               <a:ext cx="63202" cy="63202"/>
             </a:xfrm>
             <a:custGeom>
@@ -25730,7 +25730,7 @@
           </p:nvSpPr>
           <p:spPr>
             <a:xfrm>
-              <a:off x="4511513" y="5597892"/>
+              <a:off x="5081238" y="5597914"/>
               <a:ext cx="63202" cy="63202"/>
             </a:xfrm>
             <a:custGeom>
@@ -25773,7 +25773,7 @@
           </p:nvSpPr>
           <p:spPr>
             <a:xfrm>
-              <a:off x="4589584" y="5470095"/>
+              <a:off x="4946186" y="5470163"/>
               <a:ext cx="63202" cy="63202"/>
             </a:xfrm>
             <a:custGeom>
@@ -25816,7 +25816,7 @@
           </p:nvSpPr>
           <p:spPr>
             <a:xfrm>
-              <a:off x="4518160" y="5727058"/>
+              <a:off x="5040163" y="5727079"/>
               <a:ext cx="63202" cy="63202"/>
             </a:xfrm>
             <a:custGeom>
@@ -25859,7 +25859,7 @@
           </p:nvSpPr>
           <p:spPr>
             <a:xfrm>
-              <a:off x="4553485" y="5504517"/>
+              <a:off x="5023988" y="5504581"/>
               <a:ext cx="63202" cy="63202"/>
             </a:xfrm>
             <a:custGeom>
@@ -25902,7 +25902,7 @@
           </p:nvSpPr>
           <p:spPr>
             <a:xfrm>
-              <a:off x="4667094" y="5503097"/>
+              <a:off x="4941260" y="5503117"/>
               <a:ext cx="63202" cy="63202"/>
             </a:xfrm>
             <a:custGeom>
@@ -25945,7 +25945,7 @@
           </p:nvSpPr>
           <p:spPr>
             <a:xfrm>
-              <a:off x="4474922" y="5444265"/>
+              <a:off x="4834484" y="5444262"/>
               <a:ext cx="63202" cy="63202"/>
             </a:xfrm>
             <a:custGeom>
@@ -25988,7 +25988,7 @@
           </p:nvSpPr>
           <p:spPr>
             <a:xfrm>
-              <a:off x="4643282" y="5437567"/>
+              <a:off x="4590591" y="5437634"/>
               <a:ext cx="63202" cy="63202"/>
             </a:xfrm>
             <a:custGeom>
@@ -26031,7 +26031,7 @@
           </p:nvSpPr>
           <p:spPr>
             <a:xfrm>
-              <a:off x="4572361" y="5854204"/>
+              <a:off x="4977532" y="5854250"/>
               <a:ext cx="63202" cy="63202"/>
             </a:xfrm>
             <a:custGeom>
@@ -26074,7 +26074,7 @@
           </p:nvSpPr>
           <p:spPr>
             <a:xfrm>
-              <a:off x="4806399" y="5473578"/>
+              <a:off x="4915722" y="5473609"/>
               <a:ext cx="63202" cy="63202"/>
             </a:xfrm>
             <a:custGeom>
@@ -26117,7 +26117,7 @@
           </p:nvSpPr>
           <p:spPr>
             <a:xfrm>
-              <a:off x="4940430" y="5436590"/>
+              <a:off x="5008265" y="5436626"/>
               <a:ext cx="63202" cy="63202"/>
             </a:xfrm>
             <a:custGeom>
@@ -26160,7 +26160,7 @@
           </p:nvSpPr>
           <p:spPr>
             <a:xfrm>
-              <a:off x="5000154" y="5424422"/>
+              <a:off x="5037063" y="5424428"/>
               <a:ext cx="63202" cy="63202"/>
             </a:xfrm>
             <a:custGeom>
@@ -26203,7 +26203,7 @@
           </p:nvSpPr>
           <p:spPr>
             <a:xfrm>
-              <a:off x="4469004" y="5486974"/>
+              <a:off x="4937919" y="5486962"/>
               <a:ext cx="63202" cy="63202"/>
             </a:xfrm>
             <a:custGeom>
@@ -26246,7 +26246,7 @@
           </p:nvSpPr>
           <p:spPr>
             <a:xfrm>
-              <a:off x="4972139" y="5443788"/>
+              <a:off x="4658698" y="5443779"/>
               <a:ext cx="63202" cy="63202"/>
             </a:xfrm>
             <a:custGeom>
@@ -26289,7 +26289,7 @@
           </p:nvSpPr>
           <p:spPr>
             <a:xfrm>
-              <a:off x="4557362" y="5778189"/>
+              <a:off x="4618062" y="5778226"/>
               <a:ext cx="63202" cy="63202"/>
             </a:xfrm>
             <a:custGeom>
@@ -26332,7 +26332,7 @@
           </p:nvSpPr>
           <p:spPr>
             <a:xfrm>
-              <a:off x="4624042" y="5488385"/>
+              <a:off x="4584520" y="5488376"/>
               <a:ext cx="63202" cy="63202"/>
             </a:xfrm>
             <a:custGeom>
@@ -26375,7 +26375,7 @@
           </p:nvSpPr>
           <p:spPr>
             <a:xfrm>
-              <a:off x="4791639" y="5482593"/>
+              <a:off x="5067673" y="5482609"/>
               <a:ext cx="63202" cy="63202"/>
             </a:xfrm>
             <a:custGeom>
@@ -26418,7 +26418,7 @@
           </p:nvSpPr>
           <p:spPr>
             <a:xfrm>
-              <a:off x="4490527" y="5496812"/>
+              <a:off x="4979019" y="5496794"/>
               <a:ext cx="63202" cy="63202"/>
             </a:xfrm>
             <a:custGeom>
@@ -26461,7 +26461,7 @@
           </p:nvSpPr>
           <p:spPr>
             <a:xfrm>
-              <a:off x="4840703" y="5393015"/>
+              <a:off x="4984766" y="5393026"/>
               <a:ext cx="63202" cy="63202"/>
             </a:xfrm>
             <a:custGeom>
@@ -26504,7 +26504,7 @@
           </p:nvSpPr>
           <p:spPr>
             <a:xfrm>
-              <a:off x="5089286" y="5419349"/>
+              <a:off x="4998000" y="5419373"/>
               <a:ext cx="63202" cy="63202"/>
             </a:xfrm>
             <a:custGeom>
@@ -26547,7 +26547,7 @@
           </p:nvSpPr>
           <p:spPr>
             <a:xfrm>
-              <a:off x="4840165" y="5430579"/>
+              <a:off x="5068612" y="5430626"/>
               <a:ext cx="63202" cy="63202"/>
             </a:xfrm>
             <a:custGeom>
@@ -26590,7 +26590,7 @@
           </p:nvSpPr>
           <p:spPr>
             <a:xfrm>
-              <a:off x="4618630" y="5431080"/>
+              <a:off x="5117229" y="5431125"/>
               <a:ext cx="63202" cy="63202"/>
             </a:xfrm>
             <a:custGeom>
@@ -26633,7 +26633,7 @@
           </p:nvSpPr>
           <p:spPr>
             <a:xfrm>
-              <a:off x="4868328" y="5474114"/>
+              <a:off x="5080636" y="5474155"/>
               <a:ext cx="63202" cy="63202"/>
             </a:xfrm>
             <a:custGeom>
@@ -26676,7 +26676,7 @@
           </p:nvSpPr>
           <p:spPr>
             <a:xfrm>
-              <a:off x="4521523" y="5805913"/>
+              <a:off x="5133810" y="5805926"/>
               <a:ext cx="63202" cy="63202"/>
             </a:xfrm>
             <a:custGeom>
@@ -26719,7 +26719,7 @@
           </p:nvSpPr>
           <p:spPr>
             <a:xfrm>
-              <a:off x="5142730" y="5456394"/>
+              <a:off x="4800815" y="5456443"/>
               <a:ext cx="63202" cy="63202"/>
             </a:xfrm>
             <a:custGeom>
@@ -26762,7 +26762,7 @@
           </p:nvSpPr>
           <p:spPr>
             <a:xfrm>
-              <a:off x="4945217" y="5402960"/>
+              <a:off x="4956257" y="5403014"/>
               <a:ext cx="63202" cy="63202"/>
             </a:xfrm>
             <a:custGeom>
@@ -26805,7 +26805,7 @@
           </p:nvSpPr>
           <p:spPr>
             <a:xfrm>
-              <a:off x="4990279" y="5791034"/>
+              <a:off x="4765826" y="5791036"/>
               <a:ext cx="63202" cy="63202"/>
             </a:xfrm>
             <a:custGeom>
@@ -26848,7 +26848,7 @@
           </p:nvSpPr>
           <p:spPr>
             <a:xfrm>
-              <a:off x="5136407" y="5431339"/>
+              <a:off x="4806188" y="5431363"/>
               <a:ext cx="63202" cy="63202"/>
             </a:xfrm>
             <a:custGeom>
@@ -26891,7 +26891,7 @@
           </p:nvSpPr>
           <p:spPr>
             <a:xfrm>
-              <a:off x="4900562" y="5508902"/>
+              <a:off x="4598912" y="5508912"/>
               <a:ext cx="63202" cy="63202"/>
             </a:xfrm>
             <a:custGeom>
@@ -26934,7 +26934,7 @@
           </p:nvSpPr>
           <p:spPr>
             <a:xfrm>
-              <a:off x="5082215" y="5392513"/>
+              <a:off x="4681280" y="5392549"/>
               <a:ext cx="63202" cy="63202"/>
             </a:xfrm>
             <a:custGeom>
@@ -26977,7 +26977,7 @@
           </p:nvSpPr>
           <p:spPr>
             <a:xfrm>
-              <a:off x="5161633" y="5469522"/>
+              <a:off x="4736544" y="5469525"/>
               <a:ext cx="63202" cy="63202"/>
             </a:xfrm>
             <a:custGeom>
@@ -27020,7 +27020,7 @@
           </p:nvSpPr>
           <p:spPr>
             <a:xfrm>
-              <a:off x="4506120" y="5391090"/>
+              <a:off x="4698545" y="5391112"/>
               <a:ext cx="63202" cy="63202"/>
             </a:xfrm>
             <a:custGeom>
@@ -27063,7 +27063,7 @@
           </p:nvSpPr>
           <p:spPr>
             <a:xfrm>
-              <a:off x="4755684" y="5390295"/>
+              <a:off x="4555051" y="5390294"/>
               <a:ext cx="63202" cy="63202"/>
             </a:xfrm>
             <a:custGeom>
@@ -27106,7 +27106,7 @@
           </p:nvSpPr>
           <p:spPr>
             <a:xfrm>
-              <a:off x="5069803" y="5389300"/>
+              <a:off x="4907987" y="5389381"/>
               <a:ext cx="63202" cy="63202"/>
             </a:xfrm>
             <a:custGeom>
@@ -27149,7 +27149,7 @@
           </p:nvSpPr>
           <p:spPr>
             <a:xfrm>
-              <a:off x="4521238" y="5393711"/>
+              <a:off x="4532365" y="5393794"/>
               <a:ext cx="63202" cy="63202"/>
             </a:xfrm>
             <a:custGeom>
@@ -27192,7 +27192,7 @@
           </p:nvSpPr>
           <p:spPr>
             <a:xfrm>
-              <a:off x="4574130" y="5444671"/>
+              <a:off x="5001533" y="5444690"/>
               <a:ext cx="63202" cy="63202"/>
             </a:xfrm>
             <a:custGeom>
@@ -27235,7 +27235,7 @@
           </p:nvSpPr>
           <p:spPr>
             <a:xfrm>
-              <a:off x="4858767" y="5689056"/>
+              <a:off x="4995971" y="5689082"/>
               <a:ext cx="63202" cy="63202"/>
             </a:xfrm>
             <a:custGeom>
@@ -27278,7 +27278,7 @@
           </p:nvSpPr>
           <p:spPr>
             <a:xfrm>
-              <a:off x="4741698" y="5432549"/>
+              <a:off x="4972424" y="5432616"/>
               <a:ext cx="63202" cy="63202"/>
             </a:xfrm>
             <a:custGeom>
@@ -27321,7 +27321,7 @@
           </p:nvSpPr>
           <p:spPr>
             <a:xfrm>
-              <a:off x="4778349" y="5408619"/>
+              <a:off x="5041978" y="5408639"/>
               <a:ext cx="63202" cy="63202"/>
             </a:xfrm>
             <a:custGeom>
@@ -27364,7 +27364,7 @@
           </p:nvSpPr>
           <p:spPr>
             <a:xfrm>
-              <a:off x="4806203" y="5594547"/>
+              <a:off x="4948615" y="5594581"/>
               <a:ext cx="63202" cy="63202"/>
             </a:xfrm>
             <a:custGeom>
@@ -27407,7 +27407,7 @@
           </p:nvSpPr>
           <p:spPr>
             <a:xfrm>
-              <a:off x="4570679" y="5584353"/>
+              <a:off x="4994746" y="5584365"/>
               <a:ext cx="63202" cy="63202"/>
             </a:xfrm>
             <a:custGeom>
@@ -27450,7 +27450,7 @@
           </p:nvSpPr>
           <p:spPr>
             <a:xfrm>
-              <a:off x="5088478" y="5600276"/>
+              <a:off x="5154512" y="5600263"/>
               <a:ext cx="63202" cy="63202"/>
             </a:xfrm>
             <a:custGeom>
@@ -27493,7 +27493,7 @@
           </p:nvSpPr>
           <p:spPr>
             <a:xfrm>
-              <a:off x="4708891" y="5756984"/>
+              <a:off x="5065395" y="5757011"/>
               <a:ext cx="63202" cy="63202"/>
             </a:xfrm>
             <a:custGeom>
@@ -27536,7 +27536,7 @@
           </p:nvSpPr>
           <p:spPr>
             <a:xfrm>
-              <a:off x="4546772" y="5392802"/>
+              <a:off x="4516891" y="5392836"/>
               <a:ext cx="63202" cy="63202"/>
             </a:xfrm>
             <a:custGeom>
@@ -27579,7 +27579,7 @@
           </p:nvSpPr>
           <p:spPr>
             <a:xfrm>
-              <a:off x="5117053" y="5576013"/>
+              <a:off x="4948409" y="5576032"/>
               <a:ext cx="63202" cy="63202"/>
             </a:xfrm>
             <a:custGeom>
@@ -27622,7 +27622,7 @@
           </p:nvSpPr>
           <p:spPr>
             <a:xfrm>
-              <a:off x="4831632" y="5755059"/>
+              <a:off x="4752855" y="5755074"/>
               <a:ext cx="63202" cy="63202"/>
             </a:xfrm>
             <a:custGeom>
@@ -27665,7 +27665,7 @@
           </p:nvSpPr>
           <p:spPr>
             <a:xfrm>
-              <a:off x="4937286" y="5777801"/>
+              <a:off x="4889618" y="5777788"/>
               <a:ext cx="63202" cy="63202"/>
             </a:xfrm>
             <a:custGeom>
@@ -27708,7 +27708,7 @@
           </p:nvSpPr>
           <p:spPr>
             <a:xfrm>
-              <a:off x="4819991" y="5391443"/>
+              <a:off x="4842145" y="5391440"/>
               <a:ext cx="63202" cy="63202"/>
             </a:xfrm>
             <a:custGeom>
@@ -27751,7 +27751,7 @@
           </p:nvSpPr>
           <p:spPr>
             <a:xfrm>
-              <a:off x="4500051" y="5412661"/>
+              <a:off x="4958742" y="5412697"/>
               <a:ext cx="63202" cy="63202"/>
             </a:xfrm>
             <a:custGeom>
@@ -27794,7 +27794,7 @@
           </p:nvSpPr>
           <p:spPr>
             <a:xfrm>
-              <a:off x="4634374" y="5812895"/>
+              <a:off x="4671657" y="5812923"/>
               <a:ext cx="63202" cy="63202"/>
             </a:xfrm>
             <a:custGeom>
@@ -27837,7 +27837,7 @@
           </p:nvSpPr>
           <p:spPr>
             <a:xfrm>
-              <a:off x="4811793" y="5430810"/>
+              <a:off x="5158119" y="5430815"/>
               <a:ext cx="63202" cy="63202"/>
             </a:xfrm>
             <a:custGeom>
@@ -27880,7 +27880,7 @@
           </p:nvSpPr>
           <p:spPr>
             <a:xfrm>
-              <a:off x="4609270" y="5397326"/>
+              <a:off x="4472803" y="5397388"/>
               <a:ext cx="63202" cy="63202"/>
             </a:xfrm>
             <a:custGeom>
@@ -27923,7 +27923,7 @@
           </p:nvSpPr>
           <p:spPr>
             <a:xfrm>
-              <a:off x="4540321" y="5789792"/>
+              <a:off x="5029140" y="5789805"/>
               <a:ext cx="63202" cy="63202"/>
             </a:xfrm>
             <a:custGeom>
@@ -27966,7 +27966,7 @@
           </p:nvSpPr>
           <p:spPr>
             <a:xfrm>
-              <a:off x="4981381" y="5790275"/>
+              <a:off x="4838963" y="5790263"/>
               <a:ext cx="63202" cy="63202"/>
             </a:xfrm>
             <a:custGeom>
@@ -28009,7 +28009,7 @@
           </p:nvSpPr>
           <p:spPr>
             <a:xfrm>
-              <a:off x="4822042" y="5503801"/>
+              <a:off x="5057754" y="5503786"/>
               <a:ext cx="63202" cy="63202"/>
             </a:xfrm>
             <a:custGeom>
@@ -28052,7 +28052,7 @@
           </p:nvSpPr>
           <p:spPr>
             <a:xfrm>
-              <a:off x="4485145" y="5465896"/>
+              <a:off x="5161276" y="5465950"/>
               <a:ext cx="63202" cy="63202"/>
             </a:xfrm>
             <a:custGeom>
@@ -28095,7 +28095,7 @@
           </p:nvSpPr>
           <p:spPr>
             <a:xfrm>
-              <a:off x="4973854" y="5448645"/>
+              <a:off x="4752155" y="5448712"/>
               <a:ext cx="63202" cy="63202"/>
             </a:xfrm>
             <a:custGeom>
@@ -28138,7 +28138,7 @@
           </p:nvSpPr>
           <p:spPr>
             <a:xfrm>
-              <a:off x="4692132" y="5379882"/>
+              <a:off x="4669054" y="5379937"/>
               <a:ext cx="63202" cy="63202"/>
             </a:xfrm>
             <a:custGeom>
@@ -28181,7 +28181,7 @@
           </p:nvSpPr>
           <p:spPr>
             <a:xfrm>
-              <a:off x="4898050" y="5458278"/>
+              <a:off x="4710122" y="5458311"/>
               <a:ext cx="63202" cy="63202"/>
             </a:xfrm>
             <a:custGeom>
@@ -28224,7 +28224,7 @@
           </p:nvSpPr>
           <p:spPr>
             <a:xfrm>
-              <a:off x="4480374" y="6247101"/>
+              <a:off x="4672778" y="6247087"/>
               <a:ext cx="63202" cy="63202"/>
             </a:xfrm>
             <a:custGeom>
@@ -28267,7 +28267,7 @@
           </p:nvSpPr>
           <p:spPr>
             <a:xfrm>
-              <a:off x="4888714" y="5415322"/>
+              <a:off x="4798990" y="5415341"/>
               <a:ext cx="63202" cy="63202"/>
             </a:xfrm>
             <a:custGeom>
@@ -28310,7 +28310,7 @@
           </p:nvSpPr>
           <p:spPr>
             <a:xfrm>
-              <a:off x="4744528" y="5421258"/>
+              <a:off x="4825367" y="5421288"/>
               <a:ext cx="63202" cy="63202"/>
             </a:xfrm>
             <a:custGeom>
@@ -28353,7 +28353,7 @@
           </p:nvSpPr>
           <p:spPr>
             <a:xfrm>
-              <a:off x="5123746" y="5408479"/>
+              <a:off x="4557480" y="5408489"/>
               <a:ext cx="63202" cy="63202"/>
             </a:xfrm>
             <a:custGeom>
@@ -28396,7 +28396,7 @@
           </p:nvSpPr>
           <p:spPr>
             <a:xfrm>
-              <a:off x="4682192" y="5395420"/>
+              <a:off x="4978562" y="5395449"/>
               <a:ext cx="63202" cy="63202"/>
             </a:xfrm>
             <a:custGeom>
@@ -28439,7 +28439,7 @@
           </p:nvSpPr>
           <p:spPr>
             <a:xfrm>
-              <a:off x="4771478" y="5747251"/>
+              <a:off x="4888106" y="5747239"/>
               <a:ext cx="63202" cy="63202"/>
             </a:xfrm>
             <a:custGeom>
@@ -28482,7 +28482,7 @@
           </p:nvSpPr>
           <p:spPr>
             <a:xfrm>
-              <a:off x="4857359" y="5728783"/>
+              <a:off x="4695637" y="5728798"/>
               <a:ext cx="63202" cy="63202"/>
             </a:xfrm>
             <a:custGeom>
@@ -28525,7 +28525,7 @@
           </p:nvSpPr>
           <p:spPr>
             <a:xfrm>
-              <a:off x="4978971" y="5821179"/>
+              <a:off x="4942033" y="5821200"/>
               <a:ext cx="63202" cy="63202"/>
             </a:xfrm>
             <a:custGeom>
@@ -28568,7 +28568,7 @@
           </p:nvSpPr>
           <p:spPr>
             <a:xfrm>
-              <a:off x="5151013" y="5434792"/>
+              <a:off x="5153632" y="5434858"/>
               <a:ext cx="63202" cy="63202"/>
             </a:xfrm>
             <a:custGeom>
@@ -28611,7 +28611,7 @@
           </p:nvSpPr>
           <p:spPr>
             <a:xfrm>
-              <a:off x="4722104" y="5502978"/>
+              <a:off x="4671897" y="5502992"/>
               <a:ext cx="63202" cy="63202"/>
             </a:xfrm>
             <a:custGeom>
@@ -28654,7 +28654,7 @@
           </p:nvSpPr>
           <p:spPr>
             <a:xfrm>
-              <a:off x="4972482" y="5469306"/>
+              <a:off x="4509308" y="5469328"/>
               <a:ext cx="63202" cy="63202"/>
             </a:xfrm>
             <a:custGeom>
@@ -28697,7 +28697,7 @@
           </p:nvSpPr>
           <p:spPr>
             <a:xfrm>
-              <a:off x="4560146" y="5638094"/>
+              <a:off x="4590951" y="5638067"/>
               <a:ext cx="63202" cy="63202"/>
             </a:xfrm>
             <a:custGeom>
@@ -28740,7 +28740,7 @@
           </p:nvSpPr>
           <p:spPr>
             <a:xfrm>
-              <a:off x="4731210" y="5497118"/>
+              <a:off x="5021332" y="5497150"/>
               <a:ext cx="63202" cy="63202"/>
             </a:xfrm>
             <a:custGeom>
@@ -28783,7 +28783,7 @@
           </p:nvSpPr>
           <p:spPr>
             <a:xfrm>
-              <a:off x="4933364" y="5495559"/>
+              <a:off x="4609138" y="5495601"/>
               <a:ext cx="63202" cy="63202"/>
             </a:xfrm>
             <a:custGeom>
@@ -28826,7 +28826,7 @@
           </p:nvSpPr>
           <p:spPr>
             <a:xfrm>
-              <a:off x="4717438" y="5495960"/>
+              <a:off x="4898524" y="5495990"/>
               <a:ext cx="63202" cy="63202"/>
             </a:xfrm>
             <a:custGeom>
@@ -28869,7 +28869,7 @@
           </p:nvSpPr>
           <p:spPr>
             <a:xfrm>
-              <a:off x="4719985" y="6071677"/>
+              <a:off x="4858532" y="6071653"/>
               <a:ext cx="63202" cy="63202"/>
             </a:xfrm>
             <a:custGeom>
@@ -28912,7 +28912,7 @@
           </p:nvSpPr>
           <p:spPr>
             <a:xfrm>
-              <a:off x="5016791" y="5680288"/>
+              <a:off x="4477344" y="5680290"/>
               <a:ext cx="63202" cy="63202"/>
             </a:xfrm>
             <a:custGeom>
@@ -28955,7 +28955,7 @@
           </p:nvSpPr>
           <p:spPr>
             <a:xfrm>
-              <a:off x="5139752" y="5380928"/>
+              <a:off x="4887067" y="5380948"/>
               <a:ext cx="63202" cy="63202"/>
             </a:xfrm>
             <a:custGeom>
@@ -28998,7 +28998,7 @@
           </p:nvSpPr>
           <p:spPr>
             <a:xfrm>
-              <a:off x="4992311" y="5495242"/>
+              <a:off x="4675119" y="5495256"/>
               <a:ext cx="63202" cy="63202"/>
             </a:xfrm>
             <a:custGeom>
@@ -29041,7 +29041,7 @@
           </p:nvSpPr>
           <p:spPr>
             <a:xfrm>
-              <a:off x="4578383" y="5402836"/>
+              <a:off x="4817678" y="5402868"/>
               <a:ext cx="63202" cy="63202"/>
             </a:xfrm>
             <a:custGeom>
@@ -29084,7 +29084,7 @@
           </p:nvSpPr>
           <p:spPr>
             <a:xfrm>
-              <a:off x="4839300" y="5416090"/>
+              <a:off x="4695486" y="5416103"/>
               <a:ext cx="63202" cy="63202"/>
             </a:xfrm>
             <a:custGeom>
@@ -29127,7 +29127,7 @@
           </p:nvSpPr>
           <p:spPr>
             <a:xfrm>
-              <a:off x="4515315" y="5393762"/>
+              <a:off x="5104989" y="5393769"/>
               <a:ext cx="63202" cy="63202"/>
             </a:xfrm>
             <a:custGeom>
@@ -29170,7 +29170,7 @@
           </p:nvSpPr>
           <p:spPr>
             <a:xfrm>
-              <a:off x="4618880" y="5901755"/>
+              <a:off x="4563637" y="5901783"/>
               <a:ext cx="63202" cy="63202"/>
             </a:xfrm>
             <a:custGeom>
@@ -29213,7 +29213,7 @@
           </p:nvSpPr>
           <p:spPr>
             <a:xfrm>
-              <a:off x="5127836" y="5543009"/>
+              <a:off x="4493654" y="5543036"/>
               <a:ext cx="63202" cy="63202"/>
             </a:xfrm>
             <a:custGeom>
@@ -29256,7 +29256,7 @@
           </p:nvSpPr>
           <p:spPr>
             <a:xfrm>
-              <a:off x="5058987" y="5501340"/>
+              <a:off x="4662037" y="5501370"/>
               <a:ext cx="63202" cy="63202"/>
             </a:xfrm>
             <a:custGeom>
@@ -29299,7 +29299,7 @@
           </p:nvSpPr>
           <p:spPr>
             <a:xfrm>
-              <a:off x="4480450" y="5419057"/>
+              <a:off x="4874741" y="5419096"/>
               <a:ext cx="63202" cy="63202"/>
             </a:xfrm>
             <a:custGeom>
@@ -29342,7 +29342,7 @@
           </p:nvSpPr>
           <p:spPr>
             <a:xfrm>
-              <a:off x="4795610" y="5428432"/>
+              <a:off x="5095452" y="5428482"/>
               <a:ext cx="63202" cy="63202"/>
             </a:xfrm>
             <a:custGeom>
@@ -29385,7 +29385,7 @@
           </p:nvSpPr>
           <p:spPr>
             <a:xfrm>
-              <a:off x="4904468" y="5405607"/>
+              <a:off x="5137940" y="5405656"/>
               <a:ext cx="63202" cy="63202"/>
             </a:xfrm>
             <a:custGeom>
@@ -29428,7 +29428,7 @@
           </p:nvSpPr>
           <p:spPr>
             <a:xfrm>
-              <a:off x="5022098" y="5401324"/>
+              <a:off x="4734719" y="5401396"/>
               <a:ext cx="63202" cy="63202"/>
             </a:xfrm>
             <a:custGeom>
@@ -29471,7 +29471,7 @@
           </p:nvSpPr>
           <p:spPr>
             <a:xfrm>
-              <a:off x="4498609" y="5407495"/>
+              <a:off x="4676147" y="5407545"/>
               <a:ext cx="63202" cy="63202"/>
             </a:xfrm>
             <a:custGeom>
@@ -29514,7 +29514,7 @@
           </p:nvSpPr>
           <p:spPr>
             <a:xfrm>
-              <a:off x="5150350" y="5485413"/>
+              <a:off x="4843933" y="5485409"/>
               <a:ext cx="63202" cy="63202"/>
             </a:xfrm>
             <a:custGeom>
@@ -29557,7 +29557,7 @@
           </p:nvSpPr>
           <p:spPr>
             <a:xfrm>
-              <a:off x="4487442" y="5376273"/>
+              <a:off x="4969518" y="5376336"/>
               <a:ext cx="63202" cy="63202"/>
             </a:xfrm>
             <a:custGeom>
@@ -29600,7 +29600,7 @@
           </p:nvSpPr>
           <p:spPr>
             <a:xfrm>
-              <a:off x="4647841" y="5420461"/>
+              <a:off x="4476881" y="5420522"/>
               <a:ext cx="63202" cy="63202"/>
             </a:xfrm>
             <a:custGeom>
@@ -29643,7 +29643,7 @@
           </p:nvSpPr>
           <p:spPr>
             <a:xfrm>
-              <a:off x="4874958" y="6184020"/>
+              <a:off x="4764099" y="6184057"/>
               <a:ext cx="63202" cy="63202"/>
             </a:xfrm>
             <a:custGeom>
@@ -29686,7 +29686,7 @@
           </p:nvSpPr>
           <p:spPr>
             <a:xfrm>
-              <a:off x="4907928" y="5716031"/>
+              <a:off x="4486694" y="5716045"/>
               <a:ext cx="63202" cy="63202"/>
             </a:xfrm>
             <a:custGeom>
@@ -29729,7 +29729,7 @@
           </p:nvSpPr>
           <p:spPr>
             <a:xfrm>
-              <a:off x="4757338" y="5384645"/>
+              <a:off x="4848677" y="5384674"/>
               <a:ext cx="63202" cy="63202"/>
             </a:xfrm>
             <a:custGeom>
@@ -29772,7 +29772,7 @@
           </p:nvSpPr>
           <p:spPr>
             <a:xfrm>
-              <a:off x="4603836" y="5491786"/>
+              <a:off x="5090225" y="5491799"/>
               <a:ext cx="63202" cy="63202"/>
             </a:xfrm>
             <a:custGeom>
@@ -29815,7 +29815,7 @@
           </p:nvSpPr>
           <p:spPr>
             <a:xfrm>
-              <a:off x="4565919" y="5444841"/>
+              <a:off x="4501212" y="5444906"/>
               <a:ext cx="63202" cy="63202"/>
             </a:xfrm>
             <a:custGeom>
@@ -29858,7 +29858,7 @@
           </p:nvSpPr>
           <p:spPr>
             <a:xfrm>
-              <a:off x="4481931" y="5389861"/>
+              <a:off x="5111064" y="5389877"/>
               <a:ext cx="63202" cy="63202"/>
             </a:xfrm>
             <a:custGeom>
@@ -29901,7 +29901,7 @@
           </p:nvSpPr>
           <p:spPr>
             <a:xfrm>
-              <a:off x="5102744" y="5582644"/>
+              <a:off x="4608260" y="5582679"/>
               <a:ext cx="63202" cy="63202"/>
             </a:xfrm>
             <a:custGeom>
@@ -29944,7 +29944,7 @@
           </p:nvSpPr>
           <p:spPr>
             <a:xfrm>
-              <a:off x="4929195" y="5433461"/>
+              <a:off x="4595977" y="5433478"/>
               <a:ext cx="63202" cy="63202"/>
             </a:xfrm>
             <a:custGeom>
@@ -29987,7 +29987,7 @@
           </p:nvSpPr>
           <p:spPr>
             <a:xfrm>
-              <a:off x="5167701" y="5393951"/>
+              <a:off x="4517097" y="5393973"/>
               <a:ext cx="63202" cy="63202"/>
             </a:xfrm>
             <a:custGeom>
@@ -30030,7 +30030,7 @@
           </p:nvSpPr>
           <p:spPr>
             <a:xfrm>
-              <a:off x="4841079" y="5410290"/>
+              <a:off x="4937365" y="5410349"/>
               <a:ext cx="63202" cy="63202"/>
             </a:xfrm>
             <a:custGeom>
@@ -30073,7 +30073,7 @@
           </p:nvSpPr>
           <p:spPr>
             <a:xfrm>
-              <a:off x="4976913" y="5877037"/>
+              <a:off x="4712688" y="5877022"/>
               <a:ext cx="63202" cy="63202"/>
             </a:xfrm>
             <a:custGeom>
@@ -30116,7 +30116,7 @@
           </p:nvSpPr>
           <p:spPr>
             <a:xfrm>
-              <a:off x="4754106" y="5387475"/>
+              <a:off x="4849931" y="5387542"/>
               <a:ext cx="63202" cy="63202"/>
             </a:xfrm>
             <a:custGeom>
@@ -30159,7 +30159,7 @@
           </p:nvSpPr>
           <p:spPr>
             <a:xfrm>
-              <a:off x="4823373" y="5390205"/>
+              <a:off x="4690670" y="5390237"/>
               <a:ext cx="63202" cy="63202"/>
             </a:xfrm>
             <a:custGeom>
@@ -30202,7 +30202,7 @@
           </p:nvSpPr>
           <p:spPr>
             <a:xfrm>
-              <a:off x="4943173" y="5759716"/>
+              <a:off x="4690161" y="5759717"/>
               <a:ext cx="63202" cy="63202"/>
             </a:xfrm>
             <a:custGeom>
@@ -30245,7 +30245,7 @@
           </p:nvSpPr>
           <p:spPr>
             <a:xfrm>
-              <a:off x="4756452" y="6065062"/>
+              <a:off x="4805475" y="6065115"/>
               <a:ext cx="63202" cy="63202"/>
             </a:xfrm>
             <a:custGeom>
@@ -30288,7 +30288,7 @@
           </p:nvSpPr>
           <p:spPr>
             <a:xfrm>
-              <a:off x="5116962" y="5405903"/>
+              <a:off x="4555912" y="5405929"/>
               <a:ext cx="63202" cy="63202"/>
             </a:xfrm>
             <a:custGeom>
@@ -30331,7 +30331,7 @@
           </p:nvSpPr>
           <p:spPr>
             <a:xfrm>
-              <a:off x="4530462" y="5431091"/>
+              <a:off x="5128149" y="5431087"/>
               <a:ext cx="63202" cy="63202"/>
             </a:xfrm>
             <a:custGeom>
@@ -30374,7 +30374,7 @@
           </p:nvSpPr>
           <p:spPr>
             <a:xfrm>
-              <a:off x="4643535" y="5423718"/>
+              <a:off x="4881402" y="5423768"/>
               <a:ext cx="63202" cy="63202"/>
             </a:xfrm>
             <a:custGeom>
@@ -30417,7 +30417,7 @@
           </p:nvSpPr>
           <p:spPr>
             <a:xfrm>
-              <a:off x="5003834" y="5400648"/>
+              <a:off x="4854753" y="5400688"/>
               <a:ext cx="63202" cy="63202"/>
             </a:xfrm>
             <a:custGeom>
@@ -30460,7 +30460,7 @@
           </p:nvSpPr>
           <p:spPr>
             <a:xfrm>
-              <a:off x="5054996" y="5475820"/>
+              <a:off x="5070225" y="5475859"/>
               <a:ext cx="63202" cy="63202"/>
             </a:xfrm>
             <a:custGeom>
@@ -30503,7 +30503,7 @@
           </p:nvSpPr>
           <p:spPr>
             <a:xfrm>
-              <a:off x="5147122" y="5610918"/>
+              <a:off x="4598557" y="5610917"/>
               <a:ext cx="63202" cy="63202"/>
             </a:xfrm>
             <a:custGeom>
@@ -30546,7 +30546,7 @@
           </p:nvSpPr>
           <p:spPr>
             <a:xfrm>
-              <a:off x="5091373" y="5399580"/>
+              <a:off x="4484932" y="5399610"/>
               <a:ext cx="63202" cy="63202"/>
             </a:xfrm>
             <a:custGeom>
@@ -30589,7 +30589,7 @@
           </p:nvSpPr>
           <p:spPr>
             <a:xfrm>
-              <a:off x="4570338" y="5820941"/>
+              <a:off x="4514946" y="5821001"/>
               <a:ext cx="63202" cy="63202"/>
             </a:xfrm>
             <a:custGeom>
@@ -30632,7 +30632,7 @@
           </p:nvSpPr>
           <p:spPr>
             <a:xfrm>
-              <a:off x="4861834" y="5503332"/>
+              <a:off x="4536754" y="5503310"/>
               <a:ext cx="63202" cy="63202"/>
             </a:xfrm>
             <a:custGeom>
@@ -30675,7 +30675,7 @@
           </p:nvSpPr>
           <p:spPr>
             <a:xfrm>
-              <a:off x="4607828" y="5403150"/>
+              <a:off x="4550655" y="5403196"/>
               <a:ext cx="63202" cy="63202"/>
             </a:xfrm>
             <a:custGeom>
@@ -30718,7 +30718,7 @@
           </p:nvSpPr>
           <p:spPr>
             <a:xfrm>
-              <a:off x="4524985" y="5378825"/>
+              <a:off x="4964081" y="5378828"/>
               <a:ext cx="63202" cy="63202"/>
             </a:xfrm>
             <a:custGeom>
@@ -30761,7 +30761,7 @@
           </p:nvSpPr>
           <p:spPr>
             <a:xfrm>
-              <a:off x="4856673" y="5479318"/>
+              <a:off x="4966675" y="5479384"/>
               <a:ext cx="63202" cy="63202"/>
             </a:xfrm>
             <a:custGeom>
@@ -30804,7 +30804,7 @@
           </p:nvSpPr>
           <p:spPr>
             <a:xfrm>
-              <a:off x="5118215" y="5490477"/>
+              <a:off x="4523673" y="5490499"/>
               <a:ext cx="63202" cy="63202"/>
             </a:xfrm>
             <a:custGeom>
@@ -30847,7 +30847,7 @@
           </p:nvSpPr>
           <p:spPr>
             <a:xfrm>
-              <a:off x="4839677" y="6001356"/>
+              <a:off x="4647136" y="6001357"/>
               <a:ext cx="63202" cy="63202"/>
             </a:xfrm>
             <a:custGeom>
@@ -30890,7 +30890,7 @@
           </p:nvSpPr>
           <p:spPr>
             <a:xfrm>
-              <a:off x="4511575" y="5503018"/>
+              <a:off x="4894534" y="5503045"/>
               <a:ext cx="63202" cy="63202"/>
             </a:xfrm>
             <a:custGeom>
@@ -30933,7 +30933,7 @@
           </p:nvSpPr>
           <p:spPr>
             <a:xfrm>
-              <a:off x="5083855" y="5493848"/>
+              <a:off x="4827735" y="5493883"/>
               <a:ext cx="63202" cy="63202"/>
             </a:xfrm>
             <a:custGeom>
@@ -30976,7 +30976,7 @@
           </p:nvSpPr>
           <p:spPr>
             <a:xfrm>
-              <a:off x="4689992" y="5380753"/>
+              <a:off x="4530419" y="5380790"/>
               <a:ext cx="63202" cy="63202"/>
             </a:xfrm>
             <a:custGeom>
@@ -31019,7 +31019,7 @@
           </p:nvSpPr>
           <p:spPr>
             <a:xfrm>
-              <a:off x="4978862" y="5442492"/>
+              <a:off x="4649486" y="5442511"/>
               <a:ext cx="63202" cy="63202"/>
             </a:xfrm>
             <a:custGeom>
@@ -31062,7 +31062,7 @@
           </p:nvSpPr>
           <p:spPr>
             <a:xfrm>
-              <a:off x="4862379" y="5772205"/>
+              <a:off x="4999033" y="5772207"/>
               <a:ext cx="63202" cy="63202"/>
             </a:xfrm>
             <a:custGeom>
@@ -31105,7 +31105,7 @@
           </p:nvSpPr>
           <p:spPr>
             <a:xfrm>
-              <a:off x="4683192" y="5393798"/>
+              <a:off x="5034845" y="5393820"/>
               <a:ext cx="63202" cy="63202"/>
             </a:xfrm>
             <a:custGeom>
@@ -31148,7 +31148,7 @@
           </p:nvSpPr>
           <p:spPr>
             <a:xfrm>
-              <a:off x="5156307" y="5400451"/>
+              <a:off x="5015643" y="5400478"/>
               <a:ext cx="63202" cy="63202"/>
             </a:xfrm>
             <a:custGeom>
@@ -31191,7 +31191,7 @@
           </p:nvSpPr>
           <p:spPr>
             <a:xfrm>
-              <a:off x="4922527" y="5399969"/>
+              <a:off x="4967980" y="5399996"/>
               <a:ext cx="63202" cy="63202"/>
             </a:xfrm>
             <a:custGeom>
@@ -31234,7 +31234,7 @@
           </p:nvSpPr>
           <p:spPr>
             <a:xfrm>
-              <a:off x="5148202" y="5781870"/>
+              <a:off x="4574146" y="5781878"/>
               <a:ext cx="63202" cy="63202"/>
             </a:xfrm>
             <a:custGeom>
@@ -31277,7 +31277,7 @@
           </p:nvSpPr>
           <p:spPr>
             <a:xfrm>
-              <a:off x="4604294" y="5387007"/>
+              <a:off x="5097149" y="5387038"/>
               <a:ext cx="63202" cy="63202"/>
             </a:xfrm>
             <a:custGeom>
@@ -31320,7 +31320,7 @@
           </p:nvSpPr>
           <p:spPr>
             <a:xfrm>
-              <a:off x="4719143" y="5461683"/>
+              <a:off x="4608575" y="5461737"/>
               <a:ext cx="63202" cy="63202"/>
             </a:xfrm>
             <a:custGeom>
@@ -31363,7 +31363,7 @@
           </p:nvSpPr>
           <p:spPr>
             <a:xfrm>
-              <a:off x="4850469" y="5485671"/>
+              <a:off x="4778152" y="5485693"/>
               <a:ext cx="63202" cy="63202"/>
             </a:xfrm>
             <a:custGeom>
@@ -31406,7 +31406,7 @@
           </p:nvSpPr>
           <p:spPr>
             <a:xfrm>
-              <a:off x="5104658" y="5414738"/>
+              <a:off x="4597897" y="5414733"/>
               <a:ext cx="63202" cy="63202"/>
             </a:xfrm>
             <a:custGeom>
@@ -31449,7 +31449,7 @@
           </p:nvSpPr>
           <p:spPr>
             <a:xfrm>
-              <a:off x="5030941" y="5791416"/>
+              <a:off x="4786906" y="5791418"/>
               <a:ext cx="63202" cy="63202"/>
             </a:xfrm>
             <a:custGeom>
@@ -31492,7 +31492,7 @@
           </p:nvSpPr>
           <p:spPr>
             <a:xfrm>
-              <a:off x="5090607" y="5546198"/>
+              <a:off x="4501371" y="5546218"/>
               <a:ext cx="63202" cy="63202"/>
             </a:xfrm>
             <a:custGeom>
@@ -31535,7 +31535,7 @@
           </p:nvSpPr>
           <p:spPr>
             <a:xfrm>
-              <a:off x="4512555" y="5432433"/>
+              <a:off x="4994599" y="5432467"/>
               <a:ext cx="63202" cy="63202"/>
             </a:xfrm>
             <a:custGeom>
@@ -31578,7 +31578,7 @@
           </p:nvSpPr>
           <p:spPr>
             <a:xfrm>
-              <a:off x="4678212" y="5394127"/>
+              <a:off x="4957886" y="5394195"/>
               <a:ext cx="63202" cy="63202"/>
             </a:xfrm>
             <a:custGeom>
@@ -31621,7 +31621,7 @@
           </p:nvSpPr>
           <p:spPr>
             <a:xfrm>
-              <a:off x="4860910" y="5454087"/>
+              <a:off x="4872546" y="5454140"/>
               <a:ext cx="63202" cy="63202"/>
             </a:xfrm>
             <a:custGeom>
@@ -31664,7 +31664,7 @@
           </p:nvSpPr>
           <p:spPr>
             <a:xfrm>
-              <a:off x="4899771" y="5424559"/>
+              <a:off x="4709950" y="5424573"/>
               <a:ext cx="63202" cy="63202"/>
             </a:xfrm>
             <a:custGeom>
@@ -31707,7 +31707,7 @@
           </p:nvSpPr>
           <p:spPr>
             <a:xfrm>
-              <a:off x="5020665" y="5498446"/>
+              <a:off x="4951162" y="5498459"/>
               <a:ext cx="63202" cy="63202"/>
             </a:xfrm>
             <a:custGeom>
@@ -31750,7 +31750,7 @@
           </p:nvSpPr>
           <p:spPr>
             <a:xfrm>
-              <a:off x="4936872" y="5902165"/>
+              <a:off x="4925018" y="5902155"/>
               <a:ext cx="63202" cy="63202"/>
             </a:xfrm>
             <a:custGeom>
@@ -31793,7 +31793,7 @@
           </p:nvSpPr>
           <p:spPr>
             <a:xfrm>
-              <a:off x="4901820" y="5843970"/>
+              <a:off x="4892572" y="5843989"/>
               <a:ext cx="63202" cy="63202"/>
             </a:xfrm>
             <a:custGeom>
@@ -31836,7 +31836,7 @@
           </p:nvSpPr>
           <p:spPr>
             <a:xfrm>
-              <a:off x="4873336" y="5540708"/>
+              <a:off x="4814540" y="5540754"/>
               <a:ext cx="63202" cy="63202"/>
             </a:xfrm>
             <a:custGeom>
@@ -31879,7 +31879,7 @@
           </p:nvSpPr>
           <p:spPr>
             <a:xfrm>
-              <a:off x="4759462" y="5952073"/>
+              <a:off x="5074388" y="5952061"/>
               <a:ext cx="63202" cy="63202"/>
             </a:xfrm>
             <a:custGeom>
@@ -31922,7 +31922,7 @@
           </p:nvSpPr>
           <p:spPr>
             <a:xfrm>
-              <a:off x="4810146" y="5395773"/>
+              <a:off x="4509194" y="5395822"/>
               <a:ext cx="63202" cy="63202"/>
             </a:xfrm>
             <a:custGeom>
@@ -31965,7 +31965,7 @@
           </p:nvSpPr>
           <p:spPr>
             <a:xfrm>
-              <a:off x="4870902" y="5460243"/>
+              <a:off x="5157057" y="5460310"/>
               <a:ext cx="63202" cy="63202"/>
             </a:xfrm>
             <a:custGeom>
@@ -32008,7 +32008,7 @@
           </p:nvSpPr>
           <p:spPr>
             <a:xfrm>
-              <a:off x="4966934" y="5441476"/>
+              <a:off x="4933665" y="5441467"/>
               <a:ext cx="63202" cy="63202"/>
             </a:xfrm>
             <a:custGeom>
@@ -32051,7 +32051,7 @@
           </p:nvSpPr>
           <p:spPr>
             <a:xfrm>
-              <a:off x="4864580" y="5390162"/>
+              <a:off x="4822690" y="5390193"/>
               <a:ext cx="63202" cy="63202"/>
             </a:xfrm>
             <a:custGeom>
@@ -32094,7 +32094,7 @@
           </p:nvSpPr>
           <p:spPr>
             <a:xfrm>
-              <a:off x="4878595" y="5435646"/>
+              <a:off x="4668942" y="5435674"/>
               <a:ext cx="63202" cy="63202"/>
             </a:xfrm>
             <a:custGeom>
@@ -32137,7 +32137,7 @@
           </p:nvSpPr>
           <p:spPr>
             <a:xfrm>
-              <a:off x="4813435" y="5402476"/>
+              <a:off x="4676328" y="5402544"/>
               <a:ext cx="63202" cy="63202"/>
             </a:xfrm>
             <a:custGeom>
@@ -32180,7 +32180,7 @@
           </p:nvSpPr>
           <p:spPr>
             <a:xfrm>
-              <a:off x="4592130" y="5409666"/>
+              <a:off x="5003104" y="5409703"/>
               <a:ext cx="63202" cy="63202"/>
             </a:xfrm>
             <a:custGeom>
@@ -32223,7 +32223,7 @@
           </p:nvSpPr>
           <p:spPr>
             <a:xfrm>
-              <a:off x="4715353" y="5425046"/>
+              <a:off x="4638192" y="5425056"/>
               <a:ext cx="63202" cy="63202"/>
             </a:xfrm>
             <a:custGeom>
@@ -32266,7 +32266,7 @@
           </p:nvSpPr>
           <p:spPr>
             <a:xfrm>
-              <a:off x="4501532" y="5780724"/>
+              <a:off x="4669747" y="5780729"/>
               <a:ext cx="63202" cy="63202"/>
             </a:xfrm>
             <a:custGeom>
@@ -32309,7 +32309,7 @@
           </p:nvSpPr>
           <p:spPr>
             <a:xfrm>
-              <a:off x="4610403" y="5612210"/>
+              <a:off x="4729584" y="5612219"/>
               <a:ext cx="63202" cy="63202"/>
             </a:xfrm>
             <a:custGeom>
@@ -32352,7 +32352,7 @@
           </p:nvSpPr>
           <p:spPr>
             <a:xfrm>
-              <a:off x="4678139" y="5380270"/>
+              <a:off x="4888124" y="5380340"/>
               <a:ext cx="63202" cy="63202"/>
             </a:xfrm>
             <a:custGeom>
@@ -32395,7 +32395,7 @@
           </p:nvSpPr>
           <p:spPr>
             <a:xfrm>
-              <a:off x="4930942" y="5495660"/>
+              <a:off x="5020042" y="5495638"/>
               <a:ext cx="63202" cy="63202"/>
             </a:xfrm>
             <a:custGeom>
@@ -32438,7 +32438,7 @@
           </p:nvSpPr>
           <p:spPr>
             <a:xfrm>
-              <a:off x="4867196" y="5496908"/>
+              <a:off x="4525810" y="5496954"/>
               <a:ext cx="63202" cy="63202"/>
             </a:xfrm>
             <a:custGeom>
@@ -32481,7 +32481,7 @@
           </p:nvSpPr>
           <p:spPr>
             <a:xfrm>
-              <a:off x="4579367" y="5411179"/>
+              <a:off x="4934496" y="5411219"/>
               <a:ext cx="63202" cy="63202"/>
             </a:xfrm>
             <a:custGeom>
@@ -32524,7 +32524,7 @@
           </p:nvSpPr>
           <p:spPr>
             <a:xfrm>
-              <a:off x="4918011" y="5439750"/>
+              <a:off x="4851779" y="5439803"/>
               <a:ext cx="63202" cy="63202"/>
             </a:xfrm>
             <a:custGeom>
@@ -32567,7 +32567,7 @@
           </p:nvSpPr>
           <p:spPr>
             <a:xfrm>
-              <a:off x="4640131" y="5483754"/>
+              <a:off x="4615953" y="5483772"/>
               <a:ext cx="63202" cy="63202"/>
             </a:xfrm>
             <a:custGeom>
@@ -32610,7 +32610,7 @@
           </p:nvSpPr>
           <p:spPr>
             <a:xfrm>
-              <a:off x="4924121" y="5485099"/>
+              <a:off x="4494956" y="5485161"/>
               <a:ext cx="63202" cy="63202"/>
             </a:xfrm>
             <a:custGeom>
@@ -32653,7 +32653,7 @@
           </p:nvSpPr>
           <p:spPr>
             <a:xfrm>
-              <a:off x="4870468" y="5433605"/>
+              <a:off x="4644406" y="5433632"/>
               <a:ext cx="63202" cy="63202"/>
             </a:xfrm>
             <a:custGeom>
@@ -32696,7 +32696,7 @@
           </p:nvSpPr>
           <p:spPr>
             <a:xfrm>
-              <a:off x="4525092" y="5431495"/>
+              <a:off x="5142304" y="5431522"/>
               <a:ext cx="63202" cy="63202"/>
             </a:xfrm>
             <a:custGeom>
@@ -32739,7 +32739,7 @@
           </p:nvSpPr>
           <p:spPr>
             <a:xfrm>
-              <a:off x="5075574" y="5540295"/>
+              <a:off x="4615144" y="5540338"/>
               <a:ext cx="63202" cy="63202"/>
             </a:xfrm>
             <a:custGeom>
@@ -32782,7 +32782,7 @@
           </p:nvSpPr>
           <p:spPr>
             <a:xfrm>
-              <a:off x="4698869" y="5430721"/>
+              <a:off x="5011953" y="5430739"/>
               <a:ext cx="63202" cy="63202"/>
             </a:xfrm>
             <a:custGeom>
@@ -32825,7 +32825,7 @@
           </p:nvSpPr>
           <p:spPr>
             <a:xfrm>
-              <a:off x="4674166" y="5424958"/>
+              <a:off x="4807628" y="5424968"/>
               <a:ext cx="63202" cy="63202"/>
             </a:xfrm>
             <a:custGeom>
@@ -32868,7 +32868,7 @@
           </p:nvSpPr>
           <p:spPr>
             <a:xfrm>
-              <a:off x="4929940" y="5697655"/>
+              <a:off x="4500746" y="5697703"/>
               <a:ext cx="63202" cy="63202"/>
             </a:xfrm>
             <a:custGeom>
@@ -32911,7 +32911,7 @@
           </p:nvSpPr>
           <p:spPr>
             <a:xfrm>
-              <a:off x="4872671" y="5410827"/>
+              <a:off x="4979264" y="5410875"/>
               <a:ext cx="63202" cy="63202"/>
             </a:xfrm>
             <a:custGeom>
@@ -32954,7 +32954,7 @@
           </p:nvSpPr>
           <p:spPr>
             <a:xfrm>
-              <a:off x="4996767" y="5434990"/>
+              <a:off x="4727143" y="5435059"/>
               <a:ext cx="63202" cy="63202"/>
             </a:xfrm>
             <a:custGeom>
@@ -32997,7 +32997,7 @@
           </p:nvSpPr>
           <p:spPr>
             <a:xfrm>
-              <a:off x="4808712" y="5423562"/>
+              <a:off x="5115874" y="5423580"/>
               <a:ext cx="63202" cy="63202"/>
             </a:xfrm>
             <a:custGeom>
@@ -33040,7 +33040,7 @@
           </p:nvSpPr>
           <p:spPr>
             <a:xfrm>
-              <a:off x="4626127" y="5405537"/>
+              <a:off x="5018402" y="5405584"/>
               <a:ext cx="63202" cy="63202"/>
             </a:xfrm>
             <a:custGeom>
@@ -33083,7 +33083,7 @@
           </p:nvSpPr>
           <p:spPr>
             <a:xfrm>
-              <a:off x="5058779" y="5409717"/>
+              <a:off x="4967323" y="5409734"/>
               <a:ext cx="63202" cy="63202"/>
             </a:xfrm>
             <a:custGeom>
@@ -33126,7 +33126,7 @@
           </p:nvSpPr>
           <p:spPr>
             <a:xfrm>
-              <a:off x="4569937" y="5386352"/>
+              <a:off x="4772257" y="5386358"/>
               <a:ext cx="63202" cy="63202"/>
             </a:xfrm>
             <a:custGeom>
@@ -33169,7 +33169,7 @@
           </p:nvSpPr>
           <p:spPr>
             <a:xfrm>
-              <a:off x="4551938" y="6014443"/>
+              <a:off x="5054446" y="6014429"/>
               <a:ext cx="63202" cy="63202"/>
             </a:xfrm>
             <a:custGeom>
@@ -33212,7 +33212,7 @@
           </p:nvSpPr>
           <p:spPr>
             <a:xfrm>
-              <a:off x="4649568" y="5698464"/>
+              <a:off x="4514231" y="5698521"/>
               <a:ext cx="63202" cy="63202"/>
             </a:xfrm>
             <a:custGeom>
@@ -33255,7 +33255,7 @@
           </p:nvSpPr>
           <p:spPr>
             <a:xfrm>
-              <a:off x="4925747" y="5743588"/>
+              <a:off x="4996103" y="5743601"/>
               <a:ext cx="63202" cy="63202"/>
             </a:xfrm>
             <a:custGeom>
@@ -33298,7 +33298,7 @@
           </p:nvSpPr>
           <p:spPr>
             <a:xfrm>
-              <a:off x="5012839" y="5693482"/>
+              <a:off x="5009457" y="5693473"/>
               <a:ext cx="63202" cy="63202"/>
             </a:xfrm>
             <a:custGeom>
@@ -33341,7 +33341,7 @@
           </p:nvSpPr>
           <p:spPr>
             <a:xfrm>
-              <a:off x="4704086" y="5447962"/>
+              <a:off x="4607541" y="5448018"/>
               <a:ext cx="63202" cy="63202"/>
             </a:xfrm>
             <a:custGeom>
@@ -33384,7 +33384,7 @@
           </p:nvSpPr>
           <p:spPr>
             <a:xfrm>
-              <a:off x="4971105" y="6046757"/>
+              <a:off x="4650880" y="6046789"/>
               <a:ext cx="63202" cy="63202"/>
             </a:xfrm>
             <a:custGeom>
@@ -33427,7 +33427,7 @@
           </p:nvSpPr>
           <p:spPr>
             <a:xfrm>
-              <a:off x="4880803" y="6032021"/>
+              <a:off x="5010456" y="6032007"/>
               <a:ext cx="63202" cy="63202"/>
             </a:xfrm>
             <a:custGeom>
@@ -33470,7 +33470,7 @@
           </p:nvSpPr>
           <p:spPr>
             <a:xfrm>
-              <a:off x="4543367" y="5398505"/>
+              <a:off x="4587105" y="5398508"/>
               <a:ext cx="63202" cy="63202"/>
             </a:xfrm>
             <a:custGeom>
@@ -33513,7 +33513,7 @@
           </p:nvSpPr>
           <p:spPr>
             <a:xfrm>
-              <a:off x="4863080" y="5404960"/>
+              <a:off x="4533998" y="5404987"/>
               <a:ext cx="63202" cy="63202"/>
             </a:xfrm>
             <a:custGeom>
@@ -33556,7 +33556,7 @@
           </p:nvSpPr>
           <p:spPr>
             <a:xfrm>
-              <a:off x="4491859" y="5746907"/>
+              <a:off x="4589244" y="5746936"/>
               <a:ext cx="63202" cy="63202"/>
             </a:xfrm>
             <a:custGeom>
@@ -33599,7 +33599,7 @@
           </p:nvSpPr>
           <p:spPr>
             <a:xfrm>
-              <a:off x="4473059" y="6034932"/>
+              <a:off x="4761554" y="6034939"/>
               <a:ext cx="63202" cy="63202"/>
             </a:xfrm>
             <a:custGeom>
@@ -33642,7 +33642,7 @@
           </p:nvSpPr>
           <p:spPr>
             <a:xfrm>
-              <a:off x="4604960" y="5453350"/>
+              <a:off x="4695985" y="5453384"/>
               <a:ext cx="63202" cy="63202"/>
             </a:xfrm>
             <a:custGeom>
@@ -33685,7 +33685,7 @@
           </p:nvSpPr>
           <p:spPr>
             <a:xfrm>
-              <a:off x="5109478" y="5678063"/>
+              <a:off x="4925717" y="5678050"/>
               <a:ext cx="63202" cy="63202"/>
             </a:xfrm>
             <a:custGeom>
@@ -33728,7 +33728,7 @@
           </p:nvSpPr>
           <p:spPr>
             <a:xfrm>
-              <a:off x="4676029" y="5596206"/>
+              <a:off x="4611644" y="5596207"/>
               <a:ext cx="63202" cy="63202"/>
             </a:xfrm>
             <a:custGeom>
@@ -33771,7 +33771,7 @@
           </p:nvSpPr>
           <p:spPr>
             <a:xfrm>
-              <a:off x="4505737" y="5395359"/>
+              <a:off x="5089192" y="5395370"/>
               <a:ext cx="63202" cy="63202"/>
             </a:xfrm>
             <a:custGeom>
@@ -33814,7 +33814,7 @@
           </p:nvSpPr>
           <p:spPr>
             <a:xfrm>
-              <a:off x="5136165" y="5406320"/>
+              <a:off x="4677220" y="5406340"/>
               <a:ext cx="63202" cy="63202"/>
             </a:xfrm>
             <a:custGeom>
@@ -33857,7 +33857,7 @@
           </p:nvSpPr>
           <p:spPr>
             <a:xfrm>
-              <a:off x="5097066" y="5389667"/>
+              <a:off x="4493926" y="5389702"/>
               <a:ext cx="63202" cy="63202"/>
             </a:xfrm>
             <a:custGeom>
@@ -33900,7 +33900,7 @@
           </p:nvSpPr>
           <p:spPr>
             <a:xfrm>
-              <a:off x="4807441" y="5487916"/>
+              <a:off x="4897263" y="5487917"/>
               <a:ext cx="63202" cy="63202"/>
             </a:xfrm>
             <a:custGeom>
@@ -33943,7 +33943,7 @@
           </p:nvSpPr>
           <p:spPr>
             <a:xfrm>
-              <a:off x="4488166" y="5405773"/>
+              <a:off x="5143368" y="5405757"/>
               <a:ext cx="63202" cy="63202"/>
             </a:xfrm>
             <a:custGeom>
@@ -33986,7 +33986,7 @@
           </p:nvSpPr>
           <p:spPr>
             <a:xfrm>
-              <a:off x="4607824" y="5490505"/>
+              <a:off x="4747169" y="5490484"/>
               <a:ext cx="63202" cy="63202"/>
             </a:xfrm>
             <a:custGeom>
@@ -34029,7 +34029,7 @@
           </p:nvSpPr>
           <p:spPr>
             <a:xfrm>
-              <a:off x="4885888" y="5497788"/>
+              <a:off x="4708174" y="5497862"/>
               <a:ext cx="63202" cy="63202"/>
             </a:xfrm>
             <a:custGeom>
@@ -34072,7 +34072,7 @@
           </p:nvSpPr>
           <p:spPr>
             <a:xfrm>
-              <a:off x="4939525" y="5489057"/>
+              <a:off x="4767980" y="5489077"/>
               <a:ext cx="63202" cy="63202"/>
             </a:xfrm>
             <a:custGeom>
@@ -34115,7 +34115,7 @@
           </p:nvSpPr>
           <p:spPr>
             <a:xfrm>
-              <a:off x="5070325" y="5489821"/>
+              <a:off x="5090731" y="5489822"/>
               <a:ext cx="63202" cy="63202"/>
             </a:xfrm>
             <a:custGeom>
@@ -34158,7 +34158,7 @@
           </p:nvSpPr>
           <p:spPr>
             <a:xfrm>
-              <a:off x="4774812" y="5432180"/>
+              <a:off x="4884075" y="5432172"/>
               <a:ext cx="63202" cy="63202"/>
             </a:xfrm>
             <a:custGeom>
@@ -34201,7 +34201,7 @@
           </p:nvSpPr>
           <p:spPr>
             <a:xfrm>
-              <a:off x="4882844" y="5486679"/>
+              <a:off x="5082047" y="5486714"/>
               <a:ext cx="63202" cy="63202"/>
             </a:xfrm>
             <a:custGeom>
@@ -34244,7 +34244,7 @@
           </p:nvSpPr>
           <p:spPr>
             <a:xfrm>
-              <a:off x="5066187" y="5725703"/>
+              <a:off x="5100226" y="5725741"/>
               <a:ext cx="63202" cy="63202"/>
             </a:xfrm>
             <a:custGeom>
@@ -34287,7 +34287,7 @@
           </p:nvSpPr>
           <p:spPr>
             <a:xfrm>
-              <a:off x="4736039" y="5404715"/>
+              <a:off x="4596307" y="5404763"/>
               <a:ext cx="63202" cy="63202"/>
             </a:xfrm>
             <a:custGeom>
@@ -34330,7 +34330,7 @@
           </p:nvSpPr>
           <p:spPr>
             <a:xfrm>
-              <a:off x="4873417" y="5893456"/>
+              <a:off x="4770061" y="5893496"/>
               <a:ext cx="63202" cy="63202"/>
             </a:xfrm>
             <a:custGeom>
@@ -34373,7 +34373,7 @@
           </p:nvSpPr>
           <p:spPr>
             <a:xfrm>
-              <a:off x="4501612" y="5460989"/>
+              <a:off x="4611356" y="5461059"/>
               <a:ext cx="63202" cy="63202"/>
             </a:xfrm>
             <a:custGeom>
@@ -34416,7 +34416,7 @@
           </p:nvSpPr>
           <p:spPr>
             <a:xfrm>
-              <a:off x="5077837" y="5777571"/>
+              <a:off x="5137656" y="5777577"/>
               <a:ext cx="63202" cy="63202"/>
             </a:xfrm>
             <a:custGeom>
@@ -34459,7 +34459,7 @@
           </p:nvSpPr>
           <p:spPr>
             <a:xfrm>
-              <a:off x="4598021" y="5538686"/>
+              <a:off x="4503388" y="5538692"/>
               <a:ext cx="63202" cy="63202"/>
             </a:xfrm>
             <a:custGeom>
@@ -34502,7 +34502,7 @@
           </p:nvSpPr>
           <p:spPr>
             <a:xfrm>
-              <a:off x="5009282" y="5829084"/>
+              <a:off x="5037896" y="5829130"/>
               <a:ext cx="63202" cy="63202"/>
             </a:xfrm>
             <a:custGeom>
@@ -34545,7 +34545,7 @@
           </p:nvSpPr>
           <p:spPr>
             <a:xfrm>
-              <a:off x="4798385" y="5728698"/>
+              <a:off x="5011206" y="5728706"/>
               <a:ext cx="63202" cy="63202"/>
             </a:xfrm>
             <a:custGeom>
@@ -34588,7 +34588,7 @@
           </p:nvSpPr>
           <p:spPr>
             <a:xfrm>
-              <a:off x="4608458" y="5988127"/>
+              <a:off x="4859793" y="5988118"/>
               <a:ext cx="63202" cy="63202"/>
             </a:xfrm>
             <a:custGeom>
@@ -34631,7 +34631,7 @@
           </p:nvSpPr>
           <p:spPr>
             <a:xfrm>
-              <a:off x="4553965" y="5397273"/>
+              <a:off x="5101869" y="5397297"/>
               <a:ext cx="63202" cy="63202"/>
             </a:xfrm>
             <a:custGeom>
@@ -34674,7 +34674,7 @@
           </p:nvSpPr>
           <p:spPr>
             <a:xfrm>
-              <a:off x="4477909" y="5397462"/>
+              <a:off x="4862717" y="5397483"/>
               <a:ext cx="63202" cy="63202"/>
             </a:xfrm>
             <a:custGeom>
@@ -34717,7 +34717,7 @@
           </p:nvSpPr>
           <p:spPr>
             <a:xfrm>
-              <a:off x="5110660" y="5861761"/>
+              <a:off x="4609015" y="5861791"/>
               <a:ext cx="63202" cy="63202"/>
             </a:xfrm>
             <a:custGeom>
@@ -34760,7 +34760,7 @@
           </p:nvSpPr>
           <p:spPr>
             <a:xfrm>
-              <a:off x="4804740" y="5766658"/>
+              <a:off x="4979528" y="5766675"/>
               <a:ext cx="63202" cy="63202"/>
             </a:xfrm>
             <a:custGeom>
@@ -34803,7 +34803,7 @@
           </p:nvSpPr>
           <p:spPr>
             <a:xfrm>
-              <a:off x="4945976" y="5596094"/>
+              <a:off x="4565512" y="5596151"/>
               <a:ext cx="63202" cy="63202"/>
             </a:xfrm>
             <a:custGeom>
@@ -34846,7 +34846,7 @@
           </p:nvSpPr>
           <p:spPr>
             <a:xfrm>
-              <a:off x="4610120" y="5701264"/>
+              <a:off x="4560997" y="5701294"/>
               <a:ext cx="63202" cy="63202"/>
             </a:xfrm>
             <a:custGeom>
@@ -34945,7 +34945,7 @@
           </p:nvSpPr>
           <p:spPr>
             <a:xfrm>
-              <a:off x="7192078" y="2898366"/>
+              <a:off x="7192078" y="2898347"/>
               <a:ext cx="2796732" cy="0"/>
             </a:xfrm>
             <a:custGeom>
@@ -34988,7 +34988,7 @@
           </p:nvSpPr>
           <p:spPr>
             <a:xfrm>
-              <a:off x="7192078" y="2558923"/>
+              <a:off x="7192078" y="2558916"/>
               <a:ext cx="2796732" cy="0"/>
             </a:xfrm>
             <a:custGeom>
@@ -35031,7 +35031,7 @@
           </p:nvSpPr>
           <p:spPr>
             <a:xfrm>
-              <a:off x="7192078" y="2219479"/>
+              <a:off x="7192078" y="2219486"/>
               <a:ext cx="2796732" cy="0"/>
             </a:xfrm>
             <a:custGeom>
@@ -35074,7 +35074,7 @@
           </p:nvSpPr>
           <p:spPr>
             <a:xfrm>
-              <a:off x="7192078" y="1880036"/>
+              <a:off x="7192078" y="1880055"/>
               <a:ext cx="2796732" cy="0"/>
             </a:xfrm>
             <a:custGeom>
@@ -35117,7 +35117,7 @@
           </p:nvSpPr>
           <p:spPr>
             <a:xfrm>
-              <a:off x="7192078" y="1540593"/>
+              <a:off x="7192078" y="1540624"/>
               <a:ext cx="2796732" cy="0"/>
             </a:xfrm>
             <a:custGeom>
@@ -35160,7 +35160,7 @@
           </p:nvSpPr>
           <p:spPr>
             <a:xfrm>
-              <a:off x="7192078" y="2728644"/>
+              <a:off x="7192078" y="2728631"/>
               <a:ext cx="2796732" cy="0"/>
             </a:xfrm>
             <a:custGeom>
@@ -35246,7 +35246,7 @@
           </p:nvSpPr>
           <p:spPr>
             <a:xfrm>
-              <a:off x="7192078" y="2049758"/>
+              <a:off x="7192078" y="2049770"/>
               <a:ext cx="2796732" cy="0"/>
             </a:xfrm>
             <a:custGeom>
@@ -35289,7 +35289,7 @@
           </p:nvSpPr>
           <p:spPr>
             <a:xfrm>
-              <a:off x="7192078" y="1710315"/>
+              <a:off x="7192078" y="1710340"/>
               <a:ext cx="2796732" cy="0"/>
             </a:xfrm>
             <a:custGeom>
@@ -35461,7 +35461,7 @@
           </p:nvSpPr>
           <p:spPr>
             <a:xfrm>
-              <a:off x="7399438" y="2743607"/>
+              <a:off x="7367597" y="2743609"/>
               <a:ext cx="63202" cy="63202"/>
             </a:xfrm>
             <a:custGeom>
@@ -35504,7 +35504,7 @@
           </p:nvSpPr>
           <p:spPr>
             <a:xfrm>
-              <a:off x="7569854" y="2400310"/>
+              <a:off x="7651119" y="2400294"/>
               <a:ext cx="63202" cy="63202"/>
             </a:xfrm>
             <a:custGeom>
@@ -35547,7 +35547,7 @@
           </p:nvSpPr>
           <p:spPr>
             <a:xfrm>
-              <a:off x="7921880" y="2350554"/>
+              <a:off x="7677739" y="2350555"/>
               <a:ext cx="63202" cy="63202"/>
             </a:xfrm>
             <a:custGeom>
@@ -35590,7 +35590,7 @@
           </p:nvSpPr>
           <p:spPr>
             <a:xfrm>
-              <a:off x="7564644" y="2357035"/>
+              <a:off x="7354875" y="2357040"/>
               <a:ext cx="63202" cy="63202"/>
             </a:xfrm>
             <a:custGeom>
@@ -35633,7 +35633,7 @@
           </p:nvSpPr>
           <p:spPr>
             <a:xfrm>
-              <a:off x="7916435" y="2347705"/>
+              <a:off x="7560056" y="2347668"/>
               <a:ext cx="63202" cy="63202"/>
             </a:xfrm>
             <a:custGeom>
@@ -35676,7 +35676,7 @@
           </p:nvSpPr>
           <p:spPr>
             <a:xfrm>
-              <a:off x="7637617" y="1927992"/>
+              <a:off x="7455278" y="1927991"/>
               <a:ext cx="63202" cy="63202"/>
             </a:xfrm>
             <a:custGeom>
@@ -35719,7 +35719,7 @@
           </p:nvSpPr>
           <p:spPr>
             <a:xfrm>
-              <a:off x="7628252" y="2382453"/>
+              <a:off x="7398727" y="2382442"/>
               <a:ext cx="63202" cy="63202"/>
             </a:xfrm>
             <a:custGeom>
@@ -35762,7 +35762,7 @@
           </p:nvSpPr>
           <p:spPr>
             <a:xfrm>
-              <a:off x="7945295" y="2397910"/>
+              <a:off x="7601306" y="2397919"/>
               <a:ext cx="63202" cy="63202"/>
             </a:xfrm>
             <a:custGeom>
@@ -35805,7 +35805,7 @@
           </p:nvSpPr>
           <p:spPr>
             <a:xfrm>
-              <a:off x="7644724" y="2346285"/>
+              <a:off x="7358243" y="2346247"/>
               <a:ext cx="63202" cy="63202"/>
             </a:xfrm>
             <a:custGeom>
@@ -35848,7 +35848,7 @@
           </p:nvSpPr>
           <p:spPr>
             <a:xfrm>
-              <a:off x="7889256" y="2345383"/>
+              <a:off x="7552529" y="2345391"/>
               <a:ext cx="63202" cy="63202"/>
             </a:xfrm>
             <a:custGeom>
@@ -35891,7 +35891,7 @@
           </p:nvSpPr>
           <p:spPr>
             <a:xfrm>
-              <a:off x="7828134" y="2384436"/>
+              <a:off x="7983991" y="2384432"/>
               <a:ext cx="63202" cy="63202"/>
             </a:xfrm>
             <a:custGeom>
@@ -35934,7 +35934,7 @@
           </p:nvSpPr>
           <p:spPr>
             <a:xfrm>
-              <a:off x="7979762" y="2511020"/>
+              <a:off x="7970003" y="2511008"/>
               <a:ext cx="63202" cy="63202"/>
             </a:xfrm>
             <a:custGeom>
@@ -35977,7 +35977,7 @@
           </p:nvSpPr>
           <p:spPr>
             <a:xfrm>
-              <a:off x="7498789" y="2391622"/>
+              <a:off x="7778403" y="2391588"/>
               <a:ext cx="63202" cy="63202"/>
             </a:xfrm>
             <a:custGeom>
@@ -36020,7 +36020,7 @@
           </p:nvSpPr>
           <p:spPr>
             <a:xfrm>
-              <a:off x="7335825" y="2400763"/>
+              <a:off x="7588986" y="2400791"/>
               <a:ext cx="63202" cy="63202"/>
             </a:xfrm>
             <a:custGeom>
@@ -36063,7 +36063,7 @@
           </p:nvSpPr>
           <p:spPr>
             <a:xfrm>
-              <a:off x="7920231" y="2382800"/>
+              <a:off x="7459568" y="2382785"/>
               <a:ext cx="63202" cy="63202"/>
             </a:xfrm>
             <a:custGeom>
@@ -36106,7 +36106,7 @@
           </p:nvSpPr>
           <p:spPr>
             <a:xfrm>
-              <a:off x="7842623" y="2395593"/>
+              <a:off x="7840819" y="2395622"/>
               <a:ext cx="63202" cy="63202"/>
             </a:xfrm>
             <a:custGeom>
@@ -36149,7 +36149,7 @@
           </p:nvSpPr>
           <p:spPr>
             <a:xfrm>
-              <a:off x="7748062" y="2381448"/>
+              <a:off x="7612634" y="2381435"/>
               <a:ext cx="63202" cy="63202"/>
             </a:xfrm>
             <a:custGeom>
@@ -36192,7 +36192,7 @@
           </p:nvSpPr>
           <p:spPr>
             <a:xfrm>
-              <a:off x="7873033" y="2358373"/>
+              <a:off x="7528729" y="2358320"/>
               <a:ext cx="63202" cy="63202"/>
             </a:xfrm>
             <a:custGeom>
@@ -36235,7 +36235,7 @@
           </p:nvSpPr>
           <p:spPr>
             <a:xfrm>
-              <a:off x="7775485" y="2389389"/>
+              <a:off x="7449614" y="2389346"/>
               <a:ext cx="63202" cy="63202"/>
             </a:xfrm>
             <a:custGeom>
@@ -36278,7 +36278,7 @@
           </p:nvSpPr>
           <p:spPr>
             <a:xfrm>
-              <a:off x="7565128" y="2529608"/>
+              <a:off x="7874093" y="2529636"/>
               <a:ext cx="63202" cy="63202"/>
             </a:xfrm>
             <a:custGeom>
@@ -36321,7 +36321,7 @@
           </p:nvSpPr>
           <p:spPr>
             <a:xfrm>
-              <a:off x="7869186" y="2345389"/>
+              <a:off x="7797499" y="2345387"/>
               <a:ext cx="63202" cy="63202"/>
             </a:xfrm>
             <a:custGeom>
@@ -36364,7 +36364,7 @@
           </p:nvSpPr>
           <p:spPr>
             <a:xfrm>
-              <a:off x="7797824" y="2351825"/>
+              <a:off x="7821138" y="2351841"/>
               <a:ext cx="63202" cy="63202"/>
             </a:xfrm>
             <a:custGeom>
@@ -36407,7 +36407,7 @@
           </p:nvSpPr>
           <p:spPr>
             <a:xfrm>
-              <a:off x="8030273" y="2401248"/>
+              <a:off x="7498843" y="2401277"/>
               <a:ext cx="63202" cy="63202"/>
             </a:xfrm>
             <a:custGeom>
@@ -36450,7 +36450,7 @@
           </p:nvSpPr>
           <p:spPr>
             <a:xfrm>
-              <a:off x="7541295" y="2380526"/>
+              <a:off x="7889915" y="2380562"/>
               <a:ext cx="63202" cy="63202"/>
             </a:xfrm>
             <a:custGeom>
@@ -36493,7 +36493,7 @@
           </p:nvSpPr>
           <p:spPr>
             <a:xfrm>
-              <a:off x="7346819" y="2387141"/>
+              <a:off x="7625392" y="2387121"/>
               <a:ext cx="63202" cy="63202"/>
             </a:xfrm>
             <a:custGeom>
@@ -36536,7 +36536,7 @@
           </p:nvSpPr>
           <p:spPr>
             <a:xfrm>
-              <a:off x="8013158" y="2384214"/>
+              <a:off x="7722669" y="2384219"/>
               <a:ext cx="63202" cy="63202"/>
             </a:xfrm>
             <a:custGeom>
@@ -36579,7 +36579,7 @@
           </p:nvSpPr>
           <p:spPr>
             <a:xfrm>
-              <a:off x="7871250" y="1908190"/>
+              <a:off x="7448256" y="1908180"/>
               <a:ext cx="63202" cy="63202"/>
             </a:xfrm>
             <a:custGeom>
@@ -36622,7 +36622,7 @@
           </p:nvSpPr>
           <p:spPr>
             <a:xfrm>
-              <a:off x="7450586" y="2398326"/>
+              <a:off x="7675462" y="2398317"/>
               <a:ext cx="63202" cy="63202"/>
             </a:xfrm>
             <a:custGeom>
@@ -36665,7 +36665,7 @@
           </p:nvSpPr>
           <p:spPr>
             <a:xfrm>
-              <a:off x="7829065" y="2546939"/>
+              <a:off x="7571992" y="2546930"/>
               <a:ext cx="63202" cy="63202"/>
             </a:xfrm>
             <a:custGeom>
@@ -36708,7 +36708,7 @@
           </p:nvSpPr>
           <p:spPr>
             <a:xfrm>
-              <a:off x="7741365" y="2380731"/>
+              <a:off x="7344413" y="2380727"/>
               <a:ext cx="63202" cy="63202"/>
             </a:xfrm>
             <a:custGeom>
@@ -36751,7 +36751,7 @@
           </p:nvSpPr>
           <p:spPr>
             <a:xfrm>
-              <a:off x="7491909" y="1907771"/>
+              <a:off x="7604778" y="1907785"/>
               <a:ext cx="63202" cy="63202"/>
             </a:xfrm>
             <a:custGeom>
@@ -36794,7 +36794,7 @@
           </p:nvSpPr>
           <p:spPr>
             <a:xfrm>
-              <a:off x="7469941" y="2351769"/>
+              <a:off x="7878972" y="2351741"/>
               <a:ext cx="63202" cy="63202"/>
             </a:xfrm>
             <a:custGeom>
@@ -36837,7 +36837,7 @@
           </p:nvSpPr>
           <p:spPr>
             <a:xfrm>
-              <a:off x="7737004" y="2366381"/>
+              <a:off x="7472351" y="2366377"/>
               <a:ext cx="63202" cy="63202"/>
             </a:xfrm>
             <a:custGeom>
@@ -36880,7 +36880,7 @@
           </p:nvSpPr>
           <p:spPr>
             <a:xfrm>
-              <a:off x="7382313" y="2355245"/>
+              <a:off x="7898754" y="2355241"/>
               <a:ext cx="63202" cy="63202"/>
             </a:xfrm>
             <a:custGeom>
@@ -36923,7 +36923,7 @@
           </p:nvSpPr>
           <p:spPr>
             <a:xfrm>
-              <a:off x="7973325" y="2358606"/>
+              <a:off x="7911426" y="2358606"/>
               <a:ext cx="63202" cy="63202"/>
             </a:xfrm>
             <a:custGeom>
@@ -36966,7 +36966,7 @@
           </p:nvSpPr>
           <p:spPr>
             <a:xfrm>
-              <a:off x="7471879" y="2358839"/>
+              <a:off x="7963597" y="2358835"/>
               <a:ext cx="63202" cy="63202"/>
             </a:xfrm>
             <a:custGeom>
@@ -37009,7 +37009,7 @@
           </p:nvSpPr>
           <p:spPr>
             <a:xfrm>
-              <a:off x="7961044" y="2359215"/>
+              <a:off x="8010940" y="2359225"/>
               <a:ext cx="63202" cy="63202"/>
             </a:xfrm>
             <a:custGeom>
@@ -37052,7 +37052,7 @@
           </p:nvSpPr>
           <p:spPr>
             <a:xfrm>
-              <a:off x="7851234" y="2361266"/>
+              <a:off x="7680211" y="2361265"/>
               <a:ext cx="63202" cy="63202"/>
             </a:xfrm>
             <a:custGeom>
@@ -37095,7 +37095,7 @@
           </p:nvSpPr>
           <p:spPr>
             <a:xfrm>
-              <a:off x="7964204" y="2352076"/>
+              <a:off x="7978526" y="2352119"/>
               <a:ext cx="63202" cy="63202"/>
             </a:xfrm>
             <a:custGeom>
@@ -37138,7 +37138,7 @@
           </p:nvSpPr>
           <p:spPr>
             <a:xfrm>
-              <a:off x="7914174" y="2410637"/>
+              <a:off x="7858948" y="2410636"/>
               <a:ext cx="63202" cy="63202"/>
             </a:xfrm>
             <a:custGeom>
@@ -37181,7 +37181,7 @@
           </p:nvSpPr>
           <p:spPr>
             <a:xfrm>
-              <a:off x="7698029" y="2376060"/>
+              <a:off x="7859346" y="2376045"/>
               <a:ext cx="63202" cy="63202"/>
             </a:xfrm>
             <a:custGeom>
@@ -37224,7 +37224,7 @@
           </p:nvSpPr>
           <p:spPr>
             <a:xfrm>
-              <a:off x="7682238" y="2356039"/>
+              <a:off x="7793985" y="2356015"/>
               <a:ext cx="63202" cy="63202"/>
             </a:xfrm>
             <a:custGeom>
@@ -37267,7 +37267,7 @@
           </p:nvSpPr>
           <p:spPr>
             <a:xfrm>
-              <a:off x="7775145" y="2456293"/>
+              <a:off x="7787900" y="2456291"/>
               <a:ext cx="63202" cy="63202"/>
             </a:xfrm>
             <a:custGeom>
@@ -37310,7 +37310,7 @@
           </p:nvSpPr>
           <p:spPr>
             <a:xfrm>
-              <a:off x="7877719" y="2227479"/>
+              <a:off x="7369734" y="2227454"/>
               <a:ext cx="63202" cy="63202"/>
             </a:xfrm>
             <a:custGeom>
@@ -37353,7 +37353,7 @@
           </p:nvSpPr>
           <p:spPr>
             <a:xfrm>
-              <a:off x="7857851" y="2355849"/>
+              <a:off x="7635377" y="2355850"/>
               <a:ext cx="63202" cy="63202"/>
             </a:xfrm>
             <a:custGeom>
@@ -37396,7 +37396,7 @@
           </p:nvSpPr>
           <p:spPr>
             <a:xfrm>
-              <a:off x="7921024" y="2358253"/>
+              <a:off x="7744739" y="2358273"/>
               <a:ext cx="63202" cy="63202"/>
             </a:xfrm>
             <a:custGeom>
@@ -37439,7 +37439,7 @@
           </p:nvSpPr>
           <p:spPr>
             <a:xfrm>
-              <a:off x="8031390" y="2357406"/>
+              <a:off x="7494763" y="2357416"/>
               <a:ext cx="63202" cy="63202"/>
             </a:xfrm>
             <a:custGeom>
@@ -37482,7 +37482,7 @@
           </p:nvSpPr>
           <p:spPr>
             <a:xfrm>
-              <a:off x="7806016" y="2358353"/>
+              <a:off x="7472593" y="2358323"/>
               <a:ext cx="63202" cy="63202"/>
             </a:xfrm>
             <a:custGeom>
@@ -37525,7 +37525,7 @@
           </p:nvSpPr>
           <p:spPr>
             <a:xfrm>
-              <a:off x="7757762" y="2347569"/>
+              <a:off x="7805670" y="2347526"/>
               <a:ext cx="63202" cy="63202"/>
             </a:xfrm>
             <a:custGeom>
@@ -37624,7 +37624,7 @@
           </p:nvSpPr>
           <p:spPr>
             <a:xfrm>
-              <a:off x="7192078" y="4823698"/>
+              <a:off x="7192078" y="4823679"/>
               <a:ext cx="2796732" cy="0"/>
             </a:xfrm>
             <a:custGeom>
@@ -37667,7 +37667,7 @@
           </p:nvSpPr>
           <p:spPr>
             <a:xfrm>
-              <a:off x="7192078" y="4484255"/>
+              <a:off x="7192078" y="4484249"/>
               <a:ext cx="2796732" cy="0"/>
             </a:xfrm>
             <a:custGeom>
@@ -37710,7 +37710,7 @@
           </p:nvSpPr>
           <p:spPr>
             <a:xfrm>
-              <a:off x="7192078" y="4144812"/>
+              <a:off x="7192078" y="4144818"/>
               <a:ext cx="2796732" cy="0"/>
             </a:xfrm>
             <a:custGeom>
@@ -37753,7 +37753,7 @@
           </p:nvSpPr>
           <p:spPr>
             <a:xfrm>
-              <a:off x="7192078" y="3805369"/>
+              <a:off x="7192078" y="3805388"/>
               <a:ext cx="2796732" cy="0"/>
             </a:xfrm>
             <a:custGeom>
@@ -37796,7 +37796,7 @@
           </p:nvSpPr>
           <p:spPr>
             <a:xfrm>
-              <a:off x="7192078" y="3465926"/>
+              <a:off x="7192078" y="3465957"/>
               <a:ext cx="2796732" cy="0"/>
             </a:xfrm>
             <a:custGeom>
@@ -37839,7 +37839,7 @@
           </p:nvSpPr>
           <p:spPr>
             <a:xfrm>
-              <a:off x="7192078" y="4653977"/>
+              <a:off x="7192078" y="4653964"/>
               <a:ext cx="2796732" cy="0"/>
             </a:xfrm>
             <a:custGeom>
@@ -37882,7 +37882,7 @@
           </p:nvSpPr>
           <p:spPr>
             <a:xfrm>
-              <a:off x="7192078" y="4314534"/>
+              <a:off x="7192078" y="4314533"/>
               <a:ext cx="2796732" cy="0"/>
             </a:xfrm>
             <a:custGeom>
@@ -37925,7 +37925,7 @@
           </p:nvSpPr>
           <p:spPr>
             <a:xfrm>
-              <a:off x="7192078" y="3975090"/>
+              <a:off x="7192078" y="3975103"/>
               <a:ext cx="2796732" cy="0"/>
             </a:xfrm>
             <a:custGeom>
@@ -37968,7 +37968,7 @@
           </p:nvSpPr>
           <p:spPr>
             <a:xfrm>
-              <a:off x="7192078" y="3635647"/>
+              <a:off x="7192078" y="3635672"/>
               <a:ext cx="2796732" cy="0"/>
             </a:xfrm>
             <a:custGeom>
@@ -38140,7 +38140,7 @@
           </p:nvSpPr>
           <p:spPr>
             <a:xfrm>
-              <a:off x="7956862" y="4223618"/>
+              <a:off x="7462126" y="4223608"/>
               <a:ext cx="63202" cy="63202"/>
             </a:xfrm>
             <a:custGeom>
@@ -38183,7 +38183,7 @@
           </p:nvSpPr>
           <p:spPr>
             <a:xfrm>
-              <a:off x="7519130" y="4107874"/>
+              <a:off x="7666387" y="4107846"/>
               <a:ext cx="63202" cy="63202"/>
             </a:xfrm>
             <a:custGeom>
@@ -38226,7 +38226,7 @@
           </p:nvSpPr>
           <p:spPr>
             <a:xfrm>
-              <a:off x="7902549" y="4334409"/>
+              <a:off x="7835274" y="4334394"/>
               <a:ext cx="63202" cy="63202"/>
             </a:xfrm>
             <a:custGeom>
@@ -38269,7 +38269,7 @@
           </p:nvSpPr>
           <p:spPr>
             <a:xfrm>
-              <a:off x="7786091" y="4222738"/>
+              <a:off x="7685497" y="4222705"/>
               <a:ext cx="63202" cy="63202"/>
             </a:xfrm>
             <a:custGeom>
@@ -38312,7 +38312,7 @@
           </p:nvSpPr>
           <p:spPr>
             <a:xfrm>
-              <a:off x="7779553" y="4316424"/>
+              <a:off x="7739262" y="4316388"/>
               <a:ext cx="63202" cy="63202"/>
             </a:xfrm>
             <a:custGeom>
@@ -38355,7 +38355,7 @@
           </p:nvSpPr>
           <p:spPr>
             <a:xfrm>
-              <a:off x="7463130" y="4171368"/>
+              <a:off x="7808524" y="4171384"/>
               <a:ext cx="63202" cy="63202"/>
             </a:xfrm>
             <a:custGeom>
@@ -38398,7 +38398,7 @@
           </p:nvSpPr>
           <p:spPr>
             <a:xfrm>
-              <a:off x="7492875" y="4142657"/>
+              <a:off x="7341679" y="4142691"/>
               <a:ext cx="63202" cy="63202"/>
             </a:xfrm>
             <a:custGeom>
@@ -38441,7 +38441,7 @@
           </p:nvSpPr>
           <p:spPr>
             <a:xfrm>
-              <a:off x="7535125" y="4228980"/>
+              <a:off x="7475504" y="4228939"/>
               <a:ext cx="63202" cy="63202"/>
             </a:xfrm>
             <a:custGeom>
@@ -38484,7 +38484,7 @@
           </p:nvSpPr>
           <p:spPr>
             <a:xfrm>
-              <a:off x="7425682" y="4273510"/>
+              <a:off x="7842803" y="4273518"/>
               <a:ext cx="63202" cy="63202"/>
             </a:xfrm>
             <a:custGeom>
@@ -38527,7 +38527,7 @@
           </p:nvSpPr>
           <p:spPr>
             <a:xfrm>
-              <a:off x="7534600" y="4117763"/>
+              <a:off x="7345431" y="4117763"/>
               <a:ext cx="63202" cy="63202"/>
             </a:xfrm>
             <a:custGeom>
@@ -38570,7 +38570,7 @@
           </p:nvSpPr>
           <p:spPr>
             <a:xfrm>
-              <a:off x="7557277" y="4095199"/>
+              <a:off x="7881053" y="4095244"/>
               <a:ext cx="63202" cy="63202"/>
             </a:xfrm>
             <a:custGeom>
@@ -38613,7 +38613,7 @@
           </p:nvSpPr>
           <p:spPr>
             <a:xfrm>
-              <a:off x="7736615" y="4183275"/>
+              <a:off x="7435078" y="4183283"/>
               <a:ext cx="63202" cy="63202"/>
             </a:xfrm>
             <a:custGeom>
@@ -38656,7 +38656,7 @@
           </p:nvSpPr>
           <p:spPr>
             <a:xfrm>
-              <a:off x="8031363" y="4095920"/>
+              <a:off x="7416443" y="4095903"/>
               <a:ext cx="63202" cy="63202"/>
             </a:xfrm>
             <a:custGeom>
@@ -38699,7 +38699,7 @@
           </p:nvSpPr>
           <p:spPr>
             <a:xfrm>
-              <a:off x="7668993" y="4141598"/>
+              <a:off x="7702886" y="4141581"/>
               <a:ext cx="63202" cy="63202"/>
             </a:xfrm>
             <a:custGeom>
@@ -40194,7 +40194,7 @@
           </p:nvSpPr>
           <p:spPr>
             <a:xfrm>
-              <a:off x="1210339" y="2686952"/>
+              <a:off x="1210339" y="2686940"/>
               <a:ext cx="186466" cy="81691"/>
             </a:xfrm>
             <a:prstGeom prst="rect">
@@ -40286,7 +40286,7 @@
           </p:nvSpPr>
           <p:spPr>
             <a:xfrm>
-              <a:off x="1148183" y="2008066"/>
+              <a:off x="1148183" y="2008079"/>
               <a:ext cx="248622" cy="81691"/>
             </a:xfrm>
             <a:prstGeom prst="rect">
@@ -40332,7 +40332,7 @@
           </p:nvSpPr>
           <p:spPr>
             <a:xfrm>
-              <a:off x="1148183" y="1668623"/>
+              <a:off x="1148183" y="1668648"/>
               <a:ext cx="248622" cy="81691"/>
             </a:xfrm>
             <a:prstGeom prst="rect">
@@ -40378,7 +40378,7 @@
           </p:nvSpPr>
           <p:spPr>
             <a:xfrm>
-              <a:off x="1424641" y="2728644"/>
+              <a:off x="1424641" y="2728631"/>
               <a:ext cx="34794" cy="0"/>
             </a:xfrm>
             <a:custGeom>
@@ -40458,7 +40458,7 @@
           </p:nvSpPr>
           <p:spPr>
             <a:xfrm>
-              <a:off x="1424641" y="2049758"/>
+              <a:off x="1424641" y="2049770"/>
               <a:ext cx="34794" cy="0"/>
             </a:xfrm>
             <a:custGeom>
@@ -40498,7 +40498,7 @@
           </p:nvSpPr>
           <p:spPr>
             <a:xfrm>
-              <a:off x="1424641" y="1710315"/>
+              <a:off x="1424641" y="1710340"/>
               <a:ext cx="34794" cy="0"/>
             </a:xfrm>
             <a:custGeom>
@@ -40538,7 +40538,7 @@
           </p:nvSpPr>
           <p:spPr>
             <a:xfrm>
-              <a:off x="1210339" y="4612285"/>
+              <a:off x="1210339" y="4612272"/>
               <a:ext cx="186466" cy="81691"/>
             </a:xfrm>
             <a:prstGeom prst="rect">
@@ -40630,7 +40630,7 @@
           </p:nvSpPr>
           <p:spPr>
             <a:xfrm>
-              <a:off x="1148183" y="3933399"/>
+              <a:off x="1148183" y="3933411"/>
               <a:ext cx="248622" cy="81691"/>
             </a:xfrm>
             <a:prstGeom prst="rect">
@@ -40676,7 +40676,7 @@
           </p:nvSpPr>
           <p:spPr>
             <a:xfrm>
-              <a:off x="1148183" y="3593956"/>
+              <a:off x="1148183" y="3593981"/>
               <a:ext cx="248622" cy="81691"/>
             </a:xfrm>
             <a:prstGeom prst="rect">
@@ -40722,7 +40722,7 @@
           </p:nvSpPr>
           <p:spPr>
             <a:xfrm>
-              <a:off x="1424641" y="4653977"/>
+              <a:off x="1424641" y="4653964"/>
               <a:ext cx="34794" cy="0"/>
             </a:xfrm>
             <a:custGeom>
@@ -40762,7 +40762,7 @@
           </p:nvSpPr>
           <p:spPr>
             <a:xfrm>
-              <a:off x="1424641" y="4314534"/>
+              <a:off x="1424641" y="4314533"/>
               <a:ext cx="34794" cy="0"/>
             </a:xfrm>
             <a:custGeom>
@@ -40802,7 +40802,7 @@
           </p:nvSpPr>
           <p:spPr>
             <a:xfrm>
-              <a:off x="1424641" y="3975090"/>
+              <a:off x="1424641" y="3975103"/>
               <a:ext cx="34794" cy="0"/>
             </a:xfrm>
             <a:custGeom>
@@ -40842,7 +40842,7 @@
           </p:nvSpPr>
           <p:spPr>
             <a:xfrm>
-              <a:off x="1424641" y="3635647"/>
+              <a:off x="1424641" y="3635672"/>
               <a:ext cx="34794" cy="0"/>
             </a:xfrm>
             <a:custGeom>
@@ -40882,7 +40882,7 @@
           </p:nvSpPr>
           <p:spPr>
             <a:xfrm>
-              <a:off x="1210339" y="6537618"/>
+              <a:off x="1210339" y="6537605"/>
               <a:ext cx="186466" cy="81691"/>
             </a:xfrm>
             <a:prstGeom prst="rect">
@@ -40974,7 +40974,7 @@
           </p:nvSpPr>
           <p:spPr>
             <a:xfrm>
-              <a:off x="1148183" y="5858731"/>
+              <a:off x="1148183" y="5858744"/>
               <a:ext cx="248622" cy="81691"/>
             </a:xfrm>
             <a:prstGeom prst="rect">
@@ -41020,7 +41020,7 @@
           </p:nvSpPr>
           <p:spPr>
             <a:xfrm>
-              <a:off x="1148183" y="5519288"/>
+              <a:off x="1148183" y="5519313"/>
               <a:ext cx="248622" cy="81691"/>
             </a:xfrm>
             <a:prstGeom prst="rect">
@@ -41066,7 +41066,7 @@
           </p:nvSpPr>
           <p:spPr>
             <a:xfrm>
-              <a:off x="1424641" y="6579309"/>
+              <a:off x="1424641" y="6579297"/>
               <a:ext cx="34794" cy="0"/>
             </a:xfrm>
             <a:custGeom>
@@ -41146,7 +41146,7 @@
           </p:nvSpPr>
           <p:spPr>
             <a:xfrm>
-              <a:off x="1424641" y="5900423"/>
+              <a:off x="1424641" y="5900435"/>
               <a:ext cx="34794" cy="0"/>
             </a:xfrm>
             <a:custGeom>
@@ -41186,7 +41186,7 @@
           </p:nvSpPr>
           <p:spPr>
             <a:xfrm>
-              <a:off x="1424641" y="5560980"/>
+              <a:off x="1424641" y="5561005"/>
               <a:ext cx="34794" cy="0"/>
             </a:xfrm>
             <a:custGeom>
